--- a/presentation.pptx
+++ b/presentation.pptx
@@ -5,10 +5,10 @@
     <p:sldMasterId id="2147483666" r:id="rId4"/>
   </p:sldMasterIdLst>
   <p:notesMasterIdLst>
-    <p:notesMasterId r:id="rId16"/>
+    <p:notesMasterId r:id="rId21"/>
   </p:notesMasterIdLst>
   <p:handoutMasterIdLst>
-    <p:handoutMasterId r:id="rId17"/>
+    <p:handoutMasterId r:id="rId22"/>
   </p:handoutMasterIdLst>
   <p:sldIdLst>
     <p:sldId id="256" r:id="rId5"/>
@@ -21,7 +21,12 @@
     <p:sldId id="271" r:id="rId12"/>
     <p:sldId id="272" r:id="rId13"/>
     <p:sldId id="274" r:id="rId14"/>
-    <p:sldId id="273" r:id="rId15"/>
+    <p:sldId id="275" r:id="rId15"/>
+    <p:sldId id="273" r:id="rId16"/>
+    <p:sldId id="276" r:id="rId17"/>
+    <p:sldId id="277" r:id="rId18"/>
+    <p:sldId id="278" r:id="rId19"/>
+    <p:sldId id="279" r:id="rId20"/>
   </p:sldIdLst>
   <p:sldSz cx="12192000" cy="6858000"/>
   <p:notesSz cx="6858000" cy="9144000"/>
@@ -157,7 +162,7 @@
 <file path=ppt/revisionInfo.xml><?xml version="1.0" encoding="utf-8"?>
 <p1510:revInfo xmlns:a="http://schemas.openxmlformats.org/drawingml/2006/main" xmlns:r="http://schemas.openxmlformats.org/officeDocument/2006/relationships" xmlns:p1510="http://schemas.microsoft.com/office/powerpoint/2015/10/main">
   <p1510:revLst>
-    <p1510:client id="{1670CD84-DEE0-4E12-BF01-4C2D0C1D7F30}" v="439" dt="2024-05-09T07:50:42.653"/>
+    <p1510:client id="{1670CD84-DEE0-4E12-BF01-4C2D0C1D7F30}" v="546" dt="2024-05-09T09:55:14.602"/>
   </p1510:revLst>
 </p1510:revInfo>
 </file>
@@ -167,12 +172,12 @@
   <pc:docChgLst>
     <pc:chgData name="Dominique RIGHETTO" userId="512fe077-82ad-424c-88a3-15e852b5861d" providerId="ADAL" clId="{1670CD84-DEE0-4E12-BF01-4C2D0C1D7F30}"/>
     <pc:docChg chg="undo custSel addSld delSld modSld sldOrd">
-      <pc:chgData name="Dominique RIGHETTO" userId="512fe077-82ad-424c-88a3-15e852b5861d" providerId="ADAL" clId="{1670CD84-DEE0-4E12-BF01-4C2D0C1D7F30}" dt="2024-05-09T07:52:23.542" v="3483" actId="20577"/>
+      <pc:chgData name="Dominique RIGHETTO" userId="512fe077-82ad-424c-88a3-15e852b5861d" providerId="ADAL" clId="{1670CD84-DEE0-4E12-BF01-4C2D0C1D7F30}" dt="2024-05-09T09:54:35.054" v="5884" actId="6549"/>
       <pc:docMkLst>
         <pc:docMk/>
       </pc:docMkLst>
       <pc:sldChg chg="addSp modSp mod">
-        <pc:chgData name="Dominique RIGHETTO" userId="512fe077-82ad-424c-88a3-15e852b5861d" providerId="ADAL" clId="{1670CD84-DEE0-4E12-BF01-4C2D0C1D7F30}" dt="2024-05-09T05:51:57.768" v="15" actId="113"/>
+        <pc:chgData name="Dominique RIGHETTO" userId="512fe077-82ad-424c-88a3-15e852b5861d" providerId="ADAL" clId="{1670CD84-DEE0-4E12-BF01-4C2D0C1D7F30}" dt="2024-05-09T09:54:35.054" v="5884" actId="6549"/>
         <pc:sldMkLst>
           <pc:docMk/>
           <pc:sldMk cId="1642425379" sldId="256"/>
@@ -186,7 +191,7 @@
           </ac:spMkLst>
         </pc:spChg>
         <pc:spChg chg="mod">
-          <ac:chgData name="Dominique RIGHETTO" userId="512fe077-82ad-424c-88a3-15e852b5861d" providerId="ADAL" clId="{1670CD84-DEE0-4E12-BF01-4C2D0C1D7F30}" dt="2024-05-09T05:51:28.618" v="11" actId="14100"/>
+          <ac:chgData name="Dominique RIGHETTO" userId="512fe077-82ad-424c-88a3-15e852b5861d" providerId="ADAL" clId="{1670CD84-DEE0-4E12-BF01-4C2D0C1D7F30}" dt="2024-05-09T09:54:35.054" v="5884" actId="6549"/>
           <ac:spMkLst>
             <pc:docMk/>
             <pc:sldMk cId="1642425379" sldId="256"/>
@@ -565,7 +570,7 @@
         </pc:sldMkLst>
       </pc:sldChg>
       <pc:sldChg chg="addSp delSp modSp add mod">
-        <pc:chgData name="Dominique RIGHETTO" userId="512fe077-82ad-424c-88a3-15e852b5861d" providerId="ADAL" clId="{1670CD84-DEE0-4E12-BF01-4C2D0C1D7F30}" dt="2024-05-09T07:52:20.347" v="3481" actId="33524"/>
+        <pc:chgData name="Dominique RIGHETTO" userId="512fe077-82ad-424c-88a3-15e852b5861d" providerId="ADAL" clId="{1670CD84-DEE0-4E12-BF01-4C2D0C1D7F30}" dt="2024-05-09T08:15:44.137" v="3506" actId="207"/>
         <pc:sldMkLst>
           <pc:docMk/>
           <pc:sldMk cId="2886724355" sldId="272"/>
@@ -579,7 +584,7 @@
           </ac:spMkLst>
         </pc:spChg>
         <pc:spChg chg="mod">
-          <ac:chgData name="Dominique RIGHETTO" userId="512fe077-82ad-424c-88a3-15e852b5861d" providerId="ADAL" clId="{1670CD84-DEE0-4E12-BF01-4C2D0C1D7F30}" dt="2024-05-09T07:52:20.347" v="3481" actId="33524"/>
+          <ac:chgData name="Dominique RIGHETTO" userId="512fe077-82ad-424c-88a3-15e852b5861d" providerId="ADAL" clId="{1670CD84-DEE0-4E12-BF01-4C2D0C1D7F30}" dt="2024-05-09T08:15:44.137" v="3506" actId="207"/>
           <ac:spMkLst>
             <pc:docMk/>
             <pc:sldMk cId="2886724355" sldId="272"/>
@@ -611,37 +616,149 @@
           </ac:picMkLst>
         </pc:picChg>
       </pc:sldChg>
-      <pc:sldChg chg="modSp add mod">
-        <pc:chgData name="Dominique RIGHETTO" userId="512fe077-82ad-424c-88a3-15e852b5861d" providerId="ADAL" clId="{1670CD84-DEE0-4E12-BF01-4C2D0C1D7F30}" dt="2024-05-09T07:45:45.592" v="3405" actId="207"/>
+      <pc:sldChg chg="addSp delSp modSp add mod modAnim">
+        <pc:chgData name="Dominique RIGHETTO" userId="512fe077-82ad-424c-88a3-15e852b5861d" providerId="ADAL" clId="{1670CD84-DEE0-4E12-BF01-4C2D0C1D7F30}" dt="2024-05-09T09:33:10.045" v="5351" actId="1076"/>
         <pc:sldMkLst>
           <pc:docMk/>
           <pc:sldMk cId="4159186112" sldId="273"/>
         </pc:sldMkLst>
-        <pc:spChg chg="mod">
-          <ac:chgData name="Dominique RIGHETTO" userId="512fe077-82ad-424c-88a3-15e852b5861d" providerId="ADAL" clId="{1670CD84-DEE0-4E12-BF01-4C2D0C1D7F30}" dt="2024-05-09T07:45:45.592" v="3405" actId="207"/>
+        <pc:spChg chg="add del mod">
+          <ac:chgData name="Dominique RIGHETTO" userId="512fe077-82ad-424c-88a3-15e852b5861d" providerId="ADAL" clId="{1670CD84-DEE0-4E12-BF01-4C2D0C1D7F30}" dt="2024-05-09T08:34:12.635" v="4045" actId="478"/>
+          <ac:spMkLst>
+            <pc:docMk/>
+            <pc:sldMk cId="4159186112" sldId="273"/>
+            <ac:spMk id="3" creationId="{B2CEF067-C348-3626-0141-079D76299744}"/>
+          </ac:spMkLst>
+        </pc:spChg>
+        <pc:spChg chg="add del mod">
+          <ac:chgData name="Dominique RIGHETTO" userId="512fe077-82ad-424c-88a3-15e852b5861d" providerId="ADAL" clId="{1670CD84-DEE0-4E12-BF01-4C2D0C1D7F30}" dt="2024-05-09T08:34:13.793" v="4046" actId="478"/>
+          <ac:spMkLst>
+            <pc:docMk/>
+            <pc:sldMk cId="4159186112" sldId="273"/>
+            <ac:spMk id="4" creationId="{DE7CF9B7-1996-0036-9F2C-9D3E720421D4}"/>
+          </ac:spMkLst>
+        </pc:spChg>
+        <pc:spChg chg="add del mod">
+          <ac:chgData name="Dominique RIGHETTO" userId="512fe077-82ad-424c-88a3-15e852b5861d" providerId="ADAL" clId="{1670CD84-DEE0-4E12-BF01-4C2D0C1D7F30}" dt="2024-05-09T08:34:15.953" v="4048" actId="478"/>
+          <ac:spMkLst>
+            <pc:docMk/>
+            <pc:sldMk cId="4159186112" sldId="273"/>
+            <ac:spMk id="5" creationId="{1873E7D2-595A-771D-45C7-F51ADF84C8B1}"/>
+          </ac:spMkLst>
+        </pc:spChg>
+        <pc:spChg chg="mod ord">
+          <ac:chgData name="Dominique RIGHETTO" userId="512fe077-82ad-424c-88a3-15e852b5861d" providerId="ADAL" clId="{1670CD84-DEE0-4E12-BF01-4C2D0C1D7F30}" dt="2024-05-09T08:45:55.152" v="4247" actId="6549"/>
           <ac:spMkLst>
             <pc:docMk/>
             <pc:sldMk cId="4159186112" sldId="273"/>
             <ac:spMk id="6" creationId="{ADCB44BA-722F-37E9-E50B-247546600B21}"/>
           </ac:spMkLst>
         </pc:spChg>
-        <pc:spChg chg="mod">
-          <ac:chgData name="Dominique RIGHETTO" userId="512fe077-82ad-424c-88a3-15e852b5861d" providerId="ADAL" clId="{1670CD84-DEE0-4E12-BF01-4C2D0C1D7F30}" dt="2024-05-09T07:45:10.161" v="3400" actId="14100"/>
+        <pc:spChg chg="mod ord">
+          <ac:chgData name="Dominique RIGHETTO" userId="512fe077-82ad-424c-88a3-15e852b5861d" providerId="ADAL" clId="{1670CD84-DEE0-4E12-BF01-4C2D0C1D7F30}" dt="2024-05-09T08:53:57.604" v="4319" actId="167"/>
           <ac:spMkLst>
             <pc:docMk/>
             <pc:sldMk cId="4159186112" sldId="273"/>
             <ac:spMk id="7" creationId="{6B35F89A-6CDF-41F7-BD87-18B45BD7330B}"/>
           </ac:spMkLst>
         </pc:spChg>
+        <pc:spChg chg="add del mod">
+          <ac:chgData name="Dominique RIGHETTO" userId="512fe077-82ad-424c-88a3-15e852b5861d" providerId="ADAL" clId="{1670CD84-DEE0-4E12-BF01-4C2D0C1D7F30}" dt="2024-05-09T08:34:15.053" v="4047" actId="478"/>
+          <ac:spMkLst>
+            <pc:docMk/>
+            <pc:sldMk cId="4159186112" sldId="273"/>
+            <ac:spMk id="8" creationId="{B6079480-6F8F-0BF8-D73F-0CAB445E8B4E}"/>
+          </ac:spMkLst>
+        </pc:spChg>
+        <pc:spChg chg="add mod">
+          <ac:chgData name="Dominique RIGHETTO" userId="512fe077-82ad-424c-88a3-15e852b5861d" providerId="ADAL" clId="{1670CD84-DEE0-4E12-BF01-4C2D0C1D7F30}" dt="2024-05-09T08:46:13.510" v="4248" actId="20577"/>
+          <ac:spMkLst>
+            <pc:docMk/>
+            <pc:sldMk cId="4159186112" sldId="273"/>
+            <ac:spMk id="9" creationId="{D54923F6-5C62-4F85-5C5E-09174AD091A1}"/>
+          </ac:spMkLst>
+        </pc:spChg>
+        <pc:spChg chg="add mod">
+          <ac:chgData name="Dominique RIGHETTO" userId="512fe077-82ad-424c-88a3-15e852b5861d" providerId="ADAL" clId="{1670CD84-DEE0-4E12-BF01-4C2D0C1D7F30}" dt="2024-05-09T08:39:33.528" v="4210" actId="1076"/>
+          <ac:spMkLst>
+            <pc:docMk/>
+            <pc:sldMk cId="4159186112" sldId="273"/>
+            <ac:spMk id="10" creationId="{F369121F-9097-9ECA-9F0B-A8F2BEADB315}"/>
+          </ac:spMkLst>
+        </pc:spChg>
+        <pc:spChg chg="add mod">
+          <ac:chgData name="Dominique RIGHETTO" userId="512fe077-82ad-424c-88a3-15e852b5861d" providerId="ADAL" clId="{1670CD84-DEE0-4E12-BF01-4C2D0C1D7F30}" dt="2024-05-09T08:39:48.873" v="4212" actId="1076"/>
+          <ac:spMkLst>
+            <pc:docMk/>
+            <pc:sldMk cId="4159186112" sldId="273"/>
+            <ac:spMk id="11" creationId="{A7D19E2F-A42D-73E6-F1D7-2B057D3029A3}"/>
+          </ac:spMkLst>
+        </pc:spChg>
+        <pc:spChg chg="add mod">
+          <ac:chgData name="Dominique RIGHETTO" userId="512fe077-82ad-424c-88a3-15e852b5861d" providerId="ADAL" clId="{1670CD84-DEE0-4E12-BF01-4C2D0C1D7F30}" dt="2024-05-09T08:39:42.902" v="4211" actId="1076"/>
+          <ac:spMkLst>
+            <pc:docMk/>
+            <pc:sldMk cId="4159186112" sldId="273"/>
+            <ac:spMk id="12" creationId="{5610DDCF-7ED4-E8BD-CA50-E3004EA8C91D}"/>
+          </ac:spMkLst>
+        </pc:spChg>
+        <pc:spChg chg="add del mod">
+          <ac:chgData name="Dominique RIGHETTO" userId="512fe077-82ad-424c-88a3-15e852b5861d" providerId="ADAL" clId="{1670CD84-DEE0-4E12-BF01-4C2D0C1D7F30}" dt="2024-05-09T08:37:54.044" v="4118" actId="478"/>
+          <ac:spMkLst>
+            <pc:docMk/>
+            <pc:sldMk cId="4159186112" sldId="273"/>
+            <ac:spMk id="13" creationId="{86204EF1-0F37-DAB1-7F4D-6254E7545310}"/>
+          </ac:spMkLst>
+        </pc:spChg>
+        <pc:spChg chg="add mod">
+          <ac:chgData name="Dominique RIGHETTO" userId="512fe077-82ad-424c-88a3-15e852b5861d" providerId="ADAL" clId="{1670CD84-DEE0-4E12-BF01-4C2D0C1D7F30}" dt="2024-05-09T08:41:33.943" v="4231" actId="14100"/>
+          <ac:spMkLst>
+            <pc:docMk/>
+            <pc:sldMk cId="4159186112" sldId="273"/>
+            <ac:spMk id="14" creationId="{468A1EF0-1174-73DD-C49F-D104FD45242B}"/>
+          </ac:spMkLst>
+        </pc:spChg>
+        <pc:spChg chg="add mod">
+          <ac:chgData name="Dominique RIGHETTO" userId="512fe077-82ad-424c-88a3-15e852b5861d" providerId="ADAL" clId="{1670CD84-DEE0-4E12-BF01-4C2D0C1D7F30}" dt="2024-05-09T08:41:47.652" v="4232" actId="208"/>
+          <ac:spMkLst>
+            <pc:docMk/>
+            <pc:sldMk cId="4159186112" sldId="273"/>
+            <ac:spMk id="15" creationId="{7796B5BD-3B9F-F8E4-A74E-A5A34C5AABE4}"/>
+          </ac:spMkLst>
+        </pc:spChg>
+        <pc:spChg chg="add mod">
+          <ac:chgData name="Dominique RIGHETTO" userId="512fe077-82ad-424c-88a3-15e852b5861d" providerId="ADAL" clId="{1670CD84-DEE0-4E12-BF01-4C2D0C1D7F30}" dt="2024-05-09T08:41:56.103" v="4233" actId="208"/>
+          <ac:spMkLst>
+            <pc:docMk/>
+            <pc:sldMk cId="4159186112" sldId="273"/>
+            <ac:spMk id="16" creationId="{B88C1E16-D56D-A9C9-7FE3-AA00E07F8236}"/>
+          </ac:spMkLst>
+        </pc:spChg>
+        <pc:spChg chg="add mod">
+          <ac:chgData name="Dominique RIGHETTO" userId="512fe077-82ad-424c-88a3-15e852b5861d" providerId="ADAL" clId="{1670CD84-DEE0-4E12-BF01-4C2D0C1D7F30}" dt="2024-05-09T08:42:15.191" v="4234" actId="208"/>
+          <ac:spMkLst>
+            <pc:docMk/>
+            <pc:sldMk cId="4159186112" sldId="273"/>
+            <ac:spMk id="17" creationId="{8170BD9B-5205-689C-0406-AAAD4F98A374}"/>
+          </ac:spMkLst>
+        </pc:spChg>
+        <pc:picChg chg="add mod">
+          <ac:chgData name="Dominique RIGHETTO" userId="512fe077-82ad-424c-88a3-15e852b5861d" providerId="ADAL" clId="{1670CD84-DEE0-4E12-BF01-4C2D0C1D7F30}" dt="2024-05-09T09:33:10.045" v="5351" actId="1076"/>
+          <ac:picMkLst>
+            <pc:docMk/>
+            <pc:sldMk cId="4159186112" sldId="273"/>
+            <ac:picMk id="19" creationId="{11D712B5-C4F8-04DF-564F-617AEC3A0A31}"/>
+          </ac:picMkLst>
+        </pc:picChg>
       </pc:sldChg>
       <pc:sldChg chg="delSp modSp add mod">
-        <pc:chgData name="Dominique RIGHETTO" userId="512fe077-82ad-424c-88a3-15e852b5861d" providerId="ADAL" clId="{1670CD84-DEE0-4E12-BF01-4C2D0C1D7F30}" dt="2024-05-09T07:52:23.542" v="3483" actId="20577"/>
+        <pc:chgData name="Dominique RIGHETTO" userId="512fe077-82ad-424c-88a3-15e852b5861d" providerId="ADAL" clId="{1670CD84-DEE0-4E12-BF01-4C2D0C1D7F30}" dt="2024-05-09T08:16:19.533" v="3511" actId="207"/>
         <pc:sldMkLst>
           <pc:docMk/>
           <pc:sldMk cId="1446957452" sldId="274"/>
         </pc:sldMkLst>
         <pc:spChg chg="mod ord">
-          <ac:chgData name="Dominique RIGHETTO" userId="512fe077-82ad-424c-88a3-15e852b5861d" providerId="ADAL" clId="{1670CD84-DEE0-4E12-BF01-4C2D0C1D7F30}" dt="2024-05-09T07:52:23.542" v="3483" actId="20577"/>
+          <ac:chgData name="Dominique RIGHETTO" userId="512fe077-82ad-424c-88a3-15e852b5861d" providerId="ADAL" clId="{1670CD84-DEE0-4E12-BF01-4C2D0C1D7F30}" dt="2024-05-09T08:16:19.533" v="3511" actId="207"/>
           <ac:spMkLst>
             <pc:docMk/>
             <pc:sldMk cId="1446957452" sldId="274"/>
@@ -672,6 +789,44 @@
           <pc:sldMk cId="920173932" sldId="275"/>
         </pc:sldMkLst>
       </pc:sldChg>
+      <pc:sldChg chg="add ord">
+        <pc:chgData name="Dominique RIGHETTO" userId="512fe077-82ad-424c-88a3-15e852b5861d" providerId="ADAL" clId="{1670CD84-DEE0-4E12-BF01-4C2D0C1D7F30}" dt="2024-05-09T08:44:36.962" v="4241"/>
+        <pc:sldMkLst>
+          <pc:docMk/>
+          <pc:sldMk cId="1531576489" sldId="275"/>
+        </pc:sldMkLst>
+      </pc:sldChg>
+      <pc:sldChg chg="addSp modSp add mod ord">
+        <pc:chgData name="Dominique RIGHETTO" userId="512fe077-82ad-424c-88a3-15e852b5861d" providerId="ADAL" clId="{1670CD84-DEE0-4E12-BF01-4C2D0C1D7F30}" dt="2024-05-09T09:00:01.827" v="4571" actId="207"/>
+        <pc:sldMkLst>
+          <pc:docMk/>
+          <pc:sldMk cId="390519850" sldId="276"/>
+        </pc:sldMkLst>
+        <pc:spChg chg="add mod">
+          <ac:chgData name="Dominique RIGHETTO" userId="512fe077-82ad-424c-88a3-15e852b5861d" providerId="ADAL" clId="{1670CD84-DEE0-4E12-BF01-4C2D0C1D7F30}" dt="2024-05-09T08:59:08.472" v="4565" actId="1076"/>
+          <ac:spMkLst>
+            <pc:docMk/>
+            <pc:sldMk cId="390519850" sldId="276"/>
+            <ac:spMk id="3" creationId="{0B4E8C93-457E-5F52-9D98-07FF32B81CAF}"/>
+          </ac:spMkLst>
+        </pc:spChg>
+        <pc:spChg chg="mod">
+          <ac:chgData name="Dominique RIGHETTO" userId="512fe077-82ad-424c-88a3-15e852b5861d" providerId="ADAL" clId="{1670CD84-DEE0-4E12-BF01-4C2D0C1D7F30}" dt="2024-05-09T08:59:36.757" v="4567" actId="113"/>
+          <ac:spMkLst>
+            <pc:docMk/>
+            <pc:sldMk cId="390519850" sldId="276"/>
+            <ac:spMk id="6" creationId="{ADCB44BA-722F-37E9-E50B-247546600B21}"/>
+          </ac:spMkLst>
+        </pc:spChg>
+        <pc:spChg chg="mod">
+          <ac:chgData name="Dominique RIGHETTO" userId="512fe077-82ad-424c-88a3-15e852b5861d" providerId="ADAL" clId="{1670CD84-DEE0-4E12-BF01-4C2D0C1D7F30}" dt="2024-05-09T09:00:01.827" v="4571" actId="207"/>
+          <ac:spMkLst>
+            <pc:docMk/>
+            <pc:sldMk cId="390519850" sldId="276"/>
+            <ac:spMk id="7" creationId="{6B35F89A-6CDF-41F7-BD87-18B45BD7330B}"/>
+          </ac:spMkLst>
+        </pc:spChg>
+      </pc:sldChg>
       <pc:sldChg chg="del">
         <pc:chgData name="Dominique RIGHETTO" userId="512fe077-82ad-424c-88a3-15e852b5861d" providerId="ADAL" clId="{1670CD84-DEE0-4E12-BF01-4C2D0C1D7F30}" dt="2024-05-09T05:56:50.643" v="73" actId="47"/>
         <pc:sldMkLst>
@@ -686,12 +841,145 @@
           <pc:sldMk cId="2243494996" sldId="277"/>
         </pc:sldMkLst>
       </pc:sldChg>
+      <pc:sldChg chg="addSp delSp modSp add mod">
+        <pc:chgData name="Dominique RIGHETTO" userId="512fe077-82ad-424c-88a3-15e852b5861d" providerId="ADAL" clId="{1670CD84-DEE0-4E12-BF01-4C2D0C1D7F30}" dt="2024-05-09T09:32:25.085" v="5350" actId="14100"/>
+        <pc:sldMkLst>
+          <pc:docMk/>
+          <pc:sldMk cId="3732992385" sldId="277"/>
+        </pc:sldMkLst>
+        <pc:spChg chg="del">
+          <ac:chgData name="Dominique RIGHETTO" userId="512fe077-82ad-424c-88a3-15e852b5861d" providerId="ADAL" clId="{1670CD84-DEE0-4E12-BF01-4C2D0C1D7F30}" dt="2024-05-09T09:04:37.828" v="4576" actId="478"/>
+          <ac:spMkLst>
+            <pc:docMk/>
+            <pc:sldMk cId="3732992385" sldId="277"/>
+            <ac:spMk id="3" creationId="{0B4E8C93-457E-5F52-9D98-07FF32B81CAF}"/>
+          </ac:spMkLst>
+        </pc:spChg>
+        <pc:spChg chg="add mod">
+          <ac:chgData name="Dominique RIGHETTO" userId="512fe077-82ad-424c-88a3-15e852b5861d" providerId="ADAL" clId="{1670CD84-DEE0-4E12-BF01-4C2D0C1D7F30}" dt="2024-05-09T09:11:34.816" v="4988" actId="113"/>
+          <ac:spMkLst>
+            <pc:docMk/>
+            <pc:sldMk cId="3732992385" sldId="277"/>
+            <ac:spMk id="4" creationId="{34512A2E-063B-3063-57E9-218D2853D0D8}"/>
+          </ac:spMkLst>
+        </pc:spChg>
+        <pc:spChg chg="add mod">
+          <ac:chgData name="Dominique RIGHETTO" userId="512fe077-82ad-424c-88a3-15e852b5861d" providerId="ADAL" clId="{1670CD84-DEE0-4E12-BF01-4C2D0C1D7F30}" dt="2024-05-09T09:32:25.085" v="5350" actId="14100"/>
+          <ac:spMkLst>
+            <pc:docMk/>
+            <pc:sldMk cId="3732992385" sldId="277"/>
+            <ac:spMk id="5" creationId="{45FD6B04-765A-820C-71B1-C251371EC833}"/>
+          </ac:spMkLst>
+        </pc:spChg>
+        <pc:spChg chg="del">
+          <ac:chgData name="Dominique RIGHETTO" userId="512fe077-82ad-424c-88a3-15e852b5861d" providerId="ADAL" clId="{1670CD84-DEE0-4E12-BF01-4C2D0C1D7F30}" dt="2024-05-09T09:04:35.785" v="4575" actId="478"/>
+          <ac:spMkLst>
+            <pc:docMk/>
+            <pc:sldMk cId="3732992385" sldId="277"/>
+            <ac:spMk id="6" creationId="{ADCB44BA-722F-37E9-E50B-247546600B21}"/>
+          </ac:spMkLst>
+        </pc:spChg>
+        <pc:spChg chg="mod">
+          <ac:chgData name="Dominique RIGHETTO" userId="512fe077-82ad-424c-88a3-15e852b5861d" providerId="ADAL" clId="{1670CD84-DEE0-4E12-BF01-4C2D0C1D7F30}" dt="2024-05-09T09:32:06.053" v="5347" actId="20577"/>
+          <ac:spMkLst>
+            <pc:docMk/>
+            <pc:sldMk cId="3732992385" sldId="277"/>
+            <ac:spMk id="7" creationId="{6B35F89A-6CDF-41F7-BD87-18B45BD7330B}"/>
+          </ac:spMkLst>
+        </pc:spChg>
+      </pc:sldChg>
+      <pc:sldChg chg="addSp delSp modSp add mod modAnim">
+        <pc:chgData name="Dominique RIGHETTO" userId="512fe077-82ad-424c-88a3-15e852b5861d" providerId="ADAL" clId="{1670CD84-DEE0-4E12-BF01-4C2D0C1D7F30}" dt="2024-05-09T09:43:07.336" v="5804" actId="1076"/>
+        <pc:sldMkLst>
+          <pc:docMk/>
+          <pc:sldMk cId="1807056468" sldId="278"/>
+        </pc:sldMkLst>
+        <pc:spChg chg="del">
+          <ac:chgData name="Dominique RIGHETTO" userId="512fe077-82ad-424c-88a3-15e852b5861d" providerId="ADAL" clId="{1670CD84-DEE0-4E12-BF01-4C2D0C1D7F30}" dt="2024-05-09T09:16:28.296" v="5164" actId="478"/>
+          <ac:spMkLst>
+            <pc:docMk/>
+            <pc:sldMk cId="1807056468" sldId="278"/>
+            <ac:spMk id="4" creationId="{34512A2E-063B-3063-57E9-218D2853D0D8}"/>
+          </ac:spMkLst>
+        </pc:spChg>
+        <pc:spChg chg="mod">
+          <ac:chgData name="Dominique RIGHETTO" userId="512fe077-82ad-424c-88a3-15e852b5861d" providerId="ADAL" clId="{1670CD84-DEE0-4E12-BF01-4C2D0C1D7F30}" dt="2024-05-09T09:34:55.076" v="5363" actId="20577"/>
+          <ac:spMkLst>
+            <pc:docMk/>
+            <pc:sldMk cId="1807056468" sldId="278"/>
+            <ac:spMk id="7" creationId="{6B35F89A-6CDF-41F7-BD87-18B45BD7330B}"/>
+          </ac:spMkLst>
+        </pc:spChg>
+        <pc:spChg chg="add del mod">
+          <ac:chgData name="Dominique RIGHETTO" userId="512fe077-82ad-424c-88a3-15e852b5861d" providerId="ADAL" clId="{1670CD84-DEE0-4E12-BF01-4C2D0C1D7F30}" dt="2024-05-09T09:35:25.133" v="5365" actId="478"/>
+          <ac:spMkLst>
+            <pc:docMk/>
+            <pc:sldMk cId="1807056468" sldId="278"/>
+            <ac:spMk id="12" creationId="{6ADE9584-FA94-0768-9145-54DB525CADA9}"/>
+          </ac:spMkLst>
+        </pc:spChg>
+        <pc:spChg chg="add mod">
+          <ac:chgData name="Dominique RIGHETTO" userId="512fe077-82ad-424c-88a3-15e852b5861d" providerId="ADAL" clId="{1670CD84-DEE0-4E12-BF01-4C2D0C1D7F30}" dt="2024-05-09T09:43:07.336" v="5804" actId="1076"/>
+          <ac:spMkLst>
+            <pc:docMk/>
+            <pc:sldMk cId="1807056468" sldId="278"/>
+            <ac:spMk id="13" creationId="{3702F753-8DD7-27F8-6276-D3623A38FEE5}"/>
+          </ac:spMkLst>
+        </pc:spChg>
+        <pc:picChg chg="add del mod modCrop">
+          <ac:chgData name="Dominique RIGHETTO" userId="512fe077-82ad-424c-88a3-15e852b5861d" providerId="ADAL" clId="{1670CD84-DEE0-4E12-BF01-4C2D0C1D7F30}" dt="2024-05-09T09:29:31.665" v="5315" actId="478"/>
+          <ac:picMkLst>
+            <pc:docMk/>
+            <pc:sldMk cId="1807056468" sldId="278"/>
+            <ac:picMk id="5" creationId="{A514D6F1-A245-21A9-E1C1-06A01D3954DF}"/>
+          </ac:picMkLst>
+        </pc:picChg>
+        <pc:picChg chg="add del mod">
+          <ac:chgData name="Dominique RIGHETTO" userId="512fe077-82ad-424c-88a3-15e852b5861d" providerId="ADAL" clId="{1670CD84-DEE0-4E12-BF01-4C2D0C1D7F30}" dt="2024-05-09T09:30:24.556" v="5319" actId="478"/>
+          <ac:picMkLst>
+            <pc:docMk/>
+            <pc:sldMk cId="1807056468" sldId="278"/>
+            <ac:picMk id="8" creationId="{5F533EA7-111C-6750-3031-1B1C79E34DD0}"/>
+          </ac:picMkLst>
+        </pc:picChg>
+        <pc:picChg chg="add mod">
+          <ac:chgData name="Dominique RIGHETTO" userId="512fe077-82ad-424c-88a3-15e852b5861d" providerId="ADAL" clId="{1670CD84-DEE0-4E12-BF01-4C2D0C1D7F30}" dt="2024-05-09T09:30:35.016" v="5323" actId="1076"/>
+          <ac:picMkLst>
+            <pc:docMk/>
+            <pc:sldMk cId="1807056468" sldId="278"/>
+            <ac:picMk id="10" creationId="{56C79E87-98C6-ECC8-8FF0-64FDAC187D2A}"/>
+          </ac:picMkLst>
+        </pc:picChg>
+        <pc:picChg chg="add mod">
+          <ac:chgData name="Dominique RIGHETTO" userId="512fe077-82ad-424c-88a3-15e852b5861d" providerId="ADAL" clId="{1670CD84-DEE0-4E12-BF01-4C2D0C1D7F30}" dt="2024-05-09T09:33:16.096" v="5352"/>
+          <ac:picMkLst>
+            <pc:docMk/>
+            <pc:sldMk cId="1807056468" sldId="278"/>
+            <ac:picMk id="11" creationId="{20E6A846-4F4E-0A85-FCAD-216C51B2F900}"/>
+          </ac:picMkLst>
+        </pc:picChg>
+      </pc:sldChg>
       <pc:sldChg chg="del">
         <pc:chgData name="Dominique RIGHETTO" userId="512fe077-82ad-424c-88a3-15e852b5861d" providerId="ADAL" clId="{1670CD84-DEE0-4E12-BF01-4C2D0C1D7F30}" dt="2024-05-09T05:56:50.643" v="73" actId="47"/>
         <pc:sldMkLst>
           <pc:docMk/>
           <pc:sldMk cId="2069393026" sldId="278"/>
         </pc:sldMkLst>
+      </pc:sldChg>
+      <pc:sldChg chg="modSp add mod ord">
+        <pc:chgData name="Dominique RIGHETTO" userId="512fe077-82ad-424c-88a3-15e852b5861d" providerId="ADAL" clId="{1670CD84-DEE0-4E12-BF01-4C2D0C1D7F30}" dt="2024-05-09T09:50:06.424" v="5850" actId="20577"/>
+        <pc:sldMkLst>
+          <pc:docMk/>
+          <pc:sldMk cId="1228615568" sldId="279"/>
+        </pc:sldMkLst>
+        <pc:spChg chg="mod">
+          <ac:chgData name="Dominique RIGHETTO" userId="512fe077-82ad-424c-88a3-15e852b5861d" providerId="ADAL" clId="{1670CD84-DEE0-4E12-BF01-4C2D0C1D7F30}" dt="2024-05-09T09:50:06.424" v="5850" actId="20577"/>
+          <ac:spMkLst>
+            <pc:docMk/>
+            <pc:sldMk cId="1228615568" sldId="279"/>
+            <ac:spMk id="2" creationId="{A29DE7F2-E890-4744-88DD-A75F5E300513}"/>
+          </ac:spMkLst>
+        </pc:spChg>
       </pc:sldChg>
       <pc:sldChg chg="del">
         <pc:chgData name="Dominique RIGHETTO" userId="512fe077-82ad-424c-88a3-15e852b5861d" providerId="ADAL" clId="{1670CD84-DEE0-4E12-BF01-4C2D0C1D7F30}" dt="2024-05-09T05:56:50.643" v="73" actId="47"/>
@@ -20145,8 +20433,8 @@
         </p:nvSpPr>
         <p:spPr>
           <a:xfrm>
-            <a:off x="6416041" y="5586889"/>
-            <a:ext cx="4941770" cy="1122201"/>
+            <a:off x="108374" y="5629222"/>
+            <a:ext cx="10305626" cy="1122201"/>
           </a:xfrm>
         </p:spPr>
         <p:txBody>
@@ -20154,9 +20442,42 @@
           <a:lstStyle/>
           <a:p>
             <a:r>
+              <a:rPr lang="en-US"/>
+              <a:t>📦</a:t>
+            </a:r>
+            <a:r>
+              <a:rPr lang="en-US">
+                <a:hlinkClick r:id="rId2"/>
+              </a:rPr>
+              <a:t>github.com/righettod/voxxeddays-lux-2024</a:t>
+            </a:r>
+            <a:endParaRPr lang="en-US" dirty="0"/>
+          </a:p>
+          <a:p>
+            <a:r>
               <a:rPr lang="en-US" dirty="0"/>
-              <a:t>Mirjam Nilsson</a:t>
-            </a:r>
+              <a:t>🌏</a:t>
+            </a:r>
+            <a:r>
+              <a:rPr lang="en-US" dirty="0">
+                <a:hlinkClick r:id="rId3"/>
+              </a:rPr>
+              <a:t>righettod.eu</a:t>
+            </a:r>
+            <a:endParaRPr lang="en-US" dirty="0"/>
+          </a:p>
+          <a:p>
+            <a:r>
+              <a:rPr lang="en-US" dirty="0"/>
+              <a:t>📡</a:t>
+            </a:r>
+            <a:r>
+              <a:rPr lang="en-US" dirty="0">
+                <a:hlinkClick r:id="rId4"/>
+              </a:rPr>
+              <a:t>@righettod </a:t>
+            </a:r>
+            <a:endParaRPr lang="en-US" dirty="0"/>
           </a:p>
         </p:txBody>
       </p:sp>
@@ -20358,7 +20679,7 @@
             </a:pPr>
             <a:r>
               <a:rPr lang="en-US" sz="2400" noProof="1"/>
-              <a:t>Behavior about an allowed resources is defined using either a </a:t>
+              <a:t>Behavior about an allowed resources is defined using either a set of </a:t>
             </a:r>
             <a:r>
               <a:rPr lang="en-US" sz="2400" b="1" noProof="1">
@@ -20373,10 +20694,22 @@
                   </a:extLst>
                 </a:hlinkClick>
               </a:rPr>
-              <a:t>source location pattern</a:t>
-            </a:r>
-            <a:r>
-              <a:rPr lang="en-US" sz="2400" noProof="1">
+              <a:t>source location patterns</a:t>
+            </a:r>
+            <a:r>
+              <a:rPr lang="en-US" sz="2400" b="1" noProof="1">
+                <a:solidFill>
+                  <a:srgbClr val="7030A0"/>
+                </a:solidFill>
+              </a:rPr>
+              <a:t> </a:t>
+            </a:r>
+            <a:r>
+              <a:rPr lang="en-US" sz="2400" noProof="1"/>
+              <a:t>or/and an </a:t>
+            </a:r>
+            <a:r>
+              <a:rPr lang="en-US" sz="2400" b="1" noProof="1">
                 <a:solidFill>
                   <a:srgbClr val="7030A0"/>
                 </a:solidFill>
@@ -20388,26 +20721,7 @@
                   </a:extLst>
                 </a:hlinkClick>
               </a:rPr>
-              <a:t> </a:t>
-            </a:r>
-            <a:r>
-              <a:rPr lang="en-US" sz="2400" noProof="1"/>
-              <a:t>or/and an </a:t>
-            </a:r>
-            <a:r>
-              <a:rPr lang="en-US" sz="2400" b="1" noProof="1">
-                <a:solidFill>
-                  <a:srgbClr val="7030A0"/>
-                </a:solidFill>
-                <a:hlinkClick r:id="rId7">
-                  <a:extLst>
-                    <a:ext uri="{A12FA001-AC4F-418D-AE19-62706E023703}">
-                      <ahyp:hlinkClr xmlns:ahyp="http://schemas.microsoft.com/office/drawing/2018/hyperlinkcolor" val="tx"/>
-                    </a:ext>
-                  </a:extLst>
-                </a:hlinkClick>
-              </a:rPr>
-              <a:t>instruction</a:t>
+              <a:t>instructions</a:t>
             </a:r>
             <a:r>
               <a:rPr lang="en-US" sz="2400" noProof="1"/>
@@ -20507,7 +20821,7 @@
         <p:spPr>
           <a:xfrm>
             <a:off x="62910" y="1679575"/>
-            <a:ext cx="12129090" cy="562637"/>
+            <a:ext cx="12129090" cy="4983692"/>
           </a:xfrm>
         </p:spPr>
         <p:txBody>
@@ -20533,6 +20847,59 @@
             <a:endParaRPr lang="en-US" sz="2400" noProof="1"/>
           </a:p>
           <a:p>
+            <a:pPr marL="285750" indent="-285750">
+              <a:buFont typeface="Arial" panose="020B0604020202020204" pitchFamily="34" charset="0"/>
+              <a:buChar char="•"/>
+            </a:pPr>
+            <a:endParaRPr lang="en-US" sz="2400" noProof="1"/>
+          </a:p>
+          <a:p>
+            <a:pPr marL="285750" indent="-285750">
+              <a:buFont typeface="Arial" panose="020B0604020202020204" pitchFamily="34" charset="0"/>
+              <a:buChar char="•"/>
+            </a:pPr>
+            <a:endParaRPr lang="en-US" sz="2400" noProof="1"/>
+          </a:p>
+          <a:p>
+            <a:pPr marL="285750" indent="-285750">
+              <a:buFont typeface="Arial" panose="020B0604020202020204" pitchFamily="34" charset="0"/>
+              <a:buChar char="•"/>
+            </a:pPr>
+            <a:r>
+              <a:rPr lang="en-US" sz="2400" noProof="1"/>
+              <a:t>The collection of directives specified represent the </a:t>
+            </a:r>
+            <a:r>
+              <a:rPr lang="en-US" sz="2400" b="1" noProof="1">
+                <a:solidFill>
+                  <a:schemeClr val="accent5"/>
+                </a:solidFill>
+              </a:rPr>
+              <a:t>policy</a:t>
+            </a:r>
+            <a:r>
+              <a:rPr lang="en-US" sz="2400" noProof="1"/>
+              <a:t> defined by the CSP.</a:t>
+            </a:r>
+          </a:p>
+          <a:p>
+            <a:pPr marL="285750" indent="-285750">
+              <a:buFont typeface="Arial" panose="020B0604020202020204" pitchFamily="34" charset="0"/>
+              <a:buChar char="•"/>
+            </a:pPr>
+            <a:endParaRPr lang="en-US" sz="2400" noProof="1"/>
+          </a:p>
+          <a:p>
+            <a:pPr marL="285750" indent="-285750">
+              <a:buFont typeface="Arial" panose="020B0604020202020204" pitchFamily="34" charset="0"/>
+              <a:buChar char="•"/>
+            </a:pPr>
+            <a:r>
+              <a:rPr lang="en-US" sz="2400" noProof="1"/>
+              <a:t>💡The policy is, in fact, the value of the CSP header.</a:t>
+            </a:r>
+          </a:p>
+          <a:p>
             <a:endParaRPr lang="en-US" sz="2400" noProof="1"/>
           </a:p>
         </p:txBody>
@@ -20551,8 +20918,8 @@
         </p:nvSpPr>
         <p:spPr>
           <a:xfrm>
-            <a:off x="62910" y="2178360"/>
-            <a:ext cx="11573933" cy="646331"/>
+            <a:off x="0" y="2242212"/>
+            <a:ext cx="11959757" cy="1200329"/>
           </a:xfrm>
           <a:prstGeom prst="rect">
             <a:avLst/>
@@ -20566,13 +20933,13 @@
           <a:lstStyle/>
           <a:p>
             <a:r>
-              <a:rPr lang="en-US" b="1" dirty="0">
+              <a:rPr lang="en-US" sz="2400" b="1" dirty="0">
                 <a:latin typeface="Consolas" panose="020B0609020204030204" pitchFamily="49" charset="0"/>
               </a:rPr>
               <a:t>Content-Security-Policy: </a:t>
             </a:r>
             <a:r>
-              <a:rPr lang="en-US" dirty="0">
+              <a:rPr lang="en-US" sz="2400" dirty="0">
                 <a:solidFill>
                   <a:schemeClr val="accent6"/>
                 </a:solidFill>
@@ -20581,7 +20948,7 @@
               <a:t>[DIRECTIVE 1] </a:t>
             </a:r>
             <a:r>
-              <a:rPr lang="en-US" dirty="0">
+              <a:rPr lang="en-US" sz="2400" dirty="0">
                 <a:solidFill>
                   <a:srgbClr val="7030A0"/>
                 </a:solidFill>
@@ -20590,19 +20957,19 @@
               <a:t>[ALLOWED SOURCES OR INSTRUCTIONS] </a:t>
             </a:r>
             <a:r>
-              <a:rPr lang="en-US" b="1" dirty="0">
+              <a:rPr lang="en-US" sz="2400" b="1" dirty="0">
                 <a:latin typeface="Consolas" panose="020B0609020204030204" pitchFamily="49" charset="0"/>
               </a:rPr>
               <a:t>;</a:t>
             </a:r>
             <a:r>
-              <a:rPr lang="en-US" dirty="0">
+              <a:rPr lang="en-US" sz="2400" dirty="0">
                 <a:latin typeface="Consolas" panose="020B0609020204030204" pitchFamily="49" charset="0"/>
               </a:rPr>
               <a:t> </a:t>
             </a:r>
             <a:r>
-              <a:rPr lang="en-US" dirty="0">
+              <a:rPr lang="en-US" sz="2400" dirty="0">
                 <a:solidFill>
                   <a:schemeClr val="accent6"/>
                 </a:solidFill>
@@ -20611,7 +20978,7 @@
               <a:t>[DIRECTIVE 2] </a:t>
             </a:r>
             <a:r>
-              <a:rPr lang="en-US" dirty="0">
+              <a:rPr lang="en-US" sz="2400" dirty="0">
                 <a:solidFill>
                   <a:srgbClr val="7030A0"/>
                 </a:solidFill>
@@ -20620,19 +20987,19 @@
               <a:t>[ALLOWED SOURCES OR INSTRUCTIONS] </a:t>
             </a:r>
             <a:r>
-              <a:rPr lang="en-US" b="1" dirty="0">
+              <a:rPr lang="en-US" sz="2400" b="1" dirty="0">
                 <a:latin typeface="Consolas" panose="020B0609020204030204" pitchFamily="49" charset="0"/>
               </a:rPr>
               <a:t>;</a:t>
             </a:r>
             <a:r>
-              <a:rPr lang="en-US" dirty="0">
+              <a:rPr lang="en-US" sz="2400" dirty="0">
                 <a:latin typeface="Consolas" panose="020B0609020204030204" pitchFamily="49" charset="0"/>
               </a:rPr>
               <a:t> </a:t>
             </a:r>
             <a:r>
-              <a:rPr lang="en-US" dirty="0">
+              <a:rPr lang="en-US" sz="2400" dirty="0">
                 <a:solidFill>
                   <a:schemeClr val="accent6"/>
                 </a:solidFill>
@@ -20641,7 +21008,7 @@
               <a:t>[DIRECTIVE N] </a:t>
             </a:r>
             <a:r>
-              <a:rPr lang="en-US" dirty="0">
+              <a:rPr lang="en-US" sz="2400" dirty="0">
                 <a:solidFill>
                   <a:srgbClr val="7030A0"/>
                 </a:solidFill>
@@ -20652,10 +21019,2512 @@
           </a:p>
         </p:txBody>
       </p:sp>
+    </p:spTree>
+    <p:extLst>
+      <p:ext uri="{BB962C8B-B14F-4D97-AF65-F5344CB8AC3E}">
+        <p14:creationId xmlns:p14="http://schemas.microsoft.com/office/powerpoint/2010/main" val="1531576489"/>
+      </p:ext>
+    </p:extLst>
+  </p:cSld>
+  <p:clrMapOvr>
+    <a:masterClrMapping/>
+  </p:clrMapOvr>
+</p:sld>
+</file>
+
+<file path=ppt/slides/slide12.xml><?xml version="1.0" encoding="utf-8"?>
+<p:sld xmlns:a="http://schemas.openxmlformats.org/drawingml/2006/main" xmlns:r="http://schemas.openxmlformats.org/officeDocument/2006/relationships" xmlns:p="http://schemas.openxmlformats.org/presentationml/2006/main">
+  <p:cSld>
+    <p:spTree>
+      <p:nvGrpSpPr>
+        <p:cNvPr id="1" name=""/>
+        <p:cNvGrpSpPr/>
+        <p:nvPr/>
+      </p:nvGrpSpPr>
+      <p:grpSpPr>
+        <a:xfrm>
+          <a:off x="0" y="0"/>
+          <a:ext cx="0" cy="0"/>
+          <a:chOff x="0" y="0"/>
+          <a:chExt cx="0" cy="0"/>
+        </a:xfrm>
+      </p:grpSpPr>
+      <p:sp>
+        <p:nvSpPr>
+          <p:cNvPr id="7" name="Content Placeholder 6">
+            <a:extLst>
+              <a:ext uri="{FF2B5EF4-FFF2-40B4-BE49-F238E27FC236}">
+                <a16:creationId xmlns:a16="http://schemas.microsoft.com/office/drawing/2014/main" id="{6B35F89A-6CDF-41F7-BD87-18B45BD7330B}"/>
+              </a:ext>
+            </a:extLst>
+          </p:cNvPr>
+          <p:cNvSpPr>
+            <a:spLocks noGrp="1"/>
+          </p:cNvSpPr>
+          <p:nvPr>
+            <p:ph sz="half" idx="2"/>
+          </p:nvPr>
+        </p:nvSpPr>
+        <p:spPr>
+          <a:xfrm>
+            <a:off x="62910" y="1679575"/>
+            <a:ext cx="12129090" cy="1749425"/>
+          </a:xfrm>
+        </p:spPr>
+        <p:txBody>
+          <a:bodyPr vert="horz" lIns="91440" tIns="45720" rIns="91440" bIns="45720" rtlCol="0" anchor="t">
+            <a:normAutofit/>
+          </a:bodyPr>
+          <a:lstStyle/>
+          <a:p>
+            <a:pPr marL="285750" indent="-285750">
+              <a:buFont typeface="Arial" panose="020B0604020202020204" pitchFamily="34" charset="0"/>
+              <a:buChar char="•"/>
+            </a:pPr>
+            <a:r>
+              <a:rPr lang="en-US" sz="2400" noProof="1"/>
+              <a:t>Example of a simple policy:</a:t>
+            </a:r>
+          </a:p>
+          <a:p>
+            <a:pPr marL="285750" indent="-285750">
+              <a:buFont typeface="Arial" panose="020B0604020202020204" pitchFamily="34" charset="0"/>
+              <a:buChar char="•"/>
+            </a:pPr>
+            <a:endParaRPr lang="en-US" sz="2400" noProof="1"/>
+          </a:p>
+          <a:p>
+            <a:pPr marL="285750" indent="-285750">
+              <a:buFont typeface="Arial" panose="020B0604020202020204" pitchFamily="34" charset="0"/>
+              <a:buChar char="•"/>
+            </a:pPr>
+            <a:endParaRPr lang="en-US" sz="2400" noProof="1"/>
+          </a:p>
+          <a:p>
+            <a:pPr marL="285750" indent="-285750">
+              <a:buFont typeface="Arial" panose="020B0604020202020204" pitchFamily="34" charset="0"/>
+              <a:buChar char="•"/>
+            </a:pPr>
+            <a:endParaRPr lang="en-US" sz="2400" noProof="1"/>
+          </a:p>
+          <a:p>
+            <a:endParaRPr lang="en-US" sz="2400" noProof="1"/>
+          </a:p>
+        </p:txBody>
+      </p:sp>
+      <p:sp>
+        <p:nvSpPr>
+          <p:cNvPr id="6" name="TextBox 5">
+            <a:extLst>
+              <a:ext uri="{FF2B5EF4-FFF2-40B4-BE49-F238E27FC236}">
+                <a16:creationId xmlns:a16="http://schemas.microsoft.com/office/drawing/2014/main" id="{ADCB44BA-722F-37E9-E50B-247546600B21}"/>
+              </a:ext>
+            </a:extLst>
+          </p:cNvPr>
+          <p:cNvSpPr txBox="1"/>
+          <p:nvPr/>
+        </p:nvSpPr>
+        <p:spPr>
+          <a:xfrm>
+            <a:off x="1" y="2242212"/>
+            <a:ext cx="7431296" cy="1938992"/>
+          </a:xfrm>
+          <a:prstGeom prst="rect">
+            <a:avLst/>
+          </a:prstGeom>
+          <a:noFill/>
+        </p:spPr>
+        <p:txBody>
+          <a:bodyPr wrap="square" rtlCol="0">
+            <a:spAutoFit/>
+          </a:bodyPr>
+          <a:lstStyle/>
+          <a:p>
+            <a:r>
+              <a:rPr lang="en-US" sz="2400" b="1" dirty="0">
+                <a:latin typeface="Consolas" panose="020B0609020204030204" pitchFamily="49" charset="0"/>
+              </a:rPr>
+              <a:t>Content-Security-Policy:</a:t>
+            </a:r>
+          </a:p>
+          <a:p>
+            <a:r>
+              <a:rPr lang="en-US" sz="2400" dirty="0">
+                <a:solidFill>
+                  <a:schemeClr val="accent6"/>
+                </a:solidFill>
+                <a:latin typeface="Consolas" panose="020B0609020204030204" pitchFamily="49" charset="0"/>
+              </a:rPr>
+              <a:t>default-</a:t>
+            </a:r>
+            <a:r>
+              <a:rPr lang="en-US" sz="2400" dirty="0" err="1">
+                <a:solidFill>
+                  <a:schemeClr val="accent6"/>
+                </a:solidFill>
+                <a:latin typeface="Consolas" panose="020B0609020204030204" pitchFamily="49" charset="0"/>
+              </a:rPr>
+              <a:t>src</a:t>
+            </a:r>
+            <a:r>
+              <a:rPr lang="en-US" sz="2400" dirty="0">
+                <a:solidFill>
+                  <a:schemeClr val="accent6"/>
+                </a:solidFill>
+                <a:latin typeface="Consolas" panose="020B0609020204030204" pitchFamily="49" charset="0"/>
+              </a:rPr>
+              <a:t> </a:t>
+            </a:r>
+            <a:r>
+              <a:rPr lang="en-US" sz="2400" dirty="0">
+                <a:solidFill>
+                  <a:srgbClr val="7030A0"/>
+                </a:solidFill>
+                <a:latin typeface="Consolas" panose="020B0609020204030204" pitchFamily="49" charset="0"/>
+              </a:rPr>
+              <a:t>'self’ </a:t>
+            </a:r>
+            <a:r>
+              <a:rPr lang="en-US" sz="2400" dirty="0">
+                <a:latin typeface="Consolas" panose="020B0609020204030204" pitchFamily="49" charset="0"/>
+              </a:rPr>
+              <a:t>;</a:t>
+            </a:r>
+            <a:r>
+              <a:rPr lang="en-US" sz="2400" dirty="0">
+                <a:solidFill>
+                  <a:schemeClr val="accent6"/>
+                </a:solidFill>
+                <a:latin typeface="Consolas" panose="020B0609020204030204" pitchFamily="49" charset="0"/>
+              </a:rPr>
+              <a:t> </a:t>
+            </a:r>
+          </a:p>
+          <a:p>
+            <a:r>
+              <a:rPr lang="en-US" sz="2400" dirty="0">
+                <a:solidFill>
+                  <a:schemeClr val="accent6"/>
+                </a:solidFill>
+                <a:latin typeface="Consolas" panose="020B0609020204030204" pitchFamily="49" charset="0"/>
+              </a:rPr>
+              <a:t>script-</a:t>
+            </a:r>
+            <a:r>
+              <a:rPr lang="en-US" sz="2400" dirty="0" err="1">
+                <a:solidFill>
+                  <a:schemeClr val="accent6"/>
+                </a:solidFill>
+                <a:latin typeface="Consolas" panose="020B0609020204030204" pitchFamily="49" charset="0"/>
+              </a:rPr>
+              <a:t>src</a:t>
+            </a:r>
+            <a:r>
+              <a:rPr lang="en-US" sz="2400" dirty="0">
+                <a:solidFill>
+                  <a:schemeClr val="accent6"/>
+                </a:solidFill>
+                <a:latin typeface="Consolas" panose="020B0609020204030204" pitchFamily="49" charset="0"/>
+              </a:rPr>
+              <a:t> </a:t>
+            </a:r>
+            <a:r>
+              <a:rPr lang="en-US" sz="2400" dirty="0">
+                <a:solidFill>
+                  <a:srgbClr val="7030A0"/>
+                </a:solidFill>
+                <a:latin typeface="Consolas" panose="020B0609020204030204" pitchFamily="49" charset="0"/>
+              </a:rPr>
+              <a:t>'self'</a:t>
+            </a:r>
+            <a:r>
+              <a:rPr lang="en-US" sz="2400" dirty="0">
+                <a:solidFill>
+                  <a:schemeClr val="accent6"/>
+                </a:solidFill>
+                <a:latin typeface="Consolas" panose="020B0609020204030204" pitchFamily="49" charset="0"/>
+              </a:rPr>
+              <a:t> </a:t>
+            </a:r>
+            <a:r>
+              <a:rPr lang="en-US" sz="2400" dirty="0">
+                <a:solidFill>
+                  <a:srgbClr val="7030A0"/>
+                </a:solidFill>
+                <a:latin typeface="Consolas" panose="020B0609020204030204" pitchFamily="49" charset="0"/>
+              </a:rPr>
+              <a:t>'unsafe-inline’ </a:t>
+            </a:r>
+            <a:r>
+              <a:rPr lang="en-US" sz="2400" dirty="0">
+                <a:latin typeface="Consolas" panose="020B0609020204030204" pitchFamily="49" charset="0"/>
+              </a:rPr>
+              <a:t>;</a:t>
+            </a:r>
+            <a:r>
+              <a:rPr lang="en-US" sz="2400" dirty="0">
+                <a:solidFill>
+                  <a:schemeClr val="accent6"/>
+                </a:solidFill>
+                <a:latin typeface="Consolas" panose="020B0609020204030204" pitchFamily="49" charset="0"/>
+              </a:rPr>
+              <a:t> </a:t>
+            </a:r>
+          </a:p>
+          <a:p>
+            <a:r>
+              <a:rPr lang="en-US" sz="2400" dirty="0" err="1">
+                <a:solidFill>
+                  <a:schemeClr val="accent6"/>
+                </a:solidFill>
+                <a:latin typeface="Consolas" panose="020B0609020204030204" pitchFamily="49" charset="0"/>
+              </a:rPr>
+              <a:t>img-src</a:t>
+            </a:r>
+            <a:r>
+              <a:rPr lang="en-US" sz="2400" dirty="0">
+                <a:solidFill>
+                  <a:schemeClr val="accent6"/>
+                </a:solidFill>
+                <a:latin typeface="Consolas" panose="020B0609020204030204" pitchFamily="49" charset="0"/>
+              </a:rPr>
+              <a:t> </a:t>
+            </a:r>
+            <a:r>
+              <a:rPr lang="en-US" sz="2400" dirty="0">
+                <a:solidFill>
+                  <a:srgbClr val="7030A0"/>
+                </a:solidFill>
+                <a:latin typeface="Consolas" panose="020B0609020204030204" pitchFamily="49" charset="0"/>
+              </a:rPr>
+              <a:t>'self' http://flowers.com </a:t>
+            </a:r>
+            <a:r>
+              <a:rPr lang="en-US" sz="2400" dirty="0">
+                <a:latin typeface="Consolas" panose="020B0609020204030204" pitchFamily="49" charset="0"/>
+              </a:rPr>
+              <a:t>;</a:t>
+            </a:r>
+            <a:r>
+              <a:rPr lang="en-US" sz="2400" dirty="0">
+                <a:solidFill>
+                  <a:schemeClr val="accent6"/>
+                </a:solidFill>
+                <a:latin typeface="Consolas" panose="020B0609020204030204" pitchFamily="49" charset="0"/>
+              </a:rPr>
+              <a:t> </a:t>
+            </a:r>
+          </a:p>
+          <a:p>
+            <a:r>
+              <a:rPr lang="en-US" sz="2400" dirty="0">
+                <a:solidFill>
+                  <a:schemeClr val="accent6"/>
+                </a:solidFill>
+                <a:latin typeface="Consolas" panose="020B0609020204030204" pitchFamily="49" charset="0"/>
+              </a:rPr>
+              <a:t>font-</a:t>
+            </a:r>
+            <a:r>
+              <a:rPr lang="en-US" sz="2400" dirty="0" err="1">
+                <a:solidFill>
+                  <a:schemeClr val="accent6"/>
+                </a:solidFill>
+                <a:latin typeface="Consolas" panose="020B0609020204030204" pitchFamily="49" charset="0"/>
+              </a:rPr>
+              <a:t>src</a:t>
+            </a:r>
+            <a:r>
+              <a:rPr lang="en-US" sz="2400" dirty="0">
+                <a:solidFill>
+                  <a:schemeClr val="accent6"/>
+                </a:solidFill>
+                <a:latin typeface="Consolas" panose="020B0609020204030204" pitchFamily="49" charset="0"/>
+              </a:rPr>
+              <a:t> </a:t>
+            </a:r>
+            <a:r>
+              <a:rPr lang="en-US" sz="2400" dirty="0">
+                <a:solidFill>
+                  <a:srgbClr val="7030A0"/>
+                </a:solidFill>
+                <a:latin typeface="Consolas" panose="020B0609020204030204" pitchFamily="49" charset="0"/>
+              </a:rPr>
+              <a:t>'self' https://fonts.google.com</a:t>
+            </a:r>
+          </a:p>
+        </p:txBody>
+      </p:sp>
+      <p:sp>
+        <p:nvSpPr>
+          <p:cNvPr id="2" name="Title 1">
+            <a:extLst>
+              <a:ext uri="{FF2B5EF4-FFF2-40B4-BE49-F238E27FC236}">
+                <a16:creationId xmlns:a16="http://schemas.microsoft.com/office/drawing/2014/main" id="{5CE54ABB-4929-4810-950B-2DAEA0A5BAB4}"/>
+              </a:ext>
+            </a:extLst>
+          </p:cNvPr>
+          <p:cNvSpPr>
+            <a:spLocks noGrp="1"/>
+          </p:cNvSpPr>
+          <p:nvPr>
+            <p:ph type="title"/>
+          </p:nvPr>
+        </p:nvSpPr>
+        <p:spPr>
+          <a:xfrm>
+            <a:off x="0" y="927496"/>
+            <a:ext cx="12192000" cy="562637"/>
+          </a:xfrm>
+        </p:spPr>
+        <p:txBody>
+          <a:bodyPr>
+            <a:normAutofit/>
+          </a:bodyPr>
+          <a:lstStyle/>
+          <a:p>
+            <a:pPr algn="l"/>
+            <a:r>
+              <a:rPr lang="en-US" dirty="0"/>
+              <a:t>👨‍🎓Content-Security-Policy header?</a:t>
+            </a:r>
+          </a:p>
+        </p:txBody>
+      </p:sp>
+      <p:sp>
+        <p:nvSpPr>
+          <p:cNvPr id="9" name="Rectangle: Diagonal Corners Rounded 8">
+            <a:extLst>
+              <a:ext uri="{FF2B5EF4-FFF2-40B4-BE49-F238E27FC236}">
+                <a16:creationId xmlns:a16="http://schemas.microsoft.com/office/drawing/2014/main" id="{D54923F6-5C62-4F85-5C5E-09174AD091A1}"/>
+              </a:ext>
+            </a:extLst>
+          </p:cNvPr>
+          <p:cNvSpPr/>
+          <p:nvPr/>
+        </p:nvSpPr>
+        <p:spPr>
+          <a:xfrm>
+            <a:off x="7605478" y="1028699"/>
+            <a:ext cx="4470399" cy="650876"/>
+          </a:xfrm>
+          <a:prstGeom prst="round2DiagRect">
+            <a:avLst/>
+          </a:prstGeom>
+        </p:spPr>
+        <p:style>
+          <a:lnRef idx="2">
+            <a:schemeClr val="accent1">
+              <a:shade val="15000"/>
+            </a:schemeClr>
+          </a:lnRef>
+          <a:fillRef idx="1">
+            <a:schemeClr val="accent1"/>
+          </a:fillRef>
+          <a:effectRef idx="0">
+            <a:schemeClr val="accent1"/>
+          </a:effectRef>
+          <a:fontRef idx="minor">
+            <a:schemeClr val="lt1"/>
+          </a:fontRef>
+        </p:style>
+        <p:txBody>
+          <a:bodyPr rtlCol="0" anchor="ctr"/>
+          <a:lstStyle/>
+          <a:p>
+            <a:pPr algn="ctr"/>
+            <a:r>
+              <a:rPr lang="en-US" dirty="0">
+                <a:solidFill>
+                  <a:schemeClr val="tx1"/>
+                </a:solidFill>
+              </a:rPr>
+              <a:t>By default, resources can only be loaded from the current domain + protocol + port.</a:t>
+            </a:r>
+          </a:p>
+        </p:txBody>
+      </p:sp>
+      <p:sp>
+        <p:nvSpPr>
+          <p:cNvPr id="10" name="Rectangle: Diagonal Corners Rounded 9">
+            <a:extLst>
+              <a:ext uri="{FF2B5EF4-FFF2-40B4-BE49-F238E27FC236}">
+                <a16:creationId xmlns:a16="http://schemas.microsoft.com/office/drawing/2014/main" id="{F369121F-9097-9ECA-9F0B-A8F2BEADB315}"/>
+              </a:ext>
+            </a:extLst>
+          </p:cNvPr>
+          <p:cNvSpPr/>
+          <p:nvPr/>
+        </p:nvSpPr>
+        <p:spPr>
+          <a:xfrm>
+            <a:off x="7605477" y="1843614"/>
+            <a:ext cx="4470400" cy="797196"/>
+          </a:xfrm>
+          <a:prstGeom prst="round2DiagRect">
+            <a:avLst/>
+          </a:prstGeom>
+        </p:spPr>
+        <p:style>
+          <a:lnRef idx="2">
+            <a:schemeClr val="accent1">
+              <a:shade val="15000"/>
+            </a:schemeClr>
+          </a:lnRef>
+          <a:fillRef idx="1">
+            <a:schemeClr val="accent1"/>
+          </a:fillRef>
+          <a:effectRef idx="0">
+            <a:schemeClr val="accent1"/>
+          </a:effectRef>
+          <a:fontRef idx="minor">
+            <a:schemeClr val="lt1"/>
+          </a:fontRef>
+        </p:style>
+        <p:txBody>
+          <a:bodyPr rtlCol="0" anchor="ctr"/>
+          <a:lstStyle/>
+          <a:p>
+            <a:pPr algn="ctr"/>
+            <a:r>
+              <a:rPr lang="en-US" dirty="0">
+                <a:solidFill>
+                  <a:schemeClr val="tx1"/>
+                </a:solidFill>
+              </a:rPr>
+              <a:t>Scripts can only be loaded from the current domain + protocol + port and inline scripting is allowed.</a:t>
+            </a:r>
+          </a:p>
+        </p:txBody>
+      </p:sp>
+      <p:sp>
+        <p:nvSpPr>
+          <p:cNvPr id="11" name="Rectangle: Diagonal Corners Rounded 10">
+            <a:extLst>
+              <a:ext uri="{FF2B5EF4-FFF2-40B4-BE49-F238E27FC236}">
+                <a16:creationId xmlns:a16="http://schemas.microsoft.com/office/drawing/2014/main" id="{A7D19E2F-A42D-73E6-F1D7-2B057D3029A3}"/>
+              </a:ext>
+            </a:extLst>
+          </p:cNvPr>
+          <p:cNvSpPr/>
+          <p:nvPr/>
+        </p:nvSpPr>
+        <p:spPr>
+          <a:xfrm>
+            <a:off x="7576448" y="3831824"/>
+            <a:ext cx="4470400" cy="862936"/>
+          </a:xfrm>
+          <a:prstGeom prst="round2DiagRect">
+            <a:avLst/>
+          </a:prstGeom>
+        </p:spPr>
+        <p:style>
+          <a:lnRef idx="2">
+            <a:schemeClr val="accent1">
+              <a:shade val="15000"/>
+            </a:schemeClr>
+          </a:lnRef>
+          <a:fillRef idx="1">
+            <a:schemeClr val="accent1"/>
+          </a:fillRef>
+          <a:effectRef idx="0">
+            <a:schemeClr val="accent1"/>
+          </a:effectRef>
+          <a:fontRef idx="minor">
+            <a:schemeClr val="lt1"/>
+          </a:fontRef>
+        </p:style>
+        <p:txBody>
+          <a:bodyPr rtlCol="0" anchor="ctr"/>
+          <a:lstStyle/>
+          <a:p>
+            <a:pPr algn="ctr"/>
+            <a:r>
+              <a:rPr lang="en-US" dirty="0">
+                <a:solidFill>
+                  <a:schemeClr val="tx1"/>
+                </a:solidFill>
+              </a:rPr>
+              <a:t>Fonts can only be loaded from the current domain + protocol + port and fonts.google.com via HTTPS.</a:t>
+            </a:r>
+          </a:p>
+        </p:txBody>
+      </p:sp>
+      <p:sp>
+        <p:nvSpPr>
+          <p:cNvPr id="12" name="Rectangle: Diagonal Corners Rounded 11">
+            <a:extLst>
+              <a:ext uri="{FF2B5EF4-FFF2-40B4-BE49-F238E27FC236}">
+                <a16:creationId xmlns:a16="http://schemas.microsoft.com/office/drawing/2014/main" id="{5610DDCF-7ED4-E8BD-CA50-E3004EA8C91D}"/>
+              </a:ext>
+            </a:extLst>
+          </p:cNvPr>
+          <p:cNvSpPr/>
+          <p:nvPr/>
+        </p:nvSpPr>
+        <p:spPr>
+          <a:xfrm>
+            <a:off x="7605477" y="2804849"/>
+            <a:ext cx="4470400" cy="862936"/>
+          </a:xfrm>
+          <a:prstGeom prst="round2DiagRect">
+            <a:avLst/>
+          </a:prstGeom>
+        </p:spPr>
+        <p:style>
+          <a:lnRef idx="2">
+            <a:schemeClr val="accent1">
+              <a:shade val="15000"/>
+            </a:schemeClr>
+          </a:lnRef>
+          <a:fillRef idx="1">
+            <a:schemeClr val="accent1"/>
+          </a:fillRef>
+          <a:effectRef idx="0">
+            <a:schemeClr val="accent1"/>
+          </a:effectRef>
+          <a:fontRef idx="minor">
+            <a:schemeClr val="lt1"/>
+          </a:fontRef>
+        </p:style>
+        <p:txBody>
+          <a:bodyPr rtlCol="0" anchor="ctr"/>
+          <a:lstStyle/>
+          <a:p>
+            <a:pPr algn="ctr"/>
+            <a:r>
+              <a:rPr lang="en-US" dirty="0">
+                <a:solidFill>
+                  <a:schemeClr val="tx1"/>
+                </a:solidFill>
+              </a:rPr>
+              <a:t>Images can only be loaded from the current domain + protocol + port  and flowers.com via HTTP.</a:t>
+            </a:r>
+          </a:p>
+        </p:txBody>
+      </p:sp>
+      <p:sp>
+        <p:nvSpPr>
+          <p:cNvPr id="14" name="Rectangle 13">
+            <a:extLst>
+              <a:ext uri="{FF2B5EF4-FFF2-40B4-BE49-F238E27FC236}">
+                <a16:creationId xmlns:a16="http://schemas.microsoft.com/office/drawing/2014/main" id="{468A1EF0-1174-73DD-C49F-D104FD45242B}"/>
+              </a:ext>
+            </a:extLst>
+          </p:cNvPr>
+          <p:cNvSpPr/>
+          <p:nvPr/>
+        </p:nvSpPr>
+        <p:spPr>
+          <a:xfrm>
+            <a:off x="62910" y="2640810"/>
+            <a:ext cx="6981356" cy="347923"/>
+          </a:xfrm>
+          <a:prstGeom prst="rect">
+            <a:avLst/>
+          </a:prstGeom>
+          <a:noFill/>
+          <a:ln w="25400">
+            <a:solidFill>
+              <a:srgbClr val="00B0F0"/>
+            </a:solidFill>
+            <a:prstDash val="dash"/>
+          </a:ln>
+        </p:spPr>
+        <p:style>
+          <a:lnRef idx="2">
+            <a:schemeClr val="accent1">
+              <a:shade val="15000"/>
+            </a:schemeClr>
+          </a:lnRef>
+          <a:fillRef idx="1">
+            <a:schemeClr val="accent1"/>
+          </a:fillRef>
+          <a:effectRef idx="0">
+            <a:schemeClr val="accent1"/>
+          </a:effectRef>
+          <a:fontRef idx="minor">
+            <a:schemeClr val="lt1"/>
+          </a:fontRef>
+        </p:style>
+        <p:txBody>
+          <a:bodyPr rtlCol="0" anchor="ctr"/>
+          <a:lstStyle/>
+          <a:p>
+            <a:pPr algn="ctr"/>
+            <a:endParaRPr lang="en-US"/>
+          </a:p>
+        </p:txBody>
+      </p:sp>
+      <p:sp>
+        <p:nvSpPr>
+          <p:cNvPr id="15" name="Rectangle 14">
+            <a:extLst>
+              <a:ext uri="{FF2B5EF4-FFF2-40B4-BE49-F238E27FC236}">
+                <a16:creationId xmlns:a16="http://schemas.microsoft.com/office/drawing/2014/main" id="{7796B5BD-3B9F-F8E4-A74E-A5A34C5AABE4}"/>
+              </a:ext>
+            </a:extLst>
+          </p:cNvPr>
+          <p:cNvSpPr/>
+          <p:nvPr/>
+        </p:nvSpPr>
+        <p:spPr>
+          <a:xfrm>
+            <a:off x="62910" y="3033116"/>
+            <a:ext cx="6981357" cy="347923"/>
+          </a:xfrm>
+          <a:prstGeom prst="rect">
+            <a:avLst/>
+          </a:prstGeom>
+          <a:noFill/>
+          <a:ln w="25400">
+            <a:solidFill>
+              <a:srgbClr val="00B050"/>
+            </a:solidFill>
+            <a:prstDash val="dash"/>
+          </a:ln>
+        </p:spPr>
+        <p:style>
+          <a:lnRef idx="2">
+            <a:schemeClr val="accent1">
+              <a:shade val="15000"/>
+            </a:schemeClr>
+          </a:lnRef>
+          <a:fillRef idx="1">
+            <a:schemeClr val="accent1"/>
+          </a:fillRef>
+          <a:effectRef idx="0">
+            <a:schemeClr val="accent1"/>
+          </a:effectRef>
+          <a:fontRef idx="minor">
+            <a:schemeClr val="lt1"/>
+          </a:fontRef>
+        </p:style>
+        <p:txBody>
+          <a:bodyPr rtlCol="0" anchor="ctr"/>
+          <a:lstStyle/>
+          <a:p>
+            <a:pPr algn="ctr"/>
+            <a:endParaRPr lang="en-US"/>
+          </a:p>
+        </p:txBody>
+      </p:sp>
+      <p:sp>
+        <p:nvSpPr>
+          <p:cNvPr id="16" name="Rectangle 15">
+            <a:extLst>
+              <a:ext uri="{FF2B5EF4-FFF2-40B4-BE49-F238E27FC236}">
+                <a16:creationId xmlns:a16="http://schemas.microsoft.com/office/drawing/2014/main" id="{B88C1E16-D56D-A9C9-7FE3-AA00E07F8236}"/>
+              </a:ext>
+            </a:extLst>
+          </p:cNvPr>
+          <p:cNvSpPr/>
+          <p:nvPr/>
+        </p:nvSpPr>
+        <p:spPr>
+          <a:xfrm>
+            <a:off x="62909" y="3431714"/>
+            <a:ext cx="6981357" cy="347923"/>
+          </a:xfrm>
+          <a:prstGeom prst="rect">
+            <a:avLst/>
+          </a:prstGeom>
+          <a:noFill/>
+          <a:ln w="25400">
+            <a:solidFill>
+              <a:srgbClr val="FFC000"/>
+            </a:solidFill>
+            <a:prstDash val="dash"/>
+          </a:ln>
+        </p:spPr>
+        <p:style>
+          <a:lnRef idx="2">
+            <a:schemeClr val="accent1">
+              <a:shade val="15000"/>
+            </a:schemeClr>
+          </a:lnRef>
+          <a:fillRef idx="1">
+            <a:schemeClr val="accent1"/>
+          </a:fillRef>
+          <a:effectRef idx="0">
+            <a:schemeClr val="accent1"/>
+          </a:effectRef>
+          <a:fontRef idx="minor">
+            <a:schemeClr val="lt1"/>
+          </a:fontRef>
+        </p:style>
+        <p:txBody>
+          <a:bodyPr rtlCol="0" anchor="ctr"/>
+          <a:lstStyle/>
+          <a:p>
+            <a:pPr algn="ctr"/>
+            <a:endParaRPr lang="en-US"/>
+          </a:p>
+        </p:txBody>
+      </p:sp>
+      <p:sp>
+        <p:nvSpPr>
+          <p:cNvPr id="17" name="Rectangle 16">
+            <a:extLst>
+              <a:ext uri="{FF2B5EF4-FFF2-40B4-BE49-F238E27FC236}">
+                <a16:creationId xmlns:a16="http://schemas.microsoft.com/office/drawing/2014/main" id="{8170BD9B-5205-689C-0406-AAAD4F98A374}"/>
+              </a:ext>
+            </a:extLst>
+          </p:cNvPr>
+          <p:cNvSpPr/>
+          <p:nvPr/>
+        </p:nvSpPr>
+        <p:spPr>
+          <a:xfrm>
+            <a:off x="62908" y="3806459"/>
+            <a:ext cx="6981359" cy="347923"/>
+          </a:xfrm>
+          <a:prstGeom prst="rect">
+            <a:avLst/>
+          </a:prstGeom>
+          <a:noFill/>
+          <a:ln w="25400">
+            <a:solidFill>
+              <a:srgbClr val="C00000"/>
+            </a:solidFill>
+            <a:prstDash val="dash"/>
+          </a:ln>
+        </p:spPr>
+        <p:style>
+          <a:lnRef idx="2">
+            <a:schemeClr val="accent1">
+              <a:shade val="15000"/>
+            </a:schemeClr>
+          </a:lnRef>
+          <a:fillRef idx="1">
+            <a:schemeClr val="accent1"/>
+          </a:fillRef>
+          <a:effectRef idx="0">
+            <a:schemeClr val="accent1"/>
+          </a:effectRef>
+          <a:fontRef idx="minor">
+            <a:schemeClr val="lt1"/>
+          </a:fontRef>
+        </p:style>
+        <p:txBody>
+          <a:bodyPr rtlCol="0" anchor="ctr"/>
+          <a:lstStyle/>
+          <a:p>
+            <a:pPr algn="ctr"/>
+            <a:endParaRPr lang="en-US"/>
+          </a:p>
+        </p:txBody>
+      </p:sp>
+      <p:pic>
+        <p:nvPicPr>
+          <p:cNvPr id="19" name="Picture 18" descr="Cartoon of a person holding a pointer&#10;&#10;Description automatically generated">
+            <a:extLst>
+              <a:ext uri="{FF2B5EF4-FFF2-40B4-BE49-F238E27FC236}">
+                <a16:creationId xmlns:a16="http://schemas.microsoft.com/office/drawing/2014/main" id="{11D712B5-C4F8-04DF-564F-617AEC3A0A31}"/>
+              </a:ext>
+            </a:extLst>
+          </p:cNvPr>
+          <p:cNvPicPr>
+            <a:picLocks noChangeAspect="1"/>
+          </p:cNvPicPr>
+          <p:nvPr/>
+        </p:nvPicPr>
+        <p:blipFill>
+          <a:blip r:embed="rId2"/>
+          <a:stretch>
+            <a:fillRect/>
+          </a:stretch>
+        </p:blipFill>
+        <p:spPr>
+          <a:xfrm>
+            <a:off x="11492478" y="53328"/>
+            <a:ext cx="583399" cy="684726"/>
+          </a:xfrm>
+          <a:prstGeom prst="rect">
+            <a:avLst/>
+          </a:prstGeom>
+        </p:spPr>
+      </p:pic>
     </p:spTree>
     <p:extLst>
       <p:ext uri="{BB962C8B-B14F-4D97-AF65-F5344CB8AC3E}">
         <p14:creationId xmlns:p14="http://schemas.microsoft.com/office/powerpoint/2010/main" val="4159186112"/>
+      </p:ext>
+    </p:extLst>
+  </p:cSld>
+  <p:clrMapOvr>
+    <a:masterClrMapping/>
+  </p:clrMapOvr>
+  <p:timing>
+    <p:tnLst>
+      <p:par>
+        <p:cTn id="1" dur="indefinite" restart="never" nodeType="tmRoot">
+          <p:childTnLst>
+            <p:seq concurrent="1" nextAc="seek">
+              <p:cTn id="2" dur="indefinite" nodeType="mainSeq">
+                <p:childTnLst>
+                  <p:par>
+                    <p:cTn id="3" fill="hold">
+                      <p:stCondLst>
+                        <p:cond delay="indefinite"/>
+                      </p:stCondLst>
+                      <p:childTnLst>
+                        <p:par>
+                          <p:cTn id="4" fill="hold">
+                            <p:stCondLst>
+                              <p:cond delay="0"/>
+                            </p:stCondLst>
+                            <p:childTnLst>
+                              <p:par>
+                                <p:cTn id="5" presetID="10" presetClass="entr" presetSubtype="0" fill="hold" grpId="0" nodeType="clickEffect">
+                                  <p:stCondLst>
+                                    <p:cond delay="0"/>
+                                  </p:stCondLst>
+                                  <p:childTnLst>
+                                    <p:set>
+                                      <p:cBhvr>
+                                        <p:cTn id="6" dur="1" fill="hold">
+                                          <p:stCondLst>
+                                            <p:cond delay="0"/>
+                                          </p:stCondLst>
+                                        </p:cTn>
+                                        <p:tgtEl>
+                                          <p:spTgt spid="14"/>
+                                        </p:tgtEl>
+                                        <p:attrNameLst>
+                                          <p:attrName>style.visibility</p:attrName>
+                                        </p:attrNameLst>
+                                      </p:cBhvr>
+                                      <p:to>
+                                        <p:strVal val="visible"/>
+                                      </p:to>
+                                    </p:set>
+                                    <p:animEffect transition="in" filter="fade">
+                                      <p:cBhvr>
+                                        <p:cTn id="7" dur="500"/>
+                                        <p:tgtEl>
+                                          <p:spTgt spid="14"/>
+                                        </p:tgtEl>
+                                      </p:cBhvr>
+                                    </p:animEffect>
+                                  </p:childTnLst>
+                                </p:cTn>
+                              </p:par>
+                              <p:par>
+                                <p:cTn id="8" presetID="10" presetClass="entr" presetSubtype="0" fill="hold" grpId="0" nodeType="withEffect">
+                                  <p:stCondLst>
+                                    <p:cond delay="0"/>
+                                  </p:stCondLst>
+                                  <p:childTnLst>
+                                    <p:set>
+                                      <p:cBhvr>
+                                        <p:cTn id="9" dur="1" fill="hold">
+                                          <p:stCondLst>
+                                            <p:cond delay="0"/>
+                                          </p:stCondLst>
+                                        </p:cTn>
+                                        <p:tgtEl>
+                                          <p:spTgt spid="9"/>
+                                        </p:tgtEl>
+                                        <p:attrNameLst>
+                                          <p:attrName>style.visibility</p:attrName>
+                                        </p:attrNameLst>
+                                      </p:cBhvr>
+                                      <p:to>
+                                        <p:strVal val="visible"/>
+                                      </p:to>
+                                    </p:set>
+                                    <p:animEffect transition="in" filter="fade">
+                                      <p:cBhvr>
+                                        <p:cTn id="10" dur="500"/>
+                                        <p:tgtEl>
+                                          <p:spTgt spid="9"/>
+                                        </p:tgtEl>
+                                      </p:cBhvr>
+                                    </p:animEffect>
+                                  </p:childTnLst>
+                                </p:cTn>
+                              </p:par>
+                            </p:childTnLst>
+                          </p:cTn>
+                        </p:par>
+                      </p:childTnLst>
+                    </p:cTn>
+                  </p:par>
+                  <p:par>
+                    <p:cTn id="11" fill="hold">
+                      <p:stCondLst>
+                        <p:cond delay="indefinite"/>
+                      </p:stCondLst>
+                      <p:childTnLst>
+                        <p:par>
+                          <p:cTn id="12" fill="hold">
+                            <p:stCondLst>
+                              <p:cond delay="0"/>
+                            </p:stCondLst>
+                            <p:childTnLst>
+                              <p:par>
+                                <p:cTn id="13" presetID="10" presetClass="entr" presetSubtype="0" fill="hold" grpId="0" nodeType="clickEffect">
+                                  <p:stCondLst>
+                                    <p:cond delay="0"/>
+                                  </p:stCondLst>
+                                  <p:childTnLst>
+                                    <p:set>
+                                      <p:cBhvr>
+                                        <p:cTn id="14" dur="1" fill="hold">
+                                          <p:stCondLst>
+                                            <p:cond delay="0"/>
+                                          </p:stCondLst>
+                                        </p:cTn>
+                                        <p:tgtEl>
+                                          <p:spTgt spid="10"/>
+                                        </p:tgtEl>
+                                        <p:attrNameLst>
+                                          <p:attrName>style.visibility</p:attrName>
+                                        </p:attrNameLst>
+                                      </p:cBhvr>
+                                      <p:to>
+                                        <p:strVal val="visible"/>
+                                      </p:to>
+                                    </p:set>
+                                    <p:animEffect transition="in" filter="fade">
+                                      <p:cBhvr>
+                                        <p:cTn id="15" dur="500"/>
+                                        <p:tgtEl>
+                                          <p:spTgt spid="10"/>
+                                        </p:tgtEl>
+                                      </p:cBhvr>
+                                    </p:animEffect>
+                                  </p:childTnLst>
+                                </p:cTn>
+                              </p:par>
+                              <p:par>
+                                <p:cTn id="16" presetID="10" presetClass="entr" presetSubtype="0" fill="hold" grpId="0" nodeType="withEffect">
+                                  <p:stCondLst>
+                                    <p:cond delay="0"/>
+                                  </p:stCondLst>
+                                  <p:childTnLst>
+                                    <p:set>
+                                      <p:cBhvr>
+                                        <p:cTn id="17" dur="1" fill="hold">
+                                          <p:stCondLst>
+                                            <p:cond delay="0"/>
+                                          </p:stCondLst>
+                                        </p:cTn>
+                                        <p:tgtEl>
+                                          <p:spTgt spid="15"/>
+                                        </p:tgtEl>
+                                        <p:attrNameLst>
+                                          <p:attrName>style.visibility</p:attrName>
+                                        </p:attrNameLst>
+                                      </p:cBhvr>
+                                      <p:to>
+                                        <p:strVal val="visible"/>
+                                      </p:to>
+                                    </p:set>
+                                    <p:animEffect transition="in" filter="fade">
+                                      <p:cBhvr>
+                                        <p:cTn id="18" dur="500"/>
+                                        <p:tgtEl>
+                                          <p:spTgt spid="15"/>
+                                        </p:tgtEl>
+                                      </p:cBhvr>
+                                    </p:animEffect>
+                                  </p:childTnLst>
+                                </p:cTn>
+                              </p:par>
+                            </p:childTnLst>
+                          </p:cTn>
+                        </p:par>
+                      </p:childTnLst>
+                    </p:cTn>
+                  </p:par>
+                  <p:par>
+                    <p:cTn id="19" fill="hold">
+                      <p:stCondLst>
+                        <p:cond delay="indefinite"/>
+                      </p:stCondLst>
+                      <p:childTnLst>
+                        <p:par>
+                          <p:cTn id="20" fill="hold">
+                            <p:stCondLst>
+                              <p:cond delay="0"/>
+                            </p:stCondLst>
+                            <p:childTnLst>
+                              <p:par>
+                                <p:cTn id="21" presetID="10" presetClass="entr" presetSubtype="0" fill="hold" grpId="0" nodeType="clickEffect">
+                                  <p:stCondLst>
+                                    <p:cond delay="0"/>
+                                  </p:stCondLst>
+                                  <p:childTnLst>
+                                    <p:set>
+                                      <p:cBhvr>
+                                        <p:cTn id="22" dur="1" fill="hold">
+                                          <p:stCondLst>
+                                            <p:cond delay="0"/>
+                                          </p:stCondLst>
+                                        </p:cTn>
+                                        <p:tgtEl>
+                                          <p:spTgt spid="16"/>
+                                        </p:tgtEl>
+                                        <p:attrNameLst>
+                                          <p:attrName>style.visibility</p:attrName>
+                                        </p:attrNameLst>
+                                      </p:cBhvr>
+                                      <p:to>
+                                        <p:strVal val="visible"/>
+                                      </p:to>
+                                    </p:set>
+                                    <p:animEffect transition="in" filter="fade">
+                                      <p:cBhvr>
+                                        <p:cTn id="23" dur="500"/>
+                                        <p:tgtEl>
+                                          <p:spTgt spid="16"/>
+                                        </p:tgtEl>
+                                      </p:cBhvr>
+                                    </p:animEffect>
+                                  </p:childTnLst>
+                                </p:cTn>
+                              </p:par>
+                              <p:par>
+                                <p:cTn id="24" presetID="10" presetClass="entr" presetSubtype="0" fill="hold" grpId="0" nodeType="withEffect">
+                                  <p:stCondLst>
+                                    <p:cond delay="0"/>
+                                  </p:stCondLst>
+                                  <p:childTnLst>
+                                    <p:set>
+                                      <p:cBhvr>
+                                        <p:cTn id="25" dur="1" fill="hold">
+                                          <p:stCondLst>
+                                            <p:cond delay="0"/>
+                                          </p:stCondLst>
+                                        </p:cTn>
+                                        <p:tgtEl>
+                                          <p:spTgt spid="12"/>
+                                        </p:tgtEl>
+                                        <p:attrNameLst>
+                                          <p:attrName>style.visibility</p:attrName>
+                                        </p:attrNameLst>
+                                      </p:cBhvr>
+                                      <p:to>
+                                        <p:strVal val="visible"/>
+                                      </p:to>
+                                    </p:set>
+                                    <p:animEffect transition="in" filter="fade">
+                                      <p:cBhvr>
+                                        <p:cTn id="26" dur="500"/>
+                                        <p:tgtEl>
+                                          <p:spTgt spid="12"/>
+                                        </p:tgtEl>
+                                      </p:cBhvr>
+                                    </p:animEffect>
+                                  </p:childTnLst>
+                                </p:cTn>
+                              </p:par>
+                            </p:childTnLst>
+                          </p:cTn>
+                        </p:par>
+                      </p:childTnLst>
+                    </p:cTn>
+                  </p:par>
+                  <p:par>
+                    <p:cTn id="27" fill="hold">
+                      <p:stCondLst>
+                        <p:cond delay="indefinite"/>
+                      </p:stCondLst>
+                      <p:childTnLst>
+                        <p:par>
+                          <p:cTn id="28" fill="hold">
+                            <p:stCondLst>
+                              <p:cond delay="0"/>
+                            </p:stCondLst>
+                            <p:childTnLst>
+                              <p:par>
+                                <p:cTn id="29" presetID="10" presetClass="entr" presetSubtype="0" fill="hold" grpId="0" nodeType="clickEffect">
+                                  <p:stCondLst>
+                                    <p:cond delay="0"/>
+                                  </p:stCondLst>
+                                  <p:childTnLst>
+                                    <p:set>
+                                      <p:cBhvr>
+                                        <p:cTn id="30" dur="1" fill="hold">
+                                          <p:stCondLst>
+                                            <p:cond delay="0"/>
+                                          </p:stCondLst>
+                                        </p:cTn>
+                                        <p:tgtEl>
+                                          <p:spTgt spid="17"/>
+                                        </p:tgtEl>
+                                        <p:attrNameLst>
+                                          <p:attrName>style.visibility</p:attrName>
+                                        </p:attrNameLst>
+                                      </p:cBhvr>
+                                      <p:to>
+                                        <p:strVal val="visible"/>
+                                      </p:to>
+                                    </p:set>
+                                    <p:animEffect transition="in" filter="fade">
+                                      <p:cBhvr>
+                                        <p:cTn id="31" dur="500"/>
+                                        <p:tgtEl>
+                                          <p:spTgt spid="17"/>
+                                        </p:tgtEl>
+                                      </p:cBhvr>
+                                    </p:animEffect>
+                                  </p:childTnLst>
+                                </p:cTn>
+                              </p:par>
+                              <p:par>
+                                <p:cTn id="32" presetID="10" presetClass="entr" presetSubtype="0" fill="hold" grpId="0" nodeType="withEffect">
+                                  <p:stCondLst>
+                                    <p:cond delay="0"/>
+                                  </p:stCondLst>
+                                  <p:childTnLst>
+                                    <p:set>
+                                      <p:cBhvr>
+                                        <p:cTn id="33" dur="1" fill="hold">
+                                          <p:stCondLst>
+                                            <p:cond delay="0"/>
+                                          </p:stCondLst>
+                                        </p:cTn>
+                                        <p:tgtEl>
+                                          <p:spTgt spid="11"/>
+                                        </p:tgtEl>
+                                        <p:attrNameLst>
+                                          <p:attrName>style.visibility</p:attrName>
+                                        </p:attrNameLst>
+                                      </p:cBhvr>
+                                      <p:to>
+                                        <p:strVal val="visible"/>
+                                      </p:to>
+                                    </p:set>
+                                    <p:animEffect transition="in" filter="fade">
+                                      <p:cBhvr>
+                                        <p:cTn id="34" dur="500"/>
+                                        <p:tgtEl>
+                                          <p:spTgt spid="11"/>
+                                        </p:tgtEl>
+                                      </p:cBhvr>
+                                    </p:animEffect>
+                                  </p:childTnLst>
+                                </p:cTn>
+                              </p:par>
+                            </p:childTnLst>
+                          </p:cTn>
+                        </p:par>
+                      </p:childTnLst>
+                    </p:cTn>
+                  </p:par>
+                </p:childTnLst>
+              </p:cTn>
+              <p:prevCondLst>
+                <p:cond evt="onPrev" delay="0">
+                  <p:tgtEl>
+                    <p:sldTgt/>
+                  </p:tgtEl>
+                </p:cond>
+              </p:prevCondLst>
+              <p:nextCondLst>
+                <p:cond evt="onNext" delay="0">
+                  <p:tgtEl>
+                    <p:sldTgt/>
+                  </p:tgtEl>
+                </p:cond>
+              </p:nextCondLst>
+            </p:seq>
+          </p:childTnLst>
+        </p:cTn>
+      </p:par>
+    </p:tnLst>
+    <p:bldLst>
+      <p:bldP spid="9" grpId="0" animBg="1"/>
+      <p:bldP spid="10" grpId="0" animBg="1"/>
+      <p:bldP spid="11" grpId="0" animBg="1"/>
+      <p:bldP spid="12" grpId="0" animBg="1"/>
+      <p:bldP spid="14" grpId="0" animBg="1"/>
+      <p:bldP spid="15" grpId="0" animBg="1"/>
+      <p:bldP spid="16" grpId="0" animBg="1"/>
+      <p:bldP spid="17" grpId="0" animBg="1"/>
+    </p:bldLst>
+  </p:timing>
+</p:sld>
+</file>
+
+<file path=ppt/slides/slide13.xml><?xml version="1.0" encoding="utf-8"?>
+<p:sld xmlns:a="http://schemas.openxmlformats.org/drawingml/2006/main" xmlns:r="http://schemas.openxmlformats.org/officeDocument/2006/relationships" xmlns:p="http://schemas.openxmlformats.org/presentationml/2006/main">
+  <p:cSld>
+    <p:spTree>
+      <p:nvGrpSpPr>
+        <p:cNvPr id="1" name=""/>
+        <p:cNvGrpSpPr/>
+        <p:nvPr/>
+      </p:nvGrpSpPr>
+      <p:grpSpPr>
+        <a:xfrm>
+          <a:off x="0" y="0"/>
+          <a:ext cx="0" cy="0"/>
+          <a:chOff x="0" y="0"/>
+          <a:chExt cx="0" cy="0"/>
+        </a:xfrm>
+      </p:grpSpPr>
+      <p:sp>
+        <p:nvSpPr>
+          <p:cNvPr id="2" name="Title 1">
+            <a:extLst>
+              <a:ext uri="{FF2B5EF4-FFF2-40B4-BE49-F238E27FC236}">
+                <a16:creationId xmlns:a16="http://schemas.microsoft.com/office/drawing/2014/main" id="{5CE54ABB-4929-4810-950B-2DAEA0A5BAB4}"/>
+              </a:ext>
+            </a:extLst>
+          </p:cNvPr>
+          <p:cNvSpPr>
+            <a:spLocks noGrp="1"/>
+          </p:cNvSpPr>
+          <p:nvPr>
+            <p:ph type="title"/>
+          </p:nvPr>
+        </p:nvSpPr>
+        <p:spPr>
+          <a:xfrm>
+            <a:off x="0" y="927496"/>
+            <a:ext cx="12192000" cy="562637"/>
+          </a:xfrm>
+        </p:spPr>
+        <p:txBody>
+          <a:bodyPr>
+            <a:normAutofit/>
+          </a:bodyPr>
+          <a:lstStyle/>
+          <a:p>
+            <a:pPr algn="l"/>
+            <a:r>
+              <a:rPr lang="en-US" dirty="0"/>
+              <a:t>👨‍🎓Content-Security-Policy header?</a:t>
+            </a:r>
+          </a:p>
+        </p:txBody>
+      </p:sp>
+      <p:sp>
+        <p:nvSpPr>
+          <p:cNvPr id="7" name="Content Placeholder 6">
+            <a:extLst>
+              <a:ext uri="{FF2B5EF4-FFF2-40B4-BE49-F238E27FC236}">
+                <a16:creationId xmlns:a16="http://schemas.microsoft.com/office/drawing/2014/main" id="{6B35F89A-6CDF-41F7-BD87-18B45BD7330B}"/>
+              </a:ext>
+            </a:extLst>
+          </p:cNvPr>
+          <p:cNvSpPr>
+            <a:spLocks noGrp="1"/>
+          </p:cNvSpPr>
+          <p:nvPr>
+            <p:ph sz="half" idx="2"/>
+          </p:nvPr>
+        </p:nvSpPr>
+        <p:spPr>
+          <a:xfrm>
+            <a:off x="62910" y="1679575"/>
+            <a:ext cx="12129090" cy="4365625"/>
+          </a:xfrm>
+        </p:spPr>
+        <p:txBody>
+          <a:bodyPr vert="horz" lIns="91440" tIns="45720" rIns="91440" bIns="45720" rtlCol="0" anchor="t">
+            <a:normAutofit/>
+          </a:bodyPr>
+          <a:lstStyle/>
+          <a:p>
+            <a:pPr marL="285750" indent="-285750">
+              <a:buFont typeface="Arial" panose="020B0604020202020204" pitchFamily="34" charset="0"/>
+              <a:buChar char="•"/>
+            </a:pPr>
+            <a:r>
+              <a:rPr lang="en-US" sz="2400" noProof="1"/>
+              <a:t>CSP offer the possibility to define, a </a:t>
+            </a:r>
+            <a:r>
+              <a:rPr lang="en-US" sz="2400" noProof="1">
+                <a:solidFill>
+                  <a:schemeClr val="accent6"/>
+                </a:solidFill>
+              </a:rPr>
+              <a:t>default directive</a:t>
+            </a:r>
+            <a:r>
+              <a:rPr lang="en-US" sz="2400" noProof="1"/>
+              <a:t>, that the browser used to identify allowed sources if certain directives are not defined in the policy.</a:t>
+            </a:r>
+          </a:p>
+          <a:p>
+            <a:pPr marL="285750" indent="-285750">
+              <a:buFont typeface="Arial" panose="020B0604020202020204" pitchFamily="34" charset="0"/>
+              <a:buChar char="•"/>
+            </a:pPr>
+            <a:endParaRPr lang="en-US" sz="2400" noProof="1"/>
+          </a:p>
+          <a:p>
+            <a:pPr marL="285750" indent="-285750">
+              <a:buFont typeface="Arial" panose="020B0604020202020204" pitchFamily="34" charset="0"/>
+              <a:buChar char="•"/>
+            </a:pPr>
+            <a:r>
+              <a:rPr lang="en-US" sz="2400" noProof="1"/>
+              <a:t>This directive is named </a:t>
+            </a:r>
+            <a:r>
+              <a:rPr lang="en-US" sz="2400" b="1" noProof="1">
+                <a:solidFill>
+                  <a:schemeClr val="accent6"/>
+                </a:solidFill>
+              </a:rPr>
+              <a:t>default-src</a:t>
+            </a:r>
+          </a:p>
+          <a:p>
+            <a:pPr marL="285750" indent="-285750">
+              <a:buFont typeface="Arial" panose="020B0604020202020204" pitchFamily="34" charset="0"/>
+              <a:buChar char="•"/>
+            </a:pPr>
+            <a:endParaRPr lang="en-US" sz="2400" b="1" noProof="1">
+              <a:solidFill>
+                <a:schemeClr val="accent6"/>
+              </a:solidFill>
+            </a:endParaRPr>
+          </a:p>
+          <a:p>
+            <a:pPr marL="285750" indent="-285750">
+              <a:buFont typeface="Arial" panose="020B0604020202020204" pitchFamily="34" charset="0"/>
+              <a:buChar char="•"/>
+            </a:pPr>
+            <a:r>
+              <a:rPr lang="en-US" sz="2400" noProof="1"/>
+              <a:t>Example based on our previous CSP sample: </a:t>
+            </a:r>
+            <a:r>
+              <a:rPr lang="en-US" sz="2400" i="1" noProof="1"/>
+              <a:t>All media (audio/video) will only be loaded from the current domain + protocol + port because the directive </a:t>
+            </a:r>
+            <a:r>
+              <a:rPr lang="en-US" sz="2400" b="1" i="1" noProof="1">
+                <a:solidFill>
+                  <a:schemeClr val="accent6"/>
+                </a:solidFill>
+              </a:rPr>
+              <a:t>media-src</a:t>
+            </a:r>
+            <a:r>
+              <a:rPr lang="en-US" sz="2400" i="1" noProof="1"/>
+              <a:t> is not defined</a:t>
+            </a:r>
+          </a:p>
+        </p:txBody>
+      </p:sp>
+      <p:sp>
+        <p:nvSpPr>
+          <p:cNvPr id="6" name="TextBox 5">
+            <a:extLst>
+              <a:ext uri="{FF2B5EF4-FFF2-40B4-BE49-F238E27FC236}">
+                <a16:creationId xmlns:a16="http://schemas.microsoft.com/office/drawing/2014/main" id="{ADCB44BA-722F-37E9-E50B-247546600B21}"/>
+              </a:ext>
+            </a:extLst>
+          </p:cNvPr>
+          <p:cNvSpPr txBox="1"/>
+          <p:nvPr/>
+        </p:nvSpPr>
+        <p:spPr>
+          <a:xfrm>
+            <a:off x="142727" y="5445035"/>
+            <a:ext cx="11906545" cy="1200329"/>
+          </a:xfrm>
+          <a:prstGeom prst="rect">
+            <a:avLst/>
+          </a:prstGeom>
+          <a:noFill/>
+        </p:spPr>
+        <p:txBody>
+          <a:bodyPr wrap="square" rtlCol="0">
+            <a:spAutoFit/>
+          </a:bodyPr>
+          <a:lstStyle/>
+          <a:p>
+            <a:r>
+              <a:rPr lang="en-US" sz="2400" b="1" dirty="0">
+                <a:latin typeface="Consolas" panose="020B0609020204030204" pitchFamily="49" charset="0"/>
+              </a:rPr>
+              <a:t>Content-Security-Policy: </a:t>
+            </a:r>
+            <a:r>
+              <a:rPr lang="en-US" sz="2400" b="1" dirty="0">
+                <a:solidFill>
+                  <a:schemeClr val="accent6"/>
+                </a:solidFill>
+                <a:latin typeface="Consolas" panose="020B0609020204030204" pitchFamily="49" charset="0"/>
+              </a:rPr>
+              <a:t>default-</a:t>
+            </a:r>
+            <a:r>
+              <a:rPr lang="en-US" sz="2400" b="1" dirty="0" err="1">
+                <a:solidFill>
+                  <a:schemeClr val="accent6"/>
+                </a:solidFill>
+                <a:latin typeface="Consolas" panose="020B0609020204030204" pitchFamily="49" charset="0"/>
+              </a:rPr>
+              <a:t>src</a:t>
+            </a:r>
+            <a:r>
+              <a:rPr lang="en-US" sz="2400" b="1" dirty="0">
+                <a:latin typeface="Consolas" panose="020B0609020204030204" pitchFamily="49" charset="0"/>
+              </a:rPr>
+              <a:t> </a:t>
+            </a:r>
+            <a:r>
+              <a:rPr lang="en-US" sz="2400" b="1" dirty="0">
+                <a:solidFill>
+                  <a:srgbClr val="7030A0"/>
+                </a:solidFill>
+                <a:latin typeface="Consolas" panose="020B0609020204030204" pitchFamily="49" charset="0"/>
+              </a:rPr>
+              <a:t>'self’</a:t>
+            </a:r>
+            <a:r>
+              <a:rPr lang="en-US" sz="2400" dirty="0">
+                <a:latin typeface="Consolas" panose="020B0609020204030204" pitchFamily="49" charset="0"/>
+              </a:rPr>
+              <a:t> ; </a:t>
+            </a:r>
+            <a:r>
+              <a:rPr lang="en-US" sz="2400" dirty="0">
+                <a:solidFill>
+                  <a:schemeClr val="accent6"/>
+                </a:solidFill>
+                <a:latin typeface="Consolas" panose="020B0609020204030204" pitchFamily="49" charset="0"/>
+              </a:rPr>
+              <a:t>script-</a:t>
+            </a:r>
+            <a:r>
+              <a:rPr lang="en-US" sz="2400" dirty="0" err="1">
+                <a:solidFill>
+                  <a:schemeClr val="accent6"/>
+                </a:solidFill>
+                <a:latin typeface="Consolas" panose="020B0609020204030204" pitchFamily="49" charset="0"/>
+              </a:rPr>
+              <a:t>src</a:t>
+            </a:r>
+            <a:r>
+              <a:rPr lang="en-US" sz="2400" dirty="0">
+                <a:latin typeface="Consolas" panose="020B0609020204030204" pitchFamily="49" charset="0"/>
+              </a:rPr>
+              <a:t> </a:t>
+            </a:r>
+            <a:r>
+              <a:rPr lang="en-US" sz="2400" dirty="0">
+                <a:solidFill>
+                  <a:srgbClr val="7030A0"/>
+                </a:solidFill>
+                <a:latin typeface="Consolas" panose="020B0609020204030204" pitchFamily="49" charset="0"/>
+              </a:rPr>
+              <a:t>'self' 'unsafe-inline’ </a:t>
+            </a:r>
+            <a:r>
+              <a:rPr lang="en-US" sz="2400" dirty="0">
+                <a:latin typeface="Consolas" panose="020B0609020204030204" pitchFamily="49" charset="0"/>
+              </a:rPr>
+              <a:t>; </a:t>
+            </a:r>
+            <a:r>
+              <a:rPr lang="en-US" sz="2400" dirty="0" err="1">
+                <a:solidFill>
+                  <a:schemeClr val="accent6"/>
+                </a:solidFill>
+                <a:latin typeface="Consolas" panose="020B0609020204030204" pitchFamily="49" charset="0"/>
+              </a:rPr>
+              <a:t>img-src</a:t>
+            </a:r>
+            <a:r>
+              <a:rPr lang="en-US" sz="2400" dirty="0">
+                <a:latin typeface="Consolas" panose="020B0609020204030204" pitchFamily="49" charset="0"/>
+              </a:rPr>
+              <a:t> </a:t>
+            </a:r>
+            <a:r>
+              <a:rPr lang="en-US" sz="2400" dirty="0">
+                <a:solidFill>
+                  <a:srgbClr val="7030A0"/>
+                </a:solidFill>
+                <a:latin typeface="Consolas" panose="020B0609020204030204" pitchFamily="49" charset="0"/>
+              </a:rPr>
+              <a:t>'self' http://flowers.com </a:t>
+            </a:r>
+            <a:r>
+              <a:rPr lang="en-US" sz="2400" dirty="0">
+                <a:latin typeface="Consolas" panose="020B0609020204030204" pitchFamily="49" charset="0"/>
+              </a:rPr>
+              <a:t>; </a:t>
+            </a:r>
+            <a:r>
+              <a:rPr lang="en-US" sz="2400" dirty="0">
+                <a:solidFill>
+                  <a:schemeClr val="accent6"/>
+                </a:solidFill>
+                <a:latin typeface="Consolas" panose="020B0609020204030204" pitchFamily="49" charset="0"/>
+              </a:rPr>
+              <a:t>font-</a:t>
+            </a:r>
+            <a:r>
+              <a:rPr lang="en-US" sz="2400" dirty="0" err="1">
+                <a:solidFill>
+                  <a:schemeClr val="accent6"/>
+                </a:solidFill>
+                <a:latin typeface="Consolas" panose="020B0609020204030204" pitchFamily="49" charset="0"/>
+              </a:rPr>
+              <a:t>src</a:t>
+            </a:r>
+            <a:r>
+              <a:rPr lang="en-US" sz="2400" dirty="0">
+                <a:latin typeface="Consolas" panose="020B0609020204030204" pitchFamily="49" charset="0"/>
+              </a:rPr>
+              <a:t> </a:t>
+            </a:r>
+            <a:r>
+              <a:rPr lang="en-US" sz="2400" dirty="0">
+                <a:solidFill>
+                  <a:srgbClr val="7030A0"/>
+                </a:solidFill>
+                <a:latin typeface="Consolas" panose="020B0609020204030204" pitchFamily="49" charset="0"/>
+              </a:rPr>
+              <a:t>'self' https://fonts.google.com</a:t>
+            </a:r>
+          </a:p>
+        </p:txBody>
+      </p:sp>
+      <p:sp>
+        <p:nvSpPr>
+          <p:cNvPr id="3" name="Rectangle 2">
+            <a:extLst>
+              <a:ext uri="{FF2B5EF4-FFF2-40B4-BE49-F238E27FC236}">
+                <a16:creationId xmlns:a16="http://schemas.microsoft.com/office/drawing/2014/main" id="{0B4E8C93-457E-5F52-9D98-07FF32B81CAF}"/>
+              </a:ext>
+            </a:extLst>
+          </p:cNvPr>
+          <p:cNvSpPr/>
+          <p:nvPr/>
+        </p:nvSpPr>
+        <p:spPr>
+          <a:xfrm>
+            <a:off x="4368800" y="5445035"/>
+            <a:ext cx="3132666" cy="452087"/>
+          </a:xfrm>
+          <a:prstGeom prst="rect">
+            <a:avLst/>
+          </a:prstGeom>
+          <a:noFill/>
+          <a:ln w="25400">
+            <a:solidFill>
+              <a:srgbClr val="00B0F0"/>
+            </a:solidFill>
+            <a:prstDash val="sysDash"/>
+          </a:ln>
+        </p:spPr>
+        <p:style>
+          <a:lnRef idx="2">
+            <a:schemeClr val="accent1">
+              <a:shade val="15000"/>
+            </a:schemeClr>
+          </a:lnRef>
+          <a:fillRef idx="1">
+            <a:schemeClr val="accent1"/>
+          </a:fillRef>
+          <a:effectRef idx="0">
+            <a:schemeClr val="accent1"/>
+          </a:effectRef>
+          <a:fontRef idx="minor">
+            <a:schemeClr val="lt1"/>
+          </a:fontRef>
+        </p:style>
+        <p:txBody>
+          <a:bodyPr rtlCol="0" anchor="ctr"/>
+          <a:lstStyle/>
+          <a:p>
+            <a:pPr algn="ctr"/>
+            <a:endParaRPr lang="en-US"/>
+          </a:p>
+        </p:txBody>
+      </p:sp>
+    </p:spTree>
+    <p:extLst>
+      <p:ext uri="{BB962C8B-B14F-4D97-AF65-F5344CB8AC3E}">
+        <p14:creationId xmlns:p14="http://schemas.microsoft.com/office/powerpoint/2010/main" val="390519850"/>
+      </p:ext>
+    </p:extLst>
+  </p:cSld>
+  <p:clrMapOvr>
+    <a:masterClrMapping/>
+  </p:clrMapOvr>
+</p:sld>
+</file>
+
+<file path=ppt/slides/slide14.xml><?xml version="1.0" encoding="utf-8"?>
+<p:sld xmlns:a="http://schemas.openxmlformats.org/drawingml/2006/main" xmlns:r="http://schemas.openxmlformats.org/officeDocument/2006/relationships" xmlns:p="http://schemas.openxmlformats.org/presentationml/2006/main">
+  <p:cSld>
+    <p:spTree>
+      <p:nvGrpSpPr>
+        <p:cNvPr id="1" name=""/>
+        <p:cNvGrpSpPr/>
+        <p:nvPr/>
+      </p:nvGrpSpPr>
+      <p:grpSpPr>
+        <a:xfrm>
+          <a:off x="0" y="0"/>
+          <a:ext cx="0" cy="0"/>
+          <a:chOff x="0" y="0"/>
+          <a:chExt cx="0" cy="0"/>
+        </a:xfrm>
+      </p:grpSpPr>
+      <p:sp>
+        <p:nvSpPr>
+          <p:cNvPr id="2" name="Title 1">
+            <a:extLst>
+              <a:ext uri="{FF2B5EF4-FFF2-40B4-BE49-F238E27FC236}">
+                <a16:creationId xmlns:a16="http://schemas.microsoft.com/office/drawing/2014/main" id="{5CE54ABB-4929-4810-950B-2DAEA0A5BAB4}"/>
+              </a:ext>
+            </a:extLst>
+          </p:cNvPr>
+          <p:cNvSpPr>
+            <a:spLocks noGrp="1"/>
+          </p:cNvSpPr>
+          <p:nvPr>
+            <p:ph type="title"/>
+          </p:nvPr>
+        </p:nvSpPr>
+        <p:spPr>
+          <a:xfrm>
+            <a:off x="0" y="927496"/>
+            <a:ext cx="12192000" cy="562637"/>
+          </a:xfrm>
+        </p:spPr>
+        <p:txBody>
+          <a:bodyPr>
+            <a:normAutofit/>
+          </a:bodyPr>
+          <a:lstStyle/>
+          <a:p>
+            <a:pPr algn="l"/>
+            <a:r>
+              <a:rPr lang="en-US" dirty="0"/>
+              <a:t>👨‍🎓Content-Security-Policy header?</a:t>
+            </a:r>
+          </a:p>
+        </p:txBody>
+      </p:sp>
+      <p:sp>
+        <p:nvSpPr>
+          <p:cNvPr id="7" name="Content Placeholder 6">
+            <a:extLst>
+              <a:ext uri="{FF2B5EF4-FFF2-40B4-BE49-F238E27FC236}">
+                <a16:creationId xmlns:a16="http://schemas.microsoft.com/office/drawing/2014/main" id="{6B35F89A-6CDF-41F7-BD87-18B45BD7330B}"/>
+              </a:ext>
+            </a:extLst>
+          </p:cNvPr>
+          <p:cNvSpPr>
+            <a:spLocks noGrp="1"/>
+          </p:cNvSpPr>
+          <p:nvPr>
+            <p:ph sz="half" idx="2"/>
+          </p:nvPr>
+        </p:nvSpPr>
+        <p:spPr>
+          <a:xfrm>
+            <a:off x="62910" y="1679575"/>
+            <a:ext cx="12129090" cy="4365625"/>
+          </a:xfrm>
+        </p:spPr>
+        <p:txBody>
+          <a:bodyPr vert="horz" lIns="91440" tIns="45720" rIns="91440" bIns="45720" rtlCol="0" anchor="t">
+            <a:normAutofit/>
+          </a:bodyPr>
+          <a:lstStyle/>
+          <a:p>
+            <a:pPr marL="285750" indent="-285750">
+              <a:buFont typeface="Arial" panose="020B0604020202020204" pitchFamily="34" charset="0"/>
+              <a:buChar char="•"/>
+            </a:pPr>
+            <a:r>
+              <a:rPr lang="en-US" sz="2400" noProof="1"/>
+              <a:t>CSP offer the possibility to not block the loading of a resource if a directive related to such resources is not respected but instead, send a violation notification to a web endpoint.</a:t>
+            </a:r>
+          </a:p>
+          <a:p>
+            <a:pPr marL="285750" indent="-285750">
+              <a:buFont typeface="Arial" panose="020B0604020202020204" pitchFamily="34" charset="0"/>
+              <a:buChar char="•"/>
+            </a:pPr>
+            <a:endParaRPr lang="en-US" sz="2400" noProof="1"/>
+          </a:p>
+          <a:p>
+            <a:pPr marL="285750" indent="-285750">
+              <a:buFont typeface="Arial" panose="020B0604020202020204" pitchFamily="34" charset="0"/>
+              <a:buChar char="•"/>
+            </a:pPr>
+            <a:r>
+              <a:rPr lang="en-US" sz="2400" noProof="1"/>
+              <a:t>A simple way to achieve this is to use the header </a:t>
+            </a:r>
+            <a:r>
+              <a:rPr lang="en-US" sz="2400" noProof="1">
+                <a:hlinkClick r:id="rId2"/>
+              </a:rPr>
+              <a:t>Content-Security-Policy-Report-Only</a:t>
+            </a:r>
+            <a:r>
+              <a:rPr lang="en-US" sz="2400" noProof="1"/>
+              <a:t> instead of </a:t>
+            </a:r>
+            <a:r>
+              <a:rPr lang="en-US" sz="2400" noProof="1">
+                <a:hlinkClick r:id="rId2"/>
+              </a:rPr>
+              <a:t>Content-Security-Policy</a:t>
+            </a:r>
+            <a:r>
+              <a:rPr lang="en-US" sz="2400" noProof="1"/>
+              <a:t> .</a:t>
+            </a:r>
+          </a:p>
+          <a:p>
+            <a:pPr marL="285750" indent="-285750">
+              <a:buFont typeface="Arial" panose="020B0604020202020204" pitchFamily="34" charset="0"/>
+              <a:buChar char="•"/>
+            </a:pPr>
+            <a:endParaRPr lang="en-US" sz="2400" noProof="1"/>
+          </a:p>
+          <a:p>
+            <a:pPr marL="285750" indent="-285750">
+              <a:buFont typeface="Arial" panose="020B0604020202020204" pitchFamily="34" charset="0"/>
+              <a:buChar char="•"/>
+            </a:pPr>
+            <a:r>
+              <a:rPr lang="en-US" sz="2400" noProof="1"/>
+              <a:t>This header use the same format that the CSP but with the addition of the </a:t>
+            </a:r>
+            <a:r>
+              <a:rPr lang="en-US" sz="2400" b="1" noProof="1">
+                <a:solidFill>
+                  <a:schemeClr val="accent6"/>
+                </a:solidFill>
+                <a:hlinkClick r:id="rId3">
+                  <a:extLst>
+                    <a:ext uri="{A12FA001-AC4F-418D-AE19-62706E023703}">
+                      <ahyp:hlinkClr xmlns:ahyp="http://schemas.microsoft.com/office/drawing/2018/hyperlinkcolor" val="tx"/>
+                    </a:ext>
+                  </a:extLst>
+                </a:hlinkClick>
+              </a:rPr>
+              <a:t>report-to directive</a:t>
+            </a:r>
+            <a:r>
+              <a:rPr lang="en-US" sz="2400" noProof="1"/>
+              <a:t> to indicate where the violation report must be sent:</a:t>
+            </a:r>
+          </a:p>
+        </p:txBody>
+      </p:sp>
+      <p:sp>
+        <p:nvSpPr>
+          <p:cNvPr id="4" name="TextBox 3">
+            <a:extLst>
+              <a:ext uri="{FF2B5EF4-FFF2-40B4-BE49-F238E27FC236}">
+                <a16:creationId xmlns:a16="http://schemas.microsoft.com/office/drawing/2014/main" id="{34512A2E-063B-3063-57E9-218D2853D0D8}"/>
+              </a:ext>
+            </a:extLst>
+          </p:cNvPr>
+          <p:cNvSpPr txBox="1"/>
+          <p:nvPr/>
+        </p:nvSpPr>
+        <p:spPr>
+          <a:xfrm>
+            <a:off x="142727" y="5819143"/>
+            <a:ext cx="11906545" cy="830997"/>
+          </a:xfrm>
+          <a:prstGeom prst="rect">
+            <a:avLst/>
+          </a:prstGeom>
+          <a:noFill/>
+        </p:spPr>
+        <p:txBody>
+          <a:bodyPr wrap="square" rtlCol="0">
+            <a:spAutoFit/>
+          </a:bodyPr>
+          <a:lstStyle/>
+          <a:p>
+            <a:r>
+              <a:rPr lang="en-US" sz="2400" b="1" dirty="0">
+                <a:latin typeface="Consolas" panose="020B0609020204030204" pitchFamily="49" charset="0"/>
+              </a:rPr>
+              <a:t>Content-Security-Policy-Report-Only: </a:t>
+            </a:r>
+            <a:r>
+              <a:rPr lang="en-US" sz="2400" dirty="0">
+                <a:solidFill>
+                  <a:schemeClr val="accent6"/>
+                </a:solidFill>
+                <a:latin typeface="Consolas" panose="020B0609020204030204" pitchFamily="49" charset="0"/>
+              </a:rPr>
+              <a:t>default-</a:t>
+            </a:r>
+            <a:r>
+              <a:rPr lang="en-US" sz="2400" dirty="0" err="1">
+                <a:solidFill>
+                  <a:schemeClr val="accent6"/>
+                </a:solidFill>
+                <a:latin typeface="Consolas" panose="020B0609020204030204" pitchFamily="49" charset="0"/>
+              </a:rPr>
+              <a:t>src</a:t>
+            </a:r>
+            <a:r>
+              <a:rPr lang="en-US" sz="2400" dirty="0">
+                <a:latin typeface="Consolas" panose="020B0609020204030204" pitchFamily="49" charset="0"/>
+              </a:rPr>
+              <a:t> </a:t>
+            </a:r>
+            <a:r>
+              <a:rPr lang="en-US" sz="2400" dirty="0">
+                <a:solidFill>
+                  <a:srgbClr val="7030A0"/>
+                </a:solidFill>
+                <a:latin typeface="Consolas" panose="020B0609020204030204" pitchFamily="49" charset="0"/>
+              </a:rPr>
+              <a:t>'self’</a:t>
+            </a:r>
+            <a:r>
+              <a:rPr lang="en-US" sz="2400" dirty="0">
+                <a:latin typeface="Consolas" panose="020B0609020204030204" pitchFamily="49" charset="0"/>
+              </a:rPr>
+              <a:t> ; </a:t>
+            </a:r>
+            <a:r>
+              <a:rPr lang="en-US" sz="2400" dirty="0">
+                <a:solidFill>
+                  <a:schemeClr val="accent6"/>
+                </a:solidFill>
+                <a:latin typeface="Consolas" panose="020B0609020204030204" pitchFamily="49" charset="0"/>
+              </a:rPr>
+              <a:t>script-</a:t>
+            </a:r>
+            <a:r>
+              <a:rPr lang="en-US" sz="2400" dirty="0" err="1">
+                <a:solidFill>
+                  <a:schemeClr val="accent6"/>
+                </a:solidFill>
+                <a:latin typeface="Consolas" panose="020B0609020204030204" pitchFamily="49" charset="0"/>
+              </a:rPr>
+              <a:t>src</a:t>
+            </a:r>
+            <a:r>
+              <a:rPr lang="en-US" sz="2400" dirty="0">
+                <a:latin typeface="Consolas" panose="020B0609020204030204" pitchFamily="49" charset="0"/>
+              </a:rPr>
+              <a:t> </a:t>
+            </a:r>
+            <a:r>
+              <a:rPr lang="en-US" sz="2400" dirty="0">
+                <a:solidFill>
+                  <a:srgbClr val="7030A0"/>
+                </a:solidFill>
+                <a:latin typeface="Consolas" panose="020B0609020204030204" pitchFamily="49" charset="0"/>
+              </a:rPr>
+              <a:t>'self' 'unsafe-inline’ </a:t>
+            </a:r>
+            <a:r>
+              <a:rPr lang="en-US" sz="2400" dirty="0">
+                <a:latin typeface="Consolas" panose="020B0609020204030204" pitchFamily="49" charset="0"/>
+              </a:rPr>
+              <a:t>; </a:t>
+            </a:r>
+            <a:r>
+              <a:rPr lang="en-US" sz="2400" b="1" dirty="0">
+                <a:solidFill>
+                  <a:schemeClr val="accent6"/>
+                </a:solidFill>
+                <a:latin typeface="Consolas" panose="020B0609020204030204" pitchFamily="49" charset="0"/>
+              </a:rPr>
+              <a:t>report-to</a:t>
+            </a:r>
+            <a:r>
+              <a:rPr lang="en-US" sz="2400" b="1" dirty="0">
+                <a:solidFill>
+                  <a:srgbClr val="7030A0"/>
+                </a:solidFill>
+                <a:latin typeface="Consolas" panose="020B0609020204030204" pitchFamily="49" charset="0"/>
+              </a:rPr>
+              <a:t> [ENDPOINT_LOCATION]</a:t>
+            </a:r>
+          </a:p>
+        </p:txBody>
+      </p:sp>
+      <p:sp>
+        <p:nvSpPr>
+          <p:cNvPr id="5" name="Rectangle 4">
+            <a:extLst>
+              <a:ext uri="{FF2B5EF4-FFF2-40B4-BE49-F238E27FC236}">
+                <a16:creationId xmlns:a16="http://schemas.microsoft.com/office/drawing/2014/main" id="{45FD6B04-765A-820C-71B1-C251371EC833}"/>
+              </a:ext>
+            </a:extLst>
+          </p:cNvPr>
+          <p:cNvSpPr/>
+          <p:nvPr/>
+        </p:nvSpPr>
+        <p:spPr>
+          <a:xfrm>
+            <a:off x="4326466" y="6198053"/>
+            <a:ext cx="5020733" cy="452087"/>
+          </a:xfrm>
+          <a:prstGeom prst="rect">
+            <a:avLst/>
+          </a:prstGeom>
+          <a:noFill/>
+          <a:ln w="25400">
+            <a:solidFill>
+              <a:srgbClr val="00B0F0"/>
+            </a:solidFill>
+            <a:prstDash val="sysDash"/>
+          </a:ln>
+        </p:spPr>
+        <p:style>
+          <a:lnRef idx="2">
+            <a:schemeClr val="accent1">
+              <a:shade val="15000"/>
+            </a:schemeClr>
+          </a:lnRef>
+          <a:fillRef idx="1">
+            <a:schemeClr val="accent1"/>
+          </a:fillRef>
+          <a:effectRef idx="0">
+            <a:schemeClr val="accent1"/>
+          </a:effectRef>
+          <a:fontRef idx="minor">
+            <a:schemeClr val="lt1"/>
+          </a:fontRef>
+        </p:style>
+        <p:txBody>
+          <a:bodyPr rtlCol="0" anchor="ctr"/>
+          <a:lstStyle/>
+          <a:p>
+            <a:pPr algn="ctr"/>
+            <a:endParaRPr lang="en-US"/>
+          </a:p>
+        </p:txBody>
+      </p:sp>
+    </p:spTree>
+    <p:extLst>
+      <p:ext uri="{BB962C8B-B14F-4D97-AF65-F5344CB8AC3E}">
+        <p14:creationId xmlns:p14="http://schemas.microsoft.com/office/powerpoint/2010/main" val="3732992385"/>
+      </p:ext>
+    </p:extLst>
+  </p:cSld>
+  <p:clrMapOvr>
+    <a:masterClrMapping/>
+  </p:clrMapOvr>
+</p:sld>
+</file>
+
+<file path=ppt/slides/slide15.xml><?xml version="1.0" encoding="utf-8"?>
+<p:sld xmlns:a="http://schemas.openxmlformats.org/drawingml/2006/main" xmlns:r="http://schemas.openxmlformats.org/officeDocument/2006/relationships" xmlns:p="http://schemas.openxmlformats.org/presentationml/2006/main">
+  <p:cSld>
+    <p:spTree>
+      <p:nvGrpSpPr>
+        <p:cNvPr id="1" name=""/>
+        <p:cNvGrpSpPr/>
+        <p:nvPr/>
+      </p:nvGrpSpPr>
+      <p:grpSpPr>
+        <a:xfrm>
+          <a:off x="0" y="0"/>
+          <a:ext cx="0" cy="0"/>
+          <a:chOff x="0" y="0"/>
+          <a:chExt cx="0" cy="0"/>
+        </a:xfrm>
+      </p:grpSpPr>
+      <p:sp>
+        <p:nvSpPr>
+          <p:cNvPr id="2" name="Title 1">
+            <a:extLst>
+              <a:ext uri="{FF2B5EF4-FFF2-40B4-BE49-F238E27FC236}">
+                <a16:creationId xmlns:a16="http://schemas.microsoft.com/office/drawing/2014/main" id="{5CE54ABB-4929-4810-950B-2DAEA0A5BAB4}"/>
+              </a:ext>
+            </a:extLst>
+          </p:cNvPr>
+          <p:cNvSpPr>
+            <a:spLocks noGrp="1"/>
+          </p:cNvSpPr>
+          <p:nvPr>
+            <p:ph type="title"/>
+          </p:nvPr>
+        </p:nvSpPr>
+        <p:spPr>
+          <a:xfrm>
+            <a:off x="0" y="927496"/>
+            <a:ext cx="12192000" cy="562637"/>
+          </a:xfrm>
+        </p:spPr>
+        <p:txBody>
+          <a:bodyPr>
+            <a:normAutofit/>
+          </a:bodyPr>
+          <a:lstStyle/>
+          <a:p>
+            <a:pPr algn="l"/>
+            <a:r>
+              <a:rPr lang="en-US" dirty="0"/>
+              <a:t>👨‍🎓Content-Security-Policy header?</a:t>
+            </a:r>
+          </a:p>
+        </p:txBody>
+      </p:sp>
+      <p:sp>
+        <p:nvSpPr>
+          <p:cNvPr id="7" name="Content Placeholder 6">
+            <a:extLst>
+              <a:ext uri="{FF2B5EF4-FFF2-40B4-BE49-F238E27FC236}">
+                <a16:creationId xmlns:a16="http://schemas.microsoft.com/office/drawing/2014/main" id="{6B35F89A-6CDF-41F7-BD87-18B45BD7330B}"/>
+              </a:ext>
+            </a:extLst>
+          </p:cNvPr>
+          <p:cNvSpPr>
+            <a:spLocks noGrp="1"/>
+          </p:cNvSpPr>
+          <p:nvPr>
+            <p:ph sz="half" idx="2"/>
+          </p:nvPr>
+        </p:nvSpPr>
+        <p:spPr>
+          <a:xfrm>
+            <a:off x="62910" y="1679575"/>
+            <a:ext cx="12129090" cy="4365625"/>
+          </a:xfrm>
+        </p:spPr>
+        <p:txBody>
+          <a:bodyPr vert="horz" lIns="91440" tIns="45720" rIns="91440" bIns="45720" rtlCol="0" anchor="t">
+            <a:normAutofit/>
+          </a:bodyPr>
+          <a:lstStyle/>
+          <a:p>
+            <a:pPr marL="285750" indent="-285750">
+              <a:buFont typeface="Arial" panose="020B0604020202020204" pitchFamily="34" charset="0"/>
+              <a:buChar char="•"/>
+            </a:pPr>
+            <a:r>
+              <a:rPr lang="en-US" sz="2400" noProof="1"/>
+              <a:t>The endpoint can be a relative or an absolute URL:</a:t>
+            </a:r>
+          </a:p>
+          <a:p>
+            <a:pPr marL="742950" lvl="1" indent="-285750">
+              <a:buFont typeface="Arial" panose="020B0604020202020204" pitchFamily="34" charset="0"/>
+              <a:buChar char="•"/>
+            </a:pPr>
+            <a:r>
+              <a:rPr lang="en-US" sz="2400" noProof="1">
+                <a:solidFill>
+                  <a:schemeClr val="accent6"/>
+                </a:solidFill>
+              </a:rPr>
+              <a:t>report-to</a:t>
+            </a:r>
+            <a:r>
+              <a:rPr lang="en-US" sz="2400" noProof="1"/>
+              <a:t> </a:t>
+            </a:r>
+            <a:r>
+              <a:rPr lang="en-US" sz="2400" noProof="1">
+                <a:solidFill>
+                  <a:srgbClr val="7030A0"/>
+                </a:solidFill>
+              </a:rPr>
+              <a:t>/csp-listener</a:t>
+            </a:r>
+          </a:p>
+          <a:p>
+            <a:pPr marL="742950" lvl="1" indent="-285750">
+              <a:buFont typeface="Arial" panose="020B0604020202020204" pitchFamily="34" charset="0"/>
+              <a:buChar char="•"/>
+            </a:pPr>
+            <a:r>
+              <a:rPr lang="en-US" sz="2400" noProof="1">
+                <a:solidFill>
+                  <a:schemeClr val="accent6"/>
+                </a:solidFill>
+              </a:rPr>
+              <a:t>report-to</a:t>
+            </a:r>
+            <a:r>
+              <a:rPr lang="en-US" sz="2400" noProof="1"/>
+              <a:t> </a:t>
+            </a:r>
+            <a:r>
+              <a:rPr lang="en-US" sz="2400" noProof="1">
+                <a:solidFill>
+                  <a:srgbClr val="7030A0"/>
+                </a:solidFill>
+              </a:rPr>
+              <a:t>https://righettod.eu/csp-listener</a:t>
+            </a:r>
+          </a:p>
+          <a:p>
+            <a:pPr marL="285750" indent="-285750">
+              <a:buFont typeface="Arial" panose="020B0604020202020204" pitchFamily="34" charset="0"/>
+              <a:buChar char="•"/>
+            </a:pPr>
+            <a:endParaRPr lang="en-US" sz="2400" noProof="1"/>
+          </a:p>
+          <a:p>
+            <a:pPr marL="285750" indent="-285750">
+              <a:buFont typeface="Arial" panose="020B0604020202020204" pitchFamily="34" charset="0"/>
+              <a:buChar char="•"/>
+            </a:pPr>
+            <a:r>
+              <a:rPr lang="en-US" sz="2400" noProof="1">
+                <a:hlinkClick r:id="rId2"/>
+              </a:rPr>
+              <a:t>Violation report</a:t>
+            </a:r>
+            <a:r>
+              <a:rPr lang="en-US" sz="2400" noProof="1"/>
+              <a:t> is delivered via a HTTP POST, as a JSON object, like this:</a:t>
+            </a:r>
+          </a:p>
+          <a:p>
+            <a:pPr marL="285750" indent="-285750">
+              <a:buFont typeface="Arial" panose="020B0604020202020204" pitchFamily="34" charset="0"/>
+              <a:buChar char="•"/>
+            </a:pPr>
+            <a:endParaRPr lang="en-US" sz="2400" noProof="1"/>
+          </a:p>
+        </p:txBody>
+      </p:sp>
+      <p:pic>
+        <p:nvPicPr>
+          <p:cNvPr id="10" name="Picture 9">
+            <a:extLst>
+              <a:ext uri="{FF2B5EF4-FFF2-40B4-BE49-F238E27FC236}">
+                <a16:creationId xmlns:a16="http://schemas.microsoft.com/office/drawing/2014/main" id="{56C79E87-98C6-ECC8-8FF0-64FDAC187D2A}"/>
+              </a:ext>
+            </a:extLst>
+          </p:cNvPr>
+          <p:cNvPicPr>
+            <a:picLocks noChangeAspect="1"/>
+          </p:cNvPicPr>
+          <p:nvPr/>
+        </p:nvPicPr>
+        <p:blipFill>
+          <a:blip r:embed="rId3"/>
+          <a:stretch>
+            <a:fillRect/>
+          </a:stretch>
+        </p:blipFill>
+        <p:spPr>
+          <a:xfrm>
+            <a:off x="62910" y="4051114"/>
+            <a:ext cx="11997267" cy="2642530"/>
+          </a:xfrm>
+          <a:prstGeom prst="rect">
+            <a:avLst/>
+          </a:prstGeom>
+        </p:spPr>
+      </p:pic>
+      <p:pic>
+        <p:nvPicPr>
+          <p:cNvPr id="11" name="Picture 10" descr="Cartoon of a person holding a pointer&#10;&#10;Description automatically generated">
+            <a:extLst>
+              <a:ext uri="{FF2B5EF4-FFF2-40B4-BE49-F238E27FC236}">
+                <a16:creationId xmlns:a16="http://schemas.microsoft.com/office/drawing/2014/main" id="{20E6A846-4F4E-0A85-FCAD-216C51B2F900}"/>
+              </a:ext>
+            </a:extLst>
+          </p:cNvPr>
+          <p:cNvPicPr>
+            <a:picLocks noChangeAspect="1"/>
+          </p:cNvPicPr>
+          <p:nvPr/>
+        </p:nvPicPr>
+        <p:blipFill>
+          <a:blip r:embed="rId4"/>
+          <a:stretch>
+            <a:fillRect/>
+          </a:stretch>
+        </p:blipFill>
+        <p:spPr>
+          <a:xfrm>
+            <a:off x="11492478" y="53328"/>
+            <a:ext cx="583399" cy="684726"/>
+          </a:xfrm>
+          <a:prstGeom prst="rect">
+            <a:avLst/>
+          </a:prstGeom>
+        </p:spPr>
+      </p:pic>
+      <p:sp>
+        <p:nvSpPr>
+          <p:cNvPr id="13" name="Rectangle: Diagonal Corners Rounded 12">
+            <a:extLst>
+              <a:ext uri="{FF2B5EF4-FFF2-40B4-BE49-F238E27FC236}">
+                <a16:creationId xmlns:a16="http://schemas.microsoft.com/office/drawing/2014/main" id="{3702F753-8DD7-27F8-6276-D3623A38FEE5}"/>
+              </a:ext>
+            </a:extLst>
+          </p:cNvPr>
+          <p:cNvSpPr/>
+          <p:nvPr/>
+        </p:nvSpPr>
+        <p:spPr>
+          <a:xfrm>
+            <a:off x="8449733" y="927496"/>
+            <a:ext cx="3679357" cy="2353268"/>
+          </a:xfrm>
+          <a:prstGeom prst="round2DiagRect">
+            <a:avLst/>
+          </a:prstGeom>
+        </p:spPr>
+        <p:style>
+          <a:lnRef idx="2">
+            <a:schemeClr val="accent1">
+              <a:shade val="15000"/>
+            </a:schemeClr>
+          </a:lnRef>
+          <a:fillRef idx="1">
+            <a:schemeClr val="accent1"/>
+          </a:fillRef>
+          <a:effectRef idx="0">
+            <a:schemeClr val="accent1"/>
+          </a:effectRef>
+          <a:fontRef idx="minor">
+            <a:schemeClr val="lt1"/>
+          </a:fontRef>
+        </p:style>
+        <p:txBody>
+          <a:bodyPr rtlCol="0" anchor="ctr"/>
+          <a:lstStyle/>
+          <a:p>
+            <a:r>
+              <a:rPr lang="en-US" dirty="0">
+                <a:solidFill>
+                  <a:srgbClr val="C00000"/>
+                </a:solidFill>
+              </a:rPr>
+              <a:t>🐜Important note:</a:t>
+            </a:r>
+          </a:p>
+          <a:p>
+            <a:pPr marL="285750" indent="-285750">
+              <a:buFont typeface="Wingdings" panose="05000000000000000000" pitchFamily="2" charset="2"/>
+              <a:buChar char="ü"/>
+            </a:pPr>
+            <a:r>
+              <a:rPr lang="en-US" dirty="0">
+                <a:solidFill>
+                  <a:schemeClr val="tx1"/>
+                </a:solidFill>
+              </a:rPr>
+              <a:t>Violation report is sent automatically by the browser.</a:t>
+            </a:r>
+          </a:p>
+          <a:p>
+            <a:pPr marL="285750" indent="-285750">
+              <a:buFont typeface="Wingdings" panose="05000000000000000000" pitchFamily="2" charset="2"/>
+              <a:buChar char="ü"/>
+            </a:pPr>
+            <a:r>
+              <a:rPr lang="en-US" dirty="0">
+                <a:solidFill>
+                  <a:schemeClr val="tx1"/>
+                </a:solidFill>
+              </a:rPr>
+              <a:t>Exposed listeners must validate data received to prevent vulnerability like, for example, </a:t>
+            </a:r>
+            <a:r>
+              <a:rPr lang="en-US" dirty="0">
+                <a:solidFill>
+                  <a:schemeClr val="tx1"/>
+                </a:solidFill>
+                <a:hlinkClick r:id="rId5"/>
+              </a:rPr>
+              <a:t>JSON injection </a:t>
+            </a:r>
+            <a:r>
+              <a:rPr lang="en-US" dirty="0">
+                <a:solidFill>
+                  <a:schemeClr val="tx1"/>
+                </a:solidFill>
+              </a:rPr>
+              <a:t>or </a:t>
+            </a:r>
+            <a:r>
+              <a:rPr lang="en-US" dirty="0">
+                <a:solidFill>
+                  <a:schemeClr val="tx1"/>
+                </a:solidFill>
+                <a:hlinkClick r:id="rId6"/>
+              </a:rPr>
+              <a:t>JSON parser overflow</a:t>
+            </a:r>
+            <a:r>
+              <a:rPr lang="en-US" dirty="0">
+                <a:solidFill>
+                  <a:schemeClr val="tx1"/>
+                </a:solidFill>
+              </a:rPr>
+              <a:t>.</a:t>
+            </a:r>
+          </a:p>
+        </p:txBody>
+      </p:sp>
+    </p:spTree>
+    <p:extLst>
+      <p:ext uri="{BB962C8B-B14F-4D97-AF65-F5344CB8AC3E}">
+        <p14:creationId xmlns:p14="http://schemas.microsoft.com/office/powerpoint/2010/main" val="1807056468"/>
+      </p:ext>
+    </p:extLst>
+  </p:cSld>
+  <p:clrMapOvr>
+    <a:masterClrMapping/>
+  </p:clrMapOvr>
+  <p:timing>
+    <p:tnLst>
+      <p:par>
+        <p:cTn id="1" dur="indefinite" restart="never" nodeType="tmRoot">
+          <p:childTnLst>
+            <p:seq concurrent="1" nextAc="seek">
+              <p:cTn id="2" dur="indefinite" nodeType="mainSeq">
+                <p:childTnLst>
+                  <p:par>
+                    <p:cTn id="3" fill="hold">
+                      <p:stCondLst>
+                        <p:cond delay="indefinite"/>
+                      </p:stCondLst>
+                      <p:childTnLst>
+                        <p:par>
+                          <p:cTn id="4" fill="hold">
+                            <p:stCondLst>
+                              <p:cond delay="0"/>
+                            </p:stCondLst>
+                            <p:childTnLst>
+                              <p:par>
+                                <p:cTn id="5" presetID="10" presetClass="entr" presetSubtype="0" fill="hold" grpId="0" nodeType="clickEffect">
+                                  <p:stCondLst>
+                                    <p:cond delay="0"/>
+                                  </p:stCondLst>
+                                  <p:childTnLst>
+                                    <p:set>
+                                      <p:cBhvr>
+                                        <p:cTn id="6" dur="1" fill="hold">
+                                          <p:stCondLst>
+                                            <p:cond delay="0"/>
+                                          </p:stCondLst>
+                                        </p:cTn>
+                                        <p:tgtEl>
+                                          <p:spTgt spid="13"/>
+                                        </p:tgtEl>
+                                        <p:attrNameLst>
+                                          <p:attrName>style.visibility</p:attrName>
+                                        </p:attrNameLst>
+                                      </p:cBhvr>
+                                      <p:to>
+                                        <p:strVal val="visible"/>
+                                      </p:to>
+                                    </p:set>
+                                    <p:animEffect transition="in" filter="fade">
+                                      <p:cBhvr>
+                                        <p:cTn id="7" dur="500"/>
+                                        <p:tgtEl>
+                                          <p:spTgt spid="13"/>
+                                        </p:tgtEl>
+                                      </p:cBhvr>
+                                    </p:animEffect>
+                                  </p:childTnLst>
+                                </p:cTn>
+                              </p:par>
+                            </p:childTnLst>
+                          </p:cTn>
+                        </p:par>
+                      </p:childTnLst>
+                    </p:cTn>
+                  </p:par>
+                </p:childTnLst>
+              </p:cTn>
+              <p:prevCondLst>
+                <p:cond evt="onPrev" delay="0">
+                  <p:tgtEl>
+                    <p:sldTgt/>
+                  </p:tgtEl>
+                </p:cond>
+              </p:prevCondLst>
+              <p:nextCondLst>
+                <p:cond evt="onNext" delay="0">
+                  <p:tgtEl>
+                    <p:sldTgt/>
+                  </p:tgtEl>
+                </p:cond>
+              </p:nextCondLst>
+            </p:seq>
+          </p:childTnLst>
+        </p:cTn>
+      </p:par>
+    </p:tnLst>
+    <p:bldLst>
+      <p:bldP spid="13" grpId="0" animBg="1"/>
+    </p:bldLst>
+  </p:timing>
+</p:sld>
+</file>
+
+<file path=ppt/slides/slide16.xml><?xml version="1.0" encoding="utf-8"?>
+<p:sld xmlns:a="http://schemas.openxmlformats.org/drawingml/2006/main" xmlns:r="http://schemas.openxmlformats.org/officeDocument/2006/relationships" xmlns:p="http://schemas.openxmlformats.org/presentationml/2006/main">
+  <p:cSld>
+    <p:spTree>
+      <p:nvGrpSpPr>
+        <p:cNvPr id="1" name=""/>
+        <p:cNvGrpSpPr/>
+        <p:nvPr/>
+      </p:nvGrpSpPr>
+      <p:grpSpPr>
+        <a:xfrm>
+          <a:off x="0" y="0"/>
+          <a:ext cx="0" cy="0"/>
+          <a:chOff x="0" y="0"/>
+          <a:chExt cx="0" cy="0"/>
+        </a:xfrm>
+      </p:grpSpPr>
+      <p:sp>
+        <p:nvSpPr>
+          <p:cNvPr id="2" name="Title 1">
+            <a:extLst>
+              <a:ext uri="{FF2B5EF4-FFF2-40B4-BE49-F238E27FC236}">
+                <a16:creationId xmlns:a16="http://schemas.microsoft.com/office/drawing/2014/main" id="{A29DE7F2-E890-4744-88DD-A75F5E300513}"/>
+              </a:ext>
+            </a:extLst>
+          </p:cNvPr>
+          <p:cNvSpPr>
+            <a:spLocks noGrp="1"/>
+          </p:cNvSpPr>
+          <p:nvPr>
+            <p:ph type="ctrTitle"/>
+          </p:nvPr>
+        </p:nvSpPr>
+        <p:spPr>
+          <a:xfrm>
+            <a:off x="5892799" y="2571235"/>
+            <a:ext cx="6189133" cy="1715531"/>
+          </a:xfrm>
+        </p:spPr>
+        <p:txBody>
+          <a:bodyPr/>
+          <a:lstStyle/>
+          <a:p>
+            <a:r>
+              <a:rPr lang="en-US" dirty="0"/>
+              <a:t>🔬POC time!</a:t>
+            </a:r>
+          </a:p>
+        </p:txBody>
+      </p:sp>
+    </p:spTree>
+    <p:extLst>
+      <p:ext uri="{BB962C8B-B14F-4D97-AF65-F5344CB8AC3E}">
+        <p14:creationId xmlns:p14="http://schemas.microsoft.com/office/powerpoint/2010/main" val="1228615568"/>
       </p:ext>
     </p:extLst>
   </p:cSld>
@@ -21765,7 +24634,7 @@
             </a:pPr>
             <a:r>
               <a:rPr lang="en-US" sz="2400" noProof="1"/>
-              <a:t>Behavior about an allowed resources is defined using either a </a:t>
+              <a:t>Behavior about an allowed resources is defined using either a set of </a:t>
             </a:r>
             <a:r>
               <a:rPr lang="en-US" sz="2400" b="1" noProof="1">
@@ -21780,7 +24649,7 @@
                   </a:extLst>
                 </a:hlinkClick>
               </a:rPr>
-              <a:t>source location pattern</a:t>
+              <a:t>source location patterns</a:t>
             </a:r>
             <a:r>
               <a:rPr lang="en-US" sz="2400" noProof="1">
@@ -21792,7 +24661,7 @@
             </a:r>
             <a:r>
               <a:rPr lang="en-US" sz="2400" noProof="1"/>
-              <a:t>or/and an </a:t>
+              <a:t>or/and </a:t>
             </a:r>
             <a:r>
               <a:rPr lang="en-US" sz="2400" b="1" noProof="1">
@@ -21807,7 +24676,7 @@
                   </a:extLst>
                 </a:hlinkClick>
               </a:rPr>
-              <a:t>instruction</a:t>
+              <a:t>instructions</a:t>
             </a:r>
             <a:r>
               <a:rPr lang="en-US" sz="2400" noProof="1"/>
@@ -22657,15 +25526,6 @@
 </file>
 
 <file path=customXml/item1.xml><?xml version="1.0" encoding="utf-8"?>
-<?mso-contentType ?>
-<FormTemplates xmlns="http://schemas.microsoft.com/sharepoint/v3/contenttype/forms">
-  <Display>DocumentLibraryForm</Display>
-  <Edit>DocumentLibraryForm</Edit>
-  <New>DocumentLibraryForm</New>
-</FormTemplates>
-</file>
-
-<file path=customXml/item2.xml><?xml version="1.0" encoding="utf-8"?>
 <p:properties xmlns:p="http://schemas.microsoft.com/office/2006/metadata/properties" xmlns:xsi="http://www.w3.org/2001/XMLSchema-instance" xmlns:pc="http://schemas.microsoft.com/office/infopath/2007/PartnerControls">
   <documentManagement>
     <_ip_UnifiedCompliancePolicyUIAction xmlns="http://schemas.microsoft.com/sharepoint/v3" xsi:nil="true"/>
@@ -22683,6 +25543,15 @@
     <MediaServiceKeyPoints xmlns="71af3243-3dd4-4a8d-8c0d-dd76da1f02a5" xsi:nil="true"/>
   </documentManagement>
 </p:properties>
+</file>
+
+<file path=customXml/item2.xml><?xml version="1.0" encoding="utf-8"?>
+<?mso-contentType ?>
+<FormTemplates xmlns="http://schemas.microsoft.com/sharepoint/v3/contenttype/forms">
+  <Display>DocumentLibraryForm</Display>
+  <Edit>DocumentLibraryForm</Edit>
+  <New>DocumentLibraryForm</New>
+</FormTemplates>
 </file>
 
 <file path=customXml/item3.xml><?xml version="1.0" encoding="utf-8"?>
@@ -22992,21 +25861,28 @@
 </file>
 
 <file path=customXml/itemProps1.xml><?xml version="1.0" encoding="utf-8"?>
-<ds:datastoreItem xmlns:ds="http://schemas.openxmlformats.org/officeDocument/2006/customXml" ds:itemID="{6966C46A-DC57-4209-80CD-9FE6C93151FF}">
+<ds:datastoreItem xmlns:ds="http://schemas.openxmlformats.org/officeDocument/2006/customXml" ds:itemID="{BEFFFA3F-0FB5-4ED3-8906-A15B16577F44}">
   <ds:schemaRefs>
-    <ds:schemaRef ds:uri="http://schemas.microsoft.com/sharepoint/v3/contenttype/forms"/>
+    <ds:schemaRef ds:uri="http://schemas.openxmlformats.org/package/2006/metadata/core-properties"/>
+    <ds:schemaRef ds:uri="http://schemas.microsoft.com/office/infopath/2007/PartnerControls"/>
+    <ds:schemaRef ds:uri="http://schemas.microsoft.com/office/2006/documentManagement/types"/>
+    <ds:schemaRef ds:uri="http://purl.org/dc/terms/"/>
+    <ds:schemaRef ds:uri="http://purl.org/dc/dcmitype/"/>
+    <ds:schemaRef ds:uri="http://purl.org/dc/elements/1.1/"/>
+    <ds:schemaRef ds:uri="http://schemas.microsoft.com/sharepoint/v3"/>
+    <ds:schemaRef ds:uri="71af3243-3dd4-4a8d-8c0d-dd76da1f02a5"/>
+    <ds:schemaRef ds:uri="230e9df3-be65-4c73-a93b-d1236ebd677e"/>
+    <ds:schemaRef ds:uri="16c05727-aa75-4e4a-9b5f-8a80a1165891"/>
+    <ds:schemaRef ds:uri="http://schemas.microsoft.com/office/2006/metadata/properties"/>
+    <ds:schemaRef ds:uri="http://www.w3.org/XML/1998/namespace"/>
   </ds:schemaRefs>
 </ds:datastoreItem>
 </file>
 
 <file path=customXml/itemProps2.xml><?xml version="1.0" encoding="utf-8"?>
-<ds:datastoreItem xmlns:ds="http://schemas.openxmlformats.org/officeDocument/2006/customXml" ds:itemID="{BEFFFA3F-0FB5-4ED3-8906-A15B16577F44}">
+<ds:datastoreItem xmlns:ds="http://schemas.openxmlformats.org/officeDocument/2006/customXml" ds:itemID="{6966C46A-DC57-4209-80CD-9FE6C93151FF}">
   <ds:schemaRefs>
-    <ds:schemaRef ds:uri="http://schemas.microsoft.com/office/2006/metadata/properties"/>
-    <ds:schemaRef ds:uri="http://schemas.microsoft.com/office/infopath/2007/PartnerControls"/>
-    <ds:schemaRef ds:uri="http://schemas.microsoft.com/sharepoint/v3"/>
-    <ds:schemaRef ds:uri="71af3243-3dd4-4a8d-8c0d-dd76da1f02a5"/>
-    <ds:schemaRef ds:uri="230e9df3-be65-4c73-a93b-d1236ebd677e"/>
+    <ds:schemaRef ds:uri="http://schemas.microsoft.com/sharepoint/v3/contenttype/forms"/>
   </ds:schemaRefs>
 </ds:datastoreItem>
 </file>

--- a/presentation.pptx
+++ b/presentation.pptx
@@ -5,10 +5,10 @@
     <p:sldMasterId id="2147483666" r:id="rId4"/>
   </p:sldMasterIdLst>
   <p:notesMasterIdLst>
-    <p:notesMasterId r:id="rId40"/>
+    <p:notesMasterId r:id="rId42"/>
   </p:notesMasterIdLst>
   <p:handoutMasterIdLst>
-    <p:handoutMasterId r:id="rId41"/>
+    <p:handoutMasterId r:id="rId43"/>
   </p:handoutMasterIdLst>
   <p:sldIdLst>
     <p:sldId id="256" r:id="rId5"/>
@@ -46,6 +46,8 @@
     <p:sldId id="296" r:id="rId37"/>
     <p:sldId id="297" r:id="rId38"/>
     <p:sldId id="298" r:id="rId39"/>
+    <p:sldId id="299" r:id="rId40"/>
+    <p:sldId id="300" r:id="rId41"/>
   </p:sldIdLst>
   <p:sldSz cx="12192000" cy="6858000"/>
   <p:notesSz cx="6858000" cy="9144000"/>
@@ -181,7 +183,7 @@
 <file path=ppt/revisionInfo.xml><?xml version="1.0" encoding="utf-8"?>
 <p1510:revInfo xmlns:a="http://schemas.openxmlformats.org/drawingml/2006/main" xmlns:r="http://schemas.openxmlformats.org/officeDocument/2006/relationships" xmlns:p1510="http://schemas.microsoft.com/office/powerpoint/2015/10/main">
   <p1510:revLst>
-    <p1510:client id="{1670CD84-DEE0-4E12-BF01-4C2D0C1D7F30}" v="675" dt="2024-05-11T07:33:03.648"/>
+    <p1510:client id="{1670CD84-DEE0-4E12-BF01-4C2D0C1D7F30}" v="682" dt="2024-05-11T08:02:39.904"/>
   </p1510:revLst>
 </p1510:revInfo>
 </file>
@@ -191,7 +193,7 @@
   <pc:docChgLst>
     <pc:chgData name="Dominique RIGHETTO" userId="512fe077-82ad-424c-88a3-15e852b5861d" providerId="ADAL" clId="{1670CD84-DEE0-4E12-BF01-4C2D0C1D7F30}"/>
     <pc:docChg chg="undo custSel addSld delSld modSld sldOrd">
-      <pc:chgData name="Dominique RIGHETTO" userId="512fe077-82ad-424c-88a3-15e852b5861d" providerId="ADAL" clId="{1670CD84-DEE0-4E12-BF01-4C2D0C1D7F30}" dt="2024-05-11T07:33:40.968" v="8108" actId="113"/>
+      <pc:chgData name="Dominique RIGHETTO" userId="512fe077-82ad-424c-88a3-15e852b5861d" providerId="ADAL" clId="{1670CD84-DEE0-4E12-BF01-4C2D0C1D7F30}" dt="2024-05-11T08:06:09.032" v="8252" actId="20577"/>
       <pc:docMkLst>
         <pc:docMk/>
       </pc:docMkLst>
@@ -1345,7 +1347,7 @@
         </pc:picChg>
       </pc:sldChg>
       <pc:sldChg chg="addSp delSp modSp add mod ord">
-        <pc:chgData name="Dominique RIGHETTO" userId="512fe077-82ad-424c-88a3-15e852b5861d" providerId="ADAL" clId="{1670CD84-DEE0-4E12-BF01-4C2D0C1D7F30}" dt="2024-05-11T06:45:12.971" v="7085" actId="20577"/>
+        <pc:chgData name="Dominique RIGHETTO" userId="512fe077-82ad-424c-88a3-15e852b5861d" providerId="ADAL" clId="{1670CD84-DEE0-4E12-BF01-4C2D0C1D7F30}" dt="2024-05-11T07:54:21.004" v="8135"/>
         <pc:sldMkLst>
           <pc:docMk/>
           <pc:sldMk cId="27853575" sldId="285"/>
@@ -1375,7 +1377,7 @@
           </ac:spMkLst>
         </pc:spChg>
         <pc:spChg chg="mod">
-          <ac:chgData name="Dominique RIGHETTO" userId="512fe077-82ad-424c-88a3-15e852b5861d" providerId="ADAL" clId="{1670CD84-DEE0-4E12-BF01-4C2D0C1D7F30}" dt="2024-05-11T06:43:17.636" v="7065" actId="6549"/>
+          <ac:chgData name="Dominique RIGHETTO" userId="512fe077-82ad-424c-88a3-15e852b5861d" providerId="ADAL" clId="{1670CD84-DEE0-4E12-BF01-4C2D0C1D7F30}" dt="2024-05-11T07:54:21.004" v="8135"/>
           <ac:spMkLst>
             <pc:docMk/>
             <pc:sldMk cId="27853575" sldId="285"/>
@@ -1561,7 +1563,7 @@
         </pc:picChg>
       </pc:sldChg>
       <pc:sldChg chg="addSp delSp modSp add mod ord">
-        <pc:chgData name="Dominique RIGHETTO" userId="512fe077-82ad-424c-88a3-15e852b5861d" providerId="ADAL" clId="{1670CD84-DEE0-4E12-BF01-4C2D0C1D7F30}" dt="2024-05-11T07:02:44.378" v="7348"/>
+        <pc:chgData name="Dominique RIGHETTO" userId="512fe077-82ad-424c-88a3-15e852b5861d" providerId="ADAL" clId="{1670CD84-DEE0-4E12-BF01-4C2D0C1D7F30}" dt="2024-05-11T08:05:14.680" v="8245" actId="20577"/>
         <pc:sldMkLst>
           <pc:docMk/>
           <pc:sldMk cId="3499916818" sldId="291"/>
@@ -1575,7 +1577,7 @@
           </ac:spMkLst>
         </pc:spChg>
         <pc:spChg chg="mod">
-          <ac:chgData name="Dominique RIGHETTO" userId="512fe077-82ad-424c-88a3-15e852b5861d" providerId="ADAL" clId="{1670CD84-DEE0-4E12-BF01-4C2D0C1D7F30}" dt="2024-05-11T07:02:44.378" v="7348"/>
+          <ac:chgData name="Dominique RIGHETTO" userId="512fe077-82ad-424c-88a3-15e852b5861d" providerId="ADAL" clId="{1670CD84-DEE0-4E12-BF01-4C2D0C1D7F30}" dt="2024-05-11T08:05:14.680" v="8245" actId="20577"/>
           <ac:spMkLst>
             <pc:docMk/>
             <pc:sldMk cId="3499916818" sldId="291"/>
@@ -1754,7 +1756,7 @@
         </pc:sldMkLst>
       </pc:sldChg>
       <pc:sldChg chg="addSp delSp modSp add mod">
-        <pc:chgData name="Dominique RIGHETTO" userId="512fe077-82ad-424c-88a3-15e852b5861d" providerId="ADAL" clId="{1670CD84-DEE0-4E12-BF01-4C2D0C1D7F30}" dt="2024-05-11T07:24:52.236" v="7638" actId="478"/>
+        <pc:chgData name="Dominique RIGHETTO" userId="512fe077-82ad-424c-88a3-15e852b5861d" providerId="ADAL" clId="{1670CD84-DEE0-4E12-BF01-4C2D0C1D7F30}" dt="2024-05-11T08:06:09.032" v="8252" actId="20577"/>
         <pc:sldMkLst>
           <pc:docMk/>
           <pc:sldMk cId="2182925398" sldId="295"/>
@@ -1776,7 +1778,7 @@
           </ac:spMkLst>
         </pc:spChg>
         <pc:spChg chg="mod">
-          <ac:chgData name="Dominique RIGHETTO" userId="512fe077-82ad-424c-88a3-15e852b5861d" providerId="ADAL" clId="{1670CD84-DEE0-4E12-BF01-4C2D0C1D7F30}" dt="2024-05-11T07:21:05.833" v="7534" actId="20577"/>
+          <ac:chgData name="Dominique RIGHETTO" userId="512fe077-82ad-424c-88a3-15e852b5861d" providerId="ADAL" clId="{1670CD84-DEE0-4E12-BF01-4C2D0C1D7F30}" dt="2024-05-11T08:06:09.032" v="8252" actId="20577"/>
           <ac:spMkLst>
             <pc:docMk/>
             <pc:sldMk cId="2182925398" sldId="295"/>
@@ -1801,7 +1803,7 @@
         </pc:picChg>
       </pc:sldChg>
       <pc:sldChg chg="addSp delSp modSp add mod">
-        <pc:chgData name="Dominique RIGHETTO" userId="512fe077-82ad-424c-88a3-15e852b5861d" providerId="ADAL" clId="{1670CD84-DEE0-4E12-BF01-4C2D0C1D7F30}" dt="2024-05-11T07:26:40.153" v="7732"/>
+        <pc:chgData name="Dominique RIGHETTO" userId="512fe077-82ad-424c-88a3-15e852b5861d" providerId="ADAL" clId="{1670CD84-DEE0-4E12-BF01-4C2D0C1D7F30}" dt="2024-05-11T08:05:58.781" v="8247" actId="207"/>
         <pc:sldMkLst>
           <pc:docMk/>
           <pc:sldMk cId="773976246" sldId="296"/>
@@ -1815,7 +1817,7 @@
           </ac:spMkLst>
         </pc:spChg>
         <pc:spChg chg="add mod">
-          <ac:chgData name="Dominique RIGHETTO" userId="512fe077-82ad-424c-88a3-15e852b5861d" providerId="ADAL" clId="{1670CD84-DEE0-4E12-BF01-4C2D0C1D7F30}" dt="2024-05-11T07:26:40.153" v="7732"/>
+          <ac:chgData name="Dominique RIGHETTO" userId="512fe077-82ad-424c-88a3-15e852b5861d" providerId="ADAL" clId="{1670CD84-DEE0-4E12-BF01-4C2D0C1D7F30}" dt="2024-05-11T07:55:25.004" v="8139"/>
           <ac:spMkLst>
             <pc:docMk/>
             <pc:sldMk cId="773976246" sldId="296"/>
@@ -1831,7 +1833,7 @@
           </ac:spMkLst>
         </pc:spChg>
         <pc:spChg chg="mod">
-          <ac:chgData name="Dominique RIGHETTO" userId="512fe077-82ad-424c-88a3-15e852b5861d" providerId="ADAL" clId="{1670CD84-DEE0-4E12-BF01-4C2D0C1D7F30}" dt="2024-05-11T07:26:25.587" v="7729" actId="6549"/>
+          <ac:chgData name="Dominique RIGHETTO" userId="512fe077-82ad-424c-88a3-15e852b5861d" providerId="ADAL" clId="{1670CD84-DEE0-4E12-BF01-4C2D0C1D7F30}" dt="2024-05-11T08:05:58.781" v="8247" actId="207"/>
           <ac:spMkLst>
             <pc:docMk/>
             <pc:sldMk cId="773976246" sldId="296"/>
@@ -1879,13 +1881,13 @@
         </pc:picChg>
       </pc:sldChg>
       <pc:sldChg chg="addSp delSp modSp add mod">
-        <pc:chgData name="Dominique RIGHETTO" userId="512fe077-82ad-424c-88a3-15e852b5861d" providerId="ADAL" clId="{1670CD84-DEE0-4E12-BF01-4C2D0C1D7F30}" dt="2024-05-11T07:33:40.968" v="8108" actId="113"/>
+        <pc:chgData name="Dominique RIGHETTO" userId="512fe077-82ad-424c-88a3-15e852b5861d" providerId="ADAL" clId="{1670CD84-DEE0-4E12-BF01-4C2D0C1D7F30}" dt="2024-05-11T07:55:18.606" v="8137"/>
         <pc:sldMkLst>
           <pc:docMk/>
           <pc:sldMk cId="2189355584" sldId="298"/>
         </pc:sldMkLst>
         <pc:spChg chg="add mod">
-          <ac:chgData name="Dominique RIGHETTO" userId="512fe077-82ad-424c-88a3-15e852b5861d" providerId="ADAL" clId="{1670CD84-DEE0-4E12-BF01-4C2D0C1D7F30}" dt="2024-05-11T07:33:28.138" v="8106" actId="113"/>
+          <ac:chgData name="Dominique RIGHETTO" userId="512fe077-82ad-424c-88a3-15e852b5861d" providerId="ADAL" clId="{1670CD84-DEE0-4E12-BF01-4C2D0C1D7F30}" dt="2024-05-11T07:55:18.606" v="8137"/>
           <ac:spMkLst>
             <pc:docMk/>
             <pc:sldMk cId="2189355584" sldId="298"/>
@@ -1893,7 +1895,7 @@
           </ac:spMkLst>
         </pc:spChg>
         <pc:spChg chg="mod">
-          <ac:chgData name="Dominique RIGHETTO" userId="512fe077-82ad-424c-88a3-15e852b5861d" providerId="ADAL" clId="{1670CD84-DEE0-4E12-BF01-4C2D0C1D7F30}" dt="2024-05-11T07:33:40.968" v="8108" actId="113"/>
+          <ac:chgData name="Dominique RIGHETTO" userId="512fe077-82ad-424c-88a3-15e852b5861d" providerId="ADAL" clId="{1670CD84-DEE0-4E12-BF01-4C2D0C1D7F30}" dt="2024-05-11T07:53:55.735" v="8131" actId="113"/>
           <ac:spMkLst>
             <pc:docMk/>
             <pc:sldMk cId="2189355584" sldId="298"/>
@@ -1906,6 +1908,108 @@
             <pc:docMk/>
             <pc:sldMk cId="2189355584" sldId="298"/>
             <ac:picMk id="5" creationId="{86EE7CC6-8EA4-C9B6-8477-2ECC8E41553A}"/>
+          </ac:picMkLst>
+        </pc:picChg>
+      </pc:sldChg>
+      <pc:sldChg chg="addSp delSp modSp add mod">
+        <pc:chgData name="Dominique RIGHETTO" userId="512fe077-82ad-424c-88a3-15e852b5861d" providerId="ADAL" clId="{1670CD84-DEE0-4E12-BF01-4C2D0C1D7F30}" dt="2024-05-11T07:59:47.085" v="8228" actId="108"/>
+        <pc:sldMkLst>
+          <pc:docMk/>
+          <pc:sldMk cId="2776536927" sldId="299"/>
+        </pc:sldMkLst>
+        <pc:spChg chg="mod">
+          <ac:chgData name="Dominique RIGHETTO" userId="512fe077-82ad-424c-88a3-15e852b5861d" providerId="ADAL" clId="{1670CD84-DEE0-4E12-BF01-4C2D0C1D7F30}" dt="2024-05-11T07:57:43.726" v="8215" actId="20577"/>
+          <ac:spMkLst>
+            <pc:docMk/>
+            <pc:sldMk cId="2776536927" sldId="299"/>
+            <ac:spMk id="2" creationId="{5CE54ABB-4929-4810-950B-2DAEA0A5BAB4}"/>
+          </ac:spMkLst>
+        </pc:spChg>
+        <pc:spChg chg="del">
+          <ac:chgData name="Dominique RIGHETTO" userId="512fe077-82ad-424c-88a3-15e852b5861d" providerId="ADAL" clId="{1670CD84-DEE0-4E12-BF01-4C2D0C1D7F30}" dt="2024-05-11T07:56:02.745" v="8141" actId="478"/>
+          <ac:spMkLst>
+            <pc:docMk/>
+            <pc:sldMk cId="2776536927" sldId="299"/>
+            <ac:spMk id="3" creationId="{3D611CA9-9352-51D4-82FF-F26AC2F95406}"/>
+          </ac:spMkLst>
+        </pc:spChg>
+        <pc:spChg chg="mod">
+          <ac:chgData name="Dominique RIGHETTO" userId="512fe077-82ad-424c-88a3-15e852b5861d" providerId="ADAL" clId="{1670CD84-DEE0-4E12-BF01-4C2D0C1D7F30}" dt="2024-05-11T07:57:34.116" v="8214" actId="20577"/>
+          <ac:spMkLst>
+            <pc:docMk/>
+            <pc:sldMk cId="2776536927" sldId="299"/>
+            <ac:spMk id="7" creationId="{6B35F89A-6CDF-41F7-BD87-18B45BD7330B}"/>
+          </ac:spMkLst>
+        </pc:spChg>
+        <pc:picChg chg="add del mod">
+          <ac:chgData name="Dominique RIGHETTO" userId="512fe077-82ad-424c-88a3-15e852b5861d" providerId="ADAL" clId="{1670CD84-DEE0-4E12-BF01-4C2D0C1D7F30}" dt="2024-05-11T07:58:17.608" v="8220" actId="478"/>
+          <ac:picMkLst>
+            <pc:docMk/>
+            <pc:sldMk cId="2776536927" sldId="299"/>
+            <ac:picMk id="5" creationId="{FA2E24DB-341D-1DBC-35B4-1B14432E23A7}"/>
+          </ac:picMkLst>
+        </pc:picChg>
+        <pc:picChg chg="add mod">
+          <ac:chgData name="Dominique RIGHETTO" userId="512fe077-82ad-424c-88a3-15e852b5861d" providerId="ADAL" clId="{1670CD84-DEE0-4E12-BF01-4C2D0C1D7F30}" dt="2024-05-11T07:59:44.574" v="8227" actId="108"/>
+          <ac:picMkLst>
+            <pc:docMk/>
+            <pc:sldMk cId="2776536927" sldId="299"/>
+            <ac:picMk id="8" creationId="{E4F2BBF9-1C52-B76F-5BAC-6051A180371E}"/>
+          </ac:picMkLst>
+        </pc:picChg>
+        <pc:picChg chg="add mod">
+          <ac:chgData name="Dominique RIGHETTO" userId="512fe077-82ad-424c-88a3-15e852b5861d" providerId="ADAL" clId="{1670CD84-DEE0-4E12-BF01-4C2D0C1D7F30}" dt="2024-05-11T07:59:47.085" v="8228" actId="108"/>
+          <ac:picMkLst>
+            <pc:docMk/>
+            <pc:sldMk cId="2776536927" sldId="299"/>
+            <ac:picMk id="10" creationId="{B3B045EE-8BCB-4CD1-18A0-04ACFEDC7A35}"/>
+          </ac:picMkLst>
+        </pc:picChg>
+      </pc:sldChg>
+      <pc:sldChg chg="addSp delSp modSp add mod">
+        <pc:chgData name="Dominique RIGHETTO" userId="512fe077-82ad-424c-88a3-15e852b5861d" providerId="ADAL" clId="{1670CD84-DEE0-4E12-BF01-4C2D0C1D7F30}" dt="2024-05-11T08:02:39.896" v="8241" actId="20577"/>
+        <pc:sldMkLst>
+          <pc:docMk/>
+          <pc:sldMk cId="4167655097" sldId="300"/>
+        </pc:sldMkLst>
+        <pc:spChg chg="add mod">
+          <ac:chgData name="Dominique RIGHETTO" userId="512fe077-82ad-424c-88a3-15e852b5861d" providerId="ADAL" clId="{1670CD84-DEE0-4E12-BF01-4C2D0C1D7F30}" dt="2024-05-11T08:02:39.896" v="8241" actId="20577"/>
+          <ac:spMkLst>
+            <pc:docMk/>
+            <pc:sldMk cId="4167655097" sldId="300"/>
+            <ac:spMk id="5" creationId="{1911061E-EF32-E869-272C-AB41C3013340}"/>
+          </ac:spMkLst>
+        </pc:spChg>
+        <pc:spChg chg="mod">
+          <ac:chgData name="Dominique RIGHETTO" userId="512fe077-82ad-424c-88a3-15e852b5861d" providerId="ADAL" clId="{1670CD84-DEE0-4E12-BF01-4C2D0C1D7F30}" dt="2024-05-11T08:01:16.305" v="8235" actId="5793"/>
+          <ac:spMkLst>
+            <pc:docMk/>
+            <pc:sldMk cId="4167655097" sldId="300"/>
+            <ac:spMk id="7" creationId="{6B35F89A-6CDF-41F7-BD87-18B45BD7330B}"/>
+          </ac:spMkLst>
+        </pc:spChg>
+        <pc:picChg chg="add mod">
+          <ac:chgData name="Dominique RIGHETTO" userId="512fe077-82ad-424c-88a3-15e852b5861d" providerId="ADAL" clId="{1670CD84-DEE0-4E12-BF01-4C2D0C1D7F30}" dt="2024-05-11T08:02:15.035" v="8238" actId="1076"/>
+          <ac:picMkLst>
+            <pc:docMk/>
+            <pc:sldMk cId="4167655097" sldId="300"/>
+            <ac:picMk id="4" creationId="{8D475D70-825A-B05A-DC13-364FE1A8293F}"/>
+          </ac:picMkLst>
+        </pc:picChg>
+        <pc:picChg chg="del">
+          <ac:chgData name="Dominique RIGHETTO" userId="512fe077-82ad-424c-88a3-15e852b5861d" providerId="ADAL" clId="{1670CD84-DEE0-4E12-BF01-4C2D0C1D7F30}" dt="2024-05-11T08:01:12.258" v="8230" actId="478"/>
+          <ac:picMkLst>
+            <pc:docMk/>
+            <pc:sldMk cId="4167655097" sldId="300"/>
+            <ac:picMk id="8" creationId="{E4F2BBF9-1C52-B76F-5BAC-6051A180371E}"/>
+          </ac:picMkLst>
+        </pc:picChg>
+        <pc:picChg chg="del">
+          <ac:chgData name="Dominique RIGHETTO" userId="512fe077-82ad-424c-88a3-15e852b5861d" providerId="ADAL" clId="{1670CD84-DEE0-4E12-BF01-4C2D0C1D7F30}" dt="2024-05-11T08:01:13.245" v="8231" actId="478"/>
+          <ac:picMkLst>
+            <pc:docMk/>
+            <pc:sldMk cId="4167655097" sldId="300"/>
+            <ac:picMk id="10" creationId="{B3B045EE-8BCB-4CD1-18A0-04ACFEDC7A35}"/>
           </ac:picMkLst>
         </pc:picChg>
       </pc:sldChg>
@@ -28844,7 +28948,7 @@
             </a:pPr>
             <a:r>
               <a:rPr lang="en-US" sz="2400" noProof="1"/>
-              <a:t>Use a CSP policy </a:t>
+              <a:t>🎯Use a CSP policy </a:t>
             </a:r>
             <a:r>
               <a:rPr lang="en-US" sz="2400" b="1" noProof="1"/>
@@ -28869,7 +28973,7 @@
             </a:pPr>
             <a:r>
               <a:rPr lang="en-US" sz="2400" noProof="1"/>
-              <a:t>Create a CSP with the following properties:</a:t>
+              <a:t>👨‍💻Create a CSP with the following properties:</a:t>
             </a:r>
           </a:p>
           <a:p>
@@ -29769,13 +29873,13 @@
   <p:clrMapOvr>
     <a:masterClrMapping/>
   </p:clrMapOvr>
-  <mc:AlternateContent xmlns:mc="http://schemas.openxmlformats.org/markup-compatibility/2006">
-    <mc:Choice xmlns:p159="http://schemas.microsoft.com/office/powerpoint/2015/09/main" Requires="p159">
+  <mc:AlternateContent xmlns:mc="http://schemas.openxmlformats.org/markup-compatibility/2006" xmlns:p159="http://schemas.microsoft.com/office/powerpoint/2015/09/main">
+    <mc:Choice Requires="p159">
       <p:transition xmlns:p14="http://schemas.microsoft.com/office/powerpoint/2010/main" spd="slow" p14:dur="2000">
         <p159:morph option="byObject"/>
       </p:transition>
     </mc:Choice>
-    <mc:Fallback>
+    <mc:Fallback xmlns="">
       <p:transition spd="slow">
         <p:fade/>
       </p:transition>
@@ -29926,13 +30030,13 @@
   <p:clrMapOvr>
     <a:masterClrMapping/>
   </p:clrMapOvr>
-  <mc:AlternateContent xmlns:mc="http://schemas.openxmlformats.org/markup-compatibility/2006">
-    <mc:Choice xmlns:p159="http://schemas.microsoft.com/office/powerpoint/2015/09/main" Requires="p159">
+  <mc:AlternateContent xmlns:mc="http://schemas.openxmlformats.org/markup-compatibility/2006" xmlns:p159="http://schemas.microsoft.com/office/powerpoint/2015/09/main">
+    <mc:Choice Requires="p159">
       <p:transition xmlns:p14="http://schemas.microsoft.com/office/powerpoint/2010/main" spd="slow" p14:dur="2000">
         <p159:morph option="byObject"/>
       </p:transition>
     </mc:Choice>
-    <mc:Fallback>
+    <mc:Fallback xmlns="">
       <p:transition spd="slow">
         <p:fade/>
       </p:transition>
@@ -30033,7 +30137,7 @@
             </a:pPr>
             <a:r>
               <a:rPr lang="en-US" sz="2400" noProof="1"/>
-              <a:t>😕I said: “The attacker can execute action on behalf of the current user but, at least, </a:t>
+              <a:t>😕You said: “The attacker can execute action on behalf of the current user but, at least, </a:t>
             </a:r>
             <a:r>
               <a:rPr lang="en-US" sz="2400" b="1" noProof="1"/>
@@ -31013,7 +31117,7 @@
             </a:pPr>
             <a:r>
               <a:rPr lang="en-US" sz="2400" noProof="1"/>
-              <a:t>👨‍🎓Time has come for us to learn another point about the different directives of a CSP: </a:t>
+              <a:t>👨‍🎓Time has come for you to learn another point about the different directives of a CSP: </a:t>
             </a:r>
             <a:r>
               <a:rPr lang="en-US" sz="2400" b="1" noProof="1">
@@ -31253,7 +31357,19 @@
             </a:pPr>
             <a:r>
               <a:rPr lang="en-US" sz="2400" noProof="1"/>
-              <a:t>👨‍💻For this tentative, the CSP created previously was used and the form-action directive was added:</a:t>
+              <a:t>👨‍💻For this tentative, the CSP created previously was used and the </a:t>
+            </a:r>
+            <a:r>
+              <a:rPr lang="en-US" sz="2400" b="1" noProof="1">
+                <a:solidFill>
+                  <a:schemeClr val="accent6"/>
+                </a:solidFill>
+              </a:rPr>
+              <a:t>form-action</a:t>
+            </a:r>
+            <a:r>
+              <a:rPr lang="en-US" sz="2400" noProof="1"/>
+              <a:t> directive was added:</a:t>
             </a:r>
             <a:endParaRPr lang="en-US" sz="2400" b="1" noProof="1">
               <a:solidFill>
@@ -31379,7 +31495,7 @@
                 </a:solidFill>
                 <a:latin typeface="Consolas" panose="020B0609020204030204" pitchFamily="49" charset="0"/>
               </a:rPr>
-              <a:t>'self’</a:t>
+              <a:t>'self'</a:t>
             </a:r>
             <a:r>
               <a:rPr lang="en-US" sz="2000" dirty="0">
@@ -31864,7 +31980,7 @@
             </a:pPr>
             <a:r>
               <a:rPr lang="en-US" sz="2400" noProof="1"/>
-              <a:t>🤔Let's block the execution of any injected JavaScript code by removing the </a:t>
+              <a:t>🤔Idea was to to block the execution of any injected JavaScript code by removing the </a:t>
             </a:r>
             <a:r>
               <a:rPr lang="en-US" sz="2400" b="1" noProof="1">
@@ -31876,7 +31992,19 @@
             </a:r>
             <a:r>
               <a:rPr lang="en-US" sz="2400" noProof="1"/>
-              <a:t> instruction from the script-src directive:</a:t>
+              <a:t> instruction from the </a:t>
+            </a:r>
+            <a:r>
+              <a:rPr lang="en-US" sz="2400" b="1" noProof="1">
+                <a:solidFill>
+                  <a:schemeClr val="accent6"/>
+                </a:solidFill>
+              </a:rPr>
+              <a:t>script-src</a:t>
+            </a:r>
+            <a:r>
+              <a:rPr lang="en-US" sz="2400" noProof="1"/>
+              <a:t> directive:</a:t>
             </a:r>
           </a:p>
           <a:p>
@@ -31990,7 +32118,7 @@
                 </a:solidFill>
                 <a:latin typeface="Consolas" panose="020B0609020204030204" pitchFamily="49" charset="0"/>
               </a:rPr>
-              <a:t>'self’</a:t>
+              <a:t>'self'</a:t>
             </a:r>
             <a:r>
               <a:rPr lang="en-US" sz="2000" dirty="0">
@@ -32189,6 +32317,431 @@
     <p:extLst>
       <p:ext uri="{BB962C8B-B14F-4D97-AF65-F5344CB8AC3E}">
         <p14:creationId xmlns:p14="http://schemas.microsoft.com/office/powerpoint/2010/main" val="2189355584"/>
+      </p:ext>
+    </p:extLst>
+  </p:cSld>
+  <p:clrMapOvr>
+    <a:masterClrMapping/>
+  </p:clrMapOvr>
+</p:sld>
+</file>
+
+<file path=ppt/slides/slide36.xml><?xml version="1.0" encoding="utf-8"?>
+<p:sld xmlns:a="http://schemas.openxmlformats.org/drawingml/2006/main" xmlns:r="http://schemas.openxmlformats.org/officeDocument/2006/relationships" xmlns:p="http://schemas.openxmlformats.org/presentationml/2006/main">
+  <p:cSld>
+    <p:spTree>
+      <p:nvGrpSpPr>
+        <p:cNvPr id="1" name=""/>
+        <p:cNvGrpSpPr/>
+        <p:nvPr/>
+      </p:nvGrpSpPr>
+      <p:grpSpPr>
+        <a:xfrm>
+          <a:off x="0" y="0"/>
+          <a:ext cx="0" cy="0"/>
+          <a:chOff x="0" y="0"/>
+          <a:chExt cx="0" cy="0"/>
+        </a:xfrm>
+      </p:grpSpPr>
+      <p:sp>
+        <p:nvSpPr>
+          <p:cNvPr id="2" name="Title 1">
+            <a:extLst>
+              <a:ext uri="{FF2B5EF4-FFF2-40B4-BE49-F238E27FC236}">
+                <a16:creationId xmlns:a16="http://schemas.microsoft.com/office/drawing/2014/main" id="{5CE54ABB-4929-4810-950B-2DAEA0A5BAB4}"/>
+              </a:ext>
+            </a:extLst>
+          </p:cNvPr>
+          <p:cNvSpPr>
+            <a:spLocks noGrp="1"/>
+          </p:cNvSpPr>
+          <p:nvPr>
+            <p:ph type="title"/>
+          </p:nvPr>
+        </p:nvSpPr>
+        <p:spPr>
+          <a:xfrm>
+            <a:off x="0" y="927496"/>
+            <a:ext cx="12192000" cy="562637"/>
+          </a:xfrm>
+        </p:spPr>
+        <p:txBody>
+          <a:bodyPr>
+            <a:normAutofit/>
+          </a:bodyPr>
+          <a:lstStyle/>
+          <a:p>
+            <a:pPr algn="l"/>
+            <a:r>
+              <a:rPr lang="en-US" dirty="0"/>
+              <a:t>🔬Study time: second try – How to broke an app!</a:t>
+            </a:r>
+          </a:p>
+        </p:txBody>
+      </p:sp>
+      <p:sp>
+        <p:nvSpPr>
+          <p:cNvPr id="7" name="Content Placeholder 6">
+            <a:extLst>
+              <a:ext uri="{FF2B5EF4-FFF2-40B4-BE49-F238E27FC236}">
+                <a16:creationId xmlns:a16="http://schemas.microsoft.com/office/drawing/2014/main" id="{6B35F89A-6CDF-41F7-BD87-18B45BD7330B}"/>
+              </a:ext>
+            </a:extLst>
+          </p:cNvPr>
+          <p:cNvSpPr>
+            <a:spLocks noGrp="1"/>
+          </p:cNvSpPr>
+          <p:nvPr>
+            <p:ph sz="half" idx="2"/>
+          </p:nvPr>
+        </p:nvSpPr>
+        <p:spPr>
+          <a:xfrm>
+            <a:off x="62910" y="1679575"/>
+            <a:ext cx="12129090" cy="5178425"/>
+          </a:xfrm>
+        </p:spPr>
+        <p:txBody>
+          <a:bodyPr vert="horz" lIns="91440" tIns="45720" rIns="91440" bIns="45720" rtlCol="0" anchor="t">
+            <a:normAutofit/>
+          </a:bodyPr>
+          <a:lstStyle/>
+          <a:p>
+            <a:pPr marL="285750" indent="-285750">
+              <a:buFont typeface="Arial" panose="020B0604020202020204" pitchFamily="34" charset="0"/>
+              <a:buChar char="•"/>
+            </a:pPr>
+            <a:r>
+              <a:rPr lang="en-US" sz="2400" noProof="1"/>
+              <a:t>😱However, this broke the review feature:</a:t>
+            </a:r>
+          </a:p>
+          <a:p>
+            <a:endParaRPr lang="en-US" sz="2400" noProof="1"/>
+          </a:p>
+          <a:p>
+            <a:pPr marL="285750" indent="-285750">
+              <a:buFont typeface="Arial" panose="020B0604020202020204" pitchFamily="34" charset="0"/>
+              <a:buChar char="•"/>
+            </a:pPr>
+            <a:endParaRPr lang="en-US" sz="2400" noProof="1"/>
+          </a:p>
+          <a:p>
+            <a:pPr marL="285750" indent="-285750">
+              <a:buFont typeface="Arial" panose="020B0604020202020204" pitchFamily="34" charset="0"/>
+              <a:buChar char="•"/>
+            </a:pPr>
+            <a:endParaRPr lang="en-US" sz="2400" noProof="1"/>
+          </a:p>
+          <a:p>
+            <a:pPr marL="285750" indent="-285750">
+              <a:buFont typeface="Arial" panose="020B0604020202020204" pitchFamily="34" charset="0"/>
+              <a:buChar char="•"/>
+            </a:pPr>
+            <a:endParaRPr lang="en-US" sz="2400" noProof="1"/>
+          </a:p>
+          <a:p>
+            <a:pPr marL="285750" indent="-285750">
+              <a:buFont typeface="Arial" panose="020B0604020202020204" pitchFamily="34" charset="0"/>
+              <a:buChar char="•"/>
+            </a:pPr>
+            <a:endParaRPr lang="en-US" sz="2400" noProof="1"/>
+          </a:p>
+          <a:p>
+            <a:pPr lvl="1"/>
+            <a:endParaRPr lang="en-US" sz="2400" noProof="1"/>
+          </a:p>
+        </p:txBody>
+      </p:sp>
+      <p:pic>
+        <p:nvPicPr>
+          <p:cNvPr id="8" name="Picture 7">
+            <a:extLst>
+              <a:ext uri="{FF2B5EF4-FFF2-40B4-BE49-F238E27FC236}">
+                <a16:creationId xmlns:a16="http://schemas.microsoft.com/office/drawing/2014/main" id="{E4F2BBF9-1C52-B76F-5BAC-6051A180371E}"/>
+              </a:ext>
+            </a:extLst>
+          </p:cNvPr>
+          <p:cNvPicPr>
+            <a:picLocks noChangeAspect="1"/>
+          </p:cNvPicPr>
+          <p:nvPr/>
+        </p:nvPicPr>
+        <p:blipFill>
+          <a:blip r:embed="rId2"/>
+          <a:stretch>
+            <a:fillRect/>
+          </a:stretch>
+        </p:blipFill>
+        <p:spPr>
+          <a:xfrm>
+            <a:off x="866045" y="2253590"/>
+            <a:ext cx="10459910" cy="1876687"/>
+          </a:xfrm>
+          <a:prstGeom prst="rect">
+            <a:avLst/>
+          </a:prstGeom>
+          <a:effectLst>
+            <a:outerShdw blurRad="50800" dist="38100" algn="l" rotWithShape="0">
+              <a:prstClr val="black">
+                <a:alpha val="40000"/>
+              </a:prstClr>
+            </a:outerShdw>
+          </a:effectLst>
+        </p:spPr>
+      </p:pic>
+      <p:pic>
+        <p:nvPicPr>
+          <p:cNvPr id="10" name="Picture 9" descr="A screenshot of a computer program&#10;&#10;Description automatically generated">
+            <a:extLst>
+              <a:ext uri="{FF2B5EF4-FFF2-40B4-BE49-F238E27FC236}">
+                <a16:creationId xmlns:a16="http://schemas.microsoft.com/office/drawing/2014/main" id="{B3B045EE-8BCB-4CD1-18A0-04ACFEDC7A35}"/>
+              </a:ext>
+            </a:extLst>
+          </p:cNvPr>
+          <p:cNvPicPr>
+            <a:picLocks noChangeAspect="1"/>
+          </p:cNvPicPr>
+          <p:nvPr/>
+        </p:nvPicPr>
+        <p:blipFill>
+          <a:blip r:embed="rId3"/>
+          <a:stretch>
+            <a:fillRect/>
+          </a:stretch>
+        </p:blipFill>
+        <p:spPr>
+          <a:xfrm>
+            <a:off x="1535764" y="4627242"/>
+            <a:ext cx="9183382" cy="1733792"/>
+          </a:xfrm>
+          <a:prstGeom prst="rect">
+            <a:avLst/>
+          </a:prstGeom>
+          <a:effectLst>
+            <a:outerShdw blurRad="50800" dist="38100" algn="l" rotWithShape="0">
+              <a:prstClr val="black">
+                <a:alpha val="40000"/>
+              </a:prstClr>
+            </a:outerShdw>
+          </a:effectLst>
+        </p:spPr>
+      </p:pic>
+    </p:spTree>
+    <p:extLst>
+      <p:ext uri="{BB962C8B-B14F-4D97-AF65-F5344CB8AC3E}">
+        <p14:creationId xmlns:p14="http://schemas.microsoft.com/office/powerpoint/2010/main" val="2776536927"/>
+      </p:ext>
+    </p:extLst>
+  </p:cSld>
+  <p:clrMapOvr>
+    <a:masterClrMapping/>
+  </p:clrMapOvr>
+</p:sld>
+</file>
+
+<file path=ppt/slides/slide37.xml><?xml version="1.0" encoding="utf-8"?>
+<p:sld xmlns:a="http://schemas.openxmlformats.org/drawingml/2006/main" xmlns:r="http://schemas.openxmlformats.org/officeDocument/2006/relationships" xmlns:p="http://schemas.openxmlformats.org/presentationml/2006/main">
+  <p:cSld>
+    <p:spTree>
+      <p:nvGrpSpPr>
+        <p:cNvPr id="1" name=""/>
+        <p:cNvGrpSpPr/>
+        <p:nvPr/>
+      </p:nvGrpSpPr>
+      <p:grpSpPr>
+        <a:xfrm>
+          <a:off x="0" y="0"/>
+          <a:ext cx="0" cy="0"/>
+          <a:chOff x="0" y="0"/>
+          <a:chExt cx="0" cy="0"/>
+        </a:xfrm>
+      </p:grpSpPr>
+      <p:sp>
+        <p:nvSpPr>
+          <p:cNvPr id="2" name="Title 1">
+            <a:extLst>
+              <a:ext uri="{FF2B5EF4-FFF2-40B4-BE49-F238E27FC236}">
+                <a16:creationId xmlns:a16="http://schemas.microsoft.com/office/drawing/2014/main" id="{5CE54ABB-4929-4810-950B-2DAEA0A5BAB4}"/>
+              </a:ext>
+            </a:extLst>
+          </p:cNvPr>
+          <p:cNvSpPr>
+            <a:spLocks noGrp="1"/>
+          </p:cNvSpPr>
+          <p:nvPr>
+            <p:ph type="title"/>
+          </p:nvPr>
+        </p:nvSpPr>
+        <p:spPr>
+          <a:xfrm>
+            <a:off x="0" y="927496"/>
+            <a:ext cx="12192000" cy="562637"/>
+          </a:xfrm>
+        </p:spPr>
+        <p:txBody>
+          <a:bodyPr>
+            <a:normAutofit/>
+          </a:bodyPr>
+          <a:lstStyle/>
+          <a:p>
+            <a:pPr algn="l"/>
+            <a:r>
+              <a:rPr lang="en-US" dirty="0"/>
+              <a:t>🔬Study time: second try – How to broke an app!</a:t>
+            </a:r>
+          </a:p>
+        </p:txBody>
+      </p:sp>
+      <p:sp>
+        <p:nvSpPr>
+          <p:cNvPr id="7" name="Content Placeholder 6">
+            <a:extLst>
+              <a:ext uri="{FF2B5EF4-FFF2-40B4-BE49-F238E27FC236}">
+                <a16:creationId xmlns:a16="http://schemas.microsoft.com/office/drawing/2014/main" id="{6B35F89A-6CDF-41F7-BD87-18B45BD7330B}"/>
+              </a:ext>
+            </a:extLst>
+          </p:cNvPr>
+          <p:cNvSpPr>
+            <a:spLocks noGrp="1"/>
+          </p:cNvSpPr>
+          <p:nvPr>
+            <p:ph sz="half" idx="2"/>
+          </p:nvPr>
+        </p:nvSpPr>
+        <p:spPr>
+          <a:xfrm>
+            <a:off x="62910" y="1679575"/>
+            <a:ext cx="12129090" cy="5178425"/>
+          </a:xfrm>
+        </p:spPr>
+        <p:txBody>
+          <a:bodyPr vert="horz" lIns="91440" tIns="45720" rIns="91440" bIns="45720" rtlCol="0" anchor="t">
+            <a:normAutofit/>
+          </a:bodyPr>
+          <a:lstStyle/>
+          <a:p>
+            <a:pPr marL="285750" indent="-285750">
+              <a:buFont typeface="Arial" panose="020B0604020202020204" pitchFamily="34" charset="0"/>
+              <a:buChar char="•"/>
+            </a:pPr>
+            <a:r>
+              <a:rPr lang="en-US" sz="2400" noProof="1"/>
+              <a:t>😱…</a:t>
+            </a:r>
+          </a:p>
+          <a:p>
+            <a:endParaRPr lang="en-US" sz="2400" noProof="1"/>
+          </a:p>
+          <a:p>
+            <a:pPr marL="285750" indent="-285750">
+              <a:buFont typeface="Arial" panose="020B0604020202020204" pitchFamily="34" charset="0"/>
+              <a:buChar char="•"/>
+            </a:pPr>
+            <a:endParaRPr lang="en-US" sz="2400" noProof="1"/>
+          </a:p>
+          <a:p>
+            <a:pPr marL="285750" indent="-285750">
+              <a:buFont typeface="Arial" panose="020B0604020202020204" pitchFamily="34" charset="0"/>
+              <a:buChar char="•"/>
+            </a:pPr>
+            <a:endParaRPr lang="en-US" sz="2400" noProof="1"/>
+          </a:p>
+          <a:p>
+            <a:pPr marL="285750" indent="-285750">
+              <a:buFont typeface="Arial" panose="020B0604020202020204" pitchFamily="34" charset="0"/>
+              <a:buChar char="•"/>
+            </a:pPr>
+            <a:endParaRPr lang="en-US" sz="2400" noProof="1"/>
+          </a:p>
+          <a:p>
+            <a:pPr marL="285750" indent="-285750">
+              <a:buFont typeface="Arial" panose="020B0604020202020204" pitchFamily="34" charset="0"/>
+              <a:buChar char="•"/>
+            </a:pPr>
+            <a:endParaRPr lang="en-US" sz="2400" noProof="1"/>
+          </a:p>
+          <a:p>
+            <a:pPr lvl="1"/>
+            <a:endParaRPr lang="en-US" sz="2400" noProof="1"/>
+          </a:p>
+        </p:txBody>
+      </p:sp>
+      <p:pic>
+        <p:nvPicPr>
+          <p:cNvPr id="4" name="Picture 3">
+            <a:extLst>
+              <a:ext uri="{FF2B5EF4-FFF2-40B4-BE49-F238E27FC236}">
+                <a16:creationId xmlns:a16="http://schemas.microsoft.com/office/drawing/2014/main" id="{8D475D70-825A-B05A-DC13-364FE1A8293F}"/>
+              </a:ext>
+            </a:extLst>
+          </p:cNvPr>
+          <p:cNvPicPr>
+            <a:picLocks noChangeAspect="1"/>
+          </p:cNvPicPr>
+          <p:nvPr/>
+        </p:nvPicPr>
+        <p:blipFill>
+          <a:blip r:embed="rId2"/>
+          <a:stretch>
+            <a:fillRect/>
+          </a:stretch>
+        </p:blipFill>
+        <p:spPr>
+          <a:xfrm>
+            <a:off x="2531532" y="1686034"/>
+            <a:ext cx="7653867" cy="4244470"/>
+          </a:xfrm>
+          <a:prstGeom prst="rect">
+            <a:avLst/>
+          </a:prstGeom>
+        </p:spPr>
+      </p:pic>
+      <p:sp>
+        <p:nvSpPr>
+          <p:cNvPr id="5" name="TextBox 4">
+            <a:extLst>
+              <a:ext uri="{FF2B5EF4-FFF2-40B4-BE49-F238E27FC236}">
+                <a16:creationId xmlns:a16="http://schemas.microsoft.com/office/drawing/2014/main" id="{1911061E-EF32-E869-272C-AB41C3013340}"/>
+              </a:ext>
+            </a:extLst>
+          </p:cNvPr>
+          <p:cNvSpPr txBox="1"/>
+          <p:nvPr/>
+        </p:nvSpPr>
+        <p:spPr>
+          <a:xfrm>
+            <a:off x="745067" y="6104467"/>
+            <a:ext cx="10363200" cy="369332"/>
+          </a:xfrm>
+          <a:prstGeom prst="rect">
+            <a:avLst/>
+          </a:prstGeom>
+          <a:noFill/>
+        </p:spPr>
+        <p:txBody>
+          <a:bodyPr wrap="square" rtlCol="0">
+            <a:spAutoFit/>
+          </a:bodyPr>
+          <a:lstStyle/>
+          <a:p>
+            <a:r>
+              <a:rPr lang="en-US" dirty="0">
+                <a:hlinkClick r:id="rId3"/>
+              </a:rPr>
+              <a:t>https://github.com/righettod/voxxeddays-lux-2024/blob/main/scratchpad.md#fix-missing-point-2</a:t>
+            </a:r>
+            <a:r>
+              <a:rPr lang="en-US" dirty="0"/>
+              <a:t> </a:t>
+            </a:r>
+          </a:p>
+        </p:txBody>
+      </p:sp>
+    </p:spTree>
+    <p:extLst>
+      <p:ext uri="{BB962C8B-B14F-4D97-AF65-F5344CB8AC3E}">
+        <p14:creationId xmlns:p14="http://schemas.microsoft.com/office/powerpoint/2010/main" val="4167655097"/>
       </p:ext>
     </p:extLst>
   </p:cSld>
@@ -34152,15 +34705,6 @@
 </file>
 
 <file path=customXml/item1.xml><?xml version="1.0" encoding="utf-8"?>
-<?mso-contentType ?>
-<FormTemplates xmlns="http://schemas.microsoft.com/sharepoint/v3/contenttype/forms">
-  <Display>DocumentLibraryForm</Display>
-  <Edit>DocumentLibraryForm</Edit>
-  <New>DocumentLibraryForm</New>
-</FormTemplates>
-</file>
-
-<file path=customXml/item2.xml><?xml version="1.0" encoding="utf-8"?>
 <p:properties xmlns:p="http://schemas.microsoft.com/office/2006/metadata/properties" xmlns:xsi="http://www.w3.org/2001/XMLSchema-instance" xmlns:pc="http://schemas.microsoft.com/office/infopath/2007/PartnerControls">
   <documentManagement>
     <_ip_UnifiedCompliancePolicyUIAction xmlns="http://schemas.microsoft.com/sharepoint/v3" xsi:nil="true"/>
@@ -34180,7 +34724,7 @@
 </p:properties>
 </file>
 
-<file path=customXml/item3.xml><?xml version="1.0" encoding="utf-8"?>
+<file path=customXml/item2.xml><?xml version="1.0" encoding="utf-8"?>
 <ct:contentTypeSchema xmlns:ct="http://schemas.microsoft.com/office/2006/metadata/contentType" xmlns:ma="http://schemas.microsoft.com/office/2006/metadata/properties/metaAttributes" ct:_="" ma:_="" ma:contentTypeName="Document" ma:contentTypeID="0x01010079F111ED35F8CC479449609E8A0923A6" ma:contentTypeVersion="27" ma:contentTypeDescription="Create a new document." ma:contentTypeScope="" ma:versionID="c6f9a84f66a9c8b9a21755b9ffafb945">
   <xsd:schema xmlns:xsd="http://www.w3.org/2001/XMLSchema" xmlns:xs="http://www.w3.org/2001/XMLSchema" xmlns:p="http://schemas.microsoft.com/office/2006/metadata/properties" xmlns:ns1="http://schemas.microsoft.com/sharepoint/v3" xmlns:ns2="71af3243-3dd4-4a8d-8c0d-dd76da1f02a5" xmlns:ns3="16c05727-aa75-4e4a-9b5f-8a80a1165891" xmlns:ns4="230e9df3-be65-4c73-a93b-d1236ebd677e" targetNamespace="http://schemas.microsoft.com/office/2006/metadata/properties" ma:root="true" ma:fieldsID="27df39e3e7036dff54f89ddd5805ce72" ns1:_="" ns2:_="" ns3:_="" ns4:_="">
     <xsd:import namespace="http://schemas.microsoft.com/sharepoint/v3"/>
@@ -34486,15 +35030,16 @@
 </ct:contentTypeSchema>
 </file>
 
-<file path=customXml/itemProps1.xml><?xml version="1.0" encoding="utf-8"?>
-<ds:datastoreItem xmlns:ds="http://schemas.openxmlformats.org/officeDocument/2006/customXml" ds:itemID="{6966C46A-DC57-4209-80CD-9FE6C93151FF}">
-  <ds:schemaRefs>
-    <ds:schemaRef ds:uri="http://schemas.microsoft.com/sharepoint/v3/contenttype/forms"/>
-  </ds:schemaRefs>
-</ds:datastoreItem>
+<file path=customXml/item3.xml><?xml version="1.0" encoding="utf-8"?>
+<?mso-contentType ?>
+<FormTemplates xmlns="http://schemas.microsoft.com/sharepoint/v3/contenttype/forms">
+  <Display>DocumentLibraryForm</Display>
+  <Edit>DocumentLibraryForm</Edit>
+  <New>DocumentLibraryForm</New>
+</FormTemplates>
 </file>
 
-<file path=customXml/itemProps2.xml><?xml version="1.0" encoding="utf-8"?>
+<file path=customXml/itemProps1.xml><?xml version="1.0" encoding="utf-8"?>
 <ds:datastoreItem xmlns:ds="http://schemas.openxmlformats.org/officeDocument/2006/customXml" ds:itemID="{BEFFFA3F-0FB5-4ED3-8906-A15B16577F44}">
   <ds:schemaRefs>
     <ds:schemaRef ds:uri="http://schemas.openxmlformats.org/package/2006/metadata/core-properties"/>
@@ -34513,7 +35058,7 @@
 </ds:datastoreItem>
 </file>
 
-<file path=customXml/itemProps3.xml><?xml version="1.0" encoding="utf-8"?>
+<file path=customXml/itemProps2.xml><?xml version="1.0" encoding="utf-8"?>
 <ds:datastoreItem xmlns:ds="http://schemas.openxmlformats.org/officeDocument/2006/customXml" ds:itemID="{4E18436D-DA32-4E27-AC64-8FFEDA5218F9}">
   <ds:schemaRefs>
     <ds:schemaRef ds:uri="http://schemas.microsoft.com/office/2006/metadata/contentType"/>
@@ -34534,6 +35079,14 @@
 </ds:datastoreItem>
 </file>
 
+<file path=customXml/itemProps3.xml><?xml version="1.0" encoding="utf-8"?>
+<ds:datastoreItem xmlns:ds="http://schemas.openxmlformats.org/officeDocument/2006/customXml" ds:itemID="{6966C46A-DC57-4209-80CD-9FE6C93151FF}">
+  <ds:schemaRefs>
+    <ds:schemaRef ds:uri="http://schemas.microsoft.com/sharepoint/v3/contenttype/forms"/>
+  </ds:schemaRefs>
+</ds:datastoreItem>
+</file>
+
 <file path=docMetadata/LabelInfo.xml><?xml version="1.0" encoding="utf-8"?>
 <clbl:labelList xmlns:clbl="http://schemas.microsoft.com/office/2020/mipLabelMetadata"/>
 </file>
--- a/presentation.pptx
+++ b/presentation.pptx
@@ -5,10 +5,10 @@
     <p:sldMasterId id="2147483666" r:id="rId4"/>
   </p:sldMasterIdLst>
   <p:notesMasterIdLst>
-    <p:notesMasterId r:id="rId42"/>
+    <p:notesMasterId r:id="rId53"/>
   </p:notesMasterIdLst>
   <p:handoutMasterIdLst>
-    <p:handoutMasterId r:id="rId43"/>
+    <p:handoutMasterId r:id="rId54"/>
   </p:handoutMasterIdLst>
   <p:sldIdLst>
     <p:sldId id="256" r:id="rId5"/>
@@ -47,7 +47,18 @@
     <p:sldId id="297" r:id="rId38"/>
     <p:sldId id="298" r:id="rId39"/>
     <p:sldId id="299" r:id="rId40"/>
-    <p:sldId id="300" r:id="rId41"/>
+    <p:sldId id="301" r:id="rId41"/>
+    <p:sldId id="302" r:id="rId42"/>
+    <p:sldId id="303" r:id="rId43"/>
+    <p:sldId id="304" r:id="rId44"/>
+    <p:sldId id="305" r:id="rId45"/>
+    <p:sldId id="306" r:id="rId46"/>
+    <p:sldId id="307" r:id="rId47"/>
+    <p:sldId id="308" r:id="rId48"/>
+    <p:sldId id="309" r:id="rId49"/>
+    <p:sldId id="310" r:id="rId50"/>
+    <p:sldId id="311" r:id="rId51"/>
+    <p:sldId id="312" r:id="rId52"/>
   </p:sldIdLst>
   <p:sldSz cx="12192000" cy="6858000"/>
   <p:notesSz cx="6858000" cy="9144000"/>
@@ -183,7 +194,7 @@
 <file path=ppt/revisionInfo.xml><?xml version="1.0" encoding="utf-8"?>
 <p1510:revInfo xmlns:a="http://schemas.openxmlformats.org/drawingml/2006/main" xmlns:r="http://schemas.openxmlformats.org/officeDocument/2006/relationships" xmlns:p1510="http://schemas.microsoft.com/office/powerpoint/2015/10/main">
   <p1510:revLst>
-    <p1510:client id="{1670CD84-DEE0-4E12-BF01-4C2D0C1D7F30}" v="682" dt="2024-05-11T08:02:39.904"/>
+    <p1510:client id="{1670CD84-DEE0-4E12-BF01-4C2D0C1D7F30}" v="770" dt="2024-05-12T10:05:26.416"/>
   </p1510:revLst>
 </p1510:revInfo>
 </file>
@@ -193,12 +204,12 @@
   <pc:docChgLst>
     <pc:chgData name="Dominique RIGHETTO" userId="512fe077-82ad-424c-88a3-15e852b5861d" providerId="ADAL" clId="{1670CD84-DEE0-4E12-BF01-4C2D0C1D7F30}"/>
     <pc:docChg chg="undo custSel addSld delSld modSld sldOrd">
-      <pc:chgData name="Dominique RIGHETTO" userId="512fe077-82ad-424c-88a3-15e852b5861d" providerId="ADAL" clId="{1670CD84-DEE0-4E12-BF01-4C2D0C1D7F30}" dt="2024-05-11T08:06:09.032" v="8252" actId="20577"/>
+      <pc:chgData name="Dominique RIGHETTO" userId="512fe077-82ad-424c-88a3-15e852b5861d" providerId="ADAL" clId="{1670CD84-DEE0-4E12-BF01-4C2D0C1D7F30}" dt="2024-05-12T10:05:57.623" v="11032" actId="14100"/>
       <pc:docMkLst>
         <pc:docMk/>
       </pc:docMkLst>
-      <pc:sldChg chg="addSp modSp mod">
-        <pc:chgData name="Dominique RIGHETTO" userId="512fe077-82ad-424c-88a3-15e852b5861d" providerId="ADAL" clId="{1670CD84-DEE0-4E12-BF01-4C2D0C1D7F30}" dt="2024-05-09T09:54:35.054" v="5884" actId="6549"/>
+      <pc:sldChg chg="addSp modSp mod modTransition">
+        <pc:chgData name="Dominique RIGHETTO" userId="512fe077-82ad-424c-88a3-15e852b5861d" providerId="ADAL" clId="{1670CD84-DEE0-4E12-BF01-4C2D0C1D7F30}" dt="2024-05-12T10:05:57.623" v="11032" actId="14100"/>
         <pc:sldMkLst>
           <pc:docMk/>
           <pc:sldMk cId="1642425379" sldId="256"/>
@@ -212,7 +223,7 @@
           </ac:spMkLst>
         </pc:spChg>
         <pc:spChg chg="mod">
-          <ac:chgData name="Dominique RIGHETTO" userId="512fe077-82ad-424c-88a3-15e852b5861d" providerId="ADAL" clId="{1670CD84-DEE0-4E12-BF01-4C2D0C1D7F30}" dt="2024-05-09T09:54:35.054" v="5884" actId="6549"/>
+          <ac:chgData name="Dominique RIGHETTO" userId="512fe077-82ad-424c-88a3-15e852b5861d" providerId="ADAL" clId="{1670CD84-DEE0-4E12-BF01-4C2D0C1D7F30}" dt="2024-05-12T10:05:48.726" v="11031" actId="14100"/>
           <ac:spMkLst>
             <pc:docMk/>
             <pc:sldMk cId="1642425379" sldId="256"/>
@@ -227,9 +238,25 @@
             <ac:spMk id="4" creationId="{802817E0-E25F-9433-C710-0C8E31B25861}"/>
           </ac:spMkLst>
         </pc:spChg>
+        <pc:picChg chg="add mod">
+          <ac:chgData name="Dominique RIGHETTO" userId="512fe077-82ad-424c-88a3-15e852b5861d" providerId="ADAL" clId="{1670CD84-DEE0-4E12-BF01-4C2D0C1D7F30}" dt="2024-05-12T10:05:57.623" v="11032" actId="14100"/>
+          <ac:picMkLst>
+            <pc:docMk/>
+            <pc:sldMk cId="1642425379" sldId="256"/>
+            <ac:picMk id="6" creationId="{793F6ACB-E2D2-579E-B7AE-5573EC3D8031}"/>
+          </ac:picMkLst>
+        </pc:picChg>
+        <pc:picChg chg="add mod">
+          <ac:chgData name="Dominique RIGHETTO" userId="512fe077-82ad-424c-88a3-15e852b5861d" providerId="ADAL" clId="{1670CD84-DEE0-4E12-BF01-4C2D0C1D7F30}" dt="2024-05-12T10:05:26.416" v="11026"/>
+          <ac:picMkLst>
+            <pc:docMk/>
+            <pc:sldMk cId="1642425379" sldId="256"/>
+            <ac:picMk id="7" creationId="{352311F0-E69F-8B48-2660-4AFB4BE99A65}"/>
+          </ac:picMkLst>
+        </pc:picChg>
       </pc:sldChg>
-      <pc:sldChg chg="modSp mod ord">
-        <pc:chgData name="Dominique RIGHETTO" userId="512fe077-82ad-424c-88a3-15e852b5861d" providerId="ADAL" clId="{1670CD84-DEE0-4E12-BF01-4C2D0C1D7F30}" dt="2024-05-09T06:43:47.859" v="2339" actId="14100"/>
+      <pc:sldChg chg="modSp mod ord modTransition">
+        <pc:chgData name="Dominique RIGHETTO" userId="512fe077-82ad-424c-88a3-15e852b5861d" providerId="ADAL" clId="{1670CD84-DEE0-4E12-BF01-4C2D0C1D7F30}" dt="2024-05-12T09:49:57.687" v="10935"/>
         <pc:sldMkLst>
           <pc:docMk/>
           <pc:sldMk cId="707789176" sldId="258"/>
@@ -271,8 +298,8 @@
           <pc:sldMk cId="1346372204" sldId="264"/>
         </pc:sldMkLst>
       </pc:sldChg>
-      <pc:sldChg chg="addSp delSp modSp mod ord chgLayout">
-        <pc:chgData name="Dominique RIGHETTO" userId="512fe077-82ad-424c-88a3-15e852b5861d" providerId="ADAL" clId="{1670CD84-DEE0-4E12-BF01-4C2D0C1D7F30}" dt="2024-05-11T05:27:03.530" v="5901" actId="14861"/>
+      <pc:sldChg chg="addSp delSp modSp mod ord modTransition chgLayout">
+        <pc:chgData name="Dominique RIGHETTO" userId="512fe077-82ad-424c-88a3-15e852b5861d" providerId="ADAL" clId="{1670CD84-DEE0-4E12-BF01-4C2D0C1D7F30}" dt="2024-05-12T09:54:06.977" v="10947"/>
         <pc:sldMkLst>
           <pc:docMk/>
           <pc:sldMk cId="2121178069" sldId="266"/>
@@ -318,7 +345,7 @@
           </ac:spMkLst>
         </pc:spChg>
         <pc:spChg chg="mod ord">
-          <ac:chgData name="Dominique RIGHETTO" userId="512fe077-82ad-424c-88a3-15e852b5861d" providerId="ADAL" clId="{1670CD84-DEE0-4E12-BF01-4C2D0C1D7F30}" dt="2024-05-11T05:25:44.073" v="5895" actId="26606"/>
+          <ac:chgData name="Dominique RIGHETTO" userId="512fe077-82ad-424c-88a3-15e852b5861d" providerId="ADAL" clId="{1670CD84-DEE0-4E12-BF01-4C2D0C1D7F30}" dt="2024-05-12T09:54:06.977" v="10947"/>
           <ac:spMkLst>
             <pc:docMk/>
             <pc:sldMk cId="2121178069" sldId="266"/>
@@ -446,14 +473,14 @@
           </ac:picMkLst>
         </pc:picChg>
       </pc:sldChg>
-      <pc:sldChg chg="modSp add mod">
-        <pc:chgData name="Dominique RIGHETTO" userId="512fe077-82ad-424c-88a3-15e852b5861d" providerId="ADAL" clId="{1670CD84-DEE0-4E12-BF01-4C2D0C1D7F30}" dt="2024-05-11T05:27:47.320" v="5906"/>
+      <pc:sldChg chg="modSp add mod modTransition">
+        <pc:chgData name="Dominique RIGHETTO" userId="512fe077-82ad-424c-88a3-15e852b5861d" providerId="ADAL" clId="{1670CD84-DEE0-4E12-BF01-4C2D0C1D7F30}" dt="2024-05-12T09:55:07.318" v="10960" actId="6549"/>
         <pc:sldMkLst>
           <pc:docMk/>
           <pc:sldMk cId="2371800147" sldId="267"/>
         </pc:sldMkLst>
         <pc:spChg chg="mod">
-          <ac:chgData name="Dominique RIGHETTO" userId="512fe077-82ad-424c-88a3-15e852b5861d" providerId="ADAL" clId="{1670CD84-DEE0-4E12-BF01-4C2D0C1D7F30}" dt="2024-05-11T05:27:47.320" v="5906"/>
+          <ac:chgData name="Dominique RIGHETTO" userId="512fe077-82ad-424c-88a3-15e852b5861d" providerId="ADAL" clId="{1670CD84-DEE0-4E12-BF01-4C2D0C1D7F30}" dt="2024-05-12T09:55:07.318" v="10960" actId="6549"/>
           <ac:spMkLst>
             <pc:docMk/>
             <pc:sldMk cId="2371800147" sldId="267"/>
@@ -461,14 +488,14 @@
           </ac:spMkLst>
         </pc:spChg>
       </pc:sldChg>
-      <pc:sldChg chg="modSp add mod">
-        <pc:chgData name="Dominique RIGHETTO" userId="512fe077-82ad-424c-88a3-15e852b5861d" providerId="ADAL" clId="{1670CD84-DEE0-4E12-BF01-4C2D0C1D7F30}" dt="2024-05-09T06:42:06.889" v="2252" actId="20577"/>
+      <pc:sldChg chg="modSp add mod modTransition">
+        <pc:chgData name="Dominique RIGHETTO" userId="512fe077-82ad-424c-88a3-15e852b5861d" providerId="ADAL" clId="{1670CD84-DEE0-4E12-BF01-4C2D0C1D7F30}" dt="2024-05-12T09:55:32.148" v="10964"/>
         <pc:sldMkLst>
           <pc:docMk/>
           <pc:sldMk cId="2644610646" sldId="268"/>
         </pc:sldMkLst>
         <pc:spChg chg="mod">
-          <ac:chgData name="Dominique RIGHETTO" userId="512fe077-82ad-424c-88a3-15e852b5861d" providerId="ADAL" clId="{1670CD84-DEE0-4E12-BF01-4C2D0C1D7F30}" dt="2024-05-09T06:42:06.889" v="2252" actId="20577"/>
+          <ac:chgData name="Dominique RIGHETTO" userId="512fe077-82ad-424c-88a3-15e852b5861d" providerId="ADAL" clId="{1670CD84-DEE0-4E12-BF01-4C2D0C1D7F30}" dt="2024-05-12T09:55:32.148" v="10964"/>
           <ac:spMkLst>
             <pc:docMk/>
             <pc:sldMk cId="2644610646" sldId="268"/>
@@ -483,8 +510,8 @@
           <pc:sldMk cId="4151694508" sldId="268"/>
         </pc:sldMkLst>
       </pc:sldChg>
-      <pc:sldChg chg="modSp add mod ord">
-        <pc:chgData name="Dominique RIGHETTO" userId="512fe077-82ad-424c-88a3-15e852b5861d" providerId="ADAL" clId="{1670CD84-DEE0-4E12-BF01-4C2D0C1D7F30}" dt="2024-05-09T07:04:38.239" v="2576" actId="6549"/>
+      <pc:sldChg chg="modSp add mod ord modTransition">
+        <pc:chgData name="Dominique RIGHETTO" userId="512fe077-82ad-424c-88a3-15e852b5861d" providerId="ADAL" clId="{1670CD84-DEE0-4E12-BF01-4C2D0C1D7F30}" dt="2024-05-12T09:49:57.687" v="10935"/>
         <pc:sldMkLst>
           <pc:docMk/>
           <pc:sldMk cId="3700435213" sldId="269"/>
@@ -505,8 +532,8 @@
           <pc:sldMk cId="1472106130" sldId="270"/>
         </pc:sldMkLst>
       </pc:sldChg>
-      <pc:sldChg chg="addSp delSp modSp add mod ord">
-        <pc:chgData name="Dominique RIGHETTO" userId="512fe077-82ad-424c-88a3-15e852b5861d" providerId="ADAL" clId="{1670CD84-DEE0-4E12-BF01-4C2D0C1D7F30}" dt="2024-05-11T05:27:10.134" v="5902" actId="108"/>
+      <pc:sldChg chg="addSp delSp modSp add mod ord modTransition">
+        <pc:chgData name="Dominique RIGHETTO" userId="512fe077-82ad-424c-88a3-15e852b5861d" providerId="ADAL" clId="{1670CD84-DEE0-4E12-BF01-4C2D0C1D7F30}" dt="2024-05-12T09:55:47.418" v="10966"/>
         <pc:sldMkLst>
           <pc:docMk/>
           <pc:sldMk cId="3996946814" sldId="270"/>
@@ -520,7 +547,7 @@
           </ac:spMkLst>
         </pc:spChg>
         <pc:spChg chg="mod">
-          <ac:chgData name="Dominique RIGHETTO" userId="512fe077-82ad-424c-88a3-15e852b5861d" providerId="ADAL" clId="{1670CD84-DEE0-4E12-BF01-4C2D0C1D7F30}" dt="2024-05-09T07:50:48.456" v="3477" actId="113"/>
+          <ac:chgData name="Dominique RIGHETTO" userId="512fe077-82ad-424c-88a3-15e852b5861d" providerId="ADAL" clId="{1670CD84-DEE0-4E12-BF01-4C2D0C1D7F30}" dt="2024-05-12T09:55:47.418" v="10966"/>
           <ac:spMkLst>
             <pc:docMk/>
             <pc:sldMk cId="3996946814" sldId="270"/>
@@ -552,8 +579,8 @@
           </ac:picMkLst>
         </pc:picChg>
       </pc:sldChg>
-      <pc:sldChg chg="addSp delSp modSp add mod">
-        <pc:chgData name="Dominique RIGHETTO" userId="512fe077-82ad-424c-88a3-15e852b5861d" providerId="ADAL" clId="{1670CD84-DEE0-4E12-BF01-4C2D0C1D7F30}" dt="2024-05-11T05:28:13.082" v="5908" actId="1076"/>
+      <pc:sldChg chg="addSp delSp modSp add mod modTransition">
+        <pc:chgData name="Dominique RIGHETTO" userId="512fe077-82ad-424c-88a3-15e852b5861d" providerId="ADAL" clId="{1670CD84-DEE0-4E12-BF01-4C2D0C1D7F30}" dt="2024-05-12T09:55:57.038" v="10968" actId="20577"/>
         <pc:sldMkLst>
           <pc:docMk/>
           <pc:sldMk cId="1800565372" sldId="271"/>
@@ -583,7 +610,7 @@
           </ac:spMkLst>
         </pc:spChg>
         <pc:spChg chg="mod">
-          <ac:chgData name="Dominique RIGHETTO" userId="512fe077-82ad-424c-88a3-15e852b5861d" providerId="ADAL" clId="{1670CD84-DEE0-4E12-BF01-4C2D0C1D7F30}" dt="2024-05-09T07:43:51.044" v="3396" actId="113"/>
+          <ac:chgData name="Dominique RIGHETTO" userId="512fe077-82ad-424c-88a3-15e852b5861d" providerId="ADAL" clId="{1670CD84-DEE0-4E12-BF01-4C2D0C1D7F30}" dt="2024-05-12T09:55:57.038" v="10968" actId="20577"/>
           <ac:spMkLst>
             <pc:docMk/>
             <pc:sldMk cId="1800565372" sldId="271"/>
@@ -638,8 +665,8 @@
           <pc:sldMk cId="2803304352" sldId="271"/>
         </pc:sldMkLst>
       </pc:sldChg>
-      <pc:sldChg chg="addSp delSp modSp add mod">
-        <pc:chgData name="Dominique RIGHETTO" userId="512fe077-82ad-424c-88a3-15e852b5861d" providerId="ADAL" clId="{1670CD84-DEE0-4E12-BF01-4C2D0C1D7F30}" dt="2024-05-11T05:27:18.866" v="5904" actId="108"/>
+      <pc:sldChg chg="addSp delSp modSp add mod modTransition">
+        <pc:chgData name="Dominique RIGHETTO" userId="512fe077-82ad-424c-88a3-15e852b5861d" providerId="ADAL" clId="{1670CD84-DEE0-4E12-BF01-4C2D0C1D7F30}" dt="2024-05-12T09:56:07.528" v="10970" actId="20577"/>
         <pc:sldMkLst>
           <pc:docMk/>
           <pc:sldMk cId="2886724355" sldId="272"/>
@@ -653,7 +680,7 @@
           </ac:spMkLst>
         </pc:spChg>
         <pc:spChg chg="mod">
-          <ac:chgData name="Dominique RIGHETTO" userId="512fe077-82ad-424c-88a3-15e852b5861d" providerId="ADAL" clId="{1670CD84-DEE0-4E12-BF01-4C2D0C1D7F30}" dt="2024-05-09T08:15:44.137" v="3506" actId="207"/>
+          <ac:chgData name="Dominique RIGHETTO" userId="512fe077-82ad-424c-88a3-15e852b5861d" providerId="ADAL" clId="{1670CD84-DEE0-4E12-BF01-4C2D0C1D7F30}" dt="2024-05-12T09:56:07.528" v="10970" actId="20577"/>
           <ac:spMkLst>
             <pc:docMk/>
             <pc:sldMk cId="2886724355" sldId="272"/>
@@ -685,8 +712,8 @@
           </ac:picMkLst>
         </pc:picChg>
       </pc:sldChg>
-      <pc:sldChg chg="addSp delSp modSp add mod modAnim">
-        <pc:chgData name="Dominique RIGHETTO" userId="512fe077-82ad-424c-88a3-15e852b5861d" providerId="ADAL" clId="{1670CD84-DEE0-4E12-BF01-4C2D0C1D7F30}" dt="2024-05-09T09:33:10.045" v="5351" actId="1076"/>
+      <pc:sldChg chg="addSp delSp modSp add mod modTransition modAnim">
+        <pc:chgData name="Dominique RIGHETTO" userId="512fe077-82ad-424c-88a3-15e852b5861d" providerId="ADAL" clId="{1670CD84-DEE0-4E12-BF01-4C2D0C1D7F30}" dt="2024-05-12T09:56:30.228" v="10979"/>
         <pc:sldMkLst>
           <pc:docMk/>
           <pc:sldMk cId="4159186112" sldId="273"/>
@@ -724,7 +751,7 @@
           </ac:spMkLst>
         </pc:spChg>
         <pc:spChg chg="mod ord">
-          <ac:chgData name="Dominique RIGHETTO" userId="512fe077-82ad-424c-88a3-15e852b5861d" providerId="ADAL" clId="{1670CD84-DEE0-4E12-BF01-4C2D0C1D7F30}" dt="2024-05-09T08:53:57.604" v="4319" actId="167"/>
+          <ac:chgData name="Dominique RIGHETTO" userId="512fe077-82ad-424c-88a3-15e852b5861d" providerId="ADAL" clId="{1670CD84-DEE0-4E12-BF01-4C2D0C1D7F30}" dt="2024-05-12T09:56:30.228" v="10979"/>
           <ac:spMkLst>
             <pc:docMk/>
             <pc:sldMk cId="4159186112" sldId="273"/>
@@ -740,7 +767,7 @@
           </ac:spMkLst>
         </pc:spChg>
         <pc:spChg chg="add mod">
-          <ac:chgData name="Dominique RIGHETTO" userId="512fe077-82ad-424c-88a3-15e852b5861d" providerId="ADAL" clId="{1670CD84-DEE0-4E12-BF01-4C2D0C1D7F30}" dt="2024-05-09T08:46:13.510" v="4248" actId="20577"/>
+          <ac:chgData name="Dominique RIGHETTO" userId="512fe077-82ad-424c-88a3-15e852b5861d" providerId="ADAL" clId="{1670CD84-DEE0-4E12-BF01-4C2D0C1D7F30}" dt="2024-05-12T09:51:06.936" v="10938" actId="692"/>
           <ac:spMkLst>
             <pc:docMk/>
             <pc:sldMk cId="4159186112" sldId="273"/>
@@ -748,7 +775,7 @@
           </ac:spMkLst>
         </pc:spChg>
         <pc:spChg chg="add mod">
-          <ac:chgData name="Dominique RIGHETTO" userId="512fe077-82ad-424c-88a3-15e852b5861d" providerId="ADAL" clId="{1670CD84-DEE0-4E12-BF01-4C2D0C1D7F30}" dt="2024-05-09T08:39:33.528" v="4210" actId="1076"/>
+          <ac:chgData name="Dominique RIGHETTO" userId="512fe077-82ad-424c-88a3-15e852b5861d" providerId="ADAL" clId="{1670CD84-DEE0-4E12-BF01-4C2D0C1D7F30}" dt="2024-05-12T09:51:16.875" v="10939" actId="692"/>
           <ac:spMkLst>
             <pc:docMk/>
             <pc:sldMk cId="4159186112" sldId="273"/>
@@ -756,7 +783,7 @@
           </ac:spMkLst>
         </pc:spChg>
         <pc:spChg chg="add mod">
-          <ac:chgData name="Dominique RIGHETTO" userId="512fe077-82ad-424c-88a3-15e852b5861d" providerId="ADAL" clId="{1670CD84-DEE0-4E12-BF01-4C2D0C1D7F30}" dt="2024-05-09T08:39:48.873" v="4212" actId="1076"/>
+          <ac:chgData name="Dominique RIGHETTO" userId="512fe077-82ad-424c-88a3-15e852b5861d" providerId="ADAL" clId="{1670CD84-DEE0-4E12-BF01-4C2D0C1D7F30}" dt="2024-05-12T09:51:30.182" v="10941" actId="692"/>
           <ac:spMkLst>
             <pc:docMk/>
             <pc:sldMk cId="4159186112" sldId="273"/>
@@ -764,7 +791,7 @@
           </ac:spMkLst>
         </pc:spChg>
         <pc:spChg chg="add mod">
-          <ac:chgData name="Dominique RIGHETTO" userId="512fe077-82ad-424c-88a3-15e852b5861d" providerId="ADAL" clId="{1670CD84-DEE0-4E12-BF01-4C2D0C1D7F30}" dt="2024-05-09T08:39:42.902" v="4211" actId="1076"/>
+          <ac:chgData name="Dominique RIGHETTO" userId="512fe077-82ad-424c-88a3-15e852b5861d" providerId="ADAL" clId="{1670CD84-DEE0-4E12-BF01-4C2D0C1D7F30}" dt="2024-05-12T09:51:24.159" v="10940" actId="692"/>
           <ac:spMkLst>
             <pc:docMk/>
             <pc:sldMk cId="4159186112" sldId="273"/>
@@ -820,14 +847,14 @@
           </ac:picMkLst>
         </pc:picChg>
       </pc:sldChg>
-      <pc:sldChg chg="delSp modSp add mod">
-        <pc:chgData name="Dominique RIGHETTO" userId="512fe077-82ad-424c-88a3-15e852b5861d" providerId="ADAL" clId="{1670CD84-DEE0-4E12-BF01-4C2D0C1D7F30}" dt="2024-05-09T08:16:19.533" v="3511" actId="207"/>
+      <pc:sldChg chg="delSp modSp add mod modTransition">
+        <pc:chgData name="Dominique RIGHETTO" userId="512fe077-82ad-424c-88a3-15e852b5861d" providerId="ADAL" clId="{1670CD84-DEE0-4E12-BF01-4C2D0C1D7F30}" dt="2024-05-12T09:56:10.959" v="10972" actId="20577"/>
         <pc:sldMkLst>
           <pc:docMk/>
           <pc:sldMk cId="1446957452" sldId="274"/>
         </pc:sldMkLst>
         <pc:spChg chg="mod ord">
-          <ac:chgData name="Dominique RIGHETTO" userId="512fe077-82ad-424c-88a3-15e852b5861d" providerId="ADAL" clId="{1670CD84-DEE0-4E12-BF01-4C2D0C1D7F30}" dt="2024-05-09T08:16:19.533" v="3511" actId="207"/>
+          <ac:chgData name="Dominique RIGHETTO" userId="512fe077-82ad-424c-88a3-15e852b5861d" providerId="ADAL" clId="{1670CD84-DEE0-4E12-BF01-4C2D0C1D7F30}" dt="2024-05-12T09:56:10.959" v="10972" actId="20577"/>
           <ac:spMkLst>
             <pc:docMk/>
             <pc:sldMk cId="1446957452" sldId="274"/>
@@ -858,14 +885,14 @@
           <pc:sldMk cId="920173932" sldId="275"/>
         </pc:sldMkLst>
       </pc:sldChg>
-      <pc:sldChg chg="modSp add mod ord">
-        <pc:chgData name="Dominique RIGHETTO" userId="512fe077-82ad-424c-88a3-15e852b5861d" providerId="ADAL" clId="{1670CD84-DEE0-4E12-BF01-4C2D0C1D7F30}" dt="2024-05-11T05:28:33.468" v="5909" actId="108"/>
+      <pc:sldChg chg="modSp add mod ord modTransition">
+        <pc:chgData name="Dominique RIGHETTO" userId="512fe077-82ad-424c-88a3-15e852b5861d" providerId="ADAL" clId="{1670CD84-DEE0-4E12-BF01-4C2D0C1D7F30}" dt="2024-05-12T09:56:21.838" v="10977"/>
         <pc:sldMkLst>
           <pc:docMk/>
           <pc:sldMk cId="1531576489" sldId="275"/>
         </pc:sldMkLst>
         <pc:spChg chg="mod">
-          <ac:chgData name="Dominique RIGHETTO" userId="512fe077-82ad-424c-88a3-15e852b5861d" providerId="ADAL" clId="{1670CD84-DEE0-4E12-BF01-4C2D0C1D7F30}" dt="2024-05-11T05:28:33.468" v="5909" actId="108"/>
+          <ac:chgData name="Dominique RIGHETTO" userId="512fe077-82ad-424c-88a3-15e852b5861d" providerId="ADAL" clId="{1670CD84-DEE0-4E12-BF01-4C2D0C1D7F30}" dt="2024-05-12T09:56:21.838" v="10977"/>
           <ac:spMkLst>
             <pc:docMk/>
             <pc:sldMk cId="1531576489" sldId="275"/>
@@ -873,8 +900,8 @@
           </ac:spMkLst>
         </pc:spChg>
       </pc:sldChg>
-      <pc:sldChg chg="addSp modSp add mod ord">
-        <pc:chgData name="Dominique RIGHETTO" userId="512fe077-82ad-424c-88a3-15e852b5861d" providerId="ADAL" clId="{1670CD84-DEE0-4E12-BF01-4C2D0C1D7F30}" dt="2024-05-09T09:00:01.827" v="4571" actId="207"/>
+      <pc:sldChg chg="addSp modSp add mod ord modTransition">
+        <pc:chgData name="Dominique RIGHETTO" userId="512fe077-82ad-424c-88a3-15e852b5861d" providerId="ADAL" clId="{1670CD84-DEE0-4E12-BF01-4C2D0C1D7F30}" dt="2024-05-12T09:56:57.657" v="10985" actId="20577"/>
         <pc:sldMkLst>
           <pc:docMk/>
           <pc:sldMk cId="390519850" sldId="276"/>
@@ -896,7 +923,7 @@
           </ac:spMkLst>
         </pc:spChg>
         <pc:spChg chg="mod">
-          <ac:chgData name="Dominique RIGHETTO" userId="512fe077-82ad-424c-88a3-15e852b5861d" providerId="ADAL" clId="{1670CD84-DEE0-4E12-BF01-4C2D0C1D7F30}" dt="2024-05-09T09:00:01.827" v="4571" actId="207"/>
+          <ac:chgData name="Dominique RIGHETTO" userId="512fe077-82ad-424c-88a3-15e852b5861d" providerId="ADAL" clId="{1670CD84-DEE0-4E12-BF01-4C2D0C1D7F30}" dt="2024-05-12T09:56:57.657" v="10985" actId="20577"/>
           <ac:spMkLst>
             <pc:docMk/>
             <pc:sldMk cId="390519850" sldId="276"/>
@@ -918,8 +945,8 @@
           <pc:sldMk cId="2243494996" sldId="277"/>
         </pc:sldMkLst>
       </pc:sldChg>
-      <pc:sldChg chg="addSp delSp modSp add mod">
-        <pc:chgData name="Dominique RIGHETTO" userId="512fe077-82ad-424c-88a3-15e852b5861d" providerId="ADAL" clId="{1670CD84-DEE0-4E12-BF01-4C2D0C1D7F30}" dt="2024-05-09T09:32:25.085" v="5350" actId="14100"/>
+      <pc:sldChg chg="addSp delSp modSp add mod modTransition">
+        <pc:chgData name="Dominique RIGHETTO" userId="512fe077-82ad-424c-88a3-15e852b5861d" providerId="ADAL" clId="{1670CD84-DEE0-4E12-BF01-4C2D0C1D7F30}" dt="2024-05-12T09:57:13.567" v="10991"/>
         <pc:sldMkLst>
           <pc:docMk/>
           <pc:sldMk cId="3732992385" sldId="277"/>
@@ -957,7 +984,7 @@
           </ac:spMkLst>
         </pc:spChg>
         <pc:spChg chg="mod">
-          <ac:chgData name="Dominique RIGHETTO" userId="512fe077-82ad-424c-88a3-15e852b5861d" providerId="ADAL" clId="{1670CD84-DEE0-4E12-BF01-4C2D0C1D7F30}" dt="2024-05-09T09:32:06.053" v="5347" actId="20577"/>
+          <ac:chgData name="Dominique RIGHETTO" userId="512fe077-82ad-424c-88a3-15e852b5861d" providerId="ADAL" clId="{1670CD84-DEE0-4E12-BF01-4C2D0C1D7F30}" dt="2024-05-12T09:57:13.567" v="10991"/>
           <ac:spMkLst>
             <pc:docMk/>
             <pc:sldMk cId="3732992385" sldId="277"/>
@@ -965,8 +992,8 @@
           </ac:spMkLst>
         </pc:spChg>
       </pc:sldChg>
-      <pc:sldChg chg="addSp delSp modSp add mod setBg modAnim">
-        <pc:chgData name="Dominique RIGHETTO" userId="512fe077-82ad-424c-88a3-15e852b5861d" providerId="ADAL" clId="{1670CD84-DEE0-4E12-BF01-4C2D0C1D7F30}" dt="2024-05-11T05:37:14.837" v="6077"/>
+      <pc:sldChg chg="addSp delSp modSp add mod modTransition setBg modAnim">
+        <pc:chgData name="Dominique RIGHETTO" userId="512fe077-82ad-424c-88a3-15e852b5861d" providerId="ADAL" clId="{1670CD84-DEE0-4E12-BF01-4C2D0C1D7F30}" dt="2024-05-12T09:57:40.335" v="10996" actId="3626"/>
         <pc:sldMkLst>
           <pc:docMk/>
           <pc:sldMk cId="1807056468" sldId="278"/>
@@ -980,7 +1007,7 @@
           </ac:spMkLst>
         </pc:spChg>
         <pc:spChg chg="mod">
-          <ac:chgData name="Dominique RIGHETTO" userId="512fe077-82ad-424c-88a3-15e852b5861d" providerId="ADAL" clId="{1670CD84-DEE0-4E12-BF01-4C2D0C1D7F30}" dt="2024-05-09T09:34:55.076" v="5363" actId="20577"/>
+          <ac:chgData name="Dominique RIGHETTO" userId="512fe077-82ad-424c-88a3-15e852b5861d" providerId="ADAL" clId="{1670CD84-DEE0-4E12-BF01-4C2D0C1D7F30}" dt="2024-05-12T09:57:40.335" v="10996" actId="3626"/>
           <ac:spMkLst>
             <pc:docMk/>
             <pc:sldMk cId="1807056468" sldId="278"/>
@@ -1043,8 +1070,8 @@
           <pc:sldMk cId="2069393026" sldId="278"/>
         </pc:sldMkLst>
       </pc:sldChg>
-      <pc:sldChg chg="modSp add mod ord">
-        <pc:chgData name="Dominique RIGHETTO" userId="512fe077-82ad-424c-88a3-15e852b5861d" providerId="ADAL" clId="{1670CD84-DEE0-4E12-BF01-4C2D0C1D7F30}" dt="2024-05-11T05:41:12.176" v="6173" actId="5793"/>
+      <pc:sldChg chg="modSp add mod ord modTransition">
+        <pc:chgData name="Dominique RIGHETTO" userId="512fe077-82ad-424c-88a3-15e852b5861d" providerId="ADAL" clId="{1670CD84-DEE0-4E12-BF01-4C2D0C1D7F30}" dt="2024-05-12T09:49:57.687" v="10935"/>
         <pc:sldMkLst>
           <pc:docMk/>
           <pc:sldMk cId="1228615568" sldId="279"/>
@@ -1065,14 +1092,14 @@
           <pc:sldMk cId="1417396711" sldId="280"/>
         </pc:sldMkLst>
       </pc:sldChg>
-      <pc:sldChg chg="modSp add mod">
-        <pc:chgData name="Dominique RIGHETTO" userId="512fe077-82ad-424c-88a3-15e852b5861d" providerId="ADAL" clId="{1670CD84-DEE0-4E12-BF01-4C2D0C1D7F30}" dt="2024-05-11T05:26:50.274" v="5900" actId="6549"/>
+      <pc:sldChg chg="modSp add mod modTransition">
+        <pc:chgData name="Dominique RIGHETTO" userId="512fe077-82ad-424c-88a3-15e852b5861d" providerId="ADAL" clId="{1670CD84-DEE0-4E12-BF01-4C2D0C1D7F30}" dt="2024-05-12T09:59:06.405" v="11007"/>
         <pc:sldMkLst>
           <pc:docMk/>
           <pc:sldMk cId="2105480647" sldId="280"/>
         </pc:sldMkLst>
         <pc:spChg chg="mod">
-          <ac:chgData name="Dominique RIGHETTO" userId="512fe077-82ad-424c-88a3-15e852b5861d" providerId="ADAL" clId="{1670CD84-DEE0-4E12-BF01-4C2D0C1D7F30}" dt="2024-05-11T05:26:50.274" v="5900" actId="6549"/>
+          <ac:chgData name="Dominique RIGHETTO" userId="512fe077-82ad-424c-88a3-15e852b5861d" providerId="ADAL" clId="{1670CD84-DEE0-4E12-BF01-4C2D0C1D7F30}" dt="2024-05-12T09:59:06.405" v="11007"/>
           <ac:spMkLst>
             <pc:docMk/>
             <pc:sldMk cId="2105480647" sldId="280"/>
@@ -1080,8 +1107,8 @@
           </ac:spMkLst>
         </pc:spChg>
       </pc:sldChg>
-      <pc:sldChg chg="addSp delSp modSp add mod ord">
-        <pc:chgData name="Dominique RIGHETTO" userId="512fe077-82ad-424c-88a3-15e852b5861d" providerId="ADAL" clId="{1670CD84-DEE0-4E12-BF01-4C2D0C1D7F30}" dt="2024-05-11T05:41:24.214" v="6178" actId="20577"/>
+      <pc:sldChg chg="addSp delSp modSp add mod ord modTransition">
+        <pc:chgData name="Dominique RIGHETTO" userId="512fe077-82ad-424c-88a3-15e852b5861d" providerId="ADAL" clId="{1670CD84-DEE0-4E12-BF01-4C2D0C1D7F30}" dt="2024-05-12T09:58:11.804" v="11000"/>
         <pc:sldMkLst>
           <pc:docMk/>
           <pc:sldMk cId="1960651900" sldId="281"/>
@@ -1111,7 +1138,7 @@
           </ac:spMkLst>
         </pc:spChg>
         <pc:spChg chg="mod">
-          <ac:chgData name="Dominique RIGHETTO" userId="512fe077-82ad-424c-88a3-15e852b5861d" providerId="ADAL" clId="{1670CD84-DEE0-4E12-BF01-4C2D0C1D7F30}" dt="2024-05-11T05:41:24.214" v="6178" actId="20577"/>
+          <ac:chgData name="Dominique RIGHETTO" userId="512fe077-82ad-424c-88a3-15e852b5861d" providerId="ADAL" clId="{1670CD84-DEE0-4E12-BF01-4C2D0C1D7F30}" dt="2024-05-12T09:58:11.804" v="11000"/>
           <ac:spMkLst>
             <pc:docMk/>
             <pc:sldMk cId="1960651900" sldId="281"/>
@@ -1119,7 +1146,7 @@
           </ac:spMkLst>
         </pc:spChg>
         <pc:spChg chg="add mod">
-          <ac:chgData name="Dominique RIGHETTO" userId="512fe077-82ad-424c-88a3-15e852b5861d" providerId="ADAL" clId="{1670CD84-DEE0-4E12-BF01-4C2D0C1D7F30}" dt="2024-05-11T05:38:56.489" v="6100" actId="14100"/>
+          <ac:chgData name="Dominique RIGHETTO" userId="512fe077-82ad-424c-88a3-15e852b5861d" providerId="ADAL" clId="{1670CD84-DEE0-4E12-BF01-4C2D0C1D7F30}" dt="2024-05-12T09:47:44.048" v="10922" actId="692"/>
           <ac:spMkLst>
             <pc:docMk/>
             <pc:sldMk cId="1960651900" sldId="281"/>
@@ -1159,14 +1186,14 @@
           </ac:picMkLst>
         </pc:picChg>
       </pc:sldChg>
-      <pc:sldChg chg="delSp modSp add mod">
-        <pc:chgData name="Dominique RIGHETTO" userId="512fe077-82ad-424c-88a3-15e852b5861d" providerId="ADAL" clId="{1670CD84-DEE0-4E12-BF01-4C2D0C1D7F30}" dt="2024-05-11T05:40:45.810" v="6167" actId="113"/>
+      <pc:sldChg chg="delSp modSp add mod modTransition">
+        <pc:chgData name="Dominique RIGHETTO" userId="512fe077-82ad-424c-88a3-15e852b5861d" providerId="ADAL" clId="{1670CD84-DEE0-4E12-BF01-4C2D0C1D7F30}" dt="2024-05-12T09:58:17.316" v="11002" actId="20577"/>
         <pc:sldMkLst>
           <pc:docMk/>
           <pc:sldMk cId="3291355669" sldId="282"/>
         </pc:sldMkLst>
         <pc:spChg chg="mod">
-          <ac:chgData name="Dominique RIGHETTO" userId="512fe077-82ad-424c-88a3-15e852b5861d" providerId="ADAL" clId="{1670CD84-DEE0-4E12-BF01-4C2D0C1D7F30}" dt="2024-05-11T05:40:45.810" v="6167" actId="113"/>
+          <ac:chgData name="Dominique RIGHETTO" userId="512fe077-82ad-424c-88a3-15e852b5861d" providerId="ADAL" clId="{1670CD84-DEE0-4E12-BF01-4C2D0C1D7F30}" dt="2024-05-12T09:58:17.316" v="11002" actId="20577"/>
           <ac:spMkLst>
             <pc:docMk/>
             <pc:sldMk cId="3291355669" sldId="282"/>
@@ -1182,7 +1209,7 @@
           </ac:spMkLst>
         </pc:spChg>
         <pc:spChg chg="mod">
-          <ac:chgData name="Dominique RIGHETTO" userId="512fe077-82ad-424c-88a3-15e852b5861d" providerId="ADAL" clId="{1670CD84-DEE0-4E12-BF01-4C2D0C1D7F30}" dt="2024-05-11T05:39:23.241" v="6123" actId="14100"/>
+          <ac:chgData name="Dominique RIGHETTO" userId="512fe077-82ad-424c-88a3-15e852b5861d" providerId="ADAL" clId="{1670CD84-DEE0-4E12-BF01-4C2D0C1D7F30}" dt="2024-05-12T09:47:49.187" v="10923" actId="692"/>
           <ac:spMkLst>
             <pc:docMk/>
             <pc:sldMk cId="3291355669" sldId="282"/>
@@ -1213,14 +1240,14 @@
           <pc:sldMk cId="3477453048" sldId="282"/>
         </pc:sldMkLst>
       </pc:sldChg>
-      <pc:sldChg chg="addSp delSp modSp add mod delAnim">
-        <pc:chgData name="Dominique RIGHETTO" userId="512fe077-82ad-424c-88a3-15e852b5861d" providerId="ADAL" clId="{1670CD84-DEE0-4E12-BF01-4C2D0C1D7F30}" dt="2024-05-11T06:02:50.488" v="6481" actId="1076"/>
+      <pc:sldChg chg="addSp delSp modSp add mod modTransition delAnim">
+        <pc:chgData name="Dominique RIGHETTO" userId="512fe077-82ad-424c-88a3-15e852b5861d" providerId="ADAL" clId="{1670CD84-DEE0-4E12-BF01-4C2D0C1D7F30}" dt="2024-05-12T09:58:04.344" v="10998"/>
         <pc:sldMkLst>
           <pc:docMk/>
           <pc:sldMk cId="3007995350" sldId="283"/>
         </pc:sldMkLst>
         <pc:spChg chg="mod">
-          <ac:chgData name="Dominique RIGHETTO" userId="512fe077-82ad-424c-88a3-15e852b5861d" providerId="ADAL" clId="{1670CD84-DEE0-4E12-BF01-4C2D0C1D7F30}" dt="2024-05-11T05:57:29.234" v="6376" actId="20577"/>
+          <ac:chgData name="Dominique RIGHETTO" userId="512fe077-82ad-424c-88a3-15e852b5861d" providerId="ADAL" clId="{1670CD84-DEE0-4E12-BF01-4C2D0C1D7F30}" dt="2024-05-12T09:58:04.344" v="10998"/>
           <ac:spMkLst>
             <pc:docMk/>
             <pc:sldMk cId="3007995350" sldId="283"/>
@@ -1299,8 +1326,8 @@
           <pc:sldMk cId="3396266754" sldId="283"/>
         </pc:sldMkLst>
       </pc:sldChg>
-      <pc:sldChg chg="addSp delSp modSp add mod">
-        <pc:chgData name="Dominique RIGHETTO" userId="512fe077-82ad-424c-88a3-15e852b5861d" providerId="ADAL" clId="{1670CD84-DEE0-4E12-BF01-4C2D0C1D7F30}" dt="2024-05-11T06:32:42.205" v="6764" actId="20577"/>
+      <pc:sldChg chg="addSp delSp modSp add mod modTransition">
+        <pc:chgData name="Dominique RIGHETTO" userId="512fe077-82ad-424c-88a3-15e852b5861d" providerId="ADAL" clId="{1670CD84-DEE0-4E12-BF01-4C2D0C1D7F30}" dt="2024-05-12T09:58:26.386" v="11004"/>
         <pc:sldMkLst>
           <pc:docMk/>
           <pc:sldMk cId="624672475" sldId="284"/>
@@ -1314,7 +1341,7 @@
           </ac:spMkLst>
         </pc:spChg>
         <pc:spChg chg="mod">
-          <ac:chgData name="Dominique RIGHETTO" userId="512fe077-82ad-424c-88a3-15e852b5861d" providerId="ADAL" clId="{1670CD84-DEE0-4E12-BF01-4C2D0C1D7F30}" dt="2024-05-11T06:15:51.011" v="6670" actId="20577"/>
+          <ac:chgData name="Dominique RIGHETTO" userId="512fe077-82ad-424c-88a3-15e852b5861d" providerId="ADAL" clId="{1670CD84-DEE0-4E12-BF01-4C2D0C1D7F30}" dt="2024-05-12T09:58:26.386" v="11004"/>
           <ac:spMkLst>
             <pc:docMk/>
             <pc:sldMk cId="624672475" sldId="284"/>
@@ -1346,8 +1373,8 @@
           </ac:picMkLst>
         </pc:picChg>
       </pc:sldChg>
-      <pc:sldChg chg="addSp delSp modSp add mod ord">
-        <pc:chgData name="Dominique RIGHETTO" userId="512fe077-82ad-424c-88a3-15e852b5861d" providerId="ADAL" clId="{1670CD84-DEE0-4E12-BF01-4C2D0C1D7F30}" dt="2024-05-11T07:54:21.004" v="8135"/>
+      <pc:sldChg chg="addSp delSp modSp add mod ord modTransition">
+        <pc:chgData name="Dominique RIGHETTO" userId="512fe077-82ad-424c-88a3-15e852b5861d" providerId="ADAL" clId="{1670CD84-DEE0-4E12-BF01-4C2D0C1D7F30}" dt="2024-05-12T09:49:57.687" v="10935"/>
         <pc:sldMkLst>
           <pc:docMk/>
           <pc:sldMk cId="27853575" sldId="285"/>
@@ -1401,8 +1428,8 @@
           </ac:picMkLst>
         </pc:picChg>
       </pc:sldChg>
-      <pc:sldChg chg="addSp delSp modSp add mod">
-        <pc:chgData name="Dominique RIGHETTO" userId="512fe077-82ad-424c-88a3-15e852b5861d" providerId="ADAL" clId="{1670CD84-DEE0-4E12-BF01-4C2D0C1D7F30}" dt="2024-05-11T06:47:33.319" v="7098" actId="108"/>
+      <pc:sldChg chg="addSp delSp modSp add mod modTransition">
+        <pc:chgData name="Dominique RIGHETTO" userId="512fe077-82ad-424c-88a3-15e852b5861d" providerId="ADAL" clId="{1670CD84-DEE0-4E12-BF01-4C2D0C1D7F30}" dt="2024-05-12T09:49:57.687" v="10935"/>
         <pc:sldMkLst>
           <pc:docMk/>
           <pc:sldMk cId="3084364964" sldId="286"/>
@@ -1440,8 +1467,8 @@
           </ac:picMkLst>
         </pc:picChg>
       </pc:sldChg>
-      <pc:sldChg chg="addSp delSp modSp add mod setBg">
-        <pc:chgData name="Dominique RIGHETTO" userId="512fe077-82ad-424c-88a3-15e852b5861d" providerId="ADAL" clId="{1670CD84-DEE0-4E12-BF01-4C2D0C1D7F30}" dt="2024-05-11T06:55:12.014" v="7265" actId="14861"/>
+      <pc:sldChg chg="addSp delSp modSp add mod modTransition setBg">
+        <pc:chgData name="Dominique RIGHETTO" userId="512fe077-82ad-424c-88a3-15e852b5861d" providerId="ADAL" clId="{1670CD84-DEE0-4E12-BF01-4C2D0C1D7F30}" dt="2024-05-12T09:52:54.027" v="10943"/>
         <pc:sldMkLst>
           <pc:docMk/>
           <pc:sldMk cId="129898917" sldId="287"/>
@@ -1455,7 +1482,7 @@
           </ac:spMkLst>
         </pc:spChg>
         <pc:spChg chg="mod">
-          <ac:chgData name="Dominique RIGHETTO" userId="512fe077-82ad-424c-88a3-15e852b5861d" providerId="ADAL" clId="{1670CD84-DEE0-4E12-BF01-4C2D0C1D7F30}" dt="2024-05-11T06:51:36.876" v="7197" actId="20577"/>
+          <ac:chgData name="Dominique RIGHETTO" userId="512fe077-82ad-424c-88a3-15e852b5861d" providerId="ADAL" clId="{1670CD84-DEE0-4E12-BF01-4C2D0C1D7F30}" dt="2024-05-12T09:52:54.027" v="10943"/>
           <ac:spMkLst>
             <pc:docMk/>
             <pc:sldMk cId="129898917" sldId="287"/>
@@ -1479,8 +1506,8 @@
           </ac:picMkLst>
         </pc:picChg>
       </pc:sldChg>
-      <pc:sldChg chg="addSp delSp modSp add mod ord">
-        <pc:chgData name="Dominique RIGHETTO" userId="512fe077-82ad-424c-88a3-15e852b5861d" providerId="ADAL" clId="{1670CD84-DEE0-4E12-BF01-4C2D0C1D7F30}" dt="2024-05-11T06:55:21.640" v="7266" actId="14861"/>
+      <pc:sldChg chg="addSp delSp modSp add mod ord modTransition">
+        <pc:chgData name="Dominique RIGHETTO" userId="512fe077-82ad-424c-88a3-15e852b5861d" providerId="ADAL" clId="{1670CD84-DEE0-4E12-BF01-4C2D0C1D7F30}" dt="2024-05-12T09:49:57.687" v="10935"/>
         <pc:sldMkLst>
           <pc:docMk/>
           <pc:sldMk cId="3892491518" sldId="288"/>
@@ -1526,7 +1553,7 @@
         </pc:sldMkLst>
       </pc:sldChg>
       <pc:sldChg chg="modSp add mod modTransition">
-        <pc:chgData name="Dominique RIGHETTO" userId="512fe077-82ad-424c-88a3-15e852b5861d" providerId="ADAL" clId="{1670CD84-DEE0-4E12-BF01-4C2D0C1D7F30}" dt="2024-05-11T06:55:25.857" v="7267" actId="108"/>
+        <pc:chgData name="Dominique RIGHETTO" userId="512fe077-82ad-424c-88a3-15e852b5861d" providerId="ADAL" clId="{1670CD84-DEE0-4E12-BF01-4C2D0C1D7F30}" dt="2024-05-12T09:50:11.440" v="10936"/>
         <pc:sldMkLst>
           <pc:docMk/>
           <pc:sldMk cId="4136861454" sldId="289"/>
@@ -1548,7 +1575,7 @@
         </pc:sldMkLst>
       </pc:sldChg>
       <pc:sldChg chg="modSp add mod ord modTransition">
-        <pc:chgData name="Dominique RIGHETTO" userId="512fe077-82ad-424c-88a3-15e852b5861d" providerId="ADAL" clId="{1670CD84-DEE0-4E12-BF01-4C2D0C1D7F30}" dt="2024-05-11T06:55:28.721" v="7268" actId="108"/>
+        <pc:chgData name="Dominique RIGHETTO" userId="512fe077-82ad-424c-88a3-15e852b5861d" providerId="ADAL" clId="{1670CD84-DEE0-4E12-BF01-4C2D0C1D7F30}" dt="2024-05-12T09:50:13.637" v="10937"/>
         <pc:sldMkLst>
           <pc:docMk/>
           <pc:sldMk cId="3362211452" sldId="290"/>
@@ -1562,8 +1589,8 @@
           </ac:picMkLst>
         </pc:picChg>
       </pc:sldChg>
-      <pc:sldChg chg="addSp delSp modSp add mod ord">
-        <pc:chgData name="Dominique RIGHETTO" userId="512fe077-82ad-424c-88a3-15e852b5861d" providerId="ADAL" clId="{1670CD84-DEE0-4E12-BF01-4C2D0C1D7F30}" dt="2024-05-11T08:05:14.680" v="8245" actId="20577"/>
+      <pc:sldChg chg="addSp delSp modSp add mod ord modTransition">
+        <pc:chgData name="Dominique RIGHETTO" userId="512fe077-82ad-424c-88a3-15e852b5861d" providerId="ADAL" clId="{1670CD84-DEE0-4E12-BF01-4C2D0C1D7F30}" dt="2024-05-12T09:49:57.687" v="10935"/>
         <pc:sldMkLst>
           <pc:docMk/>
           <pc:sldMk cId="3499916818" sldId="291"/>
@@ -1608,14 +1635,14 @@
           <pc:sldMk cId="404854312" sldId="292"/>
         </pc:sldMkLst>
       </pc:sldChg>
-      <pc:sldChg chg="addSp delSp modSp add mod">
-        <pc:chgData name="Dominique RIGHETTO" userId="512fe077-82ad-424c-88a3-15e852b5861d" providerId="ADAL" clId="{1670CD84-DEE0-4E12-BF01-4C2D0C1D7F30}" dt="2024-05-11T07:15:24.423" v="7502" actId="14861"/>
+      <pc:sldChg chg="addSp delSp modSp add mod modTransition">
+        <pc:chgData name="Dominique RIGHETTO" userId="512fe077-82ad-424c-88a3-15e852b5861d" providerId="ADAL" clId="{1670CD84-DEE0-4E12-BF01-4C2D0C1D7F30}" dt="2024-05-12T10:01:02.215" v="11008" actId="20577"/>
         <pc:sldMkLst>
           <pc:docMk/>
           <pc:sldMk cId="1356102213" sldId="292"/>
         </pc:sldMkLst>
         <pc:spChg chg="mod">
-          <ac:chgData name="Dominique RIGHETTO" userId="512fe077-82ad-424c-88a3-15e852b5861d" providerId="ADAL" clId="{1670CD84-DEE0-4E12-BF01-4C2D0C1D7F30}" dt="2024-05-11T07:05:34.864" v="7421" actId="20577"/>
+          <ac:chgData name="Dominique RIGHETTO" userId="512fe077-82ad-424c-88a3-15e852b5861d" providerId="ADAL" clId="{1670CD84-DEE0-4E12-BF01-4C2D0C1D7F30}" dt="2024-05-12T10:01:02.215" v="11008" actId="20577"/>
           <ac:spMkLst>
             <pc:docMk/>
             <pc:sldMk cId="1356102213" sldId="292"/>
@@ -1654,8 +1681,8 @@
           <pc:sldMk cId="473871986" sldId="293"/>
         </pc:sldMkLst>
       </pc:sldChg>
-      <pc:sldChg chg="addSp delSp modSp add mod ord">
-        <pc:chgData name="Dominique RIGHETTO" userId="512fe077-82ad-424c-88a3-15e852b5861d" providerId="ADAL" clId="{1670CD84-DEE0-4E12-BF01-4C2D0C1D7F30}" dt="2024-05-11T07:15:28.732" v="7503" actId="108"/>
+      <pc:sldChg chg="addSp delSp modSp add mod ord modTransition">
+        <pc:chgData name="Dominique RIGHETTO" userId="512fe077-82ad-424c-88a3-15e852b5861d" providerId="ADAL" clId="{1670CD84-DEE0-4E12-BF01-4C2D0C1D7F30}" dt="2024-05-12T09:49:57.687" v="10935"/>
         <pc:sldMkLst>
           <pc:docMk/>
           <pc:sldMk cId="4180719436" sldId="293"/>
@@ -1669,7 +1696,7 @@
           </ac:spMkLst>
         </pc:spChg>
         <pc:spChg chg="add mod">
-          <ac:chgData name="Dominique RIGHETTO" userId="512fe077-82ad-424c-88a3-15e852b5861d" providerId="ADAL" clId="{1670CD84-DEE0-4E12-BF01-4C2D0C1D7F30}" dt="2024-05-11T07:12:29.213" v="7472" actId="692"/>
+          <ac:chgData name="Dominique RIGHETTO" userId="512fe077-82ad-424c-88a3-15e852b5861d" providerId="ADAL" clId="{1670CD84-DEE0-4E12-BF01-4C2D0C1D7F30}" dt="2024-05-12T09:47:27.009" v="10921" actId="692"/>
           <ac:spMkLst>
             <pc:docMk/>
             <pc:sldMk cId="4180719436" sldId="293"/>
@@ -1677,7 +1704,7 @@
           </ac:spMkLst>
         </pc:spChg>
         <pc:spChg chg="add mod">
-          <ac:chgData name="Dominique RIGHETTO" userId="512fe077-82ad-424c-88a3-15e852b5861d" providerId="ADAL" clId="{1670CD84-DEE0-4E12-BF01-4C2D0C1D7F30}" dt="2024-05-11T07:12:43.921" v="7476" actId="14100"/>
+          <ac:chgData name="Dominique RIGHETTO" userId="512fe077-82ad-424c-88a3-15e852b5861d" providerId="ADAL" clId="{1670CD84-DEE0-4E12-BF01-4C2D0C1D7F30}" dt="2024-05-12T09:47:24.033" v="10920" actId="692"/>
           <ac:spMkLst>
             <pc:docMk/>
             <pc:sldMk cId="4180719436" sldId="293"/>
@@ -1709,8 +1736,8 @@
           </ac:picMkLst>
         </pc:picChg>
       </pc:sldChg>
-      <pc:sldChg chg="addSp delSp modSp add mod">
-        <pc:chgData name="Dominique RIGHETTO" userId="512fe077-82ad-424c-88a3-15e852b5861d" providerId="ADAL" clId="{1670CD84-DEE0-4E12-BF01-4C2D0C1D7F30}" dt="2024-05-11T07:15:31.761" v="7504" actId="108"/>
+      <pc:sldChg chg="addSp delSp modSp add mod modTransition">
+        <pc:chgData name="Dominique RIGHETTO" userId="512fe077-82ad-424c-88a3-15e852b5861d" providerId="ADAL" clId="{1670CD84-DEE0-4E12-BF01-4C2D0C1D7F30}" dt="2024-05-12T09:49:57.687" v="10935"/>
         <pc:sldMkLst>
           <pc:docMk/>
           <pc:sldMk cId="2356577693" sldId="294"/>
@@ -1724,7 +1751,7 @@
           </ac:spMkLst>
         </pc:spChg>
         <pc:spChg chg="mod">
-          <ac:chgData name="Dominique RIGHETTO" userId="512fe077-82ad-424c-88a3-15e852b5861d" providerId="ADAL" clId="{1670CD84-DEE0-4E12-BF01-4C2D0C1D7F30}" dt="2024-05-11T07:14:41.043" v="7501" actId="404"/>
+          <ac:chgData name="Dominique RIGHETTO" userId="512fe077-82ad-424c-88a3-15e852b5861d" providerId="ADAL" clId="{1670CD84-DEE0-4E12-BF01-4C2D0C1D7F30}" dt="2024-05-12T08:24:35.584" v="8257" actId="207"/>
           <ac:spMkLst>
             <pc:docMk/>
             <pc:sldMk cId="2356577693" sldId="294"/>
@@ -1755,8 +1782,8 @@
           <pc:sldMk cId="3084972071" sldId="294"/>
         </pc:sldMkLst>
       </pc:sldChg>
-      <pc:sldChg chg="addSp delSp modSp add mod">
-        <pc:chgData name="Dominique RIGHETTO" userId="512fe077-82ad-424c-88a3-15e852b5861d" providerId="ADAL" clId="{1670CD84-DEE0-4E12-BF01-4C2D0C1D7F30}" dt="2024-05-11T08:06:09.032" v="8252" actId="20577"/>
+      <pc:sldChg chg="addSp delSp modSp add mod modTransition">
+        <pc:chgData name="Dominique RIGHETTO" userId="512fe077-82ad-424c-88a3-15e852b5861d" providerId="ADAL" clId="{1670CD84-DEE0-4E12-BF01-4C2D0C1D7F30}" dt="2024-05-12T09:49:57.687" v="10935"/>
         <pc:sldMkLst>
           <pc:docMk/>
           <pc:sldMk cId="2182925398" sldId="295"/>
@@ -1802,8 +1829,8 @@
           </ac:picMkLst>
         </pc:picChg>
       </pc:sldChg>
-      <pc:sldChg chg="addSp delSp modSp add mod">
-        <pc:chgData name="Dominique RIGHETTO" userId="512fe077-82ad-424c-88a3-15e852b5861d" providerId="ADAL" clId="{1670CD84-DEE0-4E12-BF01-4C2D0C1D7F30}" dt="2024-05-11T08:05:58.781" v="8247" actId="207"/>
+      <pc:sldChg chg="addSp delSp modSp add mod modTransition">
+        <pc:chgData name="Dominique RIGHETTO" userId="512fe077-82ad-424c-88a3-15e852b5861d" providerId="ADAL" clId="{1670CD84-DEE0-4E12-BF01-4C2D0C1D7F30}" dt="2024-05-12T09:49:57.687" v="10935"/>
         <pc:sldMkLst>
           <pc:docMk/>
           <pc:sldMk cId="773976246" sldId="296"/>
@@ -1849,8 +1876,8 @@
           </ac:picMkLst>
         </pc:picChg>
       </pc:sldChg>
-      <pc:sldChg chg="addSp delSp modSp add mod">
-        <pc:chgData name="Dominique RIGHETTO" userId="512fe077-82ad-424c-88a3-15e852b5861d" providerId="ADAL" clId="{1670CD84-DEE0-4E12-BF01-4C2D0C1D7F30}" dt="2024-05-11T07:29:12.568" v="7854" actId="20577"/>
+      <pc:sldChg chg="addSp delSp modSp add mod modTransition">
+        <pc:chgData name="Dominique RIGHETTO" userId="512fe077-82ad-424c-88a3-15e852b5861d" providerId="ADAL" clId="{1670CD84-DEE0-4E12-BF01-4C2D0C1D7F30}" dt="2024-05-12T09:49:57.687" v="10935"/>
         <pc:sldMkLst>
           <pc:docMk/>
           <pc:sldMk cId="1278025696" sldId="297"/>
@@ -1880,14 +1907,14 @@
           </ac:picMkLst>
         </pc:picChg>
       </pc:sldChg>
-      <pc:sldChg chg="addSp delSp modSp add mod">
-        <pc:chgData name="Dominique RIGHETTO" userId="512fe077-82ad-424c-88a3-15e852b5861d" providerId="ADAL" clId="{1670CD84-DEE0-4E12-BF01-4C2D0C1D7F30}" dt="2024-05-11T07:55:18.606" v="8137"/>
+      <pc:sldChg chg="addSp delSp modSp add mod modTransition">
+        <pc:chgData name="Dominique RIGHETTO" userId="512fe077-82ad-424c-88a3-15e852b5861d" providerId="ADAL" clId="{1670CD84-DEE0-4E12-BF01-4C2D0C1D7F30}" dt="2024-05-12T09:49:57.687" v="10935"/>
         <pc:sldMkLst>
           <pc:docMk/>
           <pc:sldMk cId="2189355584" sldId="298"/>
         </pc:sldMkLst>
         <pc:spChg chg="add mod">
-          <ac:chgData name="Dominique RIGHETTO" userId="512fe077-82ad-424c-88a3-15e852b5861d" providerId="ADAL" clId="{1670CD84-DEE0-4E12-BF01-4C2D0C1D7F30}" dt="2024-05-11T07:55:18.606" v="8137"/>
+          <ac:chgData name="Dominique RIGHETTO" userId="512fe077-82ad-424c-88a3-15e852b5861d" providerId="ADAL" clId="{1670CD84-DEE0-4E12-BF01-4C2D0C1D7F30}" dt="2024-05-12T08:26:18.356" v="8262" actId="113"/>
           <ac:spMkLst>
             <pc:docMk/>
             <pc:sldMk cId="2189355584" sldId="298"/>
@@ -1895,7 +1922,7 @@
           </ac:spMkLst>
         </pc:spChg>
         <pc:spChg chg="mod">
-          <ac:chgData name="Dominique RIGHETTO" userId="512fe077-82ad-424c-88a3-15e852b5861d" providerId="ADAL" clId="{1670CD84-DEE0-4E12-BF01-4C2D0C1D7F30}" dt="2024-05-11T07:53:55.735" v="8131" actId="113"/>
+          <ac:chgData name="Dominique RIGHETTO" userId="512fe077-82ad-424c-88a3-15e852b5861d" providerId="ADAL" clId="{1670CD84-DEE0-4E12-BF01-4C2D0C1D7F30}" dt="2024-05-12T08:26:08.503" v="8259" actId="20577"/>
           <ac:spMkLst>
             <pc:docMk/>
             <pc:sldMk cId="2189355584" sldId="298"/>
@@ -1911,14 +1938,14 @@
           </ac:picMkLst>
         </pc:picChg>
       </pc:sldChg>
-      <pc:sldChg chg="addSp delSp modSp add mod">
-        <pc:chgData name="Dominique RIGHETTO" userId="512fe077-82ad-424c-88a3-15e852b5861d" providerId="ADAL" clId="{1670CD84-DEE0-4E12-BF01-4C2D0C1D7F30}" dt="2024-05-11T07:59:47.085" v="8228" actId="108"/>
+      <pc:sldChg chg="addSp delSp modSp add mod modTransition">
+        <pc:chgData name="Dominique RIGHETTO" userId="512fe077-82ad-424c-88a3-15e852b5861d" providerId="ADAL" clId="{1670CD84-DEE0-4E12-BF01-4C2D0C1D7F30}" dt="2024-05-12T09:49:57.687" v="10935"/>
         <pc:sldMkLst>
           <pc:docMk/>
           <pc:sldMk cId="2776536927" sldId="299"/>
         </pc:sldMkLst>
         <pc:spChg chg="mod">
-          <ac:chgData name="Dominique RIGHETTO" userId="512fe077-82ad-424c-88a3-15e852b5861d" providerId="ADAL" clId="{1670CD84-DEE0-4E12-BF01-4C2D0C1D7F30}" dt="2024-05-11T07:57:43.726" v="8215" actId="20577"/>
+          <ac:chgData name="Dominique RIGHETTO" userId="512fe077-82ad-424c-88a3-15e852b5861d" providerId="ADAL" clId="{1670CD84-DEE0-4E12-BF01-4C2D0C1D7F30}" dt="2024-05-12T08:26:50.806" v="8271" actId="20577"/>
           <ac:spMkLst>
             <pc:docMk/>
             <pc:sldMk cId="2776536927" sldId="299"/>
@@ -1966,12 +1993,20 @@
           </ac:picMkLst>
         </pc:picChg>
       </pc:sldChg>
-      <pc:sldChg chg="addSp delSp modSp add mod">
-        <pc:chgData name="Dominique RIGHETTO" userId="512fe077-82ad-424c-88a3-15e852b5861d" providerId="ADAL" clId="{1670CD84-DEE0-4E12-BF01-4C2D0C1D7F30}" dt="2024-05-11T08:02:39.896" v="8241" actId="20577"/>
+      <pc:sldChg chg="addSp delSp modSp add del mod">
+        <pc:chgData name="Dominique RIGHETTO" userId="512fe077-82ad-424c-88a3-15e852b5861d" providerId="ADAL" clId="{1670CD84-DEE0-4E12-BF01-4C2D0C1D7F30}" dt="2024-05-12T08:30:09.767" v="8295" actId="47"/>
         <pc:sldMkLst>
           <pc:docMk/>
           <pc:sldMk cId="4167655097" sldId="300"/>
         </pc:sldMkLst>
+        <pc:spChg chg="mod">
+          <ac:chgData name="Dominique RIGHETTO" userId="512fe077-82ad-424c-88a3-15e852b5861d" providerId="ADAL" clId="{1670CD84-DEE0-4E12-BF01-4C2D0C1D7F30}" dt="2024-05-12T08:26:56.133" v="8280" actId="20577"/>
+          <ac:spMkLst>
+            <pc:docMk/>
+            <pc:sldMk cId="4167655097" sldId="300"/>
+            <ac:spMk id="2" creationId="{5CE54ABB-4929-4810-950B-2DAEA0A5BAB4}"/>
+          </ac:spMkLst>
+        </pc:spChg>
         <pc:spChg chg="add mod">
           <ac:chgData name="Dominique RIGHETTO" userId="512fe077-82ad-424c-88a3-15e852b5861d" providerId="ADAL" clId="{1670CD84-DEE0-4E12-BF01-4C2D0C1D7F30}" dt="2024-05-11T08:02:39.896" v="8241" actId="20577"/>
           <ac:spMkLst>
@@ -2012,6 +2047,490 @@
             <ac:picMk id="10" creationId="{B3B045EE-8BCB-4CD1-18A0-04ACFEDC7A35}"/>
           </ac:picMkLst>
         </pc:picChg>
+      </pc:sldChg>
+      <pc:sldChg chg="modSp add mod ord modTransition">
+        <pc:chgData name="Dominique RIGHETTO" userId="512fe077-82ad-424c-88a3-15e852b5861d" providerId="ADAL" clId="{1670CD84-DEE0-4E12-BF01-4C2D0C1D7F30}" dt="2024-05-12T09:49:57.687" v="10935"/>
+        <pc:sldMkLst>
+          <pc:docMk/>
+          <pc:sldMk cId="2624687999" sldId="301"/>
+        </pc:sldMkLst>
+        <pc:spChg chg="mod">
+          <ac:chgData name="Dominique RIGHETTO" userId="512fe077-82ad-424c-88a3-15e852b5861d" providerId="ADAL" clId="{1670CD84-DEE0-4E12-BF01-4C2D0C1D7F30}" dt="2024-05-12T08:29:59.394" v="8294" actId="20577"/>
+          <ac:spMkLst>
+            <pc:docMk/>
+            <pc:sldMk cId="2624687999" sldId="301"/>
+            <ac:spMk id="2" creationId="{5CE54ABB-4929-4810-950B-2DAEA0A5BAB4}"/>
+          </ac:spMkLst>
+        </pc:spChg>
+        <pc:spChg chg="mod">
+          <ac:chgData name="Dominique RIGHETTO" userId="512fe077-82ad-424c-88a3-15e852b5861d" providerId="ADAL" clId="{1670CD84-DEE0-4E12-BF01-4C2D0C1D7F30}" dt="2024-05-12T08:37:43.385" v="8692" actId="1035"/>
+          <ac:spMkLst>
+            <pc:docMk/>
+            <pc:sldMk cId="2624687999" sldId="301"/>
+            <ac:spMk id="3" creationId="{3D611CA9-9352-51D4-82FF-F26AC2F95406}"/>
+          </ac:spMkLst>
+        </pc:spChg>
+        <pc:spChg chg="mod">
+          <ac:chgData name="Dominique RIGHETTO" userId="512fe077-82ad-424c-88a3-15e852b5861d" providerId="ADAL" clId="{1670CD84-DEE0-4E12-BF01-4C2D0C1D7F30}" dt="2024-05-12T08:38:01.450" v="8693" actId="113"/>
+          <ac:spMkLst>
+            <pc:docMk/>
+            <pc:sldMk cId="2624687999" sldId="301"/>
+            <ac:spMk id="7" creationId="{6B35F89A-6CDF-41F7-BD87-18B45BD7330B}"/>
+          </ac:spMkLst>
+        </pc:spChg>
+      </pc:sldChg>
+      <pc:sldChg chg="addSp delSp modSp add mod modTransition">
+        <pc:chgData name="Dominique RIGHETTO" userId="512fe077-82ad-424c-88a3-15e852b5861d" providerId="ADAL" clId="{1670CD84-DEE0-4E12-BF01-4C2D0C1D7F30}" dt="2024-05-12T10:02:24.436" v="11014" actId="20577"/>
+        <pc:sldMkLst>
+          <pc:docMk/>
+          <pc:sldMk cId="2579338337" sldId="302"/>
+        </pc:sldMkLst>
+        <pc:spChg chg="del">
+          <ac:chgData name="Dominique RIGHETTO" userId="512fe077-82ad-424c-88a3-15e852b5861d" providerId="ADAL" clId="{1670CD84-DEE0-4E12-BF01-4C2D0C1D7F30}" dt="2024-05-12T08:39:21.035" v="8695" actId="478"/>
+          <ac:spMkLst>
+            <pc:docMk/>
+            <pc:sldMk cId="2579338337" sldId="302"/>
+            <ac:spMk id="3" creationId="{3D611CA9-9352-51D4-82FF-F26AC2F95406}"/>
+          </ac:spMkLst>
+        </pc:spChg>
+        <pc:spChg chg="mod">
+          <ac:chgData name="Dominique RIGHETTO" userId="512fe077-82ad-424c-88a3-15e852b5861d" providerId="ADAL" clId="{1670CD84-DEE0-4E12-BF01-4C2D0C1D7F30}" dt="2024-05-12T10:02:24.436" v="11014" actId="20577"/>
+          <ac:spMkLst>
+            <pc:docMk/>
+            <pc:sldMk cId="2579338337" sldId="302"/>
+            <ac:spMk id="7" creationId="{6B35F89A-6CDF-41F7-BD87-18B45BD7330B}"/>
+          </ac:spMkLst>
+        </pc:spChg>
+        <pc:picChg chg="add mod modCrop">
+          <ac:chgData name="Dominique RIGHETTO" userId="512fe077-82ad-424c-88a3-15e852b5861d" providerId="ADAL" clId="{1670CD84-DEE0-4E12-BF01-4C2D0C1D7F30}" dt="2024-05-12T08:42:55.076" v="8775" actId="108"/>
+          <ac:picMkLst>
+            <pc:docMk/>
+            <pc:sldMk cId="2579338337" sldId="302"/>
+            <ac:picMk id="5" creationId="{013694FA-BAB9-4EF9-CC4F-5F08C5664A6D}"/>
+          </ac:picMkLst>
+        </pc:picChg>
+        <pc:picChg chg="add del mod">
+          <ac:chgData name="Dominique RIGHETTO" userId="512fe077-82ad-424c-88a3-15e852b5861d" providerId="ADAL" clId="{1670CD84-DEE0-4E12-BF01-4C2D0C1D7F30}" dt="2024-05-12T08:41:59.709" v="8764" actId="478"/>
+          <ac:picMkLst>
+            <pc:docMk/>
+            <pc:sldMk cId="2579338337" sldId="302"/>
+            <ac:picMk id="8" creationId="{11FD733F-39A4-8A03-6FA9-1C6BD6BD3AD7}"/>
+          </ac:picMkLst>
+        </pc:picChg>
+      </pc:sldChg>
+      <pc:sldChg chg="addSp delSp modSp add mod modTransition">
+        <pc:chgData name="Dominique RIGHETTO" userId="512fe077-82ad-424c-88a3-15e852b5861d" providerId="ADAL" clId="{1670CD84-DEE0-4E12-BF01-4C2D0C1D7F30}" dt="2024-05-12T10:02:54.388" v="11018" actId="20577"/>
+        <pc:sldMkLst>
+          <pc:docMk/>
+          <pc:sldMk cId="740312601" sldId="303"/>
+        </pc:sldMkLst>
+        <pc:spChg chg="mod">
+          <ac:chgData name="Dominique RIGHETTO" userId="512fe077-82ad-424c-88a3-15e852b5861d" providerId="ADAL" clId="{1670CD84-DEE0-4E12-BF01-4C2D0C1D7F30}" dt="2024-05-12T10:02:18.124" v="11013" actId="20577"/>
+          <ac:spMkLst>
+            <pc:docMk/>
+            <pc:sldMk cId="740312601" sldId="303"/>
+            <ac:spMk id="7" creationId="{6B35F89A-6CDF-41F7-BD87-18B45BD7330B}"/>
+          </ac:spMkLst>
+        </pc:spChg>
+        <pc:spChg chg="add mod">
+          <ac:chgData name="Dominique RIGHETTO" userId="512fe077-82ad-424c-88a3-15e852b5861d" providerId="ADAL" clId="{1670CD84-DEE0-4E12-BF01-4C2D0C1D7F30}" dt="2024-05-12T08:59:10.601" v="8885" actId="1076"/>
+          <ac:spMkLst>
+            <pc:docMk/>
+            <pc:sldMk cId="740312601" sldId="303"/>
+            <ac:spMk id="13" creationId="{60FA153B-B318-8EA4-A1D7-A963FD816B64}"/>
+          </ac:spMkLst>
+        </pc:spChg>
+        <pc:spChg chg="add mod">
+          <ac:chgData name="Dominique RIGHETTO" userId="512fe077-82ad-424c-88a3-15e852b5861d" providerId="ADAL" clId="{1670CD84-DEE0-4E12-BF01-4C2D0C1D7F30}" dt="2024-05-12T09:07:53.339" v="9116" actId="1076"/>
+          <ac:spMkLst>
+            <pc:docMk/>
+            <pc:sldMk cId="740312601" sldId="303"/>
+            <ac:spMk id="14" creationId="{1F2A053E-47A3-EA50-FD3C-90967BB272A9}"/>
+          </ac:spMkLst>
+        </pc:spChg>
+        <pc:spChg chg="add mod">
+          <ac:chgData name="Dominique RIGHETTO" userId="512fe077-82ad-424c-88a3-15e852b5861d" providerId="ADAL" clId="{1670CD84-DEE0-4E12-BF01-4C2D0C1D7F30}" dt="2024-05-12T09:08:11.723" v="9119" actId="14100"/>
+          <ac:spMkLst>
+            <pc:docMk/>
+            <pc:sldMk cId="740312601" sldId="303"/>
+            <ac:spMk id="17" creationId="{A00BE5C7-70E6-4093-CC5D-4DA48AAA2331}"/>
+          </ac:spMkLst>
+        </pc:spChg>
+        <pc:spChg chg="add mod">
+          <ac:chgData name="Dominique RIGHETTO" userId="512fe077-82ad-424c-88a3-15e852b5861d" providerId="ADAL" clId="{1670CD84-DEE0-4E12-BF01-4C2D0C1D7F30}" dt="2024-05-12T10:02:54.388" v="11018" actId="20577"/>
+          <ac:spMkLst>
+            <pc:docMk/>
+            <pc:sldMk cId="740312601" sldId="303"/>
+            <ac:spMk id="18" creationId="{1FDF05D9-FC55-2208-309E-D42FB497D8A8}"/>
+          </ac:spMkLst>
+        </pc:spChg>
+        <pc:picChg chg="add del mod">
+          <ac:chgData name="Dominique RIGHETTO" userId="512fe077-82ad-424c-88a3-15e852b5861d" providerId="ADAL" clId="{1670CD84-DEE0-4E12-BF01-4C2D0C1D7F30}" dt="2024-05-12T08:44:20.978" v="8776" actId="478"/>
+          <ac:picMkLst>
+            <pc:docMk/>
+            <pc:sldMk cId="740312601" sldId="303"/>
+            <ac:picMk id="4" creationId="{2F34DCB9-750F-354B-BCC3-D9795B3974EF}"/>
+          </ac:picMkLst>
+        </pc:picChg>
+        <pc:picChg chg="del">
+          <ac:chgData name="Dominique RIGHETTO" userId="512fe077-82ad-424c-88a3-15e852b5861d" providerId="ADAL" clId="{1670CD84-DEE0-4E12-BF01-4C2D0C1D7F30}" dt="2024-05-12T08:42:23.894" v="8772" actId="478"/>
+          <ac:picMkLst>
+            <pc:docMk/>
+            <pc:sldMk cId="740312601" sldId="303"/>
+            <ac:picMk id="5" creationId="{013694FA-BAB9-4EF9-CC4F-5F08C5664A6D}"/>
+          </ac:picMkLst>
+        </pc:picChg>
+        <pc:picChg chg="add del mod">
+          <ac:chgData name="Dominique RIGHETTO" userId="512fe077-82ad-424c-88a3-15e852b5861d" providerId="ADAL" clId="{1670CD84-DEE0-4E12-BF01-4C2D0C1D7F30}" dt="2024-05-12T08:55:42.220" v="8854" actId="478"/>
+          <ac:picMkLst>
+            <pc:docMk/>
+            <pc:sldMk cId="740312601" sldId="303"/>
+            <ac:picMk id="8" creationId="{AC349412-5F24-FFE0-4BEF-FB163C738B41}"/>
+          </ac:picMkLst>
+        </pc:picChg>
+        <pc:picChg chg="add mod modCrop">
+          <ac:chgData name="Dominique RIGHETTO" userId="512fe077-82ad-424c-88a3-15e852b5861d" providerId="ADAL" clId="{1670CD84-DEE0-4E12-BF01-4C2D0C1D7F30}" dt="2024-05-12T09:07:53.339" v="9116" actId="1076"/>
+          <ac:picMkLst>
+            <pc:docMk/>
+            <pc:sldMk cId="740312601" sldId="303"/>
+            <ac:picMk id="10" creationId="{409B41AC-B3EF-AAD0-484A-D04366B57A09}"/>
+          </ac:picMkLst>
+        </pc:picChg>
+        <pc:picChg chg="add mod">
+          <ac:chgData name="Dominique RIGHETTO" userId="512fe077-82ad-424c-88a3-15e852b5861d" providerId="ADAL" clId="{1670CD84-DEE0-4E12-BF01-4C2D0C1D7F30}" dt="2024-05-12T09:00:49.151" v="8892" actId="14100"/>
+          <ac:picMkLst>
+            <pc:docMk/>
+            <pc:sldMk cId="740312601" sldId="303"/>
+            <ac:picMk id="12" creationId="{83D9353F-EFD8-FFEF-52E8-8FD9C002ED26}"/>
+          </ac:picMkLst>
+        </pc:picChg>
+        <pc:picChg chg="add mod">
+          <ac:chgData name="Dominique RIGHETTO" userId="512fe077-82ad-424c-88a3-15e852b5861d" providerId="ADAL" clId="{1670CD84-DEE0-4E12-BF01-4C2D0C1D7F30}" dt="2024-05-12T09:08:03.371" v="9117" actId="14100"/>
+          <ac:picMkLst>
+            <pc:docMk/>
+            <pc:sldMk cId="740312601" sldId="303"/>
+            <ac:picMk id="16" creationId="{4A2368E1-B3D7-8544-2636-BC466EDC8FF1}"/>
+          </ac:picMkLst>
+        </pc:picChg>
+        <pc:picChg chg="add mod">
+          <ac:chgData name="Dominique RIGHETTO" userId="512fe077-82ad-424c-88a3-15e852b5861d" providerId="ADAL" clId="{1670CD84-DEE0-4E12-BF01-4C2D0C1D7F30}" dt="2024-05-12T09:07:31.710" v="9113"/>
+          <ac:picMkLst>
+            <pc:docMk/>
+            <pc:sldMk cId="740312601" sldId="303"/>
+            <ac:picMk id="19" creationId="{B2B2E8FF-A1ED-A41C-590E-E89DC456C99D}"/>
+          </ac:picMkLst>
+        </pc:picChg>
+      </pc:sldChg>
+      <pc:sldChg chg="addSp delSp modSp add mod ord modTransition">
+        <pc:chgData name="Dominique RIGHETTO" userId="512fe077-82ad-424c-88a3-15e852b5861d" providerId="ADAL" clId="{1670CD84-DEE0-4E12-BF01-4C2D0C1D7F30}" dt="2024-05-12T09:49:57.687" v="10935"/>
+        <pc:sldMkLst>
+          <pc:docMk/>
+          <pc:sldMk cId="3935884449" sldId="304"/>
+        </pc:sldMkLst>
+        <pc:spChg chg="mod">
+          <ac:chgData name="Dominique RIGHETTO" userId="512fe077-82ad-424c-88a3-15e852b5861d" providerId="ADAL" clId="{1670CD84-DEE0-4E12-BF01-4C2D0C1D7F30}" dt="2024-05-12T09:09:57.359" v="9154" actId="20577"/>
+          <ac:spMkLst>
+            <pc:docMk/>
+            <pc:sldMk cId="3935884449" sldId="304"/>
+            <ac:spMk id="2" creationId="{5CE54ABB-4929-4810-950B-2DAEA0A5BAB4}"/>
+          </ac:spMkLst>
+        </pc:spChg>
+        <pc:spChg chg="mod">
+          <ac:chgData name="Dominique RIGHETTO" userId="512fe077-82ad-424c-88a3-15e852b5861d" providerId="ADAL" clId="{1670CD84-DEE0-4E12-BF01-4C2D0C1D7F30}" dt="2024-05-12T09:14:51.977" v="9198" actId="20577"/>
+          <ac:spMkLst>
+            <pc:docMk/>
+            <pc:sldMk cId="3935884449" sldId="304"/>
+            <ac:spMk id="7" creationId="{6B35F89A-6CDF-41F7-BD87-18B45BD7330B}"/>
+          </ac:spMkLst>
+        </pc:spChg>
+        <pc:spChg chg="add mod">
+          <ac:chgData name="Dominique RIGHETTO" userId="512fe077-82ad-424c-88a3-15e852b5861d" providerId="ADAL" clId="{1670CD84-DEE0-4E12-BF01-4C2D0C1D7F30}" dt="2024-05-12T09:13:15.558" v="9183" actId="1076"/>
+          <ac:spMkLst>
+            <pc:docMk/>
+            <pc:sldMk cId="3935884449" sldId="304"/>
+            <ac:spMk id="9" creationId="{38553B24-3CAE-8B02-A5D1-C07D1AF827C4}"/>
+          </ac:spMkLst>
+        </pc:spChg>
+        <pc:spChg chg="add mod">
+          <ac:chgData name="Dominique RIGHETTO" userId="512fe077-82ad-424c-88a3-15e852b5861d" providerId="ADAL" clId="{1670CD84-DEE0-4E12-BF01-4C2D0C1D7F30}" dt="2024-05-12T09:14:11.380" v="9190" actId="14100"/>
+          <ac:spMkLst>
+            <pc:docMk/>
+            <pc:sldMk cId="3935884449" sldId="304"/>
+            <ac:spMk id="11" creationId="{12CD8640-E815-9DB3-7528-51174A9096DA}"/>
+          </ac:spMkLst>
+        </pc:spChg>
+        <pc:picChg chg="add del mod modCrop">
+          <ac:chgData name="Dominique RIGHETTO" userId="512fe077-82ad-424c-88a3-15e852b5861d" providerId="ADAL" clId="{1670CD84-DEE0-4E12-BF01-4C2D0C1D7F30}" dt="2024-05-12T09:12:25.701" v="9174" actId="478"/>
+          <ac:picMkLst>
+            <pc:docMk/>
+            <pc:sldMk cId="3935884449" sldId="304"/>
+            <ac:picMk id="4" creationId="{5E89CB80-A5E8-69A1-EAFF-83C92CA6C3A0}"/>
+          </ac:picMkLst>
+        </pc:picChg>
+        <pc:picChg chg="del">
+          <ac:chgData name="Dominique RIGHETTO" userId="512fe077-82ad-424c-88a3-15e852b5861d" providerId="ADAL" clId="{1670CD84-DEE0-4E12-BF01-4C2D0C1D7F30}" dt="2024-05-12T09:02:08.448" v="8950" actId="478"/>
+          <ac:picMkLst>
+            <pc:docMk/>
+            <pc:sldMk cId="3935884449" sldId="304"/>
+            <ac:picMk id="5" creationId="{013694FA-BAB9-4EF9-CC4F-5F08C5664A6D}"/>
+          </ac:picMkLst>
+        </pc:picChg>
+        <pc:picChg chg="add mod">
+          <ac:chgData name="Dominique RIGHETTO" userId="512fe077-82ad-424c-88a3-15e852b5861d" providerId="ADAL" clId="{1670CD84-DEE0-4E12-BF01-4C2D0C1D7F30}" dt="2024-05-12T09:13:15.558" v="9183" actId="1076"/>
+          <ac:picMkLst>
+            <pc:docMk/>
+            <pc:sldMk cId="3935884449" sldId="304"/>
+            <ac:picMk id="8" creationId="{632AFEE3-DF8B-1238-B680-CC9EA455F980}"/>
+          </ac:picMkLst>
+        </pc:picChg>
+        <pc:picChg chg="add mod">
+          <ac:chgData name="Dominique RIGHETTO" userId="512fe077-82ad-424c-88a3-15e852b5861d" providerId="ADAL" clId="{1670CD84-DEE0-4E12-BF01-4C2D0C1D7F30}" dt="2024-05-12T09:13:54.238" v="9186" actId="1076"/>
+          <ac:picMkLst>
+            <pc:docMk/>
+            <pc:sldMk cId="3935884449" sldId="304"/>
+            <ac:picMk id="10" creationId="{CFB6911A-F0C5-23CA-1AE6-7EF926F5FFF0}"/>
+          </ac:picMkLst>
+        </pc:picChg>
+      </pc:sldChg>
+      <pc:sldChg chg="addSp delSp modSp add mod modTransition">
+        <pc:chgData name="Dominique RIGHETTO" userId="512fe077-82ad-424c-88a3-15e852b5861d" providerId="ADAL" clId="{1670CD84-DEE0-4E12-BF01-4C2D0C1D7F30}" dt="2024-05-12T09:49:57.687" v="10935"/>
+        <pc:sldMkLst>
+          <pc:docMk/>
+          <pc:sldMk cId="1542931494" sldId="305"/>
+        </pc:sldMkLst>
+        <pc:spChg chg="add mod">
+          <ac:chgData name="Dominique RIGHETTO" userId="512fe077-82ad-424c-88a3-15e852b5861d" providerId="ADAL" clId="{1670CD84-DEE0-4E12-BF01-4C2D0C1D7F30}" dt="2024-05-12T09:18:17.245" v="9478" actId="6549"/>
+          <ac:spMkLst>
+            <pc:docMk/>
+            <pc:sldMk cId="1542931494" sldId="305"/>
+            <ac:spMk id="5" creationId="{06ED42A4-BA65-63D5-6B8F-8962A3C03DF0}"/>
+          </ac:spMkLst>
+        </pc:spChg>
+        <pc:spChg chg="mod">
+          <ac:chgData name="Dominique RIGHETTO" userId="512fe077-82ad-424c-88a3-15e852b5861d" providerId="ADAL" clId="{1670CD84-DEE0-4E12-BF01-4C2D0C1D7F30}" dt="2024-05-12T09:23:37.291" v="9665" actId="6549"/>
+          <ac:spMkLst>
+            <pc:docMk/>
+            <pc:sldMk cId="1542931494" sldId="305"/>
+            <ac:spMk id="7" creationId="{6B35F89A-6CDF-41F7-BD87-18B45BD7330B}"/>
+          </ac:spMkLst>
+        </pc:spChg>
+        <pc:spChg chg="del">
+          <ac:chgData name="Dominique RIGHETTO" userId="512fe077-82ad-424c-88a3-15e852b5861d" providerId="ADAL" clId="{1670CD84-DEE0-4E12-BF01-4C2D0C1D7F30}" dt="2024-05-12T09:15:15.067" v="9203" actId="478"/>
+          <ac:spMkLst>
+            <pc:docMk/>
+            <pc:sldMk cId="1542931494" sldId="305"/>
+            <ac:spMk id="9" creationId="{38553B24-3CAE-8B02-A5D1-C07D1AF827C4}"/>
+          </ac:spMkLst>
+        </pc:spChg>
+        <pc:spChg chg="del">
+          <ac:chgData name="Dominique RIGHETTO" userId="512fe077-82ad-424c-88a3-15e852b5861d" providerId="ADAL" clId="{1670CD84-DEE0-4E12-BF01-4C2D0C1D7F30}" dt="2024-05-12T09:15:13.631" v="9202" actId="478"/>
+          <ac:spMkLst>
+            <pc:docMk/>
+            <pc:sldMk cId="1542931494" sldId="305"/>
+            <ac:spMk id="11" creationId="{12CD8640-E815-9DB3-7528-51174A9096DA}"/>
+          </ac:spMkLst>
+        </pc:spChg>
+        <pc:picChg chg="add mod">
+          <ac:chgData name="Dominique RIGHETTO" userId="512fe077-82ad-424c-88a3-15e852b5861d" providerId="ADAL" clId="{1670CD84-DEE0-4E12-BF01-4C2D0C1D7F30}" dt="2024-05-12T09:18:49.816" v="9495" actId="14100"/>
+          <ac:picMkLst>
+            <pc:docMk/>
+            <pc:sldMk cId="1542931494" sldId="305"/>
+            <ac:picMk id="4" creationId="{9B3309CE-1362-6948-BB38-AB0BB7E87EAE}"/>
+          </ac:picMkLst>
+        </pc:picChg>
+        <pc:picChg chg="add mod">
+          <ac:chgData name="Dominique RIGHETTO" userId="512fe077-82ad-424c-88a3-15e852b5861d" providerId="ADAL" clId="{1670CD84-DEE0-4E12-BF01-4C2D0C1D7F30}" dt="2024-05-12T09:19:49.082" v="9497"/>
+          <ac:picMkLst>
+            <pc:docMk/>
+            <pc:sldMk cId="1542931494" sldId="305"/>
+            <ac:picMk id="6" creationId="{8D03D5C1-3CA3-54CA-6F19-7C216F1D9AE9}"/>
+          </ac:picMkLst>
+        </pc:picChg>
+        <pc:picChg chg="del">
+          <ac:chgData name="Dominique RIGHETTO" userId="512fe077-82ad-424c-88a3-15e852b5861d" providerId="ADAL" clId="{1670CD84-DEE0-4E12-BF01-4C2D0C1D7F30}" dt="2024-05-12T09:15:10.789" v="9200" actId="478"/>
+          <ac:picMkLst>
+            <pc:docMk/>
+            <pc:sldMk cId="1542931494" sldId="305"/>
+            <ac:picMk id="8" creationId="{632AFEE3-DF8B-1238-B680-CC9EA455F980}"/>
+          </ac:picMkLst>
+        </pc:picChg>
+        <pc:picChg chg="del">
+          <ac:chgData name="Dominique RIGHETTO" userId="512fe077-82ad-424c-88a3-15e852b5861d" providerId="ADAL" clId="{1670CD84-DEE0-4E12-BF01-4C2D0C1D7F30}" dt="2024-05-12T09:15:12.459" v="9201" actId="478"/>
+          <ac:picMkLst>
+            <pc:docMk/>
+            <pc:sldMk cId="1542931494" sldId="305"/>
+            <ac:picMk id="10" creationId="{CFB6911A-F0C5-23CA-1AE6-7EF926F5FFF0}"/>
+          </ac:picMkLst>
+        </pc:picChg>
+      </pc:sldChg>
+      <pc:sldChg chg="addSp delSp modSp add mod modTransition">
+        <pc:chgData name="Dominique RIGHETTO" userId="512fe077-82ad-424c-88a3-15e852b5861d" providerId="ADAL" clId="{1670CD84-DEE0-4E12-BF01-4C2D0C1D7F30}" dt="2024-05-12T09:49:57.687" v="10935"/>
+        <pc:sldMkLst>
+          <pc:docMk/>
+          <pc:sldMk cId="3921470596" sldId="306"/>
+        </pc:sldMkLst>
+        <pc:spChg chg="del">
+          <ac:chgData name="Dominique RIGHETTO" userId="512fe077-82ad-424c-88a3-15e852b5861d" providerId="ADAL" clId="{1670CD84-DEE0-4E12-BF01-4C2D0C1D7F30}" dt="2024-05-12T09:20:31.913" v="9511" actId="478"/>
+          <ac:spMkLst>
+            <pc:docMk/>
+            <pc:sldMk cId="3921470596" sldId="306"/>
+            <ac:spMk id="5" creationId="{06ED42A4-BA65-63D5-6B8F-8962A3C03DF0}"/>
+          </ac:spMkLst>
+        </pc:spChg>
+        <pc:spChg chg="mod">
+          <ac:chgData name="Dominique RIGHETTO" userId="512fe077-82ad-424c-88a3-15e852b5861d" providerId="ADAL" clId="{1670CD84-DEE0-4E12-BF01-4C2D0C1D7F30}" dt="2024-05-12T09:22:03.814" v="9644" actId="20577"/>
+          <ac:spMkLst>
+            <pc:docMk/>
+            <pc:sldMk cId="3921470596" sldId="306"/>
+            <ac:spMk id="7" creationId="{6B35F89A-6CDF-41F7-BD87-18B45BD7330B}"/>
+          </ac:spMkLst>
+        </pc:spChg>
+        <pc:picChg chg="del">
+          <ac:chgData name="Dominique RIGHETTO" userId="512fe077-82ad-424c-88a3-15e852b5861d" providerId="ADAL" clId="{1670CD84-DEE0-4E12-BF01-4C2D0C1D7F30}" dt="2024-05-12T09:20:33.973" v="9512" actId="478"/>
+          <ac:picMkLst>
+            <pc:docMk/>
+            <pc:sldMk cId="3921470596" sldId="306"/>
+            <ac:picMk id="4" creationId="{9B3309CE-1362-6948-BB38-AB0BB7E87EAE}"/>
+          </ac:picMkLst>
+        </pc:picChg>
+        <pc:picChg chg="add mod">
+          <ac:chgData name="Dominique RIGHETTO" userId="512fe077-82ad-424c-88a3-15e852b5861d" providerId="ADAL" clId="{1670CD84-DEE0-4E12-BF01-4C2D0C1D7F30}" dt="2024-05-12T09:21:51.616" v="9642" actId="1076"/>
+          <ac:picMkLst>
+            <pc:docMk/>
+            <pc:sldMk cId="3921470596" sldId="306"/>
+            <ac:picMk id="6" creationId="{2826F1FE-68F6-0A69-6F9A-46EDD13B6F8F}"/>
+          </ac:picMkLst>
+        </pc:picChg>
+      </pc:sldChg>
+      <pc:sldChg chg="modSp add mod modTransition">
+        <pc:chgData name="Dominique RIGHETTO" userId="512fe077-82ad-424c-88a3-15e852b5861d" providerId="ADAL" clId="{1670CD84-DEE0-4E12-BF01-4C2D0C1D7F30}" dt="2024-05-12T10:03:38.007" v="11019"/>
+        <pc:sldMkLst>
+          <pc:docMk/>
+          <pc:sldMk cId="2649367104" sldId="307"/>
+        </pc:sldMkLst>
+        <pc:picChg chg="mod modCrop">
+          <ac:chgData name="Dominique RIGHETTO" userId="512fe077-82ad-424c-88a3-15e852b5861d" providerId="ADAL" clId="{1670CD84-DEE0-4E12-BF01-4C2D0C1D7F30}" dt="2024-05-12T09:22:34.462" v="9651" actId="1076"/>
+          <ac:picMkLst>
+            <pc:docMk/>
+            <pc:sldMk cId="2649367104" sldId="307"/>
+            <ac:picMk id="6" creationId="{2826F1FE-68F6-0A69-6F9A-46EDD13B6F8F}"/>
+          </ac:picMkLst>
+        </pc:picChg>
+      </pc:sldChg>
+      <pc:sldChg chg="delSp modSp add mod modTransition">
+        <pc:chgData name="Dominique RIGHETTO" userId="512fe077-82ad-424c-88a3-15e852b5861d" providerId="ADAL" clId="{1670CD84-DEE0-4E12-BF01-4C2D0C1D7F30}" dt="2024-05-12T09:49:57.687" v="10935"/>
+        <pc:sldMkLst>
+          <pc:docMk/>
+          <pc:sldMk cId="2485501603" sldId="308"/>
+        </pc:sldMkLst>
+        <pc:spChg chg="mod">
+          <ac:chgData name="Dominique RIGHETTO" userId="512fe077-82ad-424c-88a3-15e852b5861d" providerId="ADAL" clId="{1670CD84-DEE0-4E12-BF01-4C2D0C1D7F30}" dt="2024-05-12T09:24:03.693" v="9678" actId="20577"/>
+          <ac:spMkLst>
+            <pc:docMk/>
+            <pc:sldMk cId="2485501603" sldId="308"/>
+            <ac:spMk id="2" creationId="{5CE54ABB-4929-4810-950B-2DAEA0A5BAB4}"/>
+          </ac:spMkLst>
+        </pc:spChg>
+        <pc:spChg chg="mod">
+          <ac:chgData name="Dominique RIGHETTO" userId="512fe077-82ad-424c-88a3-15e852b5861d" providerId="ADAL" clId="{1670CD84-DEE0-4E12-BF01-4C2D0C1D7F30}" dt="2024-05-12T09:29:51.772" v="10132" actId="12"/>
+          <ac:spMkLst>
+            <pc:docMk/>
+            <pc:sldMk cId="2485501603" sldId="308"/>
+            <ac:spMk id="7" creationId="{6B35F89A-6CDF-41F7-BD87-18B45BD7330B}"/>
+          </ac:spMkLst>
+        </pc:spChg>
+        <pc:picChg chg="del">
+          <ac:chgData name="Dominique RIGHETTO" userId="512fe077-82ad-424c-88a3-15e852b5861d" providerId="ADAL" clId="{1670CD84-DEE0-4E12-BF01-4C2D0C1D7F30}" dt="2024-05-12T09:24:07.211" v="9679" actId="478"/>
+          <ac:picMkLst>
+            <pc:docMk/>
+            <pc:sldMk cId="2485501603" sldId="308"/>
+            <ac:picMk id="6" creationId="{2826F1FE-68F6-0A69-6F9A-46EDD13B6F8F}"/>
+          </ac:picMkLst>
+        </pc:picChg>
+      </pc:sldChg>
+      <pc:sldChg chg="modSp add mod ord modTransition">
+        <pc:chgData name="Dominique RIGHETTO" userId="512fe077-82ad-424c-88a3-15e852b5861d" providerId="ADAL" clId="{1670CD84-DEE0-4E12-BF01-4C2D0C1D7F30}" dt="2024-05-12T09:49:57.687" v="10935"/>
+        <pc:sldMkLst>
+          <pc:docMk/>
+          <pc:sldMk cId="3883942163" sldId="309"/>
+        </pc:sldMkLst>
+        <pc:spChg chg="mod">
+          <ac:chgData name="Dominique RIGHETTO" userId="512fe077-82ad-424c-88a3-15e852b5861d" providerId="ADAL" clId="{1670CD84-DEE0-4E12-BF01-4C2D0C1D7F30}" dt="2024-05-12T09:31:37.694" v="10144"/>
+          <ac:spMkLst>
+            <pc:docMk/>
+            <pc:sldMk cId="3883942163" sldId="309"/>
+            <ac:spMk id="2" creationId="{A29DE7F2-E890-4744-88DD-A75F5E300513}"/>
+          </ac:spMkLst>
+        </pc:spChg>
+      </pc:sldChg>
+      <pc:sldChg chg="delSp modSp add mod ord modTransition">
+        <pc:chgData name="Dominique RIGHETTO" userId="512fe077-82ad-424c-88a3-15e852b5861d" providerId="ADAL" clId="{1670CD84-DEE0-4E12-BF01-4C2D0C1D7F30}" dt="2024-05-12T09:49:57.687" v="10935"/>
+        <pc:sldMkLst>
+          <pc:docMk/>
+          <pc:sldMk cId="4002545787" sldId="310"/>
+        </pc:sldMkLst>
+        <pc:spChg chg="mod">
+          <ac:chgData name="Dominique RIGHETTO" userId="512fe077-82ad-424c-88a3-15e852b5861d" providerId="ADAL" clId="{1670CD84-DEE0-4E12-BF01-4C2D0C1D7F30}" dt="2024-05-12T09:32:03.451" v="10168" actId="21"/>
+          <ac:spMkLst>
+            <pc:docMk/>
+            <pc:sldMk cId="4002545787" sldId="310"/>
+            <ac:spMk id="2" creationId="{5CE54ABB-4929-4810-950B-2DAEA0A5BAB4}"/>
+          </ac:spMkLst>
+        </pc:spChg>
+        <pc:spChg chg="mod">
+          <ac:chgData name="Dominique RIGHETTO" userId="512fe077-82ad-424c-88a3-15e852b5861d" providerId="ADAL" clId="{1670CD84-DEE0-4E12-BF01-4C2D0C1D7F30}" dt="2024-05-12T09:44:57.091" v="10887" actId="6549"/>
+          <ac:spMkLst>
+            <pc:docMk/>
+            <pc:sldMk cId="4002545787" sldId="310"/>
+            <ac:spMk id="7" creationId="{6B35F89A-6CDF-41F7-BD87-18B45BD7330B}"/>
+          </ac:spMkLst>
+        </pc:spChg>
+        <pc:picChg chg="del">
+          <ac:chgData name="Dominique RIGHETTO" userId="512fe077-82ad-424c-88a3-15e852b5861d" providerId="ADAL" clId="{1670CD84-DEE0-4E12-BF01-4C2D0C1D7F30}" dt="2024-05-12T09:32:05.303" v="10169" actId="478"/>
+          <ac:picMkLst>
+            <pc:docMk/>
+            <pc:sldMk cId="4002545787" sldId="310"/>
+            <ac:picMk id="6" creationId="{2826F1FE-68F6-0A69-6F9A-46EDD13B6F8F}"/>
+          </ac:picMkLst>
+        </pc:picChg>
+      </pc:sldChg>
+      <pc:sldChg chg="modSp add mod ord modTransition">
+        <pc:chgData name="Dominique RIGHETTO" userId="512fe077-82ad-424c-88a3-15e852b5861d" providerId="ADAL" clId="{1670CD84-DEE0-4E12-BF01-4C2D0C1D7F30}" dt="2024-05-12T09:49:57.687" v="10935"/>
+        <pc:sldMkLst>
+          <pc:docMk/>
+          <pc:sldMk cId="3271207713" sldId="311"/>
+        </pc:sldMkLst>
+        <pc:spChg chg="mod">
+          <ac:chgData name="Dominique RIGHETTO" userId="512fe077-82ad-424c-88a3-15e852b5861d" providerId="ADAL" clId="{1670CD84-DEE0-4E12-BF01-4C2D0C1D7F30}" dt="2024-05-12T09:43:58.179" v="10870" actId="20577"/>
+          <ac:spMkLst>
+            <pc:docMk/>
+            <pc:sldMk cId="3271207713" sldId="311"/>
+            <ac:spMk id="2" creationId="{A29DE7F2-E890-4744-88DD-A75F5E300513}"/>
+          </ac:spMkLst>
+        </pc:spChg>
+      </pc:sldChg>
+      <pc:sldChg chg="modSp add mod ord modTransition">
+        <pc:chgData name="Dominique RIGHETTO" userId="512fe077-82ad-424c-88a3-15e852b5861d" providerId="ADAL" clId="{1670CD84-DEE0-4E12-BF01-4C2D0C1D7F30}" dt="2024-05-12T09:49:57.687" v="10935"/>
+        <pc:sldMkLst>
+          <pc:docMk/>
+          <pc:sldMk cId="2168811583" sldId="312"/>
+        </pc:sldMkLst>
+        <pc:spChg chg="mod">
+          <ac:chgData name="Dominique RIGHETTO" userId="512fe077-82ad-424c-88a3-15e852b5861d" providerId="ADAL" clId="{1670CD84-DEE0-4E12-BF01-4C2D0C1D7F30}" dt="2024-05-12T09:46:06.638" v="10913"/>
+          <ac:spMkLst>
+            <pc:docMk/>
+            <pc:sldMk cId="2168811583" sldId="312"/>
+            <ac:spMk id="2" creationId="{5CE54ABB-4929-4810-950B-2DAEA0A5BAB4}"/>
+          </ac:spMkLst>
+        </pc:spChg>
+        <pc:spChg chg="mod">
+          <ac:chgData name="Dominique RIGHETTO" userId="512fe077-82ad-424c-88a3-15e852b5861d" providerId="ADAL" clId="{1670CD84-DEE0-4E12-BF01-4C2D0C1D7F30}" dt="2024-05-12T09:45:47.860" v="10910" actId="20577"/>
+          <ac:spMkLst>
+            <pc:docMk/>
+            <pc:sldMk cId="2168811583" sldId="312"/>
+            <ac:spMk id="7" creationId="{6B35F89A-6CDF-41F7-BD87-18B45BD7330B}"/>
+          </ac:spMkLst>
+        </pc:spChg>
       </pc:sldChg>
       <pc:sldMasterChg chg="delSldLayout">
         <pc:chgData name="Dominique RIGHETTO" userId="512fe077-82ad-424c-88a3-15e852b5861d" providerId="ADAL" clId="{1670CD84-DEE0-4E12-BF01-4C2D0C1D7F30}" dt="2024-05-09T05:56:50.643" v="73" actId="47"/>
@@ -8871,7 +9390,7 @@
           <a:p>
             <a:fld id="{F352A77B-D33C-49B3-A83C-450AA2ED72B3}" type="datetimeFigureOut">
               <a:rPr lang="en-US" smtClean="0"/>
-              <a:t>5/11/2024</a:t>
+              <a:t>5/12/2024</a:t>
             </a:fld>
             <a:endParaRPr lang="en-US" dirty="0"/>
           </a:p>
@@ -9048,7 +9567,7 @@
           <a:p>
             <a:fld id="{E38D8F9A-F5CB-4EF8-A859-ED5E107B9763}" type="datetimeFigureOut">
               <a:rPr lang="en-US" smtClean="0"/>
-              <a:t>5/11/2024</a:t>
+              <a:t>5/12/2024</a:t>
             </a:fld>
             <a:endParaRPr lang="en-US" dirty="0"/>
           </a:p>
@@ -24644,8 +25163,8 @@
         </p:nvSpPr>
         <p:spPr>
           <a:xfrm>
-            <a:off x="108374" y="5629222"/>
-            <a:ext cx="10305626" cy="1122201"/>
+            <a:off x="108374" y="6011333"/>
+            <a:ext cx="10305626" cy="740090"/>
           </a:xfrm>
         </p:spPr>
         <p:txBody>
@@ -24653,11 +25172,11 @@
           <a:lstStyle/>
           <a:p>
             <a:r>
-              <a:rPr lang="en-US"/>
+              <a:rPr lang="en-US" dirty="0"/>
               <a:t>📦</a:t>
             </a:r>
             <a:r>
-              <a:rPr lang="en-US">
+              <a:rPr lang="en-US" dirty="0">
                 <a:hlinkClick r:id="rId2"/>
               </a:rPr>
               <a:t>github.com/righettod/voxxeddays-lux-2024</a:t>
@@ -24675,12 +25194,9 @@
               </a:rPr>
               <a:t>righettod.eu</a:t>
             </a:r>
-            <a:endParaRPr lang="en-US" dirty="0"/>
-          </a:p>
-          <a:p>
             <a:r>
               <a:rPr lang="en-US" dirty="0"/>
-              <a:t>📡</a:t>
+              <a:t> - 📡</a:t>
             </a:r>
             <a:r>
               <a:rPr lang="en-US" dirty="0">
@@ -24762,6 +25278,67 @@
           </a:p>
         </p:txBody>
       </p:sp>
+      <p:pic>
+        <p:nvPicPr>
+          <p:cNvPr id="6" name="Picture 5">
+            <a:extLst>
+              <a:ext uri="{FF2B5EF4-FFF2-40B4-BE49-F238E27FC236}">
+                <a16:creationId xmlns:a16="http://schemas.microsoft.com/office/drawing/2014/main" id="{793F6ACB-E2D2-579E-B7AE-5573EC3D8031}"/>
+              </a:ext>
+            </a:extLst>
+          </p:cNvPr>
+          <p:cNvPicPr>
+            <a:picLocks noChangeAspect="1"/>
+          </p:cNvPicPr>
+          <p:nvPr/>
+        </p:nvPicPr>
+        <p:blipFill>
+          <a:blip r:embed="rId5"/>
+          <a:stretch>
+            <a:fillRect/>
+          </a:stretch>
+        </p:blipFill>
+        <p:spPr>
+          <a:xfrm>
+            <a:off x="9689363" y="163007"/>
+            <a:ext cx="2163970" cy="2139926"/>
+          </a:xfrm>
+          <a:prstGeom prst="rect">
+            <a:avLst/>
+          </a:prstGeom>
+        </p:spPr>
+      </p:pic>
+      <p:pic>
+        <p:nvPicPr>
+          <p:cNvPr id="7" name="Picture 6">
+            <a:hlinkClick r:id="rId6"/>
+            <a:extLst>
+              <a:ext uri="{FF2B5EF4-FFF2-40B4-BE49-F238E27FC236}">
+                <a16:creationId xmlns:a16="http://schemas.microsoft.com/office/drawing/2014/main" id="{352311F0-E69F-8B48-2660-4AFB4BE99A65}"/>
+              </a:ext>
+            </a:extLst>
+          </p:cNvPr>
+          <p:cNvPicPr>
+            <a:picLocks noChangeAspect="1"/>
+          </p:cNvPicPr>
+          <p:nvPr/>
+        </p:nvPicPr>
+        <p:blipFill>
+          <a:blip r:embed="rId7"/>
+          <a:stretch>
+            <a:fillRect/>
+          </a:stretch>
+        </p:blipFill>
+        <p:spPr>
+          <a:xfrm>
+            <a:off x="108374" y="163008"/>
+            <a:ext cx="5754417" cy="2025298"/>
+          </a:xfrm>
+          <a:prstGeom prst="rect">
+            <a:avLst/>
+          </a:prstGeom>
+        </p:spPr>
+      </p:pic>
     </p:spTree>
     <p:extLst>
       <p:ext uri="{BB962C8B-B14F-4D97-AF65-F5344CB8AC3E}">
@@ -24772,6 +25349,18 @@
   <p:clrMapOvr>
     <a:masterClrMapping/>
   </p:clrMapOvr>
+  <mc:AlternateContent xmlns:mc="http://schemas.openxmlformats.org/markup-compatibility/2006" xmlns:p14="http://schemas.microsoft.com/office/powerpoint/2010/main">
+    <mc:Choice Requires="p14">
+      <p:transition spd="med" p14:dur="700">
+        <p:fade/>
+      </p:transition>
+    </mc:Choice>
+    <mc:Fallback xmlns="">
+      <p:transition spd="med">
+        <p:fade/>
+      </p:transition>
+    </mc:Fallback>
+  </mc:AlternateContent>
 </p:sld>
 </file>
 
@@ -24862,7 +25451,7 @@
             </a:pPr>
             <a:r>
               <a:rPr lang="en-US" sz="2400" noProof="1"/>
-              <a:t>Behavior about an allowed resources is defined using either a set of </a:t>
+              <a:t>📑Behavior about an allowed resources is defined using either a set of </a:t>
             </a:r>
             <a:r>
               <a:rPr lang="en-US" sz="2400" b="1" noProof="1">
@@ -24966,6 +25555,18 @@
   <p:clrMapOvr>
     <a:masterClrMapping/>
   </p:clrMapOvr>
+  <mc:AlternateContent xmlns:mc="http://schemas.openxmlformats.org/markup-compatibility/2006" xmlns:p14="http://schemas.microsoft.com/office/powerpoint/2010/main">
+    <mc:Choice Requires="p14">
+      <p:transition spd="med" p14:dur="700">
+        <p:fade/>
+      </p:transition>
+    </mc:Choice>
+    <mc:Fallback xmlns="">
+      <p:transition spd="med">
+        <p:fade/>
+      </p:transition>
+    </mc:Fallback>
+  </mc:AlternateContent>
 </p:sld>
 </file>
 
@@ -25084,7 +25685,7 @@
             </a:pPr>
             <a:r>
               <a:rPr lang="en-US" sz="2400" noProof="1"/>
-              <a:t>Behavior about an allowed resources is defined using either a set of </a:t>
+              <a:t>📑Behavior about an allowed resources is defined using either a set of </a:t>
             </a:r>
             <a:r>
               <a:rPr lang="en-US" sz="2400" b="1" noProof="1">
@@ -25151,6 +25752,18 @@
   <p:clrMapOvr>
     <a:masterClrMapping/>
   </p:clrMapOvr>
+  <mc:AlternateContent xmlns:mc="http://schemas.openxmlformats.org/markup-compatibility/2006" xmlns:p14="http://schemas.microsoft.com/office/powerpoint/2010/main">
+    <mc:Choice Requires="p14">
+      <p:transition spd="med" p14:dur="700">
+        <p:fade/>
+      </p:transition>
+    </mc:Choice>
+    <mc:Fallback xmlns="">
+      <p:transition spd="med">
+        <p:fade/>
+      </p:transition>
+    </mc:Fallback>
+  </mc:AlternateContent>
 </p:sld>
 </file>
 
@@ -25241,7 +25854,7 @@
             </a:pPr>
             <a:r>
               <a:rPr lang="en-US" sz="2400" noProof="1"/>
-              <a:t>The header use the following format:</a:t>
+              <a:t>💻The header use the following format:</a:t>
             </a:r>
           </a:p>
           <a:p>
@@ -25446,6 +26059,18 @@
   <p:clrMapOvr>
     <a:masterClrMapping/>
   </p:clrMapOvr>
+  <mc:AlternateContent xmlns:mc="http://schemas.openxmlformats.org/markup-compatibility/2006" xmlns:p14="http://schemas.microsoft.com/office/powerpoint/2010/main">
+    <mc:Choice Requires="p14">
+      <p:transition spd="med" p14:dur="700">
+        <p:fade/>
+      </p:transition>
+    </mc:Choice>
+    <mc:Fallback xmlns="">
+      <p:transition spd="med">
+        <p:fade/>
+      </p:transition>
+    </mc:Fallback>
+  </mc:AlternateContent>
 </p:sld>
 </file>
 
@@ -25500,7 +26125,7 @@
             </a:pPr>
             <a:r>
               <a:rPr lang="en-US" sz="2400" noProof="1"/>
-              <a:t>Example of a simple policy:</a:t>
+              <a:t>💻Example of a simple policy:</a:t>
             </a:r>
           </a:p>
           <a:p>
@@ -25828,6 +26453,11 @@
           <a:prstGeom prst="round2DiagRect">
             <a:avLst/>
           </a:prstGeom>
+          <a:ln>
+            <a:solidFill>
+              <a:srgbClr val="00B0F0"/>
+            </a:solidFill>
+          </a:ln>
         </p:spPr>
         <p:style>
           <a:lnRef idx="2">
@@ -25881,6 +26511,11 @@
           <a:prstGeom prst="round2DiagRect">
             <a:avLst/>
           </a:prstGeom>
+          <a:ln>
+            <a:solidFill>
+              <a:srgbClr val="00B050"/>
+            </a:solidFill>
+          </a:ln>
         </p:spPr>
         <p:style>
           <a:lnRef idx="2">
@@ -25934,6 +26569,11 @@
           <a:prstGeom prst="round2DiagRect">
             <a:avLst/>
           </a:prstGeom>
+          <a:ln>
+            <a:solidFill>
+              <a:srgbClr val="C00000"/>
+            </a:solidFill>
+          </a:ln>
         </p:spPr>
         <p:style>
           <a:lnRef idx="2">
@@ -25987,6 +26627,11 @@
           <a:prstGeom prst="round2DiagRect">
             <a:avLst/>
           </a:prstGeom>
+          <a:ln>
+            <a:solidFill>
+              <a:schemeClr val="accent4"/>
+            </a:solidFill>
+          </a:ln>
         </p:spPr>
         <p:style>
           <a:lnRef idx="2">
@@ -26272,6 +26917,18 @@
   <p:clrMapOvr>
     <a:masterClrMapping/>
   </p:clrMapOvr>
+  <mc:AlternateContent xmlns:mc="http://schemas.openxmlformats.org/markup-compatibility/2006" xmlns:p14="http://schemas.microsoft.com/office/powerpoint/2010/main">
+    <mc:Choice Requires="p14">
+      <p:transition spd="med" p14:dur="700">
+        <p:fade/>
+      </p:transition>
+    </mc:Choice>
+    <mc:Fallback xmlns="">
+      <p:transition spd="med">
+        <p:fade/>
+      </p:transition>
+    </mc:Fallback>
+  </mc:AlternateContent>
   <p:timing>
     <p:tnLst>
       <p:par>
@@ -26754,7 +27411,7 @@
             </a:pPr>
             <a:r>
               <a:rPr lang="en-US" sz="2400" noProof="1"/>
-              <a:t>CSP offer the possibility to define, a </a:t>
+              <a:t>📑CSP offer the possibility to define, a </a:t>
             </a:r>
             <a:r>
               <a:rPr lang="en-US" sz="2400" noProof="1">
@@ -26783,7 +27440,7 @@
             </a:pPr>
             <a:r>
               <a:rPr lang="en-US" sz="2400" noProof="1"/>
-              <a:t>This directive is named </a:t>
+              <a:t>📑This directive is named </a:t>
             </a:r>
             <a:r>
               <a:rPr lang="en-US" sz="2400" b="1" noProof="1">
@@ -26812,7 +27469,7 @@
             </a:pPr>
             <a:r>
               <a:rPr lang="en-US" sz="2400" noProof="1"/>
-              <a:t>Example based on our previous CSP sample: </a:t>
+              <a:t>💻Example based on our previous CSP sample: </a:t>
             </a:r>
             <a:r>
               <a:rPr lang="en-US" sz="2400" i="1" noProof="1"/>
@@ -27074,6 +27731,18 @@
   <p:clrMapOvr>
     <a:masterClrMapping/>
   </p:clrMapOvr>
+  <mc:AlternateContent xmlns:mc="http://schemas.openxmlformats.org/markup-compatibility/2006" xmlns:p14="http://schemas.microsoft.com/office/powerpoint/2010/main">
+    <mc:Choice Requires="p14">
+      <p:transition spd="med" p14:dur="700">
+        <p:fade/>
+      </p:transition>
+    </mc:Choice>
+    <mc:Fallback xmlns="">
+      <p:transition spd="med">
+        <p:fade/>
+      </p:transition>
+    </mc:Fallback>
+  </mc:AlternateContent>
 </p:sld>
 </file>
 
@@ -27164,7 +27833,7 @@
             </a:pPr>
             <a:r>
               <a:rPr lang="en-US" sz="2400" noProof="1"/>
-              <a:t>CSP offer the possibility to not block the loading of a resource if a directive related to such resources is not respected but instead, send a violation notification to a web endpoint.</a:t>
+              <a:t>📡CSP offer the possibility to not block the loading of a resource if a directive related to such resources is not respected but instead, send a violation notification to a web endpoint.</a:t>
             </a:r>
           </a:p>
           <a:p>
@@ -27181,7 +27850,7 @@
             </a:pPr>
             <a:r>
               <a:rPr lang="en-US" sz="2400" noProof="1"/>
-              <a:t>A simple way to achieve this is to use the header </a:t>
+              <a:t>💻A simple way to achieve this is to use the header </a:t>
             </a:r>
             <a:r>
               <a:rPr lang="en-US" sz="2400" noProof="1">
@@ -27218,7 +27887,7 @@
             </a:pPr>
             <a:r>
               <a:rPr lang="en-US" sz="2400" noProof="1"/>
-              <a:t>This header use the same format that the CSP but with the addition of the </a:t>
+              <a:t>💻This header use the same format that the CSP but with the addition of the </a:t>
             </a:r>
             <a:r>
               <a:rPr lang="en-US" sz="2400" b="1" noProof="1">
@@ -27438,6 +28107,18 @@
   <p:clrMapOvr>
     <a:masterClrMapping/>
   </p:clrMapOvr>
+  <mc:AlternateContent xmlns:mc="http://schemas.openxmlformats.org/markup-compatibility/2006" xmlns:p14="http://schemas.microsoft.com/office/powerpoint/2010/main">
+    <mc:Choice Requires="p14">
+      <p:transition spd="med" p14:dur="700">
+        <p:fade/>
+      </p:transition>
+    </mc:Choice>
+    <mc:Fallback xmlns="">
+      <p:transition spd="med">
+        <p:fade/>
+      </p:transition>
+    </mc:Fallback>
+  </mc:AlternateContent>
 </p:sld>
 </file>
 
@@ -27533,7 +28214,7 @@
             </a:pPr>
             <a:r>
               <a:rPr lang="en-US" sz="2400" noProof="1"/>
-              <a:t>The endpoint can be a relative or an absolute URL:</a:t>
+              <a:t>🌏The endpoint can be a relative or an absolute URL:</a:t>
             </a:r>
           </a:p>
           <a:p>
@@ -27600,6 +28281,10 @@
               <a:buFont typeface="Arial" panose="020B0604020202020204" pitchFamily="34" charset="0"/>
               <a:buChar char="•"/>
             </a:pPr>
+            <a:r>
+              <a:rPr lang="en-US" sz="2400" noProof="1"/>
+              <a:t>📦</a:t>
+            </a:r>
             <a:r>
               <a:rPr lang="en-US" sz="2400" noProof="1">
                 <a:hlinkClick r:id="rId3"/>
@@ -27811,6 +28496,18 @@
   <p:clrMapOvr>
     <a:overrideClrMapping bg1="lt1" tx1="dk1" bg2="lt2" tx2="dk2" accent1="accent1" accent2="accent2" accent3="accent3" accent4="accent4" accent5="accent5" accent6="accent6" hlink="hlink" folHlink="folHlink"/>
   </p:clrMapOvr>
+  <mc:AlternateContent xmlns:mc="http://schemas.openxmlformats.org/markup-compatibility/2006" xmlns:p14="http://schemas.microsoft.com/office/powerpoint/2010/main">
+    <mc:Choice Requires="p14">
+      <p:transition spd="med" p14:dur="700">
+        <p:fade/>
+      </p:transition>
+    </mc:Choice>
+    <mc:Fallback xmlns="">
+      <p:transition spd="med">
+        <p:fade/>
+      </p:transition>
+    </mc:Fallback>
+  </mc:AlternateContent>
   <p:timing>
     <p:tnLst>
       <p:par>
@@ -27992,7 +28689,7 @@
             </a:pPr>
             <a:r>
               <a:rPr lang="en-US" sz="2400" noProof="1"/>
-              <a:t>Level of support for the current W3C recommandation of CSP (v2), by modern browsers, in May 2024 (source: </a:t>
+              <a:t>🤝Level of support for the current W3C recommandation of CSP (v2), by modern browsers, in May 2024 (source: </a:t>
             </a:r>
             <a:r>
               <a:rPr lang="en-US" sz="2400" noProof="1">
@@ -28158,6 +28855,18 @@
   <p:clrMapOvr>
     <a:overrideClrMapping bg1="lt1" tx1="dk1" bg2="lt2" tx2="dk2" accent1="accent1" accent2="accent2" accent3="accent3" accent4="accent4" accent5="accent5" accent6="accent6" hlink="hlink" folHlink="folHlink"/>
   </p:clrMapOvr>
+  <mc:AlternateContent xmlns:mc="http://schemas.openxmlformats.org/markup-compatibility/2006" xmlns:p14="http://schemas.microsoft.com/office/powerpoint/2010/main">
+    <mc:Choice Requires="p14">
+      <p:transition spd="med" p14:dur="700">
+        <p:fade/>
+      </p:transition>
+    </mc:Choice>
+    <mc:Fallback xmlns="">
+      <p:transition spd="med">
+        <p:fade/>
+      </p:transition>
+    </mc:Fallback>
+  </mc:AlternateContent>
 </p:sld>
 </file>
 
@@ -28221,6 +28930,18 @@
   <p:clrMapOvr>
     <a:masterClrMapping/>
   </p:clrMapOvr>
+  <mc:AlternateContent xmlns:mc="http://schemas.openxmlformats.org/markup-compatibility/2006" xmlns:p14="http://schemas.microsoft.com/office/powerpoint/2010/main">
+    <mc:Choice Requires="p14">
+      <p:transition spd="med" p14:dur="700">
+        <p:fade/>
+      </p:transition>
+    </mc:Choice>
+    <mc:Fallback xmlns="">
+      <p:transition spd="med">
+        <p:fade/>
+      </p:transition>
+    </mc:Fallback>
+  </mc:AlternateContent>
 </p:sld>
 </file>
 
@@ -28311,7 +29032,7 @@
             </a:pPr>
             <a:r>
               <a:rPr lang="en-US" sz="2400" noProof="1"/>
-              <a:t>The audit report indicates that the </a:t>
+              <a:t>🐜The audit report indicates that the </a:t>
             </a:r>
             <a:r>
               <a:rPr lang="en-US" sz="2400" b="1" noProof="1"/>
@@ -28403,7 +29124,7 @@
             <a:solidFill>
               <a:srgbClr val="C00000"/>
             </a:solidFill>
-            <a:prstDash val="sysDot"/>
+            <a:prstDash val="solid"/>
           </a:ln>
         </p:spPr>
         <p:style>
@@ -28441,6 +29162,18 @@
   <p:clrMapOvr>
     <a:masterClrMapping/>
   </p:clrMapOvr>
+  <mc:AlternateContent xmlns:mc="http://schemas.openxmlformats.org/markup-compatibility/2006" xmlns:p14="http://schemas.microsoft.com/office/powerpoint/2010/main">
+    <mc:Choice Requires="p14">
+      <p:transition spd="med" p14:dur="700">
+        <p:fade/>
+      </p:transition>
+    </mc:Choice>
+    <mc:Fallback xmlns="">
+      <p:transition spd="med">
+        <p:fade/>
+      </p:transition>
+    </mc:Fallback>
+  </mc:AlternateContent>
 </p:sld>
 </file>
 
@@ -28504,6 +29237,18 @@
   <p:clrMapOvr>
     <a:masterClrMapping/>
   </p:clrMapOvr>
+  <mc:AlternateContent xmlns:mc="http://schemas.openxmlformats.org/markup-compatibility/2006" xmlns:p14="http://schemas.microsoft.com/office/powerpoint/2010/main">
+    <mc:Choice Requires="p14">
+      <p:transition spd="med" p14:dur="700">
+        <p:fade/>
+      </p:transition>
+    </mc:Choice>
+    <mc:Fallback xmlns="">
+      <p:transition spd="med">
+        <p:fade/>
+      </p:transition>
+    </mc:Fallback>
+  </mc:AlternateContent>
 </p:sld>
 </file>
 
@@ -28594,7 +29339,7 @@
             </a:pPr>
             <a:r>
               <a:rPr lang="en-US" sz="2400" noProof="1"/>
-              <a:t>The audit report indicates that the </a:t>
+              <a:t>🐜The audit report indicates that the </a:t>
             </a:r>
             <a:r>
               <a:rPr lang="en-US" sz="2400" b="1" noProof="1"/>
@@ -28687,7 +29432,7 @@
             <a:solidFill>
               <a:srgbClr val="C00000"/>
             </a:solidFill>
-            <a:prstDash val="sysDot"/>
+            <a:prstDash val="solid"/>
           </a:ln>
         </p:spPr>
         <p:style>
@@ -28725,6 +29470,18 @@
   <p:clrMapOvr>
     <a:masterClrMapping/>
   </p:clrMapOvr>
+  <mc:AlternateContent xmlns:mc="http://schemas.openxmlformats.org/markup-compatibility/2006" xmlns:p14="http://schemas.microsoft.com/office/powerpoint/2010/main">
+    <mc:Choice Requires="p14">
+      <p:transition spd="med" p14:dur="700">
+        <p:fade/>
+      </p:transition>
+    </mc:Choice>
+    <mc:Fallback xmlns="">
+      <p:transition spd="med">
+        <p:fade/>
+      </p:transition>
+    </mc:Fallback>
+  </mc:AlternateContent>
 </p:sld>
 </file>
 
@@ -28843,7 +29600,7 @@
             </a:pPr>
             <a:r>
               <a:rPr lang="en-US" sz="2400" noProof="1"/>
-              <a:t>The portal have the following constraints in terms of resources:</a:t>
+              <a:t>📍The portal have the following constraints in terms of resources:</a:t>
             </a:r>
           </a:p>
         </p:txBody>
@@ -28858,6 +29615,18 @@
   <p:clrMapOvr>
     <a:masterClrMapping/>
   </p:clrMapOvr>
+  <mc:AlternateContent xmlns:mc="http://schemas.openxmlformats.org/markup-compatibility/2006" xmlns:p14="http://schemas.microsoft.com/office/powerpoint/2010/main">
+    <mc:Choice Requires="p14">
+      <p:transition spd="med" p14:dur="700">
+        <p:fade/>
+      </p:transition>
+    </mc:Choice>
+    <mc:Fallback xmlns="">
+      <p:transition spd="med">
+        <p:fade/>
+      </p:transition>
+    </mc:Fallback>
+  </mc:AlternateContent>
 </p:sld>
 </file>
 
@@ -29261,6 +30030,18 @@
   <p:clrMapOvr>
     <a:masterClrMapping/>
   </p:clrMapOvr>
+  <mc:AlternateContent xmlns:mc="http://schemas.openxmlformats.org/markup-compatibility/2006" xmlns:p14="http://schemas.microsoft.com/office/powerpoint/2010/main">
+    <mc:Choice Requires="p14">
+      <p:transition spd="med" p14:dur="700">
+        <p:fade/>
+      </p:transition>
+    </mc:Choice>
+    <mc:Fallback xmlns="">
+      <p:transition spd="med">
+        <p:fade/>
+      </p:transition>
+    </mc:Fallback>
+  </mc:AlternateContent>
 </p:sld>
 </file>
 
@@ -29407,6 +30188,18 @@
   <p:clrMapOvr>
     <a:masterClrMapping/>
   </p:clrMapOvr>
+  <mc:AlternateContent xmlns:mc="http://schemas.openxmlformats.org/markup-compatibility/2006" xmlns:p14="http://schemas.microsoft.com/office/powerpoint/2010/main">
+    <mc:Choice Requires="p14">
+      <p:transition spd="med" p14:dur="700">
+        <p:fade/>
+      </p:transition>
+    </mc:Choice>
+    <mc:Fallback xmlns="">
+      <p:transition spd="med">
+        <p:fade/>
+      </p:transition>
+    </mc:Fallback>
+  </mc:AlternateContent>
 </p:sld>
 </file>
 
@@ -29527,7 +30320,7 @@
             </a:pPr>
             <a:r>
               <a:rPr lang="en-US" sz="2400" noProof="1"/>
-              <a:t>He proposed to test following payload:</a:t>
+              <a:t>📜He proposed to test following payload:</a:t>
             </a:r>
           </a:p>
           <a:p>
@@ -29582,6 +30375,18 @@
   <p:clrMapOvr>
     <a:overrideClrMapping bg1="lt1" tx1="dk1" bg2="lt2" tx2="dk2" accent1="accent1" accent2="accent2" accent3="accent3" accent4="accent4" accent5="accent5" accent6="accent6" hlink="hlink" folHlink="folHlink"/>
   </p:clrMapOvr>
+  <mc:AlternateContent xmlns:mc="http://schemas.openxmlformats.org/markup-compatibility/2006" xmlns:p14="http://schemas.microsoft.com/office/powerpoint/2010/main">
+    <mc:Choice Requires="p14">
+      <p:transition spd="med" p14:dur="700">
+        <p:fade/>
+      </p:transition>
+    </mc:Choice>
+    <mc:Fallback xmlns="">
+      <p:transition spd="med">
+        <p:fade/>
+      </p:transition>
+    </mc:Fallback>
+  </mc:AlternateContent>
 </p:sld>
 </file>
 
@@ -29728,6 +30533,18 @@
   <p:clrMapOvr>
     <a:masterClrMapping/>
   </p:clrMapOvr>
+  <mc:AlternateContent xmlns:mc="http://schemas.openxmlformats.org/markup-compatibility/2006" xmlns:p14="http://schemas.microsoft.com/office/powerpoint/2010/main">
+    <mc:Choice Requires="p14">
+      <p:transition spd="med" p14:dur="700">
+        <p:fade/>
+      </p:transition>
+    </mc:Choice>
+    <mc:Fallback xmlns="">
+      <p:transition spd="med">
+        <p:fade/>
+      </p:transition>
+    </mc:Fallback>
+  </mc:AlternateContent>
 </p:sld>
 </file>
 
@@ -30218,6 +31035,18 @@
   <p:clrMapOvr>
     <a:overrideClrMapping bg1="lt1" tx1="dk1" bg2="lt2" tx2="dk2" accent1="accent1" accent2="accent2" accent3="accent3" accent4="accent4" accent5="accent5" accent6="accent6" hlink="hlink" folHlink="folHlink"/>
   </p:clrMapOvr>
+  <mc:AlternateContent xmlns:mc="http://schemas.openxmlformats.org/markup-compatibility/2006" xmlns:p14="http://schemas.microsoft.com/office/powerpoint/2010/main">
+    <mc:Choice Requires="p14">
+      <p:transition spd="med" p14:dur="700">
+        <p:fade/>
+      </p:transition>
+    </mc:Choice>
+    <mc:Fallback xmlns="">
+      <p:transition spd="med">
+        <p:fade/>
+      </p:transition>
+    </mc:Fallback>
+  </mc:AlternateContent>
 </p:sld>
 </file>
 
@@ -30313,7 +31142,7 @@
             </a:pPr>
             <a:r>
               <a:rPr lang="en-US" sz="2400" noProof="1"/>
-              <a:t>👀Better overview of the JavaScript code injected:</a:t>
+              <a:t>📜Better overview of the JavaScript code injected:</a:t>
             </a:r>
           </a:p>
           <a:p>
@@ -30375,6 +31204,18 @@
   <p:clrMapOvr>
     <a:overrideClrMapping bg1="lt1" tx1="dk1" bg2="lt2" tx2="dk2" accent1="accent1" accent2="accent2" accent3="accent3" accent4="accent4" accent5="accent5" accent6="accent6" hlink="hlink" folHlink="folHlink"/>
   </p:clrMapOvr>
+  <mc:AlternateContent xmlns:mc="http://schemas.openxmlformats.org/markup-compatibility/2006" xmlns:p14="http://schemas.microsoft.com/office/powerpoint/2010/main">
+    <mc:Choice Requires="p14">
+      <p:transition spd="med" p14:dur="700">
+        <p:fade/>
+      </p:transition>
+    </mc:Choice>
+    <mc:Fallback xmlns="">
+      <p:transition spd="med">
+        <p:fade/>
+      </p:transition>
+    </mc:Fallback>
+  </mc:AlternateContent>
 </p:sld>
 </file>
 
@@ -30464,7 +31305,7 @@
             </a:pPr>
             <a:r>
               <a:rPr lang="en-US" sz="2400" noProof="1"/>
-              <a:t>You work, as a Technical Leader, for a company selling online product and it’s Friday. Your team is in charge of the online sales portal.</a:t>
+              <a:t>👨‍💻You work, as a Technical Leader, for a company selling online product and it’s Friday. Your team is in charge of the online sales portal.</a:t>
             </a:r>
           </a:p>
           <a:p>
@@ -30519,6 +31360,18 @@
   <p:clrMapOvr>
     <a:masterClrMapping/>
   </p:clrMapOvr>
+  <mc:AlternateContent xmlns:mc="http://schemas.openxmlformats.org/markup-compatibility/2006" xmlns:p14="http://schemas.microsoft.com/office/powerpoint/2010/main">
+    <mc:Choice Requires="p14">
+      <p:transition spd="med" p14:dur="700">
+        <p:fade/>
+      </p:transition>
+    </mc:Choice>
+    <mc:Fallback xmlns="">
+      <p:transition spd="med">
+        <p:fade/>
+      </p:transition>
+    </mc:Fallback>
+  </mc:AlternateContent>
 </p:sld>
 </file>
 
@@ -30679,7 +31532,7 @@
             <a:solidFill>
               <a:srgbClr val="FFC000"/>
             </a:solidFill>
-            <a:prstDash val="sysDot"/>
+            <a:prstDash val="solid"/>
           </a:ln>
         </p:spPr>
         <p:style>
@@ -30732,7 +31585,7 @@
             <a:solidFill>
               <a:srgbClr val="FFC000"/>
             </a:solidFill>
-            <a:prstDash val="sysDot"/>
+            <a:prstDash val="solid"/>
           </a:ln>
         </p:spPr>
         <p:style>
@@ -30770,6 +31623,18 @@
   <p:clrMapOvr>
     <a:masterClrMapping/>
   </p:clrMapOvr>
+  <mc:AlternateContent xmlns:mc="http://schemas.openxmlformats.org/markup-compatibility/2006" xmlns:p14="http://schemas.microsoft.com/office/powerpoint/2010/main">
+    <mc:Choice Requires="p14">
+      <p:transition spd="med" p14:dur="700">
+        <p:fade/>
+      </p:transition>
+    </mc:Choice>
+    <mc:Fallback xmlns="">
+      <p:transition spd="med">
+        <p:fade/>
+      </p:transition>
+    </mc:Fallback>
+  </mc:AlternateContent>
 </p:sld>
 </file>
 
@@ -30910,7 +31775,37 @@
               <a:rPr lang="en-US" sz="2000" noProof="1">
                 <a:latin typeface="Consolas" panose="020B0609020204030204" pitchFamily="49" charset="0"/>
               </a:rPr>
-              <a:t>$ echo UEhQU0VTU0lEPWJncDFrdjNoMTMyNWo5NmFxamZlMjEza2dr | base64 -d</a:t>
+              <a:t>$ </a:t>
+            </a:r>
+            <a:r>
+              <a:rPr lang="en-US" sz="2000" noProof="1">
+                <a:solidFill>
+                  <a:srgbClr val="0070C0"/>
+                </a:solidFill>
+                <a:latin typeface="Consolas" panose="020B0609020204030204" pitchFamily="49" charset="0"/>
+              </a:rPr>
+              <a:t>echo</a:t>
+            </a:r>
+            <a:r>
+              <a:rPr lang="en-US" sz="2000" noProof="1">
+                <a:latin typeface="Consolas" panose="020B0609020204030204" pitchFamily="49" charset="0"/>
+              </a:rPr>
+              <a:t> UEhQU0VTU0lEPWJncDFrdjNoMTMyNWo5NmFxamZlMjEza2dr | </a:t>
+            </a:r>
+            <a:r>
+              <a:rPr lang="en-US" sz="2000" noProof="1">
+                <a:solidFill>
+                  <a:srgbClr val="0070C0"/>
+                </a:solidFill>
+                <a:latin typeface="Consolas" panose="020B0609020204030204" pitchFamily="49" charset="0"/>
+              </a:rPr>
+              <a:t>base64</a:t>
+            </a:r>
+            <a:r>
+              <a:rPr lang="en-US" sz="2000" noProof="1">
+                <a:latin typeface="Consolas" panose="020B0609020204030204" pitchFamily="49" charset="0"/>
+              </a:rPr>
+              <a:t> -d</a:t>
             </a:r>
           </a:p>
           <a:p>
@@ -31027,6 +31922,18 @@
   <p:clrMapOvr>
     <a:masterClrMapping/>
   </p:clrMapOvr>
+  <mc:AlternateContent xmlns:mc="http://schemas.openxmlformats.org/markup-compatibility/2006" xmlns:p14="http://schemas.microsoft.com/office/powerpoint/2010/main">
+    <mc:Choice Requires="p14">
+      <p:transition spd="med" p14:dur="700">
+        <p:fade/>
+      </p:transition>
+    </mc:Choice>
+    <mc:Fallback xmlns="">
+      <p:transition spd="med">
+        <p:fade/>
+      </p:transition>
+    </mc:Fallback>
+  </mc:AlternateContent>
 </p:sld>
 </file>
 
@@ -31267,6 +32174,18 @@
   <p:clrMapOvr>
     <a:masterClrMapping/>
   </p:clrMapOvr>
+  <mc:AlternateContent xmlns:mc="http://schemas.openxmlformats.org/markup-compatibility/2006" xmlns:p14="http://schemas.microsoft.com/office/powerpoint/2010/main">
+    <mc:Choice Requires="p14">
+      <p:transition spd="med" p14:dur="700">
+        <p:fade/>
+      </p:transition>
+    </mc:Choice>
+    <mc:Fallback xmlns="">
+      <p:transition spd="med">
+        <p:fade/>
+      </p:transition>
+    </mc:Fallback>
+  </mc:AlternateContent>
 </p:sld>
 </file>
 
@@ -31691,6 +32610,18 @@
   <p:clrMapOvr>
     <a:masterClrMapping/>
   </p:clrMapOvr>
+  <mc:AlternateContent xmlns:mc="http://schemas.openxmlformats.org/markup-compatibility/2006" xmlns:p14="http://schemas.microsoft.com/office/powerpoint/2010/main">
+    <mc:Choice Requires="p14">
+      <p:transition spd="med" p14:dur="700">
+        <p:fade/>
+      </p:transition>
+    </mc:Choice>
+    <mc:Fallback xmlns="">
+      <p:transition spd="med">
+        <p:fade/>
+      </p:transition>
+    </mc:Fallback>
+  </mc:AlternateContent>
 </p:sld>
 </file>
 
@@ -31873,6 +32804,18 @@
   <p:clrMapOvr>
     <a:masterClrMapping/>
   </p:clrMapOvr>
+  <mc:AlternateContent xmlns:mc="http://schemas.openxmlformats.org/markup-compatibility/2006" xmlns:p14="http://schemas.microsoft.com/office/powerpoint/2010/main">
+    <mc:Choice Requires="p14">
+      <p:transition spd="med" p14:dur="700">
+        <p:fade/>
+      </p:transition>
+    </mc:Choice>
+    <mc:Fallback xmlns="">
+      <p:transition spd="med">
+        <p:fade/>
+      </p:transition>
+    </mc:Fallback>
+  </mc:AlternateContent>
 </p:sld>
 </file>
 
@@ -31980,7 +32923,7 @@
             </a:pPr>
             <a:r>
               <a:rPr lang="en-US" sz="2400" noProof="1"/>
-              <a:t>🤔Idea was to to block the execution of any injected JavaScript code by removing the </a:t>
+              <a:t>🤔Idea was to to block the execution of any injected JavaScript code, by removing the </a:t>
             </a:r>
             <a:r>
               <a:rPr lang="en-US" sz="2400" b="1" noProof="1">
@@ -31992,7 +32935,7 @@
             </a:r>
             <a:r>
               <a:rPr lang="en-US" sz="2400" noProof="1"/>
-              <a:t> instruction from the </a:t>
+              <a:t> instruction, from the </a:t>
             </a:r>
             <a:r>
               <a:rPr lang="en-US" sz="2400" b="1" noProof="1">
@@ -32129,7 +33072,7 @@
           </a:p>
           <a:p>
             <a:r>
-              <a:rPr lang="en-US" sz="2000" dirty="0">
+              <a:rPr lang="en-US" sz="2000" b="1" dirty="0">
                 <a:solidFill>
                   <a:schemeClr val="accent6"/>
                 </a:solidFill>
@@ -32138,7 +33081,7 @@
               <a:t>script-</a:t>
             </a:r>
             <a:r>
-              <a:rPr lang="en-US" sz="2000" dirty="0" err="1">
+              <a:rPr lang="en-US" sz="2000" b="1" dirty="0" err="1">
                 <a:solidFill>
                   <a:schemeClr val="accent6"/>
                 </a:solidFill>
@@ -32147,13 +33090,13 @@
               <a:t>src</a:t>
             </a:r>
             <a:r>
-              <a:rPr lang="en-US" sz="2000" dirty="0">
+              <a:rPr lang="en-US" sz="2000" b="1" dirty="0">
                 <a:latin typeface="Consolas" panose="020B0609020204030204" pitchFamily="49" charset="0"/>
               </a:rPr>
               <a:t> </a:t>
             </a:r>
             <a:r>
-              <a:rPr lang="en-US" sz="2000" dirty="0">
+              <a:rPr lang="en-US" sz="2000" b="1" dirty="0">
                 <a:solidFill>
                   <a:srgbClr val="7030A0"/>
                 </a:solidFill>
@@ -32323,6 +33266,18 @@
   <p:clrMapOvr>
     <a:masterClrMapping/>
   </p:clrMapOvr>
+  <mc:AlternateContent xmlns:mc="http://schemas.openxmlformats.org/markup-compatibility/2006" xmlns:p14="http://schemas.microsoft.com/office/powerpoint/2010/main">
+    <mc:Choice Requires="p14">
+      <p:transition spd="med" p14:dur="700">
+        <p:fade/>
+      </p:transition>
+    </mc:Choice>
+    <mc:Fallback xmlns="">
+      <p:transition spd="med">
+        <p:fade/>
+      </p:transition>
+    </mc:Fallback>
+  </mc:AlternateContent>
 </p:sld>
 </file>
 
@@ -32374,7 +33329,7 @@
             <a:pPr algn="l"/>
             <a:r>
               <a:rPr lang="en-US" dirty="0"/>
-              <a:t>🔬Study time: second try – How to broke an app!</a:t>
+              <a:t>🔬Study time: second try – How to broke an app tutorial!</a:t>
             </a:r>
           </a:p>
         </p:txBody>
@@ -32537,6 +33492,18 @@
   <p:clrMapOvr>
     <a:masterClrMapping/>
   </p:clrMapOvr>
+  <mc:AlternateContent xmlns:mc="http://schemas.openxmlformats.org/markup-compatibility/2006" xmlns:p14="http://schemas.microsoft.com/office/powerpoint/2010/main">
+    <mc:Choice Requires="p14">
+      <p:transition spd="med" p14:dur="700">
+        <p:fade/>
+      </p:transition>
+    </mc:Choice>
+    <mc:Fallback xmlns="">
+      <p:transition spd="med">
+        <p:fade/>
+      </p:transition>
+    </mc:Fallback>
+  </mc:AlternateContent>
 </p:sld>
 </file>
 
@@ -32588,7 +33555,7 @@
             <a:pPr algn="l"/>
             <a:r>
               <a:rPr lang="en-US" dirty="0"/>
-              <a:t>🔬Study time: second try – How to broke an app!</a:t>
+              <a:t>🔬Study time: Third try</a:t>
             </a:r>
           </a:p>
         </p:txBody>
@@ -32627,11 +33594,28 @@
             </a:pPr>
             <a:r>
               <a:rPr lang="en-US" sz="2400" noProof="1"/>
-              <a:t>😱…</a:t>
-            </a:r>
-          </a:p>
-          <a:p>
-            <a:endParaRPr lang="en-US" sz="2400" noProof="1"/>
+              <a:t>👨‍💻For this tentative, the CSP created previously was used and the directive </a:t>
+            </a:r>
+            <a:r>
+              <a:rPr lang="en-US" sz="2400" b="1" noProof="1">
+                <a:solidFill>
+                  <a:schemeClr val="accent6"/>
+                </a:solidFill>
+              </a:rPr>
+              <a:t>script-src-attr</a:t>
+            </a:r>
+            <a:r>
+              <a:rPr lang="en-US" sz="2400" noProof="1"/>
+              <a:t> was leveraged: This directive </a:t>
+            </a:r>
+            <a:r>
+              <a:rPr lang="en-US" sz="2400" b="1" noProof="1"/>
+              <a:t>specifies valid sources for JavaScript inline event handlers</a:t>
+            </a:r>
+            <a:r>
+              <a:rPr lang="en-US" sz="2400" noProof="1"/>
+              <a:t>.</a:t>
+            </a:r>
           </a:p>
           <a:p>
             <a:pPr marL="285750" indent="-285750">
@@ -32645,7 +33629,10 @@
               <a:buFont typeface="Arial" panose="020B0604020202020204" pitchFamily="34" charset="0"/>
               <a:buChar char="•"/>
             </a:pPr>
-            <a:endParaRPr lang="en-US" sz="2400" noProof="1"/>
+            <a:r>
+              <a:rPr lang="en-US" sz="2400" noProof="1"/>
+              <a:t>🤔Idea was to tune the allowed behavior on scripts:</a:t>
+            </a:r>
           </a:p>
           <a:p>
             <a:pPr marL="285750" indent="-285750">
@@ -32662,47 +33649,31 @@
             <a:endParaRPr lang="en-US" sz="2400" noProof="1"/>
           </a:p>
           <a:p>
+            <a:pPr marL="285750" indent="-285750">
+              <a:buFont typeface="Arial" panose="020B0604020202020204" pitchFamily="34" charset="0"/>
+              <a:buChar char="•"/>
+            </a:pPr>
+            <a:endParaRPr lang="en-US" sz="2400" noProof="1"/>
+          </a:p>
+          <a:p>
+            <a:pPr marL="285750" indent="-285750">
+              <a:buFont typeface="Arial" panose="020B0604020202020204" pitchFamily="34" charset="0"/>
+              <a:buChar char="•"/>
+            </a:pPr>
+            <a:endParaRPr lang="en-US" sz="2400" noProof="1"/>
+          </a:p>
+          <a:p>
             <a:pPr lvl="1"/>
             <a:endParaRPr lang="en-US" sz="2400" noProof="1"/>
           </a:p>
         </p:txBody>
       </p:sp>
-      <p:pic>
-        <p:nvPicPr>
-          <p:cNvPr id="4" name="Picture 3">
-            <a:extLst>
-              <a:ext uri="{FF2B5EF4-FFF2-40B4-BE49-F238E27FC236}">
-                <a16:creationId xmlns:a16="http://schemas.microsoft.com/office/drawing/2014/main" id="{8D475D70-825A-B05A-DC13-364FE1A8293F}"/>
-              </a:ext>
-            </a:extLst>
-          </p:cNvPr>
-          <p:cNvPicPr>
-            <a:picLocks noChangeAspect="1"/>
-          </p:cNvPicPr>
-          <p:nvPr/>
-        </p:nvPicPr>
-        <p:blipFill>
-          <a:blip r:embed="rId2"/>
-          <a:stretch>
-            <a:fillRect/>
-          </a:stretch>
-        </p:blipFill>
-        <p:spPr>
-          <a:xfrm>
-            <a:off x="2531532" y="1686034"/>
-            <a:ext cx="7653867" cy="4244470"/>
-          </a:xfrm>
-          <a:prstGeom prst="rect">
-            <a:avLst/>
-          </a:prstGeom>
-        </p:spPr>
-      </p:pic>
       <p:sp>
         <p:nvSpPr>
-          <p:cNvPr id="5" name="TextBox 4">
-            <a:extLst>
-              <a:ext uri="{FF2B5EF4-FFF2-40B4-BE49-F238E27FC236}">
-                <a16:creationId xmlns:a16="http://schemas.microsoft.com/office/drawing/2014/main" id="{1911061E-EF32-E869-272C-AB41C3013340}"/>
+          <p:cNvPr id="3" name="TextBox 2">
+            <a:extLst>
+              <a:ext uri="{FF2B5EF4-FFF2-40B4-BE49-F238E27FC236}">
+                <a16:creationId xmlns:a16="http://schemas.microsoft.com/office/drawing/2014/main" id="{3D611CA9-9352-51D4-82FF-F26AC2F95406}"/>
               </a:ext>
             </a:extLst>
           </p:cNvPr>
@@ -32711,8 +33682,8 @@
         </p:nvSpPr>
         <p:spPr>
           <a:xfrm>
-            <a:off x="745067" y="6104467"/>
-            <a:ext cx="10363200" cy="369332"/>
+            <a:off x="62910" y="4181747"/>
+            <a:ext cx="11906545" cy="2554545"/>
           </a:xfrm>
           <a:prstGeom prst="rect">
             <a:avLst/>
@@ -32726,14 +33697,286 @@
           <a:lstStyle/>
           <a:p>
             <a:r>
-              <a:rPr lang="en-US" dirty="0">
-                <a:hlinkClick r:id="rId3"/>
+              <a:rPr lang="en-US" sz="2000" dirty="0">
+                <a:latin typeface="Consolas" panose="020B0609020204030204" pitchFamily="49" charset="0"/>
               </a:rPr>
-              <a:t>https://github.com/righettod/voxxeddays-lux-2024/blob/main/scratchpad.md#fix-missing-point-2</a:t>
-            </a:r>
-            <a:r>
-              <a:rPr lang="en-US" dirty="0"/>
+              <a:t>Content-Security-Policy: </a:t>
+            </a:r>
+          </a:p>
+          <a:p>
+            <a:r>
+              <a:rPr lang="en-US" sz="2000" dirty="0">
+                <a:solidFill>
+                  <a:schemeClr val="accent6"/>
+                </a:solidFill>
+                <a:latin typeface="Consolas" panose="020B0609020204030204" pitchFamily="49" charset="0"/>
+              </a:rPr>
+              <a:t>default-</a:t>
+            </a:r>
+            <a:r>
+              <a:rPr lang="en-US" sz="2000" dirty="0" err="1">
+                <a:solidFill>
+                  <a:schemeClr val="accent6"/>
+                </a:solidFill>
+                <a:latin typeface="Consolas" panose="020B0609020204030204" pitchFamily="49" charset="0"/>
+              </a:rPr>
+              <a:t>src</a:t>
+            </a:r>
+            <a:r>
+              <a:rPr lang="en-US" sz="2000" dirty="0">
+                <a:solidFill>
+                  <a:schemeClr val="accent6"/>
+                </a:solidFill>
+                <a:latin typeface="Consolas" panose="020B0609020204030204" pitchFamily="49" charset="0"/>
+              </a:rPr>
               <a:t> </a:t>
+            </a:r>
+            <a:r>
+              <a:rPr lang="en-US" sz="2000" dirty="0">
+                <a:solidFill>
+                  <a:srgbClr val="7030A0"/>
+                </a:solidFill>
+                <a:latin typeface="Consolas" panose="020B0609020204030204" pitchFamily="49" charset="0"/>
+              </a:rPr>
+              <a:t>'self'</a:t>
+            </a:r>
+            <a:r>
+              <a:rPr lang="en-US" sz="2000" dirty="0">
+                <a:latin typeface="Consolas" panose="020B0609020204030204" pitchFamily="49" charset="0"/>
+              </a:rPr>
+              <a:t>; </a:t>
+            </a:r>
+          </a:p>
+          <a:p>
+            <a:r>
+              <a:rPr lang="en-US" sz="2000" b="1" dirty="0">
+                <a:solidFill>
+                  <a:schemeClr val="accent6"/>
+                </a:solidFill>
+                <a:latin typeface="Consolas" panose="020B0609020204030204" pitchFamily="49" charset="0"/>
+              </a:rPr>
+              <a:t>script-</a:t>
+            </a:r>
+            <a:r>
+              <a:rPr lang="en-US" sz="2000" b="1" dirty="0" err="1">
+                <a:solidFill>
+                  <a:schemeClr val="accent6"/>
+                </a:solidFill>
+                <a:latin typeface="Consolas" panose="020B0609020204030204" pitchFamily="49" charset="0"/>
+              </a:rPr>
+              <a:t>src</a:t>
+            </a:r>
+            <a:r>
+              <a:rPr lang="en-US" sz="2000" b="1" dirty="0">
+                <a:solidFill>
+                  <a:schemeClr val="accent6"/>
+                </a:solidFill>
+                <a:latin typeface="Consolas" panose="020B0609020204030204" pitchFamily="49" charset="0"/>
+              </a:rPr>
+              <a:t> </a:t>
+            </a:r>
+            <a:r>
+              <a:rPr lang="en-US" sz="2000" b="1" dirty="0">
+                <a:solidFill>
+                  <a:srgbClr val="7030A0"/>
+                </a:solidFill>
+                <a:latin typeface="Consolas" panose="020B0609020204030204" pitchFamily="49" charset="0"/>
+              </a:rPr>
+              <a:t>'self'</a:t>
+            </a:r>
+            <a:r>
+              <a:rPr lang="en-US" sz="2000" b="1" dirty="0">
+                <a:solidFill>
+                  <a:schemeClr val="accent6"/>
+                </a:solidFill>
+                <a:latin typeface="Consolas" panose="020B0609020204030204" pitchFamily="49" charset="0"/>
+              </a:rPr>
+              <a:t>; script-</a:t>
+            </a:r>
+            <a:r>
+              <a:rPr lang="en-US" sz="2000" b="1" dirty="0" err="1">
+                <a:solidFill>
+                  <a:schemeClr val="accent6"/>
+                </a:solidFill>
+                <a:latin typeface="Consolas" panose="020B0609020204030204" pitchFamily="49" charset="0"/>
+              </a:rPr>
+              <a:t>src</a:t>
+            </a:r>
+            <a:r>
+              <a:rPr lang="en-US" sz="2000" b="1" dirty="0">
+                <a:solidFill>
+                  <a:schemeClr val="accent6"/>
+                </a:solidFill>
+                <a:latin typeface="Consolas" panose="020B0609020204030204" pitchFamily="49" charset="0"/>
+              </a:rPr>
+              <a:t>-</a:t>
+            </a:r>
+            <a:r>
+              <a:rPr lang="en-US" sz="2000" b="1" dirty="0" err="1">
+                <a:solidFill>
+                  <a:schemeClr val="accent6"/>
+                </a:solidFill>
+                <a:latin typeface="Consolas" panose="020B0609020204030204" pitchFamily="49" charset="0"/>
+              </a:rPr>
+              <a:t>attr</a:t>
+            </a:r>
+            <a:r>
+              <a:rPr lang="en-US" sz="2000" b="1" dirty="0">
+                <a:solidFill>
+                  <a:schemeClr val="accent6"/>
+                </a:solidFill>
+                <a:latin typeface="Consolas" panose="020B0609020204030204" pitchFamily="49" charset="0"/>
+              </a:rPr>
+              <a:t> </a:t>
+            </a:r>
+            <a:r>
+              <a:rPr lang="en-US" sz="2000" b="1" dirty="0">
+                <a:solidFill>
+                  <a:srgbClr val="7030A0"/>
+                </a:solidFill>
+                <a:latin typeface="Consolas" panose="020B0609020204030204" pitchFamily="49" charset="0"/>
+              </a:rPr>
+              <a:t>'unsafe-inline'</a:t>
+            </a:r>
+            <a:r>
+              <a:rPr lang="en-US" sz="2000" dirty="0">
+                <a:latin typeface="Consolas" panose="020B0609020204030204" pitchFamily="49" charset="0"/>
+              </a:rPr>
+              <a:t>;</a:t>
+            </a:r>
+          </a:p>
+          <a:p>
+            <a:r>
+              <a:rPr lang="en-US" sz="2000" dirty="0">
+                <a:solidFill>
+                  <a:schemeClr val="accent6"/>
+                </a:solidFill>
+                <a:latin typeface="Consolas" panose="020B0609020204030204" pitchFamily="49" charset="0"/>
+              </a:rPr>
+              <a:t>style-</a:t>
+            </a:r>
+            <a:r>
+              <a:rPr lang="en-US" sz="2000" dirty="0" err="1">
+                <a:solidFill>
+                  <a:schemeClr val="accent6"/>
+                </a:solidFill>
+                <a:latin typeface="Consolas" panose="020B0609020204030204" pitchFamily="49" charset="0"/>
+              </a:rPr>
+              <a:t>src</a:t>
+            </a:r>
+            <a:r>
+              <a:rPr lang="en-US" sz="2000" dirty="0">
+                <a:latin typeface="Consolas" panose="020B0609020204030204" pitchFamily="49" charset="0"/>
+              </a:rPr>
+              <a:t> </a:t>
+            </a:r>
+            <a:r>
+              <a:rPr lang="en-US" sz="2000" dirty="0">
+                <a:solidFill>
+                  <a:srgbClr val="7030A0"/>
+                </a:solidFill>
+                <a:latin typeface="Consolas" panose="020B0609020204030204" pitchFamily="49" charset="0"/>
+              </a:rPr>
+              <a:t>'self' 'unsafe-inline' https://fonts.googleapis.com https://fonts.gstatic.com</a:t>
+            </a:r>
+            <a:r>
+              <a:rPr lang="en-US" sz="2000" dirty="0">
+                <a:latin typeface="Consolas" panose="020B0609020204030204" pitchFamily="49" charset="0"/>
+              </a:rPr>
+              <a:t>; </a:t>
+            </a:r>
+          </a:p>
+          <a:p>
+            <a:r>
+              <a:rPr lang="en-US" sz="2000" dirty="0" err="1">
+                <a:solidFill>
+                  <a:schemeClr val="accent6"/>
+                </a:solidFill>
+                <a:latin typeface="Consolas" panose="020B0609020204030204" pitchFamily="49" charset="0"/>
+              </a:rPr>
+              <a:t>img-src</a:t>
+            </a:r>
+            <a:r>
+              <a:rPr lang="en-US" sz="2000" dirty="0">
+                <a:latin typeface="Consolas" panose="020B0609020204030204" pitchFamily="49" charset="0"/>
+              </a:rPr>
+              <a:t> </a:t>
+            </a:r>
+            <a:r>
+              <a:rPr lang="en-US" sz="2000" dirty="0">
+                <a:solidFill>
+                  <a:srgbClr val="7030A0"/>
+                </a:solidFill>
+                <a:latin typeface="Consolas" panose="020B0609020204030204" pitchFamily="49" charset="0"/>
+              </a:rPr>
+              <a:t>'self' data: blob:</a:t>
+            </a:r>
+            <a:r>
+              <a:rPr lang="en-US" sz="2000" dirty="0">
+                <a:latin typeface="Consolas" panose="020B0609020204030204" pitchFamily="49" charset="0"/>
+              </a:rPr>
+              <a:t>; </a:t>
+            </a:r>
+          </a:p>
+          <a:p>
+            <a:r>
+              <a:rPr lang="en-US" sz="2000" dirty="0">
+                <a:solidFill>
+                  <a:schemeClr val="accent6"/>
+                </a:solidFill>
+                <a:latin typeface="Consolas" panose="020B0609020204030204" pitchFamily="49" charset="0"/>
+              </a:rPr>
+              <a:t>font-</a:t>
+            </a:r>
+            <a:r>
+              <a:rPr lang="en-US" sz="2000" dirty="0" err="1">
+                <a:solidFill>
+                  <a:schemeClr val="accent6"/>
+                </a:solidFill>
+                <a:latin typeface="Consolas" panose="020B0609020204030204" pitchFamily="49" charset="0"/>
+              </a:rPr>
+              <a:t>src</a:t>
+            </a:r>
+            <a:r>
+              <a:rPr lang="en-US" sz="2000" dirty="0">
+                <a:latin typeface="Consolas" panose="020B0609020204030204" pitchFamily="49" charset="0"/>
+              </a:rPr>
+              <a:t> </a:t>
+            </a:r>
+            <a:r>
+              <a:rPr lang="en-US" sz="2000" dirty="0">
+                <a:solidFill>
+                  <a:srgbClr val="7030A0"/>
+                </a:solidFill>
+                <a:latin typeface="Consolas" panose="020B0609020204030204" pitchFamily="49" charset="0"/>
+              </a:rPr>
+              <a:t>'self' https://fonts.googleapis.com https://fonts.gstatic.com</a:t>
+            </a:r>
+            <a:r>
+              <a:rPr lang="en-US" sz="2000" dirty="0">
+                <a:latin typeface="Consolas" panose="020B0609020204030204" pitchFamily="49" charset="0"/>
+              </a:rPr>
+              <a:t>; </a:t>
+            </a:r>
+          </a:p>
+          <a:p>
+            <a:r>
+              <a:rPr lang="en-US" sz="2000" dirty="0">
+                <a:solidFill>
+                  <a:schemeClr val="accent6"/>
+                </a:solidFill>
+                <a:latin typeface="Consolas" panose="020B0609020204030204" pitchFamily="49" charset="0"/>
+              </a:rPr>
+              <a:t>form-action</a:t>
+            </a:r>
+            <a:r>
+              <a:rPr lang="en-US" sz="2000" dirty="0">
+                <a:solidFill>
+                  <a:srgbClr val="7030A0"/>
+                </a:solidFill>
+                <a:latin typeface="Consolas" panose="020B0609020204030204" pitchFamily="49" charset="0"/>
+              </a:rPr>
+              <a:t> 'self'</a:t>
             </a:r>
           </a:p>
         </p:txBody>
@@ -32741,13 +33984,761 @@
     </p:spTree>
     <p:extLst>
       <p:ext uri="{BB962C8B-B14F-4D97-AF65-F5344CB8AC3E}">
-        <p14:creationId xmlns:p14="http://schemas.microsoft.com/office/powerpoint/2010/main" val="4167655097"/>
+        <p14:creationId xmlns:p14="http://schemas.microsoft.com/office/powerpoint/2010/main" val="2624687999"/>
       </p:ext>
     </p:extLst>
   </p:cSld>
   <p:clrMapOvr>
     <a:masterClrMapping/>
   </p:clrMapOvr>
+  <mc:AlternateContent xmlns:mc="http://schemas.openxmlformats.org/markup-compatibility/2006" xmlns:p14="http://schemas.microsoft.com/office/powerpoint/2010/main">
+    <mc:Choice Requires="p14">
+      <p:transition spd="med" p14:dur="700">
+        <p:fade/>
+      </p:transition>
+    </mc:Choice>
+    <mc:Fallback xmlns="">
+      <p:transition spd="med">
+        <p:fade/>
+      </p:transition>
+    </mc:Fallback>
+  </mc:AlternateContent>
+</p:sld>
+</file>
+
+<file path=ppt/slides/slide38.xml><?xml version="1.0" encoding="utf-8"?>
+<p:sld xmlns:a="http://schemas.openxmlformats.org/drawingml/2006/main" xmlns:r="http://schemas.openxmlformats.org/officeDocument/2006/relationships" xmlns:p="http://schemas.openxmlformats.org/presentationml/2006/main">
+  <p:cSld>
+    <p:spTree>
+      <p:nvGrpSpPr>
+        <p:cNvPr id="1" name=""/>
+        <p:cNvGrpSpPr/>
+        <p:nvPr/>
+      </p:nvGrpSpPr>
+      <p:grpSpPr>
+        <a:xfrm>
+          <a:off x="0" y="0"/>
+          <a:ext cx="0" cy="0"/>
+          <a:chOff x="0" y="0"/>
+          <a:chExt cx="0" cy="0"/>
+        </a:xfrm>
+      </p:grpSpPr>
+      <p:sp>
+        <p:nvSpPr>
+          <p:cNvPr id="2" name="Title 1">
+            <a:extLst>
+              <a:ext uri="{FF2B5EF4-FFF2-40B4-BE49-F238E27FC236}">
+                <a16:creationId xmlns:a16="http://schemas.microsoft.com/office/drawing/2014/main" id="{5CE54ABB-4929-4810-950B-2DAEA0A5BAB4}"/>
+              </a:ext>
+            </a:extLst>
+          </p:cNvPr>
+          <p:cNvSpPr>
+            <a:spLocks noGrp="1"/>
+          </p:cNvSpPr>
+          <p:nvPr>
+            <p:ph type="title"/>
+          </p:nvPr>
+        </p:nvSpPr>
+        <p:spPr>
+          <a:xfrm>
+            <a:off x="0" y="927496"/>
+            <a:ext cx="12192000" cy="562637"/>
+          </a:xfrm>
+        </p:spPr>
+        <p:txBody>
+          <a:bodyPr>
+            <a:normAutofit/>
+          </a:bodyPr>
+          <a:lstStyle/>
+          <a:p>
+            <a:pPr algn="l"/>
+            <a:r>
+              <a:rPr lang="en-US" dirty="0"/>
+              <a:t>🔬Study time: Third try</a:t>
+            </a:r>
+          </a:p>
+        </p:txBody>
+      </p:sp>
+      <p:sp>
+        <p:nvSpPr>
+          <p:cNvPr id="7" name="Content Placeholder 6">
+            <a:extLst>
+              <a:ext uri="{FF2B5EF4-FFF2-40B4-BE49-F238E27FC236}">
+                <a16:creationId xmlns:a16="http://schemas.microsoft.com/office/drawing/2014/main" id="{6B35F89A-6CDF-41F7-BD87-18B45BD7330B}"/>
+              </a:ext>
+            </a:extLst>
+          </p:cNvPr>
+          <p:cNvSpPr>
+            <a:spLocks noGrp="1"/>
+          </p:cNvSpPr>
+          <p:nvPr>
+            <p:ph sz="half" idx="2"/>
+          </p:nvPr>
+        </p:nvSpPr>
+        <p:spPr>
+          <a:xfrm>
+            <a:off x="62910" y="1679575"/>
+            <a:ext cx="12129090" cy="5178425"/>
+          </a:xfrm>
+        </p:spPr>
+        <p:txBody>
+          <a:bodyPr vert="horz" lIns="91440" tIns="45720" rIns="91440" bIns="45720" rtlCol="0" anchor="t">
+            <a:normAutofit/>
+          </a:bodyPr>
+          <a:lstStyle/>
+          <a:p>
+            <a:pPr marL="285750" indent="-285750">
+              <a:buFont typeface="Arial" panose="020B0604020202020204" pitchFamily="34" charset="0"/>
+              <a:buChar char="•"/>
+            </a:pPr>
+            <a:r>
+              <a:rPr lang="en-US" sz="2400" noProof="1"/>
+              <a:t>😨Payloads used by the auditor were still successfully executed!</a:t>
+            </a:r>
+          </a:p>
+          <a:p>
+            <a:pPr marL="285750" indent="-285750">
+              <a:buFont typeface="Arial" panose="020B0604020202020204" pitchFamily="34" charset="0"/>
+              <a:buChar char="•"/>
+            </a:pPr>
+            <a:endParaRPr lang="en-US" sz="2400" noProof="1"/>
+          </a:p>
+          <a:p>
+            <a:endParaRPr lang="en-US" sz="2400" noProof="1"/>
+          </a:p>
+          <a:p>
+            <a:pPr marL="285750" indent="-285750">
+              <a:buFont typeface="Arial" panose="020B0604020202020204" pitchFamily="34" charset="0"/>
+              <a:buChar char="•"/>
+            </a:pPr>
+            <a:endParaRPr lang="en-US" sz="2400" noProof="1"/>
+          </a:p>
+          <a:p>
+            <a:pPr marL="285750" indent="-285750">
+              <a:buFont typeface="Arial" panose="020B0604020202020204" pitchFamily="34" charset="0"/>
+              <a:buChar char="•"/>
+            </a:pPr>
+            <a:endParaRPr lang="en-US" sz="2400" noProof="1"/>
+          </a:p>
+          <a:p>
+            <a:pPr marL="285750" indent="-285750">
+              <a:buFont typeface="Arial" panose="020B0604020202020204" pitchFamily="34" charset="0"/>
+              <a:buChar char="•"/>
+            </a:pPr>
+            <a:endParaRPr lang="en-US" sz="2400" noProof="1"/>
+          </a:p>
+          <a:p>
+            <a:pPr lvl="1"/>
+            <a:endParaRPr lang="en-US" sz="2400" noProof="1"/>
+          </a:p>
+        </p:txBody>
+      </p:sp>
+      <p:pic>
+        <p:nvPicPr>
+          <p:cNvPr id="5" name="Picture 4" descr="A screenshot of a computer&#10;&#10;Description automatically generated">
+            <a:extLst>
+              <a:ext uri="{FF2B5EF4-FFF2-40B4-BE49-F238E27FC236}">
+                <a16:creationId xmlns:a16="http://schemas.microsoft.com/office/drawing/2014/main" id="{013694FA-BAB9-4EF9-CC4F-5F08C5664A6D}"/>
+              </a:ext>
+            </a:extLst>
+          </p:cNvPr>
+          <p:cNvPicPr>
+            <a:picLocks noChangeAspect="1"/>
+          </p:cNvPicPr>
+          <p:nvPr/>
+        </p:nvPicPr>
+        <p:blipFill rotWithShape="1">
+          <a:blip r:embed="rId2"/>
+          <a:srcRect r="4198" b="4376"/>
+          <a:stretch/>
+        </p:blipFill>
+        <p:spPr>
+          <a:xfrm>
+            <a:off x="2575932" y="2159001"/>
+            <a:ext cx="7908944" cy="4553376"/>
+          </a:xfrm>
+          <a:prstGeom prst="rect">
+            <a:avLst/>
+          </a:prstGeom>
+          <a:effectLst>
+            <a:outerShdw blurRad="50800" dist="38100" algn="l" rotWithShape="0">
+              <a:prstClr val="black">
+                <a:alpha val="40000"/>
+              </a:prstClr>
+            </a:outerShdw>
+          </a:effectLst>
+        </p:spPr>
+      </p:pic>
+    </p:spTree>
+    <p:extLst>
+      <p:ext uri="{BB962C8B-B14F-4D97-AF65-F5344CB8AC3E}">
+        <p14:creationId xmlns:p14="http://schemas.microsoft.com/office/powerpoint/2010/main" val="2579338337"/>
+      </p:ext>
+    </p:extLst>
+  </p:cSld>
+  <p:clrMapOvr>
+    <a:masterClrMapping/>
+  </p:clrMapOvr>
+  <mc:AlternateContent xmlns:mc="http://schemas.openxmlformats.org/markup-compatibility/2006" xmlns:p14="http://schemas.microsoft.com/office/powerpoint/2010/main">
+    <mc:Choice Requires="p14">
+      <p:transition spd="med" p14:dur="700">
+        <p:fade/>
+      </p:transition>
+    </mc:Choice>
+    <mc:Fallback xmlns="">
+      <p:transition spd="med">
+        <p:fade/>
+      </p:transition>
+    </mc:Fallback>
+  </mc:AlternateContent>
+</p:sld>
+</file>
+
+<file path=ppt/slides/slide39.xml><?xml version="1.0" encoding="utf-8"?>
+<p:sld xmlns:a="http://schemas.openxmlformats.org/drawingml/2006/main" xmlns:r="http://schemas.openxmlformats.org/officeDocument/2006/relationships" xmlns:p="http://schemas.openxmlformats.org/presentationml/2006/main">
+  <p:cSld>
+    <p:spTree>
+      <p:nvGrpSpPr>
+        <p:cNvPr id="1" name=""/>
+        <p:cNvGrpSpPr/>
+        <p:nvPr/>
+      </p:nvGrpSpPr>
+      <p:grpSpPr>
+        <a:xfrm>
+          <a:off x="0" y="0"/>
+          <a:ext cx="0" cy="0"/>
+          <a:chOff x="0" y="0"/>
+          <a:chExt cx="0" cy="0"/>
+        </a:xfrm>
+      </p:grpSpPr>
+      <p:sp>
+        <p:nvSpPr>
+          <p:cNvPr id="2" name="Title 1">
+            <a:extLst>
+              <a:ext uri="{FF2B5EF4-FFF2-40B4-BE49-F238E27FC236}">
+                <a16:creationId xmlns:a16="http://schemas.microsoft.com/office/drawing/2014/main" id="{5CE54ABB-4929-4810-950B-2DAEA0A5BAB4}"/>
+              </a:ext>
+            </a:extLst>
+          </p:cNvPr>
+          <p:cNvSpPr>
+            <a:spLocks noGrp="1"/>
+          </p:cNvSpPr>
+          <p:nvPr>
+            <p:ph type="title"/>
+          </p:nvPr>
+        </p:nvSpPr>
+        <p:spPr>
+          <a:xfrm>
+            <a:off x="0" y="927496"/>
+            <a:ext cx="12192000" cy="562637"/>
+          </a:xfrm>
+        </p:spPr>
+        <p:txBody>
+          <a:bodyPr>
+            <a:normAutofit/>
+          </a:bodyPr>
+          <a:lstStyle/>
+          <a:p>
+            <a:pPr algn="l"/>
+            <a:r>
+              <a:rPr lang="en-US" dirty="0"/>
+              <a:t>🔬Study time: Third try</a:t>
+            </a:r>
+          </a:p>
+        </p:txBody>
+      </p:sp>
+      <p:sp>
+        <p:nvSpPr>
+          <p:cNvPr id="7" name="Content Placeholder 6">
+            <a:extLst>
+              <a:ext uri="{FF2B5EF4-FFF2-40B4-BE49-F238E27FC236}">
+                <a16:creationId xmlns:a16="http://schemas.microsoft.com/office/drawing/2014/main" id="{6B35F89A-6CDF-41F7-BD87-18B45BD7330B}"/>
+              </a:ext>
+            </a:extLst>
+          </p:cNvPr>
+          <p:cNvSpPr>
+            <a:spLocks noGrp="1"/>
+          </p:cNvSpPr>
+          <p:nvPr>
+            <p:ph sz="half" idx="2"/>
+          </p:nvPr>
+        </p:nvSpPr>
+        <p:spPr>
+          <a:xfrm>
+            <a:off x="62910" y="1679575"/>
+            <a:ext cx="12129090" cy="5178425"/>
+          </a:xfrm>
+        </p:spPr>
+        <p:txBody>
+          <a:bodyPr vert="horz" lIns="91440" tIns="45720" rIns="91440" bIns="45720" rtlCol="0" anchor="t">
+            <a:normAutofit/>
+          </a:bodyPr>
+          <a:lstStyle/>
+          <a:p>
+            <a:pPr marL="285750" indent="-285750">
+              <a:buFont typeface="Arial" panose="020B0604020202020204" pitchFamily="34" charset="0"/>
+              <a:buChar char="•"/>
+            </a:pPr>
+            <a:r>
+              <a:rPr lang="en-US" sz="2400" noProof="1"/>
+              <a:t>🤯It was normal because the auditor was using a payload that was like the code of the app that you must keep functional: </a:t>
+            </a:r>
+            <a:r>
+              <a:rPr lang="en-US" sz="2400" b="1" noProof="1"/>
+              <a:t>An event handler was used to execute the malicious code</a:t>
+            </a:r>
+            <a:r>
+              <a:rPr lang="en-US" sz="2400" noProof="1"/>
+              <a:t> and not a direct &lt;script&gt;&lt;/script&gt; tag.</a:t>
+            </a:r>
+          </a:p>
+          <a:p>
+            <a:pPr marL="285750" indent="-285750">
+              <a:buFont typeface="Arial" panose="020B0604020202020204" pitchFamily="34" charset="0"/>
+              <a:buChar char="•"/>
+            </a:pPr>
+            <a:endParaRPr lang="en-US" sz="2400" noProof="1"/>
+          </a:p>
+          <a:p>
+            <a:endParaRPr lang="en-US" sz="2400" noProof="1"/>
+          </a:p>
+          <a:p>
+            <a:pPr marL="285750" indent="-285750">
+              <a:buFont typeface="Arial" panose="020B0604020202020204" pitchFamily="34" charset="0"/>
+              <a:buChar char="•"/>
+            </a:pPr>
+            <a:endParaRPr lang="en-US" sz="2400" noProof="1"/>
+          </a:p>
+          <a:p>
+            <a:pPr marL="285750" indent="-285750">
+              <a:buFont typeface="Arial" panose="020B0604020202020204" pitchFamily="34" charset="0"/>
+              <a:buChar char="•"/>
+            </a:pPr>
+            <a:endParaRPr lang="en-US" sz="2400" noProof="1"/>
+          </a:p>
+          <a:p>
+            <a:pPr marL="285750" indent="-285750">
+              <a:buFont typeface="Arial" panose="020B0604020202020204" pitchFamily="34" charset="0"/>
+              <a:buChar char="•"/>
+            </a:pPr>
+            <a:endParaRPr lang="en-US" sz="2400" noProof="1"/>
+          </a:p>
+          <a:p>
+            <a:pPr lvl="1"/>
+            <a:endParaRPr lang="en-US" sz="2400" noProof="1"/>
+          </a:p>
+        </p:txBody>
+      </p:sp>
+      <p:pic>
+        <p:nvPicPr>
+          <p:cNvPr id="10" name="Picture 9">
+            <a:extLst>
+              <a:ext uri="{FF2B5EF4-FFF2-40B4-BE49-F238E27FC236}">
+                <a16:creationId xmlns:a16="http://schemas.microsoft.com/office/drawing/2014/main" id="{409B41AC-B3EF-AAD0-484A-D04366B57A09}"/>
+              </a:ext>
+            </a:extLst>
+          </p:cNvPr>
+          <p:cNvPicPr>
+            <a:picLocks noChangeAspect="1"/>
+          </p:cNvPicPr>
+          <p:nvPr/>
+        </p:nvPicPr>
+        <p:blipFill rotWithShape="1">
+          <a:blip r:embed="rId2"/>
+          <a:srcRect l="74651" t="7447"/>
+          <a:stretch/>
+        </p:blipFill>
+        <p:spPr>
+          <a:xfrm>
+            <a:off x="392008" y="4327476"/>
+            <a:ext cx="2549103" cy="1398613"/>
+          </a:xfrm>
+          <a:prstGeom prst="rect">
+            <a:avLst/>
+          </a:prstGeom>
+          <a:effectLst>
+            <a:outerShdw blurRad="50800" dist="38100" algn="l" rotWithShape="0">
+              <a:prstClr val="black">
+                <a:alpha val="40000"/>
+              </a:prstClr>
+            </a:outerShdw>
+          </a:effectLst>
+        </p:spPr>
+      </p:pic>
+      <p:pic>
+        <p:nvPicPr>
+          <p:cNvPr id="12" name="Picture 11">
+            <a:extLst>
+              <a:ext uri="{FF2B5EF4-FFF2-40B4-BE49-F238E27FC236}">
+                <a16:creationId xmlns:a16="http://schemas.microsoft.com/office/drawing/2014/main" id="{83D9353F-EFD8-FFEF-52E8-8FD9C002ED26}"/>
+              </a:ext>
+            </a:extLst>
+          </p:cNvPr>
+          <p:cNvPicPr>
+            <a:picLocks noChangeAspect="1"/>
+          </p:cNvPicPr>
+          <p:nvPr/>
+        </p:nvPicPr>
+        <p:blipFill>
+          <a:blip r:embed="rId3"/>
+          <a:stretch>
+            <a:fillRect/>
+          </a:stretch>
+        </p:blipFill>
+        <p:spPr>
+          <a:xfrm>
+            <a:off x="392008" y="2979473"/>
+            <a:ext cx="7211431" cy="1124107"/>
+          </a:xfrm>
+          <a:prstGeom prst="rect">
+            <a:avLst/>
+          </a:prstGeom>
+          <a:effectLst>
+            <a:outerShdw blurRad="50800" dist="38100" algn="l" rotWithShape="0">
+              <a:prstClr val="black">
+                <a:alpha val="40000"/>
+              </a:prstClr>
+            </a:outerShdw>
+          </a:effectLst>
+        </p:spPr>
+      </p:pic>
+      <p:sp>
+        <p:nvSpPr>
+          <p:cNvPr id="13" name="Rectangle 12">
+            <a:extLst>
+              <a:ext uri="{FF2B5EF4-FFF2-40B4-BE49-F238E27FC236}">
+                <a16:creationId xmlns:a16="http://schemas.microsoft.com/office/drawing/2014/main" id="{60FA153B-B318-8EA4-A1D7-A963FD816B64}"/>
+              </a:ext>
+            </a:extLst>
+          </p:cNvPr>
+          <p:cNvSpPr/>
+          <p:nvPr/>
+        </p:nvSpPr>
+        <p:spPr>
+          <a:xfrm>
+            <a:off x="1024467" y="3355260"/>
+            <a:ext cx="6383866" cy="235109"/>
+          </a:xfrm>
+          <a:prstGeom prst="rect">
+            <a:avLst/>
+          </a:prstGeom>
+          <a:noFill/>
+          <a:ln w="25400">
+            <a:solidFill>
+              <a:schemeClr val="accent4"/>
+            </a:solidFill>
+          </a:ln>
+        </p:spPr>
+        <p:style>
+          <a:lnRef idx="2">
+            <a:schemeClr val="accent1">
+              <a:shade val="15000"/>
+            </a:schemeClr>
+          </a:lnRef>
+          <a:fillRef idx="1">
+            <a:schemeClr val="accent1"/>
+          </a:fillRef>
+          <a:effectRef idx="0">
+            <a:schemeClr val="accent1"/>
+          </a:effectRef>
+          <a:fontRef idx="minor">
+            <a:schemeClr val="lt1"/>
+          </a:fontRef>
+        </p:style>
+        <p:txBody>
+          <a:bodyPr rtlCol="0" anchor="ctr"/>
+          <a:lstStyle/>
+          <a:p>
+            <a:pPr algn="ctr"/>
+            <a:endParaRPr lang="en-US"/>
+          </a:p>
+        </p:txBody>
+      </p:sp>
+      <p:sp>
+        <p:nvSpPr>
+          <p:cNvPr id="14" name="Rectangle 13">
+            <a:extLst>
+              <a:ext uri="{FF2B5EF4-FFF2-40B4-BE49-F238E27FC236}">
+                <a16:creationId xmlns:a16="http://schemas.microsoft.com/office/drawing/2014/main" id="{1F2A053E-47A3-EA50-FD3C-90967BB272A9}"/>
+              </a:ext>
+            </a:extLst>
+          </p:cNvPr>
+          <p:cNvSpPr/>
+          <p:nvPr/>
+        </p:nvSpPr>
+        <p:spPr>
+          <a:xfrm>
+            <a:off x="392008" y="5453894"/>
+            <a:ext cx="2549102" cy="235109"/>
+          </a:xfrm>
+          <a:prstGeom prst="rect">
+            <a:avLst/>
+          </a:prstGeom>
+          <a:noFill/>
+          <a:ln w="25400">
+            <a:solidFill>
+              <a:schemeClr val="accent4"/>
+            </a:solidFill>
+          </a:ln>
+        </p:spPr>
+        <p:style>
+          <a:lnRef idx="2">
+            <a:schemeClr val="accent1">
+              <a:shade val="15000"/>
+            </a:schemeClr>
+          </a:lnRef>
+          <a:fillRef idx="1">
+            <a:schemeClr val="accent1"/>
+          </a:fillRef>
+          <a:effectRef idx="0">
+            <a:schemeClr val="accent1"/>
+          </a:effectRef>
+          <a:fontRef idx="minor">
+            <a:schemeClr val="lt1"/>
+          </a:fontRef>
+        </p:style>
+        <p:txBody>
+          <a:bodyPr rtlCol="0" anchor="ctr"/>
+          <a:lstStyle/>
+          <a:p>
+            <a:pPr algn="ctr"/>
+            <a:endParaRPr lang="en-US"/>
+          </a:p>
+        </p:txBody>
+      </p:sp>
+      <p:pic>
+        <p:nvPicPr>
+          <p:cNvPr id="16" name="Picture 15">
+            <a:extLst>
+              <a:ext uri="{FF2B5EF4-FFF2-40B4-BE49-F238E27FC236}">
+                <a16:creationId xmlns:a16="http://schemas.microsoft.com/office/drawing/2014/main" id="{4A2368E1-B3D7-8544-2636-BC466EDC8FF1}"/>
+              </a:ext>
+            </a:extLst>
+          </p:cNvPr>
+          <p:cNvPicPr>
+            <a:picLocks noChangeAspect="1"/>
+          </p:cNvPicPr>
+          <p:nvPr/>
+        </p:nvPicPr>
+        <p:blipFill>
+          <a:blip r:embed="rId4"/>
+          <a:stretch>
+            <a:fillRect/>
+          </a:stretch>
+        </p:blipFill>
+        <p:spPr>
+          <a:xfrm>
+            <a:off x="392008" y="5906032"/>
+            <a:ext cx="7388859" cy="714560"/>
+          </a:xfrm>
+          <a:prstGeom prst="rect">
+            <a:avLst/>
+          </a:prstGeom>
+          <a:effectLst>
+            <a:outerShdw blurRad="50800" dist="38100" algn="l" rotWithShape="0">
+              <a:prstClr val="black">
+                <a:alpha val="40000"/>
+              </a:prstClr>
+            </a:outerShdw>
+          </a:effectLst>
+        </p:spPr>
+      </p:pic>
+      <p:sp>
+        <p:nvSpPr>
+          <p:cNvPr id="17" name="Rectangle 16">
+            <a:extLst>
+              <a:ext uri="{FF2B5EF4-FFF2-40B4-BE49-F238E27FC236}">
+                <a16:creationId xmlns:a16="http://schemas.microsoft.com/office/drawing/2014/main" id="{A00BE5C7-70E6-4093-CC5D-4DA48AAA2331}"/>
+              </a:ext>
+            </a:extLst>
+          </p:cNvPr>
+          <p:cNvSpPr/>
+          <p:nvPr/>
+        </p:nvSpPr>
+        <p:spPr>
+          <a:xfrm>
+            <a:off x="1879601" y="5945812"/>
+            <a:ext cx="5816599" cy="635000"/>
+          </a:xfrm>
+          <a:prstGeom prst="rect">
+            <a:avLst/>
+          </a:prstGeom>
+          <a:noFill/>
+          <a:ln w="25400">
+            <a:solidFill>
+              <a:schemeClr val="accent4"/>
+            </a:solidFill>
+          </a:ln>
+        </p:spPr>
+        <p:style>
+          <a:lnRef idx="2">
+            <a:schemeClr val="accent1">
+              <a:shade val="15000"/>
+            </a:schemeClr>
+          </a:lnRef>
+          <a:fillRef idx="1">
+            <a:schemeClr val="accent1"/>
+          </a:fillRef>
+          <a:effectRef idx="0">
+            <a:schemeClr val="accent1"/>
+          </a:effectRef>
+          <a:fontRef idx="minor">
+            <a:schemeClr val="lt1"/>
+          </a:fontRef>
+        </p:style>
+        <p:txBody>
+          <a:bodyPr rtlCol="0" anchor="ctr"/>
+          <a:lstStyle/>
+          <a:p>
+            <a:pPr algn="ctr"/>
+            <a:endParaRPr lang="en-US"/>
+          </a:p>
+        </p:txBody>
+      </p:sp>
+      <p:sp>
+        <p:nvSpPr>
+          <p:cNvPr id="18" name="Rectangle: Diagonal Corners Rounded 17">
+            <a:extLst>
+              <a:ext uri="{FF2B5EF4-FFF2-40B4-BE49-F238E27FC236}">
+                <a16:creationId xmlns:a16="http://schemas.microsoft.com/office/drawing/2014/main" id="{1FDF05D9-FC55-2208-309E-D42FB497D8A8}"/>
+              </a:ext>
+            </a:extLst>
+          </p:cNvPr>
+          <p:cNvSpPr/>
+          <p:nvPr/>
+        </p:nvSpPr>
+        <p:spPr>
+          <a:xfrm>
+            <a:off x="8235898" y="3429000"/>
+            <a:ext cx="3716867" cy="2600060"/>
+          </a:xfrm>
+          <a:prstGeom prst="round2DiagRect">
+            <a:avLst/>
+          </a:prstGeom>
+        </p:spPr>
+        <p:style>
+          <a:lnRef idx="2">
+            <a:schemeClr val="accent1">
+              <a:shade val="15000"/>
+            </a:schemeClr>
+          </a:lnRef>
+          <a:fillRef idx="1">
+            <a:schemeClr val="accent1"/>
+          </a:fillRef>
+          <a:effectRef idx="0">
+            <a:schemeClr val="accent1"/>
+          </a:effectRef>
+          <a:fontRef idx="minor">
+            <a:schemeClr val="lt1"/>
+          </a:fontRef>
+        </p:style>
+        <p:txBody>
+          <a:bodyPr rtlCol="0" anchor="ctr"/>
+          <a:lstStyle/>
+          <a:p>
+            <a:pPr algn="ctr"/>
+            <a:r>
+              <a:rPr lang="en-US" sz="1800" noProof="1">
+                <a:solidFill>
+                  <a:schemeClr val="tx1"/>
+                </a:solidFill>
+              </a:rPr>
+              <a:t>😔From a CSP perspective: </a:t>
+            </a:r>
+          </a:p>
+          <a:p>
+            <a:pPr marL="285750" indent="-285750">
+              <a:buFont typeface="Arial" panose="020B0604020202020204" pitchFamily="34" charset="0"/>
+              <a:buChar char="•"/>
+            </a:pPr>
+            <a:endParaRPr lang="en-US" noProof="1">
+              <a:solidFill>
+                <a:schemeClr val="tx1"/>
+              </a:solidFill>
+            </a:endParaRPr>
+          </a:p>
+          <a:p>
+            <a:pPr marL="285750" indent="-285750">
+              <a:buFont typeface="Arial" panose="020B0604020202020204" pitchFamily="34" charset="0"/>
+              <a:buChar char="•"/>
+            </a:pPr>
+            <a:r>
+              <a:rPr lang="en-US" sz="1800" noProof="1">
+                <a:solidFill>
+                  <a:schemeClr val="tx1"/>
+                </a:solidFill>
+              </a:rPr>
+              <a:t>Maximum that can be performed with the constraints in place was reached.</a:t>
+            </a:r>
+          </a:p>
+          <a:p>
+            <a:pPr marL="285750" indent="-285750">
+              <a:buFont typeface="Arial" panose="020B0604020202020204" pitchFamily="34" charset="0"/>
+              <a:buChar char="•"/>
+            </a:pPr>
+            <a:r>
+              <a:rPr lang="en-US" sz="1800" noProof="1">
+                <a:solidFill>
+                  <a:schemeClr val="tx1"/>
+                </a:solidFill>
+              </a:rPr>
+              <a:t>Exploition of the XSS was constrained to action inside the app!</a:t>
+            </a:r>
+          </a:p>
+        </p:txBody>
+      </p:sp>
+      <p:pic>
+        <p:nvPicPr>
+          <p:cNvPr id="19" name="Picture 18" descr="Cartoon of a person holding a pointer&#10;&#10;Description automatically generated">
+            <a:extLst>
+              <a:ext uri="{FF2B5EF4-FFF2-40B4-BE49-F238E27FC236}">
+                <a16:creationId xmlns:a16="http://schemas.microsoft.com/office/drawing/2014/main" id="{B2B2E8FF-A1ED-A41C-590E-E89DC456C99D}"/>
+              </a:ext>
+            </a:extLst>
+          </p:cNvPr>
+          <p:cNvPicPr>
+            <a:picLocks noChangeAspect="1"/>
+          </p:cNvPicPr>
+          <p:nvPr/>
+        </p:nvPicPr>
+        <p:blipFill>
+          <a:blip r:embed="rId5"/>
+          <a:stretch>
+            <a:fillRect/>
+          </a:stretch>
+        </p:blipFill>
+        <p:spPr>
+          <a:xfrm>
+            <a:off x="11492478" y="53328"/>
+            <a:ext cx="583399" cy="684726"/>
+          </a:xfrm>
+          <a:prstGeom prst="rect">
+            <a:avLst/>
+          </a:prstGeom>
+        </p:spPr>
+      </p:pic>
+    </p:spTree>
+    <p:extLst>
+      <p:ext uri="{BB962C8B-B14F-4D97-AF65-F5344CB8AC3E}">
+        <p14:creationId xmlns:p14="http://schemas.microsoft.com/office/powerpoint/2010/main" val="740312601"/>
+      </p:ext>
+    </p:extLst>
+  </p:cSld>
+  <p:clrMapOvr>
+    <a:masterClrMapping/>
+  </p:clrMapOvr>
+  <mc:AlternateContent xmlns:mc="http://schemas.openxmlformats.org/markup-compatibility/2006" xmlns:p14="http://schemas.microsoft.com/office/powerpoint/2010/main">
+    <mc:Choice Requires="p14">
+      <p:transition spd="med" p14:dur="700">
+        <p:fade/>
+      </p:transition>
+    </mc:Choice>
+    <mc:Fallback xmlns="">
+      <p:transition spd="med">
+        <p:fade/>
+      </p:transition>
+    </mc:Fallback>
+  </mc:AlternateContent>
 </p:sld>
 </file>
 
@@ -32836,7 +34827,7 @@
             </a:pPr>
             <a:r>
               <a:rPr lang="en-US" sz="2400" noProof="1"/>
-              <a:t>An important release of the online sales portal is plan for release next Tuesday around 06:00 A.M.</a:t>
+              <a:t>📅An important release of the online sales portal is plan for release next Tuesday around 06:00 A.M.</a:t>
             </a:r>
           </a:p>
           <a:p>
@@ -32853,7 +34844,7 @@
             </a:pPr>
             <a:r>
               <a:rPr lang="en-US" sz="2400" noProof="1"/>
-              <a:t>A security audit was performed on this release, until Wednesday, and the final report was expected for yesteday evening.</a:t>
+              <a:t>👓A security audit was performed on this release, until Wednesday, and the final report was expected for yesteday evening.</a:t>
             </a:r>
           </a:p>
           <a:p>
@@ -32870,7 +34861,7 @@
             </a:pPr>
             <a:r>
               <a:rPr lang="en-US" sz="2400" noProof="1"/>
-              <a:t>Daily team meeting (09:00 A.M.): You are informed that a security vulnerability was found. This one allow to inject persistent Javascript code to hijack the user’s session (its is also called </a:t>
+              <a:t>📢Daily team meeting (09:00 A.M.): You are informed that a security vulnerability was found. This one allow to inject persistent Javascript code to hijack the user’s session (its is also called </a:t>
             </a:r>
             <a:r>
               <a:rPr lang="en-US" sz="2400" noProof="1">
@@ -32905,6 +34896,2159 @@
   <p:clrMapOvr>
     <a:masterClrMapping/>
   </p:clrMapOvr>
+  <mc:AlternateContent xmlns:mc="http://schemas.openxmlformats.org/markup-compatibility/2006" xmlns:p14="http://schemas.microsoft.com/office/powerpoint/2010/main">
+    <mc:Choice Requires="p14">
+      <p:transition spd="med" p14:dur="700">
+        <p:fade/>
+      </p:transition>
+    </mc:Choice>
+    <mc:Fallback xmlns="">
+      <p:transition spd="med">
+        <p:fade/>
+      </p:transition>
+    </mc:Fallback>
+  </mc:AlternateContent>
+</p:sld>
+</file>
+
+<file path=ppt/slides/slide40.xml><?xml version="1.0" encoding="utf-8"?>
+<p:sld xmlns:a="http://schemas.openxmlformats.org/drawingml/2006/main" xmlns:r="http://schemas.openxmlformats.org/officeDocument/2006/relationships" xmlns:p="http://schemas.openxmlformats.org/presentationml/2006/main">
+  <p:cSld>
+    <p:spTree>
+      <p:nvGrpSpPr>
+        <p:cNvPr id="1" name=""/>
+        <p:cNvGrpSpPr/>
+        <p:nvPr/>
+      </p:nvGrpSpPr>
+      <p:grpSpPr>
+        <a:xfrm>
+          <a:off x="0" y="0"/>
+          <a:ext cx="0" cy="0"/>
+          <a:chOff x="0" y="0"/>
+          <a:chExt cx="0" cy="0"/>
+        </a:xfrm>
+      </p:grpSpPr>
+      <p:sp>
+        <p:nvSpPr>
+          <p:cNvPr id="2" name="Title 1">
+            <a:extLst>
+              <a:ext uri="{FF2B5EF4-FFF2-40B4-BE49-F238E27FC236}">
+                <a16:creationId xmlns:a16="http://schemas.microsoft.com/office/drawing/2014/main" id="{5CE54ABB-4929-4810-950B-2DAEA0A5BAB4}"/>
+              </a:ext>
+            </a:extLst>
+          </p:cNvPr>
+          <p:cNvSpPr>
+            <a:spLocks noGrp="1"/>
+          </p:cNvSpPr>
+          <p:nvPr>
+            <p:ph type="title"/>
+          </p:nvPr>
+        </p:nvSpPr>
+        <p:spPr>
+          <a:xfrm>
+            <a:off x="0" y="927496"/>
+            <a:ext cx="12192000" cy="562637"/>
+          </a:xfrm>
+        </p:spPr>
+        <p:txBody>
+          <a:bodyPr>
+            <a:normAutofit/>
+          </a:bodyPr>
+          <a:lstStyle/>
+          <a:p>
+            <a:pPr algn="l"/>
+            <a:r>
+              <a:rPr lang="en-US" dirty="0"/>
+              <a:t>🔬Study time: Wait a second!</a:t>
+            </a:r>
+          </a:p>
+        </p:txBody>
+      </p:sp>
+      <p:sp>
+        <p:nvSpPr>
+          <p:cNvPr id="7" name="Content Placeholder 6">
+            <a:extLst>
+              <a:ext uri="{FF2B5EF4-FFF2-40B4-BE49-F238E27FC236}">
+                <a16:creationId xmlns:a16="http://schemas.microsoft.com/office/drawing/2014/main" id="{6B35F89A-6CDF-41F7-BD87-18B45BD7330B}"/>
+              </a:ext>
+            </a:extLst>
+          </p:cNvPr>
+          <p:cNvSpPr>
+            <a:spLocks noGrp="1"/>
+          </p:cNvSpPr>
+          <p:nvPr>
+            <p:ph sz="half" idx="2"/>
+          </p:nvPr>
+        </p:nvSpPr>
+        <p:spPr>
+          <a:xfrm>
+            <a:off x="62910" y="1679575"/>
+            <a:ext cx="12129090" cy="5178425"/>
+          </a:xfrm>
+        </p:spPr>
+        <p:txBody>
+          <a:bodyPr vert="horz" lIns="91440" tIns="45720" rIns="91440" bIns="45720" rtlCol="0" anchor="t">
+            <a:normAutofit/>
+          </a:bodyPr>
+          <a:lstStyle/>
+          <a:p>
+            <a:pPr marL="285750" indent="-285750">
+              <a:buFont typeface="Arial" panose="020B0604020202020204" pitchFamily="34" charset="0"/>
+              <a:buChar char="•"/>
+            </a:pPr>
+            <a:r>
+              <a:rPr lang="en-US" sz="2400" noProof="1"/>
+              <a:t>👨‍🎓During your study of the directive </a:t>
+            </a:r>
+            <a:r>
+              <a:rPr lang="en-US" sz="2400" b="1" noProof="1">
+                <a:solidFill>
+                  <a:schemeClr val="accent6"/>
+                </a:solidFill>
+              </a:rPr>
+              <a:t>script-src-attr</a:t>
+            </a:r>
+            <a:r>
+              <a:rPr lang="en-US" sz="2400" noProof="1"/>
+              <a:t>, you discover this point (</a:t>
+            </a:r>
+            <a:r>
+              <a:rPr lang="en-US" sz="2400" noProof="1">
+                <a:hlinkClick r:id="rId2"/>
+              </a:rPr>
+              <a:t>source</a:t>
+            </a:r>
+            <a:r>
+              <a:rPr lang="en-US" sz="2400" noProof="1"/>
+              <a:t>) about </a:t>
+            </a:r>
+            <a:r>
+              <a:rPr lang="en-US" sz="2400" b="1" noProof="1"/>
+              <a:t>the correct/recommended way to add an event handler in JavaScript</a:t>
+            </a:r>
+            <a:r>
+              <a:rPr lang="en-US" sz="2400" noProof="1"/>
+              <a:t>:</a:t>
+            </a:r>
+          </a:p>
+          <a:p>
+            <a:pPr marL="742950" lvl="1" indent="-285750">
+              <a:buFont typeface="Arial" panose="020B0604020202020204" pitchFamily="34" charset="0"/>
+              <a:buChar char="•"/>
+            </a:pPr>
+            <a:endParaRPr lang="en-US" sz="2400" noProof="1"/>
+          </a:p>
+          <a:p>
+            <a:endParaRPr lang="en-US" sz="2400" noProof="1"/>
+          </a:p>
+          <a:p>
+            <a:pPr marL="285750" indent="-285750">
+              <a:buFont typeface="Arial" panose="020B0604020202020204" pitchFamily="34" charset="0"/>
+              <a:buChar char="•"/>
+            </a:pPr>
+            <a:endParaRPr lang="en-US" sz="2400" noProof="1"/>
+          </a:p>
+          <a:p>
+            <a:pPr marL="285750" indent="-285750">
+              <a:buFont typeface="Arial" panose="020B0604020202020204" pitchFamily="34" charset="0"/>
+              <a:buChar char="•"/>
+            </a:pPr>
+            <a:endParaRPr lang="en-US" sz="2400" noProof="1"/>
+          </a:p>
+          <a:p>
+            <a:pPr marL="285750" indent="-285750">
+              <a:buFont typeface="Arial" panose="020B0604020202020204" pitchFamily="34" charset="0"/>
+              <a:buChar char="•"/>
+            </a:pPr>
+            <a:endParaRPr lang="en-US" sz="2400" noProof="1"/>
+          </a:p>
+          <a:p>
+            <a:pPr lvl="1"/>
+            <a:endParaRPr lang="en-US" sz="2400" noProof="1"/>
+          </a:p>
+        </p:txBody>
+      </p:sp>
+      <p:pic>
+        <p:nvPicPr>
+          <p:cNvPr id="8" name="Picture 7">
+            <a:extLst>
+              <a:ext uri="{FF2B5EF4-FFF2-40B4-BE49-F238E27FC236}">
+                <a16:creationId xmlns:a16="http://schemas.microsoft.com/office/drawing/2014/main" id="{632AFEE3-DF8B-1238-B680-CC9EA455F980}"/>
+              </a:ext>
+            </a:extLst>
+          </p:cNvPr>
+          <p:cNvPicPr>
+            <a:picLocks noChangeAspect="1"/>
+          </p:cNvPicPr>
+          <p:nvPr/>
+        </p:nvPicPr>
+        <p:blipFill>
+          <a:blip r:embed="rId3"/>
+          <a:stretch>
+            <a:fillRect/>
+          </a:stretch>
+        </p:blipFill>
+        <p:spPr>
+          <a:xfrm>
+            <a:off x="320680" y="2530880"/>
+            <a:ext cx="6572239" cy="4201508"/>
+          </a:xfrm>
+          <a:prstGeom prst="rect">
+            <a:avLst/>
+          </a:prstGeom>
+        </p:spPr>
+      </p:pic>
+      <p:sp>
+        <p:nvSpPr>
+          <p:cNvPr id="9" name="Rectangle 8">
+            <a:extLst>
+              <a:ext uri="{FF2B5EF4-FFF2-40B4-BE49-F238E27FC236}">
+                <a16:creationId xmlns:a16="http://schemas.microsoft.com/office/drawing/2014/main" id="{38553B24-3CAE-8B02-A5D1-C07D1AF827C4}"/>
+              </a:ext>
+            </a:extLst>
+          </p:cNvPr>
+          <p:cNvSpPr/>
+          <p:nvPr/>
+        </p:nvSpPr>
+        <p:spPr>
+          <a:xfrm>
+            <a:off x="406402" y="6256866"/>
+            <a:ext cx="4487332" cy="332412"/>
+          </a:xfrm>
+          <a:prstGeom prst="rect">
+            <a:avLst/>
+          </a:prstGeom>
+          <a:noFill/>
+          <a:ln w="25400">
+            <a:solidFill>
+              <a:schemeClr val="accent4"/>
+            </a:solidFill>
+          </a:ln>
+        </p:spPr>
+        <p:style>
+          <a:lnRef idx="2">
+            <a:schemeClr val="accent1">
+              <a:shade val="15000"/>
+            </a:schemeClr>
+          </a:lnRef>
+          <a:fillRef idx="1">
+            <a:schemeClr val="accent1"/>
+          </a:fillRef>
+          <a:effectRef idx="0">
+            <a:schemeClr val="accent1"/>
+          </a:effectRef>
+          <a:fontRef idx="minor">
+            <a:schemeClr val="lt1"/>
+          </a:fontRef>
+        </p:style>
+        <p:txBody>
+          <a:bodyPr rtlCol="0" anchor="ctr"/>
+          <a:lstStyle/>
+          <a:p>
+            <a:pPr algn="ctr"/>
+            <a:endParaRPr lang="en-US"/>
+          </a:p>
+        </p:txBody>
+      </p:sp>
+      <p:pic>
+        <p:nvPicPr>
+          <p:cNvPr id="10" name="Picture 9">
+            <a:extLst>
+              <a:ext uri="{FF2B5EF4-FFF2-40B4-BE49-F238E27FC236}">
+                <a16:creationId xmlns:a16="http://schemas.microsoft.com/office/drawing/2014/main" id="{CFB6911A-F0C5-23CA-1AE6-7EF926F5FFF0}"/>
+              </a:ext>
+            </a:extLst>
+          </p:cNvPr>
+          <p:cNvPicPr>
+            <a:picLocks noChangeAspect="1"/>
+          </p:cNvPicPr>
+          <p:nvPr/>
+        </p:nvPicPr>
+        <p:blipFill>
+          <a:blip r:embed="rId4"/>
+          <a:stretch>
+            <a:fillRect/>
+          </a:stretch>
+        </p:blipFill>
+        <p:spPr>
+          <a:xfrm>
+            <a:off x="4893734" y="2707713"/>
+            <a:ext cx="7211431" cy="1124107"/>
+          </a:xfrm>
+          <a:prstGeom prst="rect">
+            <a:avLst/>
+          </a:prstGeom>
+          <a:effectLst>
+            <a:outerShdw blurRad="50800" dist="38100" algn="l" rotWithShape="0">
+              <a:prstClr val="black">
+                <a:alpha val="40000"/>
+              </a:prstClr>
+            </a:outerShdw>
+          </a:effectLst>
+        </p:spPr>
+      </p:pic>
+      <p:sp>
+        <p:nvSpPr>
+          <p:cNvPr id="11" name="Rectangle 10">
+            <a:extLst>
+              <a:ext uri="{FF2B5EF4-FFF2-40B4-BE49-F238E27FC236}">
+                <a16:creationId xmlns:a16="http://schemas.microsoft.com/office/drawing/2014/main" id="{12CD8640-E815-9DB3-7528-51174A9096DA}"/>
+              </a:ext>
+            </a:extLst>
+          </p:cNvPr>
+          <p:cNvSpPr/>
+          <p:nvPr/>
+        </p:nvSpPr>
+        <p:spPr>
+          <a:xfrm>
+            <a:off x="5504420" y="3098799"/>
+            <a:ext cx="6458980" cy="194733"/>
+          </a:xfrm>
+          <a:prstGeom prst="rect">
+            <a:avLst/>
+          </a:prstGeom>
+          <a:noFill/>
+          <a:ln w="25400">
+            <a:solidFill>
+              <a:schemeClr val="accent4"/>
+            </a:solidFill>
+          </a:ln>
+        </p:spPr>
+        <p:style>
+          <a:lnRef idx="2">
+            <a:schemeClr val="accent1">
+              <a:shade val="15000"/>
+            </a:schemeClr>
+          </a:lnRef>
+          <a:fillRef idx="1">
+            <a:schemeClr val="accent1"/>
+          </a:fillRef>
+          <a:effectRef idx="0">
+            <a:schemeClr val="accent1"/>
+          </a:effectRef>
+          <a:fontRef idx="minor">
+            <a:schemeClr val="lt1"/>
+          </a:fontRef>
+        </p:style>
+        <p:txBody>
+          <a:bodyPr rtlCol="0" anchor="ctr"/>
+          <a:lstStyle/>
+          <a:p>
+            <a:pPr algn="ctr"/>
+            <a:endParaRPr lang="en-US"/>
+          </a:p>
+        </p:txBody>
+      </p:sp>
+    </p:spTree>
+    <p:extLst>
+      <p:ext uri="{BB962C8B-B14F-4D97-AF65-F5344CB8AC3E}">
+        <p14:creationId xmlns:p14="http://schemas.microsoft.com/office/powerpoint/2010/main" val="3935884449"/>
+      </p:ext>
+    </p:extLst>
+  </p:cSld>
+  <p:clrMapOvr>
+    <a:masterClrMapping/>
+  </p:clrMapOvr>
+  <mc:AlternateContent xmlns:mc="http://schemas.openxmlformats.org/markup-compatibility/2006" xmlns:p14="http://schemas.microsoft.com/office/powerpoint/2010/main">
+    <mc:Choice Requires="p14">
+      <p:transition spd="med" p14:dur="700">
+        <p:fade/>
+      </p:transition>
+    </mc:Choice>
+    <mc:Fallback xmlns="">
+      <p:transition spd="med">
+        <p:fade/>
+      </p:transition>
+    </mc:Fallback>
+  </mc:AlternateContent>
+</p:sld>
+</file>
+
+<file path=ppt/slides/slide41.xml><?xml version="1.0" encoding="utf-8"?>
+<p:sld xmlns:a="http://schemas.openxmlformats.org/drawingml/2006/main" xmlns:r="http://schemas.openxmlformats.org/officeDocument/2006/relationships" xmlns:p="http://schemas.openxmlformats.org/presentationml/2006/main">
+  <p:cSld>
+    <p:spTree>
+      <p:nvGrpSpPr>
+        <p:cNvPr id="1" name=""/>
+        <p:cNvGrpSpPr/>
+        <p:nvPr/>
+      </p:nvGrpSpPr>
+      <p:grpSpPr>
+        <a:xfrm>
+          <a:off x="0" y="0"/>
+          <a:ext cx="0" cy="0"/>
+          <a:chOff x="0" y="0"/>
+          <a:chExt cx="0" cy="0"/>
+        </a:xfrm>
+      </p:grpSpPr>
+      <p:sp>
+        <p:nvSpPr>
+          <p:cNvPr id="2" name="Title 1">
+            <a:extLst>
+              <a:ext uri="{FF2B5EF4-FFF2-40B4-BE49-F238E27FC236}">
+                <a16:creationId xmlns:a16="http://schemas.microsoft.com/office/drawing/2014/main" id="{5CE54ABB-4929-4810-950B-2DAEA0A5BAB4}"/>
+              </a:ext>
+            </a:extLst>
+          </p:cNvPr>
+          <p:cNvSpPr>
+            <a:spLocks noGrp="1"/>
+          </p:cNvSpPr>
+          <p:nvPr>
+            <p:ph type="title"/>
+          </p:nvPr>
+        </p:nvSpPr>
+        <p:spPr>
+          <a:xfrm>
+            <a:off x="0" y="927496"/>
+            <a:ext cx="12192000" cy="562637"/>
+          </a:xfrm>
+        </p:spPr>
+        <p:txBody>
+          <a:bodyPr>
+            <a:normAutofit/>
+          </a:bodyPr>
+          <a:lstStyle/>
+          <a:p>
+            <a:pPr algn="l"/>
+            <a:r>
+              <a:rPr lang="en-US" dirty="0"/>
+              <a:t>🔬Study time: Wait a second!</a:t>
+            </a:r>
+          </a:p>
+        </p:txBody>
+      </p:sp>
+      <p:sp>
+        <p:nvSpPr>
+          <p:cNvPr id="7" name="Content Placeholder 6">
+            <a:extLst>
+              <a:ext uri="{FF2B5EF4-FFF2-40B4-BE49-F238E27FC236}">
+                <a16:creationId xmlns:a16="http://schemas.microsoft.com/office/drawing/2014/main" id="{6B35F89A-6CDF-41F7-BD87-18B45BD7330B}"/>
+              </a:ext>
+            </a:extLst>
+          </p:cNvPr>
+          <p:cNvSpPr>
+            <a:spLocks noGrp="1"/>
+          </p:cNvSpPr>
+          <p:nvPr>
+            <p:ph sz="half" idx="2"/>
+          </p:nvPr>
+        </p:nvSpPr>
+        <p:spPr>
+          <a:xfrm>
+            <a:off x="62910" y="1679575"/>
+            <a:ext cx="12129090" cy="5178425"/>
+          </a:xfrm>
+        </p:spPr>
+        <p:txBody>
+          <a:bodyPr vert="horz" lIns="91440" tIns="45720" rIns="91440" bIns="45720" rtlCol="0" anchor="t">
+            <a:normAutofit/>
+          </a:bodyPr>
+          <a:lstStyle/>
+          <a:p>
+            <a:pPr marL="285750" indent="-285750">
+              <a:buFont typeface="Arial" panose="020B0604020202020204" pitchFamily="34" charset="0"/>
+              <a:buChar char="•"/>
+            </a:pPr>
+            <a:r>
+              <a:rPr lang="en-US" sz="2400" noProof="1"/>
+              <a:t>🤔You decided to break </a:t>
+            </a:r>
+            <a:r>
+              <a:rPr lang="en-US" sz="2400" b="1" noProof="1"/>
+              <a:t>one constraint </a:t>
+            </a:r>
+            <a:r>
+              <a:rPr lang="en-US" sz="2400" noProof="1"/>
+              <a:t>and “fix” the way used to define the event handler in order to use the recommended way:</a:t>
+            </a:r>
+          </a:p>
+          <a:p>
+            <a:pPr marL="285750" indent="-285750">
+              <a:buFont typeface="Arial" panose="020B0604020202020204" pitchFamily="34" charset="0"/>
+              <a:buChar char="•"/>
+            </a:pPr>
+            <a:endParaRPr lang="en-US" sz="2400" noProof="1"/>
+          </a:p>
+          <a:p>
+            <a:pPr marL="285750" indent="-285750">
+              <a:buFont typeface="Arial" panose="020B0604020202020204" pitchFamily="34" charset="0"/>
+              <a:buChar char="•"/>
+            </a:pPr>
+            <a:endParaRPr lang="en-US" sz="2400" noProof="1"/>
+          </a:p>
+          <a:p>
+            <a:pPr marL="285750" indent="-285750">
+              <a:buFont typeface="Arial" panose="020B0604020202020204" pitchFamily="34" charset="0"/>
+              <a:buChar char="•"/>
+            </a:pPr>
+            <a:r>
+              <a:rPr lang="en-US" sz="2400" noProof="1"/>
+              <a:t>🤔 And test the CSP that you wanted to create during the second try:</a:t>
+            </a:r>
+          </a:p>
+          <a:p>
+            <a:pPr marL="285750" indent="-285750">
+              <a:buFont typeface="Arial" panose="020B0604020202020204" pitchFamily="34" charset="0"/>
+              <a:buChar char="•"/>
+            </a:pPr>
+            <a:endParaRPr lang="en-US" sz="2400" noProof="1"/>
+          </a:p>
+          <a:p>
+            <a:pPr marL="742950" lvl="1" indent="-285750">
+              <a:buFont typeface="Arial" panose="020B0604020202020204" pitchFamily="34" charset="0"/>
+              <a:buChar char="•"/>
+            </a:pPr>
+            <a:endParaRPr lang="en-US" sz="2400" noProof="1"/>
+          </a:p>
+          <a:p>
+            <a:endParaRPr lang="en-US" sz="2400" noProof="1"/>
+          </a:p>
+          <a:p>
+            <a:pPr marL="285750" indent="-285750">
+              <a:buFont typeface="Arial" panose="020B0604020202020204" pitchFamily="34" charset="0"/>
+              <a:buChar char="•"/>
+            </a:pPr>
+            <a:endParaRPr lang="en-US" sz="2400" noProof="1"/>
+          </a:p>
+          <a:p>
+            <a:pPr marL="285750" indent="-285750">
+              <a:buFont typeface="Arial" panose="020B0604020202020204" pitchFamily="34" charset="0"/>
+              <a:buChar char="•"/>
+            </a:pPr>
+            <a:endParaRPr lang="en-US" sz="2400" noProof="1"/>
+          </a:p>
+          <a:p>
+            <a:pPr marL="285750" indent="-285750">
+              <a:buFont typeface="Arial" panose="020B0604020202020204" pitchFamily="34" charset="0"/>
+              <a:buChar char="•"/>
+            </a:pPr>
+            <a:endParaRPr lang="en-US" sz="2400" noProof="1"/>
+          </a:p>
+          <a:p>
+            <a:pPr lvl="1"/>
+            <a:endParaRPr lang="en-US" sz="2400" noProof="1"/>
+          </a:p>
+        </p:txBody>
+      </p:sp>
+      <p:pic>
+        <p:nvPicPr>
+          <p:cNvPr id="4" name="Picture 3">
+            <a:extLst>
+              <a:ext uri="{FF2B5EF4-FFF2-40B4-BE49-F238E27FC236}">
+                <a16:creationId xmlns:a16="http://schemas.microsoft.com/office/drawing/2014/main" id="{9B3309CE-1362-6948-BB38-AB0BB7E87EAE}"/>
+              </a:ext>
+            </a:extLst>
+          </p:cNvPr>
+          <p:cNvPicPr>
+            <a:picLocks noChangeAspect="1"/>
+          </p:cNvPicPr>
+          <p:nvPr/>
+        </p:nvPicPr>
+        <p:blipFill>
+          <a:blip r:embed="rId2"/>
+          <a:stretch>
+            <a:fillRect/>
+          </a:stretch>
+        </p:blipFill>
+        <p:spPr>
+          <a:xfrm>
+            <a:off x="1371600" y="2590693"/>
+            <a:ext cx="9691506" cy="925203"/>
+          </a:xfrm>
+          <a:prstGeom prst="rect">
+            <a:avLst/>
+          </a:prstGeom>
+        </p:spPr>
+      </p:pic>
+      <p:sp>
+        <p:nvSpPr>
+          <p:cNvPr id="5" name="TextBox 4">
+            <a:extLst>
+              <a:ext uri="{FF2B5EF4-FFF2-40B4-BE49-F238E27FC236}">
+                <a16:creationId xmlns:a16="http://schemas.microsoft.com/office/drawing/2014/main" id="{06ED42A4-BA65-63D5-6B8F-8962A3C03DF0}"/>
+              </a:ext>
+            </a:extLst>
+          </p:cNvPr>
+          <p:cNvSpPr txBox="1"/>
+          <p:nvPr/>
+        </p:nvSpPr>
+        <p:spPr>
+          <a:xfrm>
+            <a:off x="62910" y="4190214"/>
+            <a:ext cx="11906545" cy="2554545"/>
+          </a:xfrm>
+          <a:prstGeom prst="rect">
+            <a:avLst/>
+          </a:prstGeom>
+          <a:noFill/>
+        </p:spPr>
+        <p:txBody>
+          <a:bodyPr wrap="square" rtlCol="0">
+            <a:spAutoFit/>
+          </a:bodyPr>
+          <a:lstStyle/>
+          <a:p>
+            <a:r>
+              <a:rPr lang="en-US" sz="2000" dirty="0">
+                <a:latin typeface="Consolas" panose="020B0609020204030204" pitchFamily="49" charset="0"/>
+              </a:rPr>
+              <a:t>Content-Security-Policy: </a:t>
+            </a:r>
+          </a:p>
+          <a:p>
+            <a:r>
+              <a:rPr lang="en-US" sz="2000" dirty="0">
+                <a:solidFill>
+                  <a:schemeClr val="accent6"/>
+                </a:solidFill>
+                <a:latin typeface="Consolas" panose="020B0609020204030204" pitchFamily="49" charset="0"/>
+              </a:rPr>
+              <a:t>default-</a:t>
+            </a:r>
+            <a:r>
+              <a:rPr lang="en-US" sz="2000" dirty="0" err="1">
+                <a:solidFill>
+                  <a:schemeClr val="accent6"/>
+                </a:solidFill>
+                <a:latin typeface="Consolas" panose="020B0609020204030204" pitchFamily="49" charset="0"/>
+              </a:rPr>
+              <a:t>src</a:t>
+            </a:r>
+            <a:r>
+              <a:rPr lang="en-US" sz="2000" dirty="0">
+                <a:solidFill>
+                  <a:schemeClr val="accent6"/>
+                </a:solidFill>
+                <a:latin typeface="Consolas" panose="020B0609020204030204" pitchFamily="49" charset="0"/>
+              </a:rPr>
+              <a:t> </a:t>
+            </a:r>
+            <a:r>
+              <a:rPr lang="en-US" sz="2000" dirty="0">
+                <a:solidFill>
+                  <a:srgbClr val="7030A0"/>
+                </a:solidFill>
+                <a:latin typeface="Consolas" panose="020B0609020204030204" pitchFamily="49" charset="0"/>
+              </a:rPr>
+              <a:t>'self'</a:t>
+            </a:r>
+            <a:r>
+              <a:rPr lang="en-US" sz="2000" dirty="0">
+                <a:latin typeface="Consolas" panose="020B0609020204030204" pitchFamily="49" charset="0"/>
+              </a:rPr>
+              <a:t>; </a:t>
+            </a:r>
+          </a:p>
+          <a:p>
+            <a:r>
+              <a:rPr lang="en-US" sz="2000" b="1" dirty="0">
+                <a:solidFill>
+                  <a:schemeClr val="accent6"/>
+                </a:solidFill>
+                <a:latin typeface="Consolas" panose="020B0609020204030204" pitchFamily="49" charset="0"/>
+              </a:rPr>
+              <a:t>script-</a:t>
+            </a:r>
+            <a:r>
+              <a:rPr lang="en-US" sz="2000" b="1" dirty="0" err="1">
+                <a:solidFill>
+                  <a:schemeClr val="accent6"/>
+                </a:solidFill>
+                <a:latin typeface="Consolas" panose="020B0609020204030204" pitchFamily="49" charset="0"/>
+              </a:rPr>
+              <a:t>src</a:t>
+            </a:r>
+            <a:r>
+              <a:rPr lang="en-US" sz="2000" b="1" dirty="0">
+                <a:latin typeface="Consolas" panose="020B0609020204030204" pitchFamily="49" charset="0"/>
+              </a:rPr>
+              <a:t> </a:t>
+            </a:r>
+            <a:r>
+              <a:rPr lang="en-US" sz="2000" b="1" dirty="0">
+                <a:solidFill>
+                  <a:srgbClr val="7030A0"/>
+                </a:solidFill>
+                <a:latin typeface="Consolas" panose="020B0609020204030204" pitchFamily="49" charset="0"/>
+              </a:rPr>
+              <a:t>'self'</a:t>
+            </a:r>
+            <a:r>
+              <a:rPr lang="en-US" sz="2000" dirty="0">
+                <a:latin typeface="Consolas" panose="020B0609020204030204" pitchFamily="49" charset="0"/>
+              </a:rPr>
+              <a:t>; </a:t>
+            </a:r>
+          </a:p>
+          <a:p>
+            <a:r>
+              <a:rPr lang="en-US" sz="2000" dirty="0">
+                <a:solidFill>
+                  <a:schemeClr val="accent6"/>
+                </a:solidFill>
+                <a:latin typeface="Consolas" panose="020B0609020204030204" pitchFamily="49" charset="0"/>
+              </a:rPr>
+              <a:t>style-</a:t>
+            </a:r>
+            <a:r>
+              <a:rPr lang="en-US" sz="2000" dirty="0" err="1">
+                <a:solidFill>
+                  <a:schemeClr val="accent6"/>
+                </a:solidFill>
+                <a:latin typeface="Consolas" panose="020B0609020204030204" pitchFamily="49" charset="0"/>
+              </a:rPr>
+              <a:t>src</a:t>
+            </a:r>
+            <a:r>
+              <a:rPr lang="en-US" sz="2000" dirty="0">
+                <a:latin typeface="Consolas" panose="020B0609020204030204" pitchFamily="49" charset="0"/>
+              </a:rPr>
+              <a:t> </a:t>
+            </a:r>
+            <a:r>
+              <a:rPr lang="en-US" sz="2000" dirty="0">
+                <a:solidFill>
+                  <a:srgbClr val="7030A0"/>
+                </a:solidFill>
+                <a:latin typeface="Consolas" panose="020B0609020204030204" pitchFamily="49" charset="0"/>
+              </a:rPr>
+              <a:t>'self' 'unsafe-inline' https://fonts.googleapis.com https://fonts.gstatic.com</a:t>
+            </a:r>
+            <a:r>
+              <a:rPr lang="en-US" sz="2000" dirty="0">
+                <a:latin typeface="Consolas" panose="020B0609020204030204" pitchFamily="49" charset="0"/>
+              </a:rPr>
+              <a:t>; </a:t>
+            </a:r>
+          </a:p>
+          <a:p>
+            <a:r>
+              <a:rPr lang="en-US" sz="2000" dirty="0" err="1">
+                <a:solidFill>
+                  <a:schemeClr val="accent6"/>
+                </a:solidFill>
+                <a:latin typeface="Consolas" panose="020B0609020204030204" pitchFamily="49" charset="0"/>
+              </a:rPr>
+              <a:t>img-src</a:t>
+            </a:r>
+            <a:r>
+              <a:rPr lang="en-US" sz="2000" dirty="0">
+                <a:latin typeface="Consolas" panose="020B0609020204030204" pitchFamily="49" charset="0"/>
+              </a:rPr>
+              <a:t> </a:t>
+            </a:r>
+            <a:r>
+              <a:rPr lang="en-US" sz="2000" dirty="0">
+                <a:solidFill>
+                  <a:srgbClr val="7030A0"/>
+                </a:solidFill>
+                <a:latin typeface="Consolas" panose="020B0609020204030204" pitchFamily="49" charset="0"/>
+              </a:rPr>
+              <a:t>'self' data: blob:</a:t>
+            </a:r>
+            <a:r>
+              <a:rPr lang="en-US" sz="2000" dirty="0">
+                <a:latin typeface="Consolas" panose="020B0609020204030204" pitchFamily="49" charset="0"/>
+              </a:rPr>
+              <a:t>; </a:t>
+            </a:r>
+          </a:p>
+          <a:p>
+            <a:r>
+              <a:rPr lang="en-US" sz="2000" dirty="0">
+                <a:solidFill>
+                  <a:schemeClr val="accent6"/>
+                </a:solidFill>
+                <a:latin typeface="Consolas" panose="020B0609020204030204" pitchFamily="49" charset="0"/>
+              </a:rPr>
+              <a:t>font-</a:t>
+            </a:r>
+            <a:r>
+              <a:rPr lang="en-US" sz="2000" dirty="0" err="1">
+                <a:solidFill>
+                  <a:schemeClr val="accent6"/>
+                </a:solidFill>
+                <a:latin typeface="Consolas" panose="020B0609020204030204" pitchFamily="49" charset="0"/>
+              </a:rPr>
+              <a:t>src</a:t>
+            </a:r>
+            <a:r>
+              <a:rPr lang="en-US" sz="2000" dirty="0">
+                <a:latin typeface="Consolas" panose="020B0609020204030204" pitchFamily="49" charset="0"/>
+              </a:rPr>
+              <a:t> </a:t>
+            </a:r>
+            <a:r>
+              <a:rPr lang="en-US" sz="2000" dirty="0">
+                <a:solidFill>
+                  <a:srgbClr val="7030A0"/>
+                </a:solidFill>
+                <a:latin typeface="Consolas" panose="020B0609020204030204" pitchFamily="49" charset="0"/>
+              </a:rPr>
+              <a:t>'self' https://fonts.googleapis.com https://fonts.gstatic.com</a:t>
+            </a:r>
+            <a:r>
+              <a:rPr lang="en-US" sz="2000" dirty="0">
+                <a:latin typeface="Consolas" panose="020B0609020204030204" pitchFamily="49" charset="0"/>
+              </a:rPr>
+              <a:t>; </a:t>
+            </a:r>
+          </a:p>
+          <a:p>
+            <a:r>
+              <a:rPr lang="en-US" sz="2000" dirty="0">
+                <a:solidFill>
+                  <a:schemeClr val="accent6"/>
+                </a:solidFill>
+                <a:latin typeface="Consolas" panose="020B0609020204030204" pitchFamily="49" charset="0"/>
+              </a:rPr>
+              <a:t>form-action</a:t>
+            </a:r>
+            <a:r>
+              <a:rPr lang="en-US" sz="2000" dirty="0">
+                <a:solidFill>
+                  <a:srgbClr val="7030A0"/>
+                </a:solidFill>
+                <a:latin typeface="Consolas" panose="020B0609020204030204" pitchFamily="49" charset="0"/>
+              </a:rPr>
+              <a:t> 'self'</a:t>
+            </a:r>
+          </a:p>
+        </p:txBody>
+      </p:sp>
+    </p:spTree>
+    <p:extLst>
+      <p:ext uri="{BB962C8B-B14F-4D97-AF65-F5344CB8AC3E}">
+        <p14:creationId xmlns:p14="http://schemas.microsoft.com/office/powerpoint/2010/main" val="1542931494"/>
+      </p:ext>
+    </p:extLst>
+  </p:cSld>
+  <p:clrMapOvr>
+    <a:masterClrMapping/>
+  </p:clrMapOvr>
+  <mc:AlternateContent xmlns:mc="http://schemas.openxmlformats.org/markup-compatibility/2006" xmlns:p14="http://schemas.microsoft.com/office/powerpoint/2010/main">
+    <mc:Choice Requires="p14">
+      <p:transition spd="med" p14:dur="700">
+        <p:fade/>
+      </p:transition>
+    </mc:Choice>
+    <mc:Fallback xmlns="">
+      <p:transition spd="med">
+        <p:fade/>
+      </p:transition>
+    </mc:Fallback>
+  </mc:AlternateContent>
+</p:sld>
+</file>
+
+<file path=ppt/slides/slide42.xml><?xml version="1.0" encoding="utf-8"?>
+<p:sld xmlns:a="http://schemas.openxmlformats.org/drawingml/2006/main" xmlns:r="http://schemas.openxmlformats.org/officeDocument/2006/relationships" xmlns:p="http://schemas.openxmlformats.org/presentationml/2006/main">
+  <p:cSld>
+    <p:spTree>
+      <p:nvGrpSpPr>
+        <p:cNvPr id="1" name=""/>
+        <p:cNvGrpSpPr/>
+        <p:nvPr/>
+      </p:nvGrpSpPr>
+      <p:grpSpPr>
+        <a:xfrm>
+          <a:off x="0" y="0"/>
+          <a:ext cx="0" cy="0"/>
+          <a:chOff x="0" y="0"/>
+          <a:chExt cx="0" cy="0"/>
+        </a:xfrm>
+      </p:grpSpPr>
+      <p:sp>
+        <p:nvSpPr>
+          <p:cNvPr id="2" name="Title 1">
+            <a:extLst>
+              <a:ext uri="{FF2B5EF4-FFF2-40B4-BE49-F238E27FC236}">
+                <a16:creationId xmlns:a16="http://schemas.microsoft.com/office/drawing/2014/main" id="{5CE54ABB-4929-4810-950B-2DAEA0A5BAB4}"/>
+              </a:ext>
+            </a:extLst>
+          </p:cNvPr>
+          <p:cNvSpPr>
+            <a:spLocks noGrp="1"/>
+          </p:cNvSpPr>
+          <p:nvPr>
+            <p:ph type="title"/>
+          </p:nvPr>
+        </p:nvSpPr>
+        <p:spPr>
+          <a:xfrm>
+            <a:off x="0" y="927496"/>
+            <a:ext cx="12192000" cy="562637"/>
+          </a:xfrm>
+        </p:spPr>
+        <p:txBody>
+          <a:bodyPr>
+            <a:normAutofit/>
+          </a:bodyPr>
+          <a:lstStyle/>
+          <a:p>
+            <a:pPr algn="l"/>
+            <a:r>
+              <a:rPr lang="en-US" dirty="0"/>
+              <a:t>🔬Study time: Wait a second!</a:t>
+            </a:r>
+          </a:p>
+        </p:txBody>
+      </p:sp>
+      <p:sp>
+        <p:nvSpPr>
+          <p:cNvPr id="7" name="Content Placeholder 6">
+            <a:extLst>
+              <a:ext uri="{FF2B5EF4-FFF2-40B4-BE49-F238E27FC236}">
+                <a16:creationId xmlns:a16="http://schemas.microsoft.com/office/drawing/2014/main" id="{6B35F89A-6CDF-41F7-BD87-18B45BD7330B}"/>
+              </a:ext>
+            </a:extLst>
+          </p:cNvPr>
+          <p:cNvSpPr>
+            <a:spLocks noGrp="1"/>
+          </p:cNvSpPr>
+          <p:nvPr>
+            <p:ph sz="half" idx="2"/>
+          </p:nvPr>
+        </p:nvSpPr>
+        <p:spPr>
+          <a:xfrm>
+            <a:off x="62910" y="1679575"/>
+            <a:ext cx="12129090" cy="5178425"/>
+          </a:xfrm>
+        </p:spPr>
+        <p:txBody>
+          <a:bodyPr vert="horz" lIns="91440" tIns="45720" rIns="91440" bIns="45720" rtlCol="0" anchor="t">
+            <a:normAutofit/>
+          </a:bodyPr>
+          <a:lstStyle/>
+          <a:p>
+            <a:pPr marL="285750" indent="-285750">
+              <a:buFont typeface="Arial" panose="020B0604020202020204" pitchFamily="34" charset="0"/>
+              <a:buChar char="•"/>
+            </a:pPr>
+            <a:r>
+              <a:rPr lang="en-US" sz="2400" noProof="1"/>
+              <a:t>😊It worked </a:t>
+            </a:r>
+            <a:r>
+              <a:rPr lang="en-US" sz="2400" noProof="1">
+                <a:sym typeface="Wingdings" panose="05000000000000000000" pitchFamily="2" charset="2"/>
+              </a:rPr>
+              <a:t> </a:t>
+            </a:r>
+            <a:r>
+              <a:rPr lang="en-US" sz="2400" noProof="1"/>
+              <a:t>Feature is functional and XSS payloads are not executed anymore!</a:t>
+            </a:r>
+          </a:p>
+          <a:p>
+            <a:pPr marL="285750" indent="-285750">
+              <a:buFont typeface="Arial" panose="020B0604020202020204" pitchFamily="34" charset="0"/>
+              <a:buChar char="•"/>
+            </a:pPr>
+            <a:endParaRPr lang="en-US" sz="2400" noProof="1"/>
+          </a:p>
+          <a:p>
+            <a:pPr marL="285750" indent="-285750">
+              <a:buFont typeface="Arial" panose="020B0604020202020204" pitchFamily="34" charset="0"/>
+              <a:buChar char="•"/>
+            </a:pPr>
+            <a:endParaRPr lang="en-US" sz="2400" noProof="1"/>
+          </a:p>
+          <a:p>
+            <a:pPr marL="285750" indent="-285750">
+              <a:buFont typeface="Arial" panose="020B0604020202020204" pitchFamily="34" charset="0"/>
+              <a:buChar char="•"/>
+            </a:pPr>
+            <a:endParaRPr lang="en-US" sz="2400" noProof="1"/>
+          </a:p>
+          <a:p>
+            <a:pPr marL="742950" lvl="1" indent="-285750">
+              <a:buFont typeface="Arial" panose="020B0604020202020204" pitchFamily="34" charset="0"/>
+              <a:buChar char="•"/>
+            </a:pPr>
+            <a:endParaRPr lang="en-US" sz="2400" noProof="1"/>
+          </a:p>
+          <a:p>
+            <a:endParaRPr lang="en-US" sz="2400" noProof="1"/>
+          </a:p>
+          <a:p>
+            <a:pPr marL="285750" indent="-285750">
+              <a:buFont typeface="Arial" panose="020B0604020202020204" pitchFamily="34" charset="0"/>
+              <a:buChar char="•"/>
+            </a:pPr>
+            <a:endParaRPr lang="en-US" sz="2400" noProof="1"/>
+          </a:p>
+          <a:p>
+            <a:pPr marL="285750" indent="-285750">
+              <a:buFont typeface="Arial" panose="020B0604020202020204" pitchFamily="34" charset="0"/>
+              <a:buChar char="•"/>
+            </a:pPr>
+            <a:endParaRPr lang="en-US" sz="2400" noProof="1"/>
+          </a:p>
+          <a:p>
+            <a:pPr marL="285750" indent="-285750">
+              <a:buFont typeface="Arial" panose="020B0604020202020204" pitchFamily="34" charset="0"/>
+              <a:buChar char="•"/>
+            </a:pPr>
+            <a:endParaRPr lang="en-US" sz="2400" noProof="1"/>
+          </a:p>
+          <a:p>
+            <a:pPr lvl="1"/>
+            <a:endParaRPr lang="en-US" sz="2400" noProof="1"/>
+          </a:p>
+        </p:txBody>
+      </p:sp>
+      <p:pic>
+        <p:nvPicPr>
+          <p:cNvPr id="6" name="Picture 5" descr="A screenshot of a computer&#10;&#10;Description automatically generated">
+            <a:extLst>
+              <a:ext uri="{FF2B5EF4-FFF2-40B4-BE49-F238E27FC236}">
+                <a16:creationId xmlns:a16="http://schemas.microsoft.com/office/drawing/2014/main" id="{2826F1FE-68F6-0A69-6F9A-46EDD13B6F8F}"/>
+              </a:ext>
+            </a:extLst>
+          </p:cNvPr>
+          <p:cNvPicPr>
+            <a:picLocks noChangeAspect="1"/>
+          </p:cNvPicPr>
+          <p:nvPr/>
+        </p:nvPicPr>
+        <p:blipFill>
+          <a:blip r:embed="rId2"/>
+          <a:stretch>
+            <a:fillRect/>
+          </a:stretch>
+        </p:blipFill>
+        <p:spPr>
+          <a:xfrm>
+            <a:off x="3606799" y="2264639"/>
+            <a:ext cx="5168473" cy="4449428"/>
+          </a:xfrm>
+          <a:prstGeom prst="rect">
+            <a:avLst/>
+          </a:prstGeom>
+        </p:spPr>
+      </p:pic>
+    </p:spTree>
+    <p:extLst>
+      <p:ext uri="{BB962C8B-B14F-4D97-AF65-F5344CB8AC3E}">
+        <p14:creationId xmlns:p14="http://schemas.microsoft.com/office/powerpoint/2010/main" val="3921470596"/>
+      </p:ext>
+    </p:extLst>
+  </p:cSld>
+  <p:clrMapOvr>
+    <a:masterClrMapping/>
+  </p:clrMapOvr>
+  <mc:AlternateContent xmlns:mc="http://schemas.openxmlformats.org/markup-compatibility/2006" xmlns:p14="http://schemas.microsoft.com/office/powerpoint/2010/main">
+    <mc:Choice Requires="p14">
+      <p:transition spd="med" p14:dur="700">
+        <p:fade/>
+      </p:transition>
+    </mc:Choice>
+    <mc:Fallback xmlns="">
+      <p:transition spd="med">
+        <p:fade/>
+      </p:transition>
+    </mc:Fallback>
+  </mc:AlternateContent>
+</p:sld>
+</file>
+
+<file path=ppt/slides/slide43.xml><?xml version="1.0" encoding="utf-8"?>
+<p:sld xmlns:a="http://schemas.openxmlformats.org/drawingml/2006/main" xmlns:r="http://schemas.openxmlformats.org/officeDocument/2006/relationships" xmlns:p="http://schemas.openxmlformats.org/presentationml/2006/main">
+  <p:cSld>
+    <p:spTree>
+      <p:nvGrpSpPr>
+        <p:cNvPr id="1" name=""/>
+        <p:cNvGrpSpPr/>
+        <p:nvPr/>
+      </p:nvGrpSpPr>
+      <p:grpSpPr>
+        <a:xfrm>
+          <a:off x="0" y="0"/>
+          <a:ext cx="0" cy="0"/>
+          <a:chOff x="0" y="0"/>
+          <a:chExt cx="0" cy="0"/>
+        </a:xfrm>
+      </p:grpSpPr>
+      <p:sp>
+        <p:nvSpPr>
+          <p:cNvPr id="2" name="Title 1">
+            <a:extLst>
+              <a:ext uri="{FF2B5EF4-FFF2-40B4-BE49-F238E27FC236}">
+                <a16:creationId xmlns:a16="http://schemas.microsoft.com/office/drawing/2014/main" id="{5CE54ABB-4929-4810-950B-2DAEA0A5BAB4}"/>
+              </a:ext>
+            </a:extLst>
+          </p:cNvPr>
+          <p:cNvSpPr>
+            <a:spLocks noGrp="1"/>
+          </p:cNvSpPr>
+          <p:nvPr>
+            <p:ph type="title"/>
+          </p:nvPr>
+        </p:nvSpPr>
+        <p:spPr>
+          <a:xfrm>
+            <a:off x="0" y="927496"/>
+            <a:ext cx="12192000" cy="562637"/>
+          </a:xfrm>
+        </p:spPr>
+        <p:txBody>
+          <a:bodyPr>
+            <a:normAutofit/>
+          </a:bodyPr>
+          <a:lstStyle/>
+          <a:p>
+            <a:pPr algn="l"/>
+            <a:r>
+              <a:rPr lang="en-US" dirty="0"/>
+              <a:t>🔬Study time: Wait a second!</a:t>
+            </a:r>
+          </a:p>
+        </p:txBody>
+      </p:sp>
+      <p:sp>
+        <p:nvSpPr>
+          <p:cNvPr id="7" name="Content Placeholder 6">
+            <a:extLst>
+              <a:ext uri="{FF2B5EF4-FFF2-40B4-BE49-F238E27FC236}">
+                <a16:creationId xmlns:a16="http://schemas.microsoft.com/office/drawing/2014/main" id="{6B35F89A-6CDF-41F7-BD87-18B45BD7330B}"/>
+              </a:ext>
+            </a:extLst>
+          </p:cNvPr>
+          <p:cNvSpPr>
+            <a:spLocks noGrp="1"/>
+          </p:cNvSpPr>
+          <p:nvPr>
+            <p:ph sz="half" idx="2"/>
+          </p:nvPr>
+        </p:nvSpPr>
+        <p:spPr>
+          <a:xfrm>
+            <a:off x="62910" y="1679575"/>
+            <a:ext cx="12129090" cy="5178425"/>
+          </a:xfrm>
+        </p:spPr>
+        <p:txBody>
+          <a:bodyPr vert="horz" lIns="91440" tIns="45720" rIns="91440" bIns="45720" rtlCol="0" anchor="t">
+            <a:normAutofit/>
+          </a:bodyPr>
+          <a:lstStyle/>
+          <a:p>
+            <a:pPr marL="285750" indent="-285750">
+              <a:buFont typeface="Arial" panose="020B0604020202020204" pitchFamily="34" charset="0"/>
+              <a:buChar char="•"/>
+            </a:pPr>
+            <a:r>
+              <a:rPr lang="en-US" sz="2400" noProof="1"/>
+              <a:t>😊It worked </a:t>
+            </a:r>
+            <a:r>
+              <a:rPr lang="en-US" sz="2400" noProof="1">
+                <a:sym typeface="Wingdings" panose="05000000000000000000" pitchFamily="2" charset="2"/>
+              </a:rPr>
+              <a:t> </a:t>
+            </a:r>
+            <a:r>
+              <a:rPr lang="en-US" sz="2400" noProof="1"/>
+              <a:t>Feature is functional and XSS payloads are not executed anymore</a:t>
+            </a:r>
+          </a:p>
+          <a:p>
+            <a:pPr marL="285750" indent="-285750">
+              <a:buFont typeface="Arial" panose="020B0604020202020204" pitchFamily="34" charset="0"/>
+              <a:buChar char="•"/>
+            </a:pPr>
+            <a:endParaRPr lang="en-US" sz="2400" noProof="1"/>
+          </a:p>
+          <a:p>
+            <a:pPr marL="285750" indent="-285750">
+              <a:buFont typeface="Arial" panose="020B0604020202020204" pitchFamily="34" charset="0"/>
+              <a:buChar char="•"/>
+            </a:pPr>
+            <a:endParaRPr lang="en-US" sz="2400" noProof="1"/>
+          </a:p>
+          <a:p>
+            <a:pPr marL="285750" indent="-285750">
+              <a:buFont typeface="Arial" panose="020B0604020202020204" pitchFamily="34" charset="0"/>
+              <a:buChar char="•"/>
+            </a:pPr>
+            <a:endParaRPr lang="en-US" sz="2400" noProof="1"/>
+          </a:p>
+          <a:p>
+            <a:pPr marL="742950" lvl="1" indent="-285750">
+              <a:buFont typeface="Arial" panose="020B0604020202020204" pitchFamily="34" charset="0"/>
+              <a:buChar char="•"/>
+            </a:pPr>
+            <a:endParaRPr lang="en-US" sz="2400" noProof="1"/>
+          </a:p>
+          <a:p>
+            <a:endParaRPr lang="en-US" sz="2400" noProof="1"/>
+          </a:p>
+          <a:p>
+            <a:pPr marL="285750" indent="-285750">
+              <a:buFont typeface="Arial" panose="020B0604020202020204" pitchFamily="34" charset="0"/>
+              <a:buChar char="•"/>
+            </a:pPr>
+            <a:endParaRPr lang="en-US" sz="2400" noProof="1"/>
+          </a:p>
+          <a:p>
+            <a:pPr marL="285750" indent="-285750">
+              <a:buFont typeface="Arial" panose="020B0604020202020204" pitchFamily="34" charset="0"/>
+              <a:buChar char="•"/>
+            </a:pPr>
+            <a:endParaRPr lang="en-US" sz="2400" noProof="1"/>
+          </a:p>
+          <a:p>
+            <a:pPr marL="285750" indent="-285750">
+              <a:buFont typeface="Arial" panose="020B0604020202020204" pitchFamily="34" charset="0"/>
+              <a:buChar char="•"/>
+            </a:pPr>
+            <a:endParaRPr lang="en-US" sz="2400" noProof="1"/>
+          </a:p>
+          <a:p>
+            <a:pPr lvl="1"/>
+            <a:endParaRPr lang="en-US" sz="2400" noProof="1"/>
+          </a:p>
+        </p:txBody>
+      </p:sp>
+      <p:pic>
+        <p:nvPicPr>
+          <p:cNvPr id="6" name="Picture 5" descr="A screenshot of a computer&#10;&#10;Description automatically generated">
+            <a:extLst>
+              <a:ext uri="{FF2B5EF4-FFF2-40B4-BE49-F238E27FC236}">
+                <a16:creationId xmlns:a16="http://schemas.microsoft.com/office/drawing/2014/main" id="{2826F1FE-68F6-0A69-6F9A-46EDD13B6F8F}"/>
+              </a:ext>
+            </a:extLst>
+          </p:cNvPr>
+          <p:cNvPicPr>
+            <a:picLocks noChangeAspect="1"/>
+          </p:cNvPicPr>
+          <p:nvPr/>
+        </p:nvPicPr>
+        <p:blipFill rotWithShape="1">
+          <a:blip r:embed="rId2"/>
+          <a:srcRect t="84777"/>
+          <a:stretch/>
+        </p:blipFill>
+        <p:spPr>
+          <a:xfrm>
+            <a:off x="766017" y="2878667"/>
+            <a:ext cx="10659965" cy="1397000"/>
+          </a:xfrm>
+          <a:prstGeom prst="rect">
+            <a:avLst/>
+          </a:prstGeom>
+        </p:spPr>
+      </p:pic>
+    </p:spTree>
+    <p:extLst>
+      <p:ext uri="{BB962C8B-B14F-4D97-AF65-F5344CB8AC3E}">
+        <p14:creationId xmlns:p14="http://schemas.microsoft.com/office/powerpoint/2010/main" val="2649367104"/>
+      </p:ext>
+    </p:extLst>
+  </p:cSld>
+  <p:clrMapOvr>
+    <a:masterClrMapping/>
+  </p:clrMapOvr>
+  <mc:AlternateContent xmlns:mc="http://schemas.openxmlformats.org/markup-compatibility/2006" xmlns:p159="http://schemas.microsoft.com/office/powerpoint/2015/09/main">
+    <mc:Choice Requires="p159">
+      <p:transition xmlns:p14="http://schemas.microsoft.com/office/powerpoint/2010/main" spd="slow" p14:dur="2000">
+        <p159:morph option="byObject"/>
+      </p:transition>
+    </mc:Choice>
+    <mc:Fallback xmlns="">
+      <p:transition spd="slow">
+        <p:fade/>
+      </p:transition>
+    </mc:Fallback>
+  </mc:AlternateContent>
+</p:sld>
+</file>
+
+<file path=ppt/slides/slide44.xml><?xml version="1.0" encoding="utf-8"?>
+<p:sld xmlns:a="http://schemas.openxmlformats.org/drawingml/2006/main" xmlns:r="http://schemas.openxmlformats.org/officeDocument/2006/relationships" xmlns:p="http://schemas.openxmlformats.org/presentationml/2006/main">
+  <p:cSld>
+    <p:spTree>
+      <p:nvGrpSpPr>
+        <p:cNvPr id="1" name=""/>
+        <p:cNvGrpSpPr/>
+        <p:nvPr/>
+      </p:nvGrpSpPr>
+      <p:grpSpPr>
+        <a:xfrm>
+          <a:off x="0" y="0"/>
+          <a:ext cx="0" cy="0"/>
+          <a:chOff x="0" y="0"/>
+          <a:chExt cx="0" cy="0"/>
+        </a:xfrm>
+      </p:grpSpPr>
+      <p:sp>
+        <p:nvSpPr>
+          <p:cNvPr id="2" name="Title 1">
+            <a:extLst>
+              <a:ext uri="{FF2B5EF4-FFF2-40B4-BE49-F238E27FC236}">
+                <a16:creationId xmlns:a16="http://schemas.microsoft.com/office/drawing/2014/main" id="{5CE54ABB-4929-4810-950B-2DAEA0A5BAB4}"/>
+              </a:ext>
+            </a:extLst>
+          </p:cNvPr>
+          <p:cNvSpPr>
+            <a:spLocks noGrp="1"/>
+          </p:cNvSpPr>
+          <p:nvPr>
+            <p:ph type="title"/>
+          </p:nvPr>
+        </p:nvSpPr>
+        <p:spPr>
+          <a:xfrm>
+            <a:off x="0" y="927496"/>
+            <a:ext cx="12192000" cy="562637"/>
+          </a:xfrm>
+        </p:spPr>
+        <p:txBody>
+          <a:bodyPr>
+            <a:normAutofit/>
+          </a:bodyPr>
+          <a:lstStyle/>
+          <a:p>
+            <a:pPr algn="l"/>
+            <a:r>
+              <a:rPr lang="en-US" dirty="0"/>
+              <a:t>🔬Study time: Final status</a:t>
+            </a:r>
+          </a:p>
+        </p:txBody>
+      </p:sp>
+      <p:sp>
+        <p:nvSpPr>
+          <p:cNvPr id="7" name="Content Placeholder 6">
+            <a:extLst>
+              <a:ext uri="{FF2B5EF4-FFF2-40B4-BE49-F238E27FC236}">
+                <a16:creationId xmlns:a16="http://schemas.microsoft.com/office/drawing/2014/main" id="{6B35F89A-6CDF-41F7-BD87-18B45BD7330B}"/>
+              </a:ext>
+            </a:extLst>
+          </p:cNvPr>
+          <p:cNvSpPr>
+            <a:spLocks noGrp="1"/>
+          </p:cNvSpPr>
+          <p:nvPr>
+            <p:ph sz="half" idx="2"/>
+          </p:nvPr>
+        </p:nvSpPr>
+        <p:spPr>
+          <a:xfrm>
+            <a:off x="62910" y="1679575"/>
+            <a:ext cx="12129090" cy="5178425"/>
+          </a:xfrm>
+        </p:spPr>
+        <p:txBody>
+          <a:bodyPr vert="horz" lIns="91440" tIns="45720" rIns="91440" bIns="45720" rtlCol="0" anchor="t">
+            <a:normAutofit/>
+          </a:bodyPr>
+          <a:lstStyle/>
+          <a:p>
+            <a:pPr marL="285750" indent="-285750">
+              <a:buFont typeface="Arial" panose="020B0604020202020204" pitchFamily="34" charset="0"/>
+              <a:buChar char="•"/>
+            </a:pPr>
+            <a:r>
+              <a:rPr lang="en-US" sz="2400" noProof="1"/>
+              <a:t>✅You provided your feedback to the CISO/PO:</a:t>
+            </a:r>
+          </a:p>
+          <a:p>
+            <a:pPr marL="914400" lvl="1" indent="-457200">
+              <a:buFont typeface="+mj-lt"/>
+              <a:buAutoNum type="arabicPeriod"/>
+            </a:pPr>
+            <a:r>
+              <a:rPr lang="en-US" sz="2400" noProof="1"/>
+              <a:t>The effective CSP you created, with the help, of your team!</a:t>
+            </a:r>
+          </a:p>
+          <a:p>
+            <a:pPr marL="914400" lvl="1" indent="-457200">
+              <a:buFont typeface="+mj-lt"/>
+              <a:buAutoNum type="arabicPeriod"/>
+            </a:pPr>
+            <a:r>
+              <a:rPr lang="en-US" sz="2400" noProof="1"/>
+              <a:t>The little update needed: One line in a single JS file!</a:t>
+            </a:r>
+          </a:p>
+          <a:p>
+            <a:pPr marL="742950" lvl="1" indent="-285750">
+              <a:buFont typeface="Arial" panose="020B0604020202020204" pitchFamily="34" charset="0"/>
+              <a:buChar char="•"/>
+            </a:pPr>
+            <a:endParaRPr lang="en-US" sz="2400" noProof="1"/>
+          </a:p>
+          <a:p>
+            <a:pPr marL="285750" indent="-285750">
+              <a:buFont typeface="Arial" panose="020B0604020202020204" pitchFamily="34" charset="0"/>
+              <a:buChar char="•"/>
+            </a:pPr>
+            <a:r>
+              <a:rPr lang="en-US" sz="2400" noProof="1"/>
+              <a:t>💖You sent the mail of status at 03:30 P.M. with all technical details, packed your stuff and leave to prepare for your romantic evening.</a:t>
+            </a:r>
+          </a:p>
+          <a:p>
+            <a:pPr marL="285750" indent="-285750">
+              <a:buFont typeface="Arial" panose="020B0604020202020204" pitchFamily="34" charset="0"/>
+              <a:buChar char="•"/>
+            </a:pPr>
+            <a:endParaRPr lang="en-US" sz="2400" noProof="1"/>
+          </a:p>
+          <a:p>
+            <a:pPr marL="285750" indent="-285750">
+              <a:buFont typeface="Arial" panose="020B0604020202020204" pitchFamily="34" charset="0"/>
+              <a:buChar char="•"/>
+            </a:pPr>
+            <a:endParaRPr lang="en-US" sz="2400" noProof="1"/>
+          </a:p>
+          <a:p>
+            <a:pPr marL="285750" indent="-285750">
+              <a:buFont typeface="Arial" panose="020B0604020202020204" pitchFamily="34" charset="0"/>
+              <a:buChar char="•"/>
+            </a:pPr>
+            <a:endParaRPr lang="en-US" sz="2400" noProof="1"/>
+          </a:p>
+          <a:p>
+            <a:pPr marL="742950" lvl="1" indent="-285750">
+              <a:buFont typeface="Arial" panose="020B0604020202020204" pitchFamily="34" charset="0"/>
+              <a:buChar char="•"/>
+            </a:pPr>
+            <a:endParaRPr lang="en-US" sz="2400" noProof="1"/>
+          </a:p>
+          <a:p>
+            <a:endParaRPr lang="en-US" sz="2400" noProof="1"/>
+          </a:p>
+          <a:p>
+            <a:pPr marL="285750" indent="-285750">
+              <a:buFont typeface="Arial" panose="020B0604020202020204" pitchFamily="34" charset="0"/>
+              <a:buChar char="•"/>
+            </a:pPr>
+            <a:endParaRPr lang="en-US" sz="2400" noProof="1"/>
+          </a:p>
+          <a:p>
+            <a:pPr marL="285750" indent="-285750">
+              <a:buFont typeface="Arial" panose="020B0604020202020204" pitchFamily="34" charset="0"/>
+              <a:buChar char="•"/>
+            </a:pPr>
+            <a:endParaRPr lang="en-US" sz="2400" noProof="1"/>
+          </a:p>
+          <a:p>
+            <a:pPr marL="285750" indent="-285750">
+              <a:buFont typeface="Arial" panose="020B0604020202020204" pitchFamily="34" charset="0"/>
+              <a:buChar char="•"/>
+            </a:pPr>
+            <a:endParaRPr lang="en-US" sz="2400" noProof="1"/>
+          </a:p>
+          <a:p>
+            <a:pPr lvl="1"/>
+            <a:endParaRPr lang="en-US" sz="2400" noProof="1"/>
+          </a:p>
+        </p:txBody>
+      </p:sp>
+    </p:spTree>
+    <p:extLst>
+      <p:ext uri="{BB962C8B-B14F-4D97-AF65-F5344CB8AC3E}">
+        <p14:creationId xmlns:p14="http://schemas.microsoft.com/office/powerpoint/2010/main" val="2485501603"/>
+      </p:ext>
+    </p:extLst>
+  </p:cSld>
+  <p:clrMapOvr>
+    <a:masterClrMapping/>
+  </p:clrMapOvr>
+  <mc:AlternateContent xmlns:mc="http://schemas.openxmlformats.org/markup-compatibility/2006" xmlns:p14="http://schemas.microsoft.com/office/powerpoint/2010/main">
+    <mc:Choice Requires="p14">
+      <p:transition spd="med" p14:dur="700">
+        <p:fade/>
+      </p:transition>
+    </mc:Choice>
+    <mc:Fallback xmlns="">
+      <p:transition spd="med">
+        <p:fade/>
+      </p:transition>
+    </mc:Fallback>
+  </mc:AlternateContent>
+</p:sld>
+</file>
+
+<file path=ppt/slides/slide45.xml><?xml version="1.0" encoding="utf-8"?>
+<p:sld xmlns:a="http://schemas.openxmlformats.org/drawingml/2006/main" xmlns:r="http://schemas.openxmlformats.org/officeDocument/2006/relationships" xmlns:p="http://schemas.openxmlformats.org/presentationml/2006/main">
+  <p:cSld>
+    <p:spTree>
+      <p:nvGrpSpPr>
+        <p:cNvPr id="1" name=""/>
+        <p:cNvGrpSpPr/>
+        <p:nvPr/>
+      </p:nvGrpSpPr>
+      <p:grpSpPr>
+        <a:xfrm>
+          <a:off x="0" y="0"/>
+          <a:ext cx="0" cy="0"/>
+          <a:chOff x="0" y="0"/>
+          <a:chExt cx="0" cy="0"/>
+        </a:xfrm>
+      </p:grpSpPr>
+      <p:sp>
+        <p:nvSpPr>
+          <p:cNvPr id="2" name="Title 1">
+            <a:extLst>
+              <a:ext uri="{FF2B5EF4-FFF2-40B4-BE49-F238E27FC236}">
+                <a16:creationId xmlns:a16="http://schemas.microsoft.com/office/drawing/2014/main" id="{A29DE7F2-E890-4744-88DD-A75F5E300513}"/>
+              </a:ext>
+            </a:extLst>
+          </p:cNvPr>
+          <p:cNvSpPr>
+            <a:spLocks noGrp="1"/>
+          </p:cNvSpPr>
+          <p:nvPr>
+            <p:ph type="ctrTitle"/>
+          </p:nvPr>
+        </p:nvSpPr>
+        <p:spPr>
+          <a:xfrm>
+            <a:off x="5892799" y="2571235"/>
+            <a:ext cx="6189133" cy="1715531"/>
+          </a:xfrm>
+        </p:spPr>
+        <p:txBody>
+          <a:bodyPr/>
+          <a:lstStyle/>
+          <a:p>
+            <a:r>
+              <a:rPr lang="en-US" dirty="0"/>
+              <a:t>📚Lesson learned…</a:t>
+            </a:r>
+          </a:p>
+        </p:txBody>
+      </p:sp>
+    </p:spTree>
+    <p:extLst>
+      <p:ext uri="{BB962C8B-B14F-4D97-AF65-F5344CB8AC3E}">
+        <p14:creationId xmlns:p14="http://schemas.microsoft.com/office/powerpoint/2010/main" val="3883942163"/>
+      </p:ext>
+    </p:extLst>
+  </p:cSld>
+  <p:clrMapOvr>
+    <a:masterClrMapping/>
+  </p:clrMapOvr>
+  <mc:AlternateContent xmlns:mc="http://schemas.openxmlformats.org/markup-compatibility/2006" xmlns:p14="http://schemas.microsoft.com/office/powerpoint/2010/main">
+    <mc:Choice Requires="p14">
+      <p:transition spd="med" p14:dur="700">
+        <p:fade/>
+      </p:transition>
+    </mc:Choice>
+    <mc:Fallback xmlns="">
+      <p:transition spd="med">
+        <p:fade/>
+      </p:transition>
+    </mc:Fallback>
+  </mc:AlternateContent>
+</p:sld>
+</file>
+
+<file path=ppt/slides/slide46.xml><?xml version="1.0" encoding="utf-8"?>
+<p:sld xmlns:a="http://schemas.openxmlformats.org/drawingml/2006/main" xmlns:r="http://schemas.openxmlformats.org/officeDocument/2006/relationships" xmlns:p="http://schemas.openxmlformats.org/presentationml/2006/main">
+  <p:cSld>
+    <p:spTree>
+      <p:nvGrpSpPr>
+        <p:cNvPr id="1" name=""/>
+        <p:cNvGrpSpPr/>
+        <p:nvPr/>
+      </p:nvGrpSpPr>
+      <p:grpSpPr>
+        <a:xfrm>
+          <a:off x="0" y="0"/>
+          <a:ext cx="0" cy="0"/>
+          <a:chOff x="0" y="0"/>
+          <a:chExt cx="0" cy="0"/>
+        </a:xfrm>
+      </p:grpSpPr>
+      <p:sp>
+        <p:nvSpPr>
+          <p:cNvPr id="2" name="Title 1">
+            <a:extLst>
+              <a:ext uri="{FF2B5EF4-FFF2-40B4-BE49-F238E27FC236}">
+                <a16:creationId xmlns:a16="http://schemas.microsoft.com/office/drawing/2014/main" id="{5CE54ABB-4929-4810-950B-2DAEA0A5BAB4}"/>
+              </a:ext>
+            </a:extLst>
+          </p:cNvPr>
+          <p:cNvSpPr>
+            <a:spLocks noGrp="1"/>
+          </p:cNvSpPr>
+          <p:nvPr>
+            <p:ph type="title"/>
+          </p:nvPr>
+        </p:nvSpPr>
+        <p:spPr>
+          <a:xfrm>
+            <a:off x="0" y="927496"/>
+            <a:ext cx="12192000" cy="562637"/>
+          </a:xfrm>
+        </p:spPr>
+        <p:txBody>
+          <a:bodyPr>
+            <a:normAutofit/>
+          </a:bodyPr>
+          <a:lstStyle/>
+          <a:p>
+            <a:pPr algn="l"/>
+            <a:r>
+              <a:rPr lang="en-US" dirty="0"/>
+              <a:t>📚Lesson learned</a:t>
+            </a:r>
+          </a:p>
+        </p:txBody>
+      </p:sp>
+      <p:sp>
+        <p:nvSpPr>
+          <p:cNvPr id="7" name="Content Placeholder 6">
+            <a:extLst>
+              <a:ext uri="{FF2B5EF4-FFF2-40B4-BE49-F238E27FC236}">
+                <a16:creationId xmlns:a16="http://schemas.microsoft.com/office/drawing/2014/main" id="{6B35F89A-6CDF-41F7-BD87-18B45BD7330B}"/>
+              </a:ext>
+            </a:extLst>
+          </p:cNvPr>
+          <p:cNvSpPr>
+            <a:spLocks noGrp="1"/>
+          </p:cNvSpPr>
+          <p:nvPr>
+            <p:ph sz="half" idx="2"/>
+          </p:nvPr>
+        </p:nvSpPr>
+        <p:spPr>
+          <a:xfrm>
+            <a:off x="62910" y="1679575"/>
+            <a:ext cx="12129090" cy="5178425"/>
+          </a:xfrm>
+        </p:spPr>
+        <p:txBody>
+          <a:bodyPr vert="horz" lIns="91440" tIns="45720" rIns="91440" bIns="45720" rtlCol="0" anchor="t">
+            <a:normAutofit/>
+          </a:bodyPr>
+          <a:lstStyle/>
+          <a:p>
+            <a:pPr marL="457200" indent="-457200">
+              <a:buFont typeface="+mj-lt"/>
+              <a:buAutoNum type="arabicPeriod"/>
+            </a:pPr>
+            <a:r>
+              <a:rPr lang="en-US" sz="2400" noProof="1"/>
+              <a:t>Content-Security-Policy (CSP) can be used to make exploitation of XSS harder.</a:t>
+            </a:r>
+          </a:p>
+          <a:p>
+            <a:pPr marL="457200" indent="-457200">
+              <a:buFont typeface="+mj-lt"/>
+              <a:buAutoNum type="arabicPeriod"/>
+            </a:pPr>
+            <a:endParaRPr lang="en-US" sz="2400" noProof="1"/>
+          </a:p>
+          <a:p>
+            <a:pPr marL="457200" indent="-457200">
+              <a:buFont typeface="+mj-lt"/>
+              <a:buAutoNum type="arabicPeriod"/>
+            </a:pPr>
+            <a:r>
+              <a:rPr lang="en-US" sz="2400" noProof="1"/>
+              <a:t>CSP can be also used to “buy time” to fix an XSS issue in good condition.</a:t>
+            </a:r>
+          </a:p>
+          <a:p>
+            <a:pPr marL="457200" indent="-457200">
+              <a:buFont typeface="+mj-lt"/>
+              <a:buAutoNum type="arabicPeriod"/>
+            </a:pPr>
+            <a:endParaRPr lang="en-US" sz="2400" noProof="1"/>
+          </a:p>
+          <a:p>
+            <a:pPr marL="457200" indent="-457200">
+              <a:buFont typeface="+mj-lt"/>
+              <a:buAutoNum type="arabicPeriod"/>
+            </a:pPr>
+            <a:r>
+              <a:rPr lang="en-US" sz="2400" noProof="1"/>
+              <a:t>A CSP policy is created using an iterative process that require effective testing during each iteration: It is easy to break an application using a single CSP directive.</a:t>
+            </a:r>
+          </a:p>
+          <a:p>
+            <a:pPr marL="457200" indent="-457200">
+              <a:buFont typeface="+mj-lt"/>
+              <a:buAutoNum type="arabicPeriod"/>
+            </a:pPr>
+            <a:endParaRPr lang="en-US" sz="2400" noProof="1"/>
+          </a:p>
+          <a:p>
+            <a:pPr marL="457200" indent="-457200">
+              <a:buFont typeface="+mj-lt"/>
+              <a:buAutoNum type="arabicPeriod"/>
+            </a:pPr>
+            <a:r>
+              <a:rPr lang="en-US" sz="2400" noProof="1"/>
+              <a:t>CSP can save your date night 💖</a:t>
+            </a:r>
+          </a:p>
+          <a:p>
+            <a:pPr marL="285750" indent="-285750">
+              <a:buFont typeface="Arial" panose="020B0604020202020204" pitchFamily="34" charset="0"/>
+              <a:buChar char="•"/>
+            </a:pPr>
+            <a:endParaRPr lang="en-US" sz="2400" noProof="1"/>
+          </a:p>
+          <a:p>
+            <a:pPr marL="285750" indent="-285750">
+              <a:buFont typeface="Arial" panose="020B0604020202020204" pitchFamily="34" charset="0"/>
+              <a:buChar char="•"/>
+            </a:pPr>
+            <a:endParaRPr lang="en-US" sz="2400" noProof="1"/>
+          </a:p>
+          <a:p>
+            <a:pPr marL="285750" indent="-285750">
+              <a:buFont typeface="Arial" panose="020B0604020202020204" pitchFamily="34" charset="0"/>
+              <a:buChar char="•"/>
+            </a:pPr>
+            <a:endParaRPr lang="en-US" sz="2400" noProof="1"/>
+          </a:p>
+          <a:p>
+            <a:pPr marL="285750" indent="-285750">
+              <a:buFont typeface="Arial" panose="020B0604020202020204" pitchFamily="34" charset="0"/>
+              <a:buChar char="•"/>
+            </a:pPr>
+            <a:endParaRPr lang="en-US" sz="2400" noProof="1"/>
+          </a:p>
+          <a:p>
+            <a:pPr marL="742950" lvl="1" indent="-285750">
+              <a:buFont typeface="Arial" panose="020B0604020202020204" pitchFamily="34" charset="0"/>
+              <a:buChar char="•"/>
+            </a:pPr>
+            <a:endParaRPr lang="en-US" sz="2400" noProof="1"/>
+          </a:p>
+          <a:p>
+            <a:endParaRPr lang="en-US" sz="2400" noProof="1"/>
+          </a:p>
+          <a:p>
+            <a:pPr marL="285750" indent="-285750">
+              <a:buFont typeface="Arial" panose="020B0604020202020204" pitchFamily="34" charset="0"/>
+              <a:buChar char="•"/>
+            </a:pPr>
+            <a:endParaRPr lang="en-US" sz="2400" noProof="1"/>
+          </a:p>
+          <a:p>
+            <a:pPr marL="285750" indent="-285750">
+              <a:buFont typeface="Arial" panose="020B0604020202020204" pitchFamily="34" charset="0"/>
+              <a:buChar char="•"/>
+            </a:pPr>
+            <a:endParaRPr lang="en-US" sz="2400" noProof="1"/>
+          </a:p>
+          <a:p>
+            <a:pPr marL="285750" indent="-285750">
+              <a:buFont typeface="Arial" panose="020B0604020202020204" pitchFamily="34" charset="0"/>
+              <a:buChar char="•"/>
+            </a:pPr>
+            <a:endParaRPr lang="en-US" sz="2400" noProof="1"/>
+          </a:p>
+          <a:p>
+            <a:pPr lvl="1"/>
+            <a:endParaRPr lang="en-US" sz="2400" noProof="1"/>
+          </a:p>
+        </p:txBody>
+      </p:sp>
+    </p:spTree>
+    <p:extLst>
+      <p:ext uri="{BB962C8B-B14F-4D97-AF65-F5344CB8AC3E}">
+        <p14:creationId xmlns:p14="http://schemas.microsoft.com/office/powerpoint/2010/main" val="4002545787"/>
+      </p:ext>
+    </p:extLst>
+  </p:cSld>
+  <p:clrMapOvr>
+    <a:masterClrMapping/>
+  </p:clrMapOvr>
+  <mc:AlternateContent xmlns:mc="http://schemas.openxmlformats.org/markup-compatibility/2006" xmlns:p14="http://schemas.microsoft.com/office/powerpoint/2010/main">
+    <mc:Choice Requires="p14">
+      <p:transition spd="med" p14:dur="700">
+        <p:fade/>
+      </p:transition>
+    </mc:Choice>
+    <mc:Fallback xmlns="">
+      <p:transition spd="med">
+        <p:fade/>
+      </p:transition>
+    </mc:Fallback>
+  </mc:AlternateContent>
+</p:sld>
+</file>
+
+<file path=ppt/slides/slide47.xml><?xml version="1.0" encoding="utf-8"?>
+<p:sld xmlns:a="http://schemas.openxmlformats.org/drawingml/2006/main" xmlns:r="http://schemas.openxmlformats.org/officeDocument/2006/relationships" xmlns:p="http://schemas.openxmlformats.org/presentationml/2006/main">
+  <p:cSld>
+    <p:spTree>
+      <p:nvGrpSpPr>
+        <p:cNvPr id="1" name=""/>
+        <p:cNvGrpSpPr/>
+        <p:nvPr/>
+      </p:nvGrpSpPr>
+      <p:grpSpPr>
+        <a:xfrm>
+          <a:off x="0" y="0"/>
+          <a:ext cx="0" cy="0"/>
+          <a:chOff x="0" y="0"/>
+          <a:chExt cx="0" cy="0"/>
+        </a:xfrm>
+      </p:grpSpPr>
+      <p:sp>
+        <p:nvSpPr>
+          <p:cNvPr id="2" name="Title 1">
+            <a:extLst>
+              <a:ext uri="{FF2B5EF4-FFF2-40B4-BE49-F238E27FC236}">
+                <a16:creationId xmlns:a16="http://schemas.microsoft.com/office/drawing/2014/main" id="{A29DE7F2-E890-4744-88DD-A75F5E300513}"/>
+              </a:ext>
+            </a:extLst>
+          </p:cNvPr>
+          <p:cNvSpPr>
+            <a:spLocks noGrp="1"/>
+          </p:cNvSpPr>
+          <p:nvPr>
+            <p:ph type="ctrTitle"/>
+          </p:nvPr>
+        </p:nvSpPr>
+        <p:spPr>
+          <a:xfrm>
+            <a:off x="5892799" y="2571235"/>
+            <a:ext cx="6189133" cy="1715531"/>
+          </a:xfrm>
+        </p:spPr>
+        <p:txBody>
+          <a:bodyPr/>
+          <a:lstStyle/>
+          <a:p>
+            <a:r>
+              <a:rPr lang="en-US" dirty="0"/>
+              <a:t>🤗Thank you!</a:t>
+            </a:r>
+            <a:br>
+              <a:rPr lang="en-US" dirty="0"/>
+            </a:br>
+            <a:br>
+              <a:rPr lang="en-US" dirty="0"/>
+            </a:br>
+            <a:r>
+              <a:rPr lang="en-US" dirty="0"/>
+              <a:t>🤔Any questions?</a:t>
+            </a:r>
+          </a:p>
+        </p:txBody>
+      </p:sp>
+    </p:spTree>
+    <p:extLst>
+      <p:ext uri="{BB962C8B-B14F-4D97-AF65-F5344CB8AC3E}">
+        <p14:creationId xmlns:p14="http://schemas.microsoft.com/office/powerpoint/2010/main" val="3271207713"/>
+      </p:ext>
+    </p:extLst>
+  </p:cSld>
+  <p:clrMapOvr>
+    <a:masterClrMapping/>
+  </p:clrMapOvr>
+  <mc:AlternateContent xmlns:mc="http://schemas.openxmlformats.org/markup-compatibility/2006" xmlns:p14="http://schemas.microsoft.com/office/powerpoint/2010/main">
+    <mc:Choice Requires="p14">
+      <p:transition spd="med" p14:dur="700">
+        <p:fade/>
+      </p:transition>
+    </mc:Choice>
+    <mc:Fallback xmlns="">
+      <p:transition spd="med">
+        <p:fade/>
+      </p:transition>
+    </mc:Fallback>
+  </mc:AlternateContent>
+</p:sld>
+</file>
+
+<file path=ppt/slides/slide48.xml><?xml version="1.0" encoding="utf-8"?>
+<p:sld xmlns:a="http://schemas.openxmlformats.org/drawingml/2006/main" xmlns:r="http://schemas.openxmlformats.org/officeDocument/2006/relationships" xmlns:p="http://schemas.openxmlformats.org/presentationml/2006/main">
+  <p:cSld>
+    <p:spTree>
+      <p:nvGrpSpPr>
+        <p:cNvPr id="1" name=""/>
+        <p:cNvGrpSpPr/>
+        <p:nvPr/>
+      </p:nvGrpSpPr>
+      <p:grpSpPr>
+        <a:xfrm>
+          <a:off x="0" y="0"/>
+          <a:ext cx="0" cy="0"/>
+          <a:chOff x="0" y="0"/>
+          <a:chExt cx="0" cy="0"/>
+        </a:xfrm>
+      </p:grpSpPr>
+      <p:sp>
+        <p:nvSpPr>
+          <p:cNvPr id="2" name="Title 1">
+            <a:extLst>
+              <a:ext uri="{FF2B5EF4-FFF2-40B4-BE49-F238E27FC236}">
+                <a16:creationId xmlns:a16="http://schemas.microsoft.com/office/drawing/2014/main" id="{5CE54ABB-4929-4810-950B-2DAEA0A5BAB4}"/>
+              </a:ext>
+            </a:extLst>
+          </p:cNvPr>
+          <p:cNvSpPr>
+            <a:spLocks noGrp="1"/>
+          </p:cNvSpPr>
+          <p:nvPr>
+            <p:ph type="title"/>
+          </p:nvPr>
+        </p:nvSpPr>
+        <p:spPr>
+          <a:xfrm>
+            <a:off x="0" y="927496"/>
+            <a:ext cx="12192000" cy="562637"/>
+          </a:xfrm>
+        </p:spPr>
+        <p:txBody>
+          <a:bodyPr>
+            <a:normAutofit/>
+          </a:bodyPr>
+          <a:lstStyle/>
+          <a:p>
+            <a:pPr algn="l"/>
+            <a:r>
+              <a:rPr lang="en-US" dirty="0"/>
+              <a:t>📖Resources</a:t>
+            </a:r>
+          </a:p>
+        </p:txBody>
+      </p:sp>
+      <p:sp>
+        <p:nvSpPr>
+          <p:cNvPr id="7" name="Content Placeholder 6">
+            <a:extLst>
+              <a:ext uri="{FF2B5EF4-FFF2-40B4-BE49-F238E27FC236}">
+                <a16:creationId xmlns:a16="http://schemas.microsoft.com/office/drawing/2014/main" id="{6B35F89A-6CDF-41F7-BD87-18B45BD7330B}"/>
+              </a:ext>
+            </a:extLst>
+          </p:cNvPr>
+          <p:cNvSpPr>
+            <a:spLocks noGrp="1"/>
+          </p:cNvSpPr>
+          <p:nvPr>
+            <p:ph sz="half" idx="2"/>
+          </p:nvPr>
+        </p:nvSpPr>
+        <p:spPr>
+          <a:xfrm>
+            <a:off x="62910" y="1679575"/>
+            <a:ext cx="12129090" cy="5178425"/>
+          </a:xfrm>
+        </p:spPr>
+        <p:txBody>
+          <a:bodyPr vert="horz" lIns="91440" tIns="45720" rIns="91440" bIns="45720" rtlCol="0" anchor="t">
+            <a:normAutofit/>
+          </a:bodyPr>
+          <a:lstStyle/>
+          <a:p>
+            <a:pPr marL="285750" indent="-285750">
+              <a:buFont typeface="Arial" panose="020B0604020202020204" pitchFamily="34" charset="0"/>
+              <a:buChar char="•"/>
+            </a:pPr>
+            <a:r>
+              <a:rPr lang="en-US" sz="2400" noProof="1"/>
+              <a:t>All </a:t>
+            </a:r>
+            <a:r>
+              <a:rPr lang="en-US" sz="2400" noProof="1">
+                <a:hlinkClick r:id="rId2"/>
+              </a:rPr>
+              <a:t>technical content</a:t>
+            </a:r>
+            <a:r>
+              <a:rPr lang="en-US" sz="2400" noProof="1"/>
+              <a:t> about this presentation.</a:t>
+            </a:r>
+          </a:p>
+          <a:p>
+            <a:pPr marL="285750" indent="-285750">
+              <a:buFont typeface="Arial" panose="020B0604020202020204" pitchFamily="34" charset="0"/>
+              <a:buChar char="•"/>
+            </a:pPr>
+            <a:r>
+              <a:rPr lang="en-US" sz="2400" noProof="1">
+                <a:hlinkClick r:id="rId3"/>
+              </a:rPr>
+              <a:t>Generate a CSP</a:t>
+            </a:r>
+            <a:r>
+              <a:rPr lang="en-US" sz="2400" noProof="1"/>
+              <a:t>.</a:t>
+            </a:r>
+          </a:p>
+          <a:p>
+            <a:pPr marL="285750" indent="-285750">
+              <a:buFont typeface="Arial" panose="020B0604020202020204" pitchFamily="34" charset="0"/>
+              <a:buChar char="•"/>
+            </a:pPr>
+            <a:r>
+              <a:rPr lang="en-US" sz="2400" noProof="1">
+                <a:hlinkClick r:id="rId4"/>
+              </a:rPr>
+              <a:t>Evaluate a CSP</a:t>
+            </a:r>
+            <a:r>
+              <a:rPr lang="en-US" sz="2400" noProof="1"/>
+              <a:t>.</a:t>
+            </a:r>
+          </a:p>
+          <a:p>
+            <a:pPr marL="285750" indent="-285750">
+              <a:buFont typeface="Arial" panose="020B0604020202020204" pitchFamily="34" charset="0"/>
+              <a:buChar char="•"/>
+            </a:pPr>
+            <a:r>
+              <a:rPr lang="en-US" sz="2400" noProof="1"/>
+              <a:t>Documentation about CSP:</a:t>
+            </a:r>
+          </a:p>
+          <a:p>
+            <a:pPr marL="742950" lvl="1" indent="-285750">
+              <a:buFont typeface="Arial" panose="020B0604020202020204" pitchFamily="34" charset="0"/>
+              <a:buChar char="•"/>
+            </a:pPr>
+            <a:r>
+              <a:rPr lang="en-US" sz="2400" noProof="1">
+                <a:hlinkClick r:id="rId5"/>
+              </a:rPr>
+              <a:t>Mozilla MDN</a:t>
+            </a:r>
+            <a:endParaRPr lang="en-US" sz="2400" noProof="1"/>
+          </a:p>
+          <a:p>
+            <a:pPr marL="742950" lvl="1" indent="-285750">
+              <a:buFont typeface="Arial" panose="020B0604020202020204" pitchFamily="34" charset="0"/>
+              <a:buChar char="•"/>
+            </a:pPr>
+            <a:r>
+              <a:rPr lang="en-US" sz="2400" noProof="1">
+                <a:hlinkClick r:id="rId6"/>
+              </a:rPr>
+              <a:t>OWASP Cheat Sheet</a:t>
+            </a:r>
+            <a:endParaRPr lang="en-US" sz="2400" noProof="1"/>
+          </a:p>
+          <a:p>
+            <a:pPr marL="285750" indent="-285750">
+              <a:buFont typeface="Arial" panose="020B0604020202020204" pitchFamily="34" charset="0"/>
+              <a:buChar char="•"/>
+            </a:pPr>
+            <a:r>
+              <a:rPr lang="en-US" sz="2400" noProof="1"/>
+              <a:t>Level of </a:t>
+            </a:r>
+            <a:r>
+              <a:rPr lang="en-US" sz="2400" noProof="1">
+                <a:hlinkClick r:id="rId7"/>
+              </a:rPr>
+              <a:t>supports</a:t>
+            </a:r>
+            <a:r>
+              <a:rPr lang="en-US" sz="2400" noProof="1"/>
+              <a:t>.</a:t>
+            </a:r>
+          </a:p>
+          <a:p>
+            <a:pPr marL="285750" indent="-285750">
+              <a:buFont typeface="Arial" panose="020B0604020202020204" pitchFamily="34" charset="0"/>
+              <a:buChar char="•"/>
+            </a:pPr>
+            <a:endParaRPr lang="en-US" sz="2400" noProof="1"/>
+          </a:p>
+          <a:p>
+            <a:pPr marL="285750" indent="-285750">
+              <a:buFont typeface="Arial" panose="020B0604020202020204" pitchFamily="34" charset="0"/>
+              <a:buChar char="•"/>
+            </a:pPr>
+            <a:endParaRPr lang="en-US" sz="2400" noProof="1"/>
+          </a:p>
+          <a:p>
+            <a:pPr marL="285750" indent="-285750">
+              <a:buFont typeface="Arial" panose="020B0604020202020204" pitchFamily="34" charset="0"/>
+              <a:buChar char="•"/>
+            </a:pPr>
+            <a:endParaRPr lang="en-US" sz="2400" noProof="1"/>
+          </a:p>
+          <a:p>
+            <a:pPr marL="285750" indent="-285750">
+              <a:buFont typeface="Arial" panose="020B0604020202020204" pitchFamily="34" charset="0"/>
+              <a:buChar char="•"/>
+            </a:pPr>
+            <a:endParaRPr lang="en-US" sz="2400" noProof="1"/>
+          </a:p>
+          <a:p>
+            <a:pPr marL="285750" indent="-285750">
+              <a:buFont typeface="Arial" panose="020B0604020202020204" pitchFamily="34" charset="0"/>
+              <a:buChar char="•"/>
+            </a:pPr>
+            <a:endParaRPr lang="en-US" sz="2400" noProof="1"/>
+          </a:p>
+          <a:p>
+            <a:pPr marL="742950" lvl="1" indent="-285750">
+              <a:buFont typeface="Arial" panose="020B0604020202020204" pitchFamily="34" charset="0"/>
+              <a:buChar char="•"/>
+            </a:pPr>
+            <a:endParaRPr lang="en-US" sz="2400" noProof="1"/>
+          </a:p>
+          <a:p>
+            <a:endParaRPr lang="en-US" sz="2400" noProof="1"/>
+          </a:p>
+          <a:p>
+            <a:pPr marL="285750" indent="-285750">
+              <a:buFont typeface="Arial" panose="020B0604020202020204" pitchFamily="34" charset="0"/>
+              <a:buChar char="•"/>
+            </a:pPr>
+            <a:endParaRPr lang="en-US" sz="2400" noProof="1"/>
+          </a:p>
+          <a:p>
+            <a:pPr marL="285750" indent="-285750">
+              <a:buFont typeface="Arial" panose="020B0604020202020204" pitchFamily="34" charset="0"/>
+              <a:buChar char="•"/>
+            </a:pPr>
+            <a:endParaRPr lang="en-US" sz="2400" noProof="1"/>
+          </a:p>
+          <a:p>
+            <a:pPr marL="285750" indent="-285750">
+              <a:buFont typeface="Arial" panose="020B0604020202020204" pitchFamily="34" charset="0"/>
+              <a:buChar char="•"/>
+            </a:pPr>
+            <a:endParaRPr lang="en-US" sz="2400" noProof="1"/>
+          </a:p>
+          <a:p>
+            <a:pPr lvl="1"/>
+            <a:endParaRPr lang="en-US" sz="2400" noProof="1"/>
+          </a:p>
+        </p:txBody>
+      </p:sp>
+    </p:spTree>
+    <p:extLst>
+      <p:ext uri="{BB962C8B-B14F-4D97-AF65-F5344CB8AC3E}">
+        <p14:creationId xmlns:p14="http://schemas.microsoft.com/office/powerpoint/2010/main" val="2168811583"/>
+      </p:ext>
+    </p:extLst>
+  </p:cSld>
+  <p:clrMapOvr>
+    <a:masterClrMapping/>
+  </p:clrMapOvr>
+  <mc:AlternateContent xmlns:mc="http://schemas.openxmlformats.org/markup-compatibility/2006" xmlns:p14="http://schemas.microsoft.com/office/powerpoint/2010/main">
+    <mc:Choice Requires="p14">
+      <p:transition spd="med" p14:dur="700">
+        <p:fade/>
+      </p:transition>
+    </mc:Choice>
+    <mc:Fallback xmlns="">
+      <p:transition spd="med">
+        <p:fade/>
+      </p:transition>
+    </mc:Fallback>
+  </mc:AlternateContent>
 </p:sld>
 </file>
 
@@ -32993,7 +37137,7 @@
             </a:pPr>
             <a:r>
               <a:rPr lang="en-US" sz="2400" noProof="1"/>
-              <a:t>Due to the schedule and the importance of feature provided in this release, the </a:t>
+              <a:t>🛑Due to the schedule and the importance of feature provided in this release, the </a:t>
             </a:r>
             <a:r>
               <a:rPr lang="en-US" sz="2400" noProof="1">
@@ -33020,7 +37164,7 @@
             </a:pPr>
             <a:r>
               <a:rPr lang="en-US" sz="2400" noProof="1"/>
-              <a:t>The </a:t>
+              <a:t>🛑The </a:t>
             </a:r>
             <a:r>
               <a:rPr lang="en-US" sz="2400" noProof="1">
@@ -33093,6 +37237,18 @@
   <p:clrMapOvr>
     <a:masterClrMapping/>
   </p:clrMapOvr>
+  <mc:AlternateContent xmlns:mc="http://schemas.openxmlformats.org/markup-compatibility/2006" xmlns:p14="http://schemas.microsoft.com/office/powerpoint/2010/main">
+    <mc:Choice Requires="p14">
+      <p:transition spd="med" p14:dur="700">
+        <p:fade/>
+      </p:transition>
+    </mc:Choice>
+    <mc:Fallback xmlns="">
+      <p:transition spd="med">
+        <p:fade/>
+      </p:transition>
+    </mc:Fallback>
+  </mc:AlternateContent>
 </p:sld>
 </file>
 
@@ -33181,7 +37337,7 @@
             </a:pPr>
             <a:r>
               <a:rPr lang="en-US" sz="2400" noProof="1"/>
-              <a:t>During your continuous technical survey, you hear that modern browsers support a collections of </a:t>
+              <a:t>📡During your continuous technical survey, you hear that modern browsers support a collections of </a:t>
             </a:r>
             <a:r>
               <a:rPr lang="en-US" sz="2400" noProof="1">
@@ -33208,7 +37364,7 @@
             </a:pPr>
             <a:r>
               <a:rPr lang="en-US" sz="2400" noProof="1"/>
-              <a:t>You hear about one, named </a:t>
+              <a:t>📖You hear about one, named </a:t>
             </a:r>
             <a:r>
               <a:rPr lang="en-US" sz="2400" noProof="1">
@@ -33260,6 +37416,18 @@
   <p:clrMapOvr>
     <a:masterClrMapping/>
   </p:clrMapOvr>
+  <mc:AlternateContent xmlns:mc="http://schemas.openxmlformats.org/markup-compatibility/2006" xmlns:p14="http://schemas.microsoft.com/office/powerpoint/2010/main">
+    <mc:Choice Requires="p14">
+      <p:transition spd="med" p14:dur="700">
+        <p:fade/>
+      </p:transition>
+    </mc:Choice>
+    <mc:Fallback xmlns="">
+      <p:transition spd="med">
+        <p:fade/>
+      </p:transition>
+    </mc:Fallback>
+  </mc:AlternateContent>
 </p:sld>
 </file>
 
@@ -33323,6 +37491,18 @@
   <p:clrMapOvr>
     <a:masterClrMapping/>
   </p:clrMapOvr>
+  <mc:AlternateContent xmlns:mc="http://schemas.openxmlformats.org/markup-compatibility/2006" xmlns:p14="http://schemas.microsoft.com/office/powerpoint/2010/main">
+    <mc:Choice Requires="p14">
+      <p:transition spd="med" p14:dur="700">
+        <p:fade/>
+      </p:transition>
+    </mc:Choice>
+    <mc:Fallback xmlns="">
+      <p:transition spd="med">
+        <p:fade/>
+      </p:transition>
+    </mc:Fallback>
+  </mc:AlternateContent>
 </p:sld>
 </file>
 
@@ -33413,7 +37593,7 @@
             </a:pPr>
             <a:r>
               <a:rPr lang="en-US" sz="2400" noProof="1"/>
-              <a:t>The </a:t>
+              <a:t>📑The </a:t>
             </a:r>
             <a:r>
               <a:rPr lang="en-US" sz="2400" noProof="1">
@@ -33509,6 +37689,18 @@
   <p:clrMapOvr>
     <a:masterClrMapping/>
   </p:clrMapOvr>
+  <mc:AlternateContent xmlns:mc="http://schemas.openxmlformats.org/markup-compatibility/2006" xmlns:p14="http://schemas.microsoft.com/office/powerpoint/2010/main">
+    <mc:Choice Requires="p14">
+      <p:transition spd="med" p14:dur="700">
+        <p:fade/>
+      </p:transition>
+    </mc:Choice>
+    <mc:Fallback xmlns="">
+      <p:transition spd="med">
+        <p:fade/>
+      </p:transition>
+    </mc:Fallback>
+  </mc:AlternateContent>
 </p:sld>
 </file>
 
@@ -33599,7 +37791,7 @@
             </a:pPr>
             <a:r>
               <a:rPr lang="en-US" sz="2400" noProof="1"/>
-              <a:t>Each </a:t>
+              <a:t>📑Each </a:t>
             </a:r>
             <a:r>
               <a:rPr lang="en-US" sz="2400" b="1" noProof="1"/>
@@ -33695,6 +37887,18 @@
   <p:clrMapOvr>
     <a:masterClrMapping/>
   </p:clrMapOvr>
+  <mc:AlternateContent xmlns:mc="http://schemas.openxmlformats.org/markup-compatibility/2006" xmlns:p14="http://schemas.microsoft.com/office/powerpoint/2010/main">
+    <mc:Choice Requires="p14">
+      <p:transition spd="med" p14:dur="700">
+        <p:fade/>
+      </p:transition>
+    </mc:Choice>
+    <mc:Fallback xmlns="">
+      <p:transition spd="med">
+        <p:fade/>
+      </p:transition>
+    </mc:Fallback>
+  </mc:AlternateContent>
 </p:sld>
 </file>
 
@@ -34705,6 +38909,15 @@
 </file>
 
 <file path=customXml/item1.xml><?xml version="1.0" encoding="utf-8"?>
+<?mso-contentType ?>
+<FormTemplates xmlns="http://schemas.microsoft.com/sharepoint/v3/contenttype/forms">
+  <Display>DocumentLibraryForm</Display>
+  <Edit>DocumentLibraryForm</Edit>
+  <New>DocumentLibraryForm</New>
+</FormTemplates>
+</file>
+
+<file path=customXml/item2.xml><?xml version="1.0" encoding="utf-8"?>
 <p:properties xmlns:p="http://schemas.microsoft.com/office/2006/metadata/properties" xmlns:xsi="http://www.w3.org/2001/XMLSchema-instance" xmlns:pc="http://schemas.microsoft.com/office/infopath/2007/PartnerControls">
   <documentManagement>
     <_ip_UnifiedCompliancePolicyUIAction xmlns="http://schemas.microsoft.com/sharepoint/v3" xsi:nil="true"/>
@@ -34724,7 +38937,7 @@
 </p:properties>
 </file>
 
-<file path=customXml/item2.xml><?xml version="1.0" encoding="utf-8"?>
+<file path=customXml/item3.xml><?xml version="1.0" encoding="utf-8"?>
 <ct:contentTypeSchema xmlns:ct="http://schemas.microsoft.com/office/2006/metadata/contentType" xmlns:ma="http://schemas.microsoft.com/office/2006/metadata/properties/metaAttributes" ct:_="" ma:_="" ma:contentTypeName="Document" ma:contentTypeID="0x01010079F111ED35F8CC479449609E8A0923A6" ma:contentTypeVersion="27" ma:contentTypeDescription="Create a new document." ma:contentTypeScope="" ma:versionID="c6f9a84f66a9c8b9a21755b9ffafb945">
   <xsd:schema xmlns:xsd="http://www.w3.org/2001/XMLSchema" xmlns:xs="http://www.w3.org/2001/XMLSchema" xmlns:p="http://schemas.microsoft.com/office/2006/metadata/properties" xmlns:ns1="http://schemas.microsoft.com/sharepoint/v3" xmlns:ns2="71af3243-3dd4-4a8d-8c0d-dd76da1f02a5" xmlns:ns3="16c05727-aa75-4e4a-9b5f-8a80a1165891" xmlns:ns4="230e9df3-be65-4c73-a93b-d1236ebd677e" targetNamespace="http://schemas.microsoft.com/office/2006/metadata/properties" ma:root="true" ma:fieldsID="27df39e3e7036dff54f89ddd5805ce72" ns1:_="" ns2:_="" ns3:_="" ns4:_="">
     <xsd:import namespace="http://schemas.microsoft.com/sharepoint/v3"/>
@@ -35030,16 +39243,15 @@
 </ct:contentTypeSchema>
 </file>
 
-<file path=customXml/item3.xml><?xml version="1.0" encoding="utf-8"?>
-<?mso-contentType ?>
-<FormTemplates xmlns="http://schemas.microsoft.com/sharepoint/v3/contenttype/forms">
-  <Display>DocumentLibraryForm</Display>
-  <Edit>DocumentLibraryForm</Edit>
-  <New>DocumentLibraryForm</New>
-</FormTemplates>
+<file path=customXml/itemProps1.xml><?xml version="1.0" encoding="utf-8"?>
+<ds:datastoreItem xmlns:ds="http://schemas.openxmlformats.org/officeDocument/2006/customXml" ds:itemID="{6966C46A-DC57-4209-80CD-9FE6C93151FF}">
+  <ds:schemaRefs>
+    <ds:schemaRef ds:uri="http://schemas.microsoft.com/sharepoint/v3/contenttype/forms"/>
+  </ds:schemaRefs>
+</ds:datastoreItem>
 </file>
 
-<file path=customXml/itemProps1.xml><?xml version="1.0" encoding="utf-8"?>
+<file path=customXml/itemProps2.xml><?xml version="1.0" encoding="utf-8"?>
 <ds:datastoreItem xmlns:ds="http://schemas.openxmlformats.org/officeDocument/2006/customXml" ds:itemID="{BEFFFA3F-0FB5-4ED3-8906-A15B16577F44}">
   <ds:schemaRefs>
     <ds:schemaRef ds:uri="http://schemas.openxmlformats.org/package/2006/metadata/core-properties"/>
@@ -35058,7 +39270,7 @@
 </ds:datastoreItem>
 </file>
 
-<file path=customXml/itemProps2.xml><?xml version="1.0" encoding="utf-8"?>
+<file path=customXml/itemProps3.xml><?xml version="1.0" encoding="utf-8"?>
 <ds:datastoreItem xmlns:ds="http://schemas.openxmlformats.org/officeDocument/2006/customXml" ds:itemID="{4E18436D-DA32-4E27-AC64-8FFEDA5218F9}">
   <ds:schemaRefs>
     <ds:schemaRef ds:uri="http://schemas.microsoft.com/office/2006/metadata/contentType"/>
@@ -35079,14 +39291,6 @@
 </ds:datastoreItem>
 </file>
 
-<file path=customXml/itemProps3.xml><?xml version="1.0" encoding="utf-8"?>
-<ds:datastoreItem xmlns:ds="http://schemas.openxmlformats.org/officeDocument/2006/customXml" ds:itemID="{6966C46A-DC57-4209-80CD-9FE6C93151FF}">
-  <ds:schemaRefs>
-    <ds:schemaRef ds:uri="http://schemas.microsoft.com/sharepoint/v3/contenttype/forms"/>
-  </ds:schemaRefs>
-</ds:datastoreItem>
-</file>
-
 <file path=docMetadata/LabelInfo.xml><?xml version="1.0" encoding="utf-8"?>
 <clbl:labelList xmlns:clbl="http://schemas.microsoft.com/office/2020/mipLabelMetadata"/>
 </file>
--- a/presentation.pptx
+++ b/presentation.pptx
@@ -5,10 +5,10 @@
     <p:sldMasterId id="2147483666" r:id="rId4"/>
   </p:sldMasterIdLst>
   <p:notesMasterIdLst>
-    <p:notesMasterId r:id="rId53"/>
+    <p:notesMasterId r:id="rId54"/>
   </p:notesMasterIdLst>
   <p:handoutMasterIdLst>
-    <p:handoutMasterId r:id="rId54"/>
+    <p:handoutMasterId r:id="rId55"/>
   </p:handoutMasterIdLst>
   <p:sldIdLst>
     <p:sldId id="256" r:id="rId5"/>
@@ -51,14 +51,15 @@
     <p:sldId id="302" r:id="rId42"/>
     <p:sldId id="303" r:id="rId43"/>
     <p:sldId id="304" r:id="rId44"/>
-    <p:sldId id="305" r:id="rId45"/>
-    <p:sldId id="306" r:id="rId46"/>
-    <p:sldId id="307" r:id="rId47"/>
-    <p:sldId id="308" r:id="rId48"/>
-    <p:sldId id="309" r:id="rId49"/>
-    <p:sldId id="310" r:id="rId50"/>
-    <p:sldId id="311" r:id="rId51"/>
-    <p:sldId id="312" r:id="rId52"/>
+    <p:sldId id="313" r:id="rId45"/>
+    <p:sldId id="305" r:id="rId46"/>
+    <p:sldId id="306" r:id="rId47"/>
+    <p:sldId id="307" r:id="rId48"/>
+    <p:sldId id="308" r:id="rId49"/>
+    <p:sldId id="309" r:id="rId50"/>
+    <p:sldId id="310" r:id="rId51"/>
+    <p:sldId id="311" r:id="rId52"/>
+    <p:sldId id="312" r:id="rId53"/>
   </p:sldIdLst>
   <p:sldSz cx="12192000" cy="6858000"/>
   <p:notesSz cx="6858000" cy="9144000"/>
@@ -194,7 +195,7 @@
 <file path=ppt/revisionInfo.xml><?xml version="1.0" encoding="utf-8"?>
 <p1510:revInfo xmlns:a="http://schemas.openxmlformats.org/drawingml/2006/main" xmlns:r="http://schemas.openxmlformats.org/officeDocument/2006/relationships" xmlns:p1510="http://schemas.microsoft.com/office/powerpoint/2015/10/main">
   <p1510:revLst>
-    <p1510:client id="{1670CD84-DEE0-4E12-BF01-4C2D0C1D7F30}" v="770" dt="2024-05-12T10:05:26.416"/>
+    <p1510:client id="{1670CD84-DEE0-4E12-BF01-4C2D0C1D7F30}" v="785" dt="2024-05-19T08:03:49.554"/>
   </p1510:revLst>
 </p1510:revInfo>
 </file>
@@ -204,12 +205,12 @@
   <pc:docChgLst>
     <pc:chgData name="Dominique RIGHETTO" userId="512fe077-82ad-424c-88a3-15e852b5861d" providerId="ADAL" clId="{1670CD84-DEE0-4E12-BF01-4C2D0C1D7F30}"/>
     <pc:docChg chg="undo custSel addSld delSld modSld sldOrd">
-      <pc:chgData name="Dominique RIGHETTO" userId="512fe077-82ad-424c-88a3-15e852b5861d" providerId="ADAL" clId="{1670CD84-DEE0-4E12-BF01-4C2D0C1D7F30}" dt="2024-05-12T10:05:57.623" v="11032" actId="14100"/>
+      <pc:chgData name="Dominique RIGHETTO" userId="512fe077-82ad-424c-88a3-15e852b5861d" providerId="ADAL" clId="{1670CD84-DEE0-4E12-BF01-4C2D0C1D7F30}" dt="2024-05-19T08:03:49.552" v="11238"/>
       <pc:docMkLst>
         <pc:docMk/>
       </pc:docMkLst>
       <pc:sldChg chg="addSp modSp mod modTransition">
-        <pc:chgData name="Dominique RIGHETTO" userId="512fe077-82ad-424c-88a3-15e852b5861d" providerId="ADAL" clId="{1670CD84-DEE0-4E12-BF01-4C2D0C1D7F30}" dt="2024-05-12T10:05:57.623" v="11032" actId="14100"/>
+        <pc:chgData name="Dominique RIGHETTO" userId="512fe077-82ad-424c-88a3-15e852b5861d" providerId="ADAL" clId="{1670CD84-DEE0-4E12-BF01-4C2D0C1D7F30}" dt="2024-05-19T07:40:12.129" v="11034" actId="14100"/>
         <pc:sldMkLst>
           <pc:docMk/>
           <pc:sldMk cId="1642425379" sldId="256"/>
@@ -247,7 +248,7 @@
           </ac:picMkLst>
         </pc:picChg>
         <pc:picChg chg="add mod">
-          <ac:chgData name="Dominique RIGHETTO" userId="512fe077-82ad-424c-88a3-15e852b5861d" providerId="ADAL" clId="{1670CD84-DEE0-4E12-BF01-4C2D0C1D7F30}" dt="2024-05-12T10:05:26.416" v="11026"/>
+          <ac:chgData name="Dominique RIGHETTO" userId="512fe077-82ad-424c-88a3-15e852b5861d" providerId="ADAL" clId="{1670CD84-DEE0-4E12-BF01-4C2D0C1D7F30}" dt="2024-05-19T07:40:12.129" v="11034" actId="14100"/>
           <ac:picMkLst>
             <pc:docMk/>
             <pc:sldMk cId="1642425379" sldId="256"/>
@@ -474,13 +475,13 @@
         </pc:picChg>
       </pc:sldChg>
       <pc:sldChg chg="modSp add mod modTransition">
-        <pc:chgData name="Dominique RIGHETTO" userId="512fe077-82ad-424c-88a3-15e852b5861d" providerId="ADAL" clId="{1670CD84-DEE0-4E12-BF01-4C2D0C1D7F30}" dt="2024-05-12T09:55:07.318" v="10960" actId="6549"/>
+        <pc:chgData name="Dominique RIGHETTO" userId="512fe077-82ad-424c-88a3-15e852b5861d" providerId="ADAL" clId="{1670CD84-DEE0-4E12-BF01-4C2D0C1D7F30}" dt="2024-05-19T07:43:48.638" v="11068"/>
         <pc:sldMkLst>
           <pc:docMk/>
           <pc:sldMk cId="2371800147" sldId="267"/>
         </pc:sldMkLst>
         <pc:spChg chg="mod">
-          <ac:chgData name="Dominique RIGHETTO" userId="512fe077-82ad-424c-88a3-15e852b5861d" providerId="ADAL" clId="{1670CD84-DEE0-4E12-BF01-4C2D0C1D7F30}" dt="2024-05-12T09:55:07.318" v="10960" actId="6549"/>
+          <ac:chgData name="Dominique RIGHETTO" userId="512fe077-82ad-424c-88a3-15e852b5861d" providerId="ADAL" clId="{1670CD84-DEE0-4E12-BF01-4C2D0C1D7F30}" dt="2024-05-19T07:43:48.638" v="11068"/>
           <ac:spMkLst>
             <pc:docMk/>
             <pc:sldMk cId="2371800147" sldId="267"/>
@@ -489,13 +490,13 @@
         </pc:spChg>
       </pc:sldChg>
       <pc:sldChg chg="modSp add mod modTransition">
-        <pc:chgData name="Dominique RIGHETTO" userId="512fe077-82ad-424c-88a3-15e852b5861d" providerId="ADAL" clId="{1670CD84-DEE0-4E12-BF01-4C2D0C1D7F30}" dt="2024-05-12T09:55:32.148" v="10964"/>
+        <pc:chgData name="Dominique RIGHETTO" userId="512fe077-82ad-424c-88a3-15e852b5861d" providerId="ADAL" clId="{1670CD84-DEE0-4E12-BF01-4C2D0C1D7F30}" dt="2024-05-19T07:44:33.633" v="11091" actId="20577"/>
         <pc:sldMkLst>
           <pc:docMk/>
           <pc:sldMk cId="2644610646" sldId="268"/>
         </pc:sldMkLst>
         <pc:spChg chg="mod">
-          <ac:chgData name="Dominique RIGHETTO" userId="512fe077-82ad-424c-88a3-15e852b5861d" providerId="ADAL" clId="{1670CD84-DEE0-4E12-BF01-4C2D0C1D7F30}" dt="2024-05-12T09:55:32.148" v="10964"/>
+          <ac:chgData name="Dominique RIGHETTO" userId="512fe077-82ad-424c-88a3-15e852b5861d" providerId="ADAL" clId="{1670CD84-DEE0-4E12-BF01-4C2D0C1D7F30}" dt="2024-05-19T07:44:33.633" v="11091" actId="20577"/>
           <ac:spMkLst>
             <pc:docMk/>
             <pc:sldMk cId="2644610646" sldId="268"/>
@@ -886,13 +887,13 @@
         </pc:sldMkLst>
       </pc:sldChg>
       <pc:sldChg chg="modSp add mod ord modTransition">
-        <pc:chgData name="Dominique RIGHETTO" userId="512fe077-82ad-424c-88a3-15e852b5861d" providerId="ADAL" clId="{1670CD84-DEE0-4E12-BF01-4C2D0C1D7F30}" dt="2024-05-12T09:56:21.838" v="10977"/>
+        <pc:chgData name="Dominique RIGHETTO" userId="512fe077-82ad-424c-88a3-15e852b5861d" providerId="ADAL" clId="{1670CD84-DEE0-4E12-BF01-4C2D0C1D7F30}" dt="2024-05-19T07:45:57.075" v="11093"/>
         <pc:sldMkLst>
           <pc:docMk/>
           <pc:sldMk cId="1531576489" sldId="275"/>
         </pc:sldMkLst>
         <pc:spChg chg="mod">
-          <ac:chgData name="Dominique RIGHETTO" userId="512fe077-82ad-424c-88a3-15e852b5861d" providerId="ADAL" clId="{1670CD84-DEE0-4E12-BF01-4C2D0C1D7F30}" dt="2024-05-12T09:56:21.838" v="10977"/>
+          <ac:chgData name="Dominique RIGHETTO" userId="512fe077-82ad-424c-88a3-15e852b5861d" providerId="ADAL" clId="{1670CD84-DEE0-4E12-BF01-4C2D0C1D7F30}" dt="2024-05-19T07:45:57.075" v="11093"/>
           <ac:spMkLst>
             <pc:docMk/>
             <pc:sldMk cId="1531576489" sldId="275"/>
@@ -901,7 +902,7 @@
         </pc:spChg>
       </pc:sldChg>
       <pc:sldChg chg="addSp modSp add mod ord modTransition">
-        <pc:chgData name="Dominique RIGHETTO" userId="512fe077-82ad-424c-88a3-15e852b5861d" providerId="ADAL" clId="{1670CD84-DEE0-4E12-BF01-4C2D0C1D7F30}" dt="2024-05-12T09:56:57.657" v="10985" actId="20577"/>
+        <pc:chgData name="Dominique RIGHETTO" userId="512fe077-82ad-424c-88a3-15e852b5861d" providerId="ADAL" clId="{1670CD84-DEE0-4E12-BF01-4C2D0C1D7F30}" dt="2024-05-19T07:46:41.397" v="11095" actId="20577"/>
         <pc:sldMkLst>
           <pc:docMk/>
           <pc:sldMk cId="390519850" sldId="276"/>
@@ -923,7 +924,7 @@
           </ac:spMkLst>
         </pc:spChg>
         <pc:spChg chg="mod">
-          <ac:chgData name="Dominique RIGHETTO" userId="512fe077-82ad-424c-88a3-15e852b5861d" providerId="ADAL" clId="{1670CD84-DEE0-4E12-BF01-4C2D0C1D7F30}" dt="2024-05-12T09:56:57.657" v="10985" actId="20577"/>
+          <ac:chgData name="Dominique RIGHETTO" userId="512fe077-82ad-424c-88a3-15e852b5861d" providerId="ADAL" clId="{1670CD84-DEE0-4E12-BF01-4C2D0C1D7F30}" dt="2024-05-19T07:46:41.397" v="11095" actId="20577"/>
           <ac:spMkLst>
             <pc:docMk/>
             <pc:sldMk cId="390519850" sldId="276"/>
@@ -946,7 +947,7 @@
         </pc:sldMkLst>
       </pc:sldChg>
       <pc:sldChg chg="addSp delSp modSp add mod modTransition">
-        <pc:chgData name="Dominique RIGHETTO" userId="512fe077-82ad-424c-88a3-15e852b5861d" providerId="ADAL" clId="{1670CD84-DEE0-4E12-BF01-4C2D0C1D7F30}" dt="2024-05-12T09:57:13.567" v="10991"/>
+        <pc:chgData name="Dominique RIGHETTO" userId="512fe077-82ad-424c-88a3-15e852b5861d" providerId="ADAL" clId="{1670CD84-DEE0-4E12-BF01-4C2D0C1D7F30}" dt="2024-05-19T07:47:23.657" v="11097" actId="113"/>
         <pc:sldMkLst>
           <pc:docMk/>
           <pc:sldMk cId="3732992385" sldId="277"/>
@@ -984,7 +985,7 @@
           </ac:spMkLst>
         </pc:spChg>
         <pc:spChg chg="mod">
-          <ac:chgData name="Dominique RIGHETTO" userId="512fe077-82ad-424c-88a3-15e852b5861d" providerId="ADAL" clId="{1670CD84-DEE0-4E12-BF01-4C2D0C1D7F30}" dt="2024-05-12T09:57:13.567" v="10991"/>
+          <ac:chgData name="Dominique RIGHETTO" userId="512fe077-82ad-424c-88a3-15e852b5861d" providerId="ADAL" clId="{1670CD84-DEE0-4E12-BF01-4C2D0C1D7F30}" dt="2024-05-19T07:47:23.657" v="11097" actId="113"/>
           <ac:spMkLst>
             <pc:docMk/>
             <pc:sldMk cId="3732992385" sldId="277"/>
@@ -1093,13 +1094,13 @@
         </pc:sldMkLst>
       </pc:sldChg>
       <pc:sldChg chg="modSp add mod modTransition">
-        <pc:chgData name="Dominique RIGHETTO" userId="512fe077-82ad-424c-88a3-15e852b5861d" providerId="ADAL" clId="{1670CD84-DEE0-4E12-BF01-4C2D0C1D7F30}" dt="2024-05-12T09:59:06.405" v="11007"/>
+        <pc:chgData name="Dominique RIGHETTO" userId="512fe077-82ad-424c-88a3-15e852b5861d" providerId="ADAL" clId="{1670CD84-DEE0-4E12-BF01-4C2D0C1D7F30}" dt="2024-05-19T08:03:49.552" v="11238"/>
         <pc:sldMkLst>
           <pc:docMk/>
           <pc:sldMk cId="2105480647" sldId="280"/>
         </pc:sldMkLst>
         <pc:spChg chg="mod">
-          <ac:chgData name="Dominique RIGHETTO" userId="512fe077-82ad-424c-88a3-15e852b5861d" providerId="ADAL" clId="{1670CD84-DEE0-4E12-BF01-4C2D0C1D7F30}" dt="2024-05-12T09:59:06.405" v="11007"/>
+          <ac:chgData name="Dominique RIGHETTO" userId="512fe077-82ad-424c-88a3-15e852b5861d" providerId="ADAL" clId="{1670CD84-DEE0-4E12-BF01-4C2D0C1D7F30}" dt="2024-05-19T08:03:49.552" v="11238"/>
           <ac:spMkLst>
             <pc:docMk/>
             <pc:sldMk cId="2105480647" sldId="280"/>
@@ -1374,7 +1375,7 @@
         </pc:picChg>
       </pc:sldChg>
       <pc:sldChg chg="addSp delSp modSp add mod ord modTransition">
-        <pc:chgData name="Dominique RIGHETTO" userId="512fe077-82ad-424c-88a3-15e852b5861d" providerId="ADAL" clId="{1670CD84-DEE0-4E12-BF01-4C2D0C1D7F30}" dt="2024-05-12T09:49:57.687" v="10935"/>
+        <pc:chgData name="Dominique RIGHETTO" userId="512fe077-82ad-424c-88a3-15e852b5861d" providerId="ADAL" clId="{1670CD84-DEE0-4E12-BF01-4C2D0C1D7F30}" dt="2024-05-19T07:49:43.144" v="11122" actId="20577"/>
         <pc:sldMkLst>
           <pc:docMk/>
           <pc:sldMk cId="27853575" sldId="285"/>
@@ -1404,7 +1405,7 @@
           </ac:spMkLst>
         </pc:spChg>
         <pc:spChg chg="mod">
-          <ac:chgData name="Dominique RIGHETTO" userId="512fe077-82ad-424c-88a3-15e852b5861d" providerId="ADAL" clId="{1670CD84-DEE0-4E12-BF01-4C2D0C1D7F30}" dt="2024-05-11T07:54:21.004" v="8135"/>
+          <ac:chgData name="Dominique RIGHETTO" userId="512fe077-82ad-424c-88a3-15e852b5861d" providerId="ADAL" clId="{1670CD84-DEE0-4E12-BF01-4C2D0C1D7F30}" dt="2024-05-19T07:49:43.144" v="11122" actId="20577"/>
           <ac:spMkLst>
             <pc:docMk/>
             <pc:sldMk cId="27853575" sldId="285"/>
@@ -1636,13 +1637,13 @@
         </pc:sldMkLst>
       </pc:sldChg>
       <pc:sldChg chg="addSp delSp modSp add mod modTransition">
-        <pc:chgData name="Dominique RIGHETTO" userId="512fe077-82ad-424c-88a3-15e852b5861d" providerId="ADAL" clId="{1670CD84-DEE0-4E12-BF01-4C2D0C1D7F30}" dt="2024-05-12T10:01:02.215" v="11008" actId="20577"/>
+        <pc:chgData name="Dominique RIGHETTO" userId="512fe077-82ad-424c-88a3-15e852b5861d" providerId="ADAL" clId="{1670CD84-DEE0-4E12-BF01-4C2D0C1D7F30}" dt="2024-05-19T08:02:20.302" v="11226"/>
         <pc:sldMkLst>
           <pc:docMk/>
           <pc:sldMk cId="1356102213" sldId="292"/>
         </pc:sldMkLst>
         <pc:spChg chg="mod">
-          <ac:chgData name="Dominique RIGHETTO" userId="512fe077-82ad-424c-88a3-15e852b5861d" providerId="ADAL" clId="{1670CD84-DEE0-4E12-BF01-4C2D0C1D7F30}" dt="2024-05-12T10:01:02.215" v="11008" actId="20577"/>
+          <ac:chgData name="Dominique RIGHETTO" userId="512fe077-82ad-424c-88a3-15e852b5861d" providerId="ADAL" clId="{1670CD84-DEE0-4E12-BF01-4C2D0C1D7F30}" dt="2024-05-19T08:02:20.302" v="11226"/>
           <ac:spMkLst>
             <pc:docMk/>
             <pc:sldMk cId="1356102213" sldId="292"/>
@@ -1737,13 +1738,13 @@
         </pc:picChg>
       </pc:sldChg>
       <pc:sldChg chg="addSp delSp modSp add mod modTransition">
-        <pc:chgData name="Dominique RIGHETTO" userId="512fe077-82ad-424c-88a3-15e852b5861d" providerId="ADAL" clId="{1670CD84-DEE0-4E12-BF01-4C2D0C1D7F30}" dt="2024-05-12T09:49:57.687" v="10935"/>
+        <pc:chgData name="Dominique RIGHETTO" userId="512fe077-82ad-424c-88a3-15e852b5861d" providerId="ADAL" clId="{1670CD84-DEE0-4E12-BF01-4C2D0C1D7F30}" dt="2024-05-19T07:51:45.371" v="11123" actId="692"/>
         <pc:sldMkLst>
           <pc:docMk/>
           <pc:sldMk cId="2356577693" sldId="294"/>
         </pc:sldMkLst>
         <pc:spChg chg="add mod">
-          <ac:chgData name="Dominique RIGHETTO" userId="512fe077-82ad-424c-88a3-15e852b5861d" providerId="ADAL" clId="{1670CD84-DEE0-4E12-BF01-4C2D0C1D7F30}" dt="2024-05-11T07:14:24.473" v="7499" actId="14100"/>
+          <ac:chgData name="Dominique RIGHETTO" userId="512fe077-82ad-424c-88a3-15e852b5861d" providerId="ADAL" clId="{1670CD84-DEE0-4E12-BF01-4C2D0C1D7F30}" dt="2024-05-19T07:51:45.371" v="11123" actId="692"/>
           <ac:spMkLst>
             <pc:docMk/>
             <pc:sldMk cId="2356577693" sldId="294"/>
@@ -1830,7 +1831,7 @@
         </pc:picChg>
       </pc:sldChg>
       <pc:sldChg chg="addSp delSp modSp add mod modTransition">
-        <pc:chgData name="Dominique RIGHETTO" userId="512fe077-82ad-424c-88a3-15e852b5861d" providerId="ADAL" clId="{1670CD84-DEE0-4E12-BF01-4C2D0C1D7F30}" dt="2024-05-12T09:49:57.687" v="10935"/>
+        <pc:chgData name="Dominique RIGHETTO" userId="512fe077-82ad-424c-88a3-15e852b5861d" providerId="ADAL" clId="{1670CD84-DEE0-4E12-BF01-4C2D0C1D7F30}" dt="2024-05-19T07:53:29.256" v="11133" actId="692"/>
         <pc:sldMkLst>
           <pc:docMk/>
           <pc:sldMk cId="773976246" sldId="296"/>
@@ -1859,8 +1860,16 @@
             <ac:spMk id="4" creationId="{964A2454-20FE-C6FD-1F68-73901B2FC192}"/>
           </ac:spMkLst>
         </pc:spChg>
+        <pc:spChg chg="add mod">
+          <ac:chgData name="Dominique RIGHETTO" userId="512fe077-82ad-424c-88a3-15e852b5861d" providerId="ADAL" clId="{1670CD84-DEE0-4E12-BF01-4C2D0C1D7F30}" dt="2024-05-19T07:53:29.256" v="11133" actId="692"/>
+          <ac:spMkLst>
+            <pc:docMk/>
+            <pc:sldMk cId="773976246" sldId="296"/>
+            <ac:spMk id="4" creationId="{E004E72C-2BAE-E53D-D238-DF0D3277F87A}"/>
+          </ac:spMkLst>
+        </pc:spChg>
         <pc:spChg chg="mod">
-          <ac:chgData name="Dominique RIGHETTO" userId="512fe077-82ad-424c-88a3-15e852b5861d" providerId="ADAL" clId="{1670CD84-DEE0-4E12-BF01-4C2D0C1D7F30}" dt="2024-05-11T08:05:58.781" v="8247" actId="207"/>
+          <ac:chgData name="Dominique RIGHETTO" userId="512fe077-82ad-424c-88a3-15e852b5861d" providerId="ADAL" clId="{1670CD84-DEE0-4E12-BF01-4C2D0C1D7F30}" dt="2024-05-19T07:53:23.422" v="11132" actId="692"/>
           <ac:spMkLst>
             <pc:docMk/>
             <pc:sldMk cId="773976246" sldId="296"/>
@@ -1908,7 +1917,7 @@
         </pc:picChg>
       </pc:sldChg>
       <pc:sldChg chg="addSp delSp modSp add mod modTransition">
-        <pc:chgData name="Dominique RIGHETTO" userId="512fe077-82ad-424c-88a3-15e852b5861d" providerId="ADAL" clId="{1670CD84-DEE0-4E12-BF01-4C2D0C1D7F30}" dt="2024-05-12T09:49:57.687" v="10935"/>
+        <pc:chgData name="Dominique RIGHETTO" userId="512fe077-82ad-424c-88a3-15e852b5861d" providerId="ADAL" clId="{1670CD84-DEE0-4E12-BF01-4C2D0C1D7F30}" dt="2024-05-19T07:55:12.308" v="11142" actId="14100"/>
         <pc:sldMkLst>
           <pc:docMk/>
           <pc:sldMk cId="2189355584" sldId="298"/>
@@ -1919,6 +1928,14 @@
             <pc:docMk/>
             <pc:sldMk cId="2189355584" sldId="298"/>
             <ac:spMk id="3" creationId="{3D611CA9-9352-51D4-82FF-F26AC2F95406}"/>
+          </ac:spMkLst>
+        </pc:spChg>
+        <pc:spChg chg="add mod">
+          <ac:chgData name="Dominique RIGHETTO" userId="512fe077-82ad-424c-88a3-15e852b5861d" providerId="ADAL" clId="{1670CD84-DEE0-4E12-BF01-4C2D0C1D7F30}" dt="2024-05-19T07:55:12.308" v="11142" actId="14100"/>
+          <ac:spMkLst>
+            <pc:docMk/>
+            <pc:sldMk cId="2189355584" sldId="298"/>
+            <ac:spMk id="4" creationId="{AB083D01-2D20-74EB-5E28-C7038A2503BE}"/>
           </ac:spMkLst>
         </pc:spChg>
         <pc:spChg chg="mod">
@@ -2048,8 +2065,8 @@
           </ac:picMkLst>
         </pc:picChg>
       </pc:sldChg>
-      <pc:sldChg chg="modSp add mod ord modTransition">
-        <pc:chgData name="Dominique RIGHETTO" userId="512fe077-82ad-424c-88a3-15e852b5861d" providerId="ADAL" clId="{1670CD84-DEE0-4E12-BF01-4C2D0C1D7F30}" dt="2024-05-12T09:49:57.687" v="10935"/>
+      <pc:sldChg chg="addSp modSp add mod ord modTransition">
+        <pc:chgData name="Dominique RIGHETTO" userId="512fe077-82ad-424c-88a3-15e852b5861d" providerId="ADAL" clId="{1670CD84-DEE0-4E12-BF01-4C2D0C1D7F30}" dt="2024-05-19T07:55:04.808" v="11140" actId="14100"/>
         <pc:sldMkLst>
           <pc:docMk/>
           <pc:sldMk cId="2624687999" sldId="301"/>
@@ -2068,6 +2085,14 @@
             <pc:docMk/>
             <pc:sldMk cId="2624687999" sldId="301"/>
             <ac:spMk id="3" creationId="{3D611CA9-9352-51D4-82FF-F26AC2F95406}"/>
+          </ac:spMkLst>
+        </pc:spChg>
+        <pc:spChg chg="add mod">
+          <ac:chgData name="Dominique RIGHETTO" userId="512fe077-82ad-424c-88a3-15e852b5861d" providerId="ADAL" clId="{1670CD84-DEE0-4E12-BF01-4C2D0C1D7F30}" dt="2024-05-19T07:55:04.808" v="11140" actId="14100"/>
+          <ac:spMkLst>
+            <pc:docMk/>
+            <pc:sldMk cId="2624687999" sldId="301"/>
+            <ac:spMk id="4" creationId="{3AE8B725-1354-7EBF-492D-DF621411B45B}"/>
           </ac:spMkLst>
         </pc:spChg>
         <pc:spChg chg="mod">
@@ -2119,13 +2144,13 @@
         </pc:picChg>
       </pc:sldChg>
       <pc:sldChg chg="addSp delSp modSp add mod modTransition">
-        <pc:chgData name="Dominique RIGHETTO" userId="512fe077-82ad-424c-88a3-15e852b5861d" providerId="ADAL" clId="{1670CD84-DEE0-4E12-BF01-4C2D0C1D7F30}" dt="2024-05-12T10:02:54.388" v="11018" actId="20577"/>
+        <pc:chgData name="Dominique RIGHETTO" userId="512fe077-82ad-424c-88a3-15e852b5861d" providerId="ADAL" clId="{1670CD84-DEE0-4E12-BF01-4C2D0C1D7F30}" dt="2024-05-19T07:55:44.720" v="11143" actId="113"/>
         <pc:sldMkLst>
           <pc:docMk/>
           <pc:sldMk cId="740312601" sldId="303"/>
         </pc:sldMkLst>
         <pc:spChg chg="mod">
-          <ac:chgData name="Dominique RIGHETTO" userId="512fe077-82ad-424c-88a3-15e852b5861d" providerId="ADAL" clId="{1670CD84-DEE0-4E12-BF01-4C2D0C1D7F30}" dt="2024-05-12T10:02:18.124" v="11013" actId="20577"/>
+          <ac:chgData name="Dominique RIGHETTO" userId="512fe077-82ad-424c-88a3-15e852b5861d" providerId="ADAL" clId="{1670CD84-DEE0-4E12-BF01-4C2D0C1D7F30}" dt="2024-05-19T07:55:44.720" v="11143" actId="113"/>
           <ac:spMkLst>
             <pc:docMk/>
             <pc:sldMk cId="740312601" sldId="303"/>
@@ -2222,7 +2247,7 @@
         </pc:picChg>
       </pc:sldChg>
       <pc:sldChg chg="addSp delSp modSp add mod ord modTransition">
-        <pc:chgData name="Dominique RIGHETTO" userId="512fe077-82ad-424c-88a3-15e852b5861d" providerId="ADAL" clId="{1670CD84-DEE0-4E12-BF01-4C2D0C1D7F30}" dt="2024-05-12T09:49:57.687" v="10935"/>
+        <pc:chgData name="Dominique RIGHETTO" userId="512fe077-82ad-424c-88a3-15e852b5861d" providerId="ADAL" clId="{1670CD84-DEE0-4E12-BF01-4C2D0C1D7F30}" dt="2024-05-19T07:58:42.032" v="11178" actId="692"/>
         <pc:sldMkLst>
           <pc:docMk/>
           <pc:sldMk cId="3935884449" sldId="304"/>
@@ -2236,15 +2261,15 @@
           </ac:spMkLst>
         </pc:spChg>
         <pc:spChg chg="mod">
-          <ac:chgData name="Dominique RIGHETTO" userId="512fe077-82ad-424c-88a3-15e852b5861d" providerId="ADAL" clId="{1670CD84-DEE0-4E12-BF01-4C2D0C1D7F30}" dt="2024-05-12T09:14:51.977" v="9198" actId="20577"/>
+          <ac:chgData name="Dominique RIGHETTO" userId="512fe077-82ad-424c-88a3-15e852b5861d" providerId="ADAL" clId="{1670CD84-DEE0-4E12-BF01-4C2D0C1D7F30}" dt="2024-05-19T07:56:11.785" v="11145" actId="20577"/>
           <ac:spMkLst>
             <pc:docMk/>
             <pc:sldMk cId="3935884449" sldId="304"/>
             <ac:spMk id="7" creationId="{6B35F89A-6CDF-41F7-BD87-18B45BD7330B}"/>
           </ac:spMkLst>
         </pc:spChg>
-        <pc:spChg chg="add mod">
-          <ac:chgData name="Dominique RIGHETTO" userId="512fe077-82ad-424c-88a3-15e852b5861d" providerId="ADAL" clId="{1670CD84-DEE0-4E12-BF01-4C2D0C1D7F30}" dt="2024-05-12T09:13:15.558" v="9183" actId="1076"/>
+        <pc:spChg chg="add del mod">
+          <ac:chgData name="Dominique RIGHETTO" userId="512fe077-82ad-424c-88a3-15e852b5861d" providerId="ADAL" clId="{1670CD84-DEE0-4E12-BF01-4C2D0C1D7F30}" dt="2024-05-19T07:57:31.745" v="11150" actId="478"/>
           <ac:spMkLst>
             <pc:docMk/>
             <pc:sldMk cId="3935884449" sldId="304"/>
@@ -2252,7 +2277,7 @@
           </ac:spMkLst>
         </pc:spChg>
         <pc:spChg chg="add mod">
-          <ac:chgData name="Dominique RIGHETTO" userId="512fe077-82ad-424c-88a3-15e852b5861d" providerId="ADAL" clId="{1670CD84-DEE0-4E12-BF01-4C2D0C1D7F30}" dt="2024-05-12T09:14:11.380" v="9190" actId="14100"/>
+          <ac:chgData name="Dominique RIGHETTO" userId="512fe077-82ad-424c-88a3-15e852b5861d" providerId="ADAL" clId="{1670CD84-DEE0-4E12-BF01-4C2D0C1D7F30}" dt="2024-05-19T07:57:47.671" v="11155" actId="14100"/>
           <ac:spMkLst>
             <pc:docMk/>
             <pc:sldMk cId="3935884449" sldId="304"/>
@@ -2275,8 +2300,8 @@
             <ac:picMk id="5" creationId="{013694FA-BAB9-4EF9-CC4F-5F08C5664A6D}"/>
           </ac:picMkLst>
         </pc:picChg>
-        <pc:picChg chg="add mod">
-          <ac:chgData name="Dominique RIGHETTO" userId="512fe077-82ad-424c-88a3-15e852b5861d" providerId="ADAL" clId="{1670CD84-DEE0-4E12-BF01-4C2D0C1D7F30}" dt="2024-05-12T09:13:15.558" v="9183" actId="1076"/>
+        <pc:picChg chg="add del mod">
+          <ac:chgData name="Dominique RIGHETTO" userId="512fe077-82ad-424c-88a3-15e852b5861d" providerId="ADAL" clId="{1670CD84-DEE0-4E12-BF01-4C2D0C1D7F30}" dt="2024-05-19T07:57:28.571" v="11149" actId="478"/>
           <ac:picMkLst>
             <pc:docMk/>
             <pc:sldMk cId="3935884449" sldId="304"/>
@@ -2284,16 +2309,24 @@
           </ac:picMkLst>
         </pc:picChg>
         <pc:picChg chg="add mod">
-          <ac:chgData name="Dominique RIGHETTO" userId="512fe077-82ad-424c-88a3-15e852b5861d" providerId="ADAL" clId="{1670CD84-DEE0-4E12-BF01-4C2D0C1D7F30}" dt="2024-05-12T09:13:54.238" v="9186" actId="1076"/>
+          <ac:chgData name="Dominique RIGHETTO" userId="512fe077-82ad-424c-88a3-15e852b5861d" providerId="ADAL" clId="{1670CD84-DEE0-4E12-BF01-4C2D0C1D7F30}" dt="2024-05-19T07:57:37.641" v="11152" actId="14100"/>
           <ac:picMkLst>
             <pc:docMk/>
             <pc:sldMk cId="3935884449" sldId="304"/>
             <ac:picMk id="10" creationId="{CFB6911A-F0C5-23CA-1AE6-7EF926F5FFF0}"/>
           </ac:picMkLst>
         </pc:picChg>
+        <pc:cxnChg chg="add mod">
+          <ac:chgData name="Dominique RIGHETTO" userId="512fe077-82ad-424c-88a3-15e852b5861d" providerId="ADAL" clId="{1670CD84-DEE0-4E12-BF01-4C2D0C1D7F30}" dt="2024-05-19T07:58:42.032" v="11178" actId="692"/>
+          <ac:cxnSpMkLst>
+            <pc:docMk/>
+            <pc:sldMk cId="3935884449" sldId="304"/>
+            <ac:cxnSpMk id="4" creationId="{EA9D7E1D-B45B-58E9-C14E-F4A6E3FFADE1}"/>
+          </ac:cxnSpMkLst>
+        </pc:cxnChg>
       </pc:sldChg>
       <pc:sldChg chg="addSp delSp modSp add mod modTransition">
-        <pc:chgData name="Dominique RIGHETTO" userId="512fe077-82ad-424c-88a3-15e852b5861d" providerId="ADAL" clId="{1670CD84-DEE0-4E12-BF01-4C2D0C1D7F30}" dt="2024-05-12T09:49:57.687" v="10935"/>
+        <pc:chgData name="Dominique RIGHETTO" userId="512fe077-82ad-424c-88a3-15e852b5861d" providerId="ADAL" clId="{1670CD84-DEE0-4E12-BF01-4C2D0C1D7F30}" dt="2024-05-19T08:00:49.073" v="11202" actId="6549"/>
         <pc:sldMkLst>
           <pc:docMk/>
           <pc:sldMk cId="1542931494" sldId="305"/>
@@ -2307,11 +2340,19 @@
           </ac:spMkLst>
         </pc:spChg>
         <pc:spChg chg="mod">
-          <ac:chgData name="Dominique RIGHETTO" userId="512fe077-82ad-424c-88a3-15e852b5861d" providerId="ADAL" clId="{1670CD84-DEE0-4E12-BF01-4C2D0C1D7F30}" dt="2024-05-12T09:23:37.291" v="9665" actId="6549"/>
+          <ac:chgData name="Dominique RIGHETTO" userId="512fe077-82ad-424c-88a3-15e852b5861d" providerId="ADAL" clId="{1670CD84-DEE0-4E12-BF01-4C2D0C1D7F30}" dt="2024-05-19T08:00:49.073" v="11202" actId="6549"/>
           <ac:spMkLst>
             <pc:docMk/>
             <pc:sldMk cId="1542931494" sldId="305"/>
             <ac:spMk id="7" creationId="{6B35F89A-6CDF-41F7-BD87-18B45BD7330B}"/>
+          </ac:spMkLst>
+        </pc:spChg>
+        <pc:spChg chg="add mod">
+          <ac:chgData name="Dominique RIGHETTO" userId="512fe077-82ad-424c-88a3-15e852b5861d" providerId="ADAL" clId="{1670CD84-DEE0-4E12-BF01-4C2D0C1D7F30}" dt="2024-05-19T08:00:41.388" v="11201" actId="1038"/>
+          <ac:spMkLst>
+            <pc:docMk/>
+            <pc:sldMk cId="1542931494" sldId="305"/>
+            <ac:spMk id="8" creationId="{C80E05A4-4B3F-AAF4-B357-8C4E00C8BD2C}"/>
           </ac:spMkLst>
         </pc:spChg>
         <pc:spChg chg="del">
@@ -2362,9 +2403,17 @@
             <ac:picMk id="10" creationId="{CFB6911A-F0C5-23CA-1AE6-7EF926F5FFF0}"/>
           </ac:picMkLst>
         </pc:picChg>
+        <pc:cxnChg chg="add mod">
+          <ac:chgData name="Dominique RIGHETTO" userId="512fe077-82ad-424c-88a3-15e852b5861d" providerId="ADAL" clId="{1670CD84-DEE0-4E12-BF01-4C2D0C1D7F30}" dt="2024-05-19T08:00:19.593" v="11195" actId="1037"/>
+          <ac:cxnSpMkLst>
+            <pc:docMk/>
+            <pc:sldMk cId="1542931494" sldId="305"/>
+            <ac:cxnSpMk id="3" creationId="{29CA3FBC-9925-6D25-2233-63538035693D}"/>
+          </ac:cxnSpMkLst>
+        </pc:cxnChg>
       </pc:sldChg>
       <pc:sldChg chg="addSp delSp modSp add mod modTransition">
-        <pc:chgData name="Dominique RIGHETTO" userId="512fe077-82ad-424c-88a3-15e852b5861d" providerId="ADAL" clId="{1670CD84-DEE0-4E12-BF01-4C2D0C1D7F30}" dt="2024-05-12T09:49:57.687" v="10935"/>
+        <pc:chgData name="Dominique RIGHETTO" userId="512fe077-82ad-424c-88a3-15e852b5861d" providerId="ADAL" clId="{1670CD84-DEE0-4E12-BF01-4C2D0C1D7F30}" dt="2024-05-19T08:00:57.233" v="11207" actId="20577"/>
         <pc:sldMkLst>
           <pc:docMk/>
           <pc:sldMk cId="3921470596" sldId="306"/>
@@ -2378,7 +2427,7 @@
           </ac:spMkLst>
         </pc:spChg>
         <pc:spChg chg="mod">
-          <ac:chgData name="Dominique RIGHETTO" userId="512fe077-82ad-424c-88a3-15e852b5861d" providerId="ADAL" clId="{1670CD84-DEE0-4E12-BF01-4C2D0C1D7F30}" dt="2024-05-12T09:22:03.814" v="9644" actId="20577"/>
+          <ac:chgData name="Dominique RIGHETTO" userId="512fe077-82ad-424c-88a3-15e852b5861d" providerId="ADAL" clId="{1670CD84-DEE0-4E12-BF01-4C2D0C1D7F30}" dt="2024-05-19T08:00:57.233" v="11207" actId="20577"/>
           <ac:spMkLst>
             <pc:docMk/>
             <pc:sldMk cId="3921470596" sldId="306"/>
@@ -2403,11 +2452,19 @@
         </pc:picChg>
       </pc:sldChg>
       <pc:sldChg chg="modSp add mod modTransition">
-        <pc:chgData name="Dominique RIGHETTO" userId="512fe077-82ad-424c-88a3-15e852b5861d" providerId="ADAL" clId="{1670CD84-DEE0-4E12-BF01-4C2D0C1D7F30}" dt="2024-05-12T10:03:38.007" v="11019"/>
+        <pc:chgData name="Dominique RIGHETTO" userId="512fe077-82ad-424c-88a3-15e852b5861d" providerId="ADAL" clId="{1670CD84-DEE0-4E12-BF01-4C2D0C1D7F30}" dt="2024-05-19T08:01:10.975" v="11212" actId="20577"/>
         <pc:sldMkLst>
           <pc:docMk/>
           <pc:sldMk cId="2649367104" sldId="307"/>
         </pc:sldMkLst>
+        <pc:spChg chg="mod">
+          <ac:chgData name="Dominique RIGHETTO" userId="512fe077-82ad-424c-88a3-15e852b5861d" providerId="ADAL" clId="{1670CD84-DEE0-4E12-BF01-4C2D0C1D7F30}" dt="2024-05-19T08:01:10.975" v="11212" actId="20577"/>
+          <ac:spMkLst>
+            <pc:docMk/>
+            <pc:sldMk cId="2649367104" sldId="307"/>
+            <ac:spMk id="7" creationId="{6B35F89A-6CDF-41F7-BD87-18B45BD7330B}"/>
+          </ac:spMkLst>
+        </pc:spChg>
         <pc:picChg chg="mod modCrop">
           <ac:chgData name="Dominique RIGHETTO" userId="512fe077-82ad-424c-88a3-15e852b5861d" providerId="ADAL" clId="{1670CD84-DEE0-4E12-BF01-4C2D0C1D7F30}" dt="2024-05-12T09:22:34.462" v="9651" actId="1076"/>
           <ac:picMkLst>
@@ -2418,7 +2475,7 @@
         </pc:picChg>
       </pc:sldChg>
       <pc:sldChg chg="delSp modSp add mod modTransition">
-        <pc:chgData name="Dominique RIGHETTO" userId="512fe077-82ad-424c-88a3-15e852b5861d" providerId="ADAL" clId="{1670CD84-DEE0-4E12-BF01-4C2D0C1D7F30}" dt="2024-05-12T09:49:57.687" v="10935"/>
+        <pc:chgData name="Dominique RIGHETTO" userId="512fe077-82ad-424c-88a3-15e852b5861d" providerId="ADAL" clId="{1670CD84-DEE0-4E12-BF01-4C2D0C1D7F30}" dt="2024-05-19T08:01:29.305" v="11222" actId="20577"/>
         <pc:sldMkLst>
           <pc:docMk/>
           <pc:sldMk cId="2485501603" sldId="308"/>
@@ -2432,7 +2489,7 @@
           </ac:spMkLst>
         </pc:spChg>
         <pc:spChg chg="mod">
-          <ac:chgData name="Dominique RIGHETTO" userId="512fe077-82ad-424c-88a3-15e852b5861d" providerId="ADAL" clId="{1670CD84-DEE0-4E12-BF01-4C2D0C1D7F30}" dt="2024-05-12T09:29:51.772" v="10132" actId="12"/>
+          <ac:chgData name="Dominique RIGHETTO" userId="512fe077-82ad-424c-88a3-15e852b5861d" providerId="ADAL" clId="{1670CD84-DEE0-4E12-BF01-4C2D0C1D7F30}" dt="2024-05-19T08:01:29.305" v="11222" actId="20577"/>
           <ac:spMkLst>
             <pc:docMk/>
             <pc:sldMk cId="2485501603" sldId="308"/>
@@ -2464,7 +2521,7 @@
         </pc:spChg>
       </pc:sldChg>
       <pc:sldChg chg="delSp modSp add mod ord modTransition">
-        <pc:chgData name="Dominique RIGHETTO" userId="512fe077-82ad-424c-88a3-15e852b5861d" providerId="ADAL" clId="{1670CD84-DEE0-4E12-BF01-4C2D0C1D7F30}" dt="2024-05-12T09:49:57.687" v="10935"/>
+        <pc:chgData name="Dominique RIGHETTO" userId="512fe077-82ad-424c-88a3-15e852b5861d" providerId="ADAL" clId="{1670CD84-DEE0-4E12-BF01-4C2D0C1D7F30}" dt="2024-05-19T08:01:51.346" v="11223" actId="113"/>
         <pc:sldMkLst>
           <pc:docMk/>
           <pc:sldMk cId="4002545787" sldId="310"/>
@@ -2478,7 +2535,7 @@
           </ac:spMkLst>
         </pc:spChg>
         <pc:spChg chg="mod">
-          <ac:chgData name="Dominique RIGHETTO" userId="512fe077-82ad-424c-88a3-15e852b5861d" providerId="ADAL" clId="{1670CD84-DEE0-4E12-BF01-4C2D0C1D7F30}" dt="2024-05-12T09:44:57.091" v="10887" actId="6549"/>
+          <ac:chgData name="Dominique RIGHETTO" userId="512fe077-82ad-424c-88a3-15e852b5861d" providerId="ADAL" clId="{1670CD84-DEE0-4E12-BF01-4C2D0C1D7F30}" dt="2024-05-19T08:01:51.346" v="11223" actId="113"/>
           <ac:spMkLst>
             <pc:docMk/>
             <pc:sldMk cId="4002545787" sldId="310"/>
@@ -2531,6 +2588,60 @@
             <ac:spMk id="7" creationId="{6B35F89A-6CDF-41F7-BD87-18B45BD7330B}"/>
           </ac:spMkLst>
         </pc:spChg>
+      </pc:sldChg>
+      <pc:sldChg chg="add del">
+        <pc:chgData name="Dominique RIGHETTO" userId="512fe077-82ad-424c-88a3-15e852b5861d" providerId="ADAL" clId="{1670CD84-DEE0-4E12-BF01-4C2D0C1D7F30}" dt="2024-05-19T07:56:57.499" v="11147" actId="2890"/>
+        <pc:sldMkLst>
+          <pc:docMk/>
+          <pc:sldMk cId="139773195" sldId="313"/>
+        </pc:sldMkLst>
+      </pc:sldChg>
+      <pc:sldChg chg="addSp delSp modSp add mod modTransition">
+        <pc:chgData name="Dominique RIGHETTO" userId="512fe077-82ad-424c-88a3-15e852b5861d" providerId="ADAL" clId="{1670CD84-DEE0-4E12-BF01-4C2D0C1D7F30}" dt="2024-05-19T07:59:21.081" v="11184"/>
+        <pc:sldMkLst>
+          <pc:docMk/>
+          <pc:sldMk cId="1011501238" sldId="313"/>
+        </pc:sldMkLst>
+        <pc:spChg chg="mod">
+          <ac:chgData name="Dominique RIGHETTO" userId="512fe077-82ad-424c-88a3-15e852b5861d" providerId="ADAL" clId="{1670CD84-DEE0-4E12-BF01-4C2D0C1D7F30}" dt="2024-05-19T07:59:15.325" v="11183" actId="14100"/>
+          <ac:spMkLst>
+            <pc:docMk/>
+            <pc:sldMk cId="1011501238" sldId="313"/>
+            <ac:spMk id="9" creationId="{38553B24-3CAE-8B02-A5D1-C07D1AF827C4}"/>
+          </ac:spMkLst>
+        </pc:spChg>
+        <pc:spChg chg="del">
+          <ac:chgData name="Dominique RIGHETTO" userId="512fe077-82ad-424c-88a3-15e852b5861d" providerId="ADAL" clId="{1670CD84-DEE0-4E12-BF01-4C2D0C1D7F30}" dt="2024-05-19T07:57:52.818" v="11156" actId="478"/>
+          <ac:spMkLst>
+            <pc:docMk/>
+            <pc:sldMk cId="1011501238" sldId="313"/>
+            <ac:spMk id="11" creationId="{12CD8640-E815-9DB3-7528-51174A9096DA}"/>
+          </ac:spMkLst>
+        </pc:spChg>
+        <pc:picChg chg="mod">
+          <ac:chgData name="Dominique RIGHETTO" userId="512fe077-82ad-424c-88a3-15e852b5861d" providerId="ADAL" clId="{1670CD84-DEE0-4E12-BF01-4C2D0C1D7F30}" dt="2024-05-19T07:58:04.735" v="11161" actId="1076"/>
+          <ac:picMkLst>
+            <pc:docMk/>
+            <pc:sldMk cId="1011501238" sldId="313"/>
+            <ac:picMk id="8" creationId="{632AFEE3-DF8B-1238-B680-CC9EA455F980}"/>
+          </ac:picMkLst>
+        </pc:picChg>
+        <pc:picChg chg="del">
+          <ac:chgData name="Dominique RIGHETTO" userId="512fe077-82ad-424c-88a3-15e852b5861d" providerId="ADAL" clId="{1670CD84-DEE0-4E12-BF01-4C2D0C1D7F30}" dt="2024-05-19T07:57:52.818" v="11156" actId="478"/>
+          <ac:picMkLst>
+            <pc:docMk/>
+            <pc:sldMk cId="1011501238" sldId="313"/>
+            <ac:picMk id="10" creationId="{CFB6911A-F0C5-23CA-1AE6-7EF926F5FFF0}"/>
+          </ac:picMkLst>
+        </pc:picChg>
+        <pc:cxnChg chg="add mod">
+          <ac:chgData name="Dominique RIGHETTO" userId="512fe077-82ad-424c-88a3-15e852b5861d" providerId="ADAL" clId="{1670CD84-DEE0-4E12-BF01-4C2D0C1D7F30}" dt="2024-05-19T07:59:07.642" v="11182" actId="692"/>
+          <ac:cxnSpMkLst>
+            <pc:docMk/>
+            <pc:sldMk cId="1011501238" sldId="313"/>
+            <ac:cxnSpMk id="3" creationId="{E5AC9523-55BD-4D30-CFE6-CD6EC7929BDE}"/>
+          </ac:cxnSpMkLst>
+        </pc:cxnChg>
       </pc:sldChg>
       <pc:sldMasterChg chg="delSldLayout">
         <pc:chgData name="Dominique RIGHETTO" userId="512fe077-82ad-424c-88a3-15e852b5861d" providerId="ADAL" clId="{1670CD84-DEE0-4E12-BF01-4C2D0C1D7F30}" dt="2024-05-09T05:56:50.643" v="73" actId="47"/>
@@ -9390,7 +9501,7 @@
           <a:p>
             <a:fld id="{F352A77B-D33C-49B3-A83C-450AA2ED72B3}" type="datetimeFigureOut">
               <a:rPr lang="en-US" smtClean="0"/>
-              <a:t>5/12/2024</a:t>
+              <a:t>5/19/2024</a:t>
             </a:fld>
             <a:endParaRPr lang="en-US" dirty="0"/>
           </a:p>
@@ -9567,7 +9678,7 @@
           <a:p>
             <a:fld id="{E38D8F9A-F5CB-4EF8-A859-ED5E107B9763}" type="datetimeFigureOut">
               <a:rPr lang="en-US" smtClean="0"/>
-              <a:t>5/12/2024</a:t>
+              <a:t>5/19/2024</a:t>
             </a:fld>
             <a:endParaRPr lang="en-US" dirty="0"/>
           </a:p>
@@ -25331,8 +25442,8 @@
         </p:blipFill>
         <p:spPr>
           <a:xfrm>
-            <a:off x="108374" y="163008"/>
-            <a:ext cx="5754417" cy="2025298"/>
+            <a:off x="108375" y="163008"/>
+            <a:ext cx="2846492" cy="1001838"/>
           </a:xfrm>
           <a:prstGeom prst="rect">
             <a:avLst/>
@@ -25885,7 +25996,7 @@
             </a:pPr>
             <a:r>
               <a:rPr lang="en-US" sz="2400" noProof="1"/>
-              <a:t>The collection of directives specified represent the </a:t>
+              <a:t>📜The collection of directives specified represent the </a:t>
             </a:r>
             <a:r>
               <a:rPr lang="en-US" sz="2400" b="1" noProof="1">
@@ -27423,7 +27534,7 @@
             </a:r>
             <a:r>
               <a:rPr lang="en-US" sz="2400" noProof="1"/>
-              <a:t>, that the browser used to identify allowed sources if certain directives are not defined in the policy.</a:t>
+              <a:t>, that the browser uses to identify allowed sources if certain directives are not defined in the policy.</a:t>
             </a:r>
           </a:p>
           <a:p>
@@ -27833,7 +27944,15 @@
             </a:pPr>
             <a:r>
               <a:rPr lang="en-US" sz="2400" noProof="1"/>
-              <a:t>📡CSP offer the possibility to not block the loading of a resource if a directive related to such resources is not respected but instead, send a violation notification to a web endpoint.</a:t>
+              <a:t>📡CSP offer the possibility </a:t>
+            </a:r>
+            <a:r>
+              <a:rPr lang="en-US" sz="2400" b="1" noProof="1"/>
+              <a:t>to not block </a:t>
+            </a:r>
+            <a:r>
+              <a:rPr lang="en-US" sz="2400" noProof="1"/>
+              <a:t>the loading of a resource if a directive related to such resources is not respected but, instead, send a violation notification to a web endpoint.</a:t>
             </a:r>
           </a:p>
           <a:p>
@@ -29762,7 +29881,7 @@
             </a:pPr>
             <a:r>
               <a:rPr lang="en-US" sz="2400" noProof="1"/>
-              <a:t>Allow sources for the constraints in the app defined explained above.</a:t>
+              <a:t>Allow sources for the constraints in the app explained previously.</a:t>
             </a:r>
           </a:p>
           <a:p>
@@ -31142,7 +31261,7 @@
             </a:pPr>
             <a:r>
               <a:rPr lang="en-US" sz="2400" noProof="1"/>
-              <a:t>📜Better overview of the JavaScript code injected:</a:t>
+              <a:t>👓Better overview of the JavaScript code injected:</a:t>
             </a:r>
           </a:p>
           <a:p>
@@ -31884,7 +32003,7 @@
             <a:solidFill>
               <a:srgbClr val="FFC000"/>
             </a:solidFill>
-            <a:prstDash val="sysDot"/>
+            <a:prstDash val="solid"/>
           </a:ln>
         </p:spPr>
         <p:style>
@@ -32600,6 +32719,58 @@
           </a:p>
         </p:txBody>
       </p:sp>
+      <p:sp>
+        <p:nvSpPr>
+          <p:cNvPr id="4" name="Rectangle: Rounded Corners 3">
+            <a:extLst>
+              <a:ext uri="{FF2B5EF4-FFF2-40B4-BE49-F238E27FC236}">
+                <a16:creationId xmlns:a16="http://schemas.microsoft.com/office/drawing/2014/main" id="{E004E72C-2BAE-E53D-D238-DF0D3277F87A}"/>
+              </a:ext>
+            </a:extLst>
+          </p:cNvPr>
+          <p:cNvSpPr/>
+          <p:nvPr/>
+        </p:nvSpPr>
+        <p:spPr>
+          <a:xfrm>
+            <a:off x="127000" y="4783667"/>
+            <a:ext cx="2633133" cy="394758"/>
+          </a:xfrm>
+          <a:prstGeom prst="roundRect">
+            <a:avLst/>
+          </a:prstGeom>
+          <a:noFill/>
+          <a:ln w="25400">
+            <a:solidFill>
+              <a:schemeClr val="accent4"/>
+            </a:solidFill>
+          </a:ln>
+        </p:spPr>
+        <p:style>
+          <a:lnRef idx="2">
+            <a:schemeClr val="accent1">
+              <a:shade val="15000"/>
+            </a:schemeClr>
+          </a:lnRef>
+          <a:fillRef idx="1">
+            <a:schemeClr val="accent1"/>
+          </a:fillRef>
+          <a:effectRef idx="0">
+            <a:schemeClr val="accent1"/>
+          </a:effectRef>
+          <a:fontRef idx="minor">
+            <a:schemeClr val="lt1"/>
+          </a:fontRef>
+        </p:style>
+        <p:txBody>
+          <a:bodyPr rtlCol="0" anchor="ctr"/>
+          <a:lstStyle/>
+          <a:p>
+            <a:pPr algn="ctr"/>
+            <a:endParaRPr lang="en-US"/>
+          </a:p>
+        </p:txBody>
+      </p:sp>
     </p:spTree>
     <p:extLst>
       <p:ext uri="{BB962C8B-B14F-4D97-AF65-F5344CB8AC3E}">
@@ -33253,6 +33424,58 @@
               </a:rPr>
               <a:t> 'self'</a:t>
             </a:r>
+          </a:p>
+        </p:txBody>
+      </p:sp>
+      <p:sp>
+        <p:nvSpPr>
+          <p:cNvPr id="4" name="Rectangle: Rounded Corners 3">
+            <a:extLst>
+              <a:ext uri="{FF2B5EF4-FFF2-40B4-BE49-F238E27FC236}">
+                <a16:creationId xmlns:a16="http://schemas.microsoft.com/office/drawing/2014/main" id="{AB083D01-2D20-74EB-5E28-C7038A2503BE}"/>
+              </a:ext>
+            </a:extLst>
+          </p:cNvPr>
+          <p:cNvSpPr/>
+          <p:nvPr/>
+        </p:nvSpPr>
+        <p:spPr>
+          <a:xfrm>
+            <a:off x="62910" y="4698999"/>
+            <a:ext cx="4890090" cy="279401"/>
+          </a:xfrm>
+          <a:prstGeom prst="roundRect">
+            <a:avLst/>
+          </a:prstGeom>
+          <a:noFill/>
+          <a:ln w="25400">
+            <a:solidFill>
+              <a:schemeClr val="accent4"/>
+            </a:solidFill>
+          </a:ln>
+        </p:spPr>
+        <p:style>
+          <a:lnRef idx="2">
+            <a:schemeClr val="accent1">
+              <a:shade val="15000"/>
+            </a:schemeClr>
+          </a:lnRef>
+          <a:fillRef idx="1">
+            <a:schemeClr val="accent1"/>
+          </a:fillRef>
+          <a:effectRef idx="0">
+            <a:schemeClr val="accent1"/>
+          </a:effectRef>
+          <a:fontRef idx="minor">
+            <a:schemeClr val="lt1"/>
+          </a:fontRef>
+        </p:style>
+        <p:txBody>
+          <a:bodyPr rtlCol="0" anchor="ctr"/>
+          <a:lstStyle/>
+          <a:p>
+            <a:pPr algn="ctr"/>
+            <a:endParaRPr lang="en-US"/>
           </a:p>
         </p:txBody>
       </p:sp>
@@ -33981,6 +34204,58 @@
           </a:p>
         </p:txBody>
       </p:sp>
+      <p:sp>
+        <p:nvSpPr>
+          <p:cNvPr id="4" name="Rectangle: Rounded Corners 3">
+            <a:extLst>
+              <a:ext uri="{FF2B5EF4-FFF2-40B4-BE49-F238E27FC236}">
+                <a16:creationId xmlns:a16="http://schemas.microsoft.com/office/drawing/2014/main" id="{3AE8B725-1354-7EBF-492D-DF621411B45B}"/>
+              </a:ext>
+            </a:extLst>
+          </p:cNvPr>
+          <p:cNvSpPr/>
+          <p:nvPr/>
+        </p:nvSpPr>
+        <p:spPr>
+          <a:xfrm>
+            <a:off x="62909" y="4851399"/>
+            <a:ext cx="7269223" cy="327026"/>
+          </a:xfrm>
+          <a:prstGeom prst="roundRect">
+            <a:avLst/>
+          </a:prstGeom>
+          <a:noFill/>
+          <a:ln w="25400">
+            <a:solidFill>
+              <a:schemeClr val="accent4"/>
+            </a:solidFill>
+          </a:ln>
+        </p:spPr>
+        <p:style>
+          <a:lnRef idx="2">
+            <a:schemeClr val="accent1">
+              <a:shade val="15000"/>
+            </a:schemeClr>
+          </a:lnRef>
+          <a:fillRef idx="1">
+            <a:schemeClr val="accent1"/>
+          </a:fillRef>
+          <a:effectRef idx="0">
+            <a:schemeClr val="accent1"/>
+          </a:effectRef>
+          <a:fontRef idx="minor">
+            <a:schemeClr val="lt1"/>
+          </a:fontRef>
+        </p:style>
+        <p:txBody>
+          <a:bodyPr rtlCol="0" anchor="ctr"/>
+          <a:lstStyle/>
+          <a:p>
+            <a:pPr algn="ctr"/>
+            <a:endParaRPr lang="en-US"/>
+          </a:p>
+        </p:txBody>
+      </p:sp>
     </p:spTree>
     <p:extLst>
       <p:ext uri="{BB962C8B-B14F-4D97-AF65-F5344CB8AC3E}">
@@ -34289,7 +34564,15 @@
             </a:r>
             <a:r>
               <a:rPr lang="en-US" sz="2400" noProof="1"/>
-              <a:t> and not a direct &lt;script&gt;&lt;/script&gt; tag.</a:t>
+              <a:t> and not a direct </a:t>
+            </a:r>
+            <a:r>
+              <a:rPr lang="en-US" sz="2400" b="1" noProof="1"/>
+              <a:t>&lt;script&gt;&lt;/script&gt; </a:t>
+            </a:r>
+            <a:r>
+              <a:rPr lang="en-US" sz="2400" noProof="1"/>
+              <a:t>tag.</a:t>
             </a:r>
           </a:p>
           <a:p>
@@ -34827,7 +35110,7 @@
             </a:pPr>
             <a:r>
               <a:rPr lang="en-US" sz="2400" noProof="1"/>
-              <a:t>📅An important release of the online sales portal is plan for release next Tuesday around 06:00 A.M.</a:t>
+              <a:t>📅An important release, of the online sales portal, is planned next Tuesday around 06:00 A.M.</a:t>
             </a:r>
           </a:p>
           <a:p>
@@ -34844,7 +35127,7 @@
             </a:pPr>
             <a:r>
               <a:rPr lang="en-US" sz="2400" noProof="1"/>
-              <a:t>👓A security audit was performed on this release, until Wednesday, and the final report was expected for yesteday evening.</a:t>
+              <a:t>👀A security audit was performed on this release, until Wednesday, and the final report was expected for yesteday evening.</a:t>
             </a:r>
           </a:p>
           <a:p>
@@ -34861,13 +35144,13 @@
             </a:pPr>
             <a:r>
               <a:rPr lang="en-US" sz="2400" noProof="1"/>
-              <a:t>📢Daily team meeting (09:00 A.M.): You are informed that a security vulnerability was found. This one allow to inject persistent Javascript code to hijack the user’s session (its is also called </a:t>
+              <a:t>📢Daily team meeting (09:00 A.M.): You are informed that a security vulnerability was found. This one allow to inject a persistent Javascript code to hijack the user’s session (its is also called </a:t>
             </a:r>
             <a:r>
               <a:rPr lang="en-US" sz="2400" noProof="1">
                 <a:hlinkClick r:id="rId2"/>
               </a:rPr>
-              <a:t>Cross-site scripting aka XSS</a:t>
+              <a:t>Cross-site scripting or XSS</a:t>
             </a:r>
             <a:r>
               <a:rPr lang="en-US" sz="2400" noProof="1"/>
@@ -35010,7 +35293,7 @@
             </a:r>
             <a:r>
               <a:rPr lang="en-US" sz="2400" noProof="1"/>
-              <a:t>, you discover this point (</a:t>
+              <a:t>, you discovered this point (</a:t>
             </a:r>
             <a:r>
               <a:rPr lang="en-US" sz="2400" noProof="1">
@@ -35070,10 +35353,10 @@
       </p:sp>
       <p:pic>
         <p:nvPicPr>
-          <p:cNvPr id="8" name="Picture 7">
-            <a:extLst>
-              <a:ext uri="{FF2B5EF4-FFF2-40B4-BE49-F238E27FC236}">
-                <a16:creationId xmlns:a16="http://schemas.microsoft.com/office/drawing/2014/main" id="{632AFEE3-DF8B-1238-B680-CC9EA455F980}"/>
+          <p:cNvPr id="10" name="Picture 9">
+            <a:extLst>
+              <a:ext uri="{FF2B5EF4-FFF2-40B4-BE49-F238E27FC236}">
+                <a16:creationId xmlns:a16="http://schemas.microsoft.com/office/drawing/2014/main" id="{CFB6911A-F0C5-23CA-1AE6-7EF926F5FFF0}"/>
               </a:ext>
             </a:extLst>
           </p:cNvPr>
@@ -35090,20 +35373,27 @@
         </p:blipFill>
         <p:spPr>
           <a:xfrm>
-            <a:off x="320680" y="2530880"/>
-            <a:ext cx="6572239" cy="4201508"/>
+            <a:off x="431801" y="3098799"/>
+            <a:ext cx="11352009" cy="1769534"/>
           </a:xfrm>
           <a:prstGeom prst="rect">
             <a:avLst/>
           </a:prstGeom>
+          <a:effectLst>
+            <a:outerShdw blurRad="50800" dist="38100" algn="l" rotWithShape="0">
+              <a:prstClr val="black">
+                <a:alpha val="40000"/>
+              </a:prstClr>
+            </a:outerShdw>
+          </a:effectLst>
         </p:spPr>
       </p:pic>
       <p:sp>
         <p:nvSpPr>
-          <p:cNvPr id="9" name="Rectangle 8">
-            <a:extLst>
-              <a:ext uri="{FF2B5EF4-FFF2-40B4-BE49-F238E27FC236}">
-                <a16:creationId xmlns:a16="http://schemas.microsoft.com/office/drawing/2014/main" id="{38553B24-3CAE-8B02-A5D1-C07D1AF827C4}"/>
+          <p:cNvPr id="11" name="Rectangle 10">
+            <a:extLst>
+              <a:ext uri="{FF2B5EF4-FFF2-40B4-BE49-F238E27FC236}">
+                <a16:creationId xmlns:a16="http://schemas.microsoft.com/office/drawing/2014/main" id="{12CD8640-E815-9DB3-7528-51174A9096DA}"/>
               </a:ext>
             </a:extLst>
           </p:cNvPr>
@@ -35112,8 +35402,8 @@
         </p:nvSpPr>
         <p:spPr>
           <a:xfrm>
-            <a:off x="406402" y="6256866"/>
-            <a:ext cx="4487332" cy="332412"/>
+            <a:off x="1457352" y="3725333"/>
+            <a:ext cx="10074247" cy="296334"/>
           </a:xfrm>
           <a:prstGeom prst="rect">
             <a:avLst/>
@@ -35150,95 +35440,47 @@
           </a:p>
         </p:txBody>
       </p:sp>
-      <p:pic>
-        <p:nvPicPr>
-          <p:cNvPr id="10" name="Picture 9">
-            <a:extLst>
-              <a:ext uri="{FF2B5EF4-FFF2-40B4-BE49-F238E27FC236}">
-                <a16:creationId xmlns:a16="http://schemas.microsoft.com/office/drawing/2014/main" id="{CFB6911A-F0C5-23CA-1AE6-7EF926F5FFF0}"/>
-              </a:ext>
-            </a:extLst>
-          </p:cNvPr>
-          <p:cNvPicPr>
-            <a:picLocks noChangeAspect="1"/>
-          </p:cNvPicPr>
+      <p:cxnSp>
+        <p:nvCxnSpPr>
+          <p:cNvPr id="4" name="Straight Connector 3">
+            <a:extLst>
+              <a:ext uri="{FF2B5EF4-FFF2-40B4-BE49-F238E27FC236}">
+                <a16:creationId xmlns:a16="http://schemas.microsoft.com/office/drawing/2014/main" id="{EA9D7E1D-B45B-58E9-C14E-F4A6E3FFADE1}"/>
+              </a:ext>
+            </a:extLst>
+          </p:cNvPr>
+          <p:cNvCxnSpPr/>
           <p:nvPr/>
-        </p:nvPicPr>
-        <p:blipFill>
-          <a:blip r:embed="rId4"/>
-          <a:stretch>
-            <a:fillRect/>
-          </a:stretch>
-        </p:blipFill>
+        </p:nvCxnSpPr>
         <p:spPr>
           <a:xfrm>
-            <a:off x="4893734" y="2707713"/>
-            <a:ext cx="7211431" cy="1124107"/>
-          </a:xfrm>
-          <a:prstGeom prst="rect">
+            <a:off x="6383867" y="3970865"/>
+            <a:ext cx="1464733" cy="0"/>
+          </a:xfrm>
+          <a:prstGeom prst="line">
             <a:avLst/>
           </a:prstGeom>
-          <a:effectLst>
-            <a:outerShdw blurRad="50800" dist="38100" algn="l" rotWithShape="0">
-              <a:prstClr val="black">
-                <a:alpha val="40000"/>
-              </a:prstClr>
-            </a:outerShdw>
-          </a:effectLst>
-        </p:spPr>
-      </p:pic>
-      <p:sp>
-        <p:nvSpPr>
-          <p:cNvPr id="11" name="Rectangle 10">
-            <a:extLst>
-              <a:ext uri="{FF2B5EF4-FFF2-40B4-BE49-F238E27FC236}">
-                <a16:creationId xmlns:a16="http://schemas.microsoft.com/office/drawing/2014/main" id="{12CD8640-E815-9DB3-7528-51174A9096DA}"/>
-              </a:ext>
-            </a:extLst>
-          </p:cNvPr>
-          <p:cNvSpPr/>
-          <p:nvPr/>
-        </p:nvSpPr>
-        <p:spPr>
-          <a:xfrm>
-            <a:off x="5504420" y="3098799"/>
-            <a:ext cx="6458980" cy="194733"/>
-          </a:xfrm>
-          <a:prstGeom prst="rect">
-            <a:avLst/>
-          </a:prstGeom>
-          <a:noFill/>
           <a:ln w="25400">
             <a:solidFill>
-              <a:schemeClr val="accent4"/>
+              <a:srgbClr val="FF0000"/>
             </a:solidFill>
           </a:ln>
         </p:spPr>
         <p:style>
-          <a:lnRef idx="2">
-            <a:schemeClr val="accent1">
-              <a:shade val="15000"/>
-            </a:schemeClr>
+          <a:lnRef idx="1">
+            <a:schemeClr val="accent1"/>
           </a:lnRef>
-          <a:fillRef idx="1">
+          <a:fillRef idx="0">
             <a:schemeClr val="accent1"/>
           </a:fillRef>
           <a:effectRef idx="0">
             <a:schemeClr val="accent1"/>
           </a:effectRef>
           <a:fontRef idx="minor">
-            <a:schemeClr val="lt1"/>
+            <a:schemeClr val="tx1"/>
           </a:fontRef>
         </p:style>
-        <p:txBody>
-          <a:bodyPr rtlCol="0" anchor="ctr"/>
-          <a:lstStyle/>
-          <a:p>
-            <a:pPr algn="ctr"/>
-            <a:endParaRPr lang="en-US"/>
-          </a:p>
-        </p:txBody>
-      </p:sp>
+      </p:cxnSp>
     </p:spTree>
     <p:extLst>
       <p:ext uri="{BB962C8B-B14F-4D97-AF65-F5344CB8AC3E}">
@@ -35351,16 +35593,48 @@
             </a:pPr>
             <a:r>
               <a:rPr lang="en-US" sz="2400" noProof="1"/>
-              <a:t>🤔You decided to break </a:t>
+              <a:t>👨‍🎓During your study of the directive </a:t>
+            </a:r>
+            <a:r>
+              <a:rPr lang="en-US" sz="2400" b="1" noProof="1">
+                <a:solidFill>
+                  <a:schemeClr val="accent6"/>
+                </a:solidFill>
+              </a:rPr>
+              <a:t>script-src-attr</a:t>
+            </a:r>
+            <a:r>
+              <a:rPr lang="en-US" sz="2400" noProof="1"/>
+              <a:t>, you discovered this point (</a:t>
+            </a:r>
+            <a:r>
+              <a:rPr lang="en-US" sz="2400" noProof="1">
+                <a:hlinkClick r:id="rId2"/>
+              </a:rPr>
+              <a:t>source</a:t>
+            </a:r>
+            <a:r>
+              <a:rPr lang="en-US" sz="2400" noProof="1"/>
+              <a:t>) about </a:t>
             </a:r>
             <a:r>
               <a:rPr lang="en-US" sz="2400" b="1" noProof="1"/>
-              <a:t>one constraint </a:t>
+              <a:t>the correct/recommended way to add an event handler in JavaScript</a:t>
             </a:r>
             <a:r>
               <a:rPr lang="en-US" sz="2400" noProof="1"/>
-              <a:t>and “fix” the way used to define the event handler in order to use the recommended way:</a:t>
-            </a:r>
+              <a:t>:</a:t>
+            </a:r>
+          </a:p>
+          <a:p>
+            <a:pPr marL="742950" lvl="1" indent="-285750">
+              <a:buFont typeface="Arial" panose="020B0604020202020204" pitchFamily="34" charset="0"/>
+              <a:buChar char="•"/>
+            </a:pPr>
+            <a:endParaRPr lang="en-US" sz="2400" noProof="1"/>
+          </a:p>
+          <a:p>
+            <a:endParaRPr lang="en-US" sz="2400" noProof="1"/>
           </a:p>
           <a:p>
             <a:pPr marL="285750" indent="-285750">
@@ -35381,47 +35655,6 @@
               <a:buFont typeface="Arial" panose="020B0604020202020204" pitchFamily="34" charset="0"/>
               <a:buChar char="•"/>
             </a:pPr>
-            <a:r>
-              <a:rPr lang="en-US" sz="2400" noProof="1"/>
-              <a:t>🤔 And test the CSP that you wanted to create during the second try:</a:t>
-            </a:r>
-          </a:p>
-          <a:p>
-            <a:pPr marL="285750" indent="-285750">
-              <a:buFont typeface="Arial" panose="020B0604020202020204" pitchFamily="34" charset="0"/>
-              <a:buChar char="•"/>
-            </a:pPr>
-            <a:endParaRPr lang="en-US" sz="2400" noProof="1"/>
-          </a:p>
-          <a:p>
-            <a:pPr marL="742950" lvl="1" indent="-285750">
-              <a:buFont typeface="Arial" panose="020B0604020202020204" pitchFamily="34" charset="0"/>
-              <a:buChar char="•"/>
-            </a:pPr>
-            <a:endParaRPr lang="en-US" sz="2400" noProof="1"/>
-          </a:p>
-          <a:p>
-            <a:endParaRPr lang="en-US" sz="2400" noProof="1"/>
-          </a:p>
-          <a:p>
-            <a:pPr marL="285750" indent="-285750">
-              <a:buFont typeface="Arial" panose="020B0604020202020204" pitchFamily="34" charset="0"/>
-              <a:buChar char="•"/>
-            </a:pPr>
-            <a:endParaRPr lang="en-US" sz="2400" noProof="1"/>
-          </a:p>
-          <a:p>
-            <a:pPr marL="285750" indent="-285750">
-              <a:buFont typeface="Arial" panose="020B0604020202020204" pitchFamily="34" charset="0"/>
-              <a:buChar char="•"/>
-            </a:pPr>
-            <a:endParaRPr lang="en-US" sz="2400" noProof="1"/>
-          </a:p>
-          <a:p>
-            <a:pPr marL="285750" indent="-285750">
-              <a:buFont typeface="Arial" panose="020B0604020202020204" pitchFamily="34" charset="0"/>
-              <a:buChar char="•"/>
-            </a:pPr>
             <a:endParaRPr lang="en-US" sz="2400" noProof="1"/>
           </a:p>
           <a:p>
@@ -35432,10 +35665,10 @@
       </p:sp>
       <p:pic>
         <p:nvPicPr>
-          <p:cNvPr id="4" name="Picture 3">
-            <a:extLst>
-              <a:ext uri="{FF2B5EF4-FFF2-40B4-BE49-F238E27FC236}">
-                <a16:creationId xmlns:a16="http://schemas.microsoft.com/office/drawing/2014/main" id="{9B3309CE-1362-6948-BB38-AB0BB7E87EAE}"/>
+          <p:cNvPr id="8" name="Picture 7">
+            <a:extLst>
+              <a:ext uri="{FF2B5EF4-FFF2-40B4-BE49-F238E27FC236}">
+                <a16:creationId xmlns:a16="http://schemas.microsoft.com/office/drawing/2014/main" id="{632AFEE3-DF8B-1238-B680-CC9EA455F980}"/>
               </a:ext>
             </a:extLst>
           </p:cNvPr>
@@ -35445,15 +35678,15 @@
           <p:nvPr/>
         </p:nvPicPr>
         <p:blipFill>
-          <a:blip r:embed="rId2"/>
+          <a:blip r:embed="rId3"/>
           <a:stretch>
             <a:fillRect/>
           </a:stretch>
         </p:blipFill>
         <p:spPr>
           <a:xfrm>
-            <a:off x="1371600" y="2590693"/>
-            <a:ext cx="9691506" cy="925203"/>
+            <a:off x="2650068" y="2446213"/>
+            <a:ext cx="6799786" cy="4346974"/>
           </a:xfrm>
           <a:prstGeom prst="rect">
             <a:avLst/>
@@ -35462,278 +35695,117 @@
       </p:pic>
       <p:sp>
         <p:nvSpPr>
-          <p:cNvPr id="5" name="TextBox 4">
-            <a:extLst>
-              <a:ext uri="{FF2B5EF4-FFF2-40B4-BE49-F238E27FC236}">
-                <a16:creationId xmlns:a16="http://schemas.microsoft.com/office/drawing/2014/main" id="{06ED42A4-BA65-63D5-6B8F-8962A3C03DF0}"/>
-              </a:ext>
-            </a:extLst>
-          </p:cNvPr>
-          <p:cNvSpPr txBox="1"/>
+          <p:cNvPr id="9" name="Rectangle 8">
+            <a:extLst>
+              <a:ext uri="{FF2B5EF4-FFF2-40B4-BE49-F238E27FC236}">
+                <a16:creationId xmlns:a16="http://schemas.microsoft.com/office/drawing/2014/main" id="{38553B24-3CAE-8B02-A5D1-C07D1AF827C4}"/>
+              </a:ext>
+            </a:extLst>
+          </p:cNvPr>
+          <p:cNvSpPr/>
           <p:nvPr/>
         </p:nvSpPr>
         <p:spPr>
           <a:xfrm>
-            <a:off x="62910" y="4190214"/>
-            <a:ext cx="11906545" cy="2554545"/>
+            <a:off x="2650068" y="5452533"/>
+            <a:ext cx="6002864" cy="1219200"/>
           </a:xfrm>
           <a:prstGeom prst="rect">
             <a:avLst/>
           </a:prstGeom>
           <a:noFill/>
-        </p:spPr>
+          <a:ln w="25400">
+            <a:solidFill>
+              <a:schemeClr val="accent4"/>
+            </a:solidFill>
+          </a:ln>
+        </p:spPr>
+        <p:style>
+          <a:lnRef idx="2">
+            <a:schemeClr val="accent1">
+              <a:shade val="15000"/>
+            </a:schemeClr>
+          </a:lnRef>
+          <a:fillRef idx="1">
+            <a:schemeClr val="accent1"/>
+          </a:fillRef>
+          <a:effectRef idx="0">
+            <a:schemeClr val="accent1"/>
+          </a:effectRef>
+          <a:fontRef idx="minor">
+            <a:schemeClr val="lt1"/>
+          </a:fontRef>
+        </p:style>
         <p:txBody>
-          <a:bodyPr wrap="square" rtlCol="0">
-            <a:spAutoFit/>
-          </a:bodyPr>
+          <a:bodyPr rtlCol="0" anchor="ctr"/>
           <a:lstStyle/>
           <a:p>
-            <a:r>
-              <a:rPr lang="en-US" sz="2000" dirty="0">
-                <a:latin typeface="Consolas" panose="020B0609020204030204" pitchFamily="49" charset="0"/>
-              </a:rPr>
-              <a:t>Content-Security-Policy: </a:t>
-            </a:r>
-          </a:p>
-          <a:p>
-            <a:r>
-              <a:rPr lang="en-US" sz="2000" dirty="0">
-                <a:solidFill>
-                  <a:schemeClr val="accent6"/>
-                </a:solidFill>
-                <a:latin typeface="Consolas" panose="020B0609020204030204" pitchFamily="49" charset="0"/>
-              </a:rPr>
-              <a:t>default-</a:t>
-            </a:r>
-            <a:r>
-              <a:rPr lang="en-US" sz="2000" dirty="0" err="1">
-                <a:solidFill>
-                  <a:schemeClr val="accent6"/>
-                </a:solidFill>
-                <a:latin typeface="Consolas" panose="020B0609020204030204" pitchFamily="49" charset="0"/>
-              </a:rPr>
-              <a:t>src</a:t>
-            </a:r>
-            <a:r>
-              <a:rPr lang="en-US" sz="2000" dirty="0">
-                <a:solidFill>
-                  <a:schemeClr val="accent6"/>
-                </a:solidFill>
-                <a:latin typeface="Consolas" panose="020B0609020204030204" pitchFamily="49" charset="0"/>
-              </a:rPr>
-              <a:t> </a:t>
-            </a:r>
-            <a:r>
-              <a:rPr lang="en-US" sz="2000" dirty="0">
-                <a:solidFill>
-                  <a:srgbClr val="7030A0"/>
-                </a:solidFill>
-                <a:latin typeface="Consolas" panose="020B0609020204030204" pitchFamily="49" charset="0"/>
-              </a:rPr>
-              <a:t>'self'</a:t>
-            </a:r>
-            <a:r>
-              <a:rPr lang="en-US" sz="2000" dirty="0">
-                <a:latin typeface="Consolas" panose="020B0609020204030204" pitchFamily="49" charset="0"/>
-              </a:rPr>
-              <a:t>; </a:t>
-            </a:r>
-          </a:p>
-          <a:p>
-            <a:r>
-              <a:rPr lang="en-US" sz="2000" b="1" dirty="0">
-                <a:solidFill>
-                  <a:schemeClr val="accent6"/>
-                </a:solidFill>
-                <a:latin typeface="Consolas" panose="020B0609020204030204" pitchFamily="49" charset="0"/>
-              </a:rPr>
-              <a:t>script-</a:t>
-            </a:r>
-            <a:r>
-              <a:rPr lang="en-US" sz="2000" b="1" dirty="0" err="1">
-                <a:solidFill>
-                  <a:schemeClr val="accent6"/>
-                </a:solidFill>
-                <a:latin typeface="Consolas" panose="020B0609020204030204" pitchFamily="49" charset="0"/>
-              </a:rPr>
-              <a:t>src</a:t>
-            </a:r>
-            <a:r>
-              <a:rPr lang="en-US" sz="2000" b="1" dirty="0">
-                <a:latin typeface="Consolas" panose="020B0609020204030204" pitchFamily="49" charset="0"/>
-              </a:rPr>
-              <a:t> </a:t>
-            </a:r>
-            <a:r>
-              <a:rPr lang="en-US" sz="2000" b="1" dirty="0">
-                <a:solidFill>
-                  <a:srgbClr val="7030A0"/>
-                </a:solidFill>
-                <a:latin typeface="Consolas" panose="020B0609020204030204" pitchFamily="49" charset="0"/>
-              </a:rPr>
-              <a:t>'self'</a:t>
-            </a:r>
-            <a:r>
-              <a:rPr lang="en-US" sz="2000" dirty="0">
-                <a:latin typeface="Consolas" panose="020B0609020204030204" pitchFamily="49" charset="0"/>
-              </a:rPr>
-              <a:t>; </a:t>
-            </a:r>
-          </a:p>
-          <a:p>
-            <a:r>
-              <a:rPr lang="en-US" sz="2000" dirty="0">
-                <a:solidFill>
-                  <a:schemeClr val="accent6"/>
-                </a:solidFill>
-                <a:latin typeface="Consolas" panose="020B0609020204030204" pitchFamily="49" charset="0"/>
-              </a:rPr>
-              <a:t>style-</a:t>
-            </a:r>
-            <a:r>
-              <a:rPr lang="en-US" sz="2000" dirty="0" err="1">
-                <a:solidFill>
-                  <a:schemeClr val="accent6"/>
-                </a:solidFill>
-                <a:latin typeface="Consolas" panose="020B0609020204030204" pitchFamily="49" charset="0"/>
-              </a:rPr>
-              <a:t>src</a:t>
-            </a:r>
-            <a:r>
-              <a:rPr lang="en-US" sz="2000" dirty="0">
-                <a:latin typeface="Consolas" panose="020B0609020204030204" pitchFamily="49" charset="0"/>
-              </a:rPr>
-              <a:t> </a:t>
-            </a:r>
-            <a:r>
-              <a:rPr lang="en-US" sz="2000" dirty="0">
-                <a:solidFill>
-                  <a:srgbClr val="7030A0"/>
-                </a:solidFill>
-                <a:latin typeface="Consolas" panose="020B0609020204030204" pitchFamily="49" charset="0"/>
-              </a:rPr>
-              <a:t>'self' 'unsafe-inline' https://fonts.googleapis.com https://fonts.gstatic.com</a:t>
-            </a:r>
-            <a:r>
-              <a:rPr lang="en-US" sz="2000" dirty="0">
-                <a:latin typeface="Consolas" panose="020B0609020204030204" pitchFamily="49" charset="0"/>
-              </a:rPr>
-              <a:t>; </a:t>
-            </a:r>
-          </a:p>
-          <a:p>
-            <a:r>
-              <a:rPr lang="en-US" sz="2000" dirty="0" err="1">
-                <a:solidFill>
-                  <a:schemeClr val="accent6"/>
-                </a:solidFill>
-                <a:latin typeface="Consolas" panose="020B0609020204030204" pitchFamily="49" charset="0"/>
-              </a:rPr>
-              <a:t>img-src</a:t>
-            </a:r>
-            <a:r>
-              <a:rPr lang="en-US" sz="2000" dirty="0">
-                <a:latin typeface="Consolas" panose="020B0609020204030204" pitchFamily="49" charset="0"/>
-              </a:rPr>
-              <a:t> </a:t>
-            </a:r>
-            <a:r>
-              <a:rPr lang="en-US" sz="2000" dirty="0">
-                <a:solidFill>
-                  <a:srgbClr val="7030A0"/>
-                </a:solidFill>
-                <a:latin typeface="Consolas" panose="020B0609020204030204" pitchFamily="49" charset="0"/>
-              </a:rPr>
-              <a:t>'self' data: blob:</a:t>
-            </a:r>
-            <a:r>
-              <a:rPr lang="en-US" sz="2000" dirty="0">
-                <a:latin typeface="Consolas" panose="020B0609020204030204" pitchFamily="49" charset="0"/>
-              </a:rPr>
-              <a:t>; </a:t>
-            </a:r>
-          </a:p>
-          <a:p>
-            <a:r>
-              <a:rPr lang="en-US" sz="2000" dirty="0">
-                <a:solidFill>
-                  <a:schemeClr val="accent6"/>
-                </a:solidFill>
-                <a:latin typeface="Consolas" panose="020B0609020204030204" pitchFamily="49" charset="0"/>
-              </a:rPr>
-              <a:t>font-</a:t>
-            </a:r>
-            <a:r>
-              <a:rPr lang="en-US" sz="2000" dirty="0" err="1">
-                <a:solidFill>
-                  <a:schemeClr val="accent6"/>
-                </a:solidFill>
-                <a:latin typeface="Consolas" panose="020B0609020204030204" pitchFamily="49" charset="0"/>
-              </a:rPr>
-              <a:t>src</a:t>
-            </a:r>
-            <a:r>
-              <a:rPr lang="en-US" sz="2000" dirty="0">
-                <a:latin typeface="Consolas" panose="020B0609020204030204" pitchFamily="49" charset="0"/>
-              </a:rPr>
-              <a:t> </a:t>
-            </a:r>
-            <a:r>
-              <a:rPr lang="en-US" sz="2000" dirty="0">
-                <a:solidFill>
-                  <a:srgbClr val="7030A0"/>
-                </a:solidFill>
-                <a:latin typeface="Consolas" panose="020B0609020204030204" pitchFamily="49" charset="0"/>
-              </a:rPr>
-              <a:t>'self' https://fonts.googleapis.com https://fonts.gstatic.com</a:t>
-            </a:r>
-            <a:r>
-              <a:rPr lang="en-US" sz="2000" dirty="0">
-                <a:latin typeface="Consolas" panose="020B0609020204030204" pitchFamily="49" charset="0"/>
-              </a:rPr>
-              <a:t>; </a:t>
-            </a:r>
-          </a:p>
-          <a:p>
-            <a:r>
-              <a:rPr lang="en-US" sz="2000" dirty="0">
-                <a:solidFill>
-                  <a:schemeClr val="accent6"/>
-                </a:solidFill>
-                <a:latin typeface="Consolas" panose="020B0609020204030204" pitchFamily="49" charset="0"/>
-              </a:rPr>
-              <a:t>form-action</a:t>
-            </a:r>
-            <a:r>
-              <a:rPr lang="en-US" sz="2000" dirty="0">
-                <a:solidFill>
-                  <a:srgbClr val="7030A0"/>
-                </a:solidFill>
-                <a:latin typeface="Consolas" panose="020B0609020204030204" pitchFamily="49" charset="0"/>
-              </a:rPr>
-              <a:t> 'self'</a:t>
-            </a:r>
+            <a:pPr algn="ctr"/>
+            <a:endParaRPr lang="en-US"/>
           </a:p>
         </p:txBody>
       </p:sp>
+      <p:cxnSp>
+        <p:nvCxnSpPr>
+          <p:cNvPr id="3" name="Straight Connector 2">
+            <a:extLst>
+              <a:ext uri="{FF2B5EF4-FFF2-40B4-BE49-F238E27FC236}">
+                <a16:creationId xmlns:a16="http://schemas.microsoft.com/office/drawing/2014/main" id="{E5AC9523-55BD-4D30-CFE6-CD6EC7929BDE}"/>
+              </a:ext>
+            </a:extLst>
+          </p:cNvPr>
+          <p:cNvCxnSpPr>
+            <a:cxnSpLocks/>
+          </p:cNvCxnSpPr>
+          <p:nvPr/>
+        </p:nvCxnSpPr>
+        <p:spPr>
+          <a:xfrm>
+            <a:off x="4775200" y="6587065"/>
+            <a:ext cx="1075267" cy="0"/>
+          </a:xfrm>
+          <a:prstGeom prst="line">
+            <a:avLst/>
+          </a:prstGeom>
+          <a:ln w="25400">
+            <a:solidFill>
+              <a:srgbClr val="92D050"/>
+            </a:solidFill>
+          </a:ln>
+        </p:spPr>
+        <p:style>
+          <a:lnRef idx="1">
+            <a:schemeClr val="accent1"/>
+          </a:lnRef>
+          <a:fillRef idx="0">
+            <a:schemeClr val="accent1"/>
+          </a:fillRef>
+          <a:effectRef idx="0">
+            <a:schemeClr val="accent1"/>
+          </a:effectRef>
+          <a:fontRef idx="minor">
+            <a:schemeClr val="tx1"/>
+          </a:fontRef>
+        </p:style>
+      </p:cxnSp>
     </p:spTree>
     <p:extLst>
       <p:ext uri="{BB962C8B-B14F-4D97-AF65-F5344CB8AC3E}">
-        <p14:creationId xmlns:p14="http://schemas.microsoft.com/office/powerpoint/2010/main" val="1542931494"/>
+        <p14:creationId xmlns:p14="http://schemas.microsoft.com/office/powerpoint/2010/main" val="1011501238"/>
       </p:ext>
     </p:extLst>
   </p:cSld>
   <p:clrMapOvr>
     <a:masterClrMapping/>
   </p:clrMapOvr>
-  <mc:AlternateContent xmlns:mc="http://schemas.openxmlformats.org/markup-compatibility/2006" xmlns:p14="http://schemas.microsoft.com/office/powerpoint/2010/main">
-    <mc:Choice Requires="p14">
-      <p:transition spd="med" p14:dur="700">
-        <p:fade/>
+  <mc:AlternateContent xmlns:mc="http://schemas.openxmlformats.org/markup-compatibility/2006">
+    <mc:Choice xmlns:p159="http://schemas.microsoft.com/office/powerpoint/2015/09/main" Requires="p159">
+      <p:transition xmlns:p14="http://schemas.microsoft.com/office/powerpoint/2010/main" spd="slow" p14:dur="2000">
+        <p159:morph option="byObject"/>
       </p:transition>
     </mc:Choice>
-    <mc:Fallback xmlns="">
-      <p:transition spd="med">
+    <mc:Fallback>
+      <p:transition spd="slow">
         <p:fade/>
       </p:transition>
     </mc:Fallback>
@@ -35828,17 +35900,15 @@
             </a:pPr>
             <a:r>
               <a:rPr lang="en-US" sz="2400" noProof="1"/>
-              <a:t>😊It worked </a:t>
-            </a:r>
-            <a:r>
-              <a:rPr lang="en-US" sz="2400" noProof="1">
-                <a:sym typeface="Wingdings" panose="05000000000000000000" pitchFamily="2" charset="2"/>
-              </a:rPr>
-              <a:t> </a:t>
+              <a:t>🤔You decided to break </a:t>
+            </a:r>
+            <a:r>
+              <a:rPr lang="en-US" sz="2400" b="1" noProof="1"/>
+              <a:t>one constraint </a:t>
             </a:r>
             <a:r>
               <a:rPr lang="en-US" sz="2400" noProof="1"/>
-              <a:t>Feature is functional and XSS payloads are not executed anymore!</a:t>
+              <a:t>and “fix” the way used to define the event handler to use the recommended way:</a:t>
             </a:r>
           </a:p>
           <a:p>
@@ -35860,6 +35930,16 @@
               <a:buFont typeface="Arial" panose="020B0604020202020204" pitchFamily="34" charset="0"/>
               <a:buChar char="•"/>
             </a:pPr>
+            <a:r>
+              <a:rPr lang="en-US" sz="2400" noProof="1"/>
+              <a:t>🤔And test the CSP that you wanted to create during the second try:</a:t>
+            </a:r>
+          </a:p>
+          <a:p>
+            <a:pPr marL="285750" indent="-285750">
+              <a:buFont typeface="Arial" panose="020B0604020202020204" pitchFamily="34" charset="0"/>
+              <a:buChar char="•"/>
+            </a:pPr>
             <a:endParaRPr lang="en-US" sz="2400" noProof="1"/>
           </a:p>
           <a:p>
@@ -35901,10 +35981,10 @@
       </p:sp>
       <p:pic>
         <p:nvPicPr>
-          <p:cNvPr id="6" name="Picture 5" descr="A screenshot of a computer&#10;&#10;Description automatically generated">
-            <a:extLst>
-              <a:ext uri="{FF2B5EF4-FFF2-40B4-BE49-F238E27FC236}">
-                <a16:creationId xmlns:a16="http://schemas.microsoft.com/office/drawing/2014/main" id="{2826F1FE-68F6-0A69-6F9A-46EDD13B6F8F}"/>
+          <p:cNvPr id="4" name="Picture 3">
+            <a:extLst>
+              <a:ext uri="{FF2B5EF4-FFF2-40B4-BE49-F238E27FC236}">
+                <a16:creationId xmlns:a16="http://schemas.microsoft.com/office/drawing/2014/main" id="{9B3309CE-1362-6948-BB38-AB0BB7E87EAE}"/>
               </a:ext>
             </a:extLst>
           </p:cNvPr>
@@ -35921,18 +36001,369 @@
         </p:blipFill>
         <p:spPr>
           <a:xfrm>
-            <a:off x="3606799" y="2264639"/>
-            <a:ext cx="5168473" cy="4449428"/>
+            <a:off x="1371600" y="2590693"/>
+            <a:ext cx="9691506" cy="925203"/>
           </a:xfrm>
           <a:prstGeom prst="rect">
             <a:avLst/>
           </a:prstGeom>
         </p:spPr>
       </p:pic>
+      <p:sp>
+        <p:nvSpPr>
+          <p:cNvPr id="5" name="TextBox 4">
+            <a:extLst>
+              <a:ext uri="{FF2B5EF4-FFF2-40B4-BE49-F238E27FC236}">
+                <a16:creationId xmlns:a16="http://schemas.microsoft.com/office/drawing/2014/main" id="{06ED42A4-BA65-63D5-6B8F-8962A3C03DF0}"/>
+              </a:ext>
+            </a:extLst>
+          </p:cNvPr>
+          <p:cNvSpPr txBox="1"/>
+          <p:nvPr/>
+        </p:nvSpPr>
+        <p:spPr>
+          <a:xfrm>
+            <a:off x="62910" y="4190214"/>
+            <a:ext cx="11906545" cy="2554545"/>
+          </a:xfrm>
+          <a:prstGeom prst="rect">
+            <a:avLst/>
+          </a:prstGeom>
+          <a:noFill/>
+        </p:spPr>
+        <p:txBody>
+          <a:bodyPr wrap="square" rtlCol="0">
+            <a:spAutoFit/>
+          </a:bodyPr>
+          <a:lstStyle/>
+          <a:p>
+            <a:r>
+              <a:rPr lang="en-US" sz="2000" dirty="0">
+                <a:latin typeface="Consolas" panose="020B0609020204030204" pitchFamily="49" charset="0"/>
+              </a:rPr>
+              <a:t>Content-Security-Policy: </a:t>
+            </a:r>
+          </a:p>
+          <a:p>
+            <a:r>
+              <a:rPr lang="en-US" sz="2000" dirty="0">
+                <a:solidFill>
+                  <a:schemeClr val="accent6"/>
+                </a:solidFill>
+                <a:latin typeface="Consolas" panose="020B0609020204030204" pitchFamily="49" charset="0"/>
+              </a:rPr>
+              <a:t>default-</a:t>
+            </a:r>
+            <a:r>
+              <a:rPr lang="en-US" sz="2000" dirty="0" err="1">
+                <a:solidFill>
+                  <a:schemeClr val="accent6"/>
+                </a:solidFill>
+                <a:latin typeface="Consolas" panose="020B0609020204030204" pitchFamily="49" charset="0"/>
+              </a:rPr>
+              <a:t>src</a:t>
+            </a:r>
+            <a:r>
+              <a:rPr lang="en-US" sz="2000" dirty="0">
+                <a:solidFill>
+                  <a:schemeClr val="accent6"/>
+                </a:solidFill>
+                <a:latin typeface="Consolas" panose="020B0609020204030204" pitchFamily="49" charset="0"/>
+              </a:rPr>
+              <a:t> </a:t>
+            </a:r>
+            <a:r>
+              <a:rPr lang="en-US" sz="2000" dirty="0">
+                <a:solidFill>
+                  <a:srgbClr val="7030A0"/>
+                </a:solidFill>
+                <a:latin typeface="Consolas" panose="020B0609020204030204" pitchFamily="49" charset="0"/>
+              </a:rPr>
+              <a:t>'self'</a:t>
+            </a:r>
+            <a:r>
+              <a:rPr lang="en-US" sz="2000" dirty="0">
+                <a:latin typeface="Consolas" panose="020B0609020204030204" pitchFamily="49" charset="0"/>
+              </a:rPr>
+              <a:t>; </a:t>
+            </a:r>
+          </a:p>
+          <a:p>
+            <a:r>
+              <a:rPr lang="en-US" sz="2000" b="1" dirty="0">
+                <a:solidFill>
+                  <a:schemeClr val="accent6"/>
+                </a:solidFill>
+                <a:latin typeface="Consolas" panose="020B0609020204030204" pitchFamily="49" charset="0"/>
+              </a:rPr>
+              <a:t>script-</a:t>
+            </a:r>
+            <a:r>
+              <a:rPr lang="en-US" sz="2000" b="1" dirty="0" err="1">
+                <a:solidFill>
+                  <a:schemeClr val="accent6"/>
+                </a:solidFill>
+                <a:latin typeface="Consolas" panose="020B0609020204030204" pitchFamily="49" charset="0"/>
+              </a:rPr>
+              <a:t>src</a:t>
+            </a:r>
+            <a:r>
+              <a:rPr lang="en-US" sz="2000" b="1" dirty="0">
+                <a:latin typeface="Consolas" panose="020B0609020204030204" pitchFamily="49" charset="0"/>
+              </a:rPr>
+              <a:t> </a:t>
+            </a:r>
+            <a:r>
+              <a:rPr lang="en-US" sz="2000" b="1" dirty="0">
+                <a:solidFill>
+                  <a:srgbClr val="7030A0"/>
+                </a:solidFill>
+                <a:latin typeface="Consolas" panose="020B0609020204030204" pitchFamily="49" charset="0"/>
+              </a:rPr>
+              <a:t>'self'</a:t>
+            </a:r>
+            <a:r>
+              <a:rPr lang="en-US" sz="2000" dirty="0">
+                <a:latin typeface="Consolas" panose="020B0609020204030204" pitchFamily="49" charset="0"/>
+              </a:rPr>
+              <a:t>; </a:t>
+            </a:r>
+          </a:p>
+          <a:p>
+            <a:r>
+              <a:rPr lang="en-US" sz="2000" dirty="0">
+                <a:solidFill>
+                  <a:schemeClr val="accent6"/>
+                </a:solidFill>
+                <a:latin typeface="Consolas" panose="020B0609020204030204" pitchFamily="49" charset="0"/>
+              </a:rPr>
+              <a:t>style-</a:t>
+            </a:r>
+            <a:r>
+              <a:rPr lang="en-US" sz="2000" dirty="0" err="1">
+                <a:solidFill>
+                  <a:schemeClr val="accent6"/>
+                </a:solidFill>
+                <a:latin typeface="Consolas" panose="020B0609020204030204" pitchFamily="49" charset="0"/>
+              </a:rPr>
+              <a:t>src</a:t>
+            </a:r>
+            <a:r>
+              <a:rPr lang="en-US" sz="2000" dirty="0">
+                <a:latin typeface="Consolas" panose="020B0609020204030204" pitchFamily="49" charset="0"/>
+              </a:rPr>
+              <a:t> </a:t>
+            </a:r>
+            <a:r>
+              <a:rPr lang="en-US" sz="2000" dirty="0">
+                <a:solidFill>
+                  <a:srgbClr val="7030A0"/>
+                </a:solidFill>
+                <a:latin typeface="Consolas" panose="020B0609020204030204" pitchFamily="49" charset="0"/>
+              </a:rPr>
+              <a:t>'self' 'unsafe-inline' https://fonts.googleapis.com https://fonts.gstatic.com</a:t>
+            </a:r>
+            <a:r>
+              <a:rPr lang="en-US" sz="2000" dirty="0">
+                <a:latin typeface="Consolas" panose="020B0609020204030204" pitchFamily="49" charset="0"/>
+              </a:rPr>
+              <a:t>; </a:t>
+            </a:r>
+          </a:p>
+          <a:p>
+            <a:r>
+              <a:rPr lang="en-US" sz="2000" dirty="0" err="1">
+                <a:solidFill>
+                  <a:schemeClr val="accent6"/>
+                </a:solidFill>
+                <a:latin typeface="Consolas" panose="020B0609020204030204" pitchFamily="49" charset="0"/>
+              </a:rPr>
+              <a:t>img-src</a:t>
+            </a:r>
+            <a:r>
+              <a:rPr lang="en-US" sz="2000" dirty="0">
+                <a:latin typeface="Consolas" panose="020B0609020204030204" pitchFamily="49" charset="0"/>
+              </a:rPr>
+              <a:t> </a:t>
+            </a:r>
+            <a:r>
+              <a:rPr lang="en-US" sz="2000" dirty="0">
+                <a:solidFill>
+                  <a:srgbClr val="7030A0"/>
+                </a:solidFill>
+                <a:latin typeface="Consolas" panose="020B0609020204030204" pitchFamily="49" charset="0"/>
+              </a:rPr>
+              <a:t>'self' data: blob:</a:t>
+            </a:r>
+            <a:r>
+              <a:rPr lang="en-US" sz="2000" dirty="0">
+                <a:latin typeface="Consolas" panose="020B0609020204030204" pitchFamily="49" charset="0"/>
+              </a:rPr>
+              <a:t>; </a:t>
+            </a:r>
+          </a:p>
+          <a:p>
+            <a:r>
+              <a:rPr lang="en-US" sz="2000" dirty="0">
+                <a:solidFill>
+                  <a:schemeClr val="accent6"/>
+                </a:solidFill>
+                <a:latin typeface="Consolas" panose="020B0609020204030204" pitchFamily="49" charset="0"/>
+              </a:rPr>
+              <a:t>font-</a:t>
+            </a:r>
+            <a:r>
+              <a:rPr lang="en-US" sz="2000" dirty="0" err="1">
+                <a:solidFill>
+                  <a:schemeClr val="accent6"/>
+                </a:solidFill>
+                <a:latin typeface="Consolas" panose="020B0609020204030204" pitchFamily="49" charset="0"/>
+              </a:rPr>
+              <a:t>src</a:t>
+            </a:r>
+            <a:r>
+              <a:rPr lang="en-US" sz="2000" dirty="0">
+                <a:latin typeface="Consolas" panose="020B0609020204030204" pitchFamily="49" charset="0"/>
+              </a:rPr>
+              <a:t> </a:t>
+            </a:r>
+            <a:r>
+              <a:rPr lang="en-US" sz="2000" dirty="0">
+                <a:solidFill>
+                  <a:srgbClr val="7030A0"/>
+                </a:solidFill>
+                <a:latin typeface="Consolas" panose="020B0609020204030204" pitchFamily="49" charset="0"/>
+              </a:rPr>
+              <a:t>'self' https://fonts.googleapis.com https://fonts.gstatic.com</a:t>
+            </a:r>
+            <a:r>
+              <a:rPr lang="en-US" sz="2000" dirty="0">
+                <a:latin typeface="Consolas" panose="020B0609020204030204" pitchFamily="49" charset="0"/>
+              </a:rPr>
+              <a:t>; </a:t>
+            </a:r>
+          </a:p>
+          <a:p>
+            <a:r>
+              <a:rPr lang="en-US" sz="2000" dirty="0">
+                <a:solidFill>
+                  <a:schemeClr val="accent6"/>
+                </a:solidFill>
+                <a:latin typeface="Consolas" panose="020B0609020204030204" pitchFamily="49" charset="0"/>
+              </a:rPr>
+              <a:t>form-action</a:t>
+            </a:r>
+            <a:r>
+              <a:rPr lang="en-US" sz="2000" dirty="0">
+                <a:solidFill>
+                  <a:srgbClr val="7030A0"/>
+                </a:solidFill>
+                <a:latin typeface="Consolas" panose="020B0609020204030204" pitchFamily="49" charset="0"/>
+              </a:rPr>
+              <a:t> 'self'</a:t>
+            </a:r>
+          </a:p>
+        </p:txBody>
+      </p:sp>
+      <p:cxnSp>
+        <p:nvCxnSpPr>
+          <p:cNvPr id="3" name="Straight Connector 2">
+            <a:extLst>
+              <a:ext uri="{FF2B5EF4-FFF2-40B4-BE49-F238E27FC236}">
+                <a16:creationId xmlns:a16="http://schemas.microsoft.com/office/drawing/2014/main" id="{29CA3FBC-9925-6D25-2233-63538035693D}"/>
+              </a:ext>
+            </a:extLst>
+          </p:cNvPr>
+          <p:cNvCxnSpPr>
+            <a:cxnSpLocks/>
+          </p:cNvCxnSpPr>
+          <p:nvPr/>
+        </p:nvCxnSpPr>
+        <p:spPr>
+          <a:xfrm>
+            <a:off x="5181599" y="3454399"/>
+            <a:ext cx="1498600" cy="0"/>
+          </a:xfrm>
+          <a:prstGeom prst="line">
+            <a:avLst/>
+          </a:prstGeom>
+          <a:ln w="25400">
+            <a:solidFill>
+              <a:srgbClr val="92D050"/>
+            </a:solidFill>
+          </a:ln>
+        </p:spPr>
+        <p:style>
+          <a:lnRef idx="1">
+            <a:schemeClr val="accent1"/>
+          </a:lnRef>
+          <a:fillRef idx="0">
+            <a:schemeClr val="accent1"/>
+          </a:fillRef>
+          <a:effectRef idx="0">
+            <a:schemeClr val="accent1"/>
+          </a:effectRef>
+          <a:fontRef idx="minor">
+            <a:schemeClr val="tx1"/>
+          </a:fontRef>
+        </p:style>
+      </p:cxnSp>
+      <p:sp>
+        <p:nvSpPr>
+          <p:cNvPr id="8" name="Rectangle: Rounded Corners 7">
+            <a:extLst>
+              <a:ext uri="{FF2B5EF4-FFF2-40B4-BE49-F238E27FC236}">
+                <a16:creationId xmlns:a16="http://schemas.microsoft.com/office/drawing/2014/main" id="{C80E05A4-4B3F-AAF4-B357-8C4E00C8BD2C}"/>
+              </a:ext>
+            </a:extLst>
+          </p:cNvPr>
+          <p:cNvSpPr/>
+          <p:nvPr/>
+        </p:nvSpPr>
+        <p:spPr>
+          <a:xfrm>
+            <a:off x="96778" y="4851399"/>
+            <a:ext cx="2663358" cy="327026"/>
+          </a:xfrm>
+          <a:prstGeom prst="roundRect">
+            <a:avLst/>
+          </a:prstGeom>
+          <a:noFill/>
+          <a:ln w="25400">
+            <a:solidFill>
+              <a:schemeClr val="accent4"/>
+            </a:solidFill>
+          </a:ln>
+        </p:spPr>
+        <p:style>
+          <a:lnRef idx="2">
+            <a:schemeClr val="accent1">
+              <a:shade val="15000"/>
+            </a:schemeClr>
+          </a:lnRef>
+          <a:fillRef idx="1">
+            <a:schemeClr val="accent1"/>
+          </a:fillRef>
+          <a:effectRef idx="0">
+            <a:schemeClr val="accent1"/>
+          </a:effectRef>
+          <a:fontRef idx="minor">
+            <a:schemeClr val="lt1"/>
+          </a:fontRef>
+        </p:style>
+        <p:txBody>
+          <a:bodyPr rtlCol="0" anchor="ctr"/>
+          <a:lstStyle/>
+          <a:p>
+            <a:pPr algn="ctr"/>
+            <a:endParaRPr lang="en-US"/>
+          </a:p>
+        </p:txBody>
+      </p:sp>
     </p:spTree>
     <p:extLst>
       <p:ext uri="{BB962C8B-B14F-4D97-AF65-F5344CB8AC3E}">
-        <p14:creationId xmlns:p14="http://schemas.microsoft.com/office/powerpoint/2010/main" val="3921470596"/>
+        <p14:creationId xmlns:p14="http://schemas.microsoft.com/office/powerpoint/2010/main" val="1542931494"/>
       </p:ext>
     </p:extLst>
   </p:cSld>
@@ -36041,17 +36472,7 @@
             </a:pPr>
             <a:r>
               <a:rPr lang="en-US" sz="2400" noProof="1"/>
-              <a:t>😊It worked </a:t>
-            </a:r>
-            <a:r>
-              <a:rPr lang="en-US" sz="2400" noProof="1">
-                <a:sym typeface="Wingdings" panose="05000000000000000000" pitchFamily="2" charset="2"/>
-              </a:rPr>
-              <a:t> </a:t>
-            </a:r>
-            <a:r>
-              <a:rPr lang="en-US" sz="2400" noProof="1"/>
-              <a:t>Feature is functional and XSS payloads are not executed anymore</a:t>
+              <a:t>😊It worked: Feature is functional and XSS payloads are not executed anymore!</a:t>
             </a:r>
           </a:p>
           <a:p>
@@ -36126,15 +36547,16 @@
           </p:cNvPicPr>
           <p:nvPr/>
         </p:nvPicPr>
-        <p:blipFill rotWithShape="1">
+        <p:blipFill>
           <a:blip r:embed="rId2"/>
-          <a:srcRect t="84777"/>
-          <a:stretch/>
+          <a:stretch>
+            <a:fillRect/>
+          </a:stretch>
         </p:blipFill>
         <p:spPr>
           <a:xfrm>
-            <a:off x="766017" y="2878667"/>
-            <a:ext cx="10659965" cy="1397000"/>
+            <a:off x="3606799" y="2264639"/>
+            <a:ext cx="5168473" cy="4449428"/>
           </a:xfrm>
           <a:prstGeom prst="rect">
             <a:avLst/>
@@ -36144,21 +36566,21 @@
     </p:spTree>
     <p:extLst>
       <p:ext uri="{BB962C8B-B14F-4D97-AF65-F5344CB8AC3E}">
-        <p14:creationId xmlns:p14="http://schemas.microsoft.com/office/powerpoint/2010/main" val="2649367104"/>
+        <p14:creationId xmlns:p14="http://schemas.microsoft.com/office/powerpoint/2010/main" val="3921470596"/>
       </p:ext>
     </p:extLst>
   </p:cSld>
   <p:clrMapOvr>
     <a:masterClrMapping/>
   </p:clrMapOvr>
-  <mc:AlternateContent xmlns:mc="http://schemas.openxmlformats.org/markup-compatibility/2006" xmlns:p159="http://schemas.microsoft.com/office/powerpoint/2015/09/main">
-    <mc:Choice Requires="p159">
-      <p:transition xmlns:p14="http://schemas.microsoft.com/office/powerpoint/2010/main" spd="slow" p14:dur="2000">
-        <p159:morph option="byObject"/>
+  <mc:AlternateContent xmlns:mc="http://schemas.openxmlformats.org/markup-compatibility/2006" xmlns:p14="http://schemas.microsoft.com/office/powerpoint/2010/main">
+    <mc:Choice Requires="p14">
+      <p:transition spd="med" p14:dur="700">
+        <p:fade/>
       </p:transition>
     </mc:Choice>
     <mc:Fallback xmlns="">
-      <p:transition spd="slow">
+      <p:transition spd="med">
         <p:fade/>
       </p:transition>
     </mc:Fallback>
@@ -36214,7 +36636,7 @@
             <a:pPr algn="l"/>
             <a:r>
               <a:rPr lang="en-US" dirty="0"/>
-              <a:t>🔬Study time: Final status</a:t>
+              <a:t>🔬Study time: Wait a second!</a:t>
             </a:r>
           </a:p>
         </p:txBody>
@@ -36253,28 +36675,29 @@
             </a:pPr>
             <a:r>
               <a:rPr lang="en-US" sz="2400" noProof="1"/>
-              <a:t>✅You provided your feedback to the CISO/PO:</a:t>
-            </a:r>
-          </a:p>
-          <a:p>
-            <a:pPr marL="914400" lvl="1" indent="-457200">
-              <a:buFont typeface="+mj-lt"/>
-              <a:buAutoNum type="arabicPeriod"/>
+              <a:t>😊It worked: Feature is functional and XSS payloads are not executed anymore</a:t>
+            </a:r>
+          </a:p>
+          <a:p>
+            <a:pPr marL="285750" indent="-285750">
+              <a:buFont typeface="Arial" panose="020B0604020202020204" pitchFamily="34" charset="0"/>
+              <a:buChar char="•"/>
             </a:pPr>
-            <a:r>
-              <a:rPr lang="en-US" sz="2400" noProof="1"/>
-              <a:t>The effective CSP you created, with the help, of your team!</a:t>
-            </a:r>
-          </a:p>
-          <a:p>
-            <a:pPr marL="914400" lvl="1" indent="-457200">
-              <a:buFont typeface="+mj-lt"/>
-              <a:buAutoNum type="arabicPeriod"/>
+            <a:endParaRPr lang="en-US" sz="2400" noProof="1"/>
+          </a:p>
+          <a:p>
+            <a:pPr marL="285750" indent="-285750">
+              <a:buFont typeface="Arial" panose="020B0604020202020204" pitchFamily="34" charset="0"/>
+              <a:buChar char="•"/>
             </a:pPr>
-            <a:r>
-              <a:rPr lang="en-US" sz="2400" noProof="1"/>
-              <a:t>The little update needed: One line in a single JS file!</a:t>
-            </a:r>
+            <a:endParaRPr lang="en-US" sz="2400" noProof="1"/>
+          </a:p>
+          <a:p>
+            <a:pPr marL="285750" indent="-285750">
+              <a:buFont typeface="Arial" panose="020B0604020202020204" pitchFamily="34" charset="0"/>
+              <a:buChar char="•"/>
+            </a:pPr>
+            <a:endParaRPr lang="en-US" sz="2400" noProof="1"/>
           </a:p>
           <a:p>
             <a:pPr marL="742950" lvl="1" indent="-285750">
@@ -36284,14 +36707,7 @@
             <a:endParaRPr lang="en-US" sz="2400" noProof="1"/>
           </a:p>
           <a:p>
-            <a:pPr marL="285750" indent="-285750">
-              <a:buFont typeface="Arial" panose="020B0604020202020204" pitchFamily="34" charset="0"/>
-              <a:buChar char="•"/>
-            </a:pPr>
-            <a:r>
-              <a:rPr lang="en-US" sz="2400" noProof="1"/>
-              <a:t>💖You sent the mail of status at 03:30 P.M. with all technical details, packed your stuff and leave to prepare for your romantic evening.</a:t>
-            </a:r>
+            <a:endParaRPr lang="en-US" sz="2400" noProof="1"/>
           </a:p>
           <a:p>
             <a:pPr marL="285750" indent="-285750">
@@ -36315,60 +36731,58 @@
             <a:endParaRPr lang="en-US" sz="2400" noProof="1"/>
           </a:p>
           <a:p>
-            <a:pPr marL="742950" lvl="1" indent="-285750">
-              <a:buFont typeface="Arial" panose="020B0604020202020204" pitchFamily="34" charset="0"/>
-              <a:buChar char="•"/>
-            </a:pPr>
-            <a:endParaRPr lang="en-US" sz="2400" noProof="1"/>
-          </a:p>
-          <a:p>
-            <a:endParaRPr lang="en-US" sz="2400" noProof="1"/>
-          </a:p>
-          <a:p>
-            <a:pPr marL="285750" indent="-285750">
-              <a:buFont typeface="Arial" panose="020B0604020202020204" pitchFamily="34" charset="0"/>
-              <a:buChar char="•"/>
-            </a:pPr>
-            <a:endParaRPr lang="en-US" sz="2400" noProof="1"/>
-          </a:p>
-          <a:p>
-            <a:pPr marL="285750" indent="-285750">
-              <a:buFont typeface="Arial" panose="020B0604020202020204" pitchFamily="34" charset="0"/>
-              <a:buChar char="•"/>
-            </a:pPr>
-            <a:endParaRPr lang="en-US" sz="2400" noProof="1"/>
-          </a:p>
-          <a:p>
-            <a:pPr marL="285750" indent="-285750">
-              <a:buFont typeface="Arial" panose="020B0604020202020204" pitchFamily="34" charset="0"/>
-              <a:buChar char="•"/>
-            </a:pPr>
-            <a:endParaRPr lang="en-US" sz="2400" noProof="1"/>
-          </a:p>
-          <a:p>
             <a:pPr lvl="1"/>
             <a:endParaRPr lang="en-US" sz="2400" noProof="1"/>
           </a:p>
         </p:txBody>
       </p:sp>
+      <p:pic>
+        <p:nvPicPr>
+          <p:cNvPr id="6" name="Picture 5" descr="A screenshot of a computer&#10;&#10;Description automatically generated">
+            <a:extLst>
+              <a:ext uri="{FF2B5EF4-FFF2-40B4-BE49-F238E27FC236}">
+                <a16:creationId xmlns:a16="http://schemas.microsoft.com/office/drawing/2014/main" id="{2826F1FE-68F6-0A69-6F9A-46EDD13B6F8F}"/>
+              </a:ext>
+            </a:extLst>
+          </p:cNvPr>
+          <p:cNvPicPr>
+            <a:picLocks noChangeAspect="1"/>
+          </p:cNvPicPr>
+          <p:nvPr/>
+        </p:nvPicPr>
+        <p:blipFill rotWithShape="1">
+          <a:blip r:embed="rId2"/>
+          <a:srcRect t="84777"/>
+          <a:stretch/>
+        </p:blipFill>
+        <p:spPr>
+          <a:xfrm>
+            <a:off x="766017" y="2878667"/>
+            <a:ext cx="10659965" cy="1397000"/>
+          </a:xfrm>
+          <a:prstGeom prst="rect">
+            <a:avLst/>
+          </a:prstGeom>
+        </p:spPr>
+      </p:pic>
     </p:spTree>
     <p:extLst>
       <p:ext uri="{BB962C8B-B14F-4D97-AF65-F5344CB8AC3E}">
-        <p14:creationId xmlns:p14="http://schemas.microsoft.com/office/powerpoint/2010/main" val="2485501603"/>
+        <p14:creationId xmlns:p14="http://schemas.microsoft.com/office/powerpoint/2010/main" val="2649367104"/>
       </p:ext>
     </p:extLst>
   </p:cSld>
   <p:clrMapOvr>
     <a:masterClrMapping/>
   </p:clrMapOvr>
-  <mc:AlternateContent xmlns:mc="http://schemas.openxmlformats.org/markup-compatibility/2006" xmlns:p14="http://schemas.microsoft.com/office/powerpoint/2010/main">
-    <mc:Choice Requires="p14">
-      <p:transition spd="med" p14:dur="700">
-        <p:fade/>
+  <mc:AlternateContent xmlns:mc="http://schemas.openxmlformats.org/markup-compatibility/2006" xmlns:p159="http://schemas.microsoft.com/office/powerpoint/2015/09/main">
+    <mc:Choice Requires="p159">
+      <p:transition xmlns:p14="http://schemas.microsoft.com/office/powerpoint/2010/main" spd="slow" p14:dur="2000">
+        <p159:morph option="byObject"/>
       </p:transition>
     </mc:Choice>
     <mc:Fallback xmlns="">
-      <p:transition spd="med">
+      <p:transition spd="slow">
         <p:fade/>
       </p:transition>
     </mc:Fallback>
@@ -36398,7 +36812,7 @@
           <p:cNvPr id="2" name="Title 1">
             <a:extLst>
               <a:ext uri="{FF2B5EF4-FFF2-40B4-BE49-F238E27FC236}">
-                <a16:creationId xmlns:a16="http://schemas.microsoft.com/office/drawing/2014/main" id="{A29DE7F2-E890-4744-88DD-A75F5E300513}"/>
+                <a16:creationId xmlns:a16="http://schemas.microsoft.com/office/drawing/2014/main" id="{5CE54ABB-4929-4810-950B-2DAEA0A5BAB4}"/>
               </a:ext>
             </a:extLst>
           </p:cNvPr>
@@ -36406,30 +36820,165 @@
             <a:spLocks noGrp="1"/>
           </p:cNvSpPr>
           <p:nvPr>
-            <p:ph type="ctrTitle"/>
+            <p:ph type="title"/>
           </p:nvPr>
         </p:nvSpPr>
         <p:spPr>
           <a:xfrm>
-            <a:off x="5892799" y="2571235"/>
-            <a:ext cx="6189133" cy="1715531"/>
+            <a:off x="0" y="927496"/>
+            <a:ext cx="12192000" cy="562637"/>
           </a:xfrm>
         </p:spPr>
         <p:txBody>
-          <a:bodyPr/>
+          <a:bodyPr>
+            <a:normAutofit/>
+          </a:bodyPr>
           <a:lstStyle/>
           <a:p>
+            <a:pPr algn="l"/>
             <a:r>
               <a:rPr lang="en-US" dirty="0"/>
-              <a:t>📚Lesson learned…</a:t>
-            </a:r>
+              <a:t>🔬Study time: Final status</a:t>
+            </a:r>
+          </a:p>
+        </p:txBody>
+      </p:sp>
+      <p:sp>
+        <p:nvSpPr>
+          <p:cNvPr id="7" name="Content Placeholder 6">
+            <a:extLst>
+              <a:ext uri="{FF2B5EF4-FFF2-40B4-BE49-F238E27FC236}">
+                <a16:creationId xmlns:a16="http://schemas.microsoft.com/office/drawing/2014/main" id="{6B35F89A-6CDF-41F7-BD87-18B45BD7330B}"/>
+              </a:ext>
+            </a:extLst>
+          </p:cNvPr>
+          <p:cNvSpPr>
+            <a:spLocks noGrp="1"/>
+          </p:cNvSpPr>
+          <p:nvPr>
+            <p:ph sz="half" idx="2"/>
+          </p:nvPr>
+        </p:nvSpPr>
+        <p:spPr>
+          <a:xfrm>
+            <a:off x="62910" y="1679575"/>
+            <a:ext cx="12129090" cy="5178425"/>
+          </a:xfrm>
+        </p:spPr>
+        <p:txBody>
+          <a:bodyPr vert="horz" lIns="91440" tIns="45720" rIns="91440" bIns="45720" rtlCol="0" anchor="t">
+            <a:normAutofit/>
+          </a:bodyPr>
+          <a:lstStyle/>
+          <a:p>
+            <a:pPr marL="285750" indent="-285750">
+              <a:buFont typeface="Arial" panose="020B0604020202020204" pitchFamily="34" charset="0"/>
+              <a:buChar char="•"/>
+            </a:pPr>
+            <a:r>
+              <a:rPr lang="en-US" sz="2400" noProof="1"/>
+              <a:t>✅You provided your feedback to the CISO/PO:</a:t>
+            </a:r>
+          </a:p>
+          <a:p>
+            <a:pPr marL="914400" lvl="1" indent="-457200">
+              <a:buFont typeface="+mj-lt"/>
+              <a:buAutoNum type="arabicPeriod"/>
+            </a:pPr>
+            <a:r>
+              <a:rPr lang="en-US" sz="2400" noProof="1"/>
+              <a:t>The effective CSP you created, with the help, of your team!</a:t>
+            </a:r>
+          </a:p>
+          <a:p>
+            <a:pPr marL="914400" lvl="1" indent="-457200">
+              <a:buFont typeface="+mj-lt"/>
+              <a:buAutoNum type="arabicPeriod"/>
+            </a:pPr>
+            <a:r>
+              <a:rPr lang="en-US" sz="2400" noProof="1"/>
+              <a:t>The little update needed: One line in a single JS file!</a:t>
+            </a:r>
+          </a:p>
+          <a:p>
+            <a:pPr marL="742950" lvl="1" indent="-285750">
+              <a:buFont typeface="Arial" panose="020B0604020202020204" pitchFamily="34" charset="0"/>
+              <a:buChar char="•"/>
+            </a:pPr>
+            <a:endParaRPr lang="en-US" sz="2400" noProof="1"/>
+          </a:p>
+          <a:p>
+            <a:pPr marL="285750" indent="-285750">
+              <a:buFont typeface="Arial" panose="020B0604020202020204" pitchFamily="34" charset="0"/>
+              <a:buChar char="•"/>
+            </a:pPr>
+            <a:r>
+              <a:rPr lang="en-US" sz="2400" noProof="1"/>
+              <a:t>💖You sent the mail with the status at 03:30 P.M. with all technical details, packed your stuff and leave to prepare for your romantic evening.</a:t>
+            </a:r>
+          </a:p>
+          <a:p>
+            <a:pPr marL="285750" indent="-285750">
+              <a:buFont typeface="Arial" panose="020B0604020202020204" pitchFamily="34" charset="0"/>
+              <a:buChar char="•"/>
+            </a:pPr>
+            <a:endParaRPr lang="en-US" sz="2400" noProof="1"/>
+          </a:p>
+          <a:p>
+            <a:pPr marL="285750" indent="-285750">
+              <a:buFont typeface="Arial" panose="020B0604020202020204" pitchFamily="34" charset="0"/>
+              <a:buChar char="•"/>
+            </a:pPr>
+            <a:endParaRPr lang="en-US" sz="2400" noProof="1"/>
+          </a:p>
+          <a:p>
+            <a:pPr marL="285750" indent="-285750">
+              <a:buFont typeface="Arial" panose="020B0604020202020204" pitchFamily="34" charset="0"/>
+              <a:buChar char="•"/>
+            </a:pPr>
+            <a:endParaRPr lang="en-US" sz="2400" noProof="1"/>
+          </a:p>
+          <a:p>
+            <a:pPr marL="742950" lvl="1" indent="-285750">
+              <a:buFont typeface="Arial" panose="020B0604020202020204" pitchFamily="34" charset="0"/>
+              <a:buChar char="•"/>
+            </a:pPr>
+            <a:endParaRPr lang="en-US" sz="2400" noProof="1"/>
+          </a:p>
+          <a:p>
+            <a:endParaRPr lang="en-US" sz="2400" noProof="1"/>
+          </a:p>
+          <a:p>
+            <a:pPr marL="285750" indent="-285750">
+              <a:buFont typeface="Arial" panose="020B0604020202020204" pitchFamily="34" charset="0"/>
+              <a:buChar char="•"/>
+            </a:pPr>
+            <a:endParaRPr lang="en-US" sz="2400" noProof="1"/>
+          </a:p>
+          <a:p>
+            <a:pPr marL="285750" indent="-285750">
+              <a:buFont typeface="Arial" panose="020B0604020202020204" pitchFamily="34" charset="0"/>
+              <a:buChar char="•"/>
+            </a:pPr>
+            <a:endParaRPr lang="en-US" sz="2400" noProof="1"/>
+          </a:p>
+          <a:p>
+            <a:pPr marL="285750" indent="-285750">
+              <a:buFont typeface="Arial" panose="020B0604020202020204" pitchFamily="34" charset="0"/>
+              <a:buChar char="•"/>
+            </a:pPr>
+            <a:endParaRPr lang="en-US" sz="2400" noProof="1"/>
+          </a:p>
+          <a:p>
+            <a:pPr lvl="1"/>
+            <a:endParaRPr lang="en-US" sz="2400" noProof="1"/>
           </a:p>
         </p:txBody>
       </p:sp>
     </p:spTree>
     <p:extLst>
       <p:ext uri="{BB962C8B-B14F-4D97-AF65-F5344CB8AC3E}">
-        <p14:creationId xmlns:p14="http://schemas.microsoft.com/office/powerpoint/2010/main" val="3883942163"/>
+        <p14:creationId xmlns:p14="http://schemas.microsoft.com/office/powerpoint/2010/main" val="2485501603"/>
       </p:ext>
     </p:extLst>
   </p:cSld>
@@ -36473,7 +37022,7 @@
           <p:cNvPr id="2" name="Title 1">
             <a:extLst>
               <a:ext uri="{FF2B5EF4-FFF2-40B4-BE49-F238E27FC236}">
-                <a16:creationId xmlns:a16="http://schemas.microsoft.com/office/drawing/2014/main" id="{5CE54ABB-4929-4810-950B-2DAEA0A5BAB4}"/>
+                <a16:creationId xmlns:a16="http://schemas.microsoft.com/office/drawing/2014/main" id="{A29DE7F2-E890-4744-88DD-A75F5E300513}"/>
               </a:ext>
             </a:extLst>
           </p:cNvPr>
@@ -36481,186 +37030,30 @@
             <a:spLocks noGrp="1"/>
           </p:cNvSpPr>
           <p:nvPr>
-            <p:ph type="title"/>
+            <p:ph type="ctrTitle"/>
           </p:nvPr>
         </p:nvSpPr>
         <p:spPr>
           <a:xfrm>
-            <a:off x="0" y="927496"/>
-            <a:ext cx="12192000" cy="562637"/>
+            <a:off x="5892799" y="2571235"/>
+            <a:ext cx="6189133" cy="1715531"/>
           </a:xfrm>
         </p:spPr>
         <p:txBody>
-          <a:bodyPr>
-            <a:normAutofit/>
-          </a:bodyPr>
+          <a:bodyPr/>
           <a:lstStyle/>
           <a:p>
-            <a:pPr algn="l"/>
             <a:r>
               <a:rPr lang="en-US" dirty="0"/>
-              <a:t>📚Lesson learned</a:t>
-            </a:r>
-          </a:p>
-        </p:txBody>
-      </p:sp>
-      <p:sp>
-        <p:nvSpPr>
-          <p:cNvPr id="7" name="Content Placeholder 6">
-            <a:extLst>
-              <a:ext uri="{FF2B5EF4-FFF2-40B4-BE49-F238E27FC236}">
-                <a16:creationId xmlns:a16="http://schemas.microsoft.com/office/drawing/2014/main" id="{6B35F89A-6CDF-41F7-BD87-18B45BD7330B}"/>
-              </a:ext>
-            </a:extLst>
-          </p:cNvPr>
-          <p:cNvSpPr>
-            <a:spLocks noGrp="1"/>
-          </p:cNvSpPr>
-          <p:nvPr>
-            <p:ph sz="half" idx="2"/>
-          </p:nvPr>
-        </p:nvSpPr>
-        <p:spPr>
-          <a:xfrm>
-            <a:off x="62910" y="1679575"/>
-            <a:ext cx="12129090" cy="5178425"/>
-          </a:xfrm>
-        </p:spPr>
-        <p:txBody>
-          <a:bodyPr vert="horz" lIns="91440" tIns="45720" rIns="91440" bIns="45720" rtlCol="0" anchor="t">
-            <a:normAutofit/>
-          </a:bodyPr>
-          <a:lstStyle/>
-          <a:p>
-            <a:pPr marL="457200" indent="-457200">
-              <a:buFont typeface="+mj-lt"/>
-              <a:buAutoNum type="arabicPeriod"/>
-            </a:pPr>
-            <a:r>
-              <a:rPr lang="en-US" sz="2400" noProof="1"/>
-              <a:t>Content-Security-Policy (CSP) can be used to make exploitation of XSS harder.</a:t>
-            </a:r>
-          </a:p>
-          <a:p>
-            <a:pPr marL="457200" indent="-457200">
-              <a:buFont typeface="+mj-lt"/>
-              <a:buAutoNum type="arabicPeriod"/>
-            </a:pPr>
-            <a:endParaRPr lang="en-US" sz="2400" noProof="1"/>
-          </a:p>
-          <a:p>
-            <a:pPr marL="457200" indent="-457200">
-              <a:buFont typeface="+mj-lt"/>
-              <a:buAutoNum type="arabicPeriod"/>
-            </a:pPr>
-            <a:r>
-              <a:rPr lang="en-US" sz="2400" noProof="1"/>
-              <a:t>CSP can be also used to “buy time” to fix an XSS issue in good condition.</a:t>
-            </a:r>
-          </a:p>
-          <a:p>
-            <a:pPr marL="457200" indent="-457200">
-              <a:buFont typeface="+mj-lt"/>
-              <a:buAutoNum type="arabicPeriod"/>
-            </a:pPr>
-            <a:endParaRPr lang="en-US" sz="2400" noProof="1"/>
-          </a:p>
-          <a:p>
-            <a:pPr marL="457200" indent="-457200">
-              <a:buFont typeface="+mj-lt"/>
-              <a:buAutoNum type="arabicPeriod"/>
-            </a:pPr>
-            <a:r>
-              <a:rPr lang="en-US" sz="2400" noProof="1"/>
-              <a:t>A CSP policy is created using an iterative process that require effective testing during each iteration: It is easy to break an application using a single CSP directive.</a:t>
-            </a:r>
-          </a:p>
-          <a:p>
-            <a:pPr marL="457200" indent="-457200">
-              <a:buFont typeface="+mj-lt"/>
-              <a:buAutoNum type="arabicPeriod"/>
-            </a:pPr>
-            <a:endParaRPr lang="en-US" sz="2400" noProof="1"/>
-          </a:p>
-          <a:p>
-            <a:pPr marL="457200" indent="-457200">
-              <a:buFont typeface="+mj-lt"/>
-              <a:buAutoNum type="arabicPeriod"/>
-            </a:pPr>
-            <a:r>
-              <a:rPr lang="en-US" sz="2400" noProof="1"/>
-              <a:t>CSP can save your date night 💖</a:t>
-            </a:r>
-          </a:p>
-          <a:p>
-            <a:pPr marL="285750" indent="-285750">
-              <a:buFont typeface="Arial" panose="020B0604020202020204" pitchFamily="34" charset="0"/>
-              <a:buChar char="•"/>
-            </a:pPr>
-            <a:endParaRPr lang="en-US" sz="2400" noProof="1"/>
-          </a:p>
-          <a:p>
-            <a:pPr marL="285750" indent="-285750">
-              <a:buFont typeface="Arial" panose="020B0604020202020204" pitchFamily="34" charset="0"/>
-              <a:buChar char="•"/>
-            </a:pPr>
-            <a:endParaRPr lang="en-US" sz="2400" noProof="1"/>
-          </a:p>
-          <a:p>
-            <a:pPr marL="285750" indent="-285750">
-              <a:buFont typeface="Arial" panose="020B0604020202020204" pitchFamily="34" charset="0"/>
-              <a:buChar char="•"/>
-            </a:pPr>
-            <a:endParaRPr lang="en-US" sz="2400" noProof="1"/>
-          </a:p>
-          <a:p>
-            <a:pPr marL="285750" indent="-285750">
-              <a:buFont typeface="Arial" panose="020B0604020202020204" pitchFamily="34" charset="0"/>
-              <a:buChar char="•"/>
-            </a:pPr>
-            <a:endParaRPr lang="en-US" sz="2400" noProof="1"/>
-          </a:p>
-          <a:p>
-            <a:pPr marL="742950" lvl="1" indent="-285750">
-              <a:buFont typeface="Arial" panose="020B0604020202020204" pitchFamily="34" charset="0"/>
-              <a:buChar char="•"/>
-            </a:pPr>
-            <a:endParaRPr lang="en-US" sz="2400" noProof="1"/>
-          </a:p>
-          <a:p>
-            <a:endParaRPr lang="en-US" sz="2400" noProof="1"/>
-          </a:p>
-          <a:p>
-            <a:pPr marL="285750" indent="-285750">
-              <a:buFont typeface="Arial" panose="020B0604020202020204" pitchFamily="34" charset="0"/>
-              <a:buChar char="•"/>
-            </a:pPr>
-            <a:endParaRPr lang="en-US" sz="2400" noProof="1"/>
-          </a:p>
-          <a:p>
-            <a:pPr marL="285750" indent="-285750">
-              <a:buFont typeface="Arial" panose="020B0604020202020204" pitchFamily="34" charset="0"/>
-              <a:buChar char="•"/>
-            </a:pPr>
-            <a:endParaRPr lang="en-US" sz="2400" noProof="1"/>
-          </a:p>
-          <a:p>
-            <a:pPr marL="285750" indent="-285750">
-              <a:buFont typeface="Arial" panose="020B0604020202020204" pitchFamily="34" charset="0"/>
-              <a:buChar char="•"/>
-            </a:pPr>
-            <a:endParaRPr lang="en-US" sz="2400" noProof="1"/>
-          </a:p>
-          <a:p>
-            <a:pPr lvl="1"/>
-            <a:endParaRPr lang="en-US" sz="2400" noProof="1"/>
+              <a:t>📚Lesson learned…</a:t>
+            </a:r>
           </a:p>
         </p:txBody>
       </p:sp>
     </p:spTree>
     <p:extLst>
       <p:ext uri="{BB962C8B-B14F-4D97-AF65-F5344CB8AC3E}">
-        <p14:creationId xmlns:p14="http://schemas.microsoft.com/office/powerpoint/2010/main" val="4002545787"/>
+        <p14:creationId xmlns:p14="http://schemas.microsoft.com/office/powerpoint/2010/main" val="3883942163"/>
       </p:ext>
     </p:extLst>
   </p:cSld>
@@ -36704,6 +37097,245 @@
           <p:cNvPr id="2" name="Title 1">
             <a:extLst>
               <a:ext uri="{FF2B5EF4-FFF2-40B4-BE49-F238E27FC236}">
+                <a16:creationId xmlns:a16="http://schemas.microsoft.com/office/drawing/2014/main" id="{5CE54ABB-4929-4810-950B-2DAEA0A5BAB4}"/>
+              </a:ext>
+            </a:extLst>
+          </p:cNvPr>
+          <p:cNvSpPr>
+            <a:spLocks noGrp="1"/>
+          </p:cNvSpPr>
+          <p:nvPr>
+            <p:ph type="title"/>
+          </p:nvPr>
+        </p:nvSpPr>
+        <p:spPr>
+          <a:xfrm>
+            <a:off x="0" y="927496"/>
+            <a:ext cx="12192000" cy="562637"/>
+          </a:xfrm>
+        </p:spPr>
+        <p:txBody>
+          <a:bodyPr>
+            <a:normAutofit/>
+          </a:bodyPr>
+          <a:lstStyle/>
+          <a:p>
+            <a:pPr algn="l"/>
+            <a:r>
+              <a:rPr lang="en-US" dirty="0"/>
+              <a:t>📚Lesson learned</a:t>
+            </a:r>
+          </a:p>
+        </p:txBody>
+      </p:sp>
+      <p:sp>
+        <p:nvSpPr>
+          <p:cNvPr id="7" name="Content Placeholder 6">
+            <a:extLst>
+              <a:ext uri="{FF2B5EF4-FFF2-40B4-BE49-F238E27FC236}">
+                <a16:creationId xmlns:a16="http://schemas.microsoft.com/office/drawing/2014/main" id="{6B35F89A-6CDF-41F7-BD87-18B45BD7330B}"/>
+              </a:ext>
+            </a:extLst>
+          </p:cNvPr>
+          <p:cNvSpPr>
+            <a:spLocks noGrp="1"/>
+          </p:cNvSpPr>
+          <p:nvPr>
+            <p:ph sz="half" idx="2"/>
+          </p:nvPr>
+        </p:nvSpPr>
+        <p:spPr>
+          <a:xfrm>
+            <a:off x="62910" y="1679575"/>
+            <a:ext cx="12129090" cy="5178425"/>
+          </a:xfrm>
+        </p:spPr>
+        <p:txBody>
+          <a:bodyPr vert="horz" lIns="91440" tIns="45720" rIns="91440" bIns="45720" rtlCol="0" anchor="t">
+            <a:normAutofit/>
+          </a:bodyPr>
+          <a:lstStyle/>
+          <a:p>
+            <a:pPr marL="457200" indent="-457200">
+              <a:buFont typeface="+mj-lt"/>
+              <a:buAutoNum type="arabicPeriod"/>
+            </a:pPr>
+            <a:r>
+              <a:rPr lang="en-US" sz="2400" noProof="1"/>
+              <a:t>Content-Security-Policy (CSP) can be used to make exploitation of XSS harder.</a:t>
+            </a:r>
+          </a:p>
+          <a:p>
+            <a:pPr marL="457200" indent="-457200">
+              <a:buFont typeface="+mj-lt"/>
+              <a:buAutoNum type="arabicPeriod"/>
+            </a:pPr>
+            <a:endParaRPr lang="en-US" sz="2400" noProof="1"/>
+          </a:p>
+          <a:p>
+            <a:pPr marL="457200" indent="-457200">
+              <a:buFont typeface="+mj-lt"/>
+              <a:buAutoNum type="arabicPeriod"/>
+            </a:pPr>
+            <a:r>
+              <a:rPr lang="en-US" sz="2400" noProof="1"/>
+              <a:t>CSP can be also used to “buy time” to fix an XSS issue in good condition.</a:t>
+            </a:r>
+          </a:p>
+          <a:p>
+            <a:pPr marL="457200" indent="-457200">
+              <a:buFont typeface="+mj-lt"/>
+              <a:buAutoNum type="arabicPeriod"/>
+            </a:pPr>
+            <a:endParaRPr lang="en-US" sz="2400" noProof="1"/>
+          </a:p>
+          <a:p>
+            <a:pPr marL="457200" indent="-457200">
+              <a:buFont typeface="+mj-lt"/>
+              <a:buAutoNum type="arabicPeriod"/>
+            </a:pPr>
+            <a:r>
+              <a:rPr lang="en-US" sz="2400" noProof="1"/>
+              <a:t>A CSP policy is created </a:t>
+            </a:r>
+            <a:r>
+              <a:rPr lang="en-US" sz="2400" b="1" noProof="1"/>
+              <a:t>using an iterative process that require effective testing during each iteration</a:t>
+            </a:r>
+            <a:r>
+              <a:rPr lang="en-US" sz="2400" noProof="1"/>
+              <a:t>: It is easy to break an application using a single CSP directive.</a:t>
+            </a:r>
+          </a:p>
+          <a:p>
+            <a:pPr marL="457200" indent="-457200">
+              <a:buFont typeface="+mj-lt"/>
+              <a:buAutoNum type="arabicPeriod"/>
+            </a:pPr>
+            <a:endParaRPr lang="en-US" sz="2400" noProof="1"/>
+          </a:p>
+          <a:p>
+            <a:pPr marL="457200" indent="-457200">
+              <a:buFont typeface="+mj-lt"/>
+              <a:buAutoNum type="arabicPeriod"/>
+            </a:pPr>
+            <a:r>
+              <a:rPr lang="en-US" sz="2400" noProof="1"/>
+              <a:t>CSP can save your date night 💖</a:t>
+            </a:r>
+          </a:p>
+          <a:p>
+            <a:pPr marL="285750" indent="-285750">
+              <a:buFont typeface="Arial" panose="020B0604020202020204" pitchFamily="34" charset="0"/>
+              <a:buChar char="•"/>
+            </a:pPr>
+            <a:endParaRPr lang="en-US" sz="2400" noProof="1"/>
+          </a:p>
+          <a:p>
+            <a:pPr marL="285750" indent="-285750">
+              <a:buFont typeface="Arial" panose="020B0604020202020204" pitchFamily="34" charset="0"/>
+              <a:buChar char="•"/>
+            </a:pPr>
+            <a:endParaRPr lang="en-US" sz="2400" noProof="1"/>
+          </a:p>
+          <a:p>
+            <a:pPr marL="285750" indent="-285750">
+              <a:buFont typeface="Arial" panose="020B0604020202020204" pitchFamily="34" charset="0"/>
+              <a:buChar char="•"/>
+            </a:pPr>
+            <a:endParaRPr lang="en-US" sz="2400" noProof="1"/>
+          </a:p>
+          <a:p>
+            <a:pPr marL="285750" indent="-285750">
+              <a:buFont typeface="Arial" panose="020B0604020202020204" pitchFamily="34" charset="0"/>
+              <a:buChar char="•"/>
+            </a:pPr>
+            <a:endParaRPr lang="en-US" sz="2400" noProof="1"/>
+          </a:p>
+          <a:p>
+            <a:pPr marL="742950" lvl="1" indent="-285750">
+              <a:buFont typeface="Arial" panose="020B0604020202020204" pitchFamily="34" charset="0"/>
+              <a:buChar char="•"/>
+            </a:pPr>
+            <a:endParaRPr lang="en-US" sz="2400" noProof="1"/>
+          </a:p>
+          <a:p>
+            <a:endParaRPr lang="en-US" sz="2400" noProof="1"/>
+          </a:p>
+          <a:p>
+            <a:pPr marL="285750" indent="-285750">
+              <a:buFont typeface="Arial" panose="020B0604020202020204" pitchFamily="34" charset="0"/>
+              <a:buChar char="•"/>
+            </a:pPr>
+            <a:endParaRPr lang="en-US" sz="2400" noProof="1"/>
+          </a:p>
+          <a:p>
+            <a:pPr marL="285750" indent="-285750">
+              <a:buFont typeface="Arial" panose="020B0604020202020204" pitchFamily="34" charset="0"/>
+              <a:buChar char="•"/>
+            </a:pPr>
+            <a:endParaRPr lang="en-US" sz="2400" noProof="1"/>
+          </a:p>
+          <a:p>
+            <a:pPr marL="285750" indent="-285750">
+              <a:buFont typeface="Arial" panose="020B0604020202020204" pitchFamily="34" charset="0"/>
+              <a:buChar char="•"/>
+            </a:pPr>
+            <a:endParaRPr lang="en-US" sz="2400" noProof="1"/>
+          </a:p>
+          <a:p>
+            <a:pPr lvl="1"/>
+            <a:endParaRPr lang="en-US" sz="2400" noProof="1"/>
+          </a:p>
+        </p:txBody>
+      </p:sp>
+    </p:spTree>
+    <p:extLst>
+      <p:ext uri="{BB962C8B-B14F-4D97-AF65-F5344CB8AC3E}">
+        <p14:creationId xmlns:p14="http://schemas.microsoft.com/office/powerpoint/2010/main" val="4002545787"/>
+      </p:ext>
+    </p:extLst>
+  </p:cSld>
+  <p:clrMapOvr>
+    <a:masterClrMapping/>
+  </p:clrMapOvr>
+  <mc:AlternateContent xmlns:mc="http://schemas.openxmlformats.org/markup-compatibility/2006" xmlns:p14="http://schemas.microsoft.com/office/powerpoint/2010/main">
+    <mc:Choice Requires="p14">
+      <p:transition spd="med" p14:dur="700">
+        <p:fade/>
+      </p:transition>
+    </mc:Choice>
+    <mc:Fallback xmlns="">
+      <p:transition spd="med">
+        <p:fade/>
+      </p:transition>
+    </mc:Fallback>
+  </mc:AlternateContent>
+</p:sld>
+</file>
+
+<file path=ppt/slides/slide48.xml><?xml version="1.0" encoding="utf-8"?>
+<p:sld xmlns:a="http://schemas.openxmlformats.org/drawingml/2006/main" xmlns:r="http://schemas.openxmlformats.org/officeDocument/2006/relationships" xmlns:p="http://schemas.openxmlformats.org/presentationml/2006/main">
+  <p:cSld>
+    <p:spTree>
+      <p:nvGrpSpPr>
+        <p:cNvPr id="1" name=""/>
+        <p:cNvGrpSpPr/>
+        <p:nvPr/>
+      </p:nvGrpSpPr>
+      <p:grpSpPr>
+        <a:xfrm>
+          <a:off x="0" y="0"/>
+          <a:ext cx="0" cy="0"/>
+          <a:chOff x="0" y="0"/>
+          <a:chExt cx="0" cy="0"/>
+        </a:xfrm>
+      </p:grpSpPr>
+      <p:sp>
+        <p:nvSpPr>
+          <p:cNvPr id="2" name="Title 1">
+            <a:extLst>
+              <a:ext uri="{FF2B5EF4-FFF2-40B4-BE49-F238E27FC236}">
                 <a16:creationId xmlns:a16="http://schemas.microsoft.com/office/drawing/2014/main" id="{A29DE7F2-E890-4744-88DD-A75F5E300513}"/>
               </a:ext>
             </a:extLst>
@@ -36767,7 +37399,7 @@
 </p:sld>
 </file>
 
-<file path=ppt/slides/slide48.xml><?xml version="1.0" encoding="utf-8"?>
+<file path=ppt/slides/slide49.xml><?xml version="1.0" encoding="utf-8"?>
 <p:sld xmlns:a="http://schemas.openxmlformats.org/drawingml/2006/main" xmlns:r="http://schemas.openxmlformats.org/officeDocument/2006/relationships" xmlns:p="http://schemas.openxmlformats.org/presentationml/2006/main">
   <p:cSld>
     <p:spTree>
@@ -37137,7 +37769,7 @@
             </a:pPr>
             <a:r>
               <a:rPr lang="en-US" sz="2400" noProof="1"/>
-              <a:t>🛑Due to the schedule and the importance of feature provided in this release, the </a:t>
+              <a:t>🛑Due to the schedule and the importance of features provided in this release, the </a:t>
             </a:r>
             <a:r>
               <a:rPr lang="en-US" sz="2400" noProof="1">
@@ -37147,7 +37779,7 @@
             </a:r>
             <a:r>
               <a:rPr lang="en-US" sz="2400" noProof="1"/>
-              <a:t> (PO) did not allow any modification of the code base.</a:t>
+              <a:t> (PO) do not allow any modification of the code base.</a:t>
             </a:r>
           </a:p>
           <a:p>
@@ -37174,7 +37806,7 @@
             </a:r>
             <a:r>
               <a:rPr lang="en-US" sz="2400" noProof="1"/>
-              <a:t> (CISO) refuse to let the release being performed if the security issue is not handled due to legal consequences.</a:t>
+              <a:t> (CISO) refuse to let the release being performed if the security issue is not fixed due to legal consequences.</a:t>
             </a:r>
           </a:p>
           <a:p>
@@ -37212,7 +37844,7 @@
             </a:pPr>
             <a:r>
               <a:rPr lang="en-US" sz="2400" noProof="1"/>
-              <a:t>🤔PO and CISO ask you if you have any idea to unlock the situation…</a:t>
+              <a:t>😭PO and CISO ask you if you have any idea to unlock the situation…</a:t>
             </a:r>
           </a:p>
           <a:p>
@@ -37391,7 +38023,7 @@
             </a:pPr>
             <a:r>
               <a:rPr lang="en-US" sz="2400" noProof="1"/>
-              <a:t> 🔬You decided to ask to the PO and CISO to give you some hours to allow you to dig this idea and that you will come back to them at 03:00 P.M. with a status.</a:t>
+              <a:t> 🔬You decided to ask to the PO and CISO to give you some hours to allow you to dig this idea and indicates you will come back to them around 03:00 P.M. with a status.</a:t>
             </a:r>
           </a:p>
           <a:p>
@@ -38909,15 +39541,6 @@
 </file>
 
 <file path=customXml/item1.xml><?xml version="1.0" encoding="utf-8"?>
-<?mso-contentType ?>
-<FormTemplates xmlns="http://schemas.microsoft.com/sharepoint/v3/contenttype/forms">
-  <Display>DocumentLibraryForm</Display>
-  <Edit>DocumentLibraryForm</Edit>
-  <New>DocumentLibraryForm</New>
-</FormTemplates>
-</file>
-
-<file path=customXml/item2.xml><?xml version="1.0" encoding="utf-8"?>
 <p:properties xmlns:p="http://schemas.microsoft.com/office/2006/metadata/properties" xmlns:xsi="http://www.w3.org/2001/XMLSchema-instance" xmlns:pc="http://schemas.microsoft.com/office/infopath/2007/PartnerControls">
   <documentManagement>
     <_ip_UnifiedCompliancePolicyUIAction xmlns="http://schemas.microsoft.com/sharepoint/v3" xsi:nil="true"/>
@@ -38937,7 +39560,7 @@
 </p:properties>
 </file>
 
-<file path=customXml/item3.xml><?xml version="1.0" encoding="utf-8"?>
+<file path=customXml/item2.xml><?xml version="1.0" encoding="utf-8"?>
 <ct:contentTypeSchema xmlns:ct="http://schemas.microsoft.com/office/2006/metadata/contentType" xmlns:ma="http://schemas.microsoft.com/office/2006/metadata/properties/metaAttributes" ct:_="" ma:_="" ma:contentTypeName="Document" ma:contentTypeID="0x01010079F111ED35F8CC479449609E8A0923A6" ma:contentTypeVersion="27" ma:contentTypeDescription="Create a new document." ma:contentTypeScope="" ma:versionID="c6f9a84f66a9c8b9a21755b9ffafb945">
   <xsd:schema xmlns:xsd="http://www.w3.org/2001/XMLSchema" xmlns:xs="http://www.w3.org/2001/XMLSchema" xmlns:p="http://schemas.microsoft.com/office/2006/metadata/properties" xmlns:ns1="http://schemas.microsoft.com/sharepoint/v3" xmlns:ns2="71af3243-3dd4-4a8d-8c0d-dd76da1f02a5" xmlns:ns3="16c05727-aa75-4e4a-9b5f-8a80a1165891" xmlns:ns4="230e9df3-be65-4c73-a93b-d1236ebd677e" targetNamespace="http://schemas.microsoft.com/office/2006/metadata/properties" ma:root="true" ma:fieldsID="27df39e3e7036dff54f89ddd5805ce72" ns1:_="" ns2:_="" ns3:_="" ns4:_="">
     <xsd:import namespace="http://schemas.microsoft.com/sharepoint/v3"/>
@@ -39243,15 +39866,16 @@
 </ct:contentTypeSchema>
 </file>
 
-<file path=customXml/itemProps1.xml><?xml version="1.0" encoding="utf-8"?>
-<ds:datastoreItem xmlns:ds="http://schemas.openxmlformats.org/officeDocument/2006/customXml" ds:itemID="{6966C46A-DC57-4209-80CD-9FE6C93151FF}">
-  <ds:schemaRefs>
-    <ds:schemaRef ds:uri="http://schemas.microsoft.com/sharepoint/v3/contenttype/forms"/>
-  </ds:schemaRefs>
-</ds:datastoreItem>
+<file path=customXml/item3.xml><?xml version="1.0" encoding="utf-8"?>
+<?mso-contentType ?>
+<FormTemplates xmlns="http://schemas.microsoft.com/sharepoint/v3/contenttype/forms">
+  <Display>DocumentLibraryForm</Display>
+  <Edit>DocumentLibraryForm</Edit>
+  <New>DocumentLibraryForm</New>
+</FormTemplates>
 </file>
 
-<file path=customXml/itemProps2.xml><?xml version="1.0" encoding="utf-8"?>
+<file path=customXml/itemProps1.xml><?xml version="1.0" encoding="utf-8"?>
 <ds:datastoreItem xmlns:ds="http://schemas.openxmlformats.org/officeDocument/2006/customXml" ds:itemID="{BEFFFA3F-0FB5-4ED3-8906-A15B16577F44}">
   <ds:schemaRefs>
     <ds:schemaRef ds:uri="http://schemas.openxmlformats.org/package/2006/metadata/core-properties"/>
@@ -39270,7 +39894,7 @@
 </ds:datastoreItem>
 </file>
 
-<file path=customXml/itemProps3.xml><?xml version="1.0" encoding="utf-8"?>
+<file path=customXml/itemProps2.xml><?xml version="1.0" encoding="utf-8"?>
 <ds:datastoreItem xmlns:ds="http://schemas.openxmlformats.org/officeDocument/2006/customXml" ds:itemID="{4E18436D-DA32-4E27-AC64-8FFEDA5218F9}">
   <ds:schemaRefs>
     <ds:schemaRef ds:uri="http://schemas.microsoft.com/office/2006/metadata/contentType"/>
@@ -39291,6 +39915,14 @@
 </ds:datastoreItem>
 </file>
 
+<file path=customXml/itemProps3.xml><?xml version="1.0" encoding="utf-8"?>
+<ds:datastoreItem xmlns:ds="http://schemas.openxmlformats.org/officeDocument/2006/customXml" ds:itemID="{6966C46A-DC57-4209-80CD-9FE6C93151FF}">
+  <ds:schemaRefs>
+    <ds:schemaRef ds:uri="http://schemas.microsoft.com/sharepoint/v3/contenttype/forms"/>
+  </ds:schemaRefs>
+</ds:datastoreItem>
+</file>
+
 <file path=docMetadata/LabelInfo.xml><?xml version="1.0" encoding="utf-8"?>
 <clbl:labelList xmlns:clbl="http://schemas.microsoft.com/office/2020/mipLabelMetadata"/>
 </file>
--- a/presentation.pptx
+++ b/presentation.pptx
@@ -50,8 +50,8 @@
     <p:sldId id="301" r:id="rId41"/>
     <p:sldId id="302" r:id="rId42"/>
     <p:sldId id="303" r:id="rId43"/>
-    <p:sldId id="304" r:id="rId44"/>
-    <p:sldId id="313" r:id="rId45"/>
+    <p:sldId id="313" r:id="rId44"/>
+    <p:sldId id="304" r:id="rId45"/>
     <p:sldId id="305" r:id="rId46"/>
     <p:sldId id="306" r:id="rId47"/>
     <p:sldId id="307" r:id="rId48"/>
@@ -195,7 +195,7 @@
 <file path=ppt/revisionInfo.xml><?xml version="1.0" encoding="utf-8"?>
 <p1510:revInfo xmlns:a="http://schemas.openxmlformats.org/drawingml/2006/main" xmlns:r="http://schemas.openxmlformats.org/officeDocument/2006/relationships" xmlns:p1510="http://schemas.microsoft.com/office/powerpoint/2015/10/main">
   <p1510:revLst>
-    <p1510:client id="{1670CD84-DEE0-4E12-BF01-4C2D0C1D7F30}" v="785" dt="2024-05-19T08:03:49.554"/>
+    <p1510:client id="{1670CD84-DEE0-4E12-BF01-4C2D0C1D7F30}" v="814" dt="2024-05-20T07:41:04.197"/>
   </p1510:revLst>
 </p1510:revInfo>
 </file>
@@ -205,7 +205,7 @@
   <pc:docChgLst>
     <pc:chgData name="Dominique RIGHETTO" userId="512fe077-82ad-424c-88a3-15e852b5861d" providerId="ADAL" clId="{1670CD84-DEE0-4E12-BF01-4C2D0C1D7F30}"/>
     <pc:docChg chg="undo custSel addSld delSld modSld sldOrd">
-      <pc:chgData name="Dominique RIGHETTO" userId="512fe077-82ad-424c-88a3-15e852b5861d" providerId="ADAL" clId="{1670CD84-DEE0-4E12-BF01-4C2D0C1D7F30}" dt="2024-05-19T08:03:49.552" v="11238"/>
+      <pc:chgData name="Dominique RIGHETTO" userId="512fe077-82ad-424c-88a3-15e852b5861d" providerId="ADAL" clId="{1670CD84-DEE0-4E12-BF01-4C2D0C1D7F30}" dt="2024-05-20T07:46:28.366" v="11728" actId="20577"/>
       <pc:docMkLst>
         <pc:docMk/>
       </pc:docMkLst>
@@ -666,8 +666,8 @@
           <pc:sldMk cId="2803304352" sldId="271"/>
         </pc:sldMkLst>
       </pc:sldChg>
-      <pc:sldChg chg="addSp delSp modSp add mod modTransition">
-        <pc:chgData name="Dominique RIGHETTO" userId="512fe077-82ad-424c-88a3-15e852b5861d" providerId="ADAL" clId="{1670CD84-DEE0-4E12-BF01-4C2D0C1D7F30}" dt="2024-05-12T09:56:07.528" v="10970" actId="20577"/>
+      <pc:sldChg chg="addSp delSp modSp add mod modTransition setBg">
+        <pc:chgData name="Dominique RIGHETTO" userId="512fe077-82ad-424c-88a3-15e852b5861d" providerId="ADAL" clId="{1670CD84-DEE0-4E12-BF01-4C2D0C1D7F30}" dt="2024-05-20T07:16:22.338" v="11450" actId="207"/>
         <pc:sldMkLst>
           <pc:docMk/>
           <pc:sldMk cId="2886724355" sldId="272"/>
@@ -681,7 +681,7 @@
           </ac:spMkLst>
         </pc:spChg>
         <pc:spChg chg="mod">
-          <ac:chgData name="Dominique RIGHETTO" userId="512fe077-82ad-424c-88a3-15e852b5861d" providerId="ADAL" clId="{1670CD84-DEE0-4E12-BF01-4C2D0C1D7F30}" dt="2024-05-12T09:56:07.528" v="10970" actId="20577"/>
+          <ac:chgData name="Dominique RIGHETTO" userId="512fe077-82ad-424c-88a3-15e852b5861d" providerId="ADAL" clId="{1670CD84-DEE0-4E12-BF01-4C2D0C1D7F30}" dt="2024-05-20T07:16:22.338" v="11450" actId="207"/>
           <ac:spMkLst>
             <pc:docMk/>
             <pc:sldMk cId="2886724355" sldId="272"/>
@@ -705,7 +705,15 @@
           </ac:graphicFrameMkLst>
         </pc:graphicFrameChg>
         <pc:picChg chg="add mod">
-          <ac:chgData name="Dominique RIGHETTO" userId="512fe077-82ad-424c-88a3-15e852b5861d" providerId="ADAL" clId="{1670CD84-DEE0-4E12-BF01-4C2D0C1D7F30}" dt="2024-05-11T05:27:18.866" v="5904" actId="108"/>
+          <ac:chgData name="Dominique RIGHETTO" userId="512fe077-82ad-424c-88a3-15e852b5861d" providerId="ADAL" clId="{1670CD84-DEE0-4E12-BF01-4C2D0C1D7F30}" dt="2024-05-20T07:13:22.816" v="11401" actId="108"/>
+          <ac:picMkLst>
+            <pc:docMk/>
+            <pc:sldMk cId="2886724355" sldId="272"/>
+            <ac:picMk id="4" creationId="{2C848C26-C0B9-726F-8D46-CC2CFD0CC8A7}"/>
+          </ac:picMkLst>
+        </pc:picChg>
+        <pc:picChg chg="add del mod">
+          <ac:chgData name="Dominique RIGHETTO" userId="512fe077-82ad-424c-88a3-15e852b5861d" providerId="ADAL" clId="{1670CD84-DEE0-4E12-BF01-4C2D0C1D7F30}" dt="2024-05-20T07:13:02.896" v="11394" actId="478"/>
           <ac:picMkLst>
             <pc:docMk/>
             <pc:sldMk cId="2886724355" sldId="272"/>
@@ -848,28 +856,36 @@
           </ac:picMkLst>
         </pc:picChg>
       </pc:sldChg>
-      <pc:sldChg chg="delSp modSp add mod modTransition">
-        <pc:chgData name="Dominique RIGHETTO" userId="512fe077-82ad-424c-88a3-15e852b5861d" providerId="ADAL" clId="{1670CD84-DEE0-4E12-BF01-4C2D0C1D7F30}" dt="2024-05-12T09:56:10.959" v="10972" actId="20577"/>
+      <pc:sldChg chg="addSp delSp modSp add mod modTransition">
+        <pc:chgData name="Dominique RIGHETTO" userId="512fe077-82ad-424c-88a3-15e852b5861d" providerId="ADAL" clId="{1670CD84-DEE0-4E12-BF01-4C2D0C1D7F30}" dt="2024-05-20T07:43:03.098" v="11724" actId="6549"/>
         <pc:sldMkLst>
           <pc:docMk/>
           <pc:sldMk cId="1446957452" sldId="274"/>
         </pc:sldMkLst>
         <pc:spChg chg="mod ord">
-          <ac:chgData name="Dominique RIGHETTO" userId="512fe077-82ad-424c-88a3-15e852b5861d" providerId="ADAL" clId="{1670CD84-DEE0-4E12-BF01-4C2D0C1D7F30}" dt="2024-05-12T09:56:10.959" v="10972" actId="20577"/>
+          <ac:chgData name="Dominique RIGHETTO" userId="512fe077-82ad-424c-88a3-15e852b5861d" providerId="ADAL" clId="{1670CD84-DEE0-4E12-BF01-4C2D0C1D7F30}" dt="2024-05-20T07:43:03.098" v="11724" actId="6549"/>
           <ac:spMkLst>
             <pc:docMk/>
             <pc:sldMk cId="1446957452" sldId="274"/>
             <ac:spMk id="7" creationId="{6B35F89A-6CDF-41F7-BD87-18B45BD7330B}"/>
           </ac:spMkLst>
         </pc:spChg>
-        <pc:graphicFrameChg chg="mod">
-          <ac:chgData name="Dominique RIGHETTO" userId="512fe077-82ad-424c-88a3-15e852b5861d" providerId="ADAL" clId="{1670CD84-DEE0-4E12-BF01-4C2D0C1D7F30}" dt="2024-05-09T07:41:09.695" v="3388" actId="1076"/>
+        <pc:graphicFrameChg chg="del mod">
+          <ac:chgData name="Dominique RIGHETTO" userId="512fe077-82ad-424c-88a3-15e852b5861d" providerId="ADAL" clId="{1670CD84-DEE0-4E12-BF01-4C2D0C1D7F30}" dt="2024-05-20T07:15:00.621" v="11402" actId="478"/>
           <ac:graphicFrameMkLst>
             <pc:docMk/>
             <pc:sldMk cId="1446957452" sldId="274"/>
             <ac:graphicFrameMk id="8" creationId="{CCC07450-2D35-0747-EE5F-A3E3F1D2FF5C}"/>
           </ac:graphicFrameMkLst>
         </pc:graphicFrameChg>
+        <pc:picChg chg="add mod">
+          <ac:chgData name="Dominique RIGHETTO" userId="512fe077-82ad-424c-88a3-15e852b5861d" providerId="ADAL" clId="{1670CD84-DEE0-4E12-BF01-4C2D0C1D7F30}" dt="2024-05-20T07:15:45.703" v="11428" actId="1036"/>
+          <ac:picMkLst>
+            <pc:docMk/>
+            <pc:sldMk cId="1446957452" sldId="274"/>
+            <ac:picMk id="4" creationId="{DB21DF07-4793-1314-2A5E-FD0718DDD187}"/>
+          </ac:picMkLst>
+        </pc:picChg>
         <pc:picChg chg="del">
           <ac:chgData name="Dominique RIGHETTO" userId="512fe077-82ad-424c-88a3-15e852b5861d" providerId="ADAL" clId="{1670CD84-DEE0-4E12-BF01-4C2D0C1D7F30}" dt="2024-05-09T07:40:42.173" v="3385" actId="478"/>
           <ac:picMkLst>
@@ -887,11 +903,19 @@
         </pc:sldMkLst>
       </pc:sldChg>
       <pc:sldChg chg="modSp add mod ord modTransition">
-        <pc:chgData name="Dominique RIGHETTO" userId="512fe077-82ad-424c-88a3-15e852b5861d" providerId="ADAL" clId="{1670CD84-DEE0-4E12-BF01-4C2D0C1D7F30}" dt="2024-05-19T07:45:57.075" v="11093"/>
+        <pc:chgData name="Dominique RIGHETTO" userId="512fe077-82ad-424c-88a3-15e852b5861d" providerId="ADAL" clId="{1670CD84-DEE0-4E12-BF01-4C2D0C1D7F30}" dt="2024-05-20T07:16:59.620" v="11475" actId="14100"/>
         <pc:sldMkLst>
           <pc:docMk/>
           <pc:sldMk cId="1531576489" sldId="275"/>
         </pc:sldMkLst>
+        <pc:spChg chg="mod">
+          <ac:chgData name="Dominique RIGHETTO" userId="512fe077-82ad-424c-88a3-15e852b5861d" providerId="ADAL" clId="{1670CD84-DEE0-4E12-BF01-4C2D0C1D7F30}" dt="2024-05-20T07:16:59.620" v="11475" actId="14100"/>
+          <ac:spMkLst>
+            <pc:docMk/>
+            <pc:sldMk cId="1531576489" sldId="275"/>
+            <ac:spMk id="6" creationId="{ADCB44BA-722F-37E9-E50B-247546600B21}"/>
+          </ac:spMkLst>
+        </pc:spChg>
         <pc:spChg chg="mod">
           <ac:chgData name="Dominique RIGHETTO" userId="512fe077-82ad-424c-88a3-15e852b5861d" providerId="ADAL" clId="{1670CD84-DEE0-4E12-BF01-4C2D0C1D7F30}" dt="2024-05-19T07:45:57.075" v="11093"/>
           <ac:spMkLst>
@@ -902,13 +926,13 @@
         </pc:spChg>
       </pc:sldChg>
       <pc:sldChg chg="addSp modSp add mod ord modTransition">
-        <pc:chgData name="Dominique RIGHETTO" userId="512fe077-82ad-424c-88a3-15e852b5861d" providerId="ADAL" clId="{1670CD84-DEE0-4E12-BF01-4C2D0C1D7F30}" dt="2024-05-19T07:46:41.397" v="11095" actId="20577"/>
+        <pc:chgData name="Dominique RIGHETTO" userId="512fe077-82ad-424c-88a3-15e852b5861d" providerId="ADAL" clId="{1670CD84-DEE0-4E12-BF01-4C2D0C1D7F30}" dt="2024-05-20T07:21:56.953" v="11480" actId="692"/>
         <pc:sldMkLst>
           <pc:docMk/>
           <pc:sldMk cId="390519850" sldId="276"/>
         </pc:sldMkLst>
         <pc:spChg chg="add mod">
-          <ac:chgData name="Dominique RIGHETTO" userId="512fe077-82ad-424c-88a3-15e852b5861d" providerId="ADAL" clId="{1670CD84-DEE0-4E12-BF01-4C2D0C1D7F30}" dt="2024-05-09T08:59:08.472" v="4565" actId="1076"/>
+          <ac:chgData name="Dominique RIGHETTO" userId="512fe077-82ad-424c-88a3-15e852b5861d" providerId="ADAL" clId="{1670CD84-DEE0-4E12-BF01-4C2D0C1D7F30}" dt="2024-05-20T07:21:56.953" v="11480" actId="692"/>
           <ac:spMkLst>
             <pc:docMk/>
             <pc:sldMk cId="390519850" sldId="276"/>
@@ -947,7 +971,7 @@
         </pc:sldMkLst>
       </pc:sldChg>
       <pc:sldChg chg="addSp delSp modSp add mod modTransition">
-        <pc:chgData name="Dominique RIGHETTO" userId="512fe077-82ad-424c-88a3-15e852b5861d" providerId="ADAL" clId="{1670CD84-DEE0-4E12-BF01-4C2D0C1D7F30}" dt="2024-05-19T07:47:23.657" v="11097" actId="113"/>
+        <pc:chgData name="Dominique RIGHETTO" userId="512fe077-82ad-424c-88a3-15e852b5861d" providerId="ADAL" clId="{1670CD84-DEE0-4E12-BF01-4C2D0C1D7F30}" dt="2024-05-20T07:22:08.114" v="11482" actId="692"/>
         <pc:sldMkLst>
           <pc:docMk/>
           <pc:sldMk cId="3732992385" sldId="277"/>
@@ -969,7 +993,7 @@
           </ac:spMkLst>
         </pc:spChg>
         <pc:spChg chg="add mod">
-          <ac:chgData name="Dominique RIGHETTO" userId="512fe077-82ad-424c-88a3-15e852b5861d" providerId="ADAL" clId="{1670CD84-DEE0-4E12-BF01-4C2D0C1D7F30}" dt="2024-05-09T09:32:25.085" v="5350" actId="14100"/>
+          <ac:chgData name="Dominique RIGHETTO" userId="512fe077-82ad-424c-88a3-15e852b5861d" providerId="ADAL" clId="{1670CD84-DEE0-4E12-BF01-4C2D0C1D7F30}" dt="2024-05-20T07:22:08.114" v="11482" actId="692"/>
           <ac:spMkLst>
             <pc:docMk/>
             <pc:sldMk cId="3732992385" sldId="277"/>
@@ -1430,7 +1454,7 @@
         </pc:picChg>
       </pc:sldChg>
       <pc:sldChg chg="addSp delSp modSp add mod modTransition">
-        <pc:chgData name="Dominique RIGHETTO" userId="512fe077-82ad-424c-88a3-15e852b5861d" providerId="ADAL" clId="{1670CD84-DEE0-4E12-BF01-4C2D0C1D7F30}" dt="2024-05-12T09:49:57.687" v="10935"/>
+        <pc:chgData name="Dominique RIGHETTO" userId="512fe077-82ad-424c-88a3-15e852b5861d" providerId="ADAL" clId="{1670CD84-DEE0-4E12-BF01-4C2D0C1D7F30}" dt="2024-05-20T06:57:55.350" v="11269" actId="20577"/>
         <pc:sldMkLst>
           <pc:docMk/>
           <pc:sldMk cId="3084364964" sldId="286"/>
@@ -1452,7 +1476,7 @@
           </ac:spMkLst>
         </pc:spChg>
         <pc:spChg chg="mod">
-          <ac:chgData name="Dominique RIGHETTO" userId="512fe077-82ad-424c-88a3-15e852b5861d" providerId="ADAL" clId="{1670CD84-DEE0-4E12-BF01-4C2D0C1D7F30}" dt="2024-05-11T06:47:09.028" v="7097"/>
+          <ac:chgData name="Dominique RIGHETTO" userId="512fe077-82ad-424c-88a3-15e852b5861d" providerId="ADAL" clId="{1670CD84-DEE0-4E12-BF01-4C2D0C1D7F30}" dt="2024-05-20T06:57:55.350" v="11269" actId="20577"/>
           <ac:spMkLst>
             <pc:docMk/>
             <pc:sldMk cId="3084364964" sldId="286"/>
@@ -1469,7 +1493,7 @@
         </pc:picChg>
       </pc:sldChg>
       <pc:sldChg chg="addSp delSp modSp add mod modTransition setBg">
-        <pc:chgData name="Dominique RIGHETTO" userId="512fe077-82ad-424c-88a3-15e852b5861d" providerId="ADAL" clId="{1670CD84-DEE0-4E12-BF01-4C2D0C1D7F30}" dt="2024-05-12T09:52:54.027" v="10943"/>
+        <pc:chgData name="Dominique RIGHETTO" userId="512fe077-82ad-424c-88a3-15e852b5861d" providerId="ADAL" clId="{1670CD84-DEE0-4E12-BF01-4C2D0C1D7F30}" dt="2024-05-20T06:58:22.064" v="11274" actId="20577"/>
         <pc:sldMkLst>
           <pc:docMk/>
           <pc:sldMk cId="129898917" sldId="287"/>
@@ -1483,7 +1507,7 @@
           </ac:spMkLst>
         </pc:spChg>
         <pc:spChg chg="mod">
-          <ac:chgData name="Dominique RIGHETTO" userId="512fe077-82ad-424c-88a3-15e852b5861d" providerId="ADAL" clId="{1670CD84-DEE0-4E12-BF01-4C2D0C1D7F30}" dt="2024-05-12T09:52:54.027" v="10943"/>
+          <ac:chgData name="Dominique RIGHETTO" userId="512fe077-82ad-424c-88a3-15e852b5861d" providerId="ADAL" clId="{1670CD84-DEE0-4E12-BF01-4C2D0C1D7F30}" dt="2024-05-20T06:58:22.064" v="11274" actId="20577"/>
           <ac:spMkLst>
             <pc:docMk/>
             <pc:sldMk cId="129898917" sldId="287"/>
@@ -1508,7 +1532,7 @@
         </pc:picChg>
       </pc:sldChg>
       <pc:sldChg chg="addSp delSp modSp add mod ord modTransition">
-        <pc:chgData name="Dominique RIGHETTO" userId="512fe077-82ad-424c-88a3-15e852b5861d" providerId="ADAL" clId="{1670CD84-DEE0-4E12-BF01-4C2D0C1D7F30}" dt="2024-05-12T09:49:57.687" v="10935"/>
+        <pc:chgData name="Dominique RIGHETTO" userId="512fe077-82ad-424c-88a3-15e852b5861d" providerId="ADAL" clId="{1670CD84-DEE0-4E12-BF01-4C2D0C1D7F30}" dt="2024-05-20T06:58:31.113" v="11279" actId="20577"/>
         <pc:sldMkLst>
           <pc:docMk/>
           <pc:sldMk cId="3892491518" sldId="288"/>
@@ -1522,7 +1546,7 @@
           </ac:spMkLst>
         </pc:spChg>
         <pc:spChg chg="mod">
-          <ac:chgData name="Dominique RIGHETTO" userId="512fe077-82ad-424c-88a3-15e852b5861d" providerId="ADAL" clId="{1670CD84-DEE0-4E12-BF01-4C2D0C1D7F30}" dt="2024-05-11T06:53:41.348" v="7246" actId="20577"/>
+          <ac:chgData name="Dominique RIGHETTO" userId="512fe077-82ad-424c-88a3-15e852b5861d" providerId="ADAL" clId="{1670CD84-DEE0-4E12-BF01-4C2D0C1D7F30}" dt="2024-05-20T06:58:31.113" v="11279" actId="20577"/>
           <ac:spMkLst>
             <pc:docMk/>
             <pc:sldMk cId="3892491518" sldId="288"/>
@@ -1554,11 +1578,19 @@
         </pc:sldMkLst>
       </pc:sldChg>
       <pc:sldChg chg="modSp add mod modTransition">
-        <pc:chgData name="Dominique RIGHETTO" userId="512fe077-82ad-424c-88a3-15e852b5861d" providerId="ADAL" clId="{1670CD84-DEE0-4E12-BF01-4C2D0C1D7F30}" dt="2024-05-12T09:50:11.440" v="10936"/>
+        <pc:chgData name="Dominique RIGHETTO" userId="512fe077-82ad-424c-88a3-15e852b5861d" providerId="ADAL" clId="{1670CD84-DEE0-4E12-BF01-4C2D0C1D7F30}" dt="2024-05-20T06:58:37.857" v="11284" actId="20577"/>
         <pc:sldMkLst>
           <pc:docMk/>
           <pc:sldMk cId="4136861454" sldId="289"/>
         </pc:sldMkLst>
+        <pc:spChg chg="mod">
+          <ac:chgData name="Dominique RIGHETTO" userId="512fe077-82ad-424c-88a3-15e852b5861d" providerId="ADAL" clId="{1670CD84-DEE0-4E12-BF01-4C2D0C1D7F30}" dt="2024-05-20T06:58:37.857" v="11284" actId="20577"/>
+          <ac:spMkLst>
+            <pc:docMk/>
+            <pc:sldMk cId="4136861454" sldId="289"/>
+            <ac:spMk id="7" creationId="{6B35F89A-6CDF-41F7-BD87-18B45BD7330B}"/>
+          </ac:spMkLst>
+        </pc:spChg>
         <pc:picChg chg="mod modCrop">
           <ac:chgData name="Dominique RIGHETTO" userId="512fe077-82ad-424c-88a3-15e852b5861d" providerId="ADAL" clId="{1670CD84-DEE0-4E12-BF01-4C2D0C1D7F30}" dt="2024-05-11T06:55:25.857" v="7267" actId="108"/>
           <ac:picMkLst>
@@ -1576,11 +1608,19 @@
         </pc:sldMkLst>
       </pc:sldChg>
       <pc:sldChg chg="modSp add mod ord modTransition">
-        <pc:chgData name="Dominique RIGHETTO" userId="512fe077-82ad-424c-88a3-15e852b5861d" providerId="ADAL" clId="{1670CD84-DEE0-4E12-BF01-4C2D0C1D7F30}" dt="2024-05-12T09:50:13.637" v="10937"/>
+        <pc:chgData name="Dominique RIGHETTO" userId="512fe077-82ad-424c-88a3-15e852b5861d" providerId="ADAL" clId="{1670CD84-DEE0-4E12-BF01-4C2D0C1D7F30}" dt="2024-05-20T06:58:43.022" v="11289" actId="20577"/>
         <pc:sldMkLst>
           <pc:docMk/>
           <pc:sldMk cId="3362211452" sldId="290"/>
         </pc:sldMkLst>
+        <pc:spChg chg="mod">
+          <ac:chgData name="Dominique RIGHETTO" userId="512fe077-82ad-424c-88a3-15e852b5861d" providerId="ADAL" clId="{1670CD84-DEE0-4E12-BF01-4C2D0C1D7F30}" dt="2024-05-20T06:58:43.022" v="11289" actId="20577"/>
+          <ac:spMkLst>
+            <pc:docMk/>
+            <pc:sldMk cId="3362211452" sldId="290"/>
+            <ac:spMk id="7" creationId="{6B35F89A-6CDF-41F7-BD87-18B45BD7330B}"/>
+          </ac:spMkLst>
+        </pc:spChg>
         <pc:picChg chg="mod modCrop">
           <ac:chgData name="Dominique RIGHETTO" userId="512fe077-82ad-424c-88a3-15e852b5861d" providerId="ADAL" clId="{1670CD84-DEE0-4E12-BF01-4C2D0C1D7F30}" dt="2024-05-11T06:55:28.721" v="7268" actId="108"/>
           <ac:picMkLst>
@@ -1591,7 +1631,7 @@
         </pc:picChg>
       </pc:sldChg>
       <pc:sldChg chg="addSp delSp modSp add mod ord modTransition">
-        <pc:chgData name="Dominique RIGHETTO" userId="512fe077-82ad-424c-88a3-15e852b5861d" providerId="ADAL" clId="{1670CD84-DEE0-4E12-BF01-4C2D0C1D7F30}" dt="2024-05-12T09:49:57.687" v="10935"/>
+        <pc:chgData name="Dominique RIGHETTO" userId="512fe077-82ad-424c-88a3-15e852b5861d" providerId="ADAL" clId="{1670CD84-DEE0-4E12-BF01-4C2D0C1D7F30}" dt="2024-05-20T06:59:08.262" v="11301" actId="20577"/>
         <pc:sldMkLst>
           <pc:docMk/>
           <pc:sldMk cId="3499916818" sldId="291"/>
@@ -1605,7 +1645,7 @@
           </ac:spMkLst>
         </pc:spChg>
         <pc:spChg chg="mod">
-          <ac:chgData name="Dominique RIGHETTO" userId="512fe077-82ad-424c-88a3-15e852b5861d" providerId="ADAL" clId="{1670CD84-DEE0-4E12-BF01-4C2D0C1D7F30}" dt="2024-05-11T08:05:14.680" v="8245" actId="20577"/>
+          <ac:chgData name="Dominique RIGHETTO" userId="512fe077-82ad-424c-88a3-15e852b5861d" providerId="ADAL" clId="{1670CD84-DEE0-4E12-BF01-4C2D0C1D7F30}" dt="2024-05-20T06:59:08.262" v="11301" actId="20577"/>
           <ac:spMkLst>
             <pc:docMk/>
             <pc:sldMk cId="3499916818" sldId="291"/>
@@ -1683,7 +1723,7 @@
         </pc:sldMkLst>
       </pc:sldChg>
       <pc:sldChg chg="addSp delSp modSp add mod ord modTransition">
-        <pc:chgData name="Dominique RIGHETTO" userId="512fe077-82ad-424c-88a3-15e852b5861d" providerId="ADAL" clId="{1670CD84-DEE0-4E12-BF01-4C2D0C1D7F30}" dt="2024-05-12T09:49:57.687" v="10935"/>
+        <pc:chgData name="Dominique RIGHETTO" userId="512fe077-82ad-424c-88a3-15e852b5861d" providerId="ADAL" clId="{1670CD84-DEE0-4E12-BF01-4C2D0C1D7F30}" dt="2024-05-20T06:59:18.487" v="11306" actId="20577"/>
         <pc:sldMkLst>
           <pc:docMk/>
           <pc:sldMk cId="4180719436" sldId="293"/>
@@ -1694,6 +1734,14 @@
             <pc:docMk/>
             <pc:sldMk cId="4180719436" sldId="293"/>
             <ac:spMk id="2" creationId="{5CE54ABB-4929-4810-950B-2DAEA0A5BAB4}"/>
+          </ac:spMkLst>
+        </pc:spChg>
+        <pc:spChg chg="mod">
+          <ac:chgData name="Dominique RIGHETTO" userId="512fe077-82ad-424c-88a3-15e852b5861d" providerId="ADAL" clId="{1670CD84-DEE0-4E12-BF01-4C2D0C1D7F30}" dt="2024-05-20T06:59:18.487" v="11306" actId="20577"/>
+          <ac:spMkLst>
+            <pc:docMk/>
+            <pc:sldMk cId="4180719436" sldId="293"/>
+            <ac:spMk id="7" creationId="{6B35F89A-6CDF-41F7-BD87-18B45BD7330B}"/>
           </ac:spMkLst>
         </pc:spChg>
         <pc:spChg chg="add mod">
@@ -1738,7 +1786,7 @@
         </pc:picChg>
       </pc:sldChg>
       <pc:sldChg chg="addSp delSp modSp add mod modTransition">
-        <pc:chgData name="Dominique RIGHETTO" userId="512fe077-82ad-424c-88a3-15e852b5861d" providerId="ADAL" clId="{1670CD84-DEE0-4E12-BF01-4C2D0C1D7F30}" dt="2024-05-19T07:51:45.371" v="11123" actId="692"/>
+        <pc:chgData name="Dominique RIGHETTO" userId="512fe077-82ad-424c-88a3-15e852b5861d" providerId="ADAL" clId="{1670CD84-DEE0-4E12-BF01-4C2D0C1D7F30}" dt="2024-05-20T06:59:23.251" v="11311" actId="20577"/>
         <pc:sldMkLst>
           <pc:docMk/>
           <pc:sldMk cId="2356577693" sldId="294"/>
@@ -1752,7 +1800,7 @@
           </ac:spMkLst>
         </pc:spChg>
         <pc:spChg chg="mod">
-          <ac:chgData name="Dominique RIGHETTO" userId="512fe077-82ad-424c-88a3-15e852b5861d" providerId="ADAL" clId="{1670CD84-DEE0-4E12-BF01-4C2D0C1D7F30}" dt="2024-05-12T08:24:35.584" v="8257" actId="207"/>
+          <ac:chgData name="Dominique RIGHETTO" userId="512fe077-82ad-424c-88a3-15e852b5861d" providerId="ADAL" clId="{1670CD84-DEE0-4E12-BF01-4C2D0C1D7F30}" dt="2024-05-20T06:59:23.251" v="11311" actId="20577"/>
           <ac:spMkLst>
             <pc:docMk/>
             <pc:sldMk cId="2356577693" sldId="294"/>
@@ -1831,7 +1879,7 @@
         </pc:picChg>
       </pc:sldChg>
       <pc:sldChg chg="addSp delSp modSp add mod modTransition">
-        <pc:chgData name="Dominique RIGHETTO" userId="512fe077-82ad-424c-88a3-15e852b5861d" providerId="ADAL" clId="{1670CD84-DEE0-4E12-BF01-4C2D0C1D7F30}" dt="2024-05-19T07:53:29.256" v="11133" actId="692"/>
+        <pc:chgData name="Dominique RIGHETTO" userId="512fe077-82ad-424c-88a3-15e852b5861d" providerId="ADAL" clId="{1670CD84-DEE0-4E12-BF01-4C2D0C1D7F30}" dt="2024-05-20T06:59:52.986" v="11318" actId="20577"/>
         <pc:sldMkLst>
           <pc:docMk/>
           <pc:sldMk cId="773976246" sldId="296"/>
@@ -1869,7 +1917,7 @@
           </ac:spMkLst>
         </pc:spChg>
         <pc:spChg chg="mod">
-          <ac:chgData name="Dominique RIGHETTO" userId="512fe077-82ad-424c-88a3-15e852b5861d" providerId="ADAL" clId="{1670CD84-DEE0-4E12-BF01-4C2D0C1D7F30}" dt="2024-05-19T07:53:23.422" v="11132" actId="692"/>
+          <ac:chgData name="Dominique RIGHETTO" userId="512fe077-82ad-424c-88a3-15e852b5861d" providerId="ADAL" clId="{1670CD84-DEE0-4E12-BF01-4C2D0C1D7F30}" dt="2024-05-20T06:59:52.986" v="11318" actId="20577"/>
           <ac:spMkLst>
             <pc:docMk/>
             <pc:sldMk cId="773976246" sldId="296"/>
@@ -1886,7 +1934,7 @@
         </pc:picChg>
       </pc:sldChg>
       <pc:sldChg chg="addSp delSp modSp add mod modTransition">
-        <pc:chgData name="Dominique RIGHETTO" userId="512fe077-82ad-424c-88a3-15e852b5861d" providerId="ADAL" clId="{1670CD84-DEE0-4E12-BF01-4C2D0C1D7F30}" dt="2024-05-12T09:49:57.687" v="10935"/>
+        <pc:chgData name="Dominique RIGHETTO" userId="512fe077-82ad-424c-88a3-15e852b5861d" providerId="ADAL" clId="{1670CD84-DEE0-4E12-BF01-4C2D0C1D7F30}" dt="2024-05-20T07:00:06.780" v="11323" actId="20577"/>
         <pc:sldMkLst>
           <pc:docMk/>
           <pc:sldMk cId="1278025696" sldId="297"/>
@@ -1900,7 +1948,7 @@
           </ac:spMkLst>
         </pc:spChg>
         <pc:spChg chg="mod">
-          <ac:chgData name="Dominique RIGHETTO" userId="512fe077-82ad-424c-88a3-15e852b5861d" providerId="ADAL" clId="{1670CD84-DEE0-4E12-BF01-4C2D0C1D7F30}" dt="2024-05-11T07:29:12.568" v="7854" actId="20577"/>
+          <ac:chgData name="Dominique RIGHETTO" userId="512fe077-82ad-424c-88a3-15e852b5861d" providerId="ADAL" clId="{1670CD84-DEE0-4E12-BF01-4C2D0C1D7F30}" dt="2024-05-20T07:00:06.780" v="11323" actId="20577"/>
           <ac:spMkLst>
             <pc:docMk/>
             <pc:sldMk cId="1278025696" sldId="297"/>
@@ -1917,7 +1965,7 @@
         </pc:picChg>
       </pc:sldChg>
       <pc:sldChg chg="addSp delSp modSp add mod modTransition">
-        <pc:chgData name="Dominique RIGHETTO" userId="512fe077-82ad-424c-88a3-15e852b5861d" providerId="ADAL" clId="{1670CD84-DEE0-4E12-BF01-4C2D0C1D7F30}" dt="2024-05-19T07:55:12.308" v="11142" actId="14100"/>
+        <pc:chgData name="Dominique RIGHETTO" userId="512fe077-82ad-424c-88a3-15e852b5861d" providerId="ADAL" clId="{1670CD84-DEE0-4E12-BF01-4C2D0C1D7F30}" dt="2024-05-20T07:00:14.063" v="11325" actId="20577"/>
         <pc:sldMkLst>
           <pc:docMk/>
           <pc:sldMk cId="2189355584" sldId="298"/>
@@ -1939,7 +1987,7 @@
           </ac:spMkLst>
         </pc:spChg>
         <pc:spChg chg="mod">
-          <ac:chgData name="Dominique RIGHETTO" userId="512fe077-82ad-424c-88a3-15e852b5861d" providerId="ADAL" clId="{1670CD84-DEE0-4E12-BF01-4C2D0C1D7F30}" dt="2024-05-12T08:26:08.503" v="8259" actId="20577"/>
+          <ac:chgData name="Dominique RIGHETTO" userId="512fe077-82ad-424c-88a3-15e852b5861d" providerId="ADAL" clId="{1670CD84-DEE0-4E12-BF01-4C2D0C1D7F30}" dt="2024-05-20T07:00:14.063" v="11325" actId="20577"/>
           <ac:spMkLst>
             <pc:docMk/>
             <pc:sldMk cId="2189355584" sldId="298"/>
@@ -1956,7 +2004,7 @@
         </pc:picChg>
       </pc:sldChg>
       <pc:sldChg chg="addSp delSp modSp add mod modTransition">
-        <pc:chgData name="Dominique RIGHETTO" userId="512fe077-82ad-424c-88a3-15e852b5861d" providerId="ADAL" clId="{1670CD84-DEE0-4E12-BF01-4C2D0C1D7F30}" dt="2024-05-12T09:49:57.687" v="10935"/>
+        <pc:chgData name="Dominique RIGHETTO" userId="512fe077-82ad-424c-88a3-15e852b5861d" providerId="ADAL" clId="{1670CD84-DEE0-4E12-BF01-4C2D0C1D7F30}" dt="2024-05-20T07:01:12.107" v="11332" actId="20577"/>
         <pc:sldMkLst>
           <pc:docMk/>
           <pc:sldMk cId="2776536927" sldId="299"/>
@@ -1978,7 +2026,7 @@
           </ac:spMkLst>
         </pc:spChg>
         <pc:spChg chg="mod">
-          <ac:chgData name="Dominique RIGHETTO" userId="512fe077-82ad-424c-88a3-15e852b5861d" providerId="ADAL" clId="{1670CD84-DEE0-4E12-BF01-4C2D0C1D7F30}" dt="2024-05-11T07:57:34.116" v="8214" actId="20577"/>
+          <ac:chgData name="Dominique RIGHETTO" userId="512fe077-82ad-424c-88a3-15e852b5861d" providerId="ADAL" clId="{1670CD84-DEE0-4E12-BF01-4C2D0C1D7F30}" dt="2024-05-20T07:01:12.107" v="11332" actId="20577"/>
           <ac:spMkLst>
             <pc:docMk/>
             <pc:sldMk cId="2776536927" sldId="299"/>
@@ -2066,7 +2114,7 @@
         </pc:picChg>
       </pc:sldChg>
       <pc:sldChg chg="addSp modSp add mod ord modTransition">
-        <pc:chgData name="Dominique RIGHETTO" userId="512fe077-82ad-424c-88a3-15e852b5861d" providerId="ADAL" clId="{1670CD84-DEE0-4E12-BF01-4C2D0C1D7F30}" dt="2024-05-19T07:55:04.808" v="11140" actId="14100"/>
+        <pc:chgData name="Dominique RIGHETTO" userId="512fe077-82ad-424c-88a3-15e852b5861d" providerId="ADAL" clId="{1670CD84-DEE0-4E12-BF01-4C2D0C1D7F30}" dt="2024-05-20T07:01:32.285" v="11340" actId="20577"/>
         <pc:sldMkLst>
           <pc:docMk/>
           <pc:sldMk cId="2624687999" sldId="301"/>
@@ -2096,7 +2144,7 @@
           </ac:spMkLst>
         </pc:spChg>
         <pc:spChg chg="mod">
-          <ac:chgData name="Dominique RIGHETTO" userId="512fe077-82ad-424c-88a3-15e852b5861d" providerId="ADAL" clId="{1670CD84-DEE0-4E12-BF01-4C2D0C1D7F30}" dt="2024-05-12T08:38:01.450" v="8693" actId="113"/>
+          <ac:chgData name="Dominique RIGHETTO" userId="512fe077-82ad-424c-88a3-15e852b5861d" providerId="ADAL" clId="{1670CD84-DEE0-4E12-BF01-4C2D0C1D7F30}" dt="2024-05-20T07:01:32.285" v="11340" actId="20577"/>
           <ac:spMkLst>
             <pc:docMk/>
             <pc:sldMk cId="2624687999" sldId="301"/>
@@ -2105,7 +2153,7 @@
         </pc:spChg>
       </pc:sldChg>
       <pc:sldChg chg="addSp delSp modSp add mod modTransition">
-        <pc:chgData name="Dominique RIGHETTO" userId="512fe077-82ad-424c-88a3-15e852b5861d" providerId="ADAL" clId="{1670CD84-DEE0-4E12-BF01-4C2D0C1D7F30}" dt="2024-05-12T10:02:24.436" v="11014" actId="20577"/>
+        <pc:chgData name="Dominique RIGHETTO" userId="512fe077-82ad-424c-88a3-15e852b5861d" providerId="ADAL" clId="{1670CD84-DEE0-4E12-BF01-4C2D0C1D7F30}" dt="2024-05-20T07:01:40.646" v="11343" actId="20577"/>
         <pc:sldMkLst>
           <pc:docMk/>
           <pc:sldMk cId="2579338337" sldId="302"/>
@@ -2119,7 +2167,7 @@
           </ac:spMkLst>
         </pc:spChg>
         <pc:spChg chg="mod">
-          <ac:chgData name="Dominique RIGHETTO" userId="512fe077-82ad-424c-88a3-15e852b5861d" providerId="ADAL" clId="{1670CD84-DEE0-4E12-BF01-4C2D0C1D7F30}" dt="2024-05-12T10:02:24.436" v="11014" actId="20577"/>
+          <ac:chgData name="Dominique RIGHETTO" userId="512fe077-82ad-424c-88a3-15e852b5861d" providerId="ADAL" clId="{1670CD84-DEE0-4E12-BF01-4C2D0C1D7F30}" dt="2024-05-20T07:01:40.646" v="11343" actId="20577"/>
           <ac:spMkLst>
             <pc:docMk/>
             <pc:sldMk cId="2579338337" sldId="302"/>
@@ -2143,14 +2191,30 @@
           </ac:picMkLst>
         </pc:picChg>
       </pc:sldChg>
-      <pc:sldChg chg="addSp delSp modSp add mod modTransition">
-        <pc:chgData name="Dominique RIGHETTO" userId="512fe077-82ad-424c-88a3-15e852b5861d" providerId="ADAL" clId="{1670CD84-DEE0-4E12-BF01-4C2D0C1D7F30}" dt="2024-05-19T07:55:44.720" v="11143" actId="113"/>
+      <pc:sldChg chg="addSp delSp modSp add mod modTransition modAnim">
+        <pc:chgData name="Dominique RIGHETTO" userId="512fe077-82ad-424c-88a3-15e852b5861d" providerId="ADAL" clId="{1670CD84-DEE0-4E12-BF01-4C2D0C1D7F30}" dt="2024-05-20T07:31:39.168" v="11696"/>
         <pc:sldMkLst>
           <pc:docMk/>
           <pc:sldMk cId="740312601" sldId="303"/>
         </pc:sldMkLst>
+        <pc:spChg chg="add mod">
+          <ac:chgData name="Dominique RIGHETTO" userId="512fe077-82ad-424c-88a3-15e852b5861d" providerId="ADAL" clId="{1670CD84-DEE0-4E12-BF01-4C2D0C1D7F30}" dt="2024-05-20T07:29:51.779" v="11621" actId="14100"/>
+          <ac:spMkLst>
+            <pc:docMk/>
+            <pc:sldMk cId="740312601" sldId="303"/>
+            <ac:spMk id="3" creationId="{6B33F167-9F57-A057-1CEC-6A0CE8A055E1}"/>
+          </ac:spMkLst>
+        </pc:spChg>
+        <pc:spChg chg="add mod">
+          <ac:chgData name="Dominique RIGHETTO" userId="512fe077-82ad-424c-88a3-15e852b5861d" providerId="ADAL" clId="{1670CD84-DEE0-4E12-BF01-4C2D0C1D7F30}" dt="2024-05-20T07:30:55.078" v="11693" actId="1035"/>
+          <ac:spMkLst>
+            <pc:docMk/>
+            <pc:sldMk cId="740312601" sldId="303"/>
+            <ac:spMk id="4" creationId="{04348D38-25B2-4C3B-2C0E-02608F4BB478}"/>
+          </ac:spMkLst>
+        </pc:spChg>
         <pc:spChg chg="mod">
-          <ac:chgData name="Dominique RIGHETTO" userId="512fe077-82ad-424c-88a3-15e852b5861d" providerId="ADAL" clId="{1670CD84-DEE0-4E12-BF01-4C2D0C1D7F30}" dt="2024-05-19T07:55:44.720" v="11143" actId="113"/>
+          <ac:chgData name="Dominique RIGHETTO" userId="512fe077-82ad-424c-88a3-15e852b5861d" providerId="ADAL" clId="{1670CD84-DEE0-4E12-BF01-4C2D0C1D7F30}" dt="2024-05-20T07:01:59.775" v="11351" actId="20577"/>
           <ac:spMkLst>
             <pc:docMk/>
             <pc:sldMk cId="740312601" sldId="303"/>
@@ -2174,7 +2238,7 @@
           </ac:spMkLst>
         </pc:spChg>
         <pc:spChg chg="add mod">
-          <ac:chgData name="Dominique RIGHETTO" userId="512fe077-82ad-424c-88a3-15e852b5861d" providerId="ADAL" clId="{1670CD84-DEE0-4E12-BF01-4C2D0C1D7F30}" dt="2024-05-12T09:08:11.723" v="9119" actId="14100"/>
+          <ac:chgData name="Dominique RIGHETTO" userId="512fe077-82ad-424c-88a3-15e852b5861d" providerId="ADAL" clId="{1670CD84-DEE0-4E12-BF01-4C2D0C1D7F30}" dt="2024-05-20T07:30:50.348" v="11683" actId="1035"/>
           <ac:spMkLst>
             <pc:docMk/>
             <pc:sldMk cId="740312601" sldId="303"/>
@@ -2230,7 +2294,7 @@
           </ac:picMkLst>
         </pc:picChg>
         <pc:picChg chg="add mod">
-          <ac:chgData name="Dominique RIGHETTO" userId="512fe077-82ad-424c-88a3-15e852b5861d" providerId="ADAL" clId="{1670CD84-DEE0-4E12-BF01-4C2D0C1D7F30}" dt="2024-05-12T09:08:03.371" v="9117" actId="14100"/>
+          <ac:chgData name="Dominique RIGHETTO" userId="512fe077-82ad-424c-88a3-15e852b5861d" providerId="ADAL" clId="{1670CD84-DEE0-4E12-BF01-4C2D0C1D7F30}" dt="2024-05-20T07:30:43.796" v="11666" actId="1036"/>
           <ac:picMkLst>
             <pc:docMk/>
             <pc:sldMk cId="740312601" sldId="303"/>
@@ -2247,7 +2311,7 @@
         </pc:picChg>
       </pc:sldChg>
       <pc:sldChg chg="addSp delSp modSp add mod ord modTransition">
-        <pc:chgData name="Dominique RIGHETTO" userId="512fe077-82ad-424c-88a3-15e852b5861d" providerId="ADAL" clId="{1670CD84-DEE0-4E12-BF01-4C2D0C1D7F30}" dt="2024-05-19T07:58:42.032" v="11178" actId="692"/>
+        <pc:chgData name="Dominique RIGHETTO" userId="512fe077-82ad-424c-88a3-15e852b5861d" providerId="ADAL" clId="{1670CD84-DEE0-4E12-BF01-4C2D0C1D7F30}" dt="2024-05-20T07:27:51.826" v="11590"/>
         <pc:sldMkLst>
           <pc:docMk/>
           <pc:sldMk cId="3935884449" sldId="304"/>
@@ -2258,6 +2322,14 @@
             <pc:docMk/>
             <pc:sldMk cId="3935884449" sldId="304"/>
             <ac:spMk id="2" creationId="{5CE54ABB-4929-4810-950B-2DAEA0A5BAB4}"/>
+          </ac:spMkLst>
+        </pc:spChg>
+        <pc:spChg chg="add mod">
+          <ac:chgData name="Dominique RIGHETTO" userId="512fe077-82ad-424c-88a3-15e852b5861d" providerId="ADAL" clId="{1670CD84-DEE0-4E12-BF01-4C2D0C1D7F30}" dt="2024-05-20T07:26:54.409" v="11586" actId="20577"/>
+          <ac:spMkLst>
+            <pc:docMk/>
+            <pc:sldMk cId="3935884449" sldId="304"/>
+            <ac:spMk id="3" creationId="{A92DB9E7-2734-D13A-D8FD-DE52F0413DB7}"/>
           </ac:spMkLst>
         </pc:spChg>
         <pc:spChg chg="mod">
@@ -2326,7 +2398,7 @@
         </pc:cxnChg>
       </pc:sldChg>
       <pc:sldChg chg="addSp delSp modSp add mod modTransition">
-        <pc:chgData name="Dominique RIGHETTO" userId="512fe077-82ad-424c-88a3-15e852b5861d" providerId="ADAL" clId="{1670CD84-DEE0-4E12-BF01-4C2D0C1D7F30}" dt="2024-05-19T08:00:49.073" v="11202" actId="6549"/>
+        <pc:chgData name="Dominique RIGHETTO" userId="512fe077-82ad-424c-88a3-15e852b5861d" providerId="ADAL" clId="{1670CD84-DEE0-4E12-BF01-4C2D0C1D7F30}" dt="2024-05-20T07:45:27.206" v="11725" actId="108"/>
         <pc:sldMkLst>
           <pc:docMk/>
           <pc:sldMk cId="1542931494" sldId="305"/>
@@ -2340,7 +2412,7 @@
           </ac:spMkLst>
         </pc:spChg>
         <pc:spChg chg="mod">
-          <ac:chgData name="Dominique RIGHETTO" userId="512fe077-82ad-424c-88a3-15e852b5861d" providerId="ADAL" clId="{1670CD84-DEE0-4E12-BF01-4C2D0C1D7F30}" dt="2024-05-19T08:00:49.073" v="11202" actId="6549"/>
+          <ac:chgData name="Dominique RIGHETTO" userId="512fe077-82ad-424c-88a3-15e852b5861d" providerId="ADAL" clId="{1670CD84-DEE0-4E12-BF01-4C2D0C1D7F30}" dt="2024-05-20T07:02:29.675" v="11352" actId="20577"/>
           <ac:spMkLst>
             <pc:docMk/>
             <pc:sldMk cId="1542931494" sldId="305"/>
@@ -2372,7 +2444,7 @@
           </ac:spMkLst>
         </pc:spChg>
         <pc:picChg chg="add mod">
-          <ac:chgData name="Dominique RIGHETTO" userId="512fe077-82ad-424c-88a3-15e852b5861d" providerId="ADAL" clId="{1670CD84-DEE0-4E12-BF01-4C2D0C1D7F30}" dt="2024-05-12T09:18:49.816" v="9495" actId="14100"/>
+          <ac:chgData name="Dominique RIGHETTO" userId="512fe077-82ad-424c-88a3-15e852b5861d" providerId="ADAL" clId="{1670CD84-DEE0-4E12-BF01-4C2D0C1D7F30}" dt="2024-05-20T07:45:27.206" v="11725" actId="108"/>
           <ac:picMkLst>
             <pc:docMk/>
             <pc:sldMk cId="1542931494" sldId="305"/>
@@ -2413,7 +2485,7 @@
         </pc:cxnChg>
       </pc:sldChg>
       <pc:sldChg chg="addSp delSp modSp add mod modTransition">
-        <pc:chgData name="Dominique RIGHETTO" userId="512fe077-82ad-424c-88a3-15e852b5861d" providerId="ADAL" clId="{1670CD84-DEE0-4E12-BF01-4C2D0C1D7F30}" dt="2024-05-19T08:00:57.233" v="11207" actId="20577"/>
+        <pc:chgData name="Dominique RIGHETTO" userId="512fe077-82ad-424c-88a3-15e852b5861d" providerId="ADAL" clId="{1670CD84-DEE0-4E12-BF01-4C2D0C1D7F30}" dt="2024-05-20T07:45:30.978" v="11726" actId="108"/>
         <pc:sldMkLst>
           <pc:docMk/>
           <pc:sldMk cId="3921470596" sldId="306"/>
@@ -2427,7 +2499,7 @@
           </ac:spMkLst>
         </pc:spChg>
         <pc:spChg chg="mod">
-          <ac:chgData name="Dominique RIGHETTO" userId="512fe077-82ad-424c-88a3-15e852b5861d" providerId="ADAL" clId="{1670CD84-DEE0-4E12-BF01-4C2D0C1D7F30}" dt="2024-05-19T08:00:57.233" v="11207" actId="20577"/>
+          <ac:chgData name="Dominique RIGHETTO" userId="512fe077-82ad-424c-88a3-15e852b5861d" providerId="ADAL" clId="{1670CD84-DEE0-4E12-BF01-4C2D0C1D7F30}" dt="2024-05-20T07:02:51.371" v="11355" actId="20577"/>
           <ac:spMkLst>
             <pc:docMk/>
             <pc:sldMk cId="3921470596" sldId="306"/>
@@ -2442,8 +2514,8 @@
             <ac:picMk id="4" creationId="{9B3309CE-1362-6948-BB38-AB0BB7E87EAE}"/>
           </ac:picMkLst>
         </pc:picChg>
-        <pc:picChg chg="add mod">
-          <ac:chgData name="Dominique RIGHETTO" userId="512fe077-82ad-424c-88a3-15e852b5861d" providerId="ADAL" clId="{1670CD84-DEE0-4E12-BF01-4C2D0C1D7F30}" dt="2024-05-12T09:21:51.616" v="9642" actId="1076"/>
+        <pc:picChg chg="add mod modCrop">
+          <ac:chgData name="Dominique RIGHETTO" userId="512fe077-82ad-424c-88a3-15e852b5861d" providerId="ADAL" clId="{1670CD84-DEE0-4E12-BF01-4C2D0C1D7F30}" dt="2024-05-20T07:45:30.978" v="11726" actId="108"/>
           <ac:picMkLst>
             <pc:docMk/>
             <pc:sldMk cId="3921470596" sldId="306"/>
@@ -2452,13 +2524,13 @@
         </pc:picChg>
       </pc:sldChg>
       <pc:sldChg chg="modSp add mod modTransition">
-        <pc:chgData name="Dominique RIGHETTO" userId="512fe077-82ad-424c-88a3-15e852b5861d" providerId="ADAL" clId="{1670CD84-DEE0-4E12-BF01-4C2D0C1D7F30}" dt="2024-05-19T08:01:10.975" v="11212" actId="20577"/>
+        <pc:chgData name="Dominique RIGHETTO" userId="512fe077-82ad-424c-88a3-15e852b5861d" providerId="ADAL" clId="{1670CD84-DEE0-4E12-BF01-4C2D0C1D7F30}" dt="2024-05-20T07:46:28.366" v="11728" actId="20577"/>
         <pc:sldMkLst>
           <pc:docMk/>
           <pc:sldMk cId="2649367104" sldId="307"/>
         </pc:sldMkLst>
         <pc:spChg chg="mod">
-          <ac:chgData name="Dominique RIGHETTO" userId="512fe077-82ad-424c-88a3-15e852b5861d" providerId="ADAL" clId="{1670CD84-DEE0-4E12-BF01-4C2D0C1D7F30}" dt="2024-05-19T08:01:10.975" v="11212" actId="20577"/>
+          <ac:chgData name="Dominique RIGHETTO" userId="512fe077-82ad-424c-88a3-15e852b5861d" providerId="ADAL" clId="{1670CD84-DEE0-4E12-BF01-4C2D0C1D7F30}" dt="2024-05-20T07:46:28.366" v="11728" actId="20577"/>
           <ac:spMkLst>
             <pc:docMk/>
             <pc:sldMk cId="2649367104" sldId="307"/>
@@ -2466,7 +2538,7 @@
           </ac:spMkLst>
         </pc:spChg>
         <pc:picChg chg="mod modCrop">
-          <ac:chgData name="Dominique RIGHETTO" userId="512fe077-82ad-424c-88a3-15e852b5861d" providerId="ADAL" clId="{1670CD84-DEE0-4E12-BF01-4C2D0C1D7F30}" dt="2024-05-12T09:22:34.462" v="9651" actId="1076"/>
+          <ac:chgData name="Dominique RIGHETTO" userId="512fe077-82ad-424c-88a3-15e852b5861d" providerId="ADAL" clId="{1670CD84-DEE0-4E12-BF01-4C2D0C1D7F30}" dt="2024-05-20T07:45:34.171" v="11727" actId="108"/>
           <ac:picMkLst>
             <pc:docMk/>
             <pc:sldMk cId="2649367104" sldId="307"/>
@@ -2475,7 +2547,7 @@
         </pc:picChg>
       </pc:sldChg>
       <pc:sldChg chg="delSp modSp add mod modTransition">
-        <pc:chgData name="Dominique RIGHETTO" userId="512fe077-82ad-424c-88a3-15e852b5861d" providerId="ADAL" clId="{1670CD84-DEE0-4E12-BF01-4C2D0C1D7F30}" dt="2024-05-19T08:01:29.305" v="11222" actId="20577"/>
+        <pc:chgData name="Dominique RIGHETTO" userId="512fe077-82ad-424c-88a3-15e852b5861d" providerId="ADAL" clId="{1670CD84-DEE0-4E12-BF01-4C2D0C1D7F30}" dt="2024-05-20T07:03:14.595" v="11368" actId="20577"/>
         <pc:sldMkLst>
           <pc:docMk/>
           <pc:sldMk cId="2485501603" sldId="308"/>
@@ -2489,7 +2561,7 @@
           </ac:spMkLst>
         </pc:spChg>
         <pc:spChg chg="mod">
-          <ac:chgData name="Dominique RIGHETTO" userId="512fe077-82ad-424c-88a3-15e852b5861d" providerId="ADAL" clId="{1670CD84-DEE0-4E12-BF01-4C2D0C1D7F30}" dt="2024-05-19T08:01:29.305" v="11222" actId="20577"/>
+          <ac:chgData name="Dominique RIGHETTO" userId="512fe077-82ad-424c-88a3-15e852b5861d" providerId="ADAL" clId="{1670CD84-DEE0-4E12-BF01-4C2D0C1D7F30}" dt="2024-05-20T07:03:14.595" v="11368" actId="20577"/>
           <ac:spMkLst>
             <pc:docMk/>
             <pc:sldMk cId="2485501603" sldId="308"/>
@@ -2551,8 +2623,8 @@
           </ac:picMkLst>
         </pc:picChg>
       </pc:sldChg>
-      <pc:sldChg chg="modSp add mod ord modTransition">
-        <pc:chgData name="Dominique RIGHETTO" userId="512fe077-82ad-424c-88a3-15e852b5861d" providerId="ADAL" clId="{1670CD84-DEE0-4E12-BF01-4C2D0C1D7F30}" dt="2024-05-12T09:49:57.687" v="10935"/>
+      <pc:sldChg chg="addSp modSp add mod ord modTransition">
+        <pc:chgData name="Dominique RIGHETTO" userId="512fe077-82ad-424c-88a3-15e852b5861d" providerId="ADAL" clId="{1670CD84-DEE0-4E12-BF01-4C2D0C1D7F30}" dt="2024-05-20T07:41:13.247" v="11721" actId="1076"/>
         <pc:sldMkLst>
           <pc:docMk/>
           <pc:sldMk cId="3271207713" sldId="311"/>
@@ -2565,9 +2637,25 @@
             <ac:spMk id="2" creationId="{A29DE7F2-E890-4744-88DD-A75F5E300513}"/>
           </ac:spMkLst>
         </pc:spChg>
+        <pc:spChg chg="add mod">
+          <ac:chgData name="Dominique RIGHETTO" userId="512fe077-82ad-424c-88a3-15e852b5861d" providerId="ADAL" clId="{1670CD84-DEE0-4E12-BF01-4C2D0C1D7F30}" dt="2024-05-20T07:41:13.247" v="11721" actId="1076"/>
+          <ac:spMkLst>
+            <pc:docMk/>
+            <pc:sldMk cId="3271207713" sldId="311"/>
+            <ac:spMk id="5" creationId="{30768DC5-971B-FE3A-5821-C8B282E689F5}"/>
+          </ac:spMkLst>
+        </pc:spChg>
+        <pc:picChg chg="add mod">
+          <ac:chgData name="Dominique RIGHETTO" userId="512fe077-82ad-424c-88a3-15e852b5861d" providerId="ADAL" clId="{1670CD84-DEE0-4E12-BF01-4C2D0C1D7F30}" dt="2024-05-20T07:40:50.916" v="11708" actId="1076"/>
+          <ac:picMkLst>
+            <pc:docMk/>
+            <pc:sldMk cId="3271207713" sldId="311"/>
+            <ac:picMk id="4" creationId="{43A75D3A-5A10-57E4-682B-D93F25FE00DD}"/>
+          </ac:picMkLst>
+        </pc:picChg>
       </pc:sldChg>
       <pc:sldChg chg="modSp add mod ord modTransition">
-        <pc:chgData name="Dominique RIGHETTO" userId="512fe077-82ad-424c-88a3-15e852b5861d" providerId="ADAL" clId="{1670CD84-DEE0-4E12-BF01-4C2D0C1D7F30}" dt="2024-05-12T09:49:57.687" v="10935"/>
+        <pc:chgData name="Dominique RIGHETTO" userId="512fe077-82ad-424c-88a3-15e852b5861d" providerId="ADAL" clId="{1670CD84-DEE0-4E12-BF01-4C2D0C1D7F30}" dt="2024-05-20T07:34:51.168" v="11701"/>
         <pc:sldMkLst>
           <pc:docMk/>
           <pc:sldMk cId="2168811583" sldId="312"/>
@@ -2581,7 +2669,7 @@
           </ac:spMkLst>
         </pc:spChg>
         <pc:spChg chg="mod">
-          <ac:chgData name="Dominique RIGHETTO" userId="512fe077-82ad-424c-88a3-15e852b5861d" providerId="ADAL" clId="{1670CD84-DEE0-4E12-BF01-4C2D0C1D7F30}" dt="2024-05-12T09:45:47.860" v="10910" actId="20577"/>
+          <ac:chgData name="Dominique RIGHETTO" userId="512fe077-82ad-424c-88a3-15e852b5861d" providerId="ADAL" clId="{1670CD84-DEE0-4E12-BF01-4C2D0C1D7F30}" dt="2024-05-20T07:34:51.168" v="11701"/>
           <ac:spMkLst>
             <pc:docMk/>
             <pc:sldMk cId="2168811583" sldId="312"/>
@@ -2596,8 +2684,8 @@
           <pc:sldMk cId="139773195" sldId="313"/>
         </pc:sldMkLst>
       </pc:sldChg>
-      <pc:sldChg chg="addSp delSp modSp add mod modTransition">
-        <pc:chgData name="Dominique RIGHETTO" userId="512fe077-82ad-424c-88a3-15e852b5861d" providerId="ADAL" clId="{1670CD84-DEE0-4E12-BF01-4C2D0C1D7F30}" dt="2024-05-19T07:59:21.081" v="11184"/>
+      <pc:sldChg chg="addSp delSp modSp add mod ord modTransition">
+        <pc:chgData name="Dominique RIGHETTO" userId="512fe077-82ad-424c-88a3-15e852b5861d" providerId="ADAL" clId="{1670CD84-DEE0-4E12-BF01-4C2D0C1D7F30}" dt="2024-05-20T07:27:49.206" v="11589"/>
         <pc:sldMkLst>
           <pc:docMk/>
           <pc:sldMk cId="1011501238" sldId="313"/>
@@ -3453,1251 +3541,7 @@
 </dgm:colorsDef>
 </file>
 
-<file path=ppt/diagrams/colors2.xml><?xml version="1.0" encoding="utf-8"?>
-<dgm:colorsDef xmlns:dgm="http://schemas.openxmlformats.org/drawingml/2006/diagram" xmlns:a="http://schemas.openxmlformats.org/drawingml/2006/main" uniqueId="urn:microsoft.com/office/officeart/2005/8/colors/colorful4">
-  <dgm:title val=""/>
-  <dgm:desc val=""/>
-  <dgm:catLst>
-    <dgm:cat type="colorful" pri="10400"/>
-  </dgm:catLst>
-  <dgm:styleLbl name="node0">
-    <dgm:fillClrLst meth="repeat">
-      <a:schemeClr val="accent3"/>
-    </dgm:fillClrLst>
-    <dgm:linClrLst meth="repeat">
-      <a:schemeClr val="lt1"/>
-    </dgm:linClrLst>
-    <dgm:effectClrLst/>
-    <dgm:txLinClrLst/>
-    <dgm:txFillClrLst/>
-    <dgm:txEffectClrLst/>
-  </dgm:styleLbl>
-  <dgm:styleLbl name="node1">
-    <dgm:fillClrLst>
-      <a:schemeClr val="accent4"/>
-      <a:schemeClr val="accent5"/>
-    </dgm:fillClrLst>
-    <dgm:linClrLst meth="repeat">
-      <a:schemeClr val="lt1"/>
-    </dgm:linClrLst>
-    <dgm:effectClrLst/>
-    <dgm:txLinClrLst/>
-    <dgm:txFillClrLst/>
-    <dgm:txEffectClrLst/>
-  </dgm:styleLbl>
-  <dgm:styleLbl name="alignNode1">
-    <dgm:fillClrLst>
-      <a:schemeClr val="accent4"/>
-      <a:schemeClr val="accent5"/>
-    </dgm:fillClrLst>
-    <dgm:linClrLst>
-      <a:schemeClr val="accent4"/>
-      <a:schemeClr val="accent5"/>
-    </dgm:linClrLst>
-    <dgm:effectClrLst/>
-    <dgm:txLinClrLst/>
-    <dgm:txFillClrLst/>
-    <dgm:txEffectClrLst/>
-  </dgm:styleLbl>
-  <dgm:styleLbl name="lnNode1">
-    <dgm:fillClrLst>
-      <a:schemeClr val="accent4"/>
-      <a:schemeClr val="accent5"/>
-    </dgm:fillClrLst>
-    <dgm:linClrLst meth="repeat">
-      <a:schemeClr val="lt1"/>
-    </dgm:linClrLst>
-    <dgm:effectClrLst/>
-    <dgm:txLinClrLst/>
-    <dgm:txFillClrLst/>
-    <dgm:txEffectClrLst/>
-  </dgm:styleLbl>
-  <dgm:styleLbl name="vennNode1">
-    <dgm:fillClrLst>
-      <a:schemeClr val="accent4">
-        <a:alpha val="50000"/>
-      </a:schemeClr>
-      <a:schemeClr val="accent5">
-        <a:alpha val="50000"/>
-      </a:schemeClr>
-    </dgm:fillClrLst>
-    <dgm:linClrLst meth="repeat">
-      <a:schemeClr val="lt1"/>
-    </dgm:linClrLst>
-    <dgm:effectClrLst/>
-    <dgm:txLinClrLst/>
-    <dgm:txFillClrLst/>
-    <dgm:txEffectClrLst/>
-  </dgm:styleLbl>
-  <dgm:styleLbl name="node2">
-    <dgm:fillClrLst>
-      <a:schemeClr val="accent5"/>
-    </dgm:fillClrLst>
-    <dgm:linClrLst meth="repeat">
-      <a:schemeClr val="lt1"/>
-    </dgm:linClrLst>
-    <dgm:effectClrLst/>
-    <dgm:txLinClrLst/>
-    <dgm:txFillClrLst/>
-    <dgm:txEffectClrLst/>
-  </dgm:styleLbl>
-  <dgm:styleLbl name="node3">
-    <dgm:fillClrLst>
-      <a:schemeClr val="accent6"/>
-    </dgm:fillClrLst>
-    <dgm:linClrLst meth="repeat">
-      <a:schemeClr val="lt1"/>
-    </dgm:linClrLst>
-    <dgm:effectClrLst/>
-    <dgm:txLinClrLst/>
-    <dgm:txFillClrLst/>
-    <dgm:txEffectClrLst/>
-  </dgm:styleLbl>
-  <dgm:styleLbl name="node4">
-    <dgm:fillClrLst>
-      <a:schemeClr val="accent1"/>
-    </dgm:fillClrLst>
-    <dgm:linClrLst meth="repeat">
-      <a:schemeClr val="lt1"/>
-    </dgm:linClrLst>
-    <dgm:effectClrLst/>
-    <dgm:txLinClrLst/>
-    <dgm:txFillClrLst/>
-    <dgm:txEffectClrLst/>
-  </dgm:styleLbl>
-  <dgm:styleLbl name="fgImgPlace1">
-    <dgm:fillClrLst>
-      <a:schemeClr val="accent4">
-        <a:tint val="50000"/>
-      </a:schemeClr>
-      <a:schemeClr val="accent5">
-        <a:tint val="50000"/>
-      </a:schemeClr>
-    </dgm:fillClrLst>
-    <dgm:linClrLst meth="repeat">
-      <a:schemeClr val="lt1"/>
-    </dgm:linClrLst>
-    <dgm:effectClrLst/>
-    <dgm:txLinClrLst/>
-    <dgm:txFillClrLst meth="repeat">
-      <a:schemeClr val="lt1"/>
-    </dgm:txFillClrLst>
-    <dgm:txEffectClrLst/>
-  </dgm:styleLbl>
-  <dgm:styleLbl name="alignImgPlace1">
-    <dgm:fillClrLst>
-      <a:schemeClr val="accent4">
-        <a:tint val="50000"/>
-      </a:schemeClr>
-      <a:schemeClr val="accent5">
-        <a:tint val="20000"/>
-      </a:schemeClr>
-    </dgm:fillClrLst>
-    <dgm:linClrLst meth="repeat">
-      <a:schemeClr val="lt1"/>
-    </dgm:linClrLst>
-    <dgm:effectClrLst/>
-    <dgm:txLinClrLst/>
-    <dgm:txFillClrLst meth="repeat">
-      <a:schemeClr val="lt1"/>
-    </dgm:txFillClrLst>
-    <dgm:txEffectClrLst/>
-  </dgm:styleLbl>
-  <dgm:styleLbl name="bgImgPlace1">
-    <dgm:fillClrLst>
-      <a:schemeClr val="accent4">
-        <a:tint val="50000"/>
-      </a:schemeClr>
-      <a:schemeClr val="accent5">
-        <a:tint val="20000"/>
-      </a:schemeClr>
-    </dgm:fillClrLst>
-    <dgm:linClrLst meth="repeat">
-      <a:schemeClr val="lt1"/>
-    </dgm:linClrLst>
-    <dgm:effectClrLst/>
-    <dgm:txLinClrLst/>
-    <dgm:txFillClrLst meth="repeat">
-      <a:schemeClr val="lt1"/>
-    </dgm:txFillClrLst>
-    <dgm:txEffectClrLst/>
-  </dgm:styleLbl>
-  <dgm:styleLbl name="sibTrans2D1">
-    <dgm:fillClrLst>
-      <a:schemeClr val="accent4"/>
-      <a:schemeClr val="accent5"/>
-    </dgm:fillClrLst>
-    <dgm:linClrLst meth="repeat">
-      <a:schemeClr val="lt1"/>
-    </dgm:linClrLst>
-    <dgm:effectClrLst/>
-    <dgm:txLinClrLst/>
-    <dgm:txFillClrLst/>
-    <dgm:txEffectClrLst/>
-  </dgm:styleLbl>
-  <dgm:styleLbl name="fgSibTrans2D1">
-    <dgm:fillClrLst>
-      <a:schemeClr val="accent4"/>
-      <a:schemeClr val="accent5"/>
-    </dgm:fillClrLst>
-    <dgm:linClrLst meth="repeat">
-      <a:schemeClr val="lt1"/>
-    </dgm:linClrLst>
-    <dgm:effectClrLst/>
-    <dgm:txLinClrLst/>
-    <dgm:txFillClrLst meth="repeat">
-      <a:schemeClr val="lt1"/>
-    </dgm:txFillClrLst>
-    <dgm:txEffectClrLst/>
-  </dgm:styleLbl>
-  <dgm:styleLbl name="bgSibTrans2D1">
-    <dgm:fillClrLst>
-      <a:schemeClr val="accent4"/>
-      <a:schemeClr val="accent5"/>
-    </dgm:fillClrLst>
-    <dgm:linClrLst meth="repeat">
-      <a:schemeClr val="lt1"/>
-    </dgm:linClrLst>
-    <dgm:effectClrLst/>
-    <dgm:txLinClrLst/>
-    <dgm:txFillClrLst meth="repeat">
-      <a:schemeClr val="lt1"/>
-    </dgm:txFillClrLst>
-    <dgm:txEffectClrLst/>
-  </dgm:styleLbl>
-  <dgm:styleLbl name="sibTrans1D1">
-    <dgm:fillClrLst/>
-    <dgm:linClrLst>
-      <a:schemeClr val="accent4"/>
-      <a:schemeClr val="accent5"/>
-    </dgm:linClrLst>
-    <dgm:effectClrLst/>
-    <dgm:txLinClrLst/>
-    <dgm:txFillClrLst meth="repeat">
-      <a:schemeClr val="tx1"/>
-    </dgm:txFillClrLst>
-    <dgm:txEffectClrLst/>
-  </dgm:styleLbl>
-  <dgm:styleLbl name="callout">
-    <dgm:fillClrLst meth="repeat">
-      <a:schemeClr val="accent4"/>
-    </dgm:fillClrLst>
-    <dgm:linClrLst meth="repeat">
-      <a:schemeClr val="accent4">
-        <a:tint val="50000"/>
-      </a:schemeClr>
-    </dgm:linClrLst>
-    <dgm:effectClrLst/>
-    <dgm:txLinClrLst/>
-    <dgm:txFillClrLst meth="repeat">
-      <a:schemeClr val="tx1"/>
-    </dgm:txFillClrLst>
-    <dgm:txEffectClrLst/>
-  </dgm:styleLbl>
-  <dgm:styleLbl name="asst0">
-    <dgm:fillClrLst meth="repeat">
-      <a:schemeClr val="accent4"/>
-    </dgm:fillClrLst>
-    <dgm:linClrLst meth="repeat">
-      <a:schemeClr val="lt1">
-        <a:shade val="80000"/>
-      </a:schemeClr>
-    </dgm:linClrLst>
-    <dgm:effectClrLst/>
-    <dgm:txLinClrLst/>
-    <dgm:txFillClrLst/>
-    <dgm:txEffectClrLst/>
-  </dgm:styleLbl>
-  <dgm:styleLbl name="asst1">
-    <dgm:fillClrLst meth="repeat">
-      <a:schemeClr val="accent5"/>
-    </dgm:fillClrLst>
-    <dgm:linClrLst meth="repeat">
-      <a:schemeClr val="lt1">
-        <a:shade val="80000"/>
-      </a:schemeClr>
-    </dgm:linClrLst>
-    <dgm:effectClrLst/>
-    <dgm:txLinClrLst/>
-    <dgm:txFillClrLst/>
-    <dgm:txEffectClrLst/>
-  </dgm:styleLbl>
-  <dgm:styleLbl name="asst2">
-    <dgm:fillClrLst>
-      <a:schemeClr val="accent6"/>
-    </dgm:fillClrLst>
-    <dgm:linClrLst meth="repeat">
-      <a:schemeClr val="lt1"/>
-    </dgm:linClrLst>
-    <dgm:effectClrLst/>
-    <dgm:txLinClrLst/>
-    <dgm:txFillClrLst/>
-    <dgm:txEffectClrLst/>
-  </dgm:styleLbl>
-  <dgm:styleLbl name="asst3">
-    <dgm:fillClrLst>
-      <a:schemeClr val="accent1"/>
-    </dgm:fillClrLst>
-    <dgm:linClrLst meth="repeat">
-      <a:schemeClr val="lt1"/>
-    </dgm:linClrLst>
-    <dgm:effectClrLst/>
-    <dgm:txLinClrLst/>
-    <dgm:txFillClrLst/>
-    <dgm:txEffectClrLst/>
-  </dgm:styleLbl>
-  <dgm:styleLbl name="asst4">
-    <dgm:fillClrLst>
-      <a:schemeClr val="accent2"/>
-    </dgm:fillClrLst>
-    <dgm:linClrLst meth="repeat">
-      <a:schemeClr val="lt1"/>
-    </dgm:linClrLst>
-    <dgm:effectClrLst/>
-    <dgm:txLinClrLst/>
-    <dgm:txFillClrLst/>
-    <dgm:txEffectClrLst/>
-  </dgm:styleLbl>
-  <dgm:styleLbl name="parChTrans2D1">
-    <dgm:fillClrLst meth="repeat">
-      <a:schemeClr val="accent4"/>
-    </dgm:fillClrLst>
-    <dgm:linClrLst meth="repeat">
-      <a:schemeClr val="lt1"/>
-    </dgm:linClrLst>
-    <dgm:effectClrLst/>
-    <dgm:txLinClrLst/>
-    <dgm:txFillClrLst meth="repeat">
-      <a:schemeClr val="lt1"/>
-    </dgm:txFillClrLst>
-    <dgm:txEffectClrLst/>
-  </dgm:styleLbl>
-  <dgm:styleLbl name="parChTrans2D2">
-    <dgm:fillClrLst meth="repeat">
-      <a:schemeClr val="accent5"/>
-    </dgm:fillClrLst>
-    <dgm:linClrLst meth="repeat">
-      <a:schemeClr val="lt1"/>
-    </dgm:linClrLst>
-    <dgm:effectClrLst/>
-    <dgm:txLinClrLst/>
-    <dgm:txFillClrLst/>
-    <dgm:txEffectClrLst/>
-  </dgm:styleLbl>
-  <dgm:styleLbl name="parChTrans2D3">
-    <dgm:fillClrLst meth="repeat">
-      <a:schemeClr val="accent5"/>
-    </dgm:fillClrLst>
-    <dgm:linClrLst meth="repeat">
-      <a:schemeClr val="lt1"/>
-    </dgm:linClrLst>
-    <dgm:effectClrLst/>
-    <dgm:txLinClrLst/>
-    <dgm:txFillClrLst/>
-    <dgm:txEffectClrLst/>
-  </dgm:styleLbl>
-  <dgm:styleLbl name="parChTrans2D4">
-    <dgm:fillClrLst meth="repeat">
-      <a:schemeClr val="accent6"/>
-    </dgm:fillClrLst>
-    <dgm:linClrLst meth="repeat">
-      <a:schemeClr val="lt1"/>
-    </dgm:linClrLst>
-    <dgm:effectClrLst/>
-    <dgm:txLinClrLst/>
-    <dgm:txFillClrLst meth="repeat">
-      <a:schemeClr val="lt1"/>
-    </dgm:txFillClrLst>
-    <dgm:txEffectClrLst/>
-  </dgm:styleLbl>
-  <dgm:styleLbl name="parChTrans1D1">
-    <dgm:fillClrLst meth="repeat">
-      <a:schemeClr val="accent4"/>
-    </dgm:fillClrLst>
-    <dgm:linClrLst meth="repeat">
-      <a:schemeClr val="accent4"/>
-    </dgm:linClrLst>
-    <dgm:effectClrLst/>
-    <dgm:txLinClrLst/>
-    <dgm:txFillClrLst meth="repeat">
-      <a:schemeClr val="tx1"/>
-    </dgm:txFillClrLst>
-    <dgm:txEffectClrLst/>
-  </dgm:styleLbl>
-  <dgm:styleLbl name="parChTrans1D2">
-    <dgm:fillClrLst meth="repeat">
-      <a:schemeClr val="accent4">
-        <a:tint val="90000"/>
-      </a:schemeClr>
-    </dgm:fillClrLst>
-    <dgm:linClrLst meth="repeat">
-      <a:schemeClr val="accent5"/>
-    </dgm:linClrLst>
-    <dgm:effectClrLst/>
-    <dgm:txLinClrLst/>
-    <dgm:txFillClrLst meth="repeat">
-      <a:schemeClr val="tx1"/>
-    </dgm:txFillClrLst>
-    <dgm:txEffectClrLst/>
-  </dgm:styleLbl>
-  <dgm:styleLbl name="parChTrans1D3">
-    <dgm:fillClrLst meth="repeat">
-      <a:schemeClr val="accent4">
-        <a:tint val="70000"/>
-      </a:schemeClr>
-    </dgm:fillClrLst>
-    <dgm:linClrLst meth="repeat">
-      <a:schemeClr val="accent6"/>
-    </dgm:linClrLst>
-    <dgm:effectClrLst/>
-    <dgm:txLinClrLst/>
-    <dgm:txFillClrLst meth="repeat">
-      <a:schemeClr val="tx1"/>
-    </dgm:txFillClrLst>
-    <dgm:txEffectClrLst/>
-  </dgm:styleLbl>
-  <dgm:styleLbl name="parChTrans1D4">
-    <dgm:fillClrLst meth="repeat">
-      <a:schemeClr val="accent4">
-        <a:tint val="50000"/>
-      </a:schemeClr>
-    </dgm:fillClrLst>
-    <dgm:linClrLst meth="repeat">
-      <a:schemeClr val="accent1"/>
-    </dgm:linClrLst>
-    <dgm:effectClrLst/>
-    <dgm:txLinClrLst/>
-    <dgm:txFillClrLst meth="repeat">
-      <a:schemeClr val="tx1"/>
-    </dgm:txFillClrLst>
-    <dgm:txEffectClrLst/>
-  </dgm:styleLbl>
-  <dgm:styleLbl name="fgAcc1">
-    <dgm:fillClrLst meth="repeat">
-      <a:schemeClr val="lt1">
-        <a:alpha val="90000"/>
-      </a:schemeClr>
-    </dgm:fillClrLst>
-    <dgm:linClrLst>
-      <a:schemeClr val="accent4"/>
-      <a:schemeClr val="accent5"/>
-    </dgm:linClrLst>
-    <dgm:effectClrLst/>
-    <dgm:txLinClrLst/>
-    <dgm:txFillClrLst meth="repeat">
-      <a:schemeClr val="dk1"/>
-    </dgm:txFillClrLst>
-    <dgm:txEffectClrLst/>
-  </dgm:styleLbl>
-  <dgm:styleLbl name="conFgAcc1">
-    <dgm:fillClrLst meth="repeat">
-      <a:schemeClr val="lt1">
-        <a:alpha val="90000"/>
-      </a:schemeClr>
-    </dgm:fillClrLst>
-    <dgm:linClrLst>
-      <a:schemeClr val="accent4"/>
-      <a:schemeClr val="accent5"/>
-    </dgm:linClrLst>
-    <dgm:effectClrLst/>
-    <dgm:txLinClrLst/>
-    <dgm:txFillClrLst meth="repeat">
-      <a:schemeClr val="dk1"/>
-    </dgm:txFillClrLst>
-    <dgm:txEffectClrLst/>
-  </dgm:styleLbl>
-  <dgm:styleLbl name="alignAcc1">
-    <dgm:fillClrLst meth="repeat">
-      <a:schemeClr val="lt1">
-        <a:alpha val="90000"/>
-      </a:schemeClr>
-    </dgm:fillClrLst>
-    <dgm:linClrLst>
-      <a:schemeClr val="accent4"/>
-      <a:schemeClr val="accent5"/>
-    </dgm:linClrLst>
-    <dgm:effectClrLst/>
-    <dgm:txLinClrLst/>
-    <dgm:txFillClrLst meth="repeat">
-      <a:schemeClr val="dk1"/>
-    </dgm:txFillClrLst>
-    <dgm:txEffectClrLst/>
-  </dgm:styleLbl>
-  <dgm:styleLbl name="trAlignAcc1">
-    <dgm:fillClrLst meth="repeat">
-      <a:schemeClr val="lt1">
-        <a:alpha val="40000"/>
-      </a:schemeClr>
-    </dgm:fillClrLst>
-    <dgm:linClrLst meth="repeat">
-      <a:schemeClr val="accent4"/>
-    </dgm:linClrLst>
-    <dgm:effectClrLst/>
-    <dgm:txLinClrLst/>
-    <dgm:txFillClrLst meth="repeat">
-      <a:schemeClr val="dk1"/>
-    </dgm:txFillClrLst>
-    <dgm:txEffectClrLst/>
-  </dgm:styleLbl>
-  <dgm:styleLbl name="bgAcc1">
-    <dgm:fillClrLst meth="repeat">
-      <a:schemeClr val="lt1">
-        <a:alpha val="90000"/>
-      </a:schemeClr>
-    </dgm:fillClrLst>
-    <dgm:linClrLst>
-      <a:schemeClr val="accent4"/>
-      <a:schemeClr val="accent5"/>
-    </dgm:linClrLst>
-    <dgm:effectClrLst/>
-    <dgm:txLinClrLst/>
-    <dgm:txFillClrLst meth="repeat">
-      <a:schemeClr val="dk1"/>
-    </dgm:txFillClrLst>
-    <dgm:txEffectClrLst/>
-  </dgm:styleLbl>
-  <dgm:styleLbl name="solidFgAcc1">
-    <dgm:fillClrLst meth="repeat">
-      <a:schemeClr val="lt1"/>
-    </dgm:fillClrLst>
-    <dgm:linClrLst>
-      <a:schemeClr val="accent4"/>
-      <a:schemeClr val="accent5"/>
-    </dgm:linClrLst>
-    <dgm:effectClrLst/>
-    <dgm:txLinClrLst/>
-    <dgm:txFillClrLst meth="repeat">
-      <a:schemeClr val="dk1"/>
-    </dgm:txFillClrLst>
-    <dgm:txEffectClrLst/>
-  </dgm:styleLbl>
-  <dgm:styleLbl name="solidAlignAcc1">
-    <dgm:fillClrLst meth="repeat">
-      <a:schemeClr val="lt1"/>
-    </dgm:fillClrLst>
-    <dgm:linClrLst>
-      <a:schemeClr val="accent4"/>
-      <a:schemeClr val="accent5"/>
-    </dgm:linClrLst>
-    <dgm:effectClrLst/>
-    <dgm:txLinClrLst/>
-    <dgm:txFillClrLst meth="repeat">
-      <a:schemeClr val="dk1"/>
-    </dgm:txFillClrLst>
-    <dgm:txEffectClrLst/>
-  </dgm:styleLbl>
-  <dgm:styleLbl name="solidBgAcc1">
-    <dgm:fillClrLst meth="repeat">
-      <a:schemeClr val="lt1"/>
-    </dgm:fillClrLst>
-    <dgm:linClrLst>
-      <a:schemeClr val="accent4"/>
-      <a:schemeClr val="accent5"/>
-    </dgm:linClrLst>
-    <dgm:effectClrLst/>
-    <dgm:txLinClrLst/>
-    <dgm:txFillClrLst meth="repeat">
-      <a:schemeClr val="dk1"/>
-    </dgm:txFillClrLst>
-    <dgm:txEffectClrLst/>
-  </dgm:styleLbl>
-  <dgm:styleLbl name="fgAccFollowNode1">
-    <dgm:fillClrLst>
-      <a:schemeClr val="accent4">
-        <a:tint val="40000"/>
-        <a:alpha val="90000"/>
-      </a:schemeClr>
-      <a:schemeClr val="accent5">
-        <a:tint val="40000"/>
-        <a:alpha val="90000"/>
-      </a:schemeClr>
-    </dgm:fillClrLst>
-    <dgm:linClrLst>
-      <a:schemeClr val="accent4">
-        <a:tint val="40000"/>
-        <a:alpha val="90000"/>
-      </a:schemeClr>
-      <a:schemeClr val="accent5">
-        <a:tint val="40000"/>
-        <a:alpha val="90000"/>
-      </a:schemeClr>
-    </dgm:linClrLst>
-    <dgm:effectClrLst/>
-    <dgm:txLinClrLst/>
-    <dgm:txFillClrLst meth="repeat">
-      <a:schemeClr val="dk1"/>
-    </dgm:txFillClrLst>
-    <dgm:txEffectClrLst/>
-  </dgm:styleLbl>
-  <dgm:styleLbl name="alignAccFollowNode1">
-    <dgm:fillClrLst>
-      <a:schemeClr val="accent4">
-        <a:tint val="40000"/>
-        <a:alpha val="90000"/>
-      </a:schemeClr>
-      <a:schemeClr val="accent5">
-        <a:tint val="40000"/>
-        <a:alpha val="90000"/>
-      </a:schemeClr>
-    </dgm:fillClrLst>
-    <dgm:linClrLst>
-      <a:schemeClr val="accent4">
-        <a:tint val="40000"/>
-        <a:alpha val="90000"/>
-      </a:schemeClr>
-      <a:schemeClr val="accent5">
-        <a:tint val="40000"/>
-        <a:alpha val="90000"/>
-      </a:schemeClr>
-    </dgm:linClrLst>
-    <dgm:effectClrLst/>
-    <dgm:txLinClrLst/>
-    <dgm:txFillClrLst meth="repeat">
-      <a:schemeClr val="dk1"/>
-    </dgm:txFillClrLst>
-    <dgm:txEffectClrLst/>
-  </dgm:styleLbl>
-  <dgm:styleLbl name="bgAccFollowNode1">
-    <dgm:fillClrLst>
-      <a:schemeClr val="accent4">
-        <a:tint val="40000"/>
-        <a:alpha val="90000"/>
-      </a:schemeClr>
-      <a:schemeClr val="accent5">
-        <a:tint val="40000"/>
-        <a:alpha val="90000"/>
-      </a:schemeClr>
-    </dgm:fillClrLst>
-    <dgm:linClrLst>
-      <a:schemeClr val="accent4">
-        <a:tint val="40000"/>
-        <a:alpha val="90000"/>
-      </a:schemeClr>
-      <a:schemeClr val="accent5">
-        <a:tint val="40000"/>
-        <a:alpha val="90000"/>
-      </a:schemeClr>
-    </dgm:linClrLst>
-    <dgm:effectClrLst/>
-    <dgm:txLinClrLst/>
-    <dgm:txFillClrLst meth="repeat">
-      <a:schemeClr val="dk1"/>
-    </dgm:txFillClrLst>
-    <dgm:txEffectClrLst/>
-  </dgm:styleLbl>
-  <dgm:styleLbl name="fgAcc0">
-    <dgm:fillClrLst meth="repeat">
-      <a:schemeClr val="lt1">
-        <a:alpha val="90000"/>
-      </a:schemeClr>
-    </dgm:fillClrLst>
-    <dgm:linClrLst>
-      <a:schemeClr val="accent3"/>
-    </dgm:linClrLst>
-    <dgm:effectClrLst/>
-    <dgm:txLinClrLst/>
-    <dgm:txFillClrLst meth="repeat">
-      <a:schemeClr val="dk1"/>
-    </dgm:txFillClrLst>
-    <dgm:txEffectClrLst/>
-  </dgm:styleLbl>
-  <dgm:styleLbl name="fgAcc2">
-    <dgm:fillClrLst meth="repeat">
-      <a:schemeClr val="lt1">
-        <a:alpha val="90000"/>
-      </a:schemeClr>
-    </dgm:fillClrLst>
-    <dgm:linClrLst>
-      <a:schemeClr val="accent5"/>
-    </dgm:linClrLst>
-    <dgm:effectClrLst/>
-    <dgm:txLinClrLst/>
-    <dgm:txFillClrLst meth="repeat">
-      <a:schemeClr val="dk1"/>
-    </dgm:txFillClrLst>
-    <dgm:txEffectClrLst/>
-  </dgm:styleLbl>
-  <dgm:styleLbl name="fgAcc3">
-    <dgm:fillClrLst meth="repeat">
-      <a:schemeClr val="lt1">
-        <a:alpha val="90000"/>
-      </a:schemeClr>
-    </dgm:fillClrLst>
-    <dgm:linClrLst>
-      <a:schemeClr val="accent6"/>
-    </dgm:linClrLst>
-    <dgm:effectClrLst/>
-    <dgm:txLinClrLst/>
-    <dgm:txFillClrLst meth="repeat">
-      <a:schemeClr val="dk1"/>
-    </dgm:txFillClrLst>
-    <dgm:txEffectClrLst/>
-  </dgm:styleLbl>
-  <dgm:styleLbl name="fgAcc4">
-    <dgm:fillClrLst meth="repeat">
-      <a:schemeClr val="lt1">
-        <a:alpha val="90000"/>
-      </a:schemeClr>
-    </dgm:fillClrLst>
-    <dgm:linClrLst>
-      <a:schemeClr val="accent1"/>
-    </dgm:linClrLst>
-    <dgm:effectClrLst/>
-    <dgm:txLinClrLst/>
-    <dgm:txFillClrLst meth="repeat">
-      <a:schemeClr val="dk1"/>
-    </dgm:txFillClrLst>
-    <dgm:txEffectClrLst/>
-  </dgm:styleLbl>
-  <dgm:styleLbl name="bgShp">
-    <dgm:fillClrLst meth="repeat">
-      <a:schemeClr val="accent4">
-        <a:tint val="40000"/>
-      </a:schemeClr>
-    </dgm:fillClrLst>
-    <dgm:linClrLst meth="repeat">
-      <a:schemeClr val="dk1"/>
-    </dgm:linClrLst>
-    <dgm:effectClrLst/>
-    <dgm:txLinClrLst/>
-    <dgm:txFillClrLst meth="repeat">
-      <a:schemeClr val="dk1"/>
-    </dgm:txFillClrLst>
-    <dgm:txEffectClrLst/>
-  </dgm:styleLbl>
-  <dgm:styleLbl name="dkBgShp">
-    <dgm:fillClrLst meth="repeat">
-      <a:schemeClr val="accent4">
-        <a:shade val="90000"/>
-      </a:schemeClr>
-    </dgm:fillClrLst>
-    <dgm:linClrLst meth="repeat">
-      <a:schemeClr val="dk1"/>
-    </dgm:linClrLst>
-    <dgm:effectClrLst/>
-    <dgm:txLinClrLst/>
-    <dgm:txFillClrLst meth="repeat">
-      <a:schemeClr val="lt1"/>
-    </dgm:txFillClrLst>
-    <dgm:txEffectClrLst/>
-  </dgm:styleLbl>
-  <dgm:styleLbl name="trBgShp">
-    <dgm:fillClrLst meth="repeat">
-      <a:schemeClr val="accent4">
-        <a:tint val="50000"/>
-        <a:alpha val="40000"/>
-      </a:schemeClr>
-    </dgm:fillClrLst>
-    <dgm:linClrLst meth="repeat">
-      <a:schemeClr val="accent4"/>
-    </dgm:linClrLst>
-    <dgm:effectClrLst/>
-    <dgm:txLinClrLst/>
-    <dgm:txFillClrLst meth="repeat">
-      <a:schemeClr val="lt1"/>
-    </dgm:txFillClrLst>
-    <dgm:txEffectClrLst/>
-  </dgm:styleLbl>
-  <dgm:styleLbl name="fgShp">
-    <dgm:fillClrLst meth="repeat">
-      <a:schemeClr val="accent4">
-        <a:tint val="40000"/>
-      </a:schemeClr>
-    </dgm:fillClrLst>
-    <dgm:linClrLst meth="repeat">
-      <a:schemeClr val="lt1"/>
-    </dgm:linClrLst>
-    <dgm:effectClrLst/>
-    <dgm:txLinClrLst/>
-    <dgm:txFillClrLst meth="repeat">
-      <a:schemeClr val="dk1"/>
-    </dgm:txFillClrLst>
-    <dgm:txEffectClrLst/>
-  </dgm:styleLbl>
-  <dgm:styleLbl name="revTx">
-    <dgm:fillClrLst meth="repeat">
-      <a:schemeClr val="lt1">
-        <a:alpha val="0"/>
-      </a:schemeClr>
-    </dgm:fillClrLst>
-    <dgm:linClrLst meth="repeat">
-      <a:schemeClr val="dk1">
-        <a:alpha val="0"/>
-      </a:schemeClr>
-    </dgm:linClrLst>
-    <dgm:effectClrLst/>
-    <dgm:txLinClrLst/>
-    <dgm:txFillClrLst meth="repeat">
-      <a:schemeClr val="tx1"/>
-    </dgm:txFillClrLst>
-    <dgm:txEffectClrLst/>
-  </dgm:styleLbl>
-</dgm:colorsDef>
-</file>
-
 <file path=ppt/diagrams/data1.xml><?xml version="1.0" encoding="utf-8"?>
-<dgm:dataModel xmlns:dgm="http://schemas.openxmlformats.org/drawingml/2006/diagram" xmlns:a="http://schemas.openxmlformats.org/drawingml/2006/main">
-  <dgm:ptLst>
-    <dgm:pt modelId="{56738DC1-17EF-4071-8620-55377F99DD98}" type="doc">
-      <dgm:prSet loTypeId="urn:microsoft.com/office/officeart/2005/8/layout/hierarchy2" loCatId="hierarchy" qsTypeId="urn:microsoft.com/office/officeart/2005/8/quickstyle/simple1" qsCatId="simple" csTypeId="urn:microsoft.com/office/officeart/2005/8/colors/colorful4" csCatId="colorful" phldr="1"/>
-      <dgm:spPr/>
-      <dgm:t>
-        <a:bodyPr/>
-        <a:lstStyle/>
-        <a:p>
-          <a:endParaRPr lang="en-US"/>
-        </a:p>
-      </dgm:t>
-    </dgm:pt>
-    <dgm:pt modelId="{7ECDDD2A-5CA9-4D1A-AF4D-5307444302B8}">
-      <dgm:prSet phldrT="[Text]"/>
-      <dgm:spPr>
-        <a:solidFill>
-          <a:srgbClr val="7030A0"/>
-        </a:solidFill>
-      </dgm:spPr>
-      <dgm:t>
-        <a:bodyPr/>
-        <a:lstStyle/>
-        <a:p>
-          <a:r>
-            <a:rPr lang="en-US" dirty="0"/>
-            <a:t>Instructions</a:t>
-          </a:r>
-        </a:p>
-      </dgm:t>
-    </dgm:pt>
-    <dgm:pt modelId="{8BF07107-E8F6-4009-8019-EB7DBBE1AE77}" type="parTrans" cxnId="{E1C6F667-582E-4FA8-BEC9-ADC1392F4FCD}">
-      <dgm:prSet/>
-      <dgm:spPr/>
-      <dgm:t>
-        <a:bodyPr/>
-        <a:lstStyle/>
-        <a:p>
-          <a:endParaRPr lang="en-US"/>
-        </a:p>
-      </dgm:t>
-    </dgm:pt>
-    <dgm:pt modelId="{BB0A6DFA-6AC2-449E-BFE7-DE0188397108}" type="sibTrans" cxnId="{E1C6F667-582E-4FA8-BEC9-ADC1392F4FCD}">
-      <dgm:prSet/>
-      <dgm:spPr/>
-      <dgm:t>
-        <a:bodyPr/>
-        <a:lstStyle/>
-        <a:p>
-          <a:endParaRPr lang="en-US"/>
-        </a:p>
-      </dgm:t>
-    </dgm:pt>
-    <dgm:pt modelId="{3D3E0629-D9C5-4C42-AC8A-255DB1823AB9}">
-      <dgm:prSet phldrT="[Text]"/>
-      <dgm:spPr/>
-      <dgm:t>
-        <a:bodyPr/>
-        <a:lstStyle/>
-        <a:p>
-          <a:r>
-            <a:rPr lang="en-US" dirty="0"/>
-            <a:t>'unsafe-inline'</a:t>
-          </a:r>
-        </a:p>
-      </dgm:t>
-    </dgm:pt>
-    <dgm:pt modelId="{F4E45E71-5DBE-4BF3-A491-829527FEEF4B}" type="parTrans" cxnId="{3ADA3A73-5D2B-430C-BD67-24089AD72E6C}">
-      <dgm:prSet/>
-      <dgm:spPr/>
-      <dgm:t>
-        <a:bodyPr/>
-        <a:lstStyle/>
-        <a:p>
-          <a:endParaRPr lang="en-US"/>
-        </a:p>
-      </dgm:t>
-    </dgm:pt>
-    <dgm:pt modelId="{624D865E-B227-49EC-9E88-C9D34A3E5EAD}" type="sibTrans" cxnId="{3ADA3A73-5D2B-430C-BD67-24089AD72E6C}">
-      <dgm:prSet/>
-      <dgm:spPr/>
-      <dgm:t>
-        <a:bodyPr/>
-        <a:lstStyle/>
-        <a:p>
-          <a:endParaRPr lang="en-US"/>
-        </a:p>
-      </dgm:t>
-    </dgm:pt>
-    <dgm:pt modelId="{8BE5C2A4-4DFE-43F1-B0BC-2B235E3F8542}">
-      <dgm:prSet phldrT="[Text]"/>
-      <dgm:spPr/>
-      <dgm:t>
-        <a:bodyPr/>
-        <a:lstStyle/>
-        <a:p>
-          <a:r>
-            <a:rPr lang="en-US" dirty="0"/>
-            <a:t>'unsafe-eval'</a:t>
-          </a:r>
-        </a:p>
-      </dgm:t>
-    </dgm:pt>
-    <dgm:pt modelId="{8F159BAC-227E-497D-99A3-D0137CBB4000}" type="parTrans" cxnId="{3C41E524-89C6-4069-9AF0-9B546E31099F}">
-      <dgm:prSet/>
-      <dgm:spPr/>
-      <dgm:t>
-        <a:bodyPr/>
-        <a:lstStyle/>
-        <a:p>
-          <a:endParaRPr lang="en-US"/>
-        </a:p>
-      </dgm:t>
-    </dgm:pt>
-    <dgm:pt modelId="{2ADCECC8-D75B-48B7-8090-D29ED1426F53}" type="sibTrans" cxnId="{3C41E524-89C6-4069-9AF0-9B546E31099F}">
-      <dgm:prSet/>
-      <dgm:spPr/>
-      <dgm:t>
-        <a:bodyPr/>
-        <a:lstStyle/>
-        <a:p>
-          <a:endParaRPr lang="en-US"/>
-        </a:p>
-      </dgm:t>
-    </dgm:pt>
-    <dgm:pt modelId="{6F946275-43AF-4BD9-BDE0-0C50C3C06518}">
-      <dgm:prSet phldrT="[Text]"/>
-      <dgm:spPr/>
-      <dgm:t>
-        <a:bodyPr/>
-        <a:lstStyle/>
-        <a:p>
-          <a:r>
-            <a:rPr lang="en-US" dirty="0"/>
-            <a:t>Allow use of dynamic code evaluation such as eval, </a:t>
-          </a:r>
-          <a:r>
-            <a:rPr lang="en-US" dirty="0" err="1"/>
-            <a:t>setTimeout</a:t>
-          </a:r>
-          <a:r>
-            <a:rPr lang="en-US" dirty="0"/>
-            <a:t>(), and </a:t>
-          </a:r>
-          <a:r>
-            <a:rPr lang="en-US" dirty="0" err="1"/>
-            <a:t>window.execScript</a:t>
-          </a:r>
-          <a:r>
-            <a:rPr lang="en-US" dirty="0"/>
-            <a:t>.</a:t>
-          </a:r>
-        </a:p>
-      </dgm:t>
-    </dgm:pt>
-    <dgm:pt modelId="{853679B4-06A1-40D3-9254-D817C6FFC3B7}" type="parTrans" cxnId="{A6F2E55E-3A82-454E-B4BC-BB1AA0CBD9FA}">
-      <dgm:prSet/>
-      <dgm:spPr/>
-      <dgm:t>
-        <a:bodyPr/>
-        <a:lstStyle/>
-        <a:p>
-          <a:endParaRPr lang="en-US"/>
-        </a:p>
-      </dgm:t>
-    </dgm:pt>
-    <dgm:pt modelId="{6A105B10-0CC5-4242-8644-25B9FEC63BD7}" type="sibTrans" cxnId="{A6F2E55E-3A82-454E-B4BC-BB1AA0CBD9FA}">
-      <dgm:prSet/>
-      <dgm:spPr/>
-      <dgm:t>
-        <a:bodyPr/>
-        <a:lstStyle/>
-        <a:p>
-          <a:endParaRPr lang="en-US"/>
-        </a:p>
-      </dgm:t>
-    </dgm:pt>
-    <dgm:pt modelId="{90212228-679B-4785-AD14-74A933C62D23}">
-      <dgm:prSet phldrT="[Text]"/>
-      <dgm:spPr/>
-      <dgm:t>
-        <a:bodyPr/>
-        <a:lstStyle/>
-        <a:p>
-          <a:r>
-            <a:rPr lang="en-US" dirty="0"/>
-            <a:t>Allow use of inline resources.</a:t>
-          </a:r>
-        </a:p>
-      </dgm:t>
-    </dgm:pt>
-    <dgm:pt modelId="{0A3C0635-090B-49F7-8AC0-43015A2E85D3}" type="parTrans" cxnId="{F3AB0425-6BA4-478D-AD7C-82E30369546E}">
-      <dgm:prSet/>
-      <dgm:spPr/>
-      <dgm:t>
-        <a:bodyPr/>
-        <a:lstStyle/>
-        <a:p>
-          <a:endParaRPr lang="en-US"/>
-        </a:p>
-      </dgm:t>
-    </dgm:pt>
-    <dgm:pt modelId="{CA05E7ED-6348-4923-B037-65985B9FB0B7}" type="sibTrans" cxnId="{F3AB0425-6BA4-478D-AD7C-82E30369546E}">
-      <dgm:prSet/>
-      <dgm:spPr/>
-      <dgm:t>
-        <a:bodyPr/>
-        <a:lstStyle/>
-        <a:p>
-          <a:endParaRPr lang="en-US"/>
-        </a:p>
-      </dgm:t>
-    </dgm:pt>
-    <dgm:pt modelId="{DF83D233-9745-44CE-AB80-85ABD1E7398D}">
-      <dgm:prSet phldrT="[Text]"/>
-      <dgm:spPr/>
-      <dgm:t>
-        <a:bodyPr/>
-        <a:lstStyle/>
-        <a:p>
-          <a:r>
-            <a:rPr lang="en-US" dirty="0"/>
-            <a:t>…</a:t>
-          </a:r>
-        </a:p>
-      </dgm:t>
-    </dgm:pt>
-    <dgm:pt modelId="{FC8F3247-2EA3-4C13-8B96-FB72881F8038}" type="parTrans" cxnId="{C8B150D0-745B-4619-9EFF-DBA5D243BB6F}">
-      <dgm:prSet/>
-      <dgm:spPr/>
-      <dgm:t>
-        <a:bodyPr/>
-        <a:lstStyle/>
-        <a:p>
-          <a:endParaRPr lang="en-US"/>
-        </a:p>
-      </dgm:t>
-    </dgm:pt>
-    <dgm:pt modelId="{9F92E182-1BBF-406C-BB0B-8A79AE6929EB}" type="sibTrans" cxnId="{C8B150D0-745B-4619-9EFF-DBA5D243BB6F}">
-      <dgm:prSet/>
-      <dgm:spPr/>
-      <dgm:t>
-        <a:bodyPr/>
-        <a:lstStyle/>
-        <a:p>
-          <a:endParaRPr lang="en-US"/>
-        </a:p>
-      </dgm:t>
-    </dgm:pt>
-    <dgm:pt modelId="{25FCCAD3-88FE-4689-ABCE-673F93777545}" type="pres">
-      <dgm:prSet presAssocID="{56738DC1-17EF-4071-8620-55377F99DD98}" presName="diagram" presStyleCnt="0">
-        <dgm:presLayoutVars>
-          <dgm:chPref val="1"/>
-          <dgm:dir/>
-          <dgm:animOne val="branch"/>
-          <dgm:animLvl val="lvl"/>
-          <dgm:resizeHandles val="exact"/>
-        </dgm:presLayoutVars>
-      </dgm:prSet>
-      <dgm:spPr/>
-    </dgm:pt>
-    <dgm:pt modelId="{BBD14E05-1515-44FD-8EA9-287F578D52AE}" type="pres">
-      <dgm:prSet presAssocID="{7ECDDD2A-5CA9-4D1A-AF4D-5307444302B8}" presName="root1" presStyleCnt="0"/>
-      <dgm:spPr/>
-    </dgm:pt>
-    <dgm:pt modelId="{78B1BA26-D6F5-436A-B29B-DC189135062C}" type="pres">
-      <dgm:prSet presAssocID="{7ECDDD2A-5CA9-4D1A-AF4D-5307444302B8}" presName="LevelOneTextNode" presStyleLbl="node0" presStyleIdx="0" presStyleCnt="1">
-        <dgm:presLayoutVars>
-          <dgm:chPref val="3"/>
-        </dgm:presLayoutVars>
-      </dgm:prSet>
-      <dgm:spPr/>
-    </dgm:pt>
-    <dgm:pt modelId="{CFD4CB91-72B2-408F-ADB5-041E5D123F68}" type="pres">
-      <dgm:prSet presAssocID="{7ECDDD2A-5CA9-4D1A-AF4D-5307444302B8}" presName="level2hierChild" presStyleCnt="0"/>
-      <dgm:spPr/>
-    </dgm:pt>
-    <dgm:pt modelId="{E98D4596-2C23-4212-BECC-9A5AA0E2B0E0}" type="pres">
-      <dgm:prSet presAssocID="{F4E45E71-5DBE-4BF3-A491-829527FEEF4B}" presName="conn2-1" presStyleLbl="parChTrans1D2" presStyleIdx="0" presStyleCnt="3"/>
-      <dgm:spPr/>
-    </dgm:pt>
-    <dgm:pt modelId="{EE0835E5-F47E-48AC-82D2-A49F2AEBCCC7}" type="pres">
-      <dgm:prSet presAssocID="{F4E45E71-5DBE-4BF3-A491-829527FEEF4B}" presName="connTx" presStyleLbl="parChTrans1D2" presStyleIdx="0" presStyleCnt="3"/>
-      <dgm:spPr/>
-    </dgm:pt>
-    <dgm:pt modelId="{2E6F5BD1-9216-4E27-B9A0-AAC63CF576B1}" type="pres">
-      <dgm:prSet presAssocID="{3D3E0629-D9C5-4C42-AC8A-255DB1823AB9}" presName="root2" presStyleCnt="0"/>
-      <dgm:spPr/>
-    </dgm:pt>
-    <dgm:pt modelId="{7F47DA30-5904-4984-A3DA-19A99A833692}" type="pres">
-      <dgm:prSet presAssocID="{3D3E0629-D9C5-4C42-AC8A-255DB1823AB9}" presName="LevelTwoTextNode" presStyleLbl="node2" presStyleIdx="0" presStyleCnt="3">
-        <dgm:presLayoutVars>
-          <dgm:chPref val="3"/>
-        </dgm:presLayoutVars>
-      </dgm:prSet>
-      <dgm:spPr/>
-    </dgm:pt>
-    <dgm:pt modelId="{2F650F34-0BB3-480B-9F27-A23AF27F218F}" type="pres">
-      <dgm:prSet presAssocID="{3D3E0629-D9C5-4C42-AC8A-255DB1823AB9}" presName="level3hierChild" presStyleCnt="0"/>
-      <dgm:spPr/>
-    </dgm:pt>
-    <dgm:pt modelId="{97CA0727-8A14-49C2-9E5B-133578A6FC35}" type="pres">
-      <dgm:prSet presAssocID="{0A3C0635-090B-49F7-8AC0-43015A2E85D3}" presName="conn2-1" presStyleLbl="parChTrans1D3" presStyleIdx="0" presStyleCnt="2"/>
-      <dgm:spPr/>
-    </dgm:pt>
-    <dgm:pt modelId="{AED1E6D4-251F-4D6B-AEEC-7FEEF3EB97A7}" type="pres">
-      <dgm:prSet presAssocID="{0A3C0635-090B-49F7-8AC0-43015A2E85D3}" presName="connTx" presStyleLbl="parChTrans1D3" presStyleIdx="0" presStyleCnt="2"/>
-      <dgm:spPr/>
-    </dgm:pt>
-    <dgm:pt modelId="{8D532C55-E1CC-4B3E-A291-CBEC906FF7E6}" type="pres">
-      <dgm:prSet presAssocID="{90212228-679B-4785-AD14-74A933C62D23}" presName="root2" presStyleCnt="0"/>
-      <dgm:spPr/>
-    </dgm:pt>
-    <dgm:pt modelId="{0314C57B-EF34-41DA-B6D3-D11EB1DEDFAE}" type="pres">
-      <dgm:prSet presAssocID="{90212228-679B-4785-AD14-74A933C62D23}" presName="LevelTwoTextNode" presStyleLbl="node3" presStyleIdx="0" presStyleCnt="2">
-        <dgm:presLayoutVars>
-          <dgm:chPref val="3"/>
-        </dgm:presLayoutVars>
-      </dgm:prSet>
-      <dgm:spPr/>
-    </dgm:pt>
-    <dgm:pt modelId="{CBE9B1CF-E100-4C78-B50F-AAA44EA171B3}" type="pres">
-      <dgm:prSet presAssocID="{90212228-679B-4785-AD14-74A933C62D23}" presName="level3hierChild" presStyleCnt="0"/>
-      <dgm:spPr/>
-    </dgm:pt>
-    <dgm:pt modelId="{5C14B869-C70F-44C2-8224-8BC6A964130C}" type="pres">
-      <dgm:prSet presAssocID="{8F159BAC-227E-497D-99A3-D0137CBB4000}" presName="conn2-1" presStyleLbl="parChTrans1D2" presStyleIdx="1" presStyleCnt="3"/>
-      <dgm:spPr/>
-    </dgm:pt>
-    <dgm:pt modelId="{D69D65CC-0DC7-4A31-BEA3-AB10FC1E2A1E}" type="pres">
-      <dgm:prSet presAssocID="{8F159BAC-227E-497D-99A3-D0137CBB4000}" presName="connTx" presStyleLbl="parChTrans1D2" presStyleIdx="1" presStyleCnt="3"/>
-      <dgm:spPr/>
-    </dgm:pt>
-    <dgm:pt modelId="{11961658-0BB2-4F9A-9A81-893369A00B8A}" type="pres">
-      <dgm:prSet presAssocID="{8BE5C2A4-4DFE-43F1-B0BC-2B235E3F8542}" presName="root2" presStyleCnt="0"/>
-      <dgm:spPr/>
-    </dgm:pt>
-    <dgm:pt modelId="{1E6B0F80-E1CE-47EE-8B05-94CC169D1DC4}" type="pres">
-      <dgm:prSet presAssocID="{8BE5C2A4-4DFE-43F1-B0BC-2B235E3F8542}" presName="LevelTwoTextNode" presStyleLbl="node2" presStyleIdx="1" presStyleCnt="3">
-        <dgm:presLayoutVars>
-          <dgm:chPref val="3"/>
-        </dgm:presLayoutVars>
-      </dgm:prSet>
-      <dgm:spPr/>
-    </dgm:pt>
-    <dgm:pt modelId="{94374B65-AC29-4685-A1F2-1E05D8A23663}" type="pres">
-      <dgm:prSet presAssocID="{8BE5C2A4-4DFE-43F1-B0BC-2B235E3F8542}" presName="level3hierChild" presStyleCnt="0"/>
-      <dgm:spPr/>
-    </dgm:pt>
-    <dgm:pt modelId="{E534B2BD-3AF4-4400-930C-76038EA474BE}" type="pres">
-      <dgm:prSet presAssocID="{853679B4-06A1-40D3-9254-D817C6FFC3B7}" presName="conn2-1" presStyleLbl="parChTrans1D3" presStyleIdx="1" presStyleCnt="2"/>
-      <dgm:spPr/>
-    </dgm:pt>
-    <dgm:pt modelId="{322F4DF9-6822-4E3B-A9B0-BB62C3C75BB4}" type="pres">
-      <dgm:prSet presAssocID="{853679B4-06A1-40D3-9254-D817C6FFC3B7}" presName="connTx" presStyleLbl="parChTrans1D3" presStyleIdx="1" presStyleCnt="2"/>
-      <dgm:spPr/>
-    </dgm:pt>
-    <dgm:pt modelId="{E3DDD11C-B8EA-4B2F-B18A-85C0AC918BB9}" type="pres">
-      <dgm:prSet presAssocID="{6F946275-43AF-4BD9-BDE0-0C50C3C06518}" presName="root2" presStyleCnt="0"/>
-      <dgm:spPr/>
-    </dgm:pt>
-    <dgm:pt modelId="{D1C0CE00-458F-4218-A4CB-BF9DBC6332DB}" type="pres">
-      <dgm:prSet presAssocID="{6F946275-43AF-4BD9-BDE0-0C50C3C06518}" presName="LevelTwoTextNode" presStyleLbl="node3" presStyleIdx="1" presStyleCnt="2">
-        <dgm:presLayoutVars>
-          <dgm:chPref val="3"/>
-        </dgm:presLayoutVars>
-      </dgm:prSet>
-      <dgm:spPr/>
-    </dgm:pt>
-    <dgm:pt modelId="{F10CCABB-63A2-4C06-9F5D-4869120D0B65}" type="pres">
-      <dgm:prSet presAssocID="{6F946275-43AF-4BD9-BDE0-0C50C3C06518}" presName="level3hierChild" presStyleCnt="0"/>
-      <dgm:spPr/>
-    </dgm:pt>
-    <dgm:pt modelId="{D562CA92-51E8-47CF-83C9-898A772ECE61}" type="pres">
-      <dgm:prSet presAssocID="{FC8F3247-2EA3-4C13-8B96-FB72881F8038}" presName="conn2-1" presStyleLbl="parChTrans1D2" presStyleIdx="2" presStyleCnt="3"/>
-      <dgm:spPr/>
-    </dgm:pt>
-    <dgm:pt modelId="{9F51FEB4-32F5-43D6-9A9F-4CD937D938FD}" type="pres">
-      <dgm:prSet presAssocID="{FC8F3247-2EA3-4C13-8B96-FB72881F8038}" presName="connTx" presStyleLbl="parChTrans1D2" presStyleIdx="2" presStyleCnt="3"/>
-      <dgm:spPr/>
-    </dgm:pt>
-    <dgm:pt modelId="{22E95F31-F730-4106-8F39-4B489FF04D4D}" type="pres">
-      <dgm:prSet presAssocID="{DF83D233-9745-44CE-AB80-85ABD1E7398D}" presName="root2" presStyleCnt="0"/>
-      <dgm:spPr/>
-    </dgm:pt>
-    <dgm:pt modelId="{4250CF98-0574-4EC6-874B-A8ED6651D19E}" type="pres">
-      <dgm:prSet presAssocID="{DF83D233-9745-44CE-AB80-85ABD1E7398D}" presName="LevelTwoTextNode" presStyleLbl="node2" presStyleIdx="2" presStyleCnt="3">
-        <dgm:presLayoutVars>
-          <dgm:chPref val="3"/>
-        </dgm:presLayoutVars>
-      </dgm:prSet>
-      <dgm:spPr/>
-    </dgm:pt>
-    <dgm:pt modelId="{24FE8EC3-AEC6-4162-9B33-F155011E51E4}" type="pres">
-      <dgm:prSet presAssocID="{DF83D233-9745-44CE-AB80-85ABD1E7398D}" presName="level3hierChild" presStyleCnt="0"/>
-      <dgm:spPr/>
-    </dgm:pt>
-  </dgm:ptLst>
-  <dgm:cxnLst>
-    <dgm:cxn modelId="{3C41E524-89C6-4069-9AF0-9B546E31099F}" srcId="{7ECDDD2A-5CA9-4D1A-AF4D-5307444302B8}" destId="{8BE5C2A4-4DFE-43F1-B0BC-2B235E3F8542}" srcOrd="1" destOrd="0" parTransId="{8F159BAC-227E-497D-99A3-D0137CBB4000}" sibTransId="{2ADCECC8-D75B-48B7-8090-D29ED1426F53}"/>
-    <dgm:cxn modelId="{F3AB0425-6BA4-478D-AD7C-82E30369546E}" srcId="{3D3E0629-D9C5-4C42-AC8A-255DB1823AB9}" destId="{90212228-679B-4785-AD14-74A933C62D23}" srcOrd="0" destOrd="0" parTransId="{0A3C0635-090B-49F7-8AC0-43015A2E85D3}" sibTransId="{CA05E7ED-6348-4923-B037-65985B9FB0B7}"/>
-    <dgm:cxn modelId="{F0719C2D-D16D-4CCA-91C1-BAC9E4923465}" type="presOf" srcId="{90212228-679B-4785-AD14-74A933C62D23}" destId="{0314C57B-EF34-41DA-B6D3-D11EB1DEDFAE}" srcOrd="0" destOrd="0" presId="urn:microsoft.com/office/officeart/2005/8/layout/hierarchy2"/>
-    <dgm:cxn modelId="{4F1EBF38-9FA8-4F41-B570-2D0CC1E14204}" type="presOf" srcId="{6F946275-43AF-4BD9-BDE0-0C50C3C06518}" destId="{D1C0CE00-458F-4218-A4CB-BF9DBC6332DB}" srcOrd="0" destOrd="0" presId="urn:microsoft.com/office/officeart/2005/8/layout/hierarchy2"/>
-    <dgm:cxn modelId="{A6F2E55E-3A82-454E-B4BC-BB1AA0CBD9FA}" srcId="{8BE5C2A4-4DFE-43F1-B0BC-2B235E3F8542}" destId="{6F946275-43AF-4BD9-BDE0-0C50C3C06518}" srcOrd="0" destOrd="0" parTransId="{853679B4-06A1-40D3-9254-D817C6FFC3B7}" sibTransId="{6A105B10-0CC5-4242-8644-25B9FEC63BD7}"/>
-    <dgm:cxn modelId="{5512505F-C1EE-4364-820C-1B29BD60A7FA}" type="presOf" srcId="{F4E45E71-5DBE-4BF3-A491-829527FEEF4B}" destId="{E98D4596-2C23-4212-BECC-9A5AA0E2B0E0}" srcOrd="0" destOrd="0" presId="urn:microsoft.com/office/officeart/2005/8/layout/hierarchy2"/>
-    <dgm:cxn modelId="{D4709F62-870E-4E32-ADDF-994CD79BC3FC}" type="presOf" srcId="{56738DC1-17EF-4071-8620-55377F99DD98}" destId="{25FCCAD3-88FE-4689-ABCE-673F93777545}" srcOrd="0" destOrd="0" presId="urn:microsoft.com/office/officeart/2005/8/layout/hierarchy2"/>
-    <dgm:cxn modelId="{6EB12066-791F-409C-9C38-FCACA69EA2F5}" type="presOf" srcId="{F4E45E71-5DBE-4BF3-A491-829527FEEF4B}" destId="{EE0835E5-F47E-48AC-82D2-A49F2AEBCCC7}" srcOrd="1" destOrd="0" presId="urn:microsoft.com/office/officeart/2005/8/layout/hierarchy2"/>
-    <dgm:cxn modelId="{E1C6F667-582E-4FA8-BEC9-ADC1392F4FCD}" srcId="{56738DC1-17EF-4071-8620-55377F99DD98}" destId="{7ECDDD2A-5CA9-4D1A-AF4D-5307444302B8}" srcOrd="0" destOrd="0" parTransId="{8BF07107-E8F6-4009-8019-EB7DBBE1AE77}" sibTransId="{BB0A6DFA-6AC2-449E-BFE7-DE0188397108}"/>
-    <dgm:cxn modelId="{D841FE4B-1C24-4BB0-8AA4-9AF4EF19B80C}" type="presOf" srcId="{0A3C0635-090B-49F7-8AC0-43015A2E85D3}" destId="{97CA0727-8A14-49C2-9E5B-133578A6FC35}" srcOrd="0" destOrd="0" presId="urn:microsoft.com/office/officeart/2005/8/layout/hierarchy2"/>
-    <dgm:cxn modelId="{2A7A0172-738A-4356-8D0B-BE5461E0F911}" type="presOf" srcId="{DF83D233-9745-44CE-AB80-85ABD1E7398D}" destId="{4250CF98-0574-4EC6-874B-A8ED6651D19E}" srcOrd="0" destOrd="0" presId="urn:microsoft.com/office/officeart/2005/8/layout/hierarchy2"/>
-    <dgm:cxn modelId="{3ADA3A73-5D2B-430C-BD67-24089AD72E6C}" srcId="{7ECDDD2A-5CA9-4D1A-AF4D-5307444302B8}" destId="{3D3E0629-D9C5-4C42-AC8A-255DB1823AB9}" srcOrd="0" destOrd="0" parTransId="{F4E45E71-5DBE-4BF3-A491-829527FEEF4B}" sibTransId="{624D865E-B227-49EC-9E88-C9D34A3E5EAD}"/>
-    <dgm:cxn modelId="{6C81CF82-7558-496D-88FE-20E3495433FC}" type="presOf" srcId="{8F159BAC-227E-497D-99A3-D0137CBB4000}" destId="{D69D65CC-0DC7-4A31-BEA3-AB10FC1E2A1E}" srcOrd="1" destOrd="0" presId="urn:microsoft.com/office/officeart/2005/8/layout/hierarchy2"/>
-    <dgm:cxn modelId="{E6FDBB91-735D-469F-8CCB-7EF3637C59E9}" type="presOf" srcId="{FC8F3247-2EA3-4C13-8B96-FB72881F8038}" destId="{D562CA92-51E8-47CF-83C9-898A772ECE61}" srcOrd="0" destOrd="0" presId="urn:microsoft.com/office/officeart/2005/8/layout/hierarchy2"/>
-    <dgm:cxn modelId="{A6E0F59A-9BCD-46E6-B694-17917EFCE259}" type="presOf" srcId="{3D3E0629-D9C5-4C42-AC8A-255DB1823AB9}" destId="{7F47DA30-5904-4984-A3DA-19A99A833692}" srcOrd="0" destOrd="0" presId="urn:microsoft.com/office/officeart/2005/8/layout/hierarchy2"/>
-    <dgm:cxn modelId="{8B587D9B-AE0E-4478-A6B8-381BF36BB4A4}" type="presOf" srcId="{0A3C0635-090B-49F7-8AC0-43015A2E85D3}" destId="{AED1E6D4-251F-4D6B-AEEC-7FEEF3EB97A7}" srcOrd="1" destOrd="0" presId="urn:microsoft.com/office/officeart/2005/8/layout/hierarchy2"/>
-    <dgm:cxn modelId="{868B23AB-371C-4A4E-A866-5A08D902A7FB}" type="presOf" srcId="{8BE5C2A4-4DFE-43F1-B0BC-2B235E3F8542}" destId="{1E6B0F80-E1CE-47EE-8B05-94CC169D1DC4}" srcOrd="0" destOrd="0" presId="urn:microsoft.com/office/officeart/2005/8/layout/hierarchy2"/>
-    <dgm:cxn modelId="{789239BD-8497-415A-BBFA-F4877FAA3CD7}" type="presOf" srcId="{FC8F3247-2EA3-4C13-8B96-FB72881F8038}" destId="{9F51FEB4-32F5-43D6-9A9F-4CD937D938FD}" srcOrd="1" destOrd="0" presId="urn:microsoft.com/office/officeart/2005/8/layout/hierarchy2"/>
-    <dgm:cxn modelId="{973B5DBE-5C33-4885-9096-4AABB2B1D736}" type="presOf" srcId="{7ECDDD2A-5CA9-4D1A-AF4D-5307444302B8}" destId="{78B1BA26-D6F5-436A-B29B-DC189135062C}" srcOrd="0" destOrd="0" presId="urn:microsoft.com/office/officeart/2005/8/layout/hierarchy2"/>
-    <dgm:cxn modelId="{C469FCC6-5DB7-472D-9240-8F8EAFB153D0}" type="presOf" srcId="{853679B4-06A1-40D3-9254-D817C6FFC3B7}" destId="{322F4DF9-6822-4E3B-A9B0-BB62C3C75BB4}" srcOrd="1" destOrd="0" presId="urn:microsoft.com/office/officeart/2005/8/layout/hierarchy2"/>
-    <dgm:cxn modelId="{C8B150D0-745B-4619-9EFF-DBA5D243BB6F}" srcId="{7ECDDD2A-5CA9-4D1A-AF4D-5307444302B8}" destId="{DF83D233-9745-44CE-AB80-85ABD1E7398D}" srcOrd="2" destOrd="0" parTransId="{FC8F3247-2EA3-4C13-8B96-FB72881F8038}" sibTransId="{9F92E182-1BBF-406C-BB0B-8A79AE6929EB}"/>
-    <dgm:cxn modelId="{0F178FD3-FF83-40DF-996F-7613C53498CB}" type="presOf" srcId="{853679B4-06A1-40D3-9254-D817C6FFC3B7}" destId="{E534B2BD-3AF4-4400-930C-76038EA474BE}" srcOrd="0" destOrd="0" presId="urn:microsoft.com/office/officeart/2005/8/layout/hierarchy2"/>
-    <dgm:cxn modelId="{FECFEAEB-1780-44A4-8094-B54FF785BEC9}" type="presOf" srcId="{8F159BAC-227E-497D-99A3-D0137CBB4000}" destId="{5C14B869-C70F-44C2-8224-8BC6A964130C}" srcOrd="0" destOrd="0" presId="urn:microsoft.com/office/officeart/2005/8/layout/hierarchy2"/>
-    <dgm:cxn modelId="{706856BA-1E87-407D-91B4-5A770F6910DA}" type="presParOf" srcId="{25FCCAD3-88FE-4689-ABCE-673F93777545}" destId="{BBD14E05-1515-44FD-8EA9-287F578D52AE}" srcOrd="0" destOrd="0" presId="urn:microsoft.com/office/officeart/2005/8/layout/hierarchy2"/>
-    <dgm:cxn modelId="{B86A82BA-C33A-4BE4-88A2-C8D579D7BC17}" type="presParOf" srcId="{BBD14E05-1515-44FD-8EA9-287F578D52AE}" destId="{78B1BA26-D6F5-436A-B29B-DC189135062C}" srcOrd="0" destOrd="0" presId="urn:microsoft.com/office/officeart/2005/8/layout/hierarchy2"/>
-    <dgm:cxn modelId="{08F3ACFC-C8E1-4E4F-8F7E-59C3D290F267}" type="presParOf" srcId="{BBD14E05-1515-44FD-8EA9-287F578D52AE}" destId="{CFD4CB91-72B2-408F-ADB5-041E5D123F68}" srcOrd="1" destOrd="0" presId="urn:microsoft.com/office/officeart/2005/8/layout/hierarchy2"/>
-    <dgm:cxn modelId="{A513B966-E65F-476E-BB70-6A58CB6A6CCA}" type="presParOf" srcId="{CFD4CB91-72B2-408F-ADB5-041E5D123F68}" destId="{E98D4596-2C23-4212-BECC-9A5AA0E2B0E0}" srcOrd="0" destOrd="0" presId="urn:microsoft.com/office/officeart/2005/8/layout/hierarchy2"/>
-    <dgm:cxn modelId="{E206DEBD-C8A4-4D5B-879B-27E0E25FD9E7}" type="presParOf" srcId="{E98D4596-2C23-4212-BECC-9A5AA0E2B0E0}" destId="{EE0835E5-F47E-48AC-82D2-A49F2AEBCCC7}" srcOrd="0" destOrd="0" presId="urn:microsoft.com/office/officeart/2005/8/layout/hierarchy2"/>
-    <dgm:cxn modelId="{20C4C258-D5E2-41D3-A949-3889E1483E62}" type="presParOf" srcId="{CFD4CB91-72B2-408F-ADB5-041E5D123F68}" destId="{2E6F5BD1-9216-4E27-B9A0-AAC63CF576B1}" srcOrd="1" destOrd="0" presId="urn:microsoft.com/office/officeart/2005/8/layout/hierarchy2"/>
-    <dgm:cxn modelId="{D3DFC669-628D-43AE-A4FF-F65065034038}" type="presParOf" srcId="{2E6F5BD1-9216-4E27-B9A0-AAC63CF576B1}" destId="{7F47DA30-5904-4984-A3DA-19A99A833692}" srcOrd="0" destOrd="0" presId="urn:microsoft.com/office/officeart/2005/8/layout/hierarchy2"/>
-    <dgm:cxn modelId="{12BD91BB-3F11-493A-9C6C-62F47E27D226}" type="presParOf" srcId="{2E6F5BD1-9216-4E27-B9A0-AAC63CF576B1}" destId="{2F650F34-0BB3-480B-9F27-A23AF27F218F}" srcOrd="1" destOrd="0" presId="urn:microsoft.com/office/officeart/2005/8/layout/hierarchy2"/>
-    <dgm:cxn modelId="{0A7B8253-4B74-4507-9328-68A3AB18D195}" type="presParOf" srcId="{2F650F34-0BB3-480B-9F27-A23AF27F218F}" destId="{97CA0727-8A14-49C2-9E5B-133578A6FC35}" srcOrd="0" destOrd="0" presId="urn:microsoft.com/office/officeart/2005/8/layout/hierarchy2"/>
-    <dgm:cxn modelId="{E9EA8DFE-4460-4640-BB01-76F5BCAECFA6}" type="presParOf" srcId="{97CA0727-8A14-49C2-9E5B-133578A6FC35}" destId="{AED1E6D4-251F-4D6B-AEEC-7FEEF3EB97A7}" srcOrd="0" destOrd="0" presId="urn:microsoft.com/office/officeart/2005/8/layout/hierarchy2"/>
-    <dgm:cxn modelId="{03992CCA-B374-4DA8-83A3-AC7B36922423}" type="presParOf" srcId="{2F650F34-0BB3-480B-9F27-A23AF27F218F}" destId="{8D532C55-E1CC-4B3E-A291-CBEC906FF7E6}" srcOrd="1" destOrd="0" presId="urn:microsoft.com/office/officeart/2005/8/layout/hierarchy2"/>
-    <dgm:cxn modelId="{6196B8B8-CFFA-4765-9B07-13A5E1074241}" type="presParOf" srcId="{8D532C55-E1CC-4B3E-A291-CBEC906FF7E6}" destId="{0314C57B-EF34-41DA-B6D3-D11EB1DEDFAE}" srcOrd="0" destOrd="0" presId="urn:microsoft.com/office/officeart/2005/8/layout/hierarchy2"/>
-    <dgm:cxn modelId="{7B14F401-1C09-451D-A7F4-CCC00A0FFA2E}" type="presParOf" srcId="{8D532C55-E1CC-4B3E-A291-CBEC906FF7E6}" destId="{CBE9B1CF-E100-4C78-B50F-AAA44EA171B3}" srcOrd="1" destOrd="0" presId="urn:microsoft.com/office/officeart/2005/8/layout/hierarchy2"/>
-    <dgm:cxn modelId="{BED21C39-819D-40B5-8EFD-CB506D94A6FF}" type="presParOf" srcId="{CFD4CB91-72B2-408F-ADB5-041E5D123F68}" destId="{5C14B869-C70F-44C2-8224-8BC6A964130C}" srcOrd="2" destOrd="0" presId="urn:microsoft.com/office/officeart/2005/8/layout/hierarchy2"/>
-    <dgm:cxn modelId="{932F88DE-C5BE-46B4-B942-74D5CBD23E71}" type="presParOf" srcId="{5C14B869-C70F-44C2-8224-8BC6A964130C}" destId="{D69D65CC-0DC7-4A31-BEA3-AB10FC1E2A1E}" srcOrd="0" destOrd="0" presId="urn:microsoft.com/office/officeart/2005/8/layout/hierarchy2"/>
-    <dgm:cxn modelId="{B1E0E8AF-86E3-4621-BDA0-535CCCBA0E19}" type="presParOf" srcId="{CFD4CB91-72B2-408F-ADB5-041E5D123F68}" destId="{11961658-0BB2-4F9A-9A81-893369A00B8A}" srcOrd="3" destOrd="0" presId="urn:microsoft.com/office/officeart/2005/8/layout/hierarchy2"/>
-    <dgm:cxn modelId="{3CA3AF3C-AD0C-4D73-BE13-366F00843E4A}" type="presParOf" srcId="{11961658-0BB2-4F9A-9A81-893369A00B8A}" destId="{1E6B0F80-E1CE-47EE-8B05-94CC169D1DC4}" srcOrd="0" destOrd="0" presId="urn:microsoft.com/office/officeart/2005/8/layout/hierarchy2"/>
-    <dgm:cxn modelId="{5655DDEA-E82E-4127-91EF-92A4971650F1}" type="presParOf" srcId="{11961658-0BB2-4F9A-9A81-893369A00B8A}" destId="{94374B65-AC29-4685-A1F2-1E05D8A23663}" srcOrd="1" destOrd="0" presId="urn:microsoft.com/office/officeart/2005/8/layout/hierarchy2"/>
-    <dgm:cxn modelId="{9A416FAD-2B0B-4C08-94A0-CDBCAEED973D}" type="presParOf" srcId="{94374B65-AC29-4685-A1F2-1E05D8A23663}" destId="{E534B2BD-3AF4-4400-930C-76038EA474BE}" srcOrd="0" destOrd="0" presId="urn:microsoft.com/office/officeart/2005/8/layout/hierarchy2"/>
-    <dgm:cxn modelId="{FC1843D0-DAAB-4D6B-B59B-343E99A0BAF3}" type="presParOf" srcId="{E534B2BD-3AF4-4400-930C-76038EA474BE}" destId="{322F4DF9-6822-4E3B-A9B0-BB62C3C75BB4}" srcOrd="0" destOrd="0" presId="urn:microsoft.com/office/officeart/2005/8/layout/hierarchy2"/>
-    <dgm:cxn modelId="{23258334-2AE4-4318-97EF-8B464B02A76B}" type="presParOf" srcId="{94374B65-AC29-4685-A1F2-1E05D8A23663}" destId="{E3DDD11C-B8EA-4B2F-B18A-85C0AC918BB9}" srcOrd="1" destOrd="0" presId="urn:microsoft.com/office/officeart/2005/8/layout/hierarchy2"/>
-    <dgm:cxn modelId="{6F0AD52A-B7F3-4282-B0DB-A3EEE83D8F9C}" type="presParOf" srcId="{E3DDD11C-B8EA-4B2F-B18A-85C0AC918BB9}" destId="{D1C0CE00-458F-4218-A4CB-BF9DBC6332DB}" srcOrd="0" destOrd="0" presId="urn:microsoft.com/office/officeart/2005/8/layout/hierarchy2"/>
-    <dgm:cxn modelId="{2BF18E88-BDD2-4577-AF05-D2193FEF7692}" type="presParOf" srcId="{E3DDD11C-B8EA-4B2F-B18A-85C0AC918BB9}" destId="{F10CCABB-63A2-4C06-9F5D-4869120D0B65}" srcOrd="1" destOrd="0" presId="urn:microsoft.com/office/officeart/2005/8/layout/hierarchy2"/>
-    <dgm:cxn modelId="{81C78BAE-853C-45D5-878E-A5C666B370C4}" type="presParOf" srcId="{CFD4CB91-72B2-408F-ADB5-041E5D123F68}" destId="{D562CA92-51E8-47CF-83C9-898A772ECE61}" srcOrd="4" destOrd="0" presId="urn:microsoft.com/office/officeart/2005/8/layout/hierarchy2"/>
-    <dgm:cxn modelId="{9B086EE3-9639-4B34-80FA-9CDC7ECCDE30}" type="presParOf" srcId="{D562CA92-51E8-47CF-83C9-898A772ECE61}" destId="{9F51FEB4-32F5-43D6-9A9F-4CD937D938FD}" srcOrd="0" destOrd="0" presId="urn:microsoft.com/office/officeart/2005/8/layout/hierarchy2"/>
-    <dgm:cxn modelId="{D2D5457D-E809-4293-A964-2B8F3B349D3D}" type="presParOf" srcId="{CFD4CB91-72B2-408F-ADB5-041E5D123F68}" destId="{22E95F31-F730-4106-8F39-4B489FF04D4D}" srcOrd="5" destOrd="0" presId="urn:microsoft.com/office/officeart/2005/8/layout/hierarchy2"/>
-    <dgm:cxn modelId="{12D8C91F-F524-48BF-98C0-D3394760E331}" type="presParOf" srcId="{22E95F31-F730-4106-8F39-4B489FF04D4D}" destId="{4250CF98-0574-4EC6-874B-A8ED6651D19E}" srcOrd="0" destOrd="0" presId="urn:microsoft.com/office/officeart/2005/8/layout/hierarchy2"/>
-    <dgm:cxn modelId="{904B696E-ED8C-4C74-B4CC-F28D66CF476B}" type="presParOf" srcId="{22E95F31-F730-4106-8F39-4B489FF04D4D}" destId="{24FE8EC3-AEC6-4162-9B33-F155011E51E4}" srcOrd="1" destOrd="0" presId="urn:microsoft.com/office/officeart/2005/8/layout/hierarchy2"/>
-  </dgm:cxnLst>
-  <dgm:bg/>
-  <dgm:whole/>
-  <dgm:extLst>
-    <a:ext uri="http://schemas.microsoft.com/office/drawing/2008/diagram">
-      <dsp:dataModelExt xmlns:dsp="http://schemas.microsoft.com/office/drawing/2008/diagram" relId="rId6" minVer="http://schemas.openxmlformats.org/drawingml/2006/diagram"/>
-    </a:ext>
-  </dgm:extLst>
-</dgm:dataModel>
-</file>
-
-<file path=ppt/diagrams/data2.xml><?xml version="1.0" encoding="utf-8"?>
 <dgm:dataModel xmlns:dgm="http://schemas.openxmlformats.org/drawingml/2006/diagram" xmlns:a="http://schemas.openxmlformats.org/drawingml/2006/main">
   <dgm:ptLst>
     <dgm:pt modelId="{BF4A6149-2F61-4E8E-BDB2-261B27A18963}" type="doc">
@@ -5279,909 +4123,6 @@
       <dsp:cNvGrpSpPr/>
     </dsp:nvGrpSpPr>
     <dsp:grpSpPr/>
-    <dsp:sp modelId="{78B1BA26-D6F5-436A-B29B-DC189135062C}">
-      <dsp:nvSpPr>
-        <dsp:cNvPr id="0" name=""/>
-        <dsp:cNvSpPr/>
-      </dsp:nvSpPr>
-      <dsp:spPr>
-        <a:xfrm>
-          <a:off x="2116" y="2174875"/>
-          <a:ext cx="2137833" cy="1068916"/>
-        </a:xfrm>
-        <a:prstGeom prst="roundRect">
-          <a:avLst>
-            <a:gd name="adj" fmla="val 10000"/>
-          </a:avLst>
-        </a:prstGeom>
-        <a:solidFill>
-          <a:srgbClr val="7030A0"/>
-        </a:solidFill>
-        <a:ln w="12700" cap="flat" cmpd="sng" algn="ctr">
-          <a:solidFill>
-            <a:schemeClr val="lt1">
-              <a:hueOff val="0"/>
-              <a:satOff val="0"/>
-              <a:lumOff val="0"/>
-              <a:alphaOff val="0"/>
-            </a:schemeClr>
-          </a:solidFill>
-          <a:prstDash val="solid"/>
-          <a:miter lim="800000"/>
-        </a:ln>
-        <a:effectLst/>
-      </dsp:spPr>
-      <dsp:style>
-        <a:lnRef idx="2">
-          <a:scrgbClr r="0" g="0" b="0"/>
-        </a:lnRef>
-        <a:fillRef idx="1">
-          <a:scrgbClr r="0" g="0" b="0"/>
-        </a:fillRef>
-        <a:effectRef idx="0">
-          <a:scrgbClr r="0" g="0" b="0"/>
-        </a:effectRef>
-        <a:fontRef idx="minor">
-          <a:schemeClr val="lt1"/>
-        </a:fontRef>
-      </dsp:style>
-      <dsp:txBody>
-        <a:bodyPr spcFirstLastPara="0" vert="horz" wrap="square" lIns="9525" tIns="9525" rIns="9525" bIns="9525" numCol="1" spcCol="1270" anchor="ctr" anchorCtr="0">
-          <a:noAutofit/>
-        </a:bodyPr>
-        <a:lstStyle/>
-        <a:p>
-          <a:pPr marL="0" lvl="0" indent="0" algn="ctr" defTabSz="666750">
-            <a:lnSpc>
-              <a:spcPct val="90000"/>
-            </a:lnSpc>
-            <a:spcBef>
-              <a:spcPct val="0"/>
-            </a:spcBef>
-            <a:spcAft>
-              <a:spcPct val="35000"/>
-            </a:spcAft>
-            <a:buNone/>
-          </a:pPr>
-          <a:r>
-            <a:rPr lang="en-US" sz="1500" kern="1200" dirty="0"/>
-            <a:t>Instructions</a:t>
-          </a:r>
-        </a:p>
-      </dsp:txBody>
-      <dsp:txXfrm>
-        <a:off x="33423" y="2206182"/>
-        <a:ext cx="2075219" cy="1006302"/>
-      </dsp:txXfrm>
-    </dsp:sp>
-    <dsp:sp modelId="{E98D4596-2C23-4212-BECC-9A5AA0E2B0E0}">
-      <dsp:nvSpPr>
-        <dsp:cNvPr id="0" name=""/>
-        <dsp:cNvSpPr/>
-      </dsp:nvSpPr>
-      <dsp:spPr>
-        <a:xfrm rot="18289469">
-          <a:off x="1818797" y="2076952"/>
-          <a:ext cx="1497437" cy="35507"/>
-        </a:xfrm>
-        <a:custGeom>
-          <a:avLst/>
-          <a:gdLst/>
-          <a:ahLst/>
-          <a:cxnLst/>
-          <a:rect l="0" t="0" r="0" b="0"/>
-          <a:pathLst>
-            <a:path>
-              <a:moveTo>
-                <a:pt x="0" y="17753"/>
-              </a:moveTo>
-              <a:lnTo>
-                <a:pt x="1497437" y="17753"/>
-              </a:lnTo>
-            </a:path>
-          </a:pathLst>
-        </a:custGeom>
-        <a:noFill/>
-        <a:ln w="12700" cap="flat" cmpd="sng" algn="ctr">
-          <a:solidFill>
-            <a:schemeClr val="accent5">
-              <a:hueOff val="0"/>
-              <a:satOff val="0"/>
-              <a:lumOff val="0"/>
-              <a:alphaOff val="0"/>
-            </a:schemeClr>
-          </a:solidFill>
-          <a:prstDash val="solid"/>
-          <a:miter lim="800000"/>
-        </a:ln>
-        <a:effectLst/>
-      </dsp:spPr>
-      <dsp:style>
-        <a:lnRef idx="2">
-          <a:scrgbClr r="0" g="0" b="0"/>
-        </a:lnRef>
-        <a:fillRef idx="0">
-          <a:scrgbClr r="0" g="0" b="0"/>
-        </a:fillRef>
-        <a:effectRef idx="0">
-          <a:scrgbClr r="0" g="0" b="0"/>
-        </a:effectRef>
-        <a:fontRef idx="minor"/>
-      </dsp:style>
-      <dsp:txBody>
-        <a:bodyPr spcFirstLastPara="0" vert="horz" wrap="square" lIns="12700" tIns="0" rIns="12700" bIns="0" numCol="1" spcCol="1270" anchor="ctr" anchorCtr="0">
-          <a:noAutofit/>
-        </a:bodyPr>
-        <a:lstStyle/>
-        <a:p>
-          <a:pPr marL="0" lvl="0" indent="0" algn="ctr" defTabSz="222250">
-            <a:lnSpc>
-              <a:spcPct val="90000"/>
-            </a:lnSpc>
-            <a:spcBef>
-              <a:spcPct val="0"/>
-            </a:spcBef>
-            <a:spcAft>
-              <a:spcPct val="35000"/>
-            </a:spcAft>
-            <a:buNone/>
-          </a:pPr>
-          <a:endParaRPr lang="en-US" sz="500" kern="1200"/>
-        </a:p>
-      </dsp:txBody>
-      <dsp:txXfrm>
-        <a:off x="2530080" y="2057270"/>
-        <a:ext cx="74871" cy="74871"/>
-      </dsp:txXfrm>
-    </dsp:sp>
-    <dsp:sp modelId="{7F47DA30-5904-4984-A3DA-19A99A833692}">
-      <dsp:nvSpPr>
-        <dsp:cNvPr id="0" name=""/>
-        <dsp:cNvSpPr/>
-      </dsp:nvSpPr>
-      <dsp:spPr>
-        <a:xfrm>
-          <a:off x="2995083" y="945620"/>
-          <a:ext cx="2137833" cy="1068916"/>
-        </a:xfrm>
-        <a:prstGeom prst="roundRect">
-          <a:avLst>
-            <a:gd name="adj" fmla="val 10000"/>
-          </a:avLst>
-        </a:prstGeom>
-        <a:solidFill>
-          <a:schemeClr val="accent5">
-            <a:hueOff val="0"/>
-            <a:satOff val="0"/>
-            <a:lumOff val="0"/>
-            <a:alphaOff val="0"/>
-          </a:schemeClr>
-        </a:solidFill>
-        <a:ln w="12700" cap="flat" cmpd="sng" algn="ctr">
-          <a:solidFill>
-            <a:schemeClr val="lt1">
-              <a:hueOff val="0"/>
-              <a:satOff val="0"/>
-              <a:lumOff val="0"/>
-              <a:alphaOff val="0"/>
-            </a:schemeClr>
-          </a:solidFill>
-          <a:prstDash val="solid"/>
-          <a:miter lim="800000"/>
-        </a:ln>
-        <a:effectLst/>
-      </dsp:spPr>
-      <dsp:style>
-        <a:lnRef idx="2">
-          <a:scrgbClr r="0" g="0" b="0"/>
-        </a:lnRef>
-        <a:fillRef idx="1">
-          <a:scrgbClr r="0" g="0" b="0"/>
-        </a:fillRef>
-        <a:effectRef idx="0">
-          <a:scrgbClr r="0" g="0" b="0"/>
-        </a:effectRef>
-        <a:fontRef idx="minor">
-          <a:schemeClr val="lt1"/>
-        </a:fontRef>
-      </dsp:style>
-      <dsp:txBody>
-        <a:bodyPr spcFirstLastPara="0" vert="horz" wrap="square" lIns="9525" tIns="9525" rIns="9525" bIns="9525" numCol="1" spcCol="1270" anchor="ctr" anchorCtr="0">
-          <a:noAutofit/>
-        </a:bodyPr>
-        <a:lstStyle/>
-        <a:p>
-          <a:pPr marL="0" lvl="0" indent="0" algn="ctr" defTabSz="666750">
-            <a:lnSpc>
-              <a:spcPct val="90000"/>
-            </a:lnSpc>
-            <a:spcBef>
-              <a:spcPct val="0"/>
-            </a:spcBef>
-            <a:spcAft>
-              <a:spcPct val="35000"/>
-            </a:spcAft>
-            <a:buNone/>
-          </a:pPr>
-          <a:r>
-            <a:rPr lang="en-US" sz="1500" kern="1200" dirty="0"/>
-            <a:t>'unsafe-inline'</a:t>
-          </a:r>
-        </a:p>
-      </dsp:txBody>
-      <dsp:txXfrm>
-        <a:off x="3026390" y="976927"/>
-        <a:ext cx="2075219" cy="1006302"/>
-      </dsp:txXfrm>
-    </dsp:sp>
-    <dsp:sp modelId="{97CA0727-8A14-49C2-9E5B-133578A6FC35}">
-      <dsp:nvSpPr>
-        <dsp:cNvPr id="0" name=""/>
-        <dsp:cNvSpPr/>
-      </dsp:nvSpPr>
-      <dsp:spPr>
-        <a:xfrm>
-          <a:off x="5132916" y="1462325"/>
-          <a:ext cx="855133" cy="35507"/>
-        </a:xfrm>
-        <a:custGeom>
-          <a:avLst/>
-          <a:gdLst/>
-          <a:ahLst/>
-          <a:cxnLst/>
-          <a:rect l="0" t="0" r="0" b="0"/>
-          <a:pathLst>
-            <a:path>
-              <a:moveTo>
-                <a:pt x="0" y="17753"/>
-              </a:moveTo>
-              <a:lnTo>
-                <a:pt x="855133" y="17753"/>
-              </a:lnTo>
-            </a:path>
-          </a:pathLst>
-        </a:custGeom>
-        <a:noFill/>
-        <a:ln w="12700" cap="flat" cmpd="sng" algn="ctr">
-          <a:solidFill>
-            <a:schemeClr val="accent6">
-              <a:hueOff val="0"/>
-              <a:satOff val="0"/>
-              <a:lumOff val="0"/>
-              <a:alphaOff val="0"/>
-            </a:schemeClr>
-          </a:solidFill>
-          <a:prstDash val="solid"/>
-          <a:miter lim="800000"/>
-        </a:ln>
-        <a:effectLst/>
-      </dsp:spPr>
-      <dsp:style>
-        <a:lnRef idx="2">
-          <a:scrgbClr r="0" g="0" b="0"/>
-        </a:lnRef>
-        <a:fillRef idx="0">
-          <a:scrgbClr r="0" g="0" b="0"/>
-        </a:fillRef>
-        <a:effectRef idx="0">
-          <a:scrgbClr r="0" g="0" b="0"/>
-        </a:effectRef>
-        <a:fontRef idx="minor"/>
-      </dsp:style>
-      <dsp:txBody>
-        <a:bodyPr spcFirstLastPara="0" vert="horz" wrap="square" lIns="12700" tIns="0" rIns="12700" bIns="0" numCol="1" spcCol="1270" anchor="ctr" anchorCtr="0">
-          <a:noAutofit/>
-        </a:bodyPr>
-        <a:lstStyle/>
-        <a:p>
-          <a:pPr marL="0" lvl="0" indent="0" algn="ctr" defTabSz="222250">
-            <a:lnSpc>
-              <a:spcPct val="90000"/>
-            </a:lnSpc>
-            <a:spcBef>
-              <a:spcPct val="0"/>
-            </a:spcBef>
-            <a:spcAft>
-              <a:spcPct val="35000"/>
-            </a:spcAft>
-            <a:buNone/>
-          </a:pPr>
-          <a:endParaRPr lang="en-US" sz="500" kern="1200"/>
-        </a:p>
-      </dsp:txBody>
-      <dsp:txXfrm>
-        <a:off x="5539105" y="1458700"/>
-        <a:ext cx="42756" cy="42756"/>
-      </dsp:txXfrm>
-    </dsp:sp>
-    <dsp:sp modelId="{0314C57B-EF34-41DA-B6D3-D11EB1DEDFAE}">
-      <dsp:nvSpPr>
-        <dsp:cNvPr id="0" name=""/>
-        <dsp:cNvSpPr/>
-      </dsp:nvSpPr>
-      <dsp:spPr>
-        <a:xfrm>
-          <a:off x="5988050" y="945620"/>
-          <a:ext cx="2137833" cy="1068916"/>
-        </a:xfrm>
-        <a:prstGeom prst="roundRect">
-          <a:avLst>
-            <a:gd name="adj" fmla="val 10000"/>
-          </a:avLst>
-        </a:prstGeom>
-        <a:solidFill>
-          <a:schemeClr val="accent6">
-            <a:hueOff val="0"/>
-            <a:satOff val="0"/>
-            <a:lumOff val="0"/>
-            <a:alphaOff val="0"/>
-          </a:schemeClr>
-        </a:solidFill>
-        <a:ln w="12700" cap="flat" cmpd="sng" algn="ctr">
-          <a:solidFill>
-            <a:schemeClr val="lt1">
-              <a:hueOff val="0"/>
-              <a:satOff val="0"/>
-              <a:lumOff val="0"/>
-              <a:alphaOff val="0"/>
-            </a:schemeClr>
-          </a:solidFill>
-          <a:prstDash val="solid"/>
-          <a:miter lim="800000"/>
-        </a:ln>
-        <a:effectLst/>
-      </dsp:spPr>
-      <dsp:style>
-        <a:lnRef idx="2">
-          <a:scrgbClr r="0" g="0" b="0"/>
-        </a:lnRef>
-        <a:fillRef idx="1">
-          <a:scrgbClr r="0" g="0" b="0"/>
-        </a:fillRef>
-        <a:effectRef idx="0">
-          <a:scrgbClr r="0" g="0" b="0"/>
-        </a:effectRef>
-        <a:fontRef idx="minor">
-          <a:schemeClr val="lt1"/>
-        </a:fontRef>
-      </dsp:style>
-      <dsp:txBody>
-        <a:bodyPr spcFirstLastPara="0" vert="horz" wrap="square" lIns="9525" tIns="9525" rIns="9525" bIns="9525" numCol="1" spcCol="1270" anchor="ctr" anchorCtr="0">
-          <a:noAutofit/>
-        </a:bodyPr>
-        <a:lstStyle/>
-        <a:p>
-          <a:pPr marL="0" lvl="0" indent="0" algn="ctr" defTabSz="666750">
-            <a:lnSpc>
-              <a:spcPct val="90000"/>
-            </a:lnSpc>
-            <a:spcBef>
-              <a:spcPct val="0"/>
-            </a:spcBef>
-            <a:spcAft>
-              <a:spcPct val="35000"/>
-            </a:spcAft>
-            <a:buNone/>
-          </a:pPr>
-          <a:r>
-            <a:rPr lang="en-US" sz="1500" kern="1200" dirty="0"/>
-            <a:t>Allow use of inline resources.</a:t>
-          </a:r>
-        </a:p>
-      </dsp:txBody>
-      <dsp:txXfrm>
-        <a:off x="6019357" y="976927"/>
-        <a:ext cx="2075219" cy="1006302"/>
-      </dsp:txXfrm>
-    </dsp:sp>
-    <dsp:sp modelId="{5C14B869-C70F-44C2-8224-8BC6A964130C}">
-      <dsp:nvSpPr>
-        <dsp:cNvPr id="0" name=""/>
-        <dsp:cNvSpPr/>
-      </dsp:nvSpPr>
-      <dsp:spPr>
-        <a:xfrm>
-          <a:off x="2139949" y="2691579"/>
-          <a:ext cx="855133" cy="35507"/>
-        </a:xfrm>
-        <a:custGeom>
-          <a:avLst/>
-          <a:gdLst/>
-          <a:ahLst/>
-          <a:cxnLst/>
-          <a:rect l="0" t="0" r="0" b="0"/>
-          <a:pathLst>
-            <a:path>
-              <a:moveTo>
-                <a:pt x="0" y="17753"/>
-              </a:moveTo>
-              <a:lnTo>
-                <a:pt x="855133" y="17753"/>
-              </a:lnTo>
-            </a:path>
-          </a:pathLst>
-        </a:custGeom>
-        <a:noFill/>
-        <a:ln w="12700" cap="flat" cmpd="sng" algn="ctr">
-          <a:solidFill>
-            <a:schemeClr val="accent5">
-              <a:hueOff val="0"/>
-              <a:satOff val="0"/>
-              <a:lumOff val="0"/>
-              <a:alphaOff val="0"/>
-            </a:schemeClr>
-          </a:solidFill>
-          <a:prstDash val="solid"/>
-          <a:miter lim="800000"/>
-        </a:ln>
-        <a:effectLst/>
-      </dsp:spPr>
-      <dsp:style>
-        <a:lnRef idx="2">
-          <a:scrgbClr r="0" g="0" b="0"/>
-        </a:lnRef>
-        <a:fillRef idx="0">
-          <a:scrgbClr r="0" g="0" b="0"/>
-        </a:fillRef>
-        <a:effectRef idx="0">
-          <a:scrgbClr r="0" g="0" b="0"/>
-        </a:effectRef>
-        <a:fontRef idx="minor"/>
-      </dsp:style>
-      <dsp:txBody>
-        <a:bodyPr spcFirstLastPara="0" vert="horz" wrap="square" lIns="12700" tIns="0" rIns="12700" bIns="0" numCol="1" spcCol="1270" anchor="ctr" anchorCtr="0">
-          <a:noAutofit/>
-        </a:bodyPr>
-        <a:lstStyle/>
-        <a:p>
-          <a:pPr marL="0" lvl="0" indent="0" algn="ctr" defTabSz="222250">
-            <a:lnSpc>
-              <a:spcPct val="90000"/>
-            </a:lnSpc>
-            <a:spcBef>
-              <a:spcPct val="0"/>
-            </a:spcBef>
-            <a:spcAft>
-              <a:spcPct val="35000"/>
-            </a:spcAft>
-            <a:buNone/>
-          </a:pPr>
-          <a:endParaRPr lang="en-US" sz="500" kern="1200"/>
-        </a:p>
-      </dsp:txBody>
-      <dsp:txXfrm>
-        <a:off x="2546138" y="2687955"/>
-        <a:ext cx="42756" cy="42756"/>
-      </dsp:txXfrm>
-    </dsp:sp>
-    <dsp:sp modelId="{1E6B0F80-E1CE-47EE-8B05-94CC169D1DC4}">
-      <dsp:nvSpPr>
-        <dsp:cNvPr id="0" name=""/>
-        <dsp:cNvSpPr/>
-      </dsp:nvSpPr>
-      <dsp:spPr>
-        <a:xfrm>
-          <a:off x="2995083" y="2174875"/>
-          <a:ext cx="2137833" cy="1068916"/>
-        </a:xfrm>
-        <a:prstGeom prst="roundRect">
-          <a:avLst>
-            <a:gd name="adj" fmla="val 10000"/>
-          </a:avLst>
-        </a:prstGeom>
-        <a:solidFill>
-          <a:schemeClr val="accent5">
-            <a:hueOff val="0"/>
-            <a:satOff val="0"/>
-            <a:lumOff val="0"/>
-            <a:alphaOff val="0"/>
-          </a:schemeClr>
-        </a:solidFill>
-        <a:ln w="12700" cap="flat" cmpd="sng" algn="ctr">
-          <a:solidFill>
-            <a:schemeClr val="lt1">
-              <a:hueOff val="0"/>
-              <a:satOff val="0"/>
-              <a:lumOff val="0"/>
-              <a:alphaOff val="0"/>
-            </a:schemeClr>
-          </a:solidFill>
-          <a:prstDash val="solid"/>
-          <a:miter lim="800000"/>
-        </a:ln>
-        <a:effectLst/>
-      </dsp:spPr>
-      <dsp:style>
-        <a:lnRef idx="2">
-          <a:scrgbClr r="0" g="0" b="0"/>
-        </a:lnRef>
-        <a:fillRef idx="1">
-          <a:scrgbClr r="0" g="0" b="0"/>
-        </a:fillRef>
-        <a:effectRef idx="0">
-          <a:scrgbClr r="0" g="0" b="0"/>
-        </a:effectRef>
-        <a:fontRef idx="minor">
-          <a:schemeClr val="lt1"/>
-        </a:fontRef>
-      </dsp:style>
-      <dsp:txBody>
-        <a:bodyPr spcFirstLastPara="0" vert="horz" wrap="square" lIns="9525" tIns="9525" rIns="9525" bIns="9525" numCol="1" spcCol="1270" anchor="ctr" anchorCtr="0">
-          <a:noAutofit/>
-        </a:bodyPr>
-        <a:lstStyle/>
-        <a:p>
-          <a:pPr marL="0" lvl="0" indent="0" algn="ctr" defTabSz="666750">
-            <a:lnSpc>
-              <a:spcPct val="90000"/>
-            </a:lnSpc>
-            <a:spcBef>
-              <a:spcPct val="0"/>
-            </a:spcBef>
-            <a:spcAft>
-              <a:spcPct val="35000"/>
-            </a:spcAft>
-            <a:buNone/>
-          </a:pPr>
-          <a:r>
-            <a:rPr lang="en-US" sz="1500" kern="1200" dirty="0"/>
-            <a:t>'unsafe-eval'</a:t>
-          </a:r>
-        </a:p>
-      </dsp:txBody>
-      <dsp:txXfrm>
-        <a:off x="3026390" y="2206182"/>
-        <a:ext cx="2075219" cy="1006302"/>
-      </dsp:txXfrm>
-    </dsp:sp>
-    <dsp:sp modelId="{E534B2BD-3AF4-4400-930C-76038EA474BE}">
-      <dsp:nvSpPr>
-        <dsp:cNvPr id="0" name=""/>
-        <dsp:cNvSpPr/>
-      </dsp:nvSpPr>
-      <dsp:spPr>
-        <a:xfrm>
-          <a:off x="5132916" y="2691579"/>
-          <a:ext cx="855133" cy="35507"/>
-        </a:xfrm>
-        <a:custGeom>
-          <a:avLst/>
-          <a:gdLst/>
-          <a:ahLst/>
-          <a:cxnLst/>
-          <a:rect l="0" t="0" r="0" b="0"/>
-          <a:pathLst>
-            <a:path>
-              <a:moveTo>
-                <a:pt x="0" y="17753"/>
-              </a:moveTo>
-              <a:lnTo>
-                <a:pt x="855133" y="17753"/>
-              </a:lnTo>
-            </a:path>
-          </a:pathLst>
-        </a:custGeom>
-        <a:noFill/>
-        <a:ln w="12700" cap="flat" cmpd="sng" algn="ctr">
-          <a:solidFill>
-            <a:schemeClr val="accent6">
-              <a:hueOff val="0"/>
-              <a:satOff val="0"/>
-              <a:lumOff val="0"/>
-              <a:alphaOff val="0"/>
-            </a:schemeClr>
-          </a:solidFill>
-          <a:prstDash val="solid"/>
-          <a:miter lim="800000"/>
-        </a:ln>
-        <a:effectLst/>
-      </dsp:spPr>
-      <dsp:style>
-        <a:lnRef idx="2">
-          <a:scrgbClr r="0" g="0" b="0"/>
-        </a:lnRef>
-        <a:fillRef idx="0">
-          <a:scrgbClr r="0" g="0" b="0"/>
-        </a:fillRef>
-        <a:effectRef idx="0">
-          <a:scrgbClr r="0" g="0" b="0"/>
-        </a:effectRef>
-        <a:fontRef idx="minor"/>
-      </dsp:style>
-      <dsp:txBody>
-        <a:bodyPr spcFirstLastPara="0" vert="horz" wrap="square" lIns="12700" tIns="0" rIns="12700" bIns="0" numCol="1" spcCol="1270" anchor="ctr" anchorCtr="0">
-          <a:noAutofit/>
-        </a:bodyPr>
-        <a:lstStyle/>
-        <a:p>
-          <a:pPr marL="0" lvl="0" indent="0" algn="ctr" defTabSz="222250">
-            <a:lnSpc>
-              <a:spcPct val="90000"/>
-            </a:lnSpc>
-            <a:spcBef>
-              <a:spcPct val="0"/>
-            </a:spcBef>
-            <a:spcAft>
-              <a:spcPct val="35000"/>
-            </a:spcAft>
-            <a:buNone/>
-          </a:pPr>
-          <a:endParaRPr lang="en-US" sz="500" kern="1200"/>
-        </a:p>
-      </dsp:txBody>
-      <dsp:txXfrm>
-        <a:off x="5539105" y="2687955"/>
-        <a:ext cx="42756" cy="42756"/>
-      </dsp:txXfrm>
-    </dsp:sp>
-    <dsp:sp modelId="{D1C0CE00-458F-4218-A4CB-BF9DBC6332DB}">
-      <dsp:nvSpPr>
-        <dsp:cNvPr id="0" name=""/>
-        <dsp:cNvSpPr/>
-      </dsp:nvSpPr>
-      <dsp:spPr>
-        <a:xfrm>
-          <a:off x="5988050" y="2174875"/>
-          <a:ext cx="2137833" cy="1068916"/>
-        </a:xfrm>
-        <a:prstGeom prst="roundRect">
-          <a:avLst>
-            <a:gd name="adj" fmla="val 10000"/>
-          </a:avLst>
-        </a:prstGeom>
-        <a:solidFill>
-          <a:schemeClr val="accent6">
-            <a:hueOff val="0"/>
-            <a:satOff val="0"/>
-            <a:lumOff val="0"/>
-            <a:alphaOff val="0"/>
-          </a:schemeClr>
-        </a:solidFill>
-        <a:ln w="12700" cap="flat" cmpd="sng" algn="ctr">
-          <a:solidFill>
-            <a:schemeClr val="lt1">
-              <a:hueOff val="0"/>
-              <a:satOff val="0"/>
-              <a:lumOff val="0"/>
-              <a:alphaOff val="0"/>
-            </a:schemeClr>
-          </a:solidFill>
-          <a:prstDash val="solid"/>
-          <a:miter lim="800000"/>
-        </a:ln>
-        <a:effectLst/>
-      </dsp:spPr>
-      <dsp:style>
-        <a:lnRef idx="2">
-          <a:scrgbClr r="0" g="0" b="0"/>
-        </a:lnRef>
-        <a:fillRef idx="1">
-          <a:scrgbClr r="0" g="0" b="0"/>
-        </a:fillRef>
-        <a:effectRef idx="0">
-          <a:scrgbClr r="0" g="0" b="0"/>
-        </a:effectRef>
-        <a:fontRef idx="minor">
-          <a:schemeClr val="lt1"/>
-        </a:fontRef>
-      </dsp:style>
-      <dsp:txBody>
-        <a:bodyPr spcFirstLastPara="0" vert="horz" wrap="square" lIns="9525" tIns="9525" rIns="9525" bIns="9525" numCol="1" spcCol="1270" anchor="ctr" anchorCtr="0">
-          <a:noAutofit/>
-        </a:bodyPr>
-        <a:lstStyle/>
-        <a:p>
-          <a:pPr marL="0" lvl="0" indent="0" algn="ctr" defTabSz="666750">
-            <a:lnSpc>
-              <a:spcPct val="90000"/>
-            </a:lnSpc>
-            <a:spcBef>
-              <a:spcPct val="0"/>
-            </a:spcBef>
-            <a:spcAft>
-              <a:spcPct val="35000"/>
-            </a:spcAft>
-            <a:buNone/>
-          </a:pPr>
-          <a:r>
-            <a:rPr lang="en-US" sz="1500" kern="1200" dirty="0"/>
-            <a:t>Allow use of dynamic code evaluation such as eval, </a:t>
-          </a:r>
-          <a:r>
-            <a:rPr lang="en-US" sz="1500" kern="1200" dirty="0" err="1"/>
-            <a:t>setTimeout</a:t>
-          </a:r>
-          <a:r>
-            <a:rPr lang="en-US" sz="1500" kern="1200" dirty="0"/>
-            <a:t>(), and </a:t>
-          </a:r>
-          <a:r>
-            <a:rPr lang="en-US" sz="1500" kern="1200" dirty="0" err="1"/>
-            <a:t>window.execScript</a:t>
-          </a:r>
-          <a:r>
-            <a:rPr lang="en-US" sz="1500" kern="1200" dirty="0"/>
-            <a:t>.</a:t>
-          </a:r>
-        </a:p>
-      </dsp:txBody>
-      <dsp:txXfrm>
-        <a:off x="6019357" y="2206182"/>
-        <a:ext cx="2075219" cy="1006302"/>
-      </dsp:txXfrm>
-    </dsp:sp>
-    <dsp:sp modelId="{D562CA92-51E8-47CF-83C9-898A772ECE61}">
-      <dsp:nvSpPr>
-        <dsp:cNvPr id="0" name=""/>
-        <dsp:cNvSpPr/>
-      </dsp:nvSpPr>
-      <dsp:spPr>
-        <a:xfrm rot="3310531">
-          <a:off x="1818797" y="3306206"/>
-          <a:ext cx="1497437" cy="35507"/>
-        </a:xfrm>
-        <a:custGeom>
-          <a:avLst/>
-          <a:gdLst/>
-          <a:ahLst/>
-          <a:cxnLst/>
-          <a:rect l="0" t="0" r="0" b="0"/>
-          <a:pathLst>
-            <a:path>
-              <a:moveTo>
-                <a:pt x="0" y="17753"/>
-              </a:moveTo>
-              <a:lnTo>
-                <a:pt x="1497437" y="17753"/>
-              </a:lnTo>
-            </a:path>
-          </a:pathLst>
-        </a:custGeom>
-        <a:noFill/>
-        <a:ln w="12700" cap="flat" cmpd="sng" algn="ctr">
-          <a:solidFill>
-            <a:schemeClr val="accent5">
-              <a:hueOff val="0"/>
-              <a:satOff val="0"/>
-              <a:lumOff val="0"/>
-              <a:alphaOff val="0"/>
-            </a:schemeClr>
-          </a:solidFill>
-          <a:prstDash val="solid"/>
-          <a:miter lim="800000"/>
-        </a:ln>
-        <a:effectLst/>
-      </dsp:spPr>
-      <dsp:style>
-        <a:lnRef idx="2">
-          <a:scrgbClr r="0" g="0" b="0"/>
-        </a:lnRef>
-        <a:fillRef idx="0">
-          <a:scrgbClr r="0" g="0" b="0"/>
-        </a:fillRef>
-        <a:effectRef idx="0">
-          <a:scrgbClr r="0" g="0" b="0"/>
-        </a:effectRef>
-        <a:fontRef idx="minor"/>
-      </dsp:style>
-      <dsp:txBody>
-        <a:bodyPr spcFirstLastPara="0" vert="horz" wrap="square" lIns="12700" tIns="0" rIns="12700" bIns="0" numCol="1" spcCol="1270" anchor="ctr" anchorCtr="0">
-          <a:noAutofit/>
-        </a:bodyPr>
-        <a:lstStyle/>
-        <a:p>
-          <a:pPr marL="0" lvl="0" indent="0" algn="ctr" defTabSz="222250">
-            <a:lnSpc>
-              <a:spcPct val="90000"/>
-            </a:lnSpc>
-            <a:spcBef>
-              <a:spcPct val="0"/>
-            </a:spcBef>
-            <a:spcAft>
-              <a:spcPct val="35000"/>
-            </a:spcAft>
-            <a:buNone/>
-          </a:pPr>
-          <a:endParaRPr lang="en-US" sz="500" kern="1200"/>
-        </a:p>
-      </dsp:txBody>
-      <dsp:txXfrm>
-        <a:off x="2530080" y="3286524"/>
-        <a:ext cx="74871" cy="74871"/>
-      </dsp:txXfrm>
-    </dsp:sp>
-    <dsp:sp modelId="{4250CF98-0574-4EC6-874B-A8ED6651D19E}">
-      <dsp:nvSpPr>
-        <dsp:cNvPr id="0" name=""/>
-        <dsp:cNvSpPr/>
-      </dsp:nvSpPr>
-      <dsp:spPr>
-        <a:xfrm>
-          <a:off x="2995083" y="3404129"/>
-          <a:ext cx="2137833" cy="1068916"/>
-        </a:xfrm>
-        <a:prstGeom prst="roundRect">
-          <a:avLst>
-            <a:gd name="adj" fmla="val 10000"/>
-          </a:avLst>
-        </a:prstGeom>
-        <a:solidFill>
-          <a:schemeClr val="accent5">
-            <a:hueOff val="0"/>
-            <a:satOff val="0"/>
-            <a:lumOff val="0"/>
-            <a:alphaOff val="0"/>
-          </a:schemeClr>
-        </a:solidFill>
-        <a:ln w="12700" cap="flat" cmpd="sng" algn="ctr">
-          <a:solidFill>
-            <a:schemeClr val="lt1">
-              <a:hueOff val="0"/>
-              <a:satOff val="0"/>
-              <a:lumOff val="0"/>
-              <a:alphaOff val="0"/>
-            </a:schemeClr>
-          </a:solidFill>
-          <a:prstDash val="solid"/>
-          <a:miter lim="800000"/>
-        </a:ln>
-        <a:effectLst/>
-      </dsp:spPr>
-      <dsp:style>
-        <a:lnRef idx="2">
-          <a:scrgbClr r="0" g="0" b="0"/>
-        </a:lnRef>
-        <a:fillRef idx="1">
-          <a:scrgbClr r="0" g="0" b="0"/>
-        </a:fillRef>
-        <a:effectRef idx="0">
-          <a:scrgbClr r="0" g="0" b="0"/>
-        </a:effectRef>
-        <a:fontRef idx="minor">
-          <a:schemeClr val="lt1"/>
-        </a:fontRef>
-      </dsp:style>
-      <dsp:txBody>
-        <a:bodyPr spcFirstLastPara="0" vert="horz" wrap="square" lIns="9525" tIns="9525" rIns="9525" bIns="9525" numCol="1" spcCol="1270" anchor="ctr" anchorCtr="0">
-          <a:noAutofit/>
-        </a:bodyPr>
-        <a:lstStyle/>
-        <a:p>
-          <a:pPr marL="0" lvl="0" indent="0" algn="ctr" defTabSz="666750">
-            <a:lnSpc>
-              <a:spcPct val="90000"/>
-            </a:lnSpc>
-            <a:spcBef>
-              <a:spcPct val="0"/>
-            </a:spcBef>
-            <a:spcAft>
-              <a:spcPct val="35000"/>
-            </a:spcAft>
-            <a:buNone/>
-          </a:pPr>
-          <a:r>
-            <a:rPr lang="en-US" sz="1500" kern="1200" dirty="0"/>
-            <a:t>…</a:t>
-          </a:r>
-        </a:p>
-      </dsp:txBody>
-      <dsp:txXfrm>
-        <a:off x="3026390" y="3435436"/>
-        <a:ext cx="2075219" cy="1006302"/>
-      </dsp:txXfrm>
-    </dsp:sp>
-  </dsp:spTree>
-</dsp:drawing>
-</file>
-
-<file path=ppt/diagrams/drawing2.xml><?xml version="1.0" encoding="utf-8"?>
-<dsp:drawing xmlns:dgm="http://schemas.openxmlformats.org/drawingml/2006/diagram" xmlns:dsp="http://schemas.microsoft.com/office/drawing/2008/diagram" xmlns:a="http://schemas.openxmlformats.org/drawingml/2006/main">
-  <dsp:spTree>
-    <dsp:nvGrpSpPr>
-      <dsp:cNvPr id="0" name=""/>
-      <dsp:cNvGrpSpPr/>
-    </dsp:nvGrpSpPr>
-    <dsp:grpSpPr/>
     <dsp:sp modelId="{85E93853-836A-4862-8F1C-89852BF1E35F}">
       <dsp:nvSpPr>
         <dsp:cNvPr id="0" name=""/>
@@ -6825,326 +4766,6 @@
 </file>
 
 <file path=ppt/diagrams/layout1.xml><?xml version="1.0" encoding="utf-8"?>
-<dgm:layoutDef xmlns:dgm="http://schemas.openxmlformats.org/drawingml/2006/diagram" xmlns:a="http://schemas.openxmlformats.org/drawingml/2006/main" uniqueId="urn:microsoft.com/office/officeart/2005/8/layout/hierarchy2">
-  <dgm:title val=""/>
-  <dgm:desc val=""/>
-  <dgm:catLst>
-    <dgm:cat type="hierarchy" pri="5000"/>
-  </dgm:catLst>
-  <dgm:sampData>
-    <dgm:dataModel>
-      <dgm:ptLst>
-        <dgm:pt modelId="0" type="doc"/>
-        <dgm:pt modelId="1">
-          <dgm:prSet phldr="1"/>
-        </dgm:pt>
-        <dgm:pt modelId="2">
-          <dgm:prSet phldr="1"/>
-        </dgm:pt>
-        <dgm:pt modelId="21">
-          <dgm:prSet phldr="1"/>
-        </dgm:pt>
-        <dgm:pt modelId="22">
-          <dgm:prSet phldr="1"/>
-        </dgm:pt>
-        <dgm:pt modelId="3">
-          <dgm:prSet phldr="1"/>
-        </dgm:pt>
-        <dgm:pt modelId="31">
-          <dgm:prSet phldr="1"/>
-        </dgm:pt>
-      </dgm:ptLst>
-      <dgm:cxnLst>
-        <dgm:cxn modelId="4" srcId="0" destId="1" srcOrd="0" destOrd="0"/>
-        <dgm:cxn modelId="5" srcId="1" destId="2" srcOrd="0" destOrd="0"/>
-        <dgm:cxn modelId="6" srcId="1" destId="3" srcOrd="1" destOrd="0"/>
-        <dgm:cxn modelId="23" srcId="2" destId="21" srcOrd="0" destOrd="0"/>
-        <dgm:cxn modelId="24" srcId="2" destId="22" srcOrd="1" destOrd="0"/>
-        <dgm:cxn modelId="33" srcId="3" destId="31" srcOrd="0" destOrd="0"/>
-      </dgm:cxnLst>
-      <dgm:bg/>
-      <dgm:whole/>
-    </dgm:dataModel>
-  </dgm:sampData>
-  <dgm:styleData>
-    <dgm:dataModel>
-      <dgm:ptLst>
-        <dgm:pt modelId="0" type="doc"/>
-        <dgm:pt modelId="1"/>
-        <dgm:pt modelId="11"/>
-        <dgm:pt modelId="12"/>
-      </dgm:ptLst>
-      <dgm:cxnLst>
-        <dgm:cxn modelId="2" srcId="0" destId="1" srcOrd="0" destOrd="0"/>
-        <dgm:cxn modelId="13" srcId="1" destId="11" srcOrd="0" destOrd="0"/>
-        <dgm:cxn modelId="14" srcId="1" destId="12" srcOrd="1" destOrd="0"/>
-      </dgm:cxnLst>
-      <dgm:bg/>
-      <dgm:whole/>
-    </dgm:dataModel>
-  </dgm:styleData>
-  <dgm:clrData>
-    <dgm:dataModel>
-      <dgm:ptLst>
-        <dgm:pt modelId="0" type="doc"/>
-        <dgm:pt modelId="1"/>
-        <dgm:pt modelId="2"/>
-        <dgm:pt modelId="21"/>
-        <dgm:pt modelId="211"/>
-        <dgm:pt modelId="3"/>
-        <dgm:pt modelId="31"/>
-        <dgm:pt modelId="311"/>
-      </dgm:ptLst>
-      <dgm:cxnLst>
-        <dgm:cxn modelId="4" srcId="0" destId="1" srcOrd="0" destOrd="0"/>
-        <dgm:cxn modelId="5" srcId="1" destId="2" srcOrd="0" destOrd="0"/>
-        <dgm:cxn modelId="6" srcId="1" destId="3" srcOrd="1" destOrd="0"/>
-        <dgm:cxn modelId="23" srcId="2" destId="21" srcOrd="0" destOrd="0"/>
-        <dgm:cxn modelId="24" srcId="21" destId="211" srcOrd="0" destOrd="0"/>
-        <dgm:cxn modelId="33" srcId="3" destId="31" srcOrd="0" destOrd="0"/>
-        <dgm:cxn modelId="34" srcId="31" destId="311" srcOrd="0" destOrd="0"/>
-      </dgm:cxnLst>
-      <dgm:bg/>
-      <dgm:whole/>
-    </dgm:dataModel>
-  </dgm:clrData>
-  <dgm:layoutNode name="diagram">
-    <dgm:varLst>
-      <dgm:chPref val="1"/>
-      <dgm:dir/>
-      <dgm:animOne val="branch"/>
-      <dgm:animLvl val="lvl"/>
-      <dgm:resizeHandles val="exact"/>
-    </dgm:varLst>
-    <dgm:choose name="Name0">
-      <dgm:if name="Name1" func="var" arg="dir" op="equ" val="norm">
-        <dgm:alg type="hierChild">
-          <dgm:param type="linDir" val="fromT"/>
-          <dgm:param type="chAlign" val="l"/>
-        </dgm:alg>
-      </dgm:if>
-      <dgm:else name="Name2">
-        <dgm:alg type="hierChild">
-          <dgm:param type="linDir" val="fromT"/>
-          <dgm:param type="chAlign" val="r"/>
-        </dgm:alg>
-      </dgm:else>
-    </dgm:choose>
-    <dgm:shape xmlns:r="http://schemas.openxmlformats.org/officeDocument/2006/relationships" r:blip="">
-      <dgm:adjLst/>
-    </dgm:shape>
-    <dgm:presOf/>
-    <dgm:constrLst>
-      <dgm:constr type="h" for="des" ptType="node" refType="h"/>
-      <dgm:constr type="w" for="des" ptType="node" refType="h" refFor="des" refPtType="node" fact="2"/>
-      <dgm:constr type="sibSp" refType="h" refFor="des" refPtType="node" op="equ" fact="0.15"/>
-      <dgm:constr type="sibSp" for="des" forName="level2hierChild" refType="h" refFor="des" refPtType="node" op="equ" fact="0.15"/>
-      <dgm:constr type="sibSp" for="des" forName="level3hierChild" refType="h" refFor="des" refPtType="node" op="equ" fact="0.15"/>
-      <dgm:constr type="sp" for="des" forName="root1" refType="w" refFor="des" refPtType="node" fact="0.4"/>
-      <dgm:constr type="sp" for="des" forName="root2" refType="sp" refFor="des" refForName="root1" op="equ"/>
-      <dgm:constr type="primFontSz" for="des" ptType="node" op="equ" val="65"/>
-      <dgm:constr type="primFontSz" for="des" forName="connTx" op="equ" val="55"/>
-      <dgm:constr type="primFontSz" for="des" forName="connTx" refType="primFontSz" refFor="des" refPtType="node" op="lte" fact="0.8"/>
-    </dgm:constrLst>
-    <dgm:ruleLst/>
-    <dgm:forEach name="Name3" axis="ch">
-      <dgm:forEach name="Name4" axis="self" ptType="node">
-        <dgm:layoutNode name="root1">
-          <dgm:choose name="Name5">
-            <dgm:if name="Name6" func="var" arg="dir" op="equ" val="norm">
-              <dgm:alg type="hierRoot">
-                <dgm:param type="hierAlign" val="lCtrCh"/>
-              </dgm:alg>
-            </dgm:if>
-            <dgm:else name="Name7">
-              <dgm:alg type="hierRoot">
-                <dgm:param type="hierAlign" val="rCtrCh"/>
-              </dgm:alg>
-            </dgm:else>
-          </dgm:choose>
-          <dgm:shape xmlns:r="http://schemas.openxmlformats.org/officeDocument/2006/relationships" r:blip="">
-            <dgm:adjLst/>
-          </dgm:shape>
-          <dgm:presOf/>
-          <dgm:constrLst/>
-          <dgm:ruleLst/>
-          <dgm:layoutNode name="LevelOneTextNode" styleLbl="node0">
-            <dgm:varLst>
-              <dgm:chPref val="3"/>
-            </dgm:varLst>
-            <dgm:alg type="tx"/>
-            <dgm:shape xmlns:r="http://schemas.openxmlformats.org/officeDocument/2006/relationships" type="roundRect" r:blip="">
-              <dgm:adjLst>
-                <dgm:adj idx="1" val="0.1"/>
-              </dgm:adjLst>
-            </dgm:shape>
-            <dgm:presOf axis="self"/>
-            <dgm:constrLst>
-              <dgm:constr type="tMarg" refType="primFontSz" fact="0.05"/>
-              <dgm:constr type="bMarg" refType="primFontSz" fact="0.05"/>
-              <dgm:constr type="lMarg" refType="primFontSz" fact="0.05"/>
-              <dgm:constr type="rMarg" refType="primFontSz" fact="0.05"/>
-            </dgm:constrLst>
-            <dgm:ruleLst>
-              <dgm:rule type="primFontSz" val="5" fact="NaN" max="NaN"/>
-            </dgm:ruleLst>
-          </dgm:layoutNode>
-          <dgm:layoutNode name="level2hierChild">
-            <dgm:choose name="Name8">
-              <dgm:if name="Name9" func="var" arg="dir" op="equ" val="norm">
-                <dgm:alg type="hierChild">
-                  <dgm:param type="linDir" val="fromT"/>
-                  <dgm:param type="chAlign" val="l"/>
-                </dgm:alg>
-              </dgm:if>
-              <dgm:else name="Name10">
-                <dgm:alg type="hierChild">
-                  <dgm:param type="linDir" val="fromT"/>
-                  <dgm:param type="chAlign" val="r"/>
-                </dgm:alg>
-              </dgm:else>
-            </dgm:choose>
-            <dgm:shape xmlns:r="http://schemas.openxmlformats.org/officeDocument/2006/relationships" r:blip="">
-              <dgm:adjLst/>
-            </dgm:shape>
-            <dgm:presOf/>
-            <dgm:constrLst/>
-            <dgm:ruleLst/>
-            <dgm:forEach name="repeat" axis="ch">
-              <dgm:forEach name="Name11" axis="self" ptType="parTrans" cnt="1">
-                <dgm:layoutNode name="conn2-1">
-                  <dgm:choose name="Name12">
-                    <dgm:if name="Name13" func="var" arg="dir" op="equ" val="norm">
-                      <dgm:alg type="conn">
-                        <dgm:param type="dim" val="1D"/>
-                        <dgm:param type="begPts" val="midR"/>
-                        <dgm:param type="endPts" val="midL"/>
-                        <dgm:param type="endSty" val="noArr"/>
-                      </dgm:alg>
-                    </dgm:if>
-                    <dgm:else name="Name14">
-                      <dgm:alg type="conn">
-                        <dgm:param type="dim" val="1D"/>
-                        <dgm:param type="begPts" val="midL"/>
-                        <dgm:param type="endPts" val="midR"/>
-                        <dgm:param type="endSty" val="noArr"/>
-                      </dgm:alg>
-                    </dgm:else>
-                  </dgm:choose>
-                  <dgm:shape xmlns:r="http://schemas.openxmlformats.org/officeDocument/2006/relationships" type="conn" r:blip="">
-                    <dgm:adjLst/>
-                  </dgm:shape>
-                  <dgm:presOf axis="self"/>
-                  <dgm:constrLst>
-                    <dgm:constr type="w" val="1"/>
-                    <dgm:constr type="h" val="5"/>
-                    <dgm:constr type="connDist"/>
-                    <dgm:constr type="begPad"/>
-                    <dgm:constr type="endPad"/>
-                    <dgm:constr type="userA" for="ch" refType="connDist"/>
-                  </dgm:constrLst>
-                  <dgm:ruleLst/>
-                  <dgm:layoutNode name="connTx">
-                    <dgm:alg type="tx">
-                      <dgm:param type="autoTxRot" val="grav"/>
-                    </dgm:alg>
-                    <dgm:shape xmlns:r="http://schemas.openxmlformats.org/officeDocument/2006/relationships" type="rect" r:blip="" hideGeom="1">
-                      <dgm:adjLst/>
-                    </dgm:shape>
-                    <dgm:presOf axis="self"/>
-                    <dgm:constrLst>
-                      <dgm:constr type="userA"/>
-                      <dgm:constr type="w" refType="userA" fact="0.05"/>
-                      <dgm:constr type="h" refType="userA" fact="0.05"/>
-                      <dgm:constr type="lMarg" val="1"/>
-                      <dgm:constr type="rMarg" val="1"/>
-                      <dgm:constr type="tMarg"/>
-                      <dgm:constr type="bMarg"/>
-                    </dgm:constrLst>
-                    <dgm:ruleLst>
-                      <dgm:rule type="h" val="NaN" fact="0.25" max="NaN"/>
-                      <dgm:rule type="w" val="NaN" fact="0.8" max="NaN"/>
-                      <dgm:rule type="primFontSz" val="5" fact="NaN" max="NaN"/>
-                    </dgm:ruleLst>
-                  </dgm:layoutNode>
-                </dgm:layoutNode>
-              </dgm:forEach>
-              <dgm:forEach name="Name15" axis="self" ptType="node">
-                <dgm:layoutNode name="root2">
-                  <dgm:choose name="Name16">
-                    <dgm:if name="Name17" func="var" arg="dir" op="equ" val="norm">
-                      <dgm:alg type="hierRoot">
-                        <dgm:param type="hierAlign" val="lCtrCh"/>
-                      </dgm:alg>
-                    </dgm:if>
-                    <dgm:else name="Name18">
-                      <dgm:alg type="hierRoot">
-                        <dgm:param type="hierAlign" val="rCtrCh"/>
-                      </dgm:alg>
-                    </dgm:else>
-                  </dgm:choose>
-                  <dgm:shape xmlns:r="http://schemas.openxmlformats.org/officeDocument/2006/relationships" r:blip="">
-                    <dgm:adjLst/>
-                  </dgm:shape>
-                  <dgm:presOf/>
-                  <dgm:constrLst/>
-                  <dgm:ruleLst/>
-                  <dgm:layoutNode name="LevelTwoTextNode">
-                    <dgm:varLst>
-                      <dgm:chPref val="3"/>
-                    </dgm:varLst>
-                    <dgm:alg type="tx"/>
-                    <dgm:shape xmlns:r="http://schemas.openxmlformats.org/officeDocument/2006/relationships" type="roundRect" r:blip="">
-                      <dgm:adjLst>
-                        <dgm:adj idx="1" val="0.1"/>
-                      </dgm:adjLst>
-                    </dgm:shape>
-                    <dgm:presOf axis="self"/>
-                    <dgm:constrLst>
-                      <dgm:constr type="tMarg" refType="primFontSz" fact="0.05"/>
-                      <dgm:constr type="bMarg" refType="primFontSz" fact="0.05"/>
-                      <dgm:constr type="lMarg" refType="primFontSz" fact="0.05"/>
-                      <dgm:constr type="rMarg" refType="primFontSz" fact="0.05"/>
-                    </dgm:constrLst>
-                    <dgm:ruleLst>
-                      <dgm:rule type="primFontSz" val="5" fact="NaN" max="NaN"/>
-                    </dgm:ruleLst>
-                  </dgm:layoutNode>
-                  <dgm:layoutNode name="level3hierChild">
-                    <dgm:choose name="Name19">
-                      <dgm:if name="Name20" func="var" arg="dir" op="equ" val="norm">
-                        <dgm:alg type="hierChild">
-                          <dgm:param type="linDir" val="fromT"/>
-                          <dgm:param type="chAlign" val="l"/>
-                        </dgm:alg>
-                      </dgm:if>
-                      <dgm:else name="Name21">
-                        <dgm:alg type="hierChild">
-                          <dgm:param type="linDir" val="fromT"/>
-                          <dgm:param type="chAlign" val="r"/>
-                        </dgm:alg>
-                      </dgm:else>
-                    </dgm:choose>
-                    <dgm:shape xmlns:r="http://schemas.openxmlformats.org/officeDocument/2006/relationships" r:blip="">
-                      <dgm:adjLst/>
-                    </dgm:shape>
-                    <dgm:presOf/>
-                    <dgm:constrLst/>
-                    <dgm:ruleLst/>
-                    <dgm:forEach name="Name22" ref="repeat"/>
-                  </dgm:layoutNode>
-                </dgm:layoutNode>
-              </dgm:forEach>
-            </dgm:forEach>
-          </dgm:layoutNode>
-        </dgm:layoutNode>
-      </dgm:forEach>
-    </dgm:forEach>
-  </dgm:layoutNode>
-</dgm:layoutDef>
-</file>
-
-<file path=ppt/diagrams/layout2.xml><?xml version="1.0" encoding="utf-8"?>
 <dgm:layoutDef xmlns:dgm="http://schemas.openxmlformats.org/drawingml/2006/diagram" xmlns:a="http://schemas.openxmlformats.org/drawingml/2006/main" uniqueId="urn:microsoft.com/office/officeart/2008/layout/PictureStrips">
   <dgm:title val=""/>
   <dgm:desc val=""/>
@@ -8373,1040 +5994,6 @@
 </dgm:styleDef>
 </file>
 
-<file path=ppt/diagrams/quickStyle2.xml><?xml version="1.0" encoding="utf-8"?>
-<dgm:styleDef xmlns:dgm="http://schemas.openxmlformats.org/drawingml/2006/diagram" xmlns:a="http://schemas.openxmlformats.org/drawingml/2006/main" uniqueId="urn:microsoft.com/office/officeart/2005/8/quickstyle/simple1">
-  <dgm:title val=""/>
-  <dgm:desc val=""/>
-  <dgm:catLst>
-    <dgm:cat type="simple" pri="10100"/>
-  </dgm:catLst>
-  <dgm:scene3d>
-    <a:camera prst="orthographicFront"/>
-    <a:lightRig rig="threePt" dir="t"/>
-  </dgm:scene3d>
-  <dgm:styleLbl name="node0">
-    <dgm:scene3d>
-      <a:camera prst="orthographicFront"/>
-      <a:lightRig rig="threePt" dir="t"/>
-    </dgm:scene3d>
-    <dgm:sp3d/>
-    <dgm:txPr/>
-    <dgm:style>
-      <a:lnRef idx="2">
-        <a:scrgbClr r="0" g="0" b="0"/>
-      </a:lnRef>
-      <a:fillRef idx="1">
-        <a:scrgbClr r="0" g="0" b="0"/>
-      </a:fillRef>
-      <a:effectRef idx="0">
-        <a:scrgbClr r="0" g="0" b="0"/>
-      </a:effectRef>
-      <a:fontRef idx="minor">
-        <a:schemeClr val="lt1"/>
-      </a:fontRef>
-    </dgm:style>
-  </dgm:styleLbl>
-  <dgm:styleLbl name="lnNode1">
-    <dgm:scene3d>
-      <a:camera prst="orthographicFront"/>
-      <a:lightRig rig="threePt" dir="t"/>
-    </dgm:scene3d>
-    <dgm:sp3d/>
-    <dgm:txPr/>
-    <dgm:style>
-      <a:lnRef idx="2">
-        <a:scrgbClr r="0" g="0" b="0"/>
-      </a:lnRef>
-      <a:fillRef idx="1">
-        <a:scrgbClr r="0" g="0" b="0"/>
-      </a:fillRef>
-      <a:effectRef idx="0">
-        <a:scrgbClr r="0" g="0" b="0"/>
-      </a:effectRef>
-      <a:fontRef idx="minor">
-        <a:schemeClr val="lt1"/>
-      </a:fontRef>
-    </dgm:style>
-  </dgm:styleLbl>
-  <dgm:styleLbl name="vennNode1">
-    <dgm:scene3d>
-      <a:camera prst="orthographicFront"/>
-      <a:lightRig rig="threePt" dir="t"/>
-    </dgm:scene3d>
-    <dgm:sp3d/>
-    <dgm:txPr/>
-    <dgm:style>
-      <a:lnRef idx="2">
-        <a:scrgbClr r="0" g="0" b="0"/>
-      </a:lnRef>
-      <a:fillRef idx="1">
-        <a:scrgbClr r="0" g="0" b="0"/>
-      </a:fillRef>
-      <a:effectRef idx="0">
-        <a:scrgbClr r="0" g="0" b="0"/>
-      </a:effectRef>
-      <a:fontRef idx="minor">
-        <a:schemeClr val="tx1"/>
-      </a:fontRef>
-    </dgm:style>
-  </dgm:styleLbl>
-  <dgm:styleLbl name="alignNode1">
-    <dgm:scene3d>
-      <a:camera prst="orthographicFront"/>
-      <a:lightRig rig="threePt" dir="t"/>
-    </dgm:scene3d>
-    <dgm:sp3d/>
-    <dgm:txPr/>
-    <dgm:style>
-      <a:lnRef idx="2">
-        <a:scrgbClr r="0" g="0" b="0"/>
-      </a:lnRef>
-      <a:fillRef idx="1">
-        <a:scrgbClr r="0" g="0" b="0"/>
-      </a:fillRef>
-      <a:effectRef idx="0">
-        <a:scrgbClr r="0" g="0" b="0"/>
-      </a:effectRef>
-      <a:fontRef idx="minor">
-        <a:schemeClr val="lt1"/>
-      </a:fontRef>
-    </dgm:style>
-  </dgm:styleLbl>
-  <dgm:styleLbl name="node1">
-    <dgm:scene3d>
-      <a:camera prst="orthographicFront"/>
-      <a:lightRig rig="threePt" dir="t"/>
-    </dgm:scene3d>
-    <dgm:sp3d/>
-    <dgm:txPr/>
-    <dgm:style>
-      <a:lnRef idx="2">
-        <a:scrgbClr r="0" g="0" b="0"/>
-      </a:lnRef>
-      <a:fillRef idx="1">
-        <a:scrgbClr r="0" g="0" b="0"/>
-      </a:fillRef>
-      <a:effectRef idx="0">
-        <a:scrgbClr r="0" g="0" b="0"/>
-      </a:effectRef>
-      <a:fontRef idx="minor">
-        <a:schemeClr val="lt1"/>
-      </a:fontRef>
-    </dgm:style>
-  </dgm:styleLbl>
-  <dgm:styleLbl name="node2">
-    <dgm:scene3d>
-      <a:camera prst="orthographicFront"/>
-      <a:lightRig rig="threePt" dir="t"/>
-    </dgm:scene3d>
-    <dgm:sp3d/>
-    <dgm:txPr/>
-    <dgm:style>
-      <a:lnRef idx="2">
-        <a:scrgbClr r="0" g="0" b="0"/>
-      </a:lnRef>
-      <a:fillRef idx="1">
-        <a:scrgbClr r="0" g="0" b="0"/>
-      </a:fillRef>
-      <a:effectRef idx="0">
-        <a:scrgbClr r="0" g="0" b="0"/>
-      </a:effectRef>
-      <a:fontRef idx="minor">
-        <a:schemeClr val="lt1"/>
-      </a:fontRef>
-    </dgm:style>
-  </dgm:styleLbl>
-  <dgm:styleLbl name="node3">
-    <dgm:scene3d>
-      <a:camera prst="orthographicFront"/>
-      <a:lightRig rig="threePt" dir="t"/>
-    </dgm:scene3d>
-    <dgm:sp3d/>
-    <dgm:txPr/>
-    <dgm:style>
-      <a:lnRef idx="2">
-        <a:scrgbClr r="0" g="0" b="0"/>
-      </a:lnRef>
-      <a:fillRef idx="1">
-        <a:scrgbClr r="0" g="0" b="0"/>
-      </a:fillRef>
-      <a:effectRef idx="0">
-        <a:scrgbClr r="0" g="0" b="0"/>
-      </a:effectRef>
-      <a:fontRef idx="minor">
-        <a:schemeClr val="lt1"/>
-      </a:fontRef>
-    </dgm:style>
-  </dgm:styleLbl>
-  <dgm:styleLbl name="node4">
-    <dgm:scene3d>
-      <a:camera prst="orthographicFront"/>
-      <a:lightRig rig="threePt" dir="t"/>
-    </dgm:scene3d>
-    <dgm:sp3d/>
-    <dgm:txPr/>
-    <dgm:style>
-      <a:lnRef idx="2">
-        <a:scrgbClr r="0" g="0" b="0"/>
-      </a:lnRef>
-      <a:fillRef idx="1">
-        <a:scrgbClr r="0" g="0" b="0"/>
-      </a:fillRef>
-      <a:effectRef idx="0">
-        <a:scrgbClr r="0" g="0" b="0"/>
-      </a:effectRef>
-      <a:fontRef idx="minor">
-        <a:schemeClr val="lt1"/>
-      </a:fontRef>
-    </dgm:style>
-  </dgm:styleLbl>
-  <dgm:styleLbl name="fgImgPlace1">
-    <dgm:scene3d>
-      <a:camera prst="orthographicFront"/>
-      <a:lightRig rig="threePt" dir="t"/>
-    </dgm:scene3d>
-    <dgm:sp3d/>
-    <dgm:txPr/>
-    <dgm:style>
-      <a:lnRef idx="2">
-        <a:scrgbClr r="0" g="0" b="0"/>
-      </a:lnRef>
-      <a:fillRef idx="1">
-        <a:scrgbClr r="0" g="0" b="0"/>
-      </a:fillRef>
-      <a:effectRef idx="0">
-        <a:scrgbClr r="0" g="0" b="0"/>
-      </a:effectRef>
-      <a:fontRef idx="minor"/>
-    </dgm:style>
-  </dgm:styleLbl>
-  <dgm:styleLbl name="alignImgPlace1">
-    <dgm:scene3d>
-      <a:camera prst="orthographicFront"/>
-      <a:lightRig rig="threePt" dir="t"/>
-    </dgm:scene3d>
-    <dgm:sp3d/>
-    <dgm:txPr/>
-    <dgm:style>
-      <a:lnRef idx="2">
-        <a:scrgbClr r="0" g="0" b="0"/>
-      </a:lnRef>
-      <a:fillRef idx="1">
-        <a:scrgbClr r="0" g="0" b="0"/>
-      </a:fillRef>
-      <a:effectRef idx="0">
-        <a:scrgbClr r="0" g="0" b="0"/>
-      </a:effectRef>
-      <a:fontRef idx="minor"/>
-    </dgm:style>
-  </dgm:styleLbl>
-  <dgm:styleLbl name="bgImgPlace1">
-    <dgm:scene3d>
-      <a:camera prst="orthographicFront"/>
-      <a:lightRig rig="threePt" dir="t"/>
-    </dgm:scene3d>
-    <dgm:sp3d/>
-    <dgm:txPr/>
-    <dgm:style>
-      <a:lnRef idx="2">
-        <a:scrgbClr r="0" g="0" b="0"/>
-      </a:lnRef>
-      <a:fillRef idx="1">
-        <a:scrgbClr r="0" g="0" b="0"/>
-      </a:fillRef>
-      <a:effectRef idx="0">
-        <a:scrgbClr r="0" g="0" b="0"/>
-      </a:effectRef>
-      <a:fontRef idx="minor"/>
-    </dgm:style>
-  </dgm:styleLbl>
-  <dgm:styleLbl name="sibTrans2D1">
-    <dgm:scene3d>
-      <a:camera prst="orthographicFront"/>
-      <a:lightRig rig="threePt" dir="t"/>
-    </dgm:scene3d>
-    <dgm:sp3d/>
-    <dgm:txPr/>
-    <dgm:style>
-      <a:lnRef idx="0">
-        <a:scrgbClr r="0" g="0" b="0"/>
-      </a:lnRef>
-      <a:fillRef idx="1">
-        <a:scrgbClr r="0" g="0" b="0"/>
-      </a:fillRef>
-      <a:effectRef idx="0">
-        <a:scrgbClr r="0" g="0" b="0"/>
-      </a:effectRef>
-      <a:fontRef idx="minor">
-        <a:schemeClr val="lt1"/>
-      </a:fontRef>
-    </dgm:style>
-  </dgm:styleLbl>
-  <dgm:styleLbl name="fgSibTrans2D1">
-    <dgm:scene3d>
-      <a:camera prst="orthographicFront"/>
-      <a:lightRig rig="threePt" dir="t"/>
-    </dgm:scene3d>
-    <dgm:sp3d/>
-    <dgm:txPr/>
-    <dgm:style>
-      <a:lnRef idx="0">
-        <a:scrgbClr r="0" g="0" b="0"/>
-      </a:lnRef>
-      <a:fillRef idx="1">
-        <a:scrgbClr r="0" g="0" b="0"/>
-      </a:fillRef>
-      <a:effectRef idx="0">
-        <a:scrgbClr r="0" g="0" b="0"/>
-      </a:effectRef>
-      <a:fontRef idx="minor">
-        <a:schemeClr val="lt1"/>
-      </a:fontRef>
-    </dgm:style>
-  </dgm:styleLbl>
-  <dgm:styleLbl name="bgSibTrans2D1">
-    <dgm:scene3d>
-      <a:camera prst="orthographicFront"/>
-      <a:lightRig rig="threePt" dir="t"/>
-    </dgm:scene3d>
-    <dgm:sp3d/>
-    <dgm:txPr/>
-    <dgm:style>
-      <a:lnRef idx="0">
-        <a:scrgbClr r="0" g="0" b="0"/>
-      </a:lnRef>
-      <a:fillRef idx="1">
-        <a:scrgbClr r="0" g="0" b="0"/>
-      </a:fillRef>
-      <a:effectRef idx="0">
-        <a:scrgbClr r="0" g="0" b="0"/>
-      </a:effectRef>
-      <a:fontRef idx="minor">
-        <a:schemeClr val="lt1"/>
-      </a:fontRef>
-    </dgm:style>
-  </dgm:styleLbl>
-  <dgm:styleLbl name="sibTrans1D1">
-    <dgm:scene3d>
-      <a:camera prst="orthographicFront"/>
-      <a:lightRig rig="threePt" dir="t"/>
-    </dgm:scene3d>
-    <dgm:sp3d/>
-    <dgm:txPr/>
-    <dgm:style>
-      <a:lnRef idx="1">
-        <a:scrgbClr r="0" g="0" b="0"/>
-      </a:lnRef>
-      <a:fillRef idx="0">
-        <a:scrgbClr r="0" g="0" b="0"/>
-      </a:fillRef>
-      <a:effectRef idx="0">
-        <a:scrgbClr r="0" g="0" b="0"/>
-      </a:effectRef>
-      <a:fontRef idx="minor"/>
-    </dgm:style>
-  </dgm:styleLbl>
-  <dgm:styleLbl name="callout">
-    <dgm:scene3d>
-      <a:camera prst="orthographicFront"/>
-      <a:lightRig rig="threePt" dir="t"/>
-    </dgm:scene3d>
-    <dgm:sp3d/>
-    <dgm:txPr/>
-    <dgm:style>
-      <a:lnRef idx="2">
-        <a:scrgbClr r="0" g="0" b="0"/>
-      </a:lnRef>
-      <a:fillRef idx="1">
-        <a:scrgbClr r="0" g="0" b="0"/>
-      </a:fillRef>
-      <a:effectRef idx="0">
-        <a:scrgbClr r="0" g="0" b="0"/>
-      </a:effectRef>
-      <a:fontRef idx="minor"/>
-    </dgm:style>
-  </dgm:styleLbl>
-  <dgm:styleLbl name="asst0">
-    <dgm:scene3d>
-      <a:camera prst="orthographicFront"/>
-      <a:lightRig rig="threePt" dir="t"/>
-    </dgm:scene3d>
-    <dgm:sp3d/>
-    <dgm:txPr/>
-    <dgm:style>
-      <a:lnRef idx="2">
-        <a:scrgbClr r="0" g="0" b="0"/>
-      </a:lnRef>
-      <a:fillRef idx="1">
-        <a:scrgbClr r="0" g="0" b="0"/>
-      </a:fillRef>
-      <a:effectRef idx="0">
-        <a:scrgbClr r="0" g="0" b="0"/>
-      </a:effectRef>
-      <a:fontRef idx="minor">
-        <a:schemeClr val="lt1"/>
-      </a:fontRef>
-    </dgm:style>
-  </dgm:styleLbl>
-  <dgm:styleLbl name="asst1">
-    <dgm:scene3d>
-      <a:camera prst="orthographicFront"/>
-      <a:lightRig rig="threePt" dir="t"/>
-    </dgm:scene3d>
-    <dgm:sp3d/>
-    <dgm:txPr/>
-    <dgm:style>
-      <a:lnRef idx="2">
-        <a:scrgbClr r="0" g="0" b="0"/>
-      </a:lnRef>
-      <a:fillRef idx="1">
-        <a:scrgbClr r="0" g="0" b="0"/>
-      </a:fillRef>
-      <a:effectRef idx="0">
-        <a:scrgbClr r="0" g="0" b="0"/>
-      </a:effectRef>
-      <a:fontRef idx="minor">
-        <a:schemeClr val="lt1"/>
-      </a:fontRef>
-    </dgm:style>
-  </dgm:styleLbl>
-  <dgm:styleLbl name="asst2">
-    <dgm:scene3d>
-      <a:camera prst="orthographicFront"/>
-      <a:lightRig rig="threePt" dir="t"/>
-    </dgm:scene3d>
-    <dgm:sp3d/>
-    <dgm:txPr/>
-    <dgm:style>
-      <a:lnRef idx="2">
-        <a:scrgbClr r="0" g="0" b="0"/>
-      </a:lnRef>
-      <a:fillRef idx="1">
-        <a:scrgbClr r="0" g="0" b="0"/>
-      </a:fillRef>
-      <a:effectRef idx="0">
-        <a:scrgbClr r="0" g="0" b="0"/>
-      </a:effectRef>
-      <a:fontRef idx="minor">
-        <a:schemeClr val="lt1"/>
-      </a:fontRef>
-    </dgm:style>
-  </dgm:styleLbl>
-  <dgm:styleLbl name="asst3">
-    <dgm:scene3d>
-      <a:camera prst="orthographicFront"/>
-      <a:lightRig rig="threePt" dir="t"/>
-    </dgm:scene3d>
-    <dgm:sp3d/>
-    <dgm:txPr/>
-    <dgm:style>
-      <a:lnRef idx="2">
-        <a:scrgbClr r="0" g="0" b="0"/>
-      </a:lnRef>
-      <a:fillRef idx="1">
-        <a:scrgbClr r="0" g="0" b="0"/>
-      </a:fillRef>
-      <a:effectRef idx="0">
-        <a:scrgbClr r="0" g="0" b="0"/>
-      </a:effectRef>
-      <a:fontRef idx="minor">
-        <a:schemeClr val="lt1"/>
-      </a:fontRef>
-    </dgm:style>
-  </dgm:styleLbl>
-  <dgm:styleLbl name="asst4">
-    <dgm:scene3d>
-      <a:camera prst="orthographicFront"/>
-      <a:lightRig rig="threePt" dir="t"/>
-    </dgm:scene3d>
-    <dgm:sp3d/>
-    <dgm:txPr/>
-    <dgm:style>
-      <a:lnRef idx="2">
-        <a:scrgbClr r="0" g="0" b="0"/>
-      </a:lnRef>
-      <a:fillRef idx="1">
-        <a:scrgbClr r="0" g="0" b="0"/>
-      </a:fillRef>
-      <a:effectRef idx="0">
-        <a:scrgbClr r="0" g="0" b="0"/>
-      </a:effectRef>
-      <a:fontRef idx="minor">
-        <a:schemeClr val="lt1"/>
-      </a:fontRef>
-    </dgm:style>
-  </dgm:styleLbl>
-  <dgm:styleLbl name="parChTrans2D1">
-    <dgm:scene3d>
-      <a:camera prst="orthographicFront"/>
-      <a:lightRig rig="threePt" dir="t"/>
-    </dgm:scene3d>
-    <dgm:sp3d/>
-    <dgm:txPr/>
-    <dgm:style>
-      <a:lnRef idx="2">
-        <a:scrgbClr r="0" g="0" b="0"/>
-      </a:lnRef>
-      <a:fillRef idx="1">
-        <a:scrgbClr r="0" g="0" b="0"/>
-      </a:fillRef>
-      <a:effectRef idx="0">
-        <a:scrgbClr r="0" g="0" b="0"/>
-      </a:effectRef>
-      <a:fontRef idx="minor">
-        <a:schemeClr val="lt1"/>
-      </a:fontRef>
-    </dgm:style>
-  </dgm:styleLbl>
-  <dgm:styleLbl name="parChTrans2D2">
-    <dgm:scene3d>
-      <a:camera prst="orthographicFront"/>
-      <a:lightRig rig="threePt" dir="t"/>
-    </dgm:scene3d>
-    <dgm:sp3d/>
-    <dgm:txPr/>
-    <dgm:style>
-      <a:lnRef idx="2">
-        <a:scrgbClr r="0" g="0" b="0"/>
-      </a:lnRef>
-      <a:fillRef idx="1">
-        <a:scrgbClr r="0" g="0" b="0"/>
-      </a:fillRef>
-      <a:effectRef idx="0">
-        <a:scrgbClr r="0" g="0" b="0"/>
-      </a:effectRef>
-      <a:fontRef idx="minor">
-        <a:schemeClr val="lt1"/>
-      </a:fontRef>
-    </dgm:style>
-  </dgm:styleLbl>
-  <dgm:styleLbl name="parChTrans2D3">
-    <dgm:scene3d>
-      <a:camera prst="orthographicFront"/>
-      <a:lightRig rig="threePt" dir="t"/>
-    </dgm:scene3d>
-    <dgm:sp3d/>
-    <dgm:txPr/>
-    <dgm:style>
-      <a:lnRef idx="2">
-        <a:scrgbClr r="0" g="0" b="0"/>
-      </a:lnRef>
-      <a:fillRef idx="1">
-        <a:scrgbClr r="0" g="0" b="0"/>
-      </a:fillRef>
-      <a:effectRef idx="0">
-        <a:scrgbClr r="0" g="0" b="0"/>
-      </a:effectRef>
-      <a:fontRef idx="minor">
-        <a:schemeClr val="lt1"/>
-      </a:fontRef>
-    </dgm:style>
-  </dgm:styleLbl>
-  <dgm:styleLbl name="parChTrans2D4">
-    <dgm:scene3d>
-      <a:camera prst="orthographicFront"/>
-      <a:lightRig rig="threePt" dir="t"/>
-    </dgm:scene3d>
-    <dgm:sp3d/>
-    <dgm:txPr/>
-    <dgm:style>
-      <a:lnRef idx="2">
-        <a:scrgbClr r="0" g="0" b="0"/>
-      </a:lnRef>
-      <a:fillRef idx="1">
-        <a:scrgbClr r="0" g="0" b="0"/>
-      </a:fillRef>
-      <a:effectRef idx="0">
-        <a:scrgbClr r="0" g="0" b="0"/>
-      </a:effectRef>
-      <a:fontRef idx="minor">
-        <a:schemeClr val="lt1"/>
-      </a:fontRef>
-    </dgm:style>
-  </dgm:styleLbl>
-  <dgm:styleLbl name="parChTrans1D1">
-    <dgm:scene3d>
-      <a:camera prst="orthographicFront"/>
-      <a:lightRig rig="threePt" dir="t"/>
-    </dgm:scene3d>
-    <dgm:sp3d/>
-    <dgm:txPr/>
-    <dgm:style>
-      <a:lnRef idx="2">
-        <a:scrgbClr r="0" g="0" b="0"/>
-      </a:lnRef>
-      <a:fillRef idx="0">
-        <a:scrgbClr r="0" g="0" b="0"/>
-      </a:fillRef>
-      <a:effectRef idx="0">
-        <a:scrgbClr r="0" g="0" b="0"/>
-      </a:effectRef>
-      <a:fontRef idx="minor"/>
-    </dgm:style>
-  </dgm:styleLbl>
-  <dgm:styleLbl name="parChTrans1D2">
-    <dgm:scene3d>
-      <a:camera prst="orthographicFront"/>
-      <a:lightRig rig="threePt" dir="t"/>
-    </dgm:scene3d>
-    <dgm:sp3d/>
-    <dgm:txPr/>
-    <dgm:style>
-      <a:lnRef idx="2">
-        <a:scrgbClr r="0" g="0" b="0"/>
-      </a:lnRef>
-      <a:fillRef idx="0">
-        <a:scrgbClr r="0" g="0" b="0"/>
-      </a:fillRef>
-      <a:effectRef idx="0">
-        <a:scrgbClr r="0" g="0" b="0"/>
-      </a:effectRef>
-      <a:fontRef idx="minor"/>
-    </dgm:style>
-  </dgm:styleLbl>
-  <dgm:styleLbl name="parChTrans1D3">
-    <dgm:scene3d>
-      <a:camera prst="orthographicFront"/>
-      <a:lightRig rig="threePt" dir="t"/>
-    </dgm:scene3d>
-    <dgm:sp3d/>
-    <dgm:txPr/>
-    <dgm:style>
-      <a:lnRef idx="2">
-        <a:scrgbClr r="0" g="0" b="0"/>
-      </a:lnRef>
-      <a:fillRef idx="0">
-        <a:scrgbClr r="0" g="0" b="0"/>
-      </a:fillRef>
-      <a:effectRef idx="0">
-        <a:scrgbClr r="0" g="0" b="0"/>
-      </a:effectRef>
-      <a:fontRef idx="minor"/>
-    </dgm:style>
-  </dgm:styleLbl>
-  <dgm:styleLbl name="parChTrans1D4">
-    <dgm:scene3d>
-      <a:camera prst="orthographicFront"/>
-      <a:lightRig rig="threePt" dir="t"/>
-    </dgm:scene3d>
-    <dgm:sp3d/>
-    <dgm:txPr/>
-    <dgm:style>
-      <a:lnRef idx="2">
-        <a:scrgbClr r="0" g="0" b="0"/>
-      </a:lnRef>
-      <a:fillRef idx="0">
-        <a:scrgbClr r="0" g="0" b="0"/>
-      </a:fillRef>
-      <a:effectRef idx="0">
-        <a:scrgbClr r="0" g="0" b="0"/>
-      </a:effectRef>
-      <a:fontRef idx="minor"/>
-    </dgm:style>
-  </dgm:styleLbl>
-  <dgm:styleLbl name="fgAcc1">
-    <dgm:scene3d>
-      <a:camera prst="orthographicFront"/>
-      <a:lightRig rig="threePt" dir="t"/>
-    </dgm:scene3d>
-    <dgm:sp3d/>
-    <dgm:txPr/>
-    <dgm:style>
-      <a:lnRef idx="2">
-        <a:scrgbClr r="0" g="0" b="0"/>
-      </a:lnRef>
-      <a:fillRef idx="1">
-        <a:scrgbClr r="0" g="0" b="0"/>
-      </a:fillRef>
-      <a:effectRef idx="0">
-        <a:scrgbClr r="0" g="0" b="0"/>
-      </a:effectRef>
-      <a:fontRef idx="minor"/>
-    </dgm:style>
-  </dgm:styleLbl>
-  <dgm:styleLbl name="conFgAcc1">
-    <dgm:scene3d>
-      <a:camera prst="orthographicFront"/>
-      <a:lightRig rig="threePt" dir="t"/>
-    </dgm:scene3d>
-    <dgm:sp3d/>
-    <dgm:txPr/>
-    <dgm:style>
-      <a:lnRef idx="2">
-        <a:scrgbClr r="0" g="0" b="0"/>
-      </a:lnRef>
-      <a:fillRef idx="1">
-        <a:scrgbClr r="0" g="0" b="0"/>
-      </a:fillRef>
-      <a:effectRef idx="0">
-        <a:scrgbClr r="0" g="0" b="0"/>
-      </a:effectRef>
-      <a:fontRef idx="minor"/>
-    </dgm:style>
-  </dgm:styleLbl>
-  <dgm:styleLbl name="alignAcc1">
-    <dgm:scene3d>
-      <a:camera prst="orthographicFront"/>
-      <a:lightRig rig="threePt" dir="t"/>
-    </dgm:scene3d>
-    <dgm:sp3d/>
-    <dgm:txPr/>
-    <dgm:style>
-      <a:lnRef idx="2">
-        <a:scrgbClr r="0" g="0" b="0"/>
-      </a:lnRef>
-      <a:fillRef idx="1">
-        <a:scrgbClr r="0" g="0" b="0"/>
-      </a:fillRef>
-      <a:effectRef idx="0">
-        <a:scrgbClr r="0" g="0" b="0"/>
-      </a:effectRef>
-      <a:fontRef idx="minor"/>
-    </dgm:style>
-  </dgm:styleLbl>
-  <dgm:styleLbl name="trAlignAcc1">
-    <dgm:scene3d>
-      <a:camera prst="orthographicFront"/>
-      <a:lightRig rig="threePt" dir="t"/>
-    </dgm:scene3d>
-    <dgm:sp3d/>
-    <dgm:txPr/>
-    <dgm:style>
-      <a:lnRef idx="1">
-        <a:scrgbClr r="0" g="0" b="0"/>
-      </a:lnRef>
-      <a:fillRef idx="1">
-        <a:scrgbClr r="0" g="0" b="0"/>
-      </a:fillRef>
-      <a:effectRef idx="0">
-        <a:scrgbClr r="0" g="0" b="0"/>
-      </a:effectRef>
-      <a:fontRef idx="minor"/>
-    </dgm:style>
-  </dgm:styleLbl>
-  <dgm:styleLbl name="bgAcc1">
-    <dgm:scene3d>
-      <a:camera prst="orthographicFront"/>
-      <a:lightRig rig="threePt" dir="t"/>
-    </dgm:scene3d>
-    <dgm:sp3d/>
-    <dgm:txPr/>
-    <dgm:style>
-      <a:lnRef idx="2">
-        <a:scrgbClr r="0" g="0" b="0"/>
-      </a:lnRef>
-      <a:fillRef idx="1">
-        <a:scrgbClr r="0" g="0" b="0"/>
-      </a:fillRef>
-      <a:effectRef idx="0">
-        <a:scrgbClr r="0" g="0" b="0"/>
-      </a:effectRef>
-      <a:fontRef idx="minor"/>
-    </dgm:style>
-  </dgm:styleLbl>
-  <dgm:styleLbl name="solidFgAcc1">
-    <dgm:scene3d>
-      <a:camera prst="orthographicFront"/>
-      <a:lightRig rig="threePt" dir="t"/>
-    </dgm:scene3d>
-    <dgm:sp3d/>
-    <dgm:txPr/>
-    <dgm:style>
-      <a:lnRef idx="2">
-        <a:scrgbClr r="0" g="0" b="0"/>
-      </a:lnRef>
-      <a:fillRef idx="1">
-        <a:scrgbClr r="0" g="0" b="0"/>
-      </a:fillRef>
-      <a:effectRef idx="0">
-        <a:scrgbClr r="0" g="0" b="0"/>
-      </a:effectRef>
-      <a:fontRef idx="minor"/>
-    </dgm:style>
-  </dgm:styleLbl>
-  <dgm:styleLbl name="solidAlignAcc1">
-    <dgm:scene3d>
-      <a:camera prst="orthographicFront"/>
-      <a:lightRig rig="threePt" dir="t"/>
-    </dgm:scene3d>
-    <dgm:sp3d/>
-    <dgm:txPr/>
-    <dgm:style>
-      <a:lnRef idx="2">
-        <a:scrgbClr r="0" g="0" b="0"/>
-      </a:lnRef>
-      <a:fillRef idx="1">
-        <a:scrgbClr r="0" g="0" b="0"/>
-      </a:fillRef>
-      <a:effectRef idx="0">
-        <a:scrgbClr r="0" g="0" b="0"/>
-      </a:effectRef>
-      <a:fontRef idx="minor"/>
-    </dgm:style>
-  </dgm:styleLbl>
-  <dgm:styleLbl name="solidBgAcc1">
-    <dgm:scene3d>
-      <a:camera prst="orthographicFront"/>
-      <a:lightRig rig="threePt" dir="t"/>
-    </dgm:scene3d>
-    <dgm:sp3d/>
-    <dgm:txPr/>
-    <dgm:style>
-      <a:lnRef idx="2">
-        <a:scrgbClr r="0" g="0" b="0"/>
-      </a:lnRef>
-      <a:fillRef idx="1">
-        <a:scrgbClr r="0" g="0" b="0"/>
-      </a:fillRef>
-      <a:effectRef idx="0">
-        <a:scrgbClr r="0" g="0" b="0"/>
-      </a:effectRef>
-      <a:fontRef idx="minor"/>
-    </dgm:style>
-  </dgm:styleLbl>
-  <dgm:styleLbl name="fgAccFollowNode1">
-    <dgm:scene3d>
-      <a:camera prst="orthographicFront"/>
-      <a:lightRig rig="threePt" dir="t"/>
-    </dgm:scene3d>
-    <dgm:sp3d/>
-    <dgm:txPr/>
-    <dgm:style>
-      <a:lnRef idx="2">
-        <a:scrgbClr r="0" g="0" b="0"/>
-      </a:lnRef>
-      <a:fillRef idx="1">
-        <a:scrgbClr r="0" g="0" b="0"/>
-      </a:fillRef>
-      <a:effectRef idx="0">
-        <a:scrgbClr r="0" g="0" b="0"/>
-      </a:effectRef>
-      <a:fontRef idx="minor"/>
-    </dgm:style>
-  </dgm:styleLbl>
-  <dgm:styleLbl name="alignAccFollowNode1">
-    <dgm:scene3d>
-      <a:camera prst="orthographicFront"/>
-      <a:lightRig rig="threePt" dir="t"/>
-    </dgm:scene3d>
-    <dgm:sp3d/>
-    <dgm:txPr/>
-    <dgm:style>
-      <a:lnRef idx="2">
-        <a:scrgbClr r="0" g="0" b="0"/>
-      </a:lnRef>
-      <a:fillRef idx="1">
-        <a:scrgbClr r="0" g="0" b="0"/>
-      </a:fillRef>
-      <a:effectRef idx="0">
-        <a:scrgbClr r="0" g="0" b="0"/>
-      </a:effectRef>
-      <a:fontRef idx="minor"/>
-    </dgm:style>
-  </dgm:styleLbl>
-  <dgm:styleLbl name="bgAccFollowNode1">
-    <dgm:scene3d>
-      <a:camera prst="orthographicFront"/>
-      <a:lightRig rig="threePt" dir="t"/>
-    </dgm:scene3d>
-    <dgm:sp3d/>
-    <dgm:txPr/>
-    <dgm:style>
-      <a:lnRef idx="2">
-        <a:scrgbClr r="0" g="0" b="0"/>
-      </a:lnRef>
-      <a:fillRef idx="1">
-        <a:scrgbClr r="0" g="0" b="0"/>
-      </a:fillRef>
-      <a:effectRef idx="0">
-        <a:scrgbClr r="0" g="0" b="0"/>
-      </a:effectRef>
-      <a:fontRef idx="minor"/>
-    </dgm:style>
-  </dgm:styleLbl>
-  <dgm:styleLbl name="fgAcc0">
-    <dgm:scene3d>
-      <a:camera prst="orthographicFront"/>
-      <a:lightRig rig="threePt" dir="t"/>
-    </dgm:scene3d>
-    <dgm:sp3d/>
-    <dgm:txPr/>
-    <dgm:style>
-      <a:lnRef idx="2">
-        <a:scrgbClr r="0" g="0" b="0"/>
-      </a:lnRef>
-      <a:fillRef idx="1">
-        <a:scrgbClr r="0" g="0" b="0"/>
-      </a:fillRef>
-      <a:effectRef idx="0">
-        <a:scrgbClr r="0" g="0" b="0"/>
-      </a:effectRef>
-      <a:fontRef idx="minor"/>
-    </dgm:style>
-  </dgm:styleLbl>
-  <dgm:styleLbl name="fgAcc2">
-    <dgm:scene3d>
-      <a:camera prst="orthographicFront"/>
-      <a:lightRig rig="threePt" dir="t"/>
-    </dgm:scene3d>
-    <dgm:sp3d/>
-    <dgm:txPr/>
-    <dgm:style>
-      <a:lnRef idx="2">
-        <a:scrgbClr r="0" g="0" b="0"/>
-      </a:lnRef>
-      <a:fillRef idx="1">
-        <a:scrgbClr r="0" g="0" b="0"/>
-      </a:fillRef>
-      <a:effectRef idx="0">
-        <a:scrgbClr r="0" g="0" b="0"/>
-      </a:effectRef>
-      <a:fontRef idx="minor"/>
-    </dgm:style>
-  </dgm:styleLbl>
-  <dgm:styleLbl name="fgAcc3">
-    <dgm:scene3d>
-      <a:camera prst="orthographicFront"/>
-      <a:lightRig rig="threePt" dir="t"/>
-    </dgm:scene3d>
-    <dgm:sp3d/>
-    <dgm:txPr/>
-    <dgm:style>
-      <a:lnRef idx="2">
-        <a:scrgbClr r="0" g="0" b="0"/>
-      </a:lnRef>
-      <a:fillRef idx="1">
-        <a:scrgbClr r="0" g="0" b="0"/>
-      </a:fillRef>
-      <a:effectRef idx="0">
-        <a:scrgbClr r="0" g="0" b="0"/>
-      </a:effectRef>
-      <a:fontRef idx="minor"/>
-    </dgm:style>
-  </dgm:styleLbl>
-  <dgm:styleLbl name="fgAcc4">
-    <dgm:scene3d>
-      <a:camera prst="orthographicFront"/>
-      <a:lightRig rig="threePt" dir="t"/>
-    </dgm:scene3d>
-    <dgm:sp3d/>
-    <dgm:txPr/>
-    <dgm:style>
-      <a:lnRef idx="2">
-        <a:scrgbClr r="0" g="0" b="0"/>
-      </a:lnRef>
-      <a:fillRef idx="1">
-        <a:scrgbClr r="0" g="0" b="0"/>
-      </a:fillRef>
-      <a:effectRef idx="0">
-        <a:scrgbClr r="0" g="0" b="0"/>
-      </a:effectRef>
-      <a:fontRef idx="minor"/>
-    </dgm:style>
-  </dgm:styleLbl>
-  <dgm:styleLbl name="bgShp">
-    <dgm:scene3d>
-      <a:camera prst="orthographicFront"/>
-      <a:lightRig rig="threePt" dir="t"/>
-    </dgm:scene3d>
-    <dgm:sp3d/>
-    <dgm:txPr/>
-    <dgm:style>
-      <a:lnRef idx="0">
-        <a:scrgbClr r="0" g="0" b="0"/>
-      </a:lnRef>
-      <a:fillRef idx="1">
-        <a:scrgbClr r="0" g="0" b="0"/>
-      </a:fillRef>
-      <a:effectRef idx="0">
-        <a:scrgbClr r="0" g="0" b="0"/>
-      </a:effectRef>
-      <a:fontRef idx="minor"/>
-    </dgm:style>
-  </dgm:styleLbl>
-  <dgm:styleLbl name="dkBgShp">
-    <dgm:scene3d>
-      <a:camera prst="orthographicFront"/>
-      <a:lightRig rig="threePt" dir="t"/>
-    </dgm:scene3d>
-    <dgm:sp3d/>
-    <dgm:txPr/>
-    <dgm:style>
-      <a:lnRef idx="0">
-        <a:scrgbClr r="0" g="0" b="0"/>
-      </a:lnRef>
-      <a:fillRef idx="1">
-        <a:scrgbClr r="0" g="0" b="0"/>
-      </a:fillRef>
-      <a:effectRef idx="0">
-        <a:scrgbClr r="0" g="0" b="0"/>
-      </a:effectRef>
-      <a:fontRef idx="minor"/>
-    </dgm:style>
-  </dgm:styleLbl>
-  <dgm:styleLbl name="trBgShp">
-    <dgm:scene3d>
-      <a:camera prst="orthographicFront"/>
-      <a:lightRig rig="threePt" dir="t"/>
-    </dgm:scene3d>
-    <dgm:sp3d/>
-    <dgm:txPr/>
-    <dgm:style>
-      <a:lnRef idx="0">
-        <a:scrgbClr r="0" g="0" b="0"/>
-      </a:lnRef>
-      <a:fillRef idx="1">
-        <a:scrgbClr r="0" g="0" b="0"/>
-      </a:fillRef>
-      <a:effectRef idx="0">
-        <a:scrgbClr r="0" g="0" b="0"/>
-      </a:effectRef>
-      <a:fontRef idx="minor"/>
-    </dgm:style>
-  </dgm:styleLbl>
-  <dgm:styleLbl name="fgShp">
-    <dgm:scene3d>
-      <a:camera prst="orthographicFront"/>
-      <a:lightRig rig="threePt" dir="t"/>
-    </dgm:scene3d>
-    <dgm:sp3d/>
-    <dgm:txPr/>
-    <dgm:style>
-      <a:lnRef idx="2">
-        <a:scrgbClr r="0" g="0" b="0"/>
-      </a:lnRef>
-      <a:fillRef idx="1">
-        <a:scrgbClr r="0" g="0" b="0"/>
-      </a:fillRef>
-      <a:effectRef idx="0">
-        <a:scrgbClr r="0" g="0" b="0"/>
-      </a:effectRef>
-      <a:fontRef idx="minor"/>
-    </dgm:style>
-  </dgm:styleLbl>
-  <dgm:styleLbl name="revTx">
-    <dgm:scene3d>
-      <a:camera prst="orthographicFront"/>
-      <a:lightRig rig="threePt" dir="t"/>
-    </dgm:scene3d>
-    <dgm:sp3d/>
-    <dgm:txPr/>
-    <dgm:style>
-      <a:lnRef idx="0">
-        <a:scrgbClr r="0" g="0" b="0"/>
-      </a:lnRef>
-      <a:fillRef idx="0">
-        <a:scrgbClr r="0" g="0" b="0"/>
-      </a:fillRef>
-      <a:effectRef idx="0">
-        <a:scrgbClr r="0" g="0" b="0"/>
-      </a:effectRef>
-      <a:fontRef idx="minor"/>
-    </dgm:style>
-  </dgm:styleLbl>
-</dgm:styleDef>
-</file>
-
 <file path=ppt/handoutMasters/handoutMaster1.xml><?xml version="1.0" encoding="utf-8"?>
 <p:handoutMaster xmlns:a="http://schemas.openxmlformats.org/drawingml/2006/main" xmlns:r="http://schemas.openxmlformats.org/officeDocument/2006/relationships" xmlns:p="http://schemas.openxmlformats.org/presentationml/2006/main">
   <p:cSld>
@@ -9501,7 +6088,7 @@
           <a:p>
             <a:fld id="{F352A77B-D33C-49B3-A83C-450AA2ED72B3}" type="datetimeFigureOut">
               <a:rPr lang="en-US" smtClean="0"/>
-              <a:t>5/19/2024</a:t>
+              <a:t>5/20/2024</a:t>
             </a:fld>
             <a:endParaRPr lang="en-US" dirty="0"/>
           </a:p>
@@ -9678,7 +6265,7 @@
           <a:p>
             <a:fld id="{E38D8F9A-F5CB-4EF8-A859-ED5E107B9763}" type="datetimeFigureOut">
               <a:rPr lang="en-US" smtClean="0"/>
-              <a:t>5/19/2024</a:t>
+              <a:t>5/20/2024</a:t>
             </a:fld>
             <a:endParaRPr lang="en-US" dirty="0"/>
           </a:p>
@@ -25478,6 +22065,11 @@
 <file path=ppt/slides/slide10.xml><?xml version="1.0" encoding="utf-8"?>
 <p:sld xmlns:a="http://schemas.openxmlformats.org/drawingml/2006/main" xmlns:r="http://schemas.openxmlformats.org/officeDocument/2006/relationships" xmlns:p="http://schemas.openxmlformats.org/presentationml/2006/main">
   <p:cSld>
+    <p:bg>
+      <p:bgRef idx="1001">
+        <a:schemeClr val="bg1"/>
+      </p:bgRef>
+    </p:bg>
     <p:spTree>
       <p:nvGrpSpPr>
         <p:cNvPr id="1" name=""/>
@@ -25569,7 +22161,7 @@
                 <a:solidFill>
                   <a:srgbClr val="7030A0"/>
                 </a:solidFill>
-                <a:hlinkClick r:id="rId2">
+                <a:hlinkClick r:id="rId3">
                   <a:extLst>
                     <a:ext uri="{A12FA001-AC4F-418D-AE19-62706E023703}">
                       <ahyp:hlinkClr xmlns:ahyp="http://schemas.microsoft.com/office/drawing/2018/hyperlinkcolor" val="tx"/>
@@ -25596,7 +22188,7 @@
                 <a:solidFill>
                   <a:srgbClr val="7030A0"/>
                 </a:solidFill>
-                <a:hlinkClick r:id="rId2">
+                <a:hlinkClick r:id="rId3">
                   <a:extLst>
                     <a:ext uri="{A12FA001-AC4F-418D-AE19-62706E023703}">
                       <ahyp:hlinkClr xmlns:ahyp="http://schemas.microsoft.com/office/drawing/2018/hyperlinkcolor" val="tx"/>
@@ -25604,7 +22196,7 @@
                   </a:extLst>
                 </a:hlinkClick>
               </a:rPr>
-              <a:t>instructions</a:t>
+              <a:t>keywords</a:t>
             </a:r>
             <a:r>
               <a:rPr lang="en-US" sz="2400" noProof="1"/>
@@ -25621,10 +22213,10 @@
       </p:sp>
       <p:pic>
         <p:nvPicPr>
-          <p:cNvPr id="5" name="Picture 4">
-            <a:extLst>
-              <a:ext uri="{FF2B5EF4-FFF2-40B4-BE49-F238E27FC236}">
-                <a16:creationId xmlns:a16="http://schemas.microsoft.com/office/drawing/2014/main" id="{F5DA84BC-37F0-2A95-A487-2993970A6DFB}"/>
+          <p:cNvPr id="4" name="Picture 3">
+            <a:extLst>
+              <a:ext uri="{FF2B5EF4-FFF2-40B4-BE49-F238E27FC236}">
+                <a16:creationId xmlns:a16="http://schemas.microsoft.com/office/drawing/2014/main" id="{2C848C26-C0B9-726F-8D46-CC2CFD0CC8A7}"/>
               </a:ext>
             </a:extLst>
           </p:cNvPr>
@@ -25634,15 +22226,15 @@
           <p:nvPr/>
         </p:nvPicPr>
         <p:blipFill>
-          <a:blip r:embed="rId3"/>
+          <a:blip r:embed="rId4"/>
           <a:stretch>
             <a:fillRect/>
           </a:stretch>
         </p:blipFill>
         <p:spPr>
           <a:xfrm>
-            <a:off x="1095844" y="2628237"/>
-            <a:ext cx="9546240" cy="4093238"/>
+            <a:off x="1672133" y="2556932"/>
+            <a:ext cx="8847734" cy="4036375"/>
           </a:xfrm>
           <a:prstGeom prst="rect">
             <a:avLst/>
@@ -25664,7 +22256,7 @@
     </p:extLst>
   </p:cSld>
   <p:clrMapOvr>
-    <a:masterClrMapping/>
+    <a:overrideClrMapping bg1="lt1" tx1="dk1" bg2="lt2" tx2="dk2" accent1="accent1" accent2="accent2" accent3="accent3" accent4="accent4" accent5="accent5" accent6="accent6" hlink="hlink" folHlink="folHlink"/>
   </p:clrMapOvr>
   <mc:AlternateContent xmlns:mc="http://schemas.openxmlformats.org/markup-compatibility/2006" xmlns:p14="http://schemas.microsoft.com/office/powerpoint/2010/main">
     <mc:Choice Requires="p14">
@@ -25734,34 +22326,6 @@
           </a:p>
         </p:txBody>
       </p:sp>
-      <p:graphicFrame>
-        <p:nvGraphicFramePr>
-          <p:cNvPr id="8" name="Diagram 7">
-            <a:extLst>
-              <a:ext uri="{FF2B5EF4-FFF2-40B4-BE49-F238E27FC236}">
-                <a16:creationId xmlns:a16="http://schemas.microsoft.com/office/drawing/2014/main" id="{CCC07450-2D35-0747-EE5F-A3E3F1D2FF5C}"/>
-              </a:ext>
-            </a:extLst>
-          </p:cNvPr>
-          <p:cNvGraphicFramePr/>
-          <p:nvPr>
-            <p:extLst>
-              <p:ext uri="{D42A27DB-BD31-4B8C-83A1-F6EECF244321}">
-                <p14:modId xmlns:p14="http://schemas.microsoft.com/office/powerpoint/2010/main" val="403637108"/>
-              </p:ext>
-            </p:extLst>
-          </p:nvPr>
-        </p:nvGraphicFramePr>
-        <p:xfrm>
-          <a:off x="1845733" y="1874308"/>
-          <a:ext cx="8128000" cy="5418667"/>
-        </p:xfrm>
-        <a:graphic>
-          <a:graphicData uri="http://schemas.openxmlformats.org/drawingml/2006/diagram">
-            <dgm:relIds xmlns:dgm="http://schemas.openxmlformats.org/drawingml/2006/diagram" xmlns:r="http://schemas.openxmlformats.org/officeDocument/2006/relationships" r:dm="rId2" r:lo="rId3" r:qs="rId4" r:cs="rId5"/>
-          </a:graphicData>
-        </a:graphic>
-      </p:graphicFrame>
       <p:sp>
         <p:nvSpPr>
           <p:cNvPr id="7" name="Content Placeholder 6">
@@ -25803,7 +22367,7 @@
                 <a:solidFill>
                   <a:srgbClr val="7030A0"/>
                 </a:solidFill>
-                <a:hlinkClick r:id="rId7">
+                <a:hlinkClick r:id="rId2">
                   <a:extLst>
                     <a:ext uri="{A12FA001-AC4F-418D-AE19-62706E023703}">
                       <ahyp:hlinkClr xmlns:ahyp="http://schemas.microsoft.com/office/drawing/2018/hyperlinkcolor" val="tx"/>
@@ -25823,14 +22387,14 @@
             </a:r>
             <a:r>
               <a:rPr lang="en-US" sz="2400" noProof="1"/>
-              <a:t>or/and an </a:t>
+              <a:t>or/and </a:t>
             </a:r>
             <a:r>
               <a:rPr lang="en-US" sz="2400" b="1" noProof="1">
                 <a:solidFill>
                   <a:srgbClr val="7030A0"/>
                 </a:solidFill>
-                <a:hlinkClick r:id="rId7">
+                <a:hlinkClick r:id="rId2">
                   <a:extLst>
                     <a:ext uri="{A12FA001-AC4F-418D-AE19-62706E023703}">
                       <ahyp:hlinkClr xmlns:ahyp="http://schemas.microsoft.com/office/drawing/2018/hyperlinkcolor" val="tx"/>
@@ -25838,7 +22402,7 @@
                   </a:extLst>
                 </a:hlinkClick>
               </a:rPr>
-              <a:t>instructions</a:t>
+              <a:t>keywords</a:t>
             </a:r>
             <a:r>
               <a:rPr lang="en-US" sz="2400" noProof="1"/>
@@ -25853,6 +22417,43 @@
           </a:p>
         </p:txBody>
       </p:sp>
+      <p:pic>
+        <p:nvPicPr>
+          <p:cNvPr id="4" name="Picture 3">
+            <a:extLst>
+              <a:ext uri="{FF2B5EF4-FFF2-40B4-BE49-F238E27FC236}">
+                <a16:creationId xmlns:a16="http://schemas.microsoft.com/office/drawing/2014/main" id="{DB21DF07-4793-1314-2A5E-FD0718DDD187}"/>
+              </a:ext>
+            </a:extLst>
+          </p:cNvPr>
+          <p:cNvPicPr>
+            <a:picLocks noChangeAspect="1"/>
+          </p:cNvPicPr>
+          <p:nvPr/>
+        </p:nvPicPr>
+        <p:blipFill>
+          <a:blip r:embed="rId3"/>
+          <a:stretch>
+            <a:fillRect/>
+          </a:stretch>
+        </p:blipFill>
+        <p:spPr>
+          <a:xfrm>
+            <a:off x="1617809" y="2540004"/>
+            <a:ext cx="8956381" cy="4250267"/>
+          </a:xfrm>
+          <a:prstGeom prst="rect">
+            <a:avLst/>
+          </a:prstGeom>
+          <a:effectLst>
+            <a:outerShdw blurRad="50800" dist="38100" dir="2700000" algn="tl" rotWithShape="0">
+              <a:prstClr val="black">
+                <a:alpha val="40000"/>
+              </a:prstClr>
+            </a:outerShdw>
+          </a:effectLst>
+        </p:spPr>
+      </p:pic>
     </p:spTree>
     <p:extLst>
       <p:ext uri="{BB962C8B-B14F-4D97-AF65-F5344CB8AC3E}">
@@ -26060,7 +22661,7 @@
         <p:spPr>
           <a:xfrm>
             <a:off x="0" y="2242212"/>
-            <a:ext cx="11959757" cy="1200329"/>
+            <a:ext cx="12039600" cy="1200329"/>
           </a:xfrm>
           <a:prstGeom prst="rect">
             <a:avLst/>
@@ -26095,7 +22696,7 @@
                 </a:solidFill>
                 <a:latin typeface="Consolas" panose="020B0609020204030204" pitchFamily="49" charset="0"/>
               </a:rPr>
-              <a:t>[ALLOWED SOURCES OR INSTRUCTIONS] </a:t>
+              <a:t>[ALLOWED SOURCES OR KEYWORDS] </a:t>
             </a:r>
             <a:r>
               <a:rPr lang="en-US" sz="2400" b="1" dirty="0">
@@ -26125,7 +22726,7 @@
                 </a:solidFill>
                 <a:latin typeface="Consolas" panose="020B0609020204030204" pitchFamily="49" charset="0"/>
               </a:rPr>
-              <a:t>[ALLOWED SOURCES OR INSTRUCTIONS] </a:t>
+              <a:t>[ALLOWED SOURCES OR KEYWORDS] </a:t>
             </a:r>
             <a:r>
               <a:rPr lang="en-US" sz="2400" b="1" dirty="0">
@@ -26155,7 +22756,7 @@
                 </a:solidFill>
                 <a:latin typeface="Consolas" panose="020B0609020204030204" pitchFamily="49" charset="0"/>
               </a:rPr>
-              <a:t>[ALLOWED SOURCES OR INSTRUCTIONS]</a:t>
+              <a:t>[ALLOWED SOURCES OR KEYWORDS]</a:t>
             </a:r>
           </a:p>
         </p:txBody>
@@ -27802,9 +24403,9 @@
           <a:noFill/>
           <a:ln w="25400">
             <a:solidFill>
-              <a:srgbClr val="00B0F0"/>
+              <a:schemeClr val="accent4"/>
             </a:solidFill>
-            <a:prstDash val="sysDash"/>
+            <a:prstDash val="solid"/>
           </a:ln>
         </p:spPr>
         <p:style>
@@ -28186,9 +24787,9 @@
           <a:noFill/>
           <a:ln w="25400">
             <a:solidFill>
-              <a:srgbClr val="00B0F0"/>
+              <a:schemeClr val="accent4"/>
             </a:solidFill>
-            <a:prstDash val="sysDash"/>
+            <a:prstDash val="solid"/>
           </a:ln>
         </p:spPr>
         <p:style>
@@ -30251,7 +26852,7 @@
             </a:pPr>
             <a:r>
               <a:rPr lang="en-US" sz="2400" noProof="1"/>
-              <a:t>🤗Job done: The malicious code was executed but the loading of the script was correctly blocked by the CSP policy! Yeah! We patched the XSS in one round !!!!</a:t>
+              <a:t>🤗Job done: The malicious code is executed but the loading of the script is correctly blocked by the CSP policy! Yeah! The XSS is patched in one round !!!!</a:t>
             </a:r>
           </a:p>
           <a:p>
@@ -30414,7 +27015,7 @@
             </a:pPr>
             <a:r>
               <a:rPr lang="en-US" sz="2400" noProof="1"/>
-              <a:t>🤔A colleague said: “We blocked the loading of a remote script but </a:t>
+              <a:t>🤔A colleague say: “We blocked the loading of a remote script but </a:t>
             </a:r>
             <a:r>
               <a:rPr lang="en-US" sz="2400" b="1" noProof="1"/>
@@ -30439,7 +27040,7 @@
             </a:pPr>
             <a:r>
               <a:rPr lang="en-US" sz="2400" noProof="1"/>
-              <a:t>📜He proposed to test following payload:</a:t>
+              <a:t>📜He proposes to test following payload:</a:t>
             </a:r>
           </a:p>
           <a:p>
@@ -30596,7 +27197,7 @@
             </a:pPr>
             <a:r>
               <a:rPr lang="en-US" sz="2400" noProof="1"/>
-              <a:t>😨Payload was successfully executed!</a:t>
+              <a:t>😨Payload is successfully executed!</a:t>
             </a:r>
           </a:p>
           <a:p>
@@ -30754,7 +27355,7 @@
             </a:pPr>
             <a:r>
               <a:rPr lang="en-US" sz="2400" noProof="1"/>
-              <a:t>😨Payload was successfully executed!</a:t>
+              <a:t>😨Payload is successfully executed!</a:t>
             </a:r>
           </a:p>
           <a:p>
@@ -30911,7 +27512,7 @@
             </a:pPr>
             <a:r>
               <a:rPr lang="en-US" sz="2400" noProof="1"/>
-              <a:t>😨Payload was successfully executed!</a:t>
+              <a:t>😨Payload is successfully executed!</a:t>
             </a:r>
           </a:p>
           <a:p>
@@ -31073,7 +27674,7 @@
             </a:pPr>
             <a:r>
               <a:rPr lang="en-US" sz="2400" noProof="1"/>
-              <a:t>😕You said: “The attacker can execute action on behalf of the current user but, at least, </a:t>
+              <a:t>😕You say: “The attacker can execute action on behalf of the current user but, at least, </a:t>
             </a:r>
             <a:r>
               <a:rPr lang="en-US" sz="2400" b="1" noProof="1"/>
@@ -31098,7 +27699,7 @@
             </a:pPr>
             <a:r>
               <a:rPr lang="en-US" sz="2400" noProof="1"/>
-              <a:t>🤔Same colleague said “</a:t>
+              <a:t>🤔Same colleague say “</a:t>
             </a:r>
             <a:r>
               <a:rPr lang="en-US" sz="2400" b="1" noProof="1"/>
@@ -31106,7 +27707,7 @@
             </a:r>
             <a:r>
               <a:rPr lang="en-US" sz="2400" noProof="1"/>
-              <a:t>” and proposed to test following payload:</a:t>
+              <a:t>” and proposes to test the following payload:</a:t>
             </a:r>
           </a:p>
           <a:p>
@@ -31581,7 +28182,7 @@
             </a:pPr>
             <a:r>
               <a:rPr lang="en-US" sz="2400" noProof="1"/>
-              <a:t>😨Payload was successfully executed!</a:t>
+              <a:t>😨Payload is successfully executed!</a:t>
             </a:r>
           </a:p>
           <a:p>
@@ -31844,7 +28445,7 @@
             </a:pPr>
             <a:r>
               <a:rPr lang="en-US" sz="2400" noProof="1"/>
-              <a:t>😨Payload was successfully executed!</a:t>
+              <a:t>😨Payload is successfully executed!</a:t>
             </a:r>
           </a:p>
           <a:p>
@@ -32395,7 +28996,7 @@
             </a:pPr>
             <a:r>
               <a:rPr lang="en-US" sz="2400" noProof="1"/>
-              <a:t>👨‍💻For this tentative, the CSP created previously was used and the </a:t>
+              <a:t>👨‍💻For this tentative, the CSP created previously is used and the </a:t>
             </a:r>
             <a:r>
               <a:rPr lang="en-US" sz="2400" b="1" noProof="1">
@@ -32407,7 +29008,7 @@
             </a:r>
             <a:r>
               <a:rPr lang="en-US" sz="2400" noProof="1"/>
-              <a:t> directive was added:</a:t>
+              <a:t> directive is added:</a:t>
             </a:r>
             <a:endParaRPr lang="en-US" sz="2400" b="1" noProof="1">
               <a:solidFill>
@@ -32883,7 +29484,7 @@
             </a:pPr>
             <a:r>
               <a:rPr lang="en-US" sz="2400" noProof="1"/>
-              <a:t>🤗New test confirmed that, blocking sending out data, was effective:</a:t>
+              <a:t>🤗New test confirms that, blocking sending out data, is effective:</a:t>
             </a:r>
             <a:endParaRPr lang="en-US" sz="2400" b="1" noProof="1"/>
           </a:p>
@@ -33094,7 +29695,7 @@
             </a:pPr>
             <a:r>
               <a:rPr lang="en-US" sz="2400" noProof="1"/>
-              <a:t>🤔Idea was to to block the execution of any injected JavaScript code, by removing the </a:t>
+              <a:t>🤔Idea is to to block the execution of any injected JavaScript code, by removing the </a:t>
             </a:r>
             <a:r>
               <a:rPr lang="en-US" sz="2400" b="1" noProof="1">
@@ -33591,7 +30192,7 @@
             </a:pPr>
             <a:r>
               <a:rPr lang="en-US" sz="2400" noProof="1"/>
-              <a:t>😱However, this broke the review feature:</a:t>
+              <a:t>😱However, this breaks the review feature:</a:t>
             </a:r>
           </a:p>
           <a:p>
@@ -33817,7 +30418,7 @@
             </a:pPr>
             <a:r>
               <a:rPr lang="en-US" sz="2400" noProof="1"/>
-              <a:t>👨‍💻For this tentative, the CSP created previously was used and the directive </a:t>
+              <a:t>👨‍💻For this tentative, the CSP created previously is used and the directive </a:t>
             </a:r>
             <a:r>
               <a:rPr lang="en-US" sz="2400" b="1" noProof="1">
@@ -33829,7 +30430,7 @@
             </a:r>
             <a:r>
               <a:rPr lang="en-US" sz="2400" noProof="1"/>
-              <a:t> was leveraged: This directive </a:t>
+              <a:t> is leveraged: This directive </a:t>
             </a:r>
             <a:r>
               <a:rPr lang="en-US" sz="2400" b="1" noProof="1"/>
@@ -33854,7 +30455,7 @@
             </a:pPr>
             <a:r>
               <a:rPr lang="en-US" sz="2400" noProof="1"/>
-              <a:t>🤔Idea was to tune the allowed behavior on scripts:</a:t>
+              <a:t>🤔Idea is to tune the allowed behavior on scripts:</a:t>
             </a:r>
           </a:p>
           <a:p>
@@ -34368,7 +30969,7 @@
             </a:pPr>
             <a:r>
               <a:rPr lang="en-US" sz="2400" noProof="1"/>
-              <a:t>😨Payloads used by the auditor were still successfully executed!</a:t>
+              <a:t>😨Payloads used by the auditor are still successfully executed!</a:t>
             </a:r>
           </a:p>
           <a:p>
@@ -34556,11 +31157,11 @@
             </a:pPr>
             <a:r>
               <a:rPr lang="en-US" sz="2400" noProof="1"/>
-              <a:t>🤯It was normal because the auditor was using a payload that was like the code of the app that you must keep functional: </a:t>
+              <a:t>🤯It is normal because the auditor is using a payload that is like the code of the app that you must keep functional: </a:t>
             </a:r>
             <a:r>
               <a:rPr lang="en-US" sz="2400" b="1" noProof="1"/>
-              <a:t>An event handler was used to execute the malicious code</a:t>
+              <a:t>An event handler is used to execute the malicious code</a:t>
             </a:r>
             <a:r>
               <a:rPr lang="en-US" sz="2400" noProof="1"/>
@@ -34811,7 +31412,7 @@
         </p:blipFill>
         <p:spPr>
           <a:xfrm>
-            <a:off x="392008" y="5906032"/>
+            <a:off x="392008" y="6016103"/>
             <a:ext cx="7388859" cy="714560"/>
           </a:xfrm>
           <a:prstGeom prst="rect">
@@ -34840,7 +31441,7 @@
         </p:nvSpPr>
         <p:spPr>
           <a:xfrm>
-            <a:off x="1879601" y="5945812"/>
+            <a:off x="1879601" y="6055883"/>
             <a:ext cx="5816599" cy="635000"/>
           </a:xfrm>
           <a:prstGeom prst="rect">
@@ -35000,6 +31601,112 @@
           </a:prstGeom>
         </p:spPr>
       </p:pic>
+      <p:sp>
+        <p:nvSpPr>
+          <p:cNvPr id="3" name="Arrow: Left-Up 2">
+            <a:extLst>
+              <a:ext uri="{FF2B5EF4-FFF2-40B4-BE49-F238E27FC236}">
+                <a16:creationId xmlns:a16="http://schemas.microsoft.com/office/drawing/2014/main" id="{6B33F167-9F57-A057-1CEC-6A0CE8A055E1}"/>
+              </a:ext>
+            </a:extLst>
+          </p:cNvPr>
+          <p:cNvSpPr/>
+          <p:nvPr/>
+        </p:nvSpPr>
+        <p:spPr>
+          <a:xfrm>
+            <a:off x="2941110" y="4134414"/>
+            <a:ext cx="2850090" cy="1082072"/>
+          </a:xfrm>
+          <a:prstGeom prst="leftUpArrow">
+            <a:avLst/>
+          </a:prstGeom>
+        </p:spPr>
+        <p:style>
+          <a:lnRef idx="2">
+            <a:schemeClr val="accent1">
+              <a:shade val="15000"/>
+            </a:schemeClr>
+          </a:lnRef>
+          <a:fillRef idx="1">
+            <a:schemeClr val="accent1"/>
+          </a:fillRef>
+          <a:effectRef idx="0">
+            <a:schemeClr val="accent1"/>
+          </a:effectRef>
+          <a:fontRef idx="minor">
+            <a:schemeClr val="lt1"/>
+          </a:fontRef>
+        </p:style>
+        <p:txBody>
+          <a:bodyPr rtlCol="0" anchor="ctr"/>
+          <a:lstStyle/>
+          <a:p>
+            <a:pPr algn="ctr"/>
+            <a:r>
+              <a:rPr lang="en-US" dirty="0">
+                <a:solidFill>
+                  <a:schemeClr val="tx1"/>
+                </a:solidFill>
+              </a:rPr>
+              <a:t>Code used by the app</a:t>
+            </a:r>
+          </a:p>
+        </p:txBody>
+      </p:sp>
+      <p:sp>
+        <p:nvSpPr>
+          <p:cNvPr id="4" name="Callout: Down Arrow 3">
+            <a:extLst>
+              <a:ext uri="{FF2B5EF4-FFF2-40B4-BE49-F238E27FC236}">
+                <a16:creationId xmlns:a16="http://schemas.microsoft.com/office/drawing/2014/main" id="{04348D38-25B2-4C3B-2C0E-02608F4BB478}"/>
+              </a:ext>
+            </a:extLst>
+          </p:cNvPr>
+          <p:cNvSpPr/>
+          <p:nvPr/>
+        </p:nvSpPr>
+        <p:spPr>
+          <a:xfrm>
+            <a:off x="3052233" y="5326553"/>
+            <a:ext cx="3471333" cy="689546"/>
+          </a:xfrm>
+          <a:prstGeom prst="downArrowCallout">
+            <a:avLst/>
+          </a:prstGeom>
+        </p:spPr>
+        <p:style>
+          <a:lnRef idx="2">
+            <a:schemeClr val="accent1">
+              <a:shade val="15000"/>
+            </a:schemeClr>
+          </a:lnRef>
+          <a:fillRef idx="1">
+            <a:schemeClr val="accent1"/>
+          </a:fillRef>
+          <a:effectRef idx="0">
+            <a:schemeClr val="accent1"/>
+          </a:effectRef>
+          <a:fontRef idx="minor">
+            <a:schemeClr val="lt1"/>
+          </a:fontRef>
+        </p:style>
+        <p:txBody>
+          <a:bodyPr rtlCol="0" anchor="ctr"/>
+          <a:lstStyle/>
+          <a:p>
+            <a:pPr algn="ctr"/>
+            <a:r>
+              <a:rPr lang="en-US" dirty="0">
+                <a:solidFill>
+                  <a:schemeClr val="tx1"/>
+                </a:solidFill>
+              </a:rPr>
+              <a:t>Payloads used by the auditor</a:t>
+            </a:r>
+          </a:p>
+        </p:txBody>
+      </p:sp>
     </p:spTree>
     <p:extLst>
       <p:ext uri="{BB962C8B-B14F-4D97-AF65-F5344CB8AC3E}">
@@ -35022,6 +31729,217 @@
       </p:transition>
     </mc:Fallback>
   </mc:AlternateContent>
+  <p:timing>
+    <p:tnLst>
+      <p:par>
+        <p:cTn id="1" dur="indefinite" restart="never" nodeType="tmRoot">
+          <p:childTnLst>
+            <p:seq concurrent="1" nextAc="seek">
+              <p:cTn id="2" dur="indefinite" nodeType="mainSeq">
+                <p:childTnLst>
+                  <p:par>
+                    <p:cTn id="3" fill="hold">
+                      <p:stCondLst>
+                        <p:cond delay="indefinite"/>
+                      </p:stCondLst>
+                      <p:childTnLst>
+                        <p:par>
+                          <p:cTn id="4" fill="hold">
+                            <p:stCondLst>
+                              <p:cond delay="0"/>
+                            </p:stCondLst>
+                            <p:childTnLst>
+                              <p:par>
+                                <p:cTn id="5" presetID="10" presetClass="entr" presetSubtype="0" fill="hold" grpId="0" nodeType="clickEffect">
+                                  <p:stCondLst>
+                                    <p:cond delay="0"/>
+                                  </p:stCondLst>
+                                  <p:childTnLst>
+                                    <p:set>
+                                      <p:cBhvr>
+                                        <p:cTn id="6" dur="1" fill="hold">
+                                          <p:stCondLst>
+                                            <p:cond delay="0"/>
+                                          </p:stCondLst>
+                                        </p:cTn>
+                                        <p:tgtEl>
+                                          <p:spTgt spid="4"/>
+                                        </p:tgtEl>
+                                        <p:attrNameLst>
+                                          <p:attrName>style.visibility</p:attrName>
+                                        </p:attrNameLst>
+                                      </p:cBhvr>
+                                      <p:to>
+                                        <p:strVal val="visible"/>
+                                      </p:to>
+                                    </p:set>
+                                    <p:animEffect transition="in" filter="fade">
+                                      <p:cBhvr>
+                                        <p:cTn id="7" dur="500"/>
+                                        <p:tgtEl>
+                                          <p:spTgt spid="4"/>
+                                        </p:tgtEl>
+                                      </p:cBhvr>
+                                    </p:animEffect>
+                                  </p:childTnLst>
+                                </p:cTn>
+                              </p:par>
+                              <p:par>
+                                <p:cTn id="8" presetID="10" presetClass="entr" presetSubtype="0" fill="hold" grpId="0" nodeType="withEffect">
+                                  <p:stCondLst>
+                                    <p:cond delay="0"/>
+                                  </p:stCondLst>
+                                  <p:childTnLst>
+                                    <p:set>
+                                      <p:cBhvr>
+                                        <p:cTn id="9" dur="1" fill="hold">
+                                          <p:stCondLst>
+                                            <p:cond delay="0"/>
+                                          </p:stCondLst>
+                                        </p:cTn>
+                                        <p:tgtEl>
+                                          <p:spTgt spid="17"/>
+                                        </p:tgtEl>
+                                        <p:attrNameLst>
+                                          <p:attrName>style.visibility</p:attrName>
+                                        </p:attrNameLst>
+                                      </p:cBhvr>
+                                      <p:to>
+                                        <p:strVal val="visible"/>
+                                      </p:to>
+                                    </p:set>
+                                    <p:animEffect transition="in" filter="fade">
+                                      <p:cBhvr>
+                                        <p:cTn id="10" dur="500"/>
+                                        <p:tgtEl>
+                                          <p:spTgt spid="17"/>
+                                        </p:tgtEl>
+                                      </p:cBhvr>
+                                    </p:animEffect>
+                                  </p:childTnLst>
+                                </p:cTn>
+                              </p:par>
+                              <p:par>
+                                <p:cTn id="11" presetID="10" presetClass="entr" presetSubtype="0" fill="hold" nodeType="withEffect">
+                                  <p:stCondLst>
+                                    <p:cond delay="0"/>
+                                  </p:stCondLst>
+                                  <p:childTnLst>
+                                    <p:set>
+                                      <p:cBhvr>
+                                        <p:cTn id="12" dur="1" fill="hold">
+                                          <p:stCondLst>
+                                            <p:cond delay="0"/>
+                                          </p:stCondLst>
+                                        </p:cTn>
+                                        <p:tgtEl>
+                                          <p:spTgt spid="16"/>
+                                        </p:tgtEl>
+                                        <p:attrNameLst>
+                                          <p:attrName>style.visibility</p:attrName>
+                                        </p:attrNameLst>
+                                      </p:cBhvr>
+                                      <p:to>
+                                        <p:strVal val="visible"/>
+                                      </p:to>
+                                    </p:set>
+                                    <p:animEffect transition="in" filter="fade">
+                                      <p:cBhvr>
+                                        <p:cTn id="13" dur="500"/>
+                                        <p:tgtEl>
+                                          <p:spTgt spid="16"/>
+                                        </p:tgtEl>
+                                      </p:cBhvr>
+                                    </p:animEffect>
+                                  </p:childTnLst>
+                                </p:cTn>
+                              </p:par>
+                            </p:childTnLst>
+                          </p:cTn>
+                        </p:par>
+                      </p:childTnLst>
+                    </p:cTn>
+                  </p:par>
+                  <p:par>
+                    <p:cTn id="14" fill="hold">
+                      <p:stCondLst>
+                        <p:cond delay="indefinite"/>
+                      </p:stCondLst>
+                      <p:childTnLst>
+                        <p:par>
+                          <p:cTn id="15" fill="hold">
+                            <p:stCondLst>
+                              <p:cond delay="0"/>
+                            </p:stCondLst>
+                            <p:childTnLst>
+                              <p:par>
+                                <p:cTn id="16" presetID="10" presetClass="entr" presetSubtype="0" fill="hold" grpId="0" nodeType="clickEffect">
+                                  <p:stCondLst>
+                                    <p:cond delay="0"/>
+                                  </p:stCondLst>
+                                  <p:childTnLst>
+                                    <p:set>
+                                      <p:cBhvr>
+                                        <p:cTn id="17" dur="1" fill="hold">
+                                          <p:stCondLst>
+                                            <p:cond delay="0"/>
+                                          </p:stCondLst>
+                                        </p:cTn>
+                                        <p:tgtEl>
+                                          <p:spTgt spid="18"/>
+                                        </p:tgtEl>
+                                        <p:attrNameLst>
+                                          <p:attrName>style.visibility</p:attrName>
+                                        </p:attrNameLst>
+                                      </p:cBhvr>
+                                      <p:to>
+                                        <p:strVal val="visible"/>
+                                      </p:to>
+                                    </p:set>
+                                    <p:animEffect transition="in" filter="fade">
+                                      <p:cBhvr>
+                                        <p:cTn id="18" dur="500"/>
+                                        <p:tgtEl>
+                                          <p:spTgt spid="18"/>
+                                        </p:tgtEl>
+                                      </p:cBhvr>
+                                    </p:animEffect>
+                                  </p:childTnLst>
+                                </p:cTn>
+                              </p:par>
+                            </p:childTnLst>
+                          </p:cTn>
+                        </p:par>
+                      </p:childTnLst>
+                    </p:cTn>
+                  </p:par>
+                </p:childTnLst>
+              </p:cTn>
+              <p:prevCondLst>
+                <p:cond evt="onPrev" delay="0">
+                  <p:tgtEl>
+                    <p:sldTgt/>
+                  </p:tgtEl>
+                </p:cond>
+              </p:prevCondLst>
+              <p:nextCondLst>
+                <p:cond evt="onNext" delay="0">
+                  <p:tgtEl>
+                    <p:sldTgt/>
+                  </p:tgtEl>
+                </p:cond>
+              </p:nextCondLst>
+            </p:seq>
+          </p:childTnLst>
+        </p:cTn>
+      </p:par>
+    </p:tnLst>
+    <p:bldLst>
+      <p:bldP spid="17" grpId="0" animBg="1"/>
+      <p:bldP spid="18" grpId="0" animBg="1"/>
+      <p:bldP spid="4" grpId="0" animBg="1"/>
+    </p:bldLst>
+  </p:timing>
 </p:sld>
 </file>
 
@@ -35353,10 +32271,10 @@
       </p:sp>
       <p:pic>
         <p:nvPicPr>
-          <p:cNvPr id="10" name="Picture 9">
-            <a:extLst>
-              <a:ext uri="{FF2B5EF4-FFF2-40B4-BE49-F238E27FC236}">
-                <a16:creationId xmlns:a16="http://schemas.microsoft.com/office/drawing/2014/main" id="{CFB6911A-F0C5-23CA-1AE6-7EF926F5FFF0}"/>
+          <p:cNvPr id="8" name="Picture 7">
+            <a:extLst>
+              <a:ext uri="{FF2B5EF4-FFF2-40B4-BE49-F238E27FC236}">
+                <a16:creationId xmlns:a16="http://schemas.microsoft.com/office/drawing/2014/main" id="{632AFEE3-DF8B-1238-B680-CC9EA455F980}"/>
               </a:ext>
             </a:extLst>
           </p:cNvPr>
@@ -35373,27 +32291,20 @@
         </p:blipFill>
         <p:spPr>
           <a:xfrm>
-            <a:off x="431801" y="3098799"/>
-            <a:ext cx="11352009" cy="1769534"/>
+            <a:off x="2650068" y="2446213"/>
+            <a:ext cx="6799786" cy="4346974"/>
           </a:xfrm>
           <a:prstGeom prst="rect">
             <a:avLst/>
           </a:prstGeom>
-          <a:effectLst>
-            <a:outerShdw blurRad="50800" dist="38100" algn="l" rotWithShape="0">
-              <a:prstClr val="black">
-                <a:alpha val="40000"/>
-              </a:prstClr>
-            </a:outerShdw>
-          </a:effectLst>
         </p:spPr>
       </p:pic>
       <p:sp>
         <p:nvSpPr>
-          <p:cNvPr id="11" name="Rectangle 10">
-            <a:extLst>
-              <a:ext uri="{FF2B5EF4-FFF2-40B4-BE49-F238E27FC236}">
-                <a16:creationId xmlns:a16="http://schemas.microsoft.com/office/drawing/2014/main" id="{12CD8640-E815-9DB3-7528-51174A9096DA}"/>
+          <p:cNvPr id="9" name="Rectangle 8">
+            <a:extLst>
+              <a:ext uri="{FF2B5EF4-FFF2-40B4-BE49-F238E27FC236}">
+                <a16:creationId xmlns:a16="http://schemas.microsoft.com/office/drawing/2014/main" id="{38553B24-3CAE-8B02-A5D1-C07D1AF827C4}"/>
               </a:ext>
             </a:extLst>
           </p:cNvPr>
@@ -35402,8 +32313,8 @@
         </p:nvSpPr>
         <p:spPr>
           <a:xfrm>
-            <a:off x="1457352" y="3725333"/>
-            <a:ext cx="10074247" cy="296334"/>
+            <a:off x="2650068" y="5452533"/>
+            <a:ext cx="6002864" cy="1219200"/>
           </a:xfrm>
           <a:prstGeom prst="rect">
             <a:avLst/>
@@ -35442,27 +32353,29 @@
       </p:sp>
       <p:cxnSp>
         <p:nvCxnSpPr>
-          <p:cNvPr id="4" name="Straight Connector 3">
-            <a:extLst>
-              <a:ext uri="{FF2B5EF4-FFF2-40B4-BE49-F238E27FC236}">
-                <a16:creationId xmlns:a16="http://schemas.microsoft.com/office/drawing/2014/main" id="{EA9D7E1D-B45B-58E9-C14E-F4A6E3FFADE1}"/>
-              </a:ext>
-            </a:extLst>
-          </p:cNvPr>
-          <p:cNvCxnSpPr/>
+          <p:cNvPr id="3" name="Straight Connector 2">
+            <a:extLst>
+              <a:ext uri="{FF2B5EF4-FFF2-40B4-BE49-F238E27FC236}">
+                <a16:creationId xmlns:a16="http://schemas.microsoft.com/office/drawing/2014/main" id="{E5AC9523-55BD-4D30-CFE6-CD6EC7929BDE}"/>
+              </a:ext>
+            </a:extLst>
+          </p:cNvPr>
+          <p:cNvCxnSpPr>
+            <a:cxnSpLocks/>
+          </p:cNvCxnSpPr>
           <p:nvPr/>
         </p:nvCxnSpPr>
         <p:spPr>
           <a:xfrm>
-            <a:off x="6383867" y="3970865"/>
-            <a:ext cx="1464733" cy="0"/>
+            <a:off x="4775200" y="6587065"/>
+            <a:ext cx="1075267" cy="0"/>
           </a:xfrm>
           <a:prstGeom prst="line">
             <a:avLst/>
           </a:prstGeom>
           <a:ln w="25400">
             <a:solidFill>
-              <a:srgbClr val="FF0000"/>
+              <a:srgbClr val="92D050"/>
             </a:solidFill>
           </a:ln>
         </p:spPr>
@@ -35484,25 +32397,13 @@
     </p:spTree>
     <p:extLst>
       <p:ext uri="{BB962C8B-B14F-4D97-AF65-F5344CB8AC3E}">
-        <p14:creationId xmlns:p14="http://schemas.microsoft.com/office/powerpoint/2010/main" val="3935884449"/>
+        <p14:creationId xmlns:p14="http://schemas.microsoft.com/office/powerpoint/2010/main" val="1011501238"/>
       </p:ext>
     </p:extLst>
   </p:cSld>
   <p:clrMapOvr>
     <a:masterClrMapping/>
   </p:clrMapOvr>
-  <mc:AlternateContent xmlns:mc="http://schemas.openxmlformats.org/markup-compatibility/2006" xmlns:p14="http://schemas.microsoft.com/office/powerpoint/2010/main">
-    <mc:Choice Requires="p14">
-      <p:transition spd="med" p14:dur="700">
-        <p:fade/>
-      </p:transition>
-    </mc:Choice>
-    <mc:Fallback xmlns="">
-      <p:transition spd="med">
-        <p:fade/>
-      </p:transition>
-    </mc:Fallback>
-  </mc:AlternateContent>
 </p:sld>
 </file>
 
@@ -35665,10 +32566,10 @@
       </p:sp>
       <p:pic>
         <p:nvPicPr>
-          <p:cNvPr id="8" name="Picture 7">
-            <a:extLst>
-              <a:ext uri="{FF2B5EF4-FFF2-40B4-BE49-F238E27FC236}">
-                <a16:creationId xmlns:a16="http://schemas.microsoft.com/office/drawing/2014/main" id="{632AFEE3-DF8B-1238-B680-CC9EA455F980}"/>
+          <p:cNvPr id="10" name="Picture 9">
+            <a:extLst>
+              <a:ext uri="{FF2B5EF4-FFF2-40B4-BE49-F238E27FC236}">
+                <a16:creationId xmlns:a16="http://schemas.microsoft.com/office/drawing/2014/main" id="{CFB6911A-F0C5-23CA-1AE6-7EF926F5FFF0}"/>
               </a:ext>
             </a:extLst>
           </p:cNvPr>
@@ -35685,20 +32586,27 @@
         </p:blipFill>
         <p:spPr>
           <a:xfrm>
-            <a:off x="2650068" y="2446213"/>
-            <a:ext cx="6799786" cy="4346974"/>
+            <a:off x="431801" y="3098799"/>
+            <a:ext cx="11352009" cy="1769534"/>
           </a:xfrm>
           <a:prstGeom prst="rect">
             <a:avLst/>
           </a:prstGeom>
+          <a:effectLst>
+            <a:outerShdw blurRad="50800" dist="38100" algn="l" rotWithShape="0">
+              <a:prstClr val="black">
+                <a:alpha val="40000"/>
+              </a:prstClr>
+            </a:outerShdw>
+          </a:effectLst>
         </p:spPr>
       </p:pic>
       <p:sp>
         <p:nvSpPr>
-          <p:cNvPr id="9" name="Rectangle 8">
-            <a:extLst>
-              <a:ext uri="{FF2B5EF4-FFF2-40B4-BE49-F238E27FC236}">
-                <a16:creationId xmlns:a16="http://schemas.microsoft.com/office/drawing/2014/main" id="{38553B24-3CAE-8B02-A5D1-C07D1AF827C4}"/>
+          <p:cNvPr id="11" name="Rectangle 10">
+            <a:extLst>
+              <a:ext uri="{FF2B5EF4-FFF2-40B4-BE49-F238E27FC236}">
+                <a16:creationId xmlns:a16="http://schemas.microsoft.com/office/drawing/2014/main" id="{12CD8640-E815-9DB3-7528-51174A9096DA}"/>
               </a:ext>
             </a:extLst>
           </p:cNvPr>
@@ -35707,8 +32615,8 @@
         </p:nvSpPr>
         <p:spPr>
           <a:xfrm>
-            <a:off x="2650068" y="5452533"/>
-            <a:ext cx="6002864" cy="1219200"/>
+            <a:off x="1457352" y="3725333"/>
+            <a:ext cx="10074247" cy="296334"/>
           </a:xfrm>
           <a:prstGeom prst="rect">
             <a:avLst/>
@@ -35747,29 +32655,27 @@
       </p:sp>
       <p:cxnSp>
         <p:nvCxnSpPr>
-          <p:cNvPr id="3" name="Straight Connector 2">
-            <a:extLst>
-              <a:ext uri="{FF2B5EF4-FFF2-40B4-BE49-F238E27FC236}">
-                <a16:creationId xmlns:a16="http://schemas.microsoft.com/office/drawing/2014/main" id="{E5AC9523-55BD-4D30-CFE6-CD6EC7929BDE}"/>
-              </a:ext>
-            </a:extLst>
-          </p:cNvPr>
-          <p:cNvCxnSpPr>
-            <a:cxnSpLocks/>
-          </p:cNvCxnSpPr>
+          <p:cNvPr id="4" name="Straight Connector 3">
+            <a:extLst>
+              <a:ext uri="{FF2B5EF4-FFF2-40B4-BE49-F238E27FC236}">
+                <a16:creationId xmlns:a16="http://schemas.microsoft.com/office/drawing/2014/main" id="{EA9D7E1D-B45B-58E9-C14E-F4A6E3FFADE1}"/>
+              </a:ext>
+            </a:extLst>
+          </p:cNvPr>
+          <p:cNvCxnSpPr/>
           <p:nvPr/>
         </p:nvCxnSpPr>
         <p:spPr>
           <a:xfrm>
-            <a:off x="4775200" y="6587065"/>
-            <a:ext cx="1075267" cy="0"/>
+            <a:off x="6383867" y="3970865"/>
+            <a:ext cx="1464733" cy="0"/>
           </a:xfrm>
           <a:prstGeom prst="line">
             <a:avLst/>
           </a:prstGeom>
           <a:ln w="25400">
             <a:solidFill>
-              <a:srgbClr val="92D050"/>
+              <a:srgbClr val="FF0000"/>
             </a:solidFill>
           </a:ln>
         </p:spPr>
@@ -35788,10 +32694,49 @@
           </a:fontRef>
         </p:style>
       </p:cxnSp>
+      <p:sp>
+        <p:nvSpPr>
+          <p:cNvPr id="3" name="TextBox 2">
+            <a:extLst>
+              <a:ext uri="{FF2B5EF4-FFF2-40B4-BE49-F238E27FC236}">
+                <a16:creationId xmlns:a16="http://schemas.microsoft.com/office/drawing/2014/main" id="{A92DB9E7-2734-D13A-D8FD-DE52F0413DB7}"/>
+              </a:ext>
+            </a:extLst>
+          </p:cNvPr>
+          <p:cNvSpPr txBox="1"/>
+          <p:nvPr/>
+        </p:nvSpPr>
+        <p:spPr>
+          <a:xfrm>
+            <a:off x="5200649" y="3160157"/>
+            <a:ext cx="4791075" cy="369332"/>
+          </a:xfrm>
+          <a:prstGeom prst="rect">
+            <a:avLst/>
+          </a:prstGeom>
+          <a:noFill/>
+        </p:spPr>
+        <p:txBody>
+          <a:bodyPr wrap="square" rtlCol="0">
+            <a:spAutoFit/>
+          </a:bodyPr>
+          <a:lstStyle/>
+          <a:p>
+            <a:r>
+              <a:rPr lang="en-US" dirty="0">
+                <a:solidFill>
+                  <a:schemeClr val="accent4"/>
+                </a:solidFill>
+              </a:rPr>
+              <a:t>JS code used by the app</a:t>
+            </a:r>
+          </a:p>
+        </p:txBody>
+      </p:sp>
     </p:spTree>
     <p:extLst>
       <p:ext uri="{BB962C8B-B14F-4D97-AF65-F5344CB8AC3E}">
-        <p14:creationId xmlns:p14="http://schemas.microsoft.com/office/powerpoint/2010/main" val="1011501238"/>
+        <p14:creationId xmlns:p14="http://schemas.microsoft.com/office/powerpoint/2010/main" val="3935884449"/>
       </p:ext>
     </p:extLst>
   </p:cSld>
@@ -35900,7 +32845,7 @@
             </a:pPr>
             <a:r>
               <a:rPr lang="en-US" sz="2400" noProof="1"/>
-              <a:t>🤔You decided to break </a:t>
+              <a:t>🤔You decide to break </a:t>
             </a:r>
             <a:r>
               <a:rPr lang="en-US" sz="2400" b="1" noProof="1"/>
@@ -36007,6 +32952,13 @@
           <a:prstGeom prst="rect">
             <a:avLst/>
           </a:prstGeom>
+          <a:effectLst>
+            <a:outerShdw blurRad="50800" dist="38100" algn="l" rotWithShape="0">
+              <a:prstClr val="black">
+                <a:alpha val="40000"/>
+              </a:prstClr>
+            </a:outerShdw>
+          </a:effectLst>
         </p:spPr>
       </p:pic>
       <p:sp>
@@ -36472,7 +33424,7 @@
             </a:pPr>
             <a:r>
               <a:rPr lang="en-US" sz="2400" noProof="1"/>
-              <a:t>😊It worked: Feature is functional and XSS payloads are not executed anymore!</a:t>
+              <a:t>😊It works: Feature is functional and XSS payloads are not executed anymore!</a:t>
             </a:r>
           </a:p>
           <a:p>
@@ -36547,20 +33499,26 @@
           </p:cNvPicPr>
           <p:nvPr/>
         </p:nvPicPr>
-        <p:blipFill>
+        <p:blipFill rotWithShape="1">
           <a:blip r:embed="rId2"/>
-          <a:stretch>
-            <a:fillRect/>
-          </a:stretch>
+          <a:srcRect t="18595"/>
+          <a:stretch/>
         </p:blipFill>
         <p:spPr>
           <a:xfrm>
-            <a:off x="3606799" y="2264639"/>
-            <a:ext cx="5168473" cy="4449428"/>
+            <a:off x="2507531" y="2198998"/>
+            <a:ext cx="6362010" cy="4458508"/>
           </a:xfrm>
           <a:prstGeom prst="rect">
             <a:avLst/>
           </a:prstGeom>
+          <a:effectLst>
+            <a:outerShdw blurRad="50800" dist="38100" algn="l" rotWithShape="0">
+              <a:prstClr val="black">
+                <a:alpha val="40000"/>
+              </a:prstClr>
+            </a:outerShdw>
+          </a:effectLst>
         </p:spPr>
       </p:pic>
     </p:spTree>
@@ -36675,7 +33633,7 @@
             </a:pPr>
             <a:r>
               <a:rPr lang="en-US" sz="2400" noProof="1"/>
-              <a:t>😊It worked: Feature is functional and XSS payloads are not executed anymore</a:t>
+              <a:t>😊It works: Feature is functional and XSS payloads are not executed anymore!</a:t>
             </a:r>
           </a:p>
           <a:p>
@@ -36763,6 +33721,13 @@
           <a:prstGeom prst="rect">
             <a:avLst/>
           </a:prstGeom>
+          <a:effectLst>
+            <a:outerShdw blurRad="50800" dist="38100" algn="l" rotWithShape="0">
+              <a:prstClr val="black">
+                <a:alpha val="40000"/>
+              </a:prstClr>
+            </a:outerShdw>
+          </a:effectLst>
         </p:spPr>
       </p:pic>
     </p:spTree>
@@ -36877,7 +33842,7 @@
             </a:pPr>
             <a:r>
               <a:rPr lang="en-US" sz="2400" noProof="1"/>
-              <a:t>✅You provided your feedback to the CISO/PO:</a:t>
+              <a:t>✅You provides this feedback to the CISO/PO:</a:t>
             </a:r>
           </a:p>
           <a:p>
@@ -37374,6 +34339,82 @@
           </a:p>
         </p:txBody>
       </p:sp>
+      <p:pic>
+        <p:nvPicPr>
+          <p:cNvPr id="4" name="Picture 3" descr="Two dogs wearing sweaters and a sweater&#10;&#10;Description automatically generated">
+            <a:extLst>
+              <a:ext uri="{FF2B5EF4-FFF2-40B4-BE49-F238E27FC236}">
+                <a16:creationId xmlns:a16="http://schemas.microsoft.com/office/drawing/2014/main" id="{43A75D3A-5A10-57E4-682B-D93F25FE00DD}"/>
+              </a:ext>
+            </a:extLst>
+          </p:cNvPr>
+          <p:cNvPicPr>
+            <a:picLocks noChangeAspect="1"/>
+          </p:cNvPicPr>
+          <p:nvPr/>
+        </p:nvPicPr>
+        <p:blipFill>
+          <a:blip r:embed="rId2"/>
+          <a:stretch>
+            <a:fillRect/>
+          </a:stretch>
+        </p:blipFill>
+        <p:spPr>
+          <a:xfrm>
+            <a:off x="274422" y="707009"/>
+            <a:ext cx="5618377" cy="5618377"/>
+          </a:xfrm>
+          <a:prstGeom prst="rect">
+            <a:avLst/>
+          </a:prstGeom>
+        </p:spPr>
+      </p:pic>
+      <p:sp>
+        <p:nvSpPr>
+          <p:cNvPr id="5" name="TextBox 4">
+            <a:extLst>
+              <a:ext uri="{FF2B5EF4-FFF2-40B4-BE49-F238E27FC236}">
+                <a16:creationId xmlns:a16="http://schemas.microsoft.com/office/drawing/2014/main" id="{30768DC5-971B-FE3A-5821-C8B282E689F5}"/>
+              </a:ext>
+            </a:extLst>
+          </p:cNvPr>
+          <p:cNvSpPr txBox="1"/>
+          <p:nvPr/>
+        </p:nvSpPr>
+        <p:spPr>
+          <a:xfrm>
+            <a:off x="0" y="6488668"/>
+            <a:ext cx="7956223" cy="369332"/>
+          </a:xfrm>
+          <a:prstGeom prst="rect">
+            <a:avLst/>
+          </a:prstGeom>
+          <a:noFill/>
+        </p:spPr>
+        <p:txBody>
+          <a:bodyPr wrap="square" rtlCol="0">
+            <a:spAutoFit/>
+          </a:bodyPr>
+          <a:lstStyle/>
+          <a:p>
+            <a:r>
+              <a:rPr lang="en-US" dirty="0"/>
+              <a:t>Source: </a:t>
+            </a:r>
+            <a:r>
+              <a:rPr lang="en-US" dirty="0">
+                <a:hlinkClick r:id="rId3"/>
+              </a:rPr>
+              <a:t>https://pixabay.com/illustrations/animal-dogs-mammals-7753445/</a:t>
+            </a:r>
+            <a:r>
+              <a:rPr lang="en-US" b="1" dirty="0"/>
+              <a:t> </a:t>
+            </a:r>
+            <a:endParaRPr lang="en-US" dirty="0"/>
+          </a:p>
+        </p:txBody>
+      </p:sp>
     </p:spTree>
     <p:extLst>
       <p:ext uri="{BB962C8B-B14F-4D97-AF65-F5344CB8AC3E}">
@@ -37586,6 +34627,19 @@
               <a:rPr lang="en-US" sz="2400" noProof="1"/>
               <a:t>.</a:t>
             </a:r>
+          </a:p>
+          <a:p>
+            <a:pPr marL="285750" indent="-285750">
+              <a:buFont typeface="Arial" panose="020B0604020202020204" pitchFamily="34" charset="0"/>
+              <a:buChar char="•"/>
+            </a:pPr>
+            <a:r>
+              <a:rPr lang="en-US" sz="2400" noProof="1">
+                <a:hlinkClick r:id="rId8"/>
+              </a:rPr>
+              <a:t>OWASP Secure Headers Project</a:t>
+            </a:r>
+            <a:endParaRPr lang="en-US" sz="2400" noProof="1"/>
           </a:p>
           <a:p>
             <a:pPr marL="285750" indent="-285750">
@@ -39540,27 +36594,50 @@
 </a:themeOverride>
 </file>
 
-<file path=customXml/item1.xml><?xml version="1.0" encoding="utf-8"?>
-<p:properties xmlns:p="http://schemas.microsoft.com/office/2006/metadata/properties" xmlns:xsi="http://www.w3.org/2001/XMLSchema-instance" xmlns:pc="http://schemas.microsoft.com/office/infopath/2007/PartnerControls">
-  <documentManagement>
-    <_ip_UnifiedCompliancePolicyUIAction xmlns="http://schemas.microsoft.com/sharepoint/v3" xsi:nil="true"/>
-    <Image xmlns="71af3243-3dd4-4a8d-8c0d-dd76da1f02a5">
-      <Url xsi:nil="true"/>
-      <Description xsi:nil="true"/>
-    </Image>
-    <Status xmlns="71af3243-3dd4-4a8d-8c0d-dd76da1f02a5">Not started</Status>
-    <Background xmlns="71af3243-3dd4-4a8d-8c0d-dd76da1f02a5">false</Background>
-    <_ip_UnifiedCompliancePolicyProperties xmlns="http://schemas.microsoft.com/sharepoint/v3" xsi:nil="true"/>
-    <ImageTagsTaxHTField xmlns="71af3243-3dd4-4a8d-8c0d-dd76da1f02a5">
-      <Terms xmlns="http://schemas.microsoft.com/office/infopath/2007/PartnerControls"/>
-    </ImageTagsTaxHTField>
-    <TaxCatchAll xmlns="230e9df3-be65-4c73-a93b-d1236ebd677e" xsi:nil="true"/>
-    <MediaServiceKeyPoints xmlns="71af3243-3dd4-4a8d-8c0d-dd76da1f02a5" xsi:nil="true"/>
-  </documentManagement>
-</p:properties>
+<file path=ppt/theme/themeOverride6.xml><?xml version="1.0" encoding="utf-8"?>
+<a:themeOverride xmlns:a="http://schemas.openxmlformats.org/drawingml/2006/main">
+  <a:clrScheme name="Custom 167">
+    <a:dk1>
+      <a:sysClr val="windowText" lastClr="000000"/>
+    </a:dk1>
+    <a:lt1>
+      <a:sysClr val="window" lastClr="FFFFFF"/>
+    </a:lt1>
+    <a:dk2>
+      <a:srgbClr val="44546A"/>
+    </a:dk2>
+    <a:lt2>
+      <a:srgbClr val="E7E6E6"/>
+    </a:lt2>
+    <a:accent1>
+      <a:srgbClr val="FBF4EF"/>
+    </a:accent1>
+    <a:accent2>
+      <a:srgbClr val="F7F6F3"/>
+    </a:accent2>
+    <a:accent3>
+      <a:srgbClr val="A5A5A5"/>
+    </a:accent3>
+    <a:accent4>
+      <a:srgbClr val="FFC000"/>
+    </a:accent4>
+    <a:accent5>
+      <a:srgbClr val="5B9BD5"/>
+    </a:accent5>
+    <a:accent6>
+      <a:srgbClr val="70AD47"/>
+    </a:accent6>
+    <a:hlink>
+      <a:srgbClr val="0563C1"/>
+    </a:hlink>
+    <a:folHlink>
+      <a:srgbClr val="954F72"/>
+    </a:folHlink>
+  </a:clrScheme>
+</a:themeOverride>
 </file>
 
-<file path=customXml/item2.xml><?xml version="1.0" encoding="utf-8"?>
+<file path=customXml/item1.xml><?xml version="1.0" encoding="utf-8"?>
 <ct:contentTypeSchema xmlns:ct="http://schemas.microsoft.com/office/2006/metadata/contentType" xmlns:ma="http://schemas.microsoft.com/office/2006/metadata/properties/metaAttributes" ct:_="" ma:_="" ma:contentTypeName="Document" ma:contentTypeID="0x01010079F111ED35F8CC479449609E8A0923A6" ma:contentTypeVersion="27" ma:contentTypeDescription="Create a new document." ma:contentTypeScope="" ma:versionID="c6f9a84f66a9c8b9a21755b9ffafb945">
   <xsd:schema xmlns:xsd="http://www.w3.org/2001/XMLSchema" xmlns:xs="http://www.w3.org/2001/XMLSchema" xmlns:p="http://schemas.microsoft.com/office/2006/metadata/properties" xmlns:ns1="http://schemas.microsoft.com/sharepoint/v3" xmlns:ns2="71af3243-3dd4-4a8d-8c0d-dd76da1f02a5" xmlns:ns3="16c05727-aa75-4e4a-9b5f-8a80a1165891" xmlns:ns4="230e9df3-be65-4c73-a93b-d1236ebd677e" targetNamespace="http://schemas.microsoft.com/office/2006/metadata/properties" ma:root="true" ma:fieldsID="27df39e3e7036dff54f89ddd5805ce72" ns1:_="" ns2:_="" ns3:_="" ns4:_="">
     <xsd:import namespace="http://schemas.microsoft.com/sharepoint/v3"/>
@@ -39866,7 +36943,7 @@
 </ct:contentTypeSchema>
 </file>
 
-<file path=customXml/item3.xml><?xml version="1.0" encoding="utf-8"?>
+<file path=customXml/item2.xml><?xml version="1.0" encoding="utf-8"?>
 <?mso-contentType ?>
 <FormTemplates xmlns="http://schemas.microsoft.com/sharepoint/v3/contenttype/forms">
   <Display>DocumentLibraryForm</Display>
@@ -39875,26 +36952,27 @@
 </FormTemplates>
 </file>
 
-<file path=customXml/itemProps1.xml><?xml version="1.0" encoding="utf-8"?>
-<ds:datastoreItem xmlns:ds="http://schemas.openxmlformats.org/officeDocument/2006/customXml" ds:itemID="{BEFFFA3F-0FB5-4ED3-8906-A15B16577F44}">
-  <ds:schemaRefs>
-    <ds:schemaRef ds:uri="http://schemas.openxmlformats.org/package/2006/metadata/core-properties"/>
-    <ds:schemaRef ds:uri="http://schemas.microsoft.com/office/infopath/2007/PartnerControls"/>
-    <ds:schemaRef ds:uri="http://schemas.microsoft.com/office/2006/documentManagement/types"/>
-    <ds:schemaRef ds:uri="http://purl.org/dc/terms/"/>
-    <ds:schemaRef ds:uri="http://purl.org/dc/dcmitype/"/>
-    <ds:schemaRef ds:uri="http://purl.org/dc/elements/1.1/"/>
-    <ds:schemaRef ds:uri="http://schemas.microsoft.com/sharepoint/v3"/>
-    <ds:schemaRef ds:uri="71af3243-3dd4-4a8d-8c0d-dd76da1f02a5"/>
-    <ds:schemaRef ds:uri="230e9df3-be65-4c73-a93b-d1236ebd677e"/>
-    <ds:schemaRef ds:uri="16c05727-aa75-4e4a-9b5f-8a80a1165891"/>
-    <ds:schemaRef ds:uri="http://schemas.microsoft.com/office/2006/metadata/properties"/>
-    <ds:schemaRef ds:uri="http://www.w3.org/XML/1998/namespace"/>
-  </ds:schemaRefs>
-</ds:datastoreItem>
+<file path=customXml/item3.xml><?xml version="1.0" encoding="utf-8"?>
+<p:properties xmlns:p="http://schemas.microsoft.com/office/2006/metadata/properties" xmlns:xsi="http://www.w3.org/2001/XMLSchema-instance" xmlns:pc="http://schemas.microsoft.com/office/infopath/2007/PartnerControls">
+  <documentManagement>
+    <_ip_UnifiedCompliancePolicyUIAction xmlns="http://schemas.microsoft.com/sharepoint/v3" xsi:nil="true"/>
+    <Image xmlns="71af3243-3dd4-4a8d-8c0d-dd76da1f02a5">
+      <Url xsi:nil="true"/>
+      <Description xsi:nil="true"/>
+    </Image>
+    <Status xmlns="71af3243-3dd4-4a8d-8c0d-dd76da1f02a5">Not started</Status>
+    <Background xmlns="71af3243-3dd4-4a8d-8c0d-dd76da1f02a5">false</Background>
+    <_ip_UnifiedCompliancePolicyProperties xmlns="http://schemas.microsoft.com/sharepoint/v3" xsi:nil="true"/>
+    <ImageTagsTaxHTField xmlns="71af3243-3dd4-4a8d-8c0d-dd76da1f02a5">
+      <Terms xmlns="http://schemas.microsoft.com/office/infopath/2007/PartnerControls"/>
+    </ImageTagsTaxHTField>
+    <TaxCatchAll xmlns="230e9df3-be65-4c73-a93b-d1236ebd677e" xsi:nil="true"/>
+    <MediaServiceKeyPoints xmlns="71af3243-3dd4-4a8d-8c0d-dd76da1f02a5" xsi:nil="true"/>
+  </documentManagement>
+</p:properties>
 </file>
 
-<file path=customXml/itemProps2.xml><?xml version="1.0" encoding="utf-8"?>
+<file path=customXml/itemProps1.xml><?xml version="1.0" encoding="utf-8"?>
 <ds:datastoreItem xmlns:ds="http://schemas.openxmlformats.org/officeDocument/2006/customXml" ds:itemID="{4E18436D-DA32-4E27-AC64-8FFEDA5218F9}">
   <ds:schemaRefs>
     <ds:schemaRef ds:uri="http://schemas.microsoft.com/office/2006/metadata/contentType"/>
@@ -39915,7 +36993,7 @@
 </ds:datastoreItem>
 </file>
 
-<file path=customXml/itemProps3.xml><?xml version="1.0" encoding="utf-8"?>
+<file path=customXml/itemProps2.xml><?xml version="1.0" encoding="utf-8"?>
 <ds:datastoreItem xmlns:ds="http://schemas.openxmlformats.org/officeDocument/2006/customXml" ds:itemID="{6966C46A-DC57-4209-80CD-9FE6C93151FF}">
   <ds:schemaRefs>
     <ds:schemaRef ds:uri="http://schemas.microsoft.com/sharepoint/v3/contenttype/forms"/>
@@ -39923,6 +37001,25 @@
 </ds:datastoreItem>
 </file>
 
+<file path=customXml/itemProps3.xml><?xml version="1.0" encoding="utf-8"?>
+<ds:datastoreItem xmlns:ds="http://schemas.openxmlformats.org/officeDocument/2006/customXml" ds:itemID="{BEFFFA3F-0FB5-4ED3-8906-A15B16577F44}">
+  <ds:schemaRefs>
+    <ds:schemaRef ds:uri="http://schemas.openxmlformats.org/package/2006/metadata/core-properties"/>
+    <ds:schemaRef ds:uri="http://schemas.microsoft.com/office/infopath/2007/PartnerControls"/>
+    <ds:schemaRef ds:uri="http://schemas.microsoft.com/office/2006/documentManagement/types"/>
+    <ds:schemaRef ds:uri="http://purl.org/dc/terms/"/>
+    <ds:schemaRef ds:uri="http://purl.org/dc/dcmitype/"/>
+    <ds:schemaRef ds:uri="http://purl.org/dc/elements/1.1/"/>
+    <ds:schemaRef ds:uri="http://schemas.microsoft.com/sharepoint/v3"/>
+    <ds:schemaRef ds:uri="71af3243-3dd4-4a8d-8c0d-dd76da1f02a5"/>
+    <ds:schemaRef ds:uri="230e9df3-be65-4c73-a93b-d1236ebd677e"/>
+    <ds:schemaRef ds:uri="16c05727-aa75-4e4a-9b5f-8a80a1165891"/>
+    <ds:schemaRef ds:uri="http://schemas.microsoft.com/office/2006/metadata/properties"/>
+    <ds:schemaRef ds:uri="http://www.w3.org/XML/1998/namespace"/>
+  </ds:schemaRefs>
+</ds:datastoreItem>
+</file>
+
 <file path=docMetadata/LabelInfo.xml><?xml version="1.0" encoding="utf-8"?>
 <clbl:labelList xmlns:clbl="http://schemas.microsoft.com/office/2020/mipLabelMetadata"/>
 </file>
--- a/presentation.pptx
+++ b/presentation.pptx
@@ -5,10 +5,10 @@
     <p:sldMasterId id="2147483666" r:id="rId4"/>
   </p:sldMasterIdLst>
   <p:notesMasterIdLst>
-    <p:notesMasterId r:id="rId54"/>
+    <p:notesMasterId r:id="rId55"/>
   </p:notesMasterIdLst>
   <p:handoutMasterIdLst>
-    <p:handoutMasterId r:id="rId55"/>
+    <p:handoutMasterId r:id="rId56"/>
   </p:handoutMasterIdLst>
   <p:sldIdLst>
     <p:sldId id="256" r:id="rId5"/>
@@ -45,21 +45,22 @@
     <p:sldId id="295" r:id="rId36"/>
     <p:sldId id="296" r:id="rId37"/>
     <p:sldId id="297" r:id="rId38"/>
-    <p:sldId id="298" r:id="rId39"/>
-    <p:sldId id="299" r:id="rId40"/>
-    <p:sldId id="301" r:id="rId41"/>
-    <p:sldId id="302" r:id="rId42"/>
-    <p:sldId id="303" r:id="rId43"/>
-    <p:sldId id="313" r:id="rId44"/>
-    <p:sldId id="304" r:id="rId45"/>
-    <p:sldId id="305" r:id="rId46"/>
-    <p:sldId id="306" r:id="rId47"/>
-    <p:sldId id="307" r:id="rId48"/>
-    <p:sldId id="308" r:id="rId49"/>
-    <p:sldId id="309" r:id="rId50"/>
-    <p:sldId id="310" r:id="rId51"/>
-    <p:sldId id="311" r:id="rId52"/>
-    <p:sldId id="312" r:id="rId53"/>
+    <p:sldId id="314" r:id="rId39"/>
+    <p:sldId id="298" r:id="rId40"/>
+    <p:sldId id="299" r:id="rId41"/>
+    <p:sldId id="301" r:id="rId42"/>
+    <p:sldId id="302" r:id="rId43"/>
+    <p:sldId id="303" r:id="rId44"/>
+    <p:sldId id="313" r:id="rId45"/>
+    <p:sldId id="304" r:id="rId46"/>
+    <p:sldId id="305" r:id="rId47"/>
+    <p:sldId id="306" r:id="rId48"/>
+    <p:sldId id="307" r:id="rId49"/>
+    <p:sldId id="308" r:id="rId50"/>
+    <p:sldId id="309" r:id="rId51"/>
+    <p:sldId id="310" r:id="rId52"/>
+    <p:sldId id="311" r:id="rId53"/>
+    <p:sldId id="312" r:id="rId54"/>
   </p:sldIdLst>
   <p:sldSz cx="12192000" cy="6858000"/>
   <p:notesSz cx="6858000" cy="9144000"/>
@@ -195,7 +196,7 @@
 <file path=ppt/revisionInfo.xml><?xml version="1.0" encoding="utf-8"?>
 <p1510:revInfo xmlns:a="http://schemas.openxmlformats.org/drawingml/2006/main" xmlns:r="http://schemas.openxmlformats.org/officeDocument/2006/relationships" xmlns:p1510="http://schemas.microsoft.com/office/powerpoint/2015/10/main">
   <p1510:revLst>
-    <p1510:client id="{1670CD84-DEE0-4E12-BF01-4C2D0C1D7F30}" v="814" dt="2024-05-20T07:41:04.197"/>
+    <p1510:client id="{1670CD84-DEE0-4E12-BF01-4C2D0C1D7F30}" v="834" dt="2024-05-26T07:45:12.122"/>
   </p1510:revLst>
 </p1510:revInfo>
 </file>
@@ -205,18 +206,18 @@
   <pc:docChgLst>
     <pc:chgData name="Dominique RIGHETTO" userId="512fe077-82ad-424c-88a3-15e852b5861d" providerId="ADAL" clId="{1670CD84-DEE0-4E12-BF01-4C2D0C1D7F30}"/>
     <pc:docChg chg="undo custSel addSld delSld modSld sldOrd">
-      <pc:chgData name="Dominique RIGHETTO" userId="512fe077-82ad-424c-88a3-15e852b5861d" providerId="ADAL" clId="{1670CD84-DEE0-4E12-BF01-4C2D0C1D7F30}" dt="2024-05-20T07:46:28.366" v="11728" actId="20577"/>
+      <pc:chgData name="Dominique RIGHETTO" userId="512fe077-82ad-424c-88a3-15e852b5861d" providerId="ADAL" clId="{1670CD84-DEE0-4E12-BF01-4C2D0C1D7F30}" dt="2024-05-26T07:47:27.202" v="11886" actId="20577"/>
       <pc:docMkLst>
         <pc:docMk/>
       </pc:docMkLst>
       <pc:sldChg chg="addSp modSp mod modTransition">
-        <pc:chgData name="Dominique RIGHETTO" userId="512fe077-82ad-424c-88a3-15e852b5861d" providerId="ADAL" clId="{1670CD84-DEE0-4E12-BF01-4C2D0C1D7F30}" dt="2024-05-19T07:40:12.129" v="11034" actId="14100"/>
+        <pc:chgData name="Dominique RIGHETTO" userId="512fe077-82ad-424c-88a3-15e852b5861d" providerId="ADAL" clId="{1670CD84-DEE0-4E12-BF01-4C2D0C1D7F30}" dt="2024-05-26T07:41:29.214" v="11847" actId="1036"/>
         <pc:sldMkLst>
           <pc:docMk/>
           <pc:sldMk cId="1642425379" sldId="256"/>
         </pc:sldMkLst>
         <pc:spChg chg="mod">
-          <ac:chgData name="Dominique RIGHETTO" userId="512fe077-82ad-424c-88a3-15e852b5861d" providerId="ADAL" clId="{1670CD84-DEE0-4E12-BF01-4C2D0C1D7F30}" dt="2024-05-09T05:51:57.768" v="15" actId="113"/>
+          <ac:chgData name="Dominique RIGHETTO" userId="512fe077-82ad-424c-88a3-15e852b5861d" providerId="ADAL" clId="{1670CD84-DEE0-4E12-BF01-4C2D0C1D7F30}" dt="2024-05-26T07:41:29.214" v="11847" actId="1036"/>
           <ac:spMkLst>
             <pc:docMk/>
             <pc:sldMk cId="1642425379" sldId="256"/>
@@ -232,7 +233,7 @@
           </ac:spMkLst>
         </pc:spChg>
         <pc:spChg chg="add mod">
-          <ac:chgData name="Dominique RIGHETTO" userId="512fe077-82ad-424c-88a3-15e852b5861d" providerId="ADAL" clId="{1670CD84-DEE0-4E12-BF01-4C2D0C1D7F30}" dt="2024-05-09T05:51:52.075" v="14" actId="113"/>
+          <ac:chgData name="Dominique RIGHETTO" userId="512fe077-82ad-424c-88a3-15e852b5861d" providerId="ADAL" clId="{1670CD84-DEE0-4E12-BF01-4C2D0C1D7F30}" dt="2024-05-26T07:37:26.963" v="11800" actId="20577"/>
           <ac:spMkLst>
             <pc:docMk/>
             <pc:sldMk cId="1642425379" sldId="256"/>
@@ -490,13 +491,13 @@
         </pc:spChg>
       </pc:sldChg>
       <pc:sldChg chg="modSp add mod modTransition">
-        <pc:chgData name="Dominique RIGHETTO" userId="512fe077-82ad-424c-88a3-15e852b5861d" providerId="ADAL" clId="{1670CD84-DEE0-4E12-BF01-4C2D0C1D7F30}" dt="2024-05-19T07:44:33.633" v="11091" actId="20577"/>
+        <pc:chgData name="Dominique RIGHETTO" userId="512fe077-82ad-424c-88a3-15e852b5861d" providerId="ADAL" clId="{1670CD84-DEE0-4E12-BF01-4C2D0C1D7F30}" dt="2024-05-26T07:21:34.858" v="11751" actId="20577"/>
         <pc:sldMkLst>
           <pc:docMk/>
           <pc:sldMk cId="2644610646" sldId="268"/>
         </pc:sldMkLst>
         <pc:spChg chg="mod">
-          <ac:chgData name="Dominique RIGHETTO" userId="512fe077-82ad-424c-88a3-15e852b5861d" providerId="ADAL" clId="{1670CD84-DEE0-4E12-BF01-4C2D0C1D7F30}" dt="2024-05-19T07:44:33.633" v="11091" actId="20577"/>
+          <ac:chgData name="Dominique RIGHETTO" userId="512fe077-82ad-424c-88a3-15e852b5861d" providerId="ADAL" clId="{1670CD84-DEE0-4E12-BF01-4C2D0C1D7F30}" dt="2024-05-26T07:21:34.858" v="11751" actId="20577"/>
           <ac:spMkLst>
             <pc:docMk/>
             <pc:sldMk cId="2644610646" sldId="268"/>
@@ -1133,7 +1134,7 @@
         </pc:spChg>
       </pc:sldChg>
       <pc:sldChg chg="addSp delSp modSp add mod ord modTransition">
-        <pc:chgData name="Dominique RIGHETTO" userId="512fe077-82ad-424c-88a3-15e852b5861d" providerId="ADAL" clId="{1670CD84-DEE0-4E12-BF01-4C2D0C1D7F30}" dt="2024-05-12T09:58:11.804" v="11000"/>
+        <pc:chgData name="Dominique RIGHETTO" userId="512fe077-82ad-424c-88a3-15e852b5861d" providerId="ADAL" clId="{1670CD84-DEE0-4E12-BF01-4C2D0C1D7F30}" dt="2024-05-26T07:41:54.368" v="11848" actId="11530"/>
         <pc:sldMkLst>
           <pc:docMk/>
           <pc:sldMk cId="1960651900" sldId="281"/>
@@ -1171,7 +1172,7 @@
           </ac:spMkLst>
         </pc:spChg>
         <pc:spChg chg="add mod">
-          <ac:chgData name="Dominique RIGHETTO" userId="512fe077-82ad-424c-88a3-15e852b5861d" providerId="ADAL" clId="{1670CD84-DEE0-4E12-BF01-4C2D0C1D7F30}" dt="2024-05-12T09:47:44.048" v="10922" actId="692"/>
+          <ac:chgData name="Dominique RIGHETTO" userId="512fe077-82ad-424c-88a3-15e852b5861d" providerId="ADAL" clId="{1670CD84-DEE0-4E12-BF01-4C2D0C1D7F30}" dt="2024-05-26T07:41:54.368" v="11848" actId="11530"/>
           <ac:spMkLst>
             <pc:docMk/>
             <pc:sldMk cId="1960651900" sldId="281"/>
@@ -1212,7 +1213,7 @@
         </pc:picChg>
       </pc:sldChg>
       <pc:sldChg chg="delSp modSp add mod modTransition">
-        <pc:chgData name="Dominique RIGHETTO" userId="512fe077-82ad-424c-88a3-15e852b5861d" providerId="ADAL" clId="{1670CD84-DEE0-4E12-BF01-4C2D0C1D7F30}" dt="2024-05-12T09:58:17.316" v="11002" actId="20577"/>
+        <pc:chgData name="Dominique RIGHETTO" userId="512fe077-82ad-424c-88a3-15e852b5861d" providerId="ADAL" clId="{1670CD84-DEE0-4E12-BF01-4C2D0C1D7F30}" dt="2024-05-26T07:42:00.999" v="11849" actId="11530"/>
         <pc:sldMkLst>
           <pc:docMk/>
           <pc:sldMk cId="3291355669" sldId="282"/>
@@ -1234,7 +1235,7 @@
           </ac:spMkLst>
         </pc:spChg>
         <pc:spChg chg="mod">
-          <ac:chgData name="Dominique RIGHETTO" userId="512fe077-82ad-424c-88a3-15e852b5861d" providerId="ADAL" clId="{1670CD84-DEE0-4E12-BF01-4C2D0C1D7F30}" dt="2024-05-12T09:47:49.187" v="10923" actId="692"/>
+          <ac:chgData name="Dominique RIGHETTO" userId="512fe077-82ad-424c-88a3-15e852b5861d" providerId="ADAL" clId="{1670CD84-DEE0-4E12-BF01-4C2D0C1D7F30}" dt="2024-05-26T07:42:00.999" v="11849" actId="11530"/>
           <ac:spMkLst>
             <pc:docMk/>
             <pc:sldMk cId="3291355669" sldId="282"/>
@@ -1879,7 +1880,7 @@
         </pc:picChg>
       </pc:sldChg>
       <pc:sldChg chg="addSp delSp modSp add mod modTransition">
-        <pc:chgData name="Dominique RIGHETTO" userId="512fe077-82ad-424c-88a3-15e852b5861d" providerId="ADAL" clId="{1670CD84-DEE0-4E12-BF01-4C2D0C1D7F30}" dt="2024-05-20T06:59:52.986" v="11318" actId="20577"/>
+        <pc:chgData name="Dominique RIGHETTO" userId="512fe077-82ad-424c-88a3-15e852b5861d" providerId="ADAL" clId="{1670CD84-DEE0-4E12-BF01-4C2D0C1D7F30}" dt="2024-05-26T07:40:10.307" v="11829" actId="11530"/>
         <pc:sldMkLst>
           <pc:docMk/>
           <pc:sldMk cId="773976246" sldId="296"/>
@@ -1909,7 +1910,7 @@
           </ac:spMkLst>
         </pc:spChg>
         <pc:spChg chg="add mod">
-          <ac:chgData name="Dominique RIGHETTO" userId="512fe077-82ad-424c-88a3-15e852b5861d" providerId="ADAL" clId="{1670CD84-DEE0-4E12-BF01-4C2D0C1D7F30}" dt="2024-05-19T07:53:29.256" v="11133" actId="692"/>
+          <ac:chgData name="Dominique RIGHETTO" userId="512fe077-82ad-424c-88a3-15e852b5861d" providerId="ADAL" clId="{1670CD84-DEE0-4E12-BF01-4C2D0C1D7F30}" dt="2024-05-26T07:40:10.307" v="11829" actId="11530"/>
           <ac:spMkLst>
             <pc:docMk/>
             <pc:sldMk cId="773976246" sldId="296"/>
@@ -1965,7 +1966,7 @@
         </pc:picChg>
       </pc:sldChg>
       <pc:sldChg chg="addSp delSp modSp add mod modTransition">
-        <pc:chgData name="Dominique RIGHETTO" userId="512fe077-82ad-424c-88a3-15e852b5861d" providerId="ADAL" clId="{1670CD84-DEE0-4E12-BF01-4C2D0C1D7F30}" dt="2024-05-20T07:00:14.063" v="11325" actId="20577"/>
+        <pc:chgData name="Dominique RIGHETTO" userId="512fe077-82ad-424c-88a3-15e852b5861d" providerId="ADAL" clId="{1670CD84-DEE0-4E12-BF01-4C2D0C1D7F30}" dt="2024-05-26T07:40:33.062" v="11830" actId="11530"/>
         <pc:sldMkLst>
           <pc:docMk/>
           <pc:sldMk cId="2189355584" sldId="298"/>
@@ -1979,7 +1980,7 @@
           </ac:spMkLst>
         </pc:spChg>
         <pc:spChg chg="add mod">
-          <ac:chgData name="Dominique RIGHETTO" userId="512fe077-82ad-424c-88a3-15e852b5861d" providerId="ADAL" clId="{1670CD84-DEE0-4E12-BF01-4C2D0C1D7F30}" dt="2024-05-19T07:55:12.308" v="11142" actId="14100"/>
+          <ac:chgData name="Dominique RIGHETTO" userId="512fe077-82ad-424c-88a3-15e852b5861d" providerId="ADAL" clId="{1670CD84-DEE0-4E12-BF01-4C2D0C1D7F30}" dt="2024-05-26T07:40:33.062" v="11830" actId="11530"/>
           <ac:spMkLst>
             <pc:docMk/>
             <pc:sldMk cId="2189355584" sldId="298"/>
@@ -2004,7 +2005,7 @@
         </pc:picChg>
       </pc:sldChg>
       <pc:sldChg chg="addSp delSp modSp add mod modTransition">
-        <pc:chgData name="Dominique RIGHETTO" userId="512fe077-82ad-424c-88a3-15e852b5861d" providerId="ADAL" clId="{1670CD84-DEE0-4E12-BF01-4C2D0C1D7F30}" dt="2024-05-20T07:01:12.107" v="11332" actId="20577"/>
+        <pc:chgData name="Dominique RIGHETTO" userId="512fe077-82ad-424c-88a3-15e852b5861d" providerId="ADAL" clId="{1670CD84-DEE0-4E12-BF01-4C2D0C1D7F30}" dt="2024-05-26T07:40:43.814" v="11831" actId="11530"/>
         <pc:sldMkLst>
           <pc:docMk/>
           <pc:sldMk cId="2776536927" sldId="299"/>
@@ -2023,6 +2024,14 @@
             <pc:docMk/>
             <pc:sldMk cId="2776536927" sldId="299"/>
             <ac:spMk id="3" creationId="{3D611CA9-9352-51D4-82FF-F26AC2F95406}"/>
+          </ac:spMkLst>
+        </pc:spChg>
+        <pc:spChg chg="add mod">
+          <ac:chgData name="Dominique RIGHETTO" userId="512fe077-82ad-424c-88a3-15e852b5861d" providerId="ADAL" clId="{1670CD84-DEE0-4E12-BF01-4C2D0C1D7F30}" dt="2024-05-26T07:40:43.814" v="11831" actId="11530"/>
+          <ac:spMkLst>
+            <pc:docMk/>
+            <pc:sldMk cId="2776536927" sldId="299"/>
+            <ac:spMk id="3" creationId="{CA35B550-413B-CCCD-A8B0-4E50F4D23482}"/>
           </ac:spMkLst>
         </pc:spChg>
         <pc:spChg chg="mod">
@@ -2050,7 +2059,7 @@
           </ac:picMkLst>
         </pc:picChg>
         <pc:picChg chg="add mod">
-          <ac:chgData name="Dominique RIGHETTO" userId="512fe077-82ad-424c-88a3-15e852b5861d" providerId="ADAL" clId="{1670CD84-DEE0-4E12-BF01-4C2D0C1D7F30}" dt="2024-05-11T07:59:47.085" v="8228" actId="108"/>
+          <ac:chgData name="Dominique RIGHETTO" userId="512fe077-82ad-424c-88a3-15e852b5861d" providerId="ADAL" clId="{1670CD84-DEE0-4E12-BF01-4C2D0C1D7F30}" dt="2024-05-26T07:29:54.102" v="11768" actId="1076"/>
           <ac:picMkLst>
             <pc:docMk/>
             <pc:sldMk cId="2776536927" sldId="299"/>
@@ -2114,7 +2123,7 @@
         </pc:picChg>
       </pc:sldChg>
       <pc:sldChg chg="addSp modSp add mod ord modTransition">
-        <pc:chgData name="Dominique RIGHETTO" userId="512fe077-82ad-424c-88a3-15e852b5861d" providerId="ADAL" clId="{1670CD84-DEE0-4E12-BF01-4C2D0C1D7F30}" dt="2024-05-20T07:01:32.285" v="11340" actId="20577"/>
+        <pc:chgData name="Dominique RIGHETTO" userId="512fe077-82ad-424c-88a3-15e852b5861d" providerId="ADAL" clId="{1670CD84-DEE0-4E12-BF01-4C2D0C1D7F30}" dt="2024-05-26T07:40:53.379" v="11832" actId="11530"/>
         <pc:sldMkLst>
           <pc:docMk/>
           <pc:sldMk cId="2624687999" sldId="301"/>
@@ -2136,7 +2145,7 @@
           </ac:spMkLst>
         </pc:spChg>
         <pc:spChg chg="add mod">
-          <ac:chgData name="Dominique RIGHETTO" userId="512fe077-82ad-424c-88a3-15e852b5861d" providerId="ADAL" clId="{1670CD84-DEE0-4E12-BF01-4C2D0C1D7F30}" dt="2024-05-19T07:55:04.808" v="11140" actId="14100"/>
+          <ac:chgData name="Dominique RIGHETTO" userId="512fe077-82ad-424c-88a3-15e852b5861d" providerId="ADAL" clId="{1670CD84-DEE0-4E12-BF01-4C2D0C1D7F30}" dt="2024-05-26T07:40:53.379" v="11832" actId="11530"/>
           <ac:spMkLst>
             <pc:docMk/>
             <pc:sldMk cId="2624687999" sldId="301"/>
@@ -2192,7 +2201,7 @@
         </pc:picChg>
       </pc:sldChg>
       <pc:sldChg chg="addSp delSp modSp add mod modTransition modAnim">
-        <pc:chgData name="Dominique RIGHETTO" userId="512fe077-82ad-424c-88a3-15e852b5861d" providerId="ADAL" clId="{1670CD84-DEE0-4E12-BF01-4C2D0C1D7F30}" dt="2024-05-20T07:31:39.168" v="11696"/>
+        <pc:chgData name="Dominique RIGHETTO" userId="512fe077-82ad-424c-88a3-15e852b5861d" providerId="ADAL" clId="{1670CD84-DEE0-4E12-BF01-4C2D0C1D7F30}" dt="2024-05-26T07:34:00.998" v="11782" actId="20577"/>
         <pc:sldMkLst>
           <pc:docMk/>
           <pc:sldMk cId="740312601" sldId="303"/>
@@ -2246,7 +2255,7 @@
           </ac:spMkLst>
         </pc:spChg>
         <pc:spChg chg="add mod">
-          <ac:chgData name="Dominique RIGHETTO" userId="512fe077-82ad-424c-88a3-15e852b5861d" providerId="ADAL" clId="{1670CD84-DEE0-4E12-BF01-4C2D0C1D7F30}" dt="2024-05-12T10:02:54.388" v="11018" actId="20577"/>
+          <ac:chgData name="Dominique RIGHETTO" userId="512fe077-82ad-424c-88a3-15e852b5861d" providerId="ADAL" clId="{1670CD84-DEE0-4E12-BF01-4C2D0C1D7F30}" dt="2024-05-26T07:34:00.998" v="11782" actId="20577"/>
           <ac:spMkLst>
             <pc:docMk/>
             <pc:sldMk cId="740312601" sldId="303"/>
@@ -2398,7 +2407,7 @@
         </pc:cxnChg>
       </pc:sldChg>
       <pc:sldChg chg="addSp delSp modSp add mod modTransition">
-        <pc:chgData name="Dominique RIGHETTO" userId="512fe077-82ad-424c-88a3-15e852b5861d" providerId="ADAL" clId="{1670CD84-DEE0-4E12-BF01-4C2D0C1D7F30}" dt="2024-05-20T07:45:27.206" v="11725" actId="108"/>
+        <pc:chgData name="Dominique RIGHETTO" userId="512fe077-82ad-424c-88a3-15e852b5861d" providerId="ADAL" clId="{1670CD84-DEE0-4E12-BF01-4C2D0C1D7F30}" dt="2024-05-26T07:41:09.611" v="11833" actId="11530"/>
         <pc:sldMkLst>
           <pc:docMk/>
           <pc:sldMk cId="1542931494" sldId="305"/>
@@ -2411,6 +2420,14 @@
             <ac:spMk id="5" creationId="{06ED42A4-BA65-63D5-6B8F-8962A3C03DF0}"/>
           </ac:spMkLst>
         </pc:spChg>
+        <pc:spChg chg="add mod">
+          <ac:chgData name="Dominique RIGHETTO" userId="512fe077-82ad-424c-88a3-15e852b5861d" providerId="ADAL" clId="{1670CD84-DEE0-4E12-BF01-4C2D0C1D7F30}" dt="2024-05-26T07:41:09.611" v="11833" actId="11530"/>
+          <ac:spMkLst>
+            <pc:docMk/>
+            <pc:sldMk cId="1542931494" sldId="305"/>
+            <ac:spMk id="6" creationId="{AE985B6E-DB49-9371-580A-BA2C4E5A2B02}"/>
+          </ac:spMkLst>
+        </pc:spChg>
         <pc:spChg chg="mod">
           <ac:chgData name="Dominique RIGHETTO" userId="512fe077-82ad-424c-88a3-15e852b5861d" providerId="ADAL" clId="{1670CD84-DEE0-4E12-BF01-4C2D0C1D7F30}" dt="2024-05-20T07:02:29.675" v="11352" actId="20577"/>
           <ac:spMkLst>
@@ -2420,7 +2437,7 @@
           </ac:spMkLst>
         </pc:spChg>
         <pc:spChg chg="add mod">
-          <ac:chgData name="Dominique RIGHETTO" userId="512fe077-82ad-424c-88a3-15e852b5861d" providerId="ADAL" clId="{1670CD84-DEE0-4E12-BF01-4C2D0C1D7F30}" dt="2024-05-19T08:00:41.388" v="11201" actId="1038"/>
+          <ac:chgData name="Dominique RIGHETTO" userId="512fe077-82ad-424c-88a3-15e852b5861d" providerId="ADAL" clId="{1670CD84-DEE0-4E12-BF01-4C2D0C1D7F30}" dt="2024-05-26T07:41:09.611" v="11833" actId="11530"/>
           <ac:spMkLst>
             <pc:docMk/>
             <pc:sldMk cId="1542931494" sldId="305"/>
@@ -2524,7 +2541,7 @@
         </pc:picChg>
       </pc:sldChg>
       <pc:sldChg chg="modSp add mod modTransition">
-        <pc:chgData name="Dominique RIGHETTO" userId="512fe077-82ad-424c-88a3-15e852b5861d" providerId="ADAL" clId="{1670CD84-DEE0-4E12-BF01-4C2D0C1D7F30}" dt="2024-05-20T07:46:28.366" v="11728" actId="20577"/>
+        <pc:chgData name="Dominique RIGHETTO" userId="512fe077-82ad-424c-88a3-15e852b5861d" providerId="ADAL" clId="{1670CD84-DEE0-4E12-BF01-4C2D0C1D7F30}" dt="2024-05-26T07:42:58.407" v="11855" actId="1076"/>
         <pc:sldMkLst>
           <pc:docMk/>
           <pc:sldMk cId="2649367104" sldId="307"/>
@@ -2538,7 +2555,7 @@
           </ac:spMkLst>
         </pc:spChg>
         <pc:picChg chg="mod modCrop">
-          <ac:chgData name="Dominique RIGHETTO" userId="512fe077-82ad-424c-88a3-15e852b5861d" providerId="ADAL" clId="{1670CD84-DEE0-4E12-BF01-4C2D0C1D7F30}" dt="2024-05-20T07:45:34.171" v="11727" actId="108"/>
+          <ac:chgData name="Dominique RIGHETTO" userId="512fe077-82ad-424c-88a3-15e852b5861d" providerId="ADAL" clId="{1670CD84-DEE0-4E12-BF01-4C2D0C1D7F30}" dt="2024-05-26T07:42:58.407" v="11855" actId="1076"/>
           <ac:picMkLst>
             <pc:docMk/>
             <pc:sldMk cId="2649367104" sldId="307"/>
@@ -2593,7 +2610,7 @@
         </pc:spChg>
       </pc:sldChg>
       <pc:sldChg chg="delSp modSp add mod ord modTransition">
-        <pc:chgData name="Dominique RIGHETTO" userId="512fe077-82ad-424c-88a3-15e852b5861d" providerId="ADAL" clId="{1670CD84-DEE0-4E12-BF01-4C2D0C1D7F30}" dt="2024-05-19T08:01:51.346" v="11223" actId="113"/>
+        <pc:chgData name="Dominique RIGHETTO" userId="512fe077-82ad-424c-88a3-15e852b5861d" providerId="ADAL" clId="{1670CD84-DEE0-4E12-BF01-4C2D0C1D7F30}" dt="2024-05-26T07:47:27.202" v="11886" actId="20577"/>
         <pc:sldMkLst>
           <pc:docMk/>
           <pc:sldMk cId="4002545787" sldId="310"/>
@@ -2607,7 +2624,7 @@
           </ac:spMkLst>
         </pc:spChg>
         <pc:spChg chg="mod">
-          <ac:chgData name="Dominique RIGHETTO" userId="512fe077-82ad-424c-88a3-15e852b5861d" providerId="ADAL" clId="{1670CD84-DEE0-4E12-BF01-4C2D0C1D7F30}" dt="2024-05-19T08:01:51.346" v="11223" actId="113"/>
+          <ac:chgData name="Dominique RIGHETTO" userId="512fe077-82ad-424c-88a3-15e852b5861d" providerId="ADAL" clId="{1670CD84-DEE0-4E12-BF01-4C2D0C1D7F30}" dt="2024-05-26T07:47:27.202" v="11886" actId="20577"/>
           <ac:spMkLst>
             <pc:docMk/>
             <pc:sldMk cId="4002545787" sldId="310"/>
@@ -2623,8 +2640,8 @@
           </ac:picMkLst>
         </pc:picChg>
       </pc:sldChg>
-      <pc:sldChg chg="addSp modSp add mod ord modTransition">
-        <pc:chgData name="Dominique RIGHETTO" userId="512fe077-82ad-424c-88a3-15e852b5861d" providerId="ADAL" clId="{1670CD84-DEE0-4E12-BF01-4C2D0C1D7F30}" dt="2024-05-20T07:41:13.247" v="11721" actId="1076"/>
+      <pc:sldChg chg="addSp delSp modSp add mod ord modTransition">
+        <pc:chgData name="Dominique RIGHETTO" userId="512fe077-82ad-424c-88a3-15e852b5861d" providerId="ADAL" clId="{1670CD84-DEE0-4E12-BF01-4C2D0C1D7F30}" dt="2024-05-26T07:45:12.121" v="11870" actId="1076"/>
         <pc:sldMkLst>
           <pc:docMk/>
           <pc:sldMk cId="3271207713" sldId="311"/>
@@ -2638,19 +2655,27 @@
           </ac:spMkLst>
         </pc:spChg>
         <pc:spChg chg="add mod">
-          <ac:chgData name="Dominique RIGHETTO" userId="512fe077-82ad-424c-88a3-15e852b5861d" providerId="ADAL" clId="{1670CD84-DEE0-4E12-BF01-4C2D0C1D7F30}" dt="2024-05-20T07:41:13.247" v="11721" actId="1076"/>
+          <ac:chgData name="Dominique RIGHETTO" userId="512fe077-82ad-424c-88a3-15e852b5861d" providerId="ADAL" clId="{1670CD84-DEE0-4E12-BF01-4C2D0C1D7F30}" dt="2024-05-26T07:44:45.265" v="11869"/>
           <ac:spMkLst>
             <pc:docMk/>
             <pc:sldMk cId="3271207713" sldId="311"/>
             <ac:spMk id="5" creationId="{30768DC5-971B-FE3A-5821-C8B282E689F5}"/>
           </ac:spMkLst>
         </pc:spChg>
-        <pc:picChg chg="add mod">
-          <ac:chgData name="Dominique RIGHETTO" userId="512fe077-82ad-424c-88a3-15e852b5861d" providerId="ADAL" clId="{1670CD84-DEE0-4E12-BF01-4C2D0C1D7F30}" dt="2024-05-20T07:40:50.916" v="11708" actId="1076"/>
+        <pc:picChg chg="add del mod">
+          <ac:chgData name="Dominique RIGHETTO" userId="512fe077-82ad-424c-88a3-15e852b5861d" providerId="ADAL" clId="{1670CD84-DEE0-4E12-BF01-4C2D0C1D7F30}" dt="2024-05-26T07:44:02.177" v="11856" actId="478"/>
           <ac:picMkLst>
             <pc:docMk/>
             <pc:sldMk cId="3271207713" sldId="311"/>
             <ac:picMk id="4" creationId="{43A75D3A-5A10-57E4-682B-D93F25FE00DD}"/>
+          </ac:picMkLst>
+        </pc:picChg>
+        <pc:picChg chg="add mod">
+          <ac:chgData name="Dominique RIGHETTO" userId="512fe077-82ad-424c-88a3-15e852b5861d" providerId="ADAL" clId="{1670CD84-DEE0-4E12-BF01-4C2D0C1D7F30}" dt="2024-05-26T07:45:12.121" v="11870" actId="1076"/>
+          <ac:picMkLst>
+            <pc:docMk/>
+            <pc:sldMk cId="3271207713" sldId="311"/>
+            <ac:picMk id="1026" creationId="{3C9B8336-B99D-96A4-B5FE-A565EE763009}"/>
           </ac:picMkLst>
         </pc:picChg>
       </pc:sldChg>
@@ -2730,6 +2755,21 @@
             <ac:cxnSpMk id="3" creationId="{E5AC9523-55BD-4D30-CFE6-CD6EC7929BDE}"/>
           </ac:cxnSpMkLst>
         </pc:cxnChg>
+      </pc:sldChg>
+      <pc:sldChg chg="modSp add mod modTransition">
+        <pc:chgData name="Dominique RIGHETTO" userId="512fe077-82ad-424c-88a3-15e852b5861d" providerId="ADAL" clId="{1670CD84-DEE0-4E12-BF01-4C2D0C1D7F30}" dt="2024-05-26T07:28:21.906" v="11760"/>
+        <pc:sldMkLst>
+          <pc:docMk/>
+          <pc:sldMk cId="3226988061" sldId="314"/>
+        </pc:sldMkLst>
+        <pc:picChg chg="mod modCrop">
+          <ac:chgData name="Dominique RIGHETTO" userId="512fe077-82ad-424c-88a3-15e852b5861d" providerId="ADAL" clId="{1670CD84-DEE0-4E12-BF01-4C2D0C1D7F30}" dt="2024-05-26T07:28:18.115" v="11759" actId="1076"/>
+          <ac:picMkLst>
+            <pc:docMk/>
+            <pc:sldMk cId="3226988061" sldId="314"/>
+            <ac:picMk id="5" creationId="{86EE7CC6-8EA4-C9B6-8477-2ECC8E41553A}"/>
+          </ac:picMkLst>
+        </pc:picChg>
       </pc:sldChg>
       <pc:sldMasterChg chg="delSldLayout">
         <pc:chgData name="Dominique RIGHETTO" userId="512fe077-82ad-424c-88a3-15e852b5861d" providerId="ADAL" clId="{1670CD84-DEE0-4E12-BF01-4C2D0C1D7F30}" dt="2024-05-09T05:56:50.643" v="73" actId="47"/>
@@ -6088,7 +6128,7 @@
           <a:p>
             <a:fld id="{F352A77B-D33C-49B3-A83C-450AA2ED72B3}" type="datetimeFigureOut">
               <a:rPr lang="en-US" smtClean="0"/>
-              <a:t>5/20/2024</a:t>
+              <a:t>5/26/2024</a:t>
             </a:fld>
             <a:endParaRPr lang="en-US" dirty="0"/>
           </a:p>
@@ -6265,7 +6305,7 @@
           <a:p>
             <a:fld id="{E38D8F9A-F5CB-4EF8-A859-ED5E107B9763}" type="datetimeFigureOut">
               <a:rPr lang="en-US" smtClean="0"/>
-              <a:t>5/20/2024</a:t>
+              <a:t>5/26/2024</a:t>
             </a:fld>
             <a:endParaRPr lang="en-US" dirty="0"/>
           </a:p>
@@ -21820,7 +21860,7 @@
         </p:nvSpPr>
         <p:spPr>
           <a:xfrm>
-            <a:off x="482600" y="4434840"/>
+            <a:off x="482600" y="4765051"/>
             <a:ext cx="10875211" cy="1122202"/>
           </a:xfrm>
         </p:spPr>
@@ -21838,7 +21878,7 @@
             </a:r>
             <a:r>
               <a:rPr lang="en-US" dirty="0"/>
-              <a:t> HTTP Response Header Can Save Your Date Night.</a:t>
+              <a:t> HTTP Response Header Can Save Your romantic evening?</a:t>
             </a:r>
           </a:p>
         </p:txBody>
@@ -21970,7 +22010,7 @@
             </a:r>
             <a:r>
               <a:rPr lang="fr-FR" dirty="0"/>
-              <a:t> peut sauver votre soirée en amoureux.</a:t>
+              <a:t> peut sauver votre soirée en amoureux?</a:t>
             </a:r>
             <a:endParaRPr lang="en-US" dirty="0"/>
           </a:p>
@@ -25821,7 +25861,7 @@
       </p:pic>
       <p:sp>
         <p:nvSpPr>
-          <p:cNvPr id="12" name="Rectangle: Rounded Corners 11">
+          <p:cNvPr id="12" name="Rectangle 11">
             <a:extLst>
               <a:ext uri="{FF2B5EF4-FFF2-40B4-BE49-F238E27FC236}">
                 <a16:creationId xmlns:a16="http://schemas.microsoft.com/office/drawing/2014/main" id="{896817CE-98C9-5D9D-19CD-003778277A0B}"/>
@@ -25836,15 +25876,16 @@
             <a:off x="1109132" y="5664200"/>
             <a:ext cx="3462867" cy="381000"/>
           </a:xfrm>
-          <a:prstGeom prst="roundRect">
+          <a:prstGeom prst="rect">
             <a:avLst/>
           </a:prstGeom>
           <a:noFill/>
-          <a:ln w="25400">
+          <a:ln w="25400" cap="sq">
             <a:solidFill>
               <a:srgbClr val="C00000"/>
             </a:solidFill>
             <a:prstDash val="solid"/>
+            <a:round/>
           </a:ln>
         </p:spPr>
         <p:style>
@@ -26129,7 +26170,7 @@
       </p:pic>
       <p:sp>
         <p:nvSpPr>
-          <p:cNvPr id="13" name="Rectangle: Rounded Corners 12">
+          <p:cNvPr id="13" name="Rectangle 12">
             <a:extLst>
               <a:ext uri="{FF2B5EF4-FFF2-40B4-BE49-F238E27FC236}">
                 <a16:creationId xmlns:a16="http://schemas.microsoft.com/office/drawing/2014/main" id="{BBB73615-96FF-AACF-52A8-2F91D6364B7B}"/>
@@ -26144,7 +26185,7 @@
             <a:off x="1388533" y="5755780"/>
             <a:ext cx="7061199" cy="400249"/>
           </a:xfrm>
-          <a:prstGeom prst="roundRect">
+          <a:prstGeom prst="rect">
             <a:avLst/>
           </a:prstGeom>
           <a:noFill/>
@@ -29322,7 +29363,7 @@
       </p:sp>
       <p:sp>
         <p:nvSpPr>
-          <p:cNvPr id="4" name="Rectangle: Rounded Corners 3">
+          <p:cNvPr id="4" name="Rectangle 3">
             <a:extLst>
               <a:ext uri="{FF2B5EF4-FFF2-40B4-BE49-F238E27FC236}">
                 <a16:creationId xmlns:a16="http://schemas.microsoft.com/office/drawing/2014/main" id="{E004E72C-2BAE-E53D-D238-DF0D3277F87A}"/>
@@ -29337,7 +29378,7 @@
             <a:off x="127000" y="4783667"/>
             <a:ext cx="2633133" cy="394758"/>
           </a:xfrm>
-          <a:prstGeom prst="roundRect">
+          <a:prstGeom prst="rect">
             <a:avLst/>
           </a:prstGeom>
           <a:noFill/>
@@ -29678,49 +29719,9 @@
             </a:pPr>
             <a:r>
               <a:rPr lang="en-US" sz="2400" noProof="1"/>
-              <a:t>😨However, it is still possible to execute embedded Javascript payload to perform action on behalf of the current user.</a:t>
-            </a:r>
-          </a:p>
-          <a:p>
-            <a:pPr marL="285750" indent="-285750">
-              <a:buFont typeface="Arial" panose="020B0604020202020204" pitchFamily="34" charset="0"/>
-              <a:buChar char="•"/>
-            </a:pPr>
+              <a:t>🤗New test confirms that, blocking sending out data, is effective:</a:t>
+            </a:r>
             <a:endParaRPr lang="en-US" sz="2400" b="1" noProof="1"/>
-          </a:p>
-          <a:p>
-            <a:pPr marL="285750" indent="-285750">
-              <a:buFont typeface="Arial" panose="020B0604020202020204" pitchFamily="34" charset="0"/>
-              <a:buChar char="•"/>
-            </a:pPr>
-            <a:r>
-              <a:rPr lang="en-US" sz="2400" noProof="1"/>
-              <a:t>🤔Idea is to to block the execution of any injected JavaScript code, by removing the </a:t>
-            </a:r>
-            <a:r>
-              <a:rPr lang="en-US" sz="2400" b="1" noProof="1">
-                <a:solidFill>
-                  <a:srgbClr val="7030A0"/>
-                </a:solidFill>
-              </a:rPr>
-              <a:t>unsafe-inline</a:t>
-            </a:r>
-            <a:r>
-              <a:rPr lang="en-US" sz="2400" noProof="1"/>
-              <a:t> instruction, from the </a:t>
-            </a:r>
-            <a:r>
-              <a:rPr lang="en-US" sz="2400" b="1" noProof="1">
-                <a:solidFill>
-                  <a:schemeClr val="accent6"/>
-                </a:solidFill>
-              </a:rPr>
-              <a:t>script-src</a:t>
-            </a:r>
-            <a:r>
-              <a:rPr lang="en-US" sz="2400" noProof="1"/>
-              <a:t> directive:</a:t>
-            </a:r>
           </a:p>
           <a:p>
             <a:pPr marL="285750" indent="-285750">
@@ -29763,341 +29764,60 @@
           </a:p>
         </p:txBody>
       </p:sp>
-      <p:sp>
-        <p:nvSpPr>
-          <p:cNvPr id="3" name="TextBox 2">
-            <a:extLst>
-              <a:ext uri="{FF2B5EF4-FFF2-40B4-BE49-F238E27FC236}">
-                <a16:creationId xmlns:a16="http://schemas.microsoft.com/office/drawing/2014/main" id="{3D611CA9-9352-51D4-82FF-F26AC2F95406}"/>
-              </a:ext>
-            </a:extLst>
-          </p:cNvPr>
-          <p:cNvSpPr txBox="1"/>
+      <p:pic>
+        <p:nvPicPr>
+          <p:cNvPr id="5" name="Picture 4" descr="A screenshot of a computer&#10;&#10;Description automatically generated">
+            <a:extLst>
+              <a:ext uri="{FF2B5EF4-FFF2-40B4-BE49-F238E27FC236}">
+                <a16:creationId xmlns:a16="http://schemas.microsoft.com/office/drawing/2014/main" id="{86EE7CC6-8EA4-C9B6-8477-2ECC8E41553A}"/>
+              </a:ext>
+            </a:extLst>
+          </p:cNvPr>
+          <p:cNvPicPr>
+            <a:picLocks noChangeAspect="1"/>
+          </p:cNvPicPr>
           <p:nvPr/>
-        </p:nvSpPr>
-        <p:spPr>
-          <a:xfrm>
-            <a:off x="62910" y="4029347"/>
-            <a:ext cx="11906545" cy="2554545"/>
+        </p:nvPicPr>
+        <p:blipFill rotWithShape="1">
+          <a:blip r:embed="rId2"/>
+          <a:srcRect t="86146" r="3090" b="3512"/>
+          <a:stretch/>
+        </p:blipFill>
+        <p:spPr>
+          <a:xfrm>
+            <a:off x="168135" y="2895600"/>
+            <a:ext cx="11855729" cy="635000"/>
           </a:xfrm>
           <a:prstGeom prst="rect">
             <a:avLst/>
           </a:prstGeom>
-          <a:noFill/>
-        </p:spPr>
-        <p:txBody>
-          <a:bodyPr wrap="square" rtlCol="0">
-            <a:spAutoFit/>
-          </a:bodyPr>
-          <a:lstStyle/>
-          <a:p>
-            <a:r>
-              <a:rPr lang="en-US" sz="2000" dirty="0">
-                <a:latin typeface="Consolas" panose="020B0609020204030204" pitchFamily="49" charset="0"/>
-              </a:rPr>
-              <a:t>Content-Security-Policy: </a:t>
-            </a:r>
-          </a:p>
-          <a:p>
-            <a:r>
-              <a:rPr lang="en-US" sz="2000" dirty="0">
-                <a:solidFill>
-                  <a:schemeClr val="accent6"/>
-                </a:solidFill>
-                <a:latin typeface="Consolas" panose="020B0609020204030204" pitchFamily="49" charset="0"/>
-              </a:rPr>
-              <a:t>default-</a:t>
-            </a:r>
-            <a:r>
-              <a:rPr lang="en-US" sz="2000" dirty="0" err="1">
-                <a:solidFill>
-                  <a:schemeClr val="accent6"/>
-                </a:solidFill>
-                <a:latin typeface="Consolas" panose="020B0609020204030204" pitchFamily="49" charset="0"/>
-              </a:rPr>
-              <a:t>src</a:t>
-            </a:r>
-            <a:r>
-              <a:rPr lang="en-US" sz="2000" dirty="0">
-                <a:solidFill>
-                  <a:schemeClr val="accent6"/>
-                </a:solidFill>
-                <a:latin typeface="Consolas" panose="020B0609020204030204" pitchFamily="49" charset="0"/>
-              </a:rPr>
-              <a:t> </a:t>
-            </a:r>
-            <a:r>
-              <a:rPr lang="en-US" sz="2000" dirty="0">
-                <a:solidFill>
-                  <a:srgbClr val="7030A0"/>
-                </a:solidFill>
-                <a:latin typeface="Consolas" panose="020B0609020204030204" pitchFamily="49" charset="0"/>
-              </a:rPr>
-              <a:t>'self'</a:t>
-            </a:r>
-            <a:r>
-              <a:rPr lang="en-US" sz="2000" dirty="0">
-                <a:latin typeface="Consolas" panose="020B0609020204030204" pitchFamily="49" charset="0"/>
-              </a:rPr>
-              <a:t>; </a:t>
-            </a:r>
-          </a:p>
-          <a:p>
-            <a:r>
-              <a:rPr lang="en-US" sz="2000" b="1" dirty="0">
-                <a:solidFill>
-                  <a:schemeClr val="accent6"/>
-                </a:solidFill>
-                <a:latin typeface="Consolas" panose="020B0609020204030204" pitchFamily="49" charset="0"/>
-              </a:rPr>
-              <a:t>script-</a:t>
-            </a:r>
-            <a:r>
-              <a:rPr lang="en-US" sz="2000" b="1" dirty="0" err="1">
-                <a:solidFill>
-                  <a:schemeClr val="accent6"/>
-                </a:solidFill>
-                <a:latin typeface="Consolas" panose="020B0609020204030204" pitchFamily="49" charset="0"/>
-              </a:rPr>
-              <a:t>src</a:t>
-            </a:r>
-            <a:r>
-              <a:rPr lang="en-US" sz="2000" b="1" dirty="0">
-                <a:latin typeface="Consolas" panose="020B0609020204030204" pitchFamily="49" charset="0"/>
-              </a:rPr>
-              <a:t> </a:t>
-            </a:r>
-            <a:r>
-              <a:rPr lang="en-US" sz="2000" b="1" dirty="0">
-                <a:solidFill>
-                  <a:srgbClr val="7030A0"/>
-                </a:solidFill>
-                <a:latin typeface="Consolas" panose="020B0609020204030204" pitchFamily="49" charset="0"/>
-              </a:rPr>
-              <a:t>'self' </a:t>
-            </a:r>
-            <a:r>
-              <a:rPr lang="en-US" sz="2000" b="1" strike="sngStrike" dirty="0">
-                <a:solidFill>
-                  <a:srgbClr val="FF0000"/>
-                </a:solidFill>
-                <a:latin typeface="Consolas" panose="020B0609020204030204" pitchFamily="49" charset="0"/>
-              </a:rPr>
-              <a:t>'unsafe-inline'</a:t>
-            </a:r>
-            <a:r>
-              <a:rPr lang="en-US" sz="2000" dirty="0">
-                <a:latin typeface="Consolas" panose="020B0609020204030204" pitchFamily="49" charset="0"/>
-              </a:rPr>
-              <a:t>; </a:t>
-            </a:r>
-          </a:p>
-          <a:p>
-            <a:r>
-              <a:rPr lang="en-US" sz="2000" dirty="0">
-                <a:solidFill>
-                  <a:schemeClr val="accent6"/>
-                </a:solidFill>
-                <a:latin typeface="Consolas" panose="020B0609020204030204" pitchFamily="49" charset="0"/>
-              </a:rPr>
-              <a:t>style-</a:t>
-            </a:r>
-            <a:r>
-              <a:rPr lang="en-US" sz="2000" dirty="0" err="1">
-                <a:solidFill>
-                  <a:schemeClr val="accent6"/>
-                </a:solidFill>
-                <a:latin typeface="Consolas" panose="020B0609020204030204" pitchFamily="49" charset="0"/>
-              </a:rPr>
-              <a:t>src</a:t>
-            </a:r>
-            <a:r>
-              <a:rPr lang="en-US" sz="2000" dirty="0">
-                <a:latin typeface="Consolas" panose="020B0609020204030204" pitchFamily="49" charset="0"/>
-              </a:rPr>
-              <a:t> </a:t>
-            </a:r>
-            <a:r>
-              <a:rPr lang="en-US" sz="2000" dirty="0">
-                <a:solidFill>
-                  <a:srgbClr val="7030A0"/>
-                </a:solidFill>
-                <a:latin typeface="Consolas" panose="020B0609020204030204" pitchFamily="49" charset="0"/>
-              </a:rPr>
-              <a:t>'self' 'unsafe-inline' https://fonts.googleapis.com https://fonts.gstatic.com</a:t>
-            </a:r>
-            <a:r>
-              <a:rPr lang="en-US" sz="2000" dirty="0">
-                <a:latin typeface="Consolas" panose="020B0609020204030204" pitchFamily="49" charset="0"/>
-              </a:rPr>
-              <a:t>; </a:t>
-            </a:r>
-          </a:p>
-          <a:p>
-            <a:r>
-              <a:rPr lang="en-US" sz="2000" dirty="0" err="1">
-                <a:solidFill>
-                  <a:schemeClr val="accent6"/>
-                </a:solidFill>
-                <a:latin typeface="Consolas" panose="020B0609020204030204" pitchFamily="49" charset="0"/>
-              </a:rPr>
-              <a:t>img-src</a:t>
-            </a:r>
-            <a:r>
-              <a:rPr lang="en-US" sz="2000" dirty="0">
-                <a:latin typeface="Consolas" panose="020B0609020204030204" pitchFamily="49" charset="0"/>
-              </a:rPr>
-              <a:t> </a:t>
-            </a:r>
-            <a:r>
-              <a:rPr lang="en-US" sz="2000" dirty="0">
-                <a:solidFill>
-                  <a:srgbClr val="7030A0"/>
-                </a:solidFill>
-                <a:latin typeface="Consolas" panose="020B0609020204030204" pitchFamily="49" charset="0"/>
-              </a:rPr>
-              <a:t>'self' data: blob:</a:t>
-            </a:r>
-            <a:r>
-              <a:rPr lang="en-US" sz="2000" dirty="0">
-                <a:latin typeface="Consolas" panose="020B0609020204030204" pitchFamily="49" charset="0"/>
-              </a:rPr>
-              <a:t>; </a:t>
-            </a:r>
-          </a:p>
-          <a:p>
-            <a:r>
-              <a:rPr lang="en-US" sz="2000" dirty="0">
-                <a:solidFill>
-                  <a:schemeClr val="accent6"/>
-                </a:solidFill>
-                <a:latin typeface="Consolas" panose="020B0609020204030204" pitchFamily="49" charset="0"/>
-              </a:rPr>
-              <a:t>font-</a:t>
-            </a:r>
-            <a:r>
-              <a:rPr lang="en-US" sz="2000" dirty="0" err="1">
-                <a:solidFill>
-                  <a:schemeClr val="accent6"/>
-                </a:solidFill>
-                <a:latin typeface="Consolas" panose="020B0609020204030204" pitchFamily="49" charset="0"/>
-              </a:rPr>
-              <a:t>src</a:t>
-            </a:r>
-            <a:r>
-              <a:rPr lang="en-US" sz="2000" dirty="0">
-                <a:latin typeface="Consolas" panose="020B0609020204030204" pitchFamily="49" charset="0"/>
-              </a:rPr>
-              <a:t> </a:t>
-            </a:r>
-            <a:r>
-              <a:rPr lang="en-US" sz="2000" dirty="0">
-                <a:solidFill>
-                  <a:srgbClr val="7030A0"/>
-                </a:solidFill>
-                <a:latin typeface="Consolas" panose="020B0609020204030204" pitchFamily="49" charset="0"/>
-              </a:rPr>
-              <a:t>'self' https://fonts.googleapis.com https://fonts.gstatic.com</a:t>
-            </a:r>
-            <a:r>
-              <a:rPr lang="en-US" sz="2000" dirty="0">
-                <a:latin typeface="Consolas" panose="020B0609020204030204" pitchFamily="49" charset="0"/>
-              </a:rPr>
-              <a:t>; </a:t>
-            </a:r>
-          </a:p>
-          <a:p>
-            <a:r>
-              <a:rPr lang="en-US" sz="2000" dirty="0">
-                <a:solidFill>
-                  <a:schemeClr val="accent6"/>
-                </a:solidFill>
-                <a:latin typeface="Consolas" panose="020B0609020204030204" pitchFamily="49" charset="0"/>
-              </a:rPr>
-              <a:t>form-action</a:t>
-            </a:r>
-            <a:r>
-              <a:rPr lang="en-US" sz="2000" dirty="0">
-                <a:solidFill>
-                  <a:srgbClr val="7030A0"/>
-                </a:solidFill>
-                <a:latin typeface="Consolas" panose="020B0609020204030204" pitchFamily="49" charset="0"/>
-              </a:rPr>
-              <a:t> 'self'</a:t>
-            </a:r>
-          </a:p>
-        </p:txBody>
-      </p:sp>
-      <p:sp>
-        <p:nvSpPr>
-          <p:cNvPr id="4" name="Rectangle: Rounded Corners 3">
-            <a:extLst>
-              <a:ext uri="{FF2B5EF4-FFF2-40B4-BE49-F238E27FC236}">
-                <a16:creationId xmlns:a16="http://schemas.microsoft.com/office/drawing/2014/main" id="{AB083D01-2D20-74EB-5E28-C7038A2503BE}"/>
-              </a:ext>
-            </a:extLst>
-          </p:cNvPr>
-          <p:cNvSpPr/>
-          <p:nvPr/>
-        </p:nvSpPr>
-        <p:spPr>
-          <a:xfrm>
-            <a:off x="62910" y="4698999"/>
-            <a:ext cx="4890090" cy="279401"/>
-          </a:xfrm>
-          <a:prstGeom prst="roundRect">
-            <a:avLst/>
-          </a:prstGeom>
-          <a:noFill/>
-          <a:ln w="25400">
-            <a:solidFill>
-              <a:schemeClr val="accent4"/>
-            </a:solidFill>
-          </a:ln>
-        </p:spPr>
-        <p:style>
-          <a:lnRef idx="2">
-            <a:schemeClr val="accent1">
-              <a:shade val="15000"/>
-            </a:schemeClr>
-          </a:lnRef>
-          <a:fillRef idx="1">
-            <a:schemeClr val="accent1"/>
-          </a:fillRef>
-          <a:effectRef idx="0">
-            <a:schemeClr val="accent1"/>
-          </a:effectRef>
-          <a:fontRef idx="minor">
-            <a:schemeClr val="lt1"/>
-          </a:fontRef>
-        </p:style>
-        <p:txBody>
-          <a:bodyPr rtlCol="0" anchor="ctr"/>
-          <a:lstStyle/>
-          <a:p>
-            <a:pPr algn="ctr"/>
-            <a:endParaRPr lang="en-US"/>
-          </a:p>
-        </p:txBody>
-      </p:sp>
+          <a:effectLst>
+            <a:outerShdw blurRad="50800" dist="38100" algn="l" rotWithShape="0">
+              <a:prstClr val="black">
+                <a:alpha val="40000"/>
+              </a:prstClr>
+            </a:outerShdw>
+          </a:effectLst>
+        </p:spPr>
+      </p:pic>
     </p:spTree>
     <p:extLst>
       <p:ext uri="{BB962C8B-B14F-4D97-AF65-F5344CB8AC3E}">
-        <p14:creationId xmlns:p14="http://schemas.microsoft.com/office/powerpoint/2010/main" val="2189355584"/>
+        <p14:creationId xmlns:p14="http://schemas.microsoft.com/office/powerpoint/2010/main" val="3226988061"/>
       </p:ext>
     </p:extLst>
   </p:cSld>
   <p:clrMapOvr>
     <a:masterClrMapping/>
   </p:clrMapOvr>
-  <mc:AlternateContent xmlns:mc="http://schemas.openxmlformats.org/markup-compatibility/2006" xmlns:p14="http://schemas.microsoft.com/office/powerpoint/2010/main">
-    <mc:Choice Requires="p14">
-      <p:transition spd="med" p14:dur="700">
-        <p:fade/>
+  <mc:AlternateContent xmlns:mc="http://schemas.openxmlformats.org/markup-compatibility/2006">
+    <mc:Choice xmlns:p159="http://schemas.microsoft.com/office/powerpoint/2015/09/main" Requires="p159">
+      <p:transition xmlns:p14="http://schemas.microsoft.com/office/powerpoint/2010/main" spd="slow" p14:dur="2000">
+        <p159:morph option="byObject"/>
       </p:transition>
     </mc:Choice>
-    <mc:Fallback xmlns="">
-      <p:transition spd="med">
+    <mc:Fallback>
+      <p:transition spd="slow">
         <p:fade/>
       </p:transition>
     </mc:Fallback>
@@ -30153,7 +29873,7 @@
             <a:pPr algn="l"/>
             <a:r>
               <a:rPr lang="en-US" dirty="0"/>
-              <a:t>🔬Study time: second try – How to broke an app tutorial!</a:t>
+              <a:t>🔬Study time: second try</a:t>
             </a:r>
           </a:p>
         </p:txBody>
@@ -30192,11 +29912,49 @@
             </a:pPr>
             <a:r>
               <a:rPr lang="en-US" sz="2400" noProof="1"/>
-              <a:t>😱However, this breaks the review feature:</a:t>
-            </a:r>
-          </a:p>
-          <a:p>
-            <a:endParaRPr lang="en-US" sz="2400" noProof="1"/>
+              <a:t>😨However, it is still possible to execute embedded Javascript payload to perform action on behalf of the current user.</a:t>
+            </a:r>
+          </a:p>
+          <a:p>
+            <a:pPr marL="285750" indent="-285750">
+              <a:buFont typeface="Arial" panose="020B0604020202020204" pitchFamily="34" charset="0"/>
+              <a:buChar char="•"/>
+            </a:pPr>
+            <a:endParaRPr lang="en-US" sz="2400" b="1" noProof="1"/>
+          </a:p>
+          <a:p>
+            <a:pPr marL="285750" indent="-285750">
+              <a:buFont typeface="Arial" panose="020B0604020202020204" pitchFamily="34" charset="0"/>
+              <a:buChar char="•"/>
+            </a:pPr>
+            <a:r>
+              <a:rPr lang="en-US" sz="2400" noProof="1"/>
+              <a:t>🤔Idea is to to block the execution of any injected JavaScript code, by removing the </a:t>
+            </a:r>
+            <a:r>
+              <a:rPr lang="en-US" sz="2400" b="1" noProof="1">
+                <a:solidFill>
+                  <a:srgbClr val="7030A0"/>
+                </a:solidFill>
+              </a:rPr>
+              <a:t>unsafe-inline</a:t>
+            </a:r>
+            <a:r>
+              <a:rPr lang="en-US" sz="2400" noProof="1"/>
+              <a:t> instruction, from the </a:t>
+            </a:r>
+            <a:r>
+              <a:rPr lang="en-US" sz="2400" b="1" noProof="1">
+                <a:solidFill>
+                  <a:schemeClr val="accent6"/>
+                </a:solidFill>
+              </a:rPr>
+              <a:t>script-src</a:t>
+            </a:r>
+            <a:r>
+              <a:rPr lang="en-US" sz="2400" noProof="1"/>
+              <a:t> directive:</a:t>
+            </a:r>
           </a:p>
           <a:p>
             <a:pPr marL="285750" indent="-285750">
@@ -30227,89 +29985,339 @@
             <a:endParaRPr lang="en-US" sz="2400" noProof="1"/>
           </a:p>
           <a:p>
+            <a:pPr marL="285750" indent="-285750">
+              <a:buFont typeface="Arial" panose="020B0604020202020204" pitchFamily="34" charset="0"/>
+              <a:buChar char="•"/>
+            </a:pPr>
+            <a:endParaRPr lang="en-US" sz="2400" noProof="1"/>
+          </a:p>
+          <a:p>
             <a:pPr lvl="1"/>
             <a:endParaRPr lang="en-US" sz="2400" noProof="1"/>
           </a:p>
         </p:txBody>
       </p:sp>
-      <p:pic>
-        <p:nvPicPr>
-          <p:cNvPr id="8" name="Picture 7">
-            <a:extLst>
-              <a:ext uri="{FF2B5EF4-FFF2-40B4-BE49-F238E27FC236}">
-                <a16:creationId xmlns:a16="http://schemas.microsoft.com/office/drawing/2014/main" id="{E4F2BBF9-1C52-B76F-5BAC-6051A180371E}"/>
-              </a:ext>
-            </a:extLst>
-          </p:cNvPr>
-          <p:cNvPicPr>
-            <a:picLocks noChangeAspect="1"/>
-          </p:cNvPicPr>
+      <p:sp>
+        <p:nvSpPr>
+          <p:cNvPr id="3" name="TextBox 2">
+            <a:extLst>
+              <a:ext uri="{FF2B5EF4-FFF2-40B4-BE49-F238E27FC236}">
+                <a16:creationId xmlns:a16="http://schemas.microsoft.com/office/drawing/2014/main" id="{3D611CA9-9352-51D4-82FF-F26AC2F95406}"/>
+              </a:ext>
+            </a:extLst>
+          </p:cNvPr>
+          <p:cNvSpPr txBox="1"/>
           <p:nvPr/>
-        </p:nvPicPr>
-        <p:blipFill>
-          <a:blip r:embed="rId2"/>
-          <a:stretch>
-            <a:fillRect/>
-          </a:stretch>
-        </p:blipFill>
-        <p:spPr>
-          <a:xfrm>
-            <a:off x="866045" y="2253590"/>
-            <a:ext cx="10459910" cy="1876687"/>
+        </p:nvSpPr>
+        <p:spPr>
+          <a:xfrm>
+            <a:off x="62910" y="4029347"/>
+            <a:ext cx="11906545" cy="2554545"/>
           </a:xfrm>
           <a:prstGeom prst="rect">
             <a:avLst/>
           </a:prstGeom>
-          <a:effectLst>
-            <a:outerShdw blurRad="50800" dist="38100" algn="l" rotWithShape="0">
-              <a:prstClr val="black">
-                <a:alpha val="40000"/>
-              </a:prstClr>
-            </a:outerShdw>
-          </a:effectLst>
-        </p:spPr>
-      </p:pic>
-      <p:pic>
-        <p:nvPicPr>
-          <p:cNvPr id="10" name="Picture 9" descr="A screenshot of a computer program&#10;&#10;Description automatically generated">
-            <a:extLst>
-              <a:ext uri="{FF2B5EF4-FFF2-40B4-BE49-F238E27FC236}">
-                <a16:creationId xmlns:a16="http://schemas.microsoft.com/office/drawing/2014/main" id="{B3B045EE-8BCB-4CD1-18A0-04ACFEDC7A35}"/>
-              </a:ext>
-            </a:extLst>
-          </p:cNvPr>
-          <p:cNvPicPr>
-            <a:picLocks noChangeAspect="1"/>
-          </p:cNvPicPr>
+          <a:noFill/>
+        </p:spPr>
+        <p:txBody>
+          <a:bodyPr wrap="square" rtlCol="0">
+            <a:spAutoFit/>
+          </a:bodyPr>
+          <a:lstStyle/>
+          <a:p>
+            <a:r>
+              <a:rPr lang="en-US" sz="2000" dirty="0">
+                <a:latin typeface="Consolas" panose="020B0609020204030204" pitchFamily="49" charset="0"/>
+              </a:rPr>
+              <a:t>Content-Security-Policy: </a:t>
+            </a:r>
+          </a:p>
+          <a:p>
+            <a:r>
+              <a:rPr lang="en-US" sz="2000" dirty="0">
+                <a:solidFill>
+                  <a:schemeClr val="accent6"/>
+                </a:solidFill>
+                <a:latin typeface="Consolas" panose="020B0609020204030204" pitchFamily="49" charset="0"/>
+              </a:rPr>
+              <a:t>default-</a:t>
+            </a:r>
+            <a:r>
+              <a:rPr lang="en-US" sz="2000" dirty="0" err="1">
+                <a:solidFill>
+                  <a:schemeClr val="accent6"/>
+                </a:solidFill>
+                <a:latin typeface="Consolas" panose="020B0609020204030204" pitchFamily="49" charset="0"/>
+              </a:rPr>
+              <a:t>src</a:t>
+            </a:r>
+            <a:r>
+              <a:rPr lang="en-US" sz="2000" dirty="0">
+                <a:solidFill>
+                  <a:schemeClr val="accent6"/>
+                </a:solidFill>
+                <a:latin typeface="Consolas" panose="020B0609020204030204" pitchFamily="49" charset="0"/>
+              </a:rPr>
+              <a:t> </a:t>
+            </a:r>
+            <a:r>
+              <a:rPr lang="en-US" sz="2000" dirty="0">
+                <a:solidFill>
+                  <a:srgbClr val="7030A0"/>
+                </a:solidFill>
+                <a:latin typeface="Consolas" panose="020B0609020204030204" pitchFamily="49" charset="0"/>
+              </a:rPr>
+              <a:t>'self'</a:t>
+            </a:r>
+            <a:r>
+              <a:rPr lang="en-US" sz="2000" dirty="0">
+                <a:latin typeface="Consolas" panose="020B0609020204030204" pitchFamily="49" charset="0"/>
+              </a:rPr>
+              <a:t>; </a:t>
+            </a:r>
+          </a:p>
+          <a:p>
+            <a:r>
+              <a:rPr lang="en-US" sz="2000" b="1" dirty="0">
+                <a:solidFill>
+                  <a:schemeClr val="accent6"/>
+                </a:solidFill>
+                <a:latin typeface="Consolas" panose="020B0609020204030204" pitchFamily="49" charset="0"/>
+              </a:rPr>
+              <a:t>script-</a:t>
+            </a:r>
+            <a:r>
+              <a:rPr lang="en-US" sz="2000" b="1" dirty="0" err="1">
+                <a:solidFill>
+                  <a:schemeClr val="accent6"/>
+                </a:solidFill>
+                <a:latin typeface="Consolas" panose="020B0609020204030204" pitchFamily="49" charset="0"/>
+              </a:rPr>
+              <a:t>src</a:t>
+            </a:r>
+            <a:r>
+              <a:rPr lang="en-US" sz="2000" b="1" dirty="0">
+                <a:latin typeface="Consolas" panose="020B0609020204030204" pitchFamily="49" charset="0"/>
+              </a:rPr>
+              <a:t> </a:t>
+            </a:r>
+            <a:r>
+              <a:rPr lang="en-US" sz="2000" b="1" dirty="0">
+                <a:solidFill>
+                  <a:srgbClr val="7030A0"/>
+                </a:solidFill>
+                <a:latin typeface="Consolas" panose="020B0609020204030204" pitchFamily="49" charset="0"/>
+              </a:rPr>
+              <a:t>'self' </a:t>
+            </a:r>
+            <a:r>
+              <a:rPr lang="en-US" sz="2000" b="1" strike="sngStrike" dirty="0">
+                <a:solidFill>
+                  <a:srgbClr val="FF0000"/>
+                </a:solidFill>
+                <a:latin typeface="Consolas" panose="020B0609020204030204" pitchFamily="49" charset="0"/>
+              </a:rPr>
+              <a:t>'unsafe-inline'</a:t>
+            </a:r>
+            <a:r>
+              <a:rPr lang="en-US" sz="2000" dirty="0">
+                <a:latin typeface="Consolas" panose="020B0609020204030204" pitchFamily="49" charset="0"/>
+              </a:rPr>
+              <a:t>; </a:t>
+            </a:r>
+          </a:p>
+          <a:p>
+            <a:r>
+              <a:rPr lang="en-US" sz="2000" dirty="0">
+                <a:solidFill>
+                  <a:schemeClr val="accent6"/>
+                </a:solidFill>
+                <a:latin typeface="Consolas" panose="020B0609020204030204" pitchFamily="49" charset="0"/>
+              </a:rPr>
+              <a:t>style-</a:t>
+            </a:r>
+            <a:r>
+              <a:rPr lang="en-US" sz="2000" dirty="0" err="1">
+                <a:solidFill>
+                  <a:schemeClr val="accent6"/>
+                </a:solidFill>
+                <a:latin typeface="Consolas" panose="020B0609020204030204" pitchFamily="49" charset="0"/>
+              </a:rPr>
+              <a:t>src</a:t>
+            </a:r>
+            <a:r>
+              <a:rPr lang="en-US" sz="2000" dirty="0">
+                <a:latin typeface="Consolas" panose="020B0609020204030204" pitchFamily="49" charset="0"/>
+              </a:rPr>
+              <a:t> </a:t>
+            </a:r>
+            <a:r>
+              <a:rPr lang="en-US" sz="2000" dirty="0">
+                <a:solidFill>
+                  <a:srgbClr val="7030A0"/>
+                </a:solidFill>
+                <a:latin typeface="Consolas" panose="020B0609020204030204" pitchFamily="49" charset="0"/>
+              </a:rPr>
+              <a:t>'self' 'unsafe-inline' https://fonts.googleapis.com https://fonts.gstatic.com</a:t>
+            </a:r>
+            <a:r>
+              <a:rPr lang="en-US" sz="2000" dirty="0">
+                <a:latin typeface="Consolas" panose="020B0609020204030204" pitchFamily="49" charset="0"/>
+              </a:rPr>
+              <a:t>; </a:t>
+            </a:r>
+          </a:p>
+          <a:p>
+            <a:r>
+              <a:rPr lang="en-US" sz="2000" dirty="0" err="1">
+                <a:solidFill>
+                  <a:schemeClr val="accent6"/>
+                </a:solidFill>
+                <a:latin typeface="Consolas" panose="020B0609020204030204" pitchFamily="49" charset="0"/>
+              </a:rPr>
+              <a:t>img-src</a:t>
+            </a:r>
+            <a:r>
+              <a:rPr lang="en-US" sz="2000" dirty="0">
+                <a:latin typeface="Consolas" panose="020B0609020204030204" pitchFamily="49" charset="0"/>
+              </a:rPr>
+              <a:t> </a:t>
+            </a:r>
+            <a:r>
+              <a:rPr lang="en-US" sz="2000" dirty="0">
+                <a:solidFill>
+                  <a:srgbClr val="7030A0"/>
+                </a:solidFill>
+                <a:latin typeface="Consolas" panose="020B0609020204030204" pitchFamily="49" charset="0"/>
+              </a:rPr>
+              <a:t>'self' data: blob:</a:t>
+            </a:r>
+            <a:r>
+              <a:rPr lang="en-US" sz="2000" dirty="0">
+                <a:latin typeface="Consolas" panose="020B0609020204030204" pitchFamily="49" charset="0"/>
+              </a:rPr>
+              <a:t>; </a:t>
+            </a:r>
+          </a:p>
+          <a:p>
+            <a:r>
+              <a:rPr lang="en-US" sz="2000" dirty="0">
+                <a:solidFill>
+                  <a:schemeClr val="accent6"/>
+                </a:solidFill>
+                <a:latin typeface="Consolas" panose="020B0609020204030204" pitchFamily="49" charset="0"/>
+              </a:rPr>
+              <a:t>font-</a:t>
+            </a:r>
+            <a:r>
+              <a:rPr lang="en-US" sz="2000" dirty="0" err="1">
+                <a:solidFill>
+                  <a:schemeClr val="accent6"/>
+                </a:solidFill>
+                <a:latin typeface="Consolas" panose="020B0609020204030204" pitchFamily="49" charset="0"/>
+              </a:rPr>
+              <a:t>src</a:t>
+            </a:r>
+            <a:r>
+              <a:rPr lang="en-US" sz="2000" dirty="0">
+                <a:latin typeface="Consolas" panose="020B0609020204030204" pitchFamily="49" charset="0"/>
+              </a:rPr>
+              <a:t> </a:t>
+            </a:r>
+            <a:r>
+              <a:rPr lang="en-US" sz="2000" dirty="0">
+                <a:solidFill>
+                  <a:srgbClr val="7030A0"/>
+                </a:solidFill>
+                <a:latin typeface="Consolas" panose="020B0609020204030204" pitchFamily="49" charset="0"/>
+              </a:rPr>
+              <a:t>'self' https://fonts.googleapis.com https://fonts.gstatic.com</a:t>
+            </a:r>
+            <a:r>
+              <a:rPr lang="en-US" sz="2000" dirty="0">
+                <a:latin typeface="Consolas" panose="020B0609020204030204" pitchFamily="49" charset="0"/>
+              </a:rPr>
+              <a:t>; </a:t>
+            </a:r>
+          </a:p>
+          <a:p>
+            <a:r>
+              <a:rPr lang="en-US" sz="2000" dirty="0">
+                <a:solidFill>
+                  <a:schemeClr val="accent6"/>
+                </a:solidFill>
+                <a:latin typeface="Consolas" panose="020B0609020204030204" pitchFamily="49" charset="0"/>
+              </a:rPr>
+              <a:t>form-action</a:t>
+            </a:r>
+            <a:r>
+              <a:rPr lang="en-US" sz="2000" dirty="0">
+                <a:solidFill>
+                  <a:srgbClr val="7030A0"/>
+                </a:solidFill>
+                <a:latin typeface="Consolas" panose="020B0609020204030204" pitchFamily="49" charset="0"/>
+              </a:rPr>
+              <a:t> 'self'</a:t>
+            </a:r>
+          </a:p>
+        </p:txBody>
+      </p:sp>
+      <p:sp>
+        <p:nvSpPr>
+          <p:cNvPr id="4" name="Rectangle 3">
+            <a:extLst>
+              <a:ext uri="{FF2B5EF4-FFF2-40B4-BE49-F238E27FC236}">
+                <a16:creationId xmlns:a16="http://schemas.microsoft.com/office/drawing/2014/main" id="{AB083D01-2D20-74EB-5E28-C7038A2503BE}"/>
+              </a:ext>
+            </a:extLst>
+          </p:cNvPr>
+          <p:cNvSpPr/>
           <p:nvPr/>
-        </p:nvPicPr>
-        <p:blipFill>
-          <a:blip r:embed="rId3"/>
-          <a:stretch>
-            <a:fillRect/>
-          </a:stretch>
-        </p:blipFill>
-        <p:spPr>
-          <a:xfrm>
-            <a:off x="1535764" y="4627242"/>
-            <a:ext cx="9183382" cy="1733792"/>
+        </p:nvSpPr>
+        <p:spPr>
+          <a:xfrm>
+            <a:off x="62910" y="4698999"/>
+            <a:ext cx="4890090" cy="279401"/>
           </a:xfrm>
           <a:prstGeom prst="rect">
             <a:avLst/>
           </a:prstGeom>
-          <a:effectLst>
-            <a:outerShdw blurRad="50800" dist="38100" algn="l" rotWithShape="0">
-              <a:prstClr val="black">
-                <a:alpha val="40000"/>
-              </a:prstClr>
-            </a:outerShdw>
-          </a:effectLst>
-        </p:spPr>
-      </p:pic>
+          <a:noFill/>
+          <a:ln w="25400">
+            <a:solidFill>
+              <a:schemeClr val="accent4"/>
+            </a:solidFill>
+          </a:ln>
+        </p:spPr>
+        <p:style>
+          <a:lnRef idx="2">
+            <a:schemeClr val="accent1">
+              <a:shade val="15000"/>
+            </a:schemeClr>
+          </a:lnRef>
+          <a:fillRef idx="1">
+            <a:schemeClr val="accent1"/>
+          </a:fillRef>
+          <a:effectRef idx="0">
+            <a:schemeClr val="accent1"/>
+          </a:effectRef>
+          <a:fontRef idx="minor">
+            <a:schemeClr val="lt1"/>
+          </a:fontRef>
+        </p:style>
+        <p:txBody>
+          <a:bodyPr rtlCol="0" anchor="ctr"/>
+          <a:lstStyle/>
+          <a:p>
+            <a:pPr algn="ctr"/>
+            <a:endParaRPr lang="en-US"/>
+          </a:p>
+        </p:txBody>
+      </p:sp>
     </p:spTree>
     <p:extLst>
       <p:ext uri="{BB962C8B-B14F-4D97-AF65-F5344CB8AC3E}">
-        <p14:creationId xmlns:p14="http://schemas.microsoft.com/office/powerpoint/2010/main" val="2776536927"/>
+        <p14:creationId xmlns:p14="http://schemas.microsoft.com/office/powerpoint/2010/main" val="2189355584"/>
       </p:ext>
     </p:extLst>
   </p:cSld>
@@ -30379,7 +30387,7 @@
             <a:pPr algn="l"/>
             <a:r>
               <a:rPr lang="en-US" dirty="0"/>
-              <a:t>🔬Study time: Third try</a:t>
+              <a:t>🔬Study time: second try – How to broke an app tutorial!</a:t>
             </a:r>
           </a:p>
         </p:txBody>
@@ -30418,28 +30426,11 @@
             </a:pPr>
             <a:r>
               <a:rPr lang="en-US" sz="2400" noProof="1"/>
-              <a:t>👨‍💻For this tentative, the CSP created previously is used and the directive </a:t>
-            </a:r>
-            <a:r>
-              <a:rPr lang="en-US" sz="2400" b="1" noProof="1">
-                <a:solidFill>
-                  <a:schemeClr val="accent6"/>
-                </a:solidFill>
-              </a:rPr>
-              <a:t>script-src-attr</a:t>
-            </a:r>
-            <a:r>
-              <a:rPr lang="en-US" sz="2400" noProof="1"/>
-              <a:t> is leveraged: This directive </a:t>
-            </a:r>
-            <a:r>
-              <a:rPr lang="en-US" sz="2400" b="1" noProof="1"/>
-              <a:t>specifies valid sources for JavaScript inline event handlers</a:t>
-            </a:r>
-            <a:r>
-              <a:rPr lang="en-US" sz="2400" noProof="1"/>
-              <a:t>.</a:t>
-            </a:r>
+              <a:t>😱However, this breaks the review feature:</a:t>
+            </a:r>
+          </a:p>
+          <a:p>
+            <a:endParaRPr lang="en-US" sz="2400" noProof="1"/>
           </a:p>
           <a:p>
             <a:pPr marL="285750" indent="-285750">
@@ -30453,10 +30444,7 @@
               <a:buFont typeface="Arial" panose="020B0604020202020204" pitchFamily="34" charset="0"/>
               <a:buChar char="•"/>
             </a:pPr>
-            <a:r>
-              <a:rPr lang="en-US" sz="2400" noProof="1"/>
-              <a:t>🤔Idea is to tune the allowed behavior on scripts:</a:t>
-            </a:r>
+            <a:endParaRPr lang="en-US" sz="2400" noProof="1"/>
           </a:p>
           <a:p>
             <a:pPr marL="285750" indent="-285750">
@@ -30473,344 +30461,91 @@
             <a:endParaRPr lang="en-US" sz="2400" noProof="1"/>
           </a:p>
           <a:p>
-            <a:pPr marL="285750" indent="-285750">
-              <a:buFont typeface="Arial" panose="020B0604020202020204" pitchFamily="34" charset="0"/>
-              <a:buChar char="•"/>
-            </a:pPr>
-            <a:endParaRPr lang="en-US" sz="2400" noProof="1"/>
-          </a:p>
-          <a:p>
-            <a:pPr marL="285750" indent="-285750">
-              <a:buFont typeface="Arial" panose="020B0604020202020204" pitchFamily="34" charset="0"/>
-              <a:buChar char="•"/>
-            </a:pPr>
-            <a:endParaRPr lang="en-US" sz="2400" noProof="1"/>
-          </a:p>
-          <a:p>
             <a:pPr lvl="1"/>
             <a:endParaRPr lang="en-US" sz="2400" noProof="1"/>
           </a:p>
         </p:txBody>
       </p:sp>
-      <p:sp>
-        <p:nvSpPr>
-          <p:cNvPr id="3" name="TextBox 2">
-            <a:extLst>
-              <a:ext uri="{FF2B5EF4-FFF2-40B4-BE49-F238E27FC236}">
-                <a16:creationId xmlns:a16="http://schemas.microsoft.com/office/drawing/2014/main" id="{3D611CA9-9352-51D4-82FF-F26AC2F95406}"/>
-              </a:ext>
-            </a:extLst>
-          </p:cNvPr>
-          <p:cNvSpPr txBox="1"/>
+      <p:pic>
+        <p:nvPicPr>
+          <p:cNvPr id="8" name="Picture 7">
+            <a:extLst>
+              <a:ext uri="{FF2B5EF4-FFF2-40B4-BE49-F238E27FC236}">
+                <a16:creationId xmlns:a16="http://schemas.microsoft.com/office/drawing/2014/main" id="{E4F2BBF9-1C52-B76F-5BAC-6051A180371E}"/>
+              </a:ext>
+            </a:extLst>
+          </p:cNvPr>
+          <p:cNvPicPr>
+            <a:picLocks noChangeAspect="1"/>
+          </p:cNvPicPr>
           <p:nvPr/>
-        </p:nvSpPr>
-        <p:spPr>
-          <a:xfrm>
-            <a:off x="62910" y="4181747"/>
-            <a:ext cx="11906545" cy="2554545"/>
+        </p:nvPicPr>
+        <p:blipFill>
+          <a:blip r:embed="rId2"/>
+          <a:stretch>
+            <a:fillRect/>
+          </a:stretch>
+        </p:blipFill>
+        <p:spPr>
+          <a:xfrm>
+            <a:off x="866045" y="2253590"/>
+            <a:ext cx="10459910" cy="1876687"/>
           </a:xfrm>
           <a:prstGeom prst="rect">
             <a:avLst/>
           </a:prstGeom>
-          <a:noFill/>
-        </p:spPr>
-        <p:txBody>
-          <a:bodyPr wrap="square" rtlCol="0">
-            <a:spAutoFit/>
-          </a:bodyPr>
-          <a:lstStyle/>
-          <a:p>
-            <a:r>
-              <a:rPr lang="en-US" sz="2000" dirty="0">
-                <a:latin typeface="Consolas" panose="020B0609020204030204" pitchFamily="49" charset="0"/>
-              </a:rPr>
-              <a:t>Content-Security-Policy: </a:t>
-            </a:r>
-          </a:p>
-          <a:p>
-            <a:r>
-              <a:rPr lang="en-US" sz="2000" dirty="0">
-                <a:solidFill>
-                  <a:schemeClr val="accent6"/>
-                </a:solidFill>
-                <a:latin typeface="Consolas" panose="020B0609020204030204" pitchFamily="49" charset="0"/>
-              </a:rPr>
-              <a:t>default-</a:t>
-            </a:r>
-            <a:r>
-              <a:rPr lang="en-US" sz="2000" dirty="0" err="1">
-                <a:solidFill>
-                  <a:schemeClr val="accent6"/>
-                </a:solidFill>
-                <a:latin typeface="Consolas" panose="020B0609020204030204" pitchFamily="49" charset="0"/>
-              </a:rPr>
-              <a:t>src</a:t>
-            </a:r>
-            <a:r>
-              <a:rPr lang="en-US" sz="2000" dirty="0">
-                <a:solidFill>
-                  <a:schemeClr val="accent6"/>
-                </a:solidFill>
-                <a:latin typeface="Consolas" panose="020B0609020204030204" pitchFamily="49" charset="0"/>
-              </a:rPr>
-              <a:t> </a:t>
-            </a:r>
-            <a:r>
-              <a:rPr lang="en-US" sz="2000" dirty="0">
-                <a:solidFill>
-                  <a:srgbClr val="7030A0"/>
-                </a:solidFill>
-                <a:latin typeface="Consolas" panose="020B0609020204030204" pitchFamily="49" charset="0"/>
-              </a:rPr>
-              <a:t>'self'</a:t>
-            </a:r>
-            <a:r>
-              <a:rPr lang="en-US" sz="2000" dirty="0">
-                <a:latin typeface="Consolas" panose="020B0609020204030204" pitchFamily="49" charset="0"/>
-              </a:rPr>
-              <a:t>; </a:t>
-            </a:r>
-          </a:p>
-          <a:p>
-            <a:r>
-              <a:rPr lang="en-US" sz="2000" b="1" dirty="0">
-                <a:solidFill>
-                  <a:schemeClr val="accent6"/>
-                </a:solidFill>
-                <a:latin typeface="Consolas" panose="020B0609020204030204" pitchFamily="49" charset="0"/>
-              </a:rPr>
-              <a:t>script-</a:t>
-            </a:r>
-            <a:r>
-              <a:rPr lang="en-US" sz="2000" b="1" dirty="0" err="1">
-                <a:solidFill>
-                  <a:schemeClr val="accent6"/>
-                </a:solidFill>
-                <a:latin typeface="Consolas" panose="020B0609020204030204" pitchFamily="49" charset="0"/>
-              </a:rPr>
-              <a:t>src</a:t>
-            </a:r>
-            <a:r>
-              <a:rPr lang="en-US" sz="2000" b="1" dirty="0">
-                <a:solidFill>
-                  <a:schemeClr val="accent6"/>
-                </a:solidFill>
-                <a:latin typeface="Consolas" panose="020B0609020204030204" pitchFamily="49" charset="0"/>
-              </a:rPr>
-              <a:t> </a:t>
-            </a:r>
-            <a:r>
-              <a:rPr lang="en-US" sz="2000" b="1" dirty="0">
-                <a:solidFill>
-                  <a:srgbClr val="7030A0"/>
-                </a:solidFill>
-                <a:latin typeface="Consolas" panose="020B0609020204030204" pitchFamily="49" charset="0"/>
-              </a:rPr>
-              <a:t>'self'</a:t>
-            </a:r>
-            <a:r>
-              <a:rPr lang="en-US" sz="2000" b="1" dirty="0">
-                <a:solidFill>
-                  <a:schemeClr val="accent6"/>
-                </a:solidFill>
-                <a:latin typeface="Consolas" panose="020B0609020204030204" pitchFamily="49" charset="0"/>
-              </a:rPr>
-              <a:t>; script-</a:t>
-            </a:r>
-            <a:r>
-              <a:rPr lang="en-US" sz="2000" b="1" dirty="0" err="1">
-                <a:solidFill>
-                  <a:schemeClr val="accent6"/>
-                </a:solidFill>
-                <a:latin typeface="Consolas" panose="020B0609020204030204" pitchFamily="49" charset="0"/>
-              </a:rPr>
-              <a:t>src</a:t>
-            </a:r>
-            <a:r>
-              <a:rPr lang="en-US" sz="2000" b="1" dirty="0">
-                <a:solidFill>
-                  <a:schemeClr val="accent6"/>
-                </a:solidFill>
-                <a:latin typeface="Consolas" panose="020B0609020204030204" pitchFamily="49" charset="0"/>
-              </a:rPr>
-              <a:t>-</a:t>
-            </a:r>
-            <a:r>
-              <a:rPr lang="en-US" sz="2000" b="1" dirty="0" err="1">
-                <a:solidFill>
-                  <a:schemeClr val="accent6"/>
-                </a:solidFill>
-                <a:latin typeface="Consolas" panose="020B0609020204030204" pitchFamily="49" charset="0"/>
-              </a:rPr>
-              <a:t>attr</a:t>
-            </a:r>
-            <a:r>
-              <a:rPr lang="en-US" sz="2000" b="1" dirty="0">
-                <a:solidFill>
-                  <a:schemeClr val="accent6"/>
-                </a:solidFill>
-                <a:latin typeface="Consolas" panose="020B0609020204030204" pitchFamily="49" charset="0"/>
-              </a:rPr>
-              <a:t> </a:t>
-            </a:r>
-            <a:r>
-              <a:rPr lang="en-US" sz="2000" b="1" dirty="0">
-                <a:solidFill>
-                  <a:srgbClr val="7030A0"/>
-                </a:solidFill>
-                <a:latin typeface="Consolas" panose="020B0609020204030204" pitchFamily="49" charset="0"/>
-              </a:rPr>
-              <a:t>'unsafe-inline'</a:t>
-            </a:r>
-            <a:r>
-              <a:rPr lang="en-US" sz="2000" dirty="0">
-                <a:latin typeface="Consolas" panose="020B0609020204030204" pitchFamily="49" charset="0"/>
-              </a:rPr>
-              <a:t>;</a:t>
-            </a:r>
-          </a:p>
-          <a:p>
-            <a:r>
-              <a:rPr lang="en-US" sz="2000" dirty="0">
-                <a:solidFill>
-                  <a:schemeClr val="accent6"/>
-                </a:solidFill>
-                <a:latin typeface="Consolas" panose="020B0609020204030204" pitchFamily="49" charset="0"/>
-              </a:rPr>
-              <a:t>style-</a:t>
-            </a:r>
-            <a:r>
-              <a:rPr lang="en-US" sz="2000" dirty="0" err="1">
-                <a:solidFill>
-                  <a:schemeClr val="accent6"/>
-                </a:solidFill>
-                <a:latin typeface="Consolas" panose="020B0609020204030204" pitchFamily="49" charset="0"/>
-              </a:rPr>
-              <a:t>src</a:t>
-            </a:r>
-            <a:r>
-              <a:rPr lang="en-US" sz="2000" dirty="0">
-                <a:latin typeface="Consolas" panose="020B0609020204030204" pitchFamily="49" charset="0"/>
-              </a:rPr>
-              <a:t> </a:t>
-            </a:r>
-            <a:r>
-              <a:rPr lang="en-US" sz="2000" dirty="0">
-                <a:solidFill>
-                  <a:srgbClr val="7030A0"/>
-                </a:solidFill>
-                <a:latin typeface="Consolas" panose="020B0609020204030204" pitchFamily="49" charset="0"/>
-              </a:rPr>
-              <a:t>'self' 'unsafe-inline' https://fonts.googleapis.com https://fonts.gstatic.com</a:t>
-            </a:r>
-            <a:r>
-              <a:rPr lang="en-US" sz="2000" dirty="0">
-                <a:latin typeface="Consolas" panose="020B0609020204030204" pitchFamily="49" charset="0"/>
-              </a:rPr>
-              <a:t>; </a:t>
-            </a:r>
-          </a:p>
-          <a:p>
-            <a:r>
-              <a:rPr lang="en-US" sz="2000" dirty="0" err="1">
-                <a:solidFill>
-                  <a:schemeClr val="accent6"/>
-                </a:solidFill>
-                <a:latin typeface="Consolas" panose="020B0609020204030204" pitchFamily="49" charset="0"/>
-              </a:rPr>
-              <a:t>img-src</a:t>
-            </a:r>
-            <a:r>
-              <a:rPr lang="en-US" sz="2000" dirty="0">
-                <a:latin typeface="Consolas" panose="020B0609020204030204" pitchFamily="49" charset="0"/>
-              </a:rPr>
-              <a:t> </a:t>
-            </a:r>
-            <a:r>
-              <a:rPr lang="en-US" sz="2000" dirty="0">
-                <a:solidFill>
-                  <a:srgbClr val="7030A0"/>
-                </a:solidFill>
-                <a:latin typeface="Consolas" panose="020B0609020204030204" pitchFamily="49" charset="0"/>
-              </a:rPr>
-              <a:t>'self' data: blob:</a:t>
-            </a:r>
-            <a:r>
-              <a:rPr lang="en-US" sz="2000" dirty="0">
-                <a:latin typeface="Consolas" panose="020B0609020204030204" pitchFamily="49" charset="0"/>
-              </a:rPr>
-              <a:t>; </a:t>
-            </a:r>
-          </a:p>
-          <a:p>
-            <a:r>
-              <a:rPr lang="en-US" sz="2000" dirty="0">
-                <a:solidFill>
-                  <a:schemeClr val="accent6"/>
-                </a:solidFill>
-                <a:latin typeface="Consolas" panose="020B0609020204030204" pitchFamily="49" charset="0"/>
-              </a:rPr>
-              <a:t>font-</a:t>
-            </a:r>
-            <a:r>
-              <a:rPr lang="en-US" sz="2000" dirty="0" err="1">
-                <a:solidFill>
-                  <a:schemeClr val="accent6"/>
-                </a:solidFill>
-                <a:latin typeface="Consolas" panose="020B0609020204030204" pitchFamily="49" charset="0"/>
-              </a:rPr>
-              <a:t>src</a:t>
-            </a:r>
-            <a:r>
-              <a:rPr lang="en-US" sz="2000" dirty="0">
-                <a:latin typeface="Consolas" panose="020B0609020204030204" pitchFamily="49" charset="0"/>
-              </a:rPr>
-              <a:t> </a:t>
-            </a:r>
-            <a:r>
-              <a:rPr lang="en-US" sz="2000" dirty="0">
-                <a:solidFill>
-                  <a:srgbClr val="7030A0"/>
-                </a:solidFill>
-                <a:latin typeface="Consolas" panose="020B0609020204030204" pitchFamily="49" charset="0"/>
-              </a:rPr>
-              <a:t>'self' https://fonts.googleapis.com https://fonts.gstatic.com</a:t>
-            </a:r>
-            <a:r>
-              <a:rPr lang="en-US" sz="2000" dirty="0">
-                <a:latin typeface="Consolas" panose="020B0609020204030204" pitchFamily="49" charset="0"/>
-              </a:rPr>
-              <a:t>; </a:t>
-            </a:r>
-          </a:p>
-          <a:p>
-            <a:r>
-              <a:rPr lang="en-US" sz="2000" dirty="0">
-                <a:solidFill>
-                  <a:schemeClr val="accent6"/>
-                </a:solidFill>
-                <a:latin typeface="Consolas" panose="020B0609020204030204" pitchFamily="49" charset="0"/>
-              </a:rPr>
-              <a:t>form-action</a:t>
-            </a:r>
-            <a:r>
-              <a:rPr lang="en-US" sz="2000" dirty="0">
-                <a:solidFill>
-                  <a:srgbClr val="7030A0"/>
-                </a:solidFill>
-                <a:latin typeface="Consolas" panose="020B0609020204030204" pitchFamily="49" charset="0"/>
-              </a:rPr>
-              <a:t> 'self'</a:t>
-            </a:r>
-          </a:p>
-        </p:txBody>
-      </p:sp>
+          <a:effectLst>
+            <a:outerShdw blurRad="50800" dist="38100" algn="l" rotWithShape="0">
+              <a:prstClr val="black">
+                <a:alpha val="40000"/>
+              </a:prstClr>
+            </a:outerShdw>
+          </a:effectLst>
+        </p:spPr>
+      </p:pic>
+      <p:pic>
+        <p:nvPicPr>
+          <p:cNvPr id="10" name="Picture 9" descr="A screenshot of a computer program&#10;&#10;Description automatically generated">
+            <a:extLst>
+              <a:ext uri="{FF2B5EF4-FFF2-40B4-BE49-F238E27FC236}">
+                <a16:creationId xmlns:a16="http://schemas.microsoft.com/office/drawing/2014/main" id="{B3B045EE-8BCB-4CD1-18A0-04ACFEDC7A35}"/>
+              </a:ext>
+            </a:extLst>
+          </p:cNvPr>
+          <p:cNvPicPr>
+            <a:picLocks noChangeAspect="1"/>
+          </p:cNvPicPr>
+          <p:nvPr/>
+        </p:nvPicPr>
+        <p:blipFill>
+          <a:blip r:embed="rId3"/>
+          <a:stretch>
+            <a:fillRect/>
+          </a:stretch>
+        </p:blipFill>
+        <p:spPr>
+          <a:xfrm>
+            <a:off x="527258" y="4433547"/>
+            <a:ext cx="11137484" cy="2102720"/>
+          </a:xfrm>
+          <a:prstGeom prst="rect">
+            <a:avLst/>
+          </a:prstGeom>
+          <a:effectLst>
+            <a:outerShdw blurRad="50800" dist="38100" algn="l" rotWithShape="0">
+              <a:prstClr val="black">
+                <a:alpha val="40000"/>
+              </a:prstClr>
+            </a:outerShdw>
+          </a:effectLst>
+        </p:spPr>
+      </p:pic>
       <p:sp>
         <p:nvSpPr>
-          <p:cNvPr id="4" name="Rectangle: Rounded Corners 3">
-            <a:extLst>
-              <a:ext uri="{FF2B5EF4-FFF2-40B4-BE49-F238E27FC236}">
-                <a16:creationId xmlns:a16="http://schemas.microsoft.com/office/drawing/2014/main" id="{3AE8B725-1354-7EBF-492D-DF621411B45B}"/>
+          <p:cNvPr id="3" name="Rectangle 2">
+            <a:extLst>
+              <a:ext uri="{FF2B5EF4-FFF2-40B4-BE49-F238E27FC236}">
+                <a16:creationId xmlns:a16="http://schemas.microsoft.com/office/drawing/2014/main" id="{CA35B550-413B-CCCD-A8B0-4E50F4D23482}"/>
               </a:ext>
             </a:extLst>
           </p:cNvPr>
@@ -30819,10 +30554,10 @@
         </p:nvSpPr>
         <p:spPr>
           <a:xfrm>
-            <a:off x="62909" y="4851399"/>
-            <a:ext cx="7269223" cy="327026"/>
-          </a:xfrm>
-          <a:prstGeom prst="roundRect">
+            <a:off x="612896" y="5850070"/>
+            <a:ext cx="10893303" cy="626929"/>
+          </a:xfrm>
+          <a:prstGeom prst="rect">
             <a:avLst/>
           </a:prstGeom>
           <a:noFill/>
@@ -30860,7 +30595,7 @@
     </p:spTree>
     <p:extLst>
       <p:ext uri="{BB962C8B-B14F-4D97-AF65-F5344CB8AC3E}">
-        <p14:creationId xmlns:p14="http://schemas.microsoft.com/office/powerpoint/2010/main" val="2624687999"/>
+        <p14:creationId xmlns:p14="http://schemas.microsoft.com/office/powerpoint/2010/main" val="2776536927"/>
       </p:ext>
     </p:extLst>
   </p:cSld>
@@ -30969,7 +30704,27 @@
             </a:pPr>
             <a:r>
               <a:rPr lang="en-US" sz="2400" noProof="1"/>
-              <a:t>😨Payloads used by the auditor are still successfully executed!</a:t>
+              <a:t>👨‍💻For this tentative, the CSP created previously is used and the directive </a:t>
+            </a:r>
+            <a:r>
+              <a:rPr lang="en-US" sz="2400" b="1" noProof="1">
+                <a:solidFill>
+                  <a:schemeClr val="accent6"/>
+                </a:solidFill>
+              </a:rPr>
+              <a:t>script-src-attr</a:t>
+            </a:r>
+            <a:r>
+              <a:rPr lang="en-US" sz="2400" noProof="1"/>
+              <a:t> is leveraged: This directive </a:t>
+            </a:r>
+            <a:r>
+              <a:rPr lang="en-US" sz="2400" b="1" noProof="1"/>
+              <a:t>specifies valid sources for JavaScript inline event handlers</a:t>
+            </a:r>
+            <a:r>
+              <a:rPr lang="en-US" sz="2400" noProof="1"/>
+              <a:t>.</a:t>
             </a:r>
           </a:p>
           <a:p>
@@ -30980,7 +30735,14 @@
             <a:endParaRPr lang="en-US" sz="2400" noProof="1"/>
           </a:p>
           <a:p>
-            <a:endParaRPr lang="en-US" sz="2400" noProof="1"/>
+            <a:pPr marL="285750" indent="-285750">
+              <a:buFont typeface="Arial" panose="020B0604020202020204" pitchFamily="34" charset="0"/>
+              <a:buChar char="•"/>
+            </a:pPr>
+            <a:r>
+              <a:rPr lang="en-US" sz="2400" noProof="1"/>
+              <a:t>🤔Idea is to tune the allowed behavior on scripts:</a:t>
+            </a:r>
           </a:p>
           <a:p>
             <a:pPr marL="285750" indent="-285750">
@@ -31004,51 +30766,387 @@
             <a:endParaRPr lang="en-US" sz="2400" noProof="1"/>
           </a:p>
           <a:p>
+            <a:pPr marL="285750" indent="-285750">
+              <a:buFont typeface="Arial" panose="020B0604020202020204" pitchFamily="34" charset="0"/>
+              <a:buChar char="•"/>
+            </a:pPr>
+            <a:endParaRPr lang="en-US" sz="2400" noProof="1"/>
+          </a:p>
+          <a:p>
             <a:pPr lvl="1"/>
             <a:endParaRPr lang="en-US" sz="2400" noProof="1"/>
           </a:p>
         </p:txBody>
       </p:sp>
-      <p:pic>
-        <p:nvPicPr>
-          <p:cNvPr id="5" name="Picture 4" descr="A screenshot of a computer&#10;&#10;Description automatically generated">
-            <a:extLst>
-              <a:ext uri="{FF2B5EF4-FFF2-40B4-BE49-F238E27FC236}">
-                <a16:creationId xmlns:a16="http://schemas.microsoft.com/office/drawing/2014/main" id="{013694FA-BAB9-4EF9-CC4F-5F08C5664A6D}"/>
-              </a:ext>
-            </a:extLst>
-          </p:cNvPr>
-          <p:cNvPicPr>
-            <a:picLocks noChangeAspect="1"/>
-          </p:cNvPicPr>
+      <p:sp>
+        <p:nvSpPr>
+          <p:cNvPr id="3" name="TextBox 2">
+            <a:extLst>
+              <a:ext uri="{FF2B5EF4-FFF2-40B4-BE49-F238E27FC236}">
+                <a16:creationId xmlns:a16="http://schemas.microsoft.com/office/drawing/2014/main" id="{3D611CA9-9352-51D4-82FF-F26AC2F95406}"/>
+              </a:ext>
+            </a:extLst>
+          </p:cNvPr>
+          <p:cNvSpPr txBox="1"/>
           <p:nvPr/>
-        </p:nvPicPr>
-        <p:blipFill rotWithShape="1">
-          <a:blip r:embed="rId2"/>
-          <a:srcRect r="4198" b="4376"/>
-          <a:stretch/>
-        </p:blipFill>
-        <p:spPr>
-          <a:xfrm>
-            <a:off x="2575932" y="2159001"/>
-            <a:ext cx="7908944" cy="4553376"/>
+        </p:nvSpPr>
+        <p:spPr>
+          <a:xfrm>
+            <a:off x="62910" y="4181747"/>
+            <a:ext cx="11906545" cy="2554545"/>
           </a:xfrm>
           <a:prstGeom prst="rect">
             <a:avLst/>
           </a:prstGeom>
-          <a:effectLst>
-            <a:outerShdw blurRad="50800" dist="38100" algn="l" rotWithShape="0">
-              <a:prstClr val="black">
-                <a:alpha val="40000"/>
-              </a:prstClr>
-            </a:outerShdw>
-          </a:effectLst>
-        </p:spPr>
-      </p:pic>
+          <a:noFill/>
+        </p:spPr>
+        <p:txBody>
+          <a:bodyPr wrap="square" rtlCol="0">
+            <a:spAutoFit/>
+          </a:bodyPr>
+          <a:lstStyle/>
+          <a:p>
+            <a:r>
+              <a:rPr lang="en-US" sz="2000" dirty="0">
+                <a:latin typeface="Consolas" panose="020B0609020204030204" pitchFamily="49" charset="0"/>
+              </a:rPr>
+              <a:t>Content-Security-Policy: </a:t>
+            </a:r>
+          </a:p>
+          <a:p>
+            <a:r>
+              <a:rPr lang="en-US" sz="2000" dirty="0">
+                <a:solidFill>
+                  <a:schemeClr val="accent6"/>
+                </a:solidFill>
+                <a:latin typeface="Consolas" panose="020B0609020204030204" pitchFamily="49" charset="0"/>
+              </a:rPr>
+              <a:t>default-</a:t>
+            </a:r>
+            <a:r>
+              <a:rPr lang="en-US" sz="2000" dirty="0" err="1">
+                <a:solidFill>
+                  <a:schemeClr val="accent6"/>
+                </a:solidFill>
+                <a:latin typeface="Consolas" panose="020B0609020204030204" pitchFamily="49" charset="0"/>
+              </a:rPr>
+              <a:t>src</a:t>
+            </a:r>
+            <a:r>
+              <a:rPr lang="en-US" sz="2000" dirty="0">
+                <a:solidFill>
+                  <a:schemeClr val="accent6"/>
+                </a:solidFill>
+                <a:latin typeface="Consolas" panose="020B0609020204030204" pitchFamily="49" charset="0"/>
+              </a:rPr>
+              <a:t> </a:t>
+            </a:r>
+            <a:r>
+              <a:rPr lang="en-US" sz="2000" dirty="0">
+                <a:solidFill>
+                  <a:srgbClr val="7030A0"/>
+                </a:solidFill>
+                <a:latin typeface="Consolas" panose="020B0609020204030204" pitchFamily="49" charset="0"/>
+              </a:rPr>
+              <a:t>'self'</a:t>
+            </a:r>
+            <a:r>
+              <a:rPr lang="en-US" sz="2000" dirty="0">
+                <a:latin typeface="Consolas" panose="020B0609020204030204" pitchFamily="49" charset="0"/>
+              </a:rPr>
+              <a:t>; </a:t>
+            </a:r>
+          </a:p>
+          <a:p>
+            <a:r>
+              <a:rPr lang="en-US" sz="2000" b="1" dirty="0">
+                <a:solidFill>
+                  <a:schemeClr val="accent6"/>
+                </a:solidFill>
+                <a:latin typeface="Consolas" panose="020B0609020204030204" pitchFamily="49" charset="0"/>
+              </a:rPr>
+              <a:t>script-</a:t>
+            </a:r>
+            <a:r>
+              <a:rPr lang="en-US" sz="2000" b="1" dirty="0" err="1">
+                <a:solidFill>
+                  <a:schemeClr val="accent6"/>
+                </a:solidFill>
+                <a:latin typeface="Consolas" panose="020B0609020204030204" pitchFamily="49" charset="0"/>
+              </a:rPr>
+              <a:t>src</a:t>
+            </a:r>
+            <a:r>
+              <a:rPr lang="en-US" sz="2000" b="1" dirty="0">
+                <a:solidFill>
+                  <a:schemeClr val="accent6"/>
+                </a:solidFill>
+                <a:latin typeface="Consolas" panose="020B0609020204030204" pitchFamily="49" charset="0"/>
+              </a:rPr>
+              <a:t> </a:t>
+            </a:r>
+            <a:r>
+              <a:rPr lang="en-US" sz="2000" b="1" dirty="0">
+                <a:solidFill>
+                  <a:srgbClr val="7030A0"/>
+                </a:solidFill>
+                <a:latin typeface="Consolas" panose="020B0609020204030204" pitchFamily="49" charset="0"/>
+              </a:rPr>
+              <a:t>'self'</a:t>
+            </a:r>
+            <a:r>
+              <a:rPr lang="en-US" sz="2000" b="1" dirty="0">
+                <a:solidFill>
+                  <a:schemeClr val="accent6"/>
+                </a:solidFill>
+                <a:latin typeface="Consolas" panose="020B0609020204030204" pitchFamily="49" charset="0"/>
+              </a:rPr>
+              <a:t>; script-</a:t>
+            </a:r>
+            <a:r>
+              <a:rPr lang="en-US" sz="2000" b="1" dirty="0" err="1">
+                <a:solidFill>
+                  <a:schemeClr val="accent6"/>
+                </a:solidFill>
+                <a:latin typeface="Consolas" panose="020B0609020204030204" pitchFamily="49" charset="0"/>
+              </a:rPr>
+              <a:t>src</a:t>
+            </a:r>
+            <a:r>
+              <a:rPr lang="en-US" sz="2000" b="1" dirty="0">
+                <a:solidFill>
+                  <a:schemeClr val="accent6"/>
+                </a:solidFill>
+                <a:latin typeface="Consolas" panose="020B0609020204030204" pitchFamily="49" charset="0"/>
+              </a:rPr>
+              <a:t>-</a:t>
+            </a:r>
+            <a:r>
+              <a:rPr lang="en-US" sz="2000" b="1" dirty="0" err="1">
+                <a:solidFill>
+                  <a:schemeClr val="accent6"/>
+                </a:solidFill>
+                <a:latin typeface="Consolas" panose="020B0609020204030204" pitchFamily="49" charset="0"/>
+              </a:rPr>
+              <a:t>attr</a:t>
+            </a:r>
+            <a:r>
+              <a:rPr lang="en-US" sz="2000" b="1" dirty="0">
+                <a:solidFill>
+                  <a:schemeClr val="accent6"/>
+                </a:solidFill>
+                <a:latin typeface="Consolas" panose="020B0609020204030204" pitchFamily="49" charset="0"/>
+              </a:rPr>
+              <a:t> </a:t>
+            </a:r>
+            <a:r>
+              <a:rPr lang="en-US" sz="2000" b="1" dirty="0">
+                <a:solidFill>
+                  <a:srgbClr val="7030A0"/>
+                </a:solidFill>
+                <a:latin typeface="Consolas" panose="020B0609020204030204" pitchFamily="49" charset="0"/>
+              </a:rPr>
+              <a:t>'unsafe-inline'</a:t>
+            </a:r>
+            <a:r>
+              <a:rPr lang="en-US" sz="2000" dirty="0">
+                <a:latin typeface="Consolas" panose="020B0609020204030204" pitchFamily="49" charset="0"/>
+              </a:rPr>
+              <a:t>;</a:t>
+            </a:r>
+          </a:p>
+          <a:p>
+            <a:r>
+              <a:rPr lang="en-US" sz="2000" dirty="0">
+                <a:solidFill>
+                  <a:schemeClr val="accent6"/>
+                </a:solidFill>
+                <a:latin typeface="Consolas" panose="020B0609020204030204" pitchFamily="49" charset="0"/>
+              </a:rPr>
+              <a:t>style-</a:t>
+            </a:r>
+            <a:r>
+              <a:rPr lang="en-US" sz="2000" dirty="0" err="1">
+                <a:solidFill>
+                  <a:schemeClr val="accent6"/>
+                </a:solidFill>
+                <a:latin typeface="Consolas" panose="020B0609020204030204" pitchFamily="49" charset="0"/>
+              </a:rPr>
+              <a:t>src</a:t>
+            </a:r>
+            <a:r>
+              <a:rPr lang="en-US" sz="2000" dirty="0">
+                <a:latin typeface="Consolas" panose="020B0609020204030204" pitchFamily="49" charset="0"/>
+              </a:rPr>
+              <a:t> </a:t>
+            </a:r>
+            <a:r>
+              <a:rPr lang="en-US" sz="2000" dirty="0">
+                <a:solidFill>
+                  <a:srgbClr val="7030A0"/>
+                </a:solidFill>
+                <a:latin typeface="Consolas" panose="020B0609020204030204" pitchFamily="49" charset="0"/>
+              </a:rPr>
+              <a:t>'self' 'unsafe-inline' https://fonts.googleapis.com https://fonts.gstatic.com</a:t>
+            </a:r>
+            <a:r>
+              <a:rPr lang="en-US" sz="2000" dirty="0">
+                <a:latin typeface="Consolas" panose="020B0609020204030204" pitchFamily="49" charset="0"/>
+              </a:rPr>
+              <a:t>; </a:t>
+            </a:r>
+          </a:p>
+          <a:p>
+            <a:r>
+              <a:rPr lang="en-US" sz="2000" dirty="0" err="1">
+                <a:solidFill>
+                  <a:schemeClr val="accent6"/>
+                </a:solidFill>
+                <a:latin typeface="Consolas" panose="020B0609020204030204" pitchFamily="49" charset="0"/>
+              </a:rPr>
+              <a:t>img-src</a:t>
+            </a:r>
+            <a:r>
+              <a:rPr lang="en-US" sz="2000" dirty="0">
+                <a:latin typeface="Consolas" panose="020B0609020204030204" pitchFamily="49" charset="0"/>
+              </a:rPr>
+              <a:t> </a:t>
+            </a:r>
+            <a:r>
+              <a:rPr lang="en-US" sz="2000" dirty="0">
+                <a:solidFill>
+                  <a:srgbClr val="7030A0"/>
+                </a:solidFill>
+                <a:latin typeface="Consolas" panose="020B0609020204030204" pitchFamily="49" charset="0"/>
+              </a:rPr>
+              <a:t>'self' data: blob:</a:t>
+            </a:r>
+            <a:r>
+              <a:rPr lang="en-US" sz="2000" dirty="0">
+                <a:latin typeface="Consolas" panose="020B0609020204030204" pitchFamily="49" charset="0"/>
+              </a:rPr>
+              <a:t>; </a:t>
+            </a:r>
+          </a:p>
+          <a:p>
+            <a:r>
+              <a:rPr lang="en-US" sz="2000" dirty="0">
+                <a:solidFill>
+                  <a:schemeClr val="accent6"/>
+                </a:solidFill>
+                <a:latin typeface="Consolas" panose="020B0609020204030204" pitchFamily="49" charset="0"/>
+              </a:rPr>
+              <a:t>font-</a:t>
+            </a:r>
+            <a:r>
+              <a:rPr lang="en-US" sz="2000" dirty="0" err="1">
+                <a:solidFill>
+                  <a:schemeClr val="accent6"/>
+                </a:solidFill>
+                <a:latin typeface="Consolas" panose="020B0609020204030204" pitchFamily="49" charset="0"/>
+              </a:rPr>
+              <a:t>src</a:t>
+            </a:r>
+            <a:r>
+              <a:rPr lang="en-US" sz="2000" dirty="0">
+                <a:latin typeface="Consolas" panose="020B0609020204030204" pitchFamily="49" charset="0"/>
+              </a:rPr>
+              <a:t> </a:t>
+            </a:r>
+            <a:r>
+              <a:rPr lang="en-US" sz="2000" dirty="0">
+                <a:solidFill>
+                  <a:srgbClr val="7030A0"/>
+                </a:solidFill>
+                <a:latin typeface="Consolas" panose="020B0609020204030204" pitchFamily="49" charset="0"/>
+              </a:rPr>
+              <a:t>'self' https://fonts.googleapis.com https://fonts.gstatic.com</a:t>
+            </a:r>
+            <a:r>
+              <a:rPr lang="en-US" sz="2000" dirty="0">
+                <a:latin typeface="Consolas" panose="020B0609020204030204" pitchFamily="49" charset="0"/>
+              </a:rPr>
+              <a:t>; </a:t>
+            </a:r>
+          </a:p>
+          <a:p>
+            <a:r>
+              <a:rPr lang="en-US" sz="2000" dirty="0">
+                <a:solidFill>
+                  <a:schemeClr val="accent6"/>
+                </a:solidFill>
+                <a:latin typeface="Consolas" panose="020B0609020204030204" pitchFamily="49" charset="0"/>
+              </a:rPr>
+              <a:t>form-action</a:t>
+            </a:r>
+            <a:r>
+              <a:rPr lang="en-US" sz="2000" dirty="0">
+                <a:solidFill>
+                  <a:srgbClr val="7030A0"/>
+                </a:solidFill>
+                <a:latin typeface="Consolas" panose="020B0609020204030204" pitchFamily="49" charset="0"/>
+              </a:rPr>
+              <a:t> 'self'</a:t>
+            </a:r>
+          </a:p>
+        </p:txBody>
+      </p:sp>
+      <p:sp>
+        <p:nvSpPr>
+          <p:cNvPr id="4" name="Rectangle 3">
+            <a:extLst>
+              <a:ext uri="{FF2B5EF4-FFF2-40B4-BE49-F238E27FC236}">
+                <a16:creationId xmlns:a16="http://schemas.microsoft.com/office/drawing/2014/main" id="{3AE8B725-1354-7EBF-492D-DF621411B45B}"/>
+              </a:ext>
+            </a:extLst>
+          </p:cNvPr>
+          <p:cNvSpPr/>
+          <p:nvPr/>
+        </p:nvSpPr>
+        <p:spPr>
+          <a:xfrm>
+            <a:off x="62909" y="4851399"/>
+            <a:ext cx="7269223" cy="327026"/>
+          </a:xfrm>
+          <a:prstGeom prst="rect">
+            <a:avLst/>
+          </a:prstGeom>
+          <a:noFill/>
+          <a:ln w="25400">
+            <a:solidFill>
+              <a:schemeClr val="accent4"/>
+            </a:solidFill>
+          </a:ln>
+        </p:spPr>
+        <p:style>
+          <a:lnRef idx="2">
+            <a:schemeClr val="accent1">
+              <a:shade val="15000"/>
+            </a:schemeClr>
+          </a:lnRef>
+          <a:fillRef idx="1">
+            <a:schemeClr val="accent1"/>
+          </a:fillRef>
+          <a:effectRef idx="0">
+            <a:schemeClr val="accent1"/>
+          </a:effectRef>
+          <a:fontRef idx="minor">
+            <a:schemeClr val="lt1"/>
+          </a:fontRef>
+        </p:style>
+        <p:txBody>
+          <a:bodyPr rtlCol="0" anchor="ctr"/>
+          <a:lstStyle/>
+          <a:p>
+            <a:pPr algn="ctr"/>
+            <a:endParaRPr lang="en-US"/>
+          </a:p>
+        </p:txBody>
+      </p:sp>
     </p:spTree>
     <p:extLst>
       <p:ext uri="{BB962C8B-B14F-4D97-AF65-F5344CB8AC3E}">
-        <p14:creationId xmlns:p14="http://schemas.microsoft.com/office/powerpoint/2010/main" val="2579338337"/>
+        <p14:creationId xmlns:p14="http://schemas.microsoft.com/office/powerpoint/2010/main" val="2624687999"/>
       </p:ext>
     </p:extLst>
   </p:cSld>
@@ -31157,6 +31255,363 @@
             </a:pPr>
             <a:r>
               <a:rPr lang="en-US" sz="2400" noProof="1"/>
+              <a:t>😨Payloads used by the auditor are still successfully executed!</a:t>
+            </a:r>
+          </a:p>
+          <a:p>
+            <a:pPr marL="285750" indent="-285750">
+              <a:buFont typeface="Arial" panose="020B0604020202020204" pitchFamily="34" charset="0"/>
+              <a:buChar char="•"/>
+            </a:pPr>
+            <a:endParaRPr lang="en-US" sz="2400" noProof="1"/>
+          </a:p>
+          <a:p>
+            <a:endParaRPr lang="en-US" sz="2400" noProof="1"/>
+          </a:p>
+          <a:p>
+            <a:pPr marL="285750" indent="-285750">
+              <a:buFont typeface="Arial" panose="020B0604020202020204" pitchFamily="34" charset="0"/>
+              <a:buChar char="•"/>
+            </a:pPr>
+            <a:endParaRPr lang="en-US" sz="2400" noProof="1"/>
+          </a:p>
+          <a:p>
+            <a:pPr marL="285750" indent="-285750">
+              <a:buFont typeface="Arial" panose="020B0604020202020204" pitchFamily="34" charset="0"/>
+              <a:buChar char="•"/>
+            </a:pPr>
+            <a:endParaRPr lang="en-US" sz="2400" noProof="1"/>
+          </a:p>
+          <a:p>
+            <a:pPr marL="285750" indent="-285750">
+              <a:buFont typeface="Arial" panose="020B0604020202020204" pitchFamily="34" charset="0"/>
+              <a:buChar char="•"/>
+            </a:pPr>
+            <a:endParaRPr lang="en-US" sz="2400" noProof="1"/>
+          </a:p>
+          <a:p>
+            <a:pPr lvl="1"/>
+            <a:endParaRPr lang="en-US" sz="2400" noProof="1"/>
+          </a:p>
+        </p:txBody>
+      </p:sp>
+      <p:pic>
+        <p:nvPicPr>
+          <p:cNvPr id="5" name="Picture 4" descr="A screenshot of a computer&#10;&#10;Description automatically generated">
+            <a:extLst>
+              <a:ext uri="{FF2B5EF4-FFF2-40B4-BE49-F238E27FC236}">
+                <a16:creationId xmlns:a16="http://schemas.microsoft.com/office/drawing/2014/main" id="{013694FA-BAB9-4EF9-CC4F-5F08C5664A6D}"/>
+              </a:ext>
+            </a:extLst>
+          </p:cNvPr>
+          <p:cNvPicPr>
+            <a:picLocks noChangeAspect="1"/>
+          </p:cNvPicPr>
+          <p:nvPr/>
+        </p:nvPicPr>
+        <p:blipFill rotWithShape="1">
+          <a:blip r:embed="rId2"/>
+          <a:srcRect r="4198" b="4376"/>
+          <a:stretch/>
+        </p:blipFill>
+        <p:spPr>
+          <a:xfrm>
+            <a:off x="2575932" y="2159001"/>
+            <a:ext cx="7908944" cy="4553376"/>
+          </a:xfrm>
+          <a:prstGeom prst="rect">
+            <a:avLst/>
+          </a:prstGeom>
+          <a:effectLst>
+            <a:outerShdw blurRad="50800" dist="38100" algn="l" rotWithShape="0">
+              <a:prstClr val="black">
+                <a:alpha val="40000"/>
+              </a:prstClr>
+            </a:outerShdw>
+          </a:effectLst>
+        </p:spPr>
+      </p:pic>
+    </p:spTree>
+    <p:extLst>
+      <p:ext uri="{BB962C8B-B14F-4D97-AF65-F5344CB8AC3E}">
+        <p14:creationId xmlns:p14="http://schemas.microsoft.com/office/powerpoint/2010/main" val="2579338337"/>
+      </p:ext>
+    </p:extLst>
+  </p:cSld>
+  <p:clrMapOvr>
+    <a:masterClrMapping/>
+  </p:clrMapOvr>
+  <mc:AlternateContent xmlns:mc="http://schemas.openxmlformats.org/markup-compatibility/2006" xmlns:p14="http://schemas.microsoft.com/office/powerpoint/2010/main">
+    <mc:Choice Requires="p14">
+      <p:transition spd="med" p14:dur="700">
+        <p:fade/>
+      </p:transition>
+    </mc:Choice>
+    <mc:Fallback xmlns="">
+      <p:transition spd="med">
+        <p:fade/>
+      </p:transition>
+    </mc:Fallback>
+  </mc:AlternateContent>
+</p:sld>
+</file>
+
+<file path=ppt/slides/slide4.xml><?xml version="1.0" encoding="utf-8"?>
+<p:sld xmlns:a="http://schemas.openxmlformats.org/drawingml/2006/main" xmlns:r="http://schemas.openxmlformats.org/officeDocument/2006/relationships" xmlns:p="http://schemas.openxmlformats.org/presentationml/2006/main">
+  <p:cSld>
+    <p:spTree>
+      <p:nvGrpSpPr>
+        <p:cNvPr id="1" name=""/>
+        <p:cNvGrpSpPr/>
+        <p:nvPr/>
+      </p:nvGrpSpPr>
+      <p:grpSpPr>
+        <a:xfrm>
+          <a:off x="0" y="0"/>
+          <a:ext cx="0" cy="0"/>
+          <a:chOff x="0" y="0"/>
+          <a:chExt cx="0" cy="0"/>
+        </a:xfrm>
+      </p:grpSpPr>
+      <p:sp>
+        <p:nvSpPr>
+          <p:cNvPr id="2" name="Title 1">
+            <a:extLst>
+              <a:ext uri="{FF2B5EF4-FFF2-40B4-BE49-F238E27FC236}">
+                <a16:creationId xmlns:a16="http://schemas.microsoft.com/office/drawing/2014/main" id="{5CE54ABB-4929-4810-950B-2DAEA0A5BAB4}"/>
+              </a:ext>
+            </a:extLst>
+          </p:cNvPr>
+          <p:cNvSpPr>
+            <a:spLocks noGrp="1"/>
+          </p:cNvSpPr>
+          <p:nvPr>
+            <p:ph type="title"/>
+          </p:nvPr>
+        </p:nvSpPr>
+        <p:spPr>
+          <a:xfrm>
+            <a:off x="0" y="927496"/>
+            <a:ext cx="12192000" cy="562637"/>
+          </a:xfrm>
+        </p:spPr>
+        <p:txBody>
+          <a:bodyPr/>
+          <a:lstStyle/>
+          <a:p>
+            <a:pPr algn="l"/>
+            <a:r>
+              <a:rPr lang="en-US" dirty="0"/>
+              <a:t>📅Context</a:t>
+            </a:r>
+          </a:p>
+        </p:txBody>
+      </p:sp>
+      <p:sp>
+        <p:nvSpPr>
+          <p:cNvPr id="7" name="Content Placeholder 6">
+            <a:extLst>
+              <a:ext uri="{FF2B5EF4-FFF2-40B4-BE49-F238E27FC236}">
+                <a16:creationId xmlns:a16="http://schemas.microsoft.com/office/drawing/2014/main" id="{6B35F89A-6CDF-41F7-BD87-18B45BD7330B}"/>
+              </a:ext>
+            </a:extLst>
+          </p:cNvPr>
+          <p:cNvSpPr>
+            <a:spLocks noGrp="1"/>
+          </p:cNvSpPr>
+          <p:nvPr>
+            <p:ph sz="half" idx="2"/>
+          </p:nvPr>
+        </p:nvSpPr>
+        <p:spPr>
+          <a:xfrm>
+            <a:off x="62910" y="1679575"/>
+            <a:ext cx="12129090" cy="5041900"/>
+          </a:xfrm>
+        </p:spPr>
+        <p:txBody>
+          <a:bodyPr vert="horz" lIns="91440" tIns="45720" rIns="91440" bIns="45720" rtlCol="0" anchor="t">
+            <a:normAutofit/>
+          </a:bodyPr>
+          <a:lstStyle/>
+          <a:p>
+            <a:pPr marL="285750" indent="-285750">
+              <a:buFont typeface="Arial" panose="020B0604020202020204" pitchFamily="34" charset="0"/>
+              <a:buChar char="•"/>
+            </a:pPr>
+            <a:r>
+              <a:rPr lang="en-US" sz="2400" noProof="1"/>
+              <a:t>📅An important release, of the online sales portal, is planned next Tuesday around 06:00 A.M.</a:t>
+            </a:r>
+          </a:p>
+          <a:p>
+            <a:pPr marL="285750" indent="-285750">
+              <a:buFont typeface="Arial" panose="020B0604020202020204" pitchFamily="34" charset="0"/>
+              <a:buChar char="•"/>
+            </a:pPr>
+            <a:endParaRPr lang="en-US" sz="2400" noProof="1"/>
+          </a:p>
+          <a:p>
+            <a:pPr marL="285750" indent="-285750">
+              <a:buFont typeface="Arial" panose="020B0604020202020204" pitchFamily="34" charset="0"/>
+              <a:buChar char="•"/>
+            </a:pPr>
+            <a:r>
+              <a:rPr lang="en-US" sz="2400" noProof="1"/>
+              <a:t>👀A security audit was performed on this release, until Wednesday, and the final report was expected for yesteday evening.</a:t>
+            </a:r>
+          </a:p>
+          <a:p>
+            <a:pPr marL="285750" indent="-285750">
+              <a:buFont typeface="Arial" panose="020B0604020202020204" pitchFamily="34" charset="0"/>
+              <a:buChar char="•"/>
+            </a:pPr>
+            <a:endParaRPr lang="en-US" sz="2400" noProof="1"/>
+          </a:p>
+          <a:p>
+            <a:pPr marL="285750" indent="-285750">
+              <a:buFont typeface="Arial" panose="020B0604020202020204" pitchFamily="34" charset="0"/>
+              <a:buChar char="•"/>
+            </a:pPr>
+            <a:r>
+              <a:rPr lang="en-US" sz="2400" noProof="1"/>
+              <a:t>📢Daily team meeting (09:00 A.M.): You are informed that a security vulnerability was found. This one allow to inject a persistent Javascript code to hijack the user’s session (its is also called </a:t>
+            </a:r>
+            <a:r>
+              <a:rPr lang="en-US" sz="2400" noProof="1">
+                <a:hlinkClick r:id="rId2"/>
+              </a:rPr>
+              <a:t>Cross-site scripting or XSS</a:t>
+            </a:r>
+            <a:r>
+              <a:rPr lang="en-US" sz="2400" noProof="1"/>
+              <a:t>).</a:t>
+            </a:r>
+          </a:p>
+          <a:p>
+            <a:pPr marL="285750" indent="-285750">
+              <a:buFont typeface="Arial" panose="020B0604020202020204" pitchFamily="34" charset="0"/>
+              <a:buChar char="•"/>
+            </a:pPr>
+            <a:endParaRPr lang="en-US" sz="2400" noProof="1"/>
+          </a:p>
+          <a:p>
+            <a:endParaRPr lang="en-US" sz="2400" noProof="1"/>
+          </a:p>
+        </p:txBody>
+      </p:sp>
+    </p:spTree>
+    <p:extLst>
+      <p:ext uri="{BB962C8B-B14F-4D97-AF65-F5344CB8AC3E}">
+        <p14:creationId xmlns:p14="http://schemas.microsoft.com/office/powerpoint/2010/main" val="2105480647"/>
+      </p:ext>
+    </p:extLst>
+  </p:cSld>
+  <p:clrMapOvr>
+    <a:masterClrMapping/>
+  </p:clrMapOvr>
+  <mc:AlternateContent xmlns:mc="http://schemas.openxmlformats.org/markup-compatibility/2006" xmlns:p14="http://schemas.microsoft.com/office/powerpoint/2010/main">
+    <mc:Choice Requires="p14">
+      <p:transition spd="med" p14:dur="700">
+        <p:fade/>
+      </p:transition>
+    </mc:Choice>
+    <mc:Fallback xmlns="">
+      <p:transition spd="med">
+        <p:fade/>
+      </p:transition>
+    </mc:Fallback>
+  </mc:AlternateContent>
+</p:sld>
+</file>
+
+<file path=ppt/slides/slide40.xml><?xml version="1.0" encoding="utf-8"?>
+<p:sld xmlns:a="http://schemas.openxmlformats.org/drawingml/2006/main" xmlns:r="http://schemas.openxmlformats.org/officeDocument/2006/relationships" xmlns:p="http://schemas.openxmlformats.org/presentationml/2006/main">
+  <p:cSld>
+    <p:spTree>
+      <p:nvGrpSpPr>
+        <p:cNvPr id="1" name=""/>
+        <p:cNvGrpSpPr/>
+        <p:nvPr/>
+      </p:nvGrpSpPr>
+      <p:grpSpPr>
+        <a:xfrm>
+          <a:off x="0" y="0"/>
+          <a:ext cx="0" cy="0"/>
+          <a:chOff x="0" y="0"/>
+          <a:chExt cx="0" cy="0"/>
+        </a:xfrm>
+      </p:grpSpPr>
+      <p:sp>
+        <p:nvSpPr>
+          <p:cNvPr id="2" name="Title 1">
+            <a:extLst>
+              <a:ext uri="{FF2B5EF4-FFF2-40B4-BE49-F238E27FC236}">
+                <a16:creationId xmlns:a16="http://schemas.microsoft.com/office/drawing/2014/main" id="{5CE54ABB-4929-4810-950B-2DAEA0A5BAB4}"/>
+              </a:ext>
+            </a:extLst>
+          </p:cNvPr>
+          <p:cNvSpPr>
+            <a:spLocks noGrp="1"/>
+          </p:cNvSpPr>
+          <p:nvPr>
+            <p:ph type="title"/>
+          </p:nvPr>
+        </p:nvSpPr>
+        <p:spPr>
+          <a:xfrm>
+            <a:off x="0" y="927496"/>
+            <a:ext cx="12192000" cy="562637"/>
+          </a:xfrm>
+        </p:spPr>
+        <p:txBody>
+          <a:bodyPr>
+            <a:normAutofit/>
+          </a:bodyPr>
+          <a:lstStyle/>
+          <a:p>
+            <a:pPr algn="l"/>
+            <a:r>
+              <a:rPr lang="en-US" dirty="0"/>
+              <a:t>🔬Study time: Third try</a:t>
+            </a:r>
+          </a:p>
+        </p:txBody>
+      </p:sp>
+      <p:sp>
+        <p:nvSpPr>
+          <p:cNvPr id="7" name="Content Placeholder 6">
+            <a:extLst>
+              <a:ext uri="{FF2B5EF4-FFF2-40B4-BE49-F238E27FC236}">
+                <a16:creationId xmlns:a16="http://schemas.microsoft.com/office/drawing/2014/main" id="{6B35F89A-6CDF-41F7-BD87-18B45BD7330B}"/>
+              </a:ext>
+            </a:extLst>
+          </p:cNvPr>
+          <p:cNvSpPr>
+            <a:spLocks noGrp="1"/>
+          </p:cNvSpPr>
+          <p:nvPr>
+            <p:ph sz="half" idx="2"/>
+          </p:nvPr>
+        </p:nvSpPr>
+        <p:spPr>
+          <a:xfrm>
+            <a:off x="62910" y="1679575"/>
+            <a:ext cx="12129090" cy="5178425"/>
+          </a:xfrm>
+        </p:spPr>
+        <p:txBody>
+          <a:bodyPr vert="horz" lIns="91440" tIns="45720" rIns="91440" bIns="45720" rtlCol="0" anchor="t">
+            <a:normAutofit/>
+          </a:bodyPr>
+          <a:lstStyle/>
+          <a:p>
+            <a:pPr marL="285750" indent="-285750">
+              <a:buFont typeface="Arial" panose="020B0604020202020204" pitchFamily="34" charset="0"/>
+              <a:buChar char="•"/>
+            </a:pPr>
+            <a:r>
+              <a:rPr lang="en-US" sz="2400" noProof="1"/>
               <a:t>🤯It is normal because the auditor is using a payload that is like the code of the app that you must keep functional: </a:t>
             </a:r>
             <a:r>
@@ -31552,7 +32007,7 @@
                   <a:schemeClr val="tx1"/>
                 </a:solidFill>
               </a:rPr>
-              <a:t>Maximum that can be performed with the constraints in place was reached.</a:t>
+              <a:t>Maximum that can be performed with the constraints in place was reached!</a:t>
             </a:r>
           </a:p>
           <a:p>
@@ -31943,176 +32398,7 @@
 </p:sld>
 </file>
 
-<file path=ppt/slides/slide4.xml><?xml version="1.0" encoding="utf-8"?>
-<p:sld xmlns:a="http://schemas.openxmlformats.org/drawingml/2006/main" xmlns:r="http://schemas.openxmlformats.org/officeDocument/2006/relationships" xmlns:p="http://schemas.openxmlformats.org/presentationml/2006/main">
-  <p:cSld>
-    <p:spTree>
-      <p:nvGrpSpPr>
-        <p:cNvPr id="1" name=""/>
-        <p:cNvGrpSpPr/>
-        <p:nvPr/>
-      </p:nvGrpSpPr>
-      <p:grpSpPr>
-        <a:xfrm>
-          <a:off x="0" y="0"/>
-          <a:ext cx="0" cy="0"/>
-          <a:chOff x="0" y="0"/>
-          <a:chExt cx="0" cy="0"/>
-        </a:xfrm>
-      </p:grpSpPr>
-      <p:sp>
-        <p:nvSpPr>
-          <p:cNvPr id="2" name="Title 1">
-            <a:extLst>
-              <a:ext uri="{FF2B5EF4-FFF2-40B4-BE49-F238E27FC236}">
-                <a16:creationId xmlns:a16="http://schemas.microsoft.com/office/drawing/2014/main" id="{5CE54ABB-4929-4810-950B-2DAEA0A5BAB4}"/>
-              </a:ext>
-            </a:extLst>
-          </p:cNvPr>
-          <p:cNvSpPr>
-            <a:spLocks noGrp="1"/>
-          </p:cNvSpPr>
-          <p:nvPr>
-            <p:ph type="title"/>
-          </p:nvPr>
-        </p:nvSpPr>
-        <p:spPr>
-          <a:xfrm>
-            <a:off x="0" y="927496"/>
-            <a:ext cx="12192000" cy="562637"/>
-          </a:xfrm>
-        </p:spPr>
-        <p:txBody>
-          <a:bodyPr/>
-          <a:lstStyle/>
-          <a:p>
-            <a:pPr algn="l"/>
-            <a:r>
-              <a:rPr lang="en-US" dirty="0"/>
-              <a:t>📅Context</a:t>
-            </a:r>
-          </a:p>
-        </p:txBody>
-      </p:sp>
-      <p:sp>
-        <p:nvSpPr>
-          <p:cNvPr id="7" name="Content Placeholder 6">
-            <a:extLst>
-              <a:ext uri="{FF2B5EF4-FFF2-40B4-BE49-F238E27FC236}">
-                <a16:creationId xmlns:a16="http://schemas.microsoft.com/office/drawing/2014/main" id="{6B35F89A-6CDF-41F7-BD87-18B45BD7330B}"/>
-              </a:ext>
-            </a:extLst>
-          </p:cNvPr>
-          <p:cNvSpPr>
-            <a:spLocks noGrp="1"/>
-          </p:cNvSpPr>
-          <p:nvPr>
-            <p:ph sz="half" idx="2"/>
-          </p:nvPr>
-        </p:nvSpPr>
-        <p:spPr>
-          <a:xfrm>
-            <a:off x="62910" y="1679575"/>
-            <a:ext cx="12129090" cy="5041900"/>
-          </a:xfrm>
-        </p:spPr>
-        <p:txBody>
-          <a:bodyPr vert="horz" lIns="91440" tIns="45720" rIns="91440" bIns="45720" rtlCol="0" anchor="t">
-            <a:normAutofit/>
-          </a:bodyPr>
-          <a:lstStyle/>
-          <a:p>
-            <a:pPr marL="285750" indent="-285750">
-              <a:buFont typeface="Arial" panose="020B0604020202020204" pitchFamily="34" charset="0"/>
-              <a:buChar char="•"/>
-            </a:pPr>
-            <a:r>
-              <a:rPr lang="en-US" sz="2400" noProof="1"/>
-              <a:t>📅An important release, of the online sales portal, is planned next Tuesday around 06:00 A.M.</a:t>
-            </a:r>
-          </a:p>
-          <a:p>
-            <a:pPr marL="285750" indent="-285750">
-              <a:buFont typeface="Arial" panose="020B0604020202020204" pitchFamily="34" charset="0"/>
-              <a:buChar char="•"/>
-            </a:pPr>
-            <a:endParaRPr lang="en-US" sz="2400" noProof="1"/>
-          </a:p>
-          <a:p>
-            <a:pPr marL="285750" indent="-285750">
-              <a:buFont typeface="Arial" panose="020B0604020202020204" pitchFamily="34" charset="0"/>
-              <a:buChar char="•"/>
-            </a:pPr>
-            <a:r>
-              <a:rPr lang="en-US" sz="2400" noProof="1"/>
-              <a:t>👀A security audit was performed on this release, until Wednesday, and the final report was expected for yesteday evening.</a:t>
-            </a:r>
-          </a:p>
-          <a:p>
-            <a:pPr marL="285750" indent="-285750">
-              <a:buFont typeface="Arial" panose="020B0604020202020204" pitchFamily="34" charset="0"/>
-              <a:buChar char="•"/>
-            </a:pPr>
-            <a:endParaRPr lang="en-US" sz="2400" noProof="1"/>
-          </a:p>
-          <a:p>
-            <a:pPr marL="285750" indent="-285750">
-              <a:buFont typeface="Arial" panose="020B0604020202020204" pitchFamily="34" charset="0"/>
-              <a:buChar char="•"/>
-            </a:pPr>
-            <a:r>
-              <a:rPr lang="en-US" sz="2400" noProof="1"/>
-              <a:t>📢Daily team meeting (09:00 A.M.): You are informed that a security vulnerability was found. This one allow to inject a persistent Javascript code to hijack the user’s session (its is also called </a:t>
-            </a:r>
-            <a:r>
-              <a:rPr lang="en-US" sz="2400" noProof="1">
-                <a:hlinkClick r:id="rId2"/>
-              </a:rPr>
-              <a:t>Cross-site scripting or XSS</a:t>
-            </a:r>
-            <a:r>
-              <a:rPr lang="en-US" sz="2400" noProof="1"/>
-              <a:t>).</a:t>
-            </a:r>
-          </a:p>
-          <a:p>
-            <a:pPr marL="285750" indent="-285750">
-              <a:buFont typeface="Arial" panose="020B0604020202020204" pitchFamily="34" charset="0"/>
-              <a:buChar char="•"/>
-            </a:pPr>
-            <a:endParaRPr lang="en-US" sz="2400" noProof="1"/>
-          </a:p>
-          <a:p>
-            <a:endParaRPr lang="en-US" sz="2400" noProof="1"/>
-          </a:p>
-        </p:txBody>
-      </p:sp>
-    </p:spTree>
-    <p:extLst>
-      <p:ext uri="{BB962C8B-B14F-4D97-AF65-F5344CB8AC3E}">
-        <p14:creationId xmlns:p14="http://schemas.microsoft.com/office/powerpoint/2010/main" val="2105480647"/>
-      </p:ext>
-    </p:extLst>
-  </p:cSld>
-  <p:clrMapOvr>
-    <a:masterClrMapping/>
-  </p:clrMapOvr>
-  <mc:AlternateContent xmlns:mc="http://schemas.openxmlformats.org/markup-compatibility/2006" xmlns:p14="http://schemas.microsoft.com/office/powerpoint/2010/main">
-    <mc:Choice Requires="p14">
-      <p:transition spd="med" p14:dur="700">
-        <p:fade/>
-      </p:transition>
-    </mc:Choice>
-    <mc:Fallback xmlns="">
-      <p:transition spd="med">
-        <p:fade/>
-      </p:transition>
-    </mc:Fallback>
-  </mc:AlternateContent>
-</p:sld>
-</file>
-
-<file path=ppt/slides/slide40.xml><?xml version="1.0" encoding="utf-8"?>
+<file path=ppt/slides/slide41.xml><?xml version="1.0" encoding="utf-8"?>
 <p:sld xmlns:a="http://schemas.openxmlformats.org/drawingml/2006/main" xmlns:r="http://schemas.openxmlformats.org/officeDocument/2006/relationships" xmlns:p="http://schemas.openxmlformats.org/presentationml/2006/main">
   <p:cSld>
     <p:spTree>
@@ -32407,357 +32693,6 @@
 </p:sld>
 </file>
 
-<file path=ppt/slides/slide41.xml><?xml version="1.0" encoding="utf-8"?>
-<p:sld xmlns:a="http://schemas.openxmlformats.org/drawingml/2006/main" xmlns:r="http://schemas.openxmlformats.org/officeDocument/2006/relationships" xmlns:p="http://schemas.openxmlformats.org/presentationml/2006/main">
-  <p:cSld>
-    <p:spTree>
-      <p:nvGrpSpPr>
-        <p:cNvPr id="1" name=""/>
-        <p:cNvGrpSpPr/>
-        <p:nvPr/>
-      </p:nvGrpSpPr>
-      <p:grpSpPr>
-        <a:xfrm>
-          <a:off x="0" y="0"/>
-          <a:ext cx="0" cy="0"/>
-          <a:chOff x="0" y="0"/>
-          <a:chExt cx="0" cy="0"/>
-        </a:xfrm>
-      </p:grpSpPr>
-      <p:sp>
-        <p:nvSpPr>
-          <p:cNvPr id="2" name="Title 1">
-            <a:extLst>
-              <a:ext uri="{FF2B5EF4-FFF2-40B4-BE49-F238E27FC236}">
-                <a16:creationId xmlns:a16="http://schemas.microsoft.com/office/drawing/2014/main" id="{5CE54ABB-4929-4810-950B-2DAEA0A5BAB4}"/>
-              </a:ext>
-            </a:extLst>
-          </p:cNvPr>
-          <p:cNvSpPr>
-            <a:spLocks noGrp="1"/>
-          </p:cNvSpPr>
-          <p:nvPr>
-            <p:ph type="title"/>
-          </p:nvPr>
-        </p:nvSpPr>
-        <p:spPr>
-          <a:xfrm>
-            <a:off x="0" y="927496"/>
-            <a:ext cx="12192000" cy="562637"/>
-          </a:xfrm>
-        </p:spPr>
-        <p:txBody>
-          <a:bodyPr>
-            <a:normAutofit/>
-          </a:bodyPr>
-          <a:lstStyle/>
-          <a:p>
-            <a:pPr algn="l"/>
-            <a:r>
-              <a:rPr lang="en-US" dirty="0"/>
-              <a:t>🔬Study time: Wait a second!</a:t>
-            </a:r>
-          </a:p>
-        </p:txBody>
-      </p:sp>
-      <p:sp>
-        <p:nvSpPr>
-          <p:cNvPr id="7" name="Content Placeholder 6">
-            <a:extLst>
-              <a:ext uri="{FF2B5EF4-FFF2-40B4-BE49-F238E27FC236}">
-                <a16:creationId xmlns:a16="http://schemas.microsoft.com/office/drawing/2014/main" id="{6B35F89A-6CDF-41F7-BD87-18B45BD7330B}"/>
-              </a:ext>
-            </a:extLst>
-          </p:cNvPr>
-          <p:cNvSpPr>
-            <a:spLocks noGrp="1"/>
-          </p:cNvSpPr>
-          <p:nvPr>
-            <p:ph sz="half" idx="2"/>
-          </p:nvPr>
-        </p:nvSpPr>
-        <p:spPr>
-          <a:xfrm>
-            <a:off x="62910" y="1679575"/>
-            <a:ext cx="12129090" cy="5178425"/>
-          </a:xfrm>
-        </p:spPr>
-        <p:txBody>
-          <a:bodyPr vert="horz" lIns="91440" tIns="45720" rIns="91440" bIns="45720" rtlCol="0" anchor="t">
-            <a:normAutofit/>
-          </a:bodyPr>
-          <a:lstStyle/>
-          <a:p>
-            <a:pPr marL="285750" indent="-285750">
-              <a:buFont typeface="Arial" panose="020B0604020202020204" pitchFamily="34" charset="0"/>
-              <a:buChar char="•"/>
-            </a:pPr>
-            <a:r>
-              <a:rPr lang="en-US" sz="2400" noProof="1"/>
-              <a:t>👨‍🎓During your study of the directive </a:t>
-            </a:r>
-            <a:r>
-              <a:rPr lang="en-US" sz="2400" b="1" noProof="1">
-                <a:solidFill>
-                  <a:schemeClr val="accent6"/>
-                </a:solidFill>
-              </a:rPr>
-              <a:t>script-src-attr</a:t>
-            </a:r>
-            <a:r>
-              <a:rPr lang="en-US" sz="2400" noProof="1"/>
-              <a:t>, you discovered this point (</a:t>
-            </a:r>
-            <a:r>
-              <a:rPr lang="en-US" sz="2400" noProof="1">
-                <a:hlinkClick r:id="rId2"/>
-              </a:rPr>
-              <a:t>source</a:t>
-            </a:r>
-            <a:r>
-              <a:rPr lang="en-US" sz="2400" noProof="1"/>
-              <a:t>) about </a:t>
-            </a:r>
-            <a:r>
-              <a:rPr lang="en-US" sz="2400" b="1" noProof="1"/>
-              <a:t>the correct/recommended way to add an event handler in JavaScript</a:t>
-            </a:r>
-            <a:r>
-              <a:rPr lang="en-US" sz="2400" noProof="1"/>
-              <a:t>:</a:t>
-            </a:r>
-          </a:p>
-          <a:p>
-            <a:pPr marL="742950" lvl="1" indent="-285750">
-              <a:buFont typeface="Arial" panose="020B0604020202020204" pitchFamily="34" charset="0"/>
-              <a:buChar char="•"/>
-            </a:pPr>
-            <a:endParaRPr lang="en-US" sz="2400" noProof="1"/>
-          </a:p>
-          <a:p>
-            <a:endParaRPr lang="en-US" sz="2400" noProof="1"/>
-          </a:p>
-          <a:p>
-            <a:pPr marL="285750" indent="-285750">
-              <a:buFont typeface="Arial" panose="020B0604020202020204" pitchFamily="34" charset="0"/>
-              <a:buChar char="•"/>
-            </a:pPr>
-            <a:endParaRPr lang="en-US" sz="2400" noProof="1"/>
-          </a:p>
-          <a:p>
-            <a:pPr marL="285750" indent="-285750">
-              <a:buFont typeface="Arial" panose="020B0604020202020204" pitchFamily="34" charset="0"/>
-              <a:buChar char="•"/>
-            </a:pPr>
-            <a:endParaRPr lang="en-US" sz="2400" noProof="1"/>
-          </a:p>
-          <a:p>
-            <a:pPr marL="285750" indent="-285750">
-              <a:buFont typeface="Arial" panose="020B0604020202020204" pitchFamily="34" charset="0"/>
-              <a:buChar char="•"/>
-            </a:pPr>
-            <a:endParaRPr lang="en-US" sz="2400" noProof="1"/>
-          </a:p>
-          <a:p>
-            <a:pPr lvl="1"/>
-            <a:endParaRPr lang="en-US" sz="2400" noProof="1"/>
-          </a:p>
-        </p:txBody>
-      </p:sp>
-      <p:pic>
-        <p:nvPicPr>
-          <p:cNvPr id="10" name="Picture 9">
-            <a:extLst>
-              <a:ext uri="{FF2B5EF4-FFF2-40B4-BE49-F238E27FC236}">
-                <a16:creationId xmlns:a16="http://schemas.microsoft.com/office/drawing/2014/main" id="{CFB6911A-F0C5-23CA-1AE6-7EF926F5FFF0}"/>
-              </a:ext>
-            </a:extLst>
-          </p:cNvPr>
-          <p:cNvPicPr>
-            <a:picLocks noChangeAspect="1"/>
-          </p:cNvPicPr>
-          <p:nvPr/>
-        </p:nvPicPr>
-        <p:blipFill>
-          <a:blip r:embed="rId3"/>
-          <a:stretch>
-            <a:fillRect/>
-          </a:stretch>
-        </p:blipFill>
-        <p:spPr>
-          <a:xfrm>
-            <a:off x="431801" y="3098799"/>
-            <a:ext cx="11352009" cy="1769534"/>
-          </a:xfrm>
-          <a:prstGeom prst="rect">
-            <a:avLst/>
-          </a:prstGeom>
-          <a:effectLst>
-            <a:outerShdw blurRad="50800" dist="38100" algn="l" rotWithShape="0">
-              <a:prstClr val="black">
-                <a:alpha val="40000"/>
-              </a:prstClr>
-            </a:outerShdw>
-          </a:effectLst>
-        </p:spPr>
-      </p:pic>
-      <p:sp>
-        <p:nvSpPr>
-          <p:cNvPr id="11" name="Rectangle 10">
-            <a:extLst>
-              <a:ext uri="{FF2B5EF4-FFF2-40B4-BE49-F238E27FC236}">
-                <a16:creationId xmlns:a16="http://schemas.microsoft.com/office/drawing/2014/main" id="{12CD8640-E815-9DB3-7528-51174A9096DA}"/>
-              </a:ext>
-            </a:extLst>
-          </p:cNvPr>
-          <p:cNvSpPr/>
-          <p:nvPr/>
-        </p:nvSpPr>
-        <p:spPr>
-          <a:xfrm>
-            <a:off x="1457352" y="3725333"/>
-            <a:ext cx="10074247" cy="296334"/>
-          </a:xfrm>
-          <a:prstGeom prst="rect">
-            <a:avLst/>
-          </a:prstGeom>
-          <a:noFill/>
-          <a:ln w="25400">
-            <a:solidFill>
-              <a:schemeClr val="accent4"/>
-            </a:solidFill>
-          </a:ln>
-        </p:spPr>
-        <p:style>
-          <a:lnRef idx="2">
-            <a:schemeClr val="accent1">
-              <a:shade val="15000"/>
-            </a:schemeClr>
-          </a:lnRef>
-          <a:fillRef idx="1">
-            <a:schemeClr val="accent1"/>
-          </a:fillRef>
-          <a:effectRef idx="0">
-            <a:schemeClr val="accent1"/>
-          </a:effectRef>
-          <a:fontRef idx="minor">
-            <a:schemeClr val="lt1"/>
-          </a:fontRef>
-        </p:style>
-        <p:txBody>
-          <a:bodyPr rtlCol="0" anchor="ctr"/>
-          <a:lstStyle/>
-          <a:p>
-            <a:pPr algn="ctr"/>
-            <a:endParaRPr lang="en-US"/>
-          </a:p>
-        </p:txBody>
-      </p:sp>
-      <p:cxnSp>
-        <p:nvCxnSpPr>
-          <p:cNvPr id="4" name="Straight Connector 3">
-            <a:extLst>
-              <a:ext uri="{FF2B5EF4-FFF2-40B4-BE49-F238E27FC236}">
-                <a16:creationId xmlns:a16="http://schemas.microsoft.com/office/drawing/2014/main" id="{EA9D7E1D-B45B-58E9-C14E-F4A6E3FFADE1}"/>
-              </a:ext>
-            </a:extLst>
-          </p:cNvPr>
-          <p:cNvCxnSpPr/>
-          <p:nvPr/>
-        </p:nvCxnSpPr>
-        <p:spPr>
-          <a:xfrm>
-            <a:off x="6383867" y="3970865"/>
-            <a:ext cx="1464733" cy="0"/>
-          </a:xfrm>
-          <a:prstGeom prst="line">
-            <a:avLst/>
-          </a:prstGeom>
-          <a:ln w="25400">
-            <a:solidFill>
-              <a:srgbClr val="FF0000"/>
-            </a:solidFill>
-          </a:ln>
-        </p:spPr>
-        <p:style>
-          <a:lnRef idx="1">
-            <a:schemeClr val="accent1"/>
-          </a:lnRef>
-          <a:fillRef idx="0">
-            <a:schemeClr val="accent1"/>
-          </a:fillRef>
-          <a:effectRef idx="0">
-            <a:schemeClr val="accent1"/>
-          </a:effectRef>
-          <a:fontRef idx="minor">
-            <a:schemeClr val="tx1"/>
-          </a:fontRef>
-        </p:style>
-      </p:cxnSp>
-      <p:sp>
-        <p:nvSpPr>
-          <p:cNvPr id="3" name="TextBox 2">
-            <a:extLst>
-              <a:ext uri="{FF2B5EF4-FFF2-40B4-BE49-F238E27FC236}">
-                <a16:creationId xmlns:a16="http://schemas.microsoft.com/office/drawing/2014/main" id="{A92DB9E7-2734-D13A-D8FD-DE52F0413DB7}"/>
-              </a:ext>
-            </a:extLst>
-          </p:cNvPr>
-          <p:cNvSpPr txBox="1"/>
-          <p:nvPr/>
-        </p:nvSpPr>
-        <p:spPr>
-          <a:xfrm>
-            <a:off x="5200649" y="3160157"/>
-            <a:ext cx="4791075" cy="369332"/>
-          </a:xfrm>
-          <a:prstGeom prst="rect">
-            <a:avLst/>
-          </a:prstGeom>
-          <a:noFill/>
-        </p:spPr>
-        <p:txBody>
-          <a:bodyPr wrap="square" rtlCol="0">
-            <a:spAutoFit/>
-          </a:bodyPr>
-          <a:lstStyle/>
-          <a:p>
-            <a:r>
-              <a:rPr lang="en-US" dirty="0">
-                <a:solidFill>
-                  <a:schemeClr val="accent4"/>
-                </a:solidFill>
-              </a:rPr>
-              <a:t>JS code used by the app</a:t>
-            </a:r>
-          </a:p>
-        </p:txBody>
-      </p:sp>
-    </p:spTree>
-    <p:extLst>
-      <p:ext uri="{BB962C8B-B14F-4D97-AF65-F5344CB8AC3E}">
-        <p14:creationId xmlns:p14="http://schemas.microsoft.com/office/powerpoint/2010/main" val="3935884449"/>
-      </p:ext>
-    </p:extLst>
-  </p:cSld>
-  <p:clrMapOvr>
-    <a:masterClrMapping/>
-  </p:clrMapOvr>
-  <mc:AlternateContent xmlns:mc="http://schemas.openxmlformats.org/markup-compatibility/2006">
-    <mc:Choice xmlns:p159="http://schemas.microsoft.com/office/powerpoint/2015/09/main" Requires="p159">
-      <p:transition xmlns:p14="http://schemas.microsoft.com/office/powerpoint/2010/main" spd="slow" p14:dur="2000">
-        <p159:morph option="byObject"/>
-      </p:transition>
-    </mc:Choice>
-    <mc:Fallback>
-      <p:transition spd="slow">
-        <p:fade/>
-      </p:transition>
-    </mc:Fallback>
-  </mc:AlternateContent>
-</p:sld>
-</file>
-
 <file path=ppt/slides/slide42.xml><?xml version="1.0" encoding="utf-8"?>
 <p:sld xmlns:a="http://schemas.openxmlformats.org/drawingml/2006/main" xmlns:r="http://schemas.openxmlformats.org/officeDocument/2006/relationships" xmlns:p="http://schemas.openxmlformats.org/presentationml/2006/main">
   <p:cSld>
@@ -32845,16 +32780,48 @@
             </a:pPr>
             <a:r>
               <a:rPr lang="en-US" sz="2400" noProof="1"/>
-              <a:t>🤔You decide to break </a:t>
+              <a:t>👨‍🎓During your study of the directive </a:t>
+            </a:r>
+            <a:r>
+              <a:rPr lang="en-US" sz="2400" b="1" noProof="1">
+                <a:solidFill>
+                  <a:schemeClr val="accent6"/>
+                </a:solidFill>
+              </a:rPr>
+              <a:t>script-src-attr</a:t>
+            </a:r>
+            <a:r>
+              <a:rPr lang="en-US" sz="2400" noProof="1"/>
+              <a:t>, you discovered this point (</a:t>
+            </a:r>
+            <a:r>
+              <a:rPr lang="en-US" sz="2400" noProof="1">
+                <a:hlinkClick r:id="rId2"/>
+              </a:rPr>
+              <a:t>source</a:t>
+            </a:r>
+            <a:r>
+              <a:rPr lang="en-US" sz="2400" noProof="1"/>
+              <a:t>) about </a:t>
             </a:r>
             <a:r>
               <a:rPr lang="en-US" sz="2400" b="1" noProof="1"/>
-              <a:t>one constraint </a:t>
+              <a:t>the correct/recommended way to add an event handler in JavaScript</a:t>
             </a:r>
             <a:r>
               <a:rPr lang="en-US" sz="2400" noProof="1"/>
-              <a:t>and “fix” the way used to define the event handler to use the recommended way:</a:t>
-            </a:r>
+              <a:t>:</a:t>
+            </a:r>
+          </a:p>
+          <a:p>
+            <a:pPr marL="742950" lvl="1" indent="-285750">
+              <a:buFont typeface="Arial" panose="020B0604020202020204" pitchFamily="34" charset="0"/>
+              <a:buChar char="•"/>
+            </a:pPr>
+            <a:endParaRPr lang="en-US" sz="2400" noProof="1"/>
+          </a:p>
+          <a:p>
+            <a:endParaRPr lang="en-US" sz="2400" noProof="1"/>
           </a:p>
           <a:p>
             <a:pPr marL="285750" indent="-285750">
@@ -32875,47 +32842,6 @@
               <a:buFont typeface="Arial" panose="020B0604020202020204" pitchFamily="34" charset="0"/>
               <a:buChar char="•"/>
             </a:pPr>
-            <a:r>
-              <a:rPr lang="en-US" sz="2400" noProof="1"/>
-              <a:t>🤔And test the CSP that you wanted to create during the second try:</a:t>
-            </a:r>
-          </a:p>
-          <a:p>
-            <a:pPr marL="285750" indent="-285750">
-              <a:buFont typeface="Arial" panose="020B0604020202020204" pitchFamily="34" charset="0"/>
-              <a:buChar char="•"/>
-            </a:pPr>
-            <a:endParaRPr lang="en-US" sz="2400" noProof="1"/>
-          </a:p>
-          <a:p>
-            <a:pPr marL="742950" lvl="1" indent="-285750">
-              <a:buFont typeface="Arial" panose="020B0604020202020204" pitchFamily="34" charset="0"/>
-              <a:buChar char="•"/>
-            </a:pPr>
-            <a:endParaRPr lang="en-US" sz="2400" noProof="1"/>
-          </a:p>
-          <a:p>
-            <a:endParaRPr lang="en-US" sz="2400" noProof="1"/>
-          </a:p>
-          <a:p>
-            <a:pPr marL="285750" indent="-285750">
-              <a:buFont typeface="Arial" panose="020B0604020202020204" pitchFamily="34" charset="0"/>
-              <a:buChar char="•"/>
-            </a:pPr>
-            <a:endParaRPr lang="en-US" sz="2400" noProof="1"/>
-          </a:p>
-          <a:p>
-            <a:pPr marL="285750" indent="-285750">
-              <a:buFont typeface="Arial" panose="020B0604020202020204" pitchFamily="34" charset="0"/>
-              <a:buChar char="•"/>
-            </a:pPr>
-            <a:endParaRPr lang="en-US" sz="2400" noProof="1"/>
-          </a:p>
-          <a:p>
-            <a:pPr marL="285750" indent="-285750">
-              <a:buFont typeface="Arial" panose="020B0604020202020204" pitchFamily="34" charset="0"/>
-              <a:buChar char="•"/>
-            </a:pPr>
             <a:endParaRPr lang="en-US" sz="2400" noProof="1"/>
           </a:p>
           <a:p>
@@ -32926,10 +32852,10 @@
       </p:sp>
       <p:pic>
         <p:nvPicPr>
-          <p:cNvPr id="4" name="Picture 3">
-            <a:extLst>
-              <a:ext uri="{FF2B5EF4-FFF2-40B4-BE49-F238E27FC236}">
-                <a16:creationId xmlns:a16="http://schemas.microsoft.com/office/drawing/2014/main" id="{9B3309CE-1362-6948-BB38-AB0BB7E87EAE}"/>
+          <p:cNvPr id="10" name="Picture 9">
+            <a:extLst>
+              <a:ext uri="{FF2B5EF4-FFF2-40B4-BE49-F238E27FC236}">
+                <a16:creationId xmlns:a16="http://schemas.microsoft.com/office/drawing/2014/main" id="{CFB6911A-F0C5-23CA-1AE6-7EF926F5FFF0}"/>
               </a:ext>
             </a:extLst>
           </p:cNvPr>
@@ -32939,15 +32865,15 @@
           <p:nvPr/>
         </p:nvPicPr>
         <p:blipFill>
-          <a:blip r:embed="rId2"/>
+          <a:blip r:embed="rId3"/>
           <a:stretch>
             <a:fillRect/>
           </a:stretch>
         </p:blipFill>
         <p:spPr>
           <a:xfrm>
-            <a:off x="1371600" y="2590693"/>
-            <a:ext cx="9691506" cy="925203"/>
+            <a:off x="431801" y="3098799"/>
+            <a:ext cx="11352009" cy="1769534"/>
           </a:xfrm>
           <a:prstGeom prst="rect">
             <a:avLst/>
@@ -32963,309 +32889,10 @@
       </p:pic>
       <p:sp>
         <p:nvSpPr>
-          <p:cNvPr id="5" name="TextBox 4">
-            <a:extLst>
-              <a:ext uri="{FF2B5EF4-FFF2-40B4-BE49-F238E27FC236}">
-                <a16:creationId xmlns:a16="http://schemas.microsoft.com/office/drawing/2014/main" id="{06ED42A4-BA65-63D5-6B8F-8962A3C03DF0}"/>
-              </a:ext>
-            </a:extLst>
-          </p:cNvPr>
-          <p:cNvSpPr txBox="1"/>
-          <p:nvPr/>
-        </p:nvSpPr>
-        <p:spPr>
-          <a:xfrm>
-            <a:off x="62910" y="4190214"/>
-            <a:ext cx="11906545" cy="2554545"/>
-          </a:xfrm>
-          <a:prstGeom prst="rect">
-            <a:avLst/>
-          </a:prstGeom>
-          <a:noFill/>
-        </p:spPr>
-        <p:txBody>
-          <a:bodyPr wrap="square" rtlCol="0">
-            <a:spAutoFit/>
-          </a:bodyPr>
-          <a:lstStyle/>
-          <a:p>
-            <a:r>
-              <a:rPr lang="en-US" sz="2000" dirty="0">
-                <a:latin typeface="Consolas" panose="020B0609020204030204" pitchFamily="49" charset="0"/>
-              </a:rPr>
-              <a:t>Content-Security-Policy: </a:t>
-            </a:r>
-          </a:p>
-          <a:p>
-            <a:r>
-              <a:rPr lang="en-US" sz="2000" dirty="0">
-                <a:solidFill>
-                  <a:schemeClr val="accent6"/>
-                </a:solidFill>
-                <a:latin typeface="Consolas" panose="020B0609020204030204" pitchFamily="49" charset="0"/>
-              </a:rPr>
-              <a:t>default-</a:t>
-            </a:r>
-            <a:r>
-              <a:rPr lang="en-US" sz="2000" dirty="0" err="1">
-                <a:solidFill>
-                  <a:schemeClr val="accent6"/>
-                </a:solidFill>
-                <a:latin typeface="Consolas" panose="020B0609020204030204" pitchFamily="49" charset="0"/>
-              </a:rPr>
-              <a:t>src</a:t>
-            </a:r>
-            <a:r>
-              <a:rPr lang="en-US" sz="2000" dirty="0">
-                <a:solidFill>
-                  <a:schemeClr val="accent6"/>
-                </a:solidFill>
-                <a:latin typeface="Consolas" panose="020B0609020204030204" pitchFamily="49" charset="0"/>
-              </a:rPr>
-              <a:t> </a:t>
-            </a:r>
-            <a:r>
-              <a:rPr lang="en-US" sz="2000" dirty="0">
-                <a:solidFill>
-                  <a:srgbClr val="7030A0"/>
-                </a:solidFill>
-                <a:latin typeface="Consolas" panose="020B0609020204030204" pitchFamily="49" charset="0"/>
-              </a:rPr>
-              <a:t>'self'</a:t>
-            </a:r>
-            <a:r>
-              <a:rPr lang="en-US" sz="2000" dirty="0">
-                <a:latin typeface="Consolas" panose="020B0609020204030204" pitchFamily="49" charset="0"/>
-              </a:rPr>
-              <a:t>; </a:t>
-            </a:r>
-          </a:p>
-          <a:p>
-            <a:r>
-              <a:rPr lang="en-US" sz="2000" b="1" dirty="0">
-                <a:solidFill>
-                  <a:schemeClr val="accent6"/>
-                </a:solidFill>
-                <a:latin typeface="Consolas" panose="020B0609020204030204" pitchFamily="49" charset="0"/>
-              </a:rPr>
-              <a:t>script-</a:t>
-            </a:r>
-            <a:r>
-              <a:rPr lang="en-US" sz="2000" b="1" dirty="0" err="1">
-                <a:solidFill>
-                  <a:schemeClr val="accent6"/>
-                </a:solidFill>
-                <a:latin typeface="Consolas" panose="020B0609020204030204" pitchFamily="49" charset="0"/>
-              </a:rPr>
-              <a:t>src</a:t>
-            </a:r>
-            <a:r>
-              <a:rPr lang="en-US" sz="2000" b="1" dirty="0">
-                <a:latin typeface="Consolas" panose="020B0609020204030204" pitchFamily="49" charset="0"/>
-              </a:rPr>
-              <a:t> </a:t>
-            </a:r>
-            <a:r>
-              <a:rPr lang="en-US" sz="2000" b="1" dirty="0">
-                <a:solidFill>
-                  <a:srgbClr val="7030A0"/>
-                </a:solidFill>
-                <a:latin typeface="Consolas" panose="020B0609020204030204" pitchFamily="49" charset="0"/>
-              </a:rPr>
-              <a:t>'self'</a:t>
-            </a:r>
-            <a:r>
-              <a:rPr lang="en-US" sz="2000" dirty="0">
-                <a:latin typeface="Consolas" panose="020B0609020204030204" pitchFamily="49" charset="0"/>
-              </a:rPr>
-              <a:t>; </a:t>
-            </a:r>
-          </a:p>
-          <a:p>
-            <a:r>
-              <a:rPr lang="en-US" sz="2000" dirty="0">
-                <a:solidFill>
-                  <a:schemeClr val="accent6"/>
-                </a:solidFill>
-                <a:latin typeface="Consolas" panose="020B0609020204030204" pitchFamily="49" charset="0"/>
-              </a:rPr>
-              <a:t>style-</a:t>
-            </a:r>
-            <a:r>
-              <a:rPr lang="en-US" sz="2000" dirty="0" err="1">
-                <a:solidFill>
-                  <a:schemeClr val="accent6"/>
-                </a:solidFill>
-                <a:latin typeface="Consolas" panose="020B0609020204030204" pitchFamily="49" charset="0"/>
-              </a:rPr>
-              <a:t>src</a:t>
-            </a:r>
-            <a:r>
-              <a:rPr lang="en-US" sz="2000" dirty="0">
-                <a:latin typeface="Consolas" panose="020B0609020204030204" pitchFamily="49" charset="0"/>
-              </a:rPr>
-              <a:t> </a:t>
-            </a:r>
-            <a:r>
-              <a:rPr lang="en-US" sz="2000" dirty="0">
-                <a:solidFill>
-                  <a:srgbClr val="7030A0"/>
-                </a:solidFill>
-                <a:latin typeface="Consolas" panose="020B0609020204030204" pitchFamily="49" charset="0"/>
-              </a:rPr>
-              <a:t>'self' 'unsafe-inline' https://fonts.googleapis.com https://fonts.gstatic.com</a:t>
-            </a:r>
-            <a:r>
-              <a:rPr lang="en-US" sz="2000" dirty="0">
-                <a:latin typeface="Consolas" panose="020B0609020204030204" pitchFamily="49" charset="0"/>
-              </a:rPr>
-              <a:t>; </a:t>
-            </a:r>
-          </a:p>
-          <a:p>
-            <a:r>
-              <a:rPr lang="en-US" sz="2000" dirty="0" err="1">
-                <a:solidFill>
-                  <a:schemeClr val="accent6"/>
-                </a:solidFill>
-                <a:latin typeface="Consolas" panose="020B0609020204030204" pitchFamily="49" charset="0"/>
-              </a:rPr>
-              <a:t>img-src</a:t>
-            </a:r>
-            <a:r>
-              <a:rPr lang="en-US" sz="2000" dirty="0">
-                <a:latin typeface="Consolas" panose="020B0609020204030204" pitchFamily="49" charset="0"/>
-              </a:rPr>
-              <a:t> </a:t>
-            </a:r>
-            <a:r>
-              <a:rPr lang="en-US" sz="2000" dirty="0">
-                <a:solidFill>
-                  <a:srgbClr val="7030A0"/>
-                </a:solidFill>
-                <a:latin typeface="Consolas" panose="020B0609020204030204" pitchFamily="49" charset="0"/>
-              </a:rPr>
-              <a:t>'self' data: blob:</a:t>
-            </a:r>
-            <a:r>
-              <a:rPr lang="en-US" sz="2000" dirty="0">
-                <a:latin typeface="Consolas" panose="020B0609020204030204" pitchFamily="49" charset="0"/>
-              </a:rPr>
-              <a:t>; </a:t>
-            </a:r>
-          </a:p>
-          <a:p>
-            <a:r>
-              <a:rPr lang="en-US" sz="2000" dirty="0">
-                <a:solidFill>
-                  <a:schemeClr val="accent6"/>
-                </a:solidFill>
-                <a:latin typeface="Consolas" panose="020B0609020204030204" pitchFamily="49" charset="0"/>
-              </a:rPr>
-              <a:t>font-</a:t>
-            </a:r>
-            <a:r>
-              <a:rPr lang="en-US" sz="2000" dirty="0" err="1">
-                <a:solidFill>
-                  <a:schemeClr val="accent6"/>
-                </a:solidFill>
-                <a:latin typeface="Consolas" panose="020B0609020204030204" pitchFamily="49" charset="0"/>
-              </a:rPr>
-              <a:t>src</a:t>
-            </a:r>
-            <a:r>
-              <a:rPr lang="en-US" sz="2000" dirty="0">
-                <a:latin typeface="Consolas" panose="020B0609020204030204" pitchFamily="49" charset="0"/>
-              </a:rPr>
-              <a:t> </a:t>
-            </a:r>
-            <a:r>
-              <a:rPr lang="en-US" sz="2000" dirty="0">
-                <a:solidFill>
-                  <a:srgbClr val="7030A0"/>
-                </a:solidFill>
-                <a:latin typeface="Consolas" panose="020B0609020204030204" pitchFamily="49" charset="0"/>
-              </a:rPr>
-              <a:t>'self' https://fonts.googleapis.com https://fonts.gstatic.com</a:t>
-            </a:r>
-            <a:r>
-              <a:rPr lang="en-US" sz="2000" dirty="0">
-                <a:latin typeface="Consolas" panose="020B0609020204030204" pitchFamily="49" charset="0"/>
-              </a:rPr>
-              <a:t>; </a:t>
-            </a:r>
-          </a:p>
-          <a:p>
-            <a:r>
-              <a:rPr lang="en-US" sz="2000" dirty="0">
-                <a:solidFill>
-                  <a:schemeClr val="accent6"/>
-                </a:solidFill>
-                <a:latin typeface="Consolas" panose="020B0609020204030204" pitchFamily="49" charset="0"/>
-              </a:rPr>
-              <a:t>form-action</a:t>
-            </a:r>
-            <a:r>
-              <a:rPr lang="en-US" sz="2000" dirty="0">
-                <a:solidFill>
-                  <a:srgbClr val="7030A0"/>
-                </a:solidFill>
-                <a:latin typeface="Consolas" panose="020B0609020204030204" pitchFamily="49" charset="0"/>
-              </a:rPr>
-              <a:t> 'self'</a:t>
-            </a:r>
-          </a:p>
-        </p:txBody>
-      </p:sp>
-      <p:cxnSp>
-        <p:nvCxnSpPr>
-          <p:cNvPr id="3" name="Straight Connector 2">
-            <a:extLst>
-              <a:ext uri="{FF2B5EF4-FFF2-40B4-BE49-F238E27FC236}">
-                <a16:creationId xmlns:a16="http://schemas.microsoft.com/office/drawing/2014/main" id="{29CA3FBC-9925-6D25-2233-63538035693D}"/>
-              </a:ext>
-            </a:extLst>
-          </p:cNvPr>
-          <p:cNvCxnSpPr>
-            <a:cxnSpLocks/>
-          </p:cNvCxnSpPr>
-          <p:nvPr/>
-        </p:nvCxnSpPr>
-        <p:spPr>
-          <a:xfrm>
-            <a:off x="5181599" y="3454399"/>
-            <a:ext cx="1498600" cy="0"/>
-          </a:xfrm>
-          <a:prstGeom prst="line">
-            <a:avLst/>
-          </a:prstGeom>
-          <a:ln w="25400">
-            <a:solidFill>
-              <a:srgbClr val="92D050"/>
-            </a:solidFill>
-          </a:ln>
-        </p:spPr>
-        <p:style>
-          <a:lnRef idx="1">
-            <a:schemeClr val="accent1"/>
-          </a:lnRef>
-          <a:fillRef idx="0">
-            <a:schemeClr val="accent1"/>
-          </a:fillRef>
-          <a:effectRef idx="0">
-            <a:schemeClr val="accent1"/>
-          </a:effectRef>
-          <a:fontRef idx="minor">
-            <a:schemeClr val="tx1"/>
-          </a:fontRef>
-        </p:style>
-      </p:cxnSp>
-      <p:sp>
-        <p:nvSpPr>
-          <p:cNvPr id="8" name="Rectangle: Rounded Corners 7">
-            <a:extLst>
-              <a:ext uri="{FF2B5EF4-FFF2-40B4-BE49-F238E27FC236}">
-                <a16:creationId xmlns:a16="http://schemas.microsoft.com/office/drawing/2014/main" id="{C80E05A4-4B3F-AAF4-B357-8C4E00C8BD2C}"/>
+          <p:cNvPr id="11" name="Rectangle 10">
+            <a:extLst>
+              <a:ext uri="{FF2B5EF4-FFF2-40B4-BE49-F238E27FC236}">
+                <a16:creationId xmlns:a16="http://schemas.microsoft.com/office/drawing/2014/main" id="{12CD8640-E815-9DB3-7528-51174A9096DA}"/>
               </a:ext>
             </a:extLst>
           </p:cNvPr>
@@ -33274,10 +32901,10 @@
         </p:nvSpPr>
         <p:spPr>
           <a:xfrm>
-            <a:off x="96778" y="4851399"/>
-            <a:ext cx="2663358" cy="327026"/>
-          </a:xfrm>
-          <a:prstGeom prst="roundRect">
+            <a:off x="1457352" y="3725333"/>
+            <a:ext cx="10074247" cy="296334"/>
+          </a:xfrm>
+          <a:prstGeom prst="rect">
             <a:avLst/>
           </a:prstGeom>
           <a:noFill/>
@@ -33312,24 +32939,104 @@
           </a:p>
         </p:txBody>
       </p:sp>
+      <p:cxnSp>
+        <p:nvCxnSpPr>
+          <p:cNvPr id="4" name="Straight Connector 3">
+            <a:extLst>
+              <a:ext uri="{FF2B5EF4-FFF2-40B4-BE49-F238E27FC236}">
+                <a16:creationId xmlns:a16="http://schemas.microsoft.com/office/drawing/2014/main" id="{EA9D7E1D-B45B-58E9-C14E-F4A6E3FFADE1}"/>
+              </a:ext>
+            </a:extLst>
+          </p:cNvPr>
+          <p:cNvCxnSpPr/>
+          <p:nvPr/>
+        </p:nvCxnSpPr>
+        <p:spPr>
+          <a:xfrm>
+            <a:off x="6383867" y="3970865"/>
+            <a:ext cx="1464733" cy="0"/>
+          </a:xfrm>
+          <a:prstGeom prst="line">
+            <a:avLst/>
+          </a:prstGeom>
+          <a:ln w="25400">
+            <a:solidFill>
+              <a:srgbClr val="FF0000"/>
+            </a:solidFill>
+          </a:ln>
+        </p:spPr>
+        <p:style>
+          <a:lnRef idx="1">
+            <a:schemeClr val="accent1"/>
+          </a:lnRef>
+          <a:fillRef idx="0">
+            <a:schemeClr val="accent1"/>
+          </a:fillRef>
+          <a:effectRef idx="0">
+            <a:schemeClr val="accent1"/>
+          </a:effectRef>
+          <a:fontRef idx="minor">
+            <a:schemeClr val="tx1"/>
+          </a:fontRef>
+        </p:style>
+      </p:cxnSp>
+      <p:sp>
+        <p:nvSpPr>
+          <p:cNvPr id="3" name="TextBox 2">
+            <a:extLst>
+              <a:ext uri="{FF2B5EF4-FFF2-40B4-BE49-F238E27FC236}">
+                <a16:creationId xmlns:a16="http://schemas.microsoft.com/office/drawing/2014/main" id="{A92DB9E7-2734-D13A-D8FD-DE52F0413DB7}"/>
+              </a:ext>
+            </a:extLst>
+          </p:cNvPr>
+          <p:cNvSpPr txBox="1"/>
+          <p:nvPr/>
+        </p:nvSpPr>
+        <p:spPr>
+          <a:xfrm>
+            <a:off x="5200649" y="3160157"/>
+            <a:ext cx="4791075" cy="369332"/>
+          </a:xfrm>
+          <a:prstGeom prst="rect">
+            <a:avLst/>
+          </a:prstGeom>
+          <a:noFill/>
+        </p:spPr>
+        <p:txBody>
+          <a:bodyPr wrap="square" rtlCol="0">
+            <a:spAutoFit/>
+          </a:bodyPr>
+          <a:lstStyle/>
+          <a:p>
+            <a:r>
+              <a:rPr lang="en-US" dirty="0">
+                <a:solidFill>
+                  <a:schemeClr val="accent4"/>
+                </a:solidFill>
+              </a:rPr>
+              <a:t>JS code used by the app</a:t>
+            </a:r>
+          </a:p>
+        </p:txBody>
+      </p:sp>
     </p:spTree>
     <p:extLst>
       <p:ext uri="{BB962C8B-B14F-4D97-AF65-F5344CB8AC3E}">
-        <p14:creationId xmlns:p14="http://schemas.microsoft.com/office/powerpoint/2010/main" val="1542931494"/>
+        <p14:creationId xmlns:p14="http://schemas.microsoft.com/office/powerpoint/2010/main" val="3935884449"/>
       </p:ext>
     </p:extLst>
   </p:cSld>
   <p:clrMapOvr>
     <a:masterClrMapping/>
   </p:clrMapOvr>
-  <mc:AlternateContent xmlns:mc="http://schemas.openxmlformats.org/markup-compatibility/2006" xmlns:p14="http://schemas.microsoft.com/office/powerpoint/2010/main">
-    <mc:Choice Requires="p14">
-      <p:transition spd="med" p14:dur="700">
-        <p:fade/>
+  <mc:AlternateContent xmlns:mc="http://schemas.openxmlformats.org/markup-compatibility/2006" xmlns:p159="http://schemas.microsoft.com/office/powerpoint/2015/09/main">
+    <mc:Choice Requires="p159">
+      <p:transition xmlns:p14="http://schemas.microsoft.com/office/powerpoint/2010/main" spd="slow" p14:dur="2000">
+        <p159:morph option="byObject"/>
       </p:transition>
     </mc:Choice>
     <mc:Fallback xmlns="">
-      <p:transition spd="med">
+      <p:transition spd="slow">
         <p:fade/>
       </p:transition>
     </mc:Fallback>
@@ -33424,7 +33131,15 @@
             </a:pPr>
             <a:r>
               <a:rPr lang="en-US" sz="2400" noProof="1"/>
-              <a:t>😊It works: Feature is functional and XSS payloads are not executed anymore!</a:t>
+              <a:t>🤔You decide to break </a:t>
+            </a:r>
+            <a:r>
+              <a:rPr lang="en-US" sz="2400" b="1" noProof="1"/>
+              <a:t>one constraint </a:t>
+            </a:r>
+            <a:r>
+              <a:rPr lang="en-US" sz="2400" noProof="1"/>
+              <a:t>and “fix” the way used to define the event handler to use the recommended way:</a:t>
             </a:r>
           </a:p>
           <a:p>
@@ -33446,6 +33161,16 @@
               <a:buFont typeface="Arial" panose="020B0604020202020204" pitchFamily="34" charset="0"/>
               <a:buChar char="•"/>
             </a:pPr>
+            <a:r>
+              <a:rPr lang="en-US" sz="2400" noProof="1"/>
+              <a:t>🤔And test the CSP that you wanted to create during the second try:</a:t>
+            </a:r>
+          </a:p>
+          <a:p>
+            <a:pPr marL="285750" indent="-285750">
+              <a:buFont typeface="Arial" panose="020B0604020202020204" pitchFamily="34" charset="0"/>
+              <a:buChar char="•"/>
+            </a:pPr>
             <a:endParaRPr lang="en-US" sz="2400" noProof="1"/>
           </a:p>
           <a:p>
@@ -33487,10 +33212,10 @@
       </p:sp>
       <p:pic>
         <p:nvPicPr>
-          <p:cNvPr id="6" name="Picture 5" descr="A screenshot of a computer&#10;&#10;Description automatically generated">
-            <a:extLst>
-              <a:ext uri="{FF2B5EF4-FFF2-40B4-BE49-F238E27FC236}">
-                <a16:creationId xmlns:a16="http://schemas.microsoft.com/office/drawing/2014/main" id="{2826F1FE-68F6-0A69-6F9A-46EDD13B6F8F}"/>
+          <p:cNvPr id="4" name="Picture 3">
+            <a:extLst>
+              <a:ext uri="{FF2B5EF4-FFF2-40B4-BE49-F238E27FC236}">
+                <a16:creationId xmlns:a16="http://schemas.microsoft.com/office/drawing/2014/main" id="{9B3309CE-1362-6948-BB38-AB0BB7E87EAE}"/>
               </a:ext>
             </a:extLst>
           </p:cNvPr>
@@ -33499,15 +33224,16 @@
           </p:cNvPicPr>
           <p:nvPr/>
         </p:nvPicPr>
-        <p:blipFill rotWithShape="1">
+        <p:blipFill>
           <a:blip r:embed="rId2"/>
-          <a:srcRect t="18595"/>
-          <a:stretch/>
+          <a:stretch>
+            <a:fillRect/>
+          </a:stretch>
         </p:blipFill>
         <p:spPr>
           <a:xfrm>
-            <a:off x="2507531" y="2198998"/>
-            <a:ext cx="6362010" cy="4458508"/>
+            <a:off x="1371600" y="2590693"/>
+            <a:ext cx="9691506" cy="925203"/>
           </a:xfrm>
           <a:prstGeom prst="rect">
             <a:avLst/>
@@ -33521,10 +33247,413 @@
           </a:effectLst>
         </p:spPr>
       </p:pic>
+      <p:sp>
+        <p:nvSpPr>
+          <p:cNvPr id="5" name="TextBox 4">
+            <a:extLst>
+              <a:ext uri="{FF2B5EF4-FFF2-40B4-BE49-F238E27FC236}">
+                <a16:creationId xmlns:a16="http://schemas.microsoft.com/office/drawing/2014/main" id="{06ED42A4-BA65-63D5-6B8F-8962A3C03DF0}"/>
+              </a:ext>
+            </a:extLst>
+          </p:cNvPr>
+          <p:cNvSpPr txBox="1"/>
+          <p:nvPr/>
+        </p:nvSpPr>
+        <p:spPr>
+          <a:xfrm>
+            <a:off x="62910" y="4190214"/>
+            <a:ext cx="11906545" cy="2554545"/>
+          </a:xfrm>
+          <a:prstGeom prst="rect">
+            <a:avLst/>
+          </a:prstGeom>
+          <a:noFill/>
+        </p:spPr>
+        <p:txBody>
+          <a:bodyPr wrap="square" rtlCol="0">
+            <a:spAutoFit/>
+          </a:bodyPr>
+          <a:lstStyle/>
+          <a:p>
+            <a:r>
+              <a:rPr lang="en-US" sz="2000" dirty="0">
+                <a:latin typeface="Consolas" panose="020B0609020204030204" pitchFamily="49" charset="0"/>
+              </a:rPr>
+              <a:t>Content-Security-Policy: </a:t>
+            </a:r>
+          </a:p>
+          <a:p>
+            <a:r>
+              <a:rPr lang="en-US" sz="2000" dirty="0">
+                <a:solidFill>
+                  <a:schemeClr val="accent6"/>
+                </a:solidFill>
+                <a:latin typeface="Consolas" panose="020B0609020204030204" pitchFamily="49" charset="0"/>
+              </a:rPr>
+              <a:t>default-</a:t>
+            </a:r>
+            <a:r>
+              <a:rPr lang="en-US" sz="2000" dirty="0" err="1">
+                <a:solidFill>
+                  <a:schemeClr val="accent6"/>
+                </a:solidFill>
+                <a:latin typeface="Consolas" panose="020B0609020204030204" pitchFamily="49" charset="0"/>
+              </a:rPr>
+              <a:t>src</a:t>
+            </a:r>
+            <a:r>
+              <a:rPr lang="en-US" sz="2000" dirty="0">
+                <a:solidFill>
+                  <a:schemeClr val="accent6"/>
+                </a:solidFill>
+                <a:latin typeface="Consolas" panose="020B0609020204030204" pitchFamily="49" charset="0"/>
+              </a:rPr>
+              <a:t> </a:t>
+            </a:r>
+            <a:r>
+              <a:rPr lang="en-US" sz="2000" dirty="0">
+                <a:solidFill>
+                  <a:srgbClr val="7030A0"/>
+                </a:solidFill>
+                <a:latin typeface="Consolas" panose="020B0609020204030204" pitchFamily="49" charset="0"/>
+              </a:rPr>
+              <a:t>'self'</a:t>
+            </a:r>
+            <a:r>
+              <a:rPr lang="en-US" sz="2000" dirty="0">
+                <a:latin typeface="Consolas" panose="020B0609020204030204" pitchFamily="49" charset="0"/>
+              </a:rPr>
+              <a:t>; </a:t>
+            </a:r>
+          </a:p>
+          <a:p>
+            <a:r>
+              <a:rPr lang="en-US" sz="2000" b="1" dirty="0">
+                <a:solidFill>
+                  <a:schemeClr val="accent6"/>
+                </a:solidFill>
+                <a:latin typeface="Consolas" panose="020B0609020204030204" pitchFamily="49" charset="0"/>
+              </a:rPr>
+              <a:t>script-</a:t>
+            </a:r>
+            <a:r>
+              <a:rPr lang="en-US" sz="2000" b="1" dirty="0" err="1">
+                <a:solidFill>
+                  <a:schemeClr val="accent6"/>
+                </a:solidFill>
+                <a:latin typeface="Consolas" panose="020B0609020204030204" pitchFamily="49" charset="0"/>
+              </a:rPr>
+              <a:t>src</a:t>
+            </a:r>
+            <a:r>
+              <a:rPr lang="en-US" sz="2000" b="1" dirty="0">
+                <a:latin typeface="Consolas" panose="020B0609020204030204" pitchFamily="49" charset="0"/>
+              </a:rPr>
+              <a:t> </a:t>
+            </a:r>
+            <a:r>
+              <a:rPr lang="en-US" sz="2000" b="1" dirty="0">
+                <a:solidFill>
+                  <a:srgbClr val="7030A0"/>
+                </a:solidFill>
+                <a:latin typeface="Consolas" panose="020B0609020204030204" pitchFamily="49" charset="0"/>
+              </a:rPr>
+              <a:t>'self'</a:t>
+            </a:r>
+            <a:r>
+              <a:rPr lang="en-US" sz="2000" dirty="0">
+                <a:latin typeface="Consolas" panose="020B0609020204030204" pitchFamily="49" charset="0"/>
+              </a:rPr>
+              <a:t>; </a:t>
+            </a:r>
+          </a:p>
+          <a:p>
+            <a:r>
+              <a:rPr lang="en-US" sz="2000" dirty="0">
+                <a:solidFill>
+                  <a:schemeClr val="accent6"/>
+                </a:solidFill>
+                <a:latin typeface="Consolas" panose="020B0609020204030204" pitchFamily="49" charset="0"/>
+              </a:rPr>
+              <a:t>style-</a:t>
+            </a:r>
+            <a:r>
+              <a:rPr lang="en-US" sz="2000" dirty="0" err="1">
+                <a:solidFill>
+                  <a:schemeClr val="accent6"/>
+                </a:solidFill>
+                <a:latin typeface="Consolas" panose="020B0609020204030204" pitchFamily="49" charset="0"/>
+              </a:rPr>
+              <a:t>src</a:t>
+            </a:r>
+            <a:r>
+              <a:rPr lang="en-US" sz="2000" dirty="0">
+                <a:latin typeface="Consolas" panose="020B0609020204030204" pitchFamily="49" charset="0"/>
+              </a:rPr>
+              <a:t> </a:t>
+            </a:r>
+            <a:r>
+              <a:rPr lang="en-US" sz="2000" dirty="0">
+                <a:solidFill>
+                  <a:srgbClr val="7030A0"/>
+                </a:solidFill>
+                <a:latin typeface="Consolas" panose="020B0609020204030204" pitchFamily="49" charset="0"/>
+              </a:rPr>
+              <a:t>'self' 'unsafe-inline' https://fonts.googleapis.com https://fonts.gstatic.com</a:t>
+            </a:r>
+            <a:r>
+              <a:rPr lang="en-US" sz="2000" dirty="0">
+                <a:latin typeface="Consolas" panose="020B0609020204030204" pitchFamily="49" charset="0"/>
+              </a:rPr>
+              <a:t>; </a:t>
+            </a:r>
+          </a:p>
+          <a:p>
+            <a:r>
+              <a:rPr lang="en-US" sz="2000" dirty="0" err="1">
+                <a:solidFill>
+                  <a:schemeClr val="accent6"/>
+                </a:solidFill>
+                <a:latin typeface="Consolas" panose="020B0609020204030204" pitchFamily="49" charset="0"/>
+              </a:rPr>
+              <a:t>img-src</a:t>
+            </a:r>
+            <a:r>
+              <a:rPr lang="en-US" sz="2000" dirty="0">
+                <a:latin typeface="Consolas" panose="020B0609020204030204" pitchFamily="49" charset="0"/>
+              </a:rPr>
+              <a:t> </a:t>
+            </a:r>
+            <a:r>
+              <a:rPr lang="en-US" sz="2000" dirty="0">
+                <a:solidFill>
+                  <a:srgbClr val="7030A0"/>
+                </a:solidFill>
+                <a:latin typeface="Consolas" panose="020B0609020204030204" pitchFamily="49" charset="0"/>
+              </a:rPr>
+              <a:t>'self' data: blob:</a:t>
+            </a:r>
+            <a:r>
+              <a:rPr lang="en-US" sz="2000" dirty="0">
+                <a:latin typeface="Consolas" panose="020B0609020204030204" pitchFamily="49" charset="0"/>
+              </a:rPr>
+              <a:t>; </a:t>
+            </a:r>
+          </a:p>
+          <a:p>
+            <a:r>
+              <a:rPr lang="en-US" sz="2000" dirty="0">
+                <a:solidFill>
+                  <a:schemeClr val="accent6"/>
+                </a:solidFill>
+                <a:latin typeface="Consolas" panose="020B0609020204030204" pitchFamily="49" charset="0"/>
+              </a:rPr>
+              <a:t>font-</a:t>
+            </a:r>
+            <a:r>
+              <a:rPr lang="en-US" sz="2000" dirty="0" err="1">
+                <a:solidFill>
+                  <a:schemeClr val="accent6"/>
+                </a:solidFill>
+                <a:latin typeface="Consolas" panose="020B0609020204030204" pitchFamily="49" charset="0"/>
+              </a:rPr>
+              <a:t>src</a:t>
+            </a:r>
+            <a:r>
+              <a:rPr lang="en-US" sz="2000" dirty="0">
+                <a:latin typeface="Consolas" panose="020B0609020204030204" pitchFamily="49" charset="0"/>
+              </a:rPr>
+              <a:t> </a:t>
+            </a:r>
+            <a:r>
+              <a:rPr lang="en-US" sz="2000" dirty="0">
+                <a:solidFill>
+                  <a:srgbClr val="7030A0"/>
+                </a:solidFill>
+                <a:latin typeface="Consolas" panose="020B0609020204030204" pitchFamily="49" charset="0"/>
+              </a:rPr>
+              <a:t>'self' https://fonts.googleapis.com https://fonts.gstatic.com</a:t>
+            </a:r>
+            <a:r>
+              <a:rPr lang="en-US" sz="2000" dirty="0">
+                <a:latin typeface="Consolas" panose="020B0609020204030204" pitchFamily="49" charset="0"/>
+              </a:rPr>
+              <a:t>; </a:t>
+            </a:r>
+          </a:p>
+          <a:p>
+            <a:r>
+              <a:rPr lang="en-US" sz="2000" dirty="0">
+                <a:solidFill>
+                  <a:schemeClr val="accent6"/>
+                </a:solidFill>
+                <a:latin typeface="Consolas" panose="020B0609020204030204" pitchFamily="49" charset="0"/>
+              </a:rPr>
+              <a:t>form-action</a:t>
+            </a:r>
+            <a:r>
+              <a:rPr lang="en-US" sz="2000" dirty="0">
+                <a:solidFill>
+                  <a:srgbClr val="7030A0"/>
+                </a:solidFill>
+                <a:latin typeface="Consolas" panose="020B0609020204030204" pitchFamily="49" charset="0"/>
+              </a:rPr>
+              <a:t> 'self'</a:t>
+            </a:r>
+          </a:p>
+        </p:txBody>
+      </p:sp>
+      <p:cxnSp>
+        <p:nvCxnSpPr>
+          <p:cNvPr id="3" name="Straight Connector 2">
+            <a:extLst>
+              <a:ext uri="{FF2B5EF4-FFF2-40B4-BE49-F238E27FC236}">
+                <a16:creationId xmlns:a16="http://schemas.microsoft.com/office/drawing/2014/main" id="{29CA3FBC-9925-6D25-2233-63538035693D}"/>
+              </a:ext>
+            </a:extLst>
+          </p:cNvPr>
+          <p:cNvCxnSpPr>
+            <a:cxnSpLocks/>
+          </p:cNvCxnSpPr>
+          <p:nvPr/>
+        </p:nvCxnSpPr>
+        <p:spPr>
+          <a:xfrm>
+            <a:off x="5181599" y="3454399"/>
+            <a:ext cx="1498600" cy="0"/>
+          </a:xfrm>
+          <a:prstGeom prst="line">
+            <a:avLst/>
+          </a:prstGeom>
+          <a:ln w="25400">
+            <a:solidFill>
+              <a:srgbClr val="92D050"/>
+            </a:solidFill>
+          </a:ln>
+        </p:spPr>
+        <p:style>
+          <a:lnRef idx="1">
+            <a:schemeClr val="accent1"/>
+          </a:lnRef>
+          <a:fillRef idx="0">
+            <a:schemeClr val="accent1"/>
+          </a:fillRef>
+          <a:effectRef idx="0">
+            <a:schemeClr val="accent1"/>
+          </a:effectRef>
+          <a:fontRef idx="minor">
+            <a:schemeClr val="tx1"/>
+          </a:fontRef>
+        </p:style>
+      </p:cxnSp>
+      <p:sp>
+        <p:nvSpPr>
+          <p:cNvPr id="8" name="Rectangle 7">
+            <a:extLst>
+              <a:ext uri="{FF2B5EF4-FFF2-40B4-BE49-F238E27FC236}">
+                <a16:creationId xmlns:a16="http://schemas.microsoft.com/office/drawing/2014/main" id="{C80E05A4-4B3F-AAF4-B357-8C4E00C8BD2C}"/>
+              </a:ext>
+            </a:extLst>
+          </p:cNvPr>
+          <p:cNvSpPr/>
+          <p:nvPr/>
+        </p:nvSpPr>
+        <p:spPr>
+          <a:xfrm>
+            <a:off x="96778" y="4851399"/>
+            <a:ext cx="2663358" cy="327026"/>
+          </a:xfrm>
+          <a:prstGeom prst="rect">
+            <a:avLst/>
+          </a:prstGeom>
+          <a:noFill/>
+          <a:ln w="25400">
+            <a:solidFill>
+              <a:schemeClr val="accent4"/>
+            </a:solidFill>
+          </a:ln>
+        </p:spPr>
+        <p:style>
+          <a:lnRef idx="2">
+            <a:schemeClr val="accent1">
+              <a:shade val="15000"/>
+            </a:schemeClr>
+          </a:lnRef>
+          <a:fillRef idx="1">
+            <a:schemeClr val="accent1"/>
+          </a:fillRef>
+          <a:effectRef idx="0">
+            <a:schemeClr val="accent1"/>
+          </a:effectRef>
+          <a:fontRef idx="minor">
+            <a:schemeClr val="lt1"/>
+          </a:fontRef>
+        </p:style>
+        <p:txBody>
+          <a:bodyPr rtlCol="0" anchor="ctr"/>
+          <a:lstStyle/>
+          <a:p>
+            <a:pPr algn="ctr"/>
+            <a:endParaRPr lang="en-US"/>
+          </a:p>
+        </p:txBody>
+      </p:sp>
+      <p:sp>
+        <p:nvSpPr>
+          <p:cNvPr id="6" name="Rectangle 5">
+            <a:extLst>
+              <a:ext uri="{FF2B5EF4-FFF2-40B4-BE49-F238E27FC236}">
+                <a16:creationId xmlns:a16="http://schemas.microsoft.com/office/drawing/2014/main" id="{AE985B6E-DB49-9371-580A-BA2C4E5A2B02}"/>
+              </a:ext>
+            </a:extLst>
+          </p:cNvPr>
+          <p:cNvSpPr/>
+          <p:nvPr/>
+        </p:nvSpPr>
+        <p:spPr>
+          <a:xfrm>
+            <a:off x="5100577" y="3225799"/>
+            <a:ext cx="1638889" cy="264696"/>
+          </a:xfrm>
+          <a:prstGeom prst="rect">
+            <a:avLst/>
+          </a:prstGeom>
+          <a:noFill/>
+          <a:ln w="25400">
+            <a:solidFill>
+              <a:schemeClr val="accent4"/>
+            </a:solidFill>
+          </a:ln>
+        </p:spPr>
+        <p:style>
+          <a:lnRef idx="2">
+            <a:schemeClr val="accent1">
+              <a:shade val="15000"/>
+            </a:schemeClr>
+          </a:lnRef>
+          <a:fillRef idx="1">
+            <a:schemeClr val="accent1"/>
+          </a:fillRef>
+          <a:effectRef idx="0">
+            <a:schemeClr val="accent1"/>
+          </a:effectRef>
+          <a:fontRef idx="minor">
+            <a:schemeClr val="lt1"/>
+          </a:fontRef>
+        </p:style>
+        <p:txBody>
+          <a:bodyPr rtlCol="0" anchor="ctr"/>
+          <a:lstStyle/>
+          <a:p>
+            <a:pPr algn="ctr"/>
+            <a:endParaRPr lang="en-US"/>
+          </a:p>
+        </p:txBody>
+      </p:sp>
     </p:spTree>
     <p:extLst>
       <p:ext uri="{BB962C8B-B14F-4D97-AF65-F5344CB8AC3E}">
-        <p14:creationId xmlns:p14="http://schemas.microsoft.com/office/powerpoint/2010/main" val="3921470596"/>
+        <p14:creationId xmlns:p14="http://schemas.microsoft.com/office/powerpoint/2010/main" val="1542931494"/>
       </p:ext>
     </p:extLst>
   </p:cSld>
@@ -33710,13 +33839,13 @@
         </p:nvPicPr>
         <p:blipFill rotWithShape="1">
           <a:blip r:embed="rId2"/>
-          <a:srcRect t="84777"/>
+          <a:srcRect t="18595"/>
           <a:stretch/>
         </p:blipFill>
         <p:spPr>
           <a:xfrm>
-            <a:off x="766017" y="2878667"/>
-            <a:ext cx="10659965" cy="1397000"/>
+            <a:off x="2507531" y="2198998"/>
+            <a:ext cx="6362010" cy="4458508"/>
           </a:xfrm>
           <a:prstGeom prst="rect">
             <a:avLst/>
@@ -33733,21 +33862,21 @@
     </p:spTree>
     <p:extLst>
       <p:ext uri="{BB962C8B-B14F-4D97-AF65-F5344CB8AC3E}">
-        <p14:creationId xmlns:p14="http://schemas.microsoft.com/office/powerpoint/2010/main" val="2649367104"/>
+        <p14:creationId xmlns:p14="http://schemas.microsoft.com/office/powerpoint/2010/main" val="3921470596"/>
       </p:ext>
     </p:extLst>
   </p:cSld>
   <p:clrMapOvr>
     <a:masterClrMapping/>
   </p:clrMapOvr>
-  <mc:AlternateContent xmlns:mc="http://schemas.openxmlformats.org/markup-compatibility/2006" xmlns:p159="http://schemas.microsoft.com/office/powerpoint/2015/09/main">
-    <mc:Choice Requires="p159">
-      <p:transition xmlns:p14="http://schemas.microsoft.com/office/powerpoint/2010/main" spd="slow" p14:dur="2000">
-        <p159:morph option="byObject"/>
+  <mc:AlternateContent xmlns:mc="http://schemas.openxmlformats.org/markup-compatibility/2006" xmlns:p14="http://schemas.microsoft.com/office/powerpoint/2010/main">
+    <mc:Choice Requires="p14">
+      <p:transition spd="med" p14:dur="700">
+        <p:fade/>
       </p:transition>
     </mc:Choice>
     <mc:Fallback xmlns="">
-      <p:transition spd="slow">
+      <p:transition spd="med">
         <p:fade/>
       </p:transition>
     </mc:Fallback>
@@ -33803,7 +33932,7 @@
             <a:pPr algn="l"/>
             <a:r>
               <a:rPr lang="en-US" dirty="0"/>
-              <a:t>🔬Study time: Final status</a:t>
+              <a:t>🔬Study time: Wait a second!</a:t>
             </a:r>
           </a:p>
         </p:txBody>
@@ -33842,28 +33971,29 @@
             </a:pPr>
             <a:r>
               <a:rPr lang="en-US" sz="2400" noProof="1"/>
-              <a:t>✅You provides this feedback to the CISO/PO:</a:t>
-            </a:r>
-          </a:p>
-          <a:p>
-            <a:pPr marL="914400" lvl="1" indent="-457200">
-              <a:buFont typeface="+mj-lt"/>
-              <a:buAutoNum type="arabicPeriod"/>
+              <a:t>😊It works: Feature is functional and XSS payloads are not executed anymore!</a:t>
+            </a:r>
+          </a:p>
+          <a:p>
+            <a:pPr marL="285750" indent="-285750">
+              <a:buFont typeface="Arial" panose="020B0604020202020204" pitchFamily="34" charset="0"/>
+              <a:buChar char="•"/>
             </a:pPr>
-            <a:r>
-              <a:rPr lang="en-US" sz="2400" noProof="1"/>
-              <a:t>The effective CSP you created, with the help, of your team!</a:t>
-            </a:r>
-          </a:p>
-          <a:p>
-            <a:pPr marL="914400" lvl="1" indent="-457200">
-              <a:buFont typeface="+mj-lt"/>
-              <a:buAutoNum type="arabicPeriod"/>
+            <a:endParaRPr lang="en-US" sz="2400" noProof="1"/>
+          </a:p>
+          <a:p>
+            <a:pPr marL="285750" indent="-285750">
+              <a:buFont typeface="Arial" panose="020B0604020202020204" pitchFamily="34" charset="0"/>
+              <a:buChar char="•"/>
             </a:pPr>
-            <a:r>
-              <a:rPr lang="en-US" sz="2400" noProof="1"/>
-              <a:t>The little update needed: One line in a single JS file!</a:t>
-            </a:r>
+            <a:endParaRPr lang="en-US" sz="2400" noProof="1"/>
+          </a:p>
+          <a:p>
+            <a:pPr marL="285750" indent="-285750">
+              <a:buFont typeface="Arial" panose="020B0604020202020204" pitchFamily="34" charset="0"/>
+              <a:buChar char="•"/>
+            </a:pPr>
+            <a:endParaRPr lang="en-US" sz="2400" noProof="1"/>
           </a:p>
           <a:p>
             <a:pPr marL="742950" lvl="1" indent="-285750">
@@ -33873,14 +34003,7 @@
             <a:endParaRPr lang="en-US" sz="2400" noProof="1"/>
           </a:p>
           <a:p>
-            <a:pPr marL="285750" indent="-285750">
-              <a:buFont typeface="Arial" panose="020B0604020202020204" pitchFamily="34" charset="0"/>
-              <a:buChar char="•"/>
-            </a:pPr>
-            <a:r>
-              <a:rPr lang="en-US" sz="2400" noProof="1"/>
-              <a:t>💖You sent the mail with the status at 03:30 P.M. with all technical details, packed your stuff and leave to prepare for your romantic evening.</a:t>
-            </a:r>
+            <a:endParaRPr lang="en-US" sz="2400" noProof="1"/>
           </a:p>
           <a:p>
             <a:pPr marL="285750" indent="-285750">
@@ -33904,60 +34027,65 @@
             <a:endParaRPr lang="en-US" sz="2400" noProof="1"/>
           </a:p>
           <a:p>
-            <a:pPr marL="742950" lvl="1" indent="-285750">
-              <a:buFont typeface="Arial" panose="020B0604020202020204" pitchFamily="34" charset="0"/>
-              <a:buChar char="•"/>
-            </a:pPr>
-            <a:endParaRPr lang="en-US" sz="2400" noProof="1"/>
-          </a:p>
-          <a:p>
-            <a:endParaRPr lang="en-US" sz="2400" noProof="1"/>
-          </a:p>
-          <a:p>
-            <a:pPr marL="285750" indent="-285750">
-              <a:buFont typeface="Arial" panose="020B0604020202020204" pitchFamily="34" charset="0"/>
-              <a:buChar char="•"/>
-            </a:pPr>
-            <a:endParaRPr lang="en-US" sz="2400" noProof="1"/>
-          </a:p>
-          <a:p>
-            <a:pPr marL="285750" indent="-285750">
-              <a:buFont typeface="Arial" panose="020B0604020202020204" pitchFamily="34" charset="0"/>
-              <a:buChar char="•"/>
-            </a:pPr>
-            <a:endParaRPr lang="en-US" sz="2400" noProof="1"/>
-          </a:p>
-          <a:p>
-            <a:pPr marL="285750" indent="-285750">
-              <a:buFont typeface="Arial" panose="020B0604020202020204" pitchFamily="34" charset="0"/>
-              <a:buChar char="•"/>
-            </a:pPr>
-            <a:endParaRPr lang="en-US" sz="2400" noProof="1"/>
-          </a:p>
-          <a:p>
             <a:pPr lvl="1"/>
             <a:endParaRPr lang="en-US" sz="2400" noProof="1"/>
           </a:p>
         </p:txBody>
       </p:sp>
+      <p:pic>
+        <p:nvPicPr>
+          <p:cNvPr id="6" name="Picture 5" descr="A screenshot of a computer&#10;&#10;Description automatically generated">
+            <a:extLst>
+              <a:ext uri="{FF2B5EF4-FFF2-40B4-BE49-F238E27FC236}">
+                <a16:creationId xmlns:a16="http://schemas.microsoft.com/office/drawing/2014/main" id="{2826F1FE-68F6-0A69-6F9A-46EDD13B6F8F}"/>
+              </a:ext>
+            </a:extLst>
+          </p:cNvPr>
+          <p:cNvPicPr>
+            <a:picLocks noChangeAspect="1"/>
+          </p:cNvPicPr>
+          <p:nvPr/>
+        </p:nvPicPr>
+        <p:blipFill rotWithShape="1">
+          <a:blip r:embed="rId2"/>
+          <a:srcRect l="5681" t="92250" r="1073"/>
+          <a:stretch/>
+        </p:blipFill>
+        <p:spPr>
+          <a:xfrm>
+            <a:off x="297746" y="3014133"/>
+            <a:ext cx="11596507" cy="829733"/>
+          </a:xfrm>
+          <a:prstGeom prst="rect">
+            <a:avLst/>
+          </a:prstGeom>
+          <a:effectLst>
+            <a:outerShdw blurRad="50800" dist="38100" algn="l" rotWithShape="0">
+              <a:prstClr val="black">
+                <a:alpha val="40000"/>
+              </a:prstClr>
+            </a:outerShdw>
+          </a:effectLst>
+        </p:spPr>
+      </p:pic>
     </p:spTree>
     <p:extLst>
       <p:ext uri="{BB962C8B-B14F-4D97-AF65-F5344CB8AC3E}">
-        <p14:creationId xmlns:p14="http://schemas.microsoft.com/office/powerpoint/2010/main" val="2485501603"/>
+        <p14:creationId xmlns:p14="http://schemas.microsoft.com/office/powerpoint/2010/main" val="2649367104"/>
       </p:ext>
     </p:extLst>
   </p:cSld>
   <p:clrMapOvr>
     <a:masterClrMapping/>
   </p:clrMapOvr>
-  <mc:AlternateContent xmlns:mc="http://schemas.openxmlformats.org/markup-compatibility/2006" xmlns:p14="http://schemas.microsoft.com/office/powerpoint/2010/main">
-    <mc:Choice Requires="p14">
-      <p:transition spd="med" p14:dur="700">
-        <p:fade/>
+  <mc:AlternateContent xmlns:mc="http://schemas.openxmlformats.org/markup-compatibility/2006" xmlns:p159="http://schemas.microsoft.com/office/powerpoint/2015/09/main">
+    <mc:Choice Requires="p159">
+      <p:transition xmlns:p14="http://schemas.microsoft.com/office/powerpoint/2010/main" spd="slow" p14:dur="2000">
+        <p159:morph option="byObject"/>
       </p:transition>
     </mc:Choice>
     <mc:Fallback xmlns="">
-      <p:transition spd="med">
+      <p:transition spd="slow">
         <p:fade/>
       </p:transition>
     </mc:Fallback>
@@ -33987,7 +34115,7 @@
           <p:cNvPr id="2" name="Title 1">
             <a:extLst>
               <a:ext uri="{FF2B5EF4-FFF2-40B4-BE49-F238E27FC236}">
-                <a16:creationId xmlns:a16="http://schemas.microsoft.com/office/drawing/2014/main" id="{A29DE7F2-E890-4744-88DD-A75F5E300513}"/>
+                <a16:creationId xmlns:a16="http://schemas.microsoft.com/office/drawing/2014/main" id="{5CE54ABB-4929-4810-950B-2DAEA0A5BAB4}"/>
               </a:ext>
             </a:extLst>
           </p:cNvPr>
@@ -33995,30 +34123,165 @@
             <a:spLocks noGrp="1"/>
           </p:cNvSpPr>
           <p:nvPr>
-            <p:ph type="ctrTitle"/>
+            <p:ph type="title"/>
           </p:nvPr>
         </p:nvSpPr>
         <p:spPr>
           <a:xfrm>
-            <a:off x="5892799" y="2571235"/>
-            <a:ext cx="6189133" cy="1715531"/>
+            <a:off x="0" y="927496"/>
+            <a:ext cx="12192000" cy="562637"/>
           </a:xfrm>
         </p:spPr>
         <p:txBody>
-          <a:bodyPr/>
+          <a:bodyPr>
+            <a:normAutofit/>
+          </a:bodyPr>
           <a:lstStyle/>
           <a:p>
+            <a:pPr algn="l"/>
             <a:r>
               <a:rPr lang="en-US" dirty="0"/>
-              <a:t>📚Lesson learned…</a:t>
-            </a:r>
+              <a:t>🔬Study time: Final status</a:t>
+            </a:r>
+          </a:p>
+        </p:txBody>
+      </p:sp>
+      <p:sp>
+        <p:nvSpPr>
+          <p:cNvPr id="7" name="Content Placeholder 6">
+            <a:extLst>
+              <a:ext uri="{FF2B5EF4-FFF2-40B4-BE49-F238E27FC236}">
+                <a16:creationId xmlns:a16="http://schemas.microsoft.com/office/drawing/2014/main" id="{6B35F89A-6CDF-41F7-BD87-18B45BD7330B}"/>
+              </a:ext>
+            </a:extLst>
+          </p:cNvPr>
+          <p:cNvSpPr>
+            <a:spLocks noGrp="1"/>
+          </p:cNvSpPr>
+          <p:nvPr>
+            <p:ph sz="half" idx="2"/>
+          </p:nvPr>
+        </p:nvSpPr>
+        <p:spPr>
+          <a:xfrm>
+            <a:off x="62910" y="1679575"/>
+            <a:ext cx="12129090" cy="5178425"/>
+          </a:xfrm>
+        </p:spPr>
+        <p:txBody>
+          <a:bodyPr vert="horz" lIns="91440" tIns="45720" rIns="91440" bIns="45720" rtlCol="0" anchor="t">
+            <a:normAutofit/>
+          </a:bodyPr>
+          <a:lstStyle/>
+          <a:p>
+            <a:pPr marL="285750" indent="-285750">
+              <a:buFont typeface="Arial" panose="020B0604020202020204" pitchFamily="34" charset="0"/>
+              <a:buChar char="•"/>
+            </a:pPr>
+            <a:r>
+              <a:rPr lang="en-US" sz="2400" noProof="1"/>
+              <a:t>✅You provides this feedback to the CISO/PO:</a:t>
+            </a:r>
+          </a:p>
+          <a:p>
+            <a:pPr marL="914400" lvl="1" indent="-457200">
+              <a:buFont typeface="+mj-lt"/>
+              <a:buAutoNum type="arabicPeriod"/>
+            </a:pPr>
+            <a:r>
+              <a:rPr lang="en-US" sz="2400" noProof="1"/>
+              <a:t>The effective CSP you created, with the help, of your team!</a:t>
+            </a:r>
+          </a:p>
+          <a:p>
+            <a:pPr marL="914400" lvl="1" indent="-457200">
+              <a:buFont typeface="+mj-lt"/>
+              <a:buAutoNum type="arabicPeriod"/>
+            </a:pPr>
+            <a:r>
+              <a:rPr lang="en-US" sz="2400" noProof="1"/>
+              <a:t>The little update needed: One line in a single JS file!</a:t>
+            </a:r>
+          </a:p>
+          <a:p>
+            <a:pPr marL="742950" lvl="1" indent="-285750">
+              <a:buFont typeface="Arial" panose="020B0604020202020204" pitchFamily="34" charset="0"/>
+              <a:buChar char="•"/>
+            </a:pPr>
+            <a:endParaRPr lang="en-US" sz="2400" noProof="1"/>
+          </a:p>
+          <a:p>
+            <a:pPr marL="285750" indent="-285750">
+              <a:buFont typeface="Arial" panose="020B0604020202020204" pitchFamily="34" charset="0"/>
+              <a:buChar char="•"/>
+            </a:pPr>
+            <a:r>
+              <a:rPr lang="en-US" sz="2400" noProof="1"/>
+              <a:t>💖You sent the mail with the status at 03:30 P.M. with all technical details, packed your stuff and leave to prepare for your romantic evening.</a:t>
+            </a:r>
+          </a:p>
+          <a:p>
+            <a:pPr marL="285750" indent="-285750">
+              <a:buFont typeface="Arial" panose="020B0604020202020204" pitchFamily="34" charset="0"/>
+              <a:buChar char="•"/>
+            </a:pPr>
+            <a:endParaRPr lang="en-US" sz="2400" noProof="1"/>
+          </a:p>
+          <a:p>
+            <a:pPr marL="285750" indent="-285750">
+              <a:buFont typeface="Arial" panose="020B0604020202020204" pitchFamily="34" charset="0"/>
+              <a:buChar char="•"/>
+            </a:pPr>
+            <a:endParaRPr lang="en-US" sz="2400" noProof="1"/>
+          </a:p>
+          <a:p>
+            <a:pPr marL="285750" indent="-285750">
+              <a:buFont typeface="Arial" panose="020B0604020202020204" pitchFamily="34" charset="0"/>
+              <a:buChar char="•"/>
+            </a:pPr>
+            <a:endParaRPr lang="en-US" sz="2400" noProof="1"/>
+          </a:p>
+          <a:p>
+            <a:pPr marL="742950" lvl="1" indent="-285750">
+              <a:buFont typeface="Arial" panose="020B0604020202020204" pitchFamily="34" charset="0"/>
+              <a:buChar char="•"/>
+            </a:pPr>
+            <a:endParaRPr lang="en-US" sz="2400" noProof="1"/>
+          </a:p>
+          <a:p>
+            <a:endParaRPr lang="en-US" sz="2400" noProof="1"/>
+          </a:p>
+          <a:p>
+            <a:pPr marL="285750" indent="-285750">
+              <a:buFont typeface="Arial" panose="020B0604020202020204" pitchFamily="34" charset="0"/>
+              <a:buChar char="•"/>
+            </a:pPr>
+            <a:endParaRPr lang="en-US" sz="2400" noProof="1"/>
+          </a:p>
+          <a:p>
+            <a:pPr marL="285750" indent="-285750">
+              <a:buFont typeface="Arial" panose="020B0604020202020204" pitchFamily="34" charset="0"/>
+              <a:buChar char="•"/>
+            </a:pPr>
+            <a:endParaRPr lang="en-US" sz="2400" noProof="1"/>
+          </a:p>
+          <a:p>
+            <a:pPr marL="285750" indent="-285750">
+              <a:buFont typeface="Arial" panose="020B0604020202020204" pitchFamily="34" charset="0"/>
+              <a:buChar char="•"/>
+            </a:pPr>
+            <a:endParaRPr lang="en-US" sz="2400" noProof="1"/>
+          </a:p>
+          <a:p>
+            <a:pPr lvl="1"/>
+            <a:endParaRPr lang="en-US" sz="2400" noProof="1"/>
           </a:p>
         </p:txBody>
       </p:sp>
     </p:spTree>
     <p:extLst>
       <p:ext uri="{BB962C8B-B14F-4D97-AF65-F5344CB8AC3E}">
-        <p14:creationId xmlns:p14="http://schemas.microsoft.com/office/powerpoint/2010/main" val="3883942163"/>
+        <p14:creationId xmlns:p14="http://schemas.microsoft.com/office/powerpoint/2010/main" val="2485501603"/>
       </p:ext>
     </p:extLst>
   </p:cSld>
@@ -34062,7 +34325,7 @@
           <p:cNvPr id="2" name="Title 1">
             <a:extLst>
               <a:ext uri="{FF2B5EF4-FFF2-40B4-BE49-F238E27FC236}">
-                <a16:creationId xmlns:a16="http://schemas.microsoft.com/office/drawing/2014/main" id="{5CE54ABB-4929-4810-950B-2DAEA0A5BAB4}"/>
+                <a16:creationId xmlns:a16="http://schemas.microsoft.com/office/drawing/2014/main" id="{A29DE7F2-E890-4744-88DD-A75F5E300513}"/>
               </a:ext>
             </a:extLst>
           </p:cNvPr>
@@ -34070,194 +34333,30 @@
             <a:spLocks noGrp="1"/>
           </p:cNvSpPr>
           <p:nvPr>
-            <p:ph type="title"/>
+            <p:ph type="ctrTitle"/>
           </p:nvPr>
         </p:nvSpPr>
         <p:spPr>
           <a:xfrm>
-            <a:off x="0" y="927496"/>
-            <a:ext cx="12192000" cy="562637"/>
+            <a:off x="5892799" y="2571235"/>
+            <a:ext cx="6189133" cy="1715531"/>
           </a:xfrm>
         </p:spPr>
         <p:txBody>
-          <a:bodyPr>
-            <a:normAutofit/>
-          </a:bodyPr>
+          <a:bodyPr/>
           <a:lstStyle/>
           <a:p>
-            <a:pPr algn="l"/>
             <a:r>
               <a:rPr lang="en-US" dirty="0"/>
-              <a:t>📚Lesson learned</a:t>
-            </a:r>
-          </a:p>
-        </p:txBody>
-      </p:sp>
-      <p:sp>
-        <p:nvSpPr>
-          <p:cNvPr id="7" name="Content Placeholder 6">
-            <a:extLst>
-              <a:ext uri="{FF2B5EF4-FFF2-40B4-BE49-F238E27FC236}">
-                <a16:creationId xmlns:a16="http://schemas.microsoft.com/office/drawing/2014/main" id="{6B35F89A-6CDF-41F7-BD87-18B45BD7330B}"/>
-              </a:ext>
-            </a:extLst>
-          </p:cNvPr>
-          <p:cNvSpPr>
-            <a:spLocks noGrp="1"/>
-          </p:cNvSpPr>
-          <p:nvPr>
-            <p:ph sz="half" idx="2"/>
-          </p:nvPr>
-        </p:nvSpPr>
-        <p:spPr>
-          <a:xfrm>
-            <a:off x="62910" y="1679575"/>
-            <a:ext cx="12129090" cy="5178425"/>
-          </a:xfrm>
-        </p:spPr>
-        <p:txBody>
-          <a:bodyPr vert="horz" lIns="91440" tIns="45720" rIns="91440" bIns="45720" rtlCol="0" anchor="t">
-            <a:normAutofit/>
-          </a:bodyPr>
-          <a:lstStyle/>
-          <a:p>
-            <a:pPr marL="457200" indent="-457200">
-              <a:buFont typeface="+mj-lt"/>
-              <a:buAutoNum type="arabicPeriod"/>
-            </a:pPr>
-            <a:r>
-              <a:rPr lang="en-US" sz="2400" noProof="1"/>
-              <a:t>Content-Security-Policy (CSP) can be used to make exploitation of XSS harder.</a:t>
-            </a:r>
-          </a:p>
-          <a:p>
-            <a:pPr marL="457200" indent="-457200">
-              <a:buFont typeface="+mj-lt"/>
-              <a:buAutoNum type="arabicPeriod"/>
-            </a:pPr>
-            <a:endParaRPr lang="en-US" sz="2400" noProof="1"/>
-          </a:p>
-          <a:p>
-            <a:pPr marL="457200" indent="-457200">
-              <a:buFont typeface="+mj-lt"/>
-              <a:buAutoNum type="arabicPeriod"/>
-            </a:pPr>
-            <a:r>
-              <a:rPr lang="en-US" sz="2400" noProof="1"/>
-              <a:t>CSP can be also used to “buy time” to fix an XSS issue in good condition.</a:t>
-            </a:r>
-          </a:p>
-          <a:p>
-            <a:pPr marL="457200" indent="-457200">
-              <a:buFont typeface="+mj-lt"/>
-              <a:buAutoNum type="arabicPeriod"/>
-            </a:pPr>
-            <a:endParaRPr lang="en-US" sz="2400" noProof="1"/>
-          </a:p>
-          <a:p>
-            <a:pPr marL="457200" indent="-457200">
-              <a:buFont typeface="+mj-lt"/>
-              <a:buAutoNum type="arabicPeriod"/>
-            </a:pPr>
-            <a:r>
-              <a:rPr lang="en-US" sz="2400" noProof="1"/>
-              <a:t>A CSP policy is created </a:t>
-            </a:r>
-            <a:r>
-              <a:rPr lang="en-US" sz="2400" b="1" noProof="1"/>
-              <a:t>using an iterative process that require effective testing during each iteration</a:t>
-            </a:r>
-            <a:r>
-              <a:rPr lang="en-US" sz="2400" noProof="1"/>
-              <a:t>: It is easy to break an application using a single CSP directive.</a:t>
-            </a:r>
-          </a:p>
-          <a:p>
-            <a:pPr marL="457200" indent="-457200">
-              <a:buFont typeface="+mj-lt"/>
-              <a:buAutoNum type="arabicPeriod"/>
-            </a:pPr>
-            <a:endParaRPr lang="en-US" sz="2400" noProof="1"/>
-          </a:p>
-          <a:p>
-            <a:pPr marL="457200" indent="-457200">
-              <a:buFont typeface="+mj-lt"/>
-              <a:buAutoNum type="arabicPeriod"/>
-            </a:pPr>
-            <a:r>
-              <a:rPr lang="en-US" sz="2400" noProof="1"/>
-              <a:t>CSP can save your date night 💖</a:t>
-            </a:r>
-          </a:p>
-          <a:p>
-            <a:pPr marL="285750" indent="-285750">
-              <a:buFont typeface="Arial" panose="020B0604020202020204" pitchFamily="34" charset="0"/>
-              <a:buChar char="•"/>
-            </a:pPr>
-            <a:endParaRPr lang="en-US" sz="2400" noProof="1"/>
-          </a:p>
-          <a:p>
-            <a:pPr marL="285750" indent="-285750">
-              <a:buFont typeface="Arial" panose="020B0604020202020204" pitchFamily="34" charset="0"/>
-              <a:buChar char="•"/>
-            </a:pPr>
-            <a:endParaRPr lang="en-US" sz="2400" noProof="1"/>
-          </a:p>
-          <a:p>
-            <a:pPr marL="285750" indent="-285750">
-              <a:buFont typeface="Arial" panose="020B0604020202020204" pitchFamily="34" charset="0"/>
-              <a:buChar char="•"/>
-            </a:pPr>
-            <a:endParaRPr lang="en-US" sz="2400" noProof="1"/>
-          </a:p>
-          <a:p>
-            <a:pPr marL="285750" indent="-285750">
-              <a:buFont typeface="Arial" panose="020B0604020202020204" pitchFamily="34" charset="0"/>
-              <a:buChar char="•"/>
-            </a:pPr>
-            <a:endParaRPr lang="en-US" sz="2400" noProof="1"/>
-          </a:p>
-          <a:p>
-            <a:pPr marL="742950" lvl="1" indent="-285750">
-              <a:buFont typeface="Arial" panose="020B0604020202020204" pitchFamily="34" charset="0"/>
-              <a:buChar char="•"/>
-            </a:pPr>
-            <a:endParaRPr lang="en-US" sz="2400" noProof="1"/>
-          </a:p>
-          <a:p>
-            <a:endParaRPr lang="en-US" sz="2400" noProof="1"/>
-          </a:p>
-          <a:p>
-            <a:pPr marL="285750" indent="-285750">
-              <a:buFont typeface="Arial" panose="020B0604020202020204" pitchFamily="34" charset="0"/>
-              <a:buChar char="•"/>
-            </a:pPr>
-            <a:endParaRPr lang="en-US" sz="2400" noProof="1"/>
-          </a:p>
-          <a:p>
-            <a:pPr marL="285750" indent="-285750">
-              <a:buFont typeface="Arial" panose="020B0604020202020204" pitchFamily="34" charset="0"/>
-              <a:buChar char="•"/>
-            </a:pPr>
-            <a:endParaRPr lang="en-US" sz="2400" noProof="1"/>
-          </a:p>
-          <a:p>
-            <a:pPr marL="285750" indent="-285750">
-              <a:buFont typeface="Arial" panose="020B0604020202020204" pitchFamily="34" charset="0"/>
-              <a:buChar char="•"/>
-            </a:pPr>
-            <a:endParaRPr lang="en-US" sz="2400" noProof="1"/>
-          </a:p>
-          <a:p>
-            <a:pPr lvl="1"/>
-            <a:endParaRPr lang="en-US" sz="2400" noProof="1"/>
+              <a:t>📚Lesson learned…</a:t>
+            </a:r>
           </a:p>
         </p:txBody>
       </p:sp>
     </p:spTree>
     <p:extLst>
       <p:ext uri="{BB962C8B-B14F-4D97-AF65-F5344CB8AC3E}">
-        <p14:creationId xmlns:p14="http://schemas.microsoft.com/office/powerpoint/2010/main" val="4002545787"/>
+        <p14:creationId xmlns:p14="http://schemas.microsoft.com/office/powerpoint/2010/main" val="3883942163"/>
       </p:ext>
     </p:extLst>
   </p:cSld>
@@ -34301,7 +34400,7 @@
           <p:cNvPr id="2" name="Title 1">
             <a:extLst>
               <a:ext uri="{FF2B5EF4-FFF2-40B4-BE49-F238E27FC236}">
-                <a16:creationId xmlns:a16="http://schemas.microsoft.com/office/drawing/2014/main" id="{A29DE7F2-E890-4744-88DD-A75F5E300513}"/>
+                <a16:creationId xmlns:a16="http://schemas.microsoft.com/office/drawing/2014/main" id="{5CE54ABB-4929-4810-950B-2DAEA0A5BAB4}"/>
               </a:ext>
             </a:extLst>
           </p:cNvPr>
@@ -34309,116 +34408,194 @@
             <a:spLocks noGrp="1"/>
           </p:cNvSpPr>
           <p:nvPr>
-            <p:ph type="ctrTitle"/>
+            <p:ph type="title"/>
           </p:nvPr>
         </p:nvSpPr>
         <p:spPr>
           <a:xfrm>
-            <a:off x="5892799" y="2571235"/>
-            <a:ext cx="6189133" cy="1715531"/>
+            <a:off x="0" y="927496"/>
+            <a:ext cx="12192000" cy="562637"/>
           </a:xfrm>
         </p:spPr>
         <p:txBody>
-          <a:bodyPr/>
+          <a:bodyPr>
+            <a:normAutofit/>
+          </a:bodyPr>
           <a:lstStyle/>
           <a:p>
+            <a:pPr algn="l"/>
             <a:r>
               <a:rPr lang="en-US" dirty="0"/>
-              <a:t>🤗Thank you!</a:t>
-            </a:r>
-            <a:br>
-              <a:rPr lang="en-US" dirty="0"/>
-            </a:br>
-            <a:br>
-              <a:rPr lang="en-US" dirty="0"/>
-            </a:br>
-            <a:r>
-              <a:rPr lang="en-US" dirty="0"/>
-              <a:t>🤔Any questions?</a:t>
+              <a:t>📚Lesson learned</a:t>
             </a:r>
           </a:p>
         </p:txBody>
       </p:sp>
-      <p:pic>
-        <p:nvPicPr>
-          <p:cNvPr id="4" name="Picture 3" descr="Two dogs wearing sweaters and a sweater&#10;&#10;Description automatically generated">
-            <a:extLst>
-              <a:ext uri="{FF2B5EF4-FFF2-40B4-BE49-F238E27FC236}">
-                <a16:creationId xmlns:a16="http://schemas.microsoft.com/office/drawing/2014/main" id="{43A75D3A-5A10-57E4-682B-D93F25FE00DD}"/>
-              </a:ext>
-            </a:extLst>
-          </p:cNvPr>
-          <p:cNvPicPr>
-            <a:picLocks noChangeAspect="1"/>
-          </p:cNvPicPr>
-          <p:nvPr/>
-        </p:nvPicPr>
-        <p:blipFill>
-          <a:blip r:embed="rId2"/>
-          <a:stretch>
-            <a:fillRect/>
-          </a:stretch>
-        </p:blipFill>
-        <p:spPr>
-          <a:xfrm>
-            <a:off x="274422" y="707009"/>
-            <a:ext cx="5618377" cy="5618377"/>
-          </a:xfrm>
-          <a:prstGeom prst="rect">
-            <a:avLst/>
-          </a:prstGeom>
-        </p:spPr>
-      </p:pic>
       <p:sp>
         <p:nvSpPr>
-          <p:cNvPr id="5" name="TextBox 4">
-            <a:extLst>
-              <a:ext uri="{FF2B5EF4-FFF2-40B4-BE49-F238E27FC236}">
-                <a16:creationId xmlns:a16="http://schemas.microsoft.com/office/drawing/2014/main" id="{30768DC5-971B-FE3A-5821-C8B282E689F5}"/>
-              </a:ext>
-            </a:extLst>
-          </p:cNvPr>
-          <p:cNvSpPr txBox="1"/>
-          <p:nvPr/>
+          <p:cNvPr id="7" name="Content Placeholder 6">
+            <a:extLst>
+              <a:ext uri="{FF2B5EF4-FFF2-40B4-BE49-F238E27FC236}">
+                <a16:creationId xmlns:a16="http://schemas.microsoft.com/office/drawing/2014/main" id="{6B35F89A-6CDF-41F7-BD87-18B45BD7330B}"/>
+              </a:ext>
+            </a:extLst>
+          </p:cNvPr>
+          <p:cNvSpPr>
+            <a:spLocks noGrp="1"/>
+          </p:cNvSpPr>
+          <p:nvPr>
+            <p:ph sz="half" idx="2"/>
+          </p:nvPr>
         </p:nvSpPr>
         <p:spPr>
           <a:xfrm>
-            <a:off x="0" y="6488668"/>
-            <a:ext cx="7956223" cy="369332"/>
-          </a:xfrm>
-          <a:prstGeom prst="rect">
-            <a:avLst/>
-          </a:prstGeom>
-          <a:noFill/>
+            <a:off x="62910" y="1679575"/>
+            <a:ext cx="12129090" cy="5178425"/>
+          </a:xfrm>
         </p:spPr>
         <p:txBody>
-          <a:bodyPr wrap="square" rtlCol="0">
-            <a:spAutoFit/>
+          <a:bodyPr vert="horz" lIns="91440" tIns="45720" rIns="91440" bIns="45720" rtlCol="0" anchor="t">
+            <a:normAutofit/>
           </a:bodyPr>
           <a:lstStyle/>
           <a:p>
-            <a:r>
-              <a:rPr lang="en-US" dirty="0"/>
-              <a:t>Source: </a:t>
-            </a:r>
-            <a:r>
-              <a:rPr lang="en-US" dirty="0">
-                <a:hlinkClick r:id="rId3"/>
-              </a:rPr>
-              <a:t>https://pixabay.com/illustrations/animal-dogs-mammals-7753445/</a:t>
-            </a:r>
-            <a:r>
-              <a:rPr lang="en-US" b="1" dirty="0"/>
-              <a:t> </a:t>
-            </a:r>
-            <a:endParaRPr lang="en-US" dirty="0"/>
+            <a:pPr marL="457200" indent="-457200">
+              <a:buFont typeface="+mj-lt"/>
+              <a:buAutoNum type="arabicPeriod"/>
+            </a:pPr>
+            <a:r>
+              <a:rPr lang="en-US" sz="2400" noProof="1"/>
+              <a:t>Content-Security-Policy (CSP) can be used to make exploitation of XSS harder.</a:t>
+            </a:r>
+          </a:p>
+          <a:p>
+            <a:pPr marL="457200" indent="-457200">
+              <a:buFont typeface="+mj-lt"/>
+              <a:buAutoNum type="arabicPeriod"/>
+            </a:pPr>
+            <a:endParaRPr lang="en-US" sz="2400" noProof="1"/>
+          </a:p>
+          <a:p>
+            <a:pPr marL="457200" indent="-457200">
+              <a:buFont typeface="+mj-lt"/>
+              <a:buAutoNum type="arabicPeriod"/>
+            </a:pPr>
+            <a:r>
+              <a:rPr lang="en-US" sz="2400" noProof="1"/>
+              <a:t>CSP can be also used to “buy time” to fix an XSS issue in good condition.</a:t>
+            </a:r>
+          </a:p>
+          <a:p>
+            <a:pPr marL="457200" indent="-457200">
+              <a:buFont typeface="+mj-lt"/>
+              <a:buAutoNum type="arabicPeriod"/>
+            </a:pPr>
+            <a:endParaRPr lang="en-US" sz="2400" noProof="1"/>
+          </a:p>
+          <a:p>
+            <a:pPr marL="457200" indent="-457200">
+              <a:buFont typeface="+mj-lt"/>
+              <a:buAutoNum type="arabicPeriod"/>
+            </a:pPr>
+            <a:r>
+              <a:rPr lang="en-US" sz="2400" noProof="1"/>
+              <a:t>A CSP policy is created </a:t>
+            </a:r>
+            <a:r>
+              <a:rPr lang="en-US" sz="2400" b="1" noProof="1"/>
+              <a:t>using an iterative process that require effective testing during each iteration</a:t>
+            </a:r>
+            <a:r>
+              <a:rPr lang="en-US" sz="2400" noProof="1"/>
+              <a:t>: It is easy to break an application using a single CSP directive.</a:t>
+            </a:r>
+          </a:p>
+          <a:p>
+            <a:pPr marL="457200" indent="-457200">
+              <a:buFont typeface="+mj-lt"/>
+              <a:buAutoNum type="arabicPeriod"/>
+            </a:pPr>
+            <a:endParaRPr lang="en-US" sz="2400" noProof="1"/>
+          </a:p>
+          <a:p>
+            <a:pPr marL="457200" indent="-457200">
+              <a:buFont typeface="+mj-lt"/>
+              <a:buAutoNum type="arabicPeriod"/>
+            </a:pPr>
+            <a:r>
+              <a:rPr lang="en-US" sz="2400" noProof="1"/>
+              <a:t>CSP can save your romantic evening💖</a:t>
+            </a:r>
+          </a:p>
+          <a:p>
+            <a:pPr marL="285750" indent="-285750">
+              <a:buFont typeface="Arial" panose="020B0604020202020204" pitchFamily="34" charset="0"/>
+              <a:buChar char="•"/>
+            </a:pPr>
+            <a:endParaRPr lang="en-US" sz="2400" noProof="1"/>
+          </a:p>
+          <a:p>
+            <a:pPr marL="285750" indent="-285750">
+              <a:buFont typeface="Arial" panose="020B0604020202020204" pitchFamily="34" charset="0"/>
+              <a:buChar char="•"/>
+            </a:pPr>
+            <a:endParaRPr lang="en-US" sz="2400" noProof="1"/>
+          </a:p>
+          <a:p>
+            <a:pPr marL="285750" indent="-285750">
+              <a:buFont typeface="Arial" panose="020B0604020202020204" pitchFamily="34" charset="0"/>
+              <a:buChar char="•"/>
+            </a:pPr>
+            <a:endParaRPr lang="en-US" sz="2400" noProof="1"/>
+          </a:p>
+          <a:p>
+            <a:pPr marL="285750" indent="-285750">
+              <a:buFont typeface="Arial" panose="020B0604020202020204" pitchFamily="34" charset="0"/>
+              <a:buChar char="•"/>
+            </a:pPr>
+            <a:endParaRPr lang="en-US" sz="2400" noProof="1"/>
+          </a:p>
+          <a:p>
+            <a:pPr marL="742950" lvl="1" indent="-285750">
+              <a:buFont typeface="Arial" panose="020B0604020202020204" pitchFamily="34" charset="0"/>
+              <a:buChar char="•"/>
+            </a:pPr>
+            <a:endParaRPr lang="en-US" sz="2400" noProof="1"/>
+          </a:p>
+          <a:p>
+            <a:endParaRPr lang="en-US" sz="2400" noProof="1"/>
+          </a:p>
+          <a:p>
+            <a:pPr marL="285750" indent="-285750">
+              <a:buFont typeface="Arial" panose="020B0604020202020204" pitchFamily="34" charset="0"/>
+              <a:buChar char="•"/>
+            </a:pPr>
+            <a:endParaRPr lang="en-US" sz="2400" noProof="1"/>
+          </a:p>
+          <a:p>
+            <a:pPr marL="285750" indent="-285750">
+              <a:buFont typeface="Arial" panose="020B0604020202020204" pitchFamily="34" charset="0"/>
+              <a:buChar char="•"/>
+            </a:pPr>
+            <a:endParaRPr lang="en-US" sz="2400" noProof="1"/>
+          </a:p>
+          <a:p>
+            <a:pPr marL="285750" indent="-285750">
+              <a:buFont typeface="Arial" panose="020B0604020202020204" pitchFamily="34" charset="0"/>
+              <a:buChar char="•"/>
+            </a:pPr>
+            <a:endParaRPr lang="en-US" sz="2400" noProof="1"/>
+          </a:p>
+          <a:p>
+            <a:pPr lvl="1"/>
+            <a:endParaRPr lang="en-US" sz="2400" noProof="1"/>
           </a:p>
         </p:txBody>
       </p:sp>
     </p:spTree>
     <p:extLst>
       <p:ext uri="{BB962C8B-B14F-4D97-AF65-F5344CB8AC3E}">
-        <p14:creationId xmlns:p14="http://schemas.microsoft.com/office/powerpoint/2010/main" val="3271207713"/>
+        <p14:creationId xmlns:p14="http://schemas.microsoft.com/office/powerpoint/2010/main" val="4002545787"/>
       </p:ext>
     </p:extLst>
   </p:cSld>
@@ -34462,7 +34639,7 @@
           <p:cNvPr id="2" name="Title 1">
             <a:extLst>
               <a:ext uri="{FF2B5EF4-FFF2-40B4-BE49-F238E27FC236}">
-                <a16:creationId xmlns:a16="http://schemas.microsoft.com/office/drawing/2014/main" id="{5CE54ABB-4929-4810-950B-2DAEA0A5BAB4}"/>
+                <a16:creationId xmlns:a16="http://schemas.microsoft.com/office/drawing/2014/main" id="{A29DE7F2-E890-4744-88DD-A75F5E300513}"/>
               </a:ext>
             </a:extLst>
           </p:cNvPr>
@@ -34470,253 +34647,122 @@
             <a:spLocks noGrp="1"/>
           </p:cNvSpPr>
           <p:nvPr>
-            <p:ph type="title"/>
+            <p:ph type="ctrTitle"/>
           </p:nvPr>
         </p:nvSpPr>
         <p:spPr>
           <a:xfrm>
-            <a:off x="0" y="927496"/>
-            <a:ext cx="12192000" cy="562637"/>
+            <a:off x="5892799" y="2571235"/>
+            <a:ext cx="6189133" cy="1715531"/>
           </a:xfrm>
         </p:spPr>
         <p:txBody>
-          <a:bodyPr>
-            <a:normAutofit/>
-          </a:bodyPr>
+          <a:bodyPr/>
           <a:lstStyle/>
           <a:p>
-            <a:pPr algn="l"/>
             <a:r>
               <a:rPr lang="en-US" dirty="0"/>
-              <a:t>📖Resources</a:t>
+              <a:t>🤗Thank you!</a:t>
+            </a:r>
+            <a:br>
+              <a:rPr lang="en-US" dirty="0"/>
+            </a:br>
+            <a:br>
+              <a:rPr lang="en-US" dirty="0"/>
+            </a:br>
+            <a:r>
+              <a:rPr lang="en-US" dirty="0"/>
+              <a:t>🤔Any questions?</a:t>
             </a:r>
           </a:p>
         </p:txBody>
       </p:sp>
       <p:sp>
         <p:nvSpPr>
-          <p:cNvPr id="7" name="Content Placeholder 6">
-            <a:extLst>
-              <a:ext uri="{FF2B5EF4-FFF2-40B4-BE49-F238E27FC236}">
-                <a16:creationId xmlns:a16="http://schemas.microsoft.com/office/drawing/2014/main" id="{6B35F89A-6CDF-41F7-BD87-18B45BD7330B}"/>
-              </a:ext>
-            </a:extLst>
-          </p:cNvPr>
-          <p:cNvSpPr>
-            <a:spLocks noGrp="1"/>
-          </p:cNvSpPr>
-          <p:nvPr>
-            <p:ph sz="half" idx="2"/>
-          </p:nvPr>
+          <p:cNvPr id="5" name="TextBox 4">
+            <a:extLst>
+              <a:ext uri="{FF2B5EF4-FFF2-40B4-BE49-F238E27FC236}">
+                <a16:creationId xmlns:a16="http://schemas.microsoft.com/office/drawing/2014/main" id="{30768DC5-971B-FE3A-5821-C8B282E689F5}"/>
+              </a:ext>
+            </a:extLst>
+          </p:cNvPr>
+          <p:cNvSpPr txBox="1"/>
+          <p:nvPr/>
         </p:nvSpPr>
         <p:spPr>
           <a:xfrm>
-            <a:off x="62910" y="1679575"/>
-            <a:ext cx="12129090" cy="5178425"/>
-          </a:xfrm>
+            <a:off x="0" y="6488668"/>
+            <a:ext cx="7956223" cy="369332"/>
+          </a:xfrm>
+          <a:prstGeom prst="rect">
+            <a:avLst/>
+          </a:prstGeom>
+          <a:noFill/>
         </p:spPr>
         <p:txBody>
-          <a:bodyPr vert="horz" lIns="91440" tIns="45720" rIns="91440" bIns="45720" rtlCol="0" anchor="t">
-            <a:normAutofit/>
+          <a:bodyPr wrap="square" rtlCol="0">
+            <a:spAutoFit/>
           </a:bodyPr>
           <a:lstStyle/>
           <a:p>
-            <a:pPr marL="285750" indent="-285750">
-              <a:buFont typeface="Arial" panose="020B0604020202020204" pitchFamily="34" charset="0"/>
-              <a:buChar char="•"/>
-            </a:pPr>
-            <a:r>
-              <a:rPr lang="en-US" sz="2400" noProof="1"/>
-              <a:t>All </a:t>
-            </a:r>
-            <a:r>
-              <a:rPr lang="en-US" sz="2400" noProof="1">
-                <a:hlinkClick r:id="rId2"/>
-              </a:rPr>
-              <a:t>technical content</a:t>
-            </a:r>
-            <a:r>
-              <a:rPr lang="en-US" sz="2400" noProof="1"/>
-              <a:t> about this presentation.</a:t>
-            </a:r>
-          </a:p>
-          <a:p>
-            <a:pPr marL="285750" indent="-285750">
-              <a:buFont typeface="Arial" panose="020B0604020202020204" pitchFamily="34" charset="0"/>
-              <a:buChar char="•"/>
-            </a:pPr>
-            <a:r>
-              <a:rPr lang="en-US" sz="2400" noProof="1">
-                <a:hlinkClick r:id="rId3"/>
-              </a:rPr>
-              <a:t>Generate a CSP</a:t>
-            </a:r>
-            <a:r>
-              <a:rPr lang="en-US" sz="2400" noProof="1"/>
-              <a:t>.</a:t>
-            </a:r>
-          </a:p>
-          <a:p>
-            <a:pPr marL="285750" indent="-285750">
-              <a:buFont typeface="Arial" panose="020B0604020202020204" pitchFamily="34" charset="0"/>
-              <a:buChar char="•"/>
-            </a:pPr>
-            <a:r>
-              <a:rPr lang="en-US" sz="2400" noProof="1">
-                <a:hlinkClick r:id="rId4"/>
-              </a:rPr>
-              <a:t>Evaluate a CSP</a:t>
-            </a:r>
-            <a:r>
-              <a:rPr lang="en-US" sz="2400" noProof="1"/>
-              <a:t>.</a:t>
-            </a:r>
-          </a:p>
-          <a:p>
-            <a:pPr marL="285750" indent="-285750">
-              <a:buFont typeface="Arial" panose="020B0604020202020204" pitchFamily="34" charset="0"/>
-              <a:buChar char="•"/>
-            </a:pPr>
-            <a:r>
-              <a:rPr lang="en-US" sz="2400" noProof="1"/>
-              <a:t>Documentation about CSP:</a:t>
-            </a:r>
-          </a:p>
-          <a:p>
-            <a:pPr marL="742950" lvl="1" indent="-285750">
-              <a:buFont typeface="Arial" panose="020B0604020202020204" pitchFamily="34" charset="0"/>
-              <a:buChar char="•"/>
-            </a:pPr>
-            <a:r>
-              <a:rPr lang="en-US" sz="2400" noProof="1">
-                <a:hlinkClick r:id="rId5"/>
-              </a:rPr>
-              <a:t>Mozilla MDN</a:t>
-            </a:r>
-            <a:endParaRPr lang="en-US" sz="2400" noProof="1"/>
-          </a:p>
-          <a:p>
-            <a:pPr marL="742950" lvl="1" indent="-285750">
-              <a:buFont typeface="Arial" panose="020B0604020202020204" pitchFamily="34" charset="0"/>
-              <a:buChar char="•"/>
-            </a:pPr>
-            <a:r>
-              <a:rPr lang="en-US" sz="2400" noProof="1">
-                <a:hlinkClick r:id="rId6"/>
-              </a:rPr>
-              <a:t>OWASP Cheat Sheet</a:t>
-            </a:r>
-            <a:endParaRPr lang="en-US" sz="2400" noProof="1"/>
-          </a:p>
-          <a:p>
-            <a:pPr marL="285750" indent="-285750">
-              <a:buFont typeface="Arial" panose="020B0604020202020204" pitchFamily="34" charset="0"/>
-              <a:buChar char="•"/>
-            </a:pPr>
-            <a:r>
-              <a:rPr lang="en-US" sz="2400" noProof="1"/>
-              <a:t>Level of </a:t>
-            </a:r>
-            <a:r>
-              <a:rPr lang="en-US" sz="2400" noProof="1">
-                <a:hlinkClick r:id="rId7"/>
-              </a:rPr>
-              <a:t>supports</a:t>
-            </a:r>
-            <a:r>
-              <a:rPr lang="en-US" sz="2400" noProof="1"/>
-              <a:t>.</a:t>
-            </a:r>
-          </a:p>
-          <a:p>
-            <a:pPr marL="285750" indent="-285750">
-              <a:buFont typeface="Arial" panose="020B0604020202020204" pitchFamily="34" charset="0"/>
-              <a:buChar char="•"/>
-            </a:pPr>
-            <a:r>
-              <a:rPr lang="en-US" sz="2400" noProof="1">
-                <a:hlinkClick r:id="rId8"/>
-              </a:rPr>
-              <a:t>OWASP Secure Headers Project</a:t>
-            </a:r>
-            <a:endParaRPr lang="en-US" sz="2400" noProof="1"/>
-          </a:p>
-          <a:p>
-            <a:pPr marL="285750" indent="-285750">
-              <a:buFont typeface="Arial" panose="020B0604020202020204" pitchFamily="34" charset="0"/>
-              <a:buChar char="•"/>
-            </a:pPr>
-            <a:endParaRPr lang="en-US" sz="2400" noProof="1"/>
-          </a:p>
-          <a:p>
-            <a:pPr marL="285750" indent="-285750">
-              <a:buFont typeface="Arial" panose="020B0604020202020204" pitchFamily="34" charset="0"/>
-              <a:buChar char="•"/>
-            </a:pPr>
-            <a:endParaRPr lang="en-US" sz="2400" noProof="1"/>
-          </a:p>
-          <a:p>
-            <a:pPr marL="285750" indent="-285750">
-              <a:buFont typeface="Arial" panose="020B0604020202020204" pitchFamily="34" charset="0"/>
-              <a:buChar char="•"/>
-            </a:pPr>
-            <a:endParaRPr lang="en-US" sz="2400" noProof="1"/>
-          </a:p>
-          <a:p>
-            <a:pPr marL="285750" indent="-285750">
-              <a:buFont typeface="Arial" panose="020B0604020202020204" pitchFamily="34" charset="0"/>
-              <a:buChar char="•"/>
-            </a:pPr>
-            <a:endParaRPr lang="en-US" sz="2400" noProof="1"/>
-          </a:p>
-          <a:p>
-            <a:pPr marL="285750" indent="-285750">
-              <a:buFont typeface="Arial" panose="020B0604020202020204" pitchFamily="34" charset="0"/>
-              <a:buChar char="•"/>
-            </a:pPr>
-            <a:endParaRPr lang="en-US" sz="2400" noProof="1"/>
-          </a:p>
-          <a:p>
-            <a:pPr marL="742950" lvl="1" indent="-285750">
-              <a:buFont typeface="Arial" panose="020B0604020202020204" pitchFamily="34" charset="0"/>
-              <a:buChar char="•"/>
-            </a:pPr>
-            <a:endParaRPr lang="en-US" sz="2400" noProof="1"/>
-          </a:p>
-          <a:p>
-            <a:endParaRPr lang="en-US" sz="2400" noProof="1"/>
-          </a:p>
-          <a:p>
-            <a:pPr marL="285750" indent="-285750">
-              <a:buFont typeface="Arial" panose="020B0604020202020204" pitchFamily="34" charset="0"/>
-              <a:buChar char="•"/>
-            </a:pPr>
-            <a:endParaRPr lang="en-US" sz="2400" noProof="1"/>
-          </a:p>
-          <a:p>
-            <a:pPr marL="285750" indent="-285750">
-              <a:buFont typeface="Arial" panose="020B0604020202020204" pitchFamily="34" charset="0"/>
-              <a:buChar char="•"/>
-            </a:pPr>
-            <a:endParaRPr lang="en-US" sz="2400" noProof="1"/>
-          </a:p>
-          <a:p>
-            <a:pPr marL="285750" indent="-285750">
-              <a:buFont typeface="Arial" panose="020B0604020202020204" pitchFamily="34" charset="0"/>
-              <a:buChar char="•"/>
-            </a:pPr>
-            <a:endParaRPr lang="en-US" sz="2400" noProof="1"/>
-          </a:p>
-          <a:p>
-            <a:pPr lvl="1"/>
-            <a:endParaRPr lang="en-US" sz="2400" noProof="1"/>
+            <a:r>
+              <a:rPr lang="en-US" dirty="0"/>
+              <a:t>Source: Disney Enterprises, Inc. </a:t>
+            </a:r>
           </a:p>
         </p:txBody>
       </p:sp>
+      <p:pic>
+        <p:nvPicPr>
+          <p:cNvPr id="1026" name="Picture 2">
+            <a:extLst>
+              <a:ext uri="{FF2B5EF4-FFF2-40B4-BE49-F238E27FC236}">
+                <a16:creationId xmlns:a16="http://schemas.microsoft.com/office/drawing/2014/main" id="{3C9B8336-B99D-96A4-B5FE-A565EE763009}"/>
+              </a:ext>
+            </a:extLst>
+          </p:cNvPr>
+          <p:cNvPicPr>
+            <a:picLocks noChangeAspect="1" noChangeArrowheads="1"/>
+          </p:cNvPicPr>
+          <p:nvPr/>
+        </p:nvPicPr>
+        <p:blipFill>
+          <a:blip r:embed="rId2">
+            <a:extLst>
+              <a:ext uri="{28A0092B-C50C-407E-A947-70E740481C1C}">
+                <a14:useLocalDpi xmlns:a14="http://schemas.microsoft.com/office/drawing/2010/main" val="0"/>
+              </a:ext>
+            </a:extLst>
+          </a:blip>
+          <a:srcRect/>
+          <a:stretch>
+            <a:fillRect/>
+          </a:stretch>
+        </p:blipFill>
+        <p:spPr bwMode="auto">
+          <a:xfrm>
+            <a:off x="239472" y="1572683"/>
+            <a:ext cx="5653327" cy="3712633"/>
+          </a:xfrm>
+          <a:prstGeom prst="rect">
+            <a:avLst/>
+          </a:prstGeom>
+          <a:noFill/>
+          <a:extLst>
+            <a:ext uri="{909E8E84-426E-40DD-AFC4-6F175D3DCCD1}">
+              <a14:hiddenFill xmlns:a14="http://schemas.microsoft.com/office/drawing/2010/main">
+                <a:solidFill>
+                  <a:srgbClr val="FFFFFF"/>
+                </a:solidFill>
+              </a14:hiddenFill>
+            </a:ext>
+          </a:extLst>
+        </p:spPr>
+      </p:pic>
     </p:spTree>
     <p:extLst>
       <p:ext uri="{BB962C8B-B14F-4D97-AF65-F5344CB8AC3E}">
-        <p14:creationId xmlns:p14="http://schemas.microsoft.com/office/powerpoint/2010/main" val="2168811583"/>
+        <p14:creationId xmlns:p14="http://schemas.microsoft.com/office/powerpoint/2010/main" val="3271207713"/>
       </p:ext>
     </p:extLst>
   </p:cSld>
@@ -34938,6 +34984,304 @@
 </p:sld>
 </file>
 
+<file path=ppt/slides/slide50.xml><?xml version="1.0" encoding="utf-8"?>
+<p:sld xmlns:a="http://schemas.openxmlformats.org/drawingml/2006/main" xmlns:r="http://schemas.openxmlformats.org/officeDocument/2006/relationships" xmlns:p="http://schemas.openxmlformats.org/presentationml/2006/main">
+  <p:cSld>
+    <p:spTree>
+      <p:nvGrpSpPr>
+        <p:cNvPr id="1" name=""/>
+        <p:cNvGrpSpPr/>
+        <p:nvPr/>
+      </p:nvGrpSpPr>
+      <p:grpSpPr>
+        <a:xfrm>
+          <a:off x="0" y="0"/>
+          <a:ext cx="0" cy="0"/>
+          <a:chOff x="0" y="0"/>
+          <a:chExt cx="0" cy="0"/>
+        </a:xfrm>
+      </p:grpSpPr>
+      <p:sp>
+        <p:nvSpPr>
+          <p:cNvPr id="2" name="Title 1">
+            <a:extLst>
+              <a:ext uri="{FF2B5EF4-FFF2-40B4-BE49-F238E27FC236}">
+                <a16:creationId xmlns:a16="http://schemas.microsoft.com/office/drawing/2014/main" id="{5CE54ABB-4929-4810-950B-2DAEA0A5BAB4}"/>
+              </a:ext>
+            </a:extLst>
+          </p:cNvPr>
+          <p:cNvSpPr>
+            <a:spLocks noGrp="1"/>
+          </p:cNvSpPr>
+          <p:nvPr>
+            <p:ph type="title"/>
+          </p:nvPr>
+        </p:nvSpPr>
+        <p:spPr>
+          <a:xfrm>
+            <a:off x="0" y="927496"/>
+            <a:ext cx="12192000" cy="562637"/>
+          </a:xfrm>
+        </p:spPr>
+        <p:txBody>
+          <a:bodyPr>
+            <a:normAutofit/>
+          </a:bodyPr>
+          <a:lstStyle/>
+          <a:p>
+            <a:pPr algn="l"/>
+            <a:r>
+              <a:rPr lang="en-US" dirty="0"/>
+              <a:t>📖Resources</a:t>
+            </a:r>
+          </a:p>
+        </p:txBody>
+      </p:sp>
+      <p:sp>
+        <p:nvSpPr>
+          <p:cNvPr id="7" name="Content Placeholder 6">
+            <a:extLst>
+              <a:ext uri="{FF2B5EF4-FFF2-40B4-BE49-F238E27FC236}">
+                <a16:creationId xmlns:a16="http://schemas.microsoft.com/office/drawing/2014/main" id="{6B35F89A-6CDF-41F7-BD87-18B45BD7330B}"/>
+              </a:ext>
+            </a:extLst>
+          </p:cNvPr>
+          <p:cNvSpPr>
+            <a:spLocks noGrp="1"/>
+          </p:cNvSpPr>
+          <p:nvPr>
+            <p:ph sz="half" idx="2"/>
+          </p:nvPr>
+        </p:nvSpPr>
+        <p:spPr>
+          <a:xfrm>
+            <a:off x="62910" y="1679575"/>
+            <a:ext cx="12129090" cy="5178425"/>
+          </a:xfrm>
+        </p:spPr>
+        <p:txBody>
+          <a:bodyPr vert="horz" lIns="91440" tIns="45720" rIns="91440" bIns="45720" rtlCol="0" anchor="t">
+            <a:normAutofit/>
+          </a:bodyPr>
+          <a:lstStyle/>
+          <a:p>
+            <a:pPr marL="285750" indent="-285750">
+              <a:buFont typeface="Arial" panose="020B0604020202020204" pitchFamily="34" charset="0"/>
+              <a:buChar char="•"/>
+            </a:pPr>
+            <a:r>
+              <a:rPr lang="en-US" sz="2400" noProof="1"/>
+              <a:t>All </a:t>
+            </a:r>
+            <a:r>
+              <a:rPr lang="en-US" sz="2400" noProof="1">
+                <a:hlinkClick r:id="rId2"/>
+              </a:rPr>
+              <a:t>technical content</a:t>
+            </a:r>
+            <a:r>
+              <a:rPr lang="en-US" sz="2400" noProof="1"/>
+              <a:t> about this presentation.</a:t>
+            </a:r>
+          </a:p>
+          <a:p>
+            <a:pPr marL="285750" indent="-285750">
+              <a:buFont typeface="Arial" panose="020B0604020202020204" pitchFamily="34" charset="0"/>
+              <a:buChar char="•"/>
+            </a:pPr>
+            <a:r>
+              <a:rPr lang="en-US" sz="2400" noProof="1">
+                <a:hlinkClick r:id="rId3"/>
+              </a:rPr>
+              <a:t>Generate a CSP</a:t>
+            </a:r>
+            <a:r>
+              <a:rPr lang="en-US" sz="2400" noProof="1"/>
+              <a:t>.</a:t>
+            </a:r>
+          </a:p>
+          <a:p>
+            <a:pPr marL="285750" indent="-285750">
+              <a:buFont typeface="Arial" panose="020B0604020202020204" pitchFamily="34" charset="0"/>
+              <a:buChar char="•"/>
+            </a:pPr>
+            <a:r>
+              <a:rPr lang="en-US" sz="2400" noProof="1">
+                <a:hlinkClick r:id="rId4"/>
+              </a:rPr>
+              <a:t>Evaluate a CSP</a:t>
+            </a:r>
+            <a:r>
+              <a:rPr lang="en-US" sz="2400" noProof="1"/>
+              <a:t>.</a:t>
+            </a:r>
+          </a:p>
+          <a:p>
+            <a:pPr marL="285750" indent="-285750">
+              <a:buFont typeface="Arial" panose="020B0604020202020204" pitchFamily="34" charset="0"/>
+              <a:buChar char="•"/>
+            </a:pPr>
+            <a:r>
+              <a:rPr lang="en-US" sz="2400" noProof="1"/>
+              <a:t>Documentation about CSP:</a:t>
+            </a:r>
+          </a:p>
+          <a:p>
+            <a:pPr marL="742950" lvl="1" indent="-285750">
+              <a:buFont typeface="Arial" panose="020B0604020202020204" pitchFamily="34" charset="0"/>
+              <a:buChar char="•"/>
+            </a:pPr>
+            <a:r>
+              <a:rPr lang="en-US" sz="2400" noProof="1">
+                <a:hlinkClick r:id="rId5"/>
+              </a:rPr>
+              <a:t>Mozilla MDN</a:t>
+            </a:r>
+            <a:endParaRPr lang="en-US" sz="2400" noProof="1"/>
+          </a:p>
+          <a:p>
+            <a:pPr marL="742950" lvl="1" indent="-285750">
+              <a:buFont typeface="Arial" panose="020B0604020202020204" pitchFamily="34" charset="0"/>
+              <a:buChar char="•"/>
+            </a:pPr>
+            <a:r>
+              <a:rPr lang="en-US" sz="2400" noProof="1">
+                <a:hlinkClick r:id="rId6"/>
+              </a:rPr>
+              <a:t>OWASP Cheat Sheet</a:t>
+            </a:r>
+            <a:endParaRPr lang="en-US" sz="2400" noProof="1"/>
+          </a:p>
+          <a:p>
+            <a:pPr marL="285750" indent="-285750">
+              <a:buFont typeface="Arial" panose="020B0604020202020204" pitchFamily="34" charset="0"/>
+              <a:buChar char="•"/>
+            </a:pPr>
+            <a:r>
+              <a:rPr lang="en-US" sz="2400" noProof="1"/>
+              <a:t>Level of </a:t>
+            </a:r>
+            <a:r>
+              <a:rPr lang="en-US" sz="2400" noProof="1">
+                <a:hlinkClick r:id="rId7"/>
+              </a:rPr>
+              <a:t>supports</a:t>
+            </a:r>
+            <a:r>
+              <a:rPr lang="en-US" sz="2400" noProof="1"/>
+              <a:t>.</a:t>
+            </a:r>
+          </a:p>
+          <a:p>
+            <a:pPr marL="285750" indent="-285750">
+              <a:buFont typeface="Arial" panose="020B0604020202020204" pitchFamily="34" charset="0"/>
+              <a:buChar char="•"/>
+            </a:pPr>
+            <a:r>
+              <a:rPr lang="en-US" sz="2400" noProof="1">
+                <a:hlinkClick r:id="rId8"/>
+              </a:rPr>
+              <a:t>OWASP Secure Headers Project</a:t>
+            </a:r>
+            <a:endParaRPr lang="en-US" sz="2400" noProof="1"/>
+          </a:p>
+          <a:p>
+            <a:pPr marL="285750" indent="-285750">
+              <a:buFont typeface="Arial" panose="020B0604020202020204" pitchFamily="34" charset="0"/>
+              <a:buChar char="•"/>
+            </a:pPr>
+            <a:endParaRPr lang="en-US" sz="2400" noProof="1"/>
+          </a:p>
+          <a:p>
+            <a:pPr marL="285750" indent="-285750">
+              <a:buFont typeface="Arial" panose="020B0604020202020204" pitchFamily="34" charset="0"/>
+              <a:buChar char="•"/>
+            </a:pPr>
+            <a:endParaRPr lang="en-US" sz="2400" noProof="1"/>
+          </a:p>
+          <a:p>
+            <a:pPr marL="285750" indent="-285750">
+              <a:buFont typeface="Arial" panose="020B0604020202020204" pitchFamily="34" charset="0"/>
+              <a:buChar char="•"/>
+            </a:pPr>
+            <a:endParaRPr lang="en-US" sz="2400" noProof="1"/>
+          </a:p>
+          <a:p>
+            <a:pPr marL="285750" indent="-285750">
+              <a:buFont typeface="Arial" panose="020B0604020202020204" pitchFamily="34" charset="0"/>
+              <a:buChar char="•"/>
+            </a:pPr>
+            <a:endParaRPr lang="en-US" sz="2400" noProof="1"/>
+          </a:p>
+          <a:p>
+            <a:pPr marL="285750" indent="-285750">
+              <a:buFont typeface="Arial" panose="020B0604020202020204" pitchFamily="34" charset="0"/>
+              <a:buChar char="•"/>
+            </a:pPr>
+            <a:endParaRPr lang="en-US" sz="2400" noProof="1"/>
+          </a:p>
+          <a:p>
+            <a:pPr marL="742950" lvl="1" indent="-285750">
+              <a:buFont typeface="Arial" panose="020B0604020202020204" pitchFamily="34" charset="0"/>
+              <a:buChar char="•"/>
+            </a:pPr>
+            <a:endParaRPr lang="en-US" sz="2400" noProof="1"/>
+          </a:p>
+          <a:p>
+            <a:endParaRPr lang="en-US" sz="2400" noProof="1"/>
+          </a:p>
+          <a:p>
+            <a:pPr marL="285750" indent="-285750">
+              <a:buFont typeface="Arial" panose="020B0604020202020204" pitchFamily="34" charset="0"/>
+              <a:buChar char="•"/>
+            </a:pPr>
+            <a:endParaRPr lang="en-US" sz="2400" noProof="1"/>
+          </a:p>
+          <a:p>
+            <a:pPr marL="285750" indent="-285750">
+              <a:buFont typeface="Arial" panose="020B0604020202020204" pitchFamily="34" charset="0"/>
+              <a:buChar char="•"/>
+            </a:pPr>
+            <a:endParaRPr lang="en-US" sz="2400" noProof="1"/>
+          </a:p>
+          <a:p>
+            <a:pPr marL="285750" indent="-285750">
+              <a:buFont typeface="Arial" panose="020B0604020202020204" pitchFamily="34" charset="0"/>
+              <a:buChar char="•"/>
+            </a:pPr>
+            <a:endParaRPr lang="en-US" sz="2400" noProof="1"/>
+          </a:p>
+          <a:p>
+            <a:pPr lvl="1"/>
+            <a:endParaRPr lang="en-US" sz="2400" noProof="1"/>
+          </a:p>
+        </p:txBody>
+      </p:sp>
+    </p:spTree>
+    <p:extLst>
+      <p:ext uri="{BB962C8B-B14F-4D97-AF65-F5344CB8AC3E}">
+        <p14:creationId xmlns:p14="http://schemas.microsoft.com/office/powerpoint/2010/main" val="2168811583"/>
+      </p:ext>
+    </p:extLst>
+  </p:cSld>
+  <p:clrMapOvr>
+    <a:masterClrMapping/>
+  </p:clrMapOvr>
+  <mc:AlternateContent xmlns:mc="http://schemas.openxmlformats.org/markup-compatibility/2006" xmlns:p14="http://schemas.microsoft.com/office/powerpoint/2010/main">
+    <mc:Choice Requires="p14">
+      <p:transition spd="med" p14:dur="700">
+        <p:fade/>
+      </p:transition>
+    </mc:Choice>
+    <mc:Fallback xmlns="">
+      <p:transition spd="med">
+        <p:fade/>
+      </p:transition>
+    </mc:Fallback>
+  </mc:AlternateContent>
+</p:sld>
+</file>
+
 <file path=ppt/slides/slide6.xml><?xml version="1.0" encoding="utf-8"?>
 <p:sld xmlns:a="http://schemas.openxmlformats.org/drawingml/2006/main" xmlns:r="http://schemas.openxmlformats.org/officeDocument/2006/relationships" xmlns:p="http://schemas.openxmlformats.org/presentationml/2006/main">
   <p:cSld>
@@ -35077,7 +35421,7 @@
             </a:pPr>
             <a:r>
               <a:rPr lang="en-US" sz="2400" noProof="1"/>
-              <a:t> 🔬You decided to ask to the PO and CISO to give you some hours to allow you to dig this idea and indicates you will come back to them around 03:00 P.M. with a status.</a:t>
+              <a:t> 🔬You decided to ask to the PO and CISO to give you some hours to allow you to dig this idea. You will come back to them around 03:00 P.M. with a status.</a:t>
             </a:r>
           </a:p>
           <a:p>
@@ -36638,6 +36982,35 @@
 </file>
 
 <file path=customXml/item1.xml><?xml version="1.0" encoding="utf-8"?>
+<?mso-contentType ?>
+<FormTemplates xmlns="http://schemas.microsoft.com/sharepoint/v3/contenttype/forms">
+  <Display>DocumentLibraryForm</Display>
+  <Edit>DocumentLibraryForm</Edit>
+  <New>DocumentLibraryForm</New>
+</FormTemplates>
+</file>
+
+<file path=customXml/item2.xml><?xml version="1.0" encoding="utf-8"?>
+<p:properties xmlns:p="http://schemas.microsoft.com/office/2006/metadata/properties" xmlns:xsi="http://www.w3.org/2001/XMLSchema-instance" xmlns:pc="http://schemas.microsoft.com/office/infopath/2007/PartnerControls">
+  <documentManagement>
+    <_ip_UnifiedCompliancePolicyUIAction xmlns="http://schemas.microsoft.com/sharepoint/v3" xsi:nil="true"/>
+    <Image xmlns="71af3243-3dd4-4a8d-8c0d-dd76da1f02a5">
+      <Url xsi:nil="true"/>
+      <Description xsi:nil="true"/>
+    </Image>
+    <Status xmlns="71af3243-3dd4-4a8d-8c0d-dd76da1f02a5">Not started</Status>
+    <Background xmlns="71af3243-3dd4-4a8d-8c0d-dd76da1f02a5">false</Background>
+    <_ip_UnifiedCompliancePolicyProperties xmlns="http://schemas.microsoft.com/sharepoint/v3" xsi:nil="true"/>
+    <ImageTagsTaxHTField xmlns="71af3243-3dd4-4a8d-8c0d-dd76da1f02a5">
+      <Terms xmlns="http://schemas.microsoft.com/office/infopath/2007/PartnerControls"/>
+    </ImageTagsTaxHTField>
+    <TaxCatchAll xmlns="230e9df3-be65-4c73-a93b-d1236ebd677e" xsi:nil="true"/>
+    <MediaServiceKeyPoints xmlns="71af3243-3dd4-4a8d-8c0d-dd76da1f02a5" xsi:nil="true"/>
+  </documentManagement>
+</p:properties>
+</file>
+
+<file path=customXml/item3.xml><?xml version="1.0" encoding="utf-8"?>
 <ct:contentTypeSchema xmlns:ct="http://schemas.microsoft.com/office/2006/metadata/contentType" xmlns:ma="http://schemas.microsoft.com/office/2006/metadata/properties/metaAttributes" ct:_="" ma:_="" ma:contentTypeName="Document" ma:contentTypeID="0x01010079F111ED35F8CC479449609E8A0923A6" ma:contentTypeVersion="27" ma:contentTypeDescription="Create a new document." ma:contentTypeScope="" ma:versionID="c6f9a84f66a9c8b9a21755b9ffafb945">
   <xsd:schema xmlns:xsd="http://www.w3.org/2001/XMLSchema" xmlns:xs="http://www.w3.org/2001/XMLSchema" xmlns:p="http://schemas.microsoft.com/office/2006/metadata/properties" xmlns:ns1="http://schemas.microsoft.com/sharepoint/v3" xmlns:ns2="71af3243-3dd4-4a8d-8c0d-dd76da1f02a5" xmlns:ns3="16c05727-aa75-4e4a-9b5f-8a80a1165891" xmlns:ns4="230e9df3-be65-4c73-a93b-d1236ebd677e" targetNamespace="http://schemas.microsoft.com/office/2006/metadata/properties" ma:root="true" ma:fieldsID="27df39e3e7036dff54f89ddd5805ce72" ns1:_="" ns2:_="" ns3:_="" ns4:_="">
     <xsd:import namespace="http://schemas.microsoft.com/sharepoint/v3"/>
@@ -36943,36 +37316,34 @@
 </ct:contentTypeSchema>
 </file>
 
-<file path=customXml/item2.xml><?xml version="1.0" encoding="utf-8"?>
-<?mso-contentType ?>
-<FormTemplates xmlns="http://schemas.microsoft.com/sharepoint/v3/contenttype/forms">
-  <Display>DocumentLibraryForm</Display>
-  <Edit>DocumentLibraryForm</Edit>
-  <New>DocumentLibraryForm</New>
-</FormTemplates>
+<file path=customXml/itemProps1.xml><?xml version="1.0" encoding="utf-8"?>
+<ds:datastoreItem xmlns:ds="http://schemas.openxmlformats.org/officeDocument/2006/customXml" ds:itemID="{6966C46A-DC57-4209-80CD-9FE6C93151FF}">
+  <ds:schemaRefs>
+    <ds:schemaRef ds:uri="http://schemas.microsoft.com/sharepoint/v3/contenttype/forms"/>
+  </ds:schemaRefs>
+</ds:datastoreItem>
 </file>
 
-<file path=customXml/item3.xml><?xml version="1.0" encoding="utf-8"?>
-<p:properties xmlns:p="http://schemas.microsoft.com/office/2006/metadata/properties" xmlns:xsi="http://www.w3.org/2001/XMLSchema-instance" xmlns:pc="http://schemas.microsoft.com/office/infopath/2007/PartnerControls">
-  <documentManagement>
-    <_ip_UnifiedCompliancePolicyUIAction xmlns="http://schemas.microsoft.com/sharepoint/v3" xsi:nil="true"/>
-    <Image xmlns="71af3243-3dd4-4a8d-8c0d-dd76da1f02a5">
-      <Url xsi:nil="true"/>
-      <Description xsi:nil="true"/>
-    </Image>
-    <Status xmlns="71af3243-3dd4-4a8d-8c0d-dd76da1f02a5">Not started</Status>
-    <Background xmlns="71af3243-3dd4-4a8d-8c0d-dd76da1f02a5">false</Background>
-    <_ip_UnifiedCompliancePolicyProperties xmlns="http://schemas.microsoft.com/sharepoint/v3" xsi:nil="true"/>
-    <ImageTagsTaxHTField xmlns="71af3243-3dd4-4a8d-8c0d-dd76da1f02a5">
-      <Terms xmlns="http://schemas.microsoft.com/office/infopath/2007/PartnerControls"/>
-    </ImageTagsTaxHTField>
-    <TaxCatchAll xmlns="230e9df3-be65-4c73-a93b-d1236ebd677e" xsi:nil="true"/>
-    <MediaServiceKeyPoints xmlns="71af3243-3dd4-4a8d-8c0d-dd76da1f02a5" xsi:nil="true"/>
-  </documentManagement>
-</p:properties>
+<file path=customXml/itemProps2.xml><?xml version="1.0" encoding="utf-8"?>
+<ds:datastoreItem xmlns:ds="http://schemas.openxmlformats.org/officeDocument/2006/customXml" ds:itemID="{BEFFFA3F-0FB5-4ED3-8906-A15B16577F44}">
+  <ds:schemaRefs>
+    <ds:schemaRef ds:uri="http://schemas.openxmlformats.org/package/2006/metadata/core-properties"/>
+    <ds:schemaRef ds:uri="http://schemas.microsoft.com/office/infopath/2007/PartnerControls"/>
+    <ds:schemaRef ds:uri="http://schemas.microsoft.com/office/2006/documentManagement/types"/>
+    <ds:schemaRef ds:uri="http://purl.org/dc/terms/"/>
+    <ds:schemaRef ds:uri="http://purl.org/dc/dcmitype/"/>
+    <ds:schemaRef ds:uri="http://purl.org/dc/elements/1.1/"/>
+    <ds:schemaRef ds:uri="http://schemas.microsoft.com/sharepoint/v3"/>
+    <ds:schemaRef ds:uri="71af3243-3dd4-4a8d-8c0d-dd76da1f02a5"/>
+    <ds:schemaRef ds:uri="230e9df3-be65-4c73-a93b-d1236ebd677e"/>
+    <ds:schemaRef ds:uri="16c05727-aa75-4e4a-9b5f-8a80a1165891"/>
+    <ds:schemaRef ds:uri="http://schemas.microsoft.com/office/2006/metadata/properties"/>
+    <ds:schemaRef ds:uri="http://www.w3.org/XML/1998/namespace"/>
+  </ds:schemaRefs>
+</ds:datastoreItem>
 </file>
 
-<file path=customXml/itemProps1.xml><?xml version="1.0" encoding="utf-8"?>
+<file path=customXml/itemProps3.xml><?xml version="1.0" encoding="utf-8"?>
 <ds:datastoreItem xmlns:ds="http://schemas.openxmlformats.org/officeDocument/2006/customXml" ds:itemID="{4E18436D-DA32-4E27-AC64-8FFEDA5218F9}">
   <ds:schemaRefs>
     <ds:schemaRef ds:uri="http://schemas.microsoft.com/office/2006/metadata/contentType"/>
@@ -36993,33 +37364,6 @@
 </ds:datastoreItem>
 </file>
 
-<file path=customXml/itemProps2.xml><?xml version="1.0" encoding="utf-8"?>
-<ds:datastoreItem xmlns:ds="http://schemas.openxmlformats.org/officeDocument/2006/customXml" ds:itemID="{6966C46A-DC57-4209-80CD-9FE6C93151FF}">
-  <ds:schemaRefs>
-    <ds:schemaRef ds:uri="http://schemas.microsoft.com/sharepoint/v3/contenttype/forms"/>
-  </ds:schemaRefs>
-</ds:datastoreItem>
-</file>
-
-<file path=customXml/itemProps3.xml><?xml version="1.0" encoding="utf-8"?>
-<ds:datastoreItem xmlns:ds="http://schemas.openxmlformats.org/officeDocument/2006/customXml" ds:itemID="{BEFFFA3F-0FB5-4ED3-8906-A15B16577F44}">
-  <ds:schemaRefs>
-    <ds:schemaRef ds:uri="http://schemas.openxmlformats.org/package/2006/metadata/core-properties"/>
-    <ds:schemaRef ds:uri="http://schemas.microsoft.com/office/infopath/2007/PartnerControls"/>
-    <ds:schemaRef ds:uri="http://schemas.microsoft.com/office/2006/documentManagement/types"/>
-    <ds:schemaRef ds:uri="http://purl.org/dc/terms/"/>
-    <ds:schemaRef ds:uri="http://purl.org/dc/dcmitype/"/>
-    <ds:schemaRef ds:uri="http://purl.org/dc/elements/1.1/"/>
-    <ds:schemaRef ds:uri="http://schemas.microsoft.com/sharepoint/v3"/>
-    <ds:schemaRef ds:uri="71af3243-3dd4-4a8d-8c0d-dd76da1f02a5"/>
-    <ds:schemaRef ds:uri="230e9df3-be65-4c73-a93b-d1236ebd677e"/>
-    <ds:schemaRef ds:uri="16c05727-aa75-4e4a-9b5f-8a80a1165891"/>
-    <ds:schemaRef ds:uri="http://schemas.microsoft.com/office/2006/metadata/properties"/>
-    <ds:schemaRef ds:uri="http://www.w3.org/XML/1998/namespace"/>
-  </ds:schemaRefs>
-</ds:datastoreItem>
-</file>
-
 <file path=docMetadata/LabelInfo.xml><?xml version="1.0" encoding="utf-8"?>
 <clbl:labelList xmlns:clbl="http://schemas.microsoft.com/office/2020/mipLabelMetadata"/>
 </file>
--- a/presentation.pptx
+++ b/presentation.pptx
@@ -5,10 +5,10 @@
     <p:sldMasterId id="2147483666" r:id="rId4"/>
   </p:sldMasterIdLst>
   <p:notesMasterIdLst>
-    <p:notesMasterId r:id="rId55"/>
+    <p:notesMasterId r:id="rId56"/>
   </p:notesMasterIdLst>
   <p:handoutMasterIdLst>
-    <p:handoutMasterId r:id="rId56"/>
+    <p:handoutMasterId r:id="rId57"/>
   </p:handoutMasterIdLst>
   <p:sldIdLst>
     <p:sldId id="256" r:id="rId5"/>
@@ -34,33 +34,34 @@
     <p:sldId id="284" r:id="rId25"/>
     <p:sldId id="285" r:id="rId26"/>
     <p:sldId id="286" r:id="rId27"/>
-    <p:sldId id="287" r:id="rId28"/>
-    <p:sldId id="288" r:id="rId29"/>
-    <p:sldId id="289" r:id="rId30"/>
-    <p:sldId id="290" r:id="rId31"/>
-    <p:sldId id="291" r:id="rId32"/>
-    <p:sldId id="292" r:id="rId33"/>
-    <p:sldId id="293" r:id="rId34"/>
-    <p:sldId id="294" r:id="rId35"/>
-    <p:sldId id="295" r:id="rId36"/>
-    <p:sldId id="296" r:id="rId37"/>
-    <p:sldId id="297" r:id="rId38"/>
-    <p:sldId id="314" r:id="rId39"/>
-    <p:sldId id="298" r:id="rId40"/>
-    <p:sldId id="299" r:id="rId41"/>
-    <p:sldId id="301" r:id="rId42"/>
-    <p:sldId id="302" r:id="rId43"/>
-    <p:sldId id="303" r:id="rId44"/>
-    <p:sldId id="313" r:id="rId45"/>
-    <p:sldId id="304" r:id="rId46"/>
-    <p:sldId id="305" r:id="rId47"/>
-    <p:sldId id="306" r:id="rId48"/>
-    <p:sldId id="307" r:id="rId49"/>
-    <p:sldId id="308" r:id="rId50"/>
-    <p:sldId id="309" r:id="rId51"/>
-    <p:sldId id="310" r:id="rId52"/>
-    <p:sldId id="311" r:id="rId53"/>
-    <p:sldId id="312" r:id="rId54"/>
+    <p:sldId id="315" r:id="rId28"/>
+    <p:sldId id="287" r:id="rId29"/>
+    <p:sldId id="288" r:id="rId30"/>
+    <p:sldId id="289" r:id="rId31"/>
+    <p:sldId id="290" r:id="rId32"/>
+    <p:sldId id="291" r:id="rId33"/>
+    <p:sldId id="292" r:id="rId34"/>
+    <p:sldId id="293" r:id="rId35"/>
+    <p:sldId id="294" r:id="rId36"/>
+    <p:sldId id="295" r:id="rId37"/>
+    <p:sldId id="296" r:id="rId38"/>
+    <p:sldId id="297" r:id="rId39"/>
+    <p:sldId id="314" r:id="rId40"/>
+    <p:sldId id="298" r:id="rId41"/>
+    <p:sldId id="299" r:id="rId42"/>
+    <p:sldId id="301" r:id="rId43"/>
+    <p:sldId id="302" r:id="rId44"/>
+    <p:sldId id="303" r:id="rId45"/>
+    <p:sldId id="313" r:id="rId46"/>
+    <p:sldId id="304" r:id="rId47"/>
+    <p:sldId id="305" r:id="rId48"/>
+    <p:sldId id="306" r:id="rId49"/>
+    <p:sldId id="307" r:id="rId50"/>
+    <p:sldId id="308" r:id="rId51"/>
+    <p:sldId id="309" r:id="rId52"/>
+    <p:sldId id="310" r:id="rId53"/>
+    <p:sldId id="311" r:id="rId54"/>
+    <p:sldId id="312" r:id="rId55"/>
   </p:sldIdLst>
   <p:sldSz cx="12192000" cy="6858000"/>
   <p:notesSz cx="6858000" cy="9144000"/>
@@ -196,7 +197,7 @@
 <file path=ppt/revisionInfo.xml><?xml version="1.0" encoding="utf-8"?>
 <p1510:revInfo xmlns:a="http://schemas.openxmlformats.org/drawingml/2006/main" xmlns:r="http://schemas.openxmlformats.org/officeDocument/2006/relationships" xmlns:p1510="http://schemas.microsoft.com/office/powerpoint/2015/10/main">
   <p1510:revLst>
-    <p1510:client id="{1670CD84-DEE0-4E12-BF01-4C2D0C1D7F30}" v="834" dt="2024-05-26T07:45:12.122"/>
+    <p1510:client id="{1670CD84-DEE0-4E12-BF01-4C2D0C1D7F30}" v="840" dt="2024-06-03T13:22:02.617"/>
   </p1510:revLst>
 </p1510:revInfo>
 </file>
@@ -206,7 +207,7 @@
   <pc:docChgLst>
     <pc:chgData name="Dominique RIGHETTO" userId="512fe077-82ad-424c-88a3-15e852b5861d" providerId="ADAL" clId="{1670CD84-DEE0-4E12-BF01-4C2D0C1D7F30}"/>
     <pc:docChg chg="undo custSel addSld delSld modSld sldOrd">
-      <pc:chgData name="Dominique RIGHETTO" userId="512fe077-82ad-424c-88a3-15e852b5861d" providerId="ADAL" clId="{1670CD84-DEE0-4E12-BF01-4C2D0C1D7F30}" dt="2024-05-26T07:47:27.202" v="11886" actId="20577"/>
+      <pc:chgData name="Dominique RIGHETTO" userId="512fe077-82ad-424c-88a3-15e852b5861d" providerId="ADAL" clId="{1670CD84-DEE0-4E12-BF01-4C2D0C1D7F30}" dt="2024-06-03T13:22:02.617" v="11904"/>
       <pc:docMkLst>
         <pc:docMk/>
       </pc:docMkLst>
@@ -1787,7 +1788,7 @@
         </pc:picChg>
       </pc:sldChg>
       <pc:sldChg chg="addSp delSp modSp add mod modTransition">
-        <pc:chgData name="Dominique RIGHETTO" userId="512fe077-82ad-424c-88a3-15e852b5861d" providerId="ADAL" clId="{1670CD84-DEE0-4E12-BF01-4C2D0C1D7F30}" dt="2024-05-20T06:59:23.251" v="11311" actId="20577"/>
+        <pc:chgData name="Dominique RIGHETTO" userId="512fe077-82ad-424c-88a3-15e852b5861d" providerId="ADAL" clId="{1670CD84-DEE0-4E12-BF01-4C2D0C1D7F30}" dt="2024-06-03T13:19:14.681" v="11900"/>
         <pc:sldMkLst>
           <pc:docMk/>
           <pc:sldMk cId="2356577693" sldId="294"/>
@@ -2609,8 +2610,8 @@
           </ac:spMkLst>
         </pc:spChg>
       </pc:sldChg>
-      <pc:sldChg chg="delSp modSp add mod ord modTransition">
-        <pc:chgData name="Dominique RIGHETTO" userId="512fe077-82ad-424c-88a3-15e852b5861d" providerId="ADAL" clId="{1670CD84-DEE0-4E12-BF01-4C2D0C1D7F30}" dt="2024-05-26T07:47:27.202" v="11886" actId="20577"/>
+      <pc:sldChg chg="delSp modSp add mod ord modTransition modAnim">
+        <pc:chgData name="Dominique RIGHETTO" userId="512fe077-82ad-424c-88a3-15e852b5861d" providerId="ADAL" clId="{1670CD84-DEE0-4E12-BF01-4C2D0C1D7F30}" dt="2024-06-03T13:22:02.617" v="11904"/>
         <pc:sldMkLst>
           <pc:docMk/>
           <pc:sldMk cId="4002545787" sldId="310"/>
@@ -2768,6 +2769,21 @@
             <pc:docMk/>
             <pc:sldMk cId="3226988061" sldId="314"/>
             <ac:picMk id="5" creationId="{86EE7CC6-8EA4-C9B6-8477-2ECC8E41553A}"/>
+          </ac:picMkLst>
+        </pc:picChg>
+      </pc:sldChg>
+      <pc:sldChg chg="modSp add mod modTransition">
+        <pc:chgData name="Dominique RIGHETTO" userId="512fe077-82ad-424c-88a3-15e852b5861d" providerId="ADAL" clId="{1670CD84-DEE0-4E12-BF01-4C2D0C1D7F30}" dt="2024-06-03T13:18:31.814" v="11899"/>
+        <pc:sldMkLst>
+          <pc:docMk/>
+          <pc:sldMk cId="697556060" sldId="315"/>
+        </pc:sldMkLst>
+        <pc:picChg chg="mod modCrop">
+          <ac:chgData name="Dominique RIGHETTO" userId="512fe077-82ad-424c-88a3-15e852b5861d" providerId="ADAL" clId="{1670CD84-DEE0-4E12-BF01-4C2D0C1D7F30}" dt="2024-06-03T13:18:28.407" v="11898" actId="1076"/>
+          <ac:picMkLst>
+            <pc:docMk/>
+            <pc:sldMk cId="697556060" sldId="315"/>
+            <ac:picMk id="6" creationId="{3FF2E638-DA8F-7A70-0698-177678862118}"/>
           </ac:picMkLst>
         </pc:picChg>
       </pc:sldChg>
@@ -6128,7 +6144,7 @@
           <a:p>
             <a:fld id="{F352A77B-D33C-49B3-A83C-450AA2ED72B3}" type="datetimeFigureOut">
               <a:rPr lang="en-US" smtClean="0"/>
-              <a:t>5/26/2024</a:t>
+              <a:t>6/3/2024</a:t>
             </a:fld>
             <a:endParaRPr lang="en-US" dirty="0"/>
           </a:p>
@@ -6305,7 +6321,7 @@
           <a:p>
             <a:fld id="{E38D8F9A-F5CB-4EF8-A859-ED5E107B9763}" type="datetimeFigureOut">
               <a:rPr lang="en-US" smtClean="0"/>
-              <a:t>5/26/2024</a:t>
+              <a:t>6/3/2024</a:t>
             </a:fld>
             <a:endParaRPr lang="en-US" dirty="0"/>
           </a:p>
@@ -26967,6 +26983,163 @@
 <file path=ppt/slides/slide24.xml><?xml version="1.0" encoding="utf-8"?>
 <p:sld xmlns:a="http://schemas.openxmlformats.org/drawingml/2006/main" xmlns:r="http://schemas.openxmlformats.org/officeDocument/2006/relationships" xmlns:p="http://schemas.openxmlformats.org/presentationml/2006/main">
   <p:cSld>
+    <p:spTree>
+      <p:nvGrpSpPr>
+        <p:cNvPr id="1" name=""/>
+        <p:cNvGrpSpPr/>
+        <p:nvPr/>
+      </p:nvGrpSpPr>
+      <p:grpSpPr>
+        <a:xfrm>
+          <a:off x="0" y="0"/>
+          <a:ext cx="0" cy="0"/>
+          <a:chOff x="0" y="0"/>
+          <a:chExt cx="0" cy="0"/>
+        </a:xfrm>
+      </p:grpSpPr>
+      <p:sp>
+        <p:nvSpPr>
+          <p:cNvPr id="2" name="Title 1">
+            <a:extLst>
+              <a:ext uri="{FF2B5EF4-FFF2-40B4-BE49-F238E27FC236}">
+                <a16:creationId xmlns:a16="http://schemas.microsoft.com/office/drawing/2014/main" id="{5CE54ABB-4929-4810-950B-2DAEA0A5BAB4}"/>
+              </a:ext>
+            </a:extLst>
+          </p:cNvPr>
+          <p:cNvSpPr>
+            <a:spLocks noGrp="1"/>
+          </p:cNvSpPr>
+          <p:nvPr>
+            <p:ph type="title"/>
+          </p:nvPr>
+        </p:nvSpPr>
+        <p:spPr>
+          <a:xfrm>
+            <a:off x="0" y="927496"/>
+            <a:ext cx="12192000" cy="562637"/>
+          </a:xfrm>
+        </p:spPr>
+        <p:txBody>
+          <a:bodyPr>
+            <a:normAutofit/>
+          </a:bodyPr>
+          <a:lstStyle/>
+          <a:p>
+            <a:pPr algn="l"/>
+            <a:r>
+              <a:rPr lang="en-US" dirty="0"/>
+              <a:t>🔬Study time: First try</a:t>
+            </a:r>
+          </a:p>
+        </p:txBody>
+      </p:sp>
+      <p:sp>
+        <p:nvSpPr>
+          <p:cNvPr id="7" name="Content Placeholder 6">
+            <a:extLst>
+              <a:ext uri="{FF2B5EF4-FFF2-40B4-BE49-F238E27FC236}">
+                <a16:creationId xmlns:a16="http://schemas.microsoft.com/office/drawing/2014/main" id="{6B35F89A-6CDF-41F7-BD87-18B45BD7330B}"/>
+              </a:ext>
+            </a:extLst>
+          </p:cNvPr>
+          <p:cNvSpPr>
+            <a:spLocks noGrp="1"/>
+          </p:cNvSpPr>
+          <p:nvPr>
+            <p:ph sz="half" idx="2"/>
+          </p:nvPr>
+        </p:nvSpPr>
+        <p:spPr>
+          <a:xfrm>
+            <a:off x="62910" y="1679575"/>
+            <a:ext cx="12129090" cy="5178425"/>
+          </a:xfrm>
+        </p:spPr>
+        <p:txBody>
+          <a:bodyPr vert="horz" lIns="91440" tIns="45720" rIns="91440" bIns="45720" rtlCol="0" anchor="t">
+            <a:normAutofit/>
+          </a:bodyPr>
+          <a:lstStyle/>
+          <a:p>
+            <a:pPr marL="285750" indent="-285750">
+              <a:buFont typeface="Arial" panose="020B0604020202020204" pitchFamily="34" charset="0"/>
+              <a:buChar char="•"/>
+            </a:pPr>
+            <a:r>
+              <a:rPr lang="en-US" sz="2400" noProof="1"/>
+              <a:t>🤗Job done: The malicious code is executed but the loading of the script is correctly blocked by the CSP policy! Yeah! The XSS is patched in one round !!!!</a:t>
+            </a:r>
+          </a:p>
+          <a:p>
+            <a:pPr lvl="1"/>
+            <a:endParaRPr lang="en-US" sz="2400" noProof="1"/>
+          </a:p>
+        </p:txBody>
+      </p:sp>
+      <p:pic>
+        <p:nvPicPr>
+          <p:cNvPr id="6" name="Picture 5" descr="A screenshot of a computer&#10;&#10;Description automatically generated">
+            <a:extLst>
+              <a:ext uri="{FF2B5EF4-FFF2-40B4-BE49-F238E27FC236}">
+                <a16:creationId xmlns:a16="http://schemas.microsoft.com/office/drawing/2014/main" id="{3FF2E638-DA8F-7A70-0698-177678862118}"/>
+              </a:ext>
+            </a:extLst>
+          </p:cNvPr>
+          <p:cNvPicPr>
+            <a:picLocks noChangeAspect="1"/>
+          </p:cNvPicPr>
+          <p:nvPr/>
+        </p:nvPicPr>
+        <p:blipFill rotWithShape="1">
+          <a:blip r:embed="rId2"/>
+          <a:srcRect l="758" t="73448" r="1514" b="4437"/>
+          <a:stretch/>
+        </p:blipFill>
+        <p:spPr>
+          <a:xfrm>
+            <a:off x="165460" y="3369733"/>
+            <a:ext cx="11861079" cy="1092200"/>
+          </a:xfrm>
+          <a:prstGeom prst="rect">
+            <a:avLst/>
+          </a:prstGeom>
+          <a:effectLst>
+            <a:outerShdw blurRad="50800" dist="38100" algn="l" rotWithShape="0">
+              <a:prstClr val="black">
+                <a:alpha val="40000"/>
+              </a:prstClr>
+            </a:outerShdw>
+          </a:effectLst>
+        </p:spPr>
+      </p:pic>
+    </p:spTree>
+    <p:extLst>
+      <p:ext uri="{BB962C8B-B14F-4D97-AF65-F5344CB8AC3E}">
+        <p14:creationId xmlns:p14="http://schemas.microsoft.com/office/powerpoint/2010/main" val="697556060"/>
+      </p:ext>
+    </p:extLst>
+  </p:cSld>
+  <p:clrMapOvr>
+    <a:masterClrMapping/>
+  </p:clrMapOvr>
+  <mc:AlternateContent xmlns:mc="http://schemas.openxmlformats.org/markup-compatibility/2006">
+    <mc:Choice xmlns:p159="http://schemas.microsoft.com/office/powerpoint/2015/09/main" Requires="p159">
+      <p:transition xmlns:p14="http://schemas.microsoft.com/office/powerpoint/2010/main" spd="slow" p14:dur="2000">
+        <p159:morph option="byObject"/>
+      </p:transition>
+    </mc:Choice>
+    <mc:Fallback>
+      <p:transition spd="slow">
+        <p:fade/>
+      </p:transition>
+    </mc:Fallback>
+  </mc:AlternateContent>
+</p:sld>
+</file>
+
+<file path=ppt/slides/slide25.xml><?xml version="1.0" encoding="utf-8"?>
+<p:sld xmlns:a="http://schemas.openxmlformats.org/drawingml/2006/main" xmlns:r="http://schemas.openxmlformats.org/officeDocument/2006/relationships" xmlns:p="http://schemas.openxmlformats.org/presentationml/2006/main">
+  <p:cSld>
     <p:bg>
       <p:bgRef idx="1001">
         <a:schemeClr val="bg1"/>
@@ -27135,164 +27308,6 @@
   </p:cSld>
   <p:clrMapOvr>
     <a:overrideClrMapping bg1="lt1" tx1="dk1" bg2="lt2" tx2="dk2" accent1="accent1" accent2="accent2" accent3="accent3" accent4="accent4" accent5="accent5" accent6="accent6" hlink="hlink" folHlink="folHlink"/>
-  </p:clrMapOvr>
-  <mc:AlternateContent xmlns:mc="http://schemas.openxmlformats.org/markup-compatibility/2006" xmlns:p14="http://schemas.microsoft.com/office/powerpoint/2010/main">
-    <mc:Choice Requires="p14">
-      <p:transition spd="med" p14:dur="700">
-        <p:fade/>
-      </p:transition>
-    </mc:Choice>
-    <mc:Fallback xmlns="">
-      <p:transition spd="med">
-        <p:fade/>
-      </p:transition>
-    </mc:Fallback>
-  </mc:AlternateContent>
-</p:sld>
-</file>
-
-<file path=ppt/slides/slide25.xml><?xml version="1.0" encoding="utf-8"?>
-<p:sld xmlns:a="http://schemas.openxmlformats.org/drawingml/2006/main" xmlns:r="http://schemas.openxmlformats.org/officeDocument/2006/relationships" xmlns:p="http://schemas.openxmlformats.org/presentationml/2006/main">
-  <p:cSld>
-    <p:spTree>
-      <p:nvGrpSpPr>
-        <p:cNvPr id="1" name=""/>
-        <p:cNvGrpSpPr/>
-        <p:nvPr/>
-      </p:nvGrpSpPr>
-      <p:grpSpPr>
-        <a:xfrm>
-          <a:off x="0" y="0"/>
-          <a:ext cx="0" cy="0"/>
-          <a:chOff x="0" y="0"/>
-          <a:chExt cx="0" cy="0"/>
-        </a:xfrm>
-      </p:grpSpPr>
-      <p:sp>
-        <p:nvSpPr>
-          <p:cNvPr id="2" name="Title 1">
-            <a:extLst>
-              <a:ext uri="{FF2B5EF4-FFF2-40B4-BE49-F238E27FC236}">
-                <a16:creationId xmlns:a16="http://schemas.microsoft.com/office/drawing/2014/main" id="{5CE54ABB-4929-4810-950B-2DAEA0A5BAB4}"/>
-              </a:ext>
-            </a:extLst>
-          </p:cNvPr>
-          <p:cNvSpPr>
-            <a:spLocks noGrp="1"/>
-          </p:cNvSpPr>
-          <p:nvPr>
-            <p:ph type="title"/>
-          </p:nvPr>
-        </p:nvSpPr>
-        <p:spPr>
-          <a:xfrm>
-            <a:off x="0" y="927496"/>
-            <a:ext cx="12192000" cy="562637"/>
-          </a:xfrm>
-        </p:spPr>
-        <p:txBody>
-          <a:bodyPr>
-            <a:normAutofit/>
-          </a:bodyPr>
-          <a:lstStyle/>
-          <a:p>
-            <a:pPr algn="l"/>
-            <a:r>
-              <a:rPr lang="en-US" dirty="0"/>
-              <a:t>🔬Study time: First try - The disillusion</a:t>
-            </a:r>
-          </a:p>
-        </p:txBody>
-      </p:sp>
-      <p:sp>
-        <p:nvSpPr>
-          <p:cNvPr id="7" name="Content Placeholder 6">
-            <a:extLst>
-              <a:ext uri="{FF2B5EF4-FFF2-40B4-BE49-F238E27FC236}">
-                <a16:creationId xmlns:a16="http://schemas.microsoft.com/office/drawing/2014/main" id="{6B35F89A-6CDF-41F7-BD87-18B45BD7330B}"/>
-              </a:ext>
-            </a:extLst>
-          </p:cNvPr>
-          <p:cNvSpPr>
-            <a:spLocks noGrp="1"/>
-          </p:cNvSpPr>
-          <p:nvPr>
-            <p:ph sz="half" idx="2"/>
-          </p:nvPr>
-        </p:nvSpPr>
-        <p:spPr>
-          <a:xfrm>
-            <a:off x="62910" y="1679575"/>
-            <a:ext cx="12129090" cy="5178425"/>
-          </a:xfrm>
-        </p:spPr>
-        <p:txBody>
-          <a:bodyPr vert="horz" lIns="91440" tIns="45720" rIns="91440" bIns="45720" rtlCol="0" anchor="t">
-            <a:normAutofit/>
-          </a:bodyPr>
-          <a:lstStyle/>
-          <a:p>
-            <a:pPr marL="285750" indent="-285750">
-              <a:buFont typeface="Arial" panose="020B0604020202020204" pitchFamily="34" charset="0"/>
-              <a:buChar char="•"/>
-            </a:pPr>
-            <a:r>
-              <a:rPr lang="en-US" sz="2400" noProof="1"/>
-              <a:t>😨Payload is successfully executed!</a:t>
-            </a:r>
-          </a:p>
-          <a:p>
-            <a:pPr lvl="1"/>
-            <a:endParaRPr lang="en-US" sz="2400" noProof="1"/>
-          </a:p>
-        </p:txBody>
-      </p:sp>
-      <p:pic>
-        <p:nvPicPr>
-          <p:cNvPr id="4" name="Picture 3" descr="A screenshot of a computer&#10;&#10;Description automatically generated">
-            <a:extLst>
-              <a:ext uri="{FF2B5EF4-FFF2-40B4-BE49-F238E27FC236}">
-                <a16:creationId xmlns:a16="http://schemas.microsoft.com/office/drawing/2014/main" id="{C195F34D-2C0E-5BAD-84F5-4F401D8E324C}"/>
-              </a:ext>
-            </a:extLst>
-          </p:cNvPr>
-          <p:cNvPicPr>
-            <a:picLocks noChangeAspect="1"/>
-          </p:cNvPicPr>
-          <p:nvPr/>
-        </p:nvPicPr>
-        <p:blipFill>
-          <a:blip r:embed="rId2"/>
-          <a:stretch>
-            <a:fillRect/>
-          </a:stretch>
-        </p:blipFill>
-        <p:spPr>
-          <a:xfrm>
-            <a:off x="2971800" y="2175933"/>
-            <a:ext cx="6106976" cy="4418073"/>
-          </a:xfrm>
-          <a:prstGeom prst="rect">
-            <a:avLst/>
-          </a:prstGeom>
-          <a:effectLst>
-            <a:outerShdw blurRad="50800" dist="38100" algn="l" rotWithShape="0">
-              <a:prstClr val="black">
-                <a:alpha val="40000"/>
-              </a:prstClr>
-            </a:outerShdw>
-          </a:effectLst>
-        </p:spPr>
-      </p:pic>
-    </p:spTree>
-    <p:extLst>
-      <p:ext uri="{BB962C8B-B14F-4D97-AF65-F5344CB8AC3E}">
-        <p14:creationId xmlns:p14="http://schemas.microsoft.com/office/powerpoint/2010/main" val="3892491518"/>
-      </p:ext>
-    </p:extLst>
-  </p:cSld>
-  <p:clrMapOvr>
-    <a:masterClrMapping/>
   </p:clrMapOvr>
   <mc:AlternateContent xmlns:mc="http://schemas.openxmlformats.org/markup-compatibility/2006" xmlns:p14="http://schemas.microsoft.com/office/powerpoint/2010/main">
     <mc:Choice Requires="p14">
@@ -27419,15 +27434,16 @@
           </p:cNvPicPr>
           <p:nvPr/>
         </p:nvPicPr>
-        <p:blipFill rotWithShape="1">
+        <p:blipFill>
           <a:blip r:embed="rId2"/>
-          <a:srcRect r="24164" b="76045"/>
-          <a:stretch/>
+          <a:stretch>
+            <a:fillRect/>
+          </a:stretch>
         </p:blipFill>
         <p:spPr>
           <a:xfrm>
-            <a:off x="829733" y="2709335"/>
-            <a:ext cx="10299925" cy="2353732"/>
+            <a:off x="2971800" y="2175933"/>
+            <a:ext cx="6106976" cy="4418073"/>
           </a:xfrm>
           <a:prstGeom prst="rect">
             <a:avLst/>
@@ -27444,21 +27460,21 @@
     </p:spTree>
     <p:extLst>
       <p:ext uri="{BB962C8B-B14F-4D97-AF65-F5344CB8AC3E}">
-        <p14:creationId xmlns:p14="http://schemas.microsoft.com/office/powerpoint/2010/main" val="4136861454"/>
+        <p14:creationId xmlns:p14="http://schemas.microsoft.com/office/powerpoint/2010/main" val="3892491518"/>
       </p:ext>
     </p:extLst>
   </p:cSld>
   <p:clrMapOvr>
     <a:masterClrMapping/>
   </p:clrMapOvr>
-  <mc:AlternateContent xmlns:mc="http://schemas.openxmlformats.org/markup-compatibility/2006" xmlns:p159="http://schemas.microsoft.com/office/powerpoint/2015/09/main">
-    <mc:Choice Requires="p159">
-      <p:transition xmlns:p14="http://schemas.microsoft.com/office/powerpoint/2010/main" spd="slow" p14:dur="2000">
-        <p159:morph option="byObject"/>
+  <mc:AlternateContent xmlns:mc="http://schemas.openxmlformats.org/markup-compatibility/2006" xmlns:p14="http://schemas.microsoft.com/office/powerpoint/2010/main">
+    <mc:Choice Requires="p14">
+      <p:transition spd="med" p14:dur="700">
+        <p:fade/>
       </p:transition>
     </mc:Choice>
     <mc:Fallback xmlns="">
-      <p:transition spd="slow">
+      <p:transition spd="med">
         <p:fade/>
       </p:transition>
     </mc:Fallback>
@@ -27578,13 +27594,13 @@
         </p:nvPicPr>
         <p:blipFill rotWithShape="1">
           <a:blip r:embed="rId2"/>
-          <a:srcRect t="44077" b="15017"/>
+          <a:srcRect r="24164" b="76045"/>
           <a:stretch/>
         </p:blipFill>
         <p:spPr>
           <a:xfrm>
-            <a:off x="313265" y="2560771"/>
-            <a:ext cx="11386929" cy="3369733"/>
+            <a:off x="829733" y="2709335"/>
+            <a:ext cx="10299925" cy="2353732"/>
           </a:xfrm>
           <a:prstGeom prst="rect">
             <a:avLst/>
@@ -27601,7 +27617,7 @@
     </p:spTree>
     <p:extLst>
       <p:ext uri="{BB962C8B-B14F-4D97-AF65-F5344CB8AC3E}">
-        <p14:creationId xmlns:p14="http://schemas.microsoft.com/office/powerpoint/2010/main" val="3362211452"/>
+        <p14:creationId xmlns:p14="http://schemas.microsoft.com/office/powerpoint/2010/main" val="4136861454"/>
       </p:ext>
     </p:extLst>
   </p:cSld>
@@ -27626,11 +27642,6 @@
 <file path=ppt/slides/slide28.xml><?xml version="1.0" encoding="utf-8"?>
 <p:sld xmlns:a="http://schemas.openxmlformats.org/drawingml/2006/main" xmlns:r="http://schemas.openxmlformats.org/officeDocument/2006/relationships" xmlns:p="http://schemas.openxmlformats.org/presentationml/2006/main">
   <p:cSld>
-    <p:bg>
-      <p:bgRef idx="1001">
-        <a:schemeClr val="bg1"/>
-      </p:bgRef>
-    </p:bg>
     <p:spTree>
       <p:nvGrpSpPr>
         <p:cNvPr id="1" name=""/>
@@ -27676,7 +27687,7 @@
             <a:pPr algn="l"/>
             <a:r>
               <a:rPr lang="en-US" dirty="0"/>
-              <a:t>🔬Study time: First try - The deeper disillusion</a:t>
+              <a:t>🔬Study time: First try - The disillusion</a:t>
             </a:r>
           </a:p>
         </p:txBody>
@@ -27715,53 +27726,21 @@
             </a:pPr>
             <a:r>
               <a:rPr lang="en-US" sz="2400" noProof="1"/>
-              <a:t>😕You say: “The attacker can execute action on behalf of the current user but, at least, </a:t>
-            </a:r>
-            <a:r>
-              <a:rPr lang="en-US" sz="2400" b="1" noProof="1"/>
-              <a:t>he cannot send data to a domain under its control!</a:t>
-            </a:r>
-            <a:r>
-              <a:rPr lang="en-US" sz="2400" noProof="1"/>
-              <a:t>”</a:t>
-            </a:r>
-          </a:p>
-          <a:p>
-            <a:pPr marL="285750" indent="-285750">
-              <a:buFont typeface="Arial" panose="020B0604020202020204" pitchFamily="34" charset="0"/>
-              <a:buChar char="•"/>
-            </a:pPr>
-            <a:endParaRPr lang="en-US" sz="2400" noProof="1"/>
-          </a:p>
-          <a:p>
-            <a:pPr marL="285750" indent="-285750">
-              <a:buFont typeface="Arial" panose="020B0604020202020204" pitchFamily="34" charset="0"/>
-              <a:buChar char="•"/>
-            </a:pPr>
-            <a:r>
-              <a:rPr lang="en-US" sz="2400" noProof="1"/>
-              <a:t>🤔Same colleague say “</a:t>
-            </a:r>
-            <a:r>
-              <a:rPr lang="en-US" sz="2400" b="1" noProof="1"/>
-              <a:t>Are we sure about such statement?</a:t>
-            </a:r>
-            <a:r>
-              <a:rPr lang="en-US" sz="2400" noProof="1"/>
-              <a:t>” and proposes to test the following payload:</a:t>
-            </a:r>
-          </a:p>
-          <a:p>
+              <a:t>😨Payload is successfully executed!</a:t>
+            </a:r>
+          </a:p>
+          <a:p>
+            <a:pPr lvl="1"/>
             <a:endParaRPr lang="en-US" sz="2400" noProof="1"/>
           </a:p>
         </p:txBody>
       </p:sp>
       <p:pic>
         <p:nvPicPr>
-          <p:cNvPr id="5" name="Picture 4">
-            <a:extLst>
-              <a:ext uri="{FF2B5EF4-FFF2-40B4-BE49-F238E27FC236}">
-                <a16:creationId xmlns:a16="http://schemas.microsoft.com/office/drawing/2014/main" id="{F95A9F27-3555-E369-4A8C-181FCB7A08C1}"/>
+          <p:cNvPr id="4" name="Picture 3" descr="A screenshot of a computer&#10;&#10;Description automatically generated">
+            <a:extLst>
+              <a:ext uri="{FF2B5EF4-FFF2-40B4-BE49-F238E27FC236}">
+                <a16:creationId xmlns:a16="http://schemas.microsoft.com/office/drawing/2014/main" id="{C195F34D-2C0E-5BAD-84F5-4F401D8E324C}"/>
               </a:ext>
             </a:extLst>
           </p:cNvPr>
@@ -27770,40 +27749,46 @@
           </p:cNvPicPr>
           <p:nvPr/>
         </p:nvPicPr>
-        <p:blipFill>
-          <a:blip r:embed="rId3"/>
-          <a:stretch>
-            <a:fillRect/>
-          </a:stretch>
+        <p:blipFill rotWithShape="1">
+          <a:blip r:embed="rId2"/>
+          <a:srcRect t="44077" b="15017"/>
+          <a:stretch/>
         </p:blipFill>
         <p:spPr>
           <a:xfrm>
-            <a:off x="205310" y="4130076"/>
-            <a:ext cx="11781379" cy="1539203"/>
+            <a:off x="313265" y="2560771"/>
+            <a:ext cx="11386929" cy="3369733"/>
           </a:xfrm>
           <a:prstGeom prst="rect">
             <a:avLst/>
           </a:prstGeom>
+          <a:effectLst>
+            <a:outerShdw blurRad="50800" dist="38100" algn="l" rotWithShape="0">
+              <a:prstClr val="black">
+                <a:alpha val="40000"/>
+              </a:prstClr>
+            </a:outerShdw>
+          </a:effectLst>
         </p:spPr>
       </p:pic>
     </p:spTree>
     <p:extLst>
       <p:ext uri="{BB962C8B-B14F-4D97-AF65-F5344CB8AC3E}">
-        <p14:creationId xmlns:p14="http://schemas.microsoft.com/office/powerpoint/2010/main" val="3499916818"/>
+        <p14:creationId xmlns:p14="http://schemas.microsoft.com/office/powerpoint/2010/main" val="3362211452"/>
       </p:ext>
     </p:extLst>
   </p:cSld>
   <p:clrMapOvr>
-    <a:overrideClrMapping bg1="lt1" tx1="dk1" bg2="lt2" tx2="dk2" accent1="accent1" accent2="accent2" accent3="accent3" accent4="accent4" accent5="accent5" accent6="accent6" hlink="hlink" folHlink="folHlink"/>
+    <a:masterClrMapping/>
   </p:clrMapOvr>
-  <mc:AlternateContent xmlns:mc="http://schemas.openxmlformats.org/markup-compatibility/2006" xmlns:p14="http://schemas.microsoft.com/office/powerpoint/2010/main">
-    <mc:Choice Requires="p14">
-      <p:transition spd="med" p14:dur="700">
-        <p:fade/>
+  <mc:AlternateContent xmlns:mc="http://schemas.openxmlformats.org/markup-compatibility/2006" xmlns:p159="http://schemas.microsoft.com/office/powerpoint/2015/09/main">
+    <mc:Choice Requires="p159">
+      <p:transition xmlns:p14="http://schemas.microsoft.com/office/powerpoint/2010/main" spd="slow" p14:dur="2000">
+        <p159:morph option="byObject"/>
       </p:transition>
     </mc:Choice>
     <mc:Fallback xmlns="">
-      <p:transition spd="med">
+      <p:transition spd="slow">
         <p:fade/>
       </p:transition>
     </mc:Fallback>
@@ -27903,7 +27888,15 @@
             </a:pPr>
             <a:r>
               <a:rPr lang="en-US" sz="2400" noProof="1"/>
-              <a:t>👓Better overview of the JavaScript code injected:</a:t>
+              <a:t>😕You say: “The attacker can execute action on behalf of the current user but, at least, </a:t>
+            </a:r>
+            <a:r>
+              <a:rPr lang="en-US" sz="2400" b="1" noProof="1"/>
+              <a:t>he cannot send data to a domain under its control!</a:t>
+            </a:r>
+            <a:r>
+              <a:rPr lang="en-US" sz="2400" noProof="1"/>
+              <a:t>”</a:t>
             </a:r>
           </a:p>
           <a:p>
@@ -27914,16 +27907,34 @@
             <a:endParaRPr lang="en-US" sz="2400" noProof="1"/>
           </a:p>
           <a:p>
+            <a:pPr marL="285750" indent="-285750">
+              <a:buFont typeface="Arial" panose="020B0604020202020204" pitchFamily="34" charset="0"/>
+              <a:buChar char="•"/>
+            </a:pPr>
+            <a:r>
+              <a:rPr lang="en-US" sz="2400" noProof="1"/>
+              <a:t>🤔Same colleague say “</a:t>
+            </a:r>
+            <a:r>
+              <a:rPr lang="en-US" sz="2400" b="1" noProof="1"/>
+              <a:t>Are we sure about such statement?</a:t>
+            </a:r>
+            <a:r>
+              <a:rPr lang="en-US" sz="2400" noProof="1"/>
+              <a:t>” and proposes to test the following payload:</a:t>
+            </a:r>
+          </a:p>
+          <a:p>
             <a:endParaRPr lang="en-US" sz="2400" noProof="1"/>
           </a:p>
         </p:txBody>
       </p:sp>
       <p:pic>
         <p:nvPicPr>
-          <p:cNvPr id="8" name="Picture 7">
-            <a:extLst>
-              <a:ext uri="{FF2B5EF4-FFF2-40B4-BE49-F238E27FC236}">
-                <a16:creationId xmlns:a16="http://schemas.microsoft.com/office/drawing/2014/main" id="{F3C1964C-52B7-3DA7-15D4-61DCDA5BD154}"/>
+          <p:cNvPr id="5" name="Picture 4">
+            <a:extLst>
+              <a:ext uri="{FF2B5EF4-FFF2-40B4-BE49-F238E27FC236}">
+                <a16:creationId xmlns:a16="http://schemas.microsoft.com/office/drawing/2014/main" id="{F95A9F27-3555-E369-4A8C-181FCB7A08C1}"/>
               </a:ext>
             </a:extLst>
           </p:cNvPr>
@@ -27940,25 +27951,18 @@
         </p:blipFill>
         <p:spPr>
           <a:xfrm>
-            <a:off x="2394114" y="2178842"/>
-            <a:ext cx="7403772" cy="4518050"/>
+            <a:off x="205310" y="4130076"/>
+            <a:ext cx="11781379" cy="1539203"/>
           </a:xfrm>
           <a:prstGeom prst="rect">
             <a:avLst/>
           </a:prstGeom>
-          <a:effectLst>
-            <a:outerShdw blurRad="50800" dist="38100" algn="l" rotWithShape="0">
-              <a:prstClr val="black">
-                <a:alpha val="40000"/>
-              </a:prstClr>
-            </a:outerShdw>
-          </a:effectLst>
         </p:spPr>
       </p:pic>
     </p:spTree>
     <p:extLst>
       <p:ext uri="{BB962C8B-B14F-4D97-AF65-F5344CB8AC3E}">
-        <p14:creationId xmlns:p14="http://schemas.microsoft.com/office/powerpoint/2010/main" val="1356102213"/>
+        <p14:creationId xmlns:p14="http://schemas.microsoft.com/office/powerpoint/2010/main" val="3499916818"/>
       </p:ext>
     </p:extLst>
   </p:cSld>
@@ -28139,6 +28143,11 @@
 <file path=ppt/slides/slide30.xml><?xml version="1.0" encoding="utf-8"?>
 <p:sld xmlns:a="http://schemas.openxmlformats.org/drawingml/2006/main" xmlns:r="http://schemas.openxmlformats.org/officeDocument/2006/relationships" xmlns:p="http://schemas.openxmlformats.org/presentationml/2006/main">
   <p:cSld>
+    <p:bg>
+      <p:bgRef idx="1001">
+        <a:schemeClr val="bg1"/>
+      </p:bgRef>
+    </p:bg>
     <p:spTree>
       <p:nvGrpSpPr>
         <p:cNvPr id="1" name=""/>
@@ -28223,21 +28232,27 @@
             </a:pPr>
             <a:r>
               <a:rPr lang="en-US" sz="2400" noProof="1"/>
-              <a:t>😨Payload is successfully executed!</a:t>
-            </a:r>
-          </a:p>
-          <a:p>
-            <a:pPr lvl="1"/>
+              <a:t>👓Better overview of the JavaScript code injected:</a:t>
+            </a:r>
+          </a:p>
+          <a:p>
+            <a:pPr marL="285750" indent="-285750">
+              <a:buFont typeface="Arial" panose="020B0604020202020204" pitchFamily="34" charset="0"/>
+              <a:buChar char="•"/>
+            </a:pPr>
+            <a:endParaRPr lang="en-US" sz="2400" noProof="1"/>
+          </a:p>
+          <a:p>
             <a:endParaRPr lang="en-US" sz="2400" noProof="1"/>
           </a:p>
         </p:txBody>
       </p:sp>
       <p:pic>
         <p:nvPicPr>
-          <p:cNvPr id="5" name="Picture 4" descr="A screenshot of a computer&#10;&#10;Description automatically generated">
-            <a:extLst>
-              <a:ext uri="{FF2B5EF4-FFF2-40B4-BE49-F238E27FC236}">
-                <a16:creationId xmlns:a16="http://schemas.microsoft.com/office/drawing/2014/main" id="{D22B9EA2-ED7E-ED42-C345-913B9CAEF4D1}"/>
+          <p:cNvPr id="8" name="Picture 7">
+            <a:extLst>
+              <a:ext uri="{FF2B5EF4-FFF2-40B4-BE49-F238E27FC236}">
+                <a16:creationId xmlns:a16="http://schemas.microsoft.com/office/drawing/2014/main" id="{F3C1964C-52B7-3DA7-15D4-61DCDA5BD154}"/>
               </a:ext>
             </a:extLst>
           </p:cNvPr>
@@ -28246,15 +28261,16 @@
           </p:cNvPicPr>
           <p:nvPr/>
         </p:nvPicPr>
-        <p:blipFill rotWithShape="1">
-          <a:blip r:embed="rId2"/>
-          <a:srcRect t="42209" b="23984"/>
-          <a:stretch/>
+        <p:blipFill>
+          <a:blip r:embed="rId3"/>
+          <a:stretch>
+            <a:fillRect/>
+          </a:stretch>
         </p:blipFill>
         <p:spPr>
           <a:xfrm>
-            <a:off x="461213" y="2770187"/>
-            <a:ext cx="11269574" cy="2894014"/>
+            <a:off x="2394114" y="2178842"/>
+            <a:ext cx="7403772" cy="4518050"/>
           </a:xfrm>
           <a:prstGeom prst="rect">
             <a:avLst/>
@@ -28268,121 +28284,15 @@
           </a:effectLst>
         </p:spPr>
       </p:pic>
-      <p:sp>
-        <p:nvSpPr>
-          <p:cNvPr id="9" name="Rectangle 8">
-            <a:extLst>
-              <a:ext uri="{FF2B5EF4-FFF2-40B4-BE49-F238E27FC236}">
-                <a16:creationId xmlns:a16="http://schemas.microsoft.com/office/drawing/2014/main" id="{A7BB6824-A6A3-1C04-2D5E-765E50AAAE32}"/>
-              </a:ext>
-            </a:extLst>
-          </p:cNvPr>
-          <p:cNvSpPr/>
-          <p:nvPr/>
-        </p:nvSpPr>
-        <p:spPr>
-          <a:xfrm>
-            <a:off x="499533" y="3793067"/>
-            <a:ext cx="592667" cy="381000"/>
-          </a:xfrm>
-          <a:prstGeom prst="rect">
-            <a:avLst/>
-          </a:prstGeom>
-          <a:noFill/>
-          <a:ln w="25400">
-            <a:solidFill>
-              <a:srgbClr val="FFC000"/>
-            </a:solidFill>
-            <a:prstDash val="solid"/>
-          </a:ln>
-        </p:spPr>
-        <p:style>
-          <a:lnRef idx="2">
-            <a:schemeClr val="accent1">
-              <a:shade val="15000"/>
-            </a:schemeClr>
-          </a:lnRef>
-          <a:fillRef idx="1">
-            <a:schemeClr val="accent1"/>
-          </a:fillRef>
-          <a:effectRef idx="0">
-            <a:schemeClr val="accent1"/>
-          </a:effectRef>
-          <a:fontRef idx="minor">
-            <a:schemeClr val="lt1"/>
-          </a:fontRef>
-        </p:style>
-        <p:txBody>
-          <a:bodyPr rtlCol="0" anchor="ctr"/>
-          <a:lstStyle/>
-          <a:p>
-            <a:pPr algn="ctr"/>
-            <a:endParaRPr lang="en-US"/>
-          </a:p>
-        </p:txBody>
-      </p:sp>
-      <p:sp>
-        <p:nvSpPr>
-          <p:cNvPr id="10" name="Rectangle 9">
-            <a:extLst>
-              <a:ext uri="{FF2B5EF4-FFF2-40B4-BE49-F238E27FC236}">
-                <a16:creationId xmlns:a16="http://schemas.microsoft.com/office/drawing/2014/main" id="{101EB194-00D5-D0AB-80C8-425CE202D48B}"/>
-              </a:ext>
-            </a:extLst>
-          </p:cNvPr>
-          <p:cNvSpPr/>
-          <p:nvPr/>
-        </p:nvSpPr>
-        <p:spPr>
-          <a:xfrm>
-            <a:off x="521690" y="4650092"/>
-            <a:ext cx="1258472" cy="291559"/>
-          </a:xfrm>
-          <a:prstGeom prst="rect">
-            <a:avLst/>
-          </a:prstGeom>
-          <a:noFill/>
-          <a:ln w="25400">
-            <a:solidFill>
-              <a:srgbClr val="FFC000"/>
-            </a:solidFill>
-            <a:prstDash val="solid"/>
-          </a:ln>
-        </p:spPr>
-        <p:style>
-          <a:lnRef idx="2">
-            <a:schemeClr val="accent1">
-              <a:shade val="15000"/>
-            </a:schemeClr>
-          </a:lnRef>
-          <a:fillRef idx="1">
-            <a:schemeClr val="accent1"/>
-          </a:fillRef>
-          <a:effectRef idx="0">
-            <a:schemeClr val="accent1"/>
-          </a:effectRef>
-          <a:fontRef idx="minor">
-            <a:schemeClr val="lt1"/>
-          </a:fontRef>
-        </p:style>
-        <p:txBody>
-          <a:bodyPr rtlCol="0" anchor="ctr"/>
-          <a:lstStyle/>
-          <a:p>
-            <a:pPr algn="ctr"/>
-            <a:endParaRPr lang="en-US"/>
-          </a:p>
-        </p:txBody>
-      </p:sp>
     </p:spTree>
     <p:extLst>
       <p:ext uri="{BB962C8B-B14F-4D97-AF65-F5344CB8AC3E}">
-        <p14:creationId xmlns:p14="http://schemas.microsoft.com/office/powerpoint/2010/main" val="4180719436"/>
+        <p14:creationId xmlns:p14="http://schemas.microsoft.com/office/powerpoint/2010/main" val="1356102213"/>
       </p:ext>
     </p:extLst>
   </p:cSld>
   <p:clrMapOvr>
-    <a:masterClrMapping/>
+    <a:overrideClrMapping bg1="lt1" tx1="dk1" bg2="lt2" tx2="dk2" accent1="accent1" accent2="accent2" accent3="accent3" accent4="accent4" accent5="accent5" accent6="accent6" hlink="hlink" folHlink="folHlink"/>
   </p:clrMapOvr>
   <mc:AlternateContent xmlns:mc="http://schemas.openxmlformats.org/markup-compatibility/2006" xmlns:p14="http://schemas.microsoft.com/office/powerpoint/2010/main">
     <mc:Choice Requires="p14">
@@ -28490,94 +28400,6 @@
             </a:r>
           </a:p>
           <a:p>
-            <a:pPr marL="285750" indent="-285750">
-              <a:buFont typeface="Arial" panose="020B0604020202020204" pitchFamily="34" charset="0"/>
-              <a:buChar char="•"/>
-            </a:pPr>
-            <a:endParaRPr lang="en-US" sz="2400" noProof="1"/>
-          </a:p>
-          <a:p>
-            <a:pPr marL="285750" indent="-285750">
-              <a:buFont typeface="Arial" panose="020B0604020202020204" pitchFamily="34" charset="0"/>
-              <a:buChar char="•"/>
-            </a:pPr>
-            <a:endParaRPr lang="en-US" sz="2400" noProof="1"/>
-          </a:p>
-          <a:p>
-            <a:pPr marL="285750" indent="-285750">
-              <a:buFont typeface="Arial" panose="020B0604020202020204" pitchFamily="34" charset="0"/>
-              <a:buChar char="•"/>
-            </a:pPr>
-            <a:endParaRPr lang="en-US" sz="2400" noProof="1"/>
-          </a:p>
-          <a:p>
-            <a:pPr marL="285750" indent="-285750">
-              <a:buFont typeface="Arial" panose="020B0604020202020204" pitchFamily="34" charset="0"/>
-              <a:buChar char="•"/>
-            </a:pPr>
-            <a:endParaRPr lang="en-US" sz="2400" noProof="1"/>
-          </a:p>
-          <a:p>
-            <a:pPr marL="285750" indent="-285750">
-              <a:buFont typeface="Arial" panose="020B0604020202020204" pitchFamily="34" charset="0"/>
-              <a:buChar char="•"/>
-            </a:pPr>
-            <a:endParaRPr lang="en-US" sz="2400" noProof="1"/>
-          </a:p>
-          <a:p>
-            <a:pPr marL="285750" indent="-285750">
-              <a:buFont typeface="Arial" panose="020B0604020202020204" pitchFamily="34" charset="0"/>
-              <a:buChar char="•"/>
-            </a:pPr>
-            <a:endParaRPr lang="en-US" sz="2400" noProof="1"/>
-          </a:p>
-          <a:p>
-            <a:r>
-              <a:rPr lang="en-US" sz="2000" noProof="1">
-                <a:latin typeface="Consolas" panose="020B0609020204030204" pitchFamily="49" charset="0"/>
-              </a:rPr>
-              <a:t>$ </a:t>
-            </a:r>
-            <a:r>
-              <a:rPr lang="en-US" sz="2000" noProof="1">
-                <a:solidFill>
-                  <a:srgbClr val="0070C0"/>
-                </a:solidFill>
-                <a:latin typeface="Consolas" panose="020B0609020204030204" pitchFamily="49" charset="0"/>
-              </a:rPr>
-              <a:t>echo</a:t>
-            </a:r>
-            <a:r>
-              <a:rPr lang="en-US" sz="2000" noProof="1">
-                <a:latin typeface="Consolas" panose="020B0609020204030204" pitchFamily="49" charset="0"/>
-              </a:rPr>
-              <a:t> UEhQU0VTU0lEPWJncDFrdjNoMTMyNWo5NmFxamZlMjEza2dr | </a:t>
-            </a:r>
-            <a:r>
-              <a:rPr lang="en-US" sz="2000" noProof="1">
-                <a:solidFill>
-                  <a:srgbClr val="0070C0"/>
-                </a:solidFill>
-                <a:latin typeface="Consolas" panose="020B0609020204030204" pitchFamily="49" charset="0"/>
-              </a:rPr>
-              <a:t>base64</a:t>
-            </a:r>
-            <a:r>
-              <a:rPr lang="en-US" sz="2000" noProof="1">
-                <a:latin typeface="Consolas" panose="020B0609020204030204" pitchFamily="49" charset="0"/>
-              </a:rPr>
-              <a:t> -d</a:t>
-            </a:r>
-          </a:p>
-          <a:p>
-            <a:r>
-              <a:rPr lang="en-US" sz="2000" noProof="1">
-                <a:latin typeface="Consolas" panose="020B0609020204030204" pitchFamily="49" charset="0"/>
-              </a:rPr>
-              <a:t>PHPSESSID=bgp1kv3h1325j96aqjfe213kgk</a:t>
-            </a:r>
-          </a:p>
-          <a:p>
             <a:pPr lvl="1"/>
             <a:endParaRPr lang="en-US" sz="2400" noProof="1"/>
           </a:p>
@@ -28585,10 +28407,10 @@
       </p:sp>
       <p:pic>
         <p:nvPicPr>
-          <p:cNvPr id="8" name="Picture 7" descr="A screenshot of a computer&#10;&#10;Description automatically generated">
-            <a:extLst>
-              <a:ext uri="{FF2B5EF4-FFF2-40B4-BE49-F238E27FC236}">
-                <a16:creationId xmlns:a16="http://schemas.microsoft.com/office/drawing/2014/main" id="{D5EB620B-986A-5B7F-06DB-2EEE1D5B3131}"/>
+          <p:cNvPr id="5" name="Picture 4" descr="A screenshot of a computer&#10;&#10;Description automatically generated">
+            <a:extLst>
+              <a:ext uri="{FF2B5EF4-FFF2-40B4-BE49-F238E27FC236}">
+                <a16:creationId xmlns:a16="http://schemas.microsoft.com/office/drawing/2014/main" id="{D22B9EA2-ED7E-ED42-C345-913B9CAEF4D1}"/>
               </a:ext>
             </a:extLst>
           </p:cNvPr>
@@ -28597,16 +28419,15 @@
           </p:cNvPicPr>
           <p:nvPr/>
         </p:nvPicPr>
-        <p:blipFill>
+        <p:blipFill rotWithShape="1">
           <a:blip r:embed="rId2"/>
-          <a:stretch>
-            <a:fillRect/>
-          </a:stretch>
+          <a:srcRect t="42209" b="23984"/>
+          <a:stretch/>
         </p:blipFill>
         <p:spPr>
           <a:xfrm>
-            <a:off x="1365309" y="2190220"/>
-            <a:ext cx="8982741" cy="2477559"/>
+            <a:off x="461213" y="2770187"/>
+            <a:ext cx="11269574" cy="2894014"/>
           </a:xfrm>
           <a:prstGeom prst="rect">
             <a:avLst/>
@@ -28622,10 +28443,10 @@
       </p:pic>
       <p:sp>
         <p:nvSpPr>
-          <p:cNvPr id="3" name="Rectangle 2">
-            <a:extLst>
-              <a:ext uri="{FF2B5EF4-FFF2-40B4-BE49-F238E27FC236}">
-                <a16:creationId xmlns:a16="http://schemas.microsoft.com/office/drawing/2014/main" id="{31D4E363-518C-65EB-6B36-E9D56BA895EF}"/>
+          <p:cNvPr id="9" name="Rectangle 8">
+            <a:extLst>
+              <a:ext uri="{FF2B5EF4-FFF2-40B4-BE49-F238E27FC236}">
+                <a16:creationId xmlns:a16="http://schemas.microsoft.com/office/drawing/2014/main" id="{A7BB6824-A6A3-1C04-2D5E-765E50AAAE32}"/>
               </a:ext>
             </a:extLst>
           </p:cNvPr>
@@ -28634,8 +28455,8 @@
         </p:nvSpPr>
         <p:spPr>
           <a:xfrm>
-            <a:off x="5156199" y="3547534"/>
-            <a:ext cx="4758268" cy="381000"/>
+            <a:off x="499533" y="3793067"/>
+            <a:ext cx="592667" cy="381000"/>
           </a:xfrm>
           <a:prstGeom prst="rect">
             <a:avLst/>
@@ -28673,10 +28494,63 @@
           </a:p>
         </p:txBody>
       </p:sp>
+      <p:sp>
+        <p:nvSpPr>
+          <p:cNvPr id="10" name="Rectangle 9">
+            <a:extLst>
+              <a:ext uri="{FF2B5EF4-FFF2-40B4-BE49-F238E27FC236}">
+                <a16:creationId xmlns:a16="http://schemas.microsoft.com/office/drawing/2014/main" id="{101EB194-00D5-D0AB-80C8-425CE202D48B}"/>
+              </a:ext>
+            </a:extLst>
+          </p:cNvPr>
+          <p:cNvSpPr/>
+          <p:nvPr/>
+        </p:nvSpPr>
+        <p:spPr>
+          <a:xfrm>
+            <a:off x="521690" y="4650092"/>
+            <a:ext cx="1258472" cy="291559"/>
+          </a:xfrm>
+          <a:prstGeom prst="rect">
+            <a:avLst/>
+          </a:prstGeom>
+          <a:noFill/>
+          <a:ln w="25400">
+            <a:solidFill>
+              <a:srgbClr val="FFC000"/>
+            </a:solidFill>
+            <a:prstDash val="solid"/>
+          </a:ln>
+        </p:spPr>
+        <p:style>
+          <a:lnRef idx="2">
+            <a:schemeClr val="accent1">
+              <a:shade val="15000"/>
+            </a:schemeClr>
+          </a:lnRef>
+          <a:fillRef idx="1">
+            <a:schemeClr val="accent1"/>
+          </a:fillRef>
+          <a:effectRef idx="0">
+            <a:schemeClr val="accent1"/>
+          </a:effectRef>
+          <a:fontRef idx="minor">
+            <a:schemeClr val="lt1"/>
+          </a:fontRef>
+        </p:style>
+        <p:txBody>
+          <a:bodyPr rtlCol="0" anchor="ctr"/>
+          <a:lstStyle/>
+          <a:p>
+            <a:pPr algn="ctr"/>
+            <a:endParaRPr lang="en-US"/>
+          </a:p>
+        </p:txBody>
+      </p:sp>
     </p:spTree>
     <p:extLst>
       <p:ext uri="{BB962C8B-B14F-4D97-AF65-F5344CB8AC3E}">
-        <p14:creationId xmlns:p14="http://schemas.microsoft.com/office/powerpoint/2010/main" val="2356577693"/>
+        <p14:creationId xmlns:p14="http://schemas.microsoft.com/office/powerpoint/2010/main" val="4180719436"/>
       </p:ext>
     </p:extLst>
   </p:cSld>
@@ -28785,66 +28659,7 @@
             </a:pPr>
             <a:r>
               <a:rPr lang="en-US" sz="2400" noProof="1"/>
-              <a:t>👨‍🎓Time has come for you to learn another point about the different directives of a CSP: </a:t>
-            </a:r>
-            <a:r>
-              <a:rPr lang="en-US" sz="2400" b="1" noProof="1">
-                <a:solidFill>
-                  <a:srgbClr val="FF0000"/>
-                </a:solidFill>
-              </a:rPr>
-              <a:t>Not all directives fallback to the default-src directive!</a:t>
-            </a:r>
-          </a:p>
-          <a:p>
-            <a:pPr marL="285750" indent="-285750">
-              <a:buFont typeface="Arial" panose="020B0604020202020204" pitchFamily="34" charset="0"/>
-              <a:buChar char="•"/>
-            </a:pPr>
-            <a:endParaRPr lang="en-US" sz="2400" b="1" noProof="1"/>
-          </a:p>
-          <a:p>
-            <a:pPr marL="285750" indent="-285750">
-              <a:buFont typeface="Arial" panose="020B0604020202020204" pitchFamily="34" charset="0"/>
-              <a:buChar char="•"/>
-            </a:pPr>
-            <a:r>
-              <a:rPr lang="en-US" sz="2400" noProof="1"/>
-              <a:t>📖The </a:t>
-            </a:r>
-            <a:r>
-              <a:rPr lang="en-US" sz="2400" b="1" noProof="1">
-                <a:solidFill>
-                  <a:schemeClr val="accent6"/>
-                </a:solidFill>
-              </a:rPr>
-              <a:t>form-action</a:t>
-            </a:r>
-            <a:r>
-              <a:rPr lang="en-US" sz="2400" noProof="1"/>
-              <a:t> directive, that specifies locations that can be used for &lt;form&gt; submissions, </a:t>
-            </a:r>
-            <a:r>
-              <a:rPr lang="en-US" sz="2400" noProof="1">
-                <a:hlinkClick r:id="rId2"/>
-              </a:rPr>
-              <a:t>does not fallback </a:t>
-            </a:r>
-            <a:r>
-              <a:rPr lang="en-US" sz="2400" noProof="1"/>
-              <a:t>to the </a:t>
-            </a:r>
-            <a:r>
-              <a:rPr lang="en-US" sz="2400" b="1" noProof="1">
-                <a:solidFill>
-                  <a:schemeClr val="accent6"/>
-                </a:solidFill>
-              </a:rPr>
-              <a:t>default-src</a:t>
-            </a:r>
-            <a:r>
-              <a:rPr lang="en-US" sz="2400" noProof="1"/>
-              <a:t> directive when it is not defined in a policy!</a:t>
+              <a:t>😨Payload is successfully executed!</a:t>
             </a:r>
           </a:p>
           <a:p>
@@ -28883,6 +28698,59 @@
             <a:endParaRPr lang="en-US" sz="2400" noProof="1"/>
           </a:p>
           <a:p>
+            <a:pPr marL="285750" indent="-285750">
+              <a:buFont typeface="Arial" panose="020B0604020202020204" pitchFamily="34" charset="0"/>
+              <a:buChar char="•"/>
+            </a:pPr>
+            <a:endParaRPr lang="en-US" sz="2400" noProof="1"/>
+          </a:p>
+          <a:p>
+            <a:r>
+              <a:rPr lang="en-US" sz="2000" noProof="1">
+                <a:latin typeface="Consolas" panose="020B0609020204030204" pitchFamily="49" charset="0"/>
+              </a:rPr>
+              <a:t>$ </a:t>
+            </a:r>
+            <a:r>
+              <a:rPr lang="en-US" sz="2000" noProof="1">
+                <a:solidFill>
+                  <a:srgbClr val="0070C0"/>
+                </a:solidFill>
+                <a:latin typeface="Consolas" panose="020B0609020204030204" pitchFamily="49" charset="0"/>
+              </a:rPr>
+              <a:t>echo</a:t>
+            </a:r>
+            <a:r>
+              <a:rPr lang="en-US" sz="2000" noProof="1">
+                <a:latin typeface="Consolas" panose="020B0609020204030204" pitchFamily="49" charset="0"/>
+              </a:rPr>
+              <a:t> UEhQU0VTU0lEPWJncDFrdjNoMTMyNWo5NmFxamZlMjEza2dr | </a:t>
+            </a:r>
+            <a:r>
+              <a:rPr lang="en-US" sz="2000" noProof="1">
+                <a:solidFill>
+                  <a:srgbClr val="0070C0"/>
+                </a:solidFill>
+                <a:latin typeface="Consolas" panose="020B0609020204030204" pitchFamily="49" charset="0"/>
+              </a:rPr>
+              <a:t>base64</a:t>
+            </a:r>
+            <a:r>
+              <a:rPr lang="en-US" sz="2000" noProof="1">
+                <a:latin typeface="Consolas" panose="020B0609020204030204" pitchFamily="49" charset="0"/>
+              </a:rPr>
+              <a:t> -d</a:t>
+            </a:r>
+          </a:p>
+          <a:p>
+            <a:r>
+              <a:rPr lang="en-US" sz="2000" noProof="1">
+                <a:latin typeface="Consolas" panose="020B0609020204030204" pitchFamily="49" charset="0"/>
+              </a:rPr>
+              <a:t>PHPSESSID=bgp1kv3h1325j96aqjfe213kgk</a:t>
+            </a:r>
+          </a:p>
+          <a:p>
             <a:pPr lvl="1"/>
             <a:endParaRPr lang="en-US" sz="2400" noProof="1"/>
           </a:p>
@@ -28890,10 +28758,10 @@
       </p:sp>
       <p:pic>
         <p:nvPicPr>
-          <p:cNvPr id="6" name="Picture 5">
-            <a:extLst>
-              <a:ext uri="{FF2B5EF4-FFF2-40B4-BE49-F238E27FC236}">
-                <a16:creationId xmlns:a16="http://schemas.microsoft.com/office/drawing/2014/main" id="{E87DCB1E-9D8B-3ED0-56EC-6503913CCFB6}"/>
+          <p:cNvPr id="8" name="Picture 7" descr="A screenshot of a computer&#10;&#10;Description automatically generated">
+            <a:extLst>
+              <a:ext uri="{FF2B5EF4-FFF2-40B4-BE49-F238E27FC236}">
+                <a16:creationId xmlns:a16="http://schemas.microsoft.com/office/drawing/2014/main" id="{D5EB620B-986A-5B7F-06DB-2EEE1D5B3131}"/>
               </a:ext>
             </a:extLst>
           </p:cNvPr>
@@ -28903,15 +28771,15 @@
           <p:nvPr/>
         </p:nvPicPr>
         <p:blipFill>
-          <a:blip r:embed="rId3"/>
+          <a:blip r:embed="rId2"/>
           <a:stretch>
             <a:fillRect/>
           </a:stretch>
         </p:blipFill>
         <p:spPr>
           <a:xfrm>
-            <a:off x="2286000" y="4073604"/>
-            <a:ext cx="8738816" cy="2419459"/>
+            <a:off x="1365309" y="2190220"/>
+            <a:ext cx="8982741" cy="2477559"/>
           </a:xfrm>
           <a:prstGeom prst="rect">
             <a:avLst/>
@@ -28925,24 +28793,77 @@
           </a:effectLst>
         </p:spPr>
       </p:pic>
+      <p:sp>
+        <p:nvSpPr>
+          <p:cNvPr id="3" name="Rectangle 2">
+            <a:extLst>
+              <a:ext uri="{FF2B5EF4-FFF2-40B4-BE49-F238E27FC236}">
+                <a16:creationId xmlns:a16="http://schemas.microsoft.com/office/drawing/2014/main" id="{31D4E363-518C-65EB-6B36-E9D56BA895EF}"/>
+              </a:ext>
+            </a:extLst>
+          </p:cNvPr>
+          <p:cNvSpPr/>
+          <p:nvPr/>
+        </p:nvSpPr>
+        <p:spPr>
+          <a:xfrm>
+            <a:off x="5156199" y="3547534"/>
+            <a:ext cx="4758268" cy="381000"/>
+          </a:xfrm>
+          <a:prstGeom prst="rect">
+            <a:avLst/>
+          </a:prstGeom>
+          <a:noFill/>
+          <a:ln w="25400">
+            <a:solidFill>
+              <a:srgbClr val="FFC000"/>
+            </a:solidFill>
+            <a:prstDash val="solid"/>
+          </a:ln>
+        </p:spPr>
+        <p:style>
+          <a:lnRef idx="2">
+            <a:schemeClr val="accent1">
+              <a:shade val="15000"/>
+            </a:schemeClr>
+          </a:lnRef>
+          <a:fillRef idx="1">
+            <a:schemeClr val="accent1"/>
+          </a:fillRef>
+          <a:effectRef idx="0">
+            <a:schemeClr val="accent1"/>
+          </a:effectRef>
+          <a:fontRef idx="minor">
+            <a:schemeClr val="lt1"/>
+          </a:fontRef>
+        </p:style>
+        <p:txBody>
+          <a:bodyPr rtlCol="0" anchor="ctr"/>
+          <a:lstStyle/>
+          <a:p>
+            <a:pPr algn="ctr"/>
+            <a:endParaRPr lang="en-US"/>
+          </a:p>
+        </p:txBody>
+      </p:sp>
     </p:spTree>
     <p:extLst>
       <p:ext uri="{BB962C8B-B14F-4D97-AF65-F5344CB8AC3E}">
-        <p14:creationId xmlns:p14="http://schemas.microsoft.com/office/powerpoint/2010/main" val="2182925398"/>
+        <p14:creationId xmlns:p14="http://schemas.microsoft.com/office/powerpoint/2010/main" val="2356577693"/>
       </p:ext>
     </p:extLst>
   </p:cSld>
   <p:clrMapOvr>
     <a:masterClrMapping/>
   </p:clrMapOvr>
-  <mc:AlternateContent xmlns:mc="http://schemas.openxmlformats.org/markup-compatibility/2006" xmlns:p14="http://schemas.microsoft.com/office/powerpoint/2010/main">
-    <mc:Choice Requires="p14">
-      <p:transition spd="med" p14:dur="700">
-        <p:fade/>
+  <mc:AlternateContent xmlns:mc="http://schemas.openxmlformats.org/markup-compatibility/2006">
+    <mc:Choice xmlns:p159="http://schemas.microsoft.com/office/powerpoint/2015/09/main" Requires="p159">
+      <p:transition xmlns:p14="http://schemas.microsoft.com/office/powerpoint/2010/main" spd="slow" p14:dur="2000">
+        <p159:morph option="byObject"/>
       </p:transition>
     </mc:Choice>
-    <mc:Fallback xmlns="">
-      <p:transition spd="med">
+    <mc:Fallback>
+      <p:transition spd="slow">
         <p:fade/>
       </p:transition>
     </mc:Fallback>
@@ -28998,7 +28919,7 @@
             <a:pPr algn="l"/>
             <a:r>
               <a:rPr lang="en-US" dirty="0"/>
-              <a:t>🔬Study time: second try</a:t>
+              <a:t>🔬Study time: First try - The deeper disillusion</a:t>
             </a:r>
           </a:p>
         </p:txBody>
@@ -29037,25 +28958,16 @@
             </a:pPr>
             <a:r>
               <a:rPr lang="en-US" sz="2400" noProof="1"/>
-              <a:t>👨‍💻For this tentative, the CSP created previously is used and the </a:t>
+              <a:t>👨‍🎓Time has come for you to learn another point about the different directives of a CSP: </a:t>
             </a:r>
             <a:r>
               <a:rPr lang="en-US" sz="2400" b="1" noProof="1">
                 <a:solidFill>
-                  <a:schemeClr val="accent6"/>
+                  <a:srgbClr val="FF0000"/>
                 </a:solidFill>
               </a:rPr>
-              <a:t>form-action</a:t>
-            </a:r>
-            <a:r>
-              <a:rPr lang="en-US" sz="2400" noProof="1"/>
-              <a:t> directive is added:</a:t>
-            </a:r>
-            <a:endParaRPr lang="en-US" sz="2400" b="1" noProof="1">
-              <a:solidFill>
-                <a:srgbClr val="FF0000"/>
-              </a:solidFill>
-            </a:endParaRPr>
+              <a:t>Not all directives fallback to the default-src directive!</a:t>
+            </a:r>
           </a:p>
           <a:p>
             <a:pPr marL="285750" indent="-285750">
@@ -29069,7 +28981,44 @@
               <a:buFont typeface="Arial" panose="020B0604020202020204" pitchFamily="34" charset="0"/>
               <a:buChar char="•"/>
             </a:pPr>
-            <a:endParaRPr lang="en-US" sz="2400" noProof="1"/>
+            <a:r>
+              <a:rPr lang="en-US" sz="2400" noProof="1"/>
+              <a:t>📖The </a:t>
+            </a:r>
+            <a:r>
+              <a:rPr lang="en-US" sz="2400" b="1" noProof="1">
+                <a:solidFill>
+                  <a:schemeClr val="accent6"/>
+                </a:solidFill>
+              </a:rPr>
+              <a:t>form-action</a:t>
+            </a:r>
+            <a:r>
+              <a:rPr lang="en-US" sz="2400" noProof="1"/>
+              <a:t> directive, that specifies locations that can be used for &lt;form&gt; submissions, </a:t>
+            </a:r>
+            <a:r>
+              <a:rPr lang="en-US" sz="2400" noProof="1">
+                <a:hlinkClick r:id="rId2"/>
+              </a:rPr>
+              <a:t>does not fallback </a:t>
+            </a:r>
+            <a:r>
+              <a:rPr lang="en-US" sz="2400" noProof="1"/>
+              <a:t>to the </a:t>
+            </a:r>
+            <a:r>
+              <a:rPr lang="en-US" sz="2400" b="1" noProof="1">
+                <a:solidFill>
+                  <a:schemeClr val="accent6"/>
+                </a:solidFill>
+              </a:rPr>
+              <a:t>default-src</a:t>
+            </a:r>
+            <a:r>
+              <a:rPr lang="en-US" sz="2400" noProof="1"/>
+              <a:t> directive when it is not defined in a policy!</a:t>
+            </a:r>
           </a:p>
           <a:p>
             <a:pPr marL="285750" indent="-285750">
@@ -29100,323 +29049,59 @@
             <a:endParaRPr lang="en-US" sz="2400" noProof="1"/>
           </a:p>
           <a:p>
+            <a:pPr marL="285750" indent="-285750">
+              <a:buFont typeface="Arial" panose="020B0604020202020204" pitchFamily="34" charset="0"/>
+              <a:buChar char="•"/>
+            </a:pPr>
+            <a:endParaRPr lang="en-US" sz="2400" noProof="1"/>
+          </a:p>
+          <a:p>
             <a:pPr lvl="1"/>
             <a:endParaRPr lang="en-US" sz="2400" noProof="1"/>
           </a:p>
         </p:txBody>
       </p:sp>
-      <p:sp>
-        <p:nvSpPr>
-          <p:cNvPr id="3" name="TextBox 2">
-            <a:extLst>
-              <a:ext uri="{FF2B5EF4-FFF2-40B4-BE49-F238E27FC236}">
-                <a16:creationId xmlns:a16="http://schemas.microsoft.com/office/drawing/2014/main" id="{89061AC9-6650-8D4F-B6C5-D8BA4F45B85B}"/>
-              </a:ext>
-            </a:extLst>
-          </p:cNvPr>
-          <p:cNvSpPr txBox="1"/>
+      <p:pic>
+        <p:nvPicPr>
+          <p:cNvPr id="6" name="Picture 5">
+            <a:extLst>
+              <a:ext uri="{FF2B5EF4-FFF2-40B4-BE49-F238E27FC236}">
+                <a16:creationId xmlns:a16="http://schemas.microsoft.com/office/drawing/2014/main" id="{E87DCB1E-9D8B-3ED0-56EC-6503913CCFB6}"/>
+              </a:ext>
+            </a:extLst>
+          </p:cNvPr>
+          <p:cNvPicPr>
+            <a:picLocks noChangeAspect="1"/>
+          </p:cNvPicPr>
           <p:nvPr/>
-        </p:nvSpPr>
-        <p:spPr>
-          <a:xfrm>
-            <a:off x="62910" y="2623880"/>
-            <a:ext cx="11906545" cy="2554545"/>
+        </p:nvPicPr>
+        <p:blipFill>
+          <a:blip r:embed="rId3"/>
+          <a:stretch>
+            <a:fillRect/>
+          </a:stretch>
+        </p:blipFill>
+        <p:spPr>
+          <a:xfrm>
+            <a:off x="2286000" y="4073604"/>
+            <a:ext cx="8738816" cy="2419459"/>
           </a:xfrm>
           <a:prstGeom prst="rect">
             <a:avLst/>
           </a:prstGeom>
-          <a:noFill/>
-        </p:spPr>
-        <p:txBody>
-          <a:bodyPr wrap="square" rtlCol="0">
-            <a:spAutoFit/>
-          </a:bodyPr>
-          <a:lstStyle/>
-          <a:p>
-            <a:r>
-              <a:rPr lang="en-US" sz="2000" dirty="0">
-                <a:latin typeface="Consolas" panose="020B0609020204030204" pitchFamily="49" charset="0"/>
-              </a:rPr>
-              <a:t>Content-Security-Policy: </a:t>
-            </a:r>
-          </a:p>
-          <a:p>
-            <a:r>
-              <a:rPr lang="en-US" sz="2000" dirty="0">
-                <a:solidFill>
-                  <a:schemeClr val="accent6"/>
-                </a:solidFill>
-                <a:latin typeface="Consolas" panose="020B0609020204030204" pitchFamily="49" charset="0"/>
-              </a:rPr>
-              <a:t>default-</a:t>
-            </a:r>
-            <a:r>
-              <a:rPr lang="en-US" sz="2000" dirty="0" err="1">
-                <a:solidFill>
-                  <a:schemeClr val="accent6"/>
-                </a:solidFill>
-                <a:latin typeface="Consolas" panose="020B0609020204030204" pitchFamily="49" charset="0"/>
-              </a:rPr>
-              <a:t>src</a:t>
-            </a:r>
-            <a:r>
-              <a:rPr lang="en-US" sz="2000" dirty="0">
-                <a:solidFill>
-                  <a:schemeClr val="accent6"/>
-                </a:solidFill>
-                <a:latin typeface="Consolas" panose="020B0609020204030204" pitchFamily="49" charset="0"/>
-              </a:rPr>
-              <a:t> </a:t>
-            </a:r>
-            <a:r>
-              <a:rPr lang="en-US" sz="2000" dirty="0">
-                <a:solidFill>
-                  <a:srgbClr val="7030A0"/>
-                </a:solidFill>
-                <a:latin typeface="Consolas" panose="020B0609020204030204" pitchFamily="49" charset="0"/>
-              </a:rPr>
-              <a:t>'self'</a:t>
-            </a:r>
-            <a:r>
-              <a:rPr lang="en-US" sz="2000" dirty="0">
-                <a:latin typeface="Consolas" panose="020B0609020204030204" pitchFamily="49" charset="0"/>
-              </a:rPr>
-              <a:t>; </a:t>
-            </a:r>
-          </a:p>
-          <a:p>
-            <a:r>
-              <a:rPr lang="en-US" sz="2000" dirty="0">
-                <a:solidFill>
-                  <a:schemeClr val="accent6"/>
-                </a:solidFill>
-                <a:latin typeface="Consolas" panose="020B0609020204030204" pitchFamily="49" charset="0"/>
-              </a:rPr>
-              <a:t>script-</a:t>
-            </a:r>
-            <a:r>
-              <a:rPr lang="en-US" sz="2000" dirty="0" err="1">
-                <a:solidFill>
-                  <a:schemeClr val="accent6"/>
-                </a:solidFill>
-                <a:latin typeface="Consolas" panose="020B0609020204030204" pitchFamily="49" charset="0"/>
-              </a:rPr>
-              <a:t>src</a:t>
-            </a:r>
-            <a:r>
-              <a:rPr lang="en-US" sz="2000" dirty="0">
-                <a:latin typeface="Consolas" panose="020B0609020204030204" pitchFamily="49" charset="0"/>
-              </a:rPr>
-              <a:t> </a:t>
-            </a:r>
-            <a:r>
-              <a:rPr lang="en-US" sz="2000" dirty="0">
-                <a:solidFill>
-                  <a:srgbClr val="7030A0"/>
-                </a:solidFill>
-                <a:latin typeface="Consolas" panose="020B0609020204030204" pitchFamily="49" charset="0"/>
-              </a:rPr>
-              <a:t>'self' 'unsafe-inline'</a:t>
-            </a:r>
-            <a:r>
-              <a:rPr lang="en-US" sz="2000" dirty="0">
-                <a:latin typeface="Consolas" panose="020B0609020204030204" pitchFamily="49" charset="0"/>
-              </a:rPr>
-              <a:t>; </a:t>
-            </a:r>
-          </a:p>
-          <a:p>
-            <a:r>
-              <a:rPr lang="en-US" sz="2000" dirty="0">
-                <a:solidFill>
-                  <a:schemeClr val="accent6"/>
-                </a:solidFill>
-                <a:latin typeface="Consolas" panose="020B0609020204030204" pitchFamily="49" charset="0"/>
-              </a:rPr>
-              <a:t>style-</a:t>
-            </a:r>
-            <a:r>
-              <a:rPr lang="en-US" sz="2000" dirty="0" err="1">
-                <a:solidFill>
-                  <a:schemeClr val="accent6"/>
-                </a:solidFill>
-                <a:latin typeface="Consolas" panose="020B0609020204030204" pitchFamily="49" charset="0"/>
-              </a:rPr>
-              <a:t>src</a:t>
-            </a:r>
-            <a:r>
-              <a:rPr lang="en-US" sz="2000" dirty="0">
-                <a:latin typeface="Consolas" panose="020B0609020204030204" pitchFamily="49" charset="0"/>
-              </a:rPr>
-              <a:t> </a:t>
-            </a:r>
-            <a:r>
-              <a:rPr lang="en-US" sz="2000" dirty="0">
-                <a:solidFill>
-                  <a:srgbClr val="7030A0"/>
-                </a:solidFill>
-                <a:latin typeface="Consolas" panose="020B0609020204030204" pitchFamily="49" charset="0"/>
-              </a:rPr>
-              <a:t>'self' 'unsafe-inline' https://fonts.googleapis.com https://fonts.gstatic.com</a:t>
-            </a:r>
-            <a:r>
-              <a:rPr lang="en-US" sz="2000" dirty="0">
-                <a:latin typeface="Consolas" panose="020B0609020204030204" pitchFamily="49" charset="0"/>
-              </a:rPr>
-              <a:t>; </a:t>
-            </a:r>
-          </a:p>
-          <a:p>
-            <a:r>
-              <a:rPr lang="en-US" sz="2000" dirty="0" err="1">
-                <a:solidFill>
-                  <a:schemeClr val="accent6"/>
-                </a:solidFill>
-                <a:latin typeface="Consolas" panose="020B0609020204030204" pitchFamily="49" charset="0"/>
-              </a:rPr>
-              <a:t>img-src</a:t>
-            </a:r>
-            <a:r>
-              <a:rPr lang="en-US" sz="2000" dirty="0">
-                <a:latin typeface="Consolas" panose="020B0609020204030204" pitchFamily="49" charset="0"/>
-              </a:rPr>
-              <a:t> </a:t>
-            </a:r>
-            <a:r>
-              <a:rPr lang="en-US" sz="2000" dirty="0">
-                <a:solidFill>
-                  <a:srgbClr val="7030A0"/>
-                </a:solidFill>
-                <a:latin typeface="Consolas" panose="020B0609020204030204" pitchFamily="49" charset="0"/>
-              </a:rPr>
-              <a:t>'self' data: blob:</a:t>
-            </a:r>
-            <a:r>
-              <a:rPr lang="en-US" sz="2000" dirty="0">
-                <a:latin typeface="Consolas" panose="020B0609020204030204" pitchFamily="49" charset="0"/>
-              </a:rPr>
-              <a:t>; </a:t>
-            </a:r>
-          </a:p>
-          <a:p>
-            <a:r>
-              <a:rPr lang="en-US" sz="2000" dirty="0">
-                <a:solidFill>
-                  <a:schemeClr val="accent6"/>
-                </a:solidFill>
-                <a:latin typeface="Consolas" panose="020B0609020204030204" pitchFamily="49" charset="0"/>
-              </a:rPr>
-              <a:t>font-</a:t>
-            </a:r>
-            <a:r>
-              <a:rPr lang="en-US" sz="2000" dirty="0" err="1">
-                <a:solidFill>
-                  <a:schemeClr val="accent6"/>
-                </a:solidFill>
-                <a:latin typeface="Consolas" panose="020B0609020204030204" pitchFamily="49" charset="0"/>
-              </a:rPr>
-              <a:t>src</a:t>
-            </a:r>
-            <a:r>
-              <a:rPr lang="en-US" sz="2000" dirty="0">
-                <a:latin typeface="Consolas" panose="020B0609020204030204" pitchFamily="49" charset="0"/>
-              </a:rPr>
-              <a:t> </a:t>
-            </a:r>
-            <a:r>
-              <a:rPr lang="en-US" sz="2000" dirty="0">
-                <a:solidFill>
-                  <a:srgbClr val="7030A0"/>
-                </a:solidFill>
-                <a:latin typeface="Consolas" panose="020B0609020204030204" pitchFamily="49" charset="0"/>
-              </a:rPr>
-              <a:t>'self' https://fonts.googleapis.com https://fonts.gstatic.com</a:t>
-            </a:r>
-            <a:r>
-              <a:rPr lang="en-US" sz="2000" dirty="0">
-                <a:latin typeface="Consolas" panose="020B0609020204030204" pitchFamily="49" charset="0"/>
-              </a:rPr>
-              <a:t>; </a:t>
-            </a:r>
-          </a:p>
-          <a:p>
-            <a:r>
-              <a:rPr lang="en-US" sz="2000" b="1" dirty="0">
-                <a:solidFill>
-                  <a:schemeClr val="accent6"/>
-                </a:solidFill>
-                <a:latin typeface="Consolas" panose="020B0609020204030204" pitchFamily="49" charset="0"/>
-              </a:rPr>
-              <a:t>form-action</a:t>
-            </a:r>
-            <a:r>
-              <a:rPr lang="en-US" sz="2000" b="1" dirty="0">
-                <a:solidFill>
-                  <a:srgbClr val="7030A0"/>
-                </a:solidFill>
-                <a:latin typeface="Consolas" panose="020B0609020204030204" pitchFamily="49" charset="0"/>
-              </a:rPr>
-              <a:t> 'self'</a:t>
-            </a:r>
-          </a:p>
-        </p:txBody>
-      </p:sp>
-      <p:sp>
-        <p:nvSpPr>
-          <p:cNvPr id="4" name="Rectangle 3">
-            <a:extLst>
-              <a:ext uri="{FF2B5EF4-FFF2-40B4-BE49-F238E27FC236}">
-                <a16:creationId xmlns:a16="http://schemas.microsoft.com/office/drawing/2014/main" id="{E004E72C-2BAE-E53D-D238-DF0D3277F87A}"/>
-              </a:ext>
-            </a:extLst>
-          </p:cNvPr>
-          <p:cNvSpPr/>
-          <p:nvPr/>
-        </p:nvSpPr>
-        <p:spPr>
-          <a:xfrm>
-            <a:off x="127000" y="4783667"/>
-            <a:ext cx="2633133" cy="394758"/>
-          </a:xfrm>
-          <a:prstGeom prst="rect">
-            <a:avLst/>
-          </a:prstGeom>
-          <a:noFill/>
-          <a:ln w="25400">
-            <a:solidFill>
-              <a:schemeClr val="accent4"/>
-            </a:solidFill>
-          </a:ln>
-        </p:spPr>
-        <p:style>
-          <a:lnRef idx="2">
-            <a:schemeClr val="accent1">
-              <a:shade val="15000"/>
-            </a:schemeClr>
-          </a:lnRef>
-          <a:fillRef idx="1">
-            <a:schemeClr val="accent1"/>
-          </a:fillRef>
-          <a:effectRef idx="0">
-            <a:schemeClr val="accent1"/>
-          </a:effectRef>
-          <a:fontRef idx="minor">
-            <a:schemeClr val="lt1"/>
-          </a:fontRef>
-        </p:style>
-        <p:txBody>
-          <a:bodyPr rtlCol="0" anchor="ctr"/>
-          <a:lstStyle/>
-          <a:p>
-            <a:pPr algn="ctr"/>
-            <a:endParaRPr lang="en-US"/>
-          </a:p>
-        </p:txBody>
-      </p:sp>
+          <a:effectLst>
+            <a:outerShdw blurRad="50800" dist="38100" algn="l" rotWithShape="0">
+              <a:prstClr val="black">
+                <a:alpha val="40000"/>
+              </a:prstClr>
+            </a:outerShdw>
+          </a:effectLst>
+        </p:spPr>
+      </p:pic>
     </p:spTree>
     <p:extLst>
       <p:ext uri="{BB962C8B-B14F-4D97-AF65-F5344CB8AC3E}">
-        <p14:creationId xmlns:p14="http://schemas.microsoft.com/office/powerpoint/2010/main" val="773976246"/>
+        <p14:creationId xmlns:p14="http://schemas.microsoft.com/office/powerpoint/2010/main" val="2182925398"/>
       </p:ext>
     </p:extLst>
   </p:cSld>
@@ -29525,8 +29210,31 @@
             </a:pPr>
             <a:r>
               <a:rPr lang="en-US" sz="2400" noProof="1"/>
-              <a:t>🤗New test confirms that, blocking sending out data, is effective:</a:t>
-            </a:r>
+              <a:t>👨‍💻For this tentative, the CSP created previously is used and the </a:t>
+            </a:r>
+            <a:r>
+              <a:rPr lang="en-US" sz="2400" b="1" noProof="1">
+                <a:solidFill>
+                  <a:schemeClr val="accent6"/>
+                </a:solidFill>
+              </a:rPr>
+              <a:t>form-action</a:t>
+            </a:r>
+            <a:r>
+              <a:rPr lang="en-US" sz="2400" noProof="1"/>
+              <a:t> directive is added:</a:t>
+            </a:r>
+            <a:endParaRPr lang="en-US" sz="2400" b="1" noProof="1">
+              <a:solidFill>
+                <a:srgbClr val="FF0000"/>
+              </a:solidFill>
+            </a:endParaRPr>
+          </a:p>
+          <a:p>
+            <a:pPr marL="285750" indent="-285750">
+              <a:buFont typeface="Arial" panose="020B0604020202020204" pitchFamily="34" charset="0"/>
+              <a:buChar char="•"/>
+            </a:pPr>
             <a:endParaRPr lang="en-US" sz="2400" b="1" noProof="1"/>
           </a:p>
           <a:p>
@@ -29570,47 +29278,318 @@
           </a:p>
         </p:txBody>
       </p:sp>
-      <p:pic>
-        <p:nvPicPr>
-          <p:cNvPr id="5" name="Picture 4" descr="A screenshot of a computer&#10;&#10;Description automatically generated">
-            <a:extLst>
-              <a:ext uri="{FF2B5EF4-FFF2-40B4-BE49-F238E27FC236}">
-                <a16:creationId xmlns:a16="http://schemas.microsoft.com/office/drawing/2014/main" id="{86EE7CC6-8EA4-C9B6-8477-2ECC8E41553A}"/>
-              </a:ext>
-            </a:extLst>
-          </p:cNvPr>
-          <p:cNvPicPr>
-            <a:picLocks noChangeAspect="1"/>
-          </p:cNvPicPr>
+      <p:sp>
+        <p:nvSpPr>
+          <p:cNvPr id="3" name="TextBox 2">
+            <a:extLst>
+              <a:ext uri="{FF2B5EF4-FFF2-40B4-BE49-F238E27FC236}">
+                <a16:creationId xmlns:a16="http://schemas.microsoft.com/office/drawing/2014/main" id="{89061AC9-6650-8D4F-B6C5-D8BA4F45B85B}"/>
+              </a:ext>
+            </a:extLst>
+          </p:cNvPr>
+          <p:cNvSpPr txBox="1"/>
           <p:nvPr/>
-        </p:nvPicPr>
-        <p:blipFill>
-          <a:blip r:embed="rId2"/>
-          <a:stretch>
-            <a:fillRect/>
-          </a:stretch>
-        </p:blipFill>
-        <p:spPr>
-          <a:xfrm>
-            <a:off x="2146006" y="2273563"/>
-            <a:ext cx="8645184" cy="4338903"/>
+        </p:nvSpPr>
+        <p:spPr>
+          <a:xfrm>
+            <a:off x="62910" y="2623880"/>
+            <a:ext cx="11906545" cy="2554545"/>
           </a:xfrm>
           <a:prstGeom prst="rect">
             <a:avLst/>
           </a:prstGeom>
-          <a:effectLst>
-            <a:outerShdw blurRad="50800" dist="38100" algn="l" rotWithShape="0">
-              <a:prstClr val="black">
-                <a:alpha val="40000"/>
-              </a:prstClr>
-            </a:outerShdw>
-          </a:effectLst>
-        </p:spPr>
-      </p:pic>
+          <a:noFill/>
+        </p:spPr>
+        <p:txBody>
+          <a:bodyPr wrap="square" rtlCol="0">
+            <a:spAutoFit/>
+          </a:bodyPr>
+          <a:lstStyle/>
+          <a:p>
+            <a:r>
+              <a:rPr lang="en-US" sz="2000" dirty="0">
+                <a:latin typeface="Consolas" panose="020B0609020204030204" pitchFamily="49" charset="0"/>
+              </a:rPr>
+              <a:t>Content-Security-Policy: </a:t>
+            </a:r>
+          </a:p>
+          <a:p>
+            <a:r>
+              <a:rPr lang="en-US" sz="2000" dirty="0">
+                <a:solidFill>
+                  <a:schemeClr val="accent6"/>
+                </a:solidFill>
+                <a:latin typeface="Consolas" panose="020B0609020204030204" pitchFamily="49" charset="0"/>
+              </a:rPr>
+              <a:t>default-</a:t>
+            </a:r>
+            <a:r>
+              <a:rPr lang="en-US" sz="2000" dirty="0" err="1">
+                <a:solidFill>
+                  <a:schemeClr val="accent6"/>
+                </a:solidFill>
+                <a:latin typeface="Consolas" panose="020B0609020204030204" pitchFamily="49" charset="0"/>
+              </a:rPr>
+              <a:t>src</a:t>
+            </a:r>
+            <a:r>
+              <a:rPr lang="en-US" sz="2000" dirty="0">
+                <a:solidFill>
+                  <a:schemeClr val="accent6"/>
+                </a:solidFill>
+                <a:latin typeface="Consolas" panose="020B0609020204030204" pitchFamily="49" charset="0"/>
+              </a:rPr>
+              <a:t> </a:t>
+            </a:r>
+            <a:r>
+              <a:rPr lang="en-US" sz="2000" dirty="0">
+                <a:solidFill>
+                  <a:srgbClr val="7030A0"/>
+                </a:solidFill>
+                <a:latin typeface="Consolas" panose="020B0609020204030204" pitchFamily="49" charset="0"/>
+              </a:rPr>
+              <a:t>'self'</a:t>
+            </a:r>
+            <a:r>
+              <a:rPr lang="en-US" sz="2000" dirty="0">
+                <a:latin typeface="Consolas" panose="020B0609020204030204" pitchFamily="49" charset="0"/>
+              </a:rPr>
+              <a:t>; </a:t>
+            </a:r>
+          </a:p>
+          <a:p>
+            <a:r>
+              <a:rPr lang="en-US" sz="2000" dirty="0">
+                <a:solidFill>
+                  <a:schemeClr val="accent6"/>
+                </a:solidFill>
+                <a:latin typeface="Consolas" panose="020B0609020204030204" pitchFamily="49" charset="0"/>
+              </a:rPr>
+              <a:t>script-</a:t>
+            </a:r>
+            <a:r>
+              <a:rPr lang="en-US" sz="2000" dirty="0" err="1">
+                <a:solidFill>
+                  <a:schemeClr val="accent6"/>
+                </a:solidFill>
+                <a:latin typeface="Consolas" panose="020B0609020204030204" pitchFamily="49" charset="0"/>
+              </a:rPr>
+              <a:t>src</a:t>
+            </a:r>
+            <a:r>
+              <a:rPr lang="en-US" sz="2000" dirty="0">
+                <a:latin typeface="Consolas" panose="020B0609020204030204" pitchFamily="49" charset="0"/>
+              </a:rPr>
+              <a:t> </a:t>
+            </a:r>
+            <a:r>
+              <a:rPr lang="en-US" sz="2000" dirty="0">
+                <a:solidFill>
+                  <a:srgbClr val="7030A0"/>
+                </a:solidFill>
+                <a:latin typeface="Consolas" panose="020B0609020204030204" pitchFamily="49" charset="0"/>
+              </a:rPr>
+              <a:t>'self' 'unsafe-inline'</a:t>
+            </a:r>
+            <a:r>
+              <a:rPr lang="en-US" sz="2000" dirty="0">
+                <a:latin typeface="Consolas" panose="020B0609020204030204" pitchFamily="49" charset="0"/>
+              </a:rPr>
+              <a:t>; </a:t>
+            </a:r>
+          </a:p>
+          <a:p>
+            <a:r>
+              <a:rPr lang="en-US" sz="2000" dirty="0">
+                <a:solidFill>
+                  <a:schemeClr val="accent6"/>
+                </a:solidFill>
+                <a:latin typeface="Consolas" panose="020B0609020204030204" pitchFamily="49" charset="0"/>
+              </a:rPr>
+              <a:t>style-</a:t>
+            </a:r>
+            <a:r>
+              <a:rPr lang="en-US" sz="2000" dirty="0" err="1">
+                <a:solidFill>
+                  <a:schemeClr val="accent6"/>
+                </a:solidFill>
+                <a:latin typeface="Consolas" panose="020B0609020204030204" pitchFamily="49" charset="0"/>
+              </a:rPr>
+              <a:t>src</a:t>
+            </a:r>
+            <a:r>
+              <a:rPr lang="en-US" sz="2000" dirty="0">
+                <a:latin typeface="Consolas" panose="020B0609020204030204" pitchFamily="49" charset="0"/>
+              </a:rPr>
+              <a:t> </a:t>
+            </a:r>
+            <a:r>
+              <a:rPr lang="en-US" sz="2000" dirty="0">
+                <a:solidFill>
+                  <a:srgbClr val="7030A0"/>
+                </a:solidFill>
+                <a:latin typeface="Consolas" panose="020B0609020204030204" pitchFamily="49" charset="0"/>
+              </a:rPr>
+              <a:t>'self' 'unsafe-inline' https://fonts.googleapis.com https://fonts.gstatic.com</a:t>
+            </a:r>
+            <a:r>
+              <a:rPr lang="en-US" sz="2000" dirty="0">
+                <a:latin typeface="Consolas" panose="020B0609020204030204" pitchFamily="49" charset="0"/>
+              </a:rPr>
+              <a:t>; </a:t>
+            </a:r>
+          </a:p>
+          <a:p>
+            <a:r>
+              <a:rPr lang="en-US" sz="2000" dirty="0" err="1">
+                <a:solidFill>
+                  <a:schemeClr val="accent6"/>
+                </a:solidFill>
+                <a:latin typeface="Consolas" panose="020B0609020204030204" pitchFamily="49" charset="0"/>
+              </a:rPr>
+              <a:t>img-src</a:t>
+            </a:r>
+            <a:r>
+              <a:rPr lang="en-US" sz="2000" dirty="0">
+                <a:latin typeface="Consolas" panose="020B0609020204030204" pitchFamily="49" charset="0"/>
+              </a:rPr>
+              <a:t> </a:t>
+            </a:r>
+            <a:r>
+              <a:rPr lang="en-US" sz="2000" dirty="0">
+                <a:solidFill>
+                  <a:srgbClr val="7030A0"/>
+                </a:solidFill>
+                <a:latin typeface="Consolas" panose="020B0609020204030204" pitchFamily="49" charset="0"/>
+              </a:rPr>
+              <a:t>'self' data: blob:</a:t>
+            </a:r>
+            <a:r>
+              <a:rPr lang="en-US" sz="2000" dirty="0">
+                <a:latin typeface="Consolas" panose="020B0609020204030204" pitchFamily="49" charset="0"/>
+              </a:rPr>
+              <a:t>; </a:t>
+            </a:r>
+          </a:p>
+          <a:p>
+            <a:r>
+              <a:rPr lang="en-US" sz="2000" dirty="0">
+                <a:solidFill>
+                  <a:schemeClr val="accent6"/>
+                </a:solidFill>
+                <a:latin typeface="Consolas" panose="020B0609020204030204" pitchFamily="49" charset="0"/>
+              </a:rPr>
+              <a:t>font-</a:t>
+            </a:r>
+            <a:r>
+              <a:rPr lang="en-US" sz="2000" dirty="0" err="1">
+                <a:solidFill>
+                  <a:schemeClr val="accent6"/>
+                </a:solidFill>
+                <a:latin typeface="Consolas" panose="020B0609020204030204" pitchFamily="49" charset="0"/>
+              </a:rPr>
+              <a:t>src</a:t>
+            </a:r>
+            <a:r>
+              <a:rPr lang="en-US" sz="2000" dirty="0">
+                <a:latin typeface="Consolas" panose="020B0609020204030204" pitchFamily="49" charset="0"/>
+              </a:rPr>
+              <a:t> </a:t>
+            </a:r>
+            <a:r>
+              <a:rPr lang="en-US" sz="2000" dirty="0">
+                <a:solidFill>
+                  <a:srgbClr val="7030A0"/>
+                </a:solidFill>
+                <a:latin typeface="Consolas" panose="020B0609020204030204" pitchFamily="49" charset="0"/>
+              </a:rPr>
+              <a:t>'self' https://fonts.googleapis.com https://fonts.gstatic.com</a:t>
+            </a:r>
+            <a:r>
+              <a:rPr lang="en-US" sz="2000" dirty="0">
+                <a:latin typeface="Consolas" panose="020B0609020204030204" pitchFamily="49" charset="0"/>
+              </a:rPr>
+              <a:t>; </a:t>
+            </a:r>
+          </a:p>
+          <a:p>
+            <a:r>
+              <a:rPr lang="en-US" sz="2000" b="1" dirty="0">
+                <a:solidFill>
+                  <a:schemeClr val="accent6"/>
+                </a:solidFill>
+                <a:latin typeface="Consolas" panose="020B0609020204030204" pitchFamily="49" charset="0"/>
+              </a:rPr>
+              <a:t>form-action</a:t>
+            </a:r>
+            <a:r>
+              <a:rPr lang="en-US" sz="2000" b="1" dirty="0">
+                <a:solidFill>
+                  <a:srgbClr val="7030A0"/>
+                </a:solidFill>
+                <a:latin typeface="Consolas" panose="020B0609020204030204" pitchFamily="49" charset="0"/>
+              </a:rPr>
+              <a:t> 'self'</a:t>
+            </a:r>
+          </a:p>
+        </p:txBody>
+      </p:sp>
+      <p:sp>
+        <p:nvSpPr>
+          <p:cNvPr id="4" name="Rectangle 3">
+            <a:extLst>
+              <a:ext uri="{FF2B5EF4-FFF2-40B4-BE49-F238E27FC236}">
+                <a16:creationId xmlns:a16="http://schemas.microsoft.com/office/drawing/2014/main" id="{E004E72C-2BAE-E53D-D238-DF0D3277F87A}"/>
+              </a:ext>
+            </a:extLst>
+          </p:cNvPr>
+          <p:cNvSpPr/>
+          <p:nvPr/>
+        </p:nvSpPr>
+        <p:spPr>
+          <a:xfrm>
+            <a:off x="127000" y="4783667"/>
+            <a:ext cx="2633133" cy="394758"/>
+          </a:xfrm>
+          <a:prstGeom prst="rect">
+            <a:avLst/>
+          </a:prstGeom>
+          <a:noFill/>
+          <a:ln w="25400">
+            <a:solidFill>
+              <a:schemeClr val="accent4"/>
+            </a:solidFill>
+          </a:ln>
+        </p:spPr>
+        <p:style>
+          <a:lnRef idx="2">
+            <a:schemeClr val="accent1">
+              <a:shade val="15000"/>
+            </a:schemeClr>
+          </a:lnRef>
+          <a:fillRef idx="1">
+            <a:schemeClr val="accent1"/>
+          </a:fillRef>
+          <a:effectRef idx="0">
+            <a:schemeClr val="accent1"/>
+          </a:effectRef>
+          <a:fontRef idx="minor">
+            <a:schemeClr val="lt1"/>
+          </a:fontRef>
+        </p:style>
+        <p:txBody>
+          <a:bodyPr rtlCol="0" anchor="ctr"/>
+          <a:lstStyle/>
+          <a:p>
+            <a:pPr algn="ctr"/>
+            <a:endParaRPr lang="en-US"/>
+          </a:p>
+        </p:txBody>
+      </p:sp>
     </p:spTree>
     <p:extLst>
       <p:ext uri="{BB962C8B-B14F-4D97-AF65-F5344CB8AC3E}">
-        <p14:creationId xmlns:p14="http://schemas.microsoft.com/office/powerpoint/2010/main" val="1278025696"/>
+        <p14:creationId xmlns:p14="http://schemas.microsoft.com/office/powerpoint/2010/main" val="773976246"/>
       </p:ext>
     </p:extLst>
   </p:cSld>
@@ -29778,15 +29757,16 @@
           </p:cNvPicPr>
           <p:nvPr/>
         </p:nvPicPr>
-        <p:blipFill rotWithShape="1">
+        <p:blipFill>
           <a:blip r:embed="rId2"/>
-          <a:srcRect t="86146" r="3090" b="3512"/>
-          <a:stretch/>
+          <a:stretch>
+            <a:fillRect/>
+          </a:stretch>
         </p:blipFill>
         <p:spPr>
           <a:xfrm>
-            <a:off x="168135" y="2895600"/>
-            <a:ext cx="11855729" cy="635000"/>
+            <a:off x="2146006" y="2273563"/>
+            <a:ext cx="8645184" cy="4338903"/>
           </a:xfrm>
           <a:prstGeom prst="rect">
             <a:avLst/>
@@ -29803,21 +29783,21 @@
     </p:spTree>
     <p:extLst>
       <p:ext uri="{BB962C8B-B14F-4D97-AF65-F5344CB8AC3E}">
-        <p14:creationId xmlns:p14="http://schemas.microsoft.com/office/powerpoint/2010/main" val="3226988061"/>
+        <p14:creationId xmlns:p14="http://schemas.microsoft.com/office/powerpoint/2010/main" val="1278025696"/>
       </p:ext>
     </p:extLst>
   </p:cSld>
   <p:clrMapOvr>
     <a:masterClrMapping/>
   </p:clrMapOvr>
-  <mc:AlternateContent xmlns:mc="http://schemas.openxmlformats.org/markup-compatibility/2006">
-    <mc:Choice xmlns:p159="http://schemas.microsoft.com/office/powerpoint/2015/09/main" Requires="p159">
-      <p:transition xmlns:p14="http://schemas.microsoft.com/office/powerpoint/2010/main" spd="slow" p14:dur="2000">
-        <p159:morph option="byObject"/>
+  <mc:AlternateContent xmlns:mc="http://schemas.openxmlformats.org/markup-compatibility/2006" xmlns:p14="http://schemas.microsoft.com/office/powerpoint/2010/main">
+    <mc:Choice Requires="p14">
+      <p:transition spd="med" p14:dur="700">
+        <p:fade/>
       </p:transition>
     </mc:Choice>
-    <mc:Fallback>
-      <p:transition spd="slow">
+    <mc:Fallback xmlns="">
+      <p:transition spd="med">
         <p:fade/>
       </p:transition>
     </mc:Fallback>
@@ -29912,49 +29892,9 @@
             </a:pPr>
             <a:r>
               <a:rPr lang="en-US" sz="2400" noProof="1"/>
-              <a:t>😨However, it is still possible to execute embedded Javascript payload to perform action on behalf of the current user.</a:t>
-            </a:r>
-          </a:p>
-          <a:p>
-            <a:pPr marL="285750" indent="-285750">
-              <a:buFont typeface="Arial" panose="020B0604020202020204" pitchFamily="34" charset="0"/>
-              <a:buChar char="•"/>
-            </a:pPr>
+              <a:t>🤗New test confirms that, blocking sending out data, is effective:</a:t>
+            </a:r>
             <a:endParaRPr lang="en-US" sz="2400" b="1" noProof="1"/>
-          </a:p>
-          <a:p>
-            <a:pPr marL="285750" indent="-285750">
-              <a:buFont typeface="Arial" panose="020B0604020202020204" pitchFamily="34" charset="0"/>
-              <a:buChar char="•"/>
-            </a:pPr>
-            <a:r>
-              <a:rPr lang="en-US" sz="2400" noProof="1"/>
-              <a:t>🤔Idea is to to block the execution of any injected JavaScript code, by removing the </a:t>
-            </a:r>
-            <a:r>
-              <a:rPr lang="en-US" sz="2400" b="1" noProof="1">
-                <a:solidFill>
-                  <a:srgbClr val="7030A0"/>
-                </a:solidFill>
-              </a:rPr>
-              <a:t>unsafe-inline</a:t>
-            </a:r>
-            <a:r>
-              <a:rPr lang="en-US" sz="2400" noProof="1"/>
-              <a:t> instruction, from the </a:t>
-            </a:r>
-            <a:r>
-              <a:rPr lang="en-US" sz="2400" b="1" noProof="1">
-                <a:solidFill>
-                  <a:schemeClr val="accent6"/>
-                </a:solidFill>
-              </a:rPr>
-              <a:t>script-src</a:t>
-            </a:r>
-            <a:r>
-              <a:rPr lang="en-US" sz="2400" noProof="1"/>
-              <a:t> directive:</a:t>
-            </a:r>
           </a:p>
           <a:p>
             <a:pPr marL="285750" indent="-285750">
@@ -29997,341 +29937,60 @@
           </a:p>
         </p:txBody>
       </p:sp>
-      <p:sp>
-        <p:nvSpPr>
-          <p:cNvPr id="3" name="TextBox 2">
-            <a:extLst>
-              <a:ext uri="{FF2B5EF4-FFF2-40B4-BE49-F238E27FC236}">
-                <a16:creationId xmlns:a16="http://schemas.microsoft.com/office/drawing/2014/main" id="{3D611CA9-9352-51D4-82FF-F26AC2F95406}"/>
-              </a:ext>
-            </a:extLst>
-          </p:cNvPr>
-          <p:cNvSpPr txBox="1"/>
+      <p:pic>
+        <p:nvPicPr>
+          <p:cNvPr id="5" name="Picture 4" descr="A screenshot of a computer&#10;&#10;Description automatically generated">
+            <a:extLst>
+              <a:ext uri="{FF2B5EF4-FFF2-40B4-BE49-F238E27FC236}">
+                <a16:creationId xmlns:a16="http://schemas.microsoft.com/office/drawing/2014/main" id="{86EE7CC6-8EA4-C9B6-8477-2ECC8E41553A}"/>
+              </a:ext>
+            </a:extLst>
+          </p:cNvPr>
+          <p:cNvPicPr>
+            <a:picLocks noChangeAspect="1"/>
+          </p:cNvPicPr>
           <p:nvPr/>
-        </p:nvSpPr>
-        <p:spPr>
-          <a:xfrm>
-            <a:off x="62910" y="4029347"/>
-            <a:ext cx="11906545" cy="2554545"/>
+        </p:nvPicPr>
+        <p:blipFill rotWithShape="1">
+          <a:blip r:embed="rId2"/>
+          <a:srcRect t="86146" r="3090" b="3512"/>
+          <a:stretch/>
+        </p:blipFill>
+        <p:spPr>
+          <a:xfrm>
+            <a:off x="168135" y="2895600"/>
+            <a:ext cx="11855729" cy="635000"/>
           </a:xfrm>
           <a:prstGeom prst="rect">
             <a:avLst/>
           </a:prstGeom>
-          <a:noFill/>
-        </p:spPr>
-        <p:txBody>
-          <a:bodyPr wrap="square" rtlCol="0">
-            <a:spAutoFit/>
-          </a:bodyPr>
-          <a:lstStyle/>
-          <a:p>
-            <a:r>
-              <a:rPr lang="en-US" sz="2000" dirty="0">
-                <a:latin typeface="Consolas" panose="020B0609020204030204" pitchFamily="49" charset="0"/>
-              </a:rPr>
-              <a:t>Content-Security-Policy: </a:t>
-            </a:r>
-          </a:p>
-          <a:p>
-            <a:r>
-              <a:rPr lang="en-US" sz="2000" dirty="0">
-                <a:solidFill>
-                  <a:schemeClr val="accent6"/>
-                </a:solidFill>
-                <a:latin typeface="Consolas" panose="020B0609020204030204" pitchFamily="49" charset="0"/>
-              </a:rPr>
-              <a:t>default-</a:t>
-            </a:r>
-            <a:r>
-              <a:rPr lang="en-US" sz="2000" dirty="0" err="1">
-                <a:solidFill>
-                  <a:schemeClr val="accent6"/>
-                </a:solidFill>
-                <a:latin typeface="Consolas" panose="020B0609020204030204" pitchFamily="49" charset="0"/>
-              </a:rPr>
-              <a:t>src</a:t>
-            </a:r>
-            <a:r>
-              <a:rPr lang="en-US" sz="2000" dirty="0">
-                <a:solidFill>
-                  <a:schemeClr val="accent6"/>
-                </a:solidFill>
-                <a:latin typeface="Consolas" panose="020B0609020204030204" pitchFamily="49" charset="0"/>
-              </a:rPr>
-              <a:t> </a:t>
-            </a:r>
-            <a:r>
-              <a:rPr lang="en-US" sz="2000" dirty="0">
-                <a:solidFill>
-                  <a:srgbClr val="7030A0"/>
-                </a:solidFill>
-                <a:latin typeface="Consolas" panose="020B0609020204030204" pitchFamily="49" charset="0"/>
-              </a:rPr>
-              <a:t>'self'</a:t>
-            </a:r>
-            <a:r>
-              <a:rPr lang="en-US" sz="2000" dirty="0">
-                <a:latin typeface="Consolas" panose="020B0609020204030204" pitchFamily="49" charset="0"/>
-              </a:rPr>
-              <a:t>; </a:t>
-            </a:r>
-          </a:p>
-          <a:p>
-            <a:r>
-              <a:rPr lang="en-US" sz="2000" b="1" dirty="0">
-                <a:solidFill>
-                  <a:schemeClr val="accent6"/>
-                </a:solidFill>
-                <a:latin typeface="Consolas" panose="020B0609020204030204" pitchFamily="49" charset="0"/>
-              </a:rPr>
-              <a:t>script-</a:t>
-            </a:r>
-            <a:r>
-              <a:rPr lang="en-US" sz="2000" b="1" dirty="0" err="1">
-                <a:solidFill>
-                  <a:schemeClr val="accent6"/>
-                </a:solidFill>
-                <a:latin typeface="Consolas" panose="020B0609020204030204" pitchFamily="49" charset="0"/>
-              </a:rPr>
-              <a:t>src</a:t>
-            </a:r>
-            <a:r>
-              <a:rPr lang="en-US" sz="2000" b="1" dirty="0">
-                <a:latin typeface="Consolas" panose="020B0609020204030204" pitchFamily="49" charset="0"/>
-              </a:rPr>
-              <a:t> </a:t>
-            </a:r>
-            <a:r>
-              <a:rPr lang="en-US" sz="2000" b="1" dirty="0">
-                <a:solidFill>
-                  <a:srgbClr val="7030A0"/>
-                </a:solidFill>
-                <a:latin typeface="Consolas" panose="020B0609020204030204" pitchFamily="49" charset="0"/>
-              </a:rPr>
-              <a:t>'self' </a:t>
-            </a:r>
-            <a:r>
-              <a:rPr lang="en-US" sz="2000" b="1" strike="sngStrike" dirty="0">
-                <a:solidFill>
-                  <a:srgbClr val="FF0000"/>
-                </a:solidFill>
-                <a:latin typeface="Consolas" panose="020B0609020204030204" pitchFamily="49" charset="0"/>
-              </a:rPr>
-              <a:t>'unsafe-inline'</a:t>
-            </a:r>
-            <a:r>
-              <a:rPr lang="en-US" sz="2000" dirty="0">
-                <a:latin typeface="Consolas" panose="020B0609020204030204" pitchFamily="49" charset="0"/>
-              </a:rPr>
-              <a:t>; </a:t>
-            </a:r>
-          </a:p>
-          <a:p>
-            <a:r>
-              <a:rPr lang="en-US" sz="2000" dirty="0">
-                <a:solidFill>
-                  <a:schemeClr val="accent6"/>
-                </a:solidFill>
-                <a:latin typeface="Consolas" panose="020B0609020204030204" pitchFamily="49" charset="0"/>
-              </a:rPr>
-              <a:t>style-</a:t>
-            </a:r>
-            <a:r>
-              <a:rPr lang="en-US" sz="2000" dirty="0" err="1">
-                <a:solidFill>
-                  <a:schemeClr val="accent6"/>
-                </a:solidFill>
-                <a:latin typeface="Consolas" panose="020B0609020204030204" pitchFamily="49" charset="0"/>
-              </a:rPr>
-              <a:t>src</a:t>
-            </a:r>
-            <a:r>
-              <a:rPr lang="en-US" sz="2000" dirty="0">
-                <a:latin typeface="Consolas" panose="020B0609020204030204" pitchFamily="49" charset="0"/>
-              </a:rPr>
-              <a:t> </a:t>
-            </a:r>
-            <a:r>
-              <a:rPr lang="en-US" sz="2000" dirty="0">
-                <a:solidFill>
-                  <a:srgbClr val="7030A0"/>
-                </a:solidFill>
-                <a:latin typeface="Consolas" panose="020B0609020204030204" pitchFamily="49" charset="0"/>
-              </a:rPr>
-              <a:t>'self' 'unsafe-inline' https://fonts.googleapis.com https://fonts.gstatic.com</a:t>
-            </a:r>
-            <a:r>
-              <a:rPr lang="en-US" sz="2000" dirty="0">
-                <a:latin typeface="Consolas" panose="020B0609020204030204" pitchFamily="49" charset="0"/>
-              </a:rPr>
-              <a:t>; </a:t>
-            </a:r>
-          </a:p>
-          <a:p>
-            <a:r>
-              <a:rPr lang="en-US" sz="2000" dirty="0" err="1">
-                <a:solidFill>
-                  <a:schemeClr val="accent6"/>
-                </a:solidFill>
-                <a:latin typeface="Consolas" panose="020B0609020204030204" pitchFamily="49" charset="0"/>
-              </a:rPr>
-              <a:t>img-src</a:t>
-            </a:r>
-            <a:r>
-              <a:rPr lang="en-US" sz="2000" dirty="0">
-                <a:latin typeface="Consolas" panose="020B0609020204030204" pitchFamily="49" charset="0"/>
-              </a:rPr>
-              <a:t> </a:t>
-            </a:r>
-            <a:r>
-              <a:rPr lang="en-US" sz="2000" dirty="0">
-                <a:solidFill>
-                  <a:srgbClr val="7030A0"/>
-                </a:solidFill>
-                <a:latin typeface="Consolas" panose="020B0609020204030204" pitchFamily="49" charset="0"/>
-              </a:rPr>
-              <a:t>'self' data: blob:</a:t>
-            </a:r>
-            <a:r>
-              <a:rPr lang="en-US" sz="2000" dirty="0">
-                <a:latin typeface="Consolas" panose="020B0609020204030204" pitchFamily="49" charset="0"/>
-              </a:rPr>
-              <a:t>; </a:t>
-            </a:r>
-          </a:p>
-          <a:p>
-            <a:r>
-              <a:rPr lang="en-US" sz="2000" dirty="0">
-                <a:solidFill>
-                  <a:schemeClr val="accent6"/>
-                </a:solidFill>
-                <a:latin typeface="Consolas" panose="020B0609020204030204" pitchFamily="49" charset="0"/>
-              </a:rPr>
-              <a:t>font-</a:t>
-            </a:r>
-            <a:r>
-              <a:rPr lang="en-US" sz="2000" dirty="0" err="1">
-                <a:solidFill>
-                  <a:schemeClr val="accent6"/>
-                </a:solidFill>
-                <a:latin typeface="Consolas" panose="020B0609020204030204" pitchFamily="49" charset="0"/>
-              </a:rPr>
-              <a:t>src</a:t>
-            </a:r>
-            <a:r>
-              <a:rPr lang="en-US" sz="2000" dirty="0">
-                <a:latin typeface="Consolas" panose="020B0609020204030204" pitchFamily="49" charset="0"/>
-              </a:rPr>
-              <a:t> </a:t>
-            </a:r>
-            <a:r>
-              <a:rPr lang="en-US" sz="2000" dirty="0">
-                <a:solidFill>
-                  <a:srgbClr val="7030A0"/>
-                </a:solidFill>
-                <a:latin typeface="Consolas" panose="020B0609020204030204" pitchFamily="49" charset="0"/>
-              </a:rPr>
-              <a:t>'self' https://fonts.googleapis.com https://fonts.gstatic.com</a:t>
-            </a:r>
-            <a:r>
-              <a:rPr lang="en-US" sz="2000" dirty="0">
-                <a:latin typeface="Consolas" panose="020B0609020204030204" pitchFamily="49" charset="0"/>
-              </a:rPr>
-              <a:t>; </a:t>
-            </a:r>
-          </a:p>
-          <a:p>
-            <a:r>
-              <a:rPr lang="en-US" sz="2000" dirty="0">
-                <a:solidFill>
-                  <a:schemeClr val="accent6"/>
-                </a:solidFill>
-                <a:latin typeface="Consolas" panose="020B0609020204030204" pitchFamily="49" charset="0"/>
-              </a:rPr>
-              <a:t>form-action</a:t>
-            </a:r>
-            <a:r>
-              <a:rPr lang="en-US" sz="2000" dirty="0">
-                <a:solidFill>
-                  <a:srgbClr val="7030A0"/>
-                </a:solidFill>
-                <a:latin typeface="Consolas" panose="020B0609020204030204" pitchFamily="49" charset="0"/>
-              </a:rPr>
-              <a:t> 'self'</a:t>
-            </a:r>
-          </a:p>
-        </p:txBody>
-      </p:sp>
-      <p:sp>
-        <p:nvSpPr>
-          <p:cNvPr id="4" name="Rectangle 3">
-            <a:extLst>
-              <a:ext uri="{FF2B5EF4-FFF2-40B4-BE49-F238E27FC236}">
-                <a16:creationId xmlns:a16="http://schemas.microsoft.com/office/drawing/2014/main" id="{AB083D01-2D20-74EB-5E28-C7038A2503BE}"/>
-              </a:ext>
-            </a:extLst>
-          </p:cNvPr>
-          <p:cNvSpPr/>
-          <p:nvPr/>
-        </p:nvSpPr>
-        <p:spPr>
-          <a:xfrm>
-            <a:off x="62910" y="4698999"/>
-            <a:ext cx="4890090" cy="279401"/>
-          </a:xfrm>
-          <a:prstGeom prst="rect">
-            <a:avLst/>
-          </a:prstGeom>
-          <a:noFill/>
-          <a:ln w="25400">
-            <a:solidFill>
-              <a:schemeClr val="accent4"/>
-            </a:solidFill>
-          </a:ln>
-        </p:spPr>
-        <p:style>
-          <a:lnRef idx="2">
-            <a:schemeClr val="accent1">
-              <a:shade val="15000"/>
-            </a:schemeClr>
-          </a:lnRef>
-          <a:fillRef idx="1">
-            <a:schemeClr val="accent1"/>
-          </a:fillRef>
-          <a:effectRef idx="0">
-            <a:schemeClr val="accent1"/>
-          </a:effectRef>
-          <a:fontRef idx="minor">
-            <a:schemeClr val="lt1"/>
-          </a:fontRef>
-        </p:style>
-        <p:txBody>
-          <a:bodyPr rtlCol="0" anchor="ctr"/>
-          <a:lstStyle/>
-          <a:p>
-            <a:pPr algn="ctr"/>
-            <a:endParaRPr lang="en-US"/>
-          </a:p>
-        </p:txBody>
-      </p:sp>
+          <a:effectLst>
+            <a:outerShdw blurRad="50800" dist="38100" algn="l" rotWithShape="0">
+              <a:prstClr val="black">
+                <a:alpha val="40000"/>
+              </a:prstClr>
+            </a:outerShdw>
+          </a:effectLst>
+        </p:spPr>
+      </p:pic>
     </p:spTree>
     <p:extLst>
       <p:ext uri="{BB962C8B-B14F-4D97-AF65-F5344CB8AC3E}">
-        <p14:creationId xmlns:p14="http://schemas.microsoft.com/office/powerpoint/2010/main" val="2189355584"/>
+        <p14:creationId xmlns:p14="http://schemas.microsoft.com/office/powerpoint/2010/main" val="3226988061"/>
       </p:ext>
     </p:extLst>
   </p:cSld>
   <p:clrMapOvr>
     <a:masterClrMapping/>
   </p:clrMapOvr>
-  <mc:AlternateContent xmlns:mc="http://schemas.openxmlformats.org/markup-compatibility/2006" xmlns:p14="http://schemas.microsoft.com/office/powerpoint/2010/main">
-    <mc:Choice Requires="p14">
-      <p:transition spd="med" p14:dur="700">
-        <p:fade/>
+  <mc:AlternateContent xmlns:mc="http://schemas.openxmlformats.org/markup-compatibility/2006" xmlns:p159="http://schemas.microsoft.com/office/powerpoint/2015/09/main">
+    <mc:Choice Requires="p159">
+      <p:transition xmlns:p14="http://schemas.microsoft.com/office/powerpoint/2010/main" spd="slow" p14:dur="2000">
+        <p159:morph option="byObject"/>
       </p:transition>
     </mc:Choice>
     <mc:Fallback xmlns="">
-      <p:transition spd="med">
+      <p:transition spd="slow">
         <p:fade/>
       </p:transition>
     </mc:Fallback>
@@ -30387,7 +30046,7 @@
             <a:pPr algn="l"/>
             <a:r>
               <a:rPr lang="en-US" dirty="0"/>
-              <a:t>🔬Study time: second try – How to broke an app tutorial!</a:t>
+              <a:t>🔬Study time: second try</a:t>
             </a:r>
           </a:p>
         </p:txBody>
@@ -30426,11 +30085,49 @@
             </a:pPr>
             <a:r>
               <a:rPr lang="en-US" sz="2400" noProof="1"/>
-              <a:t>😱However, this breaks the review feature:</a:t>
-            </a:r>
-          </a:p>
-          <a:p>
-            <a:endParaRPr lang="en-US" sz="2400" noProof="1"/>
+              <a:t>😨However, it is still possible to execute embedded Javascript payload to perform action on behalf of the current user.</a:t>
+            </a:r>
+          </a:p>
+          <a:p>
+            <a:pPr marL="285750" indent="-285750">
+              <a:buFont typeface="Arial" panose="020B0604020202020204" pitchFamily="34" charset="0"/>
+              <a:buChar char="•"/>
+            </a:pPr>
+            <a:endParaRPr lang="en-US" sz="2400" b="1" noProof="1"/>
+          </a:p>
+          <a:p>
+            <a:pPr marL="285750" indent="-285750">
+              <a:buFont typeface="Arial" panose="020B0604020202020204" pitchFamily="34" charset="0"/>
+              <a:buChar char="•"/>
+            </a:pPr>
+            <a:r>
+              <a:rPr lang="en-US" sz="2400" noProof="1"/>
+              <a:t>🤔Idea is to to block the execution of any injected JavaScript code, by removing the </a:t>
+            </a:r>
+            <a:r>
+              <a:rPr lang="en-US" sz="2400" b="1" noProof="1">
+                <a:solidFill>
+                  <a:srgbClr val="7030A0"/>
+                </a:solidFill>
+              </a:rPr>
+              <a:t>unsafe-inline</a:t>
+            </a:r>
+            <a:r>
+              <a:rPr lang="en-US" sz="2400" noProof="1"/>
+              <a:t> instruction, from the </a:t>
+            </a:r>
+            <a:r>
+              <a:rPr lang="en-US" sz="2400" b="1" noProof="1">
+                <a:solidFill>
+                  <a:schemeClr val="accent6"/>
+                </a:solidFill>
+              </a:rPr>
+              <a:t>script-src</a:t>
+            </a:r>
+            <a:r>
+              <a:rPr lang="en-US" sz="2400" noProof="1"/>
+              <a:t> directive:</a:t>
+            </a:r>
           </a:p>
           <a:p>
             <a:pPr marL="285750" indent="-285750">
@@ -30461,91 +30158,289 @@
             <a:endParaRPr lang="en-US" sz="2400" noProof="1"/>
           </a:p>
           <a:p>
+            <a:pPr marL="285750" indent="-285750">
+              <a:buFont typeface="Arial" panose="020B0604020202020204" pitchFamily="34" charset="0"/>
+              <a:buChar char="•"/>
+            </a:pPr>
+            <a:endParaRPr lang="en-US" sz="2400" noProof="1"/>
+          </a:p>
+          <a:p>
             <a:pPr lvl="1"/>
             <a:endParaRPr lang="en-US" sz="2400" noProof="1"/>
           </a:p>
         </p:txBody>
       </p:sp>
-      <p:pic>
-        <p:nvPicPr>
-          <p:cNvPr id="8" name="Picture 7">
-            <a:extLst>
-              <a:ext uri="{FF2B5EF4-FFF2-40B4-BE49-F238E27FC236}">
-                <a16:creationId xmlns:a16="http://schemas.microsoft.com/office/drawing/2014/main" id="{E4F2BBF9-1C52-B76F-5BAC-6051A180371E}"/>
-              </a:ext>
-            </a:extLst>
-          </p:cNvPr>
-          <p:cNvPicPr>
-            <a:picLocks noChangeAspect="1"/>
-          </p:cNvPicPr>
+      <p:sp>
+        <p:nvSpPr>
+          <p:cNvPr id="3" name="TextBox 2">
+            <a:extLst>
+              <a:ext uri="{FF2B5EF4-FFF2-40B4-BE49-F238E27FC236}">
+                <a16:creationId xmlns:a16="http://schemas.microsoft.com/office/drawing/2014/main" id="{3D611CA9-9352-51D4-82FF-F26AC2F95406}"/>
+              </a:ext>
+            </a:extLst>
+          </p:cNvPr>
+          <p:cNvSpPr txBox="1"/>
           <p:nvPr/>
-        </p:nvPicPr>
-        <p:blipFill>
-          <a:blip r:embed="rId2"/>
-          <a:stretch>
-            <a:fillRect/>
-          </a:stretch>
-        </p:blipFill>
-        <p:spPr>
-          <a:xfrm>
-            <a:off x="866045" y="2253590"/>
-            <a:ext cx="10459910" cy="1876687"/>
+        </p:nvSpPr>
+        <p:spPr>
+          <a:xfrm>
+            <a:off x="62910" y="4029347"/>
+            <a:ext cx="11906545" cy="2554545"/>
           </a:xfrm>
           <a:prstGeom prst="rect">
             <a:avLst/>
           </a:prstGeom>
-          <a:effectLst>
-            <a:outerShdw blurRad="50800" dist="38100" algn="l" rotWithShape="0">
-              <a:prstClr val="black">
-                <a:alpha val="40000"/>
-              </a:prstClr>
-            </a:outerShdw>
-          </a:effectLst>
-        </p:spPr>
-      </p:pic>
-      <p:pic>
-        <p:nvPicPr>
-          <p:cNvPr id="10" name="Picture 9" descr="A screenshot of a computer program&#10;&#10;Description automatically generated">
-            <a:extLst>
-              <a:ext uri="{FF2B5EF4-FFF2-40B4-BE49-F238E27FC236}">
-                <a16:creationId xmlns:a16="http://schemas.microsoft.com/office/drawing/2014/main" id="{B3B045EE-8BCB-4CD1-18A0-04ACFEDC7A35}"/>
-              </a:ext>
-            </a:extLst>
-          </p:cNvPr>
-          <p:cNvPicPr>
-            <a:picLocks noChangeAspect="1"/>
-          </p:cNvPicPr>
-          <p:nvPr/>
-        </p:nvPicPr>
-        <p:blipFill>
-          <a:blip r:embed="rId3"/>
-          <a:stretch>
-            <a:fillRect/>
-          </a:stretch>
-        </p:blipFill>
-        <p:spPr>
-          <a:xfrm>
-            <a:off x="527258" y="4433547"/>
-            <a:ext cx="11137484" cy="2102720"/>
-          </a:xfrm>
-          <a:prstGeom prst="rect">
-            <a:avLst/>
-          </a:prstGeom>
-          <a:effectLst>
-            <a:outerShdw blurRad="50800" dist="38100" algn="l" rotWithShape="0">
-              <a:prstClr val="black">
-                <a:alpha val="40000"/>
-              </a:prstClr>
-            </a:outerShdw>
-          </a:effectLst>
-        </p:spPr>
-      </p:pic>
+          <a:noFill/>
+        </p:spPr>
+        <p:txBody>
+          <a:bodyPr wrap="square" rtlCol="0">
+            <a:spAutoFit/>
+          </a:bodyPr>
+          <a:lstStyle/>
+          <a:p>
+            <a:r>
+              <a:rPr lang="en-US" sz="2000" dirty="0">
+                <a:latin typeface="Consolas" panose="020B0609020204030204" pitchFamily="49" charset="0"/>
+              </a:rPr>
+              <a:t>Content-Security-Policy: </a:t>
+            </a:r>
+          </a:p>
+          <a:p>
+            <a:r>
+              <a:rPr lang="en-US" sz="2000" dirty="0">
+                <a:solidFill>
+                  <a:schemeClr val="accent6"/>
+                </a:solidFill>
+                <a:latin typeface="Consolas" panose="020B0609020204030204" pitchFamily="49" charset="0"/>
+              </a:rPr>
+              <a:t>default-</a:t>
+            </a:r>
+            <a:r>
+              <a:rPr lang="en-US" sz="2000" dirty="0" err="1">
+                <a:solidFill>
+                  <a:schemeClr val="accent6"/>
+                </a:solidFill>
+                <a:latin typeface="Consolas" panose="020B0609020204030204" pitchFamily="49" charset="0"/>
+              </a:rPr>
+              <a:t>src</a:t>
+            </a:r>
+            <a:r>
+              <a:rPr lang="en-US" sz="2000" dirty="0">
+                <a:solidFill>
+                  <a:schemeClr val="accent6"/>
+                </a:solidFill>
+                <a:latin typeface="Consolas" panose="020B0609020204030204" pitchFamily="49" charset="0"/>
+              </a:rPr>
+              <a:t> </a:t>
+            </a:r>
+            <a:r>
+              <a:rPr lang="en-US" sz="2000" dirty="0">
+                <a:solidFill>
+                  <a:srgbClr val="7030A0"/>
+                </a:solidFill>
+                <a:latin typeface="Consolas" panose="020B0609020204030204" pitchFamily="49" charset="0"/>
+              </a:rPr>
+              <a:t>'self'</a:t>
+            </a:r>
+            <a:r>
+              <a:rPr lang="en-US" sz="2000" dirty="0">
+                <a:latin typeface="Consolas" panose="020B0609020204030204" pitchFamily="49" charset="0"/>
+              </a:rPr>
+              <a:t>; </a:t>
+            </a:r>
+          </a:p>
+          <a:p>
+            <a:r>
+              <a:rPr lang="en-US" sz="2000" b="1" dirty="0">
+                <a:solidFill>
+                  <a:schemeClr val="accent6"/>
+                </a:solidFill>
+                <a:latin typeface="Consolas" panose="020B0609020204030204" pitchFamily="49" charset="0"/>
+              </a:rPr>
+              <a:t>script-</a:t>
+            </a:r>
+            <a:r>
+              <a:rPr lang="en-US" sz="2000" b="1" dirty="0" err="1">
+                <a:solidFill>
+                  <a:schemeClr val="accent6"/>
+                </a:solidFill>
+                <a:latin typeface="Consolas" panose="020B0609020204030204" pitchFamily="49" charset="0"/>
+              </a:rPr>
+              <a:t>src</a:t>
+            </a:r>
+            <a:r>
+              <a:rPr lang="en-US" sz="2000" b="1" dirty="0">
+                <a:latin typeface="Consolas" panose="020B0609020204030204" pitchFamily="49" charset="0"/>
+              </a:rPr>
+              <a:t> </a:t>
+            </a:r>
+            <a:r>
+              <a:rPr lang="en-US" sz="2000" b="1" dirty="0">
+                <a:solidFill>
+                  <a:srgbClr val="7030A0"/>
+                </a:solidFill>
+                <a:latin typeface="Consolas" panose="020B0609020204030204" pitchFamily="49" charset="0"/>
+              </a:rPr>
+              <a:t>'self' </a:t>
+            </a:r>
+            <a:r>
+              <a:rPr lang="en-US" sz="2000" b="1" strike="sngStrike" dirty="0">
+                <a:solidFill>
+                  <a:srgbClr val="FF0000"/>
+                </a:solidFill>
+                <a:latin typeface="Consolas" panose="020B0609020204030204" pitchFamily="49" charset="0"/>
+              </a:rPr>
+              <a:t>'unsafe-inline'</a:t>
+            </a:r>
+            <a:r>
+              <a:rPr lang="en-US" sz="2000" dirty="0">
+                <a:latin typeface="Consolas" panose="020B0609020204030204" pitchFamily="49" charset="0"/>
+              </a:rPr>
+              <a:t>; </a:t>
+            </a:r>
+          </a:p>
+          <a:p>
+            <a:r>
+              <a:rPr lang="en-US" sz="2000" dirty="0">
+                <a:solidFill>
+                  <a:schemeClr val="accent6"/>
+                </a:solidFill>
+                <a:latin typeface="Consolas" panose="020B0609020204030204" pitchFamily="49" charset="0"/>
+              </a:rPr>
+              <a:t>style-</a:t>
+            </a:r>
+            <a:r>
+              <a:rPr lang="en-US" sz="2000" dirty="0" err="1">
+                <a:solidFill>
+                  <a:schemeClr val="accent6"/>
+                </a:solidFill>
+                <a:latin typeface="Consolas" panose="020B0609020204030204" pitchFamily="49" charset="0"/>
+              </a:rPr>
+              <a:t>src</a:t>
+            </a:r>
+            <a:r>
+              <a:rPr lang="en-US" sz="2000" dirty="0">
+                <a:latin typeface="Consolas" panose="020B0609020204030204" pitchFamily="49" charset="0"/>
+              </a:rPr>
+              <a:t> </a:t>
+            </a:r>
+            <a:r>
+              <a:rPr lang="en-US" sz="2000" dirty="0">
+                <a:solidFill>
+                  <a:srgbClr val="7030A0"/>
+                </a:solidFill>
+                <a:latin typeface="Consolas" panose="020B0609020204030204" pitchFamily="49" charset="0"/>
+              </a:rPr>
+              <a:t>'self' 'unsafe-inline' https://fonts.googleapis.com https://fonts.gstatic.com</a:t>
+            </a:r>
+            <a:r>
+              <a:rPr lang="en-US" sz="2000" dirty="0">
+                <a:latin typeface="Consolas" panose="020B0609020204030204" pitchFamily="49" charset="0"/>
+              </a:rPr>
+              <a:t>; </a:t>
+            </a:r>
+          </a:p>
+          <a:p>
+            <a:r>
+              <a:rPr lang="en-US" sz="2000" dirty="0" err="1">
+                <a:solidFill>
+                  <a:schemeClr val="accent6"/>
+                </a:solidFill>
+                <a:latin typeface="Consolas" panose="020B0609020204030204" pitchFamily="49" charset="0"/>
+              </a:rPr>
+              <a:t>img-src</a:t>
+            </a:r>
+            <a:r>
+              <a:rPr lang="en-US" sz="2000" dirty="0">
+                <a:latin typeface="Consolas" panose="020B0609020204030204" pitchFamily="49" charset="0"/>
+              </a:rPr>
+              <a:t> </a:t>
+            </a:r>
+            <a:r>
+              <a:rPr lang="en-US" sz="2000" dirty="0">
+                <a:solidFill>
+                  <a:srgbClr val="7030A0"/>
+                </a:solidFill>
+                <a:latin typeface="Consolas" panose="020B0609020204030204" pitchFamily="49" charset="0"/>
+              </a:rPr>
+              <a:t>'self' data: blob:</a:t>
+            </a:r>
+            <a:r>
+              <a:rPr lang="en-US" sz="2000" dirty="0">
+                <a:latin typeface="Consolas" panose="020B0609020204030204" pitchFamily="49" charset="0"/>
+              </a:rPr>
+              <a:t>; </a:t>
+            </a:r>
+          </a:p>
+          <a:p>
+            <a:r>
+              <a:rPr lang="en-US" sz="2000" dirty="0">
+                <a:solidFill>
+                  <a:schemeClr val="accent6"/>
+                </a:solidFill>
+                <a:latin typeface="Consolas" panose="020B0609020204030204" pitchFamily="49" charset="0"/>
+              </a:rPr>
+              <a:t>font-</a:t>
+            </a:r>
+            <a:r>
+              <a:rPr lang="en-US" sz="2000" dirty="0" err="1">
+                <a:solidFill>
+                  <a:schemeClr val="accent6"/>
+                </a:solidFill>
+                <a:latin typeface="Consolas" panose="020B0609020204030204" pitchFamily="49" charset="0"/>
+              </a:rPr>
+              <a:t>src</a:t>
+            </a:r>
+            <a:r>
+              <a:rPr lang="en-US" sz="2000" dirty="0">
+                <a:latin typeface="Consolas" panose="020B0609020204030204" pitchFamily="49" charset="0"/>
+              </a:rPr>
+              <a:t> </a:t>
+            </a:r>
+            <a:r>
+              <a:rPr lang="en-US" sz="2000" dirty="0">
+                <a:solidFill>
+                  <a:srgbClr val="7030A0"/>
+                </a:solidFill>
+                <a:latin typeface="Consolas" panose="020B0609020204030204" pitchFamily="49" charset="0"/>
+              </a:rPr>
+              <a:t>'self' https://fonts.googleapis.com https://fonts.gstatic.com</a:t>
+            </a:r>
+            <a:r>
+              <a:rPr lang="en-US" sz="2000" dirty="0">
+                <a:latin typeface="Consolas" panose="020B0609020204030204" pitchFamily="49" charset="0"/>
+              </a:rPr>
+              <a:t>; </a:t>
+            </a:r>
+          </a:p>
+          <a:p>
+            <a:r>
+              <a:rPr lang="en-US" sz="2000" dirty="0">
+                <a:solidFill>
+                  <a:schemeClr val="accent6"/>
+                </a:solidFill>
+                <a:latin typeface="Consolas" panose="020B0609020204030204" pitchFamily="49" charset="0"/>
+              </a:rPr>
+              <a:t>form-action</a:t>
+            </a:r>
+            <a:r>
+              <a:rPr lang="en-US" sz="2000" dirty="0">
+                <a:solidFill>
+                  <a:srgbClr val="7030A0"/>
+                </a:solidFill>
+                <a:latin typeface="Consolas" panose="020B0609020204030204" pitchFamily="49" charset="0"/>
+              </a:rPr>
+              <a:t> 'self'</a:t>
+            </a:r>
+          </a:p>
+        </p:txBody>
+      </p:sp>
       <p:sp>
         <p:nvSpPr>
-          <p:cNvPr id="3" name="Rectangle 2">
-            <a:extLst>
-              <a:ext uri="{FF2B5EF4-FFF2-40B4-BE49-F238E27FC236}">
-                <a16:creationId xmlns:a16="http://schemas.microsoft.com/office/drawing/2014/main" id="{CA35B550-413B-CCCD-A8B0-4E50F4D23482}"/>
+          <p:cNvPr id="4" name="Rectangle 3">
+            <a:extLst>
+              <a:ext uri="{FF2B5EF4-FFF2-40B4-BE49-F238E27FC236}">
+                <a16:creationId xmlns:a16="http://schemas.microsoft.com/office/drawing/2014/main" id="{AB083D01-2D20-74EB-5E28-C7038A2503BE}"/>
               </a:ext>
             </a:extLst>
           </p:cNvPr>
@@ -30554,8 +30449,8 @@
         </p:nvSpPr>
         <p:spPr>
           <a:xfrm>
-            <a:off x="612896" y="5850070"/>
-            <a:ext cx="10893303" cy="626929"/>
+            <a:off x="62910" y="4698999"/>
+            <a:ext cx="4890090" cy="279401"/>
           </a:xfrm>
           <a:prstGeom prst="rect">
             <a:avLst/>
@@ -30595,7 +30490,7 @@
     </p:spTree>
     <p:extLst>
       <p:ext uri="{BB962C8B-B14F-4D97-AF65-F5344CB8AC3E}">
-        <p14:creationId xmlns:p14="http://schemas.microsoft.com/office/powerpoint/2010/main" val="2776536927"/>
+        <p14:creationId xmlns:p14="http://schemas.microsoft.com/office/powerpoint/2010/main" val="2189355584"/>
       </p:ext>
     </p:extLst>
   </p:cSld>
@@ -30665,7 +30560,7 @@
             <a:pPr algn="l"/>
             <a:r>
               <a:rPr lang="en-US" dirty="0"/>
-              <a:t>🔬Study time: Third try</a:t>
+              <a:t>🔬Study time: second try – How to broke an app tutorial!</a:t>
             </a:r>
           </a:p>
         </p:txBody>
@@ -30704,28 +30599,11 @@
             </a:pPr>
             <a:r>
               <a:rPr lang="en-US" sz="2400" noProof="1"/>
-              <a:t>👨‍💻For this tentative, the CSP created previously is used and the directive </a:t>
-            </a:r>
-            <a:r>
-              <a:rPr lang="en-US" sz="2400" b="1" noProof="1">
-                <a:solidFill>
-                  <a:schemeClr val="accent6"/>
-                </a:solidFill>
-              </a:rPr>
-              <a:t>script-src-attr</a:t>
-            </a:r>
-            <a:r>
-              <a:rPr lang="en-US" sz="2400" noProof="1"/>
-              <a:t> is leveraged: This directive </a:t>
-            </a:r>
-            <a:r>
-              <a:rPr lang="en-US" sz="2400" b="1" noProof="1"/>
-              <a:t>specifies valid sources for JavaScript inline event handlers</a:t>
-            </a:r>
-            <a:r>
-              <a:rPr lang="en-US" sz="2400" noProof="1"/>
-              <a:t>.</a:t>
-            </a:r>
+              <a:t>😱However, this breaks the review feature:</a:t>
+            </a:r>
+          </a:p>
+          <a:p>
+            <a:endParaRPr lang="en-US" sz="2400" noProof="1"/>
           </a:p>
           <a:p>
             <a:pPr marL="285750" indent="-285750">
@@ -30739,10 +30617,7 @@
               <a:buFont typeface="Arial" panose="020B0604020202020204" pitchFamily="34" charset="0"/>
               <a:buChar char="•"/>
             </a:pPr>
-            <a:r>
-              <a:rPr lang="en-US" sz="2400" noProof="1"/>
-              <a:t>🤔Idea is to tune the allowed behavior on scripts:</a:t>
-            </a:r>
+            <a:endParaRPr lang="en-US" sz="2400" noProof="1"/>
           </a:p>
           <a:p>
             <a:pPr marL="285750" indent="-285750">
@@ -30759,344 +30634,91 @@
             <a:endParaRPr lang="en-US" sz="2400" noProof="1"/>
           </a:p>
           <a:p>
-            <a:pPr marL="285750" indent="-285750">
-              <a:buFont typeface="Arial" panose="020B0604020202020204" pitchFamily="34" charset="0"/>
-              <a:buChar char="•"/>
-            </a:pPr>
-            <a:endParaRPr lang="en-US" sz="2400" noProof="1"/>
-          </a:p>
-          <a:p>
-            <a:pPr marL="285750" indent="-285750">
-              <a:buFont typeface="Arial" panose="020B0604020202020204" pitchFamily="34" charset="0"/>
-              <a:buChar char="•"/>
-            </a:pPr>
-            <a:endParaRPr lang="en-US" sz="2400" noProof="1"/>
-          </a:p>
-          <a:p>
             <a:pPr lvl="1"/>
             <a:endParaRPr lang="en-US" sz="2400" noProof="1"/>
           </a:p>
         </p:txBody>
       </p:sp>
-      <p:sp>
-        <p:nvSpPr>
-          <p:cNvPr id="3" name="TextBox 2">
-            <a:extLst>
-              <a:ext uri="{FF2B5EF4-FFF2-40B4-BE49-F238E27FC236}">
-                <a16:creationId xmlns:a16="http://schemas.microsoft.com/office/drawing/2014/main" id="{3D611CA9-9352-51D4-82FF-F26AC2F95406}"/>
-              </a:ext>
-            </a:extLst>
-          </p:cNvPr>
-          <p:cNvSpPr txBox="1"/>
+      <p:pic>
+        <p:nvPicPr>
+          <p:cNvPr id="8" name="Picture 7">
+            <a:extLst>
+              <a:ext uri="{FF2B5EF4-FFF2-40B4-BE49-F238E27FC236}">
+                <a16:creationId xmlns:a16="http://schemas.microsoft.com/office/drawing/2014/main" id="{E4F2BBF9-1C52-B76F-5BAC-6051A180371E}"/>
+              </a:ext>
+            </a:extLst>
+          </p:cNvPr>
+          <p:cNvPicPr>
+            <a:picLocks noChangeAspect="1"/>
+          </p:cNvPicPr>
           <p:nvPr/>
-        </p:nvSpPr>
-        <p:spPr>
-          <a:xfrm>
-            <a:off x="62910" y="4181747"/>
-            <a:ext cx="11906545" cy="2554545"/>
+        </p:nvPicPr>
+        <p:blipFill>
+          <a:blip r:embed="rId2"/>
+          <a:stretch>
+            <a:fillRect/>
+          </a:stretch>
+        </p:blipFill>
+        <p:spPr>
+          <a:xfrm>
+            <a:off x="866045" y="2253590"/>
+            <a:ext cx="10459910" cy="1876687"/>
           </a:xfrm>
           <a:prstGeom prst="rect">
             <a:avLst/>
           </a:prstGeom>
-          <a:noFill/>
-        </p:spPr>
-        <p:txBody>
-          <a:bodyPr wrap="square" rtlCol="0">
-            <a:spAutoFit/>
-          </a:bodyPr>
-          <a:lstStyle/>
-          <a:p>
-            <a:r>
-              <a:rPr lang="en-US" sz="2000" dirty="0">
-                <a:latin typeface="Consolas" panose="020B0609020204030204" pitchFamily="49" charset="0"/>
-              </a:rPr>
-              <a:t>Content-Security-Policy: </a:t>
-            </a:r>
-          </a:p>
-          <a:p>
-            <a:r>
-              <a:rPr lang="en-US" sz="2000" dirty="0">
-                <a:solidFill>
-                  <a:schemeClr val="accent6"/>
-                </a:solidFill>
-                <a:latin typeface="Consolas" panose="020B0609020204030204" pitchFamily="49" charset="0"/>
-              </a:rPr>
-              <a:t>default-</a:t>
-            </a:r>
-            <a:r>
-              <a:rPr lang="en-US" sz="2000" dirty="0" err="1">
-                <a:solidFill>
-                  <a:schemeClr val="accent6"/>
-                </a:solidFill>
-                <a:latin typeface="Consolas" panose="020B0609020204030204" pitchFamily="49" charset="0"/>
-              </a:rPr>
-              <a:t>src</a:t>
-            </a:r>
-            <a:r>
-              <a:rPr lang="en-US" sz="2000" dirty="0">
-                <a:solidFill>
-                  <a:schemeClr val="accent6"/>
-                </a:solidFill>
-                <a:latin typeface="Consolas" panose="020B0609020204030204" pitchFamily="49" charset="0"/>
-              </a:rPr>
-              <a:t> </a:t>
-            </a:r>
-            <a:r>
-              <a:rPr lang="en-US" sz="2000" dirty="0">
-                <a:solidFill>
-                  <a:srgbClr val="7030A0"/>
-                </a:solidFill>
-                <a:latin typeface="Consolas" panose="020B0609020204030204" pitchFamily="49" charset="0"/>
-              </a:rPr>
-              <a:t>'self'</a:t>
-            </a:r>
-            <a:r>
-              <a:rPr lang="en-US" sz="2000" dirty="0">
-                <a:latin typeface="Consolas" panose="020B0609020204030204" pitchFamily="49" charset="0"/>
-              </a:rPr>
-              <a:t>; </a:t>
-            </a:r>
-          </a:p>
-          <a:p>
-            <a:r>
-              <a:rPr lang="en-US" sz="2000" b="1" dirty="0">
-                <a:solidFill>
-                  <a:schemeClr val="accent6"/>
-                </a:solidFill>
-                <a:latin typeface="Consolas" panose="020B0609020204030204" pitchFamily="49" charset="0"/>
-              </a:rPr>
-              <a:t>script-</a:t>
-            </a:r>
-            <a:r>
-              <a:rPr lang="en-US" sz="2000" b="1" dirty="0" err="1">
-                <a:solidFill>
-                  <a:schemeClr val="accent6"/>
-                </a:solidFill>
-                <a:latin typeface="Consolas" panose="020B0609020204030204" pitchFamily="49" charset="0"/>
-              </a:rPr>
-              <a:t>src</a:t>
-            </a:r>
-            <a:r>
-              <a:rPr lang="en-US" sz="2000" b="1" dirty="0">
-                <a:solidFill>
-                  <a:schemeClr val="accent6"/>
-                </a:solidFill>
-                <a:latin typeface="Consolas" panose="020B0609020204030204" pitchFamily="49" charset="0"/>
-              </a:rPr>
-              <a:t> </a:t>
-            </a:r>
-            <a:r>
-              <a:rPr lang="en-US" sz="2000" b="1" dirty="0">
-                <a:solidFill>
-                  <a:srgbClr val="7030A0"/>
-                </a:solidFill>
-                <a:latin typeface="Consolas" panose="020B0609020204030204" pitchFamily="49" charset="0"/>
-              </a:rPr>
-              <a:t>'self'</a:t>
-            </a:r>
-            <a:r>
-              <a:rPr lang="en-US" sz="2000" b="1" dirty="0">
-                <a:solidFill>
-                  <a:schemeClr val="accent6"/>
-                </a:solidFill>
-                <a:latin typeface="Consolas" panose="020B0609020204030204" pitchFamily="49" charset="0"/>
-              </a:rPr>
-              <a:t>; script-</a:t>
-            </a:r>
-            <a:r>
-              <a:rPr lang="en-US" sz="2000" b="1" dirty="0" err="1">
-                <a:solidFill>
-                  <a:schemeClr val="accent6"/>
-                </a:solidFill>
-                <a:latin typeface="Consolas" panose="020B0609020204030204" pitchFamily="49" charset="0"/>
-              </a:rPr>
-              <a:t>src</a:t>
-            </a:r>
-            <a:r>
-              <a:rPr lang="en-US" sz="2000" b="1" dirty="0">
-                <a:solidFill>
-                  <a:schemeClr val="accent6"/>
-                </a:solidFill>
-                <a:latin typeface="Consolas" panose="020B0609020204030204" pitchFamily="49" charset="0"/>
-              </a:rPr>
-              <a:t>-</a:t>
-            </a:r>
-            <a:r>
-              <a:rPr lang="en-US" sz="2000" b="1" dirty="0" err="1">
-                <a:solidFill>
-                  <a:schemeClr val="accent6"/>
-                </a:solidFill>
-                <a:latin typeface="Consolas" panose="020B0609020204030204" pitchFamily="49" charset="0"/>
-              </a:rPr>
-              <a:t>attr</a:t>
-            </a:r>
-            <a:r>
-              <a:rPr lang="en-US" sz="2000" b="1" dirty="0">
-                <a:solidFill>
-                  <a:schemeClr val="accent6"/>
-                </a:solidFill>
-                <a:latin typeface="Consolas" panose="020B0609020204030204" pitchFamily="49" charset="0"/>
-              </a:rPr>
-              <a:t> </a:t>
-            </a:r>
-            <a:r>
-              <a:rPr lang="en-US" sz="2000" b="1" dirty="0">
-                <a:solidFill>
-                  <a:srgbClr val="7030A0"/>
-                </a:solidFill>
-                <a:latin typeface="Consolas" panose="020B0609020204030204" pitchFamily="49" charset="0"/>
-              </a:rPr>
-              <a:t>'unsafe-inline'</a:t>
-            </a:r>
-            <a:r>
-              <a:rPr lang="en-US" sz="2000" dirty="0">
-                <a:latin typeface="Consolas" panose="020B0609020204030204" pitchFamily="49" charset="0"/>
-              </a:rPr>
-              <a:t>;</a:t>
-            </a:r>
-          </a:p>
-          <a:p>
-            <a:r>
-              <a:rPr lang="en-US" sz="2000" dirty="0">
-                <a:solidFill>
-                  <a:schemeClr val="accent6"/>
-                </a:solidFill>
-                <a:latin typeface="Consolas" panose="020B0609020204030204" pitchFamily="49" charset="0"/>
-              </a:rPr>
-              <a:t>style-</a:t>
-            </a:r>
-            <a:r>
-              <a:rPr lang="en-US" sz="2000" dirty="0" err="1">
-                <a:solidFill>
-                  <a:schemeClr val="accent6"/>
-                </a:solidFill>
-                <a:latin typeface="Consolas" panose="020B0609020204030204" pitchFamily="49" charset="0"/>
-              </a:rPr>
-              <a:t>src</a:t>
-            </a:r>
-            <a:r>
-              <a:rPr lang="en-US" sz="2000" dirty="0">
-                <a:latin typeface="Consolas" panose="020B0609020204030204" pitchFamily="49" charset="0"/>
-              </a:rPr>
-              <a:t> </a:t>
-            </a:r>
-            <a:r>
-              <a:rPr lang="en-US" sz="2000" dirty="0">
-                <a:solidFill>
-                  <a:srgbClr val="7030A0"/>
-                </a:solidFill>
-                <a:latin typeface="Consolas" panose="020B0609020204030204" pitchFamily="49" charset="0"/>
-              </a:rPr>
-              <a:t>'self' 'unsafe-inline' https://fonts.googleapis.com https://fonts.gstatic.com</a:t>
-            </a:r>
-            <a:r>
-              <a:rPr lang="en-US" sz="2000" dirty="0">
-                <a:latin typeface="Consolas" panose="020B0609020204030204" pitchFamily="49" charset="0"/>
-              </a:rPr>
-              <a:t>; </a:t>
-            </a:r>
-          </a:p>
-          <a:p>
-            <a:r>
-              <a:rPr lang="en-US" sz="2000" dirty="0" err="1">
-                <a:solidFill>
-                  <a:schemeClr val="accent6"/>
-                </a:solidFill>
-                <a:latin typeface="Consolas" panose="020B0609020204030204" pitchFamily="49" charset="0"/>
-              </a:rPr>
-              <a:t>img-src</a:t>
-            </a:r>
-            <a:r>
-              <a:rPr lang="en-US" sz="2000" dirty="0">
-                <a:latin typeface="Consolas" panose="020B0609020204030204" pitchFamily="49" charset="0"/>
-              </a:rPr>
-              <a:t> </a:t>
-            </a:r>
-            <a:r>
-              <a:rPr lang="en-US" sz="2000" dirty="0">
-                <a:solidFill>
-                  <a:srgbClr val="7030A0"/>
-                </a:solidFill>
-                <a:latin typeface="Consolas" panose="020B0609020204030204" pitchFamily="49" charset="0"/>
-              </a:rPr>
-              <a:t>'self' data: blob:</a:t>
-            </a:r>
-            <a:r>
-              <a:rPr lang="en-US" sz="2000" dirty="0">
-                <a:latin typeface="Consolas" panose="020B0609020204030204" pitchFamily="49" charset="0"/>
-              </a:rPr>
-              <a:t>; </a:t>
-            </a:r>
-          </a:p>
-          <a:p>
-            <a:r>
-              <a:rPr lang="en-US" sz="2000" dirty="0">
-                <a:solidFill>
-                  <a:schemeClr val="accent6"/>
-                </a:solidFill>
-                <a:latin typeface="Consolas" panose="020B0609020204030204" pitchFamily="49" charset="0"/>
-              </a:rPr>
-              <a:t>font-</a:t>
-            </a:r>
-            <a:r>
-              <a:rPr lang="en-US" sz="2000" dirty="0" err="1">
-                <a:solidFill>
-                  <a:schemeClr val="accent6"/>
-                </a:solidFill>
-                <a:latin typeface="Consolas" panose="020B0609020204030204" pitchFamily="49" charset="0"/>
-              </a:rPr>
-              <a:t>src</a:t>
-            </a:r>
-            <a:r>
-              <a:rPr lang="en-US" sz="2000" dirty="0">
-                <a:latin typeface="Consolas" panose="020B0609020204030204" pitchFamily="49" charset="0"/>
-              </a:rPr>
-              <a:t> </a:t>
-            </a:r>
-            <a:r>
-              <a:rPr lang="en-US" sz="2000" dirty="0">
-                <a:solidFill>
-                  <a:srgbClr val="7030A0"/>
-                </a:solidFill>
-                <a:latin typeface="Consolas" panose="020B0609020204030204" pitchFamily="49" charset="0"/>
-              </a:rPr>
-              <a:t>'self' https://fonts.googleapis.com https://fonts.gstatic.com</a:t>
-            </a:r>
-            <a:r>
-              <a:rPr lang="en-US" sz="2000" dirty="0">
-                <a:latin typeface="Consolas" panose="020B0609020204030204" pitchFamily="49" charset="0"/>
-              </a:rPr>
-              <a:t>; </a:t>
-            </a:r>
-          </a:p>
-          <a:p>
-            <a:r>
-              <a:rPr lang="en-US" sz="2000" dirty="0">
-                <a:solidFill>
-                  <a:schemeClr val="accent6"/>
-                </a:solidFill>
-                <a:latin typeface="Consolas" panose="020B0609020204030204" pitchFamily="49" charset="0"/>
-              </a:rPr>
-              <a:t>form-action</a:t>
-            </a:r>
-            <a:r>
-              <a:rPr lang="en-US" sz="2000" dirty="0">
-                <a:solidFill>
-                  <a:srgbClr val="7030A0"/>
-                </a:solidFill>
-                <a:latin typeface="Consolas" panose="020B0609020204030204" pitchFamily="49" charset="0"/>
-              </a:rPr>
-              <a:t> 'self'</a:t>
-            </a:r>
-          </a:p>
-        </p:txBody>
-      </p:sp>
+          <a:effectLst>
+            <a:outerShdw blurRad="50800" dist="38100" algn="l" rotWithShape="0">
+              <a:prstClr val="black">
+                <a:alpha val="40000"/>
+              </a:prstClr>
+            </a:outerShdw>
+          </a:effectLst>
+        </p:spPr>
+      </p:pic>
+      <p:pic>
+        <p:nvPicPr>
+          <p:cNvPr id="10" name="Picture 9" descr="A screenshot of a computer program&#10;&#10;Description automatically generated">
+            <a:extLst>
+              <a:ext uri="{FF2B5EF4-FFF2-40B4-BE49-F238E27FC236}">
+                <a16:creationId xmlns:a16="http://schemas.microsoft.com/office/drawing/2014/main" id="{B3B045EE-8BCB-4CD1-18A0-04ACFEDC7A35}"/>
+              </a:ext>
+            </a:extLst>
+          </p:cNvPr>
+          <p:cNvPicPr>
+            <a:picLocks noChangeAspect="1"/>
+          </p:cNvPicPr>
+          <p:nvPr/>
+        </p:nvPicPr>
+        <p:blipFill>
+          <a:blip r:embed="rId3"/>
+          <a:stretch>
+            <a:fillRect/>
+          </a:stretch>
+        </p:blipFill>
+        <p:spPr>
+          <a:xfrm>
+            <a:off x="527258" y="4433547"/>
+            <a:ext cx="11137484" cy="2102720"/>
+          </a:xfrm>
+          <a:prstGeom prst="rect">
+            <a:avLst/>
+          </a:prstGeom>
+          <a:effectLst>
+            <a:outerShdw blurRad="50800" dist="38100" algn="l" rotWithShape="0">
+              <a:prstClr val="black">
+                <a:alpha val="40000"/>
+              </a:prstClr>
+            </a:outerShdw>
+          </a:effectLst>
+        </p:spPr>
+      </p:pic>
       <p:sp>
         <p:nvSpPr>
-          <p:cNvPr id="4" name="Rectangle 3">
-            <a:extLst>
-              <a:ext uri="{FF2B5EF4-FFF2-40B4-BE49-F238E27FC236}">
-                <a16:creationId xmlns:a16="http://schemas.microsoft.com/office/drawing/2014/main" id="{3AE8B725-1354-7EBF-492D-DF621411B45B}"/>
+          <p:cNvPr id="3" name="Rectangle 2">
+            <a:extLst>
+              <a:ext uri="{FF2B5EF4-FFF2-40B4-BE49-F238E27FC236}">
+                <a16:creationId xmlns:a16="http://schemas.microsoft.com/office/drawing/2014/main" id="{CA35B550-413B-CCCD-A8B0-4E50F4D23482}"/>
               </a:ext>
             </a:extLst>
           </p:cNvPr>
@@ -31105,8 +30727,8 @@
         </p:nvSpPr>
         <p:spPr>
           <a:xfrm>
-            <a:off x="62909" y="4851399"/>
-            <a:ext cx="7269223" cy="327026"/>
+            <a:off x="612896" y="5850070"/>
+            <a:ext cx="10893303" cy="626929"/>
           </a:xfrm>
           <a:prstGeom prst="rect">
             <a:avLst/>
@@ -31146,7 +30768,7 @@
     </p:spTree>
     <p:extLst>
       <p:ext uri="{BB962C8B-B14F-4D97-AF65-F5344CB8AC3E}">
-        <p14:creationId xmlns:p14="http://schemas.microsoft.com/office/powerpoint/2010/main" val="2624687999"/>
+        <p14:creationId xmlns:p14="http://schemas.microsoft.com/office/powerpoint/2010/main" val="2776536927"/>
       </p:ext>
     </p:extLst>
   </p:cSld>
@@ -31255,7 +30877,27 @@
             </a:pPr>
             <a:r>
               <a:rPr lang="en-US" sz="2400" noProof="1"/>
-              <a:t>😨Payloads used by the auditor are still successfully executed!</a:t>
+              <a:t>👨‍💻For this tentative, the CSP created previously is used and the directive </a:t>
+            </a:r>
+            <a:r>
+              <a:rPr lang="en-US" sz="2400" b="1" noProof="1">
+                <a:solidFill>
+                  <a:schemeClr val="accent6"/>
+                </a:solidFill>
+              </a:rPr>
+              <a:t>script-src-attr</a:t>
+            </a:r>
+            <a:r>
+              <a:rPr lang="en-US" sz="2400" noProof="1"/>
+              <a:t> is leveraged: This directive </a:t>
+            </a:r>
+            <a:r>
+              <a:rPr lang="en-US" sz="2400" b="1" noProof="1"/>
+              <a:t>specifies valid sources for JavaScript inline event handlers</a:t>
+            </a:r>
+            <a:r>
+              <a:rPr lang="en-US" sz="2400" noProof="1"/>
+              <a:t>.</a:t>
             </a:r>
           </a:p>
           <a:p>
@@ -31266,7 +30908,14 @@
             <a:endParaRPr lang="en-US" sz="2400" noProof="1"/>
           </a:p>
           <a:p>
-            <a:endParaRPr lang="en-US" sz="2400" noProof="1"/>
+            <a:pPr marL="285750" indent="-285750">
+              <a:buFont typeface="Arial" panose="020B0604020202020204" pitchFamily="34" charset="0"/>
+              <a:buChar char="•"/>
+            </a:pPr>
+            <a:r>
+              <a:rPr lang="en-US" sz="2400" noProof="1"/>
+              <a:t>🤔Idea is to tune the allowed behavior on scripts:</a:t>
+            </a:r>
           </a:p>
           <a:p>
             <a:pPr marL="285750" indent="-285750">
@@ -31290,51 +30939,387 @@
             <a:endParaRPr lang="en-US" sz="2400" noProof="1"/>
           </a:p>
           <a:p>
+            <a:pPr marL="285750" indent="-285750">
+              <a:buFont typeface="Arial" panose="020B0604020202020204" pitchFamily="34" charset="0"/>
+              <a:buChar char="•"/>
+            </a:pPr>
+            <a:endParaRPr lang="en-US" sz="2400" noProof="1"/>
+          </a:p>
+          <a:p>
             <a:pPr lvl="1"/>
             <a:endParaRPr lang="en-US" sz="2400" noProof="1"/>
           </a:p>
         </p:txBody>
       </p:sp>
-      <p:pic>
-        <p:nvPicPr>
-          <p:cNvPr id="5" name="Picture 4" descr="A screenshot of a computer&#10;&#10;Description automatically generated">
-            <a:extLst>
-              <a:ext uri="{FF2B5EF4-FFF2-40B4-BE49-F238E27FC236}">
-                <a16:creationId xmlns:a16="http://schemas.microsoft.com/office/drawing/2014/main" id="{013694FA-BAB9-4EF9-CC4F-5F08C5664A6D}"/>
-              </a:ext>
-            </a:extLst>
-          </p:cNvPr>
-          <p:cNvPicPr>
-            <a:picLocks noChangeAspect="1"/>
-          </p:cNvPicPr>
+      <p:sp>
+        <p:nvSpPr>
+          <p:cNvPr id="3" name="TextBox 2">
+            <a:extLst>
+              <a:ext uri="{FF2B5EF4-FFF2-40B4-BE49-F238E27FC236}">
+                <a16:creationId xmlns:a16="http://schemas.microsoft.com/office/drawing/2014/main" id="{3D611CA9-9352-51D4-82FF-F26AC2F95406}"/>
+              </a:ext>
+            </a:extLst>
+          </p:cNvPr>
+          <p:cNvSpPr txBox="1"/>
           <p:nvPr/>
-        </p:nvPicPr>
-        <p:blipFill rotWithShape="1">
-          <a:blip r:embed="rId2"/>
-          <a:srcRect r="4198" b="4376"/>
-          <a:stretch/>
-        </p:blipFill>
-        <p:spPr>
-          <a:xfrm>
-            <a:off x="2575932" y="2159001"/>
-            <a:ext cx="7908944" cy="4553376"/>
+        </p:nvSpPr>
+        <p:spPr>
+          <a:xfrm>
+            <a:off x="62910" y="4181747"/>
+            <a:ext cx="11906545" cy="2554545"/>
           </a:xfrm>
           <a:prstGeom prst="rect">
             <a:avLst/>
           </a:prstGeom>
-          <a:effectLst>
-            <a:outerShdw blurRad="50800" dist="38100" algn="l" rotWithShape="0">
-              <a:prstClr val="black">
-                <a:alpha val="40000"/>
-              </a:prstClr>
-            </a:outerShdw>
-          </a:effectLst>
-        </p:spPr>
-      </p:pic>
+          <a:noFill/>
+        </p:spPr>
+        <p:txBody>
+          <a:bodyPr wrap="square" rtlCol="0">
+            <a:spAutoFit/>
+          </a:bodyPr>
+          <a:lstStyle/>
+          <a:p>
+            <a:r>
+              <a:rPr lang="en-US" sz="2000" dirty="0">
+                <a:latin typeface="Consolas" panose="020B0609020204030204" pitchFamily="49" charset="0"/>
+              </a:rPr>
+              <a:t>Content-Security-Policy: </a:t>
+            </a:r>
+          </a:p>
+          <a:p>
+            <a:r>
+              <a:rPr lang="en-US" sz="2000" dirty="0">
+                <a:solidFill>
+                  <a:schemeClr val="accent6"/>
+                </a:solidFill>
+                <a:latin typeface="Consolas" panose="020B0609020204030204" pitchFamily="49" charset="0"/>
+              </a:rPr>
+              <a:t>default-</a:t>
+            </a:r>
+            <a:r>
+              <a:rPr lang="en-US" sz="2000" dirty="0" err="1">
+                <a:solidFill>
+                  <a:schemeClr val="accent6"/>
+                </a:solidFill>
+                <a:latin typeface="Consolas" panose="020B0609020204030204" pitchFamily="49" charset="0"/>
+              </a:rPr>
+              <a:t>src</a:t>
+            </a:r>
+            <a:r>
+              <a:rPr lang="en-US" sz="2000" dirty="0">
+                <a:solidFill>
+                  <a:schemeClr val="accent6"/>
+                </a:solidFill>
+                <a:latin typeface="Consolas" panose="020B0609020204030204" pitchFamily="49" charset="0"/>
+              </a:rPr>
+              <a:t> </a:t>
+            </a:r>
+            <a:r>
+              <a:rPr lang="en-US" sz="2000" dirty="0">
+                <a:solidFill>
+                  <a:srgbClr val="7030A0"/>
+                </a:solidFill>
+                <a:latin typeface="Consolas" panose="020B0609020204030204" pitchFamily="49" charset="0"/>
+              </a:rPr>
+              <a:t>'self'</a:t>
+            </a:r>
+            <a:r>
+              <a:rPr lang="en-US" sz="2000" dirty="0">
+                <a:latin typeface="Consolas" panose="020B0609020204030204" pitchFamily="49" charset="0"/>
+              </a:rPr>
+              <a:t>; </a:t>
+            </a:r>
+          </a:p>
+          <a:p>
+            <a:r>
+              <a:rPr lang="en-US" sz="2000" b="1" dirty="0">
+                <a:solidFill>
+                  <a:schemeClr val="accent6"/>
+                </a:solidFill>
+                <a:latin typeface="Consolas" panose="020B0609020204030204" pitchFamily="49" charset="0"/>
+              </a:rPr>
+              <a:t>script-</a:t>
+            </a:r>
+            <a:r>
+              <a:rPr lang="en-US" sz="2000" b="1" dirty="0" err="1">
+                <a:solidFill>
+                  <a:schemeClr val="accent6"/>
+                </a:solidFill>
+                <a:latin typeface="Consolas" panose="020B0609020204030204" pitchFamily="49" charset="0"/>
+              </a:rPr>
+              <a:t>src</a:t>
+            </a:r>
+            <a:r>
+              <a:rPr lang="en-US" sz="2000" b="1" dirty="0">
+                <a:solidFill>
+                  <a:schemeClr val="accent6"/>
+                </a:solidFill>
+                <a:latin typeface="Consolas" panose="020B0609020204030204" pitchFamily="49" charset="0"/>
+              </a:rPr>
+              <a:t> </a:t>
+            </a:r>
+            <a:r>
+              <a:rPr lang="en-US" sz="2000" b="1" dirty="0">
+                <a:solidFill>
+                  <a:srgbClr val="7030A0"/>
+                </a:solidFill>
+                <a:latin typeface="Consolas" panose="020B0609020204030204" pitchFamily="49" charset="0"/>
+              </a:rPr>
+              <a:t>'self'</a:t>
+            </a:r>
+            <a:r>
+              <a:rPr lang="en-US" sz="2000" b="1" dirty="0">
+                <a:solidFill>
+                  <a:schemeClr val="accent6"/>
+                </a:solidFill>
+                <a:latin typeface="Consolas" panose="020B0609020204030204" pitchFamily="49" charset="0"/>
+              </a:rPr>
+              <a:t>; script-</a:t>
+            </a:r>
+            <a:r>
+              <a:rPr lang="en-US" sz="2000" b="1" dirty="0" err="1">
+                <a:solidFill>
+                  <a:schemeClr val="accent6"/>
+                </a:solidFill>
+                <a:latin typeface="Consolas" panose="020B0609020204030204" pitchFamily="49" charset="0"/>
+              </a:rPr>
+              <a:t>src</a:t>
+            </a:r>
+            <a:r>
+              <a:rPr lang="en-US" sz="2000" b="1" dirty="0">
+                <a:solidFill>
+                  <a:schemeClr val="accent6"/>
+                </a:solidFill>
+                <a:latin typeface="Consolas" panose="020B0609020204030204" pitchFamily="49" charset="0"/>
+              </a:rPr>
+              <a:t>-</a:t>
+            </a:r>
+            <a:r>
+              <a:rPr lang="en-US" sz="2000" b="1" dirty="0" err="1">
+                <a:solidFill>
+                  <a:schemeClr val="accent6"/>
+                </a:solidFill>
+                <a:latin typeface="Consolas" panose="020B0609020204030204" pitchFamily="49" charset="0"/>
+              </a:rPr>
+              <a:t>attr</a:t>
+            </a:r>
+            <a:r>
+              <a:rPr lang="en-US" sz="2000" b="1" dirty="0">
+                <a:solidFill>
+                  <a:schemeClr val="accent6"/>
+                </a:solidFill>
+                <a:latin typeface="Consolas" panose="020B0609020204030204" pitchFamily="49" charset="0"/>
+              </a:rPr>
+              <a:t> </a:t>
+            </a:r>
+            <a:r>
+              <a:rPr lang="en-US" sz="2000" b="1" dirty="0">
+                <a:solidFill>
+                  <a:srgbClr val="7030A0"/>
+                </a:solidFill>
+                <a:latin typeface="Consolas" panose="020B0609020204030204" pitchFamily="49" charset="0"/>
+              </a:rPr>
+              <a:t>'unsafe-inline'</a:t>
+            </a:r>
+            <a:r>
+              <a:rPr lang="en-US" sz="2000" dirty="0">
+                <a:latin typeface="Consolas" panose="020B0609020204030204" pitchFamily="49" charset="0"/>
+              </a:rPr>
+              <a:t>;</a:t>
+            </a:r>
+          </a:p>
+          <a:p>
+            <a:r>
+              <a:rPr lang="en-US" sz="2000" dirty="0">
+                <a:solidFill>
+                  <a:schemeClr val="accent6"/>
+                </a:solidFill>
+                <a:latin typeface="Consolas" panose="020B0609020204030204" pitchFamily="49" charset="0"/>
+              </a:rPr>
+              <a:t>style-</a:t>
+            </a:r>
+            <a:r>
+              <a:rPr lang="en-US" sz="2000" dirty="0" err="1">
+                <a:solidFill>
+                  <a:schemeClr val="accent6"/>
+                </a:solidFill>
+                <a:latin typeface="Consolas" panose="020B0609020204030204" pitchFamily="49" charset="0"/>
+              </a:rPr>
+              <a:t>src</a:t>
+            </a:r>
+            <a:r>
+              <a:rPr lang="en-US" sz="2000" dirty="0">
+                <a:latin typeface="Consolas" panose="020B0609020204030204" pitchFamily="49" charset="0"/>
+              </a:rPr>
+              <a:t> </a:t>
+            </a:r>
+            <a:r>
+              <a:rPr lang="en-US" sz="2000" dirty="0">
+                <a:solidFill>
+                  <a:srgbClr val="7030A0"/>
+                </a:solidFill>
+                <a:latin typeface="Consolas" panose="020B0609020204030204" pitchFamily="49" charset="0"/>
+              </a:rPr>
+              <a:t>'self' 'unsafe-inline' https://fonts.googleapis.com https://fonts.gstatic.com</a:t>
+            </a:r>
+            <a:r>
+              <a:rPr lang="en-US" sz="2000" dirty="0">
+                <a:latin typeface="Consolas" panose="020B0609020204030204" pitchFamily="49" charset="0"/>
+              </a:rPr>
+              <a:t>; </a:t>
+            </a:r>
+          </a:p>
+          <a:p>
+            <a:r>
+              <a:rPr lang="en-US" sz="2000" dirty="0" err="1">
+                <a:solidFill>
+                  <a:schemeClr val="accent6"/>
+                </a:solidFill>
+                <a:latin typeface="Consolas" panose="020B0609020204030204" pitchFamily="49" charset="0"/>
+              </a:rPr>
+              <a:t>img-src</a:t>
+            </a:r>
+            <a:r>
+              <a:rPr lang="en-US" sz="2000" dirty="0">
+                <a:latin typeface="Consolas" panose="020B0609020204030204" pitchFamily="49" charset="0"/>
+              </a:rPr>
+              <a:t> </a:t>
+            </a:r>
+            <a:r>
+              <a:rPr lang="en-US" sz="2000" dirty="0">
+                <a:solidFill>
+                  <a:srgbClr val="7030A0"/>
+                </a:solidFill>
+                <a:latin typeface="Consolas" panose="020B0609020204030204" pitchFamily="49" charset="0"/>
+              </a:rPr>
+              <a:t>'self' data: blob:</a:t>
+            </a:r>
+            <a:r>
+              <a:rPr lang="en-US" sz="2000" dirty="0">
+                <a:latin typeface="Consolas" panose="020B0609020204030204" pitchFamily="49" charset="0"/>
+              </a:rPr>
+              <a:t>; </a:t>
+            </a:r>
+          </a:p>
+          <a:p>
+            <a:r>
+              <a:rPr lang="en-US" sz="2000" dirty="0">
+                <a:solidFill>
+                  <a:schemeClr val="accent6"/>
+                </a:solidFill>
+                <a:latin typeface="Consolas" panose="020B0609020204030204" pitchFamily="49" charset="0"/>
+              </a:rPr>
+              <a:t>font-</a:t>
+            </a:r>
+            <a:r>
+              <a:rPr lang="en-US" sz="2000" dirty="0" err="1">
+                <a:solidFill>
+                  <a:schemeClr val="accent6"/>
+                </a:solidFill>
+                <a:latin typeface="Consolas" panose="020B0609020204030204" pitchFamily="49" charset="0"/>
+              </a:rPr>
+              <a:t>src</a:t>
+            </a:r>
+            <a:r>
+              <a:rPr lang="en-US" sz="2000" dirty="0">
+                <a:latin typeface="Consolas" panose="020B0609020204030204" pitchFamily="49" charset="0"/>
+              </a:rPr>
+              <a:t> </a:t>
+            </a:r>
+            <a:r>
+              <a:rPr lang="en-US" sz="2000" dirty="0">
+                <a:solidFill>
+                  <a:srgbClr val="7030A0"/>
+                </a:solidFill>
+                <a:latin typeface="Consolas" panose="020B0609020204030204" pitchFamily="49" charset="0"/>
+              </a:rPr>
+              <a:t>'self' https://fonts.googleapis.com https://fonts.gstatic.com</a:t>
+            </a:r>
+            <a:r>
+              <a:rPr lang="en-US" sz="2000" dirty="0">
+                <a:latin typeface="Consolas" panose="020B0609020204030204" pitchFamily="49" charset="0"/>
+              </a:rPr>
+              <a:t>; </a:t>
+            </a:r>
+          </a:p>
+          <a:p>
+            <a:r>
+              <a:rPr lang="en-US" sz="2000" dirty="0">
+                <a:solidFill>
+                  <a:schemeClr val="accent6"/>
+                </a:solidFill>
+                <a:latin typeface="Consolas" panose="020B0609020204030204" pitchFamily="49" charset="0"/>
+              </a:rPr>
+              <a:t>form-action</a:t>
+            </a:r>
+            <a:r>
+              <a:rPr lang="en-US" sz="2000" dirty="0">
+                <a:solidFill>
+                  <a:srgbClr val="7030A0"/>
+                </a:solidFill>
+                <a:latin typeface="Consolas" panose="020B0609020204030204" pitchFamily="49" charset="0"/>
+              </a:rPr>
+              <a:t> 'self'</a:t>
+            </a:r>
+          </a:p>
+        </p:txBody>
+      </p:sp>
+      <p:sp>
+        <p:nvSpPr>
+          <p:cNvPr id="4" name="Rectangle 3">
+            <a:extLst>
+              <a:ext uri="{FF2B5EF4-FFF2-40B4-BE49-F238E27FC236}">
+                <a16:creationId xmlns:a16="http://schemas.microsoft.com/office/drawing/2014/main" id="{3AE8B725-1354-7EBF-492D-DF621411B45B}"/>
+              </a:ext>
+            </a:extLst>
+          </p:cNvPr>
+          <p:cNvSpPr/>
+          <p:nvPr/>
+        </p:nvSpPr>
+        <p:spPr>
+          <a:xfrm>
+            <a:off x="62909" y="4851399"/>
+            <a:ext cx="7269223" cy="327026"/>
+          </a:xfrm>
+          <a:prstGeom prst="rect">
+            <a:avLst/>
+          </a:prstGeom>
+          <a:noFill/>
+          <a:ln w="25400">
+            <a:solidFill>
+              <a:schemeClr val="accent4"/>
+            </a:solidFill>
+          </a:ln>
+        </p:spPr>
+        <p:style>
+          <a:lnRef idx="2">
+            <a:schemeClr val="accent1">
+              <a:shade val="15000"/>
+            </a:schemeClr>
+          </a:lnRef>
+          <a:fillRef idx="1">
+            <a:schemeClr val="accent1"/>
+          </a:fillRef>
+          <a:effectRef idx="0">
+            <a:schemeClr val="accent1"/>
+          </a:effectRef>
+          <a:fontRef idx="minor">
+            <a:schemeClr val="lt1"/>
+          </a:fontRef>
+        </p:style>
+        <p:txBody>
+          <a:bodyPr rtlCol="0" anchor="ctr"/>
+          <a:lstStyle/>
+          <a:p>
+            <a:pPr algn="ctr"/>
+            <a:endParaRPr lang="en-US"/>
+          </a:p>
+        </p:txBody>
+      </p:sp>
     </p:spTree>
     <p:extLst>
       <p:ext uri="{BB962C8B-B14F-4D97-AF65-F5344CB8AC3E}">
-        <p14:creationId xmlns:p14="http://schemas.microsoft.com/office/powerpoint/2010/main" val="2579338337"/>
+        <p14:creationId xmlns:p14="http://schemas.microsoft.com/office/powerpoint/2010/main" val="2624687999"/>
       </p:ext>
     </p:extLst>
   </p:cSld>
@@ -31526,6 +31511,194 @@
 </file>
 
 <file path=ppt/slides/slide40.xml><?xml version="1.0" encoding="utf-8"?>
+<p:sld xmlns:a="http://schemas.openxmlformats.org/drawingml/2006/main" xmlns:r="http://schemas.openxmlformats.org/officeDocument/2006/relationships" xmlns:p="http://schemas.openxmlformats.org/presentationml/2006/main">
+  <p:cSld>
+    <p:spTree>
+      <p:nvGrpSpPr>
+        <p:cNvPr id="1" name=""/>
+        <p:cNvGrpSpPr/>
+        <p:nvPr/>
+      </p:nvGrpSpPr>
+      <p:grpSpPr>
+        <a:xfrm>
+          <a:off x="0" y="0"/>
+          <a:ext cx="0" cy="0"/>
+          <a:chOff x="0" y="0"/>
+          <a:chExt cx="0" cy="0"/>
+        </a:xfrm>
+      </p:grpSpPr>
+      <p:sp>
+        <p:nvSpPr>
+          <p:cNvPr id="2" name="Title 1">
+            <a:extLst>
+              <a:ext uri="{FF2B5EF4-FFF2-40B4-BE49-F238E27FC236}">
+                <a16:creationId xmlns:a16="http://schemas.microsoft.com/office/drawing/2014/main" id="{5CE54ABB-4929-4810-950B-2DAEA0A5BAB4}"/>
+              </a:ext>
+            </a:extLst>
+          </p:cNvPr>
+          <p:cNvSpPr>
+            <a:spLocks noGrp="1"/>
+          </p:cNvSpPr>
+          <p:nvPr>
+            <p:ph type="title"/>
+          </p:nvPr>
+        </p:nvSpPr>
+        <p:spPr>
+          <a:xfrm>
+            <a:off x="0" y="927496"/>
+            <a:ext cx="12192000" cy="562637"/>
+          </a:xfrm>
+        </p:spPr>
+        <p:txBody>
+          <a:bodyPr>
+            <a:normAutofit/>
+          </a:bodyPr>
+          <a:lstStyle/>
+          <a:p>
+            <a:pPr algn="l"/>
+            <a:r>
+              <a:rPr lang="en-US" dirty="0"/>
+              <a:t>🔬Study time: Third try</a:t>
+            </a:r>
+          </a:p>
+        </p:txBody>
+      </p:sp>
+      <p:sp>
+        <p:nvSpPr>
+          <p:cNvPr id="7" name="Content Placeholder 6">
+            <a:extLst>
+              <a:ext uri="{FF2B5EF4-FFF2-40B4-BE49-F238E27FC236}">
+                <a16:creationId xmlns:a16="http://schemas.microsoft.com/office/drawing/2014/main" id="{6B35F89A-6CDF-41F7-BD87-18B45BD7330B}"/>
+              </a:ext>
+            </a:extLst>
+          </p:cNvPr>
+          <p:cNvSpPr>
+            <a:spLocks noGrp="1"/>
+          </p:cNvSpPr>
+          <p:nvPr>
+            <p:ph sz="half" idx="2"/>
+          </p:nvPr>
+        </p:nvSpPr>
+        <p:spPr>
+          <a:xfrm>
+            <a:off x="62910" y="1679575"/>
+            <a:ext cx="12129090" cy="5178425"/>
+          </a:xfrm>
+        </p:spPr>
+        <p:txBody>
+          <a:bodyPr vert="horz" lIns="91440" tIns="45720" rIns="91440" bIns="45720" rtlCol="0" anchor="t">
+            <a:normAutofit/>
+          </a:bodyPr>
+          <a:lstStyle/>
+          <a:p>
+            <a:pPr marL="285750" indent="-285750">
+              <a:buFont typeface="Arial" panose="020B0604020202020204" pitchFamily="34" charset="0"/>
+              <a:buChar char="•"/>
+            </a:pPr>
+            <a:r>
+              <a:rPr lang="en-US" sz="2400" noProof="1"/>
+              <a:t>😨Payloads used by the auditor are still successfully executed!</a:t>
+            </a:r>
+          </a:p>
+          <a:p>
+            <a:pPr marL="285750" indent="-285750">
+              <a:buFont typeface="Arial" panose="020B0604020202020204" pitchFamily="34" charset="0"/>
+              <a:buChar char="•"/>
+            </a:pPr>
+            <a:endParaRPr lang="en-US" sz="2400" noProof="1"/>
+          </a:p>
+          <a:p>
+            <a:endParaRPr lang="en-US" sz="2400" noProof="1"/>
+          </a:p>
+          <a:p>
+            <a:pPr marL="285750" indent="-285750">
+              <a:buFont typeface="Arial" panose="020B0604020202020204" pitchFamily="34" charset="0"/>
+              <a:buChar char="•"/>
+            </a:pPr>
+            <a:endParaRPr lang="en-US" sz="2400" noProof="1"/>
+          </a:p>
+          <a:p>
+            <a:pPr marL="285750" indent="-285750">
+              <a:buFont typeface="Arial" panose="020B0604020202020204" pitchFamily="34" charset="0"/>
+              <a:buChar char="•"/>
+            </a:pPr>
+            <a:endParaRPr lang="en-US" sz="2400" noProof="1"/>
+          </a:p>
+          <a:p>
+            <a:pPr marL="285750" indent="-285750">
+              <a:buFont typeface="Arial" panose="020B0604020202020204" pitchFamily="34" charset="0"/>
+              <a:buChar char="•"/>
+            </a:pPr>
+            <a:endParaRPr lang="en-US" sz="2400" noProof="1"/>
+          </a:p>
+          <a:p>
+            <a:pPr lvl="1"/>
+            <a:endParaRPr lang="en-US" sz="2400" noProof="1"/>
+          </a:p>
+        </p:txBody>
+      </p:sp>
+      <p:pic>
+        <p:nvPicPr>
+          <p:cNvPr id="5" name="Picture 4" descr="A screenshot of a computer&#10;&#10;Description automatically generated">
+            <a:extLst>
+              <a:ext uri="{FF2B5EF4-FFF2-40B4-BE49-F238E27FC236}">
+                <a16:creationId xmlns:a16="http://schemas.microsoft.com/office/drawing/2014/main" id="{013694FA-BAB9-4EF9-CC4F-5F08C5664A6D}"/>
+              </a:ext>
+            </a:extLst>
+          </p:cNvPr>
+          <p:cNvPicPr>
+            <a:picLocks noChangeAspect="1"/>
+          </p:cNvPicPr>
+          <p:nvPr/>
+        </p:nvPicPr>
+        <p:blipFill rotWithShape="1">
+          <a:blip r:embed="rId2"/>
+          <a:srcRect r="4198" b="4376"/>
+          <a:stretch/>
+        </p:blipFill>
+        <p:spPr>
+          <a:xfrm>
+            <a:off x="2575932" y="2159001"/>
+            <a:ext cx="7908944" cy="4553376"/>
+          </a:xfrm>
+          <a:prstGeom prst="rect">
+            <a:avLst/>
+          </a:prstGeom>
+          <a:effectLst>
+            <a:outerShdw blurRad="50800" dist="38100" algn="l" rotWithShape="0">
+              <a:prstClr val="black">
+                <a:alpha val="40000"/>
+              </a:prstClr>
+            </a:outerShdw>
+          </a:effectLst>
+        </p:spPr>
+      </p:pic>
+    </p:spTree>
+    <p:extLst>
+      <p:ext uri="{BB962C8B-B14F-4D97-AF65-F5344CB8AC3E}">
+        <p14:creationId xmlns:p14="http://schemas.microsoft.com/office/powerpoint/2010/main" val="2579338337"/>
+      </p:ext>
+    </p:extLst>
+  </p:cSld>
+  <p:clrMapOvr>
+    <a:masterClrMapping/>
+  </p:clrMapOvr>
+  <mc:AlternateContent xmlns:mc="http://schemas.openxmlformats.org/markup-compatibility/2006" xmlns:p14="http://schemas.microsoft.com/office/powerpoint/2010/main">
+    <mc:Choice Requires="p14">
+      <p:transition spd="med" p14:dur="700">
+        <p:fade/>
+      </p:transition>
+    </mc:Choice>
+    <mc:Fallback xmlns="">
+      <p:transition spd="med">
+        <p:fade/>
+      </p:transition>
+    </mc:Fallback>
+  </mc:AlternateContent>
+</p:sld>
+</file>
+
+<file path=ppt/slides/slide41.xml><?xml version="1.0" encoding="utf-8"?>
 <p:sld xmlns:a="http://schemas.openxmlformats.org/drawingml/2006/main" xmlns:r="http://schemas.openxmlformats.org/officeDocument/2006/relationships" xmlns:p="http://schemas.openxmlformats.org/presentationml/2006/main">
   <p:cSld>
     <p:spTree>
@@ -32398,7 +32571,7 @@
 </p:sld>
 </file>
 
-<file path=ppt/slides/slide41.xml><?xml version="1.0" encoding="utf-8"?>
+<file path=ppt/slides/slide42.xml><?xml version="1.0" encoding="utf-8"?>
 <p:sld xmlns:a="http://schemas.openxmlformats.org/drawingml/2006/main" xmlns:r="http://schemas.openxmlformats.org/officeDocument/2006/relationships" xmlns:p="http://schemas.openxmlformats.org/presentationml/2006/main">
   <p:cSld>
     <p:spTree>
@@ -32693,7 +32866,7 @@
 </p:sld>
 </file>
 
-<file path=ppt/slides/slide42.xml><?xml version="1.0" encoding="utf-8"?>
+<file path=ppt/slides/slide43.xml><?xml version="1.0" encoding="utf-8"?>
 <p:sld xmlns:a="http://schemas.openxmlformats.org/drawingml/2006/main" xmlns:r="http://schemas.openxmlformats.org/officeDocument/2006/relationships" xmlns:p="http://schemas.openxmlformats.org/presentationml/2006/main">
   <p:cSld>
     <p:spTree>
@@ -33044,637 +33217,6 @@
 </p:sld>
 </file>
 
-<file path=ppt/slides/slide43.xml><?xml version="1.0" encoding="utf-8"?>
-<p:sld xmlns:a="http://schemas.openxmlformats.org/drawingml/2006/main" xmlns:r="http://schemas.openxmlformats.org/officeDocument/2006/relationships" xmlns:p="http://schemas.openxmlformats.org/presentationml/2006/main">
-  <p:cSld>
-    <p:spTree>
-      <p:nvGrpSpPr>
-        <p:cNvPr id="1" name=""/>
-        <p:cNvGrpSpPr/>
-        <p:nvPr/>
-      </p:nvGrpSpPr>
-      <p:grpSpPr>
-        <a:xfrm>
-          <a:off x="0" y="0"/>
-          <a:ext cx="0" cy="0"/>
-          <a:chOff x="0" y="0"/>
-          <a:chExt cx="0" cy="0"/>
-        </a:xfrm>
-      </p:grpSpPr>
-      <p:sp>
-        <p:nvSpPr>
-          <p:cNvPr id="2" name="Title 1">
-            <a:extLst>
-              <a:ext uri="{FF2B5EF4-FFF2-40B4-BE49-F238E27FC236}">
-                <a16:creationId xmlns:a16="http://schemas.microsoft.com/office/drawing/2014/main" id="{5CE54ABB-4929-4810-950B-2DAEA0A5BAB4}"/>
-              </a:ext>
-            </a:extLst>
-          </p:cNvPr>
-          <p:cNvSpPr>
-            <a:spLocks noGrp="1"/>
-          </p:cNvSpPr>
-          <p:nvPr>
-            <p:ph type="title"/>
-          </p:nvPr>
-        </p:nvSpPr>
-        <p:spPr>
-          <a:xfrm>
-            <a:off x="0" y="927496"/>
-            <a:ext cx="12192000" cy="562637"/>
-          </a:xfrm>
-        </p:spPr>
-        <p:txBody>
-          <a:bodyPr>
-            <a:normAutofit/>
-          </a:bodyPr>
-          <a:lstStyle/>
-          <a:p>
-            <a:pPr algn="l"/>
-            <a:r>
-              <a:rPr lang="en-US" dirty="0"/>
-              <a:t>🔬Study time: Wait a second!</a:t>
-            </a:r>
-          </a:p>
-        </p:txBody>
-      </p:sp>
-      <p:sp>
-        <p:nvSpPr>
-          <p:cNvPr id="7" name="Content Placeholder 6">
-            <a:extLst>
-              <a:ext uri="{FF2B5EF4-FFF2-40B4-BE49-F238E27FC236}">
-                <a16:creationId xmlns:a16="http://schemas.microsoft.com/office/drawing/2014/main" id="{6B35F89A-6CDF-41F7-BD87-18B45BD7330B}"/>
-              </a:ext>
-            </a:extLst>
-          </p:cNvPr>
-          <p:cNvSpPr>
-            <a:spLocks noGrp="1"/>
-          </p:cNvSpPr>
-          <p:nvPr>
-            <p:ph sz="half" idx="2"/>
-          </p:nvPr>
-        </p:nvSpPr>
-        <p:spPr>
-          <a:xfrm>
-            <a:off x="62910" y="1679575"/>
-            <a:ext cx="12129090" cy="5178425"/>
-          </a:xfrm>
-        </p:spPr>
-        <p:txBody>
-          <a:bodyPr vert="horz" lIns="91440" tIns="45720" rIns="91440" bIns="45720" rtlCol="0" anchor="t">
-            <a:normAutofit/>
-          </a:bodyPr>
-          <a:lstStyle/>
-          <a:p>
-            <a:pPr marL="285750" indent="-285750">
-              <a:buFont typeface="Arial" panose="020B0604020202020204" pitchFamily="34" charset="0"/>
-              <a:buChar char="•"/>
-            </a:pPr>
-            <a:r>
-              <a:rPr lang="en-US" sz="2400" noProof="1"/>
-              <a:t>🤔You decide to break </a:t>
-            </a:r>
-            <a:r>
-              <a:rPr lang="en-US" sz="2400" b="1" noProof="1"/>
-              <a:t>one constraint </a:t>
-            </a:r>
-            <a:r>
-              <a:rPr lang="en-US" sz="2400" noProof="1"/>
-              <a:t>and “fix” the way used to define the event handler to use the recommended way:</a:t>
-            </a:r>
-          </a:p>
-          <a:p>
-            <a:pPr marL="285750" indent="-285750">
-              <a:buFont typeface="Arial" panose="020B0604020202020204" pitchFamily="34" charset="0"/>
-              <a:buChar char="•"/>
-            </a:pPr>
-            <a:endParaRPr lang="en-US" sz="2400" noProof="1"/>
-          </a:p>
-          <a:p>
-            <a:pPr marL="285750" indent="-285750">
-              <a:buFont typeface="Arial" panose="020B0604020202020204" pitchFamily="34" charset="0"/>
-              <a:buChar char="•"/>
-            </a:pPr>
-            <a:endParaRPr lang="en-US" sz="2400" noProof="1"/>
-          </a:p>
-          <a:p>
-            <a:pPr marL="285750" indent="-285750">
-              <a:buFont typeface="Arial" panose="020B0604020202020204" pitchFamily="34" charset="0"/>
-              <a:buChar char="•"/>
-            </a:pPr>
-            <a:r>
-              <a:rPr lang="en-US" sz="2400" noProof="1"/>
-              <a:t>🤔And test the CSP that you wanted to create during the second try:</a:t>
-            </a:r>
-          </a:p>
-          <a:p>
-            <a:pPr marL="285750" indent="-285750">
-              <a:buFont typeface="Arial" panose="020B0604020202020204" pitchFamily="34" charset="0"/>
-              <a:buChar char="•"/>
-            </a:pPr>
-            <a:endParaRPr lang="en-US" sz="2400" noProof="1"/>
-          </a:p>
-          <a:p>
-            <a:pPr marL="742950" lvl="1" indent="-285750">
-              <a:buFont typeface="Arial" panose="020B0604020202020204" pitchFamily="34" charset="0"/>
-              <a:buChar char="•"/>
-            </a:pPr>
-            <a:endParaRPr lang="en-US" sz="2400" noProof="1"/>
-          </a:p>
-          <a:p>
-            <a:endParaRPr lang="en-US" sz="2400" noProof="1"/>
-          </a:p>
-          <a:p>
-            <a:pPr marL="285750" indent="-285750">
-              <a:buFont typeface="Arial" panose="020B0604020202020204" pitchFamily="34" charset="0"/>
-              <a:buChar char="•"/>
-            </a:pPr>
-            <a:endParaRPr lang="en-US" sz="2400" noProof="1"/>
-          </a:p>
-          <a:p>
-            <a:pPr marL="285750" indent="-285750">
-              <a:buFont typeface="Arial" panose="020B0604020202020204" pitchFamily="34" charset="0"/>
-              <a:buChar char="•"/>
-            </a:pPr>
-            <a:endParaRPr lang="en-US" sz="2400" noProof="1"/>
-          </a:p>
-          <a:p>
-            <a:pPr marL="285750" indent="-285750">
-              <a:buFont typeface="Arial" panose="020B0604020202020204" pitchFamily="34" charset="0"/>
-              <a:buChar char="•"/>
-            </a:pPr>
-            <a:endParaRPr lang="en-US" sz="2400" noProof="1"/>
-          </a:p>
-          <a:p>
-            <a:pPr lvl="1"/>
-            <a:endParaRPr lang="en-US" sz="2400" noProof="1"/>
-          </a:p>
-        </p:txBody>
-      </p:sp>
-      <p:pic>
-        <p:nvPicPr>
-          <p:cNvPr id="4" name="Picture 3">
-            <a:extLst>
-              <a:ext uri="{FF2B5EF4-FFF2-40B4-BE49-F238E27FC236}">
-                <a16:creationId xmlns:a16="http://schemas.microsoft.com/office/drawing/2014/main" id="{9B3309CE-1362-6948-BB38-AB0BB7E87EAE}"/>
-              </a:ext>
-            </a:extLst>
-          </p:cNvPr>
-          <p:cNvPicPr>
-            <a:picLocks noChangeAspect="1"/>
-          </p:cNvPicPr>
-          <p:nvPr/>
-        </p:nvPicPr>
-        <p:blipFill>
-          <a:blip r:embed="rId2"/>
-          <a:stretch>
-            <a:fillRect/>
-          </a:stretch>
-        </p:blipFill>
-        <p:spPr>
-          <a:xfrm>
-            <a:off x="1371600" y="2590693"/>
-            <a:ext cx="9691506" cy="925203"/>
-          </a:xfrm>
-          <a:prstGeom prst="rect">
-            <a:avLst/>
-          </a:prstGeom>
-          <a:effectLst>
-            <a:outerShdw blurRad="50800" dist="38100" algn="l" rotWithShape="0">
-              <a:prstClr val="black">
-                <a:alpha val="40000"/>
-              </a:prstClr>
-            </a:outerShdw>
-          </a:effectLst>
-        </p:spPr>
-      </p:pic>
-      <p:sp>
-        <p:nvSpPr>
-          <p:cNvPr id="5" name="TextBox 4">
-            <a:extLst>
-              <a:ext uri="{FF2B5EF4-FFF2-40B4-BE49-F238E27FC236}">
-                <a16:creationId xmlns:a16="http://schemas.microsoft.com/office/drawing/2014/main" id="{06ED42A4-BA65-63D5-6B8F-8962A3C03DF0}"/>
-              </a:ext>
-            </a:extLst>
-          </p:cNvPr>
-          <p:cNvSpPr txBox="1"/>
-          <p:nvPr/>
-        </p:nvSpPr>
-        <p:spPr>
-          <a:xfrm>
-            <a:off x="62910" y="4190214"/>
-            <a:ext cx="11906545" cy="2554545"/>
-          </a:xfrm>
-          <a:prstGeom prst="rect">
-            <a:avLst/>
-          </a:prstGeom>
-          <a:noFill/>
-        </p:spPr>
-        <p:txBody>
-          <a:bodyPr wrap="square" rtlCol="0">
-            <a:spAutoFit/>
-          </a:bodyPr>
-          <a:lstStyle/>
-          <a:p>
-            <a:r>
-              <a:rPr lang="en-US" sz="2000" dirty="0">
-                <a:latin typeface="Consolas" panose="020B0609020204030204" pitchFamily="49" charset="0"/>
-              </a:rPr>
-              <a:t>Content-Security-Policy: </a:t>
-            </a:r>
-          </a:p>
-          <a:p>
-            <a:r>
-              <a:rPr lang="en-US" sz="2000" dirty="0">
-                <a:solidFill>
-                  <a:schemeClr val="accent6"/>
-                </a:solidFill>
-                <a:latin typeface="Consolas" panose="020B0609020204030204" pitchFamily="49" charset="0"/>
-              </a:rPr>
-              <a:t>default-</a:t>
-            </a:r>
-            <a:r>
-              <a:rPr lang="en-US" sz="2000" dirty="0" err="1">
-                <a:solidFill>
-                  <a:schemeClr val="accent6"/>
-                </a:solidFill>
-                <a:latin typeface="Consolas" panose="020B0609020204030204" pitchFamily="49" charset="0"/>
-              </a:rPr>
-              <a:t>src</a:t>
-            </a:r>
-            <a:r>
-              <a:rPr lang="en-US" sz="2000" dirty="0">
-                <a:solidFill>
-                  <a:schemeClr val="accent6"/>
-                </a:solidFill>
-                <a:latin typeface="Consolas" panose="020B0609020204030204" pitchFamily="49" charset="0"/>
-              </a:rPr>
-              <a:t> </a:t>
-            </a:r>
-            <a:r>
-              <a:rPr lang="en-US" sz="2000" dirty="0">
-                <a:solidFill>
-                  <a:srgbClr val="7030A0"/>
-                </a:solidFill>
-                <a:latin typeface="Consolas" panose="020B0609020204030204" pitchFamily="49" charset="0"/>
-              </a:rPr>
-              <a:t>'self'</a:t>
-            </a:r>
-            <a:r>
-              <a:rPr lang="en-US" sz="2000" dirty="0">
-                <a:latin typeface="Consolas" panose="020B0609020204030204" pitchFamily="49" charset="0"/>
-              </a:rPr>
-              <a:t>; </a:t>
-            </a:r>
-          </a:p>
-          <a:p>
-            <a:r>
-              <a:rPr lang="en-US" sz="2000" b="1" dirty="0">
-                <a:solidFill>
-                  <a:schemeClr val="accent6"/>
-                </a:solidFill>
-                <a:latin typeface="Consolas" panose="020B0609020204030204" pitchFamily="49" charset="0"/>
-              </a:rPr>
-              <a:t>script-</a:t>
-            </a:r>
-            <a:r>
-              <a:rPr lang="en-US" sz="2000" b="1" dirty="0" err="1">
-                <a:solidFill>
-                  <a:schemeClr val="accent6"/>
-                </a:solidFill>
-                <a:latin typeface="Consolas" panose="020B0609020204030204" pitchFamily="49" charset="0"/>
-              </a:rPr>
-              <a:t>src</a:t>
-            </a:r>
-            <a:r>
-              <a:rPr lang="en-US" sz="2000" b="1" dirty="0">
-                <a:latin typeface="Consolas" panose="020B0609020204030204" pitchFamily="49" charset="0"/>
-              </a:rPr>
-              <a:t> </a:t>
-            </a:r>
-            <a:r>
-              <a:rPr lang="en-US" sz="2000" b="1" dirty="0">
-                <a:solidFill>
-                  <a:srgbClr val="7030A0"/>
-                </a:solidFill>
-                <a:latin typeface="Consolas" panose="020B0609020204030204" pitchFamily="49" charset="0"/>
-              </a:rPr>
-              <a:t>'self'</a:t>
-            </a:r>
-            <a:r>
-              <a:rPr lang="en-US" sz="2000" dirty="0">
-                <a:latin typeface="Consolas" panose="020B0609020204030204" pitchFamily="49" charset="0"/>
-              </a:rPr>
-              <a:t>; </a:t>
-            </a:r>
-          </a:p>
-          <a:p>
-            <a:r>
-              <a:rPr lang="en-US" sz="2000" dirty="0">
-                <a:solidFill>
-                  <a:schemeClr val="accent6"/>
-                </a:solidFill>
-                <a:latin typeface="Consolas" panose="020B0609020204030204" pitchFamily="49" charset="0"/>
-              </a:rPr>
-              <a:t>style-</a:t>
-            </a:r>
-            <a:r>
-              <a:rPr lang="en-US" sz="2000" dirty="0" err="1">
-                <a:solidFill>
-                  <a:schemeClr val="accent6"/>
-                </a:solidFill>
-                <a:latin typeface="Consolas" panose="020B0609020204030204" pitchFamily="49" charset="0"/>
-              </a:rPr>
-              <a:t>src</a:t>
-            </a:r>
-            <a:r>
-              <a:rPr lang="en-US" sz="2000" dirty="0">
-                <a:latin typeface="Consolas" panose="020B0609020204030204" pitchFamily="49" charset="0"/>
-              </a:rPr>
-              <a:t> </a:t>
-            </a:r>
-            <a:r>
-              <a:rPr lang="en-US" sz="2000" dirty="0">
-                <a:solidFill>
-                  <a:srgbClr val="7030A0"/>
-                </a:solidFill>
-                <a:latin typeface="Consolas" panose="020B0609020204030204" pitchFamily="49" charset="0"/>
-              </a:rPr>
-              <a:t>'self' 'unsafe-inline' https://fonts.googleapis.com https://fonts.gstatic.com</a:t>
-            </a:r>
-            <a:r>
-              <a:rPr lang="en-US" sz="2000" dirty="0">
-                <a:latin typeface="Consolas" panose="020B0609020204030204" pitchFamily="49" charset="0"/>
-              </a:rPr>
-              <a:t>; </a:t>
-            </a:r>
-          </a:p>
-          <a:p>
-            <a:r>
-              <a:rPr lang="en-US" sz="2000" dirty="0" err="1">
-                <a:solidFill>
-                  <a:schemeClr val="accent6"/>
-                </a:solidFill>
-                <a:latin typeface="Consolas" panose="020B0609020204030204" pitchFamily="49" charset="0"/>
-              </a:rPr>
-              <a:t>img-src</a:t>
-            </a:r>
-            <a:r>
-              <a:rPr lang="en-US" sz="2000" dirty="0">
-                <a:latin typeface="Consolas" panose="020B0609020204030204" pitchFamily="49" charset="0"/>
-              </a:rPr>
-              <a:t> </a:t>
-            </a:r>
-            <a:r>
-              <a:rPr lang="en-US" sz="2000" dirty="0">
-                <a:solidFill>
-                  <a:srgbClr val="7030A0"/>
-                </a:solidFill>
-                <a:latin typeface="Consolas" panose="020B0609020204030204" pitchFamily="49" charset="0"/>
-              </a:rPr>
-              <a:t>'self' data: blob:</a:t>
-            </a:r>
-            <a:r>
-              <a:rPr lang="en-US" sz="2000" dirty="0">
-                <a:latin typeface="Consolas" panose="020B0609020204030204" pitchFamily="49" charset="0"/>
-              </a:rPr>
-              <a:t>; </a:t>
-            </a:r>
-          </a:p>
-          <a:p>
-            <a:r>
-              <a:rPr lang="en-US" sz="2000" dirty="0">
-                <a:solidFill>
-                  <a:schemeClr val="accent6"/>
-                </a:solidFill>
-                <a:latin typeface="Consolas" panose="020B0609020204030204" pitchFamily="49" charset="0"/>
-              </a:rPr>
-              <a:t>font-</a:t>
-            </a:r>
-            <a:r>
-              <a:rPr lang="en-US" sz="2000" dirty="0" err="1">
-                <a:solidFill>
-                  <a:schemeClr val="accent6"/>
-                </a:solidFill>
-                <a:latin typeface="Consolas" panose="020B0609020204030204" pitchFamily="49" charset="0"/>
-              </a:rPr>
-              <a:t>src</a:t>
-            </a:r>
-            <a:r>
-              <a:rPr lang="en-US" sz="2000" dirty="0">
-                <a:latin typeface="Consolas" panose="020B0609020204030204" pitchFamily="49" charset="0"/>
-              </a:rPr>
-              <a:t> </a:t>
-            </a:r>
-            <a:r>
-              <a:rPr lang="en-US" sz="2000" dirty="0">
-                <a:solidFill>
-                  <a:srgbClr val="7030A0"/>
-                </a:solidFill>
-                <a:latin typeface="Consolas" panose="020B0609020204030204" pitchFamily="49" charset="0"/>
-              </a:rPr>
-              <a:t>'self' https://fonts.googleapis.com https://fonts.gstatic.com</a:t>
-            </a:r>
-            <a:r>
-              <a:rPr lang="en-US" sz="2000" dirty="0">
-                <a:latin typeface="Consolas" panose="020B0609020204030204" pitchFamily="49" charset="0"/>
-              </a:rPr>
-              <a:t>; </a:t>
-            </a:r>
-          </a:p>
-          <a:p>
-            <a:r>
-              <a:rPr lang="en-US" sz="2000" dirty="0">
-                <a:solidFill>
-                  <a:schemeClr val="accent6"/>
-                </a:solidFill>
-                <a:latin typeface="Consolas" panose="020B0609020204030204" pitchFamily="49" charset="0"/>
-              </a:rPr>
-              <a:t>form-action</a:t>
-            </a:r>
-            <a:r>
-              <a:rPr lang="en-US" sz="2000" dirty="0">
-                <a:solidFill>
-                  <a:srgbClr val="7030A0"/>
-                </a:solidFill>
-                <a:latin typeface="Consolas" panose="020B0609020204030204" pitchFamily="49" charset="0"/>
-              </a:rPr>
-              <a:t> 'self'</a:t>
-            </a:r>
-          </a:p>
-        </p:txBody>
-      </p:sp>
-      <p:cxnSp>
-        <p:nvCxnSpPr>
-          <p:cNvPr id="3" name="Straight Connector 2">
-            <a:extLst>
-              <a:ext uri="{FF2B5EF4-FFF2-40B4-BE49-F238E27FC236}">
-                <a16:creationId xmlns:a16="http://schemas.microsoft.com/office/drawing/2014/main" id="{29CA3FBC-9925-6D25-2233-63538035693D}"/>
-              </a:ext>
-            </a:extLst>
-          </p:cNvPr>
-          <p:cNvCxnSpPr>
-            <a:cxnSpLocks/>
-          </p:cNvCxnSpPr>
-          <p:nvPr/>
-        </p:nvCxnSpPr>
-        <p:spPr>
-          <a:xfrm>
-            <a:off x="5181599" y="3454399"/>
-            <a:ext cx="1498600" cy="0"/>
-          </a:xfrm>
-          <a:prstGeom prst="line">
-            <a:avLst/>
-          </a:prstGeom>
-          <a:ln w="25400">
-            <a:solidFill>
-              <a:srgbClr val="92D050"/>
-            </a:solidFill>
-          </a:ln>
-        </p:spPr>
-        <p:style>
-          <a:lnRef idx="1">
-            <a:schemeClr val="accent1"/>
-          </a:lnRef>
-          <a:fillRef idx="0">
-            <a:schemeClr val="accent1"/>
-          </a:fillRef>
-          <a:effectRef idx="0">
-            <a:schemeClr val="accent1"/>
-          </a:effectRef>
-          <a:fontRef idx="minor">
-            <a:schemeClr val="tx1"/>
-          </a:fontRef>
-        </p:style>
-      </p:cxnSp>
-      <p:sp>
-        <p:nvSpPr>
-          <p:cNvPr id="8" name="Rectangle 7">
-            <a:extLst>
-              <a:ext uri="{FF2B5EF4-FFF2-40B4-BE49-F238E27FC236}">
-                <a16:creationId xmlns:a16="http://schemas.microsoft.com/office/drawing/2014/main" id="{C80E05A4-4B3F-AAF4-B357-8C4E00C8BD2C}"/>
-              </a:ext>
-            </a:extLst>
-          </p:cNvPr>
-          <p:cNvSpPr/>
-          <p:nvPr/>
-        </p:nvSpPr>
-        <p:spPr>
-          <a:xfrm>
-            <a:off x="96778" y="4851399"/>
-            <a:ext cx="2663358" cy="327026"/>
-          </a:xfrm>
-          <a:prstGeom prst="rect">
-            <a:avLst/>
-          </a:prstGeom>
-          <a:noFill/>
-          <a:ln w="25400">
-            <a:solidFill>
-              <a:schemeClr val="accent4"/>
-            </a:solidFill>
-          </a:ln>
-        </p:spPr>
-        <p:style>
-          <a:lnRef idx="2">
-            <a:schemeClr val="accent1">
-              <a:shade val="15000"/>
-            </a:schemeClr>
-          </a:lnRef>
-          <a:fillRef idx="1">
-            <a:schemeClr val="accent1"/>
-          </a:fillRef>
-          <a:effectRef idx="0">
-            <a:schemeClr val="accent1"/>
-          </a:effectRef>
-          <a:fontRef idx="minor">
-            <a:schemeClr val="lt1"/>
-          </a:fontRef>
-        </p:style>
-        <p:txBody>
-          <a:bodyPr rtlCol="0" anchor="ctr"/>
-          <a:lstStyle/>
-          <a:p>
-            <a:pPr algn="ctr"/>
-            <a:endParaRPr lang="en-US"/>
-          </a:p>
-        </p:txBody>
-      </p:sp>
-      <p:sp>
-        <p:nvSpPr>
-          <p:cNvPr id="6" name="Rectangle 5">
-            <a:extLst>
-              <a:ext uri="{FF2B5EF4-FFF2-40B4-BE49-F238E27FC236}">
-                <a16:creationId xmlns:a16="http://schemas.microsoft.com/office/drawing/2014/main" id="{AE985B6E-DB49-9371-580A-BA2C4E5A2B02}"/>
-              </a:ext>
-            </a:extLst>
-          </p:cNvPr>
-          <p:cNvSpPr/>
-          <p:nvPr/>
-        </p:nvSpPr>
-        <p:spPr>
-          <a:xfrm>
-            <a:off x="5100577" y="3225799"/>
-            <a:ext cx="1638889" cy="264696"/>
-          </a:xfrm>
-          <a:prstGeom prst="rect">
-            <a:avLst/>
-          </a:prstGeom>
-          <a:noFill/>
-          <a:ln w="25400">
-            <a:solidFill>
-              <a:schemeClr val="accent4"/>
-            </a:solidFill>
-          </a:ln>
-        </p:spPr>
-        <p:style>
-          <a:lnRef idx="2">
-            <a:schemeClr val="accent1">
-              <a:shade val="15000"/>
-            </a:schemeClr>
-          </a:lnRef>
-          <a:fillRef idx="1">
-            <a:schemeClr val="accent1"/>
-          </a:fillRef>
-          <a:effectRef idx="0">
-            <a:schemeClr val="accent1"/>
-          </a:effectRef>
-          <a:fontRef idx="minor">
-            <a:schemeClr val="lt1"/>
-          </a:fontRef>
-        </p:style>
-        <p:txBody>
-          <a:bodyPr rtlCol="0" anchor="ctr"/>
-          <a:lstStyle/>
-          <a:p>
-            <a:pPr algn="ctr"/>
-            <a:endParaRPr lang="en-US"/>
-          </a:p>
-        </p:txBody>
-      </p:sp>
-    </p:spTree>
-    <p:extLst>
-      <p:ext uri="{BB962C8B-B14F-4D97-AF65-F5344CB8AC3E}">
-        <p14:creationId xmlns:p14="http://schemas.microsoft.com/office/powerpoint/2010/main" val="1542931494"/>
-      </p:ext>
-    </p:extLst>
-  </p:cSld>
-  <p:clrMapOvr>
-    <a:masterClrMapping/>
-  </p:clrMapOvr>
-  <mc:AlternateContent xmlns:mc="http://schemas.openxmlformats.org/markup-compatibility/2006" xmlns:p14="http://schemas.microsoft.com/office/powerpoint/2010/main">
-    <mc:Choice Requires="p14">
-      <p:transition spd="med" p14:dur="700">
-        <p:fade/>
-      </p:transition>
-    </mc:Choice>
-    <mc:Fallback xmlns="">
-      <p:transition spd="med">
-        <p:fade/>
-      </p:transition>
-    </mc:Fallback>
-  </mc:AlternateContent>
-</p:sld>
-</file>
-
 <file path=ppt/slides/slide44.xml><?xml version="1.0" encoding="utf-8"?>
 <p:sld xmlns:a="http://schemas.openxmlformats.org/drawingml/2006/main" xmlns:r="http://schemas.openxmlformats.org/officeDocument/2006/relationships" xmlns:p="http://schemas.openxmlformats.org/presentationml/2006/main">
   <p:cSld>
@@ -33762,7 +33304,15 @@
             </a:pPr>
             <a:r>
               <a:rPr lang="en-US" sz="2400" noProof="1"/>
-              <a:t>😊It works: Feature is functional and XSS payloads are not executed anymore!</a:t>
+              <a:t>🤔You decide to break </a:t>
+            </a:r>
+            <a:r>
+              <a:rPr lang="en-US" sz="2400" b="1" noProof="1"/>
+              <a:t>one constraint </a:t>
+            </a:r>
+            <a:r>
+              <a:rPr lang="en-US" sz="2400" noProof="1"/>
+              <a:t>and “fix” the way used to define the event handler to use the recommended way:</a:t>
             </a:r>
           </a:p>
           <a:p>
@@ -33784,6 +33334,16 @@
               <a:buFont typeface="Arial" panose="020B0604020202020204" pitchFamily="34" charset="0"/>
               <a:buChar char="•"/>
             </a:pPr>
+            <a:r>
+              <a:rPr lang="en-US" sz="2400" noProof="1"/>
+              <a:t>🤔And test the CSP that you wanted to create during the second try:</a:t>
+            </a:r>
+          </a:p>
+          <a:p>
+            <a:pPr marL="285750" indent="-285750">
+              <a:buFont typeface="Arial" panose="020B0604020202020204" pitchFamily="34" charset="0"/>
+              <a:buChar char="•"/>
+            </a:pPr>
             <a:endParaRPr lang="en-US" sz="2400" noProof="1"/>
           </a:p>
           <a:p>
@@ -33825,10 +33385,10 @@
       </p:sp>
       <p:pic>
         <p:nvPicPr>
-          <p:cNvPr id="6" name="Picture 5" descr="A screenshot of a computer&#10;&#10;Description automatically generated">
-            <a:extLst>
-              <a:ext uri="{FF2B5EF4-FFF2-40B4-BE49-F238E27FC236}">
-                <a16:creationId xmlns:a16="http://schemas.microsoft.com/office/drawing/2014/main" id="{2826F1FE-68F6-0A69-6F9A-46EDD13B6F8F}"/>
+          <p:cNvPr id="4" name="Picture 3">
+            <a:extLst>
+              <a:ext uri="{FF2B5EF4-FFF2-40B4-BE49-F238E27FC236}">
+                <a16:creationId xmlns:a16="http://schemas.microsoft.com/office/drawing/2014/main" id="{9B3309CE-1362-6948-BB38-AB0BB7E87EAE}"/>
               </a:ext>
             </a:extLst>
           </p:cNvPr>
@@ -33837,15 +33397,16 @@
           </p:cNvPicPr>
           <p:nvPr/>
         </p:nvPicPr>
-        <p:blipFill rotWithShape="1">
+        <p:blipFill>
           <a:blip r:embed="rId2"/>
-          <a:srcRect t="18595"/>
-          <a:stretch/>
+          <a:stretch>
+            <a:fillRect/>
+          </a:stretch>
         </p:blipFill>
         <p:spPr>
           <a:xfrm>
-            <a:off x="2507531" y="2198998"/>
-            <a:ext cx="6362010" cy="4458508"/>
+            <a:off x="1371600" y="2590693"/>
+            <a:ext cx="9691506" cy="925203"/>
           </a:xfrm>
           <a:prstGeom prst="rect">
             <a:avLst/>
@@ -33859,10 +33420,413 @@
           </a:effectLst>
         </p:spPr>
       </p:pic>
+      <p:sp>
+        <p:nvSpPr>
+          <p:cNvPr id="5" name="TextBox 4">
+            <a:extLst>
+              <a:ext uri="{FF2B5EF4-FFF2-40B4-BE49-F238E27FC236}">
+                <a16:creationId xmlns:a16="http://schemas.microsoft.com/office/drawing/2014/main" id="{06ED42A4-BA65-63D5-6B8F-8962A3C03DF0}"/>
+              </a:ext>
+            </a:extLst>
+          </p:cNvPr>
+          <p:cNvSpPr txBox="1"/>
+          <p:nvPr/>
+        </p:nvSpPr>
+        <p:spPr>
+          <a:xfrm>
+            <a:off x="62910" y="4190214"/>
+            <a:ext cx="11906545" cy="2554545"/>
+          </a:xfrm>
+          <a:prstGeom prst="rect">
+            <a:avLst/>
+          </a:prstGeom>
+          <a:noFill/>
+        </p:spPr>
+        <p:txBody>
+          <a:bodyPr wrap="square" rtlCol="0">
+            <a:spAutoFit/>
+          </a:bodyPr>
+          <a:lstStyle/>
+          <a:p>
+            <a:r>
+              <a:rPr lang="en-US" sz="2000" dirty="0">
+                <a:latin typeface="Consolas" panose="020B0609020204030204" pitchFamily="49" charset="0"/>
+              </a:rPr>
+              <a:t>Content-Security-Policy: </a:t>
+            </a:r>
+          </a:p>
+          <a:p>
+            <a:r>
+              <a:rPr lang="en-US" sz="2000" dirty="0">
+                <a:solidFill>
+                  <a:schemeClr val="accent6"/>
+                </a:solidFill>
+                <a:latin typeface="Consolas" panose="020B0609020204030204" pitchFamily="49" charset="0"/>
+              </a:rPr>
+              <a:t>default-</a:t>
+            </a:r>
+            <a:r>
+              <a:rPr lang="en-US" sz="2000" dirty="0" err="1">
+                <a:solidFill>
+                  <a:schemeClr val="accent6"/>
+                </a:solidFill>
+                <a:latin typeface="Consolas" panose="020B0609020204030204" pitchFamily="49" charset="0"/>
+              </a:rPr>
+              <a:t>src</a:t>
+            </a:r>
+            <a:r>
+              <a:rPr lang="en-US" sz="2000" dirty="0">
+                <a:solidFill>
+                  <a:schemeClr val="accent6"/>
+                </a:solidFill>
+                <a:latin typeface="Consolas" panose="020B0609020204030204" pitchFamily="49" charset="0"/>
+              </a:rPr>
+              <a:t> </a:t>
+            </a:r>
+            <a:r>
+              <a:rPr lang="en-US" sz="2000" dirty="0">
+                <a:solidFill>
+                  <a:srgbClr val="7030A0"/>
+                </a:solidFill>
+                <a:latin typeface="Consolas" panose="020B0609020204030204" pitchFamily="49" charset="0"/>
+              </a:rPr>
+              <a:t>'self'</a:t>
+            </a:r>
+            <a:r>
+              <a:rPr lang="en-US" sz="2000" dirty="0">
+                <a:latin typeface="Consolas" panose="020B0609020204030204" pitchFamily="49" charset="0"/>
+              </a:rPr>
+              <a:t>; </a:t>
+            </a:r>
+          </a:p>
+          <a:p>
+            <a:r>
+              <a:rPr lang="en-US" sz="2000" b="1" dirty="0">
+                <a:solidFill>
+                  <a:schemeClr val="accent6"/>
+                </a:solidFill>
+                <a:latin typeface="Consolas" panose="020B0609020204030204" pitchFamily="49" charset="0"/>
+              </a:rPr>
+              <a:t>script-</a:t>
+            </a:r>
+            <a:r>
+              <a:rPr lang="en-US" sz="2000" b="1" dirty="0" err="1">
+                <a:solidFill>
+                  <a:schemeClr val="accent6"/>
+                </a:solidFill>
+                <a:latin typeface="Consolas" panose="020B0609020204030204" pitchFamily="49" charset="0"/>
+              </a:rPr>
+              <a:t>src</a:t>
+            </a:r>
+            <a:r>
+              <a:rPr lang="en-US" sz="2000" b="1" dirty="0">
+                <a:latin typeface="Consolas" panose="020B0609020204030204" pitchFamily="49" charset="0"/>
+              </a:rPr>
+              <a:t> </a:t>
+            </a:r>
+            <a:r>
+              <a:rPr lang="en-US" sz="2000" b="1" dirty="0">
+                <a:solidFill>
+                  <a:srgbClr val="7030A0"/>
+                </a:solidFill>
+                <a:latin typeface="Consolas" panose="020B0609020204030204" pitchFamily="49" charset="0"/>
+              </a:rPr>
+              <a:t>'self'</a:t>
+            </a:r>
+            <a:r>
+              <a:rPr lang="en-US" sz="2000" dirty="0">
+                <a:latin typeface="Consolas" panose="020B0609020204030204" pitchFamily="49" charset="0"/>
+              </a:rPr>
+              <a:t>; </a:t>
+            </a:r>
+          </a:p>
+          <a:p>
+            <a:r>
+              <a:rPr lang="en-US" sz="2000" dirty="0">
+                <a:solidFill>
+                  <a:schemeClr val="accent6"/>
+                </a:solidFill>
+                <a:latin typeface="Consolas" panose="020B0609020204030204" pitchFamily="49" charset="0"/>
+              </a:rPr>
+              <a:t>style-</a:t>
+            </a:r>
+            <a:r>
+              <a:rPr lang="en-US" sz="2000" dirty="0" err="1">
+                <a:solidFill>
+                  <a:schemeClr val="accent6"/>
+                </a:solidFill>
+                <a:latin typeface="Consolas" panose="020B0609020204030204" pitchFamily="49" charset="0"/>
+              </a:rPr>
+              <a:t>src</a:t>
+            </a:r>
+            <a:r>
+              <a:rPr lang="en-US" sz="2000" dirty="0">
+                <a:latin typeface="Consolas" panose="020B0609020204030204" pitchFamily="49" charset="0"/>
+              </a:rPr>
+              <a:t> </a:t>
+            </a:r>
+            <a:r>
+              <a:rPr lang="en-US" sz="2000" dirty="0">
+                <a:solidFill>
+                  <a:srgbClr val="7030A0"/>
+                </a:solidFill>
+                <a:latin typeface="Consolas" panose="020B0609020204030204" pitchFamily="49" charset="0"/>
+              </a:rPr>
+              <a:t>'self' 'unsafe-inline' https://fonts.googleapis.com https://fonts.gstatic.com</a:t>
+            </a:r>
+            <a:r>
+              <a:rPr lang="en-US" sz="2000" dirty="0">
+                <a:latin typeface="Consolas" panose="020B0609020204030204" pitchFamily="49" charset="0"/>
+              </a:rPr>
+              <a:t>; </a:t>
+            </a:r>
+          </a:p>
+          <a:p>
+            <a:r>
+              <a:rPr lang="en-US" sz="2000" dirty="0" err="1">
+                <a:solidFill>
+                  <a:schemeClr val="accent6"/>
+                </a:solidFill>
+                <a:latin typeface="Consolas" panose="020B0609020204030204" pitchFamily="49" charset="0"/>
+              </a:rPr>
+              <a:t>img-src</a:t>
+            </a:r>
+            <a:r>
+              <a:rPr lang="en-US" sz="2000" dirty="0">
+                <a:latin typeface="Consolas" panose="020B0609020204030204" pitchFamily="49" charset="0"/>
+              </a:rPr>
+              <a:t> </a:t>
+            </a:r>
+            <a:r>
+              <a:rPr lang="en-US" sz="2000" dirty="0">
+                <a:solidFill>
+                  <a:srgbClr val="7030A0"/>
+                </a:solidFill>
+                <a:latin typeface="Consolas" panose="020B0609020204030204" pitchFamily="49" charset="0"/>
+              </a:rPr>
+              <a:t>'self' data: blob:</a:t>
+            </a:r>
+            <a:r>
+              <a:rPr lang="en-US" sz="2000" dirty="0">
+                <a:latin typeface="Consolas" panose="020B0609020204030204" pitchFamily="49" charset="0"/>
+              </a:rPr>
+              <a:t>; </a:t>
+            </a:r>
+          </a:p>
+          <a:p>
+            <a:r>
+              <a:rPr lang="en-US" sz="2000" dirty="0">
+                <a:solidFill>
+                  <a:schemeClr val="accent6"/>
+                </a:solidFill>
+                <a:latin typeface="Consolas" panose="020B0609020204030204" pitchFamily="49" charset="0"/>
+              </a:rPr>
+              <a:t>font-</a:t>
+            </a:r>
+            <a:r>
+              <a:rPr lang="en-US" sz="2000" dirty="0" err="1">
+                <a:solidFill>
+                  <a:schemeClr val="accent6"/>
+                </a:solidFill>
+                <a:latin typeface="Consolas" panose="020B0609020204030204" pitchFamily="49" charset="0"/>
+              </a:rPr>
+              <a:t>src</a:t>
+            </a:r>
+            <a:r>
+              <a:rPr lang="en-US" sz="2000" dirty="0">
+                <a:latin typeface="Consolas" panose="020B0609020204030204" pitchFamily="49" charset="0"/>
+              </a:rPr>
+              <a:t> </a:t>
+            </a:r>
+            <a:r>
+              <a:rPr lang="en-US" sz="2000" dirty="0">
+                <a:solidFill>
+                  <a:srgbClr val="7030A0"/>
+                </a:solidFill>
+                <a:latin typeface="Consolas" panose="020B0609020204030204" pitchFamily="49" charset="0"/>
+              </a:rPr>
+              <a:t>'self' https://fonts.googleapis.com https://fonts.gstatic.com</a:t>
+            </a:r>
+            <a:r>
+              <a:rPr lang="en-US" sz="2000" dirty="0">
+                <a:latin typeface="Consolas" panose="020B0609020204030204" pitchFamily="49" charset="0"/>
+              </a:rPr>
+              <a:t>; </a:t>
+            </a:r>
+          </a:p>
+          <a:p>
+            <a:r>
+              <a:rPr lang="en-US" sz="2000" dirty="0">
+                <a:solidFill>
+                  <a:schemeClr val="accent6"/>
+                </a:solidFill>
+                <a:latin typeface="Consolas" panose="020B0609020204030204" pitchFamily="49" charset="0"/>
+              </a:rPr>
+              <a:t>form-action</a:t>
+            </a:r>
+            <a:r>
+              <a:rPr lang="en-US" sz="2000" dirty="0">
+                <a:solidFill>
+                  <a:srgbClr val="7030A0"/>
+                </a:solidFill>
+                <a:latin typeface="Consolas" panose="020B0609020204030204" pitchFamily="49" charset="0"/>
+              </a:rPr>
+              <a:t> 'self'</a:t>
+            </a:r>
+          </a:p>
+        </p:txBody>
+      </p:sp>
+      <p:cxnSp>
+        <p:nvCxnSpPr>
+          <p:cNvPr id="3" name="Straight Connector 2">
+            <a:extLst>
+              <a:ext uri="{FF2B5EF4-FFF2-40B4-BE49-F238E27FC236}">
+                <a16:creationId xmlns:a16="http://schemas.microsoft.com/office/drawing/2014/main" id="{29CA3FBC-9925-6D25-2233-63538035693D}"/>
+              </a:ext>
+            </a:extLst>
+          </p:cNvPr>
+          <p:cNvCxnSpPr>
+            <a:cxnSpLocks/>
+          </p:cNvCxnSpPr>
+          <p:nvPr/>
+        </p:nvCxnSpPr>
+        <p:spPr>
+          <a:xfrm>
+            <a:off x="5181599" y="3454399"/>
+            <a:ext cx="1498600" cy="0"/>
+          </a:xfrm>
+          <a:prstGeom prst="line">
+            <a:avLst/>
+          </a:prstGeom>
+          <a:ln w="25400">
+            <a:solidFill>
+              <a:srgbClr val="92D050"/>
+            </a:solidFill>
+          </a:ln>
+        </p:spPr>
+        <p:style>
+          <a:lnRef idx="1">
+            <a:schemeClr val="accent1"/>
+          </a:lnRef>
+          <a:fillRef idx="0">
+            <a:schemeClr val="accent1"/>
+          </a:fillRef>
+          <a:effectRef idx="0">
+            <a:schemeClr val="accent1"/>
+          </a:effectRef>
+          <a:fontRef idx="minor">
+            <a:schemeClr val="tx1"/>
+          </a:fontRef>
+        </p:style>
+      </p:cxnSp>
+      <p:sp>
+        <p:nvSpPr>
+          <p:cNvPr id="8" name="Rectangle 7">
+            <a:extLst>
+              <a:ext uri="{FF2B5EF4-FFF2-40B4-BE49-F238E27FC236}">
+                <a16:creationId xmlns:a16="http://schemas.microsoft.com/office/drawing/2014/main" id="{C80E05A4-4B3F-AAF4-B357-8C4E00C8BD2C}"/>
+              </a:ext>
+            </a:extLst>
+          </p:cNvPr>
+          <p:cNvSpPr/>
+          <p:nvPr/>
+        </p:nvSpPr>
+        <p:spPr>
+          <a:xfrm>
+            <a:off x="96778" y="4851399"/>
+            <a:ext cx="2663358" cy="327026"/>
+          </a:xfrm>
+          <a:prstGeom prst="rect">
+            <a:avLst/>
+          </a:prstGeom>
+          <a:noFill/>
+          <a:ln w="25400">
+            <a:solidFill>
+              <a:schemeClr val="accent4"/>
+            </a:solidFill>
+          </a:ln>
+        </p:spPr>
+        <p:style>
+          <a:lnRef idx="2">
+            <a:schemeClr val="accent1">
+              <a:shade val="15000"/>
+            </a:schemeClr>
+          </a:lnRef>
+          <a:fillRef idx="1">
+            <a:schemeClr val="accent1"/>
+          </a:fillRef>
+          <a:effectRef idx="0">
+            <a:schemeClr val="accent1"/>
+          </a:effectRef>
+          <a:fontRef idx="minor">
+            <a:schemeClr val="lt1"/>
+          </a:fontRef>
+        </p:style>
+        <p:txBody>
+          <a:bodyPr rtlCol="0" anchor="ctr"/>
+          <a:lstStyle/>
+          <a:p>
+            <a:pPr algn="ctr"/>
+            <a:endParaRPr lang="en-US"/>
+          </a:p>
+        </p:txBody>
+      </p:sp>
+      <p:sp>
+        <p:nvSpPr>
+          <p:cNvPr id="6" name="Rectangle 5">
+            <a:extLst>
+              <a:ext uri="{FF2B5EF4-FFF2-40B4-BE49-F238E27FC236}">
+                <a16:creationId xmlns:a16="http://schemas.microsoft.com/office/drawing/2014/main" id="{AE985B6E-DB49-9371-580A-BA2C4E5A2B02}"/>
+              </a:ext>
+            </a:extLst>
+          </p:cNvPr>
+          <p:cNvSpPr/>
+          <p:nvPr/>
+        </p:nvSpPr>
+        <p:spPr>
+          <a:xfrm>
+            <a:off x="5100577" y="3225799"/>
+            <a:ext cx="1638889" cy="264696"/>
+          </a:xfrm>
+          <a:prstGeom prst="rect">
+            <a:avLst/>
+          </a:prstGeom>
+          <a:noFill/>
+          <a:ln w="25400">
+            <a:solidFill>
+              <a:schemeClr val="accent4"/>
+            </a:solidFill>
+          </a:ln>
+        </p:spPr>
+        <p:style>
+          <a:lnRef idx="2">
+            <a:schemeClr val="accent1">
+              <a:shade val="15000"/>
+            </a:schemeClr>
+          </a:lnRef>
+          <a:fillRef idx="1">
+            <a:schemeClr val="accent1"/>
+          </a:fillRef>
+          <a:effectRef idx="0">
+            <a:schemeClr val="accent1"/>
+          </a:effectRef>
+          <a:fontRef idx="minor">
+            <a:schemeClr val="lt1"/>
+          </a:fontRef>
+        </p:style>
+        <p:txBody>
+          <a:bodyPr rtlCol="0" anchor="ctr"/>
+          <a:lstStyle/>
+          <a:p>
+            <a:pPr algn="ctr"/>
+            <a:endParaRPr lang="en-US"/>
+          </a:p>
+        </p:txBody>
+      </p:sp>
     </p:spTree>
     <p:extLst>
       <p:ext uri="{BB962C8B-B14F-4D97-AF65-F5344CB8AC3E}">
-        <p14:creationId xmlns:p14="http://schemas.microsoft.com/office/powerpoint/2010/main" val="3921470596"/>
+        <p14:creationId xmlns:p14="http://schemas.microsoft.com/office/powerpoint/2010/main" val="1542931494"/>
       </p:ext>
     </p:extLst>
   </p:cSld>
@@ -34048,13 +34012,13 @@
         </p:nvPicPr>
         <p:blipFill rotWithShape="1">
           <a:blip r:embed="rId2"/>
-          <a:srcRect l="5681" t="92250" r="1073"/>
+          <a:srcRect t="18595"/>
           <a:stretch/>
         </p:blipFill>
         <p:spPr>
           <a:xfrm>
-            <a:off x="297746" y="3014133"/>
-            <a:ext cx="11596507" cy="829733"/>
+            <a:off x="2507531" y="2198998"/>
+            <a:ext cx="6362010" cy="4458508"/>
           </a:xfrm>
           <a:prstGeom prst="rect">
             <a:avLst/>
@@ -34071,21 +34035,21 @@
     </p:spTree>
     <p:extLst>
       <p:ext uri="{BB962C8B-B14F-4D97-AF65-F5344CB8AC3E}">
-        <p14:creationId xmlns:p14="http://schemas.microsoft.com/office/powerpoint/2010/main" val="2649367104"/>
+        <p14:creationId xmlns:p14="http://schemas.microsoft.com/office/powerpoint/2010/main" val="3921470596"/>
       </p:ext>
     </p:extLst>
   </p:cSld>
   <p:clrMapOvr>
     <a:masterClrMapping/>
   </p:clrMapOvr>
-  <mc:AlternateContent xmlns:mc="http://schemas.openxmlformats.org/markup-compatibility/2006" xmlns:p159="http://schemas.microsoft.com/office/powerpoint/2015/09/main">
-    <mc:Choice Requires="p159">
-      <p:transition xmlns:p14="http://schemas.microsoft.com/office/powerpoint/2010/main" spd="slow" p14:dur="2000">
-        <p159:morph option="byObject"/>
+  <mc:AlternateContent xmlns:mc="http://schemas.openxmlformats.org/markup-compatibility/2006" xmlns:p14="http://schemas.microsoft.com/office/powerpoint/2010/main">
+    <mc:Choice Requires="p14">
+      <p:transition spd="med" p14:dur="700">
+        <p:fade/>
       </p:transition>
     </mc:Choice>
     <mc:Fallback xmlns="">
-      <p:transition spd="slow">
+      <p:transition spd="med">
         <p:fade/>
       </p:transition>
     </mc:Fallback>
@@ -34141,7 +34105,7 @@
             <a:pPr algn="l"/>
             <a:r>
               <a:rPr lang="en-US" dirty="0"/>
-              <a:t>🔬Study time: Final status</a:t>
+              <a:t>🔬Study time: Wait a second!</a:t>
             </a:r>
           </a:p>
         </p:txBody>
@@ -34180,28 +34144,29 @@
             </a:pPr>
             <a:r>
               <a:rPr lang="en-US" sz="2400" noProof="1"/>
-              <a:t>✅You provides this feedback to the CISO/PO:</a:t>
-            </a:r>
-          </a:p>
-          <a:p>
-            <a:pPr marL="914400" lvl="1" indent="-457200">
-              <a:buFont typeface="+mj-lt"/>
-              <a:buAutoNum type="arabicPeriod"/>
+              <a:t>😊It works: Feature is functional and XSS payloads are not executed anymore!</a:t>
+            </a:r>
+          </a:p>
+          <a:p>
+            <a:pPr marL="285750" indent="-285750">
+              <a:buFont typeface="Arial" panose="020B0604020202020204" pitchFamily="34" charset="0"/>
+              <a:buChar char="•"/>
             </a:pPr>
-            <a:r>
-              <a:rPr lang="en-US" sz="2400" noProof="1"/>
-              <a:t>The effective CSP you created, with the help, of your team!</a:t>
-            </a:r>
-          </a:p>
-          <a:p>
-            <a:pPr marL="914400" lvl="1" indent="-457200">
-              <a:buFont typeface="+mj-lt"/>
-              <a:buAutoNum type="arabicPeriod"/>
+            <a:endParaRPr lang="en-US" sz="2400" noProof="1"/>
+          </a:p>
+          <a:p>
+            <a:pPr marL="285750" indent="-285750">
+              <a:buFont typeface="Arial" panose="020B0604020202020204" pitchFamily="34" charset="0"/>
+              <a:buChar char="•"/>
             </a:pPr>
-            <a:r>
-              <a:rPr lang="en-US" sz="2400" noProof="1"/>
-              <a:t>The little update needed: One line in a single JS file!</a:t>
-            </a:r>
+            <a:endParaRPr lang="en-US" sz="2400" noProof="1"/>
+          </a:p>
+          <a:p>
+            <a:pPr marL="285750" indent="-285750">
+              <a:buFont typeface="Arial" panose="020B0604020202020204" pitchFamily="34" charset="0"/>
+              <a:buChar char="•"/>
+            </a:pPr>
+            <a:endParaRPr lang="en-US" sz="2400" noProof="1"/>
           </a:p>
           <a:p>
             <a:pPr marL="742950" lvl="1" indent="-285750">
@@ -34211,14 +34176,7 @@
             <a:endParaRPr lang="en-US" sz="2400" noProof="1"/>
           </a:p>
           <a:p>
-            <a:pPr marL="285750" indent="-285750">
-              <a:buFont typeface="Arial" panose="020B0604020202020204" pitchFamily="34" charset="0"/>
-              <a:buChar char="•"/>
-            </a:pPr>
-            <a:r>
-              <a:rPr lang="en-US" sz="2400" noProof="1"/>
-              <a:t>💖You sent the mail with the status at 03:30 P.M. with all technical details, packed your stuff and leave to prepare for your romantic evening.</a:t>
-            </a:r>
+            <a:endParaRPr lang="en-US" sz="2400" noProof="1"/>
           </a:p>
           <a:p>
             <a:pPr marL="285750" indent="-285750">
@@ -34242,60 +34200,65 @@
             <a:endParaRPr lang="en-US" sz="2400" noProof="1"/>
           </a:p>
           <a:p>
-            <a:pPr marL="742950" lvl="1" indent="-285750">
-              <a:buFont typeface="Arial" panose="020B0604020202020204" pitchFamily="34" charset="0"/>
-              <a:buChar char="•"/>
-            </a:pPr>
-            <a:endParaRPr lang="en-US" sz="2400" noProof="1"/>
-          </a:p>
-          <a:p>
-            <a:endParaRPr lang="en-US" sz="2400" noProof="1"/>
-          </a:p>
-          <a:p>
-            <a:pPr marL="285750" indent="-285750">
-              <a:buFont typeface="Arial" panose="020B0604020202020204" pitchFamily="34" charset="0"/>
-              <a:buChar char="•"/>
-            </a:pPr>
-            <a:endParaRPr lang="en-US" sz="2400" noProof="1"/>
-          </a:p>
-          <a:p>
-            <a:pPr marL="285750" indent="-285750">
-              <a:buFont typeface="Arial" panose="020B0604020202020204" pitchFamily="34" charset="0"/>
-              <a:buChar char="•"/>
-            </a:pPr>
-            <a:endParaRPr lang="en-US" sz="2400" noProof="1"/>
-          </a:p>
-          <a:p>
-            <a:pPr marL="285750" indent="-285750">
-              <a:buFont typeface="Arial" panose="020B0604020202020204" pitchFamily="34" charset="0"/>
-              <a:buChar char="•"/>
-            </a:pPr>
-            <a:endParaRPr lang="en-US" sz="2400" noProof="1"/>
-          </a:p>
-          <a:p>
             <a:pPr lvl="1"/>
             <a:endParaRPr lang="en-US" sz="2400" noProof="1"/>
           </a:p>
         </p:txBody>
       </p:sp>
+      <p:pic>
+        <p:nvPicPr>
+          <p:cNvPr id="6" name="Picture 5" descr="A screenshot of a computer&#10;&#10;Description automatically generated">
+            <a:extLst>
+              <a:ext uri="{FF2B5EF4-FFF2-40B4-BE49-F238E27FC236}">
+                <a16:creationId xmlns:a16="http://schemas.microsoft.com/office/drawing/2014/main" id="{2826F1FE-68F6-0A69-6F9A-46EDD13B6F8F}"/>
+              </a:ext>
+            </a:extLst>
+          </p:cNvPr>
+          <p:cNvPicPr>
+            <a:picLocks noChangeAspect="1"/>
+          </p:cNvPicPr>
+          <p:nvPr/>
+        </p:nvPicPr>
+        <p:blipFill rotWithShape="1">
+          <a:blip r:embed="rId2"/>
+          <a:srcRect l="5681" t="92250" r="1073"/>
+          <a:stretch/>
+        </p:blipFill>
+        <p:spPr>
+          <a:xfrm>
+            <a:off x="297746" y="3014133"/>
+            <a:ext cx="11596507" cy="829733"/>
+          </a:xfrm>
+          <a:prstGeom prst="rect">
+            <a:avLst/>
+          </a:prstGeom>
+          <a:effectLst>
+            <a:outerShdw blurRad="50800" dist="38100" algn="l" rotWithShape="0">
+              <a:prstClr val="black">
+                <a:alpha val="40000"/>
+              </a:prstClr>
+            </a:outerShdw>
+          </a:effectLst>
+        </p:spPr>
+      </p:pic>
     </p:spTree>
     <p:extLst>
       <p:ext uri="{BB962C8B-B14F-4D97-AF65-F5344CB8AC3E}">
-        <p14:creationId xmlns:p14="http://schemas.microsoft.com/office/powerpoint/2010/main" val="2485501603"/>
+        <p14:creationId xmlns:p14="http://schemas.microsoft.com/office/powerpoint/2010/main" val="2649367104"/>
       </p:ext>
     </p:extLst>
   </p:cSld>
   <p:clrMapOvr>
     <a:masterClrMapping/>
   </p:clrMapOvr>
-  <mc:AlternateContent xmlns:mc="http://schemas.openxmlformats.org/markup-compatibility/2006" xmlns:p14="http://schemas.microsoft.com/office/powerpoint/2010/main">
-    <mc:Choice Requires="p14">
-      <p:transition spd="med" p14:dur="700">
-        <p:fade/>
+  <mc:AlternateContent xmlns:mc="http://schemas.openxmlformats.org/markup-compatibility/2006" xmlns:p159="http://schemas.microsoft.com/office/powerpoint/2015/09/main">
+    <mc:Choice Requires="p159">
+      <p:transition xmlns:p14="http://schemas.microsoft.com/office/powerpoint/2010/main" spd="slow" p14:dur="2000">
+        <p159:morph option="byObject"/>
       </p:transition>
     </mc:Choice>
     <mc:Fallback xmlns="">
-      <p:transition spd="med">
+      <p:transition spd="slow">
         <p:fade/>
       </p:transition>
     </mc:Fallback>
@@ -34325,7 +34288,7 @@
           <p:cNvPr id="2" name="Title 1">
             <a:extLst>
               <a:ext uri="{FF2B5EF4-FFF2-40B4-BE49-F238E27FC236}">
-                <a16:creationId xmlns:a16="http://schemas.microsoft.com/office/drawing/2014/main" id="{A29DE7F2-E890-4744-88DD-A75F5E300513}"/>
+                <a16:creationId xmlns:a16="http://schemas.microsoft.com/office/drawing/2014/main" id="{5CE54ABB-4929-4810-950B-2DAEA0A5BAB4}"/>
               </a:ext>
             </a:extLst>
           </p:cNvPr>
@@ -34333,30 +34296,165 @@
             <a:spLocks noGrp="1"/>
           </p:cNvSpPr>
           <p:nvPr>
-            <p:ph type="ctrTitle"/>
+            <p:ph type="title"/>
           </p:nvPr>
         </p:nvSpPr>
         <p:spPr>
           <a:xfrm>
-            <a:off x="5892799" y="2571235"/>
-            <a:ext cx="6189133" cy="1715531"/>
+            <a:off x="0" y="927496"/>
+            <a:ext cx="12192000" cy="562637"/>
           </a:xfrm>
         </p:spPr>
         <p:txBody>
-          <a:bodyPr/>
+          <a:bodyPr>
+            <a:normAutofit/>
+          </a:bodyPr>
           <a:lstStyle/>
           <a:p>
+            <a:pPr algn="l"/>
             <a:r>
               <a:rPr lang="en-US" dirty="0"/>
-              <a:t>📚Lesson learned…</a:t>
-            </a:r>
+              <a:t>🔬Study time: Final status</a:t>
+            </a:r>
+          </a:p>
+        </p:txBody>
+      </p:sp>
+      <p:sp>
+        <p:nvSpPr>
+          <p:cNvPr id="7" name="Content Placeholder 6">
+            <a:extLst>
+              <a:ext uri="{FF2B5EF4-FFF2-40B4-BE49-F238E27FC236}">
+                <a16:creationId xmlns:a16="http://schemas.microsoft.com/office/drawing/2014/main" id="{6B35F89A-6CDF-41F7-BD87-18B45BD7330B}"/>
+              </a:ext>
+            </a:extLst>
+          </p:cNvPr>
+          <p:cNvSpPr>
+            <a:spLocks noGrp="1"/>
+          </p:cNvSpPr>
+          <p:nvPr>
+            <p:ph sz="half" idx="2"/>
+          </p:nvPr>
+        </p:nvSpPr>
+        <p:spPr>
+          <a:xfrm>
+            <a:off x="62910" y="1679575"/>
+            <a:ext cx="12129090" cy="5178425"/>
+          </a:xfrm>
+        </p:spPr>
+        <p:txBody>
+          <a:bodyPr vert="horz" lIns="91440" tIns="45720" rIns="91440" bIns="45720" rtlCol="0" anchor="t">
+            <a:normAutofit/>
+          </a:bodyPr>
+          <a:lstStyle/>
+          <a:p>
+            <a:pPr marL="285750" indent="-285750">
+              <a:buFont typeface="Arial" panose="020B0604020202020204" pitchFamily="34" charset="0"/>
+              <a:buChar char="•"/>
+            </a:pPr>
+            <a:r>
+              <a:rPr lang="en-US" sz="2400" noProof="1"/>
+              <a:t>✅You provides this feedback to the CISO/PO:</a:t>
+            </a:r>
+          </a:p>
+          <a:p>
+            <a:pPr marL="914400" lvl="1" indent="-457200">
+              <a:buFont typeface="+mj-lt"/>
+              <a:buAutoNum type="arabicPeriod"/>
+            </a:pPr>
+            <a:r>
+              <a:rPr lang="en-US" sz="2400" noProof="1"/>
+              <a:t>The effective CSP you created, with the help, of your team!</a:t>
+            </a:r>
+          </a:p>
+          <a:p>
+            <a:pPr marL="914400" lvl="1" indent="-457200">
+              <a:buFont typeface="+mj-lt"/>
+              <a:buAutoNum type="arabicPeriod"/>
+            </a:pPr>
+            <a:r>
+              <a:rPr lang="en-US" sz="2400" noProof="1"/>
+              <a:t>The little update needed: One line in a single JS file!</a:t>
+            </a:r>
+          </a:p>
+          <a:p>
+            <a:pPr marL="742950" lvl="1" indent="-285750">
+              <a:buFont typeface="Arial" panose="020B0604020202020204" pitchFamily="34" charset="0"/>
+              <a:buChar char="•"/>
+            </a:pPr>
+            <a:endParaRPr lang="en-US" sz="2400" noProof="1"/>
+          </a:p>
+          <a:p>
+            <a:pPr marL="285750" indent="-285750">
+              <a:buFont typeface="Arial" panose="020B0604020202020204" pitchFamily="34" charset="0"/>
+              <a:buChar char="•"/>
+            </a:pPr>
+            <a:r>
+              <a:rPr lang="en-US" sz="2400" noProof="1"/>
+              <a:t>💖You sent the mail with the status at 03:30 P.M. with all technical details, packed your stuff and leave to prepare for your romantic evening.</a:t>
+            </a:r>
+          </a:p>
+          <a:p>
+            <a:pPr marL="285750" indent="-285750">
+              <a:buFont typeface="Arial" panose="020B0604020202020204" pitchFamily="34" charset="0"/>
+              <a:buChar char="•"/>
+            </a:pPr>
+            <a:endParaRPr lang="en-US" sz="2400" noProof="1"/>
+          </a:p>
+          <a:p>
+            <a:pPr marL="285750" indent="-285750">
+              <a:buFont typeface="Arial" panose="020B0604020202020204" pitchFamily="34" charset="0"/>
+              <a:buChar char="•"/>
+            </a:pPr>
+            <a:endParaRPr lang="en-US" sz="2400" noProof="1"/>
+          </a:p>
+          <a:p>
+            <a:pPr marL="285750" indent="-285750">
+              <a:buFont typeface="Arial" panose="020B0604020202020204" pitchFamily="34" charset="0"/>
+              <a:buChar char="•"/>
+            </a:pPr>
+            <a:endParaRPr lang="en-US" sz="2400" noProof="1"/>
+          </a:p>
+          <a:p>
+            <a:pPr marL="742950" lvl="1" indent="-285750">
+              <a:buFont typeface="Arial" panose="020B0604020202020204" pitchFamily="34" charset="0"/>
+              <a:buChar char="•"/>
+            </a:pPr>
+            <a:endParaRPr lang="en-US" sz="2400" noProof="1"/>
+          </a:p>
+          <a:p>
+            <a:endParaRPr lang="en-US" sz="2400" noProof="1"/>
+          </a:p>
+          <a:p>
+            <a:pPr marL="285750" indent="-285750">
+              <a:buFont typeface="Arial" panose="020B0604020202020204" pitchFamily="34" charset="0"/>
+              <a:buChar char="•"/>
+            </a:pPr>
+            <a:endParaRPr lang="en-US" sz="2400" noProof="1"/>
+          </a:p>
+          <a:p>
+            <a:pPr marL="285750" indent="-285750">
+              <a:buFont typeface="Arial" panose="020B0604020202020204" pitchFamily="34" charset="0"/>
+              <a:buChar char="•"/>
+            </a:pPr>
+            <a:endParaRPr lang="en-US" sz="2400" noProof="1"/>
+          </a:p>
+          <a:p>
+            <a:pPr marL="285750" indent="-285750">
+              <a:buFont typeface="Arial" panose="020B0604020202020204" pitchFamily="34" charset="0"/>
+              <a:buChar char="•"/>
+            </a:pPr>
+            <a:endParaRPr lang="en-US" sz="2400" noProof="1"/>
+          </a:p>
+          <a:p>
+            <a:pPr lvl="1"/>
+            <a:endParaRPr lang="en-US" sz="2400" noProof="1"/>
           </a:p>
         </p:txBody>
       </p:sp>
     </p:spTree>
     <p:extLst>
       <p:ext uri="{BB962C8B-B14F-4D97-AF65-F5344CB8AC3E}">
-        <p14:creationId xmlns:p14="http://schemas.microsoft.com/office/powerpoint/2010/main" val="3883942163"/>
+        <p14:creationId xmlns:p14="http://schemas.microsoft.com/office/powerpoint/2010/main" val="2485501603"/>
       </p:ext>
     </p:extLst>
   </p:cSld>
@@ -34400,7 +34498,7 @@
           <p:cNvPr id="2" name="Title 1">
             <a:extLst>
               <a:ext uri="{FF2B5EF4-FFF2-40B4-BE49-F238E27FC236}">
-                <a16:creationId xmlns:a16="http://schemas.microsoft.com/office/drawing/2014/main" id="{5CE54ABB-4929-4810-950B-2DAEA0A5BAB4}"/>
+                <a16:creationId xmlns:a16="http://schemas.microsoft.com/office/drawing/2014/main" id="{A29DE7F2-E890-4744-88DD-A75F5E300513}"/>
               </a:ext>
             </a:extLst>
           </p:cNvPr>
@@ -34408,194 +34506,30 @@
             <a:spLocks noGrp="1"/>
           </p:cNvSpPr>
           <p:nvPr>
-            <p:ph type="title"/>
+            <p:ph type="ctrTitle"/>
           </p:nvPr>
         </p:nvSpPr>
         <p:spPr>
           <a:xfrm>
-            <a:off x="0" y="927496"/>
-            <a:ext cx="12192000" cy="562637"/>
+            <a:off x="5892799" y="2571235"/>
+            <a:ext cx="6189133" cy="1715531"/>
           </a:xfrm>
         </p:spPr>
         <p:txBody>
-          <a:bodyPr>
-            <a:normAutofit/>
-          </a:bodyPr>
+          <a:bodyPr/>
           <a:lstStyle/>
           <a:p>
-            <a:pPr algn="l"/>
             <a:r>
               <a:rPr lang="en-US" dirty="0"/>
-              <a:t>📚Lesson learned</a:t>
-            </a:r>
-          </a:p>
-        </p:txBody>
-      </p:sp>
-      <p:sp>
-        <p:nvSpPr>
-          <p:cNvPr id="7" name="Content Placeholder 6">
-            <a:extLst>
-              <a:ext uri="{FF2B5EF4-FFF2-40B4-BE49-F238E27FC236}">
-                <a16:creationId xmlns:a16="http://schemas.microsoft.com/office/drawing/2014/main" id="{6B35F89A-6CDF-41F7-BD87-18B45BD7330B}"/>
-              </a:ext>
-            </a:extLst>
-          </p:cNvPr>
-          <p:cNvSpPr>
-            <a:spLocks noGrp="1"/>
-          </p:cNvSpPr>
-          <p:nvPr>
-            <p:ph sz="half" idx="2"/>
-          </p:nvPr>
-        </p:nvSpPr>
-        <p:spPr>
-          <a:xfrm>
-            <a:off x="62910" y="1679575"/>
-            <a:ext cx="12129090" cy="5178425"/>
-          </a:xfrm>
-        </p:spPr>
-        <p:txBody>
-          <a:bodyPr vert="horz" lIns="91440" tIns="45720" rIns="91440" bIns="45720" rtlCol="0" anchor="t">
-            <a:normAutofit/>
-          </a:bodyPr>
-          <a:lstStyle/>
-          <a:p>
-            <a:pPr marL="457200" indent="-457200">
-              <a:buFont typeface="+mj-lt"/>
-              <a:buAutoNum type="arabicPeriod"/>
-            </a:pPr>
-            <a:r>
-              <a:rPr lang="en-US" sz="2400" noProof="1"/>
-              <a:t>Content-Security-Policy (CSP) can be used to make exploitation of XSS harder.</a:t>
-            </a:r>
-          </a:p>
-          <a:p>
-            <a:pPr marL="457200" indent="-457200">
-              <a:buFont typeface="+mj-lt"/>
-              <a:buAutoNum type="arabicPeriod"/>
-            </a:pPr>
-            <a:endParaRPr lang="en-US" sz="2400" noProof="1"/>
-          </a:p>
-          <a:p>
-            <a:pPr marL="457200" indent="-457200">
-              <a:buFont typeface="+mj-lt"/>
-              <a:buAutoNum type="arabicPeriod"/>
-            </a:pPr>
-            <a:r>
-              <a:rPr lang="en-US" sz="2400" noProof="1"/>
-              <a:t>CSP can be also used to “buy time” to fix an XSS issue in good condition.</a:t>
-            </a:r>
-          </a:p>
-          <a:p>
-            <a:pPr marL="457200" indent="-457200">
-              <a:buFont typeface="+mj-lt"/>
-              <a:buAutoNum type="arabicPeriod"/>
-            </a:pPr>
-            <a:endParaRPr lang="en-US" sz="2400" noProof="1"/>
-          </a:p>
-          <a:p>
-            <a:pPr marL="457200" indent="-457200">
-              <a:buFont typeface="+mj-lt"/>
-              <a:buAutoNum type="arabicPeriod"/>
-            </a:pPr>
-            <a:r>
-              <a:rPr lang="en-US" sz="2400" noProof="1"/>
-              <a:t>A CSP policy is created </a:t>
-            </a:r>
-            <a:r>
-              <a:rPr lang="en-US" sz="2400" b="1" noProof="1"/>
-              <a:t>using an iterative process that require effective testing during each iteration</a:t>
-            </a:r>
-            <a:r>
-              <a:rPr lang="en-US" sz="2400" noProof="1"/>
-              <a:t>: It is easy to break an application using a single CSP directive.</a:t>
-            </a:r>
-          </a:p>
-          <a:p>
-            <a:pPr marL="457200" indent="-457200">
-              <a:buFont typeface="+mj-lt"/>
-              <a:buAutoNum type="arabicPeriod"/>
-            </a:pPr>
-            <a:endParaRPr lang="en-US" sz="2400" noProof="1"/>
-          </a:p>
-          <a:p>
-            <a:pPr marL="457200" indent="-457200">
-              <a:buFont typeface="+mj-lt"/>
-              <a:buAutoNum type="arabicPeriod"/>
-            </a:pPr>
-            <a:r>
-              <a:rPr lang="en-US" sz="2400" noProof="1"/>
-              <a:t>CSP can save your romantic evening💖</a:t>
-            </a:r>
-          </a:p>
-          <a:p>
-            <a:pPr marL="285750" indent="-285750">
-              <a:buFont typeface="Arial" panose="020B0604020202020204" pitchFamily="34" charset="0"/>
-              <a:buChar char="•"/>
-            </a:pPr>
-            <a:endParaRPr lang="en-US" sz="2400" noProof="1"/>
-          </a:p>
-          <a:p>
-            <a:pPr marL="285750" indent="-285750">
-              <a:buFont typeface="Arial" panose="020B0604020202020204" pitchFamily="34" charset="0"/>
-              <a:buChar char="•"/>
-            </a:pPr>
-            <a:endParaRPr lang="en-US" sz="2400" noProof="1"/>
-          </a:p>
-          <a:p>
-            <a:pPr marL="285750" indent="-285750">
-              <a:buFont typeface="Arial" panose="020B0604020202020204" pitchFamily="34" charset="0"/>
-              <a:buChar char="•"/>
-            </a:pPr>
-            <a:endParaRPr lang="en-US" sz="2400" noProof="1"/>
-          </a:p>
-          <a:p>
-            <a:pPr marL="285750" indent="-285750">
-              <a:buFont typeface="Arial" panose="020B0604020202020204" pitchFamily="34" charset="0"/>
-              <a:buChar char="•"/>
-            </a:pPr>
-            <a:endParaRPr lang="en-US" sz="2400" noProof="1"/>
-          </a:p>
-          <a:p>
-            <a:pPr marL="742950" lvl="1" indent="-285750">
-              <a:buFont typeface="Arial" panose="020B0604020202020204" pitchFamily="34" charset="0"/>
-              <a:buChar char="•"/>
-            </a:pPr>
-            <a:endParaRPr lang="en-US" sz="2400" noProof="1"/>
-          </a:p>
-          <a:p>
-            <a:endParaRPr lang="en-US" sz="2400" noProof="1"/>
-          </a:p>
-          <a:p>
-            <a:pPr marL="285750" indent="-285750">
-              <a:buFont typeface="Arial" panose="020B0604020202020204" pitchFamily="34" charset="0"/>
-              <a:buChar char="•"/>
-            </a:pPr>
-            <a:endParaRPr lang="en-US" sz="2400" noProof="1"/>
-          </a:p>
-          <a:p>
-            <a:pPr marL="285750" indent="-285750">
-              <a:buFont typeface="Arial" panose="020B0604020202020204" pitchFamily="34" charset="0"/>
-              <a:buChar char="•"/>
-            </a:pPr>
-            <a:endParaRPr lang="en-US" sz="2400" noProof="1"/>
-          </a:p>
-          <a:p>
-            <a:pPr marL="285750" indent="-285750">
-              <a:buFont typeface="Arial" panose="020B0604020202020204" pitchFamily="34" charset="0"/>
-              <a:buChar char="•"/>
-            </a:pPr>
-            <a:endParaRPr lang="en-US" sz="2400" noProof="1"/>
-          </a:p>
-          <a:p>
-            <a:pPr lvl="1"/>
-            <a:endParaRPr lang="en-US" sz="2400" noProof="1"/>
+              <a:t>📚Lesson learned…</a:t>
+            </a:r>
           </a:p>
         </p:txBody>
       </p:sp>
     </p:spTree>
     <p:extLst>
       <p:ext uri="{BB962C8B-B14F-4D97-AF65-F5344CB8AC3E}">
-        <p14:creationId xmlns:p14="http://schemas.microsoft.com/office/powerpoint/2010/main" val="4002545787"/>
+        <p14:creationId xmlns:p14="http://schemas.microsoft.com/office/powerpoint/2010/main" val="3883942163"/>
       </p:ext>
     </p:extLst>
   </p:cSld>
@@ -34639,7 +34573,7 @@
           <p:cNvPr id="2" name="Title 1">
             <a:extLst>
               <a:ext uri="{FF2B5EF4-FFF2-40B4-BE49-F238E27FC236}">
-                <a16:creationId xmlns:a16="http://schemas.microsoft.com/office/drawing/2014/main" id="{A29DE7F2-E890-4744-88DD-A75F5E300513}"/>
+                <a16:creationId xmlns:a16="http://schemas.microsoft.com/office/drawing/2014/main" id="{5CE54ABB-4929-4810-950B-2DAEA0A5BAB4}"/>
               </a:ext>
             </a:extLst>
           </p:cNvPr>
@@ -34647,122 +34581,194 @@
             <a:spLocks noGrp="1"/>
           </p:cNvSpPr>
           <p:nvPr>
-            <p:ph type="ctrTitle"/>
+            <p:ph type="title"/>
           </p:nvPr>
         </p:nvSpPr>
         <p:spPr>
           <a:xfrm>
-            <a:off x="5892799" y="2571235"/>
-            <a:ext cx="6189133" cy="1715531"/>
+            <a:off x="0" y="927496"/>
+            <a:ext cx="12192000" cy="562637"/>
           </a:xfrm>
         </p:spPr>
         <p:txBody>
-          <a:bodyPr/>
+          <a:bodyPr>
+            <a:normAutofit/>
+          </a:bodyPr>
           <a:lstStyle/>
           <a:p>
+            <a:pPr algn="l"/>
             <a:r>
               <a:rPr lang="en-US" dirty="0"/>
-              <a:t>🤗Thank you!</a:t>
-            </a:r>
-            <a:br>
-              <a:rPr lang="en-US" dirty="0"/>
-            </a:br>
-            <a:br>
-              <a:rPr lang="en-US" dirty="0"/>
-            </a:br>
-            <a:r>
-              <a:rPr lang="en-US" dirty="0"/>
-              <a:t>🤔Any questions?</a:t>
+              <a:t>📚Lesson learned</a:t>
             </a:r>
           </a:p>
         </p:txBody>
       </p:sp>
       <p:sp>
         <p:nvSpPr>
-          <p:cNvPr id="5" name="TextBox 4">
-            <a:extLst>
-              <a:ext uri="{FF2B5EF4-FFF2-40B4-BE49-F238E27FC236}">
-                <a16:creationId xmlns:a16="http://schemas.microsoft.com/office/drawing/2014/main" id="{30768DC5-971B-FE3A-5821-C8B282E689F5}"/>
-              </a:ext>
-            </a:extLst>
-          </p:cNvPr>
-          <p:cNvSpPr txBox="1"/>
-          <p:nvPr/>
+          <p:cNvPr id="7" name="Content Placeholder 6">
+            <a:extLst>
+              <a:ext uri="{FF2B5EF4-FFF2-40B4-BE49-F238E27FC236}">
+                <a16:creationId xmlns:a16="http://schemas.microsoft.com/office/drawing/2014/main" id="{6B35F89A-6CDF-41F7-BD87-18B45BD7330B}"/>
+              </a:ext>
+            </a:extLst>
+          </p:cNvPr>
+          <p:cNvSpPr>
+            <a:spLocks noGrp="1"/>
+          </p:cNvSpPr>
+          <p:nvPr>
+            <p:ph sz="half" idx="2"/>
+          </p:nvPr>
         </p:nvSpPr>
         <p:spPr>
           <a:xfrm>
-            <a:off x="0" y="6488668"/>
-            <a:ext cx="7956223" cy="369332"/>
-          </a:xfrm>
-          <a:prstGeom prst="rect">
-            <a:avLst/>
-          </a:prstGeom>
-          <a:noFill/>
+            <a:off x="62910" y="1679575"/>
+            <a:ext cx="12129090" cy="5178425"/>
+          </a:xfrm>
         </p:spPr>
         <p:txBody>
-          <a:bodyPr wrap="square" rtlCol="0">
-            <a:spAutoFit/>
+          <a:bodyPr vert="horz" lIns="91440" tIns="45720" rIns="91440" bIns="45720" rtlCol="0" anchor="t">
+            <a:normAutofit/>
           </a:bodyPr>
           <a:lstStyle/>
           <a:p>
-            <a:r>
-              <a:rPr lang="en-US" dirty="0"/>
-              <a:t>Source: Disney Enterprises, Inc. </a:t>
-            </a:r>
+            <a:pPr marL="457200" indent="-457200">
+              <a:buFont typeface="+mj-lt"/>
+              <a:buAutoNum type="arabicPeriod"/>
+            </a:pPr>
+            <a:r>
+              <a:rPr lang="en-US" sz="2400" noProof="1"/>
+              <a:t>Content-Security-Policy (CSP) can be used to make exploitation of XSS harder.</a:t>
+            </a:r>
+          </a:p>
+          <a:p>
+            <a:pPr marL="457200" indent="-457200">
+              <a:buFont typeface="+mj-lt"/>
+              <a:buAutoNum type="arabicPeriod"/>
+            </a:pPr>
+            <a:endParaRPr lang="en-US" sz="2400" noProof="1"/>
+          </a:p>
+          <a:p>
+            <a:pPr marL="457200" indent="-457200">
+              <a:buFont typeface="+mj-lt"/>
+              <a:buAutoNum type="arabicPeriod"/>
+            </a:pPr>
+            <a:r>
+              <a:rPr lang="en-US" sz="2400" noProof="1"/>
+              <a:t>CSP can be also used to “buy time” to fix an XSS issue in good condition.</a:t>
+            </a:r>
+          </a:p>
+          <a:p>
+            <a:pPr marL="457200" indent="-457200">
+              <a:buFont typeface="+mj-lt"/>
+              <a:buAutoNum type="arabicPeriod"/>
+            </a:pPr>
+            <a:endParaRPr lang="en-US" sz="2400" noProof="1"/>
+          </a:p>
+          <a:p>
+            <a:pPr marL="457200" indent="-457200">
+              <a:buFont typeface="+mj-lt"/>
+              <a:buAutoNum type="arabicPeriod"/>
+            </a:pPr>
+            <a:r>
+              <a:rPr lang="en-US" sz="2400" noProof="1"/>
+              <a:t>A CSP policy is created </a:t>
+            </a:r>
+            <a:r>
+              <a:rPr lang="en-US" sz="2400" b="1" noProof="1"/>
+              <a:t>using an iterative process that require effective testing during each iteration</a:t>
+            </a:r>
+            <a:r>
+              <a:rPr lang="en-US" sz="2400" noProof="1"/>
+              <a:t>: It is easy to break an application using a single CSP directive.</a:t>
+            </a:r>
+          </a:p>
+          <a:p>
+            <a:pPr marL="457200" indent="-457200">
+              <a:buFont typeface="+mj-lt"/>
+              <a:buAutoNum type="arabicPeriod"/>
+            </a:pPr>
+            <a:endParaRPr lang="en-US" sz="2400" noProof="1"/>
+          </a:p>
+          <a:p>
+            <a:pPr marL="457200" indent="-457200">
+              <a:buFont typeface="+mj-lt"/>
+              <a:buAutoNum type="arabicPeriod"/>
+            </a:pPr>
+            <a:r>
+              <a:rPr lang="en-US" sz="2400" noProof="1"/>
+              <a:t>CSP can save your romantic evening💖</a:t>
+            </a:r>
+          </a:p>
+          <a:p>
+            <a:pPr marL="285750" indent="-285750">
+              <a:buFont typeface="Arial" panose="020B0604020202020204" pitchFamily="34" charset="0"/>
+              <a:buChar char="•"/>
+            </a:pPr>
+            <a:endParaRPr lang="en-US" sz="2400" noProof="1"/>
+          </a:p>
+          <a:p>
+            <a:pPr marL="285750" indent="-285750">
+              <a:buFont typeface="Arial" panose="020B0604020202020204" pitchFamily="34" charset="0"/>
+              <a:buChar char="•"/>
+            </a:pPr>
+            <a:endParaRPr lang="en-US" sz="2400" noProof="1"/>
+          </a:p>
+          <a:p>
+            <a:pPr marL="285750" indent="-285750">
+              <a:buFont typeface="Arial" panose="020B0604020202020204" pitchFamily="34" charset="0"/>
+              <a:buChar char="•"/>
+            </a:pPr>
+            <a:endParaRPr lang="en-US" sz="2400" noProof="1"/>
+          </a:p>
+          <a:p>
+            <a:pPr marL="285750" indent="-285750">
+              <a:buFont typeface="Arial" panose="020B0604020202020204" pitchFamily="34" charset="0"/>
+              <a:buChar char="•"/>
+            </a:pPr>
+            <a:endParaRPr lang="en-US" sz="2400" noProof="1"/>
+          </a:p>
+          <a:p>
+            <a:pPr marL="742950" lvl="1" indent="-285750">
+              <a:buFont typeface="Arial" panose="020B0604020202020204" pitchFamily="34" charset="0"/>
+              <a:buChar char="•"/>
+            </a:pPr>
+            <a:endParaRPr lang="en-US" sz="2400" noProof="1"/>
+          </a:p>
+          <a:p>
+            <a:endParaRPr lang="en-US" sz="2400" noProof="1"/>
+          </a:p>
+          <a:p>
+            <a:pPr marL="285750" indent="-285750">
+              <a:buFont typeface="Arial" panose="020B0604020202020204" pitchFamily="34" charset="0"/>
+              <a:buChar char="•"/>
+            </a:pPr>
+            <a:endParaRPr lang="en-US" sz="2400" noProof="1"/>
+          </a:p>
+          <a:p>
+            <a:pPr marL="285750" indent="-285750">
+              <a:buFont typeface="Arial" panose="020B0604020202020204" pitchFamily="34" charset="0"/>
+              <a:buChar char="•"/>
+            </a:pPr>
+            <a:endParaRPr lang="en-US" sz="2400" noProof="1"/>
+          </a:p>
+          <a:p>
+            <a:pPr marL="285750" indent="-285750">
+              <a:buFont typeface="Arial" panose="020B0604020202020204" pitchFamily="34" charset="0"/>
+              <a:buChar char="•"/>
+            </a:pPr>
+            <a:endParaRPr lang="en-US" sz="2400" noProof="1"/>
+          </a:p>
+          <a:p>
+            <a:pPr lvl="1"/>
+            <a:endParaRPr lang="en-US" sz="2400" noProof="1"/>
           </a:p>
         </p:txBody>
       </p:sp>
-      <p:pic>
-        <p:nvPicPr>
-          <p:cNvPr id="1026" name="Picture 2">
-            <a:extLst>
-              <a:ext uri="{FF2B5EF4-FFF2-40B4-BE49-F238E27FC236}">
-                <a16:creationId xmlns:a16="http://schemas.microsoft.com/office/drawing/2014/main" id="{3C9B8336-B99D-96A4-B5FE-A565EE763009}"/>
-              </a:ext>
-            </a:extLst>
-          </p:cNvPr>
-          <p:cNvPicPr>
-            <a:picLocks noChangeAspect="1" noChangeArrowheads="1"/>
-          </p:cNvPicPr>
-          <p:nvPr/>
-        </p:nvPicPr>
-        <p:blipFill>
-          <a:blip r:embed="rId2">
-            <a:extLst>
-              <a:ext uri="{28A0092B-C50C-407E-A947-70E740481C1C}">
-                <a14:useLocalDpi xmlns:a14="http://schemas.microsoft.com/office/drawing/2010/main" val="0"/>
-              </a:ext>
-            </a:extLst>
-          </a:blip>
-          <a:srcRect/>
-          <a:stretch>
-            <a:fillRect/>
-          </a:stretch>
-        </p:blipFill>
-        <p:spPr bwMode="auto">
-          <a:xfrm>
-            <a:off x="239472" y="1572683"/>
-            <a:ext cx="5653327" cy="3712633"/>
-          </a:xfrm>
-          <a:prstGeom prst="rect">
-            <a:avLst/>
-          </a:prstGeom>
-          <a:noFill/>
-          <a:extLst>
-            <a:ext uri="{909E8E84-426E-40DD-AFC4-6F175D3DCCD1}">
-              <a14:hiddenFill xmlns:a14="http://schemas.microsoft.com/office/drawing/2010/main">
-                <a:solidFill>
-                  <a:srgbClr val="FFFFFF"/>
-                </a:solidFill>
-              </a14:hiddenFill>
-            </a:ext>
-          </a:extLst>
-        </p:spPr>
-      </p:pic>
     </p:spTree>
     <p:extLst>
       <p:ext uri="{BB962C8B-B14F-4D97-AF65-F5344CB8AC3E}">
-        <p14:creationId xmlns:p14="http://schemas.microsoft.com/office/powerpoint/2010/main" val="3271207713"/>
+        <p14:creationId xmlns:p14="http://schemas.microsoft.com/office/powerpoint/2010/main" val="4002545787"/>
       </p:ext>
     </p:extLst>
   </p:cSld>
@@ -34781,6 +34787,280 @@
       </p:transition>
     </mc:Fallback>
   </mc:AlternateContent>
+  <p:timing>
+    <p:tnLst>
+      <p:par>
+        <p:cTn id="1" dur="indefinite" restart="never" nodeType="tmRoot">
+          <p:childTnLst>
+            <p:seq concurrent="1" nextAc="seek">
+              <p:cTn id="2" dur="indefinite" nodeType="mainSeq">
+                <p:childTnLst>
+                  <p:par>
+                    <p:cTn id="3" fill="hold">
+                      <p:stCondLst>
+                        <p:cond delay="indefinite"/>
+                      </p:stCondLst>
+                      <p:childTnLst>
+                        <p:par>
+                          <p:cTn id="4" fill="hold">
+                            <p:stCondLst>
+                              <p:cond delay="0"/>
+                            </p:stCondLst>
+                            <p:childTnLst>
+                              <p:par>
+                                <p:cTn id="5" presetID="10" presetClass="entr" presetSubtype="0" fill="hold" nodeType="clickEffect">
+                                  <p:stCondLst>
+                                    <p:cond delay="0"/>
+                                  </p:stCondLst>
+                                  <p:childTnLst>
+                                    <p:set>
+                                      <p:cBhvr>
+                                        <p:cTn id="6" dur="1" fill="hold">
+                                          <p:stCondLst>
+                                            <p:cond delay="0"/>
+                                          </p:stCondLst>
+                                        </p:cTn>
+                                        <p:tgtEl>
+                                          <p:spTgt spid="7">
+                                            <p:txEl>
+                                              <p:pRg st="0" end="0"/>
+                                            </p:txEl>
+                                          </p:spTgt>
+                                        </p:tgtEl>
+                                        <p:attrNameLst>
+                                          <p:attrName>style.visibility</p:attrName>
+                                        </p:attrNameLst>
+                                      </p:cBhvr>
+                                      <p:to>
+                                        <p:strVal val="visible"/>
+                                      </p:to>
+                                    </p:set>
+                                    <p:animEffect transition="in" filter="fade">
+                                      <p:cBhvr>
+                                        <p:cTn id="7" dur="500"/>
+                                        <p:tgtEl>
+                                          <p:spTgt spid="7">
+                                            <p:txEl>
+                                              <p:pRg st="0" end="0"/>
+                                            </p:txEl>
+                                          </p:spTgt>
+                                        </p:tgtEl>
+                                      </p:cBhvr>
+                                    </p:animEffect>
+                                  </p:childTnLst>
+                                </p:cTn>
+                              </p:par>
+                            </p:childTnLst>
+                          </p:cTn>
+                        </p:par>
+                      </p:childTnLst>
+                    </p:cTn>
+                  </p:par>
+                  <p:par>
+                    <p:cTn id="8" fill="hold">
+                      <p:stCondLst>
+                        <p:cond delay="indefinite"/>
+                      </p:stCondLst>
+                      <p:childTnLst>
+                        <p:par>
+                          <p:cTn id="9" fill="hold">
+                            <p:stCondLst>
+                              <p:cond delay="0"/>
+                            </p:stCondLst>
+                            <p:childTnLst>
+                              <p:par>
+                                <p:cTn id="10" presetID="10" presetClass="entr" presetSubtype="0" fill="hold" nodeType="clickEffect">
+                                  <p:stCondLst>
+                                    <p:cond delay="0"/>
+                                  </p:stCondLst>
+                                  <p:childTnLst>
+                                    <p:set>
+                                      <p:cBhvr>
+                                        <p:cTn id="11" dur="1" fill="hold">
+                                          <p:stCondLst>
+                                            <p:cond delay="0"/>
+                                          </p:stCondLst>
+                                        </p:cTn>
+                                        <p:tgtEl>
+                                          <p:spTgt spid="7">
+                                            <p:txEl>
+                                              <p:pRg st="2" end="2"/>
+                                            </p:txEl>
+                                          </p:spTgt>
+                                        </p:tgtEl>
+                                        <p:attrNameLst>
+                                          <p:attrName>style.visibility</p:attrName>
+                                        </p:attrNameLst>
+                                      </p:cBhvr>
+                                      <p:to>
+                                        <p:strVal val="visible"/>
+                                      </p:to>
+                                    </p:set>
+                                    <p:animEffect transition="in" filter="fade">
+                                      <p:cBhvr>
+                                        <p:cTn id="12" dur="500"/>
+                                        <p:tgtEl>
+                                          <p:spTgt spid="7">
+                                            <p:txEl>
+                                              <p:pRg st="2" end="2"/>
+                                            </p:txEl>
+                                          </p:spTgt>
+                                        </p:tgtEl>
+                                      </p:cBhvr>
+                                    </p:animEffect>
+                                  </p:childTnLst>
+                                </p:cTn>
+                              </p:par>
+                            </p:childTnLst>
+                          </p:cTn>
+                        </p:par>
+                      </p:childTnLst>
+                    </p:cTn>
+                  </p:par>
+                  <p:par>
+                    <p:cTn id="13" fill="hold">
+                      <p:stCondLst>
+                        <p:cond delay="indefinite"/>
+                      </p:stCondLst>
+                      <p:childTnLst>
+                        <p:par>
+                          <p:cTn id="14" fill="hold">
+                            <p:stCondLst>
+                              <p:cond delay="0"/>
+                            </p:stCondLst>
+                            <p:childTnLst>
+                              <p:par>
+                                <p:cTn id="15" presetID="10" presetClass="entr" presetSubtype="0" fill="hold" nodeType="clickEffect">
+                                  <p:stCondLst>
+                                    <p:cond delay="0"/>
+                                  </p:stCondLst>
+                                  <p:childTnLst>
+                                    <p:set>
+                                      <p:cBhvr>
+                                        <p:cTn id="16" dur="1" fill="hold">
+                                          <p:stCondLst>
+                                            <p:cond delay="0"/>
+                                          </p:stCondLst>
+                                        </p:cTn>
+                                        <p:tgtEl>
+                                          <p:spTgt spid="7">
+                                            <p:txEl>
+                                              <p:pRg st="4" end="4"/>
+                                            </p:txEl>
+                                          </p:spTgt>
+                                        </p:tgtEl>
+                                        <p:attrNameLst>
+                                          <p:attrName>style.visibility</p:attrName>
+                                        </p:attrNameLst>
+                                      </p:cBhvr>
+                                      <p:to>
+                                        <p:strVal val="visible"/>
+                                      </p:to>
+                                    </p:set>
+                                    <p:animEffect transition="in" filter="fade">
+                                      <p:cBhvr>
+                                        <p:cTn id="17" dur="500"/>
+                                        <p:tgtEl>
+                                          <p:spTgt spid="7">
+                                            <p:txEl>
+                                              <p:pRg st="4" end="4"/>
+                                            </p:txEl>
+                                          </p:spTgt>
+                                        </p:tgtEl>
+                                      </p:cBhvr>
+                                    </p:animEffect>
+                                  </p:childTnLst>
+                                </p:cTn>
+                              </p:par>
+                            </p:childTnLst>
+                          </p:cTn>
+                        </p:par>
+                      </p:childTnLst>
+                    </p:cTn>
+                  </p:par>
+                  <p:par>
+                    <p:cTn id="18" fill="hold">
+                      <p:stCondLst>
+                        <p:cond delay="indefinite"/>
+                      </p:stCondLst>
+                      <p:childTnLst>
+                        <p:par>
+                          <p:cTn id="19" fill="hold">
+                            <p:stCondLst>
+                              <p:cond delay="0"/>
+                            </p:stCondLst>
+                            <p:childTnLst>
+                              <p:par>
+                                <p:cTn id="20" presetID="10" presetClass="entr" presetSubtype="0" fill="hold" nodeType="clickEffect">
+                                  <p:stCondLst>
+                                    <p:cond delay="0"/>
+                                  </p:stCondLst>
+                                  <p:childTnLst>
+                                    <p:set>
+                                      <p:cBhvr>
+                                        <p:cTn id="21" dur="1" fill="hold">
+                                          <p:stCondLst>
+                                            <p:cond delay="0"/>
+                                          </p:stCondLst>
+                                        </p:cTn>
+                                        <p:tgtEl>
+                                          <p:spTgt spid="7">
+                                            <p:txEl>
+                                              <p:pRg st="6" end="6"/>
+                                            </p:txEl>
+                                          </p:spTgt>
+                                        </p:tgtEl>
+                                        <p:attrNameLst>
+                                          <p:attrName>style.visibility</p:attrName>
+                                        </p:attrNameLst>
+                                      </p:cBhvr>
+                                      <p:to>
+                                        <p:strVal val="visible"/>
+                                      </p:to>
+                                    </p:set>
+                                    <p:animEffect transition="in" filter="fade">
+                                      <p:cBhvr>
+                                        <p:cTn id="22" dur="500"/>
+                                        <p:tgtEl>
+                                          <p:spTgt spid="7">
+                                            <p:txEl>
+                                              <p:pRg st="6" end="6"/>
+                                            </p:txEl>
+                                          </p:spTgt>
+                                        </p:tgtEl>
+                                      </p:cBhvr>
+                                    </p:animEffect>
+                                  </p:childTnLst>
+                                </p:cTn>
+                              </p:par>
+                            </p:childTnLst>
+                          </p:cTn>
+                        </p:par>
+                      </p:childTnLst>
+                    </p:cTn>
+                  </p:par>
+                </p:childTnLst>
+              </p:cTn>
+              <p:prevCondLst>
+                <p:cond evt="onPrev" delay="0">
+                  <p:tgtEl>
+                    <p:sldTgt/>
+                  </p:tgtEl>
+                </p:cond>
+              </p:prevCondLst>
+              <p:nextCondLst>
+                <p:cond evt="onNext" delay="0">
+                  <p:tgtEl>
+                    <p:sldTgt/>
+                  </p:tgtEl>
+                </p:cond>
+              </p:nextCondLst>
+            </p:seq>
+          </p:childTnLst>
+        </p:cTn>
+      </p:par>
+    </p:tnLst>
+  </p:timing>
 </p:sld>
 </file>
 
@@ -34985,6 +35265,173 @@
 </file>
 
 <file path=ppt/slides/slide50.xml><?xml version="1.0" encoding="utf-8"?>
+<p:sld xmlns:a="http://schemas.openxmlformats.org/drawingml/2006/main" xmlns:r="http://schemas.openxmlformats.org/officeDocument/2006/relationships" xmlns:p="http://schemas.openxmlformats.org/presentationml/2006/main">
+  <p:cSld>
+    <p:spTree>
+      <p:nvGrpSpPr>
+        <p:cNvPr id="1" name=""/>
+        <p:cNvGrpSpPr/>
+        <p:nvPr/>
+      </p:nvGrpSpPr>
+      <p:grpSpPr>
+        <a:xfrm>
+          <a:off x="0" y="0"/>
+          <a:ext cx="0" cy="0"/>
+          <a:chOff x="0" y="0"/>
+          <a:chExt cx="0" cy="0"/>
+        </a:xfrm>
+      </p:grpSpPr>
+      <p:sp>
+        <p:nvSpPr>
+          <p:cNvPr id="2" name="Title 1">
+            <a:extLst>
+              <a:ext uri="{FF2B5EF4-FFF2-40B4-BE49-F238E27FC236}">
+                <a16:creationId xmlns:a16="http://schemas.microsoft.com/office/drawing/2014/main" id="{A29DE7F2-E890-4744-88DD-A75F5E300513}"/>
+              </a:ext>
+            </a:extLst>
+          </p:cNvPr>
+          <p:cNvSpPr>
+            <a:spLocks noGrp="1"/>
+          </p:cNvSpPr>
+          <p:nvPr>
+            <p:ph type="ctrTitle"/>
+          </p:nvPr>
+        </p:nvSpPr>
+        <p:spPr>
+          <a:xfrm>
+            <a:off x="5892799" y="2571235"/>
+            <a:ext cx="6189133" cy="1715531"/>
+          </a:xfrm>
+        </p:spPr>
+        <p:txBody>
+          <a:bodyPr/>
+          <a:lstStyle/>
+          <a:p>
+            <a:r>
+              <a:rPr lang="en-US" dirty="0"/>
+              <a:t>🤗Thank you!</a:t>
+            </a:r>
+            <a:br>
+              <a:rPr lang="en-US" dirty="0"/>
+            </a:br>
+            <a:br>
+              <a:rPr lang="en-US" dirty="0"/>
+            </a:br>
+            <a:r>
+              <a:rPr lang="en-US" dirty="0"/>
+              <a:t>🤔Any questions?</a:t>
+            </a:r>
+          </a:p>
+        </p:txBody>
+      </p:sp>
+      <p:sp>
+        <p:nvSpPr>
+          <p:cNvPr id="5" name="TextBox 4">
+            <a:extLst>
+              <a:ext uri="{FF2B5EF4-FFF2-40B4-BE49-F238E27FC236}">
+                <a16:creationId xmlns:a16="http://schemas.microsoft.com/office/drawing/2014/main" id="{30768DC5-971B-FE3A-5821-C8B282E689F5}"/>
+              </a:ext>
+            </a:extLst>
+          </p:cNvPr>
+          <p:cNvSpPr txBox="1"/>
+          <p:nvPr/>
+        </p:nvSpPr>
+        <p:spPr>
+          <a:xfrm>
+            <a:off x="0" y="6488668"/>
+            <a:ext cx="7956223" cy="369332"/>
+          </a:xfrm>
+          <a:prstGeom prst="rect">
+            <a:avLst/>
+          </a:prstGeom>
+          <a:noFill/>
+        </p:spPr>
+        <p:txBody>
+          <a:bodyPr wrap="square" rtlCol="0">
+            <a:spAutoFit/>
+          </a:bodyPr>
+          <a:lstStyle/>
+          <a:p>
+            <a:r>
+              <a:rPr lang="en-US" dirty="0"/>
+              <a:t>Source: Disney Enterprises, Inc. </a:t>
+            </a:r>
+          </a:p>
+        </p:txBody>
+      </p:sp>
+      <p:pic>
+        <p:nvPicPr>
+          <p:cNvPr id="1026" name="Picture 2">
+            <a:extLst>
+              <a:ext uri="{FF2B5EF4-FFF2-40B4-BE49-F238E27FC236}">
+                <a16:creationId xmlns:a16="http://schemas.microsoft.com/office/drawing/2014/main" id="{3C9B8336-B99D-96A4-B5FE-A565EE763009}"/>
+              </a:ext>
+            </a:extLst>
+          </p:cNvPr>
+          <p:cNvPicPr>
+            <a:picLocks noChangeAspect="1" noChangeArrowheads="1"/>
+          </p:cNvPicPr>
+          <p:nvPr/>
+        </p:nvPicPr>
+        <p:blipFill>
+          <a:blip r:embed="rId2">
+            <a:extLst>
+              <a:ext uri="{28A0092B-C50C-407E-A947-70E740481C1C}">
+                <a14:useLocalDpi xmlns:a14="http://schemas.microsoft.com/office/drawing/2010/main" val="0"/>
+              </a:ext>
+            </a:extLst>
+          </a:blip>
+          <a:srcRect/>
+          <a:stretch>
+            <a:fillRect/>
+          </a:stretch>
+        </p:blipFill>
+        <p:spPr bwMode="auto">
+          <a:xfrm>
+            <a:off x="239472" y="1572683"/>
+            <a:ext cx="5653327" cy="3712633"/>
+          </a:xfrm>
+          <a:prstGeom prst="rect">
+            <a:avLst/>
+          </a:prstGeom>
+          <a:noFill/>
+          <a:extLst>
+            <a:ext uri="{909E8E84-426E-40DD-AFC4-6F175D3DCCD1}">
+              <a14:hiddenFill xmlns:a14="http://schemas.microsoft.com/office/drawing/2010/main">
+                <a:solidFill>
+                  <a:srgbClr val="FFFFFF"/>
+                </a:solidFill>
+              </a14:hiddenFill>
+            </a:ext>
+          </a:extLst>
+        </p:spPr>
+      </p:pic>
+    </p:spTree>
+    <p:extLst>
+      <p:ext uri="{BB962C8B-B14F-4D97-AF65-F5344CB8AC3E}">
+        <p14:creationId xmlns:p14="http://schemas.microsoft.com/office/powerpoint/2010/main" val="3271207713"/>
+      </p:ext>
+    </p:extLst>
+  </p:cSld>
+  <p:clrMapOvr>
+    <a:masterClrMapping/>
+  </p:clrMapOvr>
+  <mc:AlternateContent xmlns:mc="http://schemas.openxmlformats.org/markup-compatibility/2006" xmlns:p14="http://schemas.microsoft.com/office/powerpoint/2010/main">
+    <mc:Choice Requires="p14">
+      <p:transition spd="med" p14:dur="700">
+        <p:fade/>
+      </p:transition>
+    </mc:Choice>
+    <mc:Fallback xmlns="">
+      <p:transition spd="med">
+        <p:fade/>
+      </p:transition>
+    </mc:Fallback>
+  </mc:AlternateContent>
+</p:sld>
+</file>
+
+<file path=ppt/slides/slide51.xml><?xml version="1.0" encoding="utf-8"?>
 <p:sld xmlns:a="http://schemas.openxmlformats.org/drawingml/2006/main" xmlns:r="http://schemas.openxmlformats.org/officeDocument/2006/relationships" xmlns:p="http://schemas.openxmlformats.org/presentationml/2006/main">
   <p:cSld>
     <p:spTree>
@@ -36982,15 +37429,6 @@
 </file>
 
 <file path=customXml/item1.xml><?xml version="1.0" encoding="utf-8"?>
-<?mso-contentType ?>
-<FormTemplates xmlns="http://schemas.microsoft.com/sharepoint/v3/contenttype/forms">
-  <Display>DocumentLibraryForm</Display>
-  <Edit>DocumentLibraryForm</Edit>
-  <New>DocumentLibraryForm</New>
-</FormTemplates>
-</file>
-
-<file path=customXml/item2.xml><?xml version="1.0" encoding="utf-8"?>
 <p:properties xmlns:p="http://schemas.microsoft.com/office/2006/metadata/properties" xmlns:xsi="http://www.w3.org/2001/XMLSchema-instance" xmlns:pc="http://schemas.microsoft.com/office/infopath/2007/PartnerControls">
   <documentManagement>
     <_ip_UnifiedCompliancePolicyUIAction xmlns="http://schemas.microsoft.com/sharepoint/v3" xsi:nil="true"/>
@@ -37010,7 +37448,7 @@
 </p:properties>
 </file>
 
-<file path=customXml/item3.xml><?xml version="1.0" encoding="utf-8"?>
+<file path=customXml/item2.xml><?xml version="1.0" encoding="utf-8"?>
 <ct:contentTypeSchema xmlns:ct="http://schemas.microsoft.com/office/2006/metadata/contentType" xmlns:ma="http://schemas.microsoft.com/office/2006/metadata/properties/metaAttributes" ct:_="" ma:_="" ma:contentTypeName="Document" ma:contentTypeID="0x01010079F111ED35F8CC479449609E8A0923A6" ma:contentTypeVersion="27" ma:contentTypeDescription="Create a new document." ma:contentTypeScope="" ma:versionID="c6f9a84f66a9c8b9a21755b9ffafb945">
   <xsd:schema xmlns:xsd="http://www.w3.org/2001/XMLSchema" xmlns:xs="http://www.w3.org/2001/XMLSchema" xmlns:p="http://schemas.microsoft.com/office/2006/metadata/properties" xmlns:ns1="http://schemas.microsoft.com/sharepoint/v3" xmlns:ns2="71af3243-3dd4-4a8d-8c0d-dd76da1f02a5" xmlns:ns3="16c05727-aa75-4e4a-9b5f-8a80a1165891" xmlns:ns4="230e9df3-be65-4c73-a93b-d1236ebd677e" targetNamespace="http://schemas.microsoft.com/office/2006/metadata/properties" ma:root="true" ma:fieldsID="27df39e3e7036dff54f89ddd5805ce72" ns1:_="" ns2:_="" ns3:_="" ns4:_="">
     <xsd:import namespace="http://schemas.microsoft.com/sharepoint/v3"/>
@@ -37316,15 +37754,16 @@
 </ct:contentTypeSchema>
 </file>
 
-<file path=customXml/itemProps1.xml><?xml version="1.0" encoding="utf-8"?>
-<ds:datastoreItem xmlns:ds="http://schemas.openxmlformats.org/officeDocument/2006/customXml" ds:itemID="{6966C46A-DC57-4209-80CD-9FE6C93151FF}">
-  <ds:schemaRefs>
-    <ds:schemaRef ds:uri="http://schemas.microsoft.com/sharepoint/v3/contenttype/forms"/>
-  </ds:schemaRefs>
-</ds:datastoreItem>
+<file path=customXml/item3.xml><?xml version="1.0" encoding="utf-8"?>
+<?mso-contentType ?>
+<FormTemplates xmlns="http://schemas.microsoft.com/sharepoint/v3/contenttype/forms">
+  <Display>DocumentLibraryForm</Display>
+  <Edit>DocumentLibraryForm</Edit>
+  <New>DocumentLibraryForm</New>
+</FormTemplates>
 </file>
 
-<file path=customXml/itemProps2.xml><?xml version="1.0" encoding="utf-8"?>
+<file path=customXml/itemProps1.xml><?xml version="1.0" encoding="utf-8"?>
 <ds:datastoreItem xmlns:ds="http://schemas.openxmlformats.org/officeDocument/2006/customXml" ds:itemID="{BEFFFA3F-0FB5-4ED3-8906-A15B16577F44}">
   <ds:schemaRefs>
     <ds:schemaRef ds:uri="http://schemas.openxmlformats.org/package/2006/metadata/core-properties"/>
@@ -37343,7 +37782,7 @@
 </ds:datastoreItem>
 </file>
 
-<file path=customXml/itemProps3.xml><?xml version="1.0" encoding="utf-8"?>
+<file path=customXml/itemProps2.xml><?xml version="1.0" encoding="utf-8"?>
 <ds:datastoreItem xmlns:ds="http://schemas.openxmlformats.org/officeDocument/2006/customXml" ds:itemID="{4E18436D-DA32-4E27-AC64-8FFEDA5218F9}">
   <ds:schemaRefs>
     <ds:schemaRef ds:uri="http://schemas.microsoft.com/office/2006/metadata/contentType"/>
@@ -37364,6 +37803,14 @@
 </ds:datastoreItem>
 </file>
 
+<file path=customXml/itemProps3.xml><?xml version="1.0" encoding="utf-8"?>
+<ds:datastoreItem xmlns:ds="http://schemas.openxmlformats.org/officeDocument/2006/customXml" ds:itemID="{6966C46A-DC57-4209-80CD-9FE6C93151FF}">
+  <ds:schemaRefs>
+    <ds:schemaRef ds:uri="http://schemas.microsoft.com/sharepoint/v3/contenttype/forms"/>
+  </ds:schemaRefs>
+</ds:datastoreItem>
+</file>
+
 <file path=docMetadata/LabelInfo.xml><?xml version="1.0" encoding="utf-8"?>
 <clbl:labelList xmlns:clbl="http://schemas.microsoft.com/office/2020/mipLabelMetadata"/>
 </file>
--- a/presentation.pptx
+++ b/presentation.pptx
@@ -197,7 +197,7 @@
 <file path=ppt/revisionInfo.xml><?xml version="1.0" encoding="utf-8"?>
 <p1510:revInfo xmlns:a="http://schemas.openxmlformats.org/drawingml/2006/main" xmlns:r="http://schemas.openxmlformats.org/officeDocument/2006/relationships" xmlns:p1510="http://schemas.microsoft.com/office/powerpoint/2015/10/main">
   <p1510:revLst>
-    <p1510:client id="{1670CD84-DEE0-4E12-BF01-4C2D0C1D7F30}" v="840" dt="2024-06-03T13:22:02.617"/>
+    <p1510:client id="{1670CD84-DEE0-4E12-BF01-4C2D0C1D7F30}" v="846" dt="2024-06-08T15:15:22.466"/>
   </p1510:revLst>
 </p1510:revInfo>
 </file>
@@ -207,7 +207,7 @@
   <pc:docChgLst>
     <pc:chgData name="Dominique RIGHETTO" userId="512fe077-82ad-424c-88a3-15e852b5861d" providerId="ADAL" clId="{1670CD84-DEE0-4E12-BF01-4C2D0C1D7F30}"/>
     <pc:docChg chg="undo custSel addSld delSld modSld sldOrd">
-      <pc:chgData name="Dominique RIGHETTO" userId="512fe077-82ad-424c-88a3-15e852b5861d" providerId="ADAL" clId="{1670CD84-DEE0-4E12-BF01-4C2D0C1D7F30}" dt="2024-06-03T13:22:02.617" v="11904"/>
+      <pc:chgData name="Dominique RIGHETTO" userId="512fe077-82ad-424c-88a3-15e852b5861d" providerId="ADAL" clId="{1670CD84-DEE0-4E12-BF01-4C2D0C1D7F30}" dt="2024-06-08T15:15:22.466" v="11910"/>
       <pc:docMkLst>
         <pc:docMk/>
       </pc:docMkLst>
@@ -1456,7 +1456,7 @@
         </pc:picChg>
       </pc:sldChg>
       <pc:sldChg chg="addSp delSp modSp add mod modTransition">
-        <pc:chgData name="Dominique RIGHETTO" userId="512fe077-82ad-424c-88a3-15e852b5861d" providerId="ADAL" clId="{1670CD84-DEE0-4E12-BF01-4C2D0C1D7F30}" dt="2024-05-20T06:57:55.350" v="11269" actId="20577"/>
+        <pc:chgData name="Dominique RIGHETTO" userId="512fe077-82ad-424c-88a3-15e852b5861d" providerId="ADAL" clId="{1670CD84-DEE0-4E12-BF01-4C2D0C1D7F30}" dt="2024-06-08T15:14:27.043" v="11905"/>
         <pc:sldMkLst>
           <pc:docMk/>
           <pc:sldMk cId="3084364964" sldId="286"/>
@@ -1485,6 +1485,14 @@
             <ac:spMk id="7" creationId="{6B35F89A-6CDF-41F7-BD87-18B45BD7330B}"/>
           </ac:spMkLst>
         </pc:spChg>
+        <pc:picChg chg="add mod">
+          <ac:chgData name="Dominique RIGHETTO" userId="512fe077-82ad-424c-88a3-15e852b5861d" providerId="ADAL" clId="{1670CD84-DEE0-4E12-BF01-4C2D0C1D7F30}" dt="2024-06-08T15:14:27.043" v="11905"/>
+          <ac:picMkLst>
+            <pc:docMk/>
+            <pc:sldMk cId="3084364964" sldId="286"/>
+            <ac:picMk id="3" creationId="{22994B35-AF74-3C72-8334-ABBE39CA8511}"/>
+          </ac:picMkLst>
+        </pc:picChg>
         <pc:picChg chg="add mod">
           <ac:chgData name="Dominique RIGHETTO" userId="512fe077-82ad-424c-88a3-15e852b5861d" providerId="ADAL" clId="{1670CD84-DEE0-4E12-BF01-4C2D0C1D7F30}" dt="2024-05-11T06:47:33.319" v="7098" actId="108"/>
           <ac:picMkLst>
@@ -1534,7 +1542,7 @@
         </pc:picChg>
       </pc:sldChg>
       <pc:sldChg chg="addSp delSp modSp add mod ord modTransition">
-        <pc:chgData name="Dominique RIGHETTO" userId="512fe077-82ad-424c-88a3-15e852b5861d" providerId="ADAL" clId="{1670CD84-DEE0-4E12-BF01-4C2D0C1D7F30}" dt="2024-05-20T06:58:31.113" v="11279" actId="20577"/>
+        <pc:chgData name="Dominique RIGHETTO" userId="512fe077-82ad-424c-88a3-15e852b5861d" providerId="ADAL" clId="{1670CD84-DEE0-4E12-BF01-4C2D0C1D7F30}" dt="2024-06-08T15:14:33.448" v="11906"/>
         <pc:sldMkLst>
           <pc:docMk/>
           <pc:sldMk cId="3892491518" sldId="288"/>
@@ -1555,6 +1563,14 @@
             <ac:spMk id="7" creationId="{6B35F89A-6CDF-41F7-BD87-18B45BD7330B}"/>
           </ac:spMkLst>
         </pc:spChg>
+        <pc:picChg chg="add mod">
+          <ac:chgData name="Dominique RIGHETTO" userId="512fe077-82ad-424c-88a3-15e852b5861d" providerId="ADAL" clId="{1670CD84-DEE0-4E12-BF01-4C2D0C1D7F30}" dt="2024-06-08T15:14:33.448" v="11906"/>
+          <ac:picMkLst>
+            <pc:docMk/>
+            <pc:sldMk cId="3892491518" sldId="288"/>
+            <ac:picMk id="3" creationId="{34CB18E9-E5AA-B566-93E5-E14779826198}"/>
+          </ac:picMkLst>
+        </pc:picChg>
         <pc:picChg chg="add mod">
           <ac:chgData name="Dominique RIGHETTO" userId="512fe077-82ad-424c-88a3-15e852b5861d" providerId="ADAL" clId="{1670CD84-DEE0-4E12-BF01-4C2D0C1D7F30}" dt="2024-05-11T06:55:21.640" v="7266" actId="14861"/>
           <ac:picMkLst>
@@ -1725,7 +1741,7 @@
         </pc:sldMkLst>
       </pc:sldChg>
       <pc:sldChg chg="addSp delSp modSp add mod ord modTransition">
-        <pc:chgData name="Dominique RIGHETTO" userId="512fe077-82ad-424c-88a3-15e852b5861d" providerId="ADAL" clId="{1670CD84-DEE0-4E12-BF01-4C2D0C1D7F30}" dt="2024-05-20T06:59:18.487" v="11306" actId="20577"/>
+        <pc:chgData name="Dominique RIGHETTO" userId="512fe077-82ad-424c-88a3-15e852b5861d" providerId="ADAL" clId="{1670CD84-DEE0-4E12-BF01-4C2D0C1D7F30}" dt="2024-06-08T15:14:48.387" v="11907"/>
         <pc:sldMkLst>
           <pc:docMk/>
           <pc:sldMk cId="4180719436" sldId="293"/>
@@ -1762,6 +1778,14 @@
             <ac:spMk id="10" creationId="{101EB194-00D5-D0AB-80C8-425CE202D48B}"/>
           </ac:spMkLst>
         </pc:spChg>
+        <pc:picChg chg="add mod">
+          <ac:chgData name="Dominique RIGHETTO" userId="512fe077-82ad-424c-88a3-15e852b5861d" providerId="ADAL" clId="{1670CD84-DEE0-4E12-BF01-4C2D0C1D7F30}" dt="2024-06-08T15:14:48.387" v="11907"/>
+          <ac:picMkLst>
+            <pc:docMk/>
+            <pc:sldMk cId="4180719436" sldId="293"/>
+            <ac:picMk id="3" creationId="{872052E5-194D-30C6-0C8C-4D2156A70BDE}"/>
+          </ac:picMkLst>
+        </pc:picChg>
         <pc:picChg chg="del">
           <ac:chgData name="Dominique RIGHETTO" userId="512fe077-82ad-424c-88a3-15e852b5861d" providerId="ADAL" clId="{1670CD84-DEE0-4E12-BF01-4C2D0C1D7F30}" dt="2024-05-11T07:08:48.251" v="7444" actId="478"/>
           <ac:picMkLst>
@@ -1936,7 +1960,7 @@
         </pc:picChg>
       </pc:sldChg>
       <pc:sldChg chg="addSp delSp modSp add mod modTransition">
-        <pc:chgData name="Dominique RIGHETTO" userId="512fe077-82ad-424c-88a3-15e852b5861d" providerId="ADAL" clId="{1670CD84-DEE0-4E12-BF01-4C2D0C1D7F30}" dt="2024-05-20T07:00:06.780" v="11323" actId="20577"/>
+        <pc:chgData name="Dominique RIGHETTO" userId="512fe077-82ad-424c-88a3-15e852b5861d" providerId="ADAL" clId="{1670CD84-DEE0-4E12-BF01-4C2D0C1D7F30}" dt="2024-06-08T15:14:57.111" v="11908"/>
         <pc:sldMkLst>
           <pc:docMk/>
           <pc:sldMk cId="1278025696" sldId="297"/>
@@ -1957,6 +1981,14 @@
             <ac:spMk id="7" creationId="{6B35F89A-6CDF-41F7-BD87-18B45BD7330B}"/>
           </ac:spMkLst>
         </pc:spChg>
+        <pc:picChg chg="add mod">
+          <ac:chgData name="Dominique RIGHETTO" userId="512fe077-82ad-424c-88a3-15e852b5861d" providerId="ADAL" clId="{1670CD84-DEE0-4E12-BF01-4C2D0C1D7F30}" dt="2024-06-08T15:14:57.111" v="11908"/>
+          <ac:picMkLst>
+            <pc:docMk/>
+            <pc:sldMk cId="1278025696" sldId="297"/>
+            <ac:picMk id="3" creationId="{6DCC3B47-037F-7857-5B96-D88C4B42B2A8}"/>
+          </ac:picMkLst>
+        </pc:picChg>
         <pc:picChg chg="add mod">
           <ac:chgData name="Dominique RIGHETTO" userId="512fe077-82ad-424c-88a3-15e852b5861d" providerId="ADAL" clId="{1670CD84-DEE0-4E12-BF01-4C2D0C1D7F30}" dt="2024-05-11T07:28:47.218" v="7823" actId="108"/>
           <ac:picMkLst>
@@ -2503,7 +2535,7 @@
         </pc:cxnChg>
       </pc:sldChg>
       <pc:sldChg chg="addSp delSp modSp add mod modTransition">
-        <pc:chgData name="Dominique RIGHETTO" userId="512fe077-82ad-424c-88a3-15e852b5861d" providerId="ADAL" clId="{1670CD84-DEE0-4E12-BF01-4C2D0C1D7F30}" dt="2024-05-20T07:45:30.978" v="11726" actId="108"/>
+        <pc:chgData name="Dominique RIGHETTO" userId="512fe077-82ad-424c-88a3-15e852b5861d" providerId="ADAL" clId="{1670CD84-DEE0-4E12-BF01-4C2D0C1D7F30}" dt="2024-06-08T15:15:22.466" v="11910"/>
         <pc:sldMkLst>
           <pc:docMk/>
           <pc:sldMk cId="3921470596" sldId="306"/>
@@ -2524,6 +2556,14 @@
             <ac:spMk id="7" creationId="{6B35F89A-6CDF-41F7-BD87-18B45BD7330B}"/>
           </ac:spMkLst>
         </pc:spChg>
+        <pc:picChg chg="add mod">
+          <ac:chgData name="Dominique RIGHETTO" userId="512fe077-82ad-424c-88a3-15e852b5861d" providerId="ADAL" clId="{1670CD84-DEE0-4E12-BF01-4C2D0C1D7F30}" dt="2024-06-08T15:15:22.466" v="11910"/>
+          <ac:picMkLst>
+            <pc:docMk/>
+            <pc:sldMk cId="3921470596" sldId="306"/>
+            <ac:picMk id="3" creationId="{80A14F5E-252B-556F-AC1B-7BEBA298C7A0}"/>
+          </ac:picMkLst>
+        </pc:picChg>
         <pc:picChg chg="del">
           <ac:chgData name="Dominique RIGHETTO" userId="512fe077-82ad-424c-88a3-15e852b5861d" providerId="ADAL" clId="{1670CD84-DEE0-4E12-BF01-4C2D0C1D7F30}" dt="2024-05-12T09:20:33.973" v="9512" actId="478"/>
           <ac:picMkLst>
@@ -2711,7 +2751,7 @@
         </pc:sldMkLst>
       </pc:sldChg>
       <pc:sldChg chg="addSp delSp modSp add mod ord modTransition">
-        <pc:chgData name="Dominique RIGHETTO" userId="512fe077-82ad-424c-88a3-15e852b5861d" providerId="ADAL" clId="{1670CD84-DEE0-4E12-BF01-4C2D0C1D7F30}" dt="2024-05-20T07:27:49.206" v="11589"/>
+        <pc:chgData name="Dominique RIGHETTO" userId="512fe077-82ad-424c-88a3-15e852b5861d" providerId="ADAL" clId="{1670CD84-DEE0-4E12-BF01-4C2D0C1D7F30}" dt="2024-06-08T15:15:14.057" v="11909"/>
         <pc:sldMkLst>
           <pc:docMk/>
           <pc:sldMk cId="1011501238" sldId="313"/>
@@ -2732,6 +2772,14 @@
             <ac:spMk id="11" creationId="{12CD8640-E815-9DB3-7528-51174A9096DA}"/>
           </ac:spMkLst>
         </pc:spChg>
+        <pc:picChg chg="add mod">
+          <ac:chgData name="Dominique RIGHETTO" userId="512fe077-82ad-424c-88a3-15e852b5861d" providerId="ADAL" clId="{1670CD84-DEE0-4E12-BF01-4C2D0C1D7F30}" dt="2024-06-08T15:15:14.057" v="11909"/>
+          <ac:picMkLst>
+            <pc:docMk/>
+            <pc:sldMk cId="1011501238" sldId="313"/>
+            <ac:picMk id="4" creationId="{8FD599F8-92D5-9E3B-FB90-8BBF81FB3D50}"/>
+          </ac:picMkLst>
+        </pc:picChg>
         <pc:picChg chg="mod">
           <ac:chgData name="Dominique RIGHETTO" userId="512fe077-82ad-424c-88a3-15e852b5861d" providerId="ADAL" clId="{1670CD84-DEE0-4E12-BF01-4C2D0C1D7F30}" dt="2024-05-19T07:58:04.735" v="11161" actId="1076"/>
           <ac:picMkLst>
@@ -6144,7 +6192,7 @@
           <a:p>
             <a:fld id="{F352A77B-D33C-49B3-A83C-450AA2ED72B3}" type="datetimeFigureOut">
               <a:rPr lang="en-US" smtClean="0"/>
-              <a:t>6/3/2024</a:t>
+              <a:t>6/8/2024</a:t>
             </a:fld>
             <a:endParaRPr lang="en-US" dirty="0"/>
           </a:p>
@@ -6321,7 +6369,7 @@
           <a:p>
             <a:fld id="{E38D8F9A-F5CB-4EF8-A859-ED5E107B9763}" type="datetimeFigureOut">
               <a:rPr lang="en-US" smtClean="0"/>
-              <a:t>6/3/2024</a:t>
+              <a:t>6/8/2024</a:t>
             </a:fld>
             <a:endParaRPr lang="en-US" dirty="0"/>
           </a:p>
@@ -26955,6 +27003,36 @@
           </a:effectLst>
         </p:spPr>
       </p:pic>
+      <p:pic>
+        <p:nvPicPr>
+          <p:cNvPr id="3" name="Picture 2" descr="Cartoon of a person holding a pointer&#10;&#10;Description automatically generated">
+            <a:extLst>
+              <a:ext uri="{FF2B5EF4-FFF2-40B4-BE49-F238E27FC236}">
+                <a16:creationId xmlns:a16="http://schemas.microsoft.com/office/drawing/2014/main" id="{22994B35-AF74-3C72-8334-ABBE39CA8511}"/>
+              </a:ext>
+            </a:extLst>
+          </p:cNvPr>
+          <p:cNvPicPr>
+            <a:picLocks noChangeAspect="1"/>
+          </p:cNvPicPr>
+          <p:nvPr/>
+        </p:nvPicPr>
+        <p:blipFill>
+          <a:blip r:embed="rId3"/>
+          <a:stretch>
+            <a:fillRect/>
+          </a:stretch>
+        </p:blipFill>
+        <p:spPr>
+          <a:xfrm>
+            <a:off x="11492478" y="53328"/>
+            <a:ext cx="583399" cy="684726"/>
+          </a:xfrm>
+          <a:prstGeom prst="rect">
+            <a:avLst/>
+          </a:prstGeom>
+        </p:spPr>
+      </p:pic>
     </p:spTree>
     <p:extLst>
       <p:ext uri="{BB962C8B-B14F-4D97-AF65-F5344CB8AC3E}">
@@ -27122,13 +27200,13 @@
   <p:clrMapOvr>
     <a:masterClrMapping/>
   </p:clrMapOvr>
-  <mc:AlternateContent xmlns:mc="http://schemas.openxmlformats.org/markup-compatibility/2006">
-    <mc:Choice xmlns:p159="http://schemas.microsoft.com/office/powerpoint/2015/09/main" Requires="p159">
+  <mc:AlternateContent xmlns:mc="http://schemas.openxmlformats.org/markup-compatibility/2006" xmlns:p159="http://schemas.microsoft.com/office/powerpoint/2015/09/main">
+    <mc:Choice Requires="p159">
       <p:transition xmlns:p14="http://schemas.microsoft.com/office/powerpoint/2010/main" spd="slow" p14:dur="2000">
         <p159:morph option="byObject"/>
       </p:transition>
     </mc:Choice>
-    <mc:Fallback>
+    <mc:Fallback xmlns="">
       <p:transition spd="slow">
         <p:fade/>
       </p:transition>
@@ -27455,6 +27533,36 @@
               </a:prstClr>
             </a:outerShdw>
           </a:effectLst>
+        </p:spPr>
+      </p:pic>
+      <p:pic>
+        <p:nvPicPr>
+          <p:cNvPr id="3" name="Picture 2" descr="Cartoon of a person holding a pointer&#10;&#10;Description automatically generated">
+            <a:extLst>
+              <a:ext uri="{FF2B5EF4-FFF2-40B4-BE49-F238E27FC236}">
+                <a16:creationId xmlns:a16="http://schemas.microsoft.com/office/drawing/2014/main" id="{34CB18E9-E5AA-B566-93E5-E14779826198}"/>
+              </a:ext>
+            </a:extLst>
+          </p:cNvPr>
+          <p:cNvPicPr>
+            <a:picLocks noChangeAspect="1"/>
+          </p:cNvPicPr>
+          <p:nvPr/>
+        </p:nvPicPr>
+        <p:blipFill>
+          <a:blip r:embed="rId3"/>
+          <a:stretch>
+            <a:fillRect/>
+          </a:stretch>
+        </p:blipFill>
+        <p:spPr>
+          <a:xfrm>
+            <a:off x="11492478" y="53328"/>
+            <a:ext cx="583399" cy="684726"/>
+          </a:xfrm>
+          <a:prstGeom prst="rect">
+            <a:avLst/>
+          </a:prstGeom>
         </p:spPr>
       </p:pic>
     </p:spTree>
@@ -28547,6 +28655,36 @@
           </a:p>
         </p:txBody>
       </p:sp>
+      <p:pic>
+        <p:nvPicPr>
+          <p:cNvPr id="3" name="Picture 2" descr="Cartoon of a person holding a pointer&#10;&#10;Description automatically generated">
+            <a:extLst>
+              <a:ext uri="{FF2B5EF4-FFF2-40B4-BE49-F238E27FC236}">
+                <a16:creationId xmlns:a16="http://schemas.microsoft.com/office/drawing/2014/main" id="{872052E5-194D-30C6-0C8C-4D2156A70BDE}"/>
+              </a:ext>
+            </a:extLst>
+          </p:cNvPr>
+          <p:cNvPicPr>
+            <a:picLocks noChangeAspect="1"/>
+          </p:cNvPicPr>
+          <p:nvPr/>
+        </p:nvPicPr>
+        <p:blipFill>
+          <a:blip r:embed="rId3"/>
+          <a:stretch>
+            <a:fillRect/>
+          </a:stretch>
+        </p:blipFill>
+        <p:spPr>
+          <a:xfrm>
+            <a:off x="11492478" y="53328"/>
+            <a:ext cx="583399" cy="684726"/>
+          </a:xfrm>
+          <a:prstGeom prst="rect">
+            <a:avLst/>
+          </a:prstGeom>
+        </p:spPr>
+      </p:pic>
     </p:spTree>
     <p:extLst>
       <p:ext uri="{BB962C8B-B14F-4D97-AF65-F5344CB8AC3E}">
@@ -28856,13 +28994,13 @@
   <p:clrMapOvr>
     <a:masterClrMapping/>
   </p:clrMapOvr>
-  <mc:AlternateContent xmlns:mc="http://schemas.openxmlformats.org/markup-compatibility/2006">
-    <mc:Choice xmlns:p159="http://schemas.microsoft.com/office/powerpoint/2015/09/main" Requires="p159">
+  <mc:AlternateContent xmlns:mc="http://schemas.openxmlformats.org/markup-compatibility/2006" xmlns:p159="http://schemas.microsoft.com/office/powerpoint/2015/09/main">
+    <mc:Choice Requires="p159">
       <p:transition xmlns:p14="http://schemas.microsoft.com/office/powerpoint/2010/main" spd="slow" p14:dur="2000">
         <p159:morph option="byObject"/>
       </p:transition>
     </mc:Choice>
-    <mc:Fallback>
+    <mc:Fallback xmlns="">
       <p:transition spd="slow">
         <p:fade/>
       </p:transition>
@@ -29778,6 +29916,36 @@
               </a:prstClr>
             </a:outerShdw>
           </a:effectLst>
+        </p:spPr>
+      </p:pic>
+      <p:pic>
+        <p:nvPicPr>
+          <p:cNvPr id="3" name="Picture 2" descr="Cartoon of a person holding a pointer&#10;&#10;Description automatically generated">
+            <a:extLst>
+              <a:ext uri="{FF2B5EF4-FFF2-40B4-BE49-F238E27FC236}">
+                <a16:creationId xmlns:a16="http://schemas.microsoft.com/office/drawing/2014/main" id="{6DCC3B47-037F-7857-5B96-D88C4B42B2A8}"/>
+              </a:ext>
+            </a:extLst>
+          </p:cNvPr>
+          <p:cNvPicPr>
+            <a:picLocks noChangeAspect="1"/>
+          </p:cNvPicPr>
+          <p:nvPr/>
+        </p:nvPicPr>
+        <p:blipFill>
+          <a:blip r:embed="rId3"/>
+          <a:stretch>
+            <a:fillRect/>
+          </a:stretch>
+        </p:blipFill>
+        <p:spPr>
+          <a:xfrm>
+            <a:off x="11492478" y="53328"/>
+            <a:ext cx="583399" cy="684726"/>
+          </a:xfrm>
+          <a:prstGeom prst="rect">
+            <a:avLst/>
+          </a:prstGeom>
         </p:spPr>
       </p:pic>
     </p:spTree>
@@ -32853,6 +33021,36 @@
           </a:fontRef>
         </p:style>
       </p:cxnSp>
+      <p:pic>
+        <p:nvPicPr>
+          <p:cNvPr id="4" name="Picture 3" descr="Cartoon of a person holding a pointer&#10;&#10;Description automatically generated">
+            <a:extLst>
+              <a:ext uri="{FF2B5EF4-FFF2-40B4-BE49-F238E27FC236}">
+                <a16:creationId xmlns:a16="http://schemas.microsoft.com/office/drawing/2014/main" id="{8FD599F8-92D5-9E3B-FB90-8BBF81FB3D50}"/>
+              </a:ext>
+            </a:extLst>
+          </p:cNvPr>
+          <p:cNvPicPr>
+            <a:picLocks noChangeAspect="1"/>
+          </p:cNvPicPr>
+          <p:nvPr/>
+        </p:nvPicPr>
+        <p:blipFill>
+          <a:blip r:embed="rId4"/>
+          <a:stretch>
+            <a:fillRect/>
+          </a:stretch>
+        </p:blipFill>
+        <p:spPr>
+          <a:xfrm>
+            <a:off x="11492478" y="53328"/>
+            <a:ext cx="583399" cy="684726"/>
+          </a:xfrm>
+          <a:prstGeom prst="rect">
+            <a:avLst/>
+          </a:prstGeom>
+        </p:spPr>
+      </p:pic>
     </p:spTree>
     <p:extLst>
       <p:ext uri="{BB962C8B-B14F-4D97-AF65-F5344CB8AC3E}">
@@ -34030,6 +34228,36 @@
               </a:prstClr>
             </a:outerShdw>
           </a:effectLst>
+        </p:spPr>
+      </p:pic>
+      <p:pic>
+        <p:nvPicPr>
+          <p:cNvPr id="3" name="Picture 2" descr="Cartoon of a person holding a pointer&#10;&#10;Description automatically generated">
+            <a:extLst>
+              <a:ext uri="{FF2B5EF4-FFF2-40B4-BE49-F238E27FC236}">
+                <a16:creationId xmlns:a16="http://schemas.microsoft.com/office/drawing/2014/main" id="{80A14F5E-252B-556F-AC1B-7BEBA298C7A0}"/>
+              </a:ext>
+            </a:extLst>
+          </p:cNvPr>
+          <p:cNvPicPr>
+            <a:picLocks noChangeAspect="1"/>
+          </p:cNvPicPr>
+          <p:nvPr/>
+        </p:nvPicPr>
+        <p:blipFill>
+          <a:blip r:embed="rId3"/>
+          <a:stretch>
+            <a:fillRect/>
+          </a:stretch>
+        </p:blipFill>
+        <p:spPr>
+          <a:xfrm>
+            <a:off x="11492478" y="53328"/>
+            <a:ext cx="583399" cy="684726"/>
+          </a:xfrm>
+          <a:prstGeom prst="rect">
+            <a:avLst/>
+          </a:prstGeom>
         </p:spPr>
       </p:pic>
     </p:spTree>
@@ -37429,26 +37657,6 @@
 </file>
 
 <file path=customXml/item1.xml><?xml version="1.0" encoding="utf-8"?>
-<p:properties xmlns:p="http://schemas.microsoft.com/office/2006/metadata/properties" xmlns:xsi="http://www.w3.org/2001/XMLSchema-instance" xmlns:pc="http://schemas.microsoft.com/office/infopath/2007/PartnerControls">
-  <documentManagement>
-    <_ip_UnifiedCompliancePolicyUIAction xmlns="http://schemas.microsoft.com/sharepoint/v3" xsi:nil="true"/>
-    <Image xmlns="71af3243-3dd4-4a8d-8c0d-dd76da1f02a5">
-      <Url xsi:nil="true"/>
-      <Description xsi:nil="true"/>
-    </Image>
-    <Status xmlns="71af3243-3dd4-4a8d-8c0d-dd76da1f02a5">Not started</Status>
-    <Background xmlns="71af3243-3dd4-4a8d-8c0d-dd76da1f02a5">false</Background>
-    <_ip_UnifiedCompliancePolicyProperties xmlns="http://schemas.microsoft.com/sharepoint/v3" xsi:nil="true"/>
-    <ImageTagsTaxHTField xmlns="71af3243-3dd4-4a8d-8c0d-dd76da1f02a5">
-      <Terms xmlns="http://schemas.microsoft.com/office/infopath/2007/PartnerControls"/>
-    </ImageTagsTaxHTField>
-    <TaxCatchAll xmlns="230e9df3-be65-4c73-a93b-d1236ebd677e" xsi:nil="true"/>
-    <MediaServiceKeyPoints xmlns="71af3243-3dd4-4a8d-8c0d-dd76da1f02a5" xsi:nil="true"/>
-  </documentManagement>
-</p:properties>
-</file>
-
-<file path=customXml/item2.xml><?xml version="1.0" encoding="utf-8"?>
 <ct:contentTypeSchema xmlns:ct="http://schemas.microsoft.com/office/2006/metadata/contentType" xmlns:ma="http://schemas.microsoft.com/office/2006/metadata/properties/metaAttributes" ct:_="" ma:_="" ma:contentTypeName="Document" ma:contentTypeID="0x01010079F111ED35F8CC479449609E8A0923A6" ma:contentTypeVersion="27" ma:contentTypeDescription="Create a new document." ma:contentTypeScope="" ma:versionID="c6f9a84f66a9c8b9a21755b9ffafb945">
   <xsd:schema xmlns:xsd="http://www.w3.org/2001/XMLSchema" xmlns:xs="http://www.w3.org/2001/XMLSchema" xmlns:p="http://schemas.microsoft.com/office/2006/metadata/properties" xmlns:ns1="http://schemas.microsoft.com/sharepoint/v3" xmlns:ns2="71af3243-3dd4-4a8d-8c0d-dd76da1f02a5" xmlns:ns3="16c05727-aa75-4e4a-9b5f-8a80a1165891" xmlns:ns4="230e9df3-be65-4c73-a93b-d1236ebd677e" targetNamespace="http://schemas.microsoft.com/office/2006/metadata/properties" ma:root="true" ma:fieldsID="27df39e3e7036dff54f89ddd5805ce72" ns1:_="" ns2:_="" ns3:_="" ns4:_="">
     <xsd:import namespace="http://schemas.microsoft.com/sharepoint/v3"/>
@@ -37754,7 +37962,7 @@
 </ct:contentTypeSchema>
 </file>
 
-<file path=customXml/item3.xml><?xml version="1.0" encoding="utf-8"?>
+<file path=customXml/item2.xml><?xml version="1.0" encoding="utf-8"?>
 <?mso-contentType ?>
 <FormTemplates xmlns="http://schemas.microsoft.com/sharepoint/v3/contenttype/forms">
   <Display>DocumentLibraryForm</Display>
@@ -37763,26 +37971,27 @@
 </FormTemplates>
 </file>
 
-<file path=customXml/itemProps1.xml><?xml version="1.0" encoding="utf-8"?>
-<ds:datastoreItem xmlns:ds="http://schemas.openxmlformats.org/officeDocument/2006/customXml" ds:itemID="{BEFFFA3F-0FB5-4ED3-8906-A15B16577F44}">
-  <ds:schemaRefs>
-    <ds:schemaRef ds:uri="http://schemas.openxmlformats.org/package/2006/metadata/core-properties"/>
-    <ds:schemaRef ds:uri="http://schemas.microsoft.com/office/infopath/2007/PartnerControls"/>
-    <ds:schemaRef ds:uri="http://schemas.microsoft.com/office/2006/documentManagement/types"/>
-    <ds:schemaRef ds:uri="http://purl.org/dc/terms/"/>
-    <ds:schemaRef ds:uri="http://purl.org/dc/dcmitype/"/>
-    <ds:schemaRef ds:uri="http://purl.org/dc/elements/1.1/"/>
-    <ds:schemaRef ds:uri="http://schemas.microsoft.com/sharepoint/v3"/>
-    <ds:schemaRef ds:uri="71af3243-3dd4-4a8d-8c0d-dd76da1f02a5"/>
-    <ds:schemaRef ds:uri="230e9df3-be65-4c73-a93b-d1236ebd677e"/>
-    <ds:schemaRef ds:uri="16c05727-aa75-4e4a-9b5f-8a80a1165891"/>
-    <ds:schemaRef ds:uri="http://schemas.microsoft.com/office/2006/metadata/properties"/>
-    <ds:schemaRef ds:uri="http://www.w3.org/XML/1998/namespace"/>
-  </ds:schemaRefs>
-</ds:datastoreItem>
+<file path=customXml/item3.xml><?xml version="1.0" encoding="utf-8"?>
+<p:properties xmlns:p="http://schemas.microsoft.com/office/2006/metadata/properties" xmlns:xsi="http://www.w3.org/2001/XMLSchema-instance" xmlns:pc="http://schemas.microsoft.com/office/infopath/2007/PartnerControls">
+  <documentManagement>
+    <_ip_UnifiedCompliancePolicyUIAction xmlns="http://schemas.microsoft.com/sharepoint/v3" xsi:nil="true"/>
+    <Image xmlns="71af3243-3dd4-4a8d-8c0d-dd76da1f02a5">
+      <Url xsi:nil="true"/>
+      <Description xsi:nil="true"/>
+    </Image>
+    <Status xmlns="71af3243-3dd4-4a8d-8c0d-dd76da1f02a5">Not started</Status>
+    <Background xmlns="71af3243-3dd4-4a8d-8c0d-dd76da1f02a5">false</Background>
+    <_ip_UnifiedCompliancePolicyProperties xmlns="http://schemas.microsoft.com/sharepoint/v3" xsi:nil="true"/>
+    <ImageTagsTaxHTField xmlns="71af3243-3dd4-4a8d-8c0d-dd76da1f02a5">
+      <Terms xmlns="http://schemas.microsoft.com/office/infopath/2007/PartnerControls"/>
+    </ImageTagsTaxHTField>
+    <TaxCatchAll xmlns="230e9df3-be65-4c73-a93b-d1236ebd677e" xsi:nil="true"/>
+    <MediaServiceKeyPoints xmlns="71af3243-3dd4-4a8d-8c0d-dd76da1f02a5" xsi:nil="true"/>
+  </documentManagement>
+</p:properties>
 </file>
 
-<file path=customXml/itemProps2.xml><?xml version="1.0" encoding="utf-8"?>
+<file path=customXml/itemProps1.xml><?xml version="1.0" encoding="utf-8"?>
 <ds:datastoreItem xmlns:ds="http://schemas.openxmlformats.org/officeDocument/2006/customXml" ds:itemID="{4E18436D-DA32-4E27-AC64-8FFEDA5218F9}">
   <ds:schemaRefs>
     <ds:schemaRef ds:uri="http://schemas.microsoft.com/office/2006/metadata/contentType"/>
@@ -37803,7 +38012,7 @@
 </ds:datastoreItem>
 </file>
 
-<file path=customXml/itemProps3.xml><?xml version="1.0" encoding="utf-8"?>
+<file path=customXml/itemProps2.xml><?xml version="1.0" encoding="utf-8"?>
 <ds:datastoreItem xmlns:ds="http://schemas.openxmlformats.org/officeDocument/2006/customXml" ds:itemID="{6966C46A-DC57-4209-80CD-9FE6C93151FF}">
   <ds:schemaRefs>
     <ds:schemaRef ds:uri="http://schemas.microsoft.com/sharepoint/v3/contenttype/forms"/>
@@ -37811,6 +38020,25 @@
 </ds:datastoreItem>
 </file>
 
+<file path=customXml/itemProps3.xml><?xml version="1.0" encoding="utf-8"?>
+<ds:datastoreItem xmlns:ds="http://schemas.openxmlformats.org/officeDocument/2006/customXml" ds:itemID="{BEFFFA3F-0FB5-4ED3-8906-A15B16577F44}">
+  <ds:schemaRefs>
+    <ds:schemaRef ds:uri="http://schemas.openxmlformats.org/package/2006/metadata/core-properties"/>
+    <ds:schemaRef ds:uri="http://schemas.microsoft.com/office/infopath/2007/PartnerControls"/>
+    <ds:schemaRef ds:uri="http://schemas.microsoft.com/office/2006/documentManagement/types"/>
+    <ds:schemaRef ds:uri="http://purl.org/dc/terms/"/>
+    <ds:schemaRef ds:uri="http://purl.org/dc/dcmitype/"/>
+    <ds:schemaRef ds:uri="http://purl.org/dc/elements/1.1/"/>
+    <ds:schemaRef ds:uri="http://schemas.microsoft.com/sharepoint/v3"/>
+    <ds:schemaRef ds:uri="71af3243-3dd4-4a8d-8c0d-dd76da1f02a5"/>
+    <ds:schemaRef ds:uri="230e9df3-be65-4c73-a93b-d1236ebd677e"/>
+    <ds:schemaRef ds:uri="16c05727-aa75-4e4a-9b5f-8a80a1165891"/>
+    <ds:schemaRef ds:uri="http://schemas.microsoft.com/office/2006/metadata/properties"/>
+    <ds:schemaRef ds:uri="http://www.w3.org/XML/1998/namespace"/>
+  </ds:schemaRefs>
+</ds:datastoreItem>
+</file>
+
 <file path=docMetadata/LabelInfo.xml><?xml version="1.0" encoding="utf-8"?>
 <clbl:labelList xmlns:clbl="http://schemas.microsoft.com/office/2020/mipLabelMetadata"/>
 </file>
--- a/presentation.pptx
+++ b/presentation.pptx
@@ -207,7 +207,7 @@
   <pc:docChgLst>
     <pc:chgData name="Dominique RIGHETTO" userId="512fe077-82ad-424c-88a3-15e852b5861d" providerId="ADAL" clId="{1670CD84-DEE0-4E12-BF01-4C2D0C1D7F30}"/>
     <pc:docChg chg="undo custSel addSld delSld modSld sldOrd">
-      <pc:chgData name="Dominique RIGHETTO" userId="512fe077-82ad-424c-88a3-15e852b5861d" providerId="ADAL" clId="{1670CD84-DEE0-4E12-BF01-4C2D0C1D7F30}" dt="2024-06-08T15:15:22.466" v="11910"/>
+      <pc:chgData name="Dominique RIGHETTO" userId="512fe077-82ad-424c-88a3-15e852b5861d" providerId="ADAL" clId="{1670CD84-DEE0-4E12-BF01-4C2D0C1D7F30}" dt="2024-06-09T15:46:51.106" v="11961" actId="20577"/>
       <pc:docMkLst>
         <pc:docMk/>
       </pc:docMkLst>
@@ -492,13 +492,13 @@
         </pc:spChg>
       </pc:sldChg>
       <pc:sldChg chg="modSp add mod modTransition">
-        <pc:chgData name="Dominique RIGHETTO" userId="512fe077-82ad-424c-88a3-15e852b5861d" providerId="ADAL" clId="{1670CD84-DEE0-4E12-BF01-4C2D0C1D7F30}" dt="2024-05-26T07:21:34.858" v="11751" actId="20577"/>
+        <pc:chgData name="Dominique RIGHETTO" userId="512fe077-82ad-424c-88a3-15e852b5861d" providerId="ADAL" clId="{1670CD84-DEE0-4E12-BF01-4C2D0C1D7F30}" dt="2024-06-09T15:46:51.106" v="11961" actId="20577"/>
         <pc:sldMkLst>
           <pc:docMk/>
           <pc:sldMk cId="2644610646" sldId="268"/>
         </pc:sldMkLst>
         <pc:spChg chg="mod">
-          <ac:chgData name="Dominique RIGHETTO" userId="512fe077-82ad-424c-88a3-15e852b5861d" providerId="ADAL" clId="{1670CD84-DEE0-4E12-BF01-4C2D0C1D7F30}" dt="2024-05-26T07:21:34.858" v="11751" actId="20577"/>
+          <ac:chgData name="Dominique RIGHETTO" userId="512fe077-82ad-424c-88a3-15e852b5861d" providerId="ADAL" clId="{1670CD84-DEE0-4E12-BF01-4C2D0C1D7F30}" dt="2024-06-09T15:46:51.106" v="11961" actId="20577"/>
           <ac:spMkLst>
             <pc:docMk/>
             <pc:sldMk cId="2644610646" sldId="268"/>
@@ -6192,7 +6192,7 @@
           <a:p>
             <a:fld id="{F352A77B-D33C-49B3-A83C-450AA2ED72B3}" type="datetimeFigureOut">
               <a:rPr lang="en-US" smtClean="0"/>
-              <a:t>6/8/2024</a:t>
+              <a:t>6/9/2024</a:t>
             </a:fld>
             <a:endParaRPr lang="en-US" dirty="0"/>
           </a:p>
@@ -6369,7 +6369,7 @@
           <a:p>
             <a:fld id="{E38D8F9A-F5CB-4EF8-A859-ED5E107B9763}" type="datetimeFigureOut">
               <a:rPr lang="en-US" smtClean="0"/>
-              <a:t>6/8/2024</a:t>
+              <a:t>6/9/2024</a:t>
             </a:fld>
             <a:endParaRPr lang="en-US" dirty="0"/>
           </a:p>
@@ -36096,7 +36096,7 @@
             </a:pPr>
             <a:r>
               <a:rPr lang="en-US" sz="2400" noProof="1"/>
-              <a:t> 🔬You decided to ask to the PO and CISO to give you some hours to allow you to dig this idea. You will come back to them around 03:00 P.M. with a status.</a:t>
+              <a:t> 🔬You decided to ask to the PO and CISO to give you some hours to allow you to dig this idea. You will come back to them with a status beginning of the afternoon.</a:t>
             </a:r>
           </a:p>
           <a:p>
@@ -37657,6 +37657,35 @@
 </file>
 
 <file path=customXml/item1.xml><?xml version="1.0" encoding="utf-8"?>
+<?mso-contentType ?>
+<FormTemplates xmlns="http://schemas.microsoft.com/sharepoint/v3/contenttype/forms">
+  <Display>DocumentLibraryForm</Display>
+  <Edit>DocumentLibraryForm</Edit>
+  <New>DocumentLibraryForm</New>
+</FormTemplates>
+</file>
+
+<file path=customXml/item2.xml><?xml version="1.0" encoding="utf-8"?>
+<p:properties xmlns:p="http://schemas.microsoft.com/office/2006/metadata/properties" xmlns:xsi="http://www.w3.org/2001/XMLSchema-instance" xmlns:pc="http://schemas.microsoft.com/office/infopath/2007/PartnerControls">
+  <documentManagement>
+    <_ip_UnifiedCompliancePolicyUIAction xmlns="http://schemas.microsoft.com/sharepoint/v3" xsi:nil="true"/>
+    <Image xmlns="71af3243-3dd4-4a8d-8c0d-dd76da1f02a5">
+      <Url xsi:nil="true"/>
+      <Description xsi:nil="true"/>
+    </Image>
+    <Status xmlns="71af3243-3dd4-4a8d-8c0d-dd76da1f02a5">Not started</Status>
+    <Background xmlns="71af3243-3dd4-4a8d-8c0d-dd76da1f02a5">false</Background>
+    <_ip_UnifiedCompliancePolicyProperties xmlns="http://schemas.microsoft.com/sharepoint/v3" xsi:nil="true"/>
+    <ImageTagsTaxHTField xmlns="71af3243-3dd4-4a8d-8c0d-dd76da1f02a5">
+      <Terms xmlns="http://schemas.microsoft.com/office/infopath/2007/PartnerControls"/>
+    </ImageTagsTaxHTField>
+    <TaxCatchAll xmlns="230e9df3-be65-4c73-a93b-d1236ebd677e" xsi:nil="true"/>
+    <MediaServiceKeyPoints xmlns="71af3243-3dd4-4a8d-8c0d-dd76da1f02a5" xsi:nil="true"/>
+  </documentManagement>
+</p:properties>
+</file>
+
+<file path=customXml/item3.xml><?xml version="1.0" encoding="utf-8"?>
 <ct:contentTypeSchema xmlns:ct="http://schemas.microsoft.com/office/2006/metadata/contentType" xmlns:ma="http://schemas.microsoft.com/office/2006/metadata/properties/metaAttributes" ct:_="" ma:_="" ma:contentTypeName="Document" ma:contentTypeID="0x01010079F111ED35F8CC479449609E8A0923A6" ma:contentTypeVersion="27" ma:contentTypeDescription="Create a new document." ma:contentTypeScope="" ma:versionID="c6f9a84f66a9c8b9a21755b9ffafb945">
   <xsd:schema xmlns:xsd="http://www.w3.org/2001/XMLSchema" xmlns:xs="http://www.w3.org/2001/XMLSchema" xmlns:p="http://schemas.microsoft.com/office/2006/metadata/properties" xmlns:ns1="http://schemas.microsoft.com/sharepoint/v3" xmlns:ns2="71af3243-3dd4-4a8d-8c0d-dd76da1f02a5" xmlns:ns3="16c05727-aa75-4e4a-9b5f-8a80a1165891" xmlns:ns4="230e9df3-be65-4c73-a93b-d1236ebd677e" targetNamespace="http://schemas.microsoft.com/office/2006/metadata/properties" ma:root="true" ma:fieldsID="27df39e3e7036dff54f89ddd5805ce72" ns1:_="" ns2:_="" ns3:_="" ns4:_="">
     <xsd:import namespace="http://schemas.microsoft.com/sharepoint/v3"/>
@@ -37962,36 +37991,34 @@
 </ct:contentTypeSchema>
 </file>
 
-<file path=customXml/item2.xml><?xml version="1.0" encoding="utf-8"?>
-<?mso-contentType ?>
-<FormTemplates xmlns="http://schemas.microsoft.com/sharepoint/v3/contenttype/forms">
-  <Display>DocumentLibraryForm</Display>
-  <Edit>DocumentLibraryForm</Edit>
-  <New>DocumentLibraryForm</New>
-</FormTemplates>
+<file path=customXml/itemProps1.xml><?xml version="1.0" encoding="utf-8"?>
+<ds:datastoreItem xmlns:ds="http://schemas.openxmlformats.org/officeDocument/2006/customXml" ds:itemID="{6966C46A-DC57-4209-80CD-9FE6C93151FF}">
+  <ds:schemaRefs>
+    <ds:schemaRef ds:uri="http://schemas.microsoft.com/sharepoint/v3/contenttype/forms"/>
+  </ds:schemaRefs>
+</ds:datastoreItem>
 </file>
 
-<file path=customXml/item3.xml><?xml version="1.0" encoding="utf-8"?>
-<p:properties xmlns:p="http://schemas.microsoft.com/office/2006/metadata/properties" xmlns:xsi="http://www.w3.org/2001/XMLSchema-instance" xmlns:pc="http://schemas.microsoft.com/office/infopath/2007/PartnerControls">
-  <documentManagement>
-    <_ip_UnifiedCompliancePolicyUIAction xmlns="http://schemas.microsoft.com/sharepoint/v3" xsi:nil="true"/>
-    <Image xmlns="71af3243-3dd4-4a8d-8c0d-dd76da1f02a5">
-      <Url xsi:nil="true"/>
-      <Description xsi:nil="true"/>
-    </Image>
-    <Status xmlns="71af3243-3dd4-4a8d-8c0d-dd76da1f02a5">Not started</Status>
-    <Background xmlns="71af3243-3dd4-4a8d-8c0d-dd76da1f02a5">false</Background>
-    <_ip_UnifiedCompliancePolicyProperties xmlns="http://schemas.microsoft.com/sharepoint/v3" xsi:nil="true"/>
-    <ImageTagsTaxHTField xmlns="71af3243-3dd4-4a8d-8c0d-dd76da1f02a5">
-      <Terms xmlns="http://schemas.microsoft.com/office/infopath/2007/PartnerControls"/>
-    </ImageTagsTaxHTField>
-    <TaxCatchAll xmlns="230e9df3-be65-4c73-a93b-d1236ebd677e" xsi:nil="true"/>
-    <MediaServiceKeyPoints xmlns="71af3243-3dd4-4a8d-8c0d-dd76da1f02a5" xsi:nil="true"/>
-  </documentManagement>
-</p:properties>
+<file path=customXml/itemProps2.xml><?xml version="1.0" encoding="utf-8"?>
+<ds:datastoreItem xmlns:ds="http://schemas.openxmlformats.org/officeDocument/2006/customXml" ds:itemID="{BEFFFA3F-0FB5-4ED3-8906-A15B16577F44}">
+  <ds:schemaRefs>
+    <ds:schemaRef ds:uri="http://schemas.openxmlformats.org/package/2006/metadata/core-properties"/>
+    <ds:schemaRef ds:uri="http://schemas.microsoft.com/office/infopath/2007/PartnerControls"/>
+    <ds:schemaRef ds:uri="http://schemas.microsoft.com/office/2006/documentManagement/types"/>
+    <ds:schemaRef ds:uri="http://purl.org/dc/terms/"/>
+    <ds:schemaRef ds:uri="http://purl.org/dc/dcmitype/"/>
+    <ds:schemaRef ds:uri="http://purl.org/dc/elements/1.1/"/>
+    <ds:schemaRef ds:uri="http://schemas.microsoft.com/sharepoint/v3"/>
+    <ds:schemaRef ds:uri="71af3243-3dd4-4a8d-8c0d-dd76da1f02a5"/>
+    <ds:schemaRef ds:uri="230e9df3-be65-4c73-a93b-d1236ebd677e"/>
+    <ds:schemaRef ds:uri="16c05727-aa75-4e4a-9b5f-8a80a1165891"/>
+    <ds:schemaRef ds:uri="http://schemas.microsoft.com/office/2006/metadata/properties"/>
+    <ds:schemaRef ds:uri="http://www.w3.org/XML/1998/namespace"/>
+  </ds:schemaRefs>
+</ds:datastoreItem>
 </file>
 
-<file path=customXml/itemProps1.xml><?xml version="1.0" encoding="utf-8"?>
+<file path=customXml/itemProps3.xml><?xml version="1.0" encoding="utf-8"?>
 <ds:datastoreItem xmlns:ds="http://schemas.openxmlformats.org/officeDocument/2006/customXml" ds:itemID="{4E18436D-DA32-4E27-AC64-8FFEDA5218F9}">
   <ds:schemaRefs>
     <ds:schemaRef ds:uri="http://schemas.microsoft.com/office/2006/metadata/contentType"/>
@@ -38012,33 +38039,6 @@
 </ds:datastoreItem>
 </file>
 
-<file path=customXml/itemProps2.xml><?xml version="1.0" encoding="utf-8"?>
-<ds:datastoreItem xmlns:ds="http://schemas.openxmlformats.org/officeDocument/2006/customXml" ds:itemID="{6966C46A-DC57-4209-80CD-9FE6C93151FF}">
-  <ds:schemaRefs>
-    <ds:schemaRef ds:uri="http://schemas.microsoft.com/sharepoint/v3/contenttype/forms"/>
-  </ds:schemaRefs>
-</ds:datastoreItem>
-</file>
-
-<file path=customXml/itemProps3.xml><?xml version="1.0" encoding="utf-8"?>
-<ds:datastoreItem xmlns:ds="http://schemas.openxmlformats.org/officeDocument/2006/customXml" ds:itemID="{BEFFFA3F-0FB5-4ED3-8906-A15B16577F44}">
-  <ds:schemaRefs>
-    <ds:schemaRef ds:uri="http://schemas.openxmlformats.org/package/2006/metadata/core-properties"/>
-    <ds:schemaRef ds:uri="http://schemas.microsoft.com/office/infopath/2007/PartnerControls"/>
-    <ds:schemaRef ds:uri="http://schemas.microsoft.com/office/2006/documentManagement/types"/>
-    <ds:schemaRef ds:uri="http://purl.org/dc/terms/"/>
-    <ds:schemaRef ds:uri="http://purl.org/dc/dcmitype/"/>
-    <ds:schemaRef ds:uri="http://purl.org/dc/elements/1.1/"/>
-    <ds:schemaRef ds:uri="http://schemas.microsoft.com/sharepoint/v3"/>
-    <ds:schemaRef ds:uri="71af3243-3dd4-4a8d-8c0d-dd76da1f02a5"/>
-    <ds:schemaRef ds:uri="230e9df3-be65-4c73-a93b-d1236ebd677e"/>
-    <ds:schemaRef ds:uri="16c05727-aa75-4e4a-9b5f-8a80a1165891"/>
-    <ds:schemaRef ds:uri="http://schemas.microsoft.com/office/2006/metadata/properties"/>
-    <ds:schemaRef ds:uri="http://www.w3.org/XML/1998/namespace"/>
-  </ds:schemaRefs>
-</ds:datastoreItem>
-</file>
-
 <file path=docMetadata/LabelInfo.xml><?xml version="1.0" encoding="utf-8"?>
 <clbl:labelList xmlns:clbl="http://schemas.microsoft.com/office/2020/mipLabelMetadata"/>
 </file>
--- a/presentation.pptx
+++ b/presentation.pptx
@@ -207,7 +207,7 @@
   <pc:docChgLst>
     <pc:chgData name="Dominique RIGHETTO" userId="512fe077-82ad-424c-88a3-15e852b5861d" providerId="ADAL" clId="{1670CD84-DEE0-4E12-BF01-4C2D0C1D7F30}"/>
     <pc:docChg chg="undo custSel addSld delSld modSld sldOrd">
-      <pc:chgData name="Dominique RIGHETTO" userId="512fe077-82ad-424c-88a3-15e852b5861d" providerId="ADAL" clId="{1670CD84-DEE0-4E12-BF01-4C2D0C1D7F30}" dt="2024-06-09T15:46:51.106" v="11961" actId="20577"/>
+      <pc:chgData name="Dominique RIGHETTO" userId="512fe077-82ad-424c-88a3-15e852b5861d" providerId="ADAL" clId="{1670CD84-DEE0-4E12-BF01-4C2D0C1D7F30}" dt="2024-06-12T15:09:00.251" v="12016" actId="115"/>
       <pc:docMkLst>
         <pc:docMk/>
       </pc:docMkLst>
@@ -2155,8 +2155,8 @@
           </ac:picMkLst>
         </pc:picChg>
       </pc:sldChg>
-      <pc:sldChg chg="addSp modSp add mod ord modTransition">
-        <pc:chgData name="Dominique RIGHETTO" userId="512fe077-82ad-424c-88a3-15e852b5861d" providerId="ADAL" clId="{1670CD84-DEE0-4E12-BF01-4C2D0C1D7F30}" dt="2024-05-26T07:40:53.379" v="11832" actId="11530"/>
+      <pc:sldChg chg="addSp modSp add mod ord modTransition modNotesTx">
+        <pc:chgData name="Dominique RIGHETTO" userId="512fe077-82ad-424c-88a3-15e852b5861d" providerId="ADAL" clId="{1670CD84-DEE0-4E12-BF01-4C2D0C1D7F30}" dt="2024-06-12T15:09:00.251" v="12016" actId="115"/>
         <pc:sldMkLst>
           <pc:docMk/>
           <pc:sldMk cId="2624687999" sldId="301"/>
@@ -2186,7 +2186,7 @@
           </ac:spMkLst>
         </pc:spChg>
         <pc:spChg chg="mod">
-          <ac:chgData name="Dominique RIGHETTO" userId="512fe077-82ad-424c-88a3-15e852b5861d" providerId="ADAL" clId="{1670CD84-DEE0-4E12-BF01-4C2D0C1D7F30}" dt="2024-05-20T07:01:32.285" v="11340" actId="20577"/>
+          <ac:chgData name="Dominique RIGHETTO" userId="512fe077-82ad-424c-88a3-15e852b5861d" providerId="ADAL" clId="{1670CD84-DEE0-4E12-BF01-4C2D0C1D7F30}" dt="2024-06-12T15:08:41.151" v="12005" actId="114"/>
           <ac:spMkLst>
             <pc:docMk/>
             <pc:sldMk cId="2624687999" sldId="301"/>
@@ -6192,7 +6192,7 @@
           <a:p>
             <a:fld id="{F352A77B-D33C-49B3-A83C-450AA2ED72B3}" type="datetimeFigureOut">
               <a:rPr lang="en-US" smtClean="0"/>
-              <a:t>6/9/2024</a:t>
+              <a:t>6/12/2024</a:t>
             </a:fld>
             <a:endParaRPr lang="en-US" dirty="0"/>
           </a:p>
@@ -6369,7 +6369,7 @@
           <a:p>
             <a:fld id="{E38D8F9A-F5CB-4EF8-A859-ED5E107B9763}" type="datetimeFigureOut">
               <a:rPr lang="en-US" smtClean="0"/>
-              <a:t>6/9/2024</a:t>
+              <a:t>6/12/2024</a:t>
             </a:fld>
             <a:endParaRPr lang="en-US" dirty="0"/>
           </a:p>
@@ -6634,6 +6634,190 @@
     </a:lvl9pPr>
   </p:notesStyle>
 </p:notesMaster>
+</file>
+
+<file path=ppt/notesSlides/notesSlide1.xml><?xml version="1.0" encoding="utf-8"?>
+<p:notes xmlns:a="http://schemas.openxmlformats.org/drawingml/2006/main" xmlns:r="http://schemas.openxmlformats.org/officeDocument/2006/relationships" xmlns:p="http://schemas.openxmlformats.org/presentationml/2006/main">
+  <p:cSld>
+    <p:spTree>
+      <p:nvGrpSpPr>
+        <p:cNvPr id="1" name=""/>
+        <p:cNvGrpSpPr/>
+        <p:nvPr/>
+      </p:nvGrpSpPr>
+      <p:grpSpPr>
+        <a:xfrm>
+          <a:off x="0" y="0"/>
+          <a:ext cx="0" cy="0"/>
+          <a:chOff x="0" y="0"/>
+          <a:chExt cx="0" cy="0"/>
+        </a:xfrm>
+      </p:grpSpPr>
+      <p:sp>
+        <p:nvSpPr>
+          <p:cNvPr id="2" name="Slide Image Placeholder 1"/>
+          <p:cNvSpPr>
+            <a:spLocks noGrp="1" noRot="1" noChangeAspect="1"/>
+          </p:cNvSpPr>
+          <p:nvPr>
+            <p:ph type="sldImg"/>
+          </p:nvPr>
+        </p:nvSpPr>
+        <p:spPr/>
+      </p:sp>
+      <p:sp>
+        <p:nvSpPr>
+          <p:cNvPr id="3" name="Notes Placeholder 2"/>
+          <p:cNvSpPr>
+            <a:spLocks noGrp="1"/>
+          </p:cNvSpPr>
+          <p:nvPr>
+            <p:ph type="body" idx="1"/>
+          </p:nvPr>
+        </p:nvSpPr>
+        <p:spPr/>
+        <p:txBody>
+          <a:bodyPr/>
+          <a:lstStyle/>
+          <a:p>
+            <a:r>
+              <a:rPr lang="en-US" b="1" u="sng" dirty="0"/>
+              <a:t>Cheat sheet about script-</a:t>
+            </a:r>
+            <a:r>
+              <a:rPr lang="en-US" b="1" u="sng" dirty="0" err="1"/>
+              <a:t>src</a:t>
+            </a:r>
+            <a:r>
+              <a:rPr lang="en-US" b="1" u="sng" dirty="0"/>
+              <a:t>-</a:t>
+            </a:r>
+            <a:r>
+              <a:rPr lang="en-US" b="1" u="sng" dirty="0" err="1"/>
+              <a:t>attr</a:t>
+            </a:r>
+            <a:r>
+              <a:rPr lang="en-US" b="1" u="sng" dirty="0"/>
+              <a:t>:</a:t>
+            </a:r>
+          </a:p>
+          <a:p>
+            <a:pPr marL="171450" indent="-171450">
+              <a:buFont typeface="Arial" panose="020B0604020202020204" pitchFamily="34" charset="0"/>
+              <a:buChar char="•"/>
+            </a:pPr>
+            <a:r>
+              <a:rPr lang="en-US" dirty="0"/>
+              <a:t>This directive only specifies valid sources for inline script event handlers like onclick. </a:t>
+            </a:r>
+          </a:p>
+          <a:p>
+            <a:pPr marL="171450" indent="-171450">
+              <a:buFont typeface="Arial" panose="020B0604020202020204" pitchFamily="34" charset="0"/>
+              <a:buChar char="•"/>
+            </a:pPr>
+            <a:r>
+              <a:rPr lang="en-US" dirty="0"/>
+              <a:t>It does not apply to other JavaScript sources that can trigger script execution, such as URLs loaded directly into </a:t>
+            </a:r>
+            <a:r>
+              <a:rPr lang="en-US" b="1" dirty="0"/>
+              <a:t>&lt;script&gt; </a:t>
+            </a:r>
+            <a:r>
+              <a:rPr lang="en-US" dirty="0"/>
+              <a:t>elements and XSLT stylesheets. </a:t>
+            </a:r>
+          </a:p>
+          <a:p>
+            <a:pPr marL="171450" indent="-171450">
+              <a:buFont typeface="Arial" panose="020B0604020202020204" pitchFamily="34" charset="0"/>
+              <a:buChar char="•"/>
+            </a:pPr>
+            <a:r>
+              <a:rPr lang="en-US" dirty="0"/>
+              <a:t>Valid sources can be specified for all JavaScript script sources using script-</a:t>
+            </a:r>
+            <a:r>
+              <a:rPr lang="en-US" dirty="0" err="1"/>
+              <a:t>src</a:t>
+            </a:r>
+            <a:r>
+              <a:rPr lang="en-US" dirty="0"/>
+              <a:t>, or just for &lt;script&gt; elements using script-</a:t>
+            </a:r>
+            <a:r>
+              <a:rPr lang="en-US" dirty="0" err="1"/>
+              <a:t>src</a:t>
+            </a:r>
+            <a:r>
+              <a:rPr lang="en-US" dirty="0"/>
+              <a:t>-elem.</a:t>
+            </a:r>
+          </a:p>
+          <a:p>
+            <a:pPr marL="171450" indent="-171450">
+              <a:buFont typeface="Arial" panose="020B0604020202020204" pitchFamily="34" charset="0"/>
+              <a:buChar char="•"/>
+            </a:pPr>
+            <a:endParaRPr lang="en-US" dirty="0"/>
+          </a:p>
+          <a:p>
+            <a:pPr marL="0" indent="0">
+              <a:buFont typeface="Arial" panose="020B0604020202020204" pitchFamily="34" charset="0"/>
+              <a:buNone/>
+            </a:pPr>
+            <a:r>
+              <a:rPr lang="en-US" b="1" u="sng" dirty="0"/>
+              <a:t>Source:</a:t>
+            </a:r>
+          </a:p>
+          <a:p>
+            <a:pPr marL="0" indent="0">
+              <a:buFont typeface="Arial" panose="020B0604020202020204" pitchFamily="34" charset="0"/>
+              <a:buNone/>
+            </a:pPr>
+            <a:r>
+              <a:rPr lang="en-US" dirty="0"/>
+              <a:t>https://developer.mozilla.org/en-US/docs/Web/HTTP/Headers/Content-Security-Policy/script-src-attr </a:t>
+            </a:r>
+          </a:p>
+        </p:txBody>
+      </p:sp>
+      <p:sp>
+        <p:nvSpPr>
+          <p:cNvPr id="4" name="Slide Number Placeholder 3"/>
+          <p:cNvSpPr>
+            <a:spLocks noGrp="1"/>
+          </p:cNvSpPr>
+          <p:nvPr>
+            <p:ph type="sldNum" sz="quarter" idx="5"/>
+          </p:nvPr>
+        </p:nvSpPr>
+        <p:spPr/>
+        <p:txBody>
+          <a:bodyPr/>
+          <a:lstStyle/>
+          <a:p>
+            <a:fld id="{D4B9A9E5-4F7F-4A7D-9DE1-899232329269}" type="slidenum">
+              <a:rPr lang="en-US" smtClean="0"/>
+              <a:t>39</a:t>
+            </a:fld>
+            <a:endParaRPr lang="en-US" dirty="0"/>
+          </a:p>
+        </p:txBody>
+      </p:sp>
+    </p:spTree>
+    <p:extLst>
+      <p:ext uri="{BB962C8B-B14F-4D97-AF65-F5344CB8AC3E}">
+        <p14:creationId xmlns:p14="http://schemas.microsoft.com/office/powerpoint/2010/main" val="66320949"/>
+      </p:ext>
+    </p:extLst>
+  </p:cSld>
+  <p:clrMapOvr>
+    <a:masterClrMapping/>
+  </p:clrMapOvr>
+</p:notes>
 </file>
 
 <file path=ppt/slideLayouts/slideLayout1.xml><?xml version="1.0" encoding="utf-8"?>
@@ -31061,7 +31245,15 @@
             </a:r>
             <a:r>
               <a:rPr lang="en-US" sz="2400" b="1" noProof="1"/>
-              <a:t>specifies valid sources for JavaScript inline event handlers</a:t>
+              <a:t>specifies valid sources for </a:t>
+            </a:r>
+            <a:r>
+              <a:rPr lang="en-US" sz="2400" b="1" i="1" noProof="1">
+                <a:solidFill>
+                  <a:srgbClr val="00B0F0"/>
+                </a:solidFill>
+              </a:rPr>
+              <a:t>JavaScript inline event handlers</a:t>
             </a:r>
             <a:r>
               <a:rPr lang="en-US" sz="2400" noProof="1"/>
@@ -37657,15 +37849,6 @@
 </file>
 
 <file path=customXml/item1.xml><?xml version="1.0" encoding="utf-8"?>
-<?mso-contentType ?>
-<FormTemplates xmlns="http://schemas.microsoft.com/sharepoint/v3/contenttype/forms">
-  <Display>DocumentLibraryForm</Display>
-  <Edit>DocumentLibraryForm</Edit>
-  <New>DocumentLibraryForm</New>
-</FormTemplates>
-</file>
-
-<file path=customXml/item2.xml><?xml version="1.0" encoding="utf-8"?>
 <p:properties xmlns:p="http://schemas.microsoft.com/office/2006/metadata/properties" xmlns:xsi="http://www.w3.org/2001/XMLSchema-instance" xmlns:pc="http://schemas.microsoft.com/office/infopath/2007/PartnerControls">
   <documentManagement>
     <_ip_UnifiedCompliancePolicyUIAction xmlns="http://schemas.microsoft.com/sharepoint/v3" xsi:nil="true"/>
@@ -37685,7 +37868,7 @@
 </p:properties>
 </file>
 
-<file path=customXml/item3.xml><?xml version="1.0" encoding="utf-8"?>
+<file path=customXml/item2.xml><?xml version="1.0" encoding="utf-8"?>
 <ct:contentTypeSchema xmlns:ct="http://schemas.microsoft.com/office/2006/metadata/contentType" xmlns:ma="http://schemas.microsoft.com/office/2006/metadata/properties/metaAttributes" ct:_="" ma:_="" ma:contentTypeName="Document" ma:contentTypeID="0x01010079F111ED35F8CC479449609E8A0923A6" ma:contentTypeVersion="27" ma:contentTypeDescription="Create a new document." ma:contentTypeScope="" ma:versionID="c6f9a84f66a9c8b9a21755b9ffafb945">
   <xsd:schema xmlns:xsd="http://www.w3.org/2001/XMLSchema" xmlns:xs="http://www.w3.org/2001/XMLSchema" xmlns:p="http://schemas.microsoft.com/office/2006/metadata/properties" xmlns:ns1="http://schemas.microsoft.com/sharepoint/v3" xmlns:ns2="71af3243-3dd4-4a8d-8c0d-dd76da1f02a5" xmlns:ns3="16c05727-aa75-4e4a-9b5f-8a80a1165891" xmlns:ns4="230e9df3-be65-4c73-a93b-d1236ebd677e" targetNamespace="http://schemas.microsoft.com/office/2006/metadata/properties" ma:root="true" ma:fieldsID="27df39e3e7036dff54f89ddd5805ce72" ns1:_="" ns2:_="" ns3:_="" ns4:_="">
     <xsd:import namespace="http://schemas.microsoft.com/sharepoint/v3"/>
@@ -37991,15 +38174,16 @@
 </ct:contentTypeSchema>
 </file>
 
-<file path=customXml/itemProps1.xml><?xml version="1.0" encoding="utf-8"?>
-<ds:datastoreItem xmlns:ds="http://schemas.openxmlformats.org/officeDocument/2006/customXml" ds:itemID="{6966C46A-DC57-4209-80CD-9FE6C93151FF}">
-  <ds:schemaRefs>
-    <ds:schemaRef ds:uri="http://schemas.microsoft.com/sharepoint/v3/contenttype/forms"/>
-  </ds:schemaRefs>
-</ds:datastoreItem>
+<file path=customXml/item3.xml><?xml version="1.0" encoding="utf-8"?>
+<?mso-contentType ?>
+<FormTemplates xmlns="http://schemas.microsoft.com/sharepoint/v3/contenttype/forms">
+  <Display>DocumentLibraryForm</Display>
+  <Edit>DocumentLibraryForm</Edit>
+  <New>DocumentLibraryForm</New>
+</FormTemplates>
 </file>
 
-<file path=customXml/itemProps2.xml><?xml version="1.0" encoding="utf-8"?>
+<file path=customXml/itemProps1.xml><?xml version="1.0" encoding="utf-8"?>
 <ds:datastoreItem xmlns:ds="http://schemas.openxmlformats.org/officeDocument/2006/customXml" ds:itemID="{BEFFFA3F-0FB5-4ED3-8906-A15B16577F44}">
   <ds:schemaRefs>
     <ds:schemaRef ds:uri="http://schemas.openxmlformats.org/package/2006/metadata/core-properties"/>
@@ -38018,7 +38202,7 @@
 </ds:datastoreItem>
 </file>
 
-<file path=customXml/itemProps3.xml><?xml version="1.0" encoding="utf-8"?>
+<file path=customXml/itemProps2.xml><?xml version="1.0" encoding="utf-8"?>
 <ds:datastoreItem xmlns:ds="http://schemas.openxmlformats.org/officeDocument/2006/customXml" ds:itemID="{4E18436D-DA32-4E27-AC64-8FFEDA5218F9}">
   <ds:schemaRefs>
     <ds:schemaRef ds:uri="http://schemas.microsoft.com/office/2006/metadata/contentType"/>
@@ -38039,6 +38223,14 @@
 </ds:datastoreItem>
 </file>
 
+<file path=customXml/itemProps3.xml><?xml version="1.0" encoding="utf-8"?>
+<ds:datastoreItem xmlns:ds="http://schemas.openxmlformats.org/officeDocument/2006/customXml" ds:itemID="{6966C46A-DC57-4209-80CD-9FE6C93151FF}">
+  <ds:schemaRefs>
+    <ds:schemaRef ds:uri="http://schemas.microsoft.com/sharepoint/v3/contenttype/forms"/>
+  </ds:schemaRefs>
+</ds:datastoreItem>
+</file>
+
 <file path=docMetadata/LabelInfo.xml><?xml version="1.0" encoding="utf-8"?>
 <clbl:labelList xmlns:clbl="http://schemas.microsoft.com/office/2020/mipLabelMetadata"/>
 </file>
--- a/presentation.pptx
+++ b/presentation.pptx
@@ -197,7 +197,7 @@
 <file path=ppt/revisionInfo.xml><?xml version="1.0" encoding="utf-8"?>
 <p1510:revInfo xmlns:a="http://schemas.openxmlformats.org/drawingml/2006/main" xmlns:r="http://schemas.openxmlformats.org/officeDocument/2006/relationships" xmlns:p1510="http://schemas.microsoft.com/office/powerpoint/2015/10/main">
   <p1510:revLst>
-    <p1510:client id="{1670CD84-DEE0-4E12-BF01-4C2D0C1D7F30}" v="846" dt="2024-06-08T15:15:22.466"/>
+    <p1510:client id="{1670CD84-DEE0-4E12-BF01-4C2D0C1D7F30}" v="867" dt="2024-06-14T14:10:26.656"/>
   </p1510:revLst>
 </p1510:revInfo>
 </file>
@@ -207,7 +207,7 @@
   <pc:docChgLst>
     <pc:chgData name="Dominique RIGHETTO" userId="512fe077-82ad-424c-88a3-15e852b5861d" providerId="ADAL" clId="{1670CD84-DEE0-4E12-BF01-4C2D0C1D7F30}"/>
     <pc:docChg chg="undo custSel addSld delSld modSld sldOrd">
-      <pc:chgData name="Dominique RIGHETTO" userId="512fe077-82ad-424c-88a3-15e852b5861d" providerId="ADAL" clId="{1670CD84-DEE0-4E12-BF01-4C2D0C1D7F30}" dt="2024-06-12T15:09:00.251" v="12016" actId="115"/>
+      <pc:chgData name="Dominique RIGHETTO" userId="512fe077-82ad-424c-88a3-15e852b5861d" providerId="ADAL" clId="{1670CD84-DEE0-4E12-BF01-4C2D0C1D7F30}" dt="2024-06-14T14:10:31.892" v="12217" actId="14100"/>
       <pc:docMkLst>
         <pc:docMk/>
       </pc:docMkLst>
@@ -476,12 +476,20 @@
           </ac:picMkLst>
         </pc:picChg>
       </pc:sldChg>
-      <pc:sldChg chg="modSp add mod modTransition">
-        <pc:chgData name="Dominique RIGHETTO" userId="512fe077-82ad-424c-88a3-15e852b5861d" providerId="ADAL" clId="{1670CD84-DEE0-4E12-BF01-4C2D0C1D7F30}" dt="2024-05-19T07:43:48.638" v="11068"/>
+      <pc:sldChg chg="addSp delSp modSp add mod modTransition">
+        <pc:chgData name="Dominique RIGHETTO" userId="512fe077-82ad-424c-88a3-15e852b5861d" providerId="ADAL" clId="{1670CD84-DEE0-4E12-BF01-4C2D0C1D7F30}" dt="2024-06-14T14:02:44.121" v="12061" actId="21"/>
         <pc:sldMkLst>
           <pc:docMk/>
           <pc:sldMk cId="2371800147" sldId="267"/>
         </pc:sldMkLst>
+        <pc:spChg chg="add del mod">
+          <ac:chgData name="Dominique RIGHETTO" userId="512fe077-82ad-424c-88a3-15e852b5861d" providerId="ADAL" clId="{1670CD84-DEE0-4E12-BF01-4C2D0C1D7F30}" dt="2024-06-14T14:02:44.121" v="12061" actId="21"/>
+          <ac:spMkLst>
+            <pc:docMk/>
+            <pc:sldMk cId="2371800147" sldId="267"/>
+            <ac:spMk id="3" creationId="{17FD2C3B-1381-A17A-4A57-909F02E90E2B}"/>
+          </ac:spMkLst>
+        </pc:spChg>
         <pc:spChg chg="mod">
           <ac:chgData name="Dominique RIGHETTO" userId="512fe077-82ad-424c-88a3-15e852b5861d" providerId="ADAL" clId="{1670CD84-DEE0-4E12-BF01-4C2D0C1D7F30}" dt="2024-05-19T07:43:48.638" v="11068"/>
           <ac:spMkLst>
@@ -1135,7 +1143,7 @@
         </pc:spChg>
       </pc:sldChg>
       <pc:sldChg chg="addSp delSp modSp add mod ord modTransition">
-        <pc:chgData name="Dominique RIGHETTO" userId="512fe077-82ad-424c-88a3-15e852b5861d" providerId="ADAL" clId="{1670CD84-DEE0-4E12-BF01-4C2D0C1D7F30}" dt="2024-05-26T07:41:54.368" v="11848" actId="11530"/>
+        <pc:chgData name="Dominique RIGHETTO" userId="512fe077-82ad-424c-88a3-15e852b5861d" providerId="ADAL" clId="{1670CD84-DEE0-4E12-BF01-4C2D0C1D7F30}" dt="2024-06-14T14:03:53.427" v="12138" actId="21"/>
         <pc:sldMkLst>
           <pc:docMk/>
           <pc:sldMk cId="1960651900" sldId="281"/>
@@ -1146,6 +1154,14 @@
             <pc:docMk/>
             <pc:sldMk cId="1960651900" sldId="281"/>
             <ac:spMk id="2" creationId="{5CE54ABB-4929-4810-950B-2DAEA0A5BAB4}"/>
+          </ac:spMkLst>
+        </pc:spChg>
+        <pc:spChg chg="add del mod">
+          <ac:chgData name="Dominique RIGHETTO" userId="512fe077-82ad-424c-88a3-15e852b5861d" providerId="ADAL" clId="{1670CD84-DEE0-4E12-BF01-4C2D0C1D7F30}" dt="2024-06-14T14:03:53.427" v="12138" actId="21"/>
+          <ac:spMkLst>
+            <pc:docMk/>
+            <pc:sldMk cId="1960651900" sldId="281"/>
+            <ac:spMk id="3" creationId="{17FD2C3B-1381-A17A-4A57-909F02E90E2B}"/>
           </ac:spMkLst>
         </pc:spChg>
         <pc:spChg chg="del">
@@ -1401,7 +1417,7 @@
         </pc:picChg>
       </pc:sldChg>
       <pc:sldChg chg="addSp delSp modSp add mod ord modTransition">
-        <pc:chgData name="Dominique RIGHETTO" userId="512fe077-82ad-424c-88a3-15e852b5861d" providerId="ADAL" clId="{1670CD84-DEE0-4E12-BF01-4C2D0C1D7F30}" dt="2024-05-19T07:49:43.144" v="11122" actId="20577"/>
+        <pc:chgData name="Dominique RIGHETTO" userId="512fe077-82ad-424c-88a3-15e852b5861d" providerId="ADAL" clId="{1670CD84-DEE0-4E12-BF01-4C2D0C1D7F30}" dt="2024-06-14T14:03:58.618" v="12139"/>
         <pc:sldMkLst>
           <pc:docMk/>
           <pc:sldMk cId="27853575" sldId="285"/>
@@ -1412,6 +1428,14 @@
             <pc:docMk/>
             <pc:sldMk cId="27853575" sldId="285"/>
             <ac:spMk id="2" creationId="{5CE54ABB-4929-4810-950B-2DAEA0A5BAB4}"/>
+          </ac:spMkLst>
+        </pc:spChg>
+        <pc:spChg chg="add mod">
+          <ac:chgData name="Dominique RIGHETTO" userId="512fe077-82ad-424c-88a3-15e852b5861d" providerId="ADAL" clId="{1670CD84-DEE0-4E12-BF01-4C2D0C1D7F30}" dt="2024-06-14T14:03:58.618" v="12139"/>
+          <ac:spMkLst>
+            <pc:docMk/>
+            <pc:sldMk cId="27853575" sldId="285"/>
+            <ac:spMk id="3" creationId="{17FD2C3B-1381-A17A-4A57-909F02E90E2B}"/>
           </ac:spMkLst>
         </pc:spChg>
         <pc:spChg chg="add del mod">
@@ -1905,7 +1929,7 @@
         </pc:picChg>
       </pc:sldChg>
       <pc:sldChg chg="addSp delSp modSp add mod modTransition">
-        <pc:chgData name="Dominique RIGHETTO" userId="512fe077-82ad-424c-88a3-15e852b5861d" providerId="ADAL" clId="{1670CD84-DEE0-4E12-BF01-4C2D0C1D7F30}" dt="2024-05-26T07:40:10.307" v="11829" actId="11530"/>
+        <pc:chgData name="Dominique RIGHETTO" userId="512fe077-82ad-424c-88a3-15e852b5861d" providerId="ADAL" clId="{1670CD84-DEE0-4E12-BF01-4C2D0C1D7F30}" dt="2024-06-14T14:04:30.989" v="12142" actId="20577"/>
         <pc:sldMkLst>
           <pc:docMk/>
           <pc:sldMk cId="773976246" sldId="296"/>
@@ -1940,6 +1964,14 @@
             <pc:docMk/>
             <pc:sldMk cId="773976246" sldId="296"/>
             <ac:spMk id="4" creationId="{E004E72C-2BAE-E53D-D238-DF0D3277F87A}"/>
+          </ac:spMkLst>
+        </pc:spChg>
+        <pc:spChg chg="add mod">
+          <ac:chgData name="Dominique RIGHETTO" userId="512fe077-82ad-424c-88a3-15e852b5861d" providerId="ADAL" clId="{1670CD84-DEE0-4E12-BF01-4C2D0C1D7F30}" dt="2024-06-14T14:04:30.989" v="12142" actId="20577"/>
+          <ac:spMkLst>
+            <pc:docMk/>
+            <pc:sldMk cId="773976246" sldId="296"/>
+            <ac:spMk id="5" creationId="{87DB41D6-A82F-73BC-3C8F-33EB463D8E05}"/>
           </ac:spMkLst>
         </pc:spChg>
         <pc:spChg chg="mod">
@@ -2156,7 +2188,7 @@
         </pc:picChg>
       </pc:sldChg>
       <pc:sldChg chg="addSp modSp add mod ord modTransition modNotesTx">
-        <pc:chgData name="Dominique RIGHETTO" userId="512fe077-82ad-424c-88a3-15e852b5861d" providerId="ADAL" clId="{1670CD84-DEE0-4E12-BF01-4C2D0C1D7F30}" dt="2024-06-12T15:09:00.251" v="12016" actId="115"/>
+        <pc:chgData name="Dominique RIGHETTO" userId="512fe077-82ad-424c-88a3-15e852b5861d" providerId="ADAL" clId="{1670CD84-DEE0-4E12-BF01-4C2D0C1D7F30}" dt="2024-06-14T14:04:47.569" v="12145" actId="20577"/>
         <pc:sldMkLst>
           <pc:docMk/>
           <pc:sldMk cId="2624687999" sldId="301"/>
@@ -2183,6 +2215,14 @@
             <pc:docMk/>
             <pc:sldMk cId="2624687999" sldId="301"/>
             <ac:spMk id="4" creationId="{3AE8B725-1354-7EBF-492D-DF621411B45B}"/>
+          </ac:spMkLst>
+        </pc:spChg>
+        <pc:spChg chg="add mod">
+          <ac:chgData name="Dominique RIGHETTO" userId="512fe077-82ad-424c-88a3-15e852b5861d" providerId="ADAL" clId="{1670CD84-DEE0-4E12-BF01-4C2D0C1D7F30}" dt="2024-06-14T14:04:47.569" v="12145" actId="20577"/>
+          <ac:spMkLst>
+            <pc:docMk/>
+            <pc:sldMk cId="2624687999" sldId="301"/>
+            <ac:spMk id="5" creationId="{EA7CF4AC-5C2B-26B1-43A6-40E8D6586B0E}"/>
           </ac:spMkLst>
         </pc:spChg>
         <pc:spChg chg="mod">
@@ -2604,8 +2644,8 @@
           </ac:picMkLst>
         </pc:picChg>
       </pc:sldChg>
-      <pc:sldChg chg="delSp modSp add mod modTransition">
-        <pc:chgData name="Dominique RIGHETTO" userId="512fe077-82ad-424c-88a3-15e852b5861d" providerId="ADAL" clId="{1670CD84-DEE0-4E12-BF01-4C2D0C1D7F30}" dt="2024-05-20T07:03:14.595" v="11368" actId="20577"/>
+      <pc:sldChg chg="addSp delSp modSp add mod modTransition">
+        <pc:chgData name="Dominique RIGHETTO" userId="512fe077-82ad-424c-88a3-15e852b5861d" providerId="ADAL" clId="{1670CD84-DEE0-4E12-BF01-4C2D0C1D7F30}" dt="2024-06-14T14:08:59.894" v="12195"/>
         <pc:sldMkLst>
           <pc:docMk/>
           <pc:sldMk cId="2485501603" sldId="308"/>
@@ -2618,8 +2658,16 @@
             <ac:spMk id="2" creationId="{5CE54ABB-4929-4810-950B-2DAEA0A5BAB4}"/>
           </ac:spMkLst>
         </pc:spChg>
+        <pc:spChg chg="add mod">
+          <ac:chgData name="Dominique RIGHETTO" userId="512fe077-82ad-424c-88a3-15e852b5861d" providerId="ADAL" clId="{1670CD84-DEE0-4E12-BF01-4C2D0C1D7F30}" dt="2024-06-14T14:05:42.265" v="12163" actId="20577"/>
+          <ac:spMkLst>
+            <pc:docMk/>
+            <pc:sldMk cId="2485501603" sldId="308"/>
+            <ac:spMk id="3" creationId="{15755BD8-52B2-29C6-CEC2-C1525AAB65BA}"/>
+          </ac:spMkLst>
+        </pc:spChg>
         <pc:spChg chg="mod">
-          <ac:chgData name="Dominique RIGHETTO" userId="512fe077-82ad-424c-88a3-15e852b5861d" providerId="ADAL" clId="{1670CD84-DEE0-4E12-BF01-4C2D0C1D7F30}" dt="2024-05-20T07:03:14.595" v="11368" actId="20577"/>
+          <ac:chgData name="Dominique RIGHETTO" userId="512fe077-82ad-424c-88a3-15e852b5861d" providerId="ADAL" clId="{1670CD84-DEE0-4E12-BF01-4C2D0C1D7F30}" dt="2024-06-14T14:08:59.894" v="12195"/>
           <ac:spMkLst>
             <pc:docMk/>
             <pc:sldMk cId="2485501603" sldId="308"/>
@@ -2682,13 +2730,13 @@
         </pc:picChg>
       </pc:sldChg>
       <pc:sldChg chg="addSp delSp modSp add mod ord modTransition">
-        <pc:chgData name="Dominique RIGHETTO" userId="512fe077-82ad-424c-88a3-15e852b5861d" providerId="ADAL" clId="{1670CD84-DEE0-4E12-BF01-4C2D0C1D7F30}" dt="2024-05-26T07:45:12.121" v="11870" actId="1076"/>
+        <pc:chgData name="Dominique RIGHETTO" userId="512fe077-82ad-424c-88a3-15e852b5861d" providerId="ADAL" clId="{1670CD84-DEE0-4E12-BF01-4C2D0C1D7F30}" dt="2024-06-14T14:10:31.892" v="12217" actId="14100"/>
         <pc:sldMkLst>
           <pc:docMk/>
           <pc:sldMk cId="3271207713" sldId="311"/>
         </pc:sldMkLst>
         <pc:spChg chg="mod">
-          <ac:chgData name="Dominique RIGHETTO" userId="512fe077-82ad-424c-88a3-15e852b5861d" providerId="ADAL" clId="{1670CD84-DEE0-4E12-BF01-4C2D0C1D7F30}" dt="2024-05-12T09:43:58.179" v="10870" actId="20577"/>
+          <ac:chgData name="Dominique RIGHETTO" userId="512fe077-82ad-424c-88a3-15e852b5861d" providerId="ADAL" clId="{1670CD84-DEE0-4E12-BF01-4C2D0C1D7F30}" dt="2024-06-14T14:10:31.892" v="12217" actId="14100"/>
           <ac:spMkLst>
             <pc:docMk/>
             <pc:sldMk cId="3271207713" sldId="311"/>
@@ -2712,7 +2760,7 @@
           </ac:picMkLst>
         </pc:picChg>
         <pc:picChg chg="add mod">
-          <ac:chgData name="Dominique RIGHETTO" userId="512fe077-82ad-424c-88a3-15e852b5861d" providerId="ADAL" clId="{1670CD84-DEE0-4E12-BF01-4C2D0C1D7F30}" dt="2024-05-26T07:45:12.121" v="11870" actId="1076"/>
+          <ac:chgData name="Dominique RIGHETTO" userId="512fe077-82ad-424c-88a3-15e852b5861d" providerId="ADAL" clId="{1670CD84-DEE0-4E12-BF01-4C2D0C1D7F30}" dt="2024-06-14T14:10:26.640" v="12216" actId="14100"/>
           <ac:picMkLst>
             <pc:docMk/>
             <pc:sldMk cId="3271207713" sldId="311"/>
@@ -2720,8 +2768,8 @@
           </ac:picMkLst>
         </pc:picChg>
       </pc:sldChg>
-      <pc:sldChg chg="modSp add mod ord modTransition">
-        <pc:chgData name="Dominique RIGHETTO" userId="512fe077-82ad-424c-88a3-15e852b5861d" providerId="ADAL" clId="{1670CD84-DEE0-4E12-BF01-4C2D0C1D7F30}" dt="2024-05-20T07:34:51.168" v="11701"/>
+      <pc:sldChg chg="addSp delSp modSp add mod ord modTransition">
+        <pc:chgData name="Dominique RIGHETTO" userId="512fe077-82ad-424c-88a3-15e852b5861d" providerId="ADAL" clId="{1670CD84-DEE0-4E12-BF01-4C2D0C1D7F30}" dt="2024-06-14T14:01:14.365" v="12056" actId="21"/>
         <pc:sldMkLst>
           <pc:docMk/>
           <pc:sldMk cId="2168811583" sldId="312"/>
@@ -2732,6 +2780,14 @@
             <pc:docMk/>
             <pc:sldMk cId="2168811583" sldId="312"/>
             <ac:spMk id="2" creationId="{5CE54ABB-4929-4810-950B-2DAEA0A5BAB4}"/>
+          </ac:spMkLst>
+        </pc:spChg>
+        <pc:spChg chg="add del mod">
+          <ac:chgData name="Dominique RIGHETTO" userId="512fe077-82ad-424c-88a3-15e852b5861d" providerId="ADAL" clId="{1670CD84-DEE0-4E12-BF01-4C2D0C1D7F30}" dt="2024-06-14T14:01:14.365" v="12056" actId="21"/>
+          <ac:spMkLst>
+            <pc:docMk/>
+            <pc:sldMk cId="2168811583" sldId="312"/>
+            <ac:spMk id="3" creationId="{17FD2C3B-1381-A17A-4A57-909F02E90E2B}"/>
           </ac:spMkLst>
         </pc:spChg>
         <pc:spChg chg="mod">
@@ -2751,11 +2807,19 @@
         </pc:sldMkLst>
       </pc:sldChg>
       <pc:sldChg chg="addSp delSp modSp add mod ord modTransition">
-        <pc:chgData name="Dominique RIGHETTO" userId="512fe077-82ad-424c-88a3-15e852b5861d" providerId="ADAL" clId="{1670CD84-DEE0-4E12-BF01-4C2D0C1D7F30}" dt="2024-06-08T15:15:14.057" v="11909"/>
+        <pc:chgData name="Dominique RIGHETTO" userId="512fe077-82ad-424c-88a3-15e852b5861d" providerId="ADAL" clId="{1670CD84-DEE0-4E12-BF01-4C2D0C1D7F30}" dt="2024-06-14T14:05:04.264" v="12152" actId="20577"/>
         <pc:sldMkLst>
           <pc:docMk/>
           <pc:sldMk cId="1011501238" sldId="313"/>
         </pc:sldMkLst>
+        <pc:spChg chg="add mod">
+          <ac:chgData name="Dominique RIGHETTO" userId="512fe077-82ad-424c-88a3-15e852b5861d" providerId="ADAL" clId="{1670CD84-DEE0-4E12-BF01-4C2D0C1D7F30}" dt="2024-06-14T14:05:04.264" v="12152" actId="20577"/>
+          <ac:spMkLst>
+            <pc:docMk/>
+            <pc:sldMk cId="1011501238" sldId="313"/>
+            <ac:spMk id="5" creationId="{106CEFF9-4794-F9AE-DE0F-E14646D3D772}"/>
+          </ac:spMkLst>
+        </pc:spChg>
         <pc:spChg chg="mod">
           <ac:chgData name="Dominique RIGHETTO" userId="512fe077-82ad-424c-88a3-15e852b5861d" providerId="ADAL" clId="{1670CD84-DEE0-4E12-BF01-4C2D0C1D7F30}" dt="2024-05-19T07:59:15.325" v="11183" actId="14100"/>
           <ac:spMkLst>
@@ -6192,7 +6256,7 @@
           <a:p>
             <a:fld id="{F352A77B-D33C-49B3-A83C-450AA2ED72B3}" type="datetimeFigureOut">
               <a:rPr lang="en-US" smtClean="0"/>
-              <a:t>6/12/2024</a:t>
+              <a:t>6/14/2024</a:t>
             </a:fld>
             <a:endParaRPr lang="en-US" dirty="0"/>
           </a:p>
@@ -6369,7 +6433,7 @@
           <a:p>
             <a:fld id="{E38D8F9A-F5CB-4EF8-A859-ED5E107B9763}" type="datetimeFigureOut">
               <a:rPr lang="en-US" smtClean="0"/>
-              <a:t>6/12/2024</a:t>
+              <a:t>6/14/2024</a:t>
             </a:fld>
             <a:endParaRPr lang="en-US" dirty="0"/>
           </a:p>
@@ -27029,6 +27093,58 @@
           </a:p>
         </p:txBody>
       </p:sp>
+      <p:sp>
+        <p:nvSpPr>
+          <p:cNvPr id="3" name="Rectangle 2">
+            <a:extLst>
+              <a:ext uri="{FF2B5EF4-FFF2-40B4-BE49-F238E27FC236}">
+                <a16:creationId xmlns:a16="http://schemas.microsoft.com/office/drawing/2014/main" id="{17FD2C3B-1381-A17A-4A57-909F02E90E2B}"/>
+              </a:ext>
+            </a:extLst>
+          </p:cNvPr>
+          <p:cNvSpPr/>
+          <p:nvPr/>
+        </p:nvSpPr>
+        <p:spPr>
+          <a:xfrm>
+            <a:off x="62910" y="136525"/>
+            <a:ext cx="1580539" cy="357745"/>
+          </a:xfrm>
+          <a:prstGeom prst="rect">
+            <a:avLst/>
+          </a:prstGeom>
+          <a:ln>
+            <a:noFill/>
+          </a:ln>
+        </p:spPr>
+        <p:style>
+          <a:lnRef idx="2">
+            <a:schemeClr val="accent5">
+              <a:shade val="15000"/>
+            </a:schemeClr>
+          </a:lnRef>
+          <a:fillRef idx="1">
+            <a:schemeClr val="accent5"/>
+          </a:fillRef>
+          <a:effectRef idx="0">
+            <a:schemeClr val="accent5"/>
+          </a:effectRef>
+          <a:fontRef idx="minor">
+            <a:schemeClr val="lt1"/>
+          </a:fontRef>
+        </p:style>
+        <p:txBody>
+          <a:bodyPr rtlCol="0" anchor="ctr"/>
+          <a:lstStyle/>
+          <a:p>
+            <a:pPr algn="ctr"/>
+            <a:r>
+              <a:rPr lang="en-US" dirty="0"/>
+              <a:t>🕓 01:00 P.M.</a:t>
+            </a:r>
+          </a:p>
+        </p:txBody>
+      </p:sp>
     </p:spTree>
     <p:extLst>
       <p:ext uri="{BB962C8B-B14F-4D97-AF65-F5344CB8AC3E}">
@@ -29908,6 +30024,58 @@
           </a:p>
         </p:txBody>
       </p:sp>
+      <p:sp>
+        <p:nvSpPr>
+          <p:cNvPr id="5" name="Rectangle 4">
+            <a:extLst>
+              <a:ext uri="{FF2B5EF4-FFF2-40B4-BE49-F238E27FC236}">
+                <a16:creationId xmlns:a16="http://schemas.microsoft.com/office/drawing/2014/main" id="{87DB41D6-A82F-73BC-3C8F-33EB463D8E05}"/>
+              </a:ext>
+            </a:extLst>
+          </p:cNvPr>
+          <p:cNvSpPr/>
+          <p:nvPr/>
+        </p:nvSpPr>
+        <p:spPr>
+          <a:xfrm>
+            <a:off x="62910" y="136525"/>
+            <a:ext cx="1580539" cy="357745"/>
+          </a:xfrm>
+          <a:prstGeom prst="rect">
+            <a:avLst/>
+          </a:prstGeom>
+          <a:ln>
+            <a:noFill/>
+          </a:ln>
+        </p:spPr>
+        <p:style>
+          <a:lnRef idx="2">
+            <a:schemeClr val="accent5">
+              <a:shade val="15000"/>
+            </a:schemeClr>
+          </a:lnRef>
+          <a:fillRef idx="1">
+            <a:schemeClr val="accent5"/>
+          </a:fillRef>
+          <a:effectRef idx="0">
+            <a:schemeClr val="accent5"/>
+          </a:effectRef>
+          <a:fontRef idx="minor">
+            <a:schemeClr val="lt1"/>
+          </a:fontRef>
+        </p:style>
+        <p:txBody>
+          <a:bodyPr rtlCol="0" anchor="ctr"/>
+          <a:lstStyle/>
+          <a:p>
+            <a:pPr algn="ctr"/>
+            <a:r>
+              <a:rPr lang="en-US" dirty="0"/>
+              <a:t>🕓 02:00 P.M.</a:t>
+            </a:r>
+          </a:p>
+        </p:txBody>
+      </p:sp>
     </p:spTree>
     <p:extLst>
       <p:ext uri="{BB962C8B-B14F-4D97-AF65-F5344CB8AC3E}">
@@ -31673,6 +31841,58 @@
           <a:p>
             <a:pPr algn="ctr"/>
             <a:endParaRPr lang="en-US"/>
+          </a:p>
+        </p:txBody>
+      </p:sp>
+      <p:sp>
+        <p:nvSpPr>
+          <p:cNvPr id="5" name="Rectangle 4">
+            <a:extLst>
+              <a:ext uri="{FF2B5EF4-FFF2-40B4-BE49-F238E27FC236}">
+                <a16:creationId xmlns:a16="http://schemas.microsoft.com/office/drawing/2014/main" id="{EA7CF4AC-5C2B-26B1-43A6-40E8D6586B0E}"/>
+              </a:ext>
+            </a:extLst>
+          </p:cNvPr>
+          <p:cNvSpPr/>
+          <p:nvPr/>
+        </p:nvSpPr>
+        <p:spPr>
+          <a:xfrm>
+            <a:off x="62910" y="136525"/>
+            <a:ext cx="1580539" cy="357745"/>
+          </a:xfrm>
+          <a:prstGeom prst="rect">
+            <a:avLst/>
+          </a:prstGeom>
+          <a:ln>
+            <a:noFill/>
+          </a:ln>
+        </p:spPr>
+        <p:style>
+          <a:lnRef idx="2">
+            <a:schemeClr val="accent5">
+              <a:shade val="15000"/>
+            </a:schemeClr>
+          </a:lnRef>
+          <a:fillRef idx="1">
+            <a:schemeClr val="accent5"/>
+          </a:fillRef>
+          <a:effectRef idx="0">
+            <a:schemeClr val="accent5"/>
+          </a:effectRef>
+          <a:fontRef idx="minor">
+            <a:schemeClr val="lt1"/>
+          </a:fontRef>
+        </p:style>
+        <p:txBody>
+          <a:bodyPr rtlCol="0" anchor="ctr"/>
+          <a:lstStyle/>
+          <a:p>
+            <a:pPr algn="ctr"/>
+            <a:r>
+              <a:rPr lang="en-US" dirty="0"/>
+              <a:t>🕓 03:00 P.M.</a:t>
+            </a:r>
           </a:p>
         </p:txBody>
       </p:sp>
@@ -33243,6 +33463,58 @@
           </a:prstGeom>
         </p:spPr>
       </p:pic>
+      <p:sp>
+        <p:nvSpPr>
+          <p:cNvPr id="5" name="Rectangle 4">
+            <a:extLst>
+              <a:ext uri="{FF2B5EF4-FFF2-40B4-BE49-F238E27FC236}">
+                <a16:creationId xmlns:a16="http://schemas.microsoft.com/office/drawing/2014/main" id="{106CEFF9-4794-F9AE-DE0F-E14646D3D772}"/>
+              </a:ext>
+            </a:extLst>
+          </p:cNvPr>
+          <p:cNvSpPr/>
+          <p:nvPr/>
+        </p:nvSpPr>
+        <p:spPr>
+          <a:xfrm>
+            <a:off x="62910" y="136525"/>
+            <a:ext cx="1580539" cy="357745"/>
+          </a:xfrm>
+          <a:prstGeom prst="rect">
+            <a:avLst/>
+          </a:prstGeom>
+          <a:ln>
+            <a:noFill/>
+          </a:ln>
+        </p:spPr>
+        <p:style>
+          <a:lnRef idx="2">
+            <a:schemeClr val="accent5">
+              <a:shade val="15000"/>
+            </a:schemeClr>
+          </a:lnRef>
+          <a:fillRef idx="1">
+            <a:schemeClr val="accent5"/>
+          </a:fillRef>
+          <a:effectRef idx="0">
+            <a:schemeClr val="accent5"/>
+          </a:effectRef>
+          <a:fontRef idx="minor">
+            <a:schemeClr val="lt1"/>
+          </a:fontRef>
+        </p:style>
+        <p:txBody>
+          <a:bodyPr rtlCol="0" anchor="ctr"/>
+          <a:lstStyle/>
+          <a:p>
+            <a:pPr algn="ctr"/>
+            <a:r>
+              <a:rPr lang="en-US" dirty="0"/>
+              <a:t>🕓 03:30 P.M.</a:t>
+            </a:r>
+          </a:p>
+        </p:txBody>
+      </p:sp>
     </p:spTree>
     <p:extLst>
       <p:ext uri="{BB962C8B-B14F-4D97-AF65-F5344CB8AC3E}">
@@ -34810,7 +35082,7 @@
             </a:pPr>
             <a:r>
               <a:rPr lang="en-US" sz="2400" noProof="1"/>
-              <a:t>💖You sent the mail with the status at 03:30 P.M. with all technical details, packed your stuff and leave to prepare for your romantic evening.</a:t>
+              <a:t>⏰You sent the status mail with all technical details, packed your stuff and leave to prepare for your romantic evening.</a:t>
             </a:r>
           </a:p>
           <a:p>
@@ -34868,6 +35140,58 @@
           <a:p>
             <a:pPr lvl="1"/>
             <a:endParaRPr lang="en-US" sz="2400" noProof="1"/>
+          </a:p>
+        </p:txBody>
+      </p:sp>
+      <p:sp>
+        <p:nvSpPr>
+          <p:cNvPr id="3" name="Rectangle 2">
+            <a:extLst>
+              <a:ext uri="{FF2B5EF4-FFF2-40B4-BE49-F238E27FC236}">
+                <a16:creationId xmlns:a16="http://schemas.microsoft.com/office/drawing/2014/main" id="{15755BD8-52B2-29C6-CEC2-C1525AAB65BA}"/>
+              </a:ext>
+            </a:extLst>
+          </p:cNvPr>
+          <p:cNvSpPr/>
+          <p:nvPr/>
+        </p:nvSpPr>
+        <p:spPr>
+          <a:xfrm>
+            <a:off x="62910" y="136525"/>
+            <a:ext cx="1580539" cy="357745"/>
+          </a:xfrm>
+          <a:prstGeom prst="rect">
+            <a:avLst/>
+          </a:prstGeom>
+          <a:ln>
+            <a:noFill/>
+          </a:ln>
+        </p:spPr>
+        <p:style>
+          <a:lnRef idx="2">
+            <a:schemeClr val="accent5">
+              <a:shade val="15000"/>
+            </a:schemeClr>
+          </a:lnRef>
+          <a:fillRef idx="1">
+            <a:schemeClr val="accent5"/>
+          </a:fillRef>
+          <a:effectRef idx="0">
+            <a:schemeClr val="accent5"/>
+          </a:effectRef>
+          <a:fontRef idx="minor">
+            <a:schemeClr val="lt1"/>
+          </a:fontRef>
+        </p:style>
+        <p:txBody>
+          <a:bodyPr rtlCol="0" anchor="ctr"/>
+          <a:lstStyle/>
+          <a:p>
+            <a:pPr algn="ctr"/>
+            <a:r>
+              <a:rPr lang="en-US" dirty="0"/>
+              <a:t>🕓 03:45 P.M.</a:t>
+            </a:r>
           </a:p>
         </p:txBody>
       </p:sp>
@@ -35701,6 +36025,53 @@
           <a:chExt cx="0" cy="0"/>
         </a:xfrm>
       </p:grpSpPr>
+      <p:pic>
+        <p:nvPicPr>
+          <p:cNvPr id="1026" name="Picture 2">
+            <a:extLst>
+              <a:ext uri="{FF2B5EF4-FFF2-40B4-BE49-F238E27FC236}">
+                <a16:creationId xmlns:a16="http://schemas.microsoft.com/office/drawing/2014/main" id="{3C9B8336-B99D-96A4-B5FE-A565EE763009}"/>
+              </a:ext>
+            </a:extLst>
+          </p:cNvPr>
+          <p:cNvPicPr>
+            <a:picLocks noChangeAspect="1" noChangeArrowheads="1"/>
+          </p:cNvPicPr>
+          <p:nvPr/>
+        </p:nvPicPr>
+        <p:blipFill>
+          <a:blip r:embed="rId2">
+            <a:extLst>
+              <a:ext uri="{28A0092B-C50C-407E-A947-70E740481C1C}">
+                <a14:useLocalDpi xmlns:a14="http://schemas.microsoft.com/office/drawing/2010/main" val="0"/>
+              </a:ext>
+            </a:extLst>
+          </a:blip>
+          <a:srcRect/>
+          <a:stretch>
+            <a:fillRect/>
+          </a:stretch>
+        </p:blipFill>
+        <p:spPr bwMode="auto">
+          <a:xfrm>
+            <a:off x="1767090" y="98854"/>
+            <a:ext cx="8714326" cy="5722841"/>
+          </a:xfrm>
+          <a:prstGeom prst="rect">
+            <a:avLst/>
+          </a:prstGeom>
+          <a:noFill/>
+          <a:extLst>
+            <a:ext uri="{909E8E84-426E-40DD-AFC4-6F175D3DCCD1}">
+              <a14:hiddenFill xmlns:a14="http://schemas.microsoft.com/office/drawing/2010/main">
+                <a:solidFill>
+                  <a:srgbClr val="FFFFFF"/>
+                </a:solidFill>
+              </a14:hiddenFill>
+            </a:ext>
+          </a:extLst>
+        </p:spPr>
+      </p:pic>
       <p:sp>
         <p:nvSpPr>
           <p:cNvPr id="2" name="Title 1">
@@ -35719,27 +36090,18 @@
         </p:nvSpPr>
         <p:spPr>
           <a:xfrm>
-            <a:off x="5892799" y="2571235"/>
-            <a:ext cx="6189133" cy="1715531"/>
+            <a:off x="1767090" y="5742259"/>
+            <a:ext cx="8714325" cy="825845"/>
           </a:xfrm>
         </p:spPr>
         <p:txBody>
           <a:bodyPr/>
           <a:lstStyle/>
           <a:p>
-            <a:r>
-              <a:rPr lang="en-US" dirty="0"/>
-              <a:t>🤗Thank you!</a:t>
-            </a:r>
-            <a:br>
-              <a:rPr lang="en-US" dirty="0"/>
-            </a:br>
-            <a:br>
-              <a:rPr lang="en-US" dirty="0"/>
-            </a:br>
-            <a:r>
-              <a:rPr lang="en-US" dirty="0"/>
-              <a:t>🤔Any questions?</a:t>
+            <a:pPr algn="ctr"/>
+            <a:r>
+              <a:rPr lang="en-US" sz="3200" dirty="0"/>
+              <a:t>🤗Thank you! - 🤔Any questions?</a:t>
             </a:r>
           </a:p>
         </p:txBody>
@@ -35779,53 +36141,6 @@
           </a:p>
         </p:txBody>
       </p:sp>
-      <p:pic>
-        <p:nvPicPr>
-          <p:cNvPr id="1026" name="Picture 2">
-            <a:extLst>
-              <a:ext uri="{FF2B5EF4-FFF2-40B4-BE49-F238E27FC236}">
-                <a16:creationId xmlns:a16="http://schemas.microsoft.com/office/drawing/2014/main" id="{3C9B8336-B99D-96A4-B5FE-A565EE763009}"/>
-              </a:ext>
-            </a:extLst>
-          </p:cNvPr>
-          <p:cNvPicPr>
-            <a:picLocks noChangeAspect="1" noChangeArrowheads="1"/>
-          </p:cNvPicPr>
-          <p:nvPr/>
-        </p:nvPicPr>
-        <p:blipFill>
-          <a:blip r:embed="rId2">
-            <a:extLst>
-              <a:ext uri="{28A0092B-C50C-407E-A947-70E740481C1C}">
-                <a14:useLocalDpi xmlns:a14="http://schemas.microsoft.com/office/drawing/2010/main" val="0"/>
-              </a:ext>
-            </a:extLst>
-          </a:blip>
-          <a:srcRect/>
-          <a:stretch>
-            <a:fillRect/>
-          </a:stretch>
-        </p:blipFill>
-        <p:spPr bwMode="auto">
-          <a:xfrm>
-            <a:off x="239472" y="1572683"/>
-            <a:ext cx="5653327" cy="3712633"/>
-          </a:xfrm>
-          <a:prstGeom prst="rect">
-            <a:avLst/>
-          </a:prstGeom>
-          <a:noFill/>
-          <a:extLst>
-            <a:ext uri="{909E8E84-426E-40DD-AFC4-6F175D3DCCD1}">
-              <a14:hiddenFill xmlns:a14="http://schemas.microsoft.com/office/drawing/2010/main">
-                <a:solidFill>
-                  <a:srgbClr val="FFFFFF"/>
-                </a:solidFill>
-              </a14:hiddenFill>
-            </a:ext>
-          </a:extLst>
-        </p:spPr>
-      </p:pic>
     </p:spTree>
     <p:extLst>
       <p:ext uri="{BB962C8B-B14F-4D97-AF65-F5344CB8AC3E}">
@@ -37849,26 +38164,6 @@
 </file>
 
 <file path=customXml/item1.xml><?xml version="1.0" encoding="utf-8"?>
-<p:properties xmlns:p="http://schemas.microsoft.com/office/2006/metadata/properties" xmlns:xsi="http://www.w3.org/2001/XMLSchema-instance" xmlns:pc="http://schemas.microsoft.com/office/infopath/2007/PartnerControls">
-  <documentManagement>
-    <_ip_UnifiedCompliancePolicyUIAction xmlns="http://schemas.microsoft.com/sharepoint/v3" xsi:nil="true"/>
-    <Image xmlns="71af3243-3dd4-4a8d-8c0d-dd76da1f02a5">
-      <Url xsi:nil="true"/>
-      <Description xsi:nil="true"/>
-    </Image>
-    <Status xmlns="71af3243-3dd4-4a8d-8c0d-dd76da1f02a5">Not started</Status>
-    <Background xmlns="71af3243-3dd4-4a8d-8c0d-dd76da1f02a5">false</Background>
-    <_ip_UnifiedCompliancePolicyProperties xmlns="http://schemas.microsoft.com/sharepoint/v3" xsi:nil="true"/>
-    <ImageTagsTaxHTField xmlns="71af3243-3dd4-4a8d-8c0d-dd76da1f02a5">
-      <Terms xmlns="http://schemas.microsoft.com/office/infopath/2007/PartnerControls"/>
-    </ImageTagsTaxHTField>
-    <TaxCatchAll xmlns="230e9df3-be65-4c73-a93b-d1236ebd677e" xsi:nil="true"/>
-    <MediaServiceKeyPoints xmlns="71af3243-3dd4-4a8d-8c0d-dd76da1f02a5" xsi:nil="true"/>
-  </documentManagement>
-</p:properties>
-</file>
-
-<file path=customXml/item2.xml><?xml version="1.0" encoding="utf-8"?>
 <ct:contentTypeSchema xmlns:ct="http://schemas.microsoft.com/office/2006/metadata/contentType" xmlns:ma="http://schemas.microsoft.com/office/2006/metadata/properties/metaAttributes" ct:_="" ma:_="" ma:contentTypeName="Document" ma:contentTypeID="0x01010079F111ED35F8CC479449609E8A0923A6" ma:contentTypeVersion="27" ma:contentTypeDescription="Create a new document." ma:contentTypeScope="" ma:versionID="c6f9a84f66a9c8b9a21755b9ffafb945">
   <xsd:schema xmlns:xsd="http://www.w3.org/2001/XMLSchema" xmlns:xs="http://www.w3.org/2001/XMLSchema" xmlns:p="http://schemas.microsoft.com/office/2006/metadata/properties" xmlns:ns1="http://schemas.microsoft.com/sharepoint/v3" xmlns:ns2="71af3243-3dd4-4a8d-8c0d-dd76da1f02a5" xmlns:ns3="16c05727-aa75-4e4a-9b5f-8a80a1165891" xmlns:ns4="230e9df3-be65-4c73-a93b-d1236ebd677e" targetNamespace="http://schemas.microsoft.com/office/2006/metadata/properties" ma:root="true" ma:fieldsID="27df39e3e7036dff54f89ddd5805ce72" ns1:_="" ns2:_="" ns3:_="" ns4:_="">
     <xsd:import namespace="http://schemas.microsoft.com/sharepoint/v3"/>
@@ -38174,7 +38469,7 @@
 </ct:contentTypeSchema>
 </file>
 
-<file path=customXml/item3.xml><?xml version="1.0" encoding="utf-8"?>
+<file path=customXml/item2.xml><?xml version="1.0" encoding="utf-8"?>
 <?mso-contentType ?>
 <FormTemplates xmlns="http://schemas.microsoft.com/sharepoint/v3/contenttype/forms">
   <Display>DocumentLibraryForm</Display>
@@ -38183,26 +38478,27 @@
 </FormTemplates>
 </file>
 
-<file path=customXml/itemProps1.xml><?xml version="1.0" encoding="utf-8"?>
-<ds:datastoreItem xmlns:ds="http://schemas.openxmlformats.org/officeDocument/2006/customXml" ds:itemID="{BEFFFA3F-0FB5-4ED3-8906-A15B16577F44}">
-  <ds:schemaRefs>
-    <ds:schemaRef ds:uri="http://schemas.openxmlformats.org/package/2006/metadata/core-properties"/>
-    <ds:schemaRef ds:uri="http://schemas.microsoft.com/office/infopath/2007/PartnerControls"/>
-    <ds:schemaRef ds:uri="http://schemas.microsoft.com/office/2006/documentManagement/types"/>
-    <ds:schemaRef ds:uri="http://purl.org/dc/terms/"/>
-    <ds:schemaRef ds:uri="http://purl.org/dc/dcmitype/"/>
-    <ds:schemaRef ds:uri="http://purl.org/dc/elements/1.1/"/>
-    <ds:schemaRef ds:uri="http://schemas.microsoft.com/sharepoint/v3"/>
-    <ds:schemaRef ds:uri="71af3243-3dd4-4a8d-8c0d-dd76da1f02a5"/>
-    <ds:schemaRef ds:uri="230e9df3-be65-4c73-a93b-d1236ebd677e"/>
-    <ds:schemaRef ds:uri="16c05727-aa75-4e4a-9b5f-8a80a1165891"/>
-    <ds:schemaRef ds:uri="http://schemas.microsoft.com/office/2006/metadata/properties"/>
-    <ds:schemaRef ds:uri="http://www.w3.org/XML/1998/namespace"/>
-  </ds:schemaRefs>
-</ds:datastoreItem>
+<file path=customXml/item3.xml><?xml version="1.0" encoding="utf-8"?>
+<p:properties xmlns:p="http://schemas.microsoft.com/office/2006/metadata/properties" xmlns:xsi="http://www.w3.org/2001/XMLSchema-instance" xmlns:pc="http://schemas.microsoft.com/office/infopath/2007/PartnerControls">
+  <documentManagement>
+    <_ip_UnifiedCompliancePolicyUIAction xmlns="http://schemas.microsoft.com/sharepoint/v3" xsi:nil="true"/>
+    <Image xmlns="71af3243-3dd4-4a8d-8c0d-dd76da1f02a5">
+      <Url xsi:nil="true"/>
+      <Description xsi:nil="true"/>
+    </Image>
+    <Status xmlns="71af3243-3dd4-4a8d-8c0d-dd76da1f02a5">Not started</Status>
+    <Background xmlns="71af3243-3dd4-4a8d-8c0d-dd76da1f02a5">false</Background>
+    <_ip_UnifiedCompliancePolicyProperties xmlns="http://schemas.microsoft.com/sharepoint/v3" xsi:nil="true"/>
+    <ImageTagsTaxHTField xmlns="71af3243-3dd4-4a8d-8c0d-dd76da1f02a5">
+      <Terms xmlns="http://schemas.microsoft.com/office/infopath/2007/PartnerControls"/>
+    </ImageTagsTaxHTField>
+    <TaxCatchAll xmlns="230e9df3-be65-4c73-a93b-d1236ebd677e" xsi:nil="true"/>
+    <MediaServiceKeyPoints xmlns="71af3243-3dd4-4a8d-8c0d-dd76da1f02a5" xsi:nil="true"/>
+  </documentManagement>
+</p:properties>
 </file>
 
-<file path=customXml/itemProps2.xml><?xml version="1.0" encoding="utf-8"?>
+<file path=customXml/itemProps1.xml><?xml version="1.0" encoding="utf-8"?>
 <ds:datastoreItem xmlns:ds="http://schemas.openxmlformats.org/officeDocument/2006/customXml" ds:itemID="{4E18436D-DA32-4E27-AC64-8FFEDA5218F9}">
   <ds:schemaRefs>
     <ds:schemaRef ds:uri="http://schemas.microsoft.com/office/2006/metadata/contentType"/>
@@ -38223,7 +38519,7 @@
 </ds:datastoreItem>
 </file>
 
-<file path=customXml/itemProps3.xml><?xml version="1.0" encoding="utf-8"?>
+<file path=customXml/itemProps2.xml><?xml version="1.0" encoding="utf-8"?>
 <ds:datastoreItem xmlns:ds="http://schemas.openxmlformats.org/officeDocument/2006/customXml" ds:itemID="{6966C46A-DC57-4209-80CD-9FE6C93151FF}">
   <ds:schemaRefs>
     <ds:schemaRef ds:uri="http://schemas.microsoft.com/sharepoint/v3/contenttype/forms"/>
@@ -38231,6 +38527,25 @@
 </ds:datastoreItem>
 </file>
 
+<file path=customXml/itemProps3.xml><?xml version="1.0" encoding="utf-8"?>
+<ds:datastoreItem xmlns:ds="http://schemas.openxmlformats.org/officeDocument/2006/customXml" ds:itemID="{BEFFFA3F-0FB5-4ED3-8906-A15B16577F44}">
+  <ds:schemaRefs>
+    <ds:schemaRef ds:uri="http://schemas.openxmlformats.org/package/2006/metadata/core-properties"/>
+    <ds:schemaRef ds:uri="http://schemas.microsoft.com/office/infopath/2007/PartnerControls"/>
+    <ds:schemaRef ds:uri="http://schemas.microsoft.com/office/2006/documentManagement/types"/>
+    <ds:schemaRef ds:uri="http://purl.org/dc/terms/"/>
+    <ds:schemaRef ds:uri="http://purl.org/dc/dcmitype/"/>
+    <ds:schemaRef ds:uri="http://purl.org/dc/elements/1.1/"/>
+    <ds:schemaRef ds:uri="http://schemas.microsoft.com/sharepoint/v3"/>
+    <ds:schemaRef ds:uri="71af3243-3dd4-4a8d-8c0d-dd76da1f02a5"/>
+    <ds:schemaRef ds:uri="230e9df3-be65-4c73-a93b-d1236ebd677e"/>
+    <ds:schemaRef ds:uri="16c05727-aa75-4e4a-9b5f-8a80a1165891"/>
+    <ds:schemaRef ds:uri="http://schemas.microsoft.com/office/2006/metadata/properties"/>
+    <ds:schemaRef ds:uri="http://www.w3.org/XML/1998/namespace"/>
+  </ds:schemaRefs>
+</ds:datastoreItem>
+</file>
+
 <file path=docMetadata/LabelInfo.xml><?xml version="1.0" encoding="utf-8"?>
 <clbl:labelList xmlns:clbl="http://schemas.microsoft.com/office/2020/mipLabelMetadata"/>
 </file>
--- a/presentation.pptx
+++ b/presentation.pptx
@@ -197,7 +197,7 @@
 <file path=ppt/revisionInfo.xml><?xml version="1.0" encoding="utf-8"?>
 <p1510:revInfo xmlns:a="http://schemas.openxmlformats.org/drawingml/2006/main" xmlns:r="http://schemas.openxmlformats.org/officeDocument/2006/relationships" xmlns:p1510="http://schemas.microsoft.com/office/powerpoint/2015/10/main">
   <p1510:revLst>
-    <p1510:client id="{1670CD84-DEE0-4E12-BF01-4C2D0C1D7F30}" v="867" dt="2024-06-14T14:10:26.656"/>
+    <p1510:client id="{1670CD84-DEE0-4E12-BF01-4C2D0C1D7F30}" v="868" dt="2024-06-18T17:35:33.343"/>
   </p1510:revLst>
 </p1510:revInfo>
 </file>
@@ -207,7 +207,7 @@
   <pc:docChgLst>
     <pc:chgData name="Dominique RIGHETTO" userId="512fe077-82ad-424c-88a3-15e852b5861d" providerId="ADAL" clId="{1670CD84-DEE0-4E12-BF01-4C2D0C1D7F30}"/>
     <pc:docChg chg="undo custSel addSld delSld modSld sldOrd">
-      <pc:chgData name="Dominique RIGHETTO" userId="512fe077-82ad-424c-88a3-15e852b5861d" providerId="ADAL" clId="{1670CD84-DEE0-4E12-BF01-4C2D0C1D7F30}" dt="2024-06-14T14:10:31.892" v="12217" actId="14100"/>
+      <pc:chgData name="Dominique RIGHETTO" userId="512fe077-82ad-424c-88a3-15e852b5861d" providerId="ADAL" clId="{1670CD84-DEE0-4E12-BF01-4C2D0C1D7F30}" dt="2024-06-18T17:36:51.405" v="12236"/>
       <pc:docMkLst>
         <pc:docMk/>
       </pc:docMkLst>
@@ -732,7 +732,7 @@
         </pc:picChg>
       </pc:sldChg>
       <pc:sldChg chg="addSp delSp modSp add mod modTransition modAnim">
-        <pc:chgData name="Dominique RIGHETTO" userId="512fe077-82ad-424c-88a3-15e852b5861d" providerId="ADAL" clId="{1670CD84-DEE0-4E12-BF01-4C2D0C1D7F30}" dt="2024-05-12T09:56:30.228" v="10979"/>
+        <pc:chgData name="Dominique RIGHETTO" userId="512fe077-82ad-424c-88a3-15e852b5861d" providerId="ADAL" clId="{1670CD84-DEE0-4E12-BF01-4C2D0C1D7F30}" dt="2024-06-18T17:36:11.240" v="12226"/>
         <pc:sldMkLst>
           <pc:docMk/>
           <pc:sldMk cId="4159186112" sldId="273"/>
@@ -762,7 +762,7 @@
           </ac:spMkLst>
         </pc:spChg>
         <pc:spChg chg="mod ord">
-          <ac:chgData name="Dominique RIGHETTO" userId="512fe077-82ad-424c-88a3-15e852b5861d" providerId="ADAL" clId="{1670CD84-DEE0-4E12-BF01-4C2D0C1D7F30}" dt="2024-05-09T08:45:55.152" v="4247" actId="6549"/>
+          <ac:chgData name="Dominique RIGHETTO" userId="512fe077-82ad-424c-88a3-15e852b5861d" providerId="ADAL" clId="{1670CD84-DEE0-4E12-BF01-4C2D0C1D7F30}" dt="2024-06-18T17:36:11.240" v="12226"/>
           <ac:spMkLst>
             <pc:docMk/>
             <pc:sldMk cId="4159186112" sldId="273"/>
@@ -936,7 +936,7 @@
         </pc:spChg>
       </pc:sldChg>
       <pc:sldChg chg="addSp modSp add mod ord modTransition">
-        <pc:chgData name="Dominique RIGHETTO" userId="512fe077-82ad-424c-88a3-15e852b5861d" providerId="ADAL" clId="{1670CD84-DEE0-4E12-BF01-4C2D0C1D7F30}" dt="2024-05-20T07:21:56.953" v="11480" actId="692"/>
+        <pc:chgData name="Dominique RIGHETTO" userId="512fe077-82ad-424c-88a3-15e852b5861d" providerId="ADAL" clId="{1670CD84-DEE0-4E12-BF01-4C2D0C1D7F30}" dt="2024-06-18T17:36:25.778" v="12230"/>
         <pc:sldMkLst>
           <pc:docMk/>
           <pc:sldMk cId="390519850" sldId="276"/>
@@ -950,7 +950,7 @@
           </ac:spMkLst>
         </pc:spChg>
         <pc:spChg chg="mod">
-          <ac:chgData name="Dominique RIGHETTO" userId="512fe077-82ad-424c-88a3-15e852b5861d" providerId="ADAL" clId="{1670CD84-DEE0-4E12-BF01-4C2D0C1D7F30}" dt="2024-05-09T08:59:36.757" v="4567" actId="113"/>
+          <ac:chgData name="Dominique RIGHETTO" userId="512fe077-82ad-424c-88a3-15e852b5861d" providerId="ADAL" clId="{1670CD84-DEE0-4E12-BF01-4C2D0C1D7F30}" dt="2024-06-18T17:36:25.778" v="12230"/>
           <ac:spMkLst>
             <pc:docMk/>
             <pc:sldMk cId="390519850" sldId="276"/>
@@ -981,7 +981,7 @@
         </pc:sldMkLst>
       </pc:sldChg>
       <pc:sldChg chg="addSp delSp modSp add mod modTransition">
-        <pc:chgData name="Dominique RIGHETTO" userId="512fe077-82ad-424c-88a3-15e852b5861d" providerId="ADAL" clId="{1670CD84-DEE0-4E12-BF01-4C2D0C1D7F30}" dt="2024-05-20T07:22:08.114" v="11482" actId="692"/>
+        <pc:chgData name="Dominique RIGHETTO" userId="512fe077-82ad-424c-88a3-15e852b5861d" providerId="ADAL" clId="{1670CD84-DEE0-4E12-BF01-4C2D0C1D7F30}" dt="2024-06-18T17:36:36.175" v="12234"/>
         <pc:sldMkLst>
           <pc:docMk/>
           <pc:sldMk cId="3732992385" sldId="277"/>
@@ -995,7 +995,7 @@
           </ac:spMkLst>
         </pc:spChg>
         <pc:spChg chg="add mod">
-          <ac:chgData name="Dominique RIGHETTO" userId="512fe077-82ad-424c-88a3-15e852b5861d" providerId="ADAL" clId="{1670CD84-DEE0-4E12-BF01-4C2D0C1D7F30}" dt="2024-05-09T09:11:34.816" v="4988" actId="113"/>
+          <ac:chgData name="Dominique RIGHETTO" userId="512fe077-82ad-424c-88a3-15e852b5861d" providerId="ADAL" clId="{1670CD84-DEE0-4E12-BF01-4C2D0C1D7F30}" dt="2024-06-18T17:36:36.175" v="12234"/>
           <ac:spMkLst>
             <pc:docMk/>
             <pc:sldMk cId="3732992385" sldId="277"/>
@@ -1143,7 +1143,7 @@
         </pc:spChg>
       </pc:sldChg>
       <pc:sldChg chg="addSp delSp modSp add mod ord modTransition">
-        <pc:chgData name="Dominique RIGHETTO" userId="512fe077-82ad-424c-88a3-15e852b5861d" providerId="ADAL" clId="{1670CD84-DEE0-4E12-BF01-4C2D0C1D7F30}" dt="2024-06-14T14:03:53.427" v="12138" actId="21"/>
+        <pc:chgData name="Dominique RIGHETTO" userId="512fe077-82ad-424c-88a3-15e852b5861d" providerId="ADAL" clId="{1670CD84-DEE0-4E12-BF01-4C2D0C1D7F30}" dt="2024-06-18T17:35:38.081" v="12222" actId="20577"/>
         <pc:sldMkLst>
           <pc:docMk/>
           <pc:sldMk cId="1960651900" sldId="281"/>
@@ -1162,6 +1162,14 @@
             <pc:docMk/>
             <pc:sldMk cId="1960651900" sldId="281"/>
             <ac:spMk id="3" creationId="{17FD2C3B-1381-A17A-4A57-909F02E90E2B}"/>
+          </ac:spMkLst>
+        </pc:spChg>
+        <pc:spChg chg="add mod">
+          <ac:chgData name="Dominique RIGHETTO" userId="512fe077-82ad-424c-88a3-15e852b5861d" providerId="ADAL" clId="{1670CD84-DEE0-4E12-BF01-4C2D0C1D7F30}" dt="2024-06-18T17:35:38.081" v="12222" actId="20577"/>
+          <ac:spMkLst>
+            <pc:docMk/>
+            <pc:sldMk cId="1960651900" sldId="281"/>
+            <ac:spMk id="3" creationId="{E62BD5B4-FE2C-D95B-3C07-10FA1CA799E1}"/>
           </ac:spMkLst>
         </pc:spChg>
         <pc:spChg chg="del">
@@ -1417,7 +1425,7 @@
         </pc:picChg>
       </pc:sldChg>
       <pc:sldChg chg="addSp delSp modSp add mod ord modTransition">
-        <pc:chgData name="Dominique RIGHETTO" userId="512fe077-82ad-424c-88a3-15e852b5861d" providerId="ADAL" clId="{1670CD84-DEE0-4E12-BF01-4C2D0C1D7F30}" dt="2024-06-14T14:03:58.618" v="12139"/>
+        <pc:chgData name="Dominique RIGHETTO" userId="512fe077-82ad-424c-88a3-15e852b5861d" providerId="ADAL" clId="{1670CD84-DEE0-4E12-BF01-4C2D0C1D7F30}" dt="2024-06-18T17:36:51.405" v="12236"/>
         <pc:sldMkLst>
           <pc:docMk/>
           <pc:sldMk cId="27853575" sldId="285"/>
@@ -1447,7 +1455,7 @@
           </ac:spMkLst>
         </pc:spChg>
         <pc:spChg chg="add mod">
-          <ac:chgData name="Dominique RIGHETTO" userId="512fe077-82ad-424c-88a3-15e852b5861d" providerId="ADAL" clId="{1670CD84-DEE0-4E12-BF01-4C2D0C1D7F30}" dt="2024-05-11T06:45:12.971" v="7085" actId="20577"/>
+          <ac:chgData name="Dominique RIGHETTO" userId="512fe077-82ad-424c-88a3-15e852b5861d" providerId="ADAL" clId="{1670CD84-DEE0-4E12-BF01-4C2D0C1D7F30}" dt="2024-06-18T17:36:51.405" v="12236"/>
           <ac:spMkLst>
             <pc:docMk/>
             <pc:sldMk cId="27853575" sldId="285"/>
@@ -6256,7 +6264,7 @@
           <a:p>
             <a:fld id="{F352A77B-D33C-49B3-A83C-450AA2ED72B3}" type="datetimeFigureOut">
               <a:rPr lang="en-US" smtClean="0"/>
-              <a:t>6/14/2024</a:t>
+              <a:t>6/18/2024</a:t>
             </a:fld>
             <a:endParaRPr lang="en-US" dirty="0"/>
           </a:p>
@@ -6433,7 +6441,7 @@
           <a:p>
             <a:fld id="{E38D8F9A-F5CB-4EF8-A859-ED5E107B9763}" type="datetimeFigureOut">
               <a:rPr lang="en-US" smtClean="0"/>
-              <a:t>6/14/2024</a:t>
+              <a:t>6/18/2024</a:t>
             </a:fld>
             <a:endParaRPr lang="en-US" dirty="0"/>
           </a:p>
@@ -23288,7 +23296,7 @@
                 </a:solidFill>
                 <a:latin typeface="Consolas" panose="020B0609020204030204" pitchFamily="49" charset="0"/>
               </a:rPr>
-              <a:t>'self’ </a:t>
+              <a:t>'self' </a:t>
             </a:r>
             <a:r>
               <a:rPr lang="en-US" sz="2400" dirty="0">
@@ -23359,7 +23367,7 @@
                 </a:solidFill>
                 <a:latin typeface="Consolas" panose="020B0609020204030204" pitchFamily="49" charset="0"/>
               </a:rPr>
-              <a:t>'unsafe-inline’ </a:t>
+              <a:t>'unsafe-inline' </a:t>
             </a:r>
             <a:r>
               <a:rPr lang="en-US" sz="2400" dirty="0">
@@ -24619,7 +24627,16 @@
                 </a:solidFill>
                 <a:latin typeface="Consolas" panose="020B0609020204030204" pitchFamily="49" charset="0"/>
               </a:rPr>
-              <a:t>'self’</a:t>
+              <a:t>'self</a:t>
+            </a:r>
+            <a:r>
+              <a:rPr lang="en-US" sz="2400" dirty="0">
+                <a:solidFill>
+                  <a:srgbClr val="7030A0"/>
+                </a:solidFill>
+                <a:latin typeface="Consolas" panose="020B0609020204030204" pitchFamily="49" charset="0"/>
+              </a:rPr>
+              <a:t>'</a:t>
             </a:r>
             <a:r>
               <a:rPr lang="en-US" sz="2400" dirty="0">
@@ -24658,7 +24675,7 @@
                 </a:solidFill>
                 <a:latin typeface="Consolas" panose="020B0609020204030204" pitchFamily="49" charset="0"/>
               </a:rPr>
-              <a:t>'self' 'unsafe-inline’ </a:t>
+              <a:t>'self' 'unsafe-inline' </a:t>
             </a:r>
             <a:r>
               <a:rPr lang="en-US" sz="2400" dirty="0">
@@ -25048,7 +25065,7 @@
                 </a:solidFill>
                 <a:latin typeface="Consolas" panose="020B0609020204030204" pitchFamily="49" charset="0"/>
               </a:rPr>
-              <a:t>'self’</a:t>
+              <a:t>'self'</a:t>
             </a:r>
             <a:r>
               <a:rPr lang="en-US" sz="2400" dirty="0">
@@ -25087,7 +25104,7 @@
                 </a:solidFill>
                 <a:latin typeface="Consolas" panose="020B0609020204030204" pitchFamily="49" charset="0"/>
               </a:rPr>
-              <a:t>'self' 'unsafe-inline’ </a:t>
+              <a:t>'self' 'unsafe-inline' </a:t>
             </a:r>
             <a:r>
               <a:rPr lang="en-US" sz="2400" dirty="0">
@@ -26225,6 +26242,58 @@
           </a:p>
         </p:txBody>
       </p:sp>
+      <p:sp>
+        <p:nvSpPr>
+          <p:cNvPr id="3" name="Rectangle 2">
+            <a:extLst>
+              <a:ext uri="{FF2B5EF4-FFF2-40B4-BE49-F238E27FC236}">
+                <a16:creationId xmlns:a16="http://schemas.microsoft.com/office/drawing/2014/main" id="{E62BD5B4-FE2C-D95B-3C07-10FA1CA799E1}"/>
+              </a:ext>
+            </a:extLst>
+          </p:cNvPr>
+          <p:cNvSpPr/>
+          <p:nvPr/>
+        </p:nvSpPr>
+        <p:spPr>
+          <a:xfrm>
+            <a:off x="62910" y="136525"/>
+            <a:ext cx="1580539" cy="357745"/>
+          </a:xfrm>
+          <a:prstGeom prst="rect">
+            <a:avLst/>
+          </a:prstGeom>
+          <a:ln>
+            <a:noFill/>
+          </a:ln>
+        </p:spPr>
+        <p:style>
+          <a:lnRef idx="2">
+            <a:schemeClr val="accent5">
+              <a:shade val="15000"/>
+            </a:schemeClr>
+          </a:lnRef>
+          <a:fillRef idx="1">
+            <a:schemeClr val="accent5"/>
+          </a:fillRef>
+          <a:effectRef idx="0">
+            <a:schemeClr val="accent5"/>
+          </a:effectRef>
+          <a:fontRef idx="minor">
+            <a:schemeClr val="lt1"/>
+          </a:fontRef>
+        </p:style>
+        <p:txBody>
+          <a:bodyPr rtlCol="0" anchor="ctr"/>
+          <a:lstStyle/>
+          <a:p>
+            <a:pPr algn="ctr"/>
+            <a:r>
+              <a:rPr lang="en-US" dirty="0"/>
+              <a:t>🕓 12:00 P.M.</a:t>
+            </a:r>
+          </a:p>
+        </p:txBody>
+      </p:sp>
     </p:spTree>
     <p:extLst>
       <p:ext uri="{BB962C8B-B14F-4D97-AF65-F5344CB8AC3E}">
@@ -26906,7 +26975,7 @@
               <a:t>src</a:t>
             </a:r>
             <a:r>
-              <a:rPr lang="en-US" sz="2000" dirty="0">
+              <a:rPr lang="en-US" sz="2000">
                 <a:solidFill>
                   <a:schemeClr val="accent6"/>
                 </a:solidFill>
@@ -26915,20 +26984,23 @@
               <a:t> </a:t>
             </a:r>
             <a:r>
-              <a:rPr lang="en-US" sz="2000" dirty="0">
+              <a:rPr lang="en-US" sz="2000">
                 <a:solidFill>
                   <a:srgbClr val="7030A0"/>
                 </a:solidFill>
                 <a:latin typeface="Consolas" panose="020B0609020204030204" pitchFamily="49" charset="0"/>
               </a:rPr>
-              <a:t>'self’</a:t>
-            </a:r>
-            <a:r>
-              <a:rPr lang="en-US" sz="2000" dirty="0">
+              <a:t>'self'</a:t>
+            </a:r>
+            <a:r>
+              <a:rPr lang="en-US" sz="2000">
                 <a:latin typeface="Consolas" panose="020B0609020204030204" pitchFamily="49" charset="0"/>
               </a:rPr>
               <a:t>; </a:t>
             </a:r>
+            <a:endParaRPr lang="en-US" sz="2000" dirty="0">
+              <a:latin typeface="Consolas" panose="020B0609020204030204" pitchFamily="49" charset="0"/>
+            </a:endParaRPr>
           </a:p>
           <a:p>
             <a:r>
@@ -38164,6 +38236,35 @@
 </file>
 
 <file path=customXml/item1.xml><?xml version="1.0" encoding="utf-8"?>
+<?mso-contentType ?>
+<FormTemplates xmlns="http://schemas.microsoft.com/sharepoint/v3/contenttype/forms">
+  <Display>DocumentLibraryForm</Display>
+  <Edit>DocumentLibraryForm</Edit>
+  <New>DocumentLibraryForm</New>
+</FormTemplates>
+</file>
+
+<file path=customXml/item2.xml><?xml version="1.0" encoding="utf-8"?>
+<p:properties xmlns:p="http://schemas.microsoft.com/office/2006/metadata/properties" xmlns:xsi="http://www.w3.org/2001/XMLSchema-instance" xmlns:pc="http://schemas.microsoft.com/office/infopath/2007/PartnerControls">
+  <documentManagement>
+    <_ip_UnifiedCompliancePolicyUIAction xmlns="http://schemas.microsoft.com/sharepoint/v3" xsi:nil="true"/>
+    <Image xmlns="71af3243-3dd4-4a8d-8c0d-dd76da1f02a5">
+      <Url xsi:nil="true"/>
+      <Description xsi:nil="true"/>
+    </Image>
+    <Status xmlns="71af3243-3dd4-4a8d-8c0d-dd76da1f02a5">Not started</Status>
+    <Background xmlns="71af3243-3dd4-4a8d-8c0d-dd76da1f02a5">false</Background>
+    <_ip_UnifiedCompliancePolicyProperties xmlns="http://schemas.microsoft.com/sharepoint/v3" xsi:nil="true"/>
+    <ImageTagsTaxHTField xmlns="71af3243-3dd4-4a8d-8c0d-dd76da1f02a5">
+      <Terms xmlns="http://schemas.microsoft.com/office/infopath/2007/PartnerControls"/>
+    </ImageTagsTaxHTField>
+    <TaxCatchAll xmlns="230e9df3-be65-4c73-a93b-d1236ebd677e" xsi:nil="true"/>
+    <MediaServiceKeyPoints xmlns="71af3243-3dd4-4a8d-8c0d-dd76da1f02a5" xsi:nil="true"/>
+  </documentManagement>
+</p:properties>
+</file>
+
+<file path=customXml/item3.xml><?xml version="1.0" encoding="utf-8"?>
 <ct:contentTypeSchema xmlns:ct="http://schemas.microsoft.com/office/2006/metadata/contentType" xmlns:ma="http://schemas.microsoft.com/office/2006/metadata/properties/metaAttributes" ct:_="" ma:_="" ma:contentTypeName="Document" ma:contentTypeID="0x01010079F111ED35F8CC479449609E8A0923A6" ma:contentTypeVersion="27" ma:contentTypeDescription="Create a new document." ma:contentTypeScope="" ma:versionID="c6f9a84f66a9c8b9a21755b9ffafb945">
   <xsd:schema xmlns:xsd="http://www.w3.org/2001/XMLSchema" xmlns:xs="http://www.w3.org/2001/XMLSchema" xmlns:p="http://schemas.microsoft.com/office/2006/metadata/properties" xmlns:ns1="http://schemas.microsoft.com/sharepoint/v3" xmlns:ns2="71af3243-3dd4-4a8d-8c0d-dd76da1f02a5" xmlns:ns3="16c05727-aa75-4e4a-9b5f-8a80a1165891" xmlns:ns4="230e9df3-be65-4c73-a93b-d1236ebd677e" targetNamespace="http://schemas.microsoft.com/office/2006/metadata/properties" ma:root="true" ma:fieldsID="27df39e3e7036dff54f89ddd5805ce72" ns1:_="" ns2:_="" ns3:_="" ns4:_="">
     <xsd:import namespace="http://schemas.microsoft.com/sharepoint/v3"/>
@@ -38469,36 +38570,34 @@
 </ct:contentTypeSchema>
 </file>
 
-<file path=customXml/item2.xml><?xml version="1.0" encoding="utf-8"?>
-<?mso-contentType ?>
-<FormTemplates xmlns="http://schemas.microsoft.com/sharepoint/v3/contenttype/forms">
-  <Display>DocumentLibraryForm</Display>
-  <Edit>DocumentLibraryForm</Edit>
-  <New>DocumentLibraryForm</New>
-</FormTemplates>
+<file path=customXml/itemProps1.xml><?xml version="1.0" encoding="utf-8"?>
+<ds:datastoreItem xmlns:ds="http://schemas.openxmlformats.org/officeDocument/2006/customXml" ds:itemID="{6966C46A-DC57-4209-80CD-9FE6C93151FF}">
+  <ds:schemaRefs>
+    <ds:schemaRef ds:uri="http://schemas.microsoft.com/sharepoint/v3/contenttype/forms"/>
+  </ds:schemaRefs>
+</ds:datastoreItem>
 </file>
 
-<file path=customXml/item3.xml><?xml version="1.0" encoding="utf-8"?>
-<p:properties xmlns:p="http://schemas.microsoft.com/office/2006/metadata/properties" xmlns:xsi="http://www.w3.org/2001/XMLSchema-instance" xmlns:pc="http://schemas.microsoft.com/office/infopath/2007/PartnerControls">
-  <documentManagement>
-    <_ip_UnifiedCompliancePolicyUIAction xmlns="http://schemas.microsoft.com/sharepoint/v3" xsi:nil="true"/>
-    <Image xmlns="71af3243-3dd4-4a8d-8c0d-dd76da1f02a5">
-      <Url xsi:nil="true"/>
-      <Description xsi:nil="true"/>
-    </Image>
-    <Status xmlns="71af3243-3dd4-4a8d-8c0d-dd76da1f02a5">Not started</Status>
-    <Background xmlns="71af3243-3dd4-4a8d-8c0d-dd76da1f02a5">false</Background>
-    <_ip_UnifiedCompliancePolicyProperties xmlns="http://schemas.microsoft.com/sharepoint/v3" xsi:nil="true"/>
-    <ImageTagsTaxHTField xmlns="71af3243-3dd4-4a8d-8c0d-dd76da1f02a5">
-      <Terms xmlns="http://schemas.microsoft.com/office/infopath/2007/PartnerControls"/>
-    </ImageTagsTaxHTField>
-    <TaxCatchAll xmlns="230e9df3-be65-4c73-a93b-d1236ebd677e" xsi:nil="true"/>
-    <MediaServiceKeyPoints xmlns="71af3243-3dd4-4a8d-8c0d-dd76da1f02a5" xsi:nil="true"/>
-  </documentManagement>
-</p:properties>
+<file path=customXml/itemProps2.xml><?xml version="1.0" encoding="utf-8"?>
+<ds:datastoreItem xmlns:ds="http://schemas.openxmlformats.org/officeDocument/2006/customXml" ds:itemID="{BEFFFA3F-0FB5-4ED3-8906-A15B16577F44}">
+  <ds:schemaRefs>
+    <ds:schemaRef ds:uri="http://schemas.openxmlformats.org/package/2006/metadata/core-properties"/>
+    <ds:schemaRef ds:uri="http://schemas.microsoft.com/office/infopath/2007/PartnerControls"/>
+    <ds:schemaRef ds:uri="http://schemas.microsoft.com/office/2006/documentManagement/types"/>
+    <ds:schemaRef ds:uri="http://purl.org/dc/terms/"/>
+    <ds:schemaRef ds:uri="http://purl.org/dc/dcmitype/"/>
+    <ds:schemaRef ds:uri="http://purl.org/dc/elements/1.1/"/>
+    <ds:schemaRef ds:uri="http://schemas.microsoft.com/sharepoint/v3"/>
+    <ds:schemaRef ds:uri="71af3243-3dd4-4a8d-8c0d-dd76da1f02a5"/>
+    <ds:schemaRef ds:uri="230e9df3-be65-4c73-a93b-d1236ebd677e"/>
+    <ds:schemaRef ds:uri="16c05727-aa75-4e4a-9b5f-8a80a1165891"/>
+    <ds:schemaRef ds:uri="http://schemas.microsoft.com/office/2006/metadata/properties"/>
+    <ds:schemaRef ds:uri="http://www.w3.org/XML/1998/namespace"/>
+  </ds:schemaRefs>
+</ds:datastoreItem>
 </file>
 
-<file path=customXml/itemProps1.xml><?xml version="1.0" encoding="utf-8"?>
+<file path=customXml/itemProps3.xml><?xml version="1.0" encoding="utf-8"?>
 <ds:datastoreItem xmlns:ds="http://schemas.openxmlformats.org/officeDocument/2006/customXml" ds:itemID="{4E18436D-DA32-4E27-AC64-8FFEDA5218F9}">
   <ds:schemaRefs>
     <ds:schemaRef ds:uri="http://schemas.microsoft.com/office/2006/metadata/contentType"/>
@@ -38519,33 +38618,6 @@
 </ds:datastoreItem>
 </file>
 
-<file path=customXml/itemProps2.xml><?xml version="1.0" encoding="utf-8"?>
-<ds:datastoreItem xmlns:ds="http://schemas.openxmlformats.org/officeDocument/2006/customXml" ds:itemID="{6966C46A-DC57-4209-80CD-9FE6C93151FF}">
-  <ds:schemaRefs>
-    <ds:schemaRef ds:uri="http://schemas.microsoft.com/sharepoint/v3/contenttype/forms"/>
-  </ds:schemaRefs>
-</ds:datastoreItem>
-</file>
-
-<file path=customXml/itemProps3.xml><?xml version="1.0" encoding="utf-8"?>
-<ds:datastoreItem xmlns:ds="http://schemas.openxmlformats.org/officeDocument/2006/customXml" ds:itemID="{BEFFFA3F-0FB5-4ED3-8906-A15B16577F44}">
-  <ds:schemaRefs>
-    <ds:schemaRef ds:uri="http://schemas.openxmlformats.org/package/2006/metadata/core-properties"/>
-    <ds:schemaRef ds:uri="http://schemas.microsoft.com/office/infopath/2007/PartnerControls"/>
-    <ds:schemaRef ds:uri="http://schemas.microsoft.com/office/2006/documentManagement/types"/>
-    <ds:schemaRef ds:uri="http://purl.org/dc/terms/"/>
-    <ds:schemaRef ds:uri="http://purl.org/dc/dcmitype/"/>
-    <ds:schemaRef ds:uri="http://purl.org/dc/elements/1.1/"/>
-    <ds:schemaRef ds:uri="http://schemas.microsoft.com/sharepoint/v3"/>
-    <ds:schemaRef ds:uri="71af3243-3dd4-4a8d-8c0d-dd76da1f02a5"/>
-    <ds:schemaRef ds:uri="230e9df3-be65-4c73-a93b-d1236ebd677e"/>
-    <ds:schemaRef ds:uri="16c05727-aa75-4e4a-9b5f-8a80a1165891"/>
-    <ds:schemaRef ds:uri="http://schemas.microsoft.com/office/2006/metadata/properties"/>
-    <ds:schemaRef ds:uri="http://www.w3.org/XML/1998/namespace"/>
-  </ds:schemaRefs>
-</ds:datastoreItem>
-</file>
-
 <file path=docMetadata/LabelInfo.xml><?xml version="1.0" encoding="utf-8"?>
 <clbl:labelList xmlns:clbl="http://schemas.microsoft.com/office/2020/mipLabelMetadata"/>
 </file>